--- a/presentation/presentation.pptx
+++ b/presentation/presentation.pptx
@@ -7,25 +7,36 @@
   <p:sldIdLst>
     <p:sldId id="256" r:id="rId2"/>
     <p:sldId id="257" r:id="rId3"/>
-    <p:sldId id="258" r:id="rId4"/>
-    <p:sldId id="259" r:id="rId5"/>
-    <p:sldId id="260" r:id="rId6"/>
-    <p:sldId id="261" r:id="rId7"/>
-    <p:sldId id="263" r:id="rId8"/>
-    <p:sldId id="262" r:id="rId9"/>
-    <p:sldId id="264" r:id="rId10"/>
-    <p:sldId id="265" r:id="rId11"/>
-    <p:sldId id="275" r:id="rId12"/>
-    <p:sldId id="266" r:id="rId13"/>
-    <p:sldId id="267" r:id="rId14"/>
-    <p:sldId id="268" r:id="rId15"/>
-    <p:sldId id="269" r:id="rId16"/>
-    <p:sldId id="270" r:id="rId17"/>
-    <p:sldId id="271" r:id="rId18"/>
-    <p:sldId id="272" r:id="rId19"/>
-    <p:sldId id="274" r:id="rId20"/>
-    <p:sldId id="273" r:id="rId21"/>
-    <p:sldId id="276" r:id="rId22"/>
+    <p:sldId id="282" r:id="rId4"/>
+    <p:sldId id="283" r:id="rId5"/>
+    <p:sldId id="287" r:id="rId6"/>
+    <p:sldId id="284" r:id="rId7"/>
+    <p:sldId id="285" r:id="rId8"/>
+    <p:sldId id="286" r:id="rId9"/>
+    <p:sldId id="258" r:id="rId10"/>
+    <p:sldId id="259" r:id="rId11"/>
+    <p:sldId id="260" r:id="rId12"/>
+    <p:sldId id="261" r:id="rId13"/>
+    <p:sldId id="263" r:id="rId14"/>
+    <p:sldId id="262" r:id="rId15"/>
+    <p:sldId id="264" r:id="rId16"/>
+    <p:sldId id="265" r:id="rId17"/>
+    <p:sldId id="275" r:id="rId18"/>
+    <p:sldId id="266" r:id="rId19"/>
+    <p:sldId id="267" r:id="rId20"/>
+    <p:sldId id="268" r:id="rId21"/>
+    <p:sldId id="269" r:id="rId22"/>
+    <p:sldId id="270" r:id="rId23"/>
+    <p:sldId id="271" r:id="rId24"/>
+    <p:sldId id="272" r:id="rId25"/>
+    <p:sldId id="274" r:id="rId26"/>
+    <p:sldId id="273" r:id="rId27"/>
+    <p:sldId id="276" r:id="rId28"/>
+    <p:sldId id="277" r:id="rId29"/>
+    <p:sldId id="278" r:id="rId30"/>
+    <p:sldId id="279" r:id="rId31"/>
+    <p:sldId id="280" r:id="rId32"/>
+    <p:sldId id="281" r:id="rId33"/>
   </p:sldIdLst>
   <p:sldSz cx="12192000" cy="6858000"/>
   <p:notesSz cx="6858000" cy="9144000"/>
@@ -3950,7 +3961,7 @@
           <a:p>
             <a:r>
               <a:rPr lang="en-US" dirty="0" smtClean="0"/>
-              <a:t>Optimal number of replicas</a:t>
+              <a:t>Experiments setup</a:t>
             </a:r>
             <a:endParaRPr lang="en-US" dirty="0"/>
           </a:p>
@@ -3970,6 +3981,25 @@
         <p:txBody>
           <a:bodyPr/>
           <a:lstStyle/>
+          <a:p>
+            <a:pPr marL="0" indent="0">
+              <a:buNone/>
+            </a:pPr>
+            <a:r>
+              <a:rPr lang="en-US" dirty="0" smtClean="0"/>
+              <a:t>A cluster of 6 servers were used in the experiments.</a:t>
+            </a:r>
+            <a:endParaRPr lang="en-US" dirty="0"/>
+          </a:p>
+          <a:p>
+            <a:pPr marL="0" indent="0">
+              <a:buNone/>
+            </a:pPr>
+            <a:r>
+              <a:rPr lang="en-US" dirty="0" smtClean="0"/>
+              <a:t>Server specification:</a:t>
+            </a:r>
+          </a:p>
           <a:p>
             <a:pPr>
               <a:buFont typeface="Arial" charset="0"/>
@@ -3977,7 +4007,15 @@
             </a:pPr>
             <a:r>
               <a:rPr lang="en-US" dirty="0" smtClean="0"/>
-              <a:t>Two Calvin runtimes per server</a:t>
+              <a:t>Intel(R</a:t>
+            </a:r>
+            <a:r>
+              <a:rPr lang="en-US" dirty="0"/>
+              <a:t>) Xeon(R) CPU E5-2420 v2 of 2.20 </a:t>
+            </a:r>
+            <a:r>
+              <a:rPr lang="en-US" dirty="0" smtClean="0"/>
+              <a:t>GHz</a:t>
             </a:r>
           </a:p>
           <a:p>
@@ -3987,7 +4025,15 @@
             </a:pPr>
             <a:r>
               <a:rPr lang="en-US" dirty="0" smtClean="0"/>
-              <a:t>MTBFs varied</a:t>
+              <a:t>24 </a:t>
+            </a:r>
+            <a:r>
+              <a:rPr lang="en-US" dirty="0"/>
+              <a:t>GB </a:t>
+            </a:r>
+            <a:r>
+              <a:rPr lang="en-US" dirty="0" smtClean="0"/>
+              <a:t>RAM</a:t>
             </a:r>
           </a:p>
           <a:p>
@@ -3996,706 +4042,83 @@
               <a:buChar char="•"/>
             </a:pPr>
             <a:r>
+              <a:rPr lang="en-US" dirty="0" smtClean="0"/>
+              <a:t>Connected </a:t>
+            </a:r>
+            <a:r>
               <a:rPr lang="en-US" dirty="0"/>
-              <a:t>Required reliability: </a:t>
-            </a:r>
-            <a:r>
-              <a:rPr lang="en-US" dirty="0" smtClean="0"/>
-              <a:t>0.999</a:t>
-            </a:r>
-          </a:p>
-          <a:p>
-            <a:pPr>
-              <a:buFont typeface="Arial" charset="0"/>
-              <a:buChar char="•"/>
-            </a:pPr>
-            <a:r>
-              <a:rPr lang="en-US" dirty="0" smtClean="0"/>
-              <a:t>Time </a:t>
-            </a:r>
-            <a:r>
-              <a:rPr lang="en-US" i="1" dirty="0" smtClean="0"/>
-              <a:t>t</a:t>
-            </a:r>
-            <a:r>
-              <a:rPr lang="en-US" dirty="0" smtClean="0"/>
-              <a:t>: 530 </a:t>
-            </a:r>
-            <a:r>
-              <a:rPr lang="en-US" dirty="0" err="1" smtClean="0"/>
-              <a:t>ms</a:t>
+              <a:t>with a 1000 Mb/s link with a latency </a:t>
+            </a:r>
+            <a:r>
+              <a:rPr lang="en-US" dirty="0" smtClean="0"/>
+              <a:t>of</a:t>
+            </a:r>
+            <a:br>
+              <a:rPr lang="en-US" dirty="0" smtClean="0"/>
+            </a:br>
+            <a:r>
+              <a:rPr lang="en-US" dirty="0" smtClean="0"/>
+              <a:t>less </a:t>
+            </a:r>
+            <a:r>
+              <a:rPr lang="en-US" dirty="0"/>
+              <a:t>than 0.2 </a:t>
+            </a:r>
+            <a:r>
+              <a:rPr lang="en-US" dirty="0" err="1"/>
+              <a:t>ms.</a:t>
+            </a:r>
+            <a:r>
+              <a:rPr lang="en-US" dirty="0"/>
+              <a:t> </a:t>
             </a:r>
             <a:endParaRPr lang="en-US" dirty="0" smtClean="0"/>
           </a:p>
           <a:p>
-            <a:pPr>
-              <a:buFont typeface="Arial" charset="0"/>
-              <a:buChar char="•"/>
-            </a:pPr>
-            <a:r>
-              <a:rPr lang="en-US" dirty="0" smtClean="0"/>
-              <a:t>Reliability of nodes:</a:t>
-            </a:r>
-            <a:endParaRPr lang="en-US" dirty="0"/>
-          </a:p>
-        </p:txBody>
-      </p:sp>
-      <p:graphicFrame>
-        <p:nvGraphicFramePr>
-          <p:cNvPr id="5" name="Table 4"/>
-          <p:cNvGraphicFramePr>
-            <a:graphicFrameLocks noGrp="1"/>
-          </p:cNvGraphicFramePr>
-          <p:nvPr>
-            <p:extLst>
-              <p:ext uri="{D42A27DB-BD31-4B8C-83A1-F6EECF244321}">
-                <p14:modId xmlns:p14="http://schemas.microsoft.com/office/powerpoint/2010/main" val="1480888777"/>
-              </p:ext>
-            </p:extLst>
-          </p:nvPr>
-        </p:nvGraphicFramePr>
-        <p:xfrm>
-          <a:off x="1097280" y="4058297"/>
-          <a:ext cx="4706471" cy="1510554"/>
-        </p:xfrm>
-        <a:graphic>
-          <a:graphicData uri="http://schemas.openxmlformats.org/drawingml/2006/table">
-            <a:tbl>
-              <a:tblPr firstRow="1" bandRow="1">
-                <a:tableStyleId>{2D5ABB26-0587-4C30-8999-92F81FD0307C}</a:tableStyleId>
-              </a:tblPr>
-              <a:tblGrid>
-                <a:gridCol w="745005"/>
-                <a:gridCol w="3961466"/>
-              </a:tblGrid>
-              <a:tr h="398034">
-                <a:tc>
-                  <a:txBody>
-                    <a:bodyPr/>
-                    <a:lstStyle/>
-                    <a:p>
-                      <a:r>
-                        <a:rPr lang="en-US" b="1" dirty="0" smtClean="0"/>
-                        <a:t>MTBF</a:t>
-                      </a:r>
-                      <a:endParaRPr lang="en-US" b="1" dirty="0"/>
-                    </a:p>
-                  </a:txBody>
-                  <a:tcPr/>
-                </a:tc>
-                <a:tc>
-                  <a:txBody>
-                    <a:bodyPr/>
-                    <a:lstStyle/>
-                    <a:p>
-                      <a:r>
-                        <a:rPr lang="en-US" b="1" dirty="0" smtClean="0"/>
-                        <a:t>Reliability</a:t>
-                      </a:r>
-                      <a:endParaRPr lang="en-US" b="1" dirty="0"/>
-                    </a:p>
-                  </a:txBody>
-                  <a:tcPr/>
-                </a:tc>
-              </a:tr>
-              <a:tr h="370840">
-                <a:tc>
-                  <a:txBody>
-                    <a:bodyPr/>
-                    <a:lstStyle/>
-                    <a:p>
-                      <a:r>
-                        <a:rPr lang="en-US" dirty="0" smtClean="0"/>
-                        <a:t>7.5</a:t>
-                      </a:r>
-                      <a:endParaRPr lang="en-US" dirty="0"/>
-                    </a:p>
-                  </a:txBody>
-                  <a:tcPr/>
-                </a:tc>
-                <a:tc>
-                  <a:txBody>
-                    <a:bodyPr/>
-                    <a:lstStyle/>
-                    <a:p>
-                      <a:pPr>
-                        <a:buFont typeface="Arial" charset="0"/>
-                        <a:buNone/>
-                      </a:pPr>
-                      <a:r>
-                        <a:rPr lang="en-US" dirty="0" smtClean="0"/>
-                        <a:t>R(t) = e</a:t>
-                      </a:r>
-                      <a:r>
-                        <a:rPr lang="en-US" baseline="30000" dirty="0" smtClean="0"/>
-                        <a:t>-t/MTBF</a:t>
-                      </a:r>
-                      <a:r>
-                        <a:rPr lang="en-US" dirty="0" smtClean="0"/>
-                        <a:t> = e</a:t>
-                      </a:r>
-                      <a:r>
-                        <a:rPr lang="en-US" baseline="30000" dirty="0" smtClean="0"/>
-                        <a:t>-530/20000</a:t>
-                      </a:r>
-                      <a:r>
-                        <a:rPr lang="en-US" dirty="0" smtClean="0"/>
-                        <a:t> = </a:t>
-                      </a:r>
-                      <a:r>
-                        <a:rPr lang="nb-NO" dirty="0" smtClean="0"/>
-                        <a:t>0.93551</a:t>
-                      </a:r>
-                      <a:endParaRPr lang="en-US" dirty="0" smtClean="0"/>
-                    </a:p>
-                  </a:txBody>
-                  <a:tcPr/>
-                </a:tc>
-              </a:tr>
-              <a:tr h="370840">
-                <a:tc>
-                  <a:txBody>
-                    <a:bodyPr/>
-                    <a:lstStyle/>
-                    <a:p>
-                      <a:r>
-                        <a:rPr lang="en-US" dirty="0" smtClean="0"/>
-                        <a:t>15</a:t>
-                      </a:r>
-                      <a:endParaRPr lang="en-US" dirty="0"/>
-                    </a:p>
-                  </a:txBody>
-                  <a:tcPr/>
-                </a:tc>
-                <a:tc>
-                  <a:txBody>
-                    <a:bodyPr/>
-                    <a:lstStyle/>
-                    <a:p>
-                      <a:pPr marL="0" marR="0" indent="0" algn="l" defTabSz="914400" rtl="0" eaLnBrk="1" fontAlgn="auto" latinLnBrk="0" hangingPunct="1">
-                        <a:lnSpc>
-                          <a:spcPct val="100000"/>
-                        </a:lnSpc>
-                        <a:spcBef>
-                          <a:spcPts val="0"/>
-                        </a:spcBef>
-                        <a:spcAft>
-                          <a:spcPts val="0"/>
-                        </a:spcAft>
-                        <a:buClrTx/>
-                        <a:buSzTx/>
-                        <a:buFontTx/>
-                        <a:buNone/>
-                        <a:tabLst/>
-                        <a:defRPr/>
-                      </a:pPr>
-                      <a:r>
-                        <a:rPr lang="en-US" dirty="0" smtClean="0"/>
-                        <a:t>R(t) = e</a:t>
-                      </a:r>
-                      <a:r>
-                        <a:rPr lang="en-US" baseline="30000" dirty="0" smtClean="0"/>
-                        <a:t>-t/MTBF</a:t>
-                      </a:r>
-                      <a:r>
-                        <a:rPr lang="en-US" dirty="0" smtClean="0"/>
-                        <a:t> = e</a:t>
-                      </a:r>
-                      <a:r>
-                        <a:rPr lang="en-US" baseline="30000" dirty="0" smtClean="0"/>
-                        <a:t>-530/20000</a:t>
-                      </a:r>
-                      <a:r>
-                        <a:rPr lang="en-US" dirty="0" smtClean="0"/>
-                        <a:t> = </a:t>
-                      </a:r>
-                      <a:r>
-                        <a:rPr lang="nb-NO" dirty="0" smtClean="0"/>
-                        <a:t>0.96722</a:t>
-                      </a:r>
-                      <a:endParaRPr lang="en-US" b="1" baseline="30000" dirty="0" smtClean="0"/>
-                    </a:p>
-                  </a:txBody>
-                  <a:tcPr/>
-                </a:tc>
-              </a:tr>
-              <a:tr h="370840">
-                <a:tc>
-                  <a:txBody>
-                    <a:bodyPr/>
-                    <a:lstStyle/>
-                    <a:p>
-                      <a:r>
-                        <a:rPr lang="en-US" dirty="0" smtClean="0"/>
-                        <a:t>40</a:t>
-                      </a:r>
-                      <a:endParaRPr lang="en-US" dirty="0"/>
-                    </a:p>
-                  </a:txBody>
-                  <a:tcPr/>
-                </a:tc>
-                <a:tc>
-                  <a:txBody>
-                    <a:bodyPr/>
-                    <a:lstStyle/>
-                    <a:p>
-                      <a:pPr marL="0" marR="0" indent="0" algn="l" defTabSz="914400" rtl="0" eaLnBrk="1" fontAlgn="auto" latinLnBrk="0" hangingPunct="1">
-                        <a:lnSpc>
-                          <a:spcPct val="100000"/>
-                        </a:lnSpc>
-                        <a:spcBef>
-                          <a:spcPts val="0"/>
-                        </a:spcBef>
-                        <a:spcAft>
-                          <a:spcPts val="0"/>
-                        </a:spcAft>
-                        <a:buClrTx/>
-                        <a:buSzTx/>
-                        <a:buFontTx/>
-                        <a:buNone/>
-                        <a:tabLst/>
-                        <a:defRPr/>
-                      </a:pPr>
-                      <a:r>
-                        <a:rPr lang="en-US" dirty="0" smtClean="0"/>
-                        <a:t>R(t) = e</a:t>
-                      </a:r>
-                      <a:r>
-                        <a:rPr lang="en-US" baseline="30000" dirty="0" smtClean="0"/>
-                        <a:t>-t/MTBF</a:t>
-                      </a:r>
-                      <a:r>
-                        <a:rPr lang="en-US" dirty="0" smtClean="0"/>
-                        <a:t> = e</a:t>
-                      </a:r>
-                      <a:r>
-                        <a:rPr lang="en-US" baseline="30000" dirty="0" smtClean="0"/>
-                        <a:t>-530/20000</a:t>
-                      </a:r>
-                      <a:r>
-                        <a:rPr lang="en-US" dirty="0" smtClean="0"/>
-                        <a:t> = </a:t>
-                      </a:r>
-                      <a:r>
-                        <a:rPr lang="fi-FI" dirty="0" smtClean="0"/>
-                        <a:t>0.98758</a:t>
-                      </a:r>
-                      <a:endParaRPr lang="en-US" baseline="30000" dirty="0" smtClean="0"/>
-                    </a:p>
-                  </a:txBody>
-                  <a:tcPr/>
-                </a:tc>
-              </a:tr>
-            </a:tbl>
-          </a:graphicData>
-        </a:graphic>
-      </p:graphicFrame>
-      <p:graphicFrame>
-        <p:nvGraphicFramePr>
-          <p:cNvPr id="4" name="Table 3"/>
-          <p:cNvGraphicFramePr>
-            <a:graphicFrameLocks noGrp="1"/>
-          </p:cNvGraphicFramePr>
-          <p:nvPr>
-            <p:extLst>
-              <p:ext uri="{D42A27DB-BD31-4B8C-83A1-F6EECF244321}">
-                <p14:modId xmlns:p14="http://schemas.microsoft.com/office/powerpoint/2010/main" val="85816186"/>
-              </p:ext>
-            </p:extLst>
-          </p:nvPr>
-        </p:nvGraphicFramePr>
-        <p:xfrm>
-          <a:off x="7808857" y="1817794"/>
-          <a:ext cx="3572734" cy="4079240"/>
-        </p:xfrm>
-        <a:graphic>
-          <a:graphicData uri="http://schemas.openxmlformats.org/drawingml/2006/table">
-            <a:tbl>
-              <a:tblPr firstRow="1" bandRow="1">
-                <a:tableStyleId>{2D5ABB26-0587-4C30-8999-92F81FD0307C}</a:tableStyleId>
-              </a:tblPr>
-              <a:tblGrid>
-                <a:gridCol w="1786367"/>
-                <a:gridCol w="1786367"/>
-              </a:tblGrid>
-              <a:tr h="370840">
-                <a:tc>
-                  <a:txBody>
-                    <a:bodyPr/>
-                    <a:lstStyle/>
-                    <a:p>
-                      <a:r>
-                        <a:rPr lang="en-US" b="1" dirty="0" smtClean="0"/>
-                        <a:t>Runtime</a:t>
-                      </a:r>
-                      <a:endParaRPr lang="en-US" b="1" dirty="0"/>
-                    </a:p>
-                  </a:txBody>
-                  <a:tcPr/>
-                </a:tc>
-                <a:tc>
-                  <a:txBody>
-                    <a:bodyPr/>
-                    <a:lstStyle/>
-                    <a:p>
-                      <a:r>
-                        <a:rPr lang="en-US" b="1" dirty="0" smtClean="0"/>
-                        <a:t>MTBF (s)</a:t>
-                      </a:r>
-                      <a:endParaRPr lang="en-US" b="1" dirty="0"/>
-                    </a:p>
-                  </a:txBody>
-                  <a:tcPr/>
-                </a:tc>
-              </a:tr>
-              <a:tr h="370840">
-                <a:tc>
-                  <a:txBody>
-                    <a:bodyPr/>
-                    <a:lstStyle/>
-                    <a:p>
-                      <a:r>
-                        <a:rPr lang="en-US" dirty="0" smtClean="0"/>
-                        <a:t>dave</a:t>
-                      </a:r>
-                      <a:r>
-                        <a:rPr lang="en-US" baseline="-25000" dirty="0" smtClean="0"/>
-                        <a:t>1</a:t>
-                      </a:r>
-                      <a:endParaRPr lang="en-US" baseline="-25000" dirty="0"/>
-                    </a:p>
-                  </a:txBody>
-                  <a:tcPr/>
-                </a:tc>
-                <a:tc>
-                  <a:txBody>
-                    <a:bodyPr/>
-                    <a:lstStyle/>
-                    <a:p>
-                      <a:r>
-                        <a:rPr lang="en-US" dirty="0" smtClean="0"/>
-                        <a:t>7.5</a:t>
-                      </a:r>
-                      <a:endParaRPr lang="en-US" dirty="0"/>
-                    </a:p>
-                  </a:txBody>
-                  <a:tcPr/>
-                </a:tc>
-              </a:tr>
-              <a:tr h="370840">
-                <a:tc>
-                  <a:txBody>
-                    <a:bodyPr/>
-                    <a:lstStyle/>
-                    <a:p>
-                      <a:r>
-                        <a:rPr lang="en-US" dirty="0" smtClean="0"/>
-                        <a:t>dave</a:t>
-                      </a:r>
-                      <a:r>
-                        <a:rPr lang="en-US" baseline="-25000" dirty="0" smtClean="0"/>
-                        <a:t>2</a:t>
-                      </a:r>
-                      <a:endParaRPr lang="en-US" dirty="0"/>
-                    </a:p>
-                  </a:txBody>
-                  <a:tcPr/>
-                </a:tc>
-                <a:tc>
-                  <a:txBody>
-                    <a:bodyPr/>
-                    <a:lstStyle/>
-                    <a:p>
-                      <a:r>
-                        <a:rPr lang="en-US" dirty="0" smtClean="0"/>
-                        <a:t>7.5</a:t>
-                      </a:r>
-                      <a:endParaRPr lang="en-US" dirty="0"/>
-                    </a:p>
-                  </a:txBody>
-                  <a:tcPr/>
-                </a:tc>
-              </a:tr>
-              <a:tr h="370840">
-                <a:tc>
-                  <a:txBody>
-                    <a:bodyPr/>
-                    <a:lstStyle/>
-                    <a:p>
-                      <a:r>
-                        <a:rPr lang="en-US" dirty="0" smtClean="0"/>
-                        <a:t>tim</a:t>
-                      </a:r>
-                      <a:r>
-                        <a:rPr lang="en-US" baseline="-25000" dirty="0" smtClean="0"/>
-                        <a:t>1</a:t>
-                      </a:r>
-                      <a:endParaRPr lang="en-US" dirty="0"/>
-                    </a:p>
-                  </a:txBody>
-                  <a:tcPr/>
-                </a:tc>
-                <a:tc>
-                  <a:txBody>
-                    <a:bodyPr/>
-                    <a:lstStyle/>
-                    <a:p>
-                      <a:r>
-                        <a:rPr lang="en-US" dirty="0" smtClean="0"/>
-                        <a:t>7.5</a:t>
-                      </a:r>
-                      <a:endParaRPr lang="en-US" dirty="0"/>
-                    </a:p>
-                  </a:txBody>
-                  <a:tcPr/>
-                </a:tc>
-              </a:tr>
-              <a:tr h="370840">
-                <a:tc>
-                  <a:txBody>
-                    <a:bodyPr/>
-                    <a:lstStyle/>
-                    <a:p>
-                      <a:r>
-                        <a:rPr lang="en-US" dirty="0" smtClean="0"/>
-                        <a:t>tim</a:t>
-                      </a:r>
-                      <a:r>
-                        <a:rPr lang="en-US" baseline="-25000" dirty="0" smtClean="0"/>
-                        <a:t>2</a:t>
-                      </a:r>
-                      <a:endParaRPr lang="en-US" dirty="0"/>
-                    </a:p>
-                  </a:txBody>
-                  <a:tcPr/>
-                </a:tc>
-                <a:tc>
-                  <a:txBody>
-                    <a:bodyPr/>
-                    <a:lstStyle/>
-                    <a:p>
-                      <a:r>
-                        <a:rPr lang="en-US" dirty="0" smtClean="0"/>
-                        <a:t>7.5</a:t>
-                      </a:r>
-                      <a:endParaRPr lang="en-US" dirty="0"/>
-                    </a:p>
-                  </a:txBody>
-                  <a:tcPr/>
-                </a:tc>
-              </a:tr>
-              <a:tr h="370840">
-                <a:tc>
-                  <a:txBody>
-                    <a:bodyPr/>
-                    <a:lstStyle/>
-                    <a:p>
-                      <a:r>
-                        <a:rPr lang="en-US" dirty="0" smtClean="0"/>
-                        <a:t>kevin</a:t>
-                      </a:r>
-                      <a:r>
-                        <a:rPr lang="en-US" baseline="-25000" dirty="0" smtClean="0"/>
-                        <a:t>1</a:t>
-                      </a:r>
-                      <a:endParaRPr lang="en-US" dirty="0"/>
-                    </a:p>
-                  </a:txBody>
-                  <a:tcPr/>
-                </a:tc>
-                <a:tc>
-                  <a:txBody>
-                    <a:bodyPr/>
-                    <a:lstStyle/>
-                    <a:p>
-                      <a:r>
-                        <a:rPr lang="en-US" dirty="0" smtClean="0"/>
-                        <a:t>15</a:t>
-                      </a:r>
-                      <a:endParaRPr lang="en-US" dirty="0"/>
-                    </a:p>
-                  </a:txBody>
-                  <a:tcPr/>
-                </a:tc>
-              </a:tr>
-              <a:tr h="370840">
-                <a:tc>
-                  <a:txBody>
-                    <a:bodyPr/>
-                    <a:lstStyle/>
-                    <a:p>
-                      <a:r>
-                        <a:rPr lang="en-US" dirty="0" smtClean="0"/>
-                        <a:t>kevin</a:t>
-                      </a:r>
-                      <a:r>
-                        <a:rPr lang="en-US" baseline="-25000" dirty="0" smtClean="0"/>
-                        <a:t>2</a:t>
-                      </a:r>
-                      <a:endParaRPr lang="en-US" dirty="0"/>
-                    </a:p>
-                  </a:txBody>
-                  <a:tcPr/>
-                </a:tc>
-                <a:tc>
-                  <a:txBody>
-                    <a:bodyPr/>
-                    <a:lstStyle/>
-                    <a:p>
-                      <a:r>
-                        <a:rPr lang="en-US" dirty="0" smtClean="0"/>
-                        <a:t>15</a:t>
-                      </a:r>
-                      <a:endParaRPr lang="en-US" dirty="0"/>
-                    </a:p>
-                  </a:txBody>
-                  <a:tcPr/>
-                </a:tc>
-              </a:tr>
-              <a:tr h="370840">
-                <a:tc>
-                  <a:txBody>
-                    <a:bodyPr/>
-                    <a:lstStyle/>
-                    <a:p>
-                      <a:r>
-                        <a:rPr lang="en-US" dirty="0" smtClean="0"/>
-                        <a:t>mark</a:t>
-                      </a:r>
-                      <a:r>
-                        <a:rPr lang="en-US" baseline="-25000" dirty="0" smtClean="0"/>
-                        <a:t>1</a:t>
-                      </a:r>
-                      <a:endParaRPr lang="en-US" dirty="0"/>
-                    </a:p>
-                  </a:txBody>
-                  <a:tcPr/>
-                </a:tc>
-                <a:tc>
-                  <a:txBody>
-                    <a:bodyPr/>
-                    <a:lstStyle/>
-                    <a:p>
-                      <a:r>
-                        <a:rPr lang="en-US" dirty="0" smtClean="0"/>
-                        <a:t>15</a:t>
-                      </a:r>
-                      <a:endParaRPr lang="en-US" dirty="0"/>
-                    </a:p>
-                  </a:txBody>
-                  <a:tcPr/>
-                </a:tc>
-              </a:tr>
-              <a:tr h="370840">
-                <a:tc>
-                  <a:txBody>
-                    <a:bodyPr/>
-                    <a:lstStyle/>
-                    <a:p>
-                      <a:r>
-                        <a:rPr lang="en-US" dirty="0" smtClean="0"/>
-                        <a:t>mark</a:t>
-                      </a:r>
-                      <a:r>
-                        <a:rPr lang="en-US" baseline="-25000" dirty="0" smtClean="0"/>
-                        <a:t>2</a:t>
-                      </a:r>
-                      <a:endParaRPr lang="en-US" dirty="0"/>
-                    </a:p>
-                  </a:txBody>
-                  <a:tcPr/>
-                </a:tc>
-                <a:tc>
-                  <a:txBody>
-                    <a:bodyPr/>
-                    <a:lstStyle/>
-                    <a:p>
-                      <a:r>
-                        <a:rPr lang="en-US" dirty="0" smtClean="0"/>
-                        <a:t>40</a:t>
-                      </a:r>
-                      <a:endParaRPr lang="en-US" dirty="0"/>
-                    </a:p>
-                  </a:txBody>
-                  <a:tcPr/>
-                </a:tc>
-              </a:tr>
-              <a:tr h="370840">
-                <a:tc>
-                  <a:txBody>
-                    <a:bodyPr/>
-                    <a:lstStyle/>
-                    <a:p>
-                      <a:r>
-                        <a:rPr lang="en-US" dirty="0" smtClean="0"/>
-                        <a:t>jerry</a:t>
-                      </a:r>
-                      <a:r>
-                        <a:rPr lang="en-US" baseline="-25000" dirty="0" smtClean="0"/>
-                        <a:t>1</a:t>
-                      </a:r>
-                      <a:endParaRPr lang="en-US" dirty="0"/>
-                    </a:p>
-                  </a:txBody>
-                  <a:tcPr/>
-                </a:tc>
-                <a:tc>
-                  <a:txBody>
-                    <a:bodyPr/>
-                    <a:lstStyle/>
-                    <a:p>
-                      <a:r>
-                        <a:rPr lang="en-US" dirty="0" smtClean="0"/>
-                        <a:t>40</a:t>
-                      </a:r>
-                      <a:endParaRPr lang="en-US" dirty="0"/>
-                    </a:p>
-                  </a:txBody>
-                  <a:tcPr/>
-                </a:tc>
-              </a:tr>
-              <a:tr h="370840">
-                <a:tc>
-                  <a:txBody>
-                    <a:bodyPr/>
-                    <a:lstStyle/>
-                    <a:p>
-                      <a:r>
-                        <a:rPr lang="en-US" dirty="0" smtClean="0"/>
-                        <a:t>jerry</a:t>
-                      </a:r>
-                      <a:r>
-                        <a:rPr lang="en-US" baseline="-25000" dirty="0" smtClean="0"/>
-                        <a:t>2</a:t>
-                      </a:r>
-                      <a:endParaRPr lang="en-US" dirty="0"/>
-                    </a:p>
-                  </a:txBody>
-                  <a:tcPr/>
-                </a:tc>
-                <a:tc>
-                  <a:txBody>
-                    <a:bodyPr/>
-                    <a:lstStyle/>
-                    <a:p>
-                      <a:r>
-                        <a:rPr lang="en-US" dirty="0" smtClean="0"/>
-                        <a:t>40</a:t>
-                      </a:r>
-                      <a:endParaRPr lang="en-US" dirty="0"/>
-                    </a:p>
-                  </a:txBody>
-                  <a:tcPr/>
-                </a:tc>
-              </a:tr>
-            </a:tbl>
-          </a:graphicData>
-        </a:graphic>
-      </p:graphicFrame>
+            <a:endParaRPr lang="en-US" dirty="0"/>
+          </a:p>
+          <a:p>
+            <a:endParaRPr lang="en-US" dirty="0"/>
+          </a:p>
+          <a:p>
+            <a:endParaRPr lang="en-US" dirty="0"/>
+          </a:p>
+        </p:txBody>
+      </p:sp>
+      <p:pic>
+        <p:nvPicPr>
+          <p:cNvPr id="9" name="Picture 8"/>
+          <p:cNvPicPr>
+            <a:picLocks noChangeAspect="1"/>
+          </p:cNvPicPr>
+          <p:nvPr/>
+        </p:nvPicPr>
+        <p:blipFill>
+          <a:blip r:embed="rId2">
+            <a:extLst>
+              <a:ext uri="{28A0092B-C50C-407E-A947-70E740481C1C}">
+                <a14:useLocalDpi xmlns:a14="http://schemas.microsoft.com/office/drawing/2010/main" val="0"/>
+              </a:ext>
+            </a:extLst>
+          </a:blip>
+          <a:stretch>
+            <a:fillRect/>
+          </a:stretch>
+        </p:blipFill>
+        <p:spPr>
+          <a:xfrm>
+            <a:off x="6624768" y="2085764"/>
+            <a:ext cx="4902200" cy="3543300"/>
+          </a:xfrm>
+          <a:prstGeom prst="rect">
+            <a:avLst/>
+          </a:prstGeom>
+        </p:spPr>
+      </p:pic>
     </p:spTree>
     <p:extLst>
       <p:ext uri="{BB962C8B-B14F-4D97-AF65-F5344CB8AC3E}">
-        <p14:creationId xmlns:p14="http://schemas.microsoft.com/office/powerpoint/2010/main" val="962439253"/>
+        <p14:creationId xmlns:p14="http://schemas.microsoft.com/office/powerpoint/2010/main" val="1495264214"/>
       </p:ext>
     </p:extLst>
   </p:cSld>
@@ -4746,7 +4169,360 @@
           <a:p>
             <a:r>
               <a:rPr lang="en-US" dirty="0" smtClean="0"/>
-              <a:t>Removing unnecessary replicas cont’d.</a:t>
+              <a:t>Application used in experiments</a:t>
+            </a:r>
+            <a:endParaRPr lang="en-US" dirty="0"/>
+          </a:p>
+        </p:txBody>
+      </p:sp>
+      <p:sp>
+        <p:nvSpPr>
+          <p:cNvPr id="3" name="Content Placeholder 2"/>
+          <p:cNvSpPr>
+            <a:spLocks noGrp="1"/>
+          </p:cNvSpPr>
+          <p:nvPr>
+            <p:ph idx="1"/>
+          </p:nvPr>
+        </p:nvSpPr>
+        <p:spPr/>
+        <p:txBody>
+          <a:bodyPr/>
+          <a:lstStyle/>
+          <a:p>
+            <a:r>
+              <a:rPr lang="en-US" dirty="0" smtClean="0"/>
+              <a:t>The application used in the experiment consisted of three actors, a producer, </a:t>
+            </a:r>
+            <a:r>
+              <a:rPr lang="en-US" i="1" dirty="0" smtClean="0"/>
+              <a:t>service actor</a:t>
+            </a:r>
+            <a:r>
+              <a:rPr lang="en-US" dirty="0" smtClean="0"/>
+              <a:t>, and a consumer.</a:t>
+            </a:r>
+          </a:p>
+          <a:p>
+            <a:endParaRPr lang="en-US" dirty="0" smtClean="0"/>
+          </a:p>
+          <a:p>
+            <a:endParaRPr lang="en-US" dirty="0"/>
+          </a:p>
+        </p:txBody>
+      </p:sp>
+      <p:pic>
+        <p:nvPicPr>
+          <p:cNvPr id="4" name="Picture 3"/>
+          <p:cNvPicPr>
+            <a:picLocks noChangeAspect="1"/>
+          </p:cNvPicPr>
+          <p:nvPr/>
+        </p:nvPicPr>
+        <p:blipFill>
+          <a:blip r:embed="rId2">
+            <a:extLst>
+              <a:ext uri="{28A0092B-C50C-407E-A947-70E740481C1C}">
+                <a14:useLocalDpi xmlns:a14="http://schemas.microsoft.com/office/drawing/2010/main" val="0"/>
+              </a:ext>
+            </a:extLst>
+          </a:blip>
+          <a:stretch>
+            <a:fillRect/>
+          </a:stretch>
+        </p:blipFill>
+        <p:spPr>
+          <a:xfrm>
+            <a:off x="2481580" y="3273214"/>
+            <a:ext cx="7289800" cy="1168400"/>
+          </a:xfrm>
+          <a:prstGeom prst="rect">
+            <a:avLst/>
+          </a:prstGeom>
+        </p:spPr>
+      </p:pic>
+    </p:spTree>
+    <p:extLst>
+      <p:ext uri="{BB962C8B-B14F-4D97-AF65-F5344CB8AC3E}">
+        <p14:creationId xmlns:p14="http://schemas.microsoft.com/office/powerpoint/2010/main" val="1803437383"/>
+      </p:ext>
+    </p:extLst>
+  </p:cSld>
+  <p:clrMapOvr>
+    <a:masterClrMapping/>
+  </p:clrMapOvr>
+  <p:timing>
+    <p:tnLst>
+      <p:par>
+        <p:cTn id="1" dur="indefinite" restart="never" nodeType="tmRoot"/>
+      </p:par>
+    </p:tnLst>
+  </p:timing>
+</p:sld>
+</file>
+
+<file path=ppt/slides/slide12.xml><?xml version="1.0" encoding="utf-8"?>
+<p:sld xmlns:a="http://schemas.openxmlformats.org/drawingml/2006/main" xmlns:r="http://schemas.openxmlformats.org/officeDocument/2006/relationships" xmlns:p="http://schemas.openxmlformats.org/presentationml/2006/main">
+  <p:cSld>
+    <p:spTree>
+      <p:nvGrpSpPr>
+        <p:cNvPr id="1" name=""/>
+        <p:cNvGrpSpPr/>
+        <p:nvPr/>
+      </p:nvGrpSpPr>
+      <p:grpSpPr>
+        <a:xfrm>
+          <a:off x="0" y="0"/>
+          <a:ext cx="0" cy="0"/>
+          <a:chOff x="0" y="0"/>
+          <a:chExt cx="0" cy="0"/>
+        </a:xfrm>
+      </p:grpSpPr>
+      <p:sp>
+        <p:nvSpPr>
+          <p:cNvPr id="2" name="Title 1"/>
+          <p:cNvSpPr>
+            <a:spLocks noGrp="1"/>
+          </p:cNvSpPr>
+          <p:nvPr>
+            <p:ph type="title"/>
+          </p:nvPr>
+        </p:nvSpPr>
+        <p:spPr/>
+        <p:txBody>
+          <a:bodyPr/>
+          <a:lstStyle/>
+          <a:p>
+            <a:r>
+              <a:rPr lang="en-US" dirty="0" smtClean="0"/>
+              <a:t>Application used in experiments cont’d.</a:t>
+            </a:r>
+            <a:endParaRPr lang="en-US" dirty="0"/>
+          </a:p>
+        </p:txBody>
+      </p:sp>
+      <p:sp>
+        <p:nvSpPr>
+          <p:cNvPr id="3" name="Content Placeholder 2"/>
+          <p:cNvSpPr>
+            <a:spLocks noGrp="1"/>
+          </p:cNvSpPr>
+          <p:nvPr>
+            <p:ph idx="1"/>
+          </p:nvPr>
+        </p:nvSpPr>
+        <p:spPr/>
+        <p:txBody>
+          <a:bodyPr/>
+          <a:lstStyle/>
+          <a:p>
+            <a:endParaRPr lang="en-US" dirty="0" smtClean="0"/>
+          </a:p>
+          <a:p>
+            <a:endParaRPr lang="en-US" dirty="0"/>
+          </a:p>
+        </p:txBody>
+      </p:sp>
+      <p:pic>
+        <p:nvPicPr>
+          <p:cNvPr id="6" name="Picture 5"/>
+          <p:cNvPicPr>
+            <a:picLocks noChangeAspect="1"/>
+          </p:cNvPicPr>
+          <p:nvPr/>
+        </p:nvPicPr>
+        <p:blipFill>
+          <a:blip r:embed="rId2">
+            <a:extLst>
+              <a:ext uri="{28A0092B-C50C-407E-A947-70E740481C1C}">
+                <a14:useLocalDpi xmlns:a14="http://schemas.microsoft.com/office/drawing/2010/main" val="0"/>
+              </a:ext>
+            </a:extLst>
+          </a:blip>
+          <a:stretch>
+            <a:fillRect/>
+          </a:stretch>
+        </p:blipFill>
+        <p:spPr>
+          <a:xfrm>
+            <a:off x="3332093" y="1845734"/>
+            <a:ext cx="5588774" cy="4066540"/>
+          </a:xfrm>
+          <a:prstGeom prst="rect">
+            <a:avLst/>
+          </a:prstGeom>
+        </p:spPr>
+      </p:pic>
+    </p:spTree>
+    <p:extLst>
+      <p:ext uri="{BB962C8B-B14F-4D97-AF65-F5344CB8AC3E}">
+        <p14:creationId xmlns:p14="http://schemas.microsoft.com/office/powerpoint/2010/main" val="810079635"/>
+      </p:ext>
+    </p:extLst>
+  </p:cSld>
+  <p:clrMapOvr>
+    <a:masterClrMapping/>
+  </p:clrMapOvr>
+  <p:timing>
+    <p:tnLst>
+      <p:par>
+        <p:cTn id="1" dur="indefinite" restart="never" nodeType="tmRoot"/>
+      </p:par>
+    </p:tnLst>
+  </p:timing>
+</p:sld>
+</file>
+
+<file path=ppt/slides/slide13.xml><?xml version="1.0" encoding="utf-8"?>
+<p:sld xmlns:a="http://schemas.openxmlformats.org/drawingml/2006/main" xmlns:r="http://schemas.openxmlformats.org/officeDocument/2006/relationships" xmlns:p="http://schemas.openxmlformats.org/presentationml/2006/main">
+  <p:cSld>
+    <p:spTree>
+      <p:nvGrpSpPr>
+        <p:cNvPr id="1" name=""/>
+        <p:cNvGrpSpPr/>
+        <p:nvPr/>
+      </p:nvGrpSpPr>
+      <p:grpSpPr>
+        <a:xfrm>
+          <a:off x="0" y="0"/>
+          <a:ext cx="0" cy="0"/>
+          <a:chOff x="0" y="0"/>
+          <a:chExt cx="0" cy="0"/>
+        </a:xfrm>
+      </p:grpSpPr>
+      <p:sp>
+        <p:nvSpPr>
+          <p:cNvPr id="2" name="Title 1"/>
+          <p:cNvSpPr>
+            <a:spLocks noGrp="1"/>
+          </p:cNvSpPr>
+          <p:nvPr>
+            <p:ph type="title"/>
+          </p:nvPr>
+        </p:nvSpPr>
+        <p:spPr/>
+        <p:txBody>
+          <a:bodyPr/>
+          <a:lstStyle/>
+          <a:p>
+            <a:r>
+              <a:rPr lang="en-US" dirty="0" smtClean="0"/>
+              <a:t>Simulating node failures</a:t>
+            </a:r>
+            <a:endParaRPr lang="en-US" dirty="0"/>
+          </a:p>
+        </p:txBody>
+      </p:sp>
+      <p:sp>
+        <p:nvSpPr>
+          <p:cNvPr id="3" name="Content Placeholder 2"/>
+          <p:cNvSpPr>
+            <a:spLocks noGrp="1"/>
+          </p:cNvSpPr>
+          <p:nvPr>
+            <p:ph idx="1"/>
+          </p:nvPr>
+        </p:nvSpPr>
+        <p:spPr/>
+        <p:txBody>
+          <a:bodyPr/>
+          <a:lstStyle/>
+          <a:p>
+            <a:endParaRPr lang="en-US" dirty="0"/>
+          </a:p>
+          <a:p>
+            <a:endParaRPr lang="en-US" dirty="0" smtClean="0"/>
+          </a:p>
+          <a:p>
+            <a:endParaRPr lang="en-US" dirty="0"/>
+          </a:p>
+        </p:txBody>
+      </p:sp>
+      <p:pic>
+        <p:nvPicPr>
+          <p:cNvPr id="5" name="Picture 4"/>
+          <p:cNvPicPr>
+            <a:picLocks noChangeAspect="1"/>
+          </p:cNvPicPr>
+          <p:nvPr/>
+        </p:nvPicPr>
+        <p:blipFill>
+          <a:blip r:embed="rId2">
+            <a:extLst>
+              <a:ext uri="{28A0092B-C50C-407E-A947-70E740481C1C}">
+                <a14:useLocalDpi xmlns:a14="http://schemas.microsoft.com/office/drawing/2010/main" val="0"/>
+              </a:ext>
+            </a:extLst>
+          </a:blip>
+          <a:stretch>
+            <a:fillRect/>
+          </a:stretch>
+        </p:blipFill>
+        <p:spPr>
+          <a:xfrm>
+            <a:off x="1097280" y="1921079"/>
+            <a:ext cx="2882900" cy="1714500"/>
+          </a:xfrm>
+          <a:prstGeom prst="rect">
+            <a:avLst/>
+          </a:prstGeom>
+        </p:spPr>
+      </p:pic>
+    </p:spTree>
+    <p:extLst>
+      <p:ext uri="{BB962C8B-B14F-4D97-AF65-F5344CB8AC3E}">
+        <p14:creationId xmlns:p14="http://schemas.microsoft.com/office/powerpoint/2010/main" val="832387898"/>
+      </p:ext>
+    </p:extLst>
+  </p:cSld>
+  <p:clrMapOvr>
+    <a:masterClrMapping/>
+  </p:clrMapOvr>
+  <p:timing>
+    <p:tnLst>
+      <p:par>
+        <p:cTn id="1" dur="indefinite" restart="never" nodeType="tmRoot"/>
+      </p:par>
+    </p:tnLst>
+  </p:timing>
+</p:sld>
+</file>
+
+<file path=ppt/slides/slide14.xml><?xml version="1.0" encoding="utf-8"?>
+<p:sld xmlns:a="http://schemas.openxmlformats.org/drawingml/2006/main" xmlns:r="http://schemas.openxmlformats.org/officeDocument/2006/relationships" xmlns:p="http://schemas.openxmlformats.org/presentationml/2006/main">
+  <p:cSld>
+    <p:spTree>
+      <p:nvGrpSpPr>
+        <p:cNvPr id="1" name=""/>
+        <p:cNvGrpSpPr/>
+        <p:nvPr/>
+      </p:nvGrpSpPr>
+      <p:grpSpPr>
+        <a:xfrm>
+          <a:off x="0" y="0"/>
+          <a:ext cx="0" cy="0"/>
+          <a:chOff x="0" y="0"/>
+          <a:chExt cx="0" cy="0"/>
+        </a:xfrm>
+      </p:grpSpPr>
+      <p:sp>
+        <p:nvSpPr>
+          <p:cNvPr id="2" name="Title 1"/>
+          <p:cNvSpPr>
+            <a:spLocks noGrp="1"/>
+          </p:cNvSpPr>
+          <p:nvPr>
+            <p:ph type="title"/>
+          </p:nvPr>
+        </p:nvSpPr>
+        <p:spPr/>
+        <p:txBody>
+          <a:bodyPr/>
+          <a:lstStyle/>
+          <a:p>
+            <a:r>
+              <a:rPr lang="en-US" dirty="0" smtClean="0"/>
+              <a:t>Ensuring a certain reliability</a:t>
             </a:r>
             <a:endParaRPr lang="en-US" dirty="0"/>
           </a:p>
@@ -4773,8 +4549,79 @@
             </a:pPr>
             <a:r>
               <a:rPr lang="en-US" dirty="0" smtClean="0"/>
-              <a:t>Reliability:</a:t>
-            </a:r>
+              <a:t>One Calvin runtime per server</a:t>
+            </a:r>
+          </a:p>
+          <a:p>
+            <a:pPr>
+              <a:buFont typeface="Arial" charset="0"/>
+              <a:buChar char="•"/>
+            </a:pPr>
+            <a:r>
+              <a:rPr lang="en-US" dirty="0" smtClean="0"/>
+              <a:t>MTBF for each runtime was 20 seconds</a:t>
+            </a:r>
+          </a:p>
+          <a:p>
+            <a:pPr>
+              <a:buFont typeface="Arial" charset="0"/>
+              <a:buChar char="•"/>
+            </a:pPr>
+            <a:r>
+              <a:rPr lang="en-US" dirty="0" smtClean="0"/>
+              <a:t>Required reliability: 0.98</a:t>
+            </a:r>
+          </a:p>
+          <a:p>
+            <a:pPr>
+              <a:buFont typeface="Arial" charset="0"/>
+              <a:buChar char="•"/>
+            </a:pPr>
+            <a:r>
+              <a:rPr lang="en-US" dirty="0" smtClean="0"/>
+              <a:t>Time </a:t>
+            </a:r>
+            <a:r>
+              <a:rPr lang="en-US" i="1" dirty="0" smtClean="0"/>
+              <a:t>t</a:t>
+            </a:r>
+            <a:r>
+              <a:rPr lang="en-US" dirty="0" smtClean="0"/>
+              <a:t>: 530 </a:t>
+            </a:r>
+            <a:r>
+              <a:rPr lang="en-US" dirty="0" err="1" smtClean="0"/>
+              <a:t>ms</a:t>
+            </a:r>
+            <a:endParaRPr lang="en-US" dirty="0" smtClean="0"/>
+          </a:p>
+          <a:p>
+            <a:pPr>
+              <a:buFont typeface="Arial" charset="0"/>
+              <a:buChar char="•"/>
+            </a:pPr>
+            <a:r>
+              <a:rPr lang="en-US" dirty="0" smtClean="0"/>
+              <a:t>Reliability of nodes: R(t) = e</a:t>
+            </a:r>
+            <a:r>
+              <a:rPr lang="en-US" baseline="30000" dirty="0" smtClean="0"/>
+              <a:t>-t/MTBF</a:t>
+            </a:r>
+            <a:r>
+              <a:rPr lang="en-US" dirty="0" smtClean="0"/>
+              <a:t> = e</a:t>
+            </a:r>
+            <a:r>
+              <a:rPr lang="en-US" baseline="30000" dirty="0" smtClean="0"/>
+              <a:t>-530/20000</a:t>
+            </a:r>
+            <a:r>
+              <a:rPr lang="en-US" dirty="0" smtClean="0"/>
+              <a:t> = 0.97530</a:t>
+            </a:r>
+          </a:p>
+          <a:p>
             <a:endParaRPr lang="en-US" dirty="0"/>
           </a:p>
         </p:txBody>
@@ -4788,14 +4635,14 @@
           <p:nvPr>
             <p:extLst>
               <p:ext uri="{D42A27DB-BD31-4B8C-83A1-F6EECF244321}">
-                <p14:modId xmlns:p14="http://schemas.microsoft.com/office/powerpoint/2010/main" val="1371428347"/>
+                <p14:modId xmlns:p14="http://schemas.microsoft.com/office/powerpoint/2010/main" val="64568953"/>
               </p:ext>
             </p:extLst>
           </p:nvPr>
         </p:nvGraphicFramePr>
         <p:xfrm>
-          <a:off x="1097280" y="2283286"/>
-          <a:ext cx="9692640" cy="2623074"/>
+          <a:off x="3404795" y="4184724"/>
+          <a:ext cx="5443369" cy="1478280"/>
         </p:xfrm>
         <a:graphic>
           <a:graphicData uri="http://schemas.openxmlformats.org/drawingml/2006/table">
@@ -4804,10 +4651,10 @@
                 <a:tableStyleId>{2D5ABB26-0587-4C30-8999-92F81FD0307C}</a:tableStyleId>
               </a:tblPr>
               <a:tblGrid>
-                <a:gridCol w="3625327"/>
-                <a:gridCol w="6067313"/>
+                <a:gridCol w="2086983"/>
+                <a:gridCol w="3356386"/>
               </a:tblGrid>
-              <a:tr h="398034">
+              <a:tr h="358986">
                 <a:tc>
                   <a:txBody>
                     <a:bodyPr/>
@@ -4845,7 +4692,474 @@
                     <a:p>
                       <a:r>
                         <a:rPr lang="en-US" dirty="0" smtClean="0"/>
-                        <a:t>1 * MTBF(7.5)</a:t>
+                        <a:t>1</a:t>
+                      </a:r>
+                      <a:endParaRPr lang="en-US" dirty="0"/>
+                    </a:p>
+                  </a:txBody>
+                  <a:tcPr/>
+                </a:tc>
+                <a:tc>
+                  <a:txBody>
+                    <a:bodyPr/>
+                    <a:lstStyle/>
+                    <a:p>
+                      <a:r>
+                        <a:rPr lang="en-US" dirty="0" smtClean="0"/>
+                        <a:t>1 –</a:t>
+                      </a:r>
+                      <a:r>
+                        <a:rPr lang="en-US" baseline="0" dirty="0" smtClean="0"/>
+                        <a:t> (1 – R(t))</a:t>
+                      </a:r>
+                      <a:r>
+                        <a:rPr lang="en-US" baseline="30000" dirty="0" smtClean="0"/>
+                        <a:t>1</a:t>
+                      </a:r>
+                      <a:r>
+                        <a:rPr lang="en-US" baseline="0" dirty="0" smtClean="0"/>
+                        <a:t> = </a:t>
+                      </a:r>
+                      <a:r>
+                        <a:rPr lang="nb-NO" baseline="0" dirty="0" smtClean="0"/>
+                        <a:t>0.97530</a:t>
+                      </a:r>
+                      <a:endParaRPr lang="en-US" baseline="30000" dirty="0"/>
+                    </a:p>
+                  </a:txBody>
+                  <a:tcPr/>
+                </a:tc>
+              </a:tr>
+              <a:tr h="370840">
+                <a:tc>
+                  <a:txBody>
+                    <a:bodyPr/>
+                    <a:lstStyle/>
+                    <a:p>
+                      <a:r>
+                        <a:rPr lang="en-US" dirty="0" smtClean="0"/>
+                        <a:t>2</a:t>
+                      </a:r>
+                      <a:endParaRPr lang="en-US" dirty="0"/>
+                    </a:p>
+                  </a:txBody>
+                  <a:tcPr/>
+                </a:tc>
+                <a:tc>
+                  <a:txBody>
+                    <a:bodyPr/>
+                    <a:lstStyle/>
+                    <a:p>
+                      <a:pPr marL="0" marR="0" indent="0" algn="l" defTabSz="914400" rtl="0" eaLnBrk="1" fontAlgn="auto" latinLnBrk="0" hangingPunct="1">
+                        <a:lnSpc>
+                          <a:spcPct val="100000"/>
+                        </a:lnSpc>
+                        <a:spcBef>
+                          <a:spcPts val="0"/>
+                        </a:spcBef>
+                        <a:spcAft>
+                          <a:spcPts val="0"/>
+                        </a:spcAft>
+                        <a:buClrTx/>
+                        <a:buSzTx/>
+                        <a:buFontTx/>
+                        <a:buNone/>
+                        <a:tabLst/>
+                        <a:defRPr/>
+                      </a:pPr>
+                      <a:r>
+                        <a:rPr lang="en-US" dirty="0" smtClean="0"/>
+                        <a:t>1 –</a:t>
+                      </a:r>
+                      <a:r>
+                        <a:rPr lang="en-US" baseline="0" dirty="0" smtClean="0"/>
+                        <a:t> (1 – R(t))</a:t>
+                      </a:r>
+                      <a:r>
+                        <a:rPr lang="en-US" baseline="30000" dirty="0" smtClean="0"/>
+                        <a:t>2</a:t>
+                      </a:r>
+                      <a:r>
+                        <a:rPr lang="en-US" baseline="0" dirty="0" smtClean="0"/>
+                        <a:t> = </a:t>
+                      </a:r>
+                      <a:r>
+                        <a:rPr lang="nb-NO" b="1" baseline="0" dirty="0" smtClean="0"/>
+                        <a:t>0.99939</a:t>
+                      </a:r>
+                      <a:endParaRPr lang="en-US" b="1" baseline="30000" dirty="0" smtClean="0"/>
+                    </a:p>
+                  </a:txBody>
+                  <a:tcPr/>
+                </a:tc>
+              </a:tr>
+              <a:tr h="370840">
+                <a:tc>
+                  <a:txBody>
+                    <a:bodyPr/>
+                    <a:lstStyle/>
+                    <a:p>
+                      <a:r>
+                        <a:rPr lang="en-US" dirty="0" smtClean="0"/>
+                        <a:t>3</a:t>
+                      </a:r>
+                      <a:endParaRPr lang="en-US" dirty="0"/>
+                    </a:p>
+                  </a:txBody>
+                  <a:tcPr/>
+                </a:tc>
+                <a:tc>
+                  <a:txBody>
+                    <a:bodyPr/>
+                    <a:lstStyle/>
+                    <a:p>
+                      <a:pPr marL="0" marR="0" indent="0" algn="l" defTabSz="914400" rtl="0" eaLnBrk="1" fontAlgn="auto" latinLnBrk="0" hangingPunct="1">
+                        <a:lnSpc>
+                          <a:spcPct val="100000"/>
+                        </a:lnSpc>
+                        <a:spcBef>
+                          <a:spcPts val="0"/>
+                        </a:spcBef>
+                        <a:spcAft>
+                          <a:spcPts val="0"/>
+                        </a:spcAft>
+                        <a:buClrTx/>
+                        <a:buSzTx/>
+                        <a:buFontTx/>
+                        <a:buNone/>
+                        <a:tabLst/>
+                        <a:defRPr/>
+                      </a:pPr>
+                      <a:r>
+                        <a:rPr lang="en-US" dirty="0" smtClean="0"/>
+                        <a:t>1 –</a:t>
+                      </a:r>
+                      <a:r>
+                        <a:rPr lang="en-US" baseline="0" dirty="0" smtClean="0"/>
+                        <a:t> (1 – R(t))</a:t>
+                      </a:r>
+                      <a:r>
+                        <a:rPr lang="en-US" baseline="30000" dirty="0" smtClean="0"/>
+                        <a:t>3</a:t>
+                      </a:r>
+                      <a:r>
+                        <a:rPr lang="en-US" baseline="0" dirty="0" smtClean="0"/>
+                        <a:t> = </a:t>
+                      </a:r>
+                      <a:r>
+                        <a:rPr lang="nb-NO" baseline="0" dirty="0" smtClean="0"/>
+                        <a:t>0.99998</a:t>
+                      </a:r>
+                      <a:endParaRPr lang="en-US" baseline="30000" dirty="0" smtClean="0"/>
+                    </a:p>
+                  </a:txBody>
+                  <a:tcPr/>
+                </a:tc>
+              </a:tr>
+            </a:tbl>
+          </a:graphicData>
+        </a:graphic>
+      </p:graphicFrame>
+    </p:spTree>
+    <p:extLst>
+      <p:ext uri="{BB962C8B-B14F-4D97-AF65-F5344CB8AC3E}">
+        <p14:creationId xmlns:p14="http://schemas.microsoft.com/office/powerpoint/2010/main" val="779617847"/>
+      </p:ext>
+    </p:extLst>
+  </p:cSld>
+  <p:clrMapOvr>
+    <a:masterClrMapping/>
+  </p:clrMapOvr>
+  <p:timing>
+    <p:tnLst>
+      <p:par>
+        <p:cTn id="1" dur="indefinite" restart="never" nodeType="tmRoot"/>
+      </p:par>
+    </p:tnLst>
+  </p:timing>
+</p:sld>
+</file>
+
+<file path=ppt/slides/slide15.xml><?xml version="1.0" encoding="utf-8"?>
+<p:sld xmlns:a="http://schemas.openxmlformats.org/drawingml/2006/main" xmlns:r="http://schemas.openxmlformats.org/officeDocument/2006/relationships" xmlns:p="http://schemas.openxmlformats.org/presentationml/2006/main">
+  <p:cSld>
+    <p:spTree>
+      <p:nvGrpSpPr>
+        <p:cNvPr id="1" name=""/>
+        <p:cNvGrpSpPr/>
+        <p:nvPr/>
+      </p:nvGrpSpPr>
+      <p:grpSpPr>
+        <a:xfrm>
+          <a:off x="0" y="0"/>
+          <a:ext cx="0" cy="0"/>
+          <a:chOff x="0" y="0"/>
+          <a:chExt cx="0" cy="0"/>
+        </a:xfrm>
+      </p:grpSpPr>
+      <p:sp>
+        <p:nvSpPr>
+          <p:cNvPr id="2" name="Title 1"/>
+          <p:cNvSpPr>
+            <a:spLocks noGrp="1"/>
+          </p:cNvSpPr>
+          <p:nvPr>
+            <p:ph type="title"/>
+          </p:nvPr>
+        </p:nvSpPr>
+        <p:spPr/>
+        <p:txBody>
+          <a:bodyPr/>
+          <a:lstStyle/>
+          <a:p>
+            <a:r>
+              <a:rPr lang="en-US" dirty="0" smtClean="0"/>
+              <a:t>Result</a:t>
+            </a:r>
+            <a:endParaRPr lang="en-US" dirty="0"/>
+          </a:p>
+        </p:txBody>
+      </p:sp>
+      <p:pic>
+        <p:nvPicPr>
+          <p:cNvPr id="4" name="Content Placeholder 3"/>
+          <p:cNvPicPr>
+            <a:picLocks noGrp="1" noChangeAspect="1"/>
+          </p:cNvPicPr>
+          <p:nvPr>
+            <p:ph idx="1"/>
+          </p:nvPr>
+        </p:nvPicPr>
+        <p:blipFill>
+          <a:blip r:embed="rId2">
+            <a:extLst>
+              <a:ext uri="{28A0092B-C50C-407E-A947-70E740481C1C}">
+                <a14:useLocalDpi xmlns:a14="http://schemas.microsoft.com/office/drawing/2010/main" val="0"/>
+              </a:ext>
+            </a:extLst>
+          </a:blip>
+          <a:stretch>
+            <a:fillRect/>
+          </a:stretch>
+        </p:blipFill>
+        <p:spPr>
+          <a:xfrm>
+            <a:off x="1769262" y="1846263"/>
+            <a:ext cx="8713802" cy="4022725"/>
+          </a:xfrm>
+        </p:spPr>
+      </p:pic>
+    </p:spTree>
+    <p:extLst>
+      <p:ext uri="{BB962C8B-B14F-4D97-AF65-F5344CB8AC3E}">
+        <p14:creationId xmlns:p14="http://schemas.microsoft.com/office/powerpoint/2010/main" val="1517789709"/>
+      </p:ext>
+    </p:extLst>
+  </p:cSld>
+  <p:clrMapOvr>
+    <a:masterClrMapping/>
+  </p:clrMapOvr>
+  <p:timing>
+    <p:tnLst>
+      <p:par>
+        <p:cTn id="1" dur="indefinite" restart="never" nodeType="tmRoot"/>
+      </p:par>
+    </p:tnLst>
+  </p:timing>
+</p:sld>
+</file>
+
+<file path=ppt/slides/slide16.xml><?xml version="1.0" encoding="utf-8"?>
+<p:sld xmlns:a="http://schemas.openxmlformats.org/drawingml/2006/main" xmlns:r="http://schemas.openxmlformats.org/officeDocument/2006/relationships" xmlns:p="http://schemas.openxmlformats.org/presentationml/2006/main">
+  <p:cSld>
+    <p:spTree>
+      <p:nvGrpSpPr>
+        <p:cNvPr id="1" name=""/>
+        <p:cNvGrpSpPr/>
+        <p:nvPr/>
+      </p:nvGrpSpPr>
+      <p:grpSpPr>
+        <a:xfrm>
+          <a:off x="0" y="0"/>
+          <a:ext cx="0" cy="0"/>
+          <a:chOff x="0" y="0"/>
+          <a:chExt cx="0" cy="0"/>
+        </a:xfrm>
+      </p:grpSpPr>
+      <p:sp>
+        <p:nvSpPr>
+          <p:cNvPr id="2" name="Title 1"/>
+          <p:cNvSpPr>
+            <a:spLocks noGrp="1"/>
+          </p:cNvSpPr>
+          <p:nvPr>
+            <p:ph type="title"/>
+          </p:nvPr>
+        </p:nvSpPr>
+        <p:spPr/>
+        <p:txBody>
+          <a:bodyPr/>
+          <a:lstStyle/>
+          <a:p>
+            <a:r>
+              <a:rPr lang="en-US" dirty="0" smtClean="0"/>
+              <a:t>Optimal number of replicas</a:t>
+            </a:r>
+            <a:endParaRPr lang="en-US" dirty="0"/>
+          </a:p>
+        </p:txBody>
+      </p:sp>
+      <p:sp>
+        <p:nvSpPr>
+          <p:cNvPr id="3" name="Content Placeholder 2"/>
+          <p:cNvSpPr>
+            <a:spLocks noGrp="1"/>
+          </p:cNvSpPr>
+          <p:nvPr>
+            <p:ph idx="1"/>
+          </p:nvPr>
+        </p:nvSpPr>
+        <p:spPr/>
+        <p:txBody>
+          <a:bodyPr/>
+          <a:lstStyle/>
+          <a:p>
+            <a:pPr>
+              <a:buFont typeface="Arial" charset="0"/>
+              <a:buChar char="•"/>
+            </a:pPr>
+            <a:r>
+              <a:rPr lang="en-US" dirty="0" smtClean="0"/>
+              <a:t>Two Calvin runtimes per server</a:t>
+            </a:r>
+          </a:p>
+          <a:p>
+            <a:pPr>
+              <a:buFont typeface="Arial" charset="0"/>
+              <a:buChar char="•"/>
+            </a:pPr>
+            <a:r>
+              <a:rPr lang="en-US" dirty="0" smtClean="0"/>
+              <a:t>MTBFs varied</a:t>
+            </a:r>
+          </a:p>
+          <a:p>
+            <a:pPr>
+              <a:buFont typeface="Arial" charset="0"/>
+              <a:buChar char="•"/>
+            </a:pPr>
+            <a:r>
+              <a:rPr lang="en-US" dirty="0"/>
+              <a:t>Required reliability: </a:t>
+            </a:r>
+            <a:r>
+              <a:rPr lang="en-US" dirty="0" smtClean="0"/>
+              <a:t>0.999</a:t>
+            </a:r>
+          </a:p>
+          <a:p>
+            <a:pPr>
+              <a:buFont typeface="Arial" charset="0"/>
+              <a:buChar char="•"/>
+            </a:pPr>
+            <a:r>
+              <a:rPr lang="en-US" dirty="0" smtClean="0"/>
+              <a:t>Time </a:t>
+            </a:r>
+            <a:r>
+              <a:rPr lang="en-US" i="1" dirty="0" smtClean="0"/>
+              <a:t>t</a:t>
+            </a:r>
+            <a:r>
+              <a:rPr lang="en-US" dirty="0" smtClean="0"/>
+              <a:t>: 530 </a:t>
+            </a:r>
+            <a:r>
+              <a:rPr lang="en-US" dirty="0" err="1" smtClean="0"/>
+              <a:t>ms</a:t>
+            </a:r>
+            <a:endParaRPr lang="en-US" dirty="0" smtClean="0"/>
+          </a:p>
+          <a:p>
+            <a:pPr>
+              <a:buFont typeface="Arial" charset="0"/>
+              <a:buChar char="•"/>
+            </a:pPr>
+            <a:r>
+              <a:rPr lang="en-US" dirty="0" smtClean="0"/>
+              <a:t>Reliability of nodes:</a:t>
+            </a:r>
+            <a:endParaRPr lang="en-US" dirty="0"/>
+          </a:p>
+        </p:txBody>
+      </p:sp>
+      <p:graphicFrame>
+        <p:nvGraphicFramePr>
+          <p:cNvPr id="5" name="Table 4"/>
+          <p:cNvGraphicFramePr>
+            <a:graphicFrameLocks noGrp="1"/>
+          </p:cNvGraphicFramePr>
+          <p:nvPr>
+            <p:extLst>
+              <p:ext uri="{D42A27DB-BD31-4B8C-83A1-F6EECF244321}">
+                <p14:modId xmlns:p14="http://schemas.microsoft.com/office/powerpoint/2010/main" val="1480888777"/>
+              </p:ext>
+            </p:extLst>
+          </p:nvPr>
+        </p:nvGraphicFramePr>
+        <p:xfrm>
+          <a:off x="1097280" y="4058297"/>
+          <a:ext cx="4706471" cy="1510554"/>
+        </p:xfrm>
+        <a:graphic>
+          <a:graphicData uri="http://schemas.openxmlformats.org/drawingml/2006/table">
+            <a:tbl>
+              <a:tblPr firstRow="1" bandRow="1">
+                <a:tableStyleId>{2D5ABB26-0587-4C30-8999-92F81FD0307C}</a:tableStyleId>
+              </a:tblPr>
+              <a:tblGrid>
+                <a:gridCol w="745005"/>
+                <a:gridCol w="3961466"/>
+              </a:tblGrid>
+              <a:tr h="398034">
+                <a:tc>
+                  <a:txBody>
+                    <a:bodyPr/>
+                    <a:lstStyle/>
+                    <a:p>
+                      <a:r>
+                        <a:rPr lang="en-US" b="1" dirty="0" smtClean="0"/>
+                        <a:t>MTBF</a:t>
+                      </a:r>
+                      <a:endParaRPr lang="en-US" b="1" dirty="0"/>
+                    </a:p>
+                  </a:txBody>
+                  <a:tcPr/>
+                </a:tc>
+                <a:tc>
+                  <a:txBody>
+                    <a:bodyPr/>
+                    <a:lstStyle/>
+                    <a:p>
+                      <a:r>
+                        <a:rPr lang="en-US" b="1" dirty="0" smtClean="0"/>
+                        <a:t>Reliability</a:t>
+                      </a:r>
+                      <a:endParaRPr lang="en-US" b="1" dirty="0"/>
+                    </a:p>
+                  </a:txBody>
+                  <a:tcPr/>
+                </a:tc>
+              </a:tr>
+              <a:tr h="370840">
+                <a:tc>
+                  <a:txBody>
+                    <a:bodyPr/>
+                    <a:lstStyle/>
+                    <a:p>
+                      <a:r>
+                        <a:rPr lang="en-US" dirty="0" smtClean="0"/>
+                        <a:t>7.5</a:t>
                       </a:r>
                       <a:endParaRPr lang="en-US" dirty="0"/>
                     </a:p>
@@ -4863,6 +5177,839 @@
                       </a:pPr>
                       <a:r>
                         <a:rPr lang="en-US" dirty="0" smtClean="0"/>
+                        <a:t>R(t) = e</a:t>
+                      </a:r>
+                      <a:r>
+                        <a:rPr lang="en-US" baseline="30000" dirty="0" smtClean="0"/>
+                        <a:t>-t/MTBF</a:t>
+                      </a:r>
+                      <a:r>
+                        <a:rPr lang="en-US" dirty="0" smtClean="0"/>
+                        <a:t> = e</a:t>
+                      </a:r>
+                      <a:r>
+                        <a:rPr lang="en-US" baseline="30000" dirty="0" smtClean="0"/>
+                        <a:t>-530/20000</a:t>
+                      </a:r>
+                      <a:r>
+                        <a:rPr lang="en-US" dirty="0" smtClean="0"/>
+                        <a:t> = </a:t>
+                      </a:r>
+                      <a:r>
+                        <a:rPr lang="nb-NO" dirty="0" smtClean="0"/>
+                        <a:t>0.93551</a:t>
+                      </a:r>
+                      <a:endParaRPr lang="en-US" dirty="0" smtClean="0"/>
+                    </a:p>
+                  </a:txBody>
+                  <a:tcPr/>
+                </a:tc>
+              </a:tr>
+              <a:tr h="370840">
+                <a:tc>
+                  <a:txBody>
+                    <a:bodyPr/>
+                    <a:lstStyle/>
+                    <a:p>
+                      <a:r>
+                        <a:rPr lang="en-US" dirty="0" smtClean="0"/>
+                        <a:t>15</a:t>
+                      </a:r>
+                      <a:endParaRPr lang="en-US" dirty="0"/>
+                    </a:p>
+                  </a:txBody>
+                  <a:tcPr/>
+                </a:tc>
+                <a:tc>
+                  <a:txBody>
+                    <a:bodyPr/>
+                    <a:lstStyle/>
+                    <a:p>
+                      <a:pPr marL="0" marR="0" indent="0" algn="l" defTabSz="914400" rtl="0" eaLnBrk="1" fontAlgn="auto" latinLnBrk="0" hangingPunct="1">
+                        <a:lnSpc>
+                          <a:spcPct val="100000"/>
+                        </a:lnSpc>
+                        <a:spcBef>
+                          <a:spcPts val="0"/>
+                        </a:spcBef>
+                        <a:spcAft>
+                          <a:spcPts val="0"/>
+                        </a:spcAft>
+                        <a:buClrTx/>
+                        <a:buSzTx/>
+                        <a:buFontTx/>
+                        <a:buNone/>
+                        <a:tabLst/>
+                        <a:defRPr/>
+                      </a:pPr>
+                      <a:r>
+                        <a:rPr lang="en-US" dirty="0" smtClean="0"/>
+                        <a:t>R(t) = e</a:t>
+                      </a:r>
+                      <a:r>
+                        <a:rPr lang="en-US" baseline="30000" dirty="0" smtClean="0"/>
+                        <a:t>-t/MTBF</a:t>
+                      </a:r>
+                      <a:r>
+                        <a:rPr lang="en-US" dirty="0" smtClean="0"/>
+                        <a:t> = e</a:t>
+                      </a:r>
+                      <a:r>
+                        <a:rPr lang="en-US" baseline="30000" dirty="0" smtClean="0"/>
+                        <a:t>-530/20000</a:t>
+                      </a:r>
+                      <a:r>
+                        <a:rPr lang="en-US" dirty="0" smtClean="0"/>
+                        <a:t> = </a:t>
+                      </a:r>
+                      <a:r>
+                        <a:rPr lang="nb-NO" dirty="0" smtClean="0"/>
+                        <a:t>0.96722</a:t>
+                      </a:r>
+                      <a:endParaRPr lang="en-US" b="1" baseline="30000" dirty="0" smtClean="0"/>
+                    </a:p>
+                  </a:txBody>
+                  <a:tcPr/>
+                </a:tc>
+              </a:tr>
+              <a:tr h="370840">
+                <a:tc>
+                  <a:txBody>
+                    <a:bodyPr/>
+                    <a:lstStyle/>
+                    <a:p>
+                      <a:r>
+                        <a:rPr lang="en-US" dirty="0" smtClean="0"/>
+                        <a:t>40</a:t>
+                      </a:r>
+                      <a:endParaRPr lang="en-US" dirty="0"/>
+                    </a:p>
+                  </a:txBody>
+                  <a:tcPr/>
+                </a:tc>
+                <a:tc>
+                  <a:txBody>
+                    <a:bodyPr/>
+                    <a:lstStyle/>
+                    <a:p>
+                      <a:pPr marL="0" marR="0" indent="0" algn="l" defTabSz="914400" rtl="0" eaLnBrk="1" fontAlgn="auto" latinLnBrk="0" hangingPunct="1">
+                        <a:lnSpc>
+                          <a:spcPct val="100000"/>
+                        </a:lnSpc>
+                        <a:spcBef>
+                          <a:spcPts val="0"/>
+                        </a:spcBef>
+                        <a:spcAft>
+                          <a:spcPts val="0"/>
+                        </a:spcAft>
+                        <a:buClrTx/>
+                        <a:buSzTx/>
+                        <a:buFontTx/>
+                        <a:buNone/>
+                        <a:tabLst/>
+                        <a:defRPr/>
+                      </a:pPr>
+                      <a:r>
+                        <a:rPr lang="en-US" dirty="0" smtClean="0"/>
+                        <a:t>R(t) = e</a:t>
+                      </a:r>
+                      <a:r>
+                        <a:rPr lang="en-US" baseline="30000" dirty="0" smtClean="0"/>
+                        <a:t>-t/MTBF</a:t>
+                      </a:r>
+                      <a:r>
+                        <a:rPr lang="en-US" dirty="0" smtClean="0"/>
+                        <a:t> = e</a:t>
+                      </a:r>
+                      <a:r>
+                        <a:rPr lang="en-US" baseline="30000" dirty="0" smtClean="0"/>
+                        <a:t>-530/20000</a:t>
+                      </a:r>
+                      <a:r>
+                        <a:rPr lang="en-US" dirty="0" smtClean="0"/>
+                        <a:t> = </a:t>
+                      </a:r>
+                      <a:r>
+                        <a:rPr lang="fi-FI" dirty="0" smtClean="0"/>
+                        <a:t>0.98758</a:t>
+                      </a:r>
+                      <a:endParaRPr lang="en-US" baseline="30000" dirty="0" smtClean="0"/>
+                    </a:p>
+                  </a:txBody>
+                  <a:tcPr/>
+                </a:tc>
+              </a:tr>
+            </a:tbl>
+          </a:graphicData>
+        </a:graphic>
+      </p:graphicFrame>
+      <p:graphicFrame>
+        <p:nvGraphicFramePr>
+          <p:cNvPr id="4" name="Table 3"/>
+          <p:cNvGraphicFramePr>
+            <a:graphicFrameLocks noGrp="1"/>
+          </p:cNvGraphicFramePr>
+          <p:nvPr>
+            <p:extLst>
+              <p:ext uri="{D42A27DB-BD31-4B8C-83A1-F6EECF244321}">
+                <p14:modId xmlns:p14="http://schemas.microsoft.com/office/powerpoint/2010/main" val="85816186"/>
+              </p:ext>
+            </p:extLst>
+          </p:nvPr>
+        </p:nvGraphicFramePr>
+        <p:xfrm>
+          <a:off x="7808857" y="1817794"/>
+          <a:ext cx="3572734" cy="4079240"/>
+        </p:xfrm>
+        <a:graphic>
+          <a:graphicData uri="http://schemas.openxmlformats.org/drawingml/2006/table">
+            <a:tbl>
+              <a:tblPr firstRow="1" bandRow="1">
+                <a:tableStyleId>{2D5ABB26-0587-4C30-8999-92F81FD0307C}</a:tableStyleId>
+              </a:tblPr>
+              <a:tblGrid>
+                <a:gridCol w="1786367"/>
+                <a:gridCol w="1786367"/>
+              </a:tblGrid>
+              <a:tr h="370840">
+                <a:tc>
+                  <a:txBody>
+                    <a:bodyPr/>
+                    <a:lstStyle/>
+                    <a:p>
+                      <a:r>
+                        <a:rPr lang="en-US" b="1" dirty="0" smtClean="0"/>
+                        <a:t>Runtime</a:t>
+                      </a:r>
+                      <a:endParaRPr lang="en-US" b="1" dirty="0"/>
+                    </a:p>
+                  </a:txBody>
+                  <a:tcPr/>
+                </a:tc>
+                <a:tc>
+                  <a:txBody>
+                    <a:bodyPr/>
+                    <a:lstStyle/>
+                    <a:p>
+                      <a:r>
+                        <a:rPr lang="en-US" b="1" dirty="0" smtClean="0"/>
+                        <a:t>MTBF (s)</a:t>
+                      </a:r>
+                      <a:endParaRPr lang="en-US" b="1" dirty="0"/>
+                    </a:p>
+                  </a:txBody>
+                  <a:tcPr/>
+                </a:tc>
+              </a:tr>
+              <a:tr h="370840">
+                <a:tc>
+                  <a:txBody>
+                    <a:bodyPr/>
+                    <a:lstStyle/>
+                    <a:p>
+                      <a:r>
+                        <a:rPr lang="en-US" dirty="0" smtClean="0"/>
+                        <a:t>dave</a:t>
+                      </a:r>
+                      <a:r>
+                        <a:rPr lang="en-US" baseline="-25000" dirty="0" smtClean="0"/>
+                        <a:t>1</a:t>
+                      </a:r>
+                      <a:endParaRPr lang="en-US" baseline="-25000" dirty="0"/>
+                    </a:p>
+                  </a:txBody>
+                  <a:tcPr/>
+                </a:tc>
+                <a:tc>
+                  <a:txBody>
+                    <a:bodyPr/>
+                    <a:lstStyle/>
+                    <a:p>
+                      <a:r>
+                        <a:rPr lang="en-US" dirty="0" smtClean="0"/>
+                        <a:t>7.5</a:t>
+                      </a:r>
+                      <a:endParaRPr lang="en-US" dirty="0"/>
+                    </a:p>
+                  </a:txBody>
+                  <a:tcPr/>
+                </a:tc>
+              </a:tr>
+              <a:tr h="370840">
+                <a:tc>
+                  <a:txBody>
+                    <a:bodyPr/>
+                    <a:lstStyle/>
+                    <a:p>
+                      <a:r>
+                        <a:rPr lang="en-US" dirty="0" smtClean="0"/>
+                        <a:t>dave</a:t>
+                      </a:r>
+                      <a:r>
+                        <a:rPr lang="en-US" baseline="-25000" dirty="0" smtClean="0"/>
+                        <a:t>2</a:t>
+                      </a:r>
+                      <a:endParaRPr lang="en-US" dirty="0"/>
+                    </a:p>
+                  </a:txBody>
+                  <a:tcPr/>
+                </a:tc>
+                <a:tc>
+                  <a:txBody>
+                    <a:bodyPr/>
+                    <a:lstStyle/>
+                    <a:p>
+                      <a:r>
+                        <a:rPr lang="en-US" dirty="0" smtClean="0"/>
+                        <a:t>7.5</a:t>
+                      </a:r>
+                      <a:endParaRPr lang="en-US" dirty="0"/>
+                    </a:p>
+                  </a:txBody>
+                  <a:tcPr/>
+                </a:tc>
+              </a:tr>
+              <a:tr h="370840">
+                <a:tc>
+                  <a:txBody>
+                    <a:bodyPr/>
+                    <a:lstStyle/>
+                    <a:p>
+                      <a:r>
+                        <a:rPr lang="en-US" dirty="0" smtClean="0"/>
+                        <a:t>tim</a:t>
+                      </a:r>
+                      <a:r>
+                        <a:rPr lang="en-US" baseline="-25000" dirty="0" smtClean="0"/>
+                        <a:t>1</a:t>
+                      </a:r>
+                      <a:endParaRPr lang="en-US" dirty="0"/>
+                    </a:p>
+                  </a:txBody>
+                  <a:tcPr/>
+                </a:tc>
+                <a:tc>
+                  <a:txBody>
+                    <a:bodyPr/>
+                    <a:lstStyle/>
+                    <a:p>
+                      <a:r>
+                        <a:rPr lang="en-US" dirty="0" smtClean="0"/>
+                        <a:t>7.5</a:t>
+                      </a:r>
+                      <a:endParaRPr lang="en-US" dirty="0"/>
+                    </a:p>
+                  </a:txBody>
+                  <a:tcPr/>
+                </a:tc>
+              </a:tr>
+              <a:tr h="370840">
+                <a:tc>
+                  <a:txBody>
+                    <a:bodyPr/>
+                    <a:lstStyle/>
+                    <a:p>
+                      <a:r>
+                        <a:rPr lang="en-US" dirty="0" smtClean="0"/>
+                        <a:t>tim</a:t>
+                      </a:r>
+                      <a:r>
+                        <a:rPr lang="en-US" baseline="-25000" dirty="0" smtClean="0"/>
+                        <a:t>2</a:t>
+                      </a:r>
+                      <a:endParaRPr lang="en-US" dirty="0"/>
+                    </a:p>
+                  </a:txBody>
+                  <a:tcPr/>
+                </a:tc>
+                <a:tc>
+                  <a:txBody>
+                    <a:bodyPr/>
+                    <a:lstStyle/>
+                    <a:p>
+                      <a:r>
+                        <a:rPr lang="en-US" dirty="0" smtClean="0"/>
+                        <a:t>7.5</a:t>
+                      </a:r>
+                      <a:endParaRPr lang="en-US" dirty="0"/>
+                    </a:p>
+                  </a:txBody>
+                  <a:tcPr/>
+                </a:tc>
+              </a:tr>
+              <a:tr h="370840">
+                <a:tc>
+                  <a:txBody>
+                    <a:bodyPr/>
+                    <a:lstStyle/>
+                    <a:p>
+                      <a:r>
+                        <a:rPr lang="en-US" dirty="0" smtClean="0"/>
+                        <a:t>kevin</a:t>
+                      </a:r>
+                      <a:r>
+                        <a:rPr lang="en-US" baseline="-25000" dirty="0" smtClean="0"/>
+                        <a:t>1</a:t>
+                      </a:r>
+                      <a:endParaRPr lang="en-US" dirty="0"/>
+                    </a:p>
+                  </a:txBody>
+                  <a:tcPr/>
+                </a:tc>
+                <a:tc>
+                  <a:txBody>
+                    <a:bodyPr/>
+                    <a:lstStyle/>
+                    <a:p>
+                      <a:r>
+                        <a:rPr lang="en-US" dirty="0" smtClean="0"/>
+                        <a:t>15</a:t>
+                      </a:r>
+                      <a:endParaRPr lang="en-US" dirty="0"/>
+                    </a:p>
+                  </a:txBody>
+                  <a:tcPr/>
+                </a:tc>
+              </a:tr>
+              <a:tr h="370840">
+                <a:tc>
+                  <a:txBody>
+                    <a:bodyPr/>
+                    <a:lstStyle/>
+                    <a:p>
+                      <a:r>
+                        <a:rPr lang="en-US" dirty="0" smtClean="0"/>
+                        <a:t>kevin</a:t>
+                      </a:r>
+                      <a:r>
+                        <a:rPr lang="en-US" baseline="-25000" dirty="0" smtClean="0"/>
+                        <a:t>2</a:t>
+                      </a:r>
+                      <a:endParaRPr lang="en-US" dirty="0"/>
+                    </a:p>
+                  </a:txBody>
+                  <a:tcPr/>
+                </a:tc>
+                <a:tc>
+                  <a:txBody>
+                    <a:bodyPr/>
+                    <a:lstStyle/>
+                    <a:p>
+                      <a:r>
+                        <a:rPr lang="en-US" dirty="0" smtClean="0"/>
+                        <a:t>15</a:t>
+                      </a:r>
+                      <a:endParaRPr lang="en-US" dirty="0"/>
+                    </a:p>
+                  </a:txBody>
+                  <a:tcPr/>
+                </a:tc>
+              </a:tr>
+              <a:tr h="370840">
+                <a:tc>
+                  <a:txBody>
+                    <a:bodyPr/>
+                    <a:lstStyle/>
+                    <a:p>
+                      <a:r>
+                        <a:rPr lang="en-US" dirty="0" smtClean="0"/>
+                        <a:t>mark</a:t>
+                      </a:r>
+                      <a:r>
+                        <a:rPr lang="en-US" baseline="-25000" dirty="0" smtClean="0"/>
+                        <a:t>1</a:t>
+                      </a:r>
+                      <a:endParaRPr lang="en-US" dirty="0"/>
+                    </a:p>
+                  </a:txBody>
+                  <a:tcPr/>
+                </a:tc>
+                <a:tc>
+                  <a:txBody>
+                    <a:bodyPr/>
+                    <a:lstStyle/>
+                    <a:p>
+                      <a:r>
+                        <a:rPr lang="en-US" dirty="0" smtClean="0"/>
+                        <a:t>15</a:t>
+                      </a:r>
+                      <a:endParaRPr lang="en-US" dirty="0"/>
+                    </a:p>
+                  </a:txBody>
+                  <a:tcPr/>
+                </a:tc>
+              </a:tr>
+              <a:tr h="370840">
+                <a:tc>
+                  <a:txBody>
+                    <a:bodyPr/>
+                    <a:lstStyle/>
+                    <a:p>
+                      <a:r>
+                        <a:rPr lang="en-US" dirty="0" smtClean="0"/>
+                        <a:t>mark</a:t>
+                      </a:r>
+                      <a:r>
+                        <a:rPr lang="en-US" baseline="-25000" dirty="0" smtClean="0"/>
+                        <a:t>2</a:t>
+                      </a:r>
+                      <a:endParaRPr lang="en-US" dirty="0"/>
+                    </a:p>
+                  </a:txBody>
+                  <a:tcPr/>
+                </a:tc>
+                <a:tc>
+                  <a:txBody>
+                    <a:bodyPr/>
+                    <a:lstStyle/>
+                    <a:p>
+                      <a:r>
+                        <a:rPr lang="en-US" dirty="0" smtClean="0"/>
+                        <a:t>40</a:t>
+                      </a:r>
+                      <a:endParaRPr lang="en-US" dirty="0"/>
+                    </a:p>
+                  </a:txBody>
+                  <a:tcPr/>
+                </a:tc>
+              </a:tr>
+              <a:tr h="370840">
+                <a:tc>
+                  <a:txBody>
+                    <a:bodyPr/>
+                    <a:lstStyle/>
+                    <a:p>
+                      <a:r>
+                        <a:rPr lang="en-US" dirty="0" smtClean="0"/>
+                        <a:t>jerry</a:t>
+                      </a:r>
+                      <a:r>
+                        <a:rPr lang="en-US" baseline="-25000" dirty="0" smtClean="0"/>
+                        <a:t>1</a:t>
+                      </a:r>
+                      <a:endParaRPr lang="en-US" dirty="0"/>
+                    </a:p>
+                  </a:txBody>
+                  <a:tcPr/>
+                </a:tc>
+                <a:tc>
+                  <a:txBody>
+                    <a:bodyPr/>
+                    <a:lstStyle/>
+                    <a:p>
+                      <a:r>
+                        <a:rPr lang="en-US" dirty="0" smtClean="0"/>
+                        <a:t>40</a:t>
+                      </a:r>
+                      <a:endParaRPr lang="en-US" dirty="0"/>
+                    </a:p>
+                  </a:txBody>
+                  <a:tcPr/>
+                </a:tc>
+              </a:tr>
+              <a:tr h="370840">
+                <a:tc>
+                  <a:txBody>
+                    <a:bodyPr/>
+                    <a:lstStyle/>
+                    <a:p>
+                      <a:r>
+                        <a:rPr lang="en-US" dirty="0" smtClean="0"/>
+                        <a:t>jerry</a:t>
+                      </a:r>
+                      <a:r>
+                        <a:rPr lang="en-US" baseline="-25000" dirty="0" smtClean="0"/>
+                        <a:t>2</a:t>
+                      </a:r>
+                      <a:endParaRPr lang="en-US" dirty="0"/>
+                    </a:p>
+                  </a:txBody>
+                  <a:tcPr/>
+                </a:tc>
+                <a:tc>
+                  <a:txBody>
+                    <a:bodyPr/>
+                    <a:lstStyle/>
+                    <a:p>
+                      <a:r>
+                        <a:rPr lang="en-US" dirty="0" smtClean="0"/>
+                        <a:t>40</a:t>
+                      </a:r>
+                      <a:endParaRPr lang="en-US" dirty="0"/>
+                    </a:p>
+                  </a:txBody>
+                  <a:tcPr/>
+                </a:tc>
+              </a:tr>
+            </a:tbl>
+          </a:graphicData>
+        </a:graphic>
+      </p:graphicFrame>
+    </p:spTree>
+    <p:extLst>
+      <p:ext uri="{BB962C8B-B14F-4D97-AF65-F5344CB8AC3E}">
+        <p14:creationId xmlns:p14="http://schemas.microsoft.com/office/powerpoint/2010/main" val="962439253"/>
+      </p:ext>
+    </p:extLst>
+  </p:cSld>
+  <p:clrMapOvr>
+    <a:masterClrMapping/>
+  </p:clrMapOvr>
+  <p:timing>
+    <p:tnLst>
+      <p:par>
+        <p:cTn id="1" dur="indefinite" restart="never" nodeType="tmRoot"/>
+      </p:par>
+    </p:tnLst>
+  </p:timing>
+</p:sld>
+</file>
+
+<file path=ppt/slides/slide17.xml><?xml version="1.0" encoding="utf-8"?>
+<p:sld xmlns:a="http://schemas.openxmlformats.org/drawingml/2006/main" xmlns:r="http://schemas.openxmlformats.org/officeDocument/2006/relationships" xmlns:p="http://schemas.openxmlformats.org/presentationml/2006/main">
+  <p:cSld>
+    <p:spTree>
+      <p:nvGrpSpPr>
+        <p:cNvPr id="1" name=""/>
+        <p:cNvGrpSpPr/>
+        <p:nvPr/>
+      </p:nvGrpSpPr>
+      <p:grpSpPr>
+        <a:xfrm>
+          <a:off x="0" y="0"/>
+          <a:ext cx="0" cy="0"/>
+          <a:chOff x="0" y="0"/>
+          <a:chExt cx="0" cy="0"/>
+        </a:xfrm>
+      </p:grpSpPr>
+      <p:sp>
+        <p:nvSpPr>
+          <p:cNvPr id="2" name="Title 1"/>
+          <p:cNvSpPr>
+            <a:spLocks noGrp="1"/>
+          </p:cNvSpPr>
+          <p:nvPr>
+            <p:ph type="title"/>
+          </p:nvPr>
+        </p:nvSpPr>
+        <p:spPr/>
+        <p:txBody>
+          <a:bodyPr/>
+          <a:lstStyle/>
+          <a:p>
+            <a:r>
+              <a:rPr lang="en-US" dirty="0"/>
+              <a:t>Optimal number of </a:t>
+            </a:r>
+            <a:r>
+              <a:rPr lang="en-US" dirty="0" smtClean="0"/>
+              <a:t>replicas cont’d.</a:t>
+            </a:r>
+            <a:endParaRPr lang="en-US" dirty="0"/>
+          </a:p>
+        </p:txBody>
+      </p:sp>
+      <p:sp>
+        <p:nvSpPr>
+          <p:cNvPr id="3" name="Content Placeholder 2"/>
+          <p:cNvSpPr>
+            <a:spLocks noGrp="1"/>
+          </p:cNvSpPr>
+          <p:nvPr>
+            <p:ph idx="1"/>
+          </p:nvPr>
+        </p:nvSpPr>
+        <p:spPr/>
+        <p:txBody>
+          <a:bodyPr/>
+          <a:lstStyle/>
+          <a:p>
+            <a:pPr>
+              <a:buFont typeface="Arial" charset="0"/>
+              <a:buChar char="•"/>
+            </a:pPr>
+            <a:r>
+              <a:rPr lang="en-US" dirty="0" smtClean="0"/>
+              <a:t>Reliability:</a:t>
+            </a:r>
+            <a:endParaRPr lang="en-US" dirty="0"/>
+          </a:p>
+        </p:txBody>
+      </p:sp>
+      <p:graphicFrame>
+        <p:nvGraphicFramePr>
+          <p:cNvPr id="5" name="Table 4"/>
+          <p:cNvGraphicFramePr>
+            <a:graphicFrameLocks noGrp="1"/>
+          </p:cNvGraphicFramePr>
+          <p:nvPr>
+            <p:extLst>
+              <p:ext uri="{D42A27DB-BD31-4B8C-83A1-F6EECF244321}">
+                <p14:modId xmlns:p14="http://schemas.microsoft.com/office/powerpoint/2010/main" val="848304689"/>
+              </p:ext>
+            </p:extLst>
+          </p:nvPr>
+        </p:nvGraphicFramePr>
+        <p:xfrm>
+          <a:off x="1097280" y="2283286"/>
+          <a:ext cx="9692640" cy="3633994"/>
+        </p:xfrm>
+        <a:graphic>
+          <a:graphicData uri="http://schemas.openxmlformats.org/drawingml/2006/table">
+            <a:tbl>
+              <a:tblPr firstRow="1" bandRow="1">
+                <a:tableStyleId>{2D5ABB26-0587-4C30-8999-92F81FD0307C}</a:tableStyleId>
+              </a:tblPr>
+              <a:tblGrid>
+                <a:gridCol w="2259106"/>
+                <a:gridCol w="3017824"/>
+                <a:gridCol w="4415710"/>
+              </a:tblGrid>
+              <a:tr h="398034">
+                <a:tc>
+                  <a:txBody>
+                    <a:bodyPr/>
+                    <a:lstStyle/>
+                    <a:p>
+                      <a:pPr marL="0" marR="0" indent="0" algn="l" defTabSz="914400" rtl="0" eaLnBrk="1" fontAlgn="auto" latinLnBrk="0" hangingPunct="1">
+                        <a:lnSpc>
+                          <a:spcPct val="100000"/>
+                        </a:lnSpc>
+                        <a:spcBef>
+                          <a:spcPts val="0"/>
+                        </a:spcBef>
+                        <a:spcAft>
+                          <a:spcPts val="0"/>
+                        </a:spcAft>
+                        <a:buClrTx/>
+                        <a:buSzTx/>
+                        <a:buFontTx/>
+                        <a:buNone/>
+                        <a:tabLst/>
+                        <a:defRPr/>
+                      </a:pPr>
+                      <a:r>
+                        <a:rPr lang="en-US" b="1" dirty="0" smtClean="0"/>
+                        <a:t>Number of replicas</a:t>
+                      </a:r>
+                    </a:p>
+                  </a:txBody>
+                  <a:tcPr/>
+                </a:tc>
+                <a:tc>
+                  <a:txBody>
+                    <a:bodyPr/>
+                    <a:lstStyle/>
+                    <a:p>
+                      <a:r>
+                        <a:rPr lang="en-US" b="1" dirty="0" smtClean="0"/>
+                        <a:t>Nodes</a:t>
+                      </a:r>
+                      <a:endParaRPr lang="en-US" b="1" dirty="0"/>
+                    </a:p>
+                  </a:txBody>
+                  <a:tcPr/>
+                </a:tc>
+                <a:tc>
+                  <a:txBody>
+                    <a:bodyPr/>
+                    <a:lstStyle/>
+                    <a:p>
+                      <a:r>
+                        <a:rPr lang="en-US" b="1" dirty="0" smtClean="0"/>
+                        <a:t>Reliability</a:t>
+                      </a:r>
+                      <a:endParaRPr lang="en-US" b="1" dirty="0"/>
+                    </a:p>
+                  </a:txBody>
+                  <a:tcPr/>
+                </a:tc>
+              </a:tr>
+              <a:tr h="370840">
+                <a:tc>
+                  <a:txBody>
+                    <a:bodyPr/>
+                    <a:lstStyle/>
+                    <a:p>
+                      <a:pPr marL="0" marR="0" indent="0" algn="l" defTabSz="914400" rtl="0" eaLnBrk="1" fontAlgn="auto" latinLnBrk="0" hangingPunct="1">
+                        <a:lnSpc>
+                          <a:spcPct val="100000"/>
+                        </a:lnSpc>
+                        <a:spcBef>
+                          <a:spcPts val="0"/>
+                        </a:spcBef>
+                        <a:spcAft>
+                          <a:spcPts val="0"/>
+                        </a:spcAft>
+                        <a:buClrTx/>
+                        <a:buSzTx/>
+                        <a:buFontTx/>
+                        <a:buNone/>
+                        <a:tabLst/>
+                        <a:defRPr/>
+                      </a:pPr>
+                      <a:r>
+                        <a:rPr lang="en-US" dirty="0" smtClean="0"/>
+                        <a:t>2</a:t>
+                      </a:r>
+                    </a:p>
+                  </a:txBody>
+                  <a:tcPr/>
+                </a:tc>
+                <a:tc>
+                  <a:txBody>
+                    <a:bodyPr/>
+                    <a:lstStyle/>
+                    <a:p>
+                      <a:pPr marL="0" marR="0" indent="0" algn="l" defTabSz="914400" rtl="0" eaLnBrk="1" fontAlgn="auto" latinLnBrk="0" hangingPunct="1">
+                        <a:lnSpc>
+                          <a:spcPct val="100000"/>
+                        </a:lnSpc>
+                        <a:spcBef>
+                          <a:spcPts val="0"/>
+                        </a:spcBef>
+                        <a:spcAft>
+                          <a:spcPts val="0"/>
+                        </a:spcAft>
+                        <a:buClrTx/>
+                        <a:buSzTx/>
+                        <a:buFontTx/>
+                        <a:buNone/>
+                        <a:tabLst/>
+                        <a:defRPr/>
+                      </a:pPr>
+                      <a:r>
+                        <a:rPr lang="en-US" dirty="0" smtClean="0"/>
+                        <a:t>2 * MTBF(7.5)</a:t>
+                      </a:r>
+                    </a:p>
+                  </a:txBody>
+                  <a:tcPr/>
+                </a:tc>
+                <a:tc>
+                  <a:txBody>
+                    <a:bodyPr/>
+                    <a:lstStyle/>
+                    <a:p>
+                      <a:pPr marL="0" marR="0" indent="0" algn="l" defTabSz="914400" rtl="0" eaLnBrk="1" fontAlgn="auto" latinLnBrk="0" hangingPunct="1">
+                        <a:lnSpc>
+                          <a:spcPct val="100000"/>
+                        </a:lnSpc>
+                        <a:spcBef>
+                          <a:spcPts val="0"/>
+                        </a:spcBef>
+                        <a:spcAft>
+                          <a:spcPts val="0"/>
+                        </a:spcAft>
+                        <a:buClrTx/>
+                        <a:buSzTx/>
+                        <a:buFont typeface="Arial" charset="0"/>
+                        <a:buNone/>
+                        <a:tabLst/>
+                        <a:defRPr/>
+                      </a:pPr>
+                      <a:r>
+                        <a:rPr lang="en-US" dirty="0" smtClean="0"/>
                         <a:t>1 –</a:t>
                       </a:r>
                       <a:r>
@@ -4879,11 +6026,15 @@
                       </a:r>
                       <a:r>
                         <a:rPr lang="en-US" baseline="30000" dirty="0" smtClean="0"/>
-                        <a:t>1</a:t>
+                        <a:t>2</a:t>
                       </a:r>
                       <a:r>
                         <a:rPr lang="sv-SE" baseline="0" dirty="0" smtClean="0"/>
-                        <a:t> =</a:t>
+                        <a:t> = </a:t>
+                      </a:r>
+                      <a:r>
+                        <a:rPr lang="nb-NO" baseline="0" dirty="0" smtClean="0"/>
+                        <a:t>0.99534</a:t>
                       </a:r>
                       <a:endParaRPr lang="en-US" dirty="0" smtClean="0"/>
                     </a:p>
@@ -4915,8 +6066,38 @@
                         <a:defRPr/>
                       </a:pPr>
                       <a:r>
+                        <a:rPr lang="en-US" b="1" dirty="0" smtClean="0"/>
+                        <a:t>3</a:t>
+                      </a:r>
+                    </a:p>
+                  </a:txBody>
+                  <a:tcPr/>
+                </a:tc>
+                <a:tc>
+                  <a:txBody>
+                    <a:bodyPr/>
+                    <a:lstStyle/>
+                    <a:p>
+                      <a:pPr marL="0" marR="0" indent="0" algn="l" defTabSz="914400" rtl="0" eaLnBrk="1" fontAlgn="auto" latinLnBrk="0" hangingPunct="1">
+                        <a:lnSpc>
+                          <a:spcPct val="100000"/>
+                        </a:lnSpc>
+                        <a:spcBef>
+                          <a:spcPts val="0"/>
+                        </a:spcBef>
+                        <a:spcAft>
+                          <a:spcPts val="0"/>
+                        </a:spcAft>
+                        <a:buClrTx/>
+                        <a:buSzTx/>
+                        <a:buFontTx/>
+                        <a:buNone/>
+                        <a:tabLst/>
+                        <a:defRPr/>
+                      </a:pPr>
+                      <a:r>
                         <a:rPr lang="en-US" dirty="0" smtClean="0"/>
-                        <a:t>2 * MTBF(7.5)</a:t>
+                        <a:t>3 * MTBF(7.5)</a:t>
                       </a:r>
                     </a:p>
                   </a:txBody>
@@ -4962,13 +6143,17 @@
                       </a:r>
                       <a:r>
                         <a:rPr lang="en-US" baseline="30000" dirty="0" smtClean="0"/>
-                        <a:t>2</a:t>
+                        <a:t>3</a:t>
                       </a:r>
                       <a:r>
                         <a:rPr lang="sv-SE" baseline="0" dirty="0" smtClean="0"/>
-                        <a:t> =</a:t>
-                      </a:r>
-                      <a:endParaRPr lang="en-US" dirty="0" smtClean="0"/>
+                        <a:t> = </a:t>
+                      </a:r>
+                      <a:r>
+                        <a:rPr lang="it-IT" b="1" baseline="0" dirty="0" smtClean="0"/>
+                        <a:t>0.99968</a:t>
+                      </a:r>
+                      <a:endParaRPr lang="en-US" b="1" dirty="0" smtClean="0"/>
                     </a:p>
                   </a:txBody>
                   <a:tcPr/>
@@ -4999,8 +6184,114 @@
                       </a:pPr>
                       <a:r>
                         <a:rPr lang="en-US" dirty="0" smtClean="0"/>
-                        <a:t>3 * MTBF(7.5)</a:t>
-                      </a:r>
+                        <a:t>2</a:t>
+                      </a:r>
+                    </a:p>
+                  </a:txBody>
+                  <a:tcPr/>
+                </a:tc>
+                <a:tc>
+                  <a:txBody>
+                    <a:bodyPr/>
+                    <a:lstStyle/>
+                    <a:p>
+                      <a:pPr marL="0" marR="0" indent="0" algn="l" defTabSz="914400" rtl="0" eaLnBrk="1" fontAlgn="auto" latinLnBrk="0" hangingPunct="1">
+                        <a:lnSpc>
+                          <a:spcPct val="100000"/>
+                        </a:lnSpc>
+                        <a:spcBef>
+                          <a:spcPts val="0"/>
+                        </a:spcBef>
+                        <a:spcAft>
+                          <a:spcPts val="0"/>
+                        </a:spcAft>
+                        <a:buClrTx/>
+                        <a:buSzTx/>
+                        <a:buFontTx/>
+                        <a:buNone/>
+                        <a:tabLst/>
+                        <a:defRPr/>
+                      </a:pPr>
+                      <a:r>
+                        <a:rPr lang="en-US" dirty="0" smtClean="0"/>
+                        <a:t>2 * MTBF(15)</a:t>
+                      </a:r>
+                    </a:p>
+                  </a:txBody>
+                  <a:tcPr/>
+                </a:tc>
+                <a:tc>
+                  <a:txBody>
+                    <a:bodyPr/>
+                    <a:lstStyle/>
+                    <a:p>
+                      <a:pPr>
+                        <a:buFont typeface="Arial" charset="0"/>
+                        <a:buNone/>
+                      </a:pPr>
+                      <a:r>
+                        <a:rPr lang="en-US" dirty="0" smtClean="0"/>
+                        <a:t>1 –</a:t>
+                      </a:r>
+                      <a:r>
+                        <a:rPr lang="en-US" baseline="0" dirty="0" smtClean="0"/>
+                        <a:t> (1 – R</a:t>
+                      </a:r>
+                      <a:r>
+                        <a:rPr lang="en-US" baseline="-25000" dirty="0" smtClean="0"/>
+                        <a:t>15</a:t>
+                      </a:r>
+                      <a:r>
+                        <a:rPr lang="en-US" baseline="0" dirty="0" smtClean="0"/>
+                        <a:t>(t))</a:t>
+                      </a:r>
+                      <a:r>
+                        <a:rPr lang="en-US" baseline="30000" dirty="0" smtClean="0"/>
+                        <a:t>2</a:t>
+                      </a:r>
+                      <a:r>
+                        <a:rPr lang="sv-SE" baseline="0" dirty="0" smtClean="0"/>
+                        <a:t> = </a:t>
+                      </a:r>
+                      <a:r>
+                        <a:rPr lang="fi-FI" baseline="0" dirty="0" smtClean="0"/>
+                        <a:t>0.99879</a:t>
+                      </a:r>
+                      <a:endParaRPr lang="en-US" b="1" dirty="0" smtClean="0"/>
+                    </a:p>
+                  </a:txBody>
+                  <a:tcPr/>
+                </a:tc>
+              </a:tr>
+              <a:tr h="370840">
+                <a:tc>
+                  <a:txBody>
+                    <a:bodyPr/>
+                    <a:lstStyle/>
+                    <a:p>
+                      <a:r>
+                        <a:rPr lang="en-US" b="1" dirty="0" smtClean="0"/>
+                        <a:t>3</a:t>
+                      </a:r>
+                      <a:endParaRPr lang="en-US" b="1" dirty="0"/>
+                    </a:p>
+                  </a:txBody>
+                  <a:tcPr/>
+                </a:tc>
+                <a:tc>
+                  <a:txBody>
+                    <a:bodyPr/>
+                    <a:lstStyle/>
+                    <a:p>
+                      <a:r>
+                        <a:rPr lang="en-US" dirty="0" smtClean="0"/>
+                        <a:t>3 * MTBF(15</a:t>
+                      </a:r>
+                      <a:r>
+                        <a:rPr lang="en-US" baseline="0" dirty="0" smtClean="0"/>
+                        <a:t>)</a:t>
+                      </a:r>
+                      <a:endParaRPr lang="en-US" dirty="0"/>
                     </a:p>
                   </a:txBody>
                   <a:tcPr/>
@@ -5037,7 +6328,7 @@
                       </a:r>
                       <a:r>
                         <a:rPr lang="en-US" baseline="-25000" dirty="0" smtClean="0"/>
-                        <a:t>7.5</a:t>
+                        <a:t>15</a:t>
                       </a:r>
                       <a:r>
                         <a:rPr lang="en-US" baseline="0" dirty="0" smtClean="0"/>
@@ -5048,63 +6339,14 @@
                         <a:t>3</a:t>
                       </a:r>
                       <a:r>
-                        <a:rPr lang="sv-SE" baseline="0" dirty="0" smtClean="0"/>
-                        <a:t> =</a:t>
+                        <a:rPr lang="en-US" baseline="0" dirty="0" smtClean="0"/>
+                        <a:t> =  </a:t>
+                      </a:r>
+                      <a:r>
+                        <a:rPr lang="nb-NO" b="1" baseline="0" dirty="0" smtClean="0"/>
+                        <a:t>0.99996</a:t>
                       </a:r>
                       <a:endParaRPr lang="en-US" b="1" dirty="0" smtClean="0"/>
-                    </a:p>
-                  </a:txBody>
-                  <a:tcPr/>
-                </a:tc>
-              </a:tr>
-              <a:tr h="370840">
-                <a:tc>
-                  <a:txBody>
-                    <a:bodyPr/>
-                    <a:lstStyle/>
-                    <a:p>
-                      <a:r>
-                        <a:rPr lang="en-US" dirty="0" smtClean="0"/>
-                        <a:t>1 * MTBF(15)</a:t>
-                      </a:r>
-                    </a:p>
-                  </a:txBody>
-                  <a:tcPr/>
-                </a:tc>
-                <a:tc>
-                  <a:txBody>
-                    <a:bodyPr/>
-                    <a:lstStyle/>
-                    <a:p>
-                      <a:pPr>
-                        <a:buFont typeface="Arial" charset="0"/>
-                        <a:buNone/>
-                      </a:pPr>
-                      <a:r>
-                        <a:rPr lang="en-US" dirty="0" smtClean="0"/>
-                        <a:t>1 –</a:t>
-                      </a:r>
-                      <a:r>
-                        <a:rPr lang="en-US" baseline="0" dirty="0" smtClean="0"/>
-                        <a:t> (1 – R</a:t>
-                      </a:r>
-                      <a:r>
-                        <a:rPr lang="en-US" baseline="-25000" dirty="0" smtClean="0"/>
-                        <a:t>15</a:t>
-                      </a:r>
-                      <a:r>
-                        <a:rPr lang="en-US" baseline="0" dirty="0" smtClean="0"/>
-                        <a:t>(t))</a:t>
-                      </a:r>
-                      <a:r>
-                        <a:rPr lang="en-US" baseline="30000" dirty="0" smtClean="0"/>
-                        <a:t>1</a:t>
-                      </a:r>
-                      <a:r>
-                        <a:rPr lang="sv-SE" baseline="0" dirty="0" smtClean="0"/>
-                        <a:t> =</a:t>
-                      </a:r>
-                      <a:endParaRPr lang="en-US" dirty="0" smtClean="0"/>
                     </a:p>
                   </a:txBody>
                   <a:tcPr/>
@@ -5135,7 +6377,7 @@
                       </a:pPr>
                       <a:r>
                         <a:rPr lang="en-US" dirty="0" smtClean="0"/>
-                        <a:t>2 * MTBF(15)</a:t>
+                        <a:t>1</a:t>
                       </a:r>
                     </a:p>
                   </a:txBody>
@@ -5146,55 +6388,32 @@
                     <a:bodyPr/>
                     <a:lstStyle/>
                     <a:p>
-                      <a:pPr>
-                        <a:buFont typeface="Arial" charset="0"/>
+                      <a:pPr marL="0" marR="0" indent="0" algn="l" defTabSz="914400" rtl="0" eaLnBrk="1" fontAlgn="auto" latinLnBrk="0" hangingPunct="1">
+                        <a:lnSpc>
+                          <a:spcPct val="100000"/>
+                        </a:lnSpc>
+                        <a:spcBef>
+                          <a:spcPts val="0"/>
+                        </a:spcBef>
+                        <a:spcAft>
+                          <a:spcPts val="0"/>
+                        </a:spcAft>
+                        <a:buClrTx/>
+                        <a:buSzTx/>
+                        <a:buFontTx/>
                         <a:buNone/>
+                        <a:tabLst/>
+                        <a:defRPr/>
                       </a:pPr>
                       <a:r>
                         <a:rPr lang="en-US" dirty="0" smtClean="0"/>
-                        <a:t>1 –</a:t>
-                      </a:r>
-                      <a:r>
-                        <a:rPr lang="en-US" baseline="0" dirty="0" smtClean="0"/>
-                        <a:t> (1 – R</a:t>
-                      </a:r>
-                      <a:r>
-                        <a:rPr lang="en-US" baseline="-25000" dirty="0" smtClean="0"/>
-                        <a:t>15</a:t>
-                      </a:r>
-                      <a:r>
-                        <a:rPr lang="en-US" baseline="0" dirty="0" smtClean="0"/>
-                        <a:t>(t))</a:t>
-                      </a:r>
-                      <a:r>
-                        <a:rPr lang="en-US" baseline="30000" dirty="0" smtClean="0"/>
-                        <a:t>2</a:t>
-                      </a:r>
-                      <a:r>
-                        <a:rPr lang="sv-SE" baseline="0" dirty="0" smtClean="0"/>
-                        <a:t> =</a:t>
-                      </a:r>
-                      <a:endParaRPr lang="en-US" b="1" dirty="0" smtClean="0"/>
-                    </a:p>
-                  </a:txBody>
-                  <a:tcPr/>
-                </a:tc>
-              </a:tr>
-              <a:tr h="370840">
-                <a:tc>
-                  <a:txBody>
-                    <a:bodyPr/>
-                    <a:lstStyle/>
-                    <a:p>
-                      <a:r>
-                        <a:rPr lang="en-US" dirty="0" smtClean="0"/>
-                        <a:t>1 * MTBF(15</a:t>
+                        <a:t>1 * MTBF(40</a:t>
                       </a:r>
                       <a:r>
                         <a:rPr lang="en-US" baseline="0" dirty="0" smtClean="0"/>
                         <a:t>)</a:t>
                       </a:r>
-                      <a:endParaRPr lang="en-US" dirty="0"/>
+                      <a:endParaRPr lang="en-US" dirty="0" smtClean="0"/>
                     </a:p>
                   </a:txBody>
                   <a:tcPr/>
@@ -5231,7 +6450,116 @@
                       </a:r>
                       <a:r>
                         <a:rPr lang="en-US" baseline="-25000" dirty="0" smtClean="0"/>
-                        <a:t>15</a:t>
+                        <a:t>40</a:t>
+                      </a:r>
+                      <a:r>
+                        <a:rPr lang="en-US" baseline="0" dirty="0" smtClean="0"/>
+                        <a:t>(t)) = </a:t>
+                      </a:r>
+                      <a:r>
+                        <a:rPr lang="it-IT" baseline="0" dirty="0" smtClean="0"/>
+                        <a:t>0.98683</a:t>
+                      </a:r>
+                      <a:endParaRPr lang="en-US" b="1" dirty="0" smtClean="0"/>
+                    </a:p>
+                  </a:txBody>
+                  <a:tcPr/>
+                </a:tc>
+              </a:tr>
+              <a:tr h="370840">
+                <a:tc>
+                  <a:txBody>
+                    <a:bodyPr/>
+                    <a:lstStyle/>
+                    <a:p>
+                      <a:pPr marL="0" marR="0" indent="0" algn="l" defTabSz="914400" rtl="0" eaLnBrk="1" fontAlgn="auto" latinLnBrk="0" hangingPunct="1">
+                        <a:lnSpc>
+                          <a:spcPct val="100000"/>
+                        </a:lnSpc>
+                        <a:spcBef>
+                          <a:spcPts val="0"/>
+                        </a:spcBef>
+                        <a:spcAft>
+                          <a:spcPts val="0"/>
+                        </a:spcAft>
+                        <a:buClrTx/>
+                        <a:buSzTx/>
+                        <a:buFontTx/>
+                        <a:buNone/>
+                        <a:tabLst/>
+                        <a:defRPr/>
+                      </a:pPr>
+                      <a:r>
+                        <a:rPr lang="en-US" b="1" dirty="0" smtClean="0"/>
+                        <a:t>2</a:t>
+                      </a:r>
+                    </a:p>
+                  </a:txBody>
+                  <a:tcPr/>
+                </a:tc>
+                <a:tc>
+                  <a:txBody>
+                    <a:bodyPr/>
+                    <a:lstStyle/>
+                    <a:p>
+                      <a:pPr marL="0" marR="0" indent="0" algn="l" defTabSz="914400" rtl="0" eaLnBrk="1" fontAlgn="auto" latinLnBrk="0" hangingPunct="1">
+                        <a:lnSpc>
+                          <a:spcPct val="100000"/>
+                        </a:lnSpc>
+                        <a:spcBef>
+                          <a:spcPts val="0"/>
+                        </a:spcBef>
+                        <a:spcAft>
+                          <a:spcPts val="0"/>
+                        </a:spcAft>
+                        <a:buClrTx/>
+                        <a:buSzTx/>
+                        <a:buFontTx/>
+                        <a:buNone/>
+                        <a:tabLst/>
+                        <a:defRPr/>
+                      </a:pPr>
+                      <a:r>
+                        <a:rPr lang="en-US" dirty="0" smtClean="0"/>
+                        <a:t>2 * MTBF(40)</a:t>
+                      </a:r>
+                    </a:p>
+                  </a:txBody>
+                  <a:tcPr/>
+                </a:tc>
+                <a:tc>
+                  <a:txBody>
+                    <a:bodyPr/>
+                    <a:lstStyle/>
+                    <a:p>
+                      <a:pPr marL="0" marR="0" indent="0" algn="l" defTabSz="914400" rtl="0" eaLnBrk="1" fontAlgn="auto" latinLnBrk="0" hangingPunct="1">
+                        <a:lnSpc>
+                          <a:spcPct val="100000"/>
+                        </a:lnSpc>
+                        <a:spcBef>
+                          <a:spcPts val="0"/>
+                        </a:spcBef>
+                        <a:spcAft>
+                          <a:spcPts val="0"/>
+                        </a:spcAft>
+                        <a:buClrTx/>
+                        <a:buSzTx/>
+                        <a:buFont typeface="Arial" charset="0"/>
+                        <a:buNone/>
+                        <a:tabLst/>
+                        <a:defRPr/>
+                      </a:pPr>
+                      <a:r>
+                        <a:rPr lang="en-US" dirty="0" smtClean="0"/>
+                        <a:t>1 –</a:t>
+                      </a:r>
+                      <a:r>
+                        <a:rPr lang="en-US" baseline="0" dirty="0" smtClean="0"/>
+                        <a:t> (1 – R</a:t>
+                      </a:r>
+                      <a:r>
+                        <a:rPr lang="en-US" baseline="-25000" dirty="0" smtClean="0"/>
+                        <a:t>40</a:t>
                       </a:r>
                       <a:r>
                         <a:rPr lang="en-US" baseline="0" dirty="0" smtClean="0"/>
@@ -5239,11 +6567,259 @@
                       </a:r>
                       <a:r>
                         <a:rPr lang="en-US" baseline="30000" dirty="0" smtClean="0"/>
-                        <a:t>3</a:t>
+                        <a:t>2</a:t>
                       </a:r>
                       <a:r>
                         <a:rPr lang="en-US" baseline="0" dirty="0" smtClean="0"/>
                         <a:t> = </a:t>
+                      </a:r>
+                      <a:r>
+                        <a:rPr lang="nb-NO" b="1" dirty="0" smtClean="0"/>
+                        <a:t>0.99983</a:t>
+                      </a:r>
+                      <a:endParaRPr lang="en-US" b="1" dirty="0" smtClean="0"/>
+                    </a:p>
+                  </a:txBody>
+                  <a:tcPr/>
+                </a:tc>
+              </a:tr>
+              <a:tr h="370840">
+                <a:tc>
+                  <a:txBody>
+                    <a:bodyPr/>
+                    <a:lstStyle/>
+                    <a:p>
+                      <a:pPr marL="0" marR="0" indent="0" algn="l" defTabSz="914400" rtl="0" eaLnBrk="1" fontAlgn="auto" latinLnBrk="0" hangingPunct="1">
+                        <a:lnSpc>
+                          <a:spcPct val="100000"/>
+                        </a:lnSpc>
+                        <a:spcBef>
+                          <a:spcPts val="0"/>
+                        </a:spcBef>
+                        <a:spcAft>
+                          <a:spcPts val="0"/>
+                        </a:spcAft>
+                        <a:buClrTx/>
+                        <a:buSzTx/>
+                        <a:buFontTx/>
+                        <a:buNone/>
+                        <a:tabLst/>
+                        <a:defRPr/>
+                      </a:pPr>
+                      <a:r>
+                        <a:rPr lang="en-US" b="1" dirty="0" smtClean="0"/>
+                        <a:t>3</a:t>
+                      </a:r>
+                    </a:p>
+                  </a:txBody>
+                  <a:tcPr/>
+                </a:tc>
+                <a:tc>
+                  <a:txBody>
+                    <a:bodyPr/>
+                    <a:lstStyle/>
+                    <a:p>
+                      <a:pPr marL="0" marR="0" indent="0" algn="l" defTabSz="914400" rtl="0" eaLnBrk="1" fontAlgn="auto" latinLnBrk="0" hangingPunct="1">
+                        <a:lnSpc>
+                          <a:spcPct val="100000"/>
+                        </a:lnSpc>
+                        <a:spcBef>
+                          <a:spcPts val="0"/>
+                        </a:spcBef>
+                        <a:spcAft>
+                          <a:spcPts val="0"/>
+                        </a:spcAft>
+                        <a:buClrTx/>
+                        <a:buSzTx/>
+                        <a:buFontTx/>
+                        <a:buNone/>
+                        <a:tabLst/>
+                        <a:defRPr/>
+                      </a:pPr>
+                      <a:r>
+                        <a:rPr lang="en-US" dirty="0" smtClean="0"/>
+                        <a:t>1 * MTBF(15) + 2 * MTBF(7.5)</a:t>
+                      </a:r>
+                    </a:p>
+                  </a:txBody>
+                  <a:tcPr/>
+                </a:tc>
+                <a:tc>
+                  <a:txBody>
+                    <a:bodyPr/>
+                    <a:lstStyle/>
+                    <a:p>
+                      <a:pPr marL="0" marR="0" indent="0" algn="l" defTabSz="914400" rtl="0" eaLnBrk="1" fontAlgn="auto" latinLnBrk="0" hangingPunct="1">
+                        <a:lnSpc>
+                          <a:spcPct val="100000"/>
+                        </a:lnSpc>
+                        <a:spcBef>
+                          <a:spcPts val="0"/>
+                        </a:spcBef>
+                        <a:spcAft>
+                          <a:spcPts val="0"/>
+                        </a:spcAft>
+                        <a:buClrTx/>
+                        <a:buSzTx/>
+                        <a:buFont typeface="Arial" charset="0"/>
+                        <a:buNone/>
+                        <a:tabLst/>
+                        <a:defRPr/>
+                      </a:pPr>
+                      <a:r>
+                        <a:rPr lang="en-US" dirty="0" smtClean="0"/>
+                        <a:t>1 –</a:t>
+                      </a:r>
+                      <a:r>
+                        <a:rPr lang="en-US" baseline="0" dirty="0" smtClean="0"/>
+                        <a:t> (1 – R</a:t>
+                      </a:r>
+                      <a:r>
+                        <a:rPr lang="en-US" baseline="-25000" dirty="0" smtClean="0"/>
+                        <a:t>15</a:t>
+                      </a:r>
+                      <a:r>
+                        <a:rPr lang="en-US" baseline="0" dirty="0" smtClean="0"/>
+                        <a:t>(t))</a:t>
+                      </a:r>
+                      <a:r>
+                        <a:rPr lang="sv-SE" baseline="0" dirty="0" smtClean="0"/>
+                        <a:t> * </a:t>
+                      </a:r>
+                      <a:r>
+                        <a:rPr lang="en-US" baseline="0" dirty="0" smtClean="0"/>
+                        <a:t>(1 – R</a:t>
+                      </a:r>
+                      <a:r>
+                        <a:rPr lang="en-US" baseline="-25000" dirty="0" smtClean="0"/>
+                        <a:t>7.5</a:t>
+                      </a:r>
+                      <a:r>
+                        <a:rPr lang="en-US" baseline="0" dirty="0" smtClean="0"/>
+                        <a:t>(t))</a:t>
+                      </a:r>
+                      <a:r>
+                        <a:rPr lang="en-US" baseline="30000" dirty="0" smtClean="0"/>
+                        <a:t> 2</a:t>
+                      </a:r>
+                      <a:r>
+                        <a:rPr lang="en-US" baseline="0" dirty="0" smtClean="0"/>
+                        <a:t> </a:t>
+                      </a:r>
+                      <a:r>
+                        <a:rPr lang="sv-SE" baseline="0" dirty="0" smtClean="0"/>
+                        <a:t>= </a:t>
+                      </a:r>
+                      <a:r>
+                        <a:rPr lang="nb-NO" b="1" baseline="0" dirty="0" smtClean="0"/>
+                        <a:t>0.99984</a:t>
+                      </a:r>
+                      <a:endParaRPr lang="en-US" b="1" dirty="0" smtClean="0"/>
+                    </a:p>
+                  </a:txBody>
+                  <a:tcPr/>
+                </a:tc>
+              </a:tr>
+              <a:tr h="370840">
+                <a:tc>
+                  <a:txBody>
+                    <a:bodyPr/>
+                    <a:lstStyle/>
+                    <a:p>
+                      <a:r>
+                        <a:rPr lang="en-US" b="1" dirty="0" smtClean="0"/>
+                        <a:t>3</a:t>
+                      </a:r>
+                      <a:endParaRPr lang="en-US" b="1" dirty="0"/>
+                    </a:p>
+                  </a:txBody>
+                  <a:tcPr/>
+                </a:tc>
+                <a:tc>
+                  <a:txBody>
+                    <a:bodyPr/>
+                    <a:lstStyle/>
+                    <a:p>
+                      <a:pPr marL="0" marR="0" indent="0" algn="l" defTabSz="914400" rtl="0" eaLnBrk="1" fontAlgn="auto" latinLnBrk="0" hangingPunct="1">
+                        <a:lnSpc>
+                          <a:spcPct val="100000"/>
+                        </a:lnSpc>
+                        <a:spcBef>
+                          <a:spcPts val="0"/>
+                        </a:spcBef>
+                        <a:spcAft>
+                          <a:spcPts val="0"/>
+                        </a:spcAft>
+                        <a:buClrTx/>
+                        <a:buSzTx/>
+                        <a:buFontTx/>
+                        <a:buNone/>
+                        <a:tabLst/>
+                        <a:defRPr/>
+                      </a:pPr>
+                      <a:r>
+                        <a:rPr lang="en-US" dirty="0" smtClean="0"/>
+                        <a:t>2 * MTBF(15) + 1 * MTBF(7.5)</a:t>
+                      </a:r>
+                    </a:p>
+                    <a:p>
+                      <a:endParaRPr lang="en-US" dirty="0"/>
+                    </a:p>
+                  </a:txBody>
+                  <a:tcPr/>
+                </a:tc>
+                <a:tc>
+                  <a:txBody>
+                    <a:bodyPr/>
+                    <a:lstStyle/>
+                    <a:p>
+                      <a:pPr>
+                        <a:buFont typeface="Arial" charset="0"/>
+                        <a:buNone/>
+                      </a:pPr>
+                      <a:r>
+                        <a:rPr lang="en-US" dirty="0" smtClean="0"/>
+                        <a:t>1 –</a:t>
+                      </a:r>
+                      <a:r>
+                        <a:rPr lang="en-US" baseline="0" dirty="0" smtClean="0"/>
+                        <a:t> (1 – R</a:t>
+                      </a:r>
+                      <a:r>
+                        <a:rPr lang="en-US" baseline="-25000" dirty="0" smtClean="0"/>
+                        <a:t>15</a:t>
+                      </a:r>
+                      <a:r>
+                        <a:rPr lang="en-US" baseline="0" dirty="0" smtClean="0"/>
+                        <a:t>(t))</a:t>
+                      </a:r>
+                      <a:r>
+                        <a:rPr lang="en-US" baseline="30000" dirty="0" smtClean="0"/>
+                        <a:t>2</a:t>
+                      </a:r>
+                      <a:r>
+                        <a:rPr lang="sv-SE" baseline="0" dirty="0" smtClean="0"/>
+                        <a:t> * </a:t>
+                      </a:r>
+                      <a:r>
+                        <a:rPr lang="en-US" baseline="0" dirty="0" smtClean="0"/>
+                        <a:t>(1 – R</a:t>
+                      </a:r>
+                      <a:r>
+                        <a:rPr lang="en-US" baseline="-25000" dirty="0" smtClean="0"/>
+                        <a:t>7.5</a:t>
+                      </a:r>
+                      <a:r>
+                        <a:rPr lang="en-US" baseline="0" dirty="0" smtClean="0"/>
+                        <a:t>(t)) </a:t>
+                      </a:r>
+                      <a:r>
+                        <a:rPr lang="sv-SE" baseline="0" dirty="0" smtClean="0"/>
+                        <a:t>= </a:t>
+                      </a:r>
+                      <a:r>
+                        <a:rPr lang="nb-NO" b="1" baseline="0" dirty="0" smtClean="0"/>
+                        <a:t>0.99991</a:t>
                       </a:r>
                       <a:endParaRPr lang="en-US" b="1" dirty="0" smtClean="0"/>
                     </a:p>
@@ -5275,7 +6851,7 @@
 </p:sld>
 </file>
 
-<file path=ppt/slides/slide12.xml><?xml version="1.0" encoding="utf-8"?>
+<file path=ppt/slides/slide18.xml><?xml version="1.0" encoding="utf-8"?>
 <p:sld xmlns:a="http://schemas.openxmlformats.org/drawingml/2006/main" xmlns:r="http://schemas.openxmlformats.org/officeDocument/2006/relationships" xmlns:p="http://schemas.openxmlformats.org/presentationml/2006/main">
   <p:cSld>
     <p:spTree>
@@ -5364,7 +6940,7 @@
 </p:sld>
 </file>
 
-<file path=ppt/slides/slide13.xml><?xml version="1.0" encoding="utf-8"?>
+<file path=ppt/slides/slide19.xml><?xml version="1.0" encoding="utf-8"?>
 <p:sld xmlns:a="http://schemas.openxmlformats.org/drawingml/2006/main" xmlns:r="http://schemas.openxmlformats.org/officeDocument/2006/relationships" xmlns:p="http://schemas.openxmlformats.org/presentationml/2006/main">
   <p:cSld>
     <p:spTree>
@@ -5454,7 +7030,170 @@
 </p:sld>
 </file>
 
-<file path=ppt/slides/slide14.xml><?xml version="1.0" encoding="utf-8"?>
+<file path=ppt/slides/slide2.xml><?xml version="1.0" encoding="utf-8"?>
+<p:sld xmlns:a="http://schemas.openxmlformats.org/drawingml/2006/main" xmlns:r="http://schemas.openxmlformats.org/officeDocument/2006/relationships" xmlns:p="http://schemas.openxmlformats.org/presentationml/2006/main">
+  <p:cSld>
+    <p:spTree>
+      <p:nvGrpSpPr>
+        <p:cNvPr id="1" name=""/>
+        <p:cNvGrpSpPr/>
+        <p:nvPr/>
+      </p:nvGrpSpPr>
+      <p:grpSpPr>
+        <a:xfrm>
+          <a:off x="0" y="0"/>
+          <a:ext cx="0" cy="0"/>
+          <a:chOff x="0" y="0"/>
+          <a:chExt cx="0" cy="0"/>
+        </a:xfrm>
+      </p:grpSpPr>
+      <p:sp>
+        <p:nvSpPr>
+          <p:cNvPr id="2" name="Title 1"/>
+          <p:cNvSpPr>
+            <a:spLocks noGrp="1"/>
+          </p:cNvSpPr>
+          <p:nvPr>
+            <p:ph type="title"/>
+          </p:nvPr>
+        </p:nvSpPr>
+        <p:spPr/>
+        <p:txBody>
+          <a:bodyPr/>
+          <a:lstStyle/>
+          <a:p>
+            <a:r>
+              <a:rPr lang="en-US" dirty="0" smtClean="0"/>
+              <a:t>Agenda</a:t>
+            </a:r>
+            <a:endParaRPr lang="en-US" dirty="0"/>
+          </a:p>
+        </p:txBody>
+      </p:sp>
+      <p:sp>
+        <p:nvSpPr>
+          <p:cNvPr id="3" name="Content Placeholder 2"/>
+          <p:cNvSpPr>
+            <a:spLocks noGrp="1"/>
+          </p:cNvSpPr>
+          <p:nvPr>
+            <p:ph idx="1"/>
+          </p:nvPr>
+        </p:nvSpPr>
+        <p:spPr/>
+        <p:txBody>
+          <a:bodyPr/>
+          <a:lstStyle/>
+          <a:p>
+            <a:pPr marL="457200" indent="-457200">
+              <a:buFont typeface="+mj-lt"/>
+              <a:buAutoNum type="arabicPeriod"/>
+            </a:pPr>
+            <a:r>
+              <a:rPr lang="en-US" dirty="0" smtClean="0"/>
+              <a:t>Introduction</a:t>
+            </a:r>
+          </a:p>
+          <a:p>
+            <a:pPr marL="457200" indent="-457200">
+              <a:buFont typeface="+mj-lt"/>
+              <a:buAutoNum type="arabicPeriod"/>
+            </a:pPr>
+            <a:r>
+              <a:rPr lang="en-US" dirty="0" smtClean="0"/>
+              <a:t>Related work</a:t>
+            </a:r>
+          </a:p>
+          <a:p>
+            <a:pPr marL="457200" indent="-457200">
+              <a:buFont typeface="+mj-lt"/>
+              <a:buAutoNum type="arabicPeriod"/>
+            </a:pPr>
+            <a:r>
+              <a:rPr lang="en-US" dirty="0" smtClean="0"/>
+              <a:t>System model</a:t>
+            </a:r>
+          </a:p>
+          <a:p>
+            <a:pPr marL="457200" indent="-457200">
+              <a:buFont typeface="+mj-lt"/>
+              <a:buAutoNum type="arabicPeriod"/>
+            </a:pPr>
+            <a:r>
+              <a:rPr lang="en-US" dirty="0" smtClean="0"/>
+              <a:t>Reliability model</a:t>
+            </a:r>
+          </a:p>
+          <a:p>
+            <a:pPr marL="457200" indent="-457200">
+              <a:buFont typeface="+mj-lt"/>
+              <a:buAutoNum type="arabicPeriod"/>
+            </a:pPr>
+            <a:r>
+              <a:rPr lang="en-US" dirty="0" smtClean="0"/>
+              <a:t>Self-adapting model</a:t>
+            </a:r>
+          </a:p>
+          <a:p>
+            <a:pPr marL="457200" indent="-457200">
+              <a:buFont typeface="+mj-lt"/>
+              <a:buAutoNum type="arabicPeriod"/>
+            </a:pPr>
+            <a:r>
+              <a:rPr lang="en-US" dirty="0" smtClean="0"/>
+              <a:t>Calvin</a:t>
+            </a:r>
+          </a:p>
+          <a:p>
+            <a:pPr marL="457200" indent="-457200">
+              <a:buFont typeface="+mj-lt"/>
+              <a:buAutoNum type="arabicPeriod"/>
+            </a:pPr>
+            <a:r>
+              <a:rPr lang="en-US" dirty="0" smtClean="0"/>
+              <a:t>Implementation</a:t>
+            </a:r>
+          </a:p>
+          <a:p>
+            <a:pPr marL="457200" indent="-457200">
+              <a:buFont typeface="+mj-lt"/>
+              <a:buAutoNum type="arabicPeriod"/>
+            </a:pPr>
+            <a:r>
+              <a:rPr lang="en-US" dirty="0" smtClean="0"/>
+              <a:t>Experiments</a:t>
+            </a:r>
+          </a:p>
+          <a:p>
+            <a:pPr marL="457200" indent="-457200">
+              <a:buFont typeface="+mj-lt"/>
+              <a:buAutoNum type="arabicPeriod"/>
+            </a:pPr>
+            <a:endParaRPr lang="en-US" dirty="0"/>
+          </a:p>
+        </p:txBody>
+      </p:sp>
+    </p:spTree>
+    <p:extLst>
+      <p:ext uri="{BB962C8B-B14F-4D97-AF65-F5344CB8AC3E}">
+        <p14:creationId xmlns:p14="http://schemas.microsoft.com/office/powerpoint/2010/main" val="658915606"/>
+      </p:ext>
+    </p:extLst>
+  </p:cSld>
+  <p:clrMapOvr>
+    <a:masterClrMapping/>
+  </p:clrMapOvr>
+  <p:timing>
+    <p:tnLst>
+      <p:par>
+        <p:cTn id="1" dur="indefinite" restart="never" nodeType="tmRoot"/>
+      </p:par>
+    </p:tnLst>
+  </p:timing>
+</p:sld>
+</file>
+
+<file path=ppt/slides/slide20.xml><?xml version="1.0" encoding="utf-8"?>
 <p:sld xmlns:a="http://schemas.openxmlformats.org/drawingml/2006/main" xmlns:r="http://schemas.openxmlformats.org/officeDocument/2006/relationships" xmlns:p="http://schemas.openxmlformats.org/presentationml/2006/main">
   <p:cSld>
     <p:spTree>
@@ -5544,7 +7283,7 @@
 </p:sld>
 </file>
 
-<file path=ppt/slides/slide15.xml><?xml version="1.0" encoding="utf-8"?>
+<file path=ppt/slides/slide21.xml><?xml version="1.0" encoding="utf-8"?>
 <p:sld xmlns:a="http://schemas.openxmlformats.org/drawingml/2006/main" xmlns:r="http://schemas.openxmlformats.org/officeDocument/2006/relationships" xmlns:p="http://schemas.openxmlformats.org/presentationml/2006/main">
   <p:cSld>
     <p:spTree>
@@ -5634,7 +7373,7 @@
 </p:sld>
 </file>
 
-<file path=ppt/slides/slide16.xml><?xml version="1.0" encoding="utf-8"?>
+<file path=ppt/slides/slide22.xml><?xml version="1.0" encoding="utf-8"?>
 <p:sld xmlns:a="http://schemas.openxmlformats.org/drawingml/2006/main" xmlns:r="http://schemas.openxmlformats.org/officeDocument/2006/relationships" xmlns:p="http://schemas.openxmlformats.org/presentationml/2006/main">
   <p:cSld>
     <p:spTree>
@@ -6042,7 +7781,7 @@
 </p:sld>
 </file>
 
-<file path=ppt/slides/slide17.xml><?xml version="1.0" encoding="utf-8"?>
+<file path=ppt/slides/slide23.xml><?xml version="1.0" encoding="utf-8"?>
 <p:sld xmlns:a="http://schemas.openxmlformats.org/drawingml/2006/main" xmlns:r="http://schemas.openxmlformats.org/officeDocument/2006/relationships" xmlns:p="http://schemas.openxmlformats.org/presentationml/2006/main">
   <p:cSld>
     <p:spTree>
@@ -6118,14 +7857,14 @@
           <p:nvPr>
             <p:extLst>
               <p:ext uri="{D42A27DB-BD31-4B8C-83A1-F6EECF244321}">
-                <p14:modId xmlns:p14="http://schemas.microsoft.com/office/powerpoint/2010/main" val="541658051"/>
+                <p14:modId xmlns:p14="http://schemas.microsoft.com/office/powerpoint/2010/main" val="1458143161"/>
               </p:ext>
             </p:extLst>
           </p:nvPr>
         </p:nvGraphicFramePr>
         <p:xfrm>
           <a:off x="1097280" y="2283286"/>
-          <a:ext cx="9692640" cy="2623074"/>
+          <a:ext cx="9692640" cy="2993914"/>
         </p:xfrm>
         <a:graphic>
           <a:graphicData uri="http://schemas.openxmlformats.org/drawingml/2006/table">
@@ -6134,8 +7873,9 @@
                 <a:tableStyleId>{2D5ABB26-0587-4C30-8999-92F81FD0307C}</a:tableStyleId>
               </a:tblPr>
               <a:tblGrid>
-                <a:gridCol w="3625327"/>
-                <a:gridCol w="6067313"/>
+                <a:gridCol w="2237591"/>
+                <a:gridCol w="3039339"/>
+                <a:gridCol w="4415710"/>
               </a:tblGrid>
               <a:tr h="398034">
                 <a:tc>
@@ -6143,9 +7883,39 @@
                     <a:bodyPr/>
                     <a:lstStyle/>
                     <a:p>
+                      <a:pPr marL="0" marR="0" indent="0" algn="l" defTabSz="914400" rtl="0" eaLnBrk="1" fontAlgn="auto" latinLnBrk="0" hangingPunct="1">
+                        <a:lnSpc>
+                          <a:spcPct val="100000"/>
+                        </a:lnSpc>
+                        <a:spcBef>
+                          <a:spcPts val="0"/>
+                        </a:spcBef>
+                        <a:spcAft>
+                          <a:spcPts val="0"/>
+                        </a:spcAft>
+                        <a:buClrTx/>
+                        <a:buSzTx/>
+                        <a:buFontTx/>
+                        <a:buNone/>
+                        <a:tabLst/>
+                        <a:defRPr/>
+                      </a:pPr>
                       <a:r>
                         <a:rPr lang="en-US" b="1" dirty="0" smtClean="0"/>
                         <a:t>Number of replicas</a:t>
+                      </a:r>
+                    </a:p>
+                  </a:txBody>
+                  <a:tcPr/>
+                </a:tc>
+                <a:tc>
+                  <a:txBody>
+                    <a:bodyPr/>
+                    <a:lstStyle/>
+                    <a:p>
+                      <a:r>
+                        <a:rPr lang="en-US" b="1" dirty="0" smtClean="0"/>
+                        <a:t>Nodes</a:t>
                       </a:r>
                       <a:endParaRPr lang="en-US" b="1" dirty="0"/>
                     </a:p>
@@ -6168,6 +7938,20 @@
                 </a:tc>
               </a:tr>
               <a:tr h="370840">
+                <a:tc>
+                  <a:txBody>
+                    <a:bodyPr/>
+                    <a:lstStyle/>
+                    <a:p>
+                      <a:r>
+                        <a:rPr lang="en-US" dirty="0" smtClean="0"/>
+                        <a:t>1</a:t>
+                      </a:r>
+                      <a:endParaRPr lang="en-US" dirty="0"/>
+                    </a:p>
+                  </a:txBody>
+                  <a:tcPr/>
+                </a:tc>
                 <a:tc>
                   <a:txBody>
                     <a:bodyPr/>
@@ -6250,6 +8034,36 @@
                       </a:pPr>
                       <a:r>
                         <a:rPr lang="en-US" dirty="0" smtClean="0"/>
+                        <a:t>2</a:t>
+                      </a:r>
+                    </a:p>
+                  </a:txBody>
+                  <a:tcPr/>
+                </a:tc>
+                <a:tc>
+                  <a:txBody>
+                    <a:bodyPr/>
+                    <a:lstStyle/>
+                    <a:p>
+                      <a:pPr marL="0" marR="0" indent="0" algn="l" defTabSz="914400" rtl="0" eaLnBrk="1" fontAlgn="auto" latinLnBrk="0" hangingPunct="1">
+                        <a:lnSpc>
+                          <a:spcPct val="100000"/>
+                        </a:lnSpc>
+                        <a:spcBef>
+                          <a:spcPts val="0"/>
+                        </a:spcBef>
+                        <a:spcAft>
+                          <a:spcPts val="0"/>
+                        </a:spcAft>
+                        <a:buClrTx/>
+                        <a:buSzTx/>
+                        <a:buFontTx/>
+                        <a:buNone/>
+                        <a:tabLst/>
+                        <a:defRPr/>
+                      </a:pPr>
+                      <a:r>
+                        <a:rPr lang="en-US" dirty="0" smtClean="0"/>
                         <a:t>2 * MTBF(10)</a:t>
                       </a:r>
                     </a:p>
@@ -6336,6 +8150,36 @@
                         <a:defRPr/>
                       </a:pPr>
                       <a:r>
+                        <a:rPr lang="en-US" b="1" dirty="0" smtClean="0"/>
+                        <a:t>3</a:t>
+                      </a:r>
+                    </a:p>
+                  </a:txBody>
+                  <a:tcPr/>
+                </a:tc>
+                <a:tc>
+                  <a:txBody>
+                    <a:bodyPr/>
+                    <a:lstStyle/>
+                    <a:p>
+                      <a:pPr marL="0" marR="0" indent="0" algn="l" defTabSz="914400" rtl="0" eaLnBrk="1" fontAlgn="auto" latinLnBrk="0" hangingPunct="1">
+                        <a:lnSpc>
+                          <a:spcPct val="100000"/>
+                        </a:lnSpc>
+                        <a:spcBef>
+                          <a:spcPts val="0"/>
+                        </a:spcBef>
+                        <a:spcAft>
+                          <a:spcPts val="0"/>
+                        </a:spcAft>
+                        <a:buClrTx/>
+                        <a:buSzTx/>
+                        <a:buFontTx/>
+                        <a:buNone/>
+                        <a:tabLst/>
+                        <a:defRPr/>
+                      </a:pPr>
+                      <a:r>
                         <a:rPr lang="en-US" dirty="0" smtClean="0"/>
                         <a:t>3 * MTBF(10)</a:t>
                       </a:r>
@@ -6400,6 +8244,19 @@
                 </a:tc>
               </a:tr>
               <a:tr h="370840">
+                <a:tc>
+                  <a:txBody>
+                    <a:bodyPr/>
+                    <a:lstStyle/>
+                    <a:p>
+                      <a:r>
+                        <a:rPr lang="en-US" dirty="0" smtClean="0"/>
+                        <a:t>1</a:t>
+                      </a:r>
+                    </a:p>
+                  </a:txBody>
+                  <a:tcPr/>
+                </a:tc>
                 <a:tc>
                   <a:txBody>
                     <a:bodyPr/>
@@ -6480,6 +8337,36 @@
                         <a:defRPr/>
                       </a:pPr>
                       <a:r>
+                        <a:rPr lang="en-US" b="1" dirty="0" smtClean="0"/>
+                        <a:t>2</a:t>
+                      </a:r>
+                    </a:p>
+                  </a:txBody>
+                  <a:tcPr/>
+                </a:tc>
+                <a:tc>
+                  <a:txBody>
+                    <a:bodyPr/>
+                    <a:lstStyle/>
+                    <a:p>
+                      <a:pPr marL="0" marR="0" indent="0" algn="l" defTabSz="914400" rtl="0" eaLnBrk="1" fontAlgn="auto" latinLnBrk="0" hangingPunct="1">
+                        <a:lnSpc>
+                          <a:spcPct val="100000"/>
+                        </a:lnSpc>
+                        <a:spcBef>
+                          <a:spcPts val="0"/>
+                        </a:spcBef>
+                        <a:spcAft>
+                          <a:spcPts val="0"/>
+                        </a:spcAft>
+                        <a:buClrTx/>
+                        <a:buSzTx/>
+                        <a:buFontTx/>
+                        <a:buNone/>
+                        <a:tabLst/>
+                        <a:defRPr/>
+                      </a:pPr>
+                      <a:r>
                         <a:rPr lang="en-US" dirty="0" smtClean="0"/>
                         <a:t>2 * MTBF(25)</a:t>
                       </a:r>
@@ -6531,6 +8418,20 @@
                 </a:tc>
               </a:tr>
               <a:tr h="370840">
+                <a:tc>
+                  <a:txBody>
+                    <a:bodyPr/>
+                    <a:lstStyle/>
+                    <a:p>
+                      <a:r>
+                        <a:rPr lang="en-US" b="0" dirty="0" smtClean="0"/>
+                        <a:t>3</a:t>
+                      </a:r>
+                      <a:endParaRPr lang="en-US" b="0" dirty="0"/>
+                    </a:p>
+                  </a:txBody>
+                  <a:tcPr/>
+                </a:tc>
                 <a:tc>
                   <a:txBody>
                     <a:bodyPr/>
@@ -6608,8 +8509,130 @@
                         <a:t> = </a:t>
                       </a:r>
                       <a:r>
-                        <a:rPr lang="nb-NO" b="1" baseline="0" dirty="0" smtClean="0"/>
-                        <a:t>0.99903</a:t>
+                        <a:rPr lang="cs-CZ" baseline="0" dirty="0" smtClean="0"/>
+                        <a:t>0.99892</a:t>
+                      </a:r>
+                      <a:endParaRPr lang="en-US" b="0" dirty="0" smtClean="0"/>
+                    </a:p>
+                  </a:txBody>
+                  <a:tcPr/>
+                </a:tc>
+              </a:tr>
+              <a:tr h="370840">
+                <a:tc>
+                  <a:txBody>
+                    <a:bodyPr/>
+                    <a:lstStyle/>
+                    <a:p>
+                      <a:r>
+                        <a:rPr lang="en-US" b="1" dirty="0" smtClean="0"/>
+                        <a:t>3</a:t>
+                      </a:r>
+                      <a:endParaRPr lang="en-US" b="1" dirty="0"/>
+                    </a:p>
+                  </a:txBody>
+                  <a:tcPr/>
+                </a:tc>
+                <a:tc>
+                  <a:txBody>
+                    <a:bodyPr/>
+                    <a:lstStyle/>
+                    <a:p>
+                      <a:pPr marL="0" marR="0" indent="0" algn="l" defTabSz="914400" rtl="0" eaLnBrk="1" fontAlgn="auto" latinLnBrk="0" hangingPunct="1">
+                        <a:lnSpc>
+                          <a:spcPct val="100000"/>
+                        </a:lnSpc>
+                        <a:spcBef>
+                          <a:spcPts val="0"/>
+                        </a:spcBef>
+                        <a:spcAft>
+                          <a:spcPts val="0"/>
+                        </a:spcAft>
+                        <a:buClrTx/>
+                        <a:buSzTx/>
+                        <a:buFontTx/>
+                        <a:buNone/>
+                        <a:tabLst/>
+                        <a:defRPr/>
+                      </a:pPr>
+                      <a:r>
+                        <a:rPr lang="en-US" dirty="0" smtClean="0"/>
+                        <a:t>1 * MTBF(25) + 2 *</a:t>
+                      </a:r>
+                      <a:r>
+                        <a:rPr lang="en-US" baseline="0" dirty="0" smtClean="0"/>
+                        <a:t> MTBF(10)</a:t>
+                      </a:r>
+                      <a:endParaRPr lang="en-US" dirty="0" smtClean="0"/>
+                    </a:p>
+                  </a:txBody>
+                  <a:tcPr/>
+                </a:tc>
+                <a:tc>
+                  <a:txBody>
+                    <a:bodyPr/>
+                    <a:lstStyle/>
+                    <a:p>
+                      <a:pPr marL="0" marR="0" indent="0" algn="l" defTabSz="914400" rtl="0" eaLnBrk="1" fontAlgn="auto" latinLnBrk="0" hangingPunct="1">
+                        <a:lnSpc>
+                          <a:spcPct val="100000"/>
+                        </a:lnSpc>
+                        <a:spcBef>
+                          <a:spcPts val="0"/>
+                        </a:spcBef>
+                        <a:spcAft>
+                          <a:spcPts val="0"/>
+                        </a:spcAft>
+                        <a:buClrTx/>
+                        <a:buSzTx/>
+                        <a:buFont typeface="Arial" charset="0"/>
+                        <a:buNone/>
+                        <a:tabLst/>
+                        <a:defRPr/>
+                      </a:pPr>
+                      <a:r>
+                        <a:rPr lang="en-US" dirty="0" smtClean="0"/>
+                        <a:t>1 –</a:t>
+                      </a:r>
+                      <a:r>
+                        <a:rPr lang="en-US" baseline="0" dirty="0" smtClean="0"/>
+                        <a:t> (1 – R</a:t>
+                      </a:r>
+                      <a:r>
+                        <a:rPr lang="en-US" baseline="-25000" dirty="0" smtClean="0"/>
+                        <a:t>25</a:t>
+                      </a:r>
+                      <a:r>
+                        <a:rPr lang="en-US" baseline="0" dirty="0" smtClean="0"/>
+                        <a:t>(t))</a:t>
+                      </a:r>
+                      <a:r>
+                        <a:rPr lang="en-US" baseline="30000" dirty="0" smtClean="0"/>
+                        <a:t> *</a:t>
+                      </a:r>
+                      <a:r>
+                        <a:rPr lang="en-US" baseline="0" dirty="0" smtClean="0"/>
+                        <a:t> (1 – R</a:t>
+                      </a:r>
+                      <a:r>
+                        <a:rPr lang="en-US" baseline="-25000" dirty="0" smtClean="0"/>
+                        <a:t>10</a:t>
+                      </a:r>
+                      <a:r>
+                        <a:rPr lang="en-US" baseline="0" dirty="0" smtClean="0"/>
+                        <a:t>(t))</a:t>
+                      </a:r>
+                      <a:r>
+                        <a:rPr lang="en-US" baseline="30000" dirty="0" smtClean="0"/>
+                        <a:t>2</a:t>
+                      </a:r>
+                      <a:r>
+                        <a:rPr lang="sv-SE" baseline="0" dirty="0" smtClean="0"/>
+                        <a:t> = </a:t>
+                      </a:r>
+                      <a:r>
+                        <a:rPr lang="it-IT" b="1" baseline="0" dirty="0" smtClean="0"/>
+                        <a:t>0.99994</a:t>
                       </a:r>
                       <a:endParaRPr lang="en-US" b="1" dirty="0" smtClean="0"/>
                     </a:p>
@@ -6641,7 +8664,7 @@
 </p:sld>
 </file>
 
-<file path=ppt/slides/slide18.xml><?xml version="1.0" encoding="utf-8"?>
+<file path=ppt/slides/slide24.xml><?xml version="1.0" encoding="utf-8"?>
 <p:sld xmlns:a="http://schemas.openxmlformats.org/drawingml/2006/main" xmlns:r="http://schemas.openxmlformats.org/officeDocument/2006/relationships" xmlns:p="http://schemas.openxmlformats.org/presentationml/2006/main">
   <p:cSld>
     <p:spTree>
@@ -6731,7 +8754,7 @@
 </p:sld>
 </file>
 
-<file path=ppt/slides/slide19.xml><?xml version="1.0" encoding="utf-8"?>
+<file path=ppt/slides/slide25.xml><?xml version="1.0" encoding="utf-8"?>
 <p:sld xmlns:a="http://schemas.openxmlformats.org/drawingml/2006/main" xmlns:r="http://schemas.openxmlformats.org/officeDocument/2006/relationships" xmlns:p="http://schemas.openxmlformats.org/presentationml/2006/main">
   <p:cSld>
     <p:spTree>
@@ -6821,170 +8844,7 @@
 </p:sld>
 </file>
 
-<file path=ppt/slides/slide2.xml><?xml version="1.0" encoding="utf-8"?>
-<p:sld xmlns:a="http://schemas.openxmlformats.org/drawingml/2006/main" xmlns:r="http://schemas.openxmlformats.org/officeDocument/2006/relationships" xmlns:p="http://schemas.openxmlformats.org/presentationml/2006/main">
-  <p:cSld>
-    <p:spTree>
-      <p:nvGrpSpPr>
-        <p:cNvPr id="1" name=""/>
-        <p:cNvGrpSpPr/>
-        <p:nvPr/>
-      </p:nvGrpSpPr>
-      <p:grpSpPr>
-        <a:xfrm>
-          <a:off x="0" y="0"/>
-          <a:ext cx="0" cy="0"/>
-          <a:chOff x="0" y="0"/>
-          <a:chExt cx="0" cy="0"/>
-        </a:xfrm>
-      </p:grpSpPr>
-      <p:sp>
-        <p:nvSpPr>
-          <p:cNvPr id="2" name="Title 1"/>
-          <p:cNvSpPr>
-            <a:spLocks noGrp="1"/>
-          </p:cNvSpPr>
-          <p:nvPr>
-            <p:ph type="title"/>
-          </p:nvPr>
-        </p:nvSpPr>
-        <p:spPr/>
-        <p:txBody>
-          <a:bodyPr/>
-          <a:lstStyle/>
-          <a:p>
-            <a:r>
-              <a:rPr lang="en-US" dirty="0" smtClean="0"/>
-              <a:t>Agenda</a:t>
-            </a:r>
-            <a:endParaRPr lang="en-US" dirty="0"/>
-          </a:p>
-        </p:txBody>
-      </p:sp>
-      <p:sp>
-        <p:nvSpPr>
-          <p:cNvPr id="3" name="Content Placeholder 2"/>
-          <p:cNvSpPr>
-            <a:spLocks noGrp="1"/>
-          </p:cNvSpPr>
-          <p:nvPr>
-            <p:ph idx="1"/>
-          </p:nvPr>
-        </p:nvSpPr>
-        <p:spPr/>
-        <p:txBody>
-          <a:bodyPr/>
-          <a:lstStyle/>
-          <a:p>
-            <a:pPr marL="457200" indent="-457200">
-              <a:buFont typeface="+mj-lt"/>
-              <a:buAutoNum type="arabicPeriod"/>
-            </a:pPr>
-            <a:r>
-              <a:rPr lang="en-US" dirty="0" smtClean="0"/>
-              <a:t>Introduction</a:t>
-            </a:r>
-          </a:p>
-          <a:p>
-            <a:pPr marL="457200" indent="-457200">
-              <a:buFont typeface="+mj-lt"/>
-              <a:buAutoNum type="arabicPeriod"/>
-            </a:pPr>
-            <a:r>
-              <a:rPr lang="en-US" dirty="0" smtClean="0"/>
-              <a:t>Related work</a:t>
-            </a:r>
-          </a:p>
-          <a:p>
-            <a:pPr marL="457200" indent="-457200">
-              <a:buFont typeface="+mj-lt"/>
-              <a:buAutoNum type="arabicPeriod"/>
-            </a:pPr>
-            <a:r>
-              <a:rPr lang="en-US" dirty="0" smtClean="0"/>
-              <a:t>System model</a:t>
-            </a:r>
-          </a:p>
-          <a:p>
-            <a:pPr marL="457200" indent="-457200">
-              <a:buFont typeface="+mj-lt"/>
-              <a:buAutoNum type="arabicPeriod"/>
-            </a:pPr>
-            <a:r>
-              <a:rPr lang="en-US" dirty="0" smtClean="0"/>
-              <a:t>Reliability model</a:t>
-            </a:r>
-          </a:p>
-          <a:p>
-            <a:pPr marL="457200" indent="-457200">
-              <a:buFont typeface="+mj-lt"/>
-              <a:buAutoNum type="arabicPeriod"/>
-            </a:pPr>
-            <a:r>
-              <a:rPr lang="en-US" dirty="0" smtClean="0"/>
-              <a:t>Self-adapting model</a:t>
-            </a:r>
-          </a:p>
-          <a:p>
-            <a:pPr marL="457200" indent="-457200">
-              <a:buFont typeface="+mj-lt"/>
-              <a:buAutoNum type="arabicPeriod"/>
-            </a:pPr>
-            <a:r>
-              <a:rPr lang="en-US" dirty="0" smtClean="0"/>
-              <a:t>Calvin</a:t>
-            </a:r>
-          </a:p>
-          <a:p>
-            <a:pPr marL="457200" indent="-457200">
-              <a:buFont typeface="+mj-lt"/>
-              <a:buAutoNum type="arabicPeriod"/>
-            </a:pPr>
-            <a:r>
-              <a:rPr lang="en-US" dirty="0" smtClean="0"/>
-              <a:t>Implementation</a:t>
-            </a:r>
-          </a:p>
-          <a:p>
-            <a:pPr marL="457200" indent="-457200">
-              <a:buFont typeface="+mj-lt"/>
-              <a:buAutoNum type="arabicPeriod"/>
-            </a:pPr>
-            <a:r>
-              <a:rPr lang="en-US" dirty="0" smtClean="0"/>
-              <a:t>Experiments</a:t>
-            </a:r>
-          </a:p>
-          <a:p>
-            <a:pPr marL="457200" indent="-457200">
-              <a:buFont typeface="+mj-lt"/>
-              <a:buAutoNum type="arabicPeriod"/>
-            </a:pPr>
-            <a:endParaRPr lang="en-US" dirty="0"/>
-          </a:p>
-        </p:txBody>
-      </p:sp>
-    </p:spTree>
-    <p:extLst>
-      <p:ext uri="{BB962C8B-B14F-4D97-AF65-F5344CB8AC3E}">
-        <p14:creationId xmlns:p14="http://schemas.microsoft.com/office/powerpoint/2010/main" val="658915606"/>
-      </p:ext>
-    </p:extLst>
-  </p:cSld>
-  <p:clrMapOvr>
-    <a:masterClrMapping/>
-  </p:clrMapOvr>
-  <p:timing>
-    <p:tnLst>
-      <p:par>
-        <p:cTn id="1" dur="indefinite" restart="never" nodeType="tmRoot"/>
-      </p:par>
-    </p:tnLst>
-  </p:timing>
-</p:sld>
-</file>
-
-<file path=ppt/slides/slide20.xml><?xml version="1.0" encoding="utf-8"?>
+<file path=ppt/slides/slide26.xml><?xml version="1.0" encoding="utf-8"?>
 <p:sld xmlns:a="http://schemas.openxmlformats.org/drawingml/2006/main" xmlns:r="http://schemas.openxmlformats.org/officeDocument/2006/relationships" xmlns:p="http://schemas.openxmlformats.org/presentationml/2006/main">
   <p:cSld>
     <p:spTree>
@@ -7074,7 +8934,7 @@
 </p:sld>
 </file>
 
-<file path=ppt/slides/slide21.xml><?xml version="1.0" encoding="utf-8"?>
+<file path=ppt/slides/slide27.xml><?xml version="1.0" encoding="utf-8"?>
 <p:sld xmlns:a="http://schemas.openxmlformats.org/drawingml/2006/main" xmlns:r="http://schemas.openxmlformats.org/officeDocument/2006/relationships" xmlns:p="http://schemas.openxmlformats.org/presentationml/2006/main">
   <p:cSld>
     <p:spTree>
@@ -7144,10 +9004,17 @@
               <a:buChar char="•"/>
             </a:pPr>
             <a:r>
-              <a:rPr lang="en-US" smtClean="0"/>
-              <a:t>MTBFs</a:t>
-            </a:r>
-            <a:endParaRPr lang="en-US" dirty="0" smtClean="0"/>
+              <a:rPr lang="en-US" dirty="0" smtClean="0"/>
+              <a:t>Required </a:t>
+            </a:r>
+            <a:r>
+              <a:rPr lang="en-US" dirty="0"/>
+              <a:t>reliability: </a:t>
+            </a:r>
+            <a:r>
+              <a:rPr lang="en-US" dirty="0" smtClean="0"/>
+              <a:t>0.999</a:t>
+            </a:r>
           </a:p>
           <a:p>
             <a:pPr>
@@ -7155,13 +9022,22 @@
               <a:buChar char="•"/>
             </a:pPr>
             <a:r>
-              <a:rPr lang="en-US" dirty="0"/>
-              <a:t>Required reliability: </a:t>
-            </a:r>
-            <a:r>
-              <a:rPr lang="en-US" dirty="0" smtClean="0"/>
-              <a:t>0.999</a:t>
-            </a:r>
+              <a:rPr lang="en-US" dirty="0" smtClean="0"/>
+              <a:t>Time </a:t>
+            </a:r>
+            <a:r>
+              <a:rPr lang="en-US" i="1" dirty="0" smtClean="0"/>
+              <a:t>t</a:t>
+            </a:r>
+            <a:r>
+              <a:rPr lang="en-US" dirty="0" smtClean="0"/>
+              <a:t>: 530 </a:t>
+            </a:r>
+            <a:r>
+              <a:rPr lang="en-US" dirty="0" err="1" smtClean="0"/>
+              <a:t>ms</a:t>
+            </a:r>
+            <a:endParaRPr lang="en-US" dirty="0" smtClean="0"/>
           </a:p>
           <a:p>
             <a:pPr>
@@ -7170,22 +9046,116 @@
             </a:pPr>
             <a:r>
               <a:rPr lang="en-US" dirty="0" smtClean="0"/>
-              <a:t>Time </a:t>
-            </a:r>
-            <a:r>
-              <a:rPr lang="en-US" i="1" dirty="0" smtClean="0"/>
-              <a:t>t</a:t>
-            </a:r>
-            <a:r>
-              <a:rPr lang="en-US" dirty="0" smtClean="0"/>
-              <a:t>: 530 </a:t>
-            </a:r>
-            <a:r>
-              <a:rPr lang="en-US" dirty="0" err="1" smtClean="0"/>
-              <a:t>ms</a:t>
-            </a:r>
-            <a:endParaRPr lang="en-US" dirty="0" smtClean="0"/>
-          </a:p>
+              <a:t>Killing nodes:</a:t>
+            </a:r>
+            <a:endParaRPr lang="en-US" dirty="0"/>
+          </a:p>
+        </p:txBody>
+      </p:sp>
+      <p:pic>
+        <p:nvPicPr>
+          <p:cNvPr id="6" name="Picture 5"/>
+          <p:cNvPicPr>
+            <a:picLocks noChangeAspect="1"/>
+          </p:cNvPicPr>
+          <p:nvPr/>
+        </p:nvPicPr>
+        <p:blipFill>
+          <a:blip r:embed="rId2">
+            <a:extLst>
+              <a:ext uri="{28A0092B-C50C-407E-A947-70E740481C1C}">
+                <a14:useLocalDpi xmlns:a14="http://schemas.microsoft.com/office/drawing/2010/main" val="0"/>
+              </a:ext>
+            </a:extLst>
+          </a:blip>
+          <a:stretch>
+            <a:fillRect/>
+          </a:stretch>
+        </p:blipFill>
+        <p:spPr>
+          <a:xfrm>
+            <a:off x="1097280" y="3544794"/>
+            <a:ext cx="6438900" cy="2565400"/>
+          </a:xfrm>
+          <a:prstGeom prst="rect">
+            <a:avLst/>
+          </a:prstGeom>
+        </p:spPr>
+      </p:pic>
+    </p:spTree>
+    <p:extLst>
+      <p:ext uri="{BB962C8B-B14F-4D97-AF65-F5344CB8AC3E}">
+        <p14:creationId xmlns:p14="http://schemas.microsoft.com/office/powerpoint/2010/main" val="649643955"/>
+      </p:ext>
+    </p:extLst>
+  </p:cSld>
+  <p:clrMapOvr>
+    <a:masterClrMapping/>
+  </p:clrMapOvr>
+  <p:timing>
+    <p:tnLst>
+      <p:par>
+        <p:cTn id="1" dur="indefinite" restart="never" nodeType="tmRoot"/>
+      </p:par>
+    </p:tnLst>
+  </p:timing>
+</p:sld>
+</file>
+
+<file path=ppt/slides/slide28.xml><?xml version="1.0" encoding="utf-8"?>
+<p:sld xmlns:a="http://schemas.openxmlformats.org/drawingml/2006/main" xmlns:r="http://schemas.openxmlformats.org/officeDocument/2006/relationships" xmlns:p="http://schemas.openxmlformats.org/presentationml/2006/main">
+  <p:cSld>
+    <p:spTree>
+      <p:nvGrpSpPr>
+        <p:cNvPr id="1" name=""/>
+        <p:cNvGrpSpPr/>
+        <p:nvPr/>
+      </p:nvGrpSpPr>
+      <p:grpSpPr>
+        <a:xfrm>
+          <a:off x="0" y="0"/>
+          <a:ext cx="0" cy="0"/>
+          <a:chOff x="0" y="0"/>
+          <a:chExt cx="0" cy="0"/>
+        </a:xfrm>
+      </p:grpSpPr>
+      <p:sp>
+        <p:nvSpPr>
+          <p:cNvPr id="2" name="Title 1"/>
+          <p:cNvSpPr>
+            <a:spLocks noGrp="1"/>
+          </p:cNvSpPr>
+          <p:nvPr>
+            <p:ph type="title"/>
+          </p:nvPr>
+        </p:nvSpPr>
+        <p:spPr/>
+        <p:txBody>
+          <a:bodyPr/>
+          <a:lstStyle/>
+          <a:p>
+            <a:r>
+              <a:rPr lang="en-US" dirty="0" smtClean="0"/>
+              <a:t>Result – node reliabilities</a:t>
+            </a:r>
+            <a:endParaRPr lang="en-US" dirty="0"/>
+          </a:p>
+        </p:txBody>
+      </p:sp>
+      <p:sp>
+        <p:nvSpPr>
+          <p:cNvPr id="3" name="Content Placeholder 2"/>
+          <p:cNvSpPr>
+            <a:spLocks noGrp="1"/>
+          </p:cNvSpPr>
+          <p:nvPr>
+            <p:ph idx="1"/>
+          </p:nvPr>
+        </p:nvSpPr>
+        <p:spPr/>
+        <p:txBody>
+          <a:bodyPr/>
+          <a:lstStyle/>
           <a:p>
             <a:pPr>
               <a:buFont typeface="Arial" charset="0"/>
@@ -7193,656 +9163,135 @@
             </a:pPr>
             <a:r>
               <a:rPr lang="en-US" dirty="0" smtClean="0"/>
-              <a:t>Reliability of nodes:</a:t>
-            </a:r>
-            <a:endParaRPr lang="en-US" dirty="0"/>
-          </a:p>
-        </p:txBody>
-      </p:sp>
-      <p:graphicFrame>
-        <p:nvGraphicFramePr>
-          <p:cNvPr id="5" name="Table 4"/>
-          <p:cNvGraphicFramePr>
-            <a:graphicFrameLocks noGrp="1"/>
-          </p:cNvGraphicFramePr>
+              <a:t>MTBF is based on latest 3 values</a:t>
+            </a:r>
+            <a:endParaRPr lang="en-US" dirty="0"/>
+          </a:p>
+        </p:txBody>
+      </p:sp>
+      <p:pic>
+        <p:nvPicPr>
+          <p:cNvPr id="4" name="Picture 3"/>
+          <p:cNvPicPr>
+            <a:picLocks noChangeAspect="1"/>
+          </p:cNvPicPr>
           <p:nvPr/>
-        </p:nvGraphicFramePr>
-        <p:xfrm>
-          <a:off x="1097280" y="4058297"/>
-          <a:ext cx="4706471" cy="1510554"/>
-        </p:xfrm>
-        <a:graphic>
-          <a:graphicData uri="http://schemas.openxmlformats.org/drawingml/2006/table">
-            <a:tbl>
-              <a:tblPr firstRow="1" bandRow="1">
-                <a:tableStyleId>{2D5ABB26-0587-4C30-8999-92F81FD0307C}</a:tableStyleId>
-              </a:tblPr>
-              <a:tblGrid>
-                <a:gridCol w="745005"/>
-                <a:gridCol w="3961466"/>
-              </a:tblGrid>
-              <a:tr h="398034">
-                <a:tc>
-                  <a:txBody>
-                    <a:bodyPr/>
-                    <a:lstStyle/>
-                    <a:p>
-                      <a:r>
-                        <a:rPr lang="en-US" b="1" dirty="0" smtClean="0"/>
-                        <a:t>MTBF</a:t>
-                      </a:r>
-                      <a:endParaRPr lang="en-US" b="1" dirty="0"/>
-                    </a:p>
-                  </a:txBody>
-                  <a:tcPr/>
-                </a:tc>
-                <a:tc>
-                  <a:txBody>
-                    <a:bodyPr/>
-                    <a:lstStyle/>
-                    <a:p>
-                      <a:r>
-                        <a:rPr lang="en-US" b="1" dirty="0" smtClean="0"/>
-                        <a:t>Reliability</a:t>
-                      </a:r>
-                      <a:endParaRPr lang="en-US" b="1" dirty="0"/>
-                    </a:p>
-                  </a:txBody>
-                  <a:tcPr/>
-                </a:tc>
-              </a:tr>
-              <a:tr h="370840">
-                <a:tc>
-                  <a:txBody>
-                    <a:bodyPr/>
-                    <a:lstStyle/>
-                    <a:p>
-                      <a:r>
-                        <a:rPr lang="en-US" dirty="0" smtClean="0"/>
-                        <a:t>7.5</a:t>
-                      </a:r>
-                      <a:endParaRPr lang="en-US" dirty="0"/>
-                    </a:p>
-                  </a:txBody>
-                  <a:tcPr/>
-                </a:tc>
-                <a:tc>
-                  <a:txBody>
-                    <a:bodyPr/>
-                    <a:lstStyle/>
-                    <a:p>
-                      <a:pPr>
-                        <a:buFont typeface="Arial" charset="0"/>
-                        <a:buNone/>
-                      </a:pPr>
-                      <a:r>
-                        <a:rPr lang="en-US" dirty="0" smtClean="0"/>
-                        <a:t>R(t) = e</a:t>
-                      </a:r>
-                      <a:r>
-                        <a:rPr lang="en-US" baseline="30000" dirty="0" smtClean="0"/>
-                        <a:t>-t/MTBF</a:t>
-                      </a:r>
-                      <a:r>
-                        <a:rPr lang="en-US" dirty="0" smtClean="0"/>
-                        <a:t> = e</a:t>
-                      </a:r>
-                      <a:r>
-                        <a:rPr lang="en-US" baseline="30000" dirty="0" smtClean="0"/>
-                        <a:t>-530/20000</a:t>
-                      </a:r>
-                      <a:r>
-                        <a:rPr lang="en-US" dirty="0" smtClean="0"/>
-                        <a:t> = </a:t>
-                      </a:r>
-                      <a:r>
-                        <a:rPr lang="nb-NO" dirty="0" smtClean="0"/>
-                        <a:t>0.93551</a:t>
-                      </a:r>
-                      <a:endParaRPr lang="en-US" dirty="0" smtClean="0"/>
-                    </a:p>
-                  </a:txBody>
-                  <a:tcPr/>
-                </a:tc>
-              </a:tr>
-              <a:tr h="370840">
-                <a:tc>
-                  <a:txBody>
-                    <a:bodyPr/>
-                    <a:lstStyle/>
-                    <a:p>
-                      <a:r>
-                        <a:rPr lang="en-US" dirty="0" smtClean="0"/>
-                        <a:t>15</a:t>
-                      </a:r>
-                      <a:endParaRPr lang="en-US" dirty="0"/>
-                    </a:p>
-                  </a:txBody>
-                  <a:tcPr/>
-                </a:tc>
-                <a:tc>
-                  <a:txBody>
-                    <a:bodyPr/>
-                    <a:lstStyle/>
-                    <a:p>
-                      <a:pPr marL="0" marR="0" indent="0" algn="l" defTabSz="914400" rtl="0" eaLnBrk="1" fontAlgn="auto" latinLnBrk="0" hangingPunct="1">
-                        <a:lnSpc>
-                          <a:spcPct val="100000"/>
-                        </a:lnSpc>
-                        <a:spcBef>
-                          <a:spcPts val="0"/>
-                        </a:spcBef>
-                        <a:spcAft>
-                          <a:spcPts val="0"/>
-                        </a:spcAft>
-                        <a:buClrTx/>
-                        <a:buSzTx/>
-                        <a:buFontTx/>
-                        <a:buNone/>
-                        <a:tabLst/>
-                        <a:defRPr/>
-                      </a:pPr>
-                      <a:r>
-                        <a:rPr lang="en-US" dirty="0" smtClean="0"/>
-                        <a:t>R(t) = e</a:t>
-                      </a:r>
-                      <a:r>
-                        <a:rPr lang="en-US" baseline="30000" dirty="0" smtClean="0"/>
-                        <a:t>-t/MTBF</a:t>
-                      </a:r>
-                      <a:r>
-                        <a:rPr lang="en-US" dirty="0" smtClean="0"/>
-                        <a:t> = e</a:t>
-                      </a:r>
-                      <a:r>
-                        <a:rPr lang="en-US" baseline="30000" dirty="0" smtClean="0"/>
-                        <a:t>-530/20000</a:t>
-                      </a:r>
-                      <a:r>
-                        <a:rPr lang="en-US" dirty="0" smtClean="0"/>
-                        <a:t> = </a:t>
-                      </a:r>
-                      <a:r>
-                        <a:rPr lang="nb-NO" dirty="0" smtClean="0"/>
-                        <a:t>0.96722</a:t>
-                      </a:r>
-                      <a:endParaRPr lang="en-US" b="1" baseline="30000" dirty="0" smtClean="0"/>
-                    </a:p>
-                  </a:txBody>
-                  <a:tcPr/>
-                </a:tc>
-              </a:tr>
-              <a:tr h="370840">
-                <a:tc>
-                  <a:txBody>
-                    <a:bodyPr/>
-                    <a:lstStyle/>
-                    <a:p>
-                      <a:r>
-                        <a:rPr lang="en-US" dirty="0" smtClean="0"/>
-                        <a:t>40</a:t>
-                      </a:r>
-                      <a:endParaRPr lang="en-US" dirty="0"/>
-                    </a:p>
-                  </a:txBody>
-                  <a:tcPr/>
-                </a:tc>
-                <a:tc>
-                  <a:txBody>
-                    <a:bodyPr/>
-                    <a:lstStyle/>
-                    <a:p>
-                      <a:pPr marL="0" marR="0" indent="0" algn="l" defTabSz="914400" rtl="0" eaLnBrk="1" fontAlgn="auto" latinLnBrk="0" hangingPunct="1">
-                        <a:lnSpc>
-                          <a:spcPct val="100000"/>
-                        </a:lnSpc>
-                        <a:spcBef>
-                          <a:spcPts val="0"/>
-                        </a:spcBef>
-                        <a:spcAft>
-                          <a:spcPts val="0"/>
-                        </a:spcAft>
-                        <a:buClrTx/>
-                        <a:buSzTx/>
-                        <a:buFontTx/>
-                        <a:buNone/>
-                        <a:tabLst/>
-                        <a:defRPr/>
-                      </a:pPr>
-                      <a:r>
-                        <a:rPr lang="en-US" dirty="0" smtClean="0"/>
-                        <a:t>R(t) = e</a:t>
-                      </a:r>
-                      <a:r>
-                        <a:rPr lang="en-US" baseline="30000" dirty="0" smtClean="0"/>
-                        <a:t>-t/MTBF</a:t>
-                      </a:r>
-                      <a:r>
-                        <a:rPr lang="en-US" dirty="0" smtClean="0"/>
-                        <a:t> = e</a:t>
-                      </a:r>
-                      <a:r>
-                        <a:rPr lang="en-US" baseline="30000" dirty="0" smtClean="0"/>
-                        <a:t>-530/20000</a:t>
-                      </a:r>
-                      <a:r>
-                        <a:rPr lang="en-US" dirty="0" smtClean="0"/>
-                        <a:t> = </a:t>
-                      </a:r>
-                      <a:r>
-                        <a:rPr lang="fi-FI" dirty="0" smtClean="0"/>
-                        <a:t>0.98758</a:t>
-                      </a:r>
-                      <a:endParaRPr lang="en-US" baseline="30000" dirty="0" smtClean="0"/>
-                    </a:p>
-                  </a:txBody>
-                  <a:tcPr/>
-                </a:tc>
-              </a:tr>
-            </a:tbl>
-          </a:graphicData>
-        </a:graphic>
-      </p:graphicFrame>
-      <p:graphicFrame>
-        <p:nvGraphicFramePr>
-          <p:cNvPr id="4" name="Table 3"/>
-          <p:cNvGraphicFramePr>
-            <a:graphicFrameLocks noGrp="1"/>
-          </p:cNvGraphicFramePr>
-          <p:nvPr/>
-        </p:nvGraphicFramePr>
-        <p:xfrm>
-          <a:off x="7808857" y="1817794"/>
-          <a:ext cx="3572734" cy="4079240"/>
-        </p:xfrm>
-        <a:graphic>
-          <a:graphicData uri="http://schemas.openxmlformats.org/drawingml/2006/table">
-            <a:tbl>
-              <a:tblPr firstRow="1" bandRow="1">
-                <a:tableStyleId>{2D5ABB26-0587-4C30-8999-92F81FD0307C}</a:tableStyleId>
-              </a:tblPr>
-              <a:tblGrid>
-                <a:gridCol w="1786367"/>
-                <a:gridCol w="1786367"/>
-              </a:tblGrid>
-              <a:tr h="370840">
-                <a:tc>
-                  <a:txBody>
-                    <a:bodyPr/>
-                    <a:lstStyle/>
-                    <a:p>
-                      <a:r>
-                        <a:rPr lang="en-US" b="1" dirty="0" smtClean="0"/>
-                        <a:t>Runtime</a:t>
-                      </a:r>
-                      <a:endParaRPr lang="en-US" b="1" dirty="0"/>
-                    </a:p>
-                  </a:txBody>
-                  <a:tcPr/>
-                </a:tc>
-                <a:tc>
-                  <a:txBody>
-                    <a:bodyPr/>
-                    <a:lstStyle/>
-                    <a:p>
-                      <a:r>
-                        <a:rPr lang="en-US" b="1" dirty="0" smtClean="0"/>
-                        <a:t>MTBF (s)</a:t>
-                      </a:r>
-                      <a:endParaRPr lang="en-US" b="1" dirty="0"/>
-                    </a:p>
-                  </a:txBody>
-                  <a:tcPr/>
-                </a:tc>
-              </a:tr>
-              <a:tr h="370840">
-                <a:tc>
-                  <a:txBody>
-                    <a:bodyPr/>
-                    <a:lstStyle/>
-                    <a:p>
-                      <a:r>
-                        <a:rPr lang="en-US" dirty="0" smtClean="0"/>
-                        <a:t>dave</a:t>
-                      </a:r>
-                      <a:r>
-                        <a:rPr lang="en-US" baseline="-25000" dirty="0" smtClean="0"/>
-                        <a:t>1</a:t>
-                      </a:r>
-                      <a:endParaRPr lang="en-US" baseline="-25000" dirty="0"/>
-                    </a:p>
-                  </a:txBody>
-                  <a:tcPr/>
-                </a:tc>
-                <a:tc>
-                  <a:txBody>
-                    <a:bodyPr/>
-                    <a:lstStyle/>
-                    <a:p>
-                      <a:r>
-                        <a:rPr lang="en-US" dirty="0" smtClean="0"/>
-                        <a:t>7.5</a:t>
-                      </a:r>
-                      <a:endParaRPr lang="en-US" dirty="0"/>
-                    </a:p>
-                  </a:txBody>
-                  <a:tcPr/>
-                </a:tc>
-              </a:tr>
-              <a:tr h="370840">
-                <a:tc>
-                  <a:txBody>
-                    <a:bodyPr/>
-                    <a:lstStyle/>
-                    <a:p>
-                      <a:r>
-                        <a:rPr lang="en-US" dirty="0" smtClean="0"/>
-                        <a:t>dave</a:t>
-                      </a:r>
-                      <a:r>
-                        <a:rPr lang="en-US" baseline="-25000" dirty="0" smtClean="0"/>
-                        <a:t>2</a:t>
-                      </a:r>
-                      <a:endParaRPr lang="en-US" dirty="0"/>
-                    </a:p>
-                  </a:txBody>
-                  <a:tcPr/>
-                </a:tc>
-                <a:tc>
-                  <a:txBody>
-                    <a:bodyPr/>
-                    <a:lstStyle/>
-                    <a:p>
-                      <a:r>
-                        <a:rPr lang="en-US" dirty="0" smtClean="0"/>
-                        <a:t>7.5</a:t>
-                      </a:r>
-                      <a:endParaRPr lang="en-US" dirty="0"/>
-                    </a:p>
-                  </a:txBody>
-                  <a:tcPr/>
-                </a:tc>
-              </a:tr>
-              <a:tr h="370840">
-                <a:tc>
-                  <a:txBody>
-                    <a:bodyPr/>
-                    <a:lstStyle/>
-                    <a:p>
-                      <a:r>
-                        <a:rPr lang="en-US" dirty="0" smtClean="0"/>
-                        <a:t>tim</a:t>
-                      </a:r>
-                      <a:r>
-                        <a:rPr lang="en-US" baseline="-25000" dirty="0" smtClean="0"/>
-                        <a:t>1</a:t>
-                      </a:r>
-                      <a:endParaRPr lang="en-US" dirty="0"/>
-                    </a:p>
-                  </a:txBody>
-                  <a:tcPr/>
-                </a:tc>
-                <a:tc>
-                  <a:txBody>
-                    <a:bodyPr/>
-                    <a:lstStyle/>
-                    <a:p>
-                      <a:r>
-                        <a:rPr lang="en-US" dirty="0" smtClean="0"/>
-                        <a:t>7.5</a:t>
-                      </a:r>
-                      <a:endParaRPr lang="en-US" dirty="0"/>
-                    </a:p>
-                  </a:txBody>
-                  <a:tcPr/>
-                </a:tc>
-              </a:tr>
-              <a:tr h="370840">
-                <a:tc>
-                  <a:txBody>
-                    <a:bodyPr/>
-                    <a:lstStyle/>
-                    <a:p>
-                      <a:r>
-                        <a:rPr lang="en-US" dirty="0" smtClean="0"/>
-                        <a:t>tim</a:t>
-                      </a:r>
-                      <a:r>
-                        <a:rPr lang="en-US" baseline="-25000" dirty="0" smtClean="0"/>
-                        <a:t>2</a:t>
-                      </a:r>
-                      <a:endParaRPr lang="en-US" dirty="0"/>
-                    </a:p>
-                  </a:txBody>
-                  <a:tcPr/>
-                </a:tc>
-                <a:tc>
-                  <a:txBody>
-                    <a:bodyPr/>
-                    <a:lstStyle/>
-                    <a:p>
-                      <a:r>
-                        <a:rPr lang="en-US" dirty="0" smtClean="0"/>
-                        <a:t>7.5</a:t>
-                      </a:r>
-                      <a:endParaRPr lang="en-US" dirty="0"/>
-                    </a:p>
-                  </a:txBody>
-                  <a:tcPr/>
-                </a:tc>
-              </a:tr>
-              <a:tr h="370840">
-                <a:tc>
-                  <a:txBody>
-                    <a:bodyPr/>
-                    <a:lstStyle/>
-                    <a:p>
-                      <a:r>
-                        <a:rPr lang="en-US" dirty="0" smtClean="0"/>
-                        <a:t>kevin</a:t>
-                      </a:r>
-                      <a:r>
-                        <a:rPr lang="en-US" baseline="-25000" dirty="0" smtClean="0"/>
-                        <a:t>1</a:t>
-                      </a:r>
-                      <a:endParaRPr lang="en-US" dirty="0"/>
-                    </a:p>
-                  </a:txBody>
-                  <a:tcPr/>
-                </a:tc>
-                <a:tc>
-                  <a:txBody>
-                    <a:bodyPr/>
-                    <a:lstStyle/>
-                    <a:p>
-                      <a:r>
-                        <a:rPr lang="en-US" dirty="0" smtClean="0"/>
-                        <a:t>15</a:t>
-                      </a:r>
-                      <a:endParaRPr lang="en-US" dirty="0"/>
-                    </a:p>
-                  </a:txBody>
-                  <a:tcPr/>
-                </a:tc>
-              </a:tr>
-              <a:tr h="370840">
-                <a:tc>
-                  <a:txBody>
-                    <a:bodyPr/>
-                    <a:lstStyle/>
-                    <a:p>
-                      <a:r>
-                        <a:rPr lang="en-US" dirty="0" smtClean="0"/>
-                        <a:t>kevin</a:t>
-                      </a:r>
-                      <a:r>
-                        <a:rPr lang="en-US" baseline="-25000" dirty="0" smtClean="0"/>
-                        <a:t>2</a:t>
-                      </a:r>
-                      <a:endParaRPr lang="en-US" dirty="0"/>
-                    </a:p>
-                  </a:txBody>
-                  <a:tcPr/>
-                </a:tc>
-                <a:tc>
-                  <a:txBody>
-                    <a:bodyPr/>
-                    <a:lstStyle/>
-                    <a:p>
-                      <a:r>
-                        <a:rPr lang="en-US" dirty="0" smtClean="0"/>
-                        <a:t>15</a:t>
-                      </a:r>
-                      <a:endParaRPr lang="en-US" dirty="0"/>
-                    </a:p>
-                  </a:txBody>
-                  <a:tcPr/>
-                </a:tc>
-              </a:tr>
-              <a:tr h="370840">
-                <a:tc>
-                  <a:txBody>
-                    <a:bodyPr/>
-                    <a:lstStyle/>
-                    <a:p>
-                      <a:r>
-                        <a:rPr lang="en-US" dirty="0" smtClean="0"/>
-                        <a:t>mark</a:t>
-                      </a:r>
-                      <a:r>
-                        <a:rPr lang="en-US" baseline="-25000" dirty="0" smtClean="0"/>
-                        <a:t>1</a:t>
-                      </a:r>
-                      <a:endParaRPr lang="en-US" dirty="0"/>
-                    </a:p>
-                  </a:txBody>
-                  <a:tcPr/>
-                </a:tc>
-                <a:tc>
-                  <a:txBody>
-                    <a:bodyPr/>
-                    <a:lstStyle/>
-                    <a:p>
-                      <a:r>
-                        <a:rPr lang="en-US" dirty="0" smtClean="0"/>
-                        <a:t>15</a:t>
-                      </a:r>
-                      <a:endParaRPr lang="en-US" dirty="0"/>
-                    </a:p>
-                  </a:txBody>
-                  <a:tcPr/>
-                </a:tc>
-              </a:tr>
-              <a:tr h="370840">
-                <a:tc>
-                  <a:txBody>
-                    <a:bodyPr/>
-                    <a:lstStyle/>
-                    <a:p>
-                      <a:r>
-                        <a:rPr lang="en-US" dirty="0" smtClean="0"/>
-                        <a:t>mark</a:t>
-                      </a:r>
-                      <a:r>
-                        <a:rPr lang="en-US" baseline="-25000" dirty="0" smtClean="0"/>
-                        <a:t>2</a:t>
-                      </a:r>
-                      <a:endParaRPr lang="en-US" dirty="0"/>
-                    </a:p>
-                  </a:txBody>
-                  <a:tcPr/>
-                </a:tc>
-                <a:tc>
-                  <a:txBody>
-                    <a:bodyPr/>
-                    <a:lstStyle/>
-                    <a:p>
-                      <a:r>
-                        <a:rPr lang="en-US" dirty="0" smtClean="0"/>
-                        <a:t>40</a:t>
-                      </a:r>
-                      <a:endParaRPr lang="en-US" dirty="0"/>
-                    </a:p>
-                  </a:txBody>
-                  <a:tcPr/>
-                </a:tc>
-              </a:tr>
-              <a:tr h="370840">
-                <a:tc>
-                  <a:txBody>
-                    <a:bodyPr/>
-                    <a:lstStyle/>
-                    <a:p>
-                      <a:r>
-                        <a:rPr lang="en-US" dirty="0" smtClean="0"/>
-                        <a:t>jerry</a:t>
-                      </a:r>
-                      <a:r>
-                        <a:rPr lang="en-US" baseline="-25000" dirty="0" smtClean="0"/>
-                        <a:t>1</a:t>
-                      </a:r>
-                      <a:endParaRPr lang="en-US" dirty="0"/>
-                    </a:p>
-                  </a:txBody>
-                  <a:tcPr/>
-                </a:tc>
-                <a:tc>
-                  <a:txBody>
-                    <a:bodyPr/>
-                    <a:lstStyle/>
-                    <a:p>
-                      <a:r>
-                        <a:rPr lang="en-US" dirty="0" smtClean="0"/>
-                        <a:t>40</a:t>
-                      </a:r>
-                      <a:endParaRPr lang="en-US" dirty="0"/>
-                    </a:p>
-                  </a:txBody>
-                  <a:tcPr/>
-                </a:tc>
-              </a:tr>
-              <a:tr h="370840">
-                <a:tc>
-                  <a:txBody>
-                    <a:bodyPr/>
-                    <a:lstStyle/>
-                    <a:p>
-                      <a:r>
-                        <a:rPr lang="en-US" dirty="0" smtClean="0"/>
-                        <a:t>jerry</a:t>
-                      </a:r>
-                      <a:r>
-                        <a:rPr lang="en-US" baseline="-25000" dirty="0" smtClean="0"/>
-                        <a:t>2</a:t>
-                      </a:r>
-                      <a:endParaRPr lang="en-US" dirty="0"/>
-                    </a:p>
-                  </a:txBody>
-                  <a:tcPr/>
-                </a:tc>
-                <a:tc>
-                  <a:txBody>
-                    <a:bodyPr/>
-                    <a:lstStyle/>
-                    <a:p>
-                      <a:r>
-                        <a:rPr lang="en-US" dirty="0" smtClean="0"/>
-                        <a:t>40</a:t>
-                      </a:r>
-                      <a:endParaRPr lang="en-US" dirty="0"/>
-                    </a:p>
-                  </a:txBody>
-                  <a:tcPr/>
-                </a:tc>
-              </a:tr>
-            </a:tbl>
-          </a:graphicData>
-        </a:graphic>
-      </p:graphicFrame>
+        </p:nvPicPr>
+        <p:blipFill>
+          <a:blip r:embed="rId2">
+            <a:extLst>
+              <a:ext uri="{28A0092B-C50C-407E-A947-70E740481C1C}">
+                <a14:useLocalDpi xmlns:a14="http://schemas.microsoft.com/office/drawing/2010/main" val="0"/>
+              </a:ext>
+            </a:extLst>
+          </a:blip>
+          <a:stretch>
+            <a:fillRect/>
+          </a:stretch>
+        </p:blipFill>
+        <p:spPr>
+          <a:xfrm>
+            <a:off x="2316480" y="2214581"/>
+            <a:ext cx="7620000" cy="4051300"/>
+          </a:xfrm>
+          <a:prstGeom prst="rect">
+            <a:avLst/>
+          </a:prstGeom>
+        </p:spPr>
+      </p:pic>
     </p:spTree>
     <p:extLst>
       <p:ext uri="{BB962C8B-B14F-4D97-AF65-F5344CB8AC3E}">
-        <p14:creationId xmlns:p14="http://schemas.microsoft.com/office/powerpoint/2010/main" val="649643955"/>
+        <p14:creationId xmlns:p14="http://schemas.microsoft.com/office/powerpoint/2010/main" val="181053987"/>
+      </p:ext>
+    </p:extLst>
+  </p:cSld>
+  <p:clrMapOvr>
+    <a:masterClrMapping/>
+  </p:clrMapOvr>
+  <p:timing>
+    <p:tnLst>
+      <p:par>
+        <p:cTn id="1" dur="indefinite" restart="never" nodeType="tmRoot"/>
+      </p:par>
+    </p:tnLst>
+  </p:timing>
+</p:sld>
+</file>
+
+<file path=ppt/slides/slide29.xml><?xml version="1.0" encoding="utf-8"?>
+<p:sld xmlns:a="http://schemas.openxmlformats.org/drawingml/2006/main" xmlns:r="http://schemas.openxmlformats.org/officeDocument/2006/relationships" xmlns:p="http://schemas.openxmlformats.org/presentationml/2006/main">
+  <p:cSld>
+    <p:spTree>
+      <p:nvGrpSpPr>
+        <p:cNvPr id="1" name=""/>
+        <p:cNvGrpSpPr/>
+        <p:nvPr/>
+      </p:nvGrpSpPr>
+      <p:grpSpPr>
+        <a:xfrm>
+          <a:off x="0" y="0"/>
+          <a:ext cx="0" cy="0"/>
+          <a:chOff x="0" y="0"/>
+          <a:chExt cx="0" cy="0"/>
+        </a:xfrm>
+      </p:grpSpPr>
+      <p:sp>
+        <p:nvSpPr>
+          <p:cNvPr id="2" name="Title 1"/>
+          <p:cNvSpPr>
+            <a:spLocks noGrp="1"/>
+          </p:cNvSpPr>
+          <p:nvPr>
+            <p:ph type="title"/>
+          </p:nvPr>
+        </p:nvSpPr>
+        <p:spPr/>
+        <p:txBody>
+          <a:bodyPr/>
+          <a:lstStyle/>
+          <a:p>
+            <a:r>
+              <a:rPr lang="en-US" dirty="0" smtClean="0"/>
+              <a:t>Result – number of replicas</a:t>
+            </a:r>
+            <a:endParaRPr lang="en-US" dirty="0"/>
+          </a:p>
+        </p:txBody>
+      </p:sp>
+      <p:pic>
+        <p:nvPicPr>
+          <p:cNvPr id="5" name="Content Placeholder 4"/>
+          <p:cNvPicPr>
+            <a:picLocks noGrp="1" noChangeAspect="1"/>
+          </p:cNvPicPr>
+          <p:nvPr>
+            <p:ph idx="1"/>
+          </p:nvPr>
+        </p:nvPicPr>
+        <p:blipFill>
+          <a:blip r:embed="rId2">
+            <a:extLst>
+              <a:ext uri="{28A0092B-C50C-407E-A947-70E740481C1C}">
+                <a14:useLocalDpi xmlns:a14="http://schemas.microsoft.com/office/drawing/2010/main" val="0"/>
+              </a:ext>
+            </a:extLst>
+          </a:blip>
+          <a:stretch>
+            <a:fillRect/>
+          </a:stretch>
+        </p:blipFill>
+        <p:spPr>
+          <a:xfrm>
+            <a:off x="2431626" y="2212023"/>
+            <a:ext cx="7389707" cy="4022725"/>
+          </a:xfrm>
+        </p:spPr>
+      </p:pic>
+    </p:spTree>
+    <p:extLst>
+      <p:ext uri="{BB962C8B-B14F-4D97-AF65-F5344CB8AC3E}">
+        <p14:creationId xmlns:p14="http://schemas.microsoft.com/office/powerpoint/2010/main" val="180489831"/>
       </p:ext>
     </p:extLst>
   </p:cSld>
@@ -7893,7 +9342,7 @@
           <a:p>
             <a:r>
               <a:rPr lang="en-US" dirty="0" smtClean="0"/>
-              <a:t>Experiments</a:t>
+              <a:t>Handling node failure</a:t>
             </a:r>
             <a:endParaRPr lang="en-US" dirty="0"/>
           </a:p>
@@ -7911,18 +9360,18 @@
         </p:nvSpPr>
         <p:spPr/>
         <p:txBody>
-          <a:bodyPr/>
+          <a:bodyPr>
+            <a:normAutofit/>
+          </a:bodyPr>
           <a:lstStyle/>
           <a:p>
-            <a:r>
-              <a:rPr lang="en-US" dirty="0" smtClean="0"/>
-              <a:t>We have conducted a set of various tests to prove the usefulness of our model.</a:t>
-            </a:r>
-          </a:p>
-          <a:p>
-            <a:r>
-              <a:rPr lang="en-US" dirty="0" smtClean="0"/>
-              <a:t>The goal was to show our model</a:t>
+            <a:pPr>
+              <a:buFont typeface="Arial" charset="0"/>
+              <a:buChar char="•"/>
+            </a:pPr>
+            <a:r>
+              <a:rPr lang="en-US" dirty="0" smtClean="0"/>
+              <a:t>When a node failure is detected, every node take the following steps:</a:t>
             </a:r>
           </a:p>
           <a:p>
@@ -7932,7 +9381,7 @@
             </a:pPr>
             <a:r>
               <a:rPr lang="en-US" dirty="0" smtClean="0"/>
-              <a:t>Dynamically ensures the required reliability is met, despite the event of node failures, by dynamically creating new replicas when old ones die</a:t>
+              <a:t>Select a node among the remaining nodes, select the one with the highest ID</a:t>
             </a:r>
           </a:p>
           <a:p>
@@ -7942,7 +9391,7 @@
             </a:pPr>
             <a:r>
               <a:rPr lang="en-US" dirty="0" smtClean="0"/>
-              <a:t>Uses the optimal number of replicas by choosing the most reliable nodes</a:t>
+              <a:t>Send a lost node message to the selected node</a:t>
             </a:r>
           </a:p>
           <a:p>
@@ -7952,22 +9401,36 @@
             </a:pPr>
             <a:r>
               <a:rPr lang="en-US" dirty="0" smtClean="0"/>
-              <a:t>Adapts to changing system properties</a:t>
+              <a:t>Wait for reply</a:t>
+            </a:r>
+          </a:p>
+          <a:p>
+            <a:pPr marL="749808" lvl="1" indent="-457200">
+              <a:buFont typeface="+mj-lt"/>
+              <a:buAutoNum type="arabicPeriod"/>
+            </a:pPr>
+            <a:r>
+              <a:rPr lang="en-US" dirty="0" smtClean="0"/>
+              <a:t>If not reply is received - start over at 1</a:t>
+            </a:r>
+          </a:p>
+          <a:p>
+            <a:pPr marL="749808" lvl="1" indent="-457200">
+              <a:buFont typeface="+mj-lt"/>
+              <a:buAutoNum type="arabicPeriod"/>
+            </a:pPr>
+            <a:r>
+              <a:rPr lang="en-US" dirty="0" smtClean="0"/>
+              <a:t>If reply – we’re done</a:t>
             </a:r>
           </a:p>
           <a:p>
             <a:pPr marL="0" indent="0">
               <a:buNone/>
             </a:pPr>
-            <a:endParaRPr lang="en-US" dirty="0"/>
-          </a:p>
-          <a:p>
-            <a:pPr marL="0" indent="0">
-              <a:buNone/>
-            </a:pPr>
-            <a:r>
-              <a:rPr lang="en-US" dirty="0" smtClean="0"/>
-              <a:t>We also measured how the replication time varied depending on the state size, as the replication time is an important part of the reliability model.</a:t>
+            <a:r>
+              <a:rPr lang="en-US" dirty="0" smtClean="0"/>
+              <a:t>The node receiving the lost node messages will check whether or not new replicas are needed, and if so, send replication request to one of the nodes holding a replica. When done, it will send a reply to everyone it received a lost node message from.</a:t>
             </a:r>
           </a:p>
         </p:txBody>
@@ -7975,7 +9438,292 @@
     </p:spTree>
     <p:extLst>
       <p:ext uri="{BB962C8B-B14F-4D97-AF65-F5344CB8AC3E}">
-        <p14:creationId xmlns:p14="http://schemas.microsoft.com/office/powerpoint/2010/main" val="1478014272"/>
+        <p14:creationId xmlns:p14="http://schemas.microsoft.com/office/powerpoint/2010/main" val="2018439337"/>
+      </p:ext>
+    </p:extLst>
+  </p:cSld>
+  <p:clrMapOvr>
+    <a:masterClrMapping/>
+  </p:clrMapOvr>
+  <p:timing>
+    <p:tnLst>
+      <p:par>
+        <p:cTn id="1" dur="indefinite" restart="never" nodeType="tmRoot"/>
+      </p:par>
+    </p:tnLst>
+  </p:timing>
+</p:sld>
+</file>
+
+<file path=ppt/slides/slide30.xml><?xml version="1.0" encoding="utf-8"?>
+<p:sld xmlns:a="http://schemas.openxmlformats.org/drawingml/2006/main" xmlns:r="http://schemas.openxmlformats.org/officeDocument/2006/relationships" xmlns:p="http://schemas.openxmlformats.org/presentationml/2006/main">
+  <p:cSld>
+    <p:spTree>
+      <p:nvGrpSpPr>
+        <p:cNvPr id="1" name=""/>
+        <p:cNvGrpSpPr/>
+        <p:nvPr/>
+      </p:nvGrpSpPr>
+      <p:grpSpPr>
+        <a:xfrm>
+          <a:off x="0" y="0"/>
+          <a:ext cx="0" cy="0"/>
+          <a:chOff x="0" y="0"/>
+          <a:chExt cx="0" cy="0"/>
+        </a:xfrm>
+      </p:grpSpPr>
+      <p:sp>
+        <p:nvSpPr>
+          <p:cNvPr id="2" name="Title 1"/>
+          <p:cNvSpPr>
+            <a:spLocks noGrp="1"/>
+          </p:cNvSpPr>
+          <p:nvPr>
+            <p:ph type="title"/>
+          </p:nvPr>
+        </p:nvSpPr>
+        <p:spPr/>
+        <p:txBody>
+          <a:bodyPr/>
+          <a:lstStyle/>
+          <a:p>
+            <a:r>
+              <a:rPr lang="en-US" dirty="0" smtClean="0"/>
+              <a:t>Replication time</a:t>
+            </a:r>
+            <a:endParaRPr lang="en-US" dirty="0"/>
+          </a:p>
+        </p:txBody>
+      </p:sp>
+      <p:sp>
+        <p:nvSpPr>
+          <p:cNvPr id="4" name="Content Placeholder 3"/>
+          <p:cNvSpPr>
+            <a:spLocks noGrp="1"/>
+          </p:cNvSpPr>
+          <p:nvPr>
+            <p:ph idx="1"/>
+          </p:nvPr>
+        </p:nvSpPr>
+        <p:spPr/>
+        <p:txBody>
+          <a:bodyPr/>
+          <a:lstStyle/>
+          <a:p>
+            <a:pPr>
+              <a:buFont typeface="Arial" charset="0"/>
+              <a:buChar char="•"/>
+            </a:pPr>
+            <a:r>
+              <a:rPr lang="en-US" dirty="0" smtClean="0"/>
+              <a:t>Two runtimes, and one actor with one outgoing port. </a:t>
+            </a:r>
+          </a:p>
+          <a:p>
+            <a:pPr>
+              <a:buFont typeface="Arial" charset="0"/>
+              <a:buChar char="•"/>
+            </a:pPr>
+            <a:r>
+              <a:rPr lang="en-US" dirty="0" smtClean="0"/>
+              <a:t>The size of the actor state was measured, as well as the time to replicate the actor from one runtime to the other was measured. </a:t>
+            </a:r>
+          </a:p>
+          <a:p>
+            <a:pPr>
+              <a:buFont typeface="Arial" charset="0"/>
+              <a:buChar char="•"/>
+            </a:pPr>
+            <a:r>
+              <a:rPr lang="en-US" dirty="0" smtClean="0"/>
+              <a:t>The state was increased by increasing the size of the actors port queue.</a:t>
+            </a:r>
+            <a:endParaRPr lang="en-US" dirty="0"/>
+          </a:p>
+        </p:txBody>
+      </p:sp>
+    </p:spTree>
+    <p:extLst>
+      <p:ext uri="{BB962C8B-B14F-4D97-AF65-F5344CB8AC3E}">
+        <p14:creationId xmlns:p14="http://schemas.microsoft.com/office/powerpoint/2010/main" val="1603957846"/>
+      </p:ext>
+    </p:extLst>
+  </p:cSld>
+  <p:clrMapOvr>
+    <a:masterClrMapping/>
+  </p:clrMapOvr>
+  <p:timing>
+    <p:tnLst>
+      <p:par>
+        <p:cTn id="1" dur="indefinite" restart="never" nodeType="tmRoot"/>
+      </p:par>
+    </p:tnLst>
+  </p:timing>
+</p:sld>
+</file>
+
+<file path=ppt/slides/slide31.xml><?xml version="1.0" encoding="utf-8"?>
+<p:sld xmlns:a="http://schemas.openxmlformats.org/drawingml/2006/main" xmlns:r="http://schemas.openxmlformats.org/officeDocument/2006/relationships" xmlns:p="http://schemas.openxmlformats.org/presentationml/2006/main">
+  <p:cSld>
+    <p:spTree>
+      <p:nvGrpSpPr>
+        <p:cNvPr id="1" name=""/>
+        <p:cNvGrpSpPr/>
+        <p:nvPr/>
+      </p:nvGrpSpPr>
+      <p:grpSpPr>
+        <a:xfrm>
+          <a:off x="0" y="0"/>
+          <a:ext cx="0" cy="0"/>
+          <a:chOff x="0" y="0"/>
+          <a:chExt cx="0" cy="0"/>
+        </a:xfrm>
+      </p:grpSpPr>
+      <p:sp>
+        <p:nvSpPr>
+          <p:cNvPr id="2" name="Title 1"/>
+          <p:cNvSpPr>
+            <a:spLocks noGrp="1"/>
+          </p:cNvSpPr>
+          <p:nvPr>
+            <p:ph type="title"/>
+          </p:nvPr>
+        </p:nvSpPr>
+        <p:spPr/>
+        <p:txBody>
+          <a:bodyPr/>
+          <a:lstStyle/>
+          <a:p>
+            <a:r>
+              <a:rPr lang="en-US" dirty="0" smtClean="0"/>
+              <a:t>Result</a:t>
+            </a:r>
+            <a:endParaRPr lang="en-US" dirty="0"/>
+          </a:p>
+        </p:txBody>
+      </p:sp>
+      <p:pic>
+        <p:nvPicPr>
+          <p:cNvPr id="5" name="Content Placeholder 4"/>
+          <p:cNvPicPr>
+            <a:picLocks noGrp="1" noChangeAspect="1"/>
+          </p:cNvPicPr>
+          <p:nvPr>
+            <p:ph idx="1"/>
+          </p:nvPr>
+        </p:nvPicPr>
+        <p:blipFill>
+          <a:blip r:embed="rId2">
+            <a:extLst>
+              <a:ext uri="{28A0092B-C50C-407E-A947-70E740481C1C}">
+                <a14:useLocalDpi xmlns:a14="http://schemas.microsoft.com/office/drawing/2010/main" val="0"/>
+              </a:ext>
+            </a:extLst>
+          </a:blip>
+          <a:stretch>
+            <a:fillRect/>
+          </a:stretch>
+        </p:blipFill>
+        <p:spPr>
+          <a:xfrm>
+            <a:off x="2324437" y="1986112"/>
+            <a:ext cx="7604085" cy="4022725"/>
+          </a:xfrm>
+        </p:spPr>
+      </p:pic>
+    </p:spTree>
+    <p:extLst>
+      <p:ext uri="{BB962C8B-B14F-4D97-AF65-F5344CB8AC3E}">
+        <p14:creationId xmlns:p14="http://schemas.microsoft.com/office/powerpoint/2010/main" val="1936044086"/>
+      </p:ext>
+    </p:extLst>
+  </p:cSld>
+  <p:clrMapOvr>
+    <a:masterClrMapping/>
+  </p:clrMapOvr>
+  <p:timing>
+    <p:tnLst>
+      <p:par>
+        <p:cTn id="1" dur="indefinite" restart="never" nodeType="tmRoot"/>
+      </p:par>
+    </p:tnLst>
+  </p:timing>
+</p:sld>
+</file>
+
+<file path=ppt/slides/slide32.xml><?xml version="1.0" encoding="utf-8"?>
+<p:sld xmlns:a="http://schemas.openxmlformats.org/drawingml/2006/main" xmlns:r="http://schemas.openxmlformats.org/officeDocument/2006/relationships" xmlns:p="http://schemas.openxmlformats.org/presentationml/2006/main">
+  <p:cSld>
+    <p:spTree>
+      <p:nvGrpSpPr>
+        <p:cNvPr id="1" name=""/>
+        <p:cNvGrpSpPr/>
+        <p:nvPr/>
+      </p:nvGrpSpPr>
+      <p:grpSpPr>
+        <a:xfrm>
+          <a:off x="0" y="0"/>
+          <a:ext cx="0" cy="0"/>
+          <a:chOff x="0" y="0"/>
+          <a:chExt cx="0" cy="0"/>
+        </a:xfrm>
+      </p:grpSpPr>
+      <p:sp>
+        <p:nvSpPr>
+          <p:cNvPr id="2" name="Title 1"/>
+          <p:cNvSpPr>
+            <a:spLocks noGrp="1"/>
+          </p:cNvSpPr>
+          <p:nvPr>
+            <p:ph type="title"/>
+          </p:nvPr>
+        </p:nvSpPr>
+        <p:spPr/>
+        <p:txBody>
+          <a:bodyPr/>
+          <a:lstStyle/>
+          <a:p>
+            <a:r>
+              <a:rPr lang="en-US" dirty="0" smtClean="0"/>
+              <a:t>Result</a:t>
+            </a:r>
+            <a:endParaRPr lang="en-US" dirty="0"/>
+          </a:p>
+        </p:txBody>
+      </p:sp>
+      <p:pic>
+        <p:nvPicPr>
+          <p:cNvPr id="4" name="Content Placeholder 3"/>
+          <p:cNvPicPr>
+            <a:picLocks noGrp="1" noChangeAspect="1"/>
+          </p:cNvPicPr>
+          <p:nvPr>
+            <p:ph idx="1"/>
+          </p:nvPr>
+        </p:nvPicPr>
+        <p:blipFill>
+          <a:blip r:embed="rId2">
+            <a:extLst>
+              <a:ext uri="{28A0092B-C50C-407E-A947-70E740481C1C}">
+                <a14:useLocalDpi xmlns:a14="http://schemas.microsoft.com/office/drawing/2010/main" val="0"/>
+              </a:ext>
+            </a:extLst>
+          </a:blip>
+          <a:stretch>
+            <a:fillRect/>
+          </a:stretch>
+        </p:blipFill>
+        <p:spPr>
+          <a:xfrm>
+            <a:off x="2273996" y="1986113"/>
+            <a:ext cx="7704968" cy="4022725"/>
+          </a:xfrm>
+        </p:spPr>
+      </p:pic>
+    </p:spTree>
+    <p:extLst>
+      <p:ext uri="{BB962C8B-B14F-4D97-AF65-F5344CB8AC3E}">
+        <p14:creationId xmlns:p14="http://schemas.microsoft.com/office/powerpoint/2010/main" val="608299119"/>
       </p:ext>
     </p:extLst>
   </p:cSld>
@@ -8026,137 +9774,21 @@
           <a:p>
             <a:r>
               <a:rPr lang="en-US" dirty="0" smtClean="0"/>
-              <a:t>Experiments setup</a:t>
-            </a:r>
-            <a:endParaRPr lang="en-US" dirty="0"/>
-          </a:p>
-        </p:txBody>
-      </p:sp>
-      <p:sp>
-        <p:nvSpPr>
-          <p:cNvPr id="3" name="Content Placeholder 2"/>
-          <p:cNvSpPr>
-            <a:spLocks noGrp="1"/>
-          </p:cNvSpPr>
-          <p:nvPr>
-            <p:ph idx="1"/>
-          </p:nvPr>
-        </p:nvSpPr>
-        <p:spPr/>
-        <p:txBody>
-          <a:bodyPr/>
-          <a:lstStyle/>
-          <a:p>
-            <a:pPr marL="0" indent="0">
-              <a:buNone/>
-            </a:pPr>
-            <a:r>
-              <a:rPr lang="en-US" dirty="0" smtClean="0"/>
-              <a:t>A cluster of 6 servers were used in the experiments.</a:t>
-            </a:r>
-            <a:endParaRPr lang="en-US" dirty="0"/>
-          </a:p>
-          <a:p>
-            <a:pPr marL="0" indent="0">
-              <a:buNone/>
-            </a:pPr>
-            <a:r>
-              <a:rPr lang="en-US" dirty="0" smtClean="0"/>
-              <a:t>Server specification:</a:t>
-            </a:r>
-          </a:p>
-          <a:p>
-            <a:pPr>
-              <a:buFont typeface="Arial" charset="0"/>
-              <a:buChar char="•"/>
-            </a:pPr>
-            <a:r>
-              <a:rPr lang="en-US" dirty="0" smtClean="0"/>
-              <a:t>Intel(R</a:t>
-            </a:r>
-            <a:r>
-              <a:rPr lang="en-US" dirty="0"/>
-              <a:t>) Xeon(R) CPU E5-2420 v2 of 2.20 </a:t>
-            </a:r>
-            <a:r>
-              <a:rPr lang="en-US" dirty="0" smtClean="0"/>
-              <a:t>GHz</a:t>
-            </a:r>
-          </a:p>
-          <a:p>
-            <a:pPr>
-              <a:buFont typeface="Arial" charset="0"/>
-              <a:buChar char="•"/>
-            </a:pPr>
-            <a:r>
-              <a:rPr lang="en-US" dirty="0" smtClean="0"/>
-              <a:t>24 </a:t>
-            </a:r>
-            <a:r>
-              <a:rPr lang="en-US" dirty="0"/>
-              <a:t>GB </a:t>
-            </a:r>
-            <a:r>
-              <a:rPr lang="en-US" dirty="0" smtClean="0"/>
-              <a:t>RAM</a:t>
-            </a:r>
-          </a:p>
-          <a:p>
-            <a:pPr>
-              <a:buFont typeface="Arial" charset="0"/>
-              <a:buChar char="•"/>
-            </a:pPr>
-            <a:r>
-              <a:rPr lang="en-US" dirty="0" smtClean="0"/>
-              <a:t>Connected </a:t>
-            </a:r>
-            <a:r>
-              <a:rPr lang="en-US" dirty="0"/>
-              <a:t>with a 1000 Mb/s link with a latency </a:t>
-            </a:r>
-            <a:r>
-              <a:rPr lang="en-US" dirty="0" smtClean="0"/>
-              <a:t>of</a:t>
-            </a:r>
-            <a:br>
-              <a:rPr lang="en-US" dirty="0" smtClean="0"/>
-            </a:br>
-            <a:r>
-              <a:rPr lang="en-US" dirty="0" smtClean="0"/>
-              <a:t>less </a:t>
-            </a:r>
-            <a:r>
-              <a:rPr lang="en-US" dirty="0"/>
-              <a:t>than 0.2 </a:t>
-            </a:r>
-            <a:r>
-              <a:rPr lang="en-US" dirty="0" err="1"/>
-              <a:t>ms.</a:t>
-            </a:r>
-            <a:r>
-              <a:rPr lang="en-US" dirty="0"/>
-              <a:t> </a:t>
-            </a:r>
-            <a:endParaRPr lang="en-US" dirty="0" smtClean="0"/>
-          </a:p>
-          <a:p>
-            <a:endParaRPr lang="en-US" dirty="0"/>
-          </a:p>
-          <a:p>
-            <a:endParaRPr lang="en-US" dirty="0"/>
-          </a:p>
-          <a:p>
+              <a:t>Handling node failure cont’d.</a:t>
+            </a:r>
             <a:endParaRPr lang="en-US" dirty="0"/>
           </a:p>
         </p:txBody>
       </p:sp>
       <p:pic>
         <p:nvPicPr>
-          <p:cNvPr id="9" name="Picture 8"/>
+          <p:cNvPr id="8" name="Content Placeholder 7"/>
           <p:cNvPicPr>
-            <a:picLocks noChangeAspect="1"/>
+            <a:picLocks noGrp="1" noChangeAspect="1"/>
           </p:cNvPicPr>
-          <p:nvPr/>
+          <p:nvPr>
+            <p:ph idx="1"/>
+          </p:nvPr>
         </p:nvPicPr>
         <p:blipFill>
           <a:blip r:embed="rId2">
@@ -8172,18 +9804,15 @@
         </p:blipFill>
         <p:spPr>
           <a:xfrm>
-            <a:off x="6624768" y="2085764"/>
-            <a:ext cx="4902200" cy="3543300"/>
+            <a:off x="4335463" y="2066925"/>
+            <a:ext cx="3581400" cy="3581400"/>
           </a:xfrm>
-          <a:prstGeom prst="rect">
-            <a:avLst/>
-          </a:prstGeom>
         </p:spPr>
       </p:pic>
     </p:spTree>
     <p:extLst>
       <p:ext uri="{BB962C8B-B14F-4D97-AF65-F5344CB8AC3E}">
-        <p14:creationId xmlns:p14="http://schemas.microsoft.com/office/powerpoint/2010/main" val="1495264214"/>
+        <p14:creationId xmlns:p14="http://schemas.microsoft.com/office/powerpoint/2010/main" val="489200782"/>
       </p:ext>
     </p:extLst>
   </p:cSld>
@@ -8234,55 +9863,21 @@
           <a:p>
             <a:r>
               <a:rPr lang="en-US" dirty="0" smtClean="0"/>
-              <a:t>Application used in experiments</a:t>
-            </a:r>
-            <a:endParaRPr lang="en-US" dirty="0"/>
-          </a:p>
-        </p:txBody>
-      </p:sp>
-      <p:sp>
-        <p:nvSpPr>
-          <p:cNvPr id="3" name="Content Placeholder 2"/>
-          <p:cNvSpPr>
-            <a:spLocks noGrp="1"/>
-          </p:cNvSpPr>
-          <p:nvPr>
-            <p:ph idx="1"/>
-          </p:nvPr>
-        </p:nvSpPr>
-        <p:spPr/>
-        <p:txBody>
-          <a:bodyPr/>
-          <a:lstStyle/>
-          <a:p>
-            <a:r>
-              <a:rPr lang="en-US" dirty="0" smtClean="0"/>
-              <a:t>The application used in the experiment consisted of three actors, a producer, </a:t>
-            </a:r>
-            <a:r>
-              <a:rPr lang="en-US" i="1" dirty="0" smtClean="0"/>
-              <a:t>service actor</a:t>
-            </a:r>
-            <a:r>
-              <a:rPr lang="en-US" dirty="0" smtClean="0"/>
-              <a:t>, and a consumer.</a:t>
-            </a:r>
-          </a:p>
-          <a:p>
-            <a:endParaRPr lang="en-US" dirty="0" smtClean="0"/>
-          </a:p>
-          <a:p>
+              <a:t>Handling node failure cont’d.</a:t>
+            </a:r>
             <a:endParaRPr lang="en-US" dirty="0"/>
           </a:p>
         </p:txBody>
       </p:sp>
       <p:pic>
         <p:nvPicPr>
-          <p:cNvPr id="4" name="Picture 3"/>
+          <p:cNvPr id="5" name="Content Placeholder 4"/>
           <p:cNvPicPr>
-            <a:picLocks noChangeAspect="1"/>
+            <a:picLocks noGrp="1" noChangeAspect="1"/>
           </p:cNvPicPr>
-          <p:nvPr/>
+          <p:nvPr>
+            <p:ph idx="1"/>
+          </p:nvPr>
         </p:nvPicPr>
         <p:blipFill>
           <a:blip r:embed="rId2">
@@ -8298,18 +9893,15 @@
         </p:blipFill>
         <p:spPr>
           <a:xfrm>
-            <a:off x="2481580" y="3273214"/>
-            <a:ext cx="7289800" cy="1168400"/>
+            <a:off x="4668054" y="1846263"/>
+            <a:ext cx="2916217" cy="4022725"/>
           </a:xfrm>
-          <a:prstGeom prst="rect">
-            <a:avLst/>
-          </a:prstGeom>
         </p:spPr>
       </p:pic>
     </p:spTree>
     <p:extLst>
       <p:ext uri="{BB962C8B-B14F-4D97-AF65-F5344CB8AC3E}">
-        <p14:creationId xmlns:p14="http://schemas.microsoft.com/office/powerpoint/2010/main" val="1803437383"/>
+        <p14:creationId xmlns:p14="http://schemas.microsoft.com/office/powerpoint/2010/main" val="1343271350"/>
       </p:ext>
     </p:extLst>
   </p:cSld>
@@ -8360,41 +9952,21 @@
           <a:p>
             <a:r>
               <a:rPr lang="en-US" dirty="0" smtClean="0"/>
-              <a:t>Application used in experiments cont’d.</a:t>
-            </a:r>
-            <a:endParaRPr lang="en-US" dirty="0"/>
-          </a:p>
-        </p:txBody>
-      </p:sp>
-      <p:sp>
-        <p:nvSpPr>
-          <p:cNvPr id="3" name="Content Placeholder 2"/>
-          <p:cNvSpPr>
-            <a:spLocks noGrp="1"/>
-          </p:cNvSpPr>
-          <p:nvPr>
-            <p:ph idx="1"/>
-          </p:nvPr>
-        </p:nvSpPr>
-        <p:spPr/>
-        <p:txBody>
-          <a:bodyPr/>
-          <a:lstStyle/>
-          <a:p>
-            <a:endParaRPr lang="en-US" dirty="0" smtClean="0"/>
-          </a:p>
-          <a:p>
+              <a:t>Handling node failure cont’d.</a:t>
+            </a:r>
             <a:endParaRPr lang="en-US" dirty="0"/>
           </a:p>
         </p:txBody>
       </p:sp>
       <p:pic>
         <p:nvPicPr>
-          <p:cNvPr id="6" name="Picture 5"/>
+          <p:cNvPr id="9" name="Content Placeholder 8"/>
           <p:cNvPicPr>
-            <a:picLocks noChangeAspect="1"/>
+            <a:picLocks noGrp="1" noChangeAspect="1"/>
           </p:cNvPicPr>
-          <p:nvPr/>
+          <p:nvPr>
+            <p:ph idx="1"/>
+          </p:nvPr>
         </p:nvPicPr>
         <p:blipFill>
           <a:blip r:embed="rId2">
@@ -8410,18 +9982,15 @@
         </p:blipFill>
         <p:spPr>
           <a:xfrm>
-            <a:off x="3332093" y="1845734"/>
-            <a:ext cx="5588774" cy="4066540"/>
+            <a:off x="4514787" y="1846263"/>
+            <a:ext cx="3222751" cy="4022725"/>
           </a:xfrm>
-          <a:prstGeom prst="rect">
-            <a:avLst/>
-          </a:prstGeom>
         </p:spPr>
       </p:pic>
     </p:spTree>
     <p:extLst>
       <p:ext uri="{BB962C8B-B14F-4D97-AF65-F5344CB8AC3E}">
-        <p14:creationId xmlns:p14="http://schemas.microsoft.com/office/powerpoint/2010/main" val="810079635"/>
+        <p14:creationId xmlns:p14="http://schemas.microsoft.com/office/powerpoint/2010/main" val="548099241"/>
       </p:ext>
     </p:extLst>
   </p:cSld>
@@ -8472,44 +10041,21 @@
           <a:p>
             <a:r>
               <a:rPr lang="en-US" dirty="0" smtClean="0"/>
-              <a:t>Simulating node failures</a:t>
-            </a:r>
-            <a:endParaRPr lang="en-US" dirty="0"/>
-          </a:p>
-        </p:txBody>
-      </p:sp>
-      <p:sp>
-        <p:nvSpPr>
-          <p:cNvPr id="3" name="Content Placeholder 2"/>
-          <p:cNvSpPr>
-            <a:spLocks noGrp="1"/>
-          </p:cNvSpPr>
-          <p:nvPr>
-            <p:ph idx="1"/>
-          </p:nvPr>
-        </p:nvSpPr>
-        <p:spPr/>
-        <p:txBody>
-          <a:bodyPr/>
-          <a:lstStyle/>
-          <a:p>
-            <a:endParaRPr lang="en-US" dirty="0"/>
-          </a:p>
-          <a:p>
-            <a:endParaRPr lang="en-US" dirty="0" smtClean="0"/>
-          </a:p>
-          <a:p>
+              <a:t>Handling node failure cont’d.</a:t>
+            </a:r>
             <a:endParaRPr lang="en-US" dirty="0"/>
           </a:p>
         </p:txBody>
       </p:sp>
       <p:pic>
         <p:nvPicPr>
-          <p:cNvPr id="5" name="Picture 4"/>
+          <p:cNvPr id="3" name="Content Placeholder 2"/>
           <p:cNvPicPr>
-            <a:picLocks noChangeAspect="1"/>
+            <a:picLocks noGrp="1" noChangeAspect="1"/>
           </p:cNvPicPr>
-          <p:nvPr/>
+          <p:nvPr>
+            <p:ph idx="1"/>
+          </p:nvPr>
         </p:nvPicPr>
         <p:blipFill>
           <a:blip r:embed="rId2">
@@ -8525,18 +10071,15 @@
         </p:blipFill>
         <p:spPr>
           <a:xfrm>
-            <a:off x="1097280" y="1921079"/>
-            <a:ext cx="2882900" cy="1714500"/>
+            <a:off x="4467671" y="1846263"/>
+            <a:ext cx="3316983" cy="4022725"/>
           </a:xfrm>
-          <a:prstGeom prst="rect">
-            <a:avLst/>
-          </a:prstGeom>
         </p:spPr>
       </p:pic>
     </p:spTree>
     <p:extLst>
       <p:ext uri="{BB962C8B-B14F-4D97-AF65-F5344CB8AC3E}">
-        <p14:creationId xmlns:p14="http://schemas.microsoft.com/office/powerpoint/2010/main" val="832387898"/>
+        <p14:creationId xmlns:p14="http://schemas.microsoft.com/office/powerpoint/2010/main" val="1275852581"/>
       </p:ext>
     </p:extLst>
   </p:cSld>
@@ -8587,361 +10130,51 @@
           <a:p>
             <a:r>
               <a:rPr lang="en-US" dirty="0" smtClean="0"/>
-              <a:t>Ensuring a certain reliability</a:t>
-            </a:r>
-            <a:endParaRPr lang="en-US" dirty="0"/>
-          </a:p>
-        </p:txBody>
-      </p:sp>
-      <p:sp>
-        <p:nvSpPr>
-          <p:cNvPr id="3" name="Content Placeholder 2"/>
-          <p:cNvSpPr>
-            <a:spLocks noGrp="1"/>
-          </p:cNvSpPr>
+              <a:t>Handling node failure cont’d.</a:t>
+            </a:r>
+            <a:endParaRPr lang="en-US" dirty="0"/>
+          </a:p>
+        </p:txBody>
+      </p:sp>
+      <p:pic>
+        <p:nvPicPr>
+          <p:cNvPr id="5" name="Content Placeholder 4"/>
+          <p:cNvPicPr>
+            <a:picLocks noGrp="1" noChangeAspect="1"/>
+          </p:cNvPicPr>
           <p:nvPr>
             <p:ph idx="1"/>
           </p:nvPr>
-        </p:nvSpPr>
-        <p:spPr/>
-        <p:txBody>
-          <a:bodyPr/>
-          <a:lstStyle/>
-          <a:p>
-            <a:pPr>
-              <a:buFont typeface="Arial" charset="0"/>
-              <a:buChar char="•"/>
-            </a:pPr>
-            <a:r>
-              <a:rPr lang="en-US" dirty="0" smtClean="0"/>
-              <a:t>One Calvin runtime per server</a:t>
-            </a:r>
-          </a:p>
-          <a:p>
-            <a:pPr>
-              <a:buFont typeface="Arial" charset="0"/>
-              <a:buChar char="•"/>
-            </a:pPr>
-            <a:r>
-              <a:rPr lang="en-US" dirty="0" smtClean="0"/>
-              <a:t>MTBF for each runtime was 20 seconds</a:t>
-            </a:r>
-          </a:p>
-          <a:p>
-            <a:pPr>
-              <a:buFont typeface="Arial" charset="0"/>
-              <a:buChar char="•"/>
-            </a:pPr>
-            <a:r>
-              <a:rPr lang="en-US" dirty="0" smtClean="0"/>
-              <a:t>Required reliability: 0.98</a:t>
-            </a:r>
-          </a:p>
-          <a:p>
-            <a:pPr>
-              <a:buFont typeface="Arial" charset="0"/>
-              <a:buChar char="•"/>
-            </a:pPr>
-            <a:r>
-              <a:rPr lang="en-US" dirty="0" smtClean="0"/>
-              <a:t>Time </a:t>
-            </a:r>
-            <a:r>
-              <a:rPr lang="en-US" i="1" dirty="0" smtClean="0"/>
-              <a:t>t</a:t>
-            </a:r>
-            <a:r>
-              <a:rPr lang="en-US" dirty="0" smtClean="0"/>
-              <a:t>: 530 </a:t>
-            </a:r>
-            <a:r>
-              <a:rPr lang="en-US" dirty="0" err="1" smtClean="0"/>
-              <a:t>ms</a:t>
-            </a:r>
-            <a:endParaRPr lang="en-US" dirty="0" smtClean="0"/>
-          </a:p>
-          <a:p>
-            <a:pPr>
-              <a:buFont typeface="Arial" charset="0"/>
-              <a:buChar char="•"/>
-            </a:pPr>
-            <a:r>
-              <a:rPr lang="en-US" dirty="0" smtClean="0"/>
-              <a:t>Reliability of nodes: R(t) = e</a:t>
-            </a:r>
-            <a:r>
-              <a:rPr lang="en-US" baseline="30000" dirty="0" smtClean="0"/>
-              <a:t>-t/MTBF</a:t>
-            </a:r>
-            <a:r>
-              <a:rPr lang="en-US" dirty="0" smtClean="0"/>
-              <a:t> = e</a:t>
-            </a:r>
-            <a:r>
-              <a:rPr lang="en-US" baseline="30000" dirty="0" smtClean="0"/>
-              <a:t>-530/20000</a:t>
-            </a:r>
-            <a:r>
-              <a:rPr lang="en-US" dirty="0" smtClean="0"/>
-              <a:t> = 0.97530</a:t>
-            </a:r>
-          </a:p>
-          <a:p>
-            <a:endParaRPr lang="en-US" dirty="0"/>
-          </a:p>
-        </p:txBody>
-      </p:sp>
-      <p:graphicFrame>
-        <p:nvGraphicFramePr>
-          <p:cNvPr id="5" name="Table 4"/>
-          <p:cNvGraphicFramePr>
-            <a:graphicFrameLocks noGrp="1"/>
-          </p:cNvGraphicFramePr>
-          <p:nvPr>
-            <p:extLst>
-              <p:ext uri="{D42A27DB-BD31-4B8C-83A1-F6EECF244321}">
-                <p14:modId xmlns:p14="http://schemas.microsoft.com/office/powerpoint/2010/main" val="64568953"/>
-              </p:ext>
-            </p:extLst>
-          </p:nvPr>
-        </p:nvGraphicFramePr>
-        <p:xfrm>
-          <a:off x="3404795" y="4184724"/>
-          <a:ext cx="5443369" cy="1478280"/>
-        </p:xfrm>
-        <a:graphic>
-          <a:graphicData uri="http://schemas.openxmlformats.org/drawingml/2006/table">
-            <a:tbl>
-              <a:tblPr firstRow="1" bandRow="1">
-                <a:tableStyleId>{2D5ABB26-0587-4C30-8999-92F81FD0307C}</a:tableStyleId>
-              </a:tblPr>
-              <a:tblGrid>
-                <a:gridCol w="2086983"/>
-                <a:gridCol w="3356386"/>
-              </a:tblGrid>
-              <a:tr h="358986">
-                <a:tc>
-                  <a:txBody>
-                    <a:bodyPr/>
-                    <a:lstStyle/>
-                    <a:p>
-                      <a:r>
-                        <a:rPr lang="en-US" b="1" dirty="0" smtClean="0"/>
-                        <a:t>Number of replicas</a:t>
-                      </a:r>
-                      <a:endParaRPr lang="en-US" b="1" dirty="0"/>
-                    </a:p>
-                  </a:txBody>
-                  <a:tcPr/>
-                </a:tc>
-                <a:tc>
-                  <a:txBody>
-                    <a:bodyPr/>
-                    <a:lstStyle/>
-                    <a:p>
-                      <a:r>
-                        <a:rPr lang="en-US" b="1" dirty="0" smtClean="0"/>
-                        <a:t>Reliability</a:t>
-                      </a:r>
-                      <a:endParaRPr lang="en-US" b="1" dirty="0"/>
-                    </a:p>
-                  </a:txBody>
-                  <a:tcPr/>
-                </a:tc>
-              </a:tr>
-              <a:tr h="370840">
-                <a:tc>
-                  <a:txBody>
-                    <a:bodyPr/>
-                    <a:lstStyle/>
-                    <a:p>
-                      <a:r>
-                        <a:rPr lang="en-US" dirty="0" smtClean="0"/>
-                        <a:t>1</a:t>
-                      </a:r>
-                      <a:endParaRPr lang="en-US" dirty="0"/>
-                    </a:p>
-                  </a:txBody>
-                  <a:tcPr/>
-                </a:tc>
-                <a:tc>
-                  <a:txBody>
-                    <a:bodyPr/>
-                    <a:lstStyle/>
-                    <a:p>
-                      <a:r>
-                        <a:rPr lang="en-US" dirty="0" smtClean="0"/>
-                        <a:t>1 –</a:t>
-                      </a:r>
-                      <a:r>
-                        <a:rPr lang="en-US" baseline="0" dirty="0" smtClean="0"/>
-                        <a:t> (1 – R(t))</a:t>
-                      </a:r>
-                      <a:r>
-                        <a:rPr lang="en-US" baseline="30000" dirty="0" smtClean="0"/>
-                        <a:t>1</a:t>
-                      </a:r>
-                      <a:r>
-                        <a:rPr lang="en-US" baseline="0" dirty="0" smtClean="0"/>
-                        <a:t> = </a:t>
-                      </a:r>
-                      <a:r>
-                        <a:rPr lang="nb-NO" baseline="0" dirty="0" smtClean="0"/>
-                        <a:t>0.97530</a:t>
-                      </a:r>
-                      <a:endParaRPr lang="en-US" baseline="30000" dirty="0"/>
-                    </a:p>
-                  </a:txBody>
-                  <a:tcPr/>
-                </a:tc>
-              </a:tr>
-              <a:tr h="370840">
-                <a:tc>
-                  <a:txBody>
-                    <a:bodyPr/>
-                    <a:lstStyle/>
-                    <a:p>
-                      <a:r>
-                        <a:rPr lang="en-US" dirty="0" smtClean="0"/>
-                        <a:t>2</a:t>
-                      </a:r>
-                      <a:endParaRPr lang="en-US" dirty="0"/>
-                    </a:p>
-                  </a:txBody>
-                  <a:tcPr/>
-                </a:tc>
-                <a:tc>
-                  <a:txBody>
-                    <a:bodyPr/>
-                    <a:lstStyle/>
-                    <a:p>
-                      <a:pPr marL="0" marR="0" indent="0" algn="l" defTabSz="914400" rtl="0" eaLnBrk="1" fontAlgn="auto" latinLnBrk="0" hangingPunct="1">
-                        <a:lnSpc>
-                          <a:spcPct val="100000"/>
-                        </a:lnSpc>
-                        <a:spcBef>
-                          <a:spcPts val="0"/>
-                        </a:spcBef>
-                        <a:spcAft>
-                          <a:spcPts val="0"/>
-                        </a:spcAft>
-                        <a:buClrTx/>
-                        <a:buSzTx/>
-                        <a:buFontTx/>
-                        <a:buNone/>
-                        <a:tabLst/>
-                        <a:defRPr/>
-                      </a:pPr>
-                      <a:r>
-                        <a:rPr lang="en-US" dirty="0" smtClean="0"/>
-                        <a:t>1 –</a:t>
-                      </a:r>
-                      <a:r>
-                        <a:rPr lang="en-US" baseline="0" dirty="0" smtClean="0"/>
-                        <a:t> (1 – R(t))</a:t>
-                      </a:r>
-                      <a:r>
-                        <a:rPr lang="en-US" baseline="30000" dirty="0" smtClean="0"/>
-                        <a:t>2</a:t>
-                      </a:r>
-                      <a:r>
-                        <a:rPr lang="en-US" baseline="0" dirty="0" smtClean="0"/>
-                        <a:t> = </a:t>
-                      </a:r>
-                      <a:r>
-                        <a:rPr lang="nb-NO" b="1" baseline="0" dirty="0" smtClean="0"/>
-                        <a:t>0.99939</a:t>
-                      </a:r>
-                      <a:endParaRPr lang="en-US" b="1" baseline="30000" dirty="0" smtClean="0"/>
-                    </a:p>
-                  </a:txBody>
-                  <a:tcPr/>
-                </a:tc>
-              </a:tr>
-              <a:tr h="370840">
-                <a:tc>
-                  <a:txBody>
-                    <a:bodyPr/>
-                    <a:lstStyle/>
-                    <a:p>
-                      <a:r>
-                        <a:rPr lang="en-US" dirty="0" smtClean="0"/>
-                        <a:t>3</a:t>
-                      </a:r>
-                      <a:endParaRPr lang="en-US" dirty="0"/>
-                    </a:p>
-                  </a:txBody>
-                  <a:tcPr/>
-                </a:tc>
-                <a:tc>
-                  <a:txBody>
-                    <a:bodyPr/>
-                    <a:lstStyle/>
-                    <a:p>
-                      <a:pPr marL="0" marR="0" indent="0" algn="l" defTabSz="914400" rtl="0" eaLnBrk="1" fontAlgn="auto" latinLnBrk="0" hangingPunct="1">
-                        <a:lnSpc>
-                          <a:spcPct val="100000"/>
-                        </a:lnSpc>
-                        <a:spcBef>
-                          <a:spcPts val="0"/>
-                        </a:spcBef>
-                        <a:spcAft>
-                          <a:spcPts val="0"/>
-                        </a:spcAft>
-                        <a:buClrTx/>
-                        <a:buSzTx/>
-                        <a:buFontTx/>
-                        <a:buNone/>
-                        <a:tabLst/>
-                        <a:defRPr/>
-                      </a:pPr>
-                      <a:r>
-                        <a:rPr lang="en-US" dirty="0" smtClean="0"/>
-                        <a:t>1 –</a:t>
-                      </a:r>
-                      <a:r>
-                        <a:rPr lang="en-US" baseline="0" dirty="0" smtClean="0"/>
-                        <a:t> (1 – R(t))</a:t>
-                      </a:r>
-                      <a:r>
-                        <a:rPr lang="en-US" baseline="30000" dirty="0" smtClean="0"/>
-                        <a:t>3</a:t>
-                      </a:r>
-                      <a:r>
-                        <a:rPr lang="en-US" baseline="0" dirty="0" smtClean="0"/>
-                        <a:t> = </a:t>
-                      </a:r>
-                      <a:r>
-                        <a:rPr lang="nb-NO" baseline="0" dirty="0" smtClean="0"/>
-                        <a:t>0.99998</a:t>
-                      </a:r>
-                      <a:endParaRPr lang="en-US" baseline="30000" dirty="0" smtClean="0"/>
-                    </a:p>
-                  </a:txBody>
-                  <a:tcPr/>
-                </a:tc>
-              </a:tr>
-            </a:tbl>
-          </a:graphicData>
-        </a:graphic>
-      </p:graphicFrame>
+        </p:nvPicPr>
+        <p:blipFill>
+          <a:blip r:embed="rId2">
+            <a:extLst>
+              <a:ext uri="{28A0092B-C50C-407E-A947-70E740481C1C}">
+                <a14:useLocalDpi xmlns:a14="http://schemas.microsoft.com/office/drawing/2010/main" val="0"/>
+              </a:ext>
+            </a:extLst>
+          </a:blip>
+          <a:stretch>
+            <a:fillRect/>
+          </a:stretch>
+        </p:blipFill>
+        <p:spPr>
+          <a:xfrm>
+            <a:off x="4467671" y="1846263"/>
+            <a:ext cx="3316983" cy="4022725"/>
+          </a:xfrm>
+        </p:spPr>
+      </p:pic>
     </p:spTree>
     <p:extLst>
       <p:ext uri="{BB962C8B-B14F-4D97-AF65-F5344CB8AC3E}">
-        <p14:creationId xmlns:p14="http://schemas.microsoft.com/office/powerpoint/2010/main" val="779617847"/>
+        <p14:creationId xmlns:p14="http://schemas.microsoft.com/office/powerpoint/2010/main" val="1268139060"/>
       </p:ext>
     </p:extLst>
   </p:cSld>
   <p:clrMapOvr>
     <a:masterClrMapping/>
   </p:clrMapOvr>
-  <p:timing>
-    <p:tnLst>
-      <p:par>
-        <p:cTn id="1" dur="indefinite" restart="never" nodeType="tmRoot"/>
-      </p:par>
-    </p:tnLst>
-  </p:timing>
 </p:sld>
 </file>
 
@@ -8979,45 +10212,89 @@
           <a:p>
             <a:r>
               <a:rPr lang="en-US" dirty="0" smtClean="0"/>
-              <a:t>Result</a:t>
-            </a:r>
-            <a:endParaRPr lang="en-US" dirty="0"/>
-          </a:p>
-        </p:txBody>
-      </p:sp>
-      <p:pic>
-        <p:nvPicPr>
-          <p:cNvPr id="4" name="Content Placeholder 3"/>
-          <p:cNvPicPr>
-            <a:picLocks noGrp="1" noChangeAspect="1"/>
-          </p:cNvPicPr>
+              <a:t>Experiments</a:t>
+            </a:r>
+            <a:endParaRPr lang="en-US" dirty="0"/>
+          </a:p>
+        </p:txBody>
+      </p:sp>
+      <p:sp>
+        <p:nvSpPr>
+          <p:cNvPr id="3" name="Content Placeholder 2"/>
+          <p:cNvSpPr>
+            <a:spLocks noGrp="1"/>
+          </p:cNvSpPr>
           <p:nvPr>
             <p:ph idx="1"/>
           </p:nvPr>
-        </p:nvPicPr>
-        <p:blipFill>
-          <a:blip r:embed="rId2">
-            <a:extLst>
-              <a:ext uri="{28A0092B-C50C-407E-A947-70E740481C1C}">
-                <a14:useLocalDpi xmlns:a14="http://schemas.microsoft.com/office/drawing/2010/main" val="0"/>
-              </a:ext>
-            </a:extLst>
-          </a:blip>
-          <a:stretch>
-            <a:fillRect/>
-          </a:stretch>
-        </p:blipFill>
-        <p:spPr>
-          <a:xfrm>
-            <a:off x="1769262" y="1846263"/>
-            <a:ext cx="8713802" cy="4022725"/>
-          </a:xfrm>
-        </p:spPr>
-      </p:pic>
+        </p:nvSpPr>
+        <p:spPr/>
+        <p:txBody>
+          <a:bodyPr/>
+          <a:lstStyle/>
+          <a:p>
+            <a:r>
+              <a:rPr lang="en-US" dirty="0" smtClean="0"/>
+              <a:t>We have conducted a set of various tests to prove the usefulness of our model.</a:t>
+            </a:r>
+          </a:p>
+          <a:p>
+            <a:r>
+              <a:rPr lang="en-US" dirty="0" smtClean="0"/>
+              <a:t>The goal was to show our model</a:t>
+            </a:r>
+          </a:p>
+          <a:p>
+            <a:pPr marL="457200" indent="-457200">
+              <a:buFont typeface="+mj-lt"/>
+              <a:buAutoNum type="arabicPeriod"/>
+            </a:pPr>
+            <a:r>
+              <a:rPr lang="en-US" dirty="0" smtClean="0"/>
+              <a:t>Dynamically ensures the required reliability is met, despite the event of node failures, by dynamically creating new replicas when old ones die</a:t>
+            </a:r>
+          </a:p>
+          <a:p>
+            <a:pPr marL="457200" indent="-457200">
+              <a:buFont typeface="+mj-lt"/>
+              <a:buAutoNum type="arabicPeriod"/>
+            </a:pPr>
+            <a:r>
+              <a:rPr lang="en-US" dirty="0" smtClean="0"/>
+              <a:t>Uses the optimal number of replicas by choosing the most reliable nodes</a:t>
+            </a:r>
+          </a:p>
+          <a:p>
+            <a:pPr marL="457200" indent="-457200">
+              <a:buFont typeface="+mj-lt"/>
+              <a:buAutoNum type="arabicPeriod"/>
+            </a:pPr>
+            <a:r>
+              <a:rPr lang="en-US" dirty="0" smtClean="0"/>
+              <a:t>Adapts to changing system properties</a:t>
+            </a:r>
+          </a:p>
+          <a:p>
+            <a:pPr marL="0" indent="0">
+              <a:buNone/>
+            </a:pPr>
+            <a:endParaRPr lang="en-US" dirty="0"/>
+          </a:p>
+          <a:p>
+            <a:pPr marL="0" indent="0">
+              <a:buNone/>
+            </a:pPr>
+            <a:r>
+              <a:rPr lang="en-US" dirty="0" smtClean="0"/>
+              <a:t>We also measured how the replication time varied depending on the state size, as the replication time is an important part of the reliability model.</a:t>
+            </a:r>
+          </a:p>
+        </p:txBody>
+      </p:sp>
     </p:spTree>
     <p:extLst>
       <p:ext uri="{BB962C8B-B14F-4D97-AF65-F5344CB8AC3E}">
-        <p14:creationId xmlns:p14="http://schemas.microsoft.com/office/powerpoint/2010/main" val="1517789709"/>
+        <p14:creationId xmlns:p14="http://schemas.microsoft.com/office/powerpoint/2010/main" val="1478014272"/>
       </p:ext>
     </p:extLst>
   </p:cSld>

--- a/presentation/presentation.pptx
+++ b/presentation/presentation.pptx
@@ -7,36 +7,44 @@
   <p:sldIdLst>
     <p:sldId id="256" r:id="rId2"/>
     <p:sldId id="257" r:id="rId3"/>
-    <p:sldId id="282" r:id="rId4"/>
-    <p:sldId id="283" r:id="rId5"/>
-    <p:sldId id="287" r:id="rId6"/>
-    <p:sldId id="284" r:id="rId7"/>
-    <p:sldId id="285" r:id="rId8"/>
-    <p:sldId id="286" r:id="rId9"/>
-    <p:sldId id="258" r:id="rId10"/>
-    <p:sldId id="259" r:id="rId11"/>
-    <p:sldId id="260" r:id="rId12"/>
-    <p:sldId id="261" r:id="rId13"/>
-    <p:sldId id="263" r:id="rId14"/>
-    <p:sldId id="262" r:id="rId15"/>
-    <p:sldId id="264" r:id="rId16"/>
-    <p:sldId id="265" r:id="rId17"/>
-    <p:sldId id="275" r:id="rId18"/>
-    <p:sldId id="266" r:id="rId19"/>
-    <p:sldId id="267" r:id="rId20"/>
-    <p:sldId id="268" r:id="rId21"/>
-    <p:sldId id="269" r:id="rId22"/>
-    <p:sldId id="270" r:id="rId23"/>
-    <p:sldId id="271" r:id="rId24"/>
-    <p:sldId id="272" r:id="rId25"/>
-    <p:sldId id="274" r:id="rId26"/>
-    <p:sldId id="273" r:id="rId27"/>
-    <p:sldId id="276" r:id="rId28"/>
-    <p:sldId id="277" r:id="rId29"/>
-    <p:sldId id="278" r:id="rId30"/>
-    <p:sldId id="279" r:id="rId31"/>
-    <p:sldId id="280" r:id="rId32"/>
-    <p:sldId id="281" r:id="rId33"/>
+    <p:sldId id="288" r:id="rId4"/>
+    <p:sldId id="289" r:id="rId5"/>
+    <p:sldId id="290" r:id="rId6"/>
+    <p:sldId id="291" r:id="rId7"/>
+    <p:sldId id="292" r:id="rId8"/>
+    <p:sldId id="293" r:id="rId9"/>
+    <p:sldId id="294" r:id="rId10"/>
+    <p:sldId id="295" r:id="rId11"/>
+    <p:sldId id="282" r:id="rId12"/>
+    <p:sldId id="283" r:id="rId13"/>
+    <p:sldId id="287" r:id="rId14"/>
+    <p:sldId id="284" r:id="rId15"/>
+    <p:sldId id="285" r:id="rId16"/>
+    <p:sldId id="286" r:id="rId17"/>
+    <p:sldId id="258" r:id="rId18"/>
+    <p:sldId id="259" r:id="rId19"/>
+    <p:sldId id="260" r:id="rId20"/>
+    <p:sldId id="261" r:id="rId21"/>
+    <p:sldId id="263" r:id="rId22"/>
+    <p:sldId id="262" r:id="rId23"/>
+    <p:sldId id="264" r:id="rId24"/>
+    <p:sldId id="265" r:id="rId25"/>
+    <p:sldId id="275" r:id="rId26"/>
+    <p:sldId id="266" r:id="rId27"/>
+    <p:sldId id="267" r:id="rId28"/>
+    <p:sldId id="268" r:id="rId29"/>
+    <p:sldId id="269" r:id="rId30"/>
+    <p:sldId id="270" r:id="rId31"/>
+    <p:sldId id="271" r:id="rId32"/>
+    <p:sldId id="272" r:id="rId33"/>
+    <p:sldId id="274" r:id="rId34"/>
+    <p:sldId id="273" r:id="rId35"/>
+    <p:sldId id="276" r:id="rId36"/>
+    <p:sldId id="277" r:id="rId37"/>
+    <p:sldId id="278" r:id="rId38"/>
+    <p:sldId id="279" r:id="rId39"/>
+    <p:sldId id="280" r:id="rId40"/>
+    <p:sldId id="281" r:id="rId41"/>
   </p:sldIdLst>
   <p:sldSz cx="12192000" cy="6858000"/>
   <p:notesSz cx="6858000" cy="9144000"/>
@@ -3961,6 +3969,821 @@
           <a:p>
             <a:r>
               <a:rPr lang="en-US" dirty="0" smtClean="0"/>
+              <a:t>Out contributions to Calvin</a:t>
+            </a:r>
+            <a:endParaRPr lang="en-US" dirty="0"/>
+          </a:p>
+        </p:txBody>
+      </p:sp>
+      <p:sp>
+        <p:nvSpPr>
+          <p:cNvPr id="3" name="Content Placeholder 2"/>
+          <p:cNvSpPr>
+            <a:spLocks noGrp="1"/>
+          </p:cNvSpPr>
+          <p:nvPr>
+            <p:ph idx="1"/>
+          </p:nvPr>
+        </p:nvSpPr>
+        <p:spPr/>
+        <p:txBody>
+          <a:bodyPr/>
+          <a:lstStyle/>
+          <a:p>
+            <a:pPr>
+              <a:buFont typeface="Arial" charset="0"/>
+              <a:buChar char="•"/>
+            </a:pPr>
+            <a:r>
+              <a:rPr lang="en-US" dirty="0" smtClean="0"/>
+              <a:t>Replication</a:t>
+            </a:r>
+          </a:p>
+          <a:p>
+            <a:pPr>
+              <a:buFont typeface="Arial" charset="0"/>
+              <a:buChar char="•"/>
+            </a:pPr>
+            <a:r>
+              <a:rPr lang="en-US" dirty="0" smtClean="0"/>
+              <a:t>Fan-in/fan-out model</a:t>
+            </a:r>
+            <a:endParaRPr lang="en-US" dirty="0"/>
+          </a:p>
+        </p:txBody>
+      </p:sp>
+    </p:spTree>
+    <p:extLst>
+      <p:ext uri="{BB962C8B-B14F-4D97-AF65-F5344CB8AC3E}">
+        <p14:creationId xmlns:p14="http://schemas.microsoft.com/office/powerpoint/2010/main" val="510056246"/>
+      </p:ext>
+    </p:extLst>
+  </p:cSld>
+  <p:clrMapOvr>
+    <a:masterClrMapping/>
+  </p:clrMapOvr>
+  <p:timing>
+    <p:tnLst>
+      <p:par>
+        <p:cTn id="1" dur="indefinite" restart="never" nodeType="tmRoot"/>
+      </p:par>
+    </p:tnLst>
+  </p:timing>
+</p:sld>
+</file>
+
+<file path=ppt/slides/slide11.xml><?xml version="1.0" encoding="utf-8"?>
+<p:sld xmlns:a="http://schemas.openxmlformats.org/drawingml/2006/main" xmlns:r="http://schemas.openxmlformats.org/officeDocument/2006/relationships" xmlns:p="http://schemas.openxmlformats.org/presentationml/2006/main">
+  <p:cSld>
+    <p:spTree>
+      <p:nvGrpSpPr>
+        <p:cNvPr id="1" name=""/>
+        <p:cNvGrpSpPr/>
+        <p:nvPr/>
+      </p:nvGrpSpPr>
+      <p:grpSpPr>
+        <a:xfrm>
+          <a:off x="0" y="0"/>
+          <a:ext cx="0" cy="0"/>
+          <a:chOff x="0" y="0"/>
+          <a:chExt cx="0" cy="0"/>
+        </a:xfrm>
+      </p:grpSpPr>
+      <p:sp>
+        <p:nvSpPr>
+          <p:cNvPr id="2" name="Title 1"/>
+          <p:cNvSpPr>
+            <a:spLocks noGrp="1"/>
+          </p:cNvSpPr>
+          <p:nvPr>
+            <p:ph type="title"/>
+          </p:nvPr>
+        </p:nvSpPr>
+        <p:spPr/>
+        <p:txBody>
+          <a:bodyPr/>
+          <a:lstStyle/>
+          <a:p>
+            <a:r>
+              <a:rPr lang="en-US" dirty="0" smtClean="0"/>
+              <a:t>Handling node failure</a:t>
+            </a:r>
+            <a:endParaRPr lang="en-US" dirty="0"/>
+          </a:p>
+        </p:txBody>
+      </p:sp>
+      <p:sp>
+        <p:nvSpPr>
+          <p:cNvPr id="3" name="Content Placeholder 2"/>
+          <p:cNvSpPr>
+            <a:spLocks noGrp="1"/>
+          </p:cNvSpPr>
+          <p:nvPr>
+            <p:ph idx="1"/>
+          </p:nvPr>
+        </p:nvSpPr>
+        <p:spPr/>
+        <p:txBody>
+          <a:bodyPr>
+            <a:normAutofit/>
+          </a:bodyPr>
+          <a:lstStyle/>
+          <a:p>
+            <a:pPr>
+              <a:buFont typeface="Arial" charset="0"/>
+              <a:buChar char="•"/>
+            </a:pPr>
+            <a:r>
+              <a:rPr lang="en-US" dirty="0" smtClean="0"/>
+              <a:t>When a node failure is detected, every node take the following steps:</a:t>
+            </a:r>
+          </a:p>
+          <a:p>
+            <a:pPr marL="457200" indent="-457200">
+              <a:buFont typeface="+mj-lt"/>
+              <a:buAutoNum type="arabicPeriod"/>
+            </a:pPr>
+            <a:r>
+              <a:rPr lang="en-US" dirty="0" smtClean="0"/>
+              <a:t>Select a node among the remaining nodes, select the one with the highest ID</a:t>
+            </a:r>
+          </a:p>
+          <a:p>
+            <a:pPr marL="457200" indent="-457200">
+              <a:buFont typeface="+mj-lt"/>
+              <a:buAutoNum type="arabicPeriod"/>
+            </a:pPr>
+            <a:r>
+              <a:rPr lang="en-US" dirty="0" smtClean="0"/>
+              <a:t>Send a lost node message to the selected node</a:t>
+            </a:r>
+          </a:p>
+          <a:p>
+            <a:pPr marL="457200" indent="-457200">
+              <a:buFont typeface="+mj-lt"/>
+              <a:buAutoNum type="arabicPeriod"/>
+            </a:pPr>
+            <a:r>
+              <a:rPr lang="en-US" dirty="0" smtClean="0"/>
+              <a:t>Wait for reply</a:t>
+            </a:r>
+          </a:p>
+          <a:p>
+            <a:pPr marL="749808" lvl="1" indent="-457200">
+              <a:buFont typeface="+mj-lt"/>
+              <a:buAutoNum type="arabicPeriod"/>
+            </a:pPr>
+            <a:r>
+              <a:rPr lang="en-US" dirty="0" smtClean="0"/>
+              <a:t>If not reply is received - start over at 1</a:t>
+            </a:r>
+          </a:p>
+          <a:p>
+            <a:pPr marL="749808" lvl="1" indent="-457200">
+              <a:buFont typeface="+mj-lt"/>
+              <a:buAutoNum type="arabicPeriod"/>
+            </a:pPr>
+            <a:r>
+              <a:rPr lang="en-US" dirty="0" smtClean="0"/>
+              <a:t>If reply – we’re done</a:t>
+            </a:r>
+          </a:p>
+          <a:p>
+            <a:pPr marL="0" indent="0">
+              <a:buNone/>
+            </a:pPr>
+            <a:r>
+              <a:rPr lang="en-US" dirty="0" smtClean="0"/>
+              <a:t>The node receiving the lost node messages will check whether or not new replicas are needed, and if so, send replication request to one of the nodes holding a replica. When done, it will send a reply to everyone it received a lost node message from.</a:t>
+            </a:r>
+          </a:p>
+        </p:txBody>
+      </p:sp>
+    </p:spTree>
+    <p:extLst>
+      <p:ext uri="{BB962C8B-B14F-4D97-AF65-F5344CB8AC3E}">
+        <p14:creationId xmlns:p14="http://schemas.microsoft.com/office/powerpoint/2010/main" val="2018439337"/>
+      </p:ext>
+    </p:extLst>
+  </p:cSld>
+  <p:clrMapOvr>
+    <a:masterClrMapping/>
+  </p:clrMapOvr>
+  <p:timing>
+    <p:tnLst>
+      <p:par>
+        <p:cTn id="1" dur="indefinite" restart="never" nodeType="tmRoot"/>
+      </p:par>
+    </p:tnLst>
+  </p:timing>
+</p:sld>
+</file>
+
+<file path=ppt/slides/slide12.xml><?xml version="1.0" encoding="utf-8"?>
+<p:sld xmlns:a="http://schemas.openxmlformats.org/drawingml/2006/main" xmlns:r="http://schemas.openxmlformats.org/officeDocument/2006/relationships" xmlns:p="http://schemas.openxmlformats.org/presentationml/2006/main">
+  <p:cSld>
+    <p:spTree>
+      <p:nvGrpSpPr>
+        <p:cNvPr id="1" name=""/>
+        <p:cNvGrpSpPr/>
+        <p:nvPr/>
+      </p:nvGrpSpPr>
+      <p:grpSpPr>
+        <a:xfrm>
+          <a:off x="0" y="0"/>
+          <a:ext cx="0" cy="0"/>
+          <a:chOff x="0" y="0"/>
+          <a:chExt cx="0" cy="0"/>
+        </a:xfrm>
+      </p:grpSpPr>
+      <p:sp>
+        <p:nvSpPr>
+          <p:cNvPr id="2" name="Title 1"/>
+          <p:cNvSpPr>
+            <a:spLocks noGrp="1"/>
+          </p:cNvSpPr>
+          <p:nvPr>
+            <p:ph type="title"/>
+          </p:nvPr>
+        </p:nvSpPr>
+        <p:spPr/>
+        <p:txBody>
+          <a:bodyPr/>
+          <a:lstStyle/>
+          <a:p>
+            <a:r>
+              <a:rPr lang="en-US" dirty="0" smtClean="0"/>
+              <a:t>Handling node failure cont’d.</a:t>
+            </a:r>
+            <a:endParaRPr lang="en-US" dirty="0"/>
+          </a:p>
+        </p:txBody>
+      </p:sp>
+      <p:pic>
+        <p:nvPicPr>
+          <p:cNvPr id="8" name="Content Placeholder 7"/>
+          <p:cNvPicPr>
+            <a:picLocks noGrp="1" noChangeAspect="1"/>
+          </p:cNvPicPr>
+          <p:nvPr>
+            <p:ph idx="1"/>
+          </p:nvPr>
+        </p:nvPicPr>
+        <p:blipFill>
+          <a:blip r:embed="rId2">
+            <a:extLst>
+              <a:ext uri="{28A0092B-C50C-407E-A947-70E740481C1C}">
+                <a14:useLocalDpi xmlns:a14="http://schemas.microsoft.com/office/drawing/2010/main" val="0"/>
+              </a:ext>
+            </a:extLst>
+          </a:blip>
+          <a:stretch>
+            <a:fillRect/>
+          </a:stretch>
+        </p:blipFill>
+        <p:spPr>
+          <a:xfrm>
+            <a:off x="4335463" y="2066925"/>
+            <a:ext cx="3581400" cy="3581400"/>
+          </a:xfrm>
+        </p:spPr>
+      </p:pic>
+    </p:spTree>
+    <p:extLst>
+      <p:ext uri="{BB962C8B-B14F-4D97-AF65-F5344CB8AC3E}">
+        <p14:creationId xmlns:p14="http://schemas.microsoft.com/office/powerpoint/2010/main" val="489200782"/>
+      </p:ext>
+    </p:extLst>
+  </p:cSld>
+  <p:clrMapOvr>
+    <a:masterClrMapping/>
+  </p:clrMapOvr>
+  <p:timing>
+    <p:tnLst>
+      <p:par>
+        <p:cTn id="1" dur="indefinite" restart="never" nodeType="tmRoot"/>
+      </p:par>
+    </p:tnLst>
+  </p:timing>
+</p:sld>
+</file>
+
+<file path=ppt/slides/slide13.xml><?xml version="1.0" encoding="utf-8"?>
+<p:sld xmlns:a="http://schemas.openxmlformats.org/drawingml/2006/main" xmlns:r="http://schemas.openxmlformats.org/officeDocument/2006/relationships" xmlns:p="http://schemas.openxmlformats.org/presentationml/2006/main">
+  <p:cSld>
+    <p:spTree>
+      <p:nvGrpSpPr>
+        <p:cNvPr id="1" name=""/>
+        <p:cNvGrpSpPr/>
+        <p:nvPr/>
+      </p:nvGrpSpPr>
+      <p:grpSpPr>
+        <a:xfrm>
+          <a:off x="0" y="0"/>
+          <a:ext cx="0" cy="0"/>
+          <a:chOff x="0" y="0"/>
+          <a:chExt cx="0" cy="0"/>
+        </a:xfrm>
+      </p:grpSpPr>
+      <p:sp>
+        <p:nvSpPr>
+          <p:cNvPr id="2" name="Title 1"/>
+          <p:cNvSpPr>
+            <a:spLocks noGrp="1"/>
+          </p:cNvSpPr>
+          <p:nvPr>
+            <p:ph type="title"/>
+          </p:nvPr>
+        </p:nvSpPr>
+        <p:spPr/>
+        <p:txBody>
+          <a:bodyPr/>
+          <a:lstStyle/>
+          <a:p>
+            <a:r>
+              <a:rPr lang="en-US" dirty="0" smtClean="0"/>
+              <a:t>Handling node failure cont’d.</a:t>
+            </a:r>
+            <a:endParaRPr lang="en-US" dirty="0"/>
+          </a:p>
+        </p:txBody>
+      </p:sp>
+      <p:pic>
+        <p:nvPicPr>
+          <p:cNvPr id="5" name="Content Placeholder 4"/>
+          <p:cNvPicPr>
+            <a:picLocks noGrp="1" noChangeAspect="1"/>
+          </p:cNvPicPr>
+          <p:nvPr>
+            <p:ph idx="1"/>
+          </p:nvPr>
+        </p:nvPicPr>
+        <p:blipFill>
+          <a:blip r:embed="rId2">
+            <a:extLst>
+              <a:ext uri="{28A0092B-C50C-407E-A947-70E740481C1C}">
+                <a14:useLocalDpi xmlns:a14="http://schemas.microsoft.com/office/drawing/2010/main" val="0"/>
+              </a:ext>
+            </a:extLst>
+          </a:blip>
+          <a:stretch>
+            <a:fillRect/>
+          </a:stretch>
+        </p:blipFill>
+        <p:spPr>
+          <a:xfrm>
+            <a:off x="4668054" y="1846263"/>
+            <a:ext cx="2916217" cy="4022725"/>
+          </a:xfrm>
+        </p:spPr>
+      </p:pic>
+    </p:spTree>
+    <p:extLst>
+      <p:ext uri="{BB962C8B-B14F-4D97-AF65-F5344CB8AC3E}">
+        <p14:creationId xmlns:p14="http://schemas.microsoft.com/office/powerpoint/2010/main" val="1343271350"/>
+      </p:ext>
+    </p:extLst>
+  </p:cSld>
+  <p:clrMapOvr>
+    <a:masterClrMapping/>
+  </p:clrMapOvr>
+  <p:timing>
+    <p:tnLst>
+      <p:par>
+        <p:cTn id="1" dur="indefinite" restart="never" nodeType="tmRoot"/>
+      </p:par>
+    </p:tnLst>
+  </p:timing>
+</p:sld>
+</file>
+
+<file path=ppt/slides/slide14.xml><?xml version="1.0" encoding="utf-8"?>
+<p:sld xmlns:a="http://schemas.openxmlformats.org/drawingml/2006/main" xmlns:r="http://schemas.openxmlformats.org/officeDocument/2006/relationships" xmlns:p="http://schemas.openxmlformats.org/presentationml/2006/main">
+  <p:cSld>
+    <p:spTree>
+      <p:nvGrpSpPr>
+        <p:cNvPr id="1" name=""/>
+        <p:cNvGrpSpPr/>
+        <p:nvPr/>
+      </p:nvGrpSpPr>
+      <p:grpSpPr>
+        <a:xfrm>
+          <a:off x="0" y="0"/>
+          <a:ext cx="0" cy="0"/>
+          <a:chOff x="0" y="0"/>
+          <a:chExt cx="0" cy="0"/>
+        </a:xfrm>
+      </p:grpSpPr>
+      <p:sp>
+        <p:nvSpPr>
+          <p:cNvPr id="2" name="Title 1"/>
+          <p:cNvSpPr>
+            <a:spLocks noGrp="1"/>
+          </p:cNvSpPr>
+          <p:nvPr>
+            <p:ph type="title"/>
+          </p:nvPr>
+        </p:nvSpPr>
+        <p:spPr/>
+        <p:txBody>
+          <a:bodyPr/>
+          <a:lstStyle/>
+          <a:p>
+            <a:r>
+              <a:rPr lang="en-US" dirty="0" smtClean="0"/>
+              <a:t>Handling node failure cont’d.</a:t>
+            </a:r>
+            <a:endParaRPr lang="en-US" dirty="0"/>
+          </a:p>
+        </p:txBody>
+      </p:sp>
+      <p:pic>
+        <p:nvPicPr>
+          <p:cNvPr id="9" name="Content Placeholder 8"/>
+          <p:cNvPicPr>
+            <a:picLocks noGrp="1" noChangeAspect="1"/>
+          </p:cNvPicPr>
+          <p:nvPr>
+            <p:ph idx="1"/>
+          </p:nvPr>
+        </p:nvPicPr>
+        <p:blipFill>
+          <a:blip r:embed="rId2">
+            <a:extLst>
+              <a:ext uri="{28A0092B-C50C-407E-A947-70E740481C1C}">
+                <a14:useLocalDpi xmlns:a14="http://schemas.microsoft.com/office/drawing/2010/main" val="0"/>
+              </a:ext>
+            </a:extLst>
+          </a:blip>
+          <a:stretch>
+            <a:fillRect/>
+          </a:stretch>
+        </p:blipFill>
+        <p:spPr>
+          <a:xfrm>
+            <a:off x="4514787" y="1846263"/>
+            <a:ext cx="3222751" cy="4022725"/>
+          </a:xfrm>
+        </p:spPr>
+      </p:pic>
+    </p:spTree>
+    <p:extLst>
+      <p:ext uri="{BB962C8B-B14F-4D97-AF65-F5344CB8AC3E}">
+        <p14:creationId xmlns:p14="http://schemas.microsoft.com/office/powerpoint/2010/main" val="548099241"/>
+      </p:ext>
+    </p:extLst>
+  </p:cSld>
+  <p:clrMapOvr>
+    <a:masterClrMapping/>
+  </p:clrMapOvr>
+  <p:timing>
+    <p:tnLst>
+      <p:par>
+        <p:cTn id="1" dur="indefinite" restart="never" nodeType="tmRoot"/>
+      </p:par>
+    </p:tnLst>
+  </p:timing>
+</p:sld>
+</file>
+
+<file path=ppt/slides/slide15.xml><?xml version="1.0" encoding="utf-8"?>
+<p:sld xmlns:a="http://schemas.openxmlformats.org/drawingml/2006/main" xmlns:r="http://schemas.openxmlformats.org/officeDocument/2006/relationships" xmlns:p="http://schemas.openxmlformats.org/presentationml/2006/main">
+  <p:cSld>
+    <p:spTree>
+      <p:nvGrpSpPr>
+        <p:cNvPr id="1" name=""/>
+        <p:cNvGrpSpPr/>
+        <p:nvPr/>
+      </p:nvGrpSpPr>
+      <p:grpSpPr>
+        <a:xfrm>
+          <a:off x="0" y="0"/>
+          <a:ext cx="0" cy="0"/>
+          <a:chOff x="0" y="0"/>
+          <a:chExt cx="0" cy="0"/>
+        </a:xfrm>
+      </p:grpSpPr>
+      <p:sp>
+        <p:nvSpPr>
+          <p:cNvPr id="2" name="Title 1"/>
+          <p:cNvSpPr>
+            <a:spLocks noGrp="1"/>
+          </p:cNvSpPr>
+          <p:nvPr>
+            <p:ph type="title"/>
+          </p:nvPr>
+        </p:nvSpPr>
+        <p:spPr/>
+        <p:txBody>
+          <a:bodyPr/>
+          <a:lstStyle/>
+          <a:p>
+            <a:r>
+              <a:rPr lang="en-US" dirty="0" smtClean="0"/>
+              <a:t>Handling node failure cont’d.</a:t>
+            </a:r>
+            <a:endParaRPr lang="en-US" dirty="0"/>
+          </a:p>
+        </p:txBody>
+      </p:sp>
+      <p:pic>
+        <p:nvPicPr>
+          <p:cNvPr id="3" name="Content Placeholder 2"/>
+          <p:cNvPicPr>
+            <a:picLocks noGrp="1" noChangeAspect="1"/>
+          </p:cNvPicPr>
+          <p:nvPr>
+            <p:ph idx="1"/>
+          </p:nvPr>
+        </p:nvPicPr>
+        <p:blipFill>
+          <a:blip r:embed="rId2">
+            <a:extLst>
+              <a:ext uri="{28A0092B-C50C-407E-A947-70E740481C1C}">
+                <a14:useLocalDpi xmlns:a14="http://schemas.microsoft.com/office/drawing/2010/main" val="0"/>
+              </a:ext>
+            </a:extLst>
+          </a:blip>
+          <a:stretch>
+            <a:fillRect/>
+          </a:stretch>
+        </p:blipFill>
+        <p:spPr>
+          <a:xfrm>
+            <a:off x="4467671" y="1846263"/>
+            <a:ext cx="3316983" cy="4022725"/>
+          </a:xfrm>
+        </p:spPr>
+      </p:pic>
+    </p:spTree>
+    <p:extLst>
+      <p:ext uri="{BB962C8B-B14F-4D97-AF65-F5344CB8AC3E}">
+        <p14:creationId xmlns:p14="http://schemas.microsoft.com/office/powerpoint/2010/main" val="1275852581"/>
+      </p:ext>
+    </p:extLst>
+  </p:cSld>
+  <p:clrMapOvr>
+    <a:masterClrMapping/>
+  </p:clrMapOvr>
+  <p:timing>
+    <p:tnLst>
+      <p:par>
+        <p:cTn id="1" dur="indefinite" restart="never" nodeType="tmRoot"/>
+      </p:par>
+    </p:tnLst>
+  </p:timing>
+</p:sld>
+</file>
+
+<file path=ppt/slides/slide16.xml><?xml version="1.0" encoding="utf-8"?>
+<p:sld xmlns:a="http://schemas.openxmlformats.org/drawingml/2006/main" xmlns:r="http://schemas.openxmlformats.org/officeDocument/2006/relationships" xmlns:p="http://schemas.openxmlformats.org/presentationml/2006/main">
+  <p:cSld>
+    <p:spTree>
+      <p:nvGrpSpPr>
+        <p:cNvPr id="1" name=""/>
+        <p:cNvGrpSpPr/>
+        <p:nvPr/>
+      </p:nvGrpSpPr>
+      <p:grpSpPr>
+        <a:xfrm>
+          <a:off x="0" y="0"/>
+          <a:ext cx="0" cy="0"/>
+          <a:chOff x="0" y="0"/>
+          <a:chExt cx="0" cy="0"/>
+        </a:xfrm>
+      </p:grpSpPr>
+      <p:sp>
+        <p:nvSpPr>
+          <p:cNvPr id="2" name="Title 1"/>
+          <p:cNvSpPr>
+            <a:spLocks noGrp="1"/>
+          </p:cNvSpPr>
+          <p:nvPr>
+            <p:ph type="title"/>
+          </p:nvPr>
+        </p:nvSpPr>
+        <p:spPr/>
+        <p:txBody>
+          <a:bodyPr/>
+          <a:lstStyle/>
+          <a:p>
+            <a:r>
+              <a:rPr lang="en-US" dirty="0" smtClean="0"/>
+              <a:t>Handling node failure cont’d.</a:t>
+            </a:r>
+            <a:endParaRPr lang="en-US" dirty="0"/>
+          </a:p>
+        </p:txBody>
+      </p:sp>
+      <p:pic>
+        <p:nvPicPr>
+          <p:cNvPr id="5" name="Content Placeholder 4"/>
+          <p:cNvPicPr>
+            <a:picLocks noGrp="1" noChangeAspect="1"/>
+          </p:cNvPicPr>
+          <p:nvPr>
+            <p:ph idx="1"/>
+          </p:nvPr>
+        </p:nvPicPr>
+        <p:blipFill>
+          <a:blip r:embed="rId2">
+            <a:extLst>
+              <a:ext uri="{28A0092B-C50C-407E-A947-70E740481C1C}">
+                <a14:useLocalDpi xmlns:a14="http://schemas.microsoft.com/office/drawing/2010/main" val="0"/>
+              </a:ext>
+            </a:extLst>
+          </a:blip>
+          <a:stretch>
+            <a:fillRect/>
+          </a:stretch>
+        </p:blipFill>
+        <p:spPr>
+          <a:xfrm>
+            <a:off x="4467671" y="1846263"/>
+            <a:ext cx="3316983" cy="4022725"/>
+          </a:xfrm>
+        </p:spPr>
+      </p:pic>
+    </p:spTree>
+    <p:extLst>
+      <p:ext uri="{BB962C8B-B14F-4D97-AF65-F5344CB8AC3E}">
+        <p14:creationId xmlns:p14="http://schemas.microsoft.com/office/powerpoint/2010/main" val="1268139060"/>
+      </p:ext>
+    </p:extLst>
+  </p:cSld>
+  <p:clrMapOvr>
+    <a:masterClrMapping/>
+  </p:clrMapOvr>
+</p:sld>
+</file>
+
+<file path=ppt/slides/slide17.xml><?xml version="1.0" encoding="utf-8"?>
+<p:sld xmlns:a="http://schemas.openxmlformats.org/drawingml/2006/main" xmlns:r="http://schemas.openxmlformats.org/officeDocument/2006/relationships" xmlns:p="http://schemas.openxmlformats.org/presentationml/2006/main">
+  <p:cSld>
+    <p:spTree>
+      <p:nvGrpSpPr>
+        <p:cNvPr id="1" name=""/>
+        <p:cNvGrpSpPr/>
+        <p:nvPr/>
+      </p:nvGrpSpPr>
+      <p:grpSpPr>
+        <a:xfrm>
+          <a:off x="0" y="0"/>
+          <a:ext cx="0" cy="0"/>
+          <a:chOff x="0" y="0"/>
+          <a:chExt cx="0" cy="0"/>
+        </a:xfrm>
+      </p:grpSpPr>
+      <p:sp>
+        <p:nvSpPr>
+          <p:cNvPr id="2" name="Title 1"/>
+          <p:cNvSpPr>
+            <a:spLocks noGrp="1"/>
+          </p:cNvSpPr>
+          <p:nvPr>
+            <p:ph type="title"/>
+          </p:nvPr>
+        </p:nvSpPr>
+        <p:spPr/>
+        <p:txBody>
+          <a:bodyPr/>
+          <a:lstStyle/>
+          <a:p>
+            <a:r>
+              <a:rPr lang="en-US" dirty="0" smtClean="0"/>
+              <a:t>Experiments</a:t>
+            </a:r>
+            <a:endParaRPr lang="en-US" dirty="0"/>
+          </a:p>
+        </p:txBody>
+      </p:sp>
+      <p:sp>
+        <p:nvSpPr>
+          <p:cNvPr id="3" name="Content Placeholder 2"/>
+          <p:cNvSpPr>
+            <a:spLocks noGrp="1"/>
+          </p:cNvSpPr>
+          <p:nvPr>
+            <p:ph idx="1"/>
+          </p:nvPr>
+        </p:nvSpPr>
+        <p:spPr/>
+        <p:txBody>
+          <a:bodyPr/>
+          <a:lstStyle/>
+          <a:p>
+            <a:r>
+              <a:rPr lang="en-US" dirty="0" smtClean="0"/>
+              <a:t>We have conducted a set of various tests to prove the usefulness of our model.</a:t>
+            </a:r>
+          </a:p>
+          <a:p>
+            <a:r>
+              <a:rPr lang="en-US" dirty="0" smtClean="0"/>
+              <a:t>The goal was to show our model</a:t>
+            </a:r>
+          </a:p>
+          <a:p>
+            <a:pPr marL="457200" indent="-457200">
+              <a:buFont typeface="+mj-lt"/>
+              <a:buAutoNum type="arabicPeriod"/>
+            </a:pPr>
+            <a:r>
+              <a:rPr lang="en-US" dirty="0" smtClean="0"/>
+              <a:t>Dynamically ensures the required reliability is met, despite the event of node failures, by dynamically creating new replicas when old ones die</a:t>
+            </a:r>
+          </a:p>
+          <a:p>
+            <a:pPr marL="457200" indent="-457200">
+              <a:buFont typeface="+mj-lt"/>
+              <a:buAutoNum type="arabicPeriod"/>
+            </a:pPr>
+            <a:r>
+              <a:rPr lang="en-US" dirty="0" smtClean="0"/>
+              <a:t>Uses the optimal number of replicas by choosing the most reliable nodes</a:t>
+            </a:r>
+          </a:p>
+          <a:p>
+            <a:pPr marL="457200" indent="-457200">
+              <a:buFont typeface="+mj-lt"/>
+              <a:buAutoNum type="arabicPeriod"/>
+            </a:pPr>
+            <a:r>
+              <a:rPr lang="en-US" dirty="0" smtClean="0"/>
+              <a:t>Adapts to changing system properties</a:t>
+            </a:r>
+          </a:p>
+          <a:p>
+            <a:pPr marL="0" indent="0">
+              <a:buNone/>
+            </a:pPr>
+            <a:endParaRPr lang="en-US" dirty="0"/>
+          </a:p>
+          <a:p>
+            <a:pPr marL="0" indent="0">
+              <a:buNone/>
+            </a:pPr>
+            <a:r>
+              <a:rPr lang="en-US" dirty="0" smtClean="0"/>
+              <a:t>We also measured how the replication time varied depending on the state size, as the replication time is an important part of the reliability model.</a:t>
+            </a:r>
+          </a:p>
+        </p:txBody>
+      </p:sp>
+    </p:spTree>
+    <p:extLst>
+      <p:ext uri="{BB962C8B-B14F-4D97-AF65-F5344CB8AC3E}">
+        <p14:creationId xmlns:p14="http://schemas.microsoft.com/office/powerpoint/2010/main" val="1478014272"/>
+      </p:ext>
+    </p:extLst>
+  </p:cSld>
+  <p:clrMapOvr>
+    <a:masterClrMapping/>
+  </p:clrMapOvr>
+  <p:timing>
+    <p:tnLst>
+      <p:par>
+        <p:cTn id="1" dur="indefinite" restart="never" nodeType="tmRoot"/>
+      </p:par>
+    </p:tnLst>
+  </p:timing>
+</p:sld>
+</file>
+
+<file path=ppt/slides/slide18.xml><?xml version="1.0" encoding="utf-8"?>
+<p:sld xmlns:a="http://schemas.openxmlformats.org/drawingml/2006/main" xmlns:r="http://schemas.openxmlformats.org/officeDocument/2006/relationships" xmlns:p="http://schemas.openxmlformats.org/presentationml/2006/main">
+  <p:cSld>
+    <p:spTree>
+      <p:nvGrpSpPr>
+        <p:cNvPr id="1" name=""/>
+        <p:cNvGrpSpPr/>
+        <p:nvPr/>
+      </p:nvGrpSpPr>
+      <p:grpSpPr>
+        <a:xfrm>
+          <a:off x="0" y="0"/>
+          <a:ext cx="0" cy="0"/>
+          <a:chOff x="0" y="0"/>
+          <a:chExt cx="0" cy="0"/>
+        </a:xfrm>
+      </p:grpSpPr>
+      <p:sp>
+        <p:nvSpPr>
+          <p:cNvPr id="2" name="Title 1"/>
+          <p:cNvSpPr>
+            <a:spLocks noGrp="1"/>
+          </p:cNvSpPr>
+          <p:nvPr>
+            <p:ph type="title"/>
+          </p:nvPr>
+        </p:nvSpPr>
+        <p:spPr/>
+        <p:txBody>
+          <a:bodyPr/>
+          <a:lstStyle/>
+          <a:p>
+            <a:r>
+              <a:rPr lang="en-US" dirty="0" smtClean="0"/>
               <a:t>Experiments setup</a:t>
             </a:r>
             <a:endParaRPr lang="en-US" dirty="0"/>
@@ -4135,7 +4958,7 @@
 </p:sld>
 </file>
 
-<file path=ppt/slides/slide11.xml><?xml version="1.0" encoding="utf-8"?>
+<file path=ppt/slides/slide19.xml><?xml version="1.0" encoding="utf-8"?>
 <p:sld xmlns:a="http://schemas.openxmlformats.org/drawingml/2006/main" xmlns:r="http://schemas.openxmlformats.org/officeDocument/2006/relationships" xmlns:p="http://schemas.openxmlformats.org/presentationml/2006/main">
   <p:cSld>
     <p:spTree>
@@ -4261,7 +5084,170 @@
 </p:sld>
 </file>
 
-<file path=ppt/slides/slide12.xml><?xml version="1.0" encoding="utf-8"?>
+<file path=ppt/slides/slide2.xml><?xml version="1.0" encoding="utf-8"?>
+<p:sld xmlns:a="http://schemas.openxmlformats.org/drawingml/2006/main" xmlns:r="http://schemas.openxmlformats.org/officeDocument/2006/relationships" xmlns:p="http://schemas.openxmlformats.org/presentationml/2006/main">
+  <p:cSld>
+    <p:spTree>
+      <p:nvGrpSpPr>
+        <p:cNvPr id="1" name=""/>
+        <p:cNvGrpSpPr/>
+        <p:nvPr/>
+      </p:nvGrpSpPr>
+      <p:grpSpPr>
+        <a:xfrm>
+          <a:off x="0" y="0"/>
+          <a:ext cx="0" cy="0"/>
+          <a:chOff x="0" y="0"/>
+          <a:chExt cx="0" cy="0"/>
+        </a:xfrm>
+      </p:grpSpPr>
+      <p:sp>
+        <p:nvSpPr>
+          <p:cNvPr id="2" name="Title 1"/>
+          <p:cNvSpPr>
+            <a:spLocks noGrp="1"/>
+          </p:cNvSpPr>
+          <p:nvPr>
+            <p:ph type="title"/>
+          </p:nvPr>
+        </p:nvSpPr>
+        <p:spPr/>
+        <p:txBody>
+          <a:bodyPr/>
+          <a:lstStyle/>
+          <a:p>
+            <a:r>
+              <a:rPr lang="en-US" dirty="0" smtClean="0"/>
+              <a:t>Agenda</a:t>
+            </a:r>
+            <a:endParaRPr lang="en-US" dirty="0"/>
+          </a:p>
+        </p:txBody>
+      </p:sp>
+      <p:sp>
+        <p:nvSpPr>
+          <p:cNvPr id="3" name="Content Placeholder 2"/>
+          <p:cNvSpPr>
+            <a:spLocks noGrp="1"/>
+          </p:cNvSpPr>
+          <p:nvPr>
+            <p:ph idx="1"/>
+          </p:nvPr>
+        </p:nvSpPr>
+        <p:spPr/>
+        <p:txBody>
+          <a:bodyPr/>
+          <a:lstStyle/>
+          <a:p>
+            <a:pPr marL="457200" indent="-457200">
+              <a:buFont typeface="+mj-lt"/>
+              <a:buAutoNum type="arabicPeriod"/>
+            </a:pPr>
+            <a:r>
+              <a:rPr lang="en-US" dirty="0" smtClean="0"/>
+              <a:t>Introduction</a:t>
+            </a:r>
+          </a:p>
+          <a:p>
+            <a:pPr marL="457200" indent="-457200">
+              <a:buFont typeface="+mj-lt"/>
+              <a:buAutoNum type="arabicPeriod"/>
+            </a:pPr>
+            <a:r>
+              <a:rPr lang="en-US" dirty="0" smtClean="0"/>
+              <a:t>Related work</a:t>
+            </a:r>
+          </a:p>
+          <a:p>
+            <a:pPr marL="457200" indent="-457200">
+              <a:buFont typeface="+mj-lt"/>
+              <a:buAutoNum type="arabicPeriod"/>
+            </a:pPr>
+            <a:r>
+              <a:rPr lang="en-US" dirty="0" smtClean="0"/>
+              <a:t>System model</a:t>
+            </a:r>
+          </a:p>
+          <a:p>
+            <a:pPr marL="457200" indent="-457200">
+              <a:buFont typeface="+mj-lt"/>
+              <a:buAutoNum type="arabicPeriod"/>
+            </a:pPr>
+            <a:r>
+              <a:rPr lang="en-US" dirty="0" smtClean="0"/>
+              <a:t>Reliability model</a:t>
+            </a:r>
+          </a:p>
+          <a:p>
+            <a:pPr marL="457200" indent="-457200">
+              <a:buFont typeface="+mj-lt"/>
+              <a:buAutoNum type="arabicPeriod"/>
+            </a:pPr>
+            <a:r>
+              <a:rPr lang="en-US" dirty="0" smtClean="0"/>
+              <a:t>Self-adapting model</a:t>
+            </a:r>
+          </a:p>
+          <a:p>
+            <a:pPr marL="457200" indent="-457200">
+              <a:buFont typeface="+mj-lt"/>
+              <a:buAutoNum type="arabicPeriod"/>
+            </a:pPr>
+            <a:r>
+              <a:rPr lang="en-US" dirty="0" smtClean="0"/>
+              <a:t>Calvin</a:t>
+            </a:r>
+          </a:p>
+          <a:p>
+            <a:pPr marL="457200" indent="-457200">
+              <a:buFont typeface="+mj-lt"/>
+              <a:buAutoNum type="arabicPeriod"/>
+            </a:pPr>
+            <a:r>
+              <a:rPr lang="en-US" dirty="0" smtClean="0"/>
+              <a:t>Implementation</a:t>
+            </a:r>
+          </a:p>
+          <a:p>
+            <a:pPr marL="457200" indent="-457200">
+              <a:buFont typeface="+mj-lt"/>
+              <a:buAutoNum type="arabicPeriod"/>
+            </a:pPr>
+            <a:r>
+              <a:rPr lang="en-US" dirty="0" smtClean="0"/>
+              <a:t>Experiments</a:t>
+            </a:r>
+          </a:p>
+          <a:p>
+            <a:pPr marL="457200" indent="-457200">
+              <a:buFont typeface="+mj-lt"/>
+              <a:buAutoNum type="arabicPeriod"/>
+            </a:pPr>
+            <a:endParaRPr lang="en-US" dirty="0"/>
+          </a:p>
+        </p:txBody>
+      </p:sp>
+    </p:spTree>
+    <p:extLst>
+      <p:ext uri="{BB962C8B-B14F-4D97-AF65-F5344CB8AC3E}">
+        <p14:creationId xmlns:p14="http://schemas.microsoft.com/office/powerpoint/2010/main" val="658915606"/>
+      </p:ext>
+    </p:extLst>
+  </p:cSld>
+  <p:clrMapOvr>
+    <a:masterClrMapping/>
+  </p:clrMapOvr>
+  <p:timing>
+    <p:tnLst>
+      <p:par>
+        <p:cTn id="1" dur="indefinite" restart="never" nodeType="tmRoot"/>
+      </p:par>
+    </p:tnLst>
+  </p:timing>
+</p:sld>
+</file>
+
+<file path=ppt/slides/slide20.xml><?xml version="1.0" encoding="utf-8"?>
 <p:sld xmlns:a="http://schemas.openxmlformats.org/drawingml/2006/main" xmlns:r="http://schemas.openxmlformats.org/officeDocument/2006/relationships" xmlns:p="http://schemas.openxmlformats.org/presentationml/2006/main">
   <p:cSld>
     <p:spTree>
@@ -4373,7 +5359,7 @@
 </p:sld>
 </file>
 
-<file path=ppt/slides/slide13.xml><?xml version="1.0" encoding="utf-8"?>
+<file path=ppt/slides/slide21.xml><?xml version="1.0" encoding="utf-8"?>
 <p:sld xmlns:a="http://schemas.openxmlformats.org/drawingml/2006/main" xmlns:r="http://schemas.openxmlformats.org/officeDocument/2006/relationships" xmlns:p="http://schemas.openxmlformats.org/presentationml/2006/main">
   <p:cSld>
     <p:spTree>
@@ -4488,7 +5474,7 @@
 </p:sld>
 </file>
 
-<file path=ppt/slides/slide14.xml><?xml version="1.0" encoding="utf-8"?>
+<file path=ppt/slides/slide22.xml><?xml version="1.0" encoding="utf-8"?>
 <p:sld xmlns:a="http://schemas.openxmlformats.org/drawingml/2006/main" xmlns:r="http://schemas.openxmlformats.org/officeDocument/2006/relationships" xmlns:p="http://schemas.openxmlformats.org/presentationml/2006/main">
   <p:cSld>
     <p:spTree>
@@ -4880,7 +5866,7 @@
 </p:sld>
 </file>
 
-<file path=ppt/slides/slide15.xml><?xml version="1.0" encoding="utf-8"?>
+<file path=ppt/slides/slide23.xml><?xml version="1.0" encoding="utf-8"?>
 <p:sld xmlns:a="http://schemas.openxmlformats.org/drawingml/2006/main" xmlns:r="http://schemas.openxmlformats.org/officeDocument/2006/relationships" xmlns:p="http://schemas.openxmlformats.org/presentationml/2006/main">
   <p:cSld>
     <p:spTree>
@@ -4969,7 +5955,7 @@
 </p:sld>
 </file>
 
-<file path=ppt/slides/slide16.xml><?xml version="1.0" encoding="utf-8"?>
+<file path=ppt/slides/slide24.xml><?xml version="1.0" encoding="utf-8"?>
 <p:sld xmlns:a="http://schemas.openxmlformats.org/drawingml/2006/main" xmlns:r="http://schemas.openxmlformats.org/officeDocument/2006/relationships" xmlns:p="http://schemas.openxmlformats.org/presentationml/2006/main">
   <p:cSld>
     <p:spTree>
@@ -5765,7 +6751,7 @@
 </p:sld>
 </file>
 
-<file path=ppt/slides/slide17.xml><?xml version="1.0" encoding="utf-8"?>
+<file path=ppt/slides/slide25.xml><?xml version="1.0" encoding="utf-8"?>
 <p:sld xmlns:a="http://schemas.openxmlformats.org/drawingml/2006/main" xmlns:r="http://schemas.openxmlformats.org/officeDocument/2006/relationships" xmlns:p="http://schemas.openxmlformats.org/presentationml/2006/main">
   <p:cSld>
     <p:spTree>
@@ -6851,7 +7837,7 @@
 </p:sld>
 </file>
 
-<file path=ppt/slides/slide18.xml><?xml version="1.0" encoding="utf-8"?>
+<file path=ppt/slides/slide26.xml><?xml version="1.0" encoding="utf-8"?>
 <p:sld xmlns:a="http://schemas.openxmlformats.org/drawingml/2006/main" xmlns:r="http://schemas.openxmlformats.org/officeDocument/2006/relationships" xmlns:p="http://schemas.openxmlformats.org/presentationml/2006/main">
   <p:cSld>
     <p:spTree>
@@ -6940,7 +7926,7 @@
 </p:sld>
 </file>
 
-<file path=ppt/slides/slide19.xml><?xml version="1.0" encoding="utf-8"?>
+<file path=ppt/slides/slide27.xml><?xml version="1.0" encoding="utf-8"?>
 <p:sld xmlns:a="http://schemas.openxmlformats.org/drawingml/2006/main" xmlns:r="http://schemas.openxmlformats.org/officeDocument/2006/relationships" xmlns:p="http://schemas.openxmlformats.org/presentationml/2006/main">
   <p:cSld>
     <p:spTree>
@@ -7030,170 +8016,7 @@
 </p:sld>
 </file>
 
-<file path=ppt/slides/slide2.xml><?xml version="1.0" encoding="utf-8"?>
-<p:sld xmlns:a="http://schemas.openxmlformats.org/drawingml/2006/main" xmlns:r="http://schemas.openxmlformats.org/officeDocument/2006/relationships" xmlns:p="http://schemas.openxmlformats.org/presentationml/2006/main">
-  <p:cSld>
-    <p:spTree>
-      <p:nvGrpSpPr>
-        <p:cNvPr id="1" name=""/>
-        <p:cNvGrpSpPr/>
-        <p:nvPr/>
-      </p:nvGrpSpPr>
-      <p:grpSpPr>
-        <a:xfrm>
-          <a:off x="0" y="0"/>
-          <a:ext cx="0" cy="0"/>
-          <a:chOff x="0" y="0"/>
-          <a:chExt cx="0" cy="0"/>
-        </a:xfrm>
-      </p:grpSpPr>
-      <p:sp>
-        <p:nvSpPr>
-          <p:cNvPr id="2" name="Title 1"/>
-          <p:cNvSpPr>
-            <a:spLocks noGrp="1"/>
-          </p:cNvSpPr>
-          <p:nvPr>
-            <p:ph type="title"/>
-          </p:nvPr>
-        </p:nvSpPr>
-        <p:spPr/>
-        <p:txBody>
-          <a:bodyPr/>
-          <a:lstStyle/>
-          <a:p>
-            <a:r>
-              <a:rPr lang="en-US" dirty="0" smtClean="0"/>
-              <a:t>Agenda</a:t>
-            </a:r>
-            <a:endParaRPr lang="en-US" dirty="0"/>
-          </a:p>
-        </p:txBody>
-      </p:sp>
-      <p:sp>
-        <p:nvSpPr>
-          <p:cNvPr id="3" name="Content Placeholder 2"/>
-          <p:cNvSpPr>
-            <a:spLocks noGrp="1"/>
-          </p:cNvSpPr>
-          <p:nvPr>
-            <p:ph idx="1"/>
-          </p:nvPr>
-        </p:nvSpPr>
-        <p:spPr/>
-        <p:txBody>
-          <a:bodyPr/>
-          <a:lstStyle/>
-          <a:p>
-            <a:pPr marL="457200" indent="-457200">
-              <a:buFont typeface="+mj-lt"/>
-              <a:buAutoNum type="arabicPeriod"/>
-            </a:pPr>
-            <a:r>
-              <a:rPr lang="en-US" dirty="0" smtClean="0"/>
-              <a:t>Introduction</a:t>
-            </a:r>
-          </a:p>
-          <a:p>
-            <a:pPr marL="457200" indent="-457200">
-              <a:buFont typeface="+mj-lt"/>
-              <a:buAutoNum type="arabicPeriod"/>
-            </a:pPr>
-            <a:r>
-              <a:rPr lang="en-US" dirty="0" smtClean="0"/>
-              <a:t>Related work</a:t>
-            </a:r>
-          </a:p>
-          <a:p>
-            <a:pPr marL="457200" indent="-457200">
-              <a:buFont typeface="+mj-lt"/>
-              <a:buAutoNum type="arabicPeriod"/>
-            </a:pPr>
-            <a:r>
-              <a:rPr lang="en-US" dirty="0" smtClean="0"/>
-              <a:t>System model</a:t>
-            </a:r>
-          </a:p>
-          <a:p>
-            <a:pPr marL="457200" indent="-457200">
-              <a:buFont typeface="+mj-lt"/>
-              <a:buAutoNum type="arabicPeriod"/>
-            </a:pPr>
-            <a:r>
-              <a:rPr lang="en-US" dirty="0" smtClean="0"/>
-              <a:t>Reliability model</a:t>
-            </a:r>
-          </a:p>
-          <a:p>
-            <a:pPr marL="457200" indent="-457200">
-              <a:buFont typeface="+mj-lt"/>
-              <a:buAutoNum type="arabicPeriod"/>
-            </a:pPr>
-            <a:r>
-              <a:rPr lang="en-US" dirty="0" smtClean="0"/>
-              <a:t>Self-adapting model</a:t>
-            </a:r>
-          </a:p>
-          <a:p>
-            <a:pPr marL="457200" indent="-457200">
-              <a:buFont typeface="+mj-lt"/>
-              <a:buAutoNum type="arabicPeriod"/>
-            </a:pPr>
-            <a:r>
-              <a:rPr lang="en-US" dirty="0" smtClean="0"/>
-              <a:t>Calvin</a:t>
-            </a:r>
-          </a:p>
-          <a:p>
-            <a:pPr marL="457200" indent="-457200">
-              <a:buFont typeface="+mj-lt"/>
-              <a:buAutoNum type="arabicPeriod"/>
-            </a:pPr>
-            <a:r>
-              <a:rPr lang="en-US" dirty="0" smtClean="0"/>
-              <a:t>Implementation</a:t>
-            </a:r>
-          </a:p>
-          <a:p>
-            <a:pPr marL="457200" indent="-457200">
-              <a:buFont typeface="+mj-lt"/>
-              <a:buAutoNum type="arabicPeriod"/>
-            </a:pPr>
-            <a:r>
-              <a:rPr lang="en-US" dirty="0" smtClean="0"/>
-              <a:t>Experiments</a:t>
-            </a:r>
-          </a:p>
-          <a:p>
-            <a:pPr marL="457200" indent="-457200">
-              <a:buFont typeface="+mj-lt"/>
-              <a:buAutoNum type="arabicPeriod"/>
-            </a:pPr>
-            <a:endParaRPr lang="en-US" dirty="0"/>
-          </a:p>
-        </p:txBody>
-      </p:sp>
-    </p:spTree>
-    <p:extLst>
-      <p:ext uri="{BB962C8B-B14F-4D97-AF65-F5344CB8AC3E}">
-        <p14:creationId xmlns:p14="http://schemas.microsoft.com/office/powerpoint/2010/main" val="658915606"/>
-      </p:ext>
-    </p:extLst>
-  </p:cSld>
-  <p:clrMapOvr>
-    <a:masterClrMapping/>
-  </p:clrMapOvr>
-  <p:timing>
-    <p:tnLst>
-      <p:par>
-        <p:cTn id="1" dur="indefinite" restart="never" nodeType="tmRoot"/>
-      </p:par>
-    </p:tnLst>
-  </p:timing>
-</p:sld>
-</file>
-
-<file path=ppt/slides/slide20.xml><?xml version="1.0" encoding="utf-8"?>
+<file path=ppt/slides/slide28.xml><?xml version="1.0" encoding="utf-8"?>
 <p:sld xmlns:a="http://schemas.openxmlformats.org/drawingml/2006/main" xmlns:r="http://schemas.openxmlformats.org/officeDocument/2006/relationships" xmlns:p="http://schemas.openxmlformats.org/presentationml/2006/main">
   <p:cSld>
     <p:spTree>
@@ -7283,7 +8106,7 @@
 </p:sld>
 </file>
 
-<file path=ppt/slides/slide21.xml><?xml version="1.0" encoding="utf-8"?>
+<file path=ppt/slides/slide29.xml><?xml version="1.0" encoding="utf-8"?>
 <p:sld xmlns:a="http://schemas.openxmlformats.org/drawingml/2006/main" xmlns:r="http://schemas.openxmlformats.org/officeDocument/2006/relationships" xmlns:p="http://schemas.openxmlformats.org/presentationml/2006/main">
   <p:cSld>
     <p:spTree>
@@ -7373,7 +8196,131 @@
 </p:sld>
 </file>
 
-<file path=ppt/slides/slide22.xml><?xml version="1.0" encoding="utf-8"?>
+<file path=ppt/slides/slide3.xml><?xml version="1.0" encoding="utf-8"?>
+<p:sld xmlns:a="http://schemas.openxmlformats.org/drawingml/2006/main" xmlns:r="http://schemas.openxmlformats.org/officeDocument/2006/relationships" xmlns:p="http://schemas.openxmlformats.org/presentationml/2006/main">
+  <p:cSld>
+    <p:spTree>
+      <p:nvGrpSpPr>
+        <p:cNvPr id="1" name=""/>
+        <p:cNvGrpSpPr/>
+        <p:nvPr/>
+      </p:nvGrpSpPr>
+      <p:grpSpPr>
+        <a:xfrm>
+          <a:off x="0" y="0"/>
+          <a:ext cx="0" cy="0"/>
+          <a:chOff x="0" y="0"/>
+          <a:chExt cx="0" cy="0"/>
+        </a:xfrm>
+      </p:grpSpPr>
+      <p:sp>
+        <p:nvSpPr>
+          <p:cNvPr id="2" name="Title 1"/>
+          <p:cNvSpPr>
+            <a:spLocks noGrp="1"/>
+          </p:cNvSpPr>
+          <p:nvPr>
+            <p:ph type="title"/>
+          </p:nvPr>
+        </p:nvSpPr>
+        <p:spPr/>
+        <p:txBody>
+          <a:bodyPr/>
+          <a:lstStyle/>
+          <a:p>
+            <a:r>
+              <a:rPr lang="en-US" dirty="0" smtClean="0"/>
+              <a:t>Introduction</a:t>
+            </a:r>
+            <a:endParaRPr lang="en-US" dirty="0"/>
+          </a:p>
+        </p:txBody>
+      </p:sp>
+      <p:sp>
+        <p:nvSpPr>
+          <p:cNvPr id="3" name="Content Placeholder 2"/>
+          <p:cNvSpPr>
+            <a:spLocks noGrp="1"/>
+          </p:cNvSpPr>
+          <p:nvPr>
+            <p:ph idx="1"/>
+          </p:nvPr>
+        </p:nvSpPr>
+        <p:spPr/>
+        <p:txBody>
+          <a:bodyPr/>
+          <a:lstStyle/>
+          <a:p>
+            <a:pPr>
+              <a:buFont typeface="Arial" charset="0"/>
+              <a:buChar char="•"/>
+            </a:pPr>
+            <a:r>
+              <a:rPr lang="en-US" dirty="0" smtClean="0"/>
+              <a:t>Reliability of applications of services in running in </a:t>
+            </a:r>
+            <a:r>
+              <a:rPr lang="en-US" smtClean="0"/>
+              <a:t>distributed environments</a:t>
+            </a:r>
+            <a:endParaRPr lang="en-US" dirty="0" smtClean="0"/>
+          </a:p>
+          <a:p>
+            <a:pPr marL="457200" indent="-457200">
+              <a:buFont typeface="+mj-lt"/>
+              <a:buAutoNum type="arabicPeriod"/>
+            </a:pPr>
+            <a:endParaRPr lang="en-US" dirty="0"/>
+          </a:p>
+        </p:txBody>
+      </p:sp>
+      <p:sp>
+        <p:nvSpPr>
+          <p:cNvPr id="4" name="TextBox 3"/>
+          <p:cNvSpPr txBox="1"/>
+          <p:nvPr/>
+        </p:nvSpPr>
+        <p:spPr>
+          <a:xfrm>
+            <a:off x="2119256" y="2721685"/>
+            <a:ext cx="184731" cy="369332"/>
+          </a:xfrm>
+          <a:prstGeom prst="rect">
+            <a:avLst/>
+          </a:prstGeom>
+          <a:noFill/>
+        </p:spPr>
+        <p:txBody>
+          <a:bodyPr wrap="none" rtlCol="0">
+            <a:spAutoFit/>
+          </a:bodyPr>
+          <a:lstStyle/>
+          <a:p>
+            <a:endParaRPr lang="en-US" dirty="0"/>
+          </a:p>
+        </p:txBody>
+      </p:sp>
+    </p:spTree>
+    <p:extLst>
+      <p:ext uri="{BB962C8B-B14F-4D97-AF65-F5344CB8AC3E}">
+        <p14:creationId xmlns:p14="http://schemas.microsoft.com/office/powerpoint/2010/main" val="1174390919"/>
+      </p:ext>
+    </p:extLst>
+  </p:cSld>
+  <p:clrMapOvr>
+    <a:masterClrMapping/>
+  </p:clrMapOvr>
+  <p:timing>
+    <p:tnLst>
+      <p:par>
+        <p:cTn id="1" dur="indefinite" restart="never" nodeType="tmRoot"/>
+      </p:par>
+    </p:tnLst>
+  </p:timing>
+</p:sld>
+</file>
+
+<file path=ppt/slides/slide30.xml><?xml version="1.0" encoding="utf-8"?>
 <p:sld xmlns:a="http://schemas.openxmlformats.org/drawingml/2006/main" xmlns:r="http://schemas.openxmlformats.org/officeDocument/2006/relationships" xmlns:p="http://schemas.openxmlformats.org/presentationml/2006/main">
   <p:cSld>
     <p:spTree>
@@ -7781,7 +8728,7 @@
 </p:sld>
 </file>
 
-<file path=ppt/slides/slide23.xml><?xml version="1.0" encoding="utf-8"?>
+<file path=ppt/slides/slide31.xml><?xml version="1.0" encoding="utf-8"?>
 <p:sld xmlns:a="http://schemas.openxmlformats.org/drawingml/2006/main" xmlns:r="http://schemas.openxmlformats.org/officeDocument/2006/relationships" xmlns:p="http://schemas.openxmlformats.org/presentationml/2006/main">
   <p:cSld>
     <p:spTree>
@@ -8664,7 +9611,7 @@
 </p:sld>
 </file>
 
-<file path=ppt/slides/slide24.xml><?xml version="1.0" encoding="utf-8"?>
+<file path=ppt/slides/slide32.xml><?xml version="1.0" encoding="utf-8"?>
 <p:sld xmlns:a="http://schemas.openxmlformats.org/drawingml/2006/main" xmlns:r="http://schemas.openxmlformats.org/officeDocument/2006/relationships" xmlns:p="http://schemas.openxmlformats.org/presentationml/2006/main">
   <p:cSld>
     <p:spTree>
@@ -8754,7 +9701,7 @@
 </p:sld>
 </file>
 
-<file path=ppt/slides/slide25.xml><?xml version="1.0" encoding="utf-8"?>
+<file path=ppt/slides/slide33.xml><?xml version="1.0" encoding="utf-8"?>
 <p:sld xmlns:a="http://schemas.openxmlformats.org/drawingml/2006/main" xmlns:r="http://schemas.openxmlformats.org/officeDocument/2006/relationships" xmlns:p="http://schemas.openxmlformats.org/presentationml/2006/main">
   <p:cSld>
     <p:spTree>
@@ -8844,7 +9791,7 @@
 </p:sld>
 </file>
 
-<file path=ppt/slides/slide26.xml><?xml version="1.0" encoding="utf-8"?>
+<file path=ppt/slides/slide34.xml><?xml version="1.0" encoding="utf-8"?>
 <p:sld xmlns:a="http://schemas.openxmlformats.org/drawingml/2006/main" xmlns:r="http://schemas.openxmlformats.org/officeDocument/2006/relationships" xmlns:p="http://schemas.openxmlformats.org/presentationml/2006/main">
   <p:cSld>
     <p:spTree>
@@ -8934,7 +9881,7 @@
 </p:sld>
 </file>
 
-<file path=ppt/slides/slide27.xml><?xml version="1.0" encoding="utf-8"?>
+<file path=ppt/slides/slide35.xml><?xml version="1.0" encoding="utf-8"?>
 <p:sld xmlns:a="http://schemas.openxmlformats.org/drawingml/2006/main" xmlns:r="http://schemas.openxmlformats.org/officeDocument/2006/relationships" xmlns:p="http://schemas.openxmlformats.org/presentationml/2006/main">
   <p:cSld>
     <p:spTree>
@@ -9102,7 +10049,7 @@
 </p:sld>
 </file>
 
-<file path=ppt/slides/slide28.xml><?xml version="1.0" encoding="utf-8"?>
+<file path=ppt/slides/slide36.xml><?xml version="1.0" encoding="utf-8"?>
 <p:sld xmlns:a="http://schemas.openxmlformats.org/drawingml/2006/main" xmlns:r="http://schemas.openxmlformats.org/officeDocument/2006/relationships" xmlns:p="http://schemas.openxmlformats.org/presentationml/2006/main">
   <p:cSld>
     <p:spTree>
@@ -9219,7 +10166,7 @@
 </p:sld>
 </file>
 
-<file path=ppt/slides/slide29.xml><?xml version="1.0" encoding="utf-8"?>
+<file path=ppt/slides/slide37.xml><?xml version="1.0" encoding="utf-8"?>
 <p:sld xmlns:a="http://schemas.openxmlformats.org/drawingml/2006/main" xmlns:r="http://schemas.openxmlformats.org/officeDocument/2006/relationships" xmlns:p="http://schemas.openxmlformats.org/presentationml/2006/main">
   <p:cSld>
     <p:spTree>
@@ -9308,154 +10255,7 @@
 </p:sld>
 </file>
 
-<file path=ppt/slides/slide3.xml><?xml version="1.0" encoding="utf-8"?>
-<p:sld xmlns:a="http://schemas.openxmlformats.org/drawingml/2006/main" xmlns:r="http://schemas.openxmlformats.org/officeDocument/2006/relationships" xmlns:p="http://schemas.openxmlformats.org/presentationml/2006/main">
-  <p:cSld>
-    <p:spTree>
-      <p:nvGrpSpPr>
-        <p:cNvPr id="1" name=""/>
-        <p:cNvGrpSpPr/>
-        <p:nvPr/>
-      </p:nvGrpSpPr>
-      <p:grpSpPr>
-        <a:xfrm>
-          <a:off x="0" y="0"/>
-          <a:ext cx="0" cy="0"/>
-          <a:chOff x="0" y="0"/>
-          <a:chExt cx="0" cy="0"/>
-        </a:xfrm>
-      </p:grpSpPr>
-      <p:sp>
-        <p:nvSpPr>
-          <p:cNvPr id="2" name="Title 1"/>
-          <p:cNvSpPr>
-            <a:spLocks noGrp="1"/>
-          </p:cNvSpPr>
-          <p:nvPr>
-            <p:ph type="title"/>
-          </p:nvPr>
-        </p:nvSpPr>
-        <p:spPr/>
-        <p:txBody>
-          <a:bodyPr/>
-          <a:lstStyle/>
-          <a:p>
-            <a:r>
-              <a:rPr lang="en-US" dirty="0" smtClean="0"/>
-              <a:t>Handling node failure</a:t>
-            </a:r>
-            <a:endParaRPr lang="en-US" dirty="0"/>
-          </a:p>
-        </p:txBody>
-      </p:sp>
-      <p:sp>
-        <p:nvSpPr>
-          <p:cNvPr id="3" name="Content Placeholder 2"/>
-          <p:cNvSpPr>
-            <a:spLocks noGrp="1"/>
-          </p:cNvSpPr>
-          <p:nvPr>
-            <p:ph idx="1"/>
-          </p:nvPr>
-        </p:nvSpPr>
-        <p:spPr/>
-        <p:txBody>
-          <a:bodyPr>
-            <a:normAutofit/>
-          </a:bodyPr>
-          <a:lstStyle/>
-          <a:p>
-            <a:pPr>
-              <a:buFont typeface="Arial" charset="0"/>
-              <a:buChar char="•"/>
-            </a:pPr>
-            <a:r>
-              <a:rPr lang="en-US" dirty="0" smtClean="0"/>
-              <a:t>When a node failure is detected, every node take the following steps:</a:t>
-            </a:r>
-          </a:p>
-          <a:p>
-            <a:pPr marL="457200" indent="-457200">
-              <a:buFont typeface="+mj-lt"/>
-              <a:buAutoNum type="arabicPeriod"/>
-            </a:pPr>
-            <a:r>
-              <a:rPr lang="en-US" dirty="0" smtClean="0"/>
-              <a:t>Select a node among the remaining nodes, select the one with the highest ID</a:t>
-            </a:r>
-          </a:p>
-          <a:p>
-            <a:pPr marL="457200" indent="-457200">
-              <a:buFont typeface="+mj-lt"/>
-              <a:buAutoNum type="arabicPeriod"/>
-            </a:pPr>
-            <a:r>
-              <a:rPr lang="en-US" dirty="0" smtClean="0"/>
-              <a:t>Send a lost node message to the selected node</a:t>
-            </a:r>
-          </a:p>
-          <a:p>
-            <a:pPr marL="457200" indent="-457200">
-              <a:buFont typeface="+mj-lt"/>
-              <a:buAutoNum type="arabicPeriod"/>
-            </a:pPr>
-            <a:r>
-              <a:rPr lang="en-US" dirty="0" smtClean="0"/>
-              <a:t>Wait for reply</a:t>
-            </a:r>
-          </a:p>
-          <a:p>
-            <a:pPr marL="749808" lvl="1" indent="-457200">
-              <a:buFont typeface="+mj-lt"/>
-              <a:buAutoNum type="arabicPeriod"/>
-            </a:pPr>
-            <a:r>
-              <a:rPr lang="en-US" dirty="0" smtClean="0"/>
-              <a:t>If not reply is received - start over at 1</a:t>
-            </a:r>
-          </a:p>
-          <a:p>
-            <a:pPr marL="749808" lvl="1" indent="-457200">
-              <a:buFont typeface="+mj-lt"/>
-              <a:buAutoNum type="arabicPeriod"/>
-            </a:pPr>
-            <a:r>
-              <a:rPr lang="en-US" dirty="0" smtClean="0"/>
-              <a:t>If reply – we’re done</a:t>
-            </a:r>
-          </a:p>
-          <a:p>
-            <a:pPr marL="0" indent="0">
-              <a:buNone/>
-            </a:pPr>
-            <a:r>
-              <a:rPr lang="en-US" dirty="0" smtClean="0"/>
-              <a:t>The node receiving the lost node messages will check whether or not new replicas are needed, and if so, send replication request to one of the nodes holding a replica. When done, it will send a reply to everyone it received a lost node message from.</a:t>
-            </a:r>
-          </a:p>
-        </p:txBody>
-      </p:sp>
-    </p:spTree>
-    <p:extLst>
-      <p:ext uri="{BB962C8B-B14F-4D97-AF65-F5344CB8AC3E}">
-        <p14:creationId xmlns:p14="http://schemas.microsoft.com/office/powerpoint/2010/main" val="2018439337"/>
-      </p:ext>
-    </p:extLst>
-  </p:cSld>
-  <p:clrMapOvr>
-    <a:masterClrMapping/>
-  </p:clrMapOvr>
-  <p:timing>
-    <p:tnLst>
-      <p:par>
-        <p:cTn id="1" dur="indefinite" restart="never" nodeType="tmRoot"/>
-      </p:par>
-    </p:tnLst>
-  </p:timing>
-</p:sld>
-</file>
-
-<file path=ppt/slides/slide30.xml><?xml version="1.0" encoding="utf-8"?>
+<file path=ppt/slides/slide38.xml><?xml version="1.0" encoding="utf-8"?>
 <p:sld xmlns:a="http://schemas.openxmlformats.org/drawingml/2006/main" xmlns:r="http://schemas.openxmlformats.org/officeDocument/2006/relationships" xmlns:p="http://schemas.openxmlformats.org/presentationml/2006/main">
   <p:cSld>
     <p:spTree>
@@ -9562,7 +10362,7 @@
 </p:sld>
 </file>
 
-<file path=ppt/slides/slide31.xml><?xml version="1.0" encoding="utf-8"?>
+<file path=ppt/slides/slide39.xml><?xml version="1.0" encoding="utf-8"?>
 <p:sld xmlns:a="http://schemas.openxmlformats.org/drawingml/2006/main" xmlns:r="http://schemas.openxmlformats.org/officeDocument/2006/relationships" xmlns:p="http://schemas.openxmlformats.org/presentationml/2006/main">
   <p:cSld>
     <p:spTree>
@@ -9651,7 +10451,154 @@
 </p:sld>
 </file>
 
-<file path=ppt/slides/slide32.xml><?xml version="1.0" encoding="utf-8"?>
+<file path=ppt/slides/slide4.xml><?xml version="1.0" encoding="utf-8"?>
+<p:sld xmlns:a="http://schemas.openxmlformats.org/drawingml/2006/main" xmlns:r="http://schemas.openxmlformats.org/officeDocument/2006/relationships" xmlns:p="http://schemas.openxmlformats.org/presentationml/2006/main">
+  <p:cSld>
+    <p:spTree>
+      <p:nvGrpSpPr>
+        <p:cNvPr id="1" name=""/>
+        <p:cNvGrpSpPr/>
+        <p:nvPr/>
+      </p:nvGrpSpPr>
+      <p:grpSpPr>
+        <a:xfrm>
+          <a:off x="0" y="0"/>
+          <a:ext cx="0" cy="0"/>
+          <a:chOff x="0" y="0"/>
+          <a:chExt cx="0" cy="0"/>
+        </a:xfrm>
+      </p:grpSpPr>
+      <p:sp>
+        <p:nvSpPr>
+          <p:cNvPr id="2" name="Title 1"/>
+          <p:cNvSpPr>
+            <a:spLocks noGrp="1"/>
+          </p:cNvSpPr>
+          <p:nvPr>
+            <p:ph type="title"/>
+          </p:nvPr>
+        </p:nvSpPr>
+        <p:spPr/>
+        <p:txBody>
+          <a:bodyPr/>
+          <a:lstStyle/>
+          <a:p>
+            <a:r>
+              <a:rPr lang="en-US" dirty="0" smtClean="0"/>
+              <a:t>Reliability definitions</a:t>
+            </a:r>
+            <a:endParaRPr lang="en-US" dirty="0"/>
+          </a:p>
+        </p:txBody>
+      </p:sp>
+      <p:sp>
+        <p:nvSpPr>
+          <p:cNvPr id="3" name="Content Placeholder 2"/>
+          <p:cNvSpPr>
+            <a:spLocks noGrp="1"/>
+          </p:cNvSpPr>
+          <p:nvPr>
+            <p:ph idx="1"/>
+          </p:nvPr>
+        </p:nvSpPr>
+        <p:spPr/>
+        <p:txBody>
+          <a:bodyPr/>
+          <a:lstStyle/>
+          <a:p>
+            <a:pPr>
+              <a:buFont typeface="Arial" charset="0"/>
+              <a:buChar char="•"/>
+            </a:pPr>
+            <a:r>
+              <a:rPr lang="en-US" dirty="0" smtClean="0"/>
+              <a:t>Reliability of</a:t>
+            </a:r>
+          </a:p>
+          <a:p>
+            <a:pPr lvl="1">
+              <a:buFont typeface="Arial" charset="0"/>
+              <a:buChar char="•"/>
+            </a:pPr>
+            <a:r>
+              <a:rPr lang="en-US" dirty="0" smtClean="0"/>
+              <a:t>Meeting deadlines</a:t>
+            </a:r>
+          </a:p>
+          <a:p>
+            <a:pPr lvl="1">
+              <a:buFont typeface="Arial" charset="0"/>
+              <a:buChar char="•"/>
+            </a:pPr>
+            <a:r>
+              <a:rPr lang="en-US" dirty="0" smtClean="0"/>
+              <a:t>Producing the correct result</a:t>
+            </a:r>
+          </a:p>
+          <a:p>
+            <a:pPr lvl="1">
+              <a:buFont typeface="Arial" charset="0"/>
+              <a:buChar char="•"/>
+            </a:pPr>
+            <a:endParaRPr lang="en-US" dirty="0"/>
+          </a:p>
+          <a:p>
+            <a:pPr>
+              <a:buFont typeface="Arial" charset="0"/>
+              <a:buChar char="•"/>
+            </a:pPr>
+            <a:r>
+              <a:rPr lang="en-US" dirty="0" smtClean="0"/>
+              <a:t>Our definition</a:t>
+            </a:r>
+          </a:p>
+          <a:p>
+            <a:pPr marL="0" indent="0">
+              <a:buNone/>
+            </a:pPr>
+            <a:r>
+              <a:rPr lang="en-US" dirty="0" smtClean="0"/>
+              <a:t>Reliability of a task in a stream processing application, is the probability that no data is lost. In a process with </a:t>
+            </a:r>
+            <a:r>
+              <a:rPr lang="en-US" i="1" dirty="0" smtClean="0"/>
+              <a:t>n </a:t>
+            </a:r>
+            <a:r>
+              <a:rPr lang="en-US" dirty="0" smtClean="0"/>
+              <a:t>task replicas, this corresponds to at least one replica is always running and serving requests.</a:t>
+            </a:r>
+          </a:p>
+          <a:p>
+            <a:pPr marL="457200" indent="-457200">
+              <a:buFont typeface="+mj-lt"/>
+              <a:buAutoNum type="arabicPeriod"/>
+            </a:pPr>
+            <a:endParaRPr lang="en-US" dirty="0"/>
+          </a:p>
+        </p:txBody>
+      </p:sp>
+    </p:spTree>
+    <p:extLst>
+      <p:ext uri="{BB962C8B-B14F-4D97-AF65-F5344CB8AC3E}">
+        <p14:creationId xmlns:p14="http://schemas.microsoft.com/office/powerpoint/2010/main" val="188118652"/>
+      </p:ext>
+    </p:extLst>
+  </p:cSld>
+  <p:clrMapOvr>
+    <a:masterClrMapping/>
+  </p:clrMapOvr>
+  <p:timing>
+    <p:tnLst>
+      <p:par>
+        <p:cTn id="1" dur="indefinite" restart="never" nodeType="tmRoot"/>
+      </p:par>
+    </p:tnLst>
+  </p:timing>
+</p:sld>
+</file>
+
+<file path=ppt/slides/slide40.xml><?xml version="1.0" encoding="utf-8"?>
 <p:sld xmlns:a="http://schemas.openxmlformats.org/drawingml/2006/main" xmlns:r="http://schemas.openxmlformats.org/officeDocument/2006/relationships" xmlns:p="http://schemas.openxmlformats.org/presentationml/2006/main">
   <p:cSld>
     <p:spTree>
@@ -9740,95 +10687,6 @@
 </p:sld>
 </file>
 
-<file path=ppt/slides/slide4.xml><?xml version="1.0" encoding="utf-8"?>
-<p:sld xmlns:a="http://schemas.openxmlformats.org/drawingml/2006/main" xmlns:r="http://schemas.openxmlformats.org/officeDocument/2006/relationships" xmlns:p="http://schemas.openxmlformats.org/presentationml/2006/main">
-  <p:cSld>
-    <p:spTree>
-      <p:nvGrpSpPr>
-        <p:cNvPr id="1" name=""/>
-        <p:cNvGrpSpPr/>
-        <p:nvPr/>
-      </p:nvGrpSpPr>
-      <p:grpSpPr>
-        <a:xfrm>
-          <a:off x="0" y="0"/>
-          <a:ext cx="0" cy="0"/>
-          <a:chOff x="0" y="0"/>
-          <a:chExt cx="0" cy="0"/>
-        </a:xfrm>
-      </p:grpSpPr>
-      <p:sp>
-        <p:nvSpPr>
-          <p:cNvPr id="2" name="Title 1"/>
-          <p:cNvSpPr>
-            <a:spLocks noGrp="1"/>
-          </p:cNvSpPr>
-          <p:nvPr>
-            <p:ph type="title"/>
-          </p:nvPr>
-        </p:nvSpPr>
-        <p:spPr/>
-        <p:txBody>
-          <a:bodyPr/>
-          <a:lstStyle/>
-          <a:p>
-            <a:r>
-              <a:rPr lang="en-US" dirty="0" smtClean="0"/>
-              <a:t>Handling node failure cont’d.</a:t>
-            </a:r>
-            <a:endParaRPr lang="en-US" dirty="0"/>
-          </a:p>
-        </p:txBody>
-      </p:sp>
-      <p:pic>
-        <p:nvPicPr>
-          <p:cNvPr id="8" name="Content Placeholder 7"/>
-          <p:cNvPicPr>
-            <a:picLocks noGrp="1" noChangeAspect="1"/>
-          </p:cNvPicPr>
-          <p:nvPr>
-            <p:ph idx="1"/>
-          </p:nvPr>
-        </p:nvPicPr>
-        <p:blipFill>
-          <a:blip r:embed="rId2">
-            <a:extLst>
-              <a:ext uri="{28A0092B-C50C-407E-A947-70E740481C1C}">
-                <a14:useLocalDpi xmlns:a14="http://schemas.microsoft.com/office/drawing/2010/main" val="0"/>
-              </a:ext>
-            </a:extLst>
-          </a:blip>
-          <a:stretch>
-            <a:fillRect/>
-          </a:stretch>
-        </p:blipFill>
-        <p:spPr>
-          <a:xfrm>
-            <a:off x="4335463" y="2066925"/>
-            <a:ext cx="3581400" cy="3581400"/>
-          </a:xfrm>
-        </p:spPr>
-      </p:pic>
-    </p:spTree>
-    <p:extLst>
-      <p:ext uri="{BB962C8B-B14F-4D97-AF65-F5344CB8AC3E}">
-        <p14:creationId xmlns:p14="http://schemas.microsoft.com/office/powerpoint/2010/main" val="489200782"/>
-      </p:ext>
-    </p:extLst>
-  </p:cSld>
-  <p:clrMapOvr>
-    <a:masterClrMapping/>
-  </p:clrMapOvr>
-  <p:timing>
-    <p:tnLst>
-      <p:par>
-        <p:cTn id="1" dur="indefinite" restart="never" nodeType="tmRoot"/>
-      </p:par>
-    </p:tnLst>
-  </p:timing>
-</p:sld>
-</file>
-
 <file path=ppt/slides/slide5.xml><?xml version="1.0" encoding="utf-8"?>
 <p:sld xmlns:a="http://schemas.openxmlformats.org/drawingml/2006/main" xmlns:r="http://schemas.openxmlformats.org/officeDocument/2006/relationships" xmlns:p="http://schemas.openxmlformats.org/presentationml/2006/main">
   <p:cSld>
@@ -9863,45 +10721,39 @@
           <a:p>
             <a:r>
               <a:rPr lang="en-US" dirty="0" smtClean="0"/>
-              <a:t>Handling node failure cont’d.</a:t>
-            </a:r>
-            <a:endParaRPr lang="en-US" dirty="0"/>
-          </a:p>
-        </p:txBody>
-      </p:sp>
-      <p:pic>
-        <p:nvPicPr>
-          <p:cNvPr id="5" name="Content Placeholder 4"/>
-          <p:cNvPicPr>
-            <a:picLocks noGrp="1" noChangeAspect="1"/>
-          </p:cNvPicPr>
+              <a:t>Related work</a:t>
+            </a:r>
+            <a:endParaRPr lang="en-US" dirty="0"/>
+          </a:p>
+        </p:txBody>
+      </p:sp>
+      <p:sp>
+        <p:nvSpPr>
+          <p:cNvPr id="3" name="Content Placeholder 2"/>
+          <p:cNvSpPr>
+            <a:spLocks noGrp="1"/>
+          </p:cNvSpPr>
           <p:nvPr>
             <p:ph idx="1"/>
           </p:nvPr>
-        </p:nvPicPr>
-        <p:blipFill>
-          <a:blip r:embed="rId2">
-            <a:extLst>
-              <a:ext uri="{28A0092B-C50C-407E-A947-70E740481C1C}">
-                <a14:useLocalDpi xmlns:a14="http://schemas.microsoft.com/office/drawing/2010/main" val="0"/>
-              </a:ext>
-            </a:extLst>
-          </a:blip>
-          <a:stretch>
-            <a:fillRect/>
-          </a:stretch>
-        </p:blipFill>
-        <p:spPr>
-          <a:xfrm>
-            <a:off x="4668054" y="1846263"/>
-            <a:ext cx="2916217" cy="4022725"/>
-          </a:xfrm>
-        </p:spPr>
-      </p:pic>
+        </p:nvSpPr>
+        <p:spPr/>
+        <p:txBody>
+          <a:bodyPr/>
+          <a:lstStyle/>
+          <a:p>
+            <a:pPr marL="457200" indent="-457200">
+              <a:buFont typeface="+mj-lt"/>
+              <a:buAutoNum type="arabicPeriod"/>
+            </a:pPr>
+            <a:endParaRPr lang="en-US" dirty="0"/>
+          </a:p>
+        </p:txBody>
+      </p:sp>
     </p:spTree>
     <p:extLst>
       <p:ext uri="{BB962C8B-B14F-4D97-AF65-F5344CB8AC3E}">
-        <p14:creationId xmlns:p14="http://schemas.microsoft.com/office/powerpoint/2010/main" val="1343271350"/>
+        <p14:creationId xmlns:p14="http://schemas.microsoft.com/office/powerpoint/2010/main" val="219035841"/>
       </p:ext>
     </p:extLst>
   </p:cSld>
@@ -9952,45 +10804,39 @@
           <a:p>
             <a:r>
               <a:rPr lang="en-US" dirty="0" smtClean="0"/>
-              <a:t>Handling node failure cont’d.</a:t>
-            </a:r>
-            <a:endParaRPr lang="en-US" dirty="0"/>
-          </a:p>
-        </p:txBody>
-      </p:sp>
-      <p:pic>
-        <p:nvPicPr>
-          <p:cNvPr id="9" name="Content Placeholder 8"/>
-          <p:cNvPicPr>
-            <a:picLocks noGrp="1" noChangeAspect="1"/>
-          </p:cNvPicPr>
+              <a:t>System model</a:t>
+            </a:r>
+            <a:endParaRPr lang="en-US" dirty="0"/>
+          </a:p>
+        </p:txBody>
+      </p:sp>
+      <p:sp>
+        <p:nvSpPr>
+          <p:cNvPr id="3" name="Content Placeholder 2"/>
+          <p:cNvSpPr>
+            <a:spLocks noGrp="1"/>
+          </p:cNvSpPr>
           <p:nvPr>
             <p:ph idx="1"/>
           </p:nvPr>
-        </p:nvPicPr>
-        <p:blipFill>
-          <a:blip r:embed="rId2">
-            <a:extLst>
-              <a:ext uri="{28A0092B-C50C-407E-A947-70E740481C1C}">
-                <a14:useLocalDpi xmlns:a14="http://schemas.microsoft.com/office/drawing/2010/main" val="0"/>
-              </a:ext>
-            </a:extLst>
-          </a:blip>
-          <a:stretch>
-            <a:fillRect/>
-          </a:stretch>
-        </p:blipFill>
-        <p:spPr>
-          <a:xfrm>
-            <a:off x="4514787" y="1846263"/>
-            <a:ext cx="3222751" cy="4022725"/>
-          </a:xfrm>
-        </p:spPr>
-      </p:pic>
+        </p:nvSpPr>
+        <p:spPr/>
+        <p:txBody>
+          <a:bodyPr/>
+          <a:lstStyle/>
+          <a:p>
+            <a:pPr marL="457200" indent="-457200">
+              <a:buFont typeface="+mj-lt"/>
+              <a:buAutoNum type="arabicPeriod"/>
+            </a:pPr>
+            <a:endParaRPr lang="en-US" dirty="0"/>
+          </a:p>
+        </p:txBody>
+      </p:sp>
     </p:spTree>
     <p:extLst>
       <p:ext uri="{BB962C8B-B14F-4D97-AF65-F5344CB8AC3E}">
-        <p14:creationId xmlns:p14="http://schemas.microsoft.com/office/powerpoint/2010/main" val="548099241"/>
+        <p14:creationId xmlns:p14="http://schemas.microsoft.com/office/powerpoint/2010/main" val="1670722464"/>
       </p:ext>
     </p:extLst>
   </p:cSld>
@@ -10041,45 +10887,39 @@
           <a:p>
             <a:r>
               <a:rPr lang="en-US" dirty="0" smtClean="0"/>
-              <a:t>Handling node failure cont’d.</a:t>
-            </a:r>
-            <a:endParaRPr lang="en-US" dirty="0"/>
-          </a:p>
-        </p:txBody>
-      </p:sp>
-      <p:pic>
-        <p:nvPicPr>
+              <a:t>Reliability model</a:t>
+            </a:r>
+            <a:endParaRPr lang="en-US" dirty="0"/>
+          </a:p>
+        </p:txBody>
+      </p:sp>
+      <p:sp>
+        <p:nvSpPr>
           <p:cNvPr id="3" name="Content Placeholder 2"/>
-          <p:cNvPicPr>
-            <a:picLocks noGrp="1" noChangeAspect="1"/>
-          </p:cNvPicPr>
+          <p:cNvSpPr>
+            <a:spLocks noGrp="1"/>
+          </p:cNvSpPr>
           <p:nvPr>
             <p:ph idx="1"/>
           </p:nvPr>
-        </p:nvPicPr>
-        <p:blipFill>
-          <a:blip r:embed="rId2">
-            <a:extLst>
-              <a:ext uri="{28A0092B-C50C-407E-A947-70E740481C1C}">
-                <a14:useLocalDpi xmlns:a14="http://schemas.microsoft.com/office/drawing/2010/main" val="0"/>
-              </a:ext>
-            </a:extLst>
-          </a:blip>
-          <a:stretch>
-            <a:fillRect/>
-          </a:stretch>
-        </p:blipFill>
-        <p:spPr>
-          <a:xfrm>
-            <a:off x="4467671" y="1846263"/>
-            <a:ext cx="3316983" cy="4022725"/>
-          </a:xfrm>
-        </p:spPr>
-      </p:pic>
+        </p:nvSpPr>
+        <p:spPr/>
+        <p:txBody>
+          <a:bodyPr/>
+          <a:lstStyle/>
+          <a:p>
+            <a:pPr marL="457200" indent="-457200">
+              <a:buFont typeface="+mj-lt"/>
+              <a:buAutoNum type="arabicPeriod"/>
+            </a:pPr>
+            <a:endParaRPr lang="en-US" dirty="0"/>
+          </a:p>
+        </p:txBody>
+      </p:sp>
     </p:spTree>
     <p:extLst>
       <p:ext uri="{BB962C8B-B14F-4D97-AF65-F5344CB8AC3E}">
-        <p14:creationId xmlns:p14="http://schemas.microsoft.com/office/powerpoint/2010/main" val="1275852581"/>
+        <p14:creationId xmlns:p14="http://schemas.microsoft.com/office/powerpoint/2010/main" val="1355186530"/>
       </p:ext>
     </p:extLst>
   </p:cSld>
@@ -10130,51 +10970,52 @@
           <a:p>
             <a:r>
               <a:rPr lang="en-US" dirty="0" smtClean="0"/>
-              <a:t>Handling node failure cont’d.</a:t>
-            </a:r>
-            <a:endParaRPr lang="en-US" dirty="0"/>
-          </a:p>
-        </p:txBody>
-      </p:sp>
-      <p:pic>
-        <p:nvPicPr>
-          <p:cNvPr id="5" name="Content Placeholder 4"/>
-          <p:cNvPicPr>
-            <a:picLocks noGrp="1" noChangeAspect="1"/>
-          </p:cNvPicPr>
+              <a:t>Fault-tolerant model</a:t>
+            </a:r>
+            <a:endParaRPr lang="en-US" dirty="0"/>
+          </a:p>
+        </p:txBody>
+      </p:sp>
+      <p:sp>
+        <p:nvSpPr>
+          <p:cNvPr id="3" name="Content Placeholder 2"/>
+          <p:cNvSpPr>
+            <a:spLocks noGrp="1"/>
+          </p:cNvSpPr>
           <p:nvPr>
             <p:ph idx="1"/>
           </p:nvPr>
-        </p:nvPicPr>
-        <p:blipFill>
-          <a:blip r:embed="rId2">
-            <a:extLst>
-              <a:ext uri="{28A0092B-C50C-407E-A947-70E740481C1C}">
-                <a14:useLocalDpi xmlns:a14="http://schemas.microsoft.com/office/drawing/2010/main" val="0"/>
-              </a:ext>
-            </a:extLst>
-          </a:blip>
-          <a:stretch>
-            <a:fillRect/>
-          </a:stretch>
-        </p:blipFill>
-        <p:spPr>
-          <a:xfrm>
-            <a:off x="4467671" y="1846263"/>
-            <a:ext cx="3316983" cy="4022725"/>
-          </a:xfrm>
-        </p:spPr>
-      </p:pic>
+        </p:nvSpPr>
+        <p:spPr/>
+        <p:txBody>
+          <a:bodyPr/>
+          <a:lstStyle/>
+          <a:p>
+            <a:pPr marL="457200" indent="-457200">
+              <a:buFont typeface="+mj-lt"/>
+              <a:buAutoNum type="arabicPeriod"/>
+            </a:pPr>
+            <a:endParaRPr lang="en-US" dirty="0"/>
+          </a:p>
+        </p:txBody>
+      </p:sp>
     </p:spTree>
     <p:extLst>
       <p:ext uri="{BB962C8B-B14F-4D97-AF65-F5344CB8AC3E}">
-        <p14:creationId xmlns:p14="http://schemas.microsoft.com/office/powerpoint/2010/main" val="1268139060"/>
+        <p14:creationId xmlns:p14="http://schemas.microsoft.com/office/powerpoint/2010/main" val="1976146107"/>
       </p:ext>
     </p:extLst>
   </p:cSld>
   <p:clrMapOvr>
     <a:masterClrMapping/>
   </p:clrMapOvr>
+  <p:timing>
+    <p:tnLst>
+      <p:par>
+        <p:cTn id="1" dur="indefinite" restart="never" nodeType="tmRoot"/>
+      </p:par>
+    </p:tnLst>
+  </p:timing>
 </p:sld>
 </file>
 
@@ -10212,7 +11053,7 @@
           <a:p>
             <a:r>
               <a:rPr lang="en-US" dirty="0" smtClean="0"/>
-              <a:t>Experiments</a:t>
+              <a:t>Calvin</a:t>
             </a:r>
             <a:endParaRPr lang="en-US" dirty="0"/>
           </a:p>
@@ -10233,68 +11074,42 @@
           <a:bodyPr/>
           <a:lstStyle/>
           <a:p>
-            <a:r>
-              <a:rPr lang="en-US" dirty="0" smtClean="0"/>
-              <a:t>We have conducted a set of various tests to prove the usefulness of our model.</a:t>
-            </a:r>
-          </a:p>
-          <a:p>
-            <a:r>
-              <a:rPr lang="en-US" dirty="0" smtClean="0"/>
-              <a:t>The goal was to show our model</a:t>
-            </a:r>
-          </a:p>
-          <a:p>
-            <a:pPr marL="457200" indent="-457200">
-              <a:buFont typeface="+mj-lt"/>
-              <a:buAutoNum type="arabicPeriod"/>
+            <a:pPr>
+              <a:buFont typeface="Arial" charset="0"/>
+              <a:buChar char="•"/>
             </a:pPr>
             <a:r>
               <a:rPr lang="en-US" dirty="0" smtClean="0"/>
-              <a:t>Dynamically ensures the required reliability is met, despite the event of node failures, by dynamically creating new replicas when old ones die</a:t>
-            </a:r>
-          </a:p>
-          <a:p>
-            <a:pPr marL="457200" indent="-457200">
-              <a:buFont typeface="+mj-lt"/>
-              <a:buAutoNum type="arabicPeriod"/>
+              <a:t>Runtimes</a:t>
+            </a:r>
+          </a:p>
+          <a:p>
+            <a:pPr>
+              <a:buFont typeface="Arial" charset="0"/>
+              <a:buChar char="•"/>
             </a:pPr>
             <a:r>
               <a:rPr lang="en-US" dirty="0" smtClean="0"/>
-              <a:t>Uses the optimal number of replicas by choosing the most reliable nodes</a:t>
-            </a:r>
-          </a:p>
-          <a:p>
-            <a:pPr marL="457200" indent="-457200">
-              <a:buFont typeface="+mj-lt"/>
-              <a:buAutoNum type="arabicPeriod"/>
+              <a:t>Actors</a:t>
+            </a:r>
+          </a:p>
+          <a:p>
+            <a:pPr>
+              <a:buFont typeface="Arial" charset="0"/>
+              <a:buChar char="•"/>
             </a:pPr>
             <a:r>
               <a:rPr lang="en-US" dirty="0" smtClean="0"/>
-              <a:t>Adapts to changing system properties</a:t>
-            </a:r>
-          </a:p>
-          <a:p>
-            <a:pPr marL="0" indent="0">
-              <a:buNone/>
-            </a:pPr>
-            <a:endParaRPr lang="en-US" dirty="0"/>
-          </a:p>
-          <a:p>
-            <a:pPr marL="0" indent="0">
-              <a:buNone/>
-            </a:pPr>
-            <a:r>
-              <a:rPr lang="en-US" dirty="0" smtClean="0"/>
-              <a:t>We also measured how the replication time varied depending on the state size, as the replication time is an important part of the reliability model.</a:t>
-            </a:r>
+              <a:t>Storage</a:t>
+            </a:r>
+            <a:endParaRPr lang="en-US" dirty="0"/>
           </a:p>
         </p:txBody>
       </p:sp>
     </p:spTree>
     <p:extLst>
       <p:ext uri="{BB962C8B-B14F-4D97-AF65-F5344CB8AC3E}">
-        <p14:creationId xmlns:p14="http://schemas.microsoft.com/office/powerpoint/2010/main" val="1478014272"/>
+        <p14:creationId xmlns:p14="http://schemas.microsoft.com/office/powerpoint/2010/main" val="1337557887"/>
       </p:ext>
     </p:extLst>
   </p:cSld>

--- a/presentation/presentation.pptx
+++ b/presentation/presentation.pptx
@@ -10,41 +10,50 @@
     <p:sldId id="288" r:id="rId4"/>
     <p:sldId id="289" r:id="rId5"/>
     <p:sldId id="290" r:id="rId6"/>
-    <p:sldId id="291" r:id="rId7"/>
-    <p:sldId id="292" r:id="rId8"/>
-    <p:sldId id="293" r:id="rId9"/>
-    <p:sldId id="294" r:id="rId10"/>
-    <p:sldId id="295" r:id="rId11"/>
-    <p:sldId id="282" r:id="rId12"/>
-    <p:sldId id="283" r:id="rId13"/>
-    <p:sldId id="287" r:id="rId14"/>
-    <p:sldId id="284" r:id="rId15"/>
-    <p:sldId id="285" r:id="rId16"/>
-    <p:sldId id="286" r:id="rId17"/>
-    <p:sldId id="258" r:id="rId18"/>
-    <p:sldId id="259" r:id="rId19"/>
-    <p:sldId id="260" r:id="rId20"/>
-    <p:sldId id="261" r:id="rId21"/>
-    <p:sldId id="263" r:id="rId22"/>
-    <p:sldId id="262" r:id="rId23"/>
-    <p:sldId id="264" r:id="rId24"/>
-    <p:sldId id="265" r:id="rId25"/>
-    <p:sldId id="275" r:id="rId26"/>
-    <p:sldId id="266" r:id="rId27"/>
-    <p:sldId id="267" r:id="rId28"/>
-    <p:sldId id="268" r:id="rId29"/>
-    <p:sldId id="269" r:id="rId30"/>
-    <p:sldId id="270" r:id="rId31"/>
-    <p:sldId id="271" r:id="rId32"/>
-    <p:sldId id="272" r:id="rId33"/>
-    <p:sldId id="274" r:id="rId34"/>
-    <p:sldId id="273" r:id="rId35"/>
-    <p:sldId id="276" r:id="rId36"/>
-    <p:sldId id="277" r:id="rId37"/>
-    <p:sldId id="278" r:id="rId38"/>
-    <p:sldId id="279" r:id="rId39"/>
-    <p:sldId id="280" r:id="rId40"/>
-    <p:sldId id="281" r:id="rId41"/>
+    <p:sldId id="300" r:id="rId7"/>
+    <p:sldId id="301" r:id="rId8"/>
+    <p:sldId id="307" r:id="rId9"/>
+    <p:sldId id="309" r:id="rId10"/>
+    <p:sldId id="302" r:id="rId11"/>
+    <p:sldId id="303" r:id="rId12"/>
+    <p:sldId id="294" r:id="rId13"/>
+    <p:sldId id="297" r:id="rId14"/>
+    <p:sldId id="298" r:id="rId15"/>
+    <p:sldId id="299" r:id="rId16"/>
+    <p:sldId id="295" r:id="rId17"/>
+    <p:sldId id="306" r:id="rId18"/>
+    <p:sldId id="282" r:id="rId19"/>
+    <p:sldId id="283" r:id="rId20"/>
+    <p:sldId id="287" r:id="rId21"/>
+    <p:sldId id="284" r:id="rId22"/>
+    <p:sldId id="285" r:id="rId23"/>
+    <p:sldId id="286" r:id="rId24"/>
+    <p:sldId id="304" r:id="rId25"/>
+    <p:sldId id="305" r:id="rId26"/>
+    <p:sldId id="258" r:id="rId27"/>
+    <p:sldId id="259" r:id="rId28"/>
+    <p:sldId id="260" r:id="rId29"/>
+    <p:sldId id="261" r:id="rId30"/>
+    <p:sldId id="263" r:id="rId31"/>
+    <p:sldId id="262" r:id="rId32"/>
+    <p:sldId id="264" r:id="rId33"/>
+    <p:sldId id="265" r:id="rId34"/>
+    <p:sldId id="275" r:id="rId35"/>
+    <p:sldId id="266" r:id="rId36"/>
+    <p:sldId id="267" r:id="rId37"/>
+    <p:sldId id="268" r:id="rId38"/>
+    <p:sldId id="269" r:id="rId39"/>
+    <p:sldId id="270" r:id="rId40"/>
+    <p:sldId id="271" r:id="rId41"/>
+    <p:sldId id="272" r:id="rId42"/>
+    <p:sldId id="274" r:id="rId43"/>
+    <p:sldId id="273" r:id="rId44"/>
+    <p:sldId id="276" r:id="rId45"/>
+    <p:sldId id="277" r:id="rId46"/>
+    <p:sldId id="278" r:id="rId47"/>
+    <p:sldId id="279" r:id="rId48"/>
+    <p:sldId id="280" r:id="rId49"/>
+    <p:sldId id="281" r:id="rId50"/>
   </p:sldIdLst>
   <p:sldSz cx="12192000" cy="6858000"/>
   <p:notesSz cx="6858000" cy="9144000"/>
@@ -143,6 +152,11 @@
       </a:defRPr>
     </a:lvl9pPr>
   </p:defaultTextStyle>
+  <p:extLst>
+    <p:ext uri="{EFAFB233-063F-42B5-8137-9DF3F51BA10A}">
+      <p15:sldGuideLst xmlns:p15="http://schemas.microsoft.com/office/powerpoint/2012/main"/>
+    </p:ext>
+  </p:extLst>
 </p:presentation>
 </file>
 
@@ -372,7 +386,7 @@
           <a:p>
             <a:fld id="{4BDF68E2-58F2-4D09-BE8B-E3BD06533059}" type="datetimeFigureOut">
               <a:rPr lang="en-US" smtClean="0"/>
-              <a:t>4/26/16</a:t>
+              <a:t>4/27/16</a:t>
             </a:fld>
             <a:endParaRPr lang="en-US" dirty="0"/>
           </a:p>
@@ -580,7 +594,7 @@
           <a:p>
             <a:fld id="{2E2D6473-DF6D-4702-B328-E0DD40540A4E}" type="datetimeFigureOut">
               <a:rPr lang="en-US" smtClean="0"/>
-              <a:t>4/26/16</a:t>
+              <a:t>4/27/16</a:t>
             </a:fld>
             <a:endParaRPr lang="en-US" dirty="0"/>
           </a:p>
@@ -836,7 +850,7 @@
           <a:p>
             <a:fld id="{E26F7E3A-B166-407D-9866-32884E7D5B37}" type="datetimeFigureOut">
               <a:rPr lang="en-US" smtClean="0"/>
-              <a:t>4/26/16</a:t>
+              <a:t>4/27/16</a:t>
             </a:fld>
             <a:endParaRPr lang="en-US" dirty="0"/>
           </a:p>
@@ -1010,7 +1024,7 @@
           <a:p>
             <a:fld id="{528FC5F6-F338-4AE4-BB23-26385BCFC423}" type="datetimeFigureOut">
               <a:rPr lang="en-US" smtClean="0"/>
-              <a:t>4/26/16</a:t>
+              <a:t>4/27/16</a:t>
             </a:fld>
             <a:endParaRPr lang="en-US" dirty="0"/>
           </a:p>
@@ -1353,7 +1367,7 @@
           <a:p>
             <a:fld id="{20EBB0C4-6273-4C6E-B9BD-2EDC30F1CD52}" type="datetimeFigureOut">
               <a:rPr lang="en-US" smtClean="0"/>
-              <a:t>4/26/16</a:t>
+              <a:t>4/27/16</a:t>
             </a:fld>
             <a:endParaRPr lang="en-US" dirty="0"/>
           </a:p>
@@ -1628,7 +1642,7 @@
           <a:p>
             <a:fld id="{19AB4D41-86C1-4908-B66A-0B50CEB3BF29}" type="datetimeFigureOut">
               <a:rPr lang="en-US" smtClean="0"/>
-              <a:t>4/26/16</a:t>
+              <a:t>4/27/16</a:t>
             </a:fld>
             <a:endParaRPr lang="en-US" dirty="0"/>
           </a:p>
@@ -2007,7 +2021,7 @@
           <a:p>
             <a:fld id="{E6426E2C-56C1-4E0D-A793-0088A7FDD37E}" type="datetimeFigureOut">
               <a:rPr lang="en-US" smtClean="0"/>
-              <a:t>4/26/16</a:t>
+              <a:t>4/27/16</a:t>
             </a:fld>
             <a:endParaRPr lang="en-US" dirty="0"/>
           </a:p>
@@ -2125,7 +2139,7 @@
           <a:p>
             <a:fld id="{C8C39B41-D8B5-4052-B551-9B5525EAA8B6}" type="datetimeFigureOut">
               <a:rPr lang="en-US" smtClean="0"/>
-              <a:t>4/26/16</a:t>
+              <a:t>4/27/16</a:t>
             </a:fld>
             <a:endParaRPr lang="en-US" dirty="0"/>
           </a:p>
@@ -2296,7 +2310,7 @@
           <a:p>
             <a:fld id="{4D94136C-8742-45B2-AF27-D93DF72833A9}" type="datetimeFigureOut">
               <a:rPr lang="en-US" smtClean="0"/>
-              <a:t>4/26/16</a:t>
+              <a:t>4/27/16</a:t>
             </a:fld>
             <a:endParaRPr lang="en-US" dirty="0"/>
           </a:p>
@@ -2651,7 +2665,7 @@
           <a:p>
             <a:fld id="{32ABBEA6-7C60-4B02-AE87-00D78D8422AF}" type="datetimeFigureOut">
               <a:rPr lang="en-US" smtClean="0"/>
-              <a:t>4/26/16</a:t>
+              <a:t>4/27/16</a:t>
             </a:fld>
             <a:endParaRPr lang="en-US" dirty="0"/>
           </a:p>
@@ -3034,7 +3048,7 @@
           <a:p>
             <a:fld id="{C9CAD897-D46E-4AD2-BD9B-49DD3E640873}" type="datetimeFigureOut">
               <a:rPr lang="en-US" smtClean="0"/>
-              <a:t>4/26/16</a:t>
+              <a:t>4/27/16</a:t>
             </a:fld>
             <a:endParaRPr lang="en-US" dirty="0"/>
           </a:p>
@@ -3321,7 +3335,7 @@
           <a:p>
             <a:fld id="{98624D31-43A5-475A-80CF-332C9F6DCF35}" type="datetimeFigureOut">
               <a:rPr lang="en-US" smtClean="0"/>
-              <a:t>4/26/16</a:t>
+              <a:t>4/27/16</a:t>
             </a:fld>
             <a:endParaRPr lang="en-US" dirty="0"/>
           </a:p>
@@ -3969,7 +3983,7 @@
           <a:p>
             <a:r>
               <a:rPr lang="en-US" dirty="0" smtClean="0"/>
-              <a:t>Out contributions to Calvin</a:t>
+              <a:t>Reliability model</a:t>
             </a:r>
             <a:endParaRPr lang="en-US" dirty="0"/>
           </a:p>
@@ -3990,32 +4004,321 @@
           <a:bodyPr/>
           <a:lstStyle/>
           <a:p>
-            <a:pPr>
+            <a:pPr marL="0" lvl="0" indent="0">
+              <a:buNone/>
+            </a:pPr>
+            <a:r>
+              <a:rPr lang="en-US" dirty="0" smtClean="0"/>
+              <a:t>Recap: reliability </a:t>
+            </a:r>
+            <a:r>
+              <a:rPr lang="en-US" dirty="0" smtClean="0"/>
+              <a:t>is </a:t>
+            </a:r>
+            <a:r>
+              <a:rPr lang="is-IS" dirty="0" smtClean="0"/>
+              <a:t>… </a:t>
+            </a:r>
+            <a:r>
+              <a:rPr lang="is-IS" i="1" dirty="0" smtClean="0"/>
+              <a:t>at least one replica is up and running </a:t>
+            </a:r>
+            <a:r>
+              <a:rPr lang="is-IS" dirty="0" smtClean="0"/>
+              <a:t>...</a:t>
+            </a:r>
+          </a:p>
+          <a:p>
+            <a:pPr marL="0" lvl="0" indent="0">
+              <a:buNone/>
+            </a:pPr>
+            <a:r>
+              <a:rPr lang="is-IS" dirty="0" smtClean="0"/>
+              <a:t>This corresponds to not all failing. For </a:t>
+            </a:r>
+            <a:r>
+              <a:rPr lang="is-IS" i="1" dirty="0" smtClean="0"/>
+              <a:t>n </a:t>
+            </a:r>
+            <a:r>
+              <a:rPr lang="is-IS" dirty="0" smtClean="0"/>
+              <a:t>nodes, this is</a:t>
+            </a:r>
+            <a:endParaRPr lang="is-IS" dirty="0" smtClean="0"/>
+          </a:p>
+          <a:p>
+            <a:pPr lvl="0">
               <a:buFont typeface="Arial" charset="0"/>
               <a:buChar char="•"/>
             </a:pPr>
-            <a:r>
-              <a:rPr lang="en-US" dirty="0" smtClean="0"/>
-              <a:t>Replication</a:t>
-            </a:r>
-          </a:p>
-          <a:p>
-            <a:pPr>
-              <a:buFont typeface="Arial" charset="0"/>
-              <a:buChar char="•"/>
-            </a:pPr>
-            <a:r>
-              <a:rPr lang="en-US" dirty="0" smtClean="0"/>
-              <a:t>Fan-in/fan-out model</a:t>
-            </a:r>
             <a:endParaRPr lang="en-US" dirty="0"/>
           </a:p>
         </p:txBody>
       </p:sp>
+      <mc:AlternateContent xmlns:mc="http://schemas.openxmlformats.org/markup-compatibility/2006">
+        <mc:Choice xmlns:a14="http://schemas.microsoft.com/office/drawing/2010/main" Requires="a14">
+          <p:sp>
+            <p:nvSpPr>
+              <p:cNvPr id="4" name="Rectangle 3"/>
+              <p:cNvSpPr/>
+              <p:nvPr/>
+            </p:nvSpPr>
+            <p:spPr>
+              <a:xfrm>
+                <a:off x="1097280" y="2811612"/>
+                <a:ext cx="10058400" cy="848758"/>
+              </a:xfrm>
+              <a:prstGeom prst="rect">
+                <a:avLst/>
+              </a:prstGeom>
+            </p:spPr>
+            <p:txBody>
+              <a:bodyPr wrap="square">
+                <a:spAutoFit/>
+              </a:bodyPr>
+              <a:lstStyle/>
+              <a:p>
+                <a:pPr lvl="0"/>
+                <a14:m>
+                  <m:oMathPara xmlns:m="http://schemas.openxmlformats.org/officeDocument/2006/math">
+                    <m:oMathParaPr>
+                      <m:jc m:val="centerGroup"/>
+                    </m:oMathParaPr>
+                    <m:oMath xmlns:m="http://schemas.openxmlformats.org/officeDocument/2006/math">
+                      <m:r>
+                        <a:rPr lang="en-GB" i="1" smtClean="0">
+                          <a:latin typeface="Cambria Math" charset="0"/>
+                        </a:rPr>
+                        <m:t>𝑃</m:t>
+                      </m:r>
+                      <m:d>
+                        <m:dPr>
+                          <m:ctrlPr>
+                            <a:rPr lang="en-GB" i="1">
+                              <a:latin typeface="Cambria Math" charset="0"/>
+                            </a:rPr>
+                          </m:ctrlPr>
+                        </m:dPr>
+                        <m:e>
+                          <m:r>
+                            <a:rPr lang="en-GB" b="0" i="1" smtClean="0">
+                              <a:latin typeface="Cambria Math" charset="0"/>
+                            </a:rPr>
+                            <m:t>𝑛𝑜𝑡</m:t>
+                          </m:r>
+                          <m:r>
+                            <a:rPr lang="en-GB" b="0" i="1" smtClean="0">
+                              <a:latin typeface="Cambria Math" charset="0"/>
+                            </a:rPr>
+                            <m:t> </m:t>
+                          </m:r>
+                          <m:r>
+                            <a:rPr lang="en-GB" b="0" i="1" smtClean="0">
+                              <a:latin typeface="Cambria Math" charset="0"/>
+                            </a:rPr>
+                            <m:t>𝑎𝑙𝑙</m:t>
+                          </m:r>
+                          <m:r>
+                            <a:rPr lang="en-GB" b="0" i="1" smtClean="0">
+                              <a:latin typeface="Cambria Math" charset="0"/>
+                            </a:rPr>
+                            <m:t> </m:t>
+                          </m:r>
+                          <m:r>
+                            <a:rPr lang="en-GB" b="0" i="1" smtClean="0">
+                              <a:latin typeface="Cambria Math" charset="0"/>
+                            </a:rPr>
+                            <m:t>𝑓𝑎𝑖𝑙</m:t>
+                          </m:r>
+                        </m:e>
+                      </m:d>
+                      <m:r>
+                        <a:rPr lang="en-GB" i="1">
+                          <a:latin typeface="Cambria Math" charset="0"/>
+                        </a:rPr>
+                        <m:t>=</m:t>
+                      </m:r>
+                      <m:r>
+                        <a:rPr lang="en-GB" b="0" i="1" smtClean="0">
+                          <a:latin typeface="Cambria Math" charset="0"/>
+                        </a:rPr>
+                        <m:t>1−</m:t>
+                      </m:r>
+                      <m:r>
+                        <a:rPr lang="en-GB" i="1">
+                          <a:latin typeface="Cambria Math" charset="0"/>
+                        </a:rPr>
+                        <m:t>𝑃</m:t>
+                      </m:r>
+                      <m:d>
+                        <m:dPr>
+                          <m:ctrlPr>
+                            <a:rPr lang="en-GB" i="1">
+                              <a:latin typeface="Cambria Math" charset="0"/>
+                            </a:rPr>
+                          </m:ctrlPr>
+                        </m:dPr>
+                        <m:e>
+                          <m:r>
+                            <a:rPr lang="en-GB" b="0" i="1" smtClean="0">
+                              <a:latin typeface="Cambria Math" charset="0"/>
+                            </a:rPr>
+                            <m:t>𝑎𝑙𝑙</m:t>
+                          </m:r>
+                          <m:r>
+                            <a:rPr lang="en-GB" b="0" i="1" smtClean="0">
+                              <a:latin typeface="Cambria Math" charset="0"/>
+                            </a:rPr>
+                            <m:t> </m:t>
+                          </m:r>
+                          <m:r>
+                            <a:rPr lang="en-GB" b="0" i="1" smtClean="0">
+                              <a:latin typeface="Cambria Math" charset="0"/>
+                            </a:rPr>
+                            <m:t>𝑓𝑎𝑖𝑙</m:t>
+                          </m:r>
+                        </m:e>
+                      </m:d>
+                      <m:r>
+                        <a:rPr lang="en-GB" i="1">
+                          <a:latin typeface="Cambria Math" charset="0"/>
+                        </a:rPr>
+                        <m:t>=</m:t>
+                      </m:r>
+                      <m:r>
+                        <a:rPr lang="en-GB" b="0" i="1" smtClean="0">
+                          <a:latin typeface="Cambria Math" charset="0"/>
+                        </a:rPr>
+                        <m:t>1−</m:t>
+                      </m:r>
+                      <m:nary>
+                        <m:naryPr>
+                          <m:chr m:val="∑"/>
+                          <m:ctrlPr>
+                            <a:rPr lang="is-IS" i="1" smtClean="0">
+                              <a:latin typeface="Cambria Math" charset="0"/>
+                            </a:rPr>
+                          </m:ctrlPr>
+                        </m:naryPr>
+                        <m:sub>
+                          <m:r>
+                            <a:rPr lang="is-IS" i="1" smtClean="0">
+                              <a:latin typeface="Cambria Math" charset="0"/>
+                            </a:rPr>
+                            <m:t>𝑘</m:t>
+                          </m:r>
+                          <m:r>
+                            <a:rPr lang="is-IS" i="1" smtClean="0">
+                              <a:latin typeface="Cambria Math" charset="0"/>
+                            </a:rPr>
+                            <m:t>=1</m:t>
+                          </m:r>
+                        </m:sub>
+                        <m:sup>
+                          <m:r>
+                            <a:rPr lang="is-IS" i="1" smtClean="0">
+                              <a:latin typeface="Cambria Math" charset="0"/>
+                            </a:rPr>
+                            <m:t>𝑛</m:t>
+                          </m:r>
+                        </m:sup>
+                        <m:e>
+                          <m:sSub>
+                            <m:sSubPr>
+                              <m:ctrlPr>
+                                <a:rPr lang="en-US" b="0" i="1" smtClean="0">
+                                  <a:latin typeface="Cambria Math" charset="0"/>
+                                </a:rPr>
+                              </m:ctrlPr>
+                            </m:sSubPr>
+                            <m:e>
+                              <m:r>
+                                <a:rPr lang="en-GB" b="0" i="1" smtClean="0">
+                                  <a:latin typeface="Cambria Math" charset="0"/>
+                                </a:rPr>
+                                <m:t>𝑃</m:t>
+                              </m:r>
+                            </m:e>
+                            <m:sub>
+                              <m:r>
+                                <a:rPr lang="en-GB" b="0" i="1" smtClean="0">
+                                  <a:latin typeface="Cambria Math" charset="0"/>
+                                </a:rPr>
+                                <m:t>𝑘</m:t>
+                              </m:r>
+                            </m:sub>
+                          </m:sSub>
+                          <m:r>
+                            <a:rPr lang="en-GB" b="0" i="1" smtClean="0">
+                              <a:latin typeface="Cambria Math" charset="0"/>
+                            </a:rPr>
+                            <m:t>(</m:t>
+                          </m:r>
+                          <m:r>
+                            <a:rPr lang="en-GB" b="0" i="1" smtClean="0">
+                              <a:latin typeface="Cambria Math" charset="0"/>
+                            </a:rPr>
+                            <m:t>𝑓𝑎𝑖𝑙𝑢𝑟𝑒</m:t>
+                          </m:r>
+                          <m:r>
+                            <a:rPr lang="en-GB" b="0" i="1" smtClean="0">
+                              <a:latin typeface="Cambria Math" charset="0"/>
+                            </a:rPr>
+                            <m:t>) </m:t>
+                          </m:r>
+                        </m:e>
+                      </m:nary>
+                    </m:oMath>
+                  </m:oMathPara>
+                </a14:m>
+                <a:endParaRPr lang="en-US" dirty="0"/>
+              </a:p>
+            </p:txBody>
+          </p:sp>
+        </mc:Choice>
+        <mc:Fallback>
+          <p:sp>
+            <p:nvSpPr>
+              <p:cNvPr id="4" name="Rectangle 3"/>
+              <p:cNvSpPr>
+                <a:spLocks noRot="1" noChangeAspect="1" noMove="1" noResize="1" noEditPoints="1" noAdjustHandles="1" noChangeArrowheads="1" noChangeShapeType="1" noTextEdit="1"/>
+              </p:cNvSpPr>
+              <p:nvPr/>
+            </p:nvSpPr>
+            <p:spPr>
+              <a:xfrm>
+                <a:off x="1097280" y="2811612"/>
+                <a:ext cx="10058400" cy="848758"/>
+              </a:xfrm>
+              <a:prstGeom prst="rect">
+                <a:avLst/>
+              </a:prstGeom>
+              <a:blipFill rotWithShape="0">
+                <a:blip r:embed="rId2"/>
+                <a:stretch>
+                  <a:fillRect/>
+                </a:stretch>
+              </a:blipFill>
+            </p:spPr>
+            <p:txBody>
+              <a:bodyPr/>
+              <a:lstStyle/>
+              <a:p>
+                <a:r>
+                  <a:rPr lang="en-US">
+                    <a:noFill/>
+                  </a:rPr>
+                  <a:t> </a:t>
+                </a:r>
+              </a:p>
+            </p:txBody>
+          </p:sp>
+        </mc:Fallback>
+      </mc:AlternateContent>
     </p:spTree>
     <p:extLst>
       <p:ext uri="{BB962C8B-B14F-4D97-AF65-F5344CB8AC3E}">
-        <p14:creationId xmlns:p14="http://schemas.microsoft.com/office/powerpoint/2010/main" val="510056246"/>
+        <p14:creationId xmlns:p14="http://schemas.microsoft.com/office/powerpoint/2010/main" val="66338039"/>
       </p:ext>
     </p:extLst>
   </p:cSld>
@@ -4066,6 +4369,1065 @@
           <a:p>
             <a:r>
               <a:rPr lang="en-US" dirty="0" smtClean="0"/>
+              <a:t>Fault-tolerant model</a:t>
+            </a:r>
+            <a:endParaRPr lang="en-US" dirty="0"/>
+          </a:p>
+        </p:txBody>
+      </p:sp>
+      <p:sp>
+        <p:nvSpPr>
+          <p:cNvPr id="3" name="Content Placeholder 2"/>
+          <p:cNvSpPr>
+            <a:spLocks noGrp="1"/>
+          </p:cNvSpPr>
+          <p:nvPr>
+            <p:ph idx="1"/>
+          </p:nvPr>
+        </p:nvSpPr>
+        <p:spPr/>
+        <p:txBody>
+          <a:bodyPr/>
+          <a:lstStyle/>
+          <a:p>
+            <a:pPr lvl="0">
+              <a:buFont typeface="Arial" charset="0"/>
+              <a:buChar char="•"/>
+            </a:pPr>
+            <a:endParaRPr lang="en-US" dirty="0"/>
+          </a:p>
+        </p:txBody>
+      </p:sp>
+    </p:spTree>
+    <p:extLst>
+      <p:ext uri="{BB962C8B-B14F-4D97-AF65-F5344CB8AC3E}">
+        <p14:creationId xmlns:p14="http://schemas.microsoft.com/office/powerpoint/2010/main" val="1239322177"/>
+      </p:ext>
+    </p:extLst>
+  </p:cSld>
+  <p:clrMapOvr>
+    <a:masterClrMapping/>
+  </p:clrMapOvr>
+  <p:timing>
+    <p:tnLst>
+      <p:par>
+        <p:cTn id="1" dur="indefinite" restart="never" nodeType="tmRoot"/>
+      </p:par>
+    </p:tnLst>
+  </p:timing>
+</p:sld>
+</file>
+
+<file path=ppt/slides/slide12.xml><?xml version="1.0" encoding="utf-8"?>
+<p:sld xmlns:a="http://schemas.openxmlformats.org/drawingml/2006/main" xmlns:r="http://schemas.openxmlformats.org/officeDocument/2006/relationships" xmlns:p="http://schemas.openxmlformats.org/presentationml/2006/main">
+  <p:cSld>
+    <p:spTree>
+      <p:nvGrpSpPr>
+        <p:cNvPr id="1" name=""/>
+        <p:cNvGrpSpPr/>
+        <p:nvPr/>
+      </p:nvGrpSpPr>
+      <p:grpSpPr>
+        <a:xfrm>
+          <a:off x="0" y="0"/>
+          <a:ext cx="0" cy="0"/>
+          <a:chOff x="0" y="0"/>
+          <a:chExt cx="0" cy="0"/>
+        </a:xfrm>
+      </p:grpSpPr>
+      <p:sp>
+        <p:nvSpPr>
+          <p:cNvPr id="2" name="Title 1"/>
+          <p:cNvSpPr>
+            <a:spLocks noGrp="1"/>
+          </p:cNvSpPr>
+          <p:nvPr>
+            <p:ph type="title"/>
+          </p:nvPr>
+        </p:nvSpPr>
+        <p:spPr/>
+        <p:txBody>
+          <a:bodyPr/>
+          <a:lstStyle/>
+          <a:p>
+            <a:r>
+              <a:rPr lang="en-US" dirty="0" smtClean="0"/>
+              <a:t>Calvin</a:t>
+            </a:r>
+            <a:endParaRPr lang="en-US" dirty="0"/>
+          </a:p>
+        </p:txBody>
+      </p:sp>
+      <p:sp>
+        <p:nvSpPr>
+          <p:cNvPr id="3" name="Content Placeholder 2"/>
+          <p:cNvSpPr>
+            <a:spLocks noGrp="1"/>
+          </p:cNvSpPr>
+          <p:nvPr>
+            <p:ph idx="1"/>
+          </p:nvPr>
+        </p:nvSpPr>
+        <p:spPr/>
+        <p:txBody>
+          <a:bodyPr/>
+          <a:lstStyle/>
+          <a:p>
+            <a:pPr marL="0" indent="0">
+              <a:buNone/>
+            </a:pPr>
+            <a:r>
+              <a:rPr lang="en-US" dirty="0" smtClean="0"/>
+              <a:t>Calvin is an actor-based application environment for light-weight </a:t>
+            </a:r>
+            <a:r>
+              <a:rPr lang="en-US" dirty="0" err="1" smtClean="0"/>
+              <a:t>IoT</a:t>
+            </a:r>
+            <a:r>
+              <a:rPr lang="en-US" dirty="0" smtClean="0"/>
+              <a:t> applications. Its key components are </a:t>
+            </a:r>
+            <a:r>
+              <a:rPr lang="en-US" i="1" dirty="0" smtClean="0"/>
+              <a:t>runtimes</a:t>
+            </a:r>
+            <a:r>
+              <a:rPr lang="en-US" dirty="0" smtClean="0"/>
+              <a:t>, </a:t>
+            </a:r>
+            <a:r>
+              <a:rPr lang="en-US" i="1" dirty="0" smtClean="0"/>
+              <a:t>actors</a:t>
+            </a:r>
+            <a:r>
+              <a:rPr lang="en-US" dirty="0" smtClean="0"/>
+              <a:t>, and the use of </a:t>
+            </a:r>
+            <a:r>
+              <a:rPr lang="en-US" dirty="0" err="1" smtClean="0"/>
+              <a:t>Kademlia</a:t>
+            </a:r>
+            <a:r>
+              <a:rPr lang="en-US" dirty="0" smtClean="0"/>
+              <a:t>, a distributed hash table</a:t>
+            </a:r>
+          </a:p>
+        </p:txBody>
+      </p:sp>
+    </p:spTree>
+    <p:extLst>
+      <p:ext uri="{BB962C8B-B14F-4D97-AF65-F5344CB8AC3E}">
+        <p14:creationId xmlns:p14="http://schemas.microsoft.com/office/powerpoint/2010/main" val="1337557887"/>
+      </p:ext>
+    </p:extLst>
+  </p:cSld>
+  <p:clrMapOvr>
+    <a:masterClrMapping/>
+  </p:clrMapOvr>
+  <p:timing>
+    <p:tnLst>
+      <p:par>
+        <p:cTn id="1" dur="indefinite" restart="never" nodeType="tmRoot"/>
+      </p:par>
+    </p:tnLst>
+  </p:timing>
+</p:sld>
+</file>
+
+<file path=ppt/slides/slide13.xml><?xml version="1.0" encoding="utf-8"?>
+<p:sld xmlns:a="http://schemas.openxmlformats.org/drawingml/2006/main" xmlns:r="http://schemas.openxmlformats.org/officeDocument/2006/relationships" xmlns:p="http://schemas.openxmlformats.org/presentationml/2006/main">
+  <p:cSld>
+    <p:spTree>
+      <p:nvGrpSpPr>
+        <p:cNvPr id="1" name=""/>
+        <p:cNvGrpSpPr/>
+        <p:nvPr/>
+      </p:nvGrpSpPr>
+      <p:grpSpPr>
+        <a:xfrm>
+          <a:off x="0" y="0"/>
+          <a:ext cx="0" cy="0"/>
+          <a:chOff x="0" y="0"/>
+          <a:chExt cx="0" cy="0"/>
+        </a:xfrm>
+      </p:grpSpPr>
+      <p:sp>
+        <p:nvSpPr>
+          <p:cNvPr id="2" name="Title 1"/>
+          <p:cNvSpPr>
+            <a:spLocks noGrp="1"/>
+          </p:cNvSpPr>
+          <p:nvPr>
+            <p:ph type="title"/>
+          </p:nvPr>
+        </p:nvSpPr>
+        <p:spPr/>
+        <p:txBody>
+          <a:bodyPr/>
+          <a:lstStyle/>
+          <a:p>
+            <a:r>
+              <a:rPr lang="en-US" dirty="0" smtClean="0"/>
+              <a:t>Calvin - runtime</a:t>
+            </a:r>
+            <a:endParaRPr lang="en-US" dirty="0"/>
+          </a:p>
+        </p:txBody>
+      </p:sp>
+      <p:sp>
+        <p:nvSpPr>
+          <p:cNvPr id="3" name="Content Placeholder 2"/>
+          <p:cNvSpPr>
+            <a:spLocks noGrp="1"/>
+          </p:cNvSpPr>
+          <p:nvPr>
+            <p:ph idx="1"/>
+          </p:nvPr>
+        </p:nvSpPr>
+        <p:spPr/>
+        <p:txBody>
+          <a:bodyPr/>
+          <a:lstStyle/>
+          <a:p>
+            <a:pPr marL="0" indent="0">
+              <a:buNone/>
+            </a:pPr>
+            <a:r>
+              <a:rPr lang="en-US" dirty="0" smtClean="0"/>
+              <a:t>A Calvin runtime </a:t>
+            </a:r>
+            <a:r>
+              <a:rPr lang="en-US" dirty="0"/>
+              <a:t>is a self-managed container for application actors and </a:t>
+            </a:r>
+            <a:r>
+              <a:rPr lang="en-US" dirty="0" smtClean="0"/>
+              <a:t>provides </a:t>
+            </a:r>
+            <a:r>
+              <a:rPr lang="en-US" dirty="0"/>
+              <a:t>data transport between actors both within the same runtime and between </a:t>
+            </a:r>
+            <a:r>
+              <a:rPr lang="en-US" dirty="0" smtClean="0"/>
+              <a:t>different </a:t>
+            </a:r>
+            <a:r>
+              <a:rPr lang="en-US" dirty="0"/>
+              <a:t>runtimes</a:t>
+            </a:r>
+            <a:r>
+              <a:rPr lang="en-US" dirty="0" smtClean="0"/>
+              <a:t>.</a:t>
+            </a:r>
+            <a:endParaRPr lang="en-US" dirty="0"/>
+          </a:p>
+        </p:txBody>
+      </p:sp>
+    </p:spTree>
+    <p:extLst>
+      <p:ext uri="{BB962C8B-B14F-4D97-AF65-F5344CB8AC3E}">
+        <p14:creationId xmlns:p14="http://schemas.microsoft.com/office/powerpoint/2010/main" val="1184745539"/>
+      </p:ext>
+    </p:extLst>
+  </p:cSld>
+  <p:clrMapOvr>
+    <a:masterClrMapping/>
+  </p:clrMapOvr>
+  <p:timing>
+    <p:tnLst>
+      <p:par>
+        <p:cTn id="1" dur="indefinite" restart="never" nodeType="tmRoot"/>
+      </p:par>
+    </p:tnLst>
+  </p:timing>
+</p:sld>
+</file>
+
+<file path=ppt/slides/slide14.xml><?xml version="1.0" encoding="utf-8"?>
+<p:sld xmlns:a="http://schemas.openxmlformats.org/drawingml/2006/main" xmlns:r="http://schemas.openxmlformats.org/officeDocument/2006/relationships" xmlns:p="http://schemas.openxmlformats.org/presentationml/2006/main">
+  <p:cSld>
+    <p:spTree>
+      <p:nvGrpSpPr>
+        <p:cNvPr id="1" name=""/>
+        <p:cNvGrpSpPr/>
+        <p:nvPr/>
+      </p:nvGrpSpPr>
+      <p:grpSpPr>
+        <a:xfrm>
+          <a:off x="0" y="0"/>
+          <a:ext cx="0" cy="0"/>
+          <a:chOff x="0" y="0"/>
+          <a:chExt cx="0" cy="0"/>
+        </a:xfrm>
+      </p:grpSpPr>
+      <p:sp>
+        <p:nvSpPr>
+          <p:cNvPr id="2" name="Title 1"/>
+          <p:cNvSpPr>
+            <a:spLocks noGrp="1"/>
+          </p:cNvSpPr>
+          <p:nvPr>
+            <p:ph type="title"/>
+          </p:nvPr>
+        </p:nvSpPr>
+        <p:spPr/>
+        <p:txBody>
+          <a:bodyPr/>
+          <a:lstStyle/>
+          <a:p>
+            <a:r>
+              <a:rPr lang="en-US" dirty="0" smtClean="0"/>
+              <a:t>Calvin - actor</a:t>
+            </a:r>
+            <a:endParaRPr lang="en-US" dirty="0"/>
+          </a:p>
+        </p:txBody>
+      </p:sp>
+      <p:sp>
+        <p:nvSpPr>
+          <p:cNvPr id="3" name="Content Placeholder 2"/>
+          <p:cNvSpPr>
+            <a:spLocks noGrp="1"/>
+          </p:cNvSpPr>
+          <p:nvPr>
+            <p:ph idx="1"/>
+          </p:nvPr>
+        </p:nvSpPr>
+        <p:spPr/>
+        <p:txBody>
+          <a:bodyPr/>
+          <a:lstStyle/>
+          <a:p>
+            <a:pPr marL="0" indent="0">
+              <a:buNone/>
+            </a:pPr>
+            <a:r>
+              <a:rPr lang="en-US" dirty="0" smtClean="0"/>
+              <a:t>An actor in Calvin consists of ports, actions, and preconditions under which actions can fire.</a:t>
+            </a:r>
+          </a:p>
+          <a:p>
+            <a:pPr marL="0" indent="0">
+              <a:buNone/>
+            </a:pPr>
+            <a:r>
+              <a:rPr lang="en-US" dirty="0" smtClean="0"/>
+              <a:t>For each in-port there is a queue of messages, called tokens, to process. Each out-port has a queue of tokens to send to another actors in-port.</a:t>
+            </a:r>
+          </a:p>
+          <a:p>
+            <a:pPr marL="0" indent="0">
+              <a:buNone/>
+            </a:pPr>
+            <a:r>
+              <a:rPr lang="en-US" dirty="0" smtClean="0"/>
+              <a:t>The state of an actor is used when migration or replicating an actor and consists mainly of</a:t>
+            </a:r>
+          </a:p>
+          <a:p>
+            <a:pPr>
+              <a:buFont typeface="Arial" charset="0"/>
+              <a:buChar char="•"/>
+            </a:pPr>
+            <a:r>
+              <a:rPr lang="en-US" dirty="0" smtClean="0"/>
+              <a:t>The type of actor</a:t>
+            </a:r>
+          </a:p>
+          <a:p>
+            <a:pPr>
+              <a:buFont typeface="Arial" charset="0"/>
+              <a:buChar char="•"/>
+            </a:pPr>
+            <a:r>
+              <a:rPr lang="en-US" dirty="0" smtClean="0"/>
+              <a:t>Arguments needed to create the actor</a:t>
+            </a:r>
+          </a:p>
+          <a:p>
+            <a:pPr>
+              <a:buFont typeface="Arial" charset="0"/>
+              <a:buChar char="•"/>
+            </a:pPr>
+            <a:r>
+              <a:rPr lang="en-US" dirty="0" smtClean="0"/>
+              <a:t>Port connections information</a:t>
+            </a:r>
+          </a:p>
+          <a:p>
+            <a:pPr>
+              <a:buFont typeface="Arial" charset="0"/>
+              <a:buChar char="•"/>
+            </a:pPr>
+            <a:r>
+              <a:rPr lang="en-US" dirty="0" smtClean="0"/>
+              <a:t>Port queues</a:t>
+            </a:r>
+          </a:p>
+        </p:txBody>
+      </p:sp>
+    </p:spTree>
+    <p:extLst>
+      <p:ext uri="{BB962C8B-B14F-4D97-AF65-F5344CB8AC3E}">
+        <p14:creationId xmlns:p14="http://schemas.microsoft.com/office/powerpoint/2010/main" val="568983818"/>
+      </p:ext>
+    </p:extLst>
+  </p:cSld>
+  <p:clrMapOvr>
+    <a:masterClrMapping/>
+  </p:clrMapOvr>
+  <p:timing>
+    <p:tnLst>
+      <p:par>
+        <p:cTn id="1" dur="indefinite" restart="never" nodeType="tmRoot"/>
+      </p:par>
+    </p:tnLst>
+  </p:timing>
+</p:sld>
+</file>
+
+<file path=ppt/slides/slide15.xml><?xml version="1.0" encoding="utf-8"?>
+<p:sld xmlns:a="http://schemas.openxmlformats.org/drawingml/2006/main" xmlns:r="http://schemas.openxmlformats.org/officeDocument/2006/relationships" xmlns:p="http://schemas.openxmlformats.org/presentationml/2006/main">
+  <p:cSld>
+    <p:spTree>
+      <p:nvGrpSpPr>
+        <p:cNvPr id="1" name=""/>
+        <p:cNvGrpSpPr/>
+        <p:nvPr/>
+      </p:nvGrpSpPr>
+      <p:grpSpPr>
+        <a:xfrm>
+          <a:off x="0" y="0"/>
+          <a:ext cx="0" cy="0"/>
+          <a:chOff x="0" y="0"/>
+          <a:chExt cx="0" cy="0"/>
+        </a:xfrm>
+      </p:grpSpPr>
+      <p:sp>
+        <p:nvSpPr>
+          <p:cNvPr id="2" name="Title 1"/>
+          <p:cNvSpPr>
+            <a:spLocks noGrp="1"/>
+          </p:cNvSpPr>
+          <p:nvPr>
+            <p:ph type="title"/>
+          </p:nvPr>
+        </p:nvSpPr>
+        <p:spPr/>
+        <p:txBody>
+          <a:bodyPr/>
+          <a:lstStyle/>
+          <a:p>
+            <a:r>
+              <a:rPr lang="en-US" dirty="0" smtClean="0"/>
+              <a:t>Calvin - application</a:t>
+            </a:r>
+            <a:endParaRPr lang="en-US" dirty="0"/>
+          </a:p>
+        </p:txBody>
+      </p:sp>
+      <p:sp>
+        <p:nvSpPr>
+          <p:cNvPr id="3" name="Content Placeholder 2"/>
+          <p:cNvSpPr>
+            <a:spLocks noGrp="1"/>
+          </p:cNvSpPr>
+          <p:nvPr>
+            <p:ph idx="1"/>
+          </p:nvPr>
+        </p:nvSpPr>
+        <p:spPr/>
+        <p:txBody>
+          <a:bodyPr/>
+          <a:lstStyle/>
+          <a:p>
+            <a:pPr marL="0" indent="0">
+              <a:buNone/>
+            </a:pPr>
+            <a:r>
+              <a:rPr lang="en-US" dirty="0" smtClean="0"/>
+              <a:t>An application in Calvin is made up from a set of connected actors.</a:t>
+            </a:r>
+          </a:p>
+          <a:p>
+            <a:pPr marL="0" indent="0">
+              <a:buNone/>
+            </a:pPr>
+            <a:r>
+              <a:rPr lang="en-US" dirty="0" smtClean="0"/>
+              <a:t>Example:</a:t>
+            </a:r>
+            <a:endParaRPr lang="en-US" dirty="0"/>
+          </a:p>
+          <a:p>
+            <a:pPr marL="0" indent="0">
+              <a:buNone/>
+            </a:pPr>
+            <a:r>
+              <a:rPr lang="en-US" dirty="0" err="1" smtClean="0">
+                <a:latin typeface="Monaco" charset="0"/>
+                <a:ea typeface="Monaco" charset="0"/>
+                <a:cs typeface="Monaco" charset="0"/>
+              </a:rPr>
+              <a:t>src</a:t>
+            </a:r>
+            <a:r>
+              <a:rPr lang="en-US" dirty="0" smtClean="0">
+                <a:latin typeface="Monaco" charset="0"/>
+                <a:ea typeface="Monaco" charset="0"/>
+                <a:cs typeface="Monaco" charset="0"/>
+              </a:rPr>
+              <a:t> : </a:t>
+            </a:r>
+            <a:r>
+              <a:rPr lang="en-US" dirty="0" err="1" smtClean="0">
+                <a:latin typeface="Monaco" charset="0"/>
+                <a:ea typeface="Monaco" charset="0"/>
+                <a:cs typeface="Monaco" charset="0"/>
+              </a:rPr>
+              <a:t>std.CountTimer</a:t>
+            </a:r>
+            <a:r>
+              <a:rPr lang="en-US" dirty="0" smtClean="0">
+                <a:latin typeface="Monaco" charset="0"/>
+                <a:ea typeface="Monaco" charset="0"/>
+                <a:cs typeface="Monaco" charset="0"/>
+              </a:rPr>
+              <a:t>(sleep=0.5)</a:t>
+            </a:r>
+          </a:p>
+          <a:p>
+            <a:pPr marL="0" indent="0">
+              <a:buNone/>
+            </a:pPr>
+            <a:r>
+              <a:rPr lang="en-US" dirty="0" smtClean="0">
+                <a:latin typeface="Monaco" charset="0"/>
+                <a:ea typeface="Monaco" charset="0"/>
+                <a:cs typeface="Monaco" charset="0"/>
+              </a:rPr>
+              <a:t>id : </a:t>
+            </a:r>
+            <a:r>
+              <a:rPr lang="en-US" dirty="0" err="1" smtClean="0">
+                <a:latin typeface="Monaco" charset="0"/>
+                <a:ea typeface="Monaco" charset="0"/>
+                <a:cs typeface="Monaco" charset="0"/>
+              </a:rPr>
+              <a:t>std.Identity</a:t>
+            </a:r>
+            <a:r>
+              <a:rPr lang="en-US" dirty="0" smtClean="0">
+                <a:latin typeface="Monaco" charset="0"/>
+                <a:ea typeface="Monaco" charset="0"/>
+                <a:cs typeface="Monaco" charset="0"/>
+              </a:rPr>
+              <a:t>()</a:t>
+            </a:r>
+          </a:p>
+          <a:p>
+            <a:pPr marL="0" indent="0">
+              <a:buNone/>
+            </a:pPr>
+            <a:r>
+              <a:rPr lang="en-US" dirty="0" err="1" smtClean="0">
+                <a:latin typeface="Monaco" charset="0"/>
+                <a:ea typeface="Monaco" charset="0"/>
+                <a:cs typeface="Monaco" charset="0"/>
+              </a:rPr>
+              <a:t>snk</a:t>
+            </a:r>
+            <a:r>
+              <a:rPr lang="en-US" dirty="0" smtClean="0">
+                <a:latin typeface="Monaco" charset="0"/>
+                <a:ea typeface="Monaco" charset="0"/>
+                <a:cs typeface="Monaco" charset="0"/>
+              </a:rPr>
+              <a:t> : </a:t>
+            </a:r>
+            <a:r>
+              <a:rPr lang="en-US" dirty="0" err="1" smtClean="0">
+                <a:latin typeface="Monaco" charset="0"/>
+                <a:ea typeface="Monaco" charset="0"/>
+                <a:cs typeface="Monaco" charset="0"/>
+              </a:rPr>
+              <a:t>io.Print</a:t>
+            </a:r>
+            <a:r>
+              <a:rPr lang="en-US" dirty="0" smtClean="0">
+                <a:latin typeface="Monaco" charset="0"/>
+                <a:ea typeface="Monaco" charset="0"/>
+                <a:cs typeface="Monaco" charset="0"/>
+              </a:rPr>
+              <a:t>()</a:t>
+            </a:r>
+          </a:p>
+          <a:p>
+            <a:pPr marL="0" indent="0">
+              <a:buNone/>
+            </a:pPr>
+            <a:r>
+              <a:rPr lang="en-US" dirty="0" err="1" smtClean="0">
+                <a:latin typeface="Monaco" charset="0"/>
+                <a:ea typeface="Monaco" charset="0"/>
+                <a:cs typeface="Monaco" charset="0"/>
+              </a:rPr>
+              <a:t>src.integer</a:t>
+            </a:r>
+            <a:r>
+              <a:rPr lang="en-US" dirty="0" smtClean="0">
+                <a:latin typeface="Monaco" charset="0"/>
+                <a:ea typeface="Monaco" charset="0"/>
+                <a:cs typeface="Monaco" charset="0"/>
+              </a:rPr>
+              <a:t> </a:t>
+            </a:r>
+            <a:r>
+              <a:rPr lang="en-US" dirty="0">
+                <a:latin typeface="Monaco" charset="0"/>
+                <a:ea typeface="Monaco" charset="0"/>
+                <a:cs typeface="Monaco" charset="0"/>
+              </a:rPr>
+              <a:t>&gt; </a:t>
+            </a:r>
+            <a:r>
+              <a:rPr lang="en-US" dirty="0" err="1" smtClean="0">
+                <a:latin typeface="Monaco" charset="0"/>
+                <a:ea typeface="Monaco" charset="0"/>
+                <a:cs typeface="Monaco" charset="0"/>
+              </a:rPr>
+              <a:t>id.token</a:t>
+            </a:r>
+            <a:endParaRPr lang="en-US" dirty="0" smtClean="0">
+              <a:latin typeface="Monaco" charset="0"/>
+              <a:ea typeface="Monaco" charset="0"/>
+              <a:cs typeface="Monaco" charset="0"/>
+            </a:endParaRPr>
+          </a:p>
+          <a:p>
+            <a:pPr marL="0" indent="0">
+              <a:buNone/>
+            </a:pPr>
+            <a:r>
+              <a:rPr lang="en-US" dirty="0" err="1" smtClean="0">
+                <a:latin typeface="Monaco" charset="0"/>
+                <a:ea typeface="Monaco" charset="0"/>
+                <a:cs typeface="Monaco" charset="0"/>
+              </a:rPr>
+              <a:t>id.token</a:t>
+            </a:r>
+            <a:r>
+              <a:rPr lang="en-US" dirty="0" smtClean="0">
+                <a:latin typeface="Monaco" charset="0"/>
+                <a:ea typeface="Monaco" charset="0"/>
+                <a:cs typeface="Monaco" charset="0"/>
+              </a:rPr>
+              <a:t> &gt; </a:t>
+            </a:r>
+            <a:r>
+              <a:rPr lang="en-US" dirty="0" err="1" smtClean="0">
+                <a:latin typeface="Monaco" charset="0"/>
+                <a:ea typeface="Monaco" charset="0"/>
+                <a:cs typeface="Monaco" charset="0"/>
+              </a:rPr>
+              <a:t>snk.token</a:t>
+            </a:r>
+            <a:endParaRPr lang="en-US" dirty="0" smtClean="0">
+              <a:latin typeface="Monaco" charset="0"/>
+              <a:ea typeface="Monaco" charset="0"/>
+              <a:cs typeface="Monaco" charset="0"/>
+            </a:endParaRPr>
+          </a:p>
+        </p:txBody>
+      </p:sp>
+      <p:pic>
+        <p:nvPicPr>
+          <p:cNvPr id="4" name="Picture 3"/>
+          <p:cNvPicPr>
+            <a:picLocks noChangeAspect="1"/>
+          </p:cNvPicPr>
+          <p:nvPr/>
+        </p:nvPicPr>
+        <p:blipFill>
+          <a:blip r:embed="rId2">
+            <a:extLst>
+              <a:ext uri="{28A0092B-C50C-407E-A947-70E740481C1C}">
+                <a14:useLocalDpi xmlns:a14="http://schemas.microsoft.com/office/drawing/2010/main" val="0"/>
+              </a:ext>
+            </a:extLst>
+          </a:blip>
+          <a:stretch>
+            <a:fillRect/>
+          </a:stretch>
+        </p:blipFill>
+        <p:spPr>
+          <a:xfrm>
+            <a:off x="2557780" y="5053605"/>
+            <a:ext cx="7137400" cy="1041400"/>
+          </a:xfrm>
+          <a:prstGeom prst="rect">
+            <a:avLst/>
+          </a:prstGeom>
+        </p:spPr>
+      </p:pic>
+    </p:spTree>
+    <p:extLst>
+      <p:ext uri="{BB962C8B-B14F-4D97-AF65-F5344CB8AC3E}">
+        <p14:creationId xmlns:p14="http://schemas.microsoft.com/office/powerpoint/2010/main" val="1375119925"/>
+      </p:ext>
+    </p:extLst>
+  </p:cSld>
+  <p:clrMapOvr>
+    <a:masterClrMapping/>
+  </p:clrMapOvr>
+  <p:timing>
+    <p:tnLst>
+      <p:par>
+        <p:cTn id="1" dur="indefinite" restart="never" nodeType="tmRoot"/>
+      </p:par>
+    </p:tnLst>
+  </p:timing>
+</p:sld>
+</file>
+
+<file path=ppt/slides/slide16.xml><?xml version="1.0" encoding="utf-8"?>
+<p:sld xmlns:a="http://schemas.openxmlformats.org/drawingml/2006/main" xmlns:r="http://schemas.openxmlformats.org/officeDocument/2006/relationships" xmlns:p="http://schemas.openxmlformats.org/presentationml/2006/main">
+  <p:cSld>
+    <p:spTree>
+      <p:nvGrpSpPr>
+        <p:cNvPr id="1" name=""/>
+        <p:cNvGrpSpPr/>
+        <p:nvPr/>
+      </p:nvGrpSpPr>
+      <p:grpSpPr>
+        <a:xfrm>
+          <a:off x="0" y="0"/>
+          <a:ext cx="0" cy="0"/>
+          <a:chOff x="0" y="0"/>
+          <a:chExt cx="0" cy="0"/>
+        </a:xfrm>
+      </p:grpSpPr>
+      <p:pic>
+        <p:nvPicPr>
+          <p:cNvPr id="4" name="Picture 3"/>
+          <p:cNvPicPr>
+            <a:picLocks noChangeAspect="1"/>
+          </p:cNvPicPr>
+          <p:nvPr/>
+        </p:nvPicPr>
+        <p:blipFill>
+          <a:blip r:embed="rId2">
+            <a:extLst>
+              <a:ext uri="{28A0092B-C50C-407E-A947-70E740481C1C}">
+                <a14:useLocalDpi xmlns:a14="http://schemas.microsoft.com/office/drawing/2010/main" val="0"/>
+              </a:ext>
+            </a:extLst>
+          </a:blip>
+          <a:stretch>
+            <a:fillRect/>
+          </a:stretch>
+        </p:blipFill>
+        <p:spPr>
+          <a:xfrm>
+            <a:off x="6916885" y="3997263"/>
+            <a:ext cx="3948339" cy="1770430"/>
+          </a:xfrm>
+          <a:prstGeom prst="rect">
+            <a:avLst/>
+          </a:prstGeom>
+        </p:spPr>
+      </p:pic>
+      <p:sp>
+        <p:nvSpPr>
+          <p:cNvPr id="2" name="Title 1"/>
+          <p:cNvSpPr>
+            <a:spLocks noGrp="1"/>
+          </p:cNvSpPr>
+          <p:nvPr>
+            <p:ph type="title"/>
+          </p:nvPr>
+        </p:nvSpPr>
+        <p:spPr/>
+        <p:txBody>
+          <a:bodyPr/>
+          <a:lstStyle/>
+          <a:p>
+            <a:r>
+              <a:rPr lang="en-US" dirty="0" smtClean="0"/>
+              <a:t>Changes made to Calvin</a:t>
+            </a:r>
+            <a:endParaRPr lang="en-US" dirty="0"/>
+          </a:p>
+        </p:txBody>
+      </p:sp>
+      <p:sp>
+        <p:nvSpPr>
+          <p:cNvPr id="3" name="Content Placeholder 2"/>
+          <p:cNvSpPr>
+            <a:spLocks noGrp="1"/>
+          </p:cNvSpPr>
+          <p:nvPr>
+            <p:ph idx="1"/>
+          </p:nvPr>
+        </p:nvSpPr>
+        <p:spPr/>
+        <p:txBody>
+          <a:bodyPr/>
+          <a:lstStyle/>
+          <a:p>
+            <a:pPr>
+              <a:buFont typeface="Arial" charset="0"/>
+              <a:buChar char="•"/>
+            </a:pPr>
+            <a:r>
+              <a:rPr lang="en-US" dirty="0" smtClean="0"/>
+              <a:t>Replication</a:t>
+            </a:r>
+          </a:p>
+          <a:p>
+            <a:pPr>
+              <a:buFont typeface="Arial" charset="0"/>
+              <a:buChar char="•"/>
+            </a:pPr>
+            <a:r>
+              <a:rPr lang="en-US" dirty="0" smtClean="0"/>
+              <a:t>Fan-in/fan-out model – allowing </a:t>
+            </a:r>
+            <a:r>
+              <a:rPr lang="en-US" b="1" dirty="0" smtClean="0"/>
+              <a:t>multiple</a:t>
+            </a:r>
+            <a:r>
+              <a:rPr lang="en-US" dirty="0" smtClean="0"/>
+              <a:t> connections for an </a:t>
+            </a:r>
+            <a:r>
+              <a:rPr lang="en-US" b="1" dirty="0" err="1" smtClean="0"/>
+              <a:t>outport</a:t>
+            </a:r>
+            <a:r>
+              <a:rPr lang="en-US" b="1" dirty="0" smtClean="0"/>
+              <a:t> TODO (in or out?)</a:t>
+            </a:r>
+          </a:p>
+          <a:p>
+            <a:pPr>
+              <a:buFont typeface="Arial" charset="0"/>
+              <a:buChar char="•"/>
+            </a:pPr>
+            <a:r>
+              <a:rPr lang="en-US" dirty="0" smtClean="0"/>
+              <a:t>Heartbeat system setup by each runtime creating a Heartbeat actor</a:t>
+            </a:r>
+          </a:p>
+          <a:p>
+            <a:pPr lvl="1">
+              <a:buFont typeface="Arial" charset="0"/>
+              <a:buChar char="•"/>
+            </a:pPr>
+            <a:r>
+              <a:rPr lang="en-US" dirty="0" smtClean="0"/>
+              <a:t>Listens for heartbeats</a:t>
+            </a:r>
+          </a:p>
+          <a:p>
+            <a:pPr lvl="1">
+              <a:buFont typeface="Arial" charset="0"/>
+              <a:buChar char="•"/>
+            </a:pPr>
+            <a:r>
+              <a:rPr lang="en-US" dirty="0" smtClean="0"/>
+              <a:t>Send heartbeats to other runtimes</a:t>
+            </a:r>
+          </a:p>
+          <a:p>
+            <a:pPr>
+              <a:buFont typeface="Arial" charset="0"/>
+              <a:buChar char="•"/>
+            </a:pPr>
+            <a:r>
+              <a:rPr lang="en-US" dirty="0" smtClean="0"/>
+              <a:t>Resource reporter – reports CPU usage to the other runtimes</a:t>
+            </a:r>
+          </a:p>
+          <a:p>
+            <a:pPr>
+              <a:buFont typeface="Arial" charset="0"/>
+              <a:buChar char="•"/>
+            </a:pPr>
+            <a:r>
+              <a:rPr lang="en-US" dirty="0" smtClean="0"/>
+              <a:t>Lost node handler – handles lost node</a:t>
+            </a:r>
+          </a:p>
+          <a:p>
+            <a:pPr>
+              <a:buFont typeface="Arial" charset="0"/>
+              <a:buChar char="•"/>
+            </a:pPr>
+            <a:r>
+              <a:rPr lang="en-US" dirty="0" smtClean="0"/>
+              <a:t>Replicator – replicates actors</a:t>
+            </a:r>
+            <a:endParaRPr lang="en-US" dirty="0"/>
+          </a:p>
+          <a:p>
+            <a:pPr marL="0" indent="0">
+              <a:buNone/>
+            </a:pPr>
+            <a:endParaRPr lang="en-US" b="1" dirty="0"/>
+          </a:p>
+        </p:txBody>
+      </p:sp>
+    </p:spTree>
+    <p:extLst>
+      <p:ext uri="{BB962C8B-B14F-4D97-AF65-F5344CB8AC3E}">
+        <p14:creationId xmlns:p14="http://schemas.microsoft.com/office/powerpoint/2010/main" val="510056246"/>
+      </p:ext>
+    </p:extLst>
+  </p:cSld>
+  <p:clrMapOvr>
+    <a:masterClrMapping/>
+  </p:clrMapOvr>
+  <p:timing>
+    <p:tnLst>
+      <p:par>
+        <p:cTn id="1" dur="indefinite" restart="never" nodeType="tmRoot"/>
+      </p:par>
+    </p:tnLst>
+  </p:timing>
+</p:sld>
+</file>
+
+<file path=ppt/slides/slide17.xml><?xml version="1.0" encoding="utf-8"?>
+<p:sld xmlns:a="http://schemas.openxmlformats.org/drawingml/2006/main" xmlns:r="http://schemas.openxmlformats.org/officeDocument/2006/relationships" xmlns:p="http://schemas.openxmlformats.org/presentationml/2006/main">
+  <p:cSld>
+    <p:spTree>
+      <p:nvGrpSpPr>
+        <p:cNvPr id="1" name=""/>
+        <p:cNvGrpSpPr/>
+        <p:nvPr/>
+      </p:nvGrpSpPr>
+      <p:grpSpPr>
+        <a:xfrm>
+          <a:off x="0" y="0"/>
+          <a:ext cx="0" cy="0"/>
+          <a:chOff x="0" y="0"/>
+          <a:chExt cx="0" cy="0"/>
+        </a:xfrm>
+      </p:grpSpPr>
+      <p:sp>
+        <p:nvSpPr>
+          <p:cNvPr id="2" name="Title 1"/>
+          <p:cNvSpPr>
+            <a:spLocks noGrp="1"/>
+          </p:cNvSpPr>
+          <p:nvPr>
+            <p:ph type="title"/>
+          </p:nvPr>
+        </p:nvSpPr>
+        <p:spPr/>
+        <p:txBody>
+          <a:bodyPr/>
+          <a:lstStyle/>
+          <a:p>
+            <a:r>
+              <a:rPr lang="en-US" dirty="0" smtClean="0"/>
+              <a:t>Ensuring reliability recap</a:t>
+            </a:r>
+            <a:endParaRPr lang="en-US" dirty="0"/>
+          </a:p>
+        </p:txBody>
+      </p:sp>
+      <p:sp>
+        <p:nvSpPr>
+          <p:cNvPr id="3" name="Content Placeholder 2"/>
+          <p:cNvSpPr>
+            <a:spLocks noGrp="1"/>
+          </p:cNvSpPr>
+          <p:nvPr>
+            <p:ph idx="1"/>
+          </p:nvPr>
+        </p:nvSpPr>
+        <p:spPr/>
+        <p:txBody>
+          <a:bodyPr/>
+          <a:lstStyle/>
+          <a:p>
+            <a:pPr>
+              <a:buFont typeface="Arial" charset="0"/>
+              <a:buChar char="•"/>
+            </a:pPr>
+            <a:r>
+              <a:rPr lang="en-US" dirty="0" smtClean="0"/>
+              <a:t>Goal is to provide a certain level of reliability</a:t>
+            </a:r>
+            <a:endParaRPr lang="en-US" dirty="0"/>
+          </a:p>
+          <a:p>
+            <a:pPr marL="0" indent="0">
+              <a:buNone/>
+            </a:pPr>
+            <a:endParaRPr lang="en-US" b="1" dirty="0"/>
+          </a:p>
+        </p:txBody>
+      </p:sp>
+    </p:spTree>
+    <p:extLst>
+      <p:ext uri="{BB962C8B-B14F-4D97-AF65-F5344CB8AC3E}">
+        <p14:creationId xmlns:p14="http://schemas.microsoft.com/office/powerpoint/2010/main" val="897389477"/>
+      </p:ext>
+    </p:extLst>
+  </p:cSld>
+  <p:clrMapOvr>
+    <a:masterClrMapping/>
+  </p:clrMapOvr>
+  <p:timing>
+    <p:tnLst>
+      <p:par>
+        <p:cTn id="1" dur="indefinite" restart="never" nodeType="tmRoot"/>
+      </p:par>
+    </p:tnLst>
+  </p:timing>
+</p:sld>
+</file>
+
+<file path=ppt/slides/slide18.xml><?xml version="1.0" encoding="utf-8"?>
+<p:sld xmlns:a="http://schemas.openxmlformats.org/drawingml/2006/main" xmlns:r="http://schemas.openxmlformats.org/officeDocument/2006/relationships" xmlns:p="http://schemas.openxmlformats.org/presentationml/2006/main">
+  <p:cSld>
+    <p:spTree>
+      <p:nvGrpSpPr>
+        <p:cNvPr id="1" name=""/>
+        <p:cNvGrpSpPr/>
+        <p:nvPr/>
+      </p:nvGrpSpPr>
+      <p:grpSpPr>
+        <a:xfrm>
+          <a:off x="0" y="0"/>
+          <a:ext cx="0" cy="0"/>
+          <a:chOff x="0" y="0"/>
+          <a:chExt cx="0" cy="0"/>
+        </a:xfrm>
+      </p:grpSpPr>
+      <p:sp>
+        <p:nvSpPr>
+          <p:cNvPr id="2" name="Title 1"/>
+          <p:cNvSpPr>
+            <a:spLocks noGrp="1"/>
+          </p:cNvSpPr>
+          <p:nvPr>
+            <p:ph type="title"/>
+          </p:nvPr>
+        </p:nvSpPr>
+        <p:spPr/>
+        <p:txBody>
+          <a:bodyPr/>
+          <a:lstStyle/>
+          <a:p>
+            <a:r>
+              <a:rPr lang="en-US" dirty="0" smtClean="0"/>
               <a:t>Handling node failure</a:t>
             </a:r>
             <a:endParaRPr lang="en-US" dirty="0"/>
@@ -4089,9 +5451,8 @@
           </a:bodyPr>
           <a:lstStyle/>
           <a:p>
-            <a:pPr>
-              <a:buFont typeface="Arial" charset="0"/>
-              <a:buChar char="•"/>
+            <a:pPr marL="0" indent="0">
+              <a:buNone/>
             </a:pPr>
             <a:r>
               <a:rPr lang="en-US" dirty="0" smtClean="0"/>
@@ -4179,7 +5540,7 @@
 </p:sld>
 </file>
 
-<file path=ppt/slides/slide12.xml><?xml version="1.0" encoding="utf-8"?>
+<file path=ppt/slides/slide19.xml><?xml version="1.0" encoding="utf-8"?>
 <p:sld xmlns:a="http://schemas.openxmlformats.org/drawingml/2006/main" xmlns:r="http://schemas.openxmlformats.org/officeDocument/2006/relationships" xmlns:p="http://schemas.openxmlformats.org/presentationml/2006/main">
   <p:cSld>
     <p:spTree>
@@ -4268,7 +5629,170 @@
 </p:sld>
 </file>
 
-<file path=ppt/slides/slide13.xml><?xml version="1.0" encoding="utf-8"?>
+<file path=ppt/slides/slide2.xml><?xml version="1.0" encoding="utf-8"?>
+<p:sld xmlns:a="http://schemas.openxmlformats.org/drawingml/2006/main" xmlns:r="http://schemas.openxmlformats.org/officeDocument/2006/relationships" xmlns:p="http://schemas.openxmlformats.org/presentationml/2006/main">
+  <p:cSld>
+    <p:spTree>
+      <p:nvGrpSpPr>
+        <p:cNvPr id="1" name=""/>
+        <p:cNvGrpSpPr/>
+        <p:nvPr/>
+      </p:nvGrpSpPr>
+      <p:grpSpPr>
+        <a:xfrm>
+          <a:off x="0" y="0"/>
+          <a:ext cx="0" cy="0"/>
+          <a:chOff x="0" y="0"/>
+          <a:chExt cx="0" cy="0"/>
+        </a:xfrm>
+      </p:grpSpPr>
+      <p:sp>
+        <p:nvSpPr>
+          <p:cNvPr id="2" name="Title 1"/>
+          <p:cNvSpPr>
+            <a:spLocks noGrp="1"/>
+          </p:cNvSpPr>
+          <p:nvPr>
+            <p:ph type="title"/>
+          </p:nvPr>
+        </p:nvSpPr>
+        <p:spPr/>
+        <p:txBody>
+          <a:bodyPr/>
+          <a:lstStyle/>
+          <a:p>
+            <a:r>
+              <a:rPr lang="en-US" dirty="0" smtClean="0"/>
+              <a:t>Agenda</a:t>
+            </a:r>
+            <a:endParaRPr lang="en-US" dirty="0"/>
+          </a:p>
+        </p:txBody>
+      </p:sp>
+      <p:sp>
+        <p:nvSpPr>
+          <p:cNvPr id="3" name="Content Placeholder 2"/>
+          <p:cNvSpPr>
+            <a:spLocks noGrp="1"/>
+          </p:cNvSpPr>
+          <p:nvPr>
+            <p:ph idx="1"/>
+          </p:nvPr>
+        </p:nvSpPr>
+        <p:spPr/>
+        <p:txBody>
+          <a:bodyPr/>
+          <a:lstStyle/>
+          <a:p>
+            <a:pPr marL="457200" indent="-457200">
+              <a:buFont typeface="+mj-lt"/>
+              <a:buAutoNum type="arabicPeriod"/>
+            </a:pPr>
+            <a:r>
+              <a:rPr lang="en-US" dirty="0" smtClean="0"/>
+              <a:t>Introduction</a:t>
+            </a:r>
+          </a:p>
+          <a:p>
+            <a:pPr marL="457200" indent="-457200">
+              <a:buFont typeface="+mj-lt"/>
+              <a:buAutoNum type="arabicPeriod"/>
+            </a:pPr>
+            <a:r>
+              <a:rPr lang="en-US" dirty="0" smtClean="0"/>
+              <a:t>Related work</a:t>
+            </a:r>
+          </a:p>
+          <a:p>
+            <a:pPr marL="457200" indent="-457200">
+              <a:buFont typeface="+mj-lt"/>
+              <a:buAutoNum type="arabicPeriod"/>
+            </a:pPr>
+            <a:r>
+              <a:rPr lang="en-US" dirty="0" smtClean="0"/>
+              <a:t>System model</a:t>
+            </a:r>
+          </a:p>
+          <a:p>
+            <a:pPr marL="457200" indent="-457200">
+              <a:buFont typeface="+mj-lt"/>
+              <a:buAutoNum type="arabicPeriod"/>
+            </a:pPr>
+            <a:r>
+              <a:rPr lang="en-US" dirty="0" smtClean="0"/>
+              <a:t>Reliability model</a:t>
+            </a:r>
+          </a:p>
+          <a:p>
+            <a:pPr marL="457200" indent="-457200">
+              <a:buFont typeface="+mj-lt"/>
+              <a:buAutoNum type="arabicPeriod"/>
+            </a:pPr>
+            <a:r>
+              <a:rPr lang="en-US" dirty="0" smtClean="0"/>
+              <a:t>Self-adapting model</a:t>
+            </a:r>
+          </a:p>
+          <a:p>
+            <a:pPr marL="457200" indent="-457200">
+              <a:buFont typeface="+mj-lt"/>
+              <a:buAutoNum type="arabicPeriod"/>
+            </a:pPr>
+            <a:r>
+              <a:rPr lang="en-US" dirty="0" smtClean="0"/>
+              <a:t>Calvin</a:t>
+            </a:r>
+          </a:p>
+          <a:p>
+            <a:pPr marL="457200" indent="-457200">
+              <a:buFont typeface="+mj-lt"/>
+              <a:buAutoNum type="arabicPeriod"/>
+            </a:pPr>
+            <a:r>
+              <a:rPr lang="en-US" dirty="0" smtClean="0"/>
+              <a:t>Implementation</a:t>
+            </a:r>
+          </a:p>
+          <a:p>
+            <a:pPr marL="457200" indent="-457200">
+              <a:buFont typeface="+mj-lt"/>
+              <a:buAutoNum type="arabicPeriod"/>
+            </a:pPr>
+            <a:r>
+              <a:rPr lang="en-US" dirty="0" smtClean="0"/>
+              <a:t>Experiments</a:t>
+            </a:r>
+          </a:p>
+          <a:p>
+            <a:pPr marL="457200" indent="-457200">
+              <a:buFont typeface="+mj-lt"/>
+              <a:buAutoNum type="arabicPeriod"/>
+            </a:pPr>
+            <a:endParaRPr lang="en-US" dirty="0"/>
+          </a:p>
+        </p:txBody>
+      </p:sp>
+    </p:spTree>
+    <p:extLst>
+      <p:ext uri="{BB962C8B-B14F-4D97-AF65-F5344CB8AC3E}">
+        <p14:creationId xmlns:p14="http://schemas.microsoft.com/office/powerpoint/2010/main" val="658915606"/>
+      </p:ext>
+    </p:extLst>
+  </p:cSld>
+  <p:clrMapOvr>
+    <a:masterClrMapping/>
+  </p:clrMapOvr>
+  <p:timing>
+    <p:tnLst>
+      <p:par>
+        <p:cTn id="1" dur="indefinite" restart="never" nodeType="tmRoot"/>
+      </p:par>
+    </p:tnLst>
+  </p:timing>
+</p:sld>
+</file>
+
+<file path=ppt/slides/slide20.xml><?xml version="1.0" encoding="utf-8"?>
 <p:sld xmlns:a="http://schemas.openxmlformats.org/drawingml/2006/main" xmlns:r="http://schemas.openxmlformats.org/officeDocument/2006/relationships" xmlns:p="http://schemas.openxmlformats.org/presentationml/2006/main">
   <p:cSld>
     <p:spTree>
@@ -4357,7 +5881,7 @@
 </p:sld>
 </file>
 
-<file path=ppt/slides/slide14.xml><?xml version="1.0" encoding="utf-8"?>
+<file path=ppt/slides/slide21.xml><?xml version="1.0" encoding="utf-8"?>
 <p:sld xmlns:a="http://schemas.openxmlformats.org/drawingml/2006/main" xmlns:r="http://schemas.openxmlformats.org/officeDocument/2006/relationships" xmlns:p="http://schemas.openxmlformats.org/presentationml/2006/main">
   <p:cSld>
     <p:spTree>
@@ -4446,7 +5970,7 @@
 </p:sld>
 </file>
 
-<file path=ppt/slides/slide15.xml><?xml version="1.0" encoding="utf-8"?>
+<file path=ppt/slides/slide22.xml><?xml version="1.0" encoding="utf-8"?>
 <p:sld xmlns:a="http://schemas.openxmlformats.org/drawingml/2006/main" xmlns:r="http://schemas.openxmlformats.org/officeDocument/2006/relationships" xmlns:p="http://schemas.openxmlformats.org/presentationml/2006/main">
   <p:cSld>
     <p:spTree>
@@ -4535,7 +6059,7 @@
 </p:sld>
 </file>
 
-<file path=ppt/slides/slide16.xml><?xml version="1.0" encoding="utf-8"?>
+<file path=ppt/slides/slide23.xml><?xml version="1.0" encoding="utf-8"?>
 <p:sld xmlns:a="http://schemas.openxmlformats.org/drawingml/2006/main" xmlns:r="http://schemas.openxmlformats.org/officeDocument/2006/relationships" xmlns:p="http://schemas.openxmlformats.org/presentationml/2006/main">
   <p:cSld>
     <p:spTree>
@@ -4614,10 +6138,195 @@
   <p:clrMapOvr>
     <a:masterClrMapping/>
   </p:clrMapOvr>
+  <p:timing>
+    <p:tnLst>
+      <p:par>
+        <p:cTn id="1" dur="indefinite" restart="never" nodeType="tmRoot"/>
+      </p:par>
+    </p:tnLst>
+  </p:timing>
 </p:sld>
 </file>
 
-<file path=ppt/slides/slide17.xml><?xml version="1.0" encoding="utf-8"?>
+<file path=ppt/slides/slide24.xml><?xml version="1.0" encoding="utf-8"?>
+<p:sld xmlns:a="http://schemas.openxmlformats.org/drawingml/2006/main" xmlns:r="http://schemas.openxmlformats.org/officeDocument/2006/relationships" xmlns:p="http://schemas.openxmlformats.org/presentationml/2006/main">
+  <p:cSld>
+    <p:spTree>
+      <p:nvGrpSpPr>
+        <p:cNvPr id="1" name=""/>
+        <p:cNvGrpSpPr/>
+        <p:nvPr/>
+      </p:nvGrpSpPr>
+      <p:grpSpPr>
+        <a:xfrm>
+          <a:off x="0" y="0"/>
+          <a:ext cx="0" cy="0"/>
+          <a:chOff x="0" y="0"/>
+          <a:chExt cx="0" cy="0"/>
+        </a:xfrm>
+      </p:grpSpPr>
+      <p:sp>
+        <p:nvSpPr>
+          <p:cNvPr id="2" name="Title 1"/>
+          <p:cNvSpPr>
+            <a:spLocks noGrp="1"/>
+          </p:cNvSpPr>
+          <p:nvPr>
+            <p:ph type="title"/>
+          </p:nvPr>
+        </p:nvSpPr>
+        <p:spPr/>
+        <p:txBody>
+          <a:bodyPr/>
+          <a:lstStyle/>
+          <a:p>
+            <a:r>
+              <a:rPr lang="en-US" dirty="0" smtClean="0"/>
+              <a:t>Example – before failure</a:t>
+            </a:r>
+            <a:endParaRPr lang="en-US" dirty="0"/>
+          </a:p>
+        </p:txBody>
+      </p:sp>
+      <p:pic>
+        <p:nvPicPr>
+          <p:cNvPr id="4" name="Content Placeholder 3"/>
+          <p:cNvPicPr>
+            <a:picLocks noGrp="1" noChangeAspect="1"/>
+          </p:cNvPicPr>
+          <p:nvPr>
+            <p:ph idx="1"/>
+          </p:nvPr>
+        </p:nvPicPr>
+        <p:blipFill>
+          <a:blip r:embed="rId2">
+            <a:extLst>
+              <a:ext uri="{28A0092B-C50C-407E-A947-70E740481C1C}">
+                <a14:useLocalDpi xmlns:a14="http://schemas.microsoft.com/office/drawing/2010/main" val="0"/>
+              </a:ext>
+            </a:extLst>
+          </a:blip>
+          <a:stretch>
+            <a:fillRect/>
+          </a:stretch>
+        </p:blipFill>
+        <p:spPr>
+          <a:xfrm>
+            <a:off x="2557463" y="2066925"/>
+            <a:ext cx="7137400" cy="3581400"/>
+          </a:xfrm>
+        </p:spPr>
+      </p:pic>
+    </p:spTree>
+    <p:extLst>
+      <p:ext uri="{BB962C8B-B14F-4D97-AF65-F5344CB8AC3E}">
+        <p14:creationId xmlns:p14="http://schemas.microsoft.com/office/powerpoint/2010/main" val="2115683498"/>
+      </p:ext>
+    </p:extLst>
+  </p:cSld>
+  <p:clrMapOvr>
+    <a:masterClrMapping/>
+  </p:clrMapOvr>
+  <p:timing>
+    <p:tnLst>
+      <p:par>
+        <p:cTn id="1" dur="indefinite" restart="never" nodeType="tmRoot"/>
+      </p:par>
+    </p:tnLst>
+  </p:timing>
+</p:sld>
+</file>
+
+<file path=ppt/slides/slide25.xml><?xml version="1.0" encoding="utf-8"?>
+<p:sld xmlns:a="http://schemas.openxmlformats.org/drawingml/2006/main" xmlns:r="http://schemas.openxmlformats.org/officeDocument/2006/relationships" xmlns:p="http://schemas.openxmlformats.org/presentationml/2006/main">
+  <p:cSld>
+    <p:spTree>
+      <p:nvGrpSpPr>
+        <p:cNvPr id="1" name=""/>
+        <p:cNvGrpSpPr/>
+        <p:nvPr/>
+      </p:nvGrpSpPr>
+      <p:grpSpPr>
+        <a:xfrm>
+          <a:off x="0" y="0"/>
+          <a:ext cx="0" cy="0"/>
+          <a:chOff x="0" y="0"/>
+          <a:chExt cx="0" cy="0"/>
+        </a:xfrm>
+      </p:grpSpPr>
+      <p:sp>
+        <p:nvSpPr>
+          <p:cNvPr id="2" name="Title 1"/>
+          <p:cNvSpPr>
+            <a:spLocks noGrp="1"/>
+          </p:cNvSpPr>
+          <p:nvPr>
+            <p:ph type="title"/>
+          </p:nvPr>
+        </p:nvSpPr>
+        <p:spPr/>
+        <p:txBody>
+          <a:bodyPr/>
+          <a:lstStyle/>
+          <a:p>
+            <a:r>
+              <a:rPr lang="en-US" dirty="0" smtClean="0"/>
+              <a:t>Example – after failure</a:t>
+            </a:r>
+            <a:endParaRPr lang="en-US" dirty="0"/>
+          </a:p>
+        </p:txBody>
+      </p:sp>
+      <p:pic>
+        <p:nvPicPr>
+          <p:cNvPr id="5" name="Content Placeholder 4"/>
+          <p:cNvPicPr>
+            <a:picLocks noGrp="1" noChangeAspect="1"/>
+          </p:cNvPicPr>
+          <p:nvPr>
+            <p:ph idx="1"/>
+          </p:nvPr>
+        </p:nvPicPr>
+        <p:blipFill>
+          <a:blip r:embed="rId2">
+            <a:extLst>
+              <a:ext uri="{28A0092B-C50C-407E-A947-70E740481C1C}">
+                <a14:useLocalDpi xmlns:a14="http://schemas.microsoft.com/office/drawing/2010/main" val="0"/>
+              </a:ext>
+            </a:extLst>
+          </a:blip>
+          <a:stretch>
+            <a:fillRect/>
+          </a:stretch>
+        </p:blipFill>
+        <p:spPr>
+          <a:xfrm>
+            <a:off x="2557463" y="2060575"/>
+            <a:ext cx="7137400" cy="3594100"/>
+          </a:xfrm>
+        </p:spPr>
+      </p:pic>
+    </p:spTree>
+    <p:extLst>
+      <p:ext uri="{BB962C8B-B14F-4D97-AF65-F5344CB8AC3E}">
+        <p14:creationId xmlns:p14="http://schemas.microsoft.com/office/powerpoint/2010/main" val="1807284448"/>
+      </p:ext>
+    </p:extLst>
+  </p:cSld>
+  <p:clrMapOvr>
+    <a:masterClrMapping/>
+  </p:clrMapOvr>
+  <p:timing>
+    <p:tnLst>
+      <p:par>
+        <p:cTn id="1" dur="indefinite" restart="never" nodeType="tmRoot"/>
+      </p:par>
+    </p:tnLst>
+  </p:timing>
+</p:sld>
+</file>
+
+<file path=ppt/slides/slide26.xml><?xml version="1.0" encoding="utf-8"?>
 <p:sld xmlns:a="http://schemas.openxmlformats.org/drawingml/2006/main" xmlns:r="http://schemas.openxmlformats.org/officeDocument/2006/relationships" xmlns:p="http://schemas.openxmlformats.org/presentationml/2006/main">
   <p:cSld>
     <p:spTree>
@@ -4750,7 +6459,7 @@
 </p:sld>
 </file>
 
-<file path=ppt/slides/slide18.xml><?xml version="1.0" encoding="utf-8"?>
+<file path=ppt/slides/slide27.xml><?xml version="1.0" encoding="utf-8"?>
 <p:sld xmlns:a="http://schemas.openxmlformats.org/drawingml/2006/main" xmlns:r="http://schemas.openxmlformats.org/officeDocument/2006/relationships" xmlns:p="http://schemas.openxmlformats.org/presentationml/2006/main">
   <p:cSld>
     <p:spTree>
@@ -4896,6 +6605,61 @@
               <a:t> </a:t>
             </a:r>
             <a:endParaRPr lang="en-US" dirty="0" smtClean="0"/>
+          </a:p>
+          <a:p>
+            <a:pPr>
+              <a:buFont typeface="Arial" charset="0"/>
+              <a:buChar char="•"/>
+            </a:pPr>
+            <a:endParaRPr lang="en-US" dirty="0" smtClean="0"/>
+          </a:p>
+          <a:p>
+            <a:pPr>
+              <a:buFont typeface="Arial" charset="0"/>
+              <a:buChar char="•"/>
+            </a:pPr>
+            <a:r>
+              <a:rPr lang="en-US" dirty="0" smtClean="0"/>
+              <a:t>The average time </a:t>
+            </a:r>
+            <a:r>
+              <a:rPr lang="en-US" i="1" dirty="0" smtClean="0"/>
+              <a:t>t</a:t>
+            </a:r>
+            <a:r>
+              <a:rPr lang="en-US" dirty="0" smtClean="0"/>
+              <a:t> in the experiments were 520 </a:t>
+            </a:r>
+            <a:r>
+              <a:rPr lang="en-US" dirty="0" err="1" smtClean="0"/>
+              <a:t>ms.</a:t>
+            </a:r>
+            <a:endParaRPr lang="en-US" dirty="0" smtClean="0"/>
+          </a:p>
+          <a:p>
+            <a:pPr lvl="1">
+              <a:buFont typeface="Arial" charset="0"/>
+              <a:buChar char="•"/>
+            </a:pPr>
+            <a:r>
+              <a:rPr lang="en-US" dirty="0" smtClean="0"/>
+              <a:t>Of which 500 </a:t>
+            </a:r>
+            <a:r>
+              <a:rPr lang="en-US" dirty="0" err="1" smtClean="0"/>
+              <a:t>ms</a:t>
+            </a:r>
+            <a:r>
+              <a:rPr lang="en-US" dirty="0" smtClean="0"/>
+              <a:t> were the upper bound for detecting</a:t>
+            </a:r>
+            <a:br>
+              <a:rPr lang="en-US" dirty="0" smtClean="0"/>
+            </a:br>
+            <a:r>
+              <a:rPr lang="en-US" dirty="0" smtClean="0"/>
+              <a:t>node failures</a:t>
+            </a:r>
           </a:p>
           <a:p>
             <a:endParaRPr lang="en-US" dirty="0"/>
@@ -4958,7 +6722,7 @@
 </p:sld>
 </file>
 
-<file path=ppt/slides/slide19.xml><?xml version="1.0" encoding="utf-8"?>
+<file path=ppt/slides/slide28.xml><?xml version="1.0" encoding="utf-8"?>
 <p:sld xmlns:a="http://schemas.openxmlformats.org/drawingml/2006/main" xmlns:r="http://schemas.openxmlformats.org/officeDocument/2006/relationships" xmlns:p="http://schemas.openxmlformats.org/presentationml/2006/main">
   <p:cSld>
     <p:spTree>
@@ -5084,170 +6848,7 @@
 </p:sld>
 </file>
 
-<file path=ppt/slides/slide2.xml><?xml version="1.0" encoding="utf-8"?>
-<p:sld xmlns:a="http://schemas.openxmlformats.org/drawingml/2006/main" xmlns:r="http://schemas.openxmlformats.org/officeDocument/2006/relationships" xmlns:p="http://schemas.openxmlformats.org/presentationml/2006/main">
-  <p:cSld>
-    <p:spTree>
-      <p:nvGrpSpPr>
-        <p:cNvPr id="1" name=""/>
-        <p:cNvGrpSpPr/>
-        <p:nvPr/>
-      </p:nvGrpSpPr>
-      <p:grpSpPr>
-        <a:xfrm>
-          <a:off x="0" y="0"/>
-          <a:ext cx="0" cy="0"/>
-          <a:chOff x="0" y="0"/>
-          <a:chExt cx="0" cy="0"/>
-        </a:xfrm>
-      </p:grpSpPr>
-      <p:sp>
-        <p:nvSpPr>
-          <p:cNvPr id="2" name="Title 1"/>
-          <p:cNvSpPr>
-            <a:spLocks noGrp="1"/>
-          </p:cNvSpPr>
-          <p:nvPr>
-            <p:ph type="title"/>
-          </p:nvPr>
-        </p:nvSpPr>
-        <p:spPr/>
-        <p:txBody>
-          <a:bodyPr/>
-          <a:lstStyle/>
-          <a:p>
-            <a:r>
-              <a:rPr lang="en-US" dirty="0" smtClean="0"/>
-              <a:t>Agenda</a:t>
-            </a:r>
-            <a:endParaRPr lang="en-US" dirty="0"/>
-          </a:p>
-        </p:txBody>
-      </p:sp>
-      <p:sp>
-        <p:nvSpPr>
-          <p:cNvPr id="3" name="Content Placeholder 2"/>
-          <p:cNvSpPr>
-            <a:spLocks noGrp="1"/>
-          </p:cNvSpPr>
-          <p:nvPr>
-            <p:ph idx="1"/>
-          </p:nvPr>
-        </p:nvSpPr>
-        <p:spPr/>
-        <p:txBody>
-          <a:bodyPr/>
-          <a:lstStyle/>
-          <a:p>
-            <a:pPr marL="457200" indent="-457200">
-              <a:buFont typeface="+mj-lt"/>
-              <a:buAutoNum type="arabicPeriod"/>
-            </a:pPr>
-            <a:r>
-              <a:rPr lang="en-US" dirty="0" smtClean="0"/>
-              <a:t>Introduction</a:t>
-            </a:r>
-          </a:p>
-          <a:p>
-            <a:pPr marL="457200" indent="-457200">
-              <a:buFont typeface="+mj-lt"/>
-              <a:buAutoNum type="arabicPeriod"/>
-            </a:pPr>
-            <a:r>
-              <a:rPr lang="en-US" dirty="0" smtClean="0"/>
-              <a:t>Related work</a:t>
-            </a:r>
-          </a:p>
-          <a:p>
-            <a:pPr marL="457200" indent="-457200">
-              <a:buFont typeface="+mj-lt"/>
-              <a:buAutoNum type="arabicPeriod"/>
-            </a:pPr>
-            <a:r>
-              <a:rPr lang="en-US" dirty="0" smtClean="0"/>
-              <a:t>System model</a:t>
-            </a:r>
-          </a:p>
-          <a:p>
-            <a:pPr marL="457200" indent="-457200">
-              <a:buFont typeface="+mj-lt"/>
-              <a:buAutoNum type="arabicPeriod"/>
-            </a:pPr>
-            <a:r>
-              <a:rPr lang="en-US" dirty="0" smtClean="0"/>
-              <a:t>Reliability model</a:t>
-            </a:r>
-          </a:p>
-          <a:p>
-            <a:pPr marL="457200" indent="-457200">
-              <a:buFont typeface="+mj-lt"/>
-              <a:buAutoNum type="arabicPeriod"/>
-            </a:pPr>
-            <a:r>
-              <a:rPr lang="en-US" dirty="0" smtClean="0"/>
-              <a:t>Self-adapting model</a:t>
-            </a:r>
-          </a:p>
-          <a:p>
-            <a:pPr marL="457200" indent="-457200">
-              <a:buFont typeface="+mj-lt"/>
-              <a:buAutoNum type="arabicPeriod"/>
-            </a:pPr>
-            <a:r>
-              <a:rPr lang="en-US" dirty="0" smtClean="0"/>
-              <a:t>Calvin</a:t>
-            </a:r>
-          </a:p>
-          <a:p>
-            <a:pPr marL="457200" indent="-457200">
-              <a:buFont typeface="+mj-lt"/>
-              <a:buAutoNum type="arabicPeriod"/>
-            </a:pPr>
-            <a:r>
-              <a:rPr lang="en-US" dirty="0" smtClean="0"/>
-              <a:t>Implementation</a:t>
-            </a:r>
-          </a:p>
-          <a:p>
-            <a:pPr marL="457200" indent="-457200">
-              <a:buFont typeface="+mj-lt"/>
-              <a:buAutoNum type="arabicPeriod"/>
-            </a:pPr>
-            <a:r>
-              <a:rPr lang="en-US" dirty="0" smtClean="0"/>
-              <a:t>Experiments</a:t>
-            </a:r>
-          </a:p>
-          <a:p>
-            <a:pPr marL="457200" indent="-457200">
-              <a:buFont typeface="+mj-lt"/>
-              <a:buAutoNum type="arabicPeriod"/>
-            </a:pPr>
-            <a:endParaRPr lang="en-US" dirty="0"/>
-          </a:p>
-        </p:txBody>
-      </p:sp>
-    </p:spTree>
-    <p:extLst>
-      <p:ext uri="{BB962C8B-B14F-4D97-AF65-F5344CB8AC3E}">
-        <p14:creationId xmlns:p14="http://schemas.microsoft.com/office/powerpoint/2010/main" val="658915606"/>
-      </p:ext>
-    </p:extLst>
-  </p:cSld>
-  <p:clrMapOvr>
-    <a:masterClrMapping/>
-  </p:clrMapOvr>
-  <p:timing>
-    <p:tnLst>
-      <p:par>
-        <p:cTn id="1" dur="indefinite" restart="never" nodeType="tmRoot"/>
-      </p:par>
-    </p:tnLst>
-  </p:timing>
-</p:sld>
-</file>
-
-<file path=ppt/slides/slide20.xml><?xml version="1.0" encoding="utf-8"?>
+<file path=ppt/slides/slide29.xml><?xml version="1.0" encoding="utf-8"?>
 <p:sld xmlns:a="http://schemas.openxmlformats.org/drawingml/2006/main" xmlns:r="http://schemas.openxmlformats.org/officeDocument/2006/relationships" xmlns:p="http://schemas.openxmlformats.org/presentationml/2006/main">
   <p:cSld>
     <p:spTree>
@@ -5359,7 +6960,127 @@
 </p:sld>
 </file>
 
-<file path=ppt/slides/slide21.xml><?xml version="1.0" encoding="utf-8"?>
+<file path=ppt/slides/slide3.xml><?xml version="1.0" encoding="utf-8"?>
+<p:sld xmlns:a="http://schemas.openxmlformats.org/drawingml/2006/main" xmlns:r="http://schemas.openxmlformats.org/officeDocument/2006/relationships" xmlns:p="http://schemas.openxmlformats.org/presentationml/2006/main">
+  <p:cSld>
+    <p:spTree>
+      <p:nvGrpSpPr>
+        <p:cNvPr id="1" name=""/>
+        <p:cNvGrpSpPr/>
+        <p:nvPr/>
+      </p:nvGrpSpPr>
+      <p:grpSpPr>
+        <a:xfrm>
+          <a:off x="0" y="0"/>
+          <a:ext cx="0" cy="0"/>
+          <a:chOff x="0" y="0"/>
+          <a:chExt cx="0" cy="0"/>
+        </a:xfrm>
+      </p:grpSpPr>
+      <p:sp>
+        <p:nvSpPr>
+          <p:cNvPr id="2" name="Title 1"/>
+          <p:cNvSpPr>
+            <a:spLocks noGrp="1"/>
+          </p:cNvSpPr>
+          <p:nvPr>
+            <p:ph type="title"/>
+          </p:nvPr>
+        </p:nvSpPr>
+        <p:spPr/>
+        <p:txBody>
+          <a:bodyPr/>
+          <a:lstStyle/>
+          <a:p>
+            <a:r>
+              <a:rPr lang="en-US" dirty="0" smtClean="0"/>
+              <a:t>Introduction</a:t>
+            </a:r>
+            <a:endParaRPr lang="en-US" dirty="0"/>
+          </a:p>
+        </p:txBody>
+      </p:sp>
+      <p:sp>
+        <p:nvSpPr>
+          <p:cNvPr id="3" name="Content Placeholder 2"/>
+          <p:cNvSpPr>
+            <a:spLocks noGrp="1"/>
+          </p:cNvSpPr>
+          <p:nvPr>
+            <p:ph idx="1"/>
+          </p:nvPr>
+        </p:nvSpPr>
+        <p:spPr/>
+        <p:txBody>
+          <a:bodyPr/>
+          <a:lstStyle/>
+          <a:p>
+            <a:pPr>
+              <a:buFont typeface="Arial" charset="0"/>
+              <a:buChar char="•"/>
+            </a:pPr>
+            <a:r>
+              <a:rPr lang="en-US" dirty="0" smtClean="0"/>
+              <a:t>Reliability of applications of services in running in distributed environments</a:t>
+            </a:r>
+          </a:p>
+          <a:p>
+            <a:pPr>
+              <a:buFont typeface="Arial" charset="0"/>
+              <a:buChar char="•"/>
+            </a:pPr>
+            <a:r>
+              <a:rPr lang="en-US" dirty="0" smtClean="0"/>
+              <a:t>Problems:</a:t>
+            </a:r>
+          </a:p>
+          <a:p>
+            <a:pPr lvl="1">
+              <a:buFont typeface="Arial" charset="0"/>
+              <a:buChar char="•"/>
+            </a:pPr>
+            <a:r>
+              <a:rPr lang="en-US" dirty="0" smtClean="0"/>
+              <a:t>More resources --&gt; higher probability that one will fail</a:t>
+            </a:r>
+          </a:p>
+          <a:p>
+            <a:pPr lvl="1">
+              <a:buFont typeface="Arial" charset="0"/>
+              <a:buChar char="•"/>
+            </a:pPr>
+            <a:endParaRPr lang="en-US" dirty="0" smtClean="0"/>
+          </a:p>
+          <a:p>
+            <a:pPr marL="457200" indent="-457200">
+              <a:buFont typeface="+mj-lt"/>
+              <a:buAutoNum type="arabicPeriod"/>
+            </a:pPr>
+            <a:endParaRPr lang="en-US" dirty="0"/>
+          </a:p>
+        </p:txBody>
+      </p:sp>
+    </p:spTree>
+    <p:extLst>
+      <p:ext uri="{BB962C8B-B14F-4D97-AF65-F5344CB8AC3E}">
+        <p14:creationId xmlns:p14="http://schemas.microsoft.com/office/powerpoint/2010/main" val="1174390919"/>
+      </p:ext>
+    </p:extLst>
+  </p:cSld>
+  <p:clrMapOvr>
+    <a:masterClrMapping/>
+  </p:clrMapOvr>
+  <p:timing>
+    <p:tnLst>
+      <p:par>
+        <p:cTn id="1" dur="indefinite" restart="never" nodeType="tmRoot"/>
+      </p:par>
+    </p:tnLst>
+  </p:timing>
+</p:sld>
+</file>
+
+<file path=ppt/slides/slide30.xml><?xml version="1.0" encoding="utf-8"?>
 <p:sld xmlns:a="http://schemas.openxmlformats.org/drawingml/2006/main" xmlns:r="http://schemas.openxmlformats.org/officeDocument/2006/relationships" xmlns:p="http://schemas.openxmlformats.org/presentationml/2006/main">
   <p:cSld>
     <p:spTree>
@@ -5474,7 +7195,7 @@
 </p:sld>
 </file>
 
-<file path=ppt/slides/slide22.xml><?xml version="1.0" encoding="utf-8"?>
+<file path=ppt/slides/slide31.xml><?xml version="1.0" encoding="utf-8"?>
 <p:sld xmlns:a="http://schemas.openxmlformats.org/drawingml/2006/main" xmlns:r="http://schemas.openxmlformats.org/officeDocument/2006/relationships" xmlns:p="http://schemas.openxmlformats.org/presentationml/2006/main">
   <p:cSld>
     <p:spTree>
@@ -5866,7 +7587,7 @@
 </p:sld>
 </file>
 
-<file path=ppt/slides/slide23.xml><?xml version="1.0" encoding="utf-8"?>
+<file path=ppt/slides/slide32.xml><?xml version="1.0" encoding="utf-8"?>
 <p:sld xmlns:a="http://schemas.openxmlformats.org/drawingml/2006/main" xmlns:r="http://schemas.openxmlformats.org/officeDocument/2006/relationships" xmlns:p="http://schemas.openxmlformats.org/presentationml/2006/main">
   <p:cSld>
     <p:spTree>
@@ -5955,7 +7676,7 @@
 </p:sld>
 </file>
 
-<file path=ppt/slides/slide24.xml><?xml version="1.0" encoding="utf-8"?>
+<file path=ppt/slides/slide33.xml><?xml version="1.0" encoding="utf-8"?>
 <p:sld xmlns:a="http://schemas.openxmlformats.org/drawingml/2006/main" xmlns:r="http://schemas.openxmlformats.org/officeDocument/2006/relationships" xmlns:p="http://schemas.openxmlformats.org/presentationml/2006/main">
   <p:cSld>
     <p:spTree>
@@ -6064,12 +7785,11 @@
               <a:rPr lang="en-US" dirty="0" err="1" smtClean="0"/>
               <a:t>ms</a:t>
             </a:r>
-            <a:endParaRPr lang="en-US" dirty="0" smtClean="0"/>
-          </a:p>
-          <a:p>
-            <a:pPr>
-              <a:buFont typeface="Arial" charset="0"/>
-              <a:buChar char="•"/>
+            <a:endParaRPr lang="en-US" dirty="0"/>
+          </a:p>
+          <a:p>
+            <a:pPr marL="0" indent="0">
+              <a:buNone/>
             </a:pPr>
             <a:r>
               <a:rPr lang="en-US" dirty="0" smtClean="0"/>
@@ -6751,7 +8471,7 @@
 </p:sld>
 </file>
 
-<file path=ppt/slides/slide25.xml><?xml version="1.0" encoding="utf-8"?>
+<file path=ppt/slides/slide34.xml><?xml version="1.0" encoding="utf-8"?>
 <p:sld xmlns:a="http://schemas.openxmlformats.org/drawingml/2006/main" xmlns:r="http://schemas.openxmlformats.org/officeDocument/2006/relationships" xmlns:p="http://schemas.openxmlformats.org/presentationml/2006/main">
   <p:cSld>
     <p:spTree>
@@ -6810,9 +8530,8 @@
           <a:bodyPr/>
           <a:lstStyle/>
           <a:p>
-            <a:pPr>
-              <a:buFont typeface="Arial" charset="0"/>
-              <a:buChar char="•"/>
+            <a:pPr marL="0" indent="0">
+              <a:buNone/>
             </a:pPr>
             <a:r>
               <a:rPr lang="en-US" dirty="0" smtClean="0"/>
@@ -7837,7 +9556,7 @@
 </p:sld>
 </file>
 
-<file path=ppt/slides/slide26.xml><?xml version="1.0" encoding="utf-8"?>
+<file path=ppt/slides/slide35.xml><?xml version="1.0" encoding="utf-8"?>
 <p:sld xmlns:a="http://schemas.openxmlformats.org/drawingml/2006/main" xmlns:r="http://schemas.openxmlformats.org/officeDocument/2006/relationships" xmlns:p="http://schemas.openxmlformats.org/presentationml/2006/main">
   <p:cSld>
     <p:spTree>
@@ -7926,7 +9645,7 @@
 </p:sld>
 </file>
 
-<file path=ppt/slides/slide27.xml><?xml version="1.0" encoding="utf-8"?>
+<file path=ppt/slides/slide36.xml><?xml version="1.0" encoding="utf-8"?>
 <p:sld xmlns:a="http://schemas.openxmlformats.org/drawingml/2006/main" xmlns:r="http://schemas.openxmlformats.org/officeDocument/2006/relationships" xmlns:p="http://schemas.openxmlformats.org/presentationml/2006/main">
   <p:cSld>
     <p:spTree>
@@ -8016,7 +9735,7 @@
 </p:sld>
 </file>
 
-<file path=ppt/slides/slide28.xml><?xml version="1.0" encoding="utf-8"?>
+<file path=ppt/slides/slide37.xml><?xml version="1.0" encoding="utf-8"?>
 <p:sld xmlns:a="http://schemas.openxmlformats.org/drawingml/2006/main" xmlns:r="http://schemas.openxmlformats.org/officeDocument/2006/relationships" xmlns:p="http://schemas.openxmlformats.org/presentationml/2006/main">
   <p:cSld>
     <p:spTree>
@@ -8106,7 +9825,7 @@
 </p:sld>
 </file>
 
-<file path=ppt/slides/slide29.xml><?xml version="1.0" encoding="utf-8"?>
+<file path=ppt/slides/slide38.xml><?xml version="1.0" encoding="utf-8"?>
 <p:sld xmlns:a="http://schemas.openxmlformats.org/drawingml/2006/main" xmlns:r="http://schemas.openxmlformats.org/officeDocument/2006/relationships" xmlns:p="http://schemas.openxmlformats.org/presentationml/2006/main">
   <p:cSld>
     <p:spTree>
@@ -8196,131 +9915,7 @@
 </p:sld>
 </file>
 
-<file path=ppt/slides/slide3.xml><?xml version="1.0" encoding="utf-8"?>
-<p:sld xmlns:a="http://schemas.openxmlformats.org/drawingml/2006/main" xmlns:r="http://schemas.openxmlformats.org/officeDocument/2006/relationships" xmlns:p="http://schemas.openxmlformats.org/presentationml/2006/main">
-  <p:cSld>
-    <p:spTree>
-      <p:nvGrpSpPr>
-        <p:cNvPr id="1" name=""/>
-        <p:cNvGrpSpPr/>
-        <p:nvPr/>
-      </p:nvGrpSpPr>
-      <p:grpSpPr>
-        <a:xfrm>
-          <a:off x="0" y="0"/>
-          <a:ext cx="0" cy="0"/>
-          <a:chOff x="0" y="0"/>
-          <a:chExt cx="0" cy="0"/>
-        </a:xfrm>
-      </p:grpSpPr>
-      <p:sp>
-        <p:nvSpPr>
-          <p:cNvPr id="2" name="Title 1"/>
-          <p:cNvSpPr>
-            <a:spLocks noGrp="1"/>
-          </p:cNvSpPr>
-          <p:nvPr>
-            <p:ph type="title"/>
-          </p:nvPr>
-        </p:nvSpPr>
-        <p:spPr/>
-        <p:txBody>
-          <a:bodyPr/>
-          <a:lstStyle/>
-          <a:p>
-            <a:r>
-              <a:rPr lang="en-US" dirty="0" smtClean="0"/>
-              <a:t>Introduction</a:t>
-            </a:r>
-            <a:endParaRPr lang="en-US" dirty="0"/>
-          </a:p>
-        </p:txBody>
-      </p:sp>
-      <p:sp>
-        <p:nvSpPr>
-          <p:cNvPr id="3" name="Content Placeholder 2"/>
-          <p:cNvSpPr>
-            <a:spLocks noGrp="1"/>
-          </p:cNvSpPr>
-          <p:nvPr>
-            <p:ph idx="1"/>
-          </p:nvPr>
-        </p:nvSpPr>
-        <p:spPr/>
-        <p:txBody>
-          <a:bodyPr/>
-          <a:lstStyle/>
-          <a:p>
-            <a:pPr>
-              <a:buFont typeface="Arial" charset="0"/>
-              <a:buChar char="•"/>
-            </a:pPr>
-            <a:r>
-              <a:rPr lang="en-US" dirty="0" smtClean="0"/>
-              <a:t>Reliability of applications of services in running in </a:t>
-            </a:r>
-            <a:r>
-              <a:rPr lang="en-US" smtClean="0"/>
-              <a:t>distributed environments</a:t>
-            </a:r>
-            <a:endParaRPr lang="en-US" dirty="0" smtClean="0"/>
-          </a:p>
-          <a:p>
-            <a:pPr marL="457200" indent="-457200">
-              <a:buFont typeface="+mj-lt"/>
-              <a:buAutoNum type="arabicPeriod"/>
-            </a:pPr>
-            <a:endParaRPr lang="en-US" dirty="0"/>
-          </a:p>
-        </p:txBody>
-      </p:sp>
-      <p:sp>
-        <p:nvSpPr>
-          <p:cNvPr id="4" name="TextBox 3"/>
-          <p:cNvSpPr txBox="1"/>
-          <p:nvPr/>
-        </p:nvSpPr>
-        <p:spPr>
-          <a:xfrm>
-            <a:off x="2119256" y="2721685"/>
-            <a:ext cx="184731" cy="369332"/>
-          </a:xfrm>
-          <a:prstGeom prst="rect">
-            <a:avLst/>
-          </a:prstGeom>
-          <a:noFill/>
-        </p:spPr>
-        <p:txBody>
-          <a:bodyPr wrap="none" rtlCol="0">
-            <a:spAutoFit/>
-          </a:bodyPr>
-          <a:lstStyle/>
-          <a:p>
-            <a:endParaRPr lang="en-US" dirty="0"/>
-          </a:p>
-        </p:txBody>
-      </p:sp>
-    </p:spTree>
-    <p:extLst>
-      <p:ext uri="{BB962C8B-B14F-4D97-AF65-F5344CB8AC3E}">
-        <p14:creationId xmlns:p14="http://schemas.microsoft.com/office/powerpoint/2010/main" val="1174390919"/>
-      </p:ext>
-    </p:extLst>
-  </p:cSld>
-  <p:clrMapOvr>
-    <a:masterClrMapping/>
-  </p:clrMapOvr>
-  <p:timing>
-    <p:tnLst>
-      <p:par>
-        <p:cTn id="1" dur="indefinite" restart="never" nodeType="tmRoot"/>
-      </p:par>
-    </p:tnLst>
-  </p:timing>
-</p:sld>
-</file>
-
-<file path=ppt/slides/slide30.xml><?xml version="1.0" encoding="utf-8"?>
+<file path=ppt/slides/slide39.xml><?xml version="1.0" encoding="utf-8"?>
 <p:sld xmlns:a="http://schemas.openxmlformats.org/drawingml/2006/main" xmlns:r="http://schemas.openxmlformats.org/officeDocument/2006/relationships" xmlns:p="http://schemas.openxmlformats.org/presentationml/2006/main">
   <p:cSld>
     <p:spTree>
@@ -8728,7 +10323,154 @@
 </p:sld>
 </file>
 
-<file path=ppt/slides/slide31.xml><?xml version="1.0" encoding="utf-8"?>
+<file path=ppt/slides/slide4.xml><?xml version="1.0" encoding="utf-8"?>
+<p:sld xmlns:a="http://schemas.openxmlformats.org/drawingml/2006/main" xmlns:r="http://schemas.openxmlformats.org/officeDocument/2006/relationships" xmlns:p="http://schemas.openxmlformats.org/presentationml/2006/main">
+  <p:cSld>
+    <p:spTree>
+      <p:nvGrpSpPr>
+        <p:cNvPr id="1" name=""/>
+        <p:cNvGrpSpPr/>
+        <p:nvPr/>
+      </p:nvGrpSpPr>
+      <p:grpSpPr>
+        <a:xfrm>
+          <a:off x="0" y="0"/>
+          <a:ext cx="0" cy="0"/>
+          <a:chOff x="0" y="0"/>
+          <a:chExt cx="0" cy="0"/>
+        </a:xfrm>
+      </p:grpSpPr>
+      <p:sp>
+        <p:nvSpPr>
+          <p:cNvPr id="2" name="Title 1"/>
+          <p:cNvSpPr>
+            <a:spLocks noGrp="1"/>
+          </p:cNvSpPr>
+          <p:nvPr>
+            <p:ph type="title"/>
+          </p:nvPr>
+        </p:nvSpPr>
+        <p:spPr/>
+        <p:txBody>
+          <a:bodyPr/>
+          <a:lstStyle/>
+          <a:p>
+            <a:r>
+              <a:rPr lang="en-US" dirty="0" smtClean="0"/>
+              <a:t>Reliability definitions</a:t>
+            </a:r>
+            <a:endParaRPr lang="en-US" dirty="0"/>
+          </a:p>
+        </p:txBody>
+      </p:sp>
+      <p:sp>
+        <p:nvSpPr>
+          <p:cNvPr id="3" name="Content Placeholder 2"/>
+          <p:cNvSpPr>
+            <a:spLocks noGrp="1"/>
+          </p:cNvSpPr>
+          <p:nvPr>
+            <p:ph idx="1"/>
+          </p:nvPr>
+        </p:nvSpPr>
+        <p:spPr/>
+        <p:txBody>
+          <a:bodyPr/>
+          <a:lstStyle/>
+          <a:p>
+            <a:pPr>
+              <a:buFont typeface="Arial" charset="0"/>
+              <a:buChar char="•"/>
+            </a:pPr>
+            <a:r>
+              <a:rPr lang="en-US" dirty="0" smtClean="0"/>
+              <a:t>Reliability of</a:t>
+            </a:r>
+          </a:p>
+          <a:p>
+            <a:pPr lvl="1">
+              <a:buFont typeface="Arial" charset="0"/>
+              <a:buChar char="•"/>
+            </a:pPr>
+            <a:r>
+              <a:rPr lang="en-US" dirty="0" smtClean="0"/>
+              <a:t>Meeting deadlines</a:t>
+            </a:r>
+          </a:p>
+          <a:p>
+            <a:pPr lvl="1">
+              <a:buFont typeface="Arial" charset="0"/>
+              <a:buChar char="•"/>
+            </a:pPr>
+            <a:r>
+              <a:rPr lang="en-US" dirty="0" smtClean="0"/>
+              <a:t>Producing the correct result</a:t>
+            </a:r>
+          </a:p>
+          <a:p>
+            <a:pPr lvl="1">
+              <a:buFont typeface="Arial" charset="0"/>
+              <a:buChar char="•"/>
+            </a:pPr>
+            <a:endParaRPr lang="en-US" dirty="0"/>
+          </a:p>
+          <a:p>
+            <a:pPr>
+              <a:buFont typeface="Arial" charset="0"/>
+              <a:buChar char="•"/>
+            </a:pPr>
+            <a:r>
+              <a:rPr lang="en-US" dirty="0" smtClean="0"/>
+              <a:t>Our definition</a:t>
+            </a:r>
+          </a:p>
+          <a:p>
+            <a:pPr marL="0" indent="0">
+              <a:buNone/>
+            </a:pPr>
+            <a:r>
+              <a:rPr lang="en-US" dirty="0" smtClean="0"/>
+              <a:t>Reliability of a task which is serving some kind of requests, is the probability that no data is lost. In a process with </a:t>
+            </a:r>
+            <a:r>
+              <a:rPr lang="en-US" i="1" dirty="0" smtClean="0"/>
+              <a:t>n </a:t>
+            </a:r>
+            <a:r>
+              <a:rPr lang="en-US" dirty="0" smtClean="0"/>
+              <a:t>task replicas, this corresponds to at least one replica is always running and serving requests.</a:t>
+            </a:r>
+          </a:p>
+          <a:p>
+            <a:pPr marL="457200" indent="-457200">
+              <a:buFont typeface="+mj-lt"/>
+              <a:buAutoNum type="arabicPeriod"/>
+            </a:pPr>
+            <a:endParaRPr lang="en-US" dirty="0"/>
+          </a:p>
+        </p:txBody>
+      </p:sp>
+    </p:spTree>
+    <p:extLst>
+      <p:ext uri="{BB962C8B-B14F-4D97-AF65-F5344CB8AC3E}">
+        <p14:creationId xmlns:p14="http://schemas.microsoft.com/office/powerpoint/2010/main" val="188118652"/>
+      </p:ext>
+    </p:extLst>
+  </p:cSld>
+  <p:clrMapOvr>
+    <a:masterClrMapping/>
+  </p:clrMapOvr>
+  <p:timing>
+    <p:tnLst>
+      <p:par>
+        <p:cTn id="1" dur="indefinite" restart="never" nodeType="tmRoot"/>
+      </p:par>
+    </p:tnLst>
+  </p:timing>
+</p:sld>
+</file>
+
+<file path=ppt/slides/slide40.xml><?xml version="1.0" encoding="utf-8"?>
 <p:sld xmlns:a="http://schemas.openxmlformats.org/drawingml/2006/main" xmlns:r="http://schemas.openxmlformats.org/officeDocument/2006/relationships" xmlns:p="http://schemas.openxmlformats.org/presentationml/2006/main">
   <p:cSld>
     <p:spTree>
@@ -9611,7 +11353,7 @@
 </p:sld>
 </file>
 
-<file path=ppt/slides/slide32.xml><?xml version="1.0" encoding="utf-8"?>
+<file path=ppt/slides/slide41.xml><?xml version="1.0" encoding="utf-8"?>
 <p:sld xmlns:a="http://schemas.openxmlformats.org/drawingml/2006/main" xmlns:r="http://schemas.openxmlformats.org/officeDocument/2006/relationships" xmlns:p="http://schemas.openxmlformats.org/presentationml/2006/main">
   <p:cSld>
     <p:spTree>
@@ -9701,7 +11443,7 @@
 </p:sld>
 </file>
 
-<file path=ppt/slides/slide33.xml><?xml version="1.0" encoding="utf-8"?>
+<file path=ppt/slides/slide42.xml><?xml version="1.0" encoding="utf-8"?>
 <p:sld xmlns:a="http://schemas.openxmlformats.org/drawingml/2006/main" xmlns:r="http://schemas.openxmlformats.org/officeDocument/2006/relationships" xmlns:p="http://schemas.openxmlformats.org/presentationml/2006/main">
   <p:cSld>
     <p:spTree>
@@ -9791,7 +11533,7 @@
 </p:sld>
 </file>
 
-<file path=ppt/slides/slide34.xml><?xml version="1.0" encoding="utf-8"?>
+<file path=ppt/slides/slide43.xml><?xml version="1.0" encoding="utf-8"?>
 <p:sld xmlns:a="http://schemas.openxmlformats.org/drawingml/2006/main" xmlns:r="http://schemas.openxmlformats.org/officeDocument/2006/relationships" xmlns:p="http://schemas.openxmlformats.org/presentationml/2006/main">
   <p:cSld>
     <p:spTree>
@@ -9881,7 +11623,7 @@
 </p:sld>
 </file>
 
-<file path=ppt/slides/slide35.xml><?xml version="1.0" encoding="utf-8"?>
+<file path=ppt/slides/slide44.xml><?xml version="1.0" encoding="utf-8"?>
 <p:sld xmlns:a="http://schemas.openxmlformats.org/drawingml/2006/main" xmlns:r="http://schemas.openxmlformats.org/officeDocument/2006/relationships" xmlns:p="http://schemas.openxmlformats.org/presentationml/2006/main">
   <p:cSld>
     <p:spTree>
@@ -10049,7 +11791,7 @@
 </p:sld>
 </file>
 
-<file path=ppt/slides/slide36.xml><?xml version="1.0" encoding="utf-8"?>
+<file path=ppt/slides/slide45.xml><?xml version="1.0" encoding="utf-8"?>
 <p:sld xmlns:a="http://schemas.openxmlformats.org/drawingml/2006/main" xmlns:r="http://schemas.openxmlformats.org/officeDocument/2006/relationships" xmlns:p="http://schemas.openxmlformats.org/presentationml/2006/main">
   <p:cSld>
     <p:spTree>
@@ -10166,7 +11908,7 @@
 </p:sld>
 </file>
 
-<file path=ppt/slides/slide37.xml><?xml version="1.0" encoding="utf-8"?>
+<file path=ppt/slides/slide46.xml><?xml version="1.0" encoding="utf-8"?>
 <p:sld xmlns:a="http://schemas.openxmlformats.org/drawingml/2006/main" xmlns:r="http://schemas.openxmlformats.org/officeDocument/2006/relationships" xmlns:p="http://schemas.openxmlformats.org/presentationml/2006/main">
   <p:cSld>
     <p:spTree>
@@ -10255,7 +11997,7 @@
 </p:sld>
 </file>
 
-<file path=ppt/slides/slide38.xml><?xml version="1.0" encoding="utf-8"?>
+<file path=ppt/slides/slide47.xml><?xml version="1.0" encoding="utf-8"?>
 <p:sld xmlns:a="http://schemas.openxmlformats.org/drawingml/2006/main" xmlns:r="http://schemas.openxmlformats.org/officeDocument/2006/relationships" xmlns:p="http://schemas.openxmlformats.org/presentationml/2006/main">
   <p:cSld>
     <p:spTree>
@@ -10362,7 +12104,7 @@
 </p:sld>
 </file>
 
-<file path=ppt/slides/slide39.xml><?xml version="1.0" encoding="utf-8"?>
+<file path=ppt/slides/slide48.xml><?xml version="1.0" encoding="utf-8"?>
 <p:sld xmlns:a="http://schemas.openxmlformats.org/drawingml/2006/main" xmlns:r="http://schemas.openxmlformats.org/officeDocument/2006/relationships" xmlns:p="http://schemas.openxmlformats.org/presentationml/2006/main">
   <p:cSld>
     <p:spTree>
@@ -10451,154 +12193,7 @@
 </p:sld>
 </file>
 
-<file path=ppt/slides/slide4.xml><?xml version="1.0" encoding="utf-8"?>
-<p:sld xmlns:a="http://schemas.openxmlformats.org/drawingml/2006/main" xmlns:r="http://schemas.openxmlformats.org/officeDocument/2006/relationships" xmlns:p="http://schemas.openxmlformats.org/presentationml/2006/main">
-  <p:cSld>
-    <p:spTree>
-      <p:nvGrpSpPr>
-        <p:cNvPr id="1" name=""/>
-        <p:cNvGrpSpPr/>
-        <p:nvPr/>
-      </p:nvGrpSpPr>
-      <p:grpSpPr>
-        <a:xfrm>
-          <a:off x="0" y="0"/>
-          <a:ext cx="0" cy="0"/>
-          <a:chOff x="0" y="0"/>
-          <a:chExt cx="0" cy="0"/>
-        </a:xfrm>
-      </p:grpSpPr>
-      <p:sp>
-        <p:nvSpPr>
-          <p:cNvPr id="2" name="Title 1"/>
-          <p:cNvSpPr>
-            <a:spLocks noGrp="1"/>
-          </p:cNvSpPr>
-          <p:nvPr>
-            <p:ph type="title"/>
-          </p:nvPr>
-        </p:nvSpPr>
-        <p:spPr/>
-        <p:txBody>
-          <a:bodyPr/>
-          <a:lstStyle/>
-          <a:p>
-            <a:r>
-              <a:rPr lang="en-US" dirty="0" smtClean="0"/>
-              <a:t>Reliability definitions</a:t>
-            </a:r>
-            <a:endParaRPr lang="en-US" dirty="0"/>
-          </a:p>
-        </p:txBody>
-      </p:sp>
-      <p:sp>
-        <p:nvSpPr>
-          <p:cNvPr id="3" name="Content Placeholder 2"/>
-          <p:cNvSpPr>
-            <a:spLocks noGrp="1"/>
-          </p:cNvSpPr>
-          <p:nvPr>
-            <p:ph idx="1"/>
-          </p:nvPr>
-        </p:nvSpPr>
-        <p:spPr/>
-        <p:txBody>
-          <a:bodyPr/>
-          <a:lstStyle/>
-          <a:p>
-            <a:pPr>
-              <a:buFont typeface="Arial" charset="0"/>
-              <a:buChar char="•"/>
-            </a:pPr>
-            <a:r>
-              <a:rPr lang="en-US" dirty="0" smtClean="0"/>
-              <a:t>Reliability of</a:t>
-            </a:r>
-          </a:p>
-          <a:p>
-            <a:pPr lvl="1">
-              <a:buFont typeface="Arial" charset="0"/>
-              <a:buChar char="•"/>
-            </a:pPr>
-            <a:r>
-              <a:rPr lang="en-US" dirty="0" smtClean="0"/>
-              <a:t>Meeting deadlines</a:t>
-            </a:r>
-          </a:p>
-          <a:p>
-            <a:pPr lvl="1">
-              <a:buFont typeface="Arial" charset="0"/>
-              <a:buChar char="•"/>
-            </a:pPr>
-            <a:r>
-              <a:rPr lang="en-US" dirty="0" smtClean="0"/>
-              <a:t>Producing the correct result</a:t>
-            </a:r>
-          </a:p>
-          <a:p>
-            <a:pPr lvl="1">
-              <a:buFont typeface="Arial" charset="0"/>
-              <a:buChar char="•"/>
-            </a:pPr>
-            <a:endParaRPr lang="en-US" dirty="0"/>
-          </a:p>
-          <a:p>
-            <a:pPr>
-              <a:buFont typeface="Arial" charset="0"/>
-              <a:buChar char="•"/>
-            </a:pPr>
-            <a:r>
-              <a:rPr lang="en-US" dirty="0" smtClean="0"/>
-              <a:t>Our definition</a:t>
-            </a:r>
-          </a:p>
-          <a:p>
-            <a:pPr marL="0" indent="0">
-              <a:buNone/>
-            </a:pPr>
-            <a:r>
-              <a:rPr lang="en-US" dirty="0" smtClean="0"/>
-              <a:t>Reliability of a task in a stream processing application, is the probability that no data is lost. In a process with </a:t>
-            </a:r>
-            <a:r>
-              <a:rPr lang="en-US" i="1" dirty="0" smtClean="0"/>
-              <a:t>n </a:t>
-            </a:r>
-            <a:r>
-              <a:rPr lang="en-US" dirty="0" smtClean="0"/>
-              <a:t>task replicas, this corresponds to at least one replica is always running and serving requests.</a:t>
-            </a:r>
-          </a:p>
-          <a:p>
-            <a:pPr marL="457200" indent="-457200">
-              <a:buFont typeface="+mj-lt"/>
-              <a:buAutoNum type="arabicPeriod"/>
-            </a:pPr>
-            <a:endParaRPr lang="en-US" dirty="0"/>
-          </a:p>
-        </p:txBody>
-      </p:sp>
-    </p:spTree>
-    <p:extLst>
-      <p:ext uri="{BB962C8B-B14F-4D97-AF65-F5344CB8AC3E}">
-        <p14:creationId xmlns:p14="http://schemas.microsoft.com/office/powerpoint/2010/main" val="188118652"/>
-      </p:ext>
-    </p:extLst>
-  </p:cSld>
-  <p:clrMapOvr>
-    <a:masterClrMapping/>
-  </p:clrMapOvr>
-  <p:timing>
-    <p:tnLst>
-      <p:par>
-        <p:cTn id="1" dur="indefinite" restart="never" nodeType="tmRoot"/>
-      </p:par>
-    </p:tnLst>
-  </p:timing>
-</p:sld>
-</file>
-
-<file path=ppt/slides/slide40.xml><?xml version="1.0" encoding="utf-8"?>
+<file path=ppt/slides/slide49.xml><?xml version="1.0" encoding="utf-8"?>
 <p:sld xmlns:a="http://schemas.openxmlformats.org/drawingml/2006/main" xmlns:r="http://schemas.openxmlformats.org/officeDocument/2006/relationships" xmlns:p="http://schemas.openxmlformats.org/presentationml/2006/main">
   <p:cSld>
     <p:spTree>
@@ -10746,6 +12341,10 @@
               <a:buFont typeface="+mj-lt"/>
               <a:buAutoNum type="arabicPeriod"/>
             </a:pPr>
+            <a:r>
+              <a:rPr lang="en-US" dirty="0" smtClean="0"/>
+              <a:t>Most assume constant failure rates, as well as same failure rates for all nodes</a:t>
+            </a:r>
             <a:endParaRPr lang="en-US" dirty="0"/>
           </a:p>
         </p:txBody>
@@ -10825,18 +12424,98 @@
           <a:bodyPr/>
           <a:lstStyle/>
           <a:p>
-            <a:pPr marL="457200" indent="-457200">
-              <a:buFont typeface="+mj-lt"/>
-              <a:buAutoNum type="arabicPeriod"/>
+            <a:pPr marL="0" indent="0">
+              <a:lnSpc>
+                <a:spcPct val="100000"/>
+              </a:lnSpc>
+              <a:spcBef>
+                <a:spcPts val="0"/>
+              </a:spcBef>
+              <a:spcAft>
+                <a:spcPts val="0"/>
+              </a:spcAft>
+              <a:buClrTx/>
+              <a:buSzTx/>
+              <a:buNone/>
+            </a:pPr>
+            <a:r>
+              <a:rPr lang="en-US" dirty="0" smtClean="0"/>
+              <a:t>We assume a interconnected set of computing resources (nodes), providing redundant paths and interconnectivity between all nodes.</a:t>
+            </a:r>
+          </a:p>
+          <a:p>
+            <a:pPr lvl="0">
+              <a:buFont typeface="Arial" charset="0"/>
+              <a:buChar char="•"/>
+            </a:pPr>
+            <a:r>
+              <a:rPr lang="en-US" dirty="0"/>
+              <a:t>All nodes are within the same cluster</a:t>
+            </a:r>
+          </a:p>
+          <a:p>
+            <a:pPr lvl="1">
+              <a:buFont typeface="Arial" charset="0"/>
+              <a:buChar char="•"/>
+            </a:pPr>
+            <a:r>
+              <a:rPr lang="en-US" dirty="0"/>
+              <a:t>Latency is the same between all nodes</a:t>
+            </a:r>
+          </a:p>
+          <a:p>
+            <a:pPr marL="0" indent="0">
+              <a:lnSpc>
+                <a:spcPct val="100000"/>
+              </a:lnSpc>
+              <a:spcBef>
+                <a:spcPts val="0"/>
+              </a:spcBef>
+              <a:spcAft>
+                <a:spcPts val="0"/>
+              </a:spcAft>
+              <a:buClrTx/>
+              <a:buSzTx/>
+              <a:buNone/>
             </a:pPr>
             <a:endParaRPr lang="en-US" dirty="0"/>
           </a:p>
         </p:txBody>
       </p:sp>
+      <p:pic>
+        <p:nvPicPr>
+          <p:cNvPr id="4" name="Picture 3"/>
+          <p:cNvPicPr>
+            <a:picLocks noChangeAspect="1"/>
+          </p:cNvPicPr>
+          <p:nvPr/>
+        </p:nvPicPr>
+        <p:blipFill>
+          <a:blip r:embed="rId2">
+            <a:extLst>
+              <a:ext uri="{28A0092B-C50C-407E-A947-70E740481C1C}">
+                <a14:useLocalDpi xmlns:a14="http://schemas.microsoft.com/office/drawing/2010/main" val="0"/>
+              </a:ext>
+            </a:extLst>
+          </a:blip>
+          <a:stretch>
+            <a:fillRect/>
+          </a:stretch>
+        </p:blipFill>
+        <p:spPr>
+          <a:xfrm>
+            <a:off x="7285168" y="2531185"/>
+            <a:ext cx="3581400" cy="3581400"/>
+          </a:xfrm>
+          <a:prstGeom prst="rect">
+            <a:avLst/>
+          </a:prstGeom>
+        </p:spPr>
+      </p:pic>
     </p:spTree>
     <p:extLst>
       <p:ext uri="{BB962C8B-B14F-4D97-AF65-F5344CB8AC3E}">
-        <p14:creationId xmlns:p14="http://schemas.microsoft.com/office/powerpoint/2010/main" val="1670722464"/>
+        <p14:creationId xmlns:p14="http://schemas.microsoft.com/office/powerpoint/2010/main" val="2095884742"/>
       </p:ext>
     </p:extLst>
   </p:cSld>
@@ -10887,7 +12566,7 @@
           <a:p>
             <a:r>
               <a:rPr lang="en-US" dirty="0" smtClean="0"/>
-              <a:t>Reliability model</a:t>
+              <a:t>Fault model</a:t>
             </a:r>
             <a:endParaRPr lang="en-US" dirty="0"/>
           </a:p>
@@ -10908,18 +12587,76 @@
           <a:bodyPr/>
           <a:lstStyle/>
           <a:p>
-            <a:pPr marL="457200" indent="-457200">
-              <a:buFont typeface="+mj-lt"/>
-              <a:buAutoNum type="arabicPeriod"/>
+            <a:pPr marL="0" lvl="0" indent="0">
+              <a:buNone/>
             </a:pPr>
-            <a:endParaRPr lang="en-US" dirty="0"/>
+            <a:r>
+              <a:rPr lang="en-US" dirty="0"/>
+              <a:t>We make the following </a:t>
+            </a:r>
+            <a:r>
+              <a:rPr lang="en-US" dirty="0" smtClean="0"/>
+              <a:t>assumption</a:t>
+            </a:r>
+          </a:p>
+          <a:p>
+            <a:pPr lvl="0">
+              <a:buFont typeface="Arial" charset="0"/>
+              <a:buChar char="•"/>
+            </a:pPr>
+            <a:r>
+              <a:rPr lang="en-US" dirty="0" smtClean="0"/>
+              <a:t>Fully reliable links, we only consider node failures</a:t>
+            </a:r>
+          </a:p>
+          <a:p>
+            <a:pPr lvl="0">
+              <a:buFont typeface="Arial" charset="0"/>
+              <a:buChar char="•"/>
+            </a:pPr>
+            <a:r>
+              <a:rPr lang="en-US" dirty="0" smtClean="0"/>
+              <a:t>Nodes are either </a:t>
+            </a:r>
+            <a:r>
+              <a:rPr lang="en-US" i="1" dirty="0" smtClean="0"/>
+              <a:t>operational </a:t>
+            </a:r>
+            <a:r>
+              <a:rPr lang="en-US" dirty="0" smtClean="0"/>
+              <a:t>or </a:t>
+            </a:r>
+            <a:r>
+              <a:rPr lang="en-US" i="1" dirty="0" smtClean="0"/>
+              <a:t>failed</a:t>
+            </a:r>
+          </a:p>
+          <a:p>
+            <a:pPr lvl="0">
+              <a:buFont typeface="Arial" charset="0"/>
+              <a:buChar char="•"/>
+            </a:pPr>
+            <a:r>
+              <a:rPr lang="en-US" dirty="0" smtClean="0"/>
+              <a:t>Node failures do not depend on the jobs running on them and the computations they perform</a:t>
+            </a:r>
+          </a:p>
+          <a:p>
+            <a:pPr lvl="0">
+              <a:buFont typeface="Arial" charset="0"/>
+              <a:buChar char="•"/>
+            </a:pPr>
+            <a:r>
+              <a:rPr lang="en-US" dirty="0" smtClean="0"/>
+              <a:t>Statistically independent failures</a:t>
+            </a:r>
           </a:p>
         </p:txBody>
       </p:sp>
     </p:spTree>
     <p:extLst>
       <p:ext uri="{BB962C8B-B14F-4D97-AF65-F5344CB8AC3E}">
-        <p14:creationId xmlns:p14="http://schemas.microsoft.com/office/powerpoint/2010/main" val="1355186530"/>
+        <p14:creationId xmlns:p14="http://schemas.microsoft.com/office/powerpoint/2010/main" val="97962435"/>
       </p:ext>
     </p:extLst>
   </p:cSld>
@@ -10970,39 +12707,574 @@
           <a:p>
             <a:r>
               <a:rPr lang="en-US" dirty="0" smtClean="0"/>
-              <a:t>Fault-tolerant model</a:t>
+              <a:t>Failure distribution</a:t>
             </a:r>
             <a:endParaRPr lang="en-US" dirty="0"/>
           </a:p>
         </p:txBody>
       </p:sp>
-      <p:sp>
-        <p:nvSpPr>
-          <p:cNvPr id="3" name="Content Placeholder 2"/>
-          <p:cNvSpPr>
-            <a:spLocks noGrp="1"/>
-          </p:cNvSpPr>
-          <p:nvPr>
-            <p:ph idx="1"/>
-          </p:nvPr>
-        </p:nvSpPr>
-        <p:spPr/>
-        <p:txBody>
-          <a:bodyPr/>
-          <a:lstStyle/>
-          <a:p>
-            <a:pPr marL="457200" indent="-457200">
-              <a:buFont typeface="+mj-lt"/>
-              <a:buAutoNum type="arabicPeriod"/>
-            </a:pPr>
-            <a:endParaRPr lang="en-US" dirty="0"/>
-          </a:p>
-        </p:txBody>
-      </p:sp>
+      <mc:AlternateContent xmlns:mc="http://schemas.openxmlformats.org/markup-compatibility/2006">
+        <mc:Choice xmlns:a14="http://schemas.microsoft.com/office/drawing/2010/main" Requires="a14">
+          <p:sp>
+            <p:nvSpPr>
+              <p:cNvPr id="3" name="Content Placeholder 2"/>
+              <p:cNvSpPr>
+                <a:spLocks noGrp="1"/>
+              </p:cNvSpPr>
+              <p:nvPr>
+                <p:ph idx="1"/>
+              </p:nvPr>
+            </p:nvSpPr>
+            <p:spPr/>
+            <p:txBody>
+              <a:bodyPr>
+                <a:normAutofit/>
+              </a:bodyPr>
+              <a:lstStyle/>
+              <a:p>
+                <a:pPr marL="0" lvl="0" indent="0">
+                  <a:buNone/>
+                </a:pPr>
+                <a:r>
+                  <a:rPr lang="en-US" dirty="0" smtClean="0"/>
+                  <a:t>We assume failures follow a Poisson process</a:t>
+                </a:r>
+              </a:p>
+              <a:p>
+                <a:pPr marL="0" lvl="0" indent="0">
+                  <a:buNone/>
+                </a:pPr>
+                <a14:m>
+                  <m:oMathPara xmlns:m="http://schemas.openxmlformats.org/officeDocument/2006/math">
+                    <m:oMathParaPr>
+                      <m:jc m:val="centerGroup"/>
+                    </m:oMathParaPr>
+                    <m:oMath xmlns:m="http://schemas.openxmlformats.org/officeDocument/2006/math">
+                      <m:r>
+                        <a:rPr lang="en-GB" b="0" i="1" smtClean="0">
+                          <a:latin typeface="Cambria Math" charset="0"/>
+                        </a:rPr>
+                        <m:t>𝑃</m:t>
+                      </m:r>
+                      <m:d>
+                        <m:dPr>
+                          <m:ctrlPr>
+                            <a:rPr lang="en-GB" b="0" i="1" smtClean="0">
+                              <a:latin typeface="Cambria Math" charset="0"/>
+                            </a:rPr>
+                          </m:ctrlPr>
+                        </m:dPr>
+                        <m:e>
+                          <m:r>
+                            <a:rPr lang="en-GB" b="0" i="1" smtClean="0">
+                              <a:latin typeface="Cambria Math" charset="0"/>
+                            </a:rPr>
+                            <m:t>𝑘</m:t>
+                          </m:r>
+                          <m:r>
+                            <a:rPr lang="en-GB" b="0" i="1" smtClean="0">
+                              <a:latin typeface="Cambria Math" charset="0"/>
+                            </a:rPr>
+                            <m:t> </m:t>
+                          </m:r>
+                          <m:r>
+                            <a:rPr lang="en-GB" b="0" i="1" smtClean="0">
+                              <a:latin typeface="Cambria Math" charset="0"/>
+                            </a:rPr>
+                            <m:t>𝑓𝑎𝑖𝑙𝑢𝑟𝑒𝑠</m:t>
+                          </m:r>
+                        </m:e>
+                      </m:d>
+                      <m:r>
+                        <a:rPr lang="en-GB" b="0" i="1" smtClean="0">
+                          <a:latin typeface="Cambria Math" charset="0"/>
+                        </a:rPr>
+                        <m:t>=</m:t>
+                      </m:r>
+                      <m:f>
+                        <m:fPr>
+                          <m:ctrlPr>
+                            <a:rPr lang="fi-FI" i="1">
+                              <a:latin typeface="Cambria Math" charset="0"/>
+                            </a:rPr>
+                          </m:ctrlPr>
+                        </m:fPr>
+                        <m:num>
+                          <m:r>
+                            <a:rPr lang="en-GB" b="0" i="1" smtClean="0">
+                              <a:latin typeface="Cambria Math" charset="0"/>
+                            </a:rPr>
+                            <m:t>𝜆</m:t>
+                          </m:r>
+                          <m:r>
+                            <a:rPr lang="en-GB" b="0" i="1" smtClean="0">
+                              <a:latin typeface="Cambria Math" charset="0"/>
+                            </a:rPr>
+                            <m:t>∗</m:t>
+                          </m:r>
+                          <m:sSup>
+                            <m:sSupPr>
+                              <m:ctrlPr>
+                                <a:rPr lang="is-IS" i="1">
+                                  <a:latin typeface="Cambria Math" charset="0"/>
+                                </a:rPr>
+                              </m:ctrlPr>
+                            </m:sSupPr>
+                            <m:e>
+                              <m:r>
+                                <a:rPr lang="en-GB" i="1">
+                                  <a:latin typeface="Cambria Math" charset="0"/>
+                                </a:rPr>
+                                <m:t>𝑒</m:t>
+                              </m:r>
+                            </m:e>
+                            <m:sup>
+                              <m:r>
+                                <a:rPr lang="en-GB" i="1">
+                                  <a:latin typeface="Cambria Math" charset="0"/>
+                                </a:rPr>
+                                <m:t>−</m:t>
+                              </m:r>
+                              <m:r>
+                                <a:rPr lang="en-GB" i="1">
+                                  <a:latin typeface="Cambria Math" charset="0"/>
+                                </a:rPr>
+                                <m:t>𝜆</m:t>
+                              </m:r>
+                            </m:sup>
+                          </m:sSup>
+                        </m:num>
+                        <m:den>
+                          <m:r>
+                            <a:rPr lang="en-GB" b="0" i="1" smtClean="0">
+                              <a:latin typeface="Cambria Math" charset="0"/>
+                            </a:rPr>
+                            <m:t>𝑘</m:t>
+                          </m:r>
+                          <m:r>
+                            <a:rPr lang="fi-FI" i="1">
+                              <a:latin typeface="Cambria Math" charset="0"/>
+                            </a:rPr>
+                            <m:t>!</m:t>
+                          </m:r>
+                        </m:den>
+                      </m:f>
+                    </m:oMath>
+                  </m:oMathPara>
+                </a14:m>
+                <a:endParaRPr lang="en-US" dirty="0" smtClean="0"/>
+              </a:p>
+              <a:p>
+                <a:pPr marL="0" lvl="0" indent="0">
+                  <a:buNone/>
+                </a:pPr>
+                <a:r>
+                  <a:rPr lang="en-US" dirty="0" smtClean="0"/>
+                  <a:t>Where </a:t>
+                </a:r>
+                <a14:m>
+                  <m:oMath xmlns:m="http://schemas.openxmlformats.org/officeDocument/2006/math">
+                    <m:r>
+                      <a:rPr lang="en-GB" b="0" i="1" smtClean="0">
+                        <a:latin typeface="Cambria Math" charset="0"/>
+                      </a:rPr>
+                      <m:t>𝜆</m:t>
+                    </m:r>
+                  </m:oMath>
+                </a14:m>
+                <a:r>
+                  <a:rPr lang="en-US" dirty="0" smtClean="0"/>
+                  <a:t> is the failure rate, i.e. the average number of failures during a time </a:t>
+                </a:r>
+                <a:r>
+                  <a:rPr lang="en-US" i="1" dirty="0" smtClean="0"/>
+                  <a:t>t</a:t>
+                </a:r>
+                <a:r>
+                  <a:rPr lang="en-US" dirty="0" smtClean="0"/>
+                  <a:t>.</a:t>
+                </a:r>
+              </a:p>
+              <a:p>
+                <a:pPr marL="0" lvl="0" indent="0">
+                  <a:buNone/>
+                </a:pPr>
+                <a:r>
+                  <a:rPr lang="en-US" dirty="0" smtClean="0"/>
+                  <a:t>From a time </a:t>
+                </a:r>
+                <a:r>
+                  <a:rPr lang="en-US" i="1" dirty="0" smtClean="0"/>
+                  <a:t>t</a:t>
+                </a:r>
+                <a:r>
+                  <a:rPr lang="en-US" dirty="0" smtClean="0"/>
+                  <a:t> and a </a:t>
+                </a:r>
+                <a:r>
+                  <a:rPr lang="en-US" i="1" dirty="0" smtClean="0"/>
+                  <a:t>mean-time-between-failures</a:t>
+                </a:r>
+                <a:r>
+                  <a:rPr lang="en-US" dirty="0" smtClean="0"/>
+                  <a:t> (MTBF), </a:t>
+                </a:r>
+                <a14:m>
+                  <m:oMath xmlns:m="http://schemas.openxmlformats.org/officeDocument/2006/math">
+                    <m:r>
+                      <a:rPr lang="en-GB" i="1">
+                        <a:latin typeface="Cambria Math" charset="0"/>
+                      </a:rPr>
+                      <m:t>𝜆</m:t>
+                    </m:r>
+                  </m:oMath>
+                </a14:m>
+                <a:r>
+                  <a:rPr lang="en-US" dirty="0" smtClean="0"/>
+                  <a:t> can be calculated as </a:t>
+                </a:r>
+              </a:p>
+              <a:p>
+                <a:pPr marL="0" indent="0">
+                  <a:buNone/>
+                </a:pPr>
+                <a14:m>
+                  <m:oMathPara xmlns:m="http://schemas.openxmlformats.org/officeDocument/2006/math">
+                    <m:oMathParaPr>
+                      <m:jc m:val="centerGroup"/>
+                    </m:oMathParaPr>
+                    <m:oMath xmlns:m="http://schemas.openxmlformats.org/officeDocument/2006/math">
+                      <m:r>
+                        <a:rPr lang="en-GB" b="0" i="1" smtClean="0">
+                          <a:latin typeface="Cambria Math" charset="0"/>
+                        </a:rPr>
+                        <m:t>𝜆</m:t>
+                      </m:r>
+                      <m:r>
+                        <a:rPr lang="en-GB" b="0" i="1" smtClean="0">
+                          <a:latin typeface="Cambria Math" charset="0"/>
+                        </a:rPr>
+                        <m:t>=</m:t>
+                      </m:r>
+                      <m:f>
+                        <m:fPr>
+                          <m:ctrlPr>
+                            <a:rPr lang="fi-FI" i="1">
+                              <a:latin typeface="Cambria Math" charset="0"/>
+                            </a:rPr>
+                          </m:ctrlPr>
+                        </m:fPr>
+                        <m:num>
+                          <m:r>
+                            <a:rPr lang="en-GB" b="0" i="1" smtClean="0">
+                              <a:latin typeface="Cambria Math" charset="0"/>
+                            </a:rPr>
+                            <m:t>𝑡</m:t>
+                          </m:r>
+                        </m:num>
+                        <m:den>
+                          <m:r>
+                            <a:rPr lang="en-GB" b="0" i="1" smtClean="0">
+                              <a:latin typeface="Cambria Math" charset="0"/>
+                            </a:rPr>
+                            <m:t>𝑀𝑇𝐵𝐹</m:t>
+                          </m:r>
+                        </m:den>
+                      </m:f>
+                    </m:oMath>
+                  </m:oMathPara>
+                </a14:m>
+                <a:endParaRPr lang="en-US" dirty="0"/>
+              </a:p>
+              <a:p>
+                <a:pPr marL="0" lvl="0" indent="0">
+                  <a:buNone/>
+                </a:pPr>
+                <a:r>
+                  <a:rPr lang="en-US" dirty="0" smtClean="0"/>
+                  <a:t>Resulting in</a:t>
+                </a:r>
+              </a:p>
+              <a:p>
+                <a:pPr marL="0" lvl="0" indent="0">
+                  <a:buNone/>
+                </a:pPr>
+                <a14:m>
+                  <m:oMathPara xmlns:m="http://schemas.openxmlformats.org/officeDocument/2006/math">
+                    <m:oMathParaPr>
+                      <m:jc m:val="centerGroup"/>
+                    </m:oMathParaPr>
+                    <m:oMath xmlns:m="http://schemas.openxmlformats.org/officeDocument/2006/math">
+                      <m:r>
+                        <a:rPr lang="en-GB" i="1">
+                          <a:latin typeface="Cambria Math" charset="0"/>
+                        </a:rPr>
+                        <m:t>𝑃</m:t>
+                      </m:r>
+                      <m:d>
+                        <m:dPr>
+                          <m:ctrlPr>
+                            <a:rPr lang="en-GB" i="1">
+                              <a:latin typeface="Cambria Math" charset="0"/>
+                            </a:rPr>
+                          </m:ctrlPr>
+                        </m:dPr>
+                        <m:e>
+                          <m:r>
+                            <a:rPr lang="en-GB" i="1">
+                              <a:latin typeface="Cambria Math" charset="0"/>
+                            </a:rPr>
+                            <m:t>𝑘</m:t>
+                          </m:r>
+                          <m:r>
+                            <a:rPr lang="en-GB" i="1">
+                              <a:latin typeface="Cambria Math" charset="0"/>
+                            </a:rPr>
+                            <m:t> </m:t>
+                          </m:r>
+                          <m:r>
+                            <a:rPr lang="en-GB" i="1">
+                              <a:latin typeface="Cambria Math" charset="0"/>
+                            </a:rPr>
+                            <m:t>𝑓𝑎𝑖𝑙𝑢𝑟𝑒𝑠</m:t>
+                          </m:r>
+                          <m:r>
+                            <a:rPr lang="en-GB" b="0" i="1" smtClean="0">
+                              <a:latin typeface="Cambria Math" charset="0"/>
+                            </a:rPr>
+                            <m:t> </m:t>
+                          </m:r>
+                          <m:r>
+                            <a:rPr lang="en-GB" b="0" i="1" smtClean="0">
+                              <a:latin typeface="Cambria Math" charset="0"/>
+                            </a:rPr>
+                            <m:t>𝑑𝑢𝑟𝑖𝑛𝑔</m:t>
+                          </m:r>
+                          <m:r>
+                            <a:rPr lang="en-GB" b="0" i="1" smtClean="0">
+                              <a:latin typeface="Cambria Math" charset="0"/>
+                            </a:rPr>
+                            <m:t> </m:t>
+                          </m:r>
+                          <m:r>
+                            <a:rPr lang="en-GB" b="0" i="1" smtClean="0">
+                              <a:latin typeface="Cambria Math" charset="0"/>
+                            </a:rPr>
+                            <m:t>𝑡𝑖𝑚𝑒</m:t>
+                          </m:r>
+                          <m:r>
+                            <a:rPr lang="en-GB" b="0" i="1" smtClean="0">
+                              <a:latin typeface="Cambria Math" charset="0"/>
+                            </a:rPr>
+                            <m:t> </m:t>
+                          </m:r>
+                          <m:r>
+                            <a:rPr lang="en-GB" b="0" i="1" smtClean="0">
+                              <a:latin typeface="Cambria Math" charset="0"/>
+                            </a:rPr>
+                            <m:t>𝑡</m:t>
+                          </m:r>
+                        </m:e>
+                      </m:d>
+                      <m:r>
+                        <a:rPr lang="en-GB" i="1">
+                          <a:latin typeface="Cambria Math" charset="0"/>
+                        </a:rPr>
+                        <m:t>=</m:t>
+                      </m:r>
+                      <m:f>
+                        <m:fPr>
+                          <m:ctrlPr>
+                            <a:rPr lang="fi-FI" i="1">
+                              <a:latin typeface="Cambria Math" charset="0"/>
+                            </a:rPr>
+                          </m:ctrlPr>
+                        </m:fPr>
+                        <m:num>
+                          <m:sSup>
+                            <m:sSupPr>
+                              <m:ctrlPr>
+                                <a:rPr lang="is-IS" i="1">
+                                  <a:latin typeface="Cambria Math" charset="0"/>
+                                </a:rPr>
+                              </m:ctrlPr>
+                            </m:sSupPr>
+                            <m:e>
+                              <m:d>
+                                <m:dPr>
+                                  <m:ctrlPr>
+                                    <a:rPr lang="en-US" i="1">
+                                      <a:latin typeface="Cambria Math" charset="0"/>
+                                    </a:rPr>
+                                  </m:ctrlPr>
+                                </m:dPr>
+                                <m:e>
+                                  <m:f>
+                                    <m:fPr>
+                                      <m:ctrlPr>
+                                        <a:rPr lang="fi-FI" i="1">
+                                          <a:latin typeface="Cambria Math" charset="0"/>
+                                        </a:rPr>
+                                      </m:ctrlPr>
+                                    </m:fPr>
+                                    <m:num>
+                                      <m:r>
+                                        <a:rPr lang="en-GB" i="1">
+                                          <a:latin typeface="Cambria Math" charset="0"/>
+                                        </a:rPr>
+                                        <m:t>𝑡</m:t>
+                                      </m:r>
+                                    </m:num>
+                                    <m:den>
+                                      <m:r>
+                                        <a:rPr lang="en-GB" i="1">
+                                          <a:latin typeface="Cambria Math" charset="0"/>
+                                        </a:rPr>
+                                        <m:t>𝑀𝑇𝐵𝐹</m:t>
+                                      </m:r>
+                                    </m:den>
+                                  </m:f>
+                                </m:e>
+                              </m:d>
+                            </m:e>
+                            <m:sup>
+                              <m:r>
+                                <a:rPr lang="en-GB" b="0" i="1" smtClean="0">
+                                  <a:latin typeface="Cambria Math" charset="0"/>
+                                </a:rPr>
+                                <m:t>𝑘</m:t>
+                              </m:r>
+                            </m:sup>
+                          </m:sSup>
+                          <m:r>
+                            <a:rPr lang="en-GB" i="1">
+                              <a:latin typeface="Cambria Math" charset="0"/>
+                            </a:rPr>
+                            <m:t>∗</m:t>
+                          </m:r>
+                          <m:sSup>
+                            <m:sSupPr>
+                              <m:ctrlPr>
+                                <a:rPr lang="is-IS" i="1">
+                                  <a:latin typeface="Cambria Math" charset="0"/>
+                                </a:rPr>
+                              </m:ctrlPr>
+                            </m:sSupPr>
+                            <m:e>
+                              <m:r>
+                                <a:rPr lang="en-GB" i="1">
+                                  <a:latin typeface="Cambria Math" charset="0"/>
+                                </a:rPr>
+                                <m:t>𝑒</m:t>
+                              </m:r>
+                            </m:e>
+                            <m:sup>
+                              <m:r>
+                                <a:rPr lang="en-GB" i="1">
+                                  <a:latin typeface="Cambria Math" charset="0"/>
+                                </a:rPr>
+                                <m:t>−</m:t>
+                              </m:r>
+                              <m:d>
+                                <m:dPr>
+                                  <m:ctrlPr>
+                                    <a:rPr lang="en-US" i="1">
+                                      <a:latin typeface="Cambria Math" charset="0"/>
+                                    </a:rPr>
+                                  </m:ctrlPr>
+                                </m:dPr>
+                                <m:e>
+                                  <m:f>
+                                    <m:fPr>
+                                      <m:ctrlPr>
+                                        <a:rPr lang="fi-FI" i="1">
+                                          <a:latin typeface="Cambria Math" charset="0"/>
+                                        </a:rPr>
+                                      </m:ctrlPr>
+                                    </m:fPr>
+                                    <m:num>
+                                      <m:r>
+                                        <a:rPr lang="en-GB" i="1">
+                                          <a:latin typeface="Cambria Math" charset="0"/>
+                                        </a:rPr>
+                                        <m:t>𝑡</m:t>
+                                      </m:r>
+                                    </m:num>
+                                    <m:den>
+                                      <m:r>
+                                        <a:rPr lang="en-GB" i="1">
+                                          <a:latin typeface="Cambria Math" charset="0"/>
+                                        </a:rPr>
+                                        <m:t>𝑀𝑇𝐵𝐹</m:t>
+                                      </m:r>
+                                    </m:den>
+                                  </m:f>
+                                </m:e>
+                              </m:d>
+                            </m:sup>
+                          </m:sSup>
+                        </m:num>
+                        <m:den>
+                          <m:r>
+                            <a:rPr lang="en-GB" i="1">
+                              <a:latin typeface="Cambria Math" charset="0"/>
+                            </a:rPr>
+                            <m:t>𝑘</m:t>
+                          </m:r>
+                          <m:r>
+                            <a:rPr lang="fi-FI" i="1">
+                              <a:latin typeface="Cambria Math" charset="0"/>
+                            </a:rPr>
+                            <m:t>!</m:t>
+                          </m:r>
+                        </m:den>
+                      </m:f>
+                    </m:oMath>
+                  </m:oMathPara>
+                </a14:m>
+                <a:endParaRPr lang="en-US" dirty="0" smtClean="0"/>
+              </a:p>
+            </p:txBody>
+          </p:sp>
+        </mc:Choice>
+        <mc:Fallback>
+          <p:sp>
+            <p:nvSpPr>
+              <p:cNvPr id="3" name="Content Placeholder 2"/>
+              <p:cNvSpPr>
+                <a:spLocks noGrp="1" noRot="1" noChangeAspect="1" noMove="1" noResize="1" noEditPoints="1" noAdjustHandles="1" noChangeArrowheads="1" noChangeShapeType="1" noTextEdit="1"/>
+              </p:cNvSpPr>
+              <p:nvPr>
+                <p:ph idx="1"/>
+              </p:nvPr>
+            </p:nvSpPr>
+            <p:spPr>
+              <a:blipFill rotWithShape="0">
+                <a:blip r:embed="rId2"/>
+                <a:stretch>
+                  <a:fillRect l="-1515" t="-1667"/>
+                </a:stretch>
+              </a:blipFill>
+            </p:spPr>
+            <p:txBody>
+              <a:bodyPr/>
+              <a:lstStyle/>
+              <a:p>
+                <a:r>
+                  <a:rPr lang="en-US">
+                    <a:noFill/>
+                  </a:rPr>
+                  <a:t> </a:t>
+                </a:r>
+              </a:p>
+            </p:txBody>
+          </p:sp>
+        </mc:Fallback>
+      </mc:AlternateContent>
     </p:spTree>
     <p:extLst>
       <p:ext uri="{BB962C8B-B14F-4D97-AF65-F5344CB8AC3E}">
-        <p14:creationId xmlns:p14="http://schemas.microsoft.com/office/powerpoint/2010/main" val="1976146107"/>
+        <p14:creationId xmlns:p14="http://schemas.microsoft.com/office/powerpoint/2010/main" val="983931630"/>
       </p:ext>
     </p:extLst>
   </p:cSld>
@@ -11053,7 +13325,7 @@
           <a:p>
             <a:r>
               <a:rPr lang="en-US" dirty="0" smtClean="0"/>
-              <a:t>Calvin</a:t>
+              <a:t>Failure distribution</a:t>
             </a:r>
             <a:endParaRPr lang="en-US" dirty="0"/>
           </a:p>
@@ -11071,45 +13343,932 @@
         </p:nvSpPr>
         <p:spPr/>
         <p:txBody>
-          <a:bodyPr/>
+          <a:bodyPr>
+            <a:normAutofit/>
+          </a:bodyPr>
           <a:lstStyle/>
           <a:p>
-            <a:pPr>
-              <a:buFont typeface="Arial" charset="0"/>
-              <a:buChar char="•"/>
+            <a:pPr marL="0" indent="0">
+              <a:buNone/>
             </a:pPr>
-            <a:r>
-              <a:rPr lang="en-US" dirty="0" smtClean="0"/>
-              <a:t>Runtimes</a:t>
-            </a:r>
-          </a:p>
-          <a:p>
-            <a:pPr>
-              <a:buFont typeface="Arial" charset="0"/>
-              <a:buChar char="•"/>
+            <a:endParaRPr lang="en-US" dirty="0" smtClean="0"/>
+          </a:p>
+          <a:p>
+            <a:pPr marL="0" indent="0">
+              <a:buNone/>
             </a:pPr>
-            <a:r>
-              <a:rPr lang="en-US" dirty="0" smtClean="0"/>
-              <a:t>Actors</a:t>
-            </a:r>
-          </a:p>
-          <a:p>
-            <a:pPr>
-              <a:buFont typeface="Arial" charset="0"/>
-              <a:buChar char="•"/>
+            <a:endParaRPr lang="en-US" dirty="0"/>
+          </a:p>
+          <a:p>
+            <a:pPr marL="0" indent="0">
+              <a:buNone/>
             </a:pPr>
-            <a:r>
-              <a:rPr lang="en-US" dirty="0" smtClean="0"/>
-              <a:t>Storage</a:t>
-            </a:r>
+            <a:endParaRPr lang="en-US" dirty="0" smtClean="0"/>
+          </a:p>
+          <a:p>
+            <a:pPr marL="0" indent="0">
+              <a:buNone/>
+            </a:pPr>
+            <a:r>
+              <a:rPr lang="en-US" dirty="0" smtClean="0"/>
+              <a:t>We </a:t>
+            </a:r>
+            <a:r>
+              <a:rPr lang="en-US" dirty="0"/>
+              <a:t>are interested in knowing the probability of a node surviving a time </a:t>
+            </a:r>
+            <a:r>
+              <a:rPr lang="en-US" i="1" dirty="0"/>
+              <a:t>t</a:t>
+            </a:r>
+            <a:r>
+              <a:rPr lang="en-US" dirty="0"/>
+              <a:t>, i.e. no failures</a:t>
+            </a:r>
+          </a:p>
+          <a:p>
+            <a:pPr marL="0" lvl="0" indent="0">
+              <a:buNone/>
+            </a:pPr>
+            <a:endParaRPr lang="en-US" dirty="0" smtClean="0"/>
+          </a:p>
+          <a:p>
+            <a:pPr marL="0" lvl="0" indent="0">
+              <a:buNone/>
+            </a:pPr>
+            <a:endParaRPr lang="en-US" dirty="0" smtClean="0"/>
+          </a:p>
+          <a:p>
+            <a:pPr marL="0" lvl="0" indent="0">
+              <a:buNone/>
+            </a:pPr>
+            <a:r>
+              <a:rPr lang="en-US" dirty="0" smtClean="0"/>
+              <a:t>The probability that a failure occurs is thereby</a:t>
+            </a:r>
+          </a:p>
+          <a:p>
+            <a:pPr marL="0" lvl="0" indent="0">
+              <a:buNone/>
+            </a:pPr>
             <a:endParaRPr lang="en-US" dirty="0"/>
           </a:p>
+          <a:p>
+            <a:pPr marL="0" indent="0">
+              <a:buNone/>
+            </a:pPr>
+            <a:endParaRPr lang="en-US" dirty="0"/>
+          </a:p>
+          <a:p>
+            <a:pPr marL="0" indent="0">
+              <a:buNone/>
+            </a:pPr>
+            <a:endParaRPr lang="en-US" dirty="0"/>
+          </a:p>
+          <a:p>
+            <a:pPr marL="0" lvl="0" indent="0">
+              <a:buNone/>
+            </a:pPr>
+            <a:endParaRPr lang="en-US" dirty="0"/>
+          </a:p>
         </p:txBody>
       </p:sp>
+      <mc:AlternateContent xmlns:mc="http://schemas.openxmlformats.org/markup-compatibility/2006">
+        <mc:Choice xmlns:a14="http://schemas.microsoft.com/office/drawing/2010/main" Requires="a14">
+          <p:sp>
+            <p:nvSpPr>
+              <p:cNvPr id="5" name="Rectangle 4"/>
+              <p:cNvSpPr/>
+              <p:nvPr/>
+            </p:nvSpPr>
+            <p:spPr>
+              <a:xfrm>
+                <a:off x="1097280" y="3493954"/>
+                <a:ext cx="10058400" cy="835037"/>
+              </a:xfrm>
+              <a:prstGeom prst="rect">
+                <a:avLst/>
+              </a:prstGeom>
+            </p:spPr>
+            <p:txBody>
+              <a:bodyPr wrap="square">
+                <a:spAutoFit/>
+              </a:bodyPr>
+              <a:lstStyle/>
+              <a:p>
+                <a14:m>
+                  <m:oMathPara xmlns:m="http://schemas.openxmlformats.org/officeDocument/2006/math">
+                    <m:oMathParaPr>
+                      <m:jc m:val="centerGroup"/>
+                    </m:oMathParaPr>
+                    <m:oMath xmlns:m="http://schemas.openxmlformats.org/officeDocument/2006/math">
+                      <m:r>
+                        <a:rPr lang="en-GB" i="1">
+                          <a:latin typeface="Cambria Math" charset="0"/>
+                        </a:rPr>
+                        <m:t>𝑃</m:t>
+                      </m:r>
+                      <m:d>
+                        <m:dPr>
+                          <m:ctrlPr>
+                            <a:rPr lang="en-GB" i="1">
+                              <a:latin typeface="Cambria Math" charset="0"/>
+                            </a:rPr>
+                          </m:ctrlPr>
+                        </m:dPr>
+                        <m:e>
+                          <m:r>
+                            <a:rPr lang="en-GB" i="1">
+                              <a:latin typeface="Cambria Math" charset="0"/>
+                            </a:rPr>
+                            <m:t>𝑠𝑢𝑟𝑣𝑖𝑣𝑎𝑙</m:t>
+                          </m:r>
+                        </m:e>
+                      </m:d>
+                      <m:r>
+                        <a:rPr lang="en-GB" i="1">
+                          <a:latin typeface="Cambria Math" charset="0"/>
+                        </a:rPr>
+                        <m:t>=</m:t>
+                      </m:r>
+                      <m:r>
+                        <a:rPr lang="en-GB" i="1">
+                          <a:latin typeface="Cambria Math" charset="0"/>
+                        </a:rPr>
+                        <m:t>𝑃</m:t>
+                      </m:r>
+                      <m:d>
+                        <m:dPr>
+                          <m:ctrlPr>
+                            <a:rPr lang="en-GB" i="1">
+                              <a:latin typeface="Cambria Math" charset="0"/>
+                            </a:rPr>
+                          </m:ctrlPr>
+                        </m:dPr>
+                        <m:e>
+                          <m:r>
+                            <a:rPr lang="en-GB" i="1">
+                              <a:latin typeface="Cambria Math" charset="0"/>
+                            </a:rPr>
+                            <m:t>0</m:t>
+                          </m:r>
+                          <m:r>
+                            <a:rPr lang="en-GB" i="1">
+                              <a:latin typeface="Cambria Math" charset="0"/>
+                            </a:rPr>
+                            <m:t> </m:t>
+                          </m:r>
+                          <m:r>
+                            <a:rPr lang="en-GB" i="1">
+                              <a:latin typeface="Cambria Math" charset="0"/>
+                            </a:rPr>
+                            <m:t>𝑓𝑎𝑖𝑙𝑢𝑟𝑒𝑠</m:t>
+                          </m:r>
+                          <m:r>
+                            <a:rPr lang="en-GB" i="1">
+                              <a:latin typeface="Cambria Math" charset="0"/>
+                            </a:rPr>
+                            <m:t> </m:t>
+                          </m:r>
+                          <m:r>
+                            <a:rPr lang="en-GB" i="1">
+                              <a:latin typeface="Cambria Math" charset="0"/>
+                            </a:rPr>
+                            <m:t>𝑑𝑢𝑟𝑖𝑛𝑔</m:t>
+                          </m:r>
+                          <m:r>
+                            <a:rPr lang="en-GB" i="1">
+                              <a:latin typeface="Cambria Math" charset="0"/>
+                            </a:rPr>
+                            <m:t> </m:t>
+                          </m:r>
+                          <m:r>
+                            <a:rPr lang="en-GB" i="1">
+                              <a:latin typeface="Cambria Math" charset="0"/>
+                            </a:rPr>
+                            <m:t>𝑡𝑖𝑚𝑒</m:t>
+                          </m:r>
+                          <m:r>
+                            <a:rPr lang="en-GB" i="1">
+                              <a:latin typeface="Cambria Math" charset="0"/>
+                            </a:rPr>
+                            <m:t> </m:t>
+                          </m:r>
+                          <m:r>
+                            <a:rPr lang="en-GB" i="1">
+                              <a:latin typeface="Cambria Math" charset="0"/>
+                            </a:rPr>
+                            <m:t>𝑡</m:t>
+                          </m:r>
+                        </m:e>
+                      </m:d>
+                      <m:r>
+                        <a:rPr lang="en-GB" i="1">
+                          <a:latin typeface="Cambria Math" charset="0"/>
+                        </a:rPr>
+                        <m:t>=</m:t>
+                      </m:r>
+                      <m:f>
+                        <m:fPr>
+                          <m:ctrlPr>
+                            <a:rPr lang="fi-FI" i="1">
+                              <a:latin typeface="Cambria Math" charset="0"/>
+                            </a:rPr>
+                          </m:ctrlPr>
+                        </m:fPr>
+                        <m:num>
+                          <m:sSup>
+                            <m:sSupPr>
+                              <m:ctrlPr>
+                                <a:rPr lang="is-IS" i="1">
+                                  <a:latin typeface="Cambria Math" charset="0"/>
+                                </a:rPr>
+                              </m:ctrlPr>
+                            </m:sSupPr>
+                            <m:e>
+                              <m:d>
+                                <m:dPr>
+                                  <m:ctrlPr>
+                                    <a:rPr lang="en-US" i="1">
+                                      <a:latin typeface="Cambria Math" charset="0"/>
+                                    </a:rPr>
+                                  </m:ctrlPr>
+                                </m:dPr>
+                                <m:e>
+                                  <m:f>
+                                    <m:fPr>
+                                      <m:ctrlPr>
+                                        <a:rPr lang="fi-FI" i="1">
+                                          <a:latin typeface="Cambria Math" charset="0"/>
+                                        </a:rPr>
+                                      </m:ctrlPr>
+                                    </m:fPr>
+                                    <m:num>
+                                      <m:r>
+                                        <a:rPr lang="en-GB" i="1">
+                                          <a:latin typeface="Cambria Math" charset="0"/>
+                                        </a:rPr>
+                                        <m:t>𝑡</m:t>
+                                      </m:r>
+                                    </m:num>
+                                    <m:den>
+                                      <m:r>
+                                        <a:rPr lang="en-GB" i="1">
+                                          <a:latin typeface="Cambria Math" charset="0"/>
+                                        </a:rPr>
+                                        <m:t>𝑀𝑇𝐵𝐹</m:t>
+                                      </m:r>
+                                    </m:den>
+                                  </m:f>
+                                </m:e>
+                              </m:d>
+                            </m:e>
+                            <m:sup>
+                              <m:r>
+                                <a:rPr lang="en-GB" i="1">
+                                  <a:latin typeface="Cambria Math" charset="0"/>
+                                </a:rPr>
+                                <m:t>0</m:t>
+                              </m:r>
+                            </m:sup>
+                          </m:sSup>
+                          <m:r>
+                            <a:rPr lang="en-GB" i="1">
+                              <a:latin typeface="Cambria Math" charset="0"/>
+                            </a:rPr>
+                            <m:t>∗</m:t>
+                          </m:r>
+                          <m:sSup>
+                            <m:sSupPr>
+                              <m:ctrlPr>
+                                <a:rPr lang="is-IS" i="1">
+                                  <a:latin typeface="Cambria Math" charset="0"/>
+                                </a:rPr>
+                              </m:ctrlPr>
+                            </m:sSupPr>
+                            <m:e>
+                              <m:r>
+                                <a:rPr lang="en-GB" i="1">
+                                  <a:latin typeface="Cambria Math" charset="0"/>
+                                </a:rPr>
+                                <m:t>𝑒</m:t>
+                              </m:r>
+                            </m:e>
+                            <m:sup>
+                              <m:r>
+                                <a:rPr lang="en-GB" i="1">
+                                  <a:latin typeface="Cambria Math" charset="0"/>
+                                </a:rPr>
+                                <m:t>−</m:t>
+                              </m:r>
+                              <m:d>
+                                <m:dPr>
+                                  <m:ctrlPr>
+                                    <a:rPr lang="en-US" i="1">
+                                      <a:latin typeface="Cambria Math" charset="0"/>
+                                    </a:rPr>
+                                  </m:ctrlPr>
+                                </m:dPr>
+                                <m:e>
+                                  <m:f>
+                                    <m:fPr>
+                                      <m:ctrlPr>
+                                        <a:rPr lang="fi-FI" i="1">
+                                          <a:latin typeface="Cambria Math" charset="0"/>
+                                        </a:rPr>
+                                      </m:ctrlPr>
+                                    </m:fPr>
+                                    <m:num>
+                                      <m:r>
+                                        <a:rPr lang="en-GB" i="1">
+                                          <a:latin typeface="Cambria Math" charset="0"/>
+                                        </a:rPr>
+                                        <m:t>𝑡</m:t>
+                                      </m:r>
+                                    </m:num>
+                                    <m:den>
+                                      <m:r>
+                                        <a:rPr lang="en-GB" i="1">
+                                          <a:latin typeface="Cambria Math" charset="0"/>
+                                        </a:rPr>
+                                        <m:t>𝑀𝑇𝐵𝐹</m:t>
+                                      </m:r>
+                                    </m:den>
+                                  </m:f>
+                                </m:e>
+                              </m:d>
+                            </m:sup>
+                          </m:sSup>
+                        </m:num>
+                        <m:den>
+                          <m:r>
+                            <a:rPr lang="en-GB" i="1">
+                              <a:latin typeface="Cambria Math" charset="0"/>
+                            </a:rPr>
+                            <m:t>0</m:t>
+                          </m:r>
+                          <m:r>
+                            <a:rPr lang="fi-FI" i="1">
+                              <a:latin typeface="Cambria Math" charset="0"/>
+                            </a:rPr>
+                            <m:t>!</m:t>
+                          </m:r>
+                        </m:den>
+                      </m:f>
+                      <m:r>
+                        <a:rPr lang="en-GB" i="1">
+                          <a:latin typeface="Cambria Math" charset="0"/>
+                        </a:rPr>
+                        <m:t>=</m:t>
+                      </m:r>
+                      <m:sSup>
+                        <m:sSupPr>
+                          <m:ctrlPr>
+                            <a:rPr lang="is-IS" i="1">
+                              <a:latin typeface="Cambria Math" charset="0"/>
+                            </a:rPr>
+                          </m:ctrlPr>
+                        </m:sSupPr>
+                        <m:e>
+                          <m:r>
+                            <a:rPr lang="en-GB" i="1">
+                              <a:latin typeface="Cambria Math" charset="0"/>
+                            </a:rPr>
+                            <m:t>𝑒</m:t>
+                          </m:r>
+                        </m:e>
+                        <m:sup>
+                          <m:r>
+                            <a:rPr lang="en-GB" i="1">
+                              <a:latin typeface="Cambria Math" charset="0"/>
+                            </a:rPr>
+                            <m:t>−</m:t>
+                          </m:r>
+                          <m:d>
+                            <m:dPr>
+                              <m:ctrlPr>
+                                <a:rPr lang="en-US" i="1">
+                                  <a:latin typeface="Cambria Math" charset="0"/>
+                                </a:rPr>
+                              </m:ctrlPr>
+                            </m:dPr>
+                            <m:e>
+                              <m:f>
+                                <m:fPr>
+                                  <m:ctrlPr>
+                                    <a:rPr lang="fi-FI" i="1">
+                                      <a:latin typeface="Cambria Math" charset="0"/>
+                                    </a:rPr>
+                                  </m:ctrlPr>
+                                </m:fPr>
+                                <m:num>
+                                  <m:r>
+                                    <a:rPr lang="en-GB" i="1">
+                                      <a:latin typeface="Cambria Math" charset="0"/>
+                                    </a:rPr>
+                                    <m:t>𝑡</m:t>
+                                  </m:r>
+                                </m:num>
+                                <m:den>
+                                  <m:r>
+                                    <a:rPr lang="en-GB" i="1">
+                                      <a:latin typeface="Cambria Math" charset="0"/>
+                                    </a:rPr>
+                                    <m:t>𝑀𝑇𝐵𝐹</m:t>
+                                  </m:r>
+                                </m:den>
+                              </m:f>
+                            </m:e>
+                          </m:d>
+                        </m:sup>
+                      </m:sSup>
+                    </m:oMath>
+                  </m:oMathPara>
+                </a14:m>
+                <a:endParaRPr lang="en-US" dirty="0"/>
+              </a:p>
+            </p:txBody>
+          </p:sp>
+        </mc:Choice>
+        <mc:Fallback>
+          <p:sp>
+            <p:nvSpPr>
+              <p:cNvPr id="5" name="Rectangle 4"/>
+              <p:cNvSpPr>
+                <a:spLocks noRot="1" noChangeAspect="1" noMove="1" noResize="1" noEditPoints="1" noAdjustHandles="1" noChangeArrowheads="1" noChangeShapeType="1" noTextEdit="1"/>
+              </p:cNvSpPr>
+              <p:nvPr/>
+            </p:nvSpPr>
+            <p:spPr>
+              <a:xfrm>
+                <a:off x="1097280" y="3493954"/>
+                <a:ext cx="10058400" cy="835037"/>
+              </a:xfrm>
+              <a:prstGeom prst="rect">
+                <a:avLst/>
+              </a:prstGeom>
+              <a:blipFill rotWithShape="0">
+                <a:blip r:embed="rId2"/>
+                <a:stretch>
+                  <a:fillRect/>
+                </a:stretch>
+              </a:blipFill>
+            </p:spPr>
+            <p:txBody>
+              <a:bodyPr/>
+              <a:lstStyle/>
+              <a:p>
+                <a:r>
+                  <a:rPr lang="en-US">
+                    <a:noFill/>
+                  </a:rPr>
+                  <a:t> </a:t>
+                </a:r>
+              </a:p>
+            </p:txBody>
+          </p:sp>
+        </mc:Fallback>
+      </mc:AlternateContent>
+      <mc:AlternateContent xmlns:mc="http://schemas.openxmlformats.org/markup-compatibility/2006">
+        <mc:Choice xmlns:a14="http://schemas.microsoft.com/office/drawing/2010/main" Requires="a14">
+          <p:sp>
+            <p:nvSpPr>
+              <p:cNvPr id="6" name="Rectangle 5"/>
+              <p:cNvSpPr/>
+              <p:nvPr/>
+            </p:nvSpPr>
+            <p:spPr>
+              <a:xfrm>
+                <a:off x="1097280" y="2035349"/>
+                <a:ext cx="10058400" cy="840808"/>
+              </a:xfrm>
+              <a:prstGeom prst="rect">
+                <a:avLst/>
+              </a:prstGeom>
+            </p:spPr>
+            <p:txBody>
+              <a:bodyPr wrap="square">
+                <a:spAutoFit/>
+              </a:bodyPr>
+              <a:lstStyle/>
+              <a:p>
+                <a14:m>
+                  <m:oMathPara xmlns:m="http://schemas.openxmlformats.org/officeDocument/2006/math">
+                    <m:oMathParaPr>
+                      <m:jc m:val="centerGroup"/>
+                    </m:oMathParaPr>
+                    <m:oMath xmlns:m="http://schemas.openxmlformats.org/officeDocument/2006/math">
+                      <m:r>
+                        <a:rPr lang="en-GB" i="1">
+                          <a:latin typeface="Cambria Math" charset="0"/>
+                        </a:rPr>
+                        <m:t>𝑃</m:t>
+                      </m:r>
+                      <m:d>
+                        <m:dPr>
+                          <m:ctrlPr>
+                            <a:rPr lang="en-GB" i="1">
+                              <a:latin typeface="Cambria Math" charset="0"/>
+                            </a:rPr>
+                          </m:ctrlPr>
+                        </m:dPr>
+                        <m:e>
+                          <m:r>
+                            <a:rPr lang="en-GB" i="1">
+                              <a:latin typeface="Cambria Math" charset="0"/>
+                            </a:rPr>
+                            <m:t>𝑘</m:t>
+                          </m:r>
+                          <m:r>
+                            <a:rPr lang="en-GB" i="1">
+                              <a:latin typeface="Cambria Math" charset="0"/>
+                            </a:rPr>
+                            <m:t> </m:t>
+                          </m:r>
+                          <m:r>
+                            <a:rPr lang="en-GB" i="1">
+                              <a:latin typeface="Cambria Math" charset="0"/>
+                            </a:rPr>
+                            <m:t>𝑓𝑎𝑖𝑙𝑢𝑟𝑒𝑠</m:t>
+                          </m:r>
+                          <m:r>
+                            <a:rPr lang="en-GB" i="1">
+                              <a:latin typeface="Cambria Math" charset="0"/>
+                            </a:rPr>
+                            <m:t> </m:t>
+                          </m:r>
+                          <m:r>
+                            <a:rPr lang="en-GB" i="1">
+                              <a:latin typeface="Cambria Math" charset="0"/>
+                            </a:rPr>
+                            <m:t>𝑑𝑢𝑟𝑖𝑛𝑔</m:t>
+                          </m:r>
+                          <m:r>
+                            <a:rPr lang="en-GB" i="1">
+                              <a:latin typeface="Cambria Math" charset="0"/>
+                            </a:rPr>
+                            <m:t> </m:t>
+                          </m:r>
+                          <m:r>
+                            <a:rPr lang="en-GB" i="1">
+                              <a:latin typeface="Cambria Math" charset="0"/>
+                            </a:rPr>
+                            <m:t>𝑡𝑖𝑚𝑒</m:t>
+                          </m:r>
+                          <m:r>
+                            <a:rPr lang="en-GB" i="1">
+                              <a:latin typeface="Cambria Math" charset="0"/>
+                            </a:rPr>
+                            <m:t> </m:t>
+                          </m:r>
+                          <m:r>
+                            <a:rPr lang="en-GB" i="1">
+                              <a:latin typeface="Cambria Math" charset="0"/>
+                            </a:rPr>
+                            <m:t>𝑡</m:t>
+                          </m:r>
+                        </m:e>
+                      </m:d>
+                      <m:r>
+                        <a:rPr lang="en-GB" i="1">
+                          <a:latin typeface="Cambria Math" charset="0"/>
+                        </a:rPr>
+                        <m:t>=</m:t>
+                      </m:r>
+                      <m:f>
+                        <m:fPr>
+                          <m:ctrlPr>
+                            <a:rPr lang="fi-FI" i="1">
+                              <a:latin typeface="Cambria Math" charset="0"/>
+                            </a:rPr>
+                          </m:ctrlPr>
+                        </m:fPr>
+                        <m:num>
+                          <m:sSup>
+                            <m:sSupPr>
+                              <m:ctrlPr>
+                                <a:rPr lang="is-IS" i="1">
+                                  <a:latin typeface="Cambria Math" charset="0"/>
+                                </a:rPr>
+                              </m:ctrlPr>
+                            </m:sSupPr>
+                            <m:e>
+                              <m:d>
+                                <m:dPr>
+                                  <m:ctrlPr>
+                                    <a:rPr lang="en-US" i="1">
+                                      <a:latin typeface="Cambria Math" charset="0"/>
+                                    </a:rPr>
+                                  </m:ctrlPr>
+                                </m:dPr>
+                                <m:e>
+                                  <m:f>
+                                    <m:fPr>
+                                      <m:ctrlPr>
+                                        <a:rPr lang="fi-FI" i="1">
+                                          <a:latin typeface="Cambria Math" charset="0"/>
+                                        </a:rPr>
+                                      </m:ctrlPr>
+                                    </m:fPr>
+                                    <m:num>
+                                      <m:r>
+                                        <a:rPr lang="en-GB" i="1">
+                                          <a:latin typeface="Cambria Math" charset="0"/>
+                                        </a:rPr>
+                                        <m:t>𝑡</m:t>
+                                      </m:r>
+                                    </m:num>
+                                    <m:den>
+                                      <m:r>
+                                        <a:rPr lang="en-GB" i="1">
+                                          <a:latin typeface="Cambria Math" charset="0"/>
+                                        </a:rPr>
+                                        <m:t>𝑀𝑇𝐵𝐹</m:t>
+                                      </m:r>
+                                    </m:den>
+                                  </m:f>
+                                </m:e>
+                              </m:d>
+                            </m:e>
+                            <m:sup>
+                              <m:r>
+                                <a:rPr lang="en-GB" i="1">
+                                  <a:latin typeface="Cambria Math" charset="0"/>
+                                </a:rPr>
+                                <m:t>𝑘</m:t>
+                              </m:r>
+                            </m:sup>
+                          </m:sSup>
+                          <m:r>
+                            <a:rPr lang="en-GB" i="1">
+                              <a:latin typeface="Cambria Math" charset="0"/>
+                            </a:rPr>
+                            <m:t>∗</m:t>
+                          </m:r>
+                          <m:sSup>
+                            <m:sSupPr>
+                              <m:ctrlPr>
+                                <a:rPr lang="is-IS" i="1">
+                                  <a:latin typeface="Cambria Math" charset="0"/>
+                                </a:rPr>
+                              </m:ctrlPr>
+                            </m:sSupPr>
+                            <m:e>
+                              <m:r>
+                                <a:rPr lang="en-GB" i="1">
+                                  <a:latin typeface="Cambria Math" charset="0"/>
+                                </a:rPr>
+                                <m:t>𝑒</m:t>
+                              </m:r>
+                            </m:e>
+                            <m:sup>
+                              <m:r>
+                                <a:rPr lang="en-GB" i="1">
+                                  <a:latin typeface="Cambria Math" charset="0"/>
+                                </a:rPr>
+                                <m:t>−</m:t>
+                              </m:r>
+                              <m:d>
+                                <m:dPr>
+                                  <m:ctrlPr>
+                                    <a:rPr lang="en-US" i="1">
+                                      <a:latin typeface="Cambria Math" charset="0"/>
+                                    </a:rPr>
+                                  </m:ctrlPr>
+                                </m:dPr>
+                                <m:e>
+                                  <m:f>
+                                    <m:fPr>
+                                      <m:ctrlPr>
+                                        <a:rPr lang="fi-FI" i="1">
+                                          <a:latin typeface="Cambria Math" charset="0"/>
+                                        </a:rPr>
+                                      </m:ctrlPr>
+                                    </m:fPr>
+                                    <m:num>
+                                      <m:r>
+                                        <a:rPr lang="en-GB" i="1">
+                                          <a:latin typeface="Cambria Math" charset="0"/>
+                                        </a:rPr>
+                                        <m:t>𝑡</m:t>
+                                      </m:r>
+                                    </m:num>
+                                    <m:den>
+                                      <m:r>
+                                        <a:rPr lang="en-GB" i="1">
+                                          <a:latin typeface="Cambria Math" charset="0"/>
+                                        </a:rPr>
+                                        <m:t>𝑀𝑇𝐵𝐹</m:t>
+                                      </m:r>
+                                    </m:den>
+                                  </m:f>
+                                </m:e>
+                              </m:d>
+                            </m:sup>
+                          </m:sSup>
+                        </m:num>
+                        <m:den>
+                          <m:r>
+                            <a:rPr lang="en-GB" i="1">
+                              <a:latin typeface="Cambria Math" charset="0"/>
+                            </a:rPr>
+                            <m:t>𝑘</m:t>
+                          </m:r>
+                          <m:r>
+                            <a:rPr lang="fi-FI" i="1">
+                              <a:latin typeface="Cambria Math" charset="0"/>
+                            </a:rPr>
+                            <m:t>!</m:t>
+                          </m:r>
+                        </m:den>
+                      </m:f>
+                    </m:oMath>
+                  </m:oMathPara>
+                </a14:m>
+                <a:endParaRPr lang="en-US" dirty="0"/>
+              </a:p>
+            </p:txBody>
+          </p:sp>
+        </mc:Choice>
+        <mc:Fallback>
+          <p:sp>
+            <p:nvSpPr>
+              <p:cNvPr id="6" name="Rectangle 5"/>
+              <p:cNvSpPr>
+                <a:spLocks noRot="1" noChangeAspect="1" noMove="1" noResize="1" noEditPoints="1" noAdjustHandles="1" noChangeArrowheads="1" noChangeShapeType="1" noTextEdit="1"/>
+              </p:cNvSpPr>
+              <p:nvPr/>
+            </p:nvSpPr>
+            <p:spPr>
+              <a:xfrm>
+                <a:off x="1097280" y="2035349"/>
+                <a:ext cx="10058400" cy="840808"/>
+              </a:xfrm>
+              <a:prstGeom prst="rect">
+                <a:avLst/>
+              </a:prstGeom>
+              <a:blipFill rotWithShape="0">
+                <a:blip r:embed="rId3"/>
+                <a:stretch>
+                  <a:fillRect/>
+                </a:stretch>
+              </a:blipFill>
+            </p:spPr>
+            <p:txBody>
+              <a:bodyPr/>
+              <a:lstStyle/>
+              <a:p>
+                <a:r>
+                  <a:rPr lang="en-US">
+                    <a:noFill/>
+                  </a:rPr>
+                  <a:t> </a:t>
+                </a:r>
+              </a:p>
+            </p:txBody>
+          </p:sp>
+        </mc:Fallback>
+      </mc:AlternateContent>
+      <mc:AlternateContent xmlns:mc="http://schemas.openxmlformats.org/markup-compatibility/2006">
+        <mc:Choice xmlns:a14="http://schemas.microsoft.com/office/drawing/2010/main" Requires="a14">
+          <p:sp>
+            <p:nvSpPr>
+              <p:cNvPr id="7" name="Rectangle 6"/>
+              <p:cNvSpPr/>
+              <p:nvPr/>
+            </p:nvSpPr>
+            <p:spPr>
+              <a:xfrm>
+                <a:off x="4467788" y="4946788"/>
+                <a:ext cx="3317383" cy="369332"/>
+              </a:xfrm>
+              <a:prstGeom prst="rect">
+                <a:avLst/>
+              </a:prstGeom>
+            </p:spPr>
+            <p:txBody>
+              <a:bodyPr wrap="none">
+                <a:spAutoFit/>
+              </a:bodyPr>
+              <a:lstStyle/>
+              <a:p>
+                <a:pPr lvl="0"/>
+                <a14:m>
+                  <m:oMathPara xmlns:m="http://schemas.openxmlformats.org/officeDocument/2006/math">
+                    <m:oMathParaPr>
+                      <m:jc m:val="centerGroup"/>
+                    </m:oMathParaPr>
+                    <m:oMath xmlns:m="http://schemas.openxmlformats.org/officeDocument/2006/math">
+                      <m:r>
+                        <a:rPr lang="en-GB" i="1">
+                          <a:latin typeface="Cambria Math" charset="0"/>
+                        </a:rPr>
+                        <m:t>𝑃</m:t>
+                      </m:r>
+                      <m:d>
+                        <m:dPr>
+                          <m:ctrlPr>
+                            <a:rPr lang="en-GB" i="1">
+                              <a:latin typeface="Cambria Math" charset="0"/>
+                            </a:rPr>
+                          </m:ctrlPr>
+                        </m:dPr>
+                        <m:e>
+                          <m:r>
+                            <a:rPr lang="en-GB" i="1">
+                              <a:latin typeface="Cambria Math" charset="0"/>
+                            </a:rPr>
+                            <m:t>𝑓𝑎𝑖𝑙𝑢𝑟𝑒</m:t>
+                          </m:r>
+                        </m:e>
+                      </m:d>
+                      <m:r>
+                        <a:rPr lang="en-GB" i="1">
+                          <a:latin typeface="Cambria Math" charset="0"/>
+                        </a:rPr>
+                        <m:t>=</m:t>
+                      </m:r>
+                      <m:r>
+                        <a:rPr lang="en-GB" i="1">
+                          <a:latin typeface="Cambria Math" charset="0"/>
+                        </a:rPr>
+                        <m:t>1 −</m:t>
+                      </m:r>
+                      <m:r>
+                        <a:rPr lang="en-GB" i="1">
+                          <a:latin typeface="Cambria Math" charset="0"/>
+                        </a:rPr>
+                        <m:t>𝑃</m:t>
+                      </m:r>
+                      <m:r>
+                        <a:rPr lang="en-GB" i="1">
+                          <a:latin typeface="Cambria Math" charset="0"/>
+                        </a:rPr>
+                        <m:t>(</m:t>
+                      </m:r>
+                      <m:r>
+                        <a:rPr lang="en-GB" i="1">
+                          <a:latin typeface="Cambria Math" charset="0"/>
+                        </a:rPr>
+                        <m:t>𝑠𝑢𝑟𝑣𝑖𝑣𝑎𝑙</m:t>
+                      </m:r>
+                      <m:r>
+                        <a:rPr lang="en-GB" i="1">
+                          <a:latin typeface="Cambria Math" charset="0"/>
+                        </a:rPr>
+                        <m:t>)</m:t>
+                      </m:r>
+                    </m:oMath>
+                  </m:oMathPara>
+                </a14:m>
+                <a:endParaRPr lang="en-US" dirty="0"/>
+              </a:p>
+            </p:txBody>
+          </p:sp>
+        </mc:Choice>
+        <mc:Fallback>
+          <p:sp>
+            <p:nvSpPr>
+              <p:cNvPr id="7" name="Rectangle 6"/>
+              <p:cNvSpPr>
+                <a:spLocks noRot="1" noChangeAspect="1" noMove="1" noResize="1" noEditPoints="1" noAdjustHandles="1" noChangeArrowheads="1" noChangeShapeType="1" noTextEdit="1"/>
+              </p:cNvSpPr>
+              <p:nvPr/>
+            </p:nvSpPr>
+            <p:spPr>
+              <a:xfrm>
+                <a:off x="4467788" y="4946788"/>
+                <a:ext cx="3317383" cy="369332"/>
+              </a:xfrm>
+              <a:prstGeom prst="rect">
+                <a:avLst/>
+              </a:prstGeom>
+              <a:blipFill rotWithShape="0">
+                <a:blip r:embed="rId4"/>
+                <a:stretch>
+                  <a:fillRect t="-95082" b="-121311"/>
+                </a:stretch>
+              </a:blipFill>
+            </p:spPr>
+            <p:txBody>
+              <a:bodyPr/>
+              <a:lstStyle/>
+              <a:p>
+                <a:r>
+                  <a:rPr lang="en-US">
+                    <a:noFill/>
+                  </a:rPr>
+                  <a:t> </a:t>
+                </a:r>
+              </a:p>
+            </p:txBody>
+          </p:sp>
+        </mc:Fallback>
+      </mc:AlternateContent>
     </p:spTree>
     <p:extLst>
       <p:ext uri="{BB962C8B-B14F-4D97-AF65-F5344CB8AC3E}">
-        <p14:creationId xmlns:p14="http://schemas.microsoft.com/office/powerpoint/2010/main" val="1337557887"/>
+        <p14:creationId xmlns:p14="http://schemas.microsoft.com/office/powerpoint/2010/main" val="873007415"/>
       </p:ext>
     </p:extLst>
   </p:cSld>

--- a/presentation/presentation.pptx
+++ b/presentation/presentation.pptx
@@ -16,44 +16,47 @@
     <p:sldId id="309" r:id="rId10"/>
     <p:sldId id="302" r:id="rId11"/>
     <p:sldId id="303" r:id="rId12"/>
-    <p:sldId id="294" r:id="rId13"/>
-    <p:sldId id="297" r:id="rId14"/>
-    <p:sldId id="298" r:id="rId15"/>
-    <p:sldId id="299" r:id="rId16"/>
-    <p:sldId id="295" r:id="rId17"/>
-    <p:sldId id="306" r:id="rId18"/>
-    <p:sldId id="282" r:id="rId19"/>
-    <p:sldId id="283" r:id="rId20"/>
-    <p:sldId id="287" r:id="rId21"/>
-    <p:sldId id="284" r:id="rId22"/>
-    <p:sldId id="285" r:id="rId23"/>
-    <p:sldId id="286" r:id="rId24"/>
-    <p:sldId id="304" r:id="rId25"/>
-    <p:sldId id="305" r:id="rId26"/>
-    <p:sldId id="258" r:id="rId27"/>
-    <p:sldId id="259" r:id="rId28"/>
-    <p:sldId id="260" r:id="rId29"/>
-    <p:sldId id="261" r:id="rId30"/>
-    <p:sldId id="263" r:id="rId31"/>
-    <p:sldId id="262" r:id="rId32"/>
-    <p:sldId id="264" r:id="rId33"/>
-    <p:sldId id="265" r:id="rId34"/>
-    <p:sldId id="275" r:id="rId35"/>
-    <p:sldId id="266" r:id="rId36"/>
-    <p:sldId id="267" r:id="rId37"/>
-    <p:sldId id="268" r:id="rId38"/>
-    <p:sldId id="269" r:id="rId39"/>
-    <p:sldId id="270" r:id="rId40"/>
-    <p:sldId id="271" r:id="rId41"/>
-    <p:sldId id="272" r:id="rId42"/>
-    <p:sldId id="274" r:id="rId43"/>
-    <p:sldId id="273" r:id="rId44"/>
-    <p:sldId id="276" r:id="rId45"/>
-    <p:sldId id="277" r:id="rId46"/>
-    <p:sldId id="278" r:id="rId47"/>
-    <p:sldId id="279" r:id="rId48"/>
-    <p:sldId id="280" r:id="rId49"/>
-    <p:sldId id="281" r:id="rId50"/>
+    <p:sldId id="310" r:id="rId13"/>
+    <p:sldId id="311" r:id="rId14"/>
+    <p:sldId id="321" r:id="rId15"/>
+    <p:sldId id="312" r:id="rId16"/>
+    <p:sldId id="313" r:id="rId17"/>
+    <p:sldId id="314" r:id="rId18"/>
+    <p:sldId id="315" r:id="rId19"/>
+    <p:sldId id="316" r:id="rId20"/>
+    <p:sldId id="317" r:id="rId21"/>
+    <p:sldId id="318" r:id="rId22"/>
+    <p:sldId id="319" r:id="rId23"/>
+    <p:sldId id="320" r:id="rId24"/>
+    <p:sldId id="294" r:id="rId25"/>
+    <p:sldId id="297" r:id="rId26"/>
+    <p:sldId id="298" r:id="rId27"/>
+    <p:sldId id="299" r:id="rId28"/>
+    <p:sldId id="295" r:id="rId29"/>
+    <p:sldId id="258" r:id="rId30"/>
+    <p:sldId id="259" r:id="rId31"/>
+    <p:sldId id="260" r:id="rId32"/>
+    <p:sldId id="261" r:id="rId33"/>
+    <p:sldId id="263" r:id="rId34"/>
+    <p:sldId id="262" r:id="rId35"/>
+    <p:sldId id="264" r:id="rId36"/>
+    <p:sldId id="265" r:id="rId37"/>
+    <p:sldId id="275" r:id="rId38"/>
+    <p:sldId id="266" r:id="rId39"/>
+    <p:sldId id="267" r:id="rId40"/>
+    <p:sldId id="268" r:id="rId41"/>
+    <p:sldId id="269" r:id="rId42"/>
+    <p:sldId id="270" r:id="rId43"/>
+    <p:sldId id="271" r:id="rId44"/>
+    <p:sldId id="272" r:id="rId45"/>
+    <p:sldId id="274" r:id="rId46"/>
+    <p:sldId id="273" r:id="rId47"/>
+    <p:sldId id="276" r:id="rId48"/>
+    <p:sldId id="277" r:id="rId49"/>
+    <p:sldId id="278" r:id="rId50"/>
+    <p:sldId id="279" r:id="rId51"/>
+    <p:sldId id="280" r:id="rId52"/>
+    <p:sldId id="281" r:id="rId53"/>
   </p:sldIdLst>
   <p:sldSz cx="12192000" cy="6858000"/>
   <p:notesSz cx="6858000" cy="9144000"/>
@@ -4390,7 +4393,36 @@
           <a:bodyPr/>
           <a:lstStyle/>
           <a:p>
-            <a:pPr lvl="0">
+            <a:pPr marL="0" lvl="0" indent="0">
+              <a:buNone/>
+            </a:pPr>
+            <a:r>
+              <a:rPr lang="en-US" dirty="0" smtClean="0"/>
+              <a:t>Basic idea</a:t>
+            </a:r>
+          </a:p>
+          <a:p>
+            <a:pPr>
+              <a:buFont typeface="Arial" charset="0"/>
+              <a:buChar char="•"/>
+            </a:pPr>
+            <a:r>
+              <a:rPr lang="en-US" dirty="0" smtClean="0"/>
+              <a:t>Create enough replicas to reach the required reliability</a:t>
+            </a:r>
+          </a:p>
+          <a:p>
+            <a:pPr>
+              <a:buFont typeface="Arial" charset="0"/>
+              <a:buChar char="•"/>
+            </a:pPr>
+            <a:r>
+              <a:rPr lang="en-US" dirty="0" smtClean="0"/>
+              <a:t>Detect failures and create new replicas if needed</a:t>
+            </a:r>
+          </a:p>
+          <a:p>
+            <a:pPr>
               <a:buFont typeface="Arial" charset="0"/>
               <a:buChar char="•"/>
             </a:pPr>
@@ -4452,73 +4484,176 @@
           <a:p>
             <a:r>
               <a:rPr lang="en-US" dirty="0" smtClean="0"/>
-              <a:t>Calvin</a:t>
+              <a:t>Ensuring reliability</a:t>
             </a:r>
             <a:endParaRPr lang="en-US" dirty="0"/>
           </a:p>
         </p:txBody>
       </p:sp>
-      <p:sp>
-        <p:nvSpPr>
-          <p:cNvPr id="3" name="Content Placeholder 2"/>
-          <p:cNvSpPr>
-            <a:spLocks noGrp="1"/>
-          </p:cNvSpPr>
-          <p:nvPr>
-            <p:ph idx="1"/>
-          </p:nvPr>
-        </p:nvSpPr>
-        <p:spPr/>
-        <p:txBody>
-          <a:bodyPr/>
-          <a:lstStyle/>
-          <a:p>
-            <a:pPr marL="0" indent="0">
-              <a:buNone/>
-            </a:pPr>
-            <a:r>
-              <a:rPr lang="en-US" dirty="0" smtClean="0"/>
-              <a:t>Calvin is an actor-based application environment for light-weight </a:t>
-            </a:r>
-            <a:r>
-              <a:rPr lang="en-US" dirty="0" err="1" smtClean="0"/>
-              <a:t>IoT</a:t>
-            </a:r>
-            <a:r>
-              <a:rPr lang="en-US" dirty="0" smtClean="0"/>
-              <a:t> applications. Its key components are </a:t>
-            </a:r>
-            <a:r>
-              <a:rPr lang="en-US" i="1" dirty="0" smtClean="0"/>
-              <a:t>runtimes</a:t>
-            </a:r>
-            <a:r>
-              <a:rPr lang="en-US" dirty="0" smtClean="0"/>
-              <a:t>, </a:t>
-            </a:r>
-            <a:r>
-              <a:rPr lang="en-US" i="1" dirty="0" smtClean="0"/>
-              <a:t>actors</a:t>
-            </a:r>
-            <a:r>
-              <a:rPr lang="en-US" dirty="0" smtClean="0"/>
-              <a:t>, and the use of </a:t>
-            </a:r>
-            <a:r>
-              <a:rPr lang="en-US" dirty="0" err="1" smtClean="0"/>
-              <a:t>Kademlia</a:t>
-            </a:r>
-            <a:r>
-              <a:rPr lang="en-US" dirty="0" smtClean="0"/>
-              <a:t>, a distributed hash table</a:t>
-            </a:r>
-          </a:p>
-        </p:txBody>
-      </p:sp>
+      <mc:AlternateContent xmlns:mc="http://schemas.openxmlformats.org/markup-compatibility/2006">
+        <mc:Choice xmlns:a14="http://schemas.microsoft.com/office/drawing/2010/main" Requires="a14">
+          <p:sp>
+            <p:nvSpPr>
+              <p:cNvPr id="3" name="Content Placeholder 2"/>
+              <p:cNvSpPr>
+                <a:spLocks noGrp="1"/>
+              </p:cNvSpPr>
+              <p:nvPr>
+                <p:ph idx="1"/>
+              </p:nvPr>
+            </p:nvSpPr>
+            <p:spPr/>
+            <p:txBody>
+              <a:bodyPr/>
+              <a:lstStyle/>
+              <a:p>
+                <a:pPr marL="0" marR="0" lvl="0" indent="0" defTabSz="914400" eaLnBrk="1" fontAlgn="auto" latinLnBrk="0" hangingPunct="1">
+                  <a:lnSpc>
+                    <a:spcPct val="100000"/>
+                  </a:lnSpc>
+                  <a:spcBef>
+                    <a:spcPts val="0"/>
+                  </a:spcBef>
+                  <a:spcAft>
+                    <a:spcPts val="0"/>
+                  </a:spcAft>
+                  <a:buClrTx/>
+                  <a:buSzTx/>
+                  <a:buFont typeface="Arial" charset="0"/>
+                  <a:buNone/>
+                  <a:tabLst/>
+                  <a:defRPr/>
+                </a:pPr>
+                <a:r>
+                  <a:rPr lang="en-US" dirty="0" smtClean="0"/>
+                  <a:t>Desired reliability: </a:t>
+                </a:r>
+                <a14:m>
+                  <m:oMath xmlns:m="http://schemas.openxmlformats.org/officeDocument/2006/math">
+                    <m:r>
+                      <a:rPr lang="en-GB" b="0" i="1" smtClean="0">
+                        <a:latin typeface="Cambria Math" charset="0"/>
+                      </a:rPr>
+                      <m:t>𝜆</m:t>
+                    </m:r>
+                  </m:oMath>
+                </a14:m>
+                <a:endParaRPr lang="sv-SE" b="0" dirty="0" smtClean="0"/>
+              </a:p>
+              <a:p>
+                <a:pPr marL="0" marR="0" lvl="0" indent="0" defTabSz="914400" eaLnBrk="1" fontAlgn="auto" latinLnBrk="0" hangingPunct="1">
+                  <a:lnSpc>
+                    <a:spcPct val="100000"/>
+                  </a:lnSpc>
+                  <a:spcBef>
+                    <a:spcPts val="0"/>
+                  </a:spcBef>
+                  <a:spcAft>
+                    <a:spcPts val="0"/>
+                  </a:spcAft>
+                  <a:buClrTx/>
+                  <a:buSzTx/>
+                  <a:buFont typeface="Arial" charset="0"/>
+                  <a:buNone/>
+                  <a:tabLst/>
+                  <a:defRPr/>
+                </a:pPr>
+                <a:r>
+                  <a:rPr lang="en-US" dirty="0" smtClean="0"/>
+                  <a:t>Algorithm:</a:t>
+                </a:r>
+              </a:p>
+              <a:p>
+                <a:pPr marL="0" marR="0" lvl="0" indent="0" defTabSz="914400" eaLnBrk="1" fontAlgn="auto" latinLnBrk="0" hangingPunct="1">
+                  <a:lnSpc>
+                    <a:spcPct val="100000"/>
+                  </a:lnSpc>
+                  <a:spcBef>
+                    <a:spcPts val="0"/>
+                  </a:spcBef>
+                  <a:spcAft>
+                    <a:spcPts val="0"/>
+                  </a:spcAft>
+                  <a:buClrTx/>
+                  <a:buSzTx/>
+                  <a:buFont typeface="Arial" charset="0"/>
+                  <a:buNone/>
+                  <a:tabLst/>
+                  <a:defRPr/>
+                </a:pPr>
+                <a:endParaRPr lang="en-US" dirty="0" smtClean="0"/>
+              </a:p>
+            </p:txBody>
+          </p:sp>
+        </mc:Choice>
+        <mc:Fallback>
+          <p:sp>
+            <p:nvSpPr>
+              <p:cNvPr id="3" name="Content Placeholder 2"/>
+              <p:cNvSpPr>
+                <a:spLocks noGrp="1" noRot="1" noChangeAspect="1" noMove="1" noResize="1" noEditPoints="1" noAdjustHandles="1" noChangeArrowheads="1" noChangeShapeType="1" noTextEdit="1"/>
+              </p:cNvSpPr>
+              <p:nvPr>
+                <p:ph idx="1"/>
+              </p:nvPr>
+            </p:nvSpPr>
+            <p:spPr>
+              <a:blipFill rotWithShape="0">
+                <a:blip r:embed="rId2"/>
+                <a:stretch>
+                  <a:fillRect l="-1515" t="-909"/>
+                </a:stretch>
+              </a:blipFill>
+            </p:spPr>
+            <p:txBody>
+              <a:bodyPr/>
+              <a:lstStyle/>
+              <a:p>
+                <a:r>
+                  <a:rPr lang="en-US">
+                    <a:noFill/>
+                  </a:rPr>
+                  <a:t> </a:t>
+                </a:r>
+              </a:p>
+            </p:txBody>
+          </p:sp>
+        </mc:Fallback>
+      </mc:AlternateContent>
+      <p:pic>
+        <p:nvPicPr>
+          <p:cNvPr id="4" name="Picture 3"/>
+          <p:cNvPicPr>
+            <a:picLocks noChangeAspect="1"/>
+          </p:cNvPicPr>
+          <p:nvPr/>
+        </p:nvPicPr>
+        <p:blipFill>
+          <a:blip r:embed="rId3">
+            <a:extLst>
+              <a:ext uri="{28A0092B-C50C-407E-A947-70E740481C1C}">
+                <a14:useLocalDpi xmlns:a14="http://schemas.microsoft.com/office/drawing/2010/main" val="0"/>
+              </a:ext>
+            </a:extLst>
+          </a:blip>
+          <a:stretch>
+            <a:fillRect/>
+          </a:stretch>
+        </p:blipFill>
+        <p:spPr>
+          <a:xfrm>
+            <a:off x="1097280" y="2639956"/>
+            <a:ext cx="6946900" cy="2159000"/>
+          </a:xfrm>
+          <a:prstGeom prst="rect">
+            <a:avLst/>
+          </a:prstGeom>
+        </p:spPr>
+      </p:pic>
     </p:spTree>
     <p:extLst>
       <p:ext uri="{BB962C8B-B14F-4D97-AF65-F5344CB8AC3E}">
-        <p14:creationId xmlns:p14="http://schemas.microsoft.com/office/powerpoint/2010/main" val="1337557887"/>
+        <p14:creationId xmlns:p14="http://schemas.microsoft.com/office/powerpoint/2010/main" val="1114090713"/>
       </p:ext>
     </p:extLst>
   </p:cSld>
@@ -4569,7 +4704,7 @@
           <a:p>
             <a:r>
               <a:rPr lang="en-US" dirty="0" smtClean="0"/>
-              <a:t>Calvin - runtime</a:t>
+              <a:t>Detecting node failure</a:t>
             </a:r>
             <a:endParaRPr lang="en-US" dirty="0"/>
           </a:p>
@@ -4590,45 +4725,225 @@
           <a:bodyPr/>
           <a:lstStyle/>
           <a:p>
-            <a:pPr marL="0" indent="0">
+            <a:pPr marL="0" marR="0" lvl="0" indent="0" defTabSz="914400" eaLnBrk="1" fontAlgn="auto" latinLnBrk="0" hangingPunct="1">
+              <a:lnSpc>
+                <a:spcPct val="100000"/>
+              </a:lnSpc>
+              <a:spcBef>
+                <a:spcPts val="0"/>
+              </a:spcBef>
+              <a:spcAft>
+                <a:spcPts val="0"/>
+              </a:spcAft>
+              <a:buClrTx/>
+              <a:buSzTx/>
+              <a:buFont typeface="Arial" charset="0"/>
               <a:buNone/>
+              <a:tabLst/>
+              <a:defRPr/>
             </a:pPr>
             <a:r>
               <a:rPr lang="en-US" dirty="0" smtClean="0"/>
-              <a:t>A Calvin runtime </a:t>
-            </a:r>
-            <a:r>
-              <a:rPr lang="en-US" dirty="0"/>
-              <a:t>is a self-managed container for application actors and </a:t>
-            </a:r>
-            <a:r>
-              <a:rPr lang="en-US" dirty="0" smtClean="0"/>
-              <a:t>provides </a:t>
-            </a:r>
-            <a:r>
-              <a:rPr lang="en-US" dirty="0"/>
-              <a:t>data transport between actors both within the same runtime and between </a:t>
-            </a:r>
-            <a:r>
-              <a:rPr lang="en-US" dirty="0" smtClean="0"/>
-              <a:t>different </a:t>
-            </a:r>
-            <a:r>
-              <a:rPr lang="en-US" dirty="0"/>
-              <a:t>runtimes</a:t>
+              <a:t>Heartbeats are periodically sent between runtimes. If no heartbeat from a node is received within 500 </a:t>
+            </a:r>
+            <a:r>
+              <a:rPr lang="en-US" dirty="0" err="1" smtClean="0"/>
+              <a:t>ms</a:t>
+            </a:r>
+            <a:r>
+              <a:rPr lang="en-US" dirty="0" smtClean="0"/>
+              <a:t>, it is assumed dead.</a:t>
+            </a:r>
+          </a:p>
+          <a:p>
+            <a:pPr marL="0" marR="0" lvl="0" indent="0" defTabSz="914400" eaLnBrk="1" fontAlgn="auto" latinLnBrk="0" hangingPunct="1">
+              <a:lnSpc>
+                <a:spcPct val="100000"/>
+              </a:lnSpc>
+              <a:spcBef>
+                <a:spcPts val="0"/>
+              </a:spcBef>
+              <a:spcAft>
+                <a:spcPts val="0"/>
+              </a:spcAft>
+              <a:buClrTx/>
+              <a:buSzTx/>
+              <a:buFont typeface="Arial" charset="0"/>
+              <a:buNone/>
+              <a:tabLst/>
+              <a:defRPr/>
+            </a:pPr>
+            <a:endParaRPr lang="en-US" dirty="0" smtClean="0"/>
+          </a:p>
+          <a:p>
+            <a:pPr marL="0" marR="0" lvl="0" indent="0" defTabSz="914400" eaLnBrk="1" fontAlgn="auto" latinLnBrk="0" hangingPunct="1">
+              <a:lnSpc>
+                <a:spcPct val="100000"/>
+              </a:lnSpc>
+              <a:spcBef>
+                <a:spcPts val="0"/>
+              </a:spcBef>
+              <a:spcAft>
+                <a:spcPts val="0"/>
+              </a:spcAft>
+              <a:buClrTx/>
+              <a:buSzTx/>
+              <a:buFont typeface="Arial" charset="0"/>
+              <a:buNone/>
+              <a:tabLst/>
+              <a:defRPr/>
+            </a:pPr>
+            <a:r>
+              <a:rPr lang="en-US" dirty="0" smtClean="0"/>
+              <a:t>Frequency: 200 </a:t>
+            </a:r>
+            <a:r>
+              <a:rPr lang="en-US" dirty="0" err="1" smtClean="0"/>
+              <a:t>ms</a:t>
+            </a:r>
+            <a:endParaRPr lang="en-US" dirty="0" smtClean="0"/>
+          </a:p>
+          <a:p>
+            <a:pPr marL="0" marR="0" lvl="0" indent="0" defTabSz="914400" eaLnBrk="1" fontAlgn="auto" latinLnBrk="0" hangingPunct="1">
+              <a:lnSpc>
+                <a:spcPct val="100000"/>
+              </a:lnSpc>
+              <a:spcBef>
+                <a:spcPts val="0"/>
+              </a:spcBef>
+              <a:spcAft>
+                <a:spcPts val="0"/>
+              </a:spcAft>
+              <a:buClrTx/>
+              <a:buSzTx/>
+              <a:buFont typeface="Arial" charset="0"/>
+              <a:buNone/>
+              <a:tabLst/>
+              <a:defRPr/>
+            </a:pPr>
+            <a:r>
+              <a:rPr lang="en-US" dirty="0" smtClean="0"/>
+              <a:t>Timeout: 500 </a:t>
+            </a:r>
+            <a:r>
+              <a:rPr lang="en-US" dirty="0" err="1" smtClean="0"/>
+              <a:t>ms</a:t>
+            </a:r>
+            <a:endParaRPr lang="en-US" dirty="0" smtClean="0"/>
+          </a:p>
+          <a:p>
+            <a:pPr marL="0" marR="0" lvl="0" indent="0" defTabSz="914400" eaLnBrk="1" fontAlgn="auto" latinLnBrk="0" hangingPunct="1">
+              <a:lnSpc>
+                <a:spcPct val="100000"/>
+              </a:lnSpc>
+              <a:spcBef>
+                <a:spcPts val="0"/>
+              </a:spcBef>
+              <a:spcAft>
+                <a:spcPts val="0"/>
+              </a:spcAft>
+              <a:buClrTx/>
+              <a:buSzTx/>
+              <a:buFont typeface="Arial" charset="0"/>
+              <a:buNone/>
+              <a:tabLst/>
+              <a:defRPr/>
+            </a:pPr>
+            <a:endParaRPr lang="en-US" dirty="0" smtClean="0"/>
+          </a:p>
+          <a:p>
+            <a:pPr marL="0" marR="0" lvl="0" indent="0" defTabSz="914400" eaLnBrk="1" fontAlgn="auto" latinLnBrk="0" hangingPunct="1">
+              <a:lnSpc>
+                <a:spcPct val="100000"/>
+              </a:lnSpc>
+              <a:spcBef>
+                <a:spcPts val="0"/>
+              </a:spcBef>
+              <a:spcAft>
+                <a:spcPts val="0"/>
+              </a:spcAft>
+              <a:buClrTx/>
+              <a:buSzTx/>
+              <a:buFont typeface="Arial" charset="0"/>
+              <a:buNone/>
+              <a:tabLst/>
+              <a:defRPr/>
+            </a:pPr>
+            <a:r>
+              <a:rPr lang="en-US" dirty="0" smtClean="0"/>
+              <a:t>Since we assume high bandwidth low latency connections, the time it takes to send the heartbeat is </a:t>
+            </a:r>
+            <a:r>
+              <a:rPr lang="en-US" dirty="0" err="1" smtClean="0"/>
+              <a:t>neglectable</a:t>
             </a:r>
             <a:r>
               <a:rPr lang="en-US" dirty="0" smtClean="0"/>
               <a:t>.</a:t>
             </a:r>
+          </a:p>
+          <a:p>
+            <a:pPr marL="0" marR="0" lvl="0" indent="0" defTabSz="914400" eaLnBrk="1" fontAlgn="auto" latinLnBrk="0" hangingPunct="1">
+              <a:lnSpc>
+                <a:spcPct val="100000"/>
+              </a:lnSpc>
+              <a:spcBef>
+                <a:spcPts val="0"/>
+              </a:spcBef>
+              <a:spcAft>
+                <a:spcPts val="0"/>
+              </a:spcAft>
+              <a:buClrTx/>
+              <a:buSzTx/>
+              <a:buFont typeface="Arial" charset="0"/>
+              <a:buNone/>
+              <a:tabLst/>
+              <a:defRPr/>
+            </a:pPr>
             <a:endParaRPr lang="en-US" dirty="0"/>
+          </a:p>
+          <a:p>
+            <a:pPr marL="0" marR="0" lvl="0" indent="0" defTabSz="914400" eaLnBrk="1" fontAlgn="auto" latinLnBrk="0" hangingPunct="1">
+              <a:lnSpc>
+                <a:spcPct val="100000"/>
+              </a:lnSpc>
+              <a:spcBef>
+                <a:spcPts val="0"/>
+              </a:spcBef>
+              <a:spcAft>
+                <a:spcPts val="0"/>
+              </a:spcAft>
+              <a:buClrTx/>
+              <a:buSzTx/>
+              <a:buFont typeface="Arial" charset="0"/>
+              <a:buNone/>
+              <a:tabLst/>
+              <a:defRPr/>
+            </a:pPr>
+            <a:r>
+              <a:rPr lang="en-US" dirty="0" smtClean="0"/>
+              <a:t>This gives us a worst case scenario of detecting node failures of 500 </a:t>
+            </a:r>
+            <a:r>
+              <a:rPr lang="en-US" dirty="0" err="1" smtClean="0"/>
+              <a:t>ms</a:t>
+            </a:r>
+            <a:r>
+              <a:rPr lang="en-US" dirty="0" smtClean="0"/>
+              <a:t>, and best case of 300 </a:t>
+            </a:r>
+            <a:r>
+              <a:rPr lang="en-US" dirty="0" err="1" smtClean="0"/>
+              <a:t>ms.</a:t>
+            </a:r>
+            <a:endParaRPr lang="en-US" dirty="0" smtClean="0"/>
           </a:p>
         </p:txBody>
       </p:sp>
     </p:spTree>
     <p:extLst>
       <p:ext uri="{BB962C8B-B14F-4D97-AF65-F5344CB8AC3E}">
-        <p14:creationId xmlns:p14="http://schemas.microsoft.com/office/powerpoint/2010/main" val="1184745539"/>
+        <p14:creationId xmlns:p14="http://schemas.microsoft.com/office/powerpoint/2010/main" val="941594198"/>
       </p:ext>
     </p:extLst>
   </p:cSld>
@@ -4679,6 +4994,1469 @@
           <a:p>
             <a:r>
               <a:rPr lang="en-US" dirty="0" smtClean="0"/>
+              <a:t>Detecting node failure - best and worst case</a:t>
+            </a:r>
+            <a:endParaRPr lang="en-US" dirty="0"/>
+          </a:p>
+        </p:txBody>
+      </p:sp>
+      <p:pic>
+        <p:nvPicPr>
+          <p:cNvPr id="4" name="Content Placeholder 3"/>
+          <p:cNvPicPr>
+            <a:picLocks noGrp="1" noChangeAspect="1"/>
+          </p:cNvPicPr>
+          <p:nvPr>
+            <p:ph idx="1"/>
+          </p:nvPr>
+        </p:nvPicPr>
+        <p:blipFill>
+          <a:blip r:embed="rId2">
+            <a:extLst>
+              <a:ext uri="{28A0092B-C50C-407E-A947-70E740481C1C}">
+                <a14:useLocalDpi xmlns:a14="http://schemas.microsoft.com/office/drawing/2010/main" val="0"/>
+              </a:ext>
+            </a:extLst>
+          </a:blip>
+          <a:stretch>
+            <a:fillRect/>
+          </a:stretch>
+        </p:blipFill>
+        <p:spPr>
+          <a:xfrm>
+            <a:off x="473298" y="1921567"/>
+            <a:ext cx="5050754" cy="4022725"/>
+          </a:xfrm>
+        </p:spPr>
+      </p:pic>
+      <p:pic>
+        <p:nvPicPr>
+          <p:cNvPr id="5" name="Picture 4"/>
+          <p:cNvPicPr>
+            <a:picLocks noChangeAspect="1"/>
+          </p:cNvPicPr>
+          <p:nvPr/>
+        </p:nvPicPr>
+        <p:blipFill>
+          <a:blip r:embed="rId3">
+            <a:extLst>
+              <a:ext uri="{28A0092B-C50C-407E-A947-70E740481C1C}">
+                <a14:useLocalDpi xmlns:a14="http://schemas.microsoft.com/office/drawing/2010/main" val="0"/>
+              </a:ext>
+            </a:extLst>
+          </a:blip>
+          <a:stretch>
+            <a:fillRect/>
+          </a:stretch>
+        </p:blipFill>
+        <p:spPr>
+          <a:xfrm>
+            <a:off x="5760801" y="1921567"/>
+            <a:ext cx="5620640" cy="4022725"/>
+          </a:xfrm>
+          <a:prstGeom prst="rect">
+            <a:avLst/>
+          </a:prstGeom>
+        </p:spPr>
+      </p:pic>
+      <p:sp>
+        <p:nvSpPr>
+          <p:cNvPr id="6" name="TextBox 5"/>
+          <p:cNvSpPr txBox="1"/>
+          <p:nvPr/>
+        </p:nvSpPr>
+        <p:spPr>
+          <a:xfrm>
+            <a:off x="2046623" y="5940989"/>
+            <a:ext cx="1904103" cy="369332"/>
+          </a:xfrm>
+          <a:prstGeom prst="rect">
+            <a:avLst/>
+          </a:prstGeom>
+          <a:noFill/>
+        </p:spPr>
+        <p:txBody>
+          <a:bodyPr wrap="square" rtlCol="0">
+            <a:spAutoFit/>
+          </a:bodyPr>
+          <a:lstStyle/>
+          <a:p>
+            <a:r>
+              <a:rPr lang="en-US" dirty="0" smtClean="0"/>
+              <a:t>Worst: </a:t>
+            </a:r>
+            <a:r>
+              <a:rPr lang="en-US" i="1" dirty="0" smtClean="0"/>
+              <a:t>t</a:t>
+            </a:r>
+            <a:r>
+              <a:rPr lang="en-US" dirty="0" smtClean="0"/>
+              <a:t> = 500’ </a:t>
+            </a:r>
+            <a:r>
+              <a:rPr lang="en-US" dirty="0" err="1" smtClean="0"/>
+              <a:t>ms</a:t>
+            </a:r>
+            <a:endParaRPr lang="en-US" dirty="0"/>
+          </a:p>
+        </p:txBody>
+      </p:sp>
+      <p:sp>
+        <p:nvSpPr>
+          <p:cNvPr id="7" name="TextBox 6"/>
+          <p:cNvSpPr txBox="1"/>
+          <p:nvPr/>
+        </p:nvSpPr>
+        <p:spPr>
+          <a:xfrm>
+            <a:off x="7699751" y="5939605"/>
+            <a:ext cx="1742740" cy="369332"/>
+          </a:xfrm>
+          <a:prstGeom prst="rect">
+            <a:avLst/>
+          </a:prstGeom>
+          <a:noFill/>
+        </p:spPr>
+        <p:txBody>
+          <a:bodyPr wrap="square" rtlCol="0">
+            <a:spAutoFit/>
+          </a:bodyPr>
+          <a:lstStyle/>
+          <a:p>
+            <a:r>
+              <a:rPr lang="en-US" smtClean="0"/>
+              <a:t>Best: </a:t>
+            </a:r>
+            <a:r>
+              <a:rPr lang="en-US" i="1" dirty="0"/>
+              <a:t>t</a:t>
+            </a:r>
+            <a:r>
+              <a:rPr lang="en-US" dirty="0"/>
+              <a:t> </a:t>
+            </a:r>
+            <a:r>
+              <a:rPr lang="en-US"/>
+              <a:t>= </a:t>
+            </a:r>
+            <a:r>
+              <a:rPr lang="en-US" smtClean="0"/>
+              <a:t>300’ </a:t>
+            </a:r>
+            <a:r>
+              <a:rPr lang="en-US" dirty="0" err="1"/>
+              <a:t>ms</a:t>
+            </a:r>
+            <a:endParaRPr lang="en-US" dirty="0"/>
+          </a:p>
+        </p:txBody>
+      </p:sp>
+    </p:spTree>
+    <p:extLst>
+      <p:ext uri="{BB962C8B-B14F-4D97-AF65-F5344CB8AC3E}">
+        <p14:creationId xmlns:p14="http://schemas.microsoft.com/office/powerpoint/2010/main" val="1139611424"/>
+      </p:ext>
+    </p:extLst>
+  </p:cSld>
+  <p:clrMapOvr>
+    <a:masterClrMapping/>
+  </p:clrMapOvr>
+  <p:timing>
+    <p:tnLst>
+      <p:par>
+        <p:cTn id="1" dur="indefinite" restart="never" nodeType="tmRoot"/>
+      </p:par>
+    </p:tnLst>
+  </p:timing>
+</p:sld>
+</file>
+
+<file path=ppt/slides/slide15.xml><?xml version="1.0" encoding="utf-8"?>
+<p:sld xmlns:a="http://schemas.openxmlformats.org/drawingml/2006/main" xmlns:r="http://schemas.openxmlformats.org/officeDocument/2006/relationships" xmlns:p="http://schemas.openxmlformats.org/presentationml/2006/main">
+  <p:cSld>
+    <p:spTree>
+      <p:nvGrpSpPr>
+        <p:cNvPr id="1" name=""/>
+        <p:cNvGrpSpPr/>
+        <p:nvPr/>
+      </p:nvGrpSpPr>
+      <p:grpSpPr>
+        <a:xfrm>
+          <a:off x="0" y="0"/>
+          <a:ext cx="0" cy="0"/>
+          <a:chOff x="0" y="0"/>
+          <a:chExt cx="0" cy="0"/>
+        </a:xfrm>
+      </p:grpSpPr>
+      <p:sp>
+        <p:nvSpPr>
+          <p:cNvPr id="2" name="Title 1"/>
+          <p:cNvSpPr>
+            <a:spLocks noGrp="1"/>
+          </p:cNvSpPr>
+          <p:nvPr>
+            <p:ph type="title"/>
+          </p:nvPr>
+        </p:nvSpPr>
+        <p:spPr/>
+        <p:txBody>
+          <a:bodyPr/>
+          <a:lstStyle/>
+          <a:p>
+            <a:r>
+              <a:rPr lang="en-US" dirty="0" smtClean="0"/>
+              <a:t>Ensuring reliability recap</a:t>
+            </a:r>
+            <a:endParaRPr lang="en-US" dirty="0"/>
+          </a:p>
+        </p:txBody>
+      </p:sp>
+      <p:sp>
+        <p:nvSpPr>
+          <p:cNvPr id="3" name="Content Placeholder 2"/>
+          <p:cNvSpPr>
+            <a:spLocks noGrp="1"/>
+          </p:cNvSpPr>
+          <p:nvPr>
+            <p:ph idx="1"/>
+          </p:nvPr>
+        </p:nvSpPr>
+        <p:spPr/>
+        <p:txBody>
+          <a:bodyPr/>
+          <a:lstStyle/>
+          <a:p>
+            <a:pPr>
+              <a:buFont typeface="Arial" charset="0"/>
+              <a:buChar char="•"/>
+            </a:pPr>
+            <a:r>
+              <a:rPr lang="en-US" dirty="0" smtClean="0"/>
+              <a:t>Goal is to provide a certain level of reliability</a:t>
+            </a:r>
+            <a:endParaRPr lang="en-US" dirty="0"/>
+          </a:p>
+          <a:p>
+            <a:pPr marL="0" indent="0">
+              <a:buNone/>
+            </a:pPr>
+            <a:endParaRPr lang="en-US" b="1" dirty="0"/>
+          </a:p>
+        </p:txBody>
+      </p:sp>
+    </p:spTree>
+    <p:extLst>
+      <p:ext uri="{BB962C8B-B14F-4D97-AF65-F5344CB8AC3E}">
+        <p14:creationId xmlns:p14="http://schemas.microsoft.com/office/powerpoint/2010/main" val="1671772523"/>
+      </p:ext>
+    </p:extLst>
+  </p:cSld>
+  <p:clrMapOvr>
+    <a:masterClrMapping/>
+  </p:clrMapOvr>
+  <p:timing>
+    <p:tnLst>
+      <p:par>
+        <p:cTn id="1" dur="indefinite" restart="never" nodeType="tmRoot"/>
+      </p:par>
+    </p:tnLst>
+  </p:timing>
+</p:sld>
+</file>
+
+<file path=ppt/slides/slide16.xml><?xml version="1.0" encoding="utf-8"?>
+<p:sld xmlns:a="http://schemas.openxmlformats.org/drawingml/2006/main" xmlns:r="http://schemas.openxmlformats.org/officeDocument/2006/relationships" xmlns:p="http://schemas.openxmlformats.org/presentationml/2006/main">
+  <p:cSld>
+    <p:spTree>
+      <p:nvGrpSpPr>
+        <p:cNvPr id="1" name=""/>
+        <p:cNvGrpSpPr/>
+        <p:nvPr/>
+      </p:nvGrpSpPr>
+      <p:grpSpPr>
+        <a:xfrm>
+          <a:off x="0" y="0"/>
+          <a:ext cx="0" cy="0"/>
+          <a:chOff x="0" y="0"/>
+          <a:chExt cx="0" cy="0"/>
+        </a:xfrm>
+      </p:grpSpPr>
+      <p:sp>
+        <p:nvSpPr>
+          <p:cNvPr id="2" name="Title 1"/>
+          <p:cNvSpPr>
+            <a:spLocks noGrp="1"/>
+          </p:cNvSpPr>
+          <p:nvPr>
+            <p:ph type="title"/>
+          </p:nvPr>
+        </p:nvSpPr>
+        <p:spPr/>
+        <p:txBody>
+          <a:bodyPr/>
+          <a:lstStyle/>
+          <a:p>
+            <a:r>
+              <a:rPr lang="en-US" dirty="0" smtClean="0"/>
+              <a:t>Handling node failure</a:t>
+            </a:r>
+            <a:endParaRPr lang="en-US" dirty="0"/>
+          </a:p>
+        </p:txBody>
+      </p:sp>
+      <p:sp>
+        <p:nvSpPr>
+          <p:cNvPr id="3" name="Content Placeholder 2"/>
+          <p:cNvSpPr>
+            <a:spLocks noGrp="1"/>
+          </p:cNvSpPr>
+          <p:nvPr>
+            <p:ph idx="1"/>
+          </p:nvPr>
+        </p:nvSpPr>
+        <p:spPr/>
+        <p:txBody>
+          <a:bodyPr>
+            <a:normAutofit/>
+          </a:bodyPr>
+          <a:lstStyle/>
+          <a:p>
+            <a:pPr marL="0" indent="0">
+              <a:buNone/>
+            </a:pPr>
+            <a:r>
+              <a:rPr lang="en-US" dirty="0" smtClean="0"/>
+              <a:t>When a node failure is detected, every node take the following steps:</a:t>
+            </a:r>
+          </a:p>
+          <a:p>
+            <a:pPr marL="457200" indent="-457200">
+              <a:buFont typeface="+mj-lt"/>
+              <a:buAutoNum type="arabicPeriod"/>
+            </a:pPr>
+            <a:r>
+              <a:rPr lang="en-US" dirty="0" smtClean="0"/>
+              <a:t>Select a node among the remaining nodes, select the one with the highest ID</a:t>
+            </a:r>
+          </a:p>
+          <a:p>
+            <a:pPr marL="457200" indent="-457200">
+              <a:buFont typeface="+mj-lt"/>
+              <a:buAutoNum type="arabicPeriod"/>
+            </a:pPr>
+            <a:r>
+              <a:rPr lang="en-US" dirty="0" smtClean="0"/>
+              <a:t>Send a lost node message to the selected node</a:t>
+            </a:r>
+          </a:p>
+          <a:p>
+            <a:pPr marL="457200" indent="-457200">
+              <a:buFont typeface="+mj-lt"/>
+              <a:buAutoNum type="arabicPeriod"/>
+            </a:pPr>
+            <a:r>
+              <a:rPr lang="en-US" dirty="0" smtClean="0"/>
+              <a:t>Wait for reply</a:t>
+            </a:r>
+          </a:p>
+          <a:p>
+            <a:pPr marL="749808" lvl="1" indent="-457200">
+              <a:buFont typeface="+mj-lt"/>
+              <a:buAutoNum type="arabicPeriod"/>
+            </a:pPr>
+            <a:r>
+              <a:rPr lang="en-US" dirty="0" smtClean="0"/>
+              <a:t>If not reply is received - start over at 1</a:t>
+            </a:r>
+          </a:p>
+          <a:p>
+            <a:pPr marL="749808" lvl="1" indent="-457200">
+              <a:buFont typeface="+mj-lt"/>
+              <a:buAutoNum type="arabicPeriod"/>
+            </a:pPr>
+            <a:r>
+              <a:rPr lang="en-US" dirty="0" smtClean="0"/>
+              <a:t>If reply – we’re done</a:t>
+            </a:r>
+          </a:p>
+          <a:p>
+            <a:pPr marL="0" indent="0">
+              <a:buNone/>
+            </a:pPr>
+            <a:r>
+              <a:rPr lang="en-US" dirty="0" smtClean="0"/>
+              <a:t>The node receiving the lost node messages will check whether or not new replicas are needed, and if so, send replication request to one of the nodes holding a replica. When done, it will send a reply to everyone it received a lost node message from.</a:t>
+            </a:r>
+          </a:p>
+        </p:txBody>
+      </p:sp>
+    </p:spTree>
+    <p:extLst>
+      <p:ext uri="{BB962C8B-B14F-4D97-AF65-F5344CB8AC3E}">
+        <p14:creationId xmlns:p14="http://schemas.microsoft.com/office/powerpoint/2010/main" val="1952240360"/>
+      </p:ext>
+    </p:extLst>
+  </p:cSld>
+  <p:clrMapOvr>
+    <a:masterClrMapping/>
+  </p:clrMapOvr>
+  <p:timing>
+    <p:tnLst>
+      <p:par>
+        <p:cTn id="1" dur="indefinite" restart="never" nodeType="tmRoot"/>
+      </p:par>
+    </p:tnLst>
+  </p:timing>
+</p:sld>
+</file>
+
+<file path=ppt/slides/slide17.xml><?xml version="1.0" encoding="utf-8"?>
+<p:sld xmlns:a="http://schemas.openxmlformats.org/drawingml/2006/main" xmlns:r="http://schemas.openxmlformats.org/officeDocument/2006/relationships" xmlns:p="http://schemas.openxmlformats.org/presentationml/2006/main">
+  <p:cSld>
+    <p:spTree>
+      <p:nvGrpSpPr>
+        <p:cNvPr id="1" name=""/>
+        <p:cNvGrpSpPr/>
+        <p:nvPr/>
+      </p:nvGrpSpPr>
+      <p:grpSpPr>
+        <a:xfrm>
+          <a:off x="0" y="0"/>
+          <a:ext cx="0" cy="0"/>
+          <a:chOff x="0" y="0"/>
+          <a:chExt cx="0" cy="0"/>
+        </a:xfrm>
+      </p:grpSpPr>
+      <p:sp>
+        <p:nvSpPr>
+          <p:cNvPr id="2" name="Title 1"/>
+          <p:cNvSpPr>
+            <a:spLocks noGrp="1"/>
+          </p:cNvSpPr>
+          <p:nvPr>
+            <p:ph type="title"/>
+          </p:nvPr>
+        </p:nvSpPr>
+        <p:spPr/>
+        <p:txBody>
+          <a:bodyPr/>
+          <a:lstStyle/>
+          <a:p>
+            <a:r>
+              <a:rPr lang="en-US" dirty="0" smtClean="0"/>
+              <a:t>Handling node failure cont’d.</a:t>
+            </a:r>
+            <a:endParaRPr lang="en-US" dirty="0"/>
+          </a:p>
+        </p:txBody>
+      </p:sp>
+      <p:pic>
+        <p:nvPicPr>
+          <p:cNvPr id="8" name="Content Placeholder 7"/>
+          <p:cNvPicPr>
+            <a:picLocks noGrp="1" noChangeAspect="1"/>
+          </p:cNvPicPr>
+          <p:nvPr>
+            <p:ph idx="1"/>
+          </p:nvPr>
+        </p:nvPicPr>
+        <p:blipFill>
+          <a:blip r:embed="rId2">
+            <a:extLst>
+              <a:ext uri="{28A0092B-C50C-407E-A947-70E740481C1C}">
+                <a14:useLocalDpi xmlns:a14="http://schemas.microsoft.com/office/drawing/2010/main" val="0"/>
+              </a:ext>
+            </a:extLst>
+          </a:blip>
+          <a:stretch>
+            <a:fillRect/>
+          </a:stretch>
+        </p:blipFill>
+        <p:spPr>
+          <a:xfrm>
+            <a:off x="4335463" y="2066925"/>
+            <a:ext cx="3581400" cy="3581400"/>
+          </a:xfrm>
+        </p:spPr>
+      </p:pic>
+    </p:spTree>
+    <p:extLst>
+      <p:ext uri="{BB962C8B-B14F-4D97-AF65-F5344CB8AC3E}">
+        <p14:creationId xmlns:p14="http://schemas.microsoft.com/office/powerpoint/2010/main" val="2048571654"/>
+      </p:ext>
+    </p:extLst>
+  </p:cSld>
+  <p:clrMapOvr>
+    <a:masterClrMapping/>
+  </p:clrMapOvr>
+  <p:timing>
+    <p:tnLst>
+      <p:par>
+        <p:cTn id="1" dur="indefinite" restart="never" nodeType="tmRoot"/>
+      </p:par>
+    </p:tnLst>
+  </p:timing>
+</p:sld>
+</file>
+
+<file path=ppt/slides/slide18.xml><?xml version="1.0" encoding="utf-8"?>
+<p:sld xmlns:a="http://schemas.openxmlformats.org/drawingml/2006/main" xmlns:r="http://schemas.openxmlformats.org/officeDocument/2006/relationships" xmlns:p="http://schemas.openxmlformats.org/presentationml/2006/main">
+  <p:cSld>
+    <p:spTree>
+      <p:nvGrpSpPr>
+        <p:cNvPr id="1" name=""/>
+        <p:cNvGrpSpPr/>
+        <p:nvPr/>
+      </p:nvGrpSpPr>
+      <p:grpSpPr>
+        <a:xfrm>
+          <a:off x="0" y="0"/>
+          <a:ext cx="0" cy="0"/>
+          <a:chOff x="0" y="0"/>
+          <a:chExt cx="0" cy="0"/>
+        </a:xfrm>
+      </p:grpSpPr>
+      <p:sp>
+        <p:nvSpPr>
+          <p:cNvPr id="2" name="Title 1"/>
+          <p:cNvSpPr>
+            <a:spLocks noGrp="1"/>
+          </p:cNvSpPr>
+          <p:nvPr>
+            <p:ph type="title"/>
+          </p:nvPr>
+        </p:nvSpPr>
+        <p:spPr/>
+        <p:txBody>
+          <a:bodyPr/>
+          <a:lstStyle/>
+          <a:p>
+            <a:r>
+              <a:rPr lang="en-US" dirty="0" smtClean="0"/>
+              <a:t>Handling node failure cont’d.</a:t>
+            </a:r>
+            <a:endParaRPr lang="en-US" dirty="0"/>
+          </a:p>
+        </p:txBody>
+      </p:sp>
+      <p:pic>
+        <p:nvPicPr>
+          <p:cNvPr id="5" name="Content Placeholder 4"/>
+          <p:cNvPicPr>
+            <a:picLocks noGrp="1" noChangeAspect="1"/>
+          </p:cNvPicPr>
+          <p:nvPr>
+            <p:ph idx="1"/>
+          </p:nvPr>
+        </p:nvPicPr>
+        <p:blipFill>
+          <a:blip r:embed="rId2">
+            <a:extLst>
+              <a:ext uri="{28A0092B-C50C-407E-A947-70E740481C1C}">
+                <a14:useLocalDpi xmlns:a14="http://schemas.microsoft.com/office/drawing/2010/main" val="0"/>
+              </a:ext>
+            </a:extLst>
+          </a:blip>
+          <a:stretch>
+            <a:fillRect/>
+          </a:stretch>
+        </p:blipFill>
+        <p:spPr>
+          <a:xfrm>
+            <a:off x="4668054" y="1846263"/>
+            <a:ext cx="2916217" cy="4022725"/>
+          </a:xfrm>
+        </p:spPr>
+      </p:pic>
+    </p:spTree>
+    <p:extLst>
+      <p:ext uri="{BB962C8B-B14F-4D97-AF65-F5344CB8AC3E}">
+        <p14:creationId xmlns:p14="http://schemas.microsoft.com/office/powerpoint/2010/main" val="1885960074"/>
+      </p:ext>
+    </p:extLst>
+  </p:cSld>
+  <p:clrMapOvr>
+    <a:masterClrMapping/>
+  </p:clrMapOvr>
+  <p:timing>
+    <p:tnLst>
+      <p:par>
+        <p:cTn id="1" dur="indefinite" restart="never" nodeType="tmRoot"/>
+      </p:par>
+    </p:tnLst>
+  </p:timing>
+</p:sld>
+</file>
+
+<file path=ppt/slides/slide19.xml><?xml version="1.0" encoding="utf-8"?>
+<p:sld xmlns:a="http://schemas.openxmlformats.org/drawingml/2006/main" xmlns:r="http://schemas.openxmlformats.org/officeDocument/2006/relationships" xmlns:p="http://schemas.openxmlformats.org/presentationml/2006/main">
+  <p:cSld>
+    <p:spTree>
+      <p:nvGrpSpPr>
+        <p:cNvPr id="1" name=""/>
+        <p:cNvGrpSpPr/>
+        <p:nvPr/>
+      </p:nvGrpSpPr>
+      <p:grpSpPr>
+        <a:xfrm>
+          <a:off x="0" y="0"/>
+          <a:ext cx="0" cy="0"/>
+          <a:chOff x="0" y="0"/>
+          <a:chExt cx="0" cy="0"/>
+        </a:xfrm>
+      </p:grpSpPr>
+      <p:sp>
+        <p:nvSpPr>
+          <p:cNvPr id="2" name="Title 1"/>
+          <p:cNvSpPr>
+            <a:spLocks noGrp="1"/>
+          </p:cNvSpPr>
+          <p:nvPr>
+            <p:ph type="title"/>
+          </p:nvPr>
+        </p:nvSpPr>
+        <p:spPr/>
+        <p:txBody>
+          <a:bodyPr/>
+          <a:lstStyle/>
+          <a:p>
+            <a:r>
+              <a:rPr lang="en-US" dirty="0" smtClean="0"/>
+              <a:t>Handling node failure cont’d.</a:t>
+            </a:r>
+            <a:endParaRPr lang="en-US" dirty="0"/>
+          </a:p>
+        </p:txBody>
+      </p:sp>
+      <p:pic>
+        <p:nvPicPr>
+          <p:cNvPr id="9" name="Content Placeholder 8"/>
+          <p:cNvPicPr>
+            <a:picLocks noGrp="1" noChangeAspect="1"/>
+          </p:cNvPicPr>
+          <p:nvPr>
+            <p:ph idx="1"/>
+          </p:nvPr>
+        </p:nvPicPr>
+        <p:blipFill>
+          <a:blip r:embed="rId2">
+            <a:extLst>
+              <a:ext uri="{28A0092B-C50C-407E-A947-70E740481C1C}">
+                <a14:useLocalDpi xmlns:a14="http://schemas.microsoft.com/office/drawing/2010/main" val="0"/>
+              </a:ext>
+            </a:extLst>
+          </a:blip>
+          <a:stretch>
+            <a:fillRect/>
+          </a:stretch>
+        </p:blipFill>
+        <p:spPr>
+          <a:xfrm>
+            <a:off x="4514787" y="1846263"/>
+            <a:ext cx="3222751" cy="4022725"/>
+          </a:xfrm>
+        </p:spPr>
+      </p:pic>
+    </p:spTree>
+    <p:extLst>
+      <p:ext uri="{BB962C8B-B14F-4D97-AF65-F5344CB8AC3E}">
+        <p14:creationId xmlns:p14="http://schemas.microsoft.com/office/powerpoint/2010/main" val="472333998"/>
+      </p:ext>
+    </p:extLst>
+  </p:cSld>
+  <p:clrMapOvr>
+    <a:masterClrMapping/>
+  </p:clrMapOvr>
+  <p:timing>
+    <p:tnLst>
+      <p:par>
+        <p:cTn id="1" dur="indefinite" restart="never" nodeType="tmRoot"/>
+      </p:par>
+    </p:tnLst>
+  </p:timing>
+</p:sld>
+</file>
+
+<file path=ppt/slides/slide2.xml><?xml version="1.0" encoding="utf-8"?>
+<p:sld xmlns:a="http://schemas.openxmlformats.org/drawingml/2006/main" xmlns:r="http://schemas.openxmlformats.org/officeDocument/2006/relationships" xmlns:p="http://schemas.openxmlformats.org/presentationml/2006/main">
+  <p:cSld>
+    <p:spTree>
+      <p:nvGrpSpPr>
+        <p:cNvPr id="1" name=""/>
+        <p:cNvGrpSpPr/>
+        <p:nvPr/>
+      </p:nvGrpSpPr>
+      <p:grpSpPr>
+        <a:xfrm>
+          <a:off x="0" y="0"/>
+          <a:ext cx="0" cy="0"/>
+          <a:chOff x="0" y="0"/>
+          <a:chExt cx="0" cy="0"/>
+        </a:xfrm>
+      </p:grpSpPr>
+      <p:sp>
+        <p:nvSpPr>
+          <p:cNvPr id="2" name="Title 1"/>
+          <p:cNvSpPr>
+            <a:spLocks noGrp="1"/>
+          </p:cNvSpPr>
+          <p:nvPr>
+            <p:ph type="title"/>
+          </p:nvPr>
+        </p:nvSpPr>
+        <p:spPr/>
+        <p:txBody>
+          <a:bodyPr/>
+          <a:lstStyle/>
+          <a:p>
+            <a:r>
+              <a:rPr lang="en-US" dirty="0" smtClean="0"/>
+              <a:t>Agenda</a:t>
+            </a:r>
+            <a:endParaRPr lang="en-US" dirty="0"/>
+          </a:p>
+        </p:txBody>
+      </p:sp>
+      <p:sp>
+        <p:nvSpPr>
+          <p:cNvPr id="3" name="Content Placeholder 2"/>
+          <p:cNvSpPr>
+            <a:spLocks noGrp="1"/>
+          </p:cNvSpPr>
+          <p:nvPr>
+            <p:ph idx="1"/>
+          </p:nvPr>
+        </p:nvSpPr>
+        <p:spPr/>
+        <p:txBody>
+          <a:bodyPr/>
+          <a:lstStyle/>
+          <a:p>
+            <a:pPr marL="457200" indent="-457200">
+              <a:buFont typeface="+mj-lt"/>
+              <a:buAutoNum type="arabicPeriod"/>
+            </a:pPr>
+            <a:r>
+              <a:rPr lang="en-US" dirty="0" smtClean="0"/>
+              <a:t>Introduction</a:t>
+            </a:r>
+          </a:p>
+          <a:p>
+            <a:pPr marL="457200" indent="-457200">
+              <a:buFont typeface="+mj-lt"/>
+              <a:buAutoNum type="arabicPeriod"/>
+            </a:pPr>
+            <a:r>
+              <a:rPr lang="en-US" dirty="0" smtClean="0"/>
+              <a:t>Related work</a:t>
+            </a:r>
+          </a:p>
+          <a:p>
+            <a:pPr marL="457200" indent="-457200">
+              <a:buFont typeface="+mj-lt"/>
+              <a:buAutoNum type="arabicPeriod"/>
+            </a:pPr>
+            <a:r>
+              <a:rPr lang="en-US" dirty="0" smtClean="0"/>
+              <a:t>System model</a:t>
+            </a:r>
+          </a:p>
+          <a:p>
+            <a:pPr marL="457200" indent="-457200">
+              <a:buFont typeface="+mj-lt"/>
+              <a:buAutoNum type="arabicPeriod"/>
+            </a:pPr>
+            <a:r>
+              <a:rPr lang="en-US" dirty="0" smtClean="0"/>
+              <a:t>Reliability model</a:t>
+            </a:r>
+          </a:p>
+          <a:p>
+            <a:pPr marL="457200" indent="-457200">
+              <a:buFont typeface="+mj-lt"/>
+              <a:buAutoNum type="arabicPeriod"/>
+            </a:pPr>
+            <a:r>
+              <a:rPr lang="en-US" dirty="0" smtClean="0"/>
+              <a:t>Self-adapting model</a:t>
+            </a:r>
+          </a:p>
+          <a:p>
+            <a:pPr marL="457200" indent="-457200">
+              <a:buFont typeface="+mj-lt"/>
+              <a:buAutoNum type="arabicPeriod"/>
+            </a:pPr>
+            <a:r>
+              <a:rPr lang="en-US" dirty="0" smtClean="0"/>
+              <a:t>Calvin</a:t>
+            </a:r>
+          </a:p>
+          <a:p>
+            <a:pPr marL="457200" indent="-457200">
+              <a:buFont typeface="+mj-lt"/>
+              <a:buAutoNum type="arabicPeriod"/>
+            </a:pPr>
+            <a:r>
+              <a:rPr lang="en-US" dirty="0" smtClean="0"/>
+              <a:t>Implementation</a:t>
+            </a:r>
+          </a:p>
+          <a:p>
+            <a:pPr marL="457200" indent="-457200">
+              <a:buFont typeface="+mj-lt"/>
+              <a:buAutoNum type="arabicPeriod"/>
+            </a:pPr>
+            <a:r>
+              <a:rPr lang="en-US" dirty="0" smtClean="0"/>
+              <a:t>Experiments</a:t>
+            </a:r>
+          </a:p>
+          <a:p>
+            <a:pPr marL="457200" indent="-457200">
+              <a:buFont typeface="+mj-lt"/>
+              <a:buAutoNum type="arabicPeriod"/>
+            </a:pPr>
+            <a:endParaRPr lang="en-US" dirty="0"/>
+          </a:p>
+        </p:txBody>
+      </p:sp>
+    </p:spTree>
+    <p:extLst>
+      <p:ext uri="{BB962C8B-B14F-4D97-AF65-F5344CB8AC3E}">
+        <p14:creationId xmlns:p14="http://schemas.microsoft.com/office/powerpoint/2010/main" val="658915606"/>
+      </p:ext>
+    </p:extLst>
+  </p:cSld>
+  <p:clrMapOvr>
+    <a:masterClrMapping/>
+  </p:clrMapOvr>
+  <p:timing>
+    <p:tnLst>
+      <p:par>
+        <p:cTn id="1" dur="indefinite" restart="never" nodeType="tmRoot"/>
+      </p:par>
+    </p:tnLst>
+  </p:timing>
+</p:sld>
+</file>
+
+<file path=ppt/slides/slide20.xml><?xml version="1.0" encoding="utf-8"?>
+<p:sld xmlns:a="http://schemas.openxmlformats.org/drawingml/2006/main" xmlns:r="http://schemas.openxmlformats.org/officeDocument/2006/relationships" xmlns:p="http://schemas.openxmlformats.org/presentationml/2006/main">
+  <p:cSld>
+    <p:spTree>
+      <p:nvGrpSpPr>
+        <p:cNvPr id="1" name=""/>
+        <p:cNvGrpSpPr/>
+        <p:nvPr/>
+      </p:nvGrpSpPr>
+      <p:grpSpPr>
+        <a:xfrm>
+          <a:off x="0" y="0"/>
+          <a:ext cx="0" cy="0"/>
+          <a:chOff x="0" y="0"/>
+          <a:chExt cx="0" cy="0"/>
+        </a:xfrm>
+      </p:grpSpPr>
+      <p:sp>
+        <p:nvSpPr>
+          <p:cNvPr id="2" name="Title 1"/>
+          <p:cNvSpPr>
+            <a:spLocks noGrp="1"/>
+          </p:cNvSpPr>
+          <p:nvPr>
+            <p:ph type="title"/>
+          </p:nvPr>
+        </p:nvSpPr>
+        <p:spPr/>
+        <p:txBody>
+          <a:bodyPr/>
+          <a:lstStyle/>
+          <a:p>
+            <a:r>
+              <a:rPr lang="en-US" dirty="0" smtClean="0"/>
+              <a:t>Handling node failure cont’d.</a:t>
+            </a:r>
+            <a:endParaRPr lang="en-US" dirty="0"/>
+          </a:p>
+        </p:txBody>
+      </p:sp>
+      <p:pic>
+        <p:nvPicPr>
+          <p:cNvPr id="3" name="Content Placeholder 2"/>
+          <p:cNvPicPr>
+            <a:picLocks noGrp="1" noChangeAspect="1"/>
+          </p:cNvPicPr>
+          <p:nvPr>
+            <p:ph idx="1"/>
+          </p:nvPr>
+        </p:nvPicPr>
+        <p:blipFill>
+          <a:blip r:embed="rId2">
+            <a:extLst>
+              <a:ext uri="{28A0092B-C50C-407E-A947-70E740481C1C}">
+                <a14:useLocalDpi xmlns:a14="http://schemas.microsoft.com/office/drawing/2010/main" val="0"/>
+              </a:ext>
+            </a:extLst>
+          </a:blip>
+          <a:stretch>
+            <a:fillRect/>
+          </a:stretch>
+        </p:blipFill>
+        <p:spPr>
+          <a:xfrm>
+            <a:off x="4467671" y="1846263"/>
+            <a:ext cx="3316983" cy="4022725"/>
+          </a:xfrm>
+        </p:spPr>
+      </p:pic>
+    </p:spTree>
+    <p:extLst>
+      <p:ext uri="{BB962C8B-B14F-4D97-AF65-F5344CB8AC3E}">
+        <p14:creationId xmlns:p14="http://schemas.microsoft.com/office/powerpoint/2010/main" val="1417945074"/>
+      </p:ext>
+    </p:extLst>
+  </p:cSld>
+  <p:clrMapOvr>
+    <a:masterClrMapping/>
+  </p:clrMapOvr>
+  <p:timing>
+    <p:tnLst>
+      <p:par>
+        <p:cTn id="1" dur="indefinite" restart="never" nodeType="tmRoot"/>
+      </p:par>
+    </p:tnLst>
+  </p:timing>
+</p:sld>
+</file>
+
+<file path=ppt/slides/slide21.xml><?xml version="1.0" encoding="utf-8"?>
+<p:sld xmlns:a="http://schemas.openxmlformats.org/drawingml/2006/main" xmlns:r="http://schemas.openxmlformats.org/officeDocument/2006/relationships" xmlns:p="http://schemas.openxmlformats.org/presentationml/2006/main">
+  <p:cSld>
+    <p:spTree>
+      <p:nvGrpSpPr>
+        <p:cNvPr id="1" name=""/>
+        <p:cNvGrpSpPr/>
+        <p:nvPr/>
+      </p:nvGrpSpPr>
+      <p:grpSpPr>
+        <a:xfrm>
+          <a:off x="0" y="0"/>
+          <a:ext cx="0" cy="0"/>
+          <a:chOff x="0" y="0"/>
+          <a:chExt cx="0" cy="0"/>
+        </a:xfrm>
+      </p:grpSpPr>
+      <p:sp>
+        <p:nvSpPr>
+          <p:cNvPr id="2" name="Title 1"/>
+          <p:cNvSpPr>
+            <a:spLocks noGrp="1"/>
+          </p:cNvSpPr>
+          <p:nvPr>
+            <p:ph type="title"/>
+          </p:nvPr>
+        </p:nvSpPr>
+        <p:spPr/>
+        <p:txBody>
+          <a:bodyPr/>
+          <a:lstStyle/>
+          <a:p>
+            <a:r>
+              <a:rPr lang="en-US" dirty="0" smtClean="0"/>
+              <a:t>Handling node failure cont’d.</a:t>
+            </a:r>
+            <a:endParaRPr lang="en-US" dirty="0"/>
+          </a:p>
+        </p:txBody>
+      </p:sp>
+      <p:pic>
+        <p:nvPicPr>
+          <p:cNvPr id="5" name="Content Placeholder 4"/>
+          <p:cNvPicPr>
+            <a:picLocks noGrp="1" noChangeAspect="1"/>
+          </p:cNvPicPr>
+          <p:nvPr>
+            <p:ph idx="1"/>
+          </p:nvPr>
+        </p:nvPicPr>
+        <p:blipFill>
+          <a:blip r:embed="rId2">
+            <a:extLst>
+              <a:ext uri="{28A0092B-C50C-407E-A947-70E740481C1C}">
+                <a14:useLocalDpi xmlns:a14="http://schemas.microsoft.com/office/drawing/2010/main" val="0"/>
+              </a:ext>
+            </a:extLst>
+          </a:blip>
+          <a:stretch>
+            <a:fillRect/>
+          </a:stretch>
+        </p:blipFill>
+        <p:spPr>
+          <a:xfrm>
+            <a:off x="4467671" y="1846263"/>
+            <a:ext cx="3316983" cy="4022725"/>
+          </a:xfrm>
+        </p:spPr>
+      </p:pic>
+    </p:spTree>
+    <p:extLst>
+      <p:ext uri="{BB962C8B-B14F-4D97-AF65-F5344CB8AC3E}">
+        <p14:creationId xmlns:p14="http://schemas.microsoft.com/office/powerpoint/2010/main" val="776827959"/>
+      </p:ext>
+    </p:extLst>
+  </p:cSld>
+  <p:clrMapOvr>
+    <a:masterClrMapping/>
+  </p:clrMapOvr>
+  <p:timing>
+    <p:tnLst>
+      <p:par>
+        <p:cTn id="1" dur="indefinite" restart="never" nodeType="tmRoot"/>
+      </p:par>
+    </p:tnLst>
+  </p:timing>
+</p:sld>
+</file>
+
+<file path=ppt/slides/slide22.xml><?xml version="1.0" encoding="utf-8"?>
+<p:sld xmlns:a="http://schemas.openxmlformats.org/drawingml/2006/main" xmlns:r="http://schemas.openxmlformats.org/officeDocument/2006/relationships" xmlns:p="http://schemas.openxmlformats.org/presentationml/2006/main">
+  <p:cSld>
+    <p:spTree>
+      <p:nvGrpSpPr>
+        <p:cNvPr id="1" name=""/>
+        <p:cNvGrpSpPr/>
+        <p:nvPr/>
+      </p:nvGrpSpPr>
+      <p:grpSpPr>
+        <a:xfrm>
+          <a:off x="0" y="0"/>
+          <a:ext cx="0" cy="0"/>
+          <a:chOff x="0" y="0"/>
+          <a:chExt cx="0" cy="0"/>
+        </a:xfrm>
+      </p:grpSpPr>
+      <p:sp>
+        <p:nvSpPr>
+          <p:cNvPr id="2" name="Title 1"/>
+          <p:cNvSpPr>
+            <a:spLocks noGrp="1"/>
+          </p:cNvSpPr>
+          <p:nvPr>
+            <p:ph type="title"/>
+          </p:nvPr>
+        </p:nvSpPr>
+        <p:spPr/>
+        <p:txBody>
+          <a:bodyPr/>
+          <a:lstStyle/>
+          <a:p>
+            <a:r>
+              <a:rPr lang="en-US" dirty="0" smtClean="0"/>
+              <a:t>Example – before failure</a:t>
+            </a:r>
+            <a:endParaRPr lang="en-US" dirty="0"/>
+          </a:p>
+        </p:txBody>
+      </p:sp>
+      <p:pic>
+        <p:nvPicPr>
+          <p:cNvPr id="4" name="Content Placeholder 3"/>
+          <p:cNvPicPr>
+            <a:picLocks noGrp="1" noChangeAspect="1"/>
+          </p:cNvPicPr>
+          <p:nvPr>
+            <p:ph idx="1"/>
+          </p:nvPr>
+        </p:nvPicPr>
+        <p:blipFill>
+          <a:blip r:embed="rId2">
+            <a:extLst>
+              <a:ext uri="{28A0092B-C50C-407E-A947-70E740481C1C}">
+                <a14:useLocalDpi xmlns:a14="http://schemas.microsoft.com/office/drawing/2010/main" val="0"/>
+              </a:ext>
+            </a:extLst>
+          </a:blip>
+          <a:stretch>
+            <a:fillRect/>
+          </a:stretch>
+        </p:blipFill>
+        <p:spPr>
+          <a:xfrm>
+            <a:off x="2557463" y="2066925"/>
+            <a:ext cx="7137400" cy="3581400"/>
+          </a:xfrm>
+        </p:spPr>
+      </p:pic>
+    </p:spTree>
+    <p:extLst>
+      <p:ext uri="{BB962C8B-B14F-4D97-AF65-F5344CB8AC3E}">
+        <p14:creationId xmlns:p14="http://schemas.microsoft.com/office/powerpoint/2010/main" val="1594416800"/>
+      </p:ext>
+    </p:extLst>
+  </p:cSld>
+  <p:clrMapOvr>
+    <a:masterClrMapping/>
+  </p:clrMapOvr>
+  <p:timing>
+    <p:tnLst>
+      <p:par>
+        <p:cTn id="1" dur="indefinite" restart="never" nodeType="tmRoot"/>
+      </p:par>
+    </p:tnLst>
+  </p:timing>
+</p:sld>
+</file>
+
+<file path=ppt/slides/slide23.xml><?xml version="1.0" encoding="utf-8"?>
+<p:sld xmlns:a="http://schemas.openxmlformats.org/drawingml/2006/main" xmlns:r="http://schemas.openxmlformats.org/officeDocument/2006/relationships" xmlns:p="http://schemas.openxmlformats.org/presentationml/2006/main">
+  <p:cSld>
+    <p:spTree>
+      <p:nvGrpSpPr>
+        <p:cNvPr id="1" name=""/>
+        <p:cNvGrpSpPr/>
+        <p:nvPr/>
+      </p:nvGrpSpPr>
+      <p:grpSpPr>
+        <a:xfrm>
+          <a:off x="0" y="0"/>
+          <a:ext cx="0" cy="0"/>
+          <a:chOff x="0" y="0"/>
+          <a:chExt cx="0" cy="0"/>
+        </a:xfrm>
+      </p:grpSpPr>
+      <p:sp>
+        <p:nvSpPr>
+          <p:cNvPr id="2" name="Title 1"/>
+          <p:cNvSpPr>
+            <a:spLocks noGrp="1"/>
+          </p:cNvSpPr>
+          <p:nvPr>
+            <p:ph type="title"/>
+          </p:nvPr>
+        </p:nvSpPr>
+        <p:spPr/>
+        <p:txBody>
+          <a:bodyPr/>
+          <a:lstStyle/>
+          <a:p>
+            <a:r>
+              <a:rPr lang="en-US" dirty="0" smtClean="0"/>
+              <a:t>Example – after failure</a:t>
+            </a:r>
+            <a:endParaRPr lang="en-US" dirty="0"/>
+          </a:p>
+        </p:txBody>
+      </p:sp>
+      <p:pic>
+        <p:nvPicPr>
+          <p:cNvPr id="5" name="Content Placeholder 4"/>
+          <p:cNvPicPr>
+            <a:picLocks noGrp="1" noChangeAspect="1"/>
+          </p:cNvPicPr>
+          <p:nvPr>
+            <p:ph idx="1"/>
+          </p:nvPr>
+        </p:nvPicPr>
+        <p:blipFill>
+          <a:blip r:embed="rId2">
+            <a:extLst>
+              <a:ext uri="{28A0092B-C50C-407E-A947-70E740481C1C}">
+                <a14:useLocalDpi xmlns:a14="http://schemas.microsoft.com/office/drawing/2010/main" val="0"/>
+              </a:ext>
+            </a:extLst>
+          </a:blip>
+          <a:stretch>
+            <a:fillRect/>
+          </a:stretch>
+        </p:blipFill>
+        <p:spPr>
+          <a:xfrm>
+            <a:off x="2557463" y="2060575"/>
+            <a:ext cx="7137400" cy="3594100"/>
+          </a:xfrm>
+        </p:spPr>
+      </p:pic>
+    </p:spTree>
+    <p:extLst>
+      <p:ext uri="{BB962C8B-B14F-4D97-AF65-F5344CB8AC3E}">
+        <p14:creationId xmlns:p14="http://schemas.microsoft.com/office/powerpoint/2010/main" val="1062210334"/>
+      </p:ext>
+    </p:extLst>
+  </p:cSld>
+  <p:clrMapOvr>
+    <a:masterClrMapping/>
+  </p:clrMapOvr>
+  <p:timing>
+    <p:tnLst>
+      <p:par>
+        <p:cTn id="1" dur="indefinite" restart="never" nodeType="tmRoot"/>
+      </p:par>
+    </p:tnLst>
+  </p:timing>
+</p:sld>
+</file>
+
+<file path=ppt/slides/slide24.xml><?xml version="1.0" encoding="utf-8"?>
+<p:sld xmlns:a="http://schemas.openxmlformats.org/drawingml/2006/main" xmlns:r="http://schemas.openxmlformats.org/officeDocument/2006/relationships" xmlns:p="http://schemas.openxmlformats.org/presentationml/2006/main">
+  <p:cSld>
+    <p:spTree>
+      <p:nvGrpSpPr>
+        <p:cNvPr id="1" name=""/>
+        <p:cNvGrpSpPr/>
+        <p:nvPr/>
+      </p:nvGrpSpPr>
+      <p:grpSpPr>
+        <a:xfrm>
+          <a:off x="0" y="0"/>
+          <a:ext cx="0" cy="0"/>
+          <a:chOff x="0" y="0"/>
+          <a:chExt cx="0" cy="0"/>
+        </a:xfrm>
+      </p:grpSpPr>
+      <p:sp>
+        <p:nvSpPr>
+          <p:cNvPr id="2" name="Title 1"/>
+          <p:cNvSpPr>
+            <a:spLocks noGrp="1"/>
+          </p:cNvSpPr>
+          <p:nvPr>
+            <p:ph type="title"/>
+          </p:nvPr>
+        </p:nvSpPr>
+        <p:spPr/>
+        <p:txBody>
+          <a:bodyPr/>
+          <a:lstStyle/>
+          <a:p>
+            <a:r>
+              <a:rPr lang="en-US" dirty="0" smtClean="0"/>
+              <a:t>Calvin</a:t>
+            </a:r>
+            <a:endParaRPr lang="en-US" dirty="0"/>
+          </a:p>
+        </p:txBody>
+      </p:sp>
+      <p:sp>
+        <p:nvSpPr>
+          <p:cNvPr id="3" name="Content Placeholder 2"/>
+          <p:cNvSpPr>
+            <a:spLocks noGrp="1"/>
+          </p:cNvSpPr>
+          <p:nvPr>
+            <p:ph idx="1"/>
+          </p:nvPr>
+        </p:nvSpPr>
+        <p:spPr/>
+        <p:txBody>
+          <a:bodyPr/>
+          <a:lstStyle/>
+          <a:p>
+            <a:pPr marL="0" indent="0">
+              <a:buNone/>
+            </a:pPr>
+            <a:r>
+              <a:rPr lang="en-US" dirty="0" smtClean="0"/>
+              <a:t>Calvin is an actor-based application environment for light-weight </a:t>
+            </a:r>
+            <a:r>
+              <a:rPr lang="en-US" dirty="0" err="1" smtClean="0"/>
+              <a:t>IoT</a:t>
+            </a:r>
+            <a:r>
+              <a:rPr lang="en-US" dirty="0" smtClean="0"/>
+              <a:t> applications. Its key components are </a:t>
+            </a:r>
+            <a:r>
+              <a:rPr lang="en-US" i="1" dirty="0" smtClean="0"/>
+              <a:t>runtimes</a:t>
+            </a:r>
+            <a:r>
+              <a:rPr lang="en-US" dirty="0" smtClean="0"/>
+              <a:t>, </a:t>
+            </a:r>
+            <a:r>
+              <a:rPr lang="en-US" i="1" dirty="0" smtClean="0"/>
+              <a:t>actors</a:t>
+            </a:r>
+            <a:r>
+              <a:rPr lang="en-US" dirty="0" smtClean="0"/>
+              <a:t>, and the use of </a:t>
+            </a:r>
+            <a:r>
+              <a:rPr lang="en-US" dirty="0" err="1" smtClean="0"/>
+              <a:t>Kademlia</a:t>
+            </a:r>
+            <a:r>
+              <a:rPr lang="en-US" dirty="0" smtClean="0"/>
+              <a:t>, a distributed hash table</a:t>
+            </a:r>
+          </a:p>
+        </p:txBody>
+      </p:sp>
+    </p:spTree>
+    <p:extLst>
+      <p:ext uri="{BB962C8B-B14F-4D97-AF65-F5344CB8AC3E}">
+        <p14:creationId xmlns:p14="http://schemas.microsoft.com/office/powerpoint/2010/main" val="1337557887"/>
+      </p:ext>
+    </p:extLst>
+  </p:cSld>
+  <p:clrMapOvr>
+    <a:masterClrMapping/>
+  </p:clrMapOvr>
+  <p:timing>
+    <p:tnLst>
+      <p:par>
+        <p:cTn id="1" dur="indefinite" restart="never" nodeType="tmRoot"/>
+      </p:par>
+    </p:tnLst>
+  </p:timing>
+</p:sld>
+</file>
+
+<file path=ppt/slides/slide25.xml><?xml version="1.0" encoding="utf-8"?>
+<p:sld xmlns:a="http://schemas.openxmlformats.org/drawingml/2006/main" xmlns:r="http://schemas.openxmlformats.org/officeDocument/2006/relationships" xmlns:p="http://schemas.openxmlformats.org/presentationml/2006/main">
+  <p:cSld>
+    <p:spTree>
+      <p:nvGrpSpPr>
+        <p:cNvPr id="1" name=""/>
+        <p:cNvGrpSpPr/>
+        <p:nvPr/>
+      </p:nvGrpSpPr>
+      <p:grpSpPr>
+        <a:xfrm>
+          <a:off x="0" y="0"/>
+          <a:ext cx="0" cy="0"/>
+          <a:chOff x="0" y="0"/>
+          <a:chExt cx="0" cy="0"/>
+        </a:xfrm>
+      </p:grpSpPr>
+      <p:sp>
+        <p:nvSpPr>
+          <p:cNvPr id="2" name="Title 1"/>
+          <p:cNvSpPr>
+            <a:spLocks noGrp="1"/>
+          </p:cNvSpPr>
+          <p:nvPr>
+            <p:ph type="title"/>
+          </p:nvPr>
+        </p:nvSpPr>
+        <p:spPr/>
+        <p:txBody>
+          <a:bodyPr/>
+          <a:lstStyle/>
+          <a:p>
+            <a:r>
+              <a:rPr lang="en-US" dirty="0" smtClean="0"/>
+              <a:t>Calvin - runtime</a:t>
+            </a:r>
+            <a:endParaRPr lang="en-US" dirty="0"/>
+          </a:p>
+        </p:txBody>
+      </p:sp>
+      <p:sp>
+        <p:nvSpPr>
+          <p:cNvPr id="3" name="Content Placeholder 2"/>
+          <p:cNvSpPr>
+            <a:spLocks noGrp="1"/>
+          </p:cNvSpPr>
+          <p:nvPr>
+            <p:ph idx="1"/>
+          </p:nvPr>
+        </p:nvSpPr>
+        <p:spPr/>
+        <p:txBody>
+          <a:bodyPr/>
+          <a:lstStyle/>
+          <a:p>
+            <a:pPr marL="0" indent="0">
+              <a:buNone/>
+            </a:pPr>
+            <a:r>
+              <a:rPr lang="en-US" dirty="0" smtClean="0"/>
+              <a:t>A Calvin runtime </a:t>
+            </a:r>
+            <a:r>
+              <a:rPr lang="en-US" dirty="0"/>
+              <a:t>is a self-managed container for application actors and </a:t>
+            </a:r>
+            <a:r>
+              <a:rPr lang="en-US" dirty="0" smtClean="0"/>
+              <a:t>provides </a:t>
+            </a:r>
+            <a:r>
+              <a:rPr lang="en-US" dirty="0"/>
+              <a:t>data transport between actors both within the same runtime and between </a:t>
+            </a:r>
+            <a:r>
+              <a:rPr lang="en-US" dirty="0" smtClean="0"/>
+              <a:t>different </a:t>
+            </a:r>
+            <a:r>
+              <a:rPr lang="en-US" dirty="0"/>
+              <a:t>runtimes</a:t>
+            </a:r>
+            <a:r>
+              <a:rPr lang="en-US" dirty="0" smtClean="0"/>
+              <a:t>.</a:t>
+            </a:r>
+            <a:endParaRPr lang="en-US" dirty="0"/>
+          </a:p>
+        </p:txBody>
+      </p:sp>
+    </p:spTree>
+    <p:extLst>
+      <p:ext uri="{BB962C8B-B14F-4D97-AF65-F5344CB8AC3E}">
+        <p14:creationId xmlns:p14="http://schemas.microsoft.com/office/powerpoint/2010/main" val="1184745539"/>
+      </p:ext>
+    </p:extLst>
+  </p:cSld>
+  <p:clrMapOvr>
+    <a:masterClrMapping/>
+  </p:clrMapOvr>
+  <p:timing>
+    <p:tnLst>
+      <p:par>
+        <p:cTn id="1" dur="indefinite" restart="never" nodeType="tmRoot"/>
+      </p:par>
+    </p:tnLst>
+  </p:timing>
+</p:sld>
+</file>
+
+<file path=ppt/slides/slide26.xml><?xml version="1.0" encoding="utf-8"?>
+<p:sld xmlns:a="http://schemas.openxmlformats.org/drawingml/2006/main" xmlns:r="http://schemas.openxmlformats.org/officeDocument/2006/relationships" xmlns:p="http://schemas.openxmlformats.org/presentationml/2006/main">
+  <p:cSld>
+    <p:spTree>
+      <p:nvGrpSpPr>
+        <p:cNvPr id="1" name=""/>
+        <p:cNvGrpSpPr/>
+        <p:nvPr/>
+      </p:nvGrpSpPr>
+      <p:grpSpPr>
+        <a:xfrm>
+          <a:off x="0" y="0"/>
+          <a:ext cx="0" cy="0"/>
+          <a:chOff x="0" y="0"/>
+          <a:chExt cx="0" cy="0"/>
+        </a:xfrm>
+      </p:grpSpPr>
+      <p:sp>
+        <p:nvSpPr>
+          <p:cNvPr id="2" name="Title 1"/>
+          <p:cNvSpPr>
+            <a:spLocks noGrp="1"/>
+          </p:cNvSpPr>
+          <p:nvPr>
+            <p:ph type="title"/>
+          </p:nvPr>
+        </p:nvSpPr>
+        <p:spPr/>
+        <p:txBody>
+          <a:bodyPr/>
+          <a:lstStyle/>
+          <a:p>
+            <a:r>
+              <a:rPr lang="en-US" dirty="0" smtClean="0"/>
               <a:t>Calvin - actor</a:t>
             </a:r>
             <a:endParaRPr lang="en-US" dirty="0"/>
@@ -4788,7 +6566,7 @@
 </p:sld>
 </file>
 
-<file path=ppt/slides/slide15.xml><?xml version="1.0" encoding="utf-8"?>
+<file path=ppt/slides/slide27.xml><?xml version="1.0" encoding="utf-8"?>
 <p:sld xmlns:a="http://schemas.openxmlformats.org/drawingml/2006/main" xmlns:r="http://schemas.openxmlformats.org/officeDocument/2006/relationships" xmlns:p="http://schemas.openxmlformats.org/presentationml/2006/main">
   <p:cSld>
     <p:spTree>
@@ -5092,7 +6870,7 @@
 </p:sld>
 </file>
 
-<file path=ppt/slides/slide16.xml><?xml version="1.0" encoding="utf-8"?>
+<file path=ppt/slides/slide28.xml><?xml version="1.0" encoding="utf-8"?>
 <p:sld xmlns:a="http://schemas.openxmlformats.org/drawingml/2006/main" xmlns:r="http://schemas.openxmlformats.org/officeDocument/2006/relationships" xmlns:p="http://schemas.openxmlformats.org/presentationml/2006/main">
   <p:cSld>
     <p:spTree>
@@ -5301,1032 +7079,7 @@
 </p:sld>
 </file>
 
-<file path=ppt/slides/slide17.xml><?xml version="1.0" encoding="utf-8"?>
-<p:sld xmlns:a="http://schemas.openxmlformats.org/drawingml/2006/main" xmlns:r="http://schemas.openxmlformats.org/officeDocument/2006/relationships" xmlns:p="http://schemas.openxmlformats.org/presentationml/2006/main">
-  <p:cSld>
-    <p:spTree>
-      <p:nvGrpSpPr>
-        <p:cNvPr id="1" name=""/>
-        <p:cNvGrpSpPr/>
-        <p:nvPr/>
-      </p:nvGrpSpPr>
-      <p:grpSpPr>
-        <a:xfrm>
-          <a:off x="0" y="0"/>
-          <a:ext cx="0" cy="0"/>
-          <a:chOff x="0" y="0"/>
-          <a:chExt cx="0" cy="0"/>
-        </a:xfrm>
-      </p:grpSpPr>
-      <p:sp>
-        <p:nvSpPr>
-          <p:cNvPr id="2" name="Title 1"/>
-          <p:cNvSpPr>
-            <a:spLocks noGrp="1"/>
-          </p:cNvSpPr>
-          <p:nvPr>
-            <p:ph type="title"/>
-          </p:nvPr>
-        </p:nvSpPr>
-        <p:spPr/>
-        <p:txBody>
-          <a:bodyPr/>
-          <a:lstStyle/>
-          <a:p>
-            <a:r>
-              <a:rPr lang="en-US" dirty="0" smtClean="0"/>
-              <a:t>Ensuring reliability recap</a:t>
-            </a:r>
-            <a:endParaRPr lang="en-US" dirty="0"/>
-          </a:p>
-        </p:txBody>
-      </p:sp>
-      <p:sp>
-        <p:nvSpPr>
-          <p:cNvPr id="3" name="Content Placeholder 2"/>
-          <p:cNvSpPr>
-            <a:spLocks noGrp="1"/>
-          </p:cNvSpPr>
-          <p:nvPr>
-            <p:ph idx="1"/>
-          </p:nvPr>
-        </p:nvSpPr>
-        <p:spPr/>
-        <p:txBody>
-          <a:bodyPr/>
-          <a:lstStyle/>
-          <a:p>
-            <a:pPr>
-              <a:buFont typeface="Arial" charset="0"/>
-              <a:buChar char="•"/>
-            </a:pPr>
-            <a:r>
-              <a:rPr lang="en-US" dirty="0" smtClean="0"/>
-              <a:t>Goal is to provide a certain level of reliability</a:t>
-            </a:r>
-            <a:endParaRPr lang="en-US" dirty="0"/>
-          </a:p>
-          <a:p>
-            <a:pPr marL="0" indent="0">
-              <a:buNone/>
-            </a:pPr>
-            <a:endParaRPr lang="en-US" b="1" dirty="0"/>
-          </a:p>
-        </p:txBody>
-      </p:sp>
-    </p:spTree>
-    <p:extLst>
-      <p:ext uri="{BB962C8B-B14F-4D97-AF65-F5344CB8AC3E}">
-        <p14:creationId xmlns:p14="http://schemas.microsoft.com/office/powerpoint/2010/main" val="897389477"/>
-      </p:ext>
-    </p:extLst>
-  </p:cSld>
-  <p:clrMapOvr>
-    <a:masterClrMapping/>
-  </p:clrMapOvr>
-  <p:timing>
-    <p:tnLst>
-      <p:par>
-        <p:cTn id="1" dur="indefinite" restart="never" nodeType="tmRoot"/>
-      </p:par>
-    </p:tnLst>
-  </p:timing>
-</p:sld>
-</file>
-
-<file path=ppt/slides/slide18.xml><?xml version="1.0" encoding="utf-8"?>
-<p:sld xmlns:a="http://schemas.openxmlformats.org/drawingml/2006/main" xmlns:r="http://schemas.openxmlformats.org/officeDocument/2006/relationships" xmlns:p="http://schemas.openxmlformats.org/presentationml/2006/main">
-  <p:cSld>
-    <p:spTree>
-      <p:nvGrpSpPr>
-        <p:cNvPr id="1" name=""/>
-        <p:cNvGrpSpPr/>
-        <p:nvPr/>
-      </p:nvGrpSpPr>
-      <p:grpSpPr>
-        <a:xfrm>
-          <a:off x="0" y="0"/>
-          <a:ext cx="0" cy="0"/>
-          <a:chOff x="0" y="0"/>
-          <a:chExt cx="0" cy="0"/>
-        </a:xfrm>
-      </p:grpSpPr>
-      <p:sp>
-        <p:nvSpPr>
-          <p:cNvPr id="2" name="Title 1"/>
-          <p:cNvSpPr>
-            <a:spLocks noGrp="1"/>
-          </p:cNvSpPr>
-          <p:nvPr>
-            <p:ph type="title"/>
-          </p:nvPr>
-        </p:nvSpPr>
-        <p:spPr/>
-        <p:txBody>
-          <a:bodyPr/>
-          <a:lstStyle/>
-          <a:p>
-            <a:r>
-              <a:rPr lang="en-US" dirty="0" smtClean="0"/>
-              <a:t>Handling node failure</a:t>
-            </a:r>
-            <a:endParaRPr lang="en-US" dirty="0"/>
-          </a:p>
-        </p:txBody>
-      </p:sp>
-      <p:sp>
-        <p:nvSpPr>
-          <p:cNvPr id="3" name="Content Placeholder 2"/>
-          <p:cNvSpPr>
-            <a:spLocks noGrp="1"/>
-          </p:cNvSpPr>
-          <p:nvPr>
-            <p:ph idx="1"/>
-          </p:nvPr>
-        </p:nvSpPr>
-        <p:spPr/>
-        <p:txBody>
-          <a:bodyPr>
-            <a:normAutofit/>
-          </a:bodyPr>
-          <a:lstStyle/>
-          <a:p>
-            <a:pPr marL="0" indent="0">
-              <a:buNone/>
-            </a:pPr>
-            <a:r>
-              <a:rPr lang="en-US" dirty="0" smtClean="0"/>
-              <a:t>When a node failure is detected, every node take the following steps:</a:t>
-            </a:r>
-          </a:p>
-          <a:p>
-            <a:pPr marL="457200" indent="-457200">
-              <a:buFont typeface="+mj-lt"/>
-              <a:buAutoNum type="arabicPeriod"/>
-            </a:pPr>
-            <a:r>
-              <a:rPr lang="en-US" dirty="0" smtClean="0"/>
-              <a:t>Select a node among the remaining nodes, select the one with the highest ID</a:t>
-            </a:r>
-          </a:p>
-          <a:p>
-            <a:pPr marL="457200" indent="-457200">
-              <a:buFont typeface="+mj-lt"/>
-              <a:buAutoNum type="arabicPeriod"/>
-            </a:pPr>
-            <a:r>
-              <a:rPr lang="en-US" dirty="0" smtClean="0"/>
-              <a:t>Send a lost node message to the selected node</a:t>
-            </a:r>
-          </a:p>
-          <a:p>
-            <a:pPr marL="457200" indent="-457200">
-              <a:buFont typeface="+mj-lt"/>
-              <a:buAutoNum type="arabicPeriod"/>
-            </a:pPr>
-            <a:r>
-              <a:rPr lang="en-US" dirty="0" smtClean="0"/>
-              <a:t>Wait for reply</a:t>
-            </a:r>
-          </a:p>
-          <a:p>
-            <a:pPr marL="749808" lvl="1" indent="-457200">
-              <a:buFont typeface="+mj-lt"/>
-              <a:buAutoNum type="arabicPeriod"/>
-            </a:pPr>
-            <a:r>
-              <a:rPr lang="en-US" dirty="0" smtClean="0"/>
-              <a:t>If not reply is received - start over at 1</a:t>
-            </a:r>
-          </a:p>
-          <a:p>
-            <a:pPr marL="749808" lvl="1" indent="-457200">
-              <a:buFont typeface="+mj-lt"/>
-              <a:buAutoNum type="arabicPeriod"/>
-            </a:pPr>
-            <a:r>
-              <a:rPr lang="en-US" dirty="0" smtClean="0"/>
-              <a:t>If reply – we’re done</a:t>
-            </a:r>
-          </a:p>
-          <a:p>
-            <a:pPr marL="0" indent="0">
-              <a:buNone/>
-            </a:pPr>
-            <a:r>
-              <a:rPr lang="en-US" dirty="0" smtClean="0"/>
-              <a:t>The node receiving the lost node messages will check whether or not new replicas are needed, and if so, send replication request to one of the nodes holding a replica. When done, it will send a reply to everyone it received a lost node message from.</a:t>
-            </a:r>
-          </a:p>
-        </p:txBody>
-      </p:sp>
-    </p:spTree>
-    <p:extLst>
-      <p:ext uri="{BB962C8B-B14F-4D97-AF65-F5344CB8AC3E}">
-        <p14:creationId xmlns:p14="http://schemas.microsoft.com/office/powerpoint/2010/main" val="2018439337"/>
-      </p:ext>
-    </p:extLst>
-  </p:cSld>
-  <p:clrMapOvr>
-    <a:masterClrMapping/>
-  </p:clrMapOvr>
-  <p:timing>
-    <p:tnLst>
-      <p:par>
-        <p:cTn id="1" dur="indefinite" restart="never" nodeType="tmRoot"/>
-      </p:par>
-    </p:tnLst>
-  </p:timing>
-</p:sld>
-</file>
-
-<file path=ppt/slides/slide19.xml><?xml version="1.0" encoding="utf-8"?>
-<p:sld xmlns:a="http://schemas.openxmlformats.org/drawingml/2006/main" xmlns:r="http://schemas.openxmlformats.org/officeDocument/2006/relationships" xmlns:p="http://schemas.openxmlformats.org/presentationml/2006/main">
-  <p:cSld>
-    <p:spTree>
-      <p:nvGrpSpPr>
-        <p:cNvPr id="1" name=""/>
-        <p:cNvGrpSpPr/>
-        <p:nvPr/>
-      </p:nvGrpSpPr>
-      <p:grpSpPr>
-        <a:xfrm>
-          <a:off x="0" y="0"/>
-          <a:ext cx="0" cy="0"/>
-          <a:chOff x="0" y="0"/>
-          <a:chExt cx="0" cy="0"/>
-        </a:xfrm>
-      </p:grpSpPr>
-      <p:sp>
-        <p:nvSpPr>
-          <p:cNvPr id="2" name="Title 1"/>
-          <p:cNvSpPr>
-            <a:spLocks noGrp="1"/>
-          </p:cNvSpPr>
-          <p:nvPr>
-            <p:ph type="title"/>
-          </p:nvPr>
-        </p:nvSpPr>
-        <p:spPr/>
-        <p:txBody>
-          <a:bodyPr/>
-          <a:lstStyle/>
-          <a:p>
-            <a:r>
-              <a:rPr lang="en-US" dirty="0" smtClean="0"/>
-              <a:t>Handling node failure cont’d.</a:t>
-            </a:r>
-            <a:endParaRPr lang="en-US" dirty="0"/>
-          </a:p>
-        </p:txBody>
-      </p:sp>
-      <p:pic>
-        <p:nvPicPr>
-          <p:cNvPr id="8" name="Content Placeholder 7"/>
-          <p:cNvPicPr>
-            <a:picLocks noGrp="1" noChangeAspect="1"/>
-          </p:cNvPicPr>
-          <p:nvPr>
-            <p:ph idx="1"/>
-          </p:nvPr>
-        </p:nvPicPr>
-        <p:blipFill>
-          <a:blip r:embed="rId2">
-            <a:extLst>
-              <a:ext uri="{28A0092B-C50C-407E-A947-70E740481C1C}">
-                <a14:useLocalDpi xmlns:a14="http://schemas.microsoft.com/office/drawing/2010/main" val="0"/>
-              </a:ext>
-            </a:extLst>
-          </a:blip>
-          <a:stretch>
-            <a:fillRect/>
-          </a:stretch>
-        </p:blipFill>
-        <p:spPr>
-          <a:xfrm>
-            <a:off x="4335463" y="2066925"/>
-            <a:ext cx="3581400" cy="3581400"/>
-          </a:xfrm>
-        </p:spPr>
-      </p:pic>
-    </p:spTree>
-    <p:extLst>
-      <p:ext uri="{BB962C8B-B14F-4D97-AF65-F5344CB8AC3E}">
-        <p14:creationId xmlns:p14="http://schemas.microsoft.com/office/powerpoint/2010/main" val="489200782"/>
-      </p:ext>
-    </p:extLst>
-  </p:cSld>
-  <p:clrMapOvr>
-    <a:masterClrMapping/>
-  </p:clrMapOvr>
-  <p:timing>
-    <p:tnLst>
-      <p:par>
-        <p:cTn id="1" dur="indefinite" restart="never" nodeType="tmRoot"/>
-      </p:par>
-    </p:tnLst>
-  </p:timing>
-</p:sld>
-</file>
-
-<file path=ppt/slides/slide2.xml><?xml version="1.0" encoding="utf-8"?>
-<p:sld xmlns:a="http://schemas.openxmlformats.org/drawingml/2006/main" xmlns:r="http://schemas.openxmlformats.org/officeDocument/2006/relationships" xmlns:p="http://schemas.openxmlformats.org/presentationml/2006/main">
-  <p:cSld>
-    <p:spTree>
-      <p:nvGrpSpPr>
-        <p:cNvPr id="1" name=""/>
-        <p:cNvGrpSpPr/>
-        <p:nvPr/>
-      </p:nvGrpSpPr>
-      <p:grpSpPr>
-        <a:xfrm>
-          <a:off x="0" y="0"/>
-          <a:ext cx="0" cy="0"/>
-          <a:chOff x="0" y="0"/>
-          <a:chExt cx="0" cy="0"/>
-        </a:xfrm>
-      </p:grpSpPr>
-      <p:sp>
-        <p:nvSpPr>
-          <p:cNvPr id="2" name="Title 1"/>
-          <p:cNvSpPr>
-            <a:spLocks noGrp="1"/>
-          </p:cNvSpPr>
-          <p:nvPr>
-            <p:ph type="title"/>
-          </p:nvPr>
-        </p:nvSpPr>
-        <p:spPr/>
-        <p:txBody>
-          <a:bodyPr/>
-          <a:lstStyle/>
-          <a:p>
-            <a:r>
-              <a:rPr lang="en-US" dirty="0" smtClean="0"/>
-              <a:t>Agenda</a:t>
-            </a:r>
-            <a:endParaRPr lang="en-US" dirty="0"/>
-          </a:p>
-        </p:txBody>
-      </p:sp>
-      <p:sp>
-        <p:nvSpPr>
-          <p:cNvPr id="3" name="Content Placeholder 2"/>
-          <p:cNvSpPr>
-            <a:spLocks noGrp="1"/>
-          </p:cNvSpPr>
-          <p:nvPr>
-            <p:ph idx="1"/>
-          </p:nvPr>
-        </p:nvSpPr>
-        <p:spPr/>
-        <p:txBody>
-          <a:bodyPr/>
-          <a:lstStyle/>
-          <a:p>
-            <a:pPr marL="457200" indent="-457200">
-              <a:buFont typeface="+mj-lt"/>
-              <a:buAutoNum type="arabicPeriod"/>
-            </a:pPr>
-            <a:r>
-              <a:rPr lang="en-US" dirty="0" smtClean="0"/>
-              <a:t>Introduction</a:t>
-            </a:r>
-          </a:p>
-          <a:p>
-            <a:pPr marL="457200" indent="-457200">
-              <a:buFont typeface="+mj-lt"/>
-              <a:buAutoNum type="arabicPeriod"/>
-            </a:pPr>
-            <a:r>
-              <a:rPr lang="en-US" dirty="0" smtClean="0"/>
-              <a:t>Related work</a:t>
-            </a:r>
-          </a:p>
-          <a:p>
-            <a:pPr marL="457200" indent="-457200">
-              <a:buFont typeface="+mj-lt"/>
-              <a:buAutoNum type="arabicPeriod"/>
-            </a:pPr>
-            <a:r>
-              <a:rPr lang="en-US" dirty="0" smtClean="0"/>
-              <a:t>System model</a:t>
-            </a:r>
-          </a:p>
-          <a:p>
-            <a:pPr marL="457200" indent="-457200">
-              <a:buFont typeface="+mj-lt"/>
-              <a:buAutoNum type="arabicPeriod"/>
-            </a:pPr>
-            <a:r>
-              <a:rPr lang="en-US" dirty="0" smtClean="0"/>
-              <a:t>Reliability model</a:t>
-            </a:r>
-          </a:p>
-          <a:p>
-            <a:pPr marL="457200" indent="-457200">
-              <a:buFont typeface="+mj-lt"/>
-              <a:buAutoNum type="arabicPeriod"/>
-            </a:pPr>
-            <a:r>
-              <a:rPr lang="en-US" dirty="0" smtClean="0"/>
-              <a:t>Self-adapting model</a:t>
-            </a:r>
-          </a:p>
-          <a:p>
-            <a:pPr marL="457200" indent="-457200">
-              <a:buFont typeface="+mj-lt"/>
-              <a:buAutoNum type="arabicPeriod"/>
-            </a:pPr>
-            <a:r>
-              <a:rPr lang="en-US" dirty="0" smtClean="0"/>
-              <a:t>Calvin</a:t>
-            </a:r>
-          </a:p>
-          <a:p>
-            <a:pPr marL="457200" indent="-457200">
-              <a:buFont typeface="+mj-lt"/>
-              <a:buAutoNum type="arabicPeriod"/>
-            </a:pPr>
-            <a:r>
-              <a:rPr lang="en-US" dirty="0" smtClean="0"/>
-              <a:t>Implementation</a:t>
-            </a:r>
-          </a:p>
-          <a:p>
-            <a:pPr marL="457200" indent="-457200">
-              <a:buFont typeface="+mj-lt"/>
-              <a:buAutoNum type="arabicPeriod"/>
-            </a:pPr>
-            <a:r>
-              <a:rPr lang="en-US" dirty="0" smtClean="0"/>
-              <a:t>Experiments</a:t>
-            </a:r>
-          </a:p>
-          <a:p>
-            <a:pPr marL="457200" indent="-457200">
-              <a:buFont typeface="+mj-lt"/>
-              <a:buAutoNum type="arabicPeriod"/>
-            </a:pPr>
-            <a:endParaRPr lang="en-US" dirty="0"/>
-          </a:p>
-        </p:txBody>
-      </p:sp>
-    </p:spTree>
-    <p:extLst>
-      <p:ext uri="{BB962C8B-B14F-4D97-AF65-F5344CB8AC3E}">
-        <p14:creationId xmlns:p14="http://schemas.microsoft.com/office/powerpoint/2010/main" val="658915606"/>
-      </p:ext>
-    </p:extLst>
-  </p:cSld>
-  <p:clrMapOvr>
-    <a:masterClrMapping/>
-  </p:clrMapOvr>
-  <p:timing>
-    <p:tnLst>
-      <p:par>
-        <p:cTn id="1" dur="indefinite" restart="never" nodeType="tmRoot"/>
-      </p:par>
-    </p:tnLst>
-  </p:timing>
-</p:sld>
-</file>
-
-<file path=ppt/slides/slide20.xml><?xml version="1.0" encoding="utf-8"?>
-<p:sld xmlns:a="http://schemas.openxmlformats.org/drawingml/2006/main" xmlns:r="http://schemas.openxmlformats.org/officeDocument/2006/relationships" xmlns:p="http://schemas.openxmlformats.org/presentationml/2006/main">
-  <p:cSld>
-    <p:spTree>
-      <p:nvGrpSpPr>
-        <p:cNvPr id="1" name=""/>
-        <p:cNvGrpSpPr/>
-        <p:nvPr/>
-      </p:nvGrpSpPr>
-      <p:grpSpPr>
-        <a:xfrm>
-          <a:off x="0" y="0"/>
-          <a:ext cx="0" cy="0"/>
-          <a:chOff x="0" y="0"/>
-          <a:chExt cx="0" cy="0"/>
-        </a:xfrm>
-      </p:grpSpPr>
-      <p:sp>
-        <p:nvSpPr>
-          <p:cNvPr id="2" name="Title 1"/>
-          <p:cNvSpPr>
-            <a:spLocks noGrp="1"/>
-          </p:cNvSpPr>
-          <p:nvPr>
-            <p:ph type="title"/>
-          </p:nvPr>
-        </p:nvSpPr>
-        <p:spPr/>
-        <p:txBody>
-          <a:bodyPr/>
-          <a:lstStyle/>
-          <a:p>
-            <a:r>
-              <a:rPr lang="en-US" dirty="0" smtClean="0"/>
-              <a:t>Handling node failure cont’d.</a:t>
-            </a:r>
-            <a:endParaRPr lang="en-US" dirty="0"/>
-          </a:p>
-        </p:txBody>
-      </p:sp>
-      <p:pic>
-        <p:nvPicPr>
-          <p:cNvPr id="5" name="Content Placeholder 4"/>
-          <p:cNvPicPr>
-            <a:picLocks noGrp="1" noChangeAspect="1"/>
-          </p:cNvPicPr>
-          <p:nvPr>
-            <p:ph idx="1"/>
-          </p:nvPr>
-        </p:nvPicPr>
-        <p:blipFill>
-          <a:blip r:embed="rId2">
-            <a:extLst>
-              <a:ext uri="{28A0092B-C50C-407E-A947-70E740481C1C}">
-                <a14:useLocalDpi xmlns:a14="http://schemas.microsoft.com/office/drawing/2010/main" val="0"/>
-              </a:ext>
-            </a:extLst>
-          </a:blip>
-          <a:stretch>
-            <a:fillRect/>
-          </a:stretch>
-        </p:blipFill>
-        <p:spPr>
-          <a:xfrm>
-            <a:off x="4668054" y="1846263"/>
-            <a:ext cx="2916217" cy="4022725"/>
-          </a:xfrm>
-        </p:spPr>
-      </p:pic>
-    </p:spTree>
-    <p:extLst>
-      <p:ext uri="{BB962C8B-B14F-4D97-AF65-F5344CB8AC3E}">
-        <p14:creationId xmlns:p14="http://schemas.microsoft.com/office/powerpoint/2010/main" val="1343271350"/>
-      </p:ext>
-    </p:extLst>
-  </p:cSld>
-  <p:clrMapOvr>
-    <a:masterClrMapping/>
-  </p:clrMapOvr>
-  <p:timing>
-    <p:tnLst>
-      <p:par>
-        <p:cTn id="1" dur="indefinite" restart="never" nodeType="tmRoot"/>
-      </p:par>
-    </p:tnLst>
-  </p:timing>
-</p:sld>
-</file>
-
-<file path=ppt/slides/slide21.xml><?xml version="1.0" encoding="utf-8"?>
-<p:sld xmlns:a="http://schemas.openxmlformats.org/drawingml/2006/main" xmlns:r="http://schemas.openxmlformats.org/officeDocument/2006/relationships" xmlns:p="http://schemas.openxmlformats.org/presentationml/2006/main">
-  <p:cSld>
-    <p:spTree>
-      <p:nvGrpSpPr>
-        <p:cNvPr id="1" name=""/>
-        <p:cNvGrpSpPr/>
-        <p:nvPr/>
-      </p:nvGrpSpPr>
-      <p:grpSpPr>
-        <a:xfrm>
-          <a:off x="0" y="0"/>
-          <a:ext cx="0" cy="0"/>
-          <a:chOff x="0" y="0"/>
-          <a:chExt cx="0" cy="0"/>
-        </a:xfrm>
-      </p:grpSpPr>
-      <p:sp>
-        <p:nvSpPr>
-          <p:cNvPr id="2" name="Title 1"/>
-          <p:cNvSpPr>
-            <a:spLocks noGrp="1"/>
-          </p:cNvSpPr>
-          <p:nvPr>
-            <p:ph type="title"/>
-          </p:nvPr>
-        </p:nvSpPr>
-        <p:spPr/>
-        <p:txBody>
-          <a:bodyPr/>
-          <a:lstStyle/>
-          <a:p>
-            <a:r>
-              <a:rPr lang="en-US" dirty="0" smtClean="0"/>
-              <a:t>Handling node failure cont’d.</a:t>
-            </a:r>
-            <a:endParaRPr lang="en-US" dirty="0"/>
-          </a:p>
-        </p:txBody>
-      </p:sp>
-      <p:pic>
-        <p:nvPicPr>
-          <p:cNvPr id="9" name="Content Placeholder 8"/>
-          <p:cNvPicPr>
-            <a:picLocks noGrp="1" noChangeAspect="1"/>
-          </p:cNvPicPr>
-          <p:nvPr>
-            <p:ph idx="1"/>
-          </p:nvPr>
-        </p:nvPicPr>
-        <p:blipFill>
-          <a:blip r:embed="rId2">
-            <a:extLst>
-              <a:ext uri="{28A0092B-C50C-407E-A947-70E740481C1C}">
-                <a14:useLocalDpi xmlns:a14="http://schemas.microsoft.com/office/drawing/2010/main" val="0"/>
-              </a:ext>
-            </a:extLst>
-          </a:blip>
-          <a:stretch>
-            <a:fillRect/>
-          </a:stretch>
-        </p:blipFill>
-        <p:spPr>
-          <a:xfrm>
-            <a:off x="4514787" y="1846263"/>
-            <a:ext cx="3222751" cy="4022725"/>
-          </a:xfrm>
-        </p:spPr>
-      </p:pic>
-    </p:spTree>
-    <p:extLst>
-      <p:ext uri="{BB962C8B-B14F-4D97-AF65-F5344CB8AC3E}">
-        <p14:creationId xmlns:p14="http://schemas.microsoft.com/office/powerpoint/2010/main" val="548099241"/>
-      </p:ext>
-    </p:extLst>
-  </p:cSld>
-  <p:clrMapOvr>
-    <a:masterClrMapping/>
-  </p:clrMapOvr>
-  <p:timing>
-    <p:tnLst>
-      <p:par>
-        <p:cTn id="1" dur="indefinite" restart="never" nodeType="tmRoot"/>
-      </p:par>
-    </p:tnLst>
-  </p:timing>
-</p:sld>
-</file>
-
-<file path=ppt/slides/slide22.xml><?xml version="1.0" encoding="utf-8"?>
-<p:sld xmlns:a="http://schemas.openxmlformats.org/drawingml/2006/main" xmlns:r="http://schemas.openxmlformats.org/officeDocument/2006/relationships" xmlns:p="http://schemas.openxmlformats.org/presentationml/2006/main">
-  <p:cSld>
-    <p:spTree>
-      <p:nvGrpSpPr>
-        <p:cNvPr id="1" name=""/>
-        <p:cNvGrpSpPr/>
-        <p:nvPr/>
-      </p:nvGrpSpPr>
-      <p:grpSpPr>
-        <a:xfrm>
-          <a:off x="0" y="0"/>
-          <a:ext cx="0" cy="0"/>
-          <a:chOff x="0" y="0"/>
-          <a:chExt cx="0" cy="0"/>
-        </a:xfrm>
-      </p:grpSpPr>
-      <p:sp>
-        <p:nvSpPr>
-          <p:cNvPr id="2" name="Title 1"/>
-          <p:cNvSpPr>
-            <a:spLocks noGrp="1"/>
-          </p:cNvSpPr>
-          <p:nvPr>
-            <p:ph type="title"/>
-          </p:nvPr>
-        </p:nvSpPr>
-        <p:spPr/>
-        <p:txBody>
-          <a:bodyPr/>
-          <a:lstStyle/>
-          <a:p>
-            <a:r>
-              <a:rPr lang="en-US" dirty="0" smtClean="0"/>
-              <a:t>Handling node failure cont’d.</a:t>
-            </a:r>
-            <a:endParaRPr lang="en-US" dirty="0"/>
-          </a:p>
-        </p:txBody>
-      </p:sp>
-      <p:pic>
-        <p:nvPicPr>
-          <p:cNvPr id="3" name="Content Placeholder 2"/>
-          <p:cNvPicPr>
-            <a:picLocks noGrp="1" noChangeAspect="1"/>
-          </p:cNvPicPr>
-          <p:nvPr>
-            <p:ph idx="1"/>
-          </p:nvPr>
-        </p:nvPicPr>
-        <p:blipFill>
-          <a:blip r:embed="rId2">
-            <a:extLst>
-              <a:ext uri="{28A0092B-C50C-407E-A947-70E740481C1C}">
-                <a14:useLocalDpi xmlns:a14="http://schemas.microsoft.com/office/drawing/2010/main" val="0"/>
-              </a:ext>
-            </a:extLst>
-          </a:blip>
-          <a:stretch>
-            <a:fillRect/>
-          </a:stretch>
-        </p:blipFill>
-        <p:spPr>
-          <a:xfrm>
-            <a:off x="4467671" y="1846263"/>
-            <a:ext cx="3316983" cy="4022725"/>
-          </a:xfrm>
-        </p:spPr>
-      </p:pic>
-    </p:spTree>
-    <p:extLst>
-      <p:ext uri="{BB962C8B-B14F-4D97-AF65-F5344CB8AC3E}">
-        <p14:creationId xmlns:p14="http://schemas.microsoft.com/office/powerpoint/2010/main" val="1275852581"/>
-      </p:ext>
-    </p:extLst>
-  </p:cSld>
-  <p:clrMapOvr>
-    <a:masterClrMapping/>
-  </p:clrMapOvr>
-  <p:timing>
-    <p:tnLst>
-      <p:par>
-        <p:cTn id="1" dur="indefinite" restart="never" nodeType="tmRoot"/>
-      </p:par>
-    </p:tnLst>
-  </p:timing>
-</p:sld>
-</file>
-
-<file path=ppt/slides/slide23.xml><?xml version="1.0" encoding="utf-8"?>
-<p:sld xmlns:a="http://schemas.openxmlformats.org/drawingml/2006/main" xmlns:r="http://schemas.openxmlformats.org/officeDocument/2006/relationships" xmlns:p="http://schemas.openxmlformats.org/presentationml/2006/main">
-  <p:cSld>
-    <p:spTree>
-      <p:nvGrpSpPr>
-        <p:cNvPr id="1" name=""/>
-        <p:cNvGrpSpPr/>
-        <p:nvPr/>
-      </p:nvGrpSpPr>
-      <p:grpSpPr>
-        <a:xfrm>
-          <a:off x="0" y="0"/>
-          <a:ext cx="0" cy="0"/>
-          <a:chOff x="0" y="0"/>
-          <a:chExt cx="0" cy="0"/>
-        </a:xfrm>
-      </p:grpSpPr>
-      <p:sp>
-        <p:nvSpPr>
-          <p:cNvPr id="2" name="Title 1"/>
-          <p:cNvSpPr>
-            <a:spLocks noGrp="1"/>
-          </p:cNvSpPr>
-          <p:nvPr>
-            <p:ph type="title"/>
-          </p:nvPr>
-        </p:nvSpPr>
-        <p:spPr/>
-        <p:txBody>
-          <a:bodyPr/>
-          <a:lstStyle/>
-          <a:p>
-            <a:r>
-              <a:rPr lang="en-US" dirty="0" smtClean="0"/>
-              <a:t>Handling node failure cont’d.</a:t>
-            </a:r>
-            <a:endParaRPr lang="en-US" dirty="0"/>
-          </a:p>
-        </p:txBody>
-      </p:sp>
-      <p:pic>
-        <p:nvPicPr>
-          <p:cNvPr id="5" name="Content Placeholder 4"/>
-          <p:cNvPicPr>
-            <a:picLocks noGrp="1" noChangeAspect="1"/>
-          </p:cNvPicPr>
-          <p:nvPr>
-            <p:ph idx="1"/>
-          </p:nvPr>
-        </p:nvPicPr>
-        <p:blipFill>
-          <a:blip r:embed="rId2">
-            <a:extLst>
-              <a:ext uri="{28A0092B-C50C-407E-A947-70E740481C1C}">
-                <a14:useLocalDpi xmlns:a14="http://schemas.microsoft.com/office/drawing/2010/main" val="0"/>
-              </a:ext>
-            </a:extLst>
-          </a:blip>
-          <a:stretch>
-            <a:fillRect/>
-          </a:stretch>
-        </p:blipFill>
-        <p:spPr>
-          <a:xfrm>
-            <a:off x="4467671" y="1846263"/>
-            <a:ext cx="3316983" cy="4022725"/>
-          </a:xfrm>
-        </p:spPr>
-      </p:pic>
-    </p:spTree>
-    <p:extLst>
-      <p:ext uri="{BB962C8B-B14F-4D97-AF65-F5344CB8AC3E}">
-        <p14:creationId xmlns:p14="http://schemas.microsoft.com/office/powerpoint/2010/main" val="1268139060"/>
-      </p:ext>
-    </p:extLst>
-  </p:cSld>
-  <p:clrMapOvr>
-    <a:masterClrMapping/>
-  </p:clrMapOvr>
-  <p:timing>
-    <p:tnLst>
-      <p:par>
-        <p:cTn id="1" dur="indefinite" restart="never" nodeType="tmRoot"/>
-      </p:par>
-    </p:tnLst>
-  </p:timing>
-</p:sld>
-</file>
-
-<file path=ppt/slides/slide24.xml><?xml version="1.0" encoding="utf-8"?>
-<p:sld xmlns:a="http://schemas.openxmlformats.org/drawingml/2006/main" xmlns:r="http://schemas.openxmlformats.org/officeDocument/2006/relationships" xmlns:p="http://schemas.openxmlformats.org/presentationml/2006/main">
-  <p:cSld>
-    <p:spTree>
-      <p:nvGrpSpPr>
-        <p:cNvPr id="1" name=""/>
-        <p:cNvGrpSpPr/>
-        <p:nvPr/>
-      </p:nvGrpSpPr>
-      <p:grpSpPr>
-        <a:xfrm>
-          <a:off x="0" y="0"/>
-          <a:ext cx="0" cy="0"/>
-          <a:chOff x="0" y="0"/>
-          <a:chExt cx="0" cy="0"/>
-        </a:xfrm>
-      </p:grpSpPr>
-      <p:sp>
-        <p:nvSpPr>
-          <p:cNvPr id="2" name="Title 1"/>
-          <p:cNvSpPr>
-            <a:spLocks noGrp="1"/>
-          </p:cNvSpPr>
-          <p:nvPr>
-            <p:ph type="title"/>
-          </p:nvPr>
-        </p:nvSpPr>
-        <p:spPr/>
-        <p:txBody>
-          <a:bodyPr/>
-          <a:lstStyle/>
-          <a:p>
-            <a:r>
-              <a:rPr lang="en-US" dirty="0" smtClean="0"/>
-              <a:t>Example – before failure</a:t>
-            </a:r>
-            <a:endParaRPr lang="en-US" dirty="0"/>
-          </a:p>
-        </p:txBody>
-      </p:sp>
-      <p:pic>
-        <p:nvPicPr>
-          <p:cNvPr id="4" name="Content Placeholder 3"/>
-          <p:cNvPicPr>
-            <a:picLocks noGrp="1" noChangeAspect="1"/>
-          </p:cNvPicPr>
-          <p:nvPr>
-            <p:ph idx="1"/>
-          </p:nvPr>
-        </p:nvPicPr>
-        <p:blipFill>
-          <a:blip r:embed="rId2">
-            <a:extLst>
-              <a:ext uri="{28A0092B-C50C-407E-A947-70E740481C1C}">
-                <a14:useLocalDpi xmlns:a14="http://schemas.microsoft.com/office/drawing/2010/main" val="0"/>
-              </a:ext>
-            </a:extLst>
-          </a:blip>
-          <a:stretch>
-            <a:fillRect/>
-          </a:stretch>
-        </p:blipFill>
-        <p:spPr>
-          <a:xfrm>
-            <a:off x="2557463" y="2066925"/>
-            <a:ext cx="7137400" cy="3581400"/>
-          </a:xfrm>
-        </p:spPr>
-      </p:pic>
-    </p:spTree>
-    <p:extLst>
-      <p:ext uri="{BB962C8B-B14F-4D97-AF65-F5344CB8AC3E}">
-        <p14:creationId xmlns:p14="http://schemas.microsoft.com/office/powerpoint/2010/main" val="2115683498"/>
-      </p:ext>
-    </p:extLst>
-  </p:cSld>
-  <p:clrMapOvr>
-    <a:masterClrMapping/>
-  </p:clrMapOvr>
-  <p:timing>
-    <p:tnLst>
-      <p:par>
-        <p:cTn id="1" dur="indefinite" restart="never" nodeType="tmRoot"/>
-      </p:par>
-    </p:tnLst>
-  </p:timing>
-</p:sld>
-</file>
-
-<file path=ppt/slides/slide25.xml><?xml version="1.0" encoding="utf-8"?>
-<p:sld xmlns:a="http://schemas.openxmlformats.org/drawingml/2006/main" xmlns:r="http://schemas.openxmlformats.org/officeDocument/2006/relationships" xmlns:p="http://schemas.openxmlformats.org/presentationml/2006/main">
-  <p:cSld>
-    <p:spTree>
-      <p:nvGrpSpPr>
-        <p:cNvPr id="1" name=""/>
-        <p:cNvGrpSpPr/>
-        <p:nvPr/>
-      </p:nvGrpSpPr>
-      <p:grpSpPr>
-        <a:xfrm>
-          <a:off x="0" y="0"/>
-          <a:ext cx="0" cy="0"/>
-          <a:chOff x="0" y="0"/>
-          <a:chExt cx="0" cy="0"/>
-        </a:xfrm>
-      </p:grpSpPr>
-      <p:sp>
-        <p:nvSpPr>
-          <p:cNvPr id="2" name="Title 1"/>
-          <p:cNvSpPr>
-            <a:spLocks noGrp="1"/>
-          </p:cNvSpPr>
-          <p:nvPr>
-            <p:ph type="title"/>
-          </p:nvPr>
-        </p:nvSpPr>
-        <p:spPr/>
-        <p:txBody>
-          <a:bodyPr/>
-          <a:lstStyle/>
-          <a:p>
-            <a:r>
-              <a:rPr lang="en-US" dirty="0" smtClean="0"/>
-              <a:t>Example – after failure</a:t>
-            </a:r>
-            <a:endParaRPr lang="en-US" dirty="0"/>
-          </a:p>
-        </p:txBody>
-      </p:sp>
-      <p:pic>
-        <p:nvPicPr>
-          <p:cNvPr id="5" name="Content Placeholder 4"/>
-          <p:cNvPicPr>
-            <a:picLocks noGrp="1" noChangeAspect="1"/>
-          </p:cNvPicPr>
-          <p:nvPr>
-            <p:ph idx="1"/>
-          </p:nvPr>
-        </p:nvPicPr>
-        <p:blipFill>
-          <a:blip r:embed="rId2">
-            <a:extLst>
-              <a:ext uri="{28A0092B-C50C-407E-A947-70E740481C1C}">
-                <a14:useLocalDpi xmlns:a14="http://schemas.microsoft.com/office/drawing/2010/main" val="0"/>
-              </a:ext>
-            </a:extLst>
-          </a:blip>
-          <a:stretch>
-            <a:fillRect/>
-          </a:stretch>
-        </p:blipFill>
-        <p:spPr>
-          <a:xfrm>
-            <a:off x="2557463" y="2060575"/>
-            <a:ext cx="7137400" cy="3594100"/>
-          </a:xfrm>
-        </p:spPr>
-      </p:pic>
-    </p:spTree>
-    <p:extLst>
-      <p:ext uri="{BB962C8B-B14F-4D97-AF65-F5344CB8AC3E}">
-        <p14:creationId xmlns:p14="http://schemas.microsoft.com/office/powerpoint/2010/main" val="1807284448"/>
-      </p:ext>
-    </p:extLst>
-  </p:cSld>
-  <p:clrMapOvr>
-    <a:masterClrMapping/>
-  </p:clrMapOvr>
-  <p:timing>
-    <p:tnLst>
-      <p:par>
-        <p:cTn id="1" dur="indefinite" restart="never" nodeType="tmRoot"/>
-      </p:par>
-    </p:tnLst>
-  </p:timing>
-</p:sld>
-</file>
-
-<file path=ppt/slides/slide26.xml><?xml version="1.0" encoding="utf-8"?>
+<file path=ppt/slides/slide29.xml><?xml version="1.0" encoding="utf-8"?>
 <p:sld xmlns:a="http://schemas.openxmlformats.org/drawingml/2006/main" xmlns:r="http://schemas.openxmlformats.org/officeDocument/2006/relationships" xmlns:p="http://schemas.openxmlformats.org/presentationml/2006/main">
   <p:cSld>
     <p:spTree>
@@ -6459,7 +7212,127 @@
 </p:sld>
 </file>
 
-<file path=ppt/slides/slide27.xml><?xml version="1.0" encoding="utf-8"?>
+<file path=ppt/slides/slide3.xml><?xml version="1.0" encoding="utf-8"?>
+<p:sld xmlns:a="http://schemas.openxmlformats.org/drawingml/2006/main" xmlns:r="http://schemas.openxmlformats.org/officeDocument/2006/relationships" xmlns:p="http://schemas.openxmlformats.org/presentationml/2006/main">
+  <p:cSld>
+    <p:spTree>
+      <p:nvGrpSpPr>
+        <p:cNvPr id="1" name=""/>
+        <p:cNvGrpSpPr/>
+        <p:nvPr/>
+      </p:nvGrpSpPr>
+      <p:grpSpPr>
+        <a:xfrm>
+          <a:off x="0" y="0"/>
+          <a:ext cx="0" cy="0"/>
+          <a:chOff x="0" y="0"/>
+          <a:chExt cx="0" cy="0"/>
+        </a:xfrm>
+      </p:grpSpPr>
+      <p:sp>
+        <p:nvSpPr>
+          <p:cNvPr id="2" name="Title 1"/>
+          <p:cNvSpPr>
+            <a:spLocks noGrp="1"/>
+          </p:cNvSpPr>
+          <p:nvPr>
+            <p:ph type="title"/>
+          </p:nvPr>
+        </p:nvSpPr>
+        <p:spPr/>
+        <p:txBody>
+          <a:bodyPr/>
+          <a:lstStyle/>
+          <a:p>
+            <a:r>
+              <a:rPr lang="en-US" dirty="0" smtClean="0"/>
+              <a:t>Introduction</a:t>
+            </a:r>
+            <a:endParaRPr lang="en-US" dirty="0"/>
+          </a:p>
+        </p:txBody>
+      </p:sp>
+      <p:sp>
+        <p:nvSpPr>
+          <p:cNvPr id="3" name="Content Placeholder 2"/>
+          <p:cNvSpPr>
+            <a:spLocks noGrp="1"/>
+          </p:cNvSpPr>
+          <p:nvPr>
+            <p:ph idx="1"/>
+          </p:nvPr>
+        </p:nvSpPr>
+        <p:spPr/>
+        <p:txBody>
+          <a:bodyPr/>
+          <a:lstStyle/>
+          <a:p>
+            <a:pPr>
+              <a:buFont typeface="Arial" charset="0"/>
+              <a:buChar char="•"/>
+            </a:pPr>
+            <a:r>
+              <a:rPr lang="en-US" dirty="0" smtClean="0"/>
+              <a:t>Reliability of applications of services in running in distributed environments</a:t>
+            </a:r>
+          </a:p>
+          <a:p>
+            <a:pPr>
+              <a:buFont typeface="Arial" charset="0"/>
+              <a:buChar char="•"/>
+            </a:pPr>
+            <a:r>
+              <a:rPr lang="en-US" dirty="0" smtClean="0"/>
+              <a:t>Problems:</a:t>
+            </a:r>
+          </a:p>
+          <a:p>
+            <a:pPr lvl="1">
+              <a:buFont typeface="Arial" charset="0"/>
+              <a:buChar char="•"/>
+            </a:pPr>
+            <a:r>
+              <a:rPr lang="en-US" dirty="0" smtClean="0"/>
+              <a:t>More resources --&gt; higher probability that one will fail</a:t>
+            </a:r>
+          </a:p>
+          <a:p>
+            <a:pPr lvl="1">
+              <a:buFont typeface="Arial" charset="0"/>
+              <a:buChar char="•"/>
+            </a:pPr>
+            <a:endParaRPr lang="en-US" dirty="0" smtClean="0"/>
+          </a:p>
+          <a:p>
+            <a:pPr marL="457200" indent="-457200">
+              <a:buFont typeface="+mj-lt"/>
+              <a:buAutoNum type="arabicPeriod"/>
+            </a:pPr>
+            <a:endParaRPr lang="en-US" dirty="0"/>
+          </a:p>
+        </p:txBody>
+      </p:sp>
+    </p:spTree>
+    <p:extLst>
+      <p:ext uri="{BB962C8B-B14F-4D97-AF65-F5344CB8AC3E}">
+        <p14:creationId xmlns:p14="http://schemas.microsoft.com/office/powerpoint/2010/main" val="1174390919"/>
+      </p:ext>
+    </p:extLst>
+  </p:cSld>
+  <p:clrMapOvr>
+    <a:masterClrMapping/>
+  </p:clrMapOvr>
+  <p:timing>
+    <p:tnLst>
+      <p:par>
+        <p:cTn id="1" dur="indefinite" restart="never" nodeType="tmRoot"/>
+      </p:par>
+    </p:tnLst>
+  </p:timing>
+</p:sld>
+</file>
+
+<file path=ppt/slides/slide30.xml><?xml version="1.0" encoding="utf-8"?>
 <p:sld xmlns:a="http://schemas.openxmlformats.org/drawingml/2006/main" xmlns:r="http://schemas.openxmlformats.org/officeDocument/2006/relationships" xmlns:p="http://schemas.openxmlformats.org/presentationml/2006/main">
   <p:cSld>
     <p:spTree>
@@ -6722,7 +7595,7 @@
 </p:sld>
 </file>
 
-<file path=ppt/slides/slide28.xml><?xml version="1.0" encoding="utf-8"?>
+<file path=ppt/slides/slide31.xml><?xml version="1.0" encoding="utf-8"?>
 <p:sld xmlns:a="http://schemas.openxmlformats.org/drawingml/2006/main" xmlns:r="http://schemas.openxmlformats.org/officeDocument/2006/relationships" xmlns:p="http://schemas.openxmlformats.org/presentationml/2006/main">
   <p:cSld>
     <p:spTree>
@@ -6848,7 +7721,7 @@
 </p:sld>
 </file>
 
-<file path=ppt/slides/slide29.xml><?xml version="1.0" encoding="utf-8"?>
+<file path=ppt/slides/slide32.xml><?xml version="1.0" encoding="utf-8"?>
 <p:sld xmlns:a="http://schemas.openxmlformats.org/drawingml/2006/main" xmlns:r="http://schemas.openxmlformats.org/officeDocument/2006/relationships" xmlns:p="http://schemas.openxmlformats.org/presentationml/2006/main">
   <p:cSld>
     <p:spTree>
@@ -6960,127 +7833,7 @@
 </p:sld>
 </file>
 
-<file path=ppt/slides/slide3.xml><?xml version="1.0" encoding="utf-8"?>
-<p:sld xmlns:a="http://schemas.openxmlformats.org/drawingml/2006/main" xmlns:r="http://schemas.openxmlformats.org/officeDocument/2006/relationships" xmlns:p="http://schemas.openxmlformats.org/presentationml/2006/main">
-  <p:cSld>
-    <p:spTree>
-      <p:nvGrpSpPr>
-        <p:cNvPr id="1" name=""/>
-        <p:cNvGrpSpPr/>
-        <p:nvPr/>
-      </p:nvGrpSpPr>
-      <p:grpSpPr>
-        <a:xfrm>
-          <a:off x="0" y="0"/>
-          <a:ext cx="0" cy="0"/>
-          <a:chOff x="0" y="0"/>
-          <a:chExt cx="0" cy="0"/>
-        </a:xfrm>
-      </p:grpSpPr>
-      <p:sp>
-        <p:nvSpPr>
-          <p:cNvPr id="2" name="Title 1"/>
-          <p:cNvSpPr>
-            <a:spLocks noGrp="1"/>
-          </p:cNvSpPr>
-          <p:nvPr>
-            <p:ph type="title"/>
-          </p:nvPr>
-        </p:nvSpPr>
-        <p:spPr/>
-        <p:txBody>
-          <a:bodyPr/>
-          <a:lstStyle/>
-          <a:p>
-            <a:r>
-              <a:rPr lang="en-US" dirty="0" smtClean="0"/>
-              <a:t>Introduction</a:t>
-            </a:r>
-            <a:endParaRPr lang="en-US" dirty="0"/>
-          </a:p>
-        </p:txBody>
-      </p:sp>
-      <p:sp>
-        <p:nvSpPr>
-          <p:cNvPr id="3" name="Content Placeholder 2"/>
-          <p:cNvSpPr>
-            <a:spLocks noGrp="1"/>
-          </p:cNvSpPr>
-          <p:nvPr>
-            <p:ph idx="1"/>
-          </p:nvPr>
-        </p:nvSpPr>
-        <p:spPr/>
-        <p:txBody>
-          <a:bodyPr/>
-          <a:lstStyle/>
-          <a:p>
-            <a:pPr>
-              <a:buFont typeface="Arial" charset="0"/>
-              <a:buChar char="•"/>
-            </a:pPr>
-            <a:r>
-              <a:rPr lang="en-US" dirty="0" smtClean="0"/>
-              <a:t>Reliability of applications of services in running in distributed environments</a:t>
-            </a:r>
-          </a:p>
-          <a:p>
-            <a:pPr>
-              <a:buFont typeface="Arial" charset="0"/>
-              <a:buChar char="•"/>
-            </a:pPr>
-            <a:r>
-              <a:rPr lang="en-US" dirty="0" smtClean="0"/>
-              <a:t>Problems:</a:t>
-            </a:r>
-          </a:p>
-          <a:p>
-            <a:pPr lvl="1">
-              <a:buFont typeface="Arial" charset="0"/>
-              <a:buChar char="•"/>
-            </a:pPr>
-            <a:r>
-              <a:rPr lang="en-US" dirty="0" smtClean="0"/>
-              <a:t>More resources --&gt; higher probability that one will fail</a:t>
-            </a:r>
-          </a:p>
-          <a:p>
-            <a:pPr lvl="1">
-              <a:buFont typeface="Arial" charset="0"/>
-              <a:buChar char="•"/>
-            </a:pPr>
-            <a:endParaRPr lang="en-US" dirty="0" smtClean="0"/>
-          </a:p>
-          <a:p>
-            <a:pPr marL="457200" indent="-457200">
-              <a:buFont typeface="+mj-lt"/>
-              <a:buAutoNum type="arabicPeriod"/>
-            </a:pPr>
-            <a:endParaRPr lang="en-US" dirty="0"/>
-          </a:p>
-        </p:txBody>
-      </p:sp>
-    </p:spTree>
-    <p:extLst>
-      <p:ext uri="{BB962C8B-B14F-4D97-AF65-F5344CB8AC3E}">
-        <p14:creationId xmlns:p14="http://schemas.microsoft.com/office/powerpoint/2010/main" val="1174390919"/>
-      </p:ext>
-    </p:extLst>
-  </p:cSld>
-  <p:clrMapOvr>
-    <a:masterClrMapping/>
-  </p:clrMapOvr>
-  <p:timing>
-    <p:tnLst>
-      <p:par>
-        <p:cTn id="1" dur="indefinite" restart="never" nodeType="tmRoot"/>
-      </p:par>
-    </p:tnLst>
-  </p:timing>
-</p:sld>
-</file>
-
-<file path=ppt/slides/slide30.xml><?xml version="1.0" encoding="utf-8"?>
+<file path=ppt/slides/slide33.xml><?xml version="1.0" encoding="utf-8"?>
 <p:sld xmlns:a="http://schemas.openxmlformats.org/drawingml/2006/main" xmlns:r="http://schemas.openxmlformats.org/officeDocument/2006/relationships" xmlns:p="http://schemas.openxmlformats.org/presentationml/2006/main">
   <p:cSld>
     <p:spTree>
@@ -7195,7 +7948,7 @@
 </p:sld>
 </file>
 
-<file path=ppt/slides/slide31.xml><?xml version="1.0" encoding="utf-8"?>
+<file path=ppt/slides/slide34.xml><?xml version="1.0" encoding="utf-8"?>
 <p:sld xmlns:a="http://schemas.openxmlformats.org/drawingml/2006/main" xmlns:r="http://schemas.openxmlformats.org/officeDocument/2006/relationships" xmlns:p="http://schemas.openxmlformats.org/presentationml/2006/main">
   <p:cSld>
     <p:spTree>
@@ -7587,7 +8340,7 @@
 </p:sld>
 </file>
 
-<file path=ppt/slides/slide32.xml><?xml version="1.0" encoding="utf-8"?>
+<file path=ppt/slides/slide35.xml><?xml version="1.0" encoding="utf-8"?>
 <p:sld xmlns:a="http://schemas.openxmlformats.org/drawingml/2006/main" xmlns:r="http://schemas.openxmlformats.org/officeDocument/2006/relationships" xmlns:p="http://schemas.openxmlformats.org/presentationml/2006/main">
   <p:cSld>
     <p:spTree>
@@ -7676,7 +8429,7 @@
 </p:sld>
 </file>
 
-<file path=ppt/slides/slide33.xml><?xml version="1.0" encoding="utf-8"?>
+<file path=ppt/slides/slide36.xml><?xml version="1.0" encoding="utf-8"?>
 <p:sld xmlns:a="http://schemas.openxmlformats.org/drawingml/2006/main" xmlns:r="http://schemas.openxmlformats.org/officeDocument/2006/relationships" xmlns:p="http://schemas.openxmlformats.org/presentationml/2006/main">
   <p:cSld>
     <p:spTree>
@@ -8471,7 +9224,7 @@
 </p:sld>
 </file>
 
-<file path=ppt/slides/slide34.xml><?xml version="1.0" encoding="utf-8"?>
+<file path=ppt/slides/slide37.xml><?xml version="1.0" encoding="utf-8"?>
 <p:sld xmlns:a="http://schemas.openxmlformats.org/drawingml/2006/main" xmlns:r="http://schemas.openxmlformats.org/officeDocument/2006/relationships" xmlns:p="http://schemas.openxmlformats.org/presentationml/2006/main">
   <p:cSld>
     <p:spTree>
@@ -9556,7 +10309,7 @@
 </p:sld>
 </file>
 
-<file path=ppt/slides/slide35.xml><?xml version="1.0" encoding="utf-8"?>
+<file path=ppt/slides/slide38.xml><?xml version="1.0" encoding="utf-8"?>
 <p:sld xmlns:a="http://schemas.openxmlformats.org/drawingml/2006/main" xmlns:r="http://schemas.openxmlformats.org/officeDocument/2006/relationships" xmlns:p="http://schemas.openxmlformats.org/presentationml/2006/main">
   <p:cSld>
     <p:spTree>
@@ -9645,7 +10398,7 @@
 </p:sld>
 </file>
 
-<file path=ppt/slides/slide36.xml><?xml version="1.0" encoding="utf-8"?>
+<file path=ppt/slides/slide39.xml><?xml version="1.0" encoding="utf-8"?>
 <p:sld xmlns:a="http://schemas.openxmlformats.org/drawingml/2006/main" xmlns:r="http://schemas.openxmlformats.org/officeDocument/2006/relationships" xmlns:p="http://schemas.openxmlformats.org/presentationml/2006/main">
   <p:cSld>
     <p:spTree>
@@ -9735,7 +10488,154 @@
 </p:sld>
 </file>
 
-<file path=ppt/slides/slide37.xml><?xml version="1.0" encoding="utf-8"?>
+<file path=ppt/slides/slide4.xml><?xml version="1.0" encoding="utf-8"?>
+<p:sld xmlns:a="http://schemas.openxmlformats.org/drawingml/2006/main" xmlns:r="http://schemas.openxmlformats.org/officeDocument/2006/relationships" xmlns:p="http://schemas.openxmlformats.org/presentationml/2006/main">
+  <p:cSld>
+    <p:spTree>
+      <p:nvGrpSpPr>
+        <p:cNvPr id="1" name=""/>
+        <p:cNvGrpSpPr/>
+        <p:nvPr/>
+      </p:nvGrpSpPr>
+      <p:grpSpPr>
+        <a:xfrm>
+          <a:off x="0" y="0"/>
+          <a:ext cx="0" cy="0"/>
+          <a:chOff x="0" y="0"/>
+          <a:chExt cx="0" cy="0"/>
+        </a:xfrm>
+      </p:grpSpPr>
+      <p:sp>
+        <p:nvSpPr>
+          <p:cNvPr id="2" name="Title 1"/>
+          <p:cNvSpPr>
+            <a:spLocks noGrp="1"/>
+          </p:cNvSpPr>
+          <p:nvPr>
+            <p:ph type="title"/>
+          </p:nvPr>
+        </p:nvSpPr>
+        <p:spPr/>
+        <p:txBody>
+          <a:bodyPr/>
+          <a:lstStyle/>
+          <a:p>
+            <a:r>
+              <a:rPr lang="en-US" dirty="0" smtClean="0"/>
+              <a:t>Reliability definitions</a:t>
+            </a:r>
+            <a:endParaRPr lang="en-US" dirty="0"/>
+          </a:p>
+        </p:txBody>
+      </p:sp>
+      <p:sp>
+        <p:nvSpPr>
+          <p:cNvPr id="3" name="Content Placeholder 2"/>
+          <p:cNvSpPr>
+            <a:spLocks noGrp="1"/>
+          </p:cNvSpPr>
+          <p:nvPr>
+            <p:ph idx="1"/>
+          </p:nvPr>
+        </p:nvSpPr>
+        <p:spPr/>
+        <p:txBody>
+          <a:bodyPr/>
+          <a:lstStyle/>
+          <a:p>
+            <a:pPr>
+              <a:buFont typeface="Arial" charset="0"/>
+              <a:buChar char="•"/>
+            </a:pPr>
+            <a:r>
+              <a:rPr lang="en-US" dirty="0" smtClean="0"/>
+              <a:t>Reliability of</a:t>
+            </a:r>
+          </a:p>
+          <a:p>
+            <a:pPr lvl="1">
+              <a:buFont typeface="Arial" charset="0"/>
+              <a:buChar char="•"/>
+            </a:pPr>
+            <a:r>
+              <a:rPr lang="en-US" dirty="0" smtClean="0"/>
+              <a:t>Meeting deadlines</a:t>
+            </a:r>
+          </a:p>
+          <a:p>
+            <a:pPr lvl="1">
+              <a:buFont typeface="Arial" charset="0"/>
+              <a:buChar char="•"/>
+            </a:pPr>
+            <a:r>
+              <a:rPr lang="en-US" dirty="0" smtClean="0"/>
+              <a:t>Producing the correct result</a:t>
+            </a:r>
+          </a:p>
+          <a:p>
+            <a:pPr lvl="1">
+              <a:buFont typeface="Arial" charset="0"/>
+              <a:buChar char="•"/>
+            </a:pPr>
+            <a:endParaRPr lang="en-US" dirty="0"/>
+          </a:p>
+          <a:p>
+            <a:pPr>
+              <a:buFont typeface="Arial" charset="0"/>
+              <a:buChar char="•"/>
+            </a:pPr>
+            <a:r>
+              <a:rPr lang="en-US" dirty="0" smtClean="0"/>
+              <a:t>Our definition</a:t>
+            </a:r>
+          </a:p>
+          <a:p>
+            <a:pPr marL="0" indent="0">
+              <a:buNone/>
+            </a:pPr>
+            <a:r>
+              <a:rPr lang="en-US" dirty="0" smtClean="0"/>
+              <a:t>Reliability of a task which is serving some kind of requests, is the probability that no data is lost. In a process with </a:t>
+            </a:r>
+            <a:r>
+              <a:rPr lang="en-US" i="1" dirty="0" smtClean="0"/>
+              <a:t>n </a:t>
+            </a:r>
+            <a:r>
+              <a:rPr lang="en-US" dirty="0" smtClean="0"/>
+              <a:t>task replicas, this corresponds to at least one replica is always running and serving requests.</a:t>
+            </a:r>
+          </a:p>
+          <a:p>
+            <a:pPr marL="457200" indent="-457200">
+              <a:buFont typeface="+mj-lt"/>
+              <a:buAutoNum type="arabicPeriod"/>
+            </a:pPr>
+            <a:endParaRPr lang="en-US" dirty="0"/>
+          </a:p>
+        </p:txBody>
+      </p:sp>
+    </p:spTree>
+    <p:extLst>
+      <p:ext uri="{BB962C8B-B14F-4D97-AF65-F5344CB8AC3E}">
+        <p14:creationId xmlns:p14="http://schemas.microsoft.com/office/powerpoint/2010/main" val="188118652"/>
+      </p:ext>
+    </p:extLst>
+  </p:cSld>
+  <p:clrMapOvr>
+    <a:masterClrMapping/>
+  </p:clrMapOvr>
+  <p:timing>
+    <p:tnLst>
+      <p:par>
+        <p:cTn id="1" dur="indefinite" restart="never" nodeType="tmRoot"/>
+      </p:par>
+    </p:tnLst>
+  </p:timing>
+</p:sld>
+</file>
+
+<file path=ppt/slides/slide40.xml><?xml version="1.0" encoding="utf-8"?>
 <p:sld xmlns:a="http://schemas.openxmlformats.org/drawingml/2006/main" xmlns:r="http://schemas.openxmlformats.org/officeDocument/2006/relationships" xmlns:p="http://schemas.openxmlformats.org/presentationml/2006/main">
   <p:cSld>
     <p:spTree>
@@ -9825,7 +10725,7 @@
 </p:sld>
 </file>
 
-<file path=ppt/slides/slide38.xml><?xml version="1.0" encoding="utf-8"?>
+<file path=ppt/slides/slide41.xml><?xml version="1.0" encoding="utf-8"?>
 <p:sld xmlns:a="http://schemas.openxmlformats.org/drawingml/2006/main" xmlns:r="http://schemas.openxmlformats.org/officeDocument/2006/relationships" xmlns:p="http://schemas.openxmlformats.org/presentationml/2006/main">
   <p:cSld>
     <p:spTree>
@@ -9915,7 +10815,7 @@
 </p:sld>
 </file>
 
-<file path=ppt/slides/slide39.xml><?xml version="1.0" encoding="utf-8"?>
+<file path=ppt/slides/slide42.xml><?xml version="1.0" encoding="utf-8"?>
 <p:sld xmlns:a="http://schemas.openxmlformats.org/drawingml/2006/main" xmlns:r="http://schemas.openxmlformats.org/officeDocument/2006/relationships" xmlns:p="http://schemas.openxmlformats.org/presentationml/2006/main">
   <p:cSld>
     <p:spTree>
@@ -10323,154 +11223,7 @@
 </p:sld>
 </file>
 
-<file path=ppt/slides/slide4.xml><?xml version="1.0" encoding="utf-8"?>
-<p:sld xmlns:a="http://schemas.openxmlformats.org/drawingml/2006/main" xmlns:r="http://schemas.openxmlformats.org/officeDocument/2006/relationships" xmlns:p="http://schemas.openxmlformats.org/presentationml/2006/main">
-  <p:cSld>
-    <p:spTree>
-      <p:nvGrpSpPr>
-        <p:cNvPr id="1" name=""/>
-        <p:cNvGrpSpPr/>
-        <p:nvPr/>
-      </p:nvGrpSpPr>
-      <p:grpSpPr>
-        <a:xfrm>
-          <a:off x="0" y="0"/>
-          <a:ext cx="0" cy="0"/>
-          <a:chOff x="0" y="0"/>
-          <a:chExt cx="0" cy="0"/>
-        </a:xfrm>
-      </p:grpSpPr>
-      <p:sp>
-        <p:nvSpPr>
-          <p:cNvPr id="2" name="Title 1"/>
-          <p:cNvSpPr>
-            <a:spLocks noGrp="1"/>
-          </p:cNvSpPr>
-          <p:nvPr>
-            <p:ph type="title"/>
-          </p:nvPr>
-        </p:nvSpPr>
-        <p:spPr/>
-        <p:txBody>
-          <a:bodyPr/>
-          <a:lstStyle/>
-          <a:p>
-            <a:r>
-              <a:rPr lang="en-US" dirty="0" smtClean="0"/>
-              <a:t>Reliability definitions</a:t>
-            </a:r>
-            <a:endParaRPr lang="en-US" dirty="0"/>
-          </a:p>
-        </p:txBody>
-      </p:sp>
-      <p:sp>
-        <p:nvSpPr>
-          <p:cNvPr id="3" name="Content Placeholder 2"/>
-          <p:cNvSpPr>
-            <a:spLocks noGrp="1"/>
-          </p:cNvSpPr>
-          <p:nvPr>
-            <p:ph idx="1"/>
-          </p:nvPr>
-        </p:nvSpPr>
-        <p:spPr/>
-        <p:txBody>
-          <a:bodyPr/>
-          <a:lstStyle/>
-          <a:p>
-            <a:pPr>
-              <a:buFont typeface="Arial" charset="0"/>
-              <a:buChar char="•"/>
-            </a:pPr>
-            <a:r>
-              <a:rPr lang="en-US" dirty="0" smtClean="0"/>
-              <a:t>Reliability of</a:t>
-            </a:r>
-          </a:p>
-          <a:p>
-            <a:pPr lvl="1">
-              <a:buFont typeface="Arial" charset="0"/>
-              <a:buChar char="•"/>
-            </a:pPr>
-            <a:r>
-              <a:rPr lang="en-US" dirty="0" smtClean="0"/>
-              <a:t>Meeting deadlines</a:t>
-            </a:r>
-          </a:p>
-          <a:p>
-            <a:pPr lvl="1">
-              <a:buFont typeface="Arial" charset="0"/>
-              <a:buChar char="•"/>
-            </a:pPr>
-            <a:r>
-              <a:rPr lang="en-US" dirty="0" smtClean="0"/>
-              <a:t>Producing the correct result</a:t>
-            </a:r>
-          </a:p>
-          <a:p>
-            <a:pPr lvl="1">
-              <a:buFont typeface="Arial" charset="0"/>
-              <a:buChar char="•"/>
-            </a:pPr>
-            <a:endParaRPr lang="en-US" dirty="0"/>
-          </a:p>
-          <a:p>
-            <a:pPr>
-              <a:buFont typeface="Arial" charset="0"/>
-              <a:buChar char="•"/>
-            </a:pPr>
-            <a:r>
-              <a:rPr lang="en-US" dirty="0" smtClean="0"/>
-              <a:t>Our definition</a:t>
-            </a:r>
-          </a:p>
-          <a:p>
-            <a:pPr marL="0" indent="0">
-              <a:buNone/>
-            </a:pPr>
-            <a:r>
-              <a:rPr lang="en-US" dirty="0" smtClean="0"/>
-              <a:t>Reliability of a task which is serving some kind of requests, is the probability that no data is lost. In a process with </a:t>
-            </a:r>
-            <a:r>
-              <a:rPr lang="en-US" i="1" dirty="0" smtClean="0"/>
-              <a:t>n </a:t>
-            </a:r>
-            <a:r>
-              <a:rPr lang="en-US" dirty="0" smtClean="0"/>
-              <a:t>task replicas, this corresponds to at least one replica is always running and serving requests.</a:t>
-            </a:r>
-          </a:p>
-          <a:p>
-            <a:pPr marL="457200" indent="-457200">
-              <a:buFont typeface="+mj-lt"/>
-              <a:buAutoNum type="arabicPeriod"/>
-            </a:pPr>
-            <a:endParaRPr lang="en-US" dirty="0"/>
-          </a:p>
-        </p:txBody>
-      </p:sp>
-    </p:spTree>
-    <p:extLst>
-      <p:ext uri="{BB962C8B-B14F-4D97-AF65-F5344CB8AC3E}">
-        <p14:creationId xmlns:p14="http://schemas.microsoft.com/office/powerpoint/2010/main" val="188118652"/>
-      </p:ext>
-    </p:extLst>
-  </p:cSld>
-  <p:clrMapOvr>
-    <a:masterClrMapping/>
-  </p:clrMapOvr>
-  <p:timing>
-    <p:tnLst>
-      <p:par>
-        <p:cTn id="1" dur="indefinite" restart="never" nodeType="tmRoot"/>
-      </p:par>
-    </p:tnLst>
-  </p:timing>
-</p:sld>
-</file>
-
-<file path=ppt/slides/slide40.xml><?xml version="1.0" encoding="utf-8"?>
+<file path=ppt/slides/slide43.xml><?xml version="1.0" encoding="utf-8"?>
 <p:sld xmlns:a="http://schemas.openxmlformats.org/drawingml/2006/main" xmlns:r="http://schemas.openxmlformats.org/officeDocument/2006/relationships" xmlns:p="http://schemas.openxmlformats.org/presentationml/2006/main">
   <p:cSld>
     <p:spTree>
@@ -11353,7 +12106,7 @@
 </p:sld>
 </file>
 
-<file path=ppt/slides/slide41.xml><?xml version="1.0" encoding="utf-8"?>
+<file path=ppt/slides/slide44.xml><?xml version="1.0" encoding="utf-8"?>
 <p:sld xmlns:a="http://schemas.openxmlformats.org/drawingml/2006/main" xmlns:r="http://schemas.openxmlformats.org/officeDocument/2006/relationships" xmlns:p="http://schemas.openxmlformats.org/presentationml/2006/main">
   <p:cSld>
     <p:spTree>
@@ -11443,7 +12196,7 @@
 </p:sld>
 </file>
 
-<file path=ppt/slides/slide42.xml><?xml version="1.0" encoding="utf-8"?>
+<file path=ppt/slides/slide45.xml><?xml version="1.0" encoding="utf-8"?>
 <p:sld xmlns:a="http://schemas.openxmlformats.org/drawingml/2006/main" xmlns:r="http://schemas.openxmlformats.org/officeDocument/2006/relationships" xmlns:p="http://schemas.openxmlformats.org/presentationml/2006/main">
   <p:cSld>
     <p:spTree>
@@ -11533,7 +12286,7 @@
 </p:sld>
 </file>
 
-<file path=ppt/slides/slide43.xml><?xml version="1.0" encoding="utf-8"?>
+<file path=ppt/slides/slide46.xml><?xml version="1.0" encoding="utf-8"?>
 <p:sld xmlns:a="http://schemas.openxmlformats.org/drawingml/2006/main" xmlns:r="http://schemas.openxmlformats.org/officeDocument/2006/relationships" xmlns:p="http://schemas.openxmlformats.org/presentationml/2006/main">
   <p:cSld>
     <p:spTree>
@@ -11623,7 +12376,7 @@
 </p:sld>
 </file>
 
-<file path=ppt/slides/slide44.xml><?xml version="1.0" encoding="utf-8"?>
+<file path=ppt/slides/slide47.xml><?xml version="1.0" encoding="utf-8"?>
 <p:sld xmlns:a="http://schemas.openxmlformats.org/drawingml/2006/main" xmlns:r="http://schemas.openxmlformats.org/officeDocument/2006/relationships" xmlns:p="http://schemas.openxmlformats.org/presentationml/2006/main">
   <p:cSld>
     <p:spTree>
@@ -11791,7 +12544,7 @@
 </p:sld>
 </file>
 
-<file path=ppt/slides/slide45.xml><?xml version="1.0" encoding="utf-8"?>
+<file path=ppt/slides/slide48.xml><?xml version="1.0" encoding="utf-8"?>
 <p:sld xmlns:a="http://schemas.openxmlformats.org/drawingml/2006/main" xmlns:r="http://schemas.openxmlformats.org/officeDocument/2006/relationships" xmlns:p="http://schemas.openxmlformats.org/presentationml/2006/main">
   <p:cSld>
     <p:spTree>
@@ -11908,7 +12661,7 @@
 </p:sld>
 </file>
 
-<file path=ppt/slides/slide46.xml><?xml version="1.0" encoding="utf-8"?>
+<file path=ppt/slides/slide49.xml><?xml version="1.0" encoding="utf-8"?>
 <p:sld xmlns:a="http://schemas.openxmlformats.org/drawingml/2006/main" xmlns:r="http://schemas.openxmlformats.org/officeDocument/2006/relationships" xmlns:p="http://schemas.openxmlformats.org/presentationml/2006/main">
   <p:cSld>
     <p:spTree>
@@ -11997,7 +12750,94 @@
 </p:sld>
 </file>
 
-<file path=ppt/slides/slide47.xml><?xml version="1.0" encoding="utf-8"?>
+<file path=ppt/slides/slide5.xml><?xml version="1.0" encoding="utf-8"?>
+<p:sld xmlns:a="http://schemas.openxmlformats.org/drawingml/2006/main" xmlns:r="http://schemas.openxmlformats.org/officeDocument/2006/relationships" xmlns:p="http://schemas.openxmlformats.org/presentationml/2006/main">
+  <p:cSld>
+    <p:spTree>
+      <p:nvGrpSpPr>
+        <p:cNvPr id="1" name=""/>
+        <p:cNvGrpSpPr/>
+        <p:nvPr/>
+      </p:nvGrpSpPr>
+      <p:grpSpPr>
+        <a:xfrm>
+          <a:off x="0" y="0"/>
+          <a:ext cx="0" cy="0"/>
+          <a:chOff x="0" y="0"/>
+          <a:chExt cx="0" cy="0"/>
+        </a:xfrm>
+      </p:grpSpPr>
+      <p:sp>
+        <p:nvSpPr>
+          <p:cNvPr id="2" name="Title 1"/>
+          <p:cNvSpPr>
+            <a:spLocks noGrp="1"/>
+          </p:cNvSpPr>
+          <p:nvPr>
+            <p:ph type="title"/>
+          </p:nvPr>
+        </p:nvSpPr>
+        <p:spPr/>
+        <p:txBody>
+          <a:bodyPr/>
+          <a:lstStyle/>
+          <a:p>
+            <a:r>
+              <a:rPr lang="en-US" dirty="0" smtClean="0"/>
+              <a:t>Related work</a:t>
+            </a:r>
+            <a:endParaRPr lang="en-US" dirty="0"/>
+          </a:p>
+        </p:txBody>
+      </p:sp>
+      <p:sp>
+        <p:nvSpPr>
+          <p:cNvPr id="3" name="Content Placeholder 2"/>
+          <p:cNvSpPr>
+            <a:spLocks noGrp="1"/>
+          </p:cNvSpPr>
+          <p:nvPr>
+            <p:ph idx="1"/>
+          </p:nvPr>
+        </p:nvSpPr>
+        <p:spPr/>
+        <p:txBody>
+          <a:bodyPr/>
+          <a:lstStyle/>
+          <a:p>
+            <a:pPr marL="457200" indent="-457200">
+              <a:buFont typeface="+mj-lt"/>
+              <a:buAutoNum type="arabicPeriod"/>
+            </a:pPr>
+            <a:r>
+              <a:rPr lang="en-US" dirty="0" smtClean="0"/>
+              <a:t>Most assume constant failure rates, as well as same failure rates for all nodes</a:t>
+            </a:r>
+            <a:endParaRPr lang="en-US" dirty="0"/>
+          </a:p>
+        </p:txBody>
+      </p:sp>
+    </p:spTree>
+    <p:extLst>
+      <p:ext uri="{BB962C8B-B14F-4D97-AF65-F5344CB8AC3E}">
+        <p14:creationId xmlns:p14="http://schemas.microsoft.com/office/powerpoint/2010/main" val="219035841"/>
+      </p:ext>
+    </p:extLst>
+  </p:cSld>
+  <p:clrMapOvr>
+    <a:masterClrMapping/>
+  </p:clrMapOvr>
+  <p:timing>
+    <p:tnLst>
+      <p:par>
+        <p:cTn id="1" dur="indefinite" restart="never" nodeType="tmRoot"/>
+      </p:par>
+    </p:tnLst>
+  </p:timing>
+</p:sld>
+</file>
+
+<file path=ppt/slides/slide50.xml><?xml version="1.0" encoding="utf-8"?>
 <p:sld xmlns:a="http://schemas.openxmlformats.org/drawingml/2006/main" xmlns:r="http://schemas.openxmlformats.org/officeDocument/2006/relationships" xmlns:p="http://schemas.openxmlformats.org/presentationml/2006/main">
   <p:cSld>
     <p:spTree>
@@ -12104,7 +12944,7 @@
 </p:sld>
 </file>
 
-<file path=ppt/slides/slide48.xml><?xml version="1.0" encoding="utf-8"?>
+<file path=ppt/slides/slide51.xml><?xml version="1.0" encoding="utf-8"?>
 <p:sld xmlns:a="http://schemas.openxmlformats.org/drawingml/2006/main" xmlns:r="http://schemas.openxmlformats.org/officeDocument/2006/relationships" xmlns:p="http://schemas.openxmlformats.org/presentationml/2006/main">
   <p:cSld>
     <p:spTree>
@@ -12193,7 +13033,7 @@
 </p:sld>
 </file>
 
-<file path=ppt/slides/slide49.xml><?xml version="1.0" encoding="utf-8"?>
+<file path=ppt/slides/slide52.xml><?xml version="1.0" encoding="utf-8"?>
 <p:sld xmlns:a="http://schemas.openxmlformats.org/drawingml/2006/main" xmlns:r="http://schemas.openxmlformats.org/officeDocument/2006/relationships" xmlns:p="http://schemas.openxmlformats.org/presentationml/2006/main">
   <p:cSld>
     <p:spTree>
@@ -12266,93 +13106,6 @@
     <p:extLst>
       <p:ext uri="{BB962C8B-B14F-4D97-AF65-F5344CB8AC3E}">
         <p14:creationId xmlns:p14="http://schemas.microsoft.com/office/powerpoint/2010/main" val="608299119"/>
-      </p:ext>
-    </p:extLst>
-  </p:cSld>
-  <p:clrMapOvr>
-    <a:masterClrMapping/>
-  </p:clrMapOvr>
-  <p:timing>
-    <p:tnLst>
-      <p:par>
-        <p:cTn id="1" dur="indefinite" restart="never" nodeType="tmRoot"/>
-      </p:par>
-    </p:tnLst>
-  </p:timing>
-</p:sld>
-</file>
-
-<file path=ppt/slides/slide5.xml><?xml version="1.0" encoding="utf-8"?>
-<p:sld xmlns:a="http://schemas.openxmlformats.org/drawingml/2006/main" xmlns:r="http://schemas.openxmlformats.org/officeDocument/2006/relationships" xmlns:p="http://schemas.openxmlformats.org/presentationml/2006/main">
-  <p:cSld>
-    <p:spTree>
-      <p:nvGrpSpPr>
-        <p:cNvPr id="1" name=""/>
-        <p:cNvGrpSpPr/>
-        <p:nvPr/>
-      </p:nvGrpSpPr>
-      <p:grpSpPr>
-        <a:xfrm>
-          <a:off x="0" y="0"/>
-          <a:ext cx="0" cy="0"/>
-          <a:chOff x="0" y="0"/>
-          <a:chExt cx="0" cy="0"/>
-        </a:xfrm>
-      </p:grpSpPr>
-      <p:sp>
-        <p:nvSpPr>
-          <p:cNvPr id="2" name="Title 1"/>
-          <p:cNvSpPr>
-            <a:spLocks noGrp="1"/>
-          </p:cNvSpPr>
-          <p:nvPr>
-            <p:ph type="title"/>
-          </p:nvPr>
-        </p:nvSpPr>
-        <p:spPr/>
-        <p:txBody>
-          <a:bodyPr/>
-          <a:lstStyle/>
-          <a:p>
-            <a:r>
-              <a:rPr lang="en-US" dirty="0" smtClean="0"/>
-              <a:t>Related work</a:t>
-            </a:r>
-            <a:endParaRPr lang="en-US" dirty="0"/>
-          </a:p>
-        </p:txBody>
-      </p:sp>
-      <p:sp>
-        <p:nvSpPr>
-          <p:cNvPr id="3" name="Content Placeholder 2"/>
-          <p:cNvSpPr>
-            <a:spLocks noGrp="1"/>
-          </p:cNvSpPr>
-          <p:nvPr>
-            <p:ph idx="1"/>
-          </p:nvPr>
-        </p:nvSpPr>
-        <p:spPr/>
-        <p:txBody>
-          <a:bodyPr/>
-          <a:lstStyle/>
-          <a:p>
-            <a:pPr marL="457200" indent="-457200">
-              <a:buFont typeface="+mj-lt"/>
-              <a:buAutoNum type="arabicPeriod"/>
-            </a:pPr>
-            <a:r>
-              <a:rPr lang="en-US" dirty="0" smtClean="0"/>
-              <a:t>Most assume constant failure rates, as well as same failure rates for all nodes</a:t>
-            </a:r>
-            <a:endParaRPr lang="en-US" dirty="0"/>
-          </a:p>
-        </p:txBody>
-      </p:sp>
-    </p:spTree>
-    <p:extLst>
-      <p:ext uri="{BB962C8B-B14F-4D97-AF65-F5344CB8AC3E}">
-        <p14:creationId xmlns:p14="http://schemas.microsoft.com/office/powerpoint/2010/main" val="219035841"/>
       </p:ext>
     </p:extLst>
   </p:cSld>

--- a/presentation/presentation.pptx
+++ b/presentation/presentation.pptx
@@ -4398,7 +4398,7 @@
             </a:pPr>
             <a:r>
               <a:rPr lang="en-US" dirty="0" smtClean="0"/>
-              <a:t>Basic idea</a:t>
+              <a:t>Basic idea:</a:t>
             </a:r>
           </a:p>
           <a:p>
@@ -4422,10 +4422,30 @@
             </a:r>
           </a:p>
           <a:p>
+            <a:pPr marL="0" indent="0">
+              <a:buNone/>
+            </a:pPr>
+            <a:endParaRPr lang="en-US" dirty="0" smtClean="0"/>
+          </a:p>
+          <a:p>
             <a:pPr>
               <a:buFont typeface="Arial" charset="0"/>
               <a:buChar char="•"/>
             </a:pPr>
+            <a:r>
+              <a:rPr lang="en-US" dirty="0" smtClean="0"/>
+              <a:t>Optimize by choosing the most reliable nodes to place replicas on</a:t>
+            </a:r>
+          </a:p>
+          <a:p>
+            <a:pPr>
+              <a:buFont typeface="Arial" charset="0"/>
+              <a:buChar char="•"/>
+            </a:pPr>
+            <a:r>
+              <a:rPr lang="en-US" dirty="0" smtClean="0"/>
+              <a:t>Update reliability for nodes as failures occur</a:t>
+            </a:r>
             <a:endParaRPr lang="en-US" dirty="0"/>
           </a:p>
         </p:txBody>
@@ -4852,7 +4872,7 @@
             <a:endParaRPr lang="en-US" dirty="0" smtClean="0"/>
           </a:p>
           <a:p>
-            <a:pPr marL="0" marR="0" lvl="0" indent="0" defTabSz="914400" eaLnBrk="1" fontAlgn="auto" latinLnBrk="0" hangingPunct="1">
+            <a:pPr marL="0" lvl="0" indent="0">
               <a:lnSpc>
                 <a:spcPct val="100000"/>
               </a:lnSpc>
@@ -4864,23 +4884,17 @@
               </a:spcAft>
               <a:buClrTx/>
               <a:buSzTx/>
-              <a:buFont typeface="Arial" charset="0"/>
               <a:buNone/>
-              <a:tabLst/>
-              <a:defRPr/>
             </a:pPr>
             <a:r>
               <a:rPr lang="en-US" dirty="0" smtClean="0"/>
-              <a:t>Since we assume high bandwidth low latency connections, the time it takes to send the heartbeat is </a:t>
-            </a:r>
-            <a:r>
-              <a:rPr lang="en-US" dirty="0" err="1" smtClean="0"/>
-              <a:t>neglectable</a:t>
-            </a:r>
-            <a:r>
-              <a:rPr lang="en-US" dirty="0" smtClean="0"/>
-              <a:t>.</a:t>
-            </a:r>
+              <a:t>Since we assume high bandwidth low latency connections, the time it takes to send the heartbeat </a:t>
+            </a:r>
+            <a:r>
+              <a:rPr lang="en-US" dirty="0"/>
+              <a:t>is negligible.</a:t>
+            </a:r>
+            <a:endParaRPr lang="en-US" dirty="0" smtClean="0"/>
           </a:p>
           <a:p>
             <a:pPr marL="0" marR="0" lvl="0" indent="0" defTabSz="914400" eaLnBrk="1" fontAlgn="auto" latinLnBrk="0" hangingPunct="1">
@@ -13497,124 +13511,6 @@
                 <a:pPr marL="0" lvl="0" indent="0">
                   <a:buNone/>
                 </a:pPr>
-                <a14:m>
-                  <m:oMathPara xmlns:m="http://schemas.openxmlformats.org/officeDocument/2006/math">
-                    <m:oMathParaPr>
-                      <m:jc m:val="centerGroup"/>
-                    </m:oMathParaPr>
-                    <m:oMath xmlns:m="http://schemas.openxmlformats.org/officeDocument/2006/math">
-                      <m:r>
-                        <a:rPr lang="en-GB" b="0" i="1" smtClean="0">
-                          <a:latin typeface="Cambria Math" charset="0"/>
-                        </a:rPr>
-                        <m:t>𝑃</m:t>
-                      </m:r>
-                      <m:d>
-                        <m:dPr>
-                          <m:ctrlPr>
-                            <a:rPr lang="en-GB" b="0" i="1" smtClean="0">
-                              <a:latin typeface="Cambria Math" charset="0"/>
-                            </a:rPr>
-                          </m:ctrlPr>
-                        </m:dPr>
-                        <m:e>
-                          <m:r>
-                            <a:rPr lang="en-GB" b="0" i="1" smtClean="0">
-                              <a:latin typeface="Cambria Math" charset="0"/>
-                            </a:rPr>
-                            <m:t>𝑘</m:t>
-                          </m:r>
-                          <m:r>
-                            <a:rPr lang="en-GB" b="0" i="1" smtClean="0">
-                              <a:latin typeface="Cambria Math" charset="0"/>
-                            </a:rPr>
-                            <m:t> </m:t>
-                          </m:r>
-                          <m:r>
-                            <a:rPr lang="en-GB" b="0" i="1" smtClean="0">
-                              <a:latin typeface="Cambria Math" charset="0"/>
-                            </a:rPr>
-                            <m:t>𝑓𝑎𝑖𝑙𝑢𝑟𝑒𝑠</m:t>
-                          </m:r>
-                        </m:e>
-                      </m:d>
-                      <m:r>
-                        <a:rPr lang="en-GB" b="0" i="1" smtClean="0">
-                          <a:latin typeface="Cambria Math" charset="0"/>
-                        </a:rPr>
-                        <m:t>=</m:t>
-                      </m:r>
-                      <m:f>
-                        <m:fPr>
-                          <m:ctrlPr>
-                            <a:rPr lang="fi-FI" i="1">
-                              <a:latin typeface="Cambria Math" charset="0"/>
-                            </a:rPr>
-                          </m:ctrlPr>
-                        </m:fPr>
-                        <m:num>
-                          <m:r>
-                            <a:rPr lang="en-GB" b="0" i="1" smtClean="0">
-                              <a:latin typeface="Cambria Math" charset="0"/>
-                            </a:rPr>
-                            <m:t>𝜆</m:t>
-                          </m:r>
-                          <m:r>
-                            <a:rPr lang="en-GB" b="0" i="1" smtClean="0">
-                              <a:latin typeface="Cambria Math" charset="0"/>
-                            </a:rPr>
-                            <m:t>∗</m:t>
-                          </m:r>
-                          <m:sSup>
-                            <m:sSupPr>
-                              <m:ctrlPr>
-                                <a:rPr lang="is-IS" i="1">
-                                  <a:latin typeface="Cambria Math" charset="0"/>
-                                </a:rPr>
-                              </m:ctrlPr>
-                            </m:sSupPr>
-                            <m:e>
-                              <m:r>
-                                <a:rPr lang="en-GB" i="1">
-                                  <a:latin typeface="Cambria Math" charset="0"/>
-                                </a:rPr>
-                                <m:t>𝑒</m:t>
-                              </m:r>
-                            </m:e>
-                            <m:sup>
-                              <m:r>
-                                <a:rPr lang="en-GB" i="1">
-                                  <a:latin typeface="Cambria Math" charset="0"/>
-                                </a:rPr>
-                                <m:t>−</m:t>
-                              </m:r>
-                              <m:r>
-                                <a:rPr lang="en-GB" i="1">
-                                  <a:latin typeface="Cambria Math" charset="0"/>
-                                </a:rPr>
-                                <m:t>𝜆</m:t>
-                              </m:r>
-                            </m:sup>
-                          </m:sSup>
-                        </m:num>
-                        <m:den>
-                          <m:r>
-                            <a:rPr lang="en-GB" b="0" i="1" smtClean="0">
-                              <a:latin typeface="Cambria Math" charset="0"/>
-                            </a:rPr>
-                            <m:t>𝑘</m:t>
-                          </m:r>
-                          <m:r>
-                            <a:rPr lang="fi-FI" i="1">
-                              <a:latin typeface="Cambria Math" charset="0"/>
-                            </a:rPr>
-                            <m:t>!</m:t>
-                          </m:r>
-                        </m:den>
-                      </m:f>
-                    </m:oMath>
-                  </m:oMathPara>
-                </a14:m>
                 <a:endParaRPr lang="en-US" dirty="0" smtClean="0"/>
               </a:p>
               <a:p>
@@ -13688,9 +13584,82 @@
                 </a:r>
               </a:p>
               <a:p>
-                <a:pPr marL="0" indent="0">
+                <a:pPr marL="0" lvl="0" indent="0">
                   <a:buNone/>
                 </a:pPr>
+                <a:endParaRPr lang="en-US" dirty="0" smtClean="0"/>
+              </a:p>
+              <a:p>
+                <a:pPr marL="0" lvl="0" indent="0">
+                  <a:buNone/>
+                </a:pPr>
+                <a:r>
+                  <a:rPr lang="en-US" dirty="0" smtClean="0"/>
+                  <a:t>Resulting in</a:t>
+                </a:r>
+                <a:endParaRPr lang="en-US" dirty="0" smtClean="0"/>
+              </a:p>
+            </p:txBody>
+          </p:sp>
+        </mc:Choice>
+        <mc:Fallback>
+          <p:sp>
+            <p:nvSpPr>
+              <p:cNvPr id="3" name="Content Placeholder 2"/>
+              <p:cNvSpPr>
+                <a:spLocks noGrp="1" noRot="1" noChangeAspect="1" noMove="1" noResize="1" noEditPoints="1" noAdjustHandles="1" noChangeArrowheads="1" noChangeShapeType="1" noTextEdit="1"/>
+              </p:cNvSpPr>
+              <p:nvPr>
+                <p:ph idx="1"/>
+              </p:nvPr>
+            </p:nvSpPr>
+            <p:spPr>
+              <a:blipFill rotWithShape="0">
+                <a:blip r:embed="rId2"/>
+                <a:stretch>
+                  <a:fillRect l="-1515" t="-1667"/>
+                </a:stretch>
+              </a:blipFill>
+            </p:spPr>
+            <p:txBody>
+              <a:bodyPr/>
+              <a:lstStyle/>
+              <a:p>
+                <a:r>
+                  <a:rPr lang="en-US">
+                    <a:noFill/>
+                  </a:rPr>
+                  <a:t> </a:t>
+                </a:r>
+              </a:p>
+            </p:txBody>
+          </p:sp>
+        </mc:Fallback>
+      </mc:AlternateContent>
+      <mc:AlternateContent xmlns:mc="http://schemas.openxmlformats.org/markup-compatibility/2006">
+        <mc:Choice xmlns:a14="http://schemas.microsoft.com/office/drawing/2010/main" Requires="a14">
+          <p:sp>
+            <p:nvSpPr>
+              <p:cNvPr id="4" name="Rectangle 3"/>
+              <p:cNvSpPr/>
+              <p:nvPr/>
+            </p:nvSpPr>
+            <p:spPr>
+              <a:xfrm>
+                <a:off x="4811729" y="2108341"/>
+                <a:ext cx="2629502" cy="661912"/>
+              </a:xfrm>
+              <a:prstGeom prst="rect">
+                <a:avLst/>
+              </a:prstGeom>
+            </p:spPr>
+            <p:txBody>
+              <a:bodyPr wrap="none">
+                <a:spAutoFit/>
+              </a:bodyPr>
+              <a:lstStyle/>
+              <a:p>
+                <a:pPr lvl="0"/>
                 <a14:m>
                   <m:oMathPara xmlns:m="http://schemas.openxmlformats.org/officeDocument/2006/math">
                     <m:oMathParaPr>
@@ -13698,13 +13667,42 @@
                     </m:oMathParaPr>
                     <m:oMath xmlns:m="http://schemas.openxmlformats.org/officeDocument/2006/math">
                       <m:r>
-                        <a:rPr lang="en-GB" b="0" i="1" smtClean="0">
+                        <a:rPr lang="en-GB" i="1">
                           <a:latin typeface="Cambria Math" charset="0"/>
                         </a:rPr>
-                        <m:t>𝜆</m:t>
+                        <m:t>𝑃</m:t>
                       </m:r>
+                      <m:d>
+                        <m:dPr>
+                          <m:ctrlPr>
+                            <a:rPr lang="en-GB" i="1">
+                              <a:latin typeface="Cambria Math" charset="0"/>
+                            </a:rPr>
+                          </m:ctrlPr>
+                        </m:dPr>
+                        <m:e>
+                          <m:r>
+                            <a:rPr lang="en-GB" i="1">
+                              <a:latin typeface="Cambria Math" charset="0"/>
+                            </a:rPr>
+                            <m:t>𝑘</m:t>
+                          </m:r>
+                          <m:r>
+                            <a:rPr lang="en-GB" i="1">
+                              <a:latin typeface="Cambria Math" charset="0"/>
+                            </a:rPr>
+                            <m:t> </m:t>
+                          </m:r>
+                          <m:r>
+                            <a:rPr lang="en-GB" i="1">
+                              <a:latin typeface="Cambria Math" charset="0"/>
+                            </a:rPr>
+                            <m:t>𝑓𝑎𝑖𝑙𝑢𝑟𝑒𝑠</m:t>
+                          </m:r>
+                        </m:e>
+                      </m:d>
                       <m:r>
-                        <a:rPr lang="en-GB" b="0" i="1" smtClean="0">
+                        <a:rPr lang="en-GB" i="1">
                           <a:latin typeface="Cambria Math" charset="0"/>
                         </a:rPr>
                         <m:t>=</m:t>
@@ -13719,7 +13717,163 @@
                         </m:fPr>
                         <m:num>
                           <m:r>
-                            <a:rPr lang="en-GB" b="0" i="1" smtClean="0">
+                            <a:rPr lang="en-GB" i="1">
+                              <a:latin typeface="Cambria Math" charset="0"/>
+                            </a:rPr>
+                            <m:t>𝜆</m:t>
+                          </m:r>
+                          <m:r>
+                            <a:rPr lang="en-GB" i="1">
+                              <a:latin typeface="Cambria Math" charset="0"/>
+                            </a:rPr>
+                            <m:t>∗</m:t>
+                          </m:r>
+                          <m:sSup>
+                            <m:sSupPr>
+                              <m:ctrlPr>
+                                <a:rPr lang="is-IS" i="1">
+                                  <a:latin typeface="Cambria Math" charset="0"/>
+                                </a:rPr>
+                              </m:ctrlPr>
+                            </m:sSupPr>
+                            <m:e>
+                              <m:r>
+                                <a:rPr lang="en-GB" i="1">
+                                  <a:latin typeface="Cambria Math" charset="0"/>
+                                </a:rPr>
+                                <m:t>𝑒</m:t>
+                              </m:r>
+                            </m:e>
+                            <m:sup>
+                              <m:r>
+                                <a:rPr lang="en-GB" i="1">
+                                  <a:latin typeface="Cambria Math" charset="0"/>
+                                </a:rPr>
+                                <m:t>−</m:t>
+                              </m:r>
+                              <m:r>
+                                <a:rPr lang="en-GB" i="1">
+                                  <a:latin typeface="Cambria Math" charset="0"/>
+                                </a:rPr>
+                                <m:t>𝜆</m:t>
+                              </m:r>
+                            </m:sup>
+                          </m:sSup>
+                        </m:num>
+                        <m:den>
+                          <m:r>
+                            <a:rPr lang="en-GB" i="1">
+                              <a:latin typeface="Cambria Math" charset="0"/>
+                            </a:rPr>
+                            <m:t>𝑘</m:t>
+                          </m:r>
+                          <m:r>
+                            <a:rPr lang="fi-FI" i="1">
+                              <a:latin typeface="Cambria Math" charset="0"/>
+                            </a:rPr>
+                            <m:t>!</m:t>
+                          </m:r>
+                        </m:den>
+                      </m:f>
+                    </m:oMath>
+                  </m:oMathPara>
+                </a14:m>
+                <a:endParaRPr lang="en-US" dirty="0"/>
+              </a:p>
+            </p:txBody>
+          </p:sp>
+        </mc:Choice>
+        <mc:Fallback>
+          <p:sp>
+            <p:nvSpPr>
+              <p:cNvPr id="4" name="Rectangle 3"/>
+              <p:cNvSpPr>
+                <a:spLocks noRot="1" noChangeAspect="1" noMove="1" noResize="1" noEditPoints="1" noAdjustHandles="1" noChangeArrowheads="1" noChangeShapeType="1" noTextEdit="1"/>
+              </p:cNvSpPr>
+              <p:nvPr/>
+            </p:nvSpPr>
+            <p:spPr>
+              <a:xfrm>
+                <a:off x="4811729" y="2108341"/>
+                <a:ext cx="2629502" cy="661912"/>
+              </a:xfrm>
+              <a:prstGeom prst="rect">
+                <a:avLst/>
+              </a:prstGeom>
+              <a:blipFill rotWithShape="0">
+                <a:blip r:embed="rId3"/>
+                <a:stretch>
+                  <a:fillRect/>
+                </a:stretch>
+              </a:blipFill>
+            </p:spPr>
+            <p:txBody>
+              <a:bodyPr/>
+              <a:lstStyle/>
+              <a:p>
+                <a:r>
+                  <a:rPr lang="en-US">
+                    <a:noFill/>
+                  </a:rPr>
+                  <a:t> </a:t>
+                </a:r>
+              </a:p>
+            </p:txBody>
+          </p:sp>
+        </mc:Fallback>
+      </mc:AlternateContent>
+      <mc:AlternateContent xmlns:mc="http://schemas.openxmlformats.org/markup-compatibility/2006">
+        <mc:Choice xmlns:a14="http://schemas.microsoft.com/office/drawing/2010/main" Requires="a14">
+          <p:sp>
+            <p:nvSpPr>
+              <p:cNvPr id="5" name="Rectangle 4"/>
+              <p:cNvSpPr/>
+              <p:nvPr/>
+            </p:nvSpPr>
+            <p:spPr>
+              <a:xfrm>
+                <a:off x="5476206" y="3561980"/>
+                <a:ext cx="1300548" cy="590867"/>
+              </a:xfrm>
+              <a:prstGeom prst="rect">
+                <a:avLst/>
+              </a:prstGeom>
+            </p:spPr>
+            <p:txBody>
+              <a:bodyPr wrap="none">
+                <a:spAutoFit/>
+              </a:bodyPr>
+              <a:lstStyle/>
+              <a:p>
+                <a14:m>
+                  <m:oMathPara xmlns:m="http://schemas.openxmlformats.org/officeDocument/2006/math">
+                    <m:oMathParaPr>
+                      <m:jc m:val="centerGroup"/>
+                    </m:oMathParaPr>
+                    <m:oMath xmlns:m="http://schemas.openxmlformats.org/officeDocument/2006/math">
+                      <m:r>
+                        <a:rPr lang="en-GB" i="1">
+                          <a:latin typeface="Cambria Math" charset="0"/>
+                        </a:rPr>
+                        <m:t>𝜆</m:t>
+                      </m:r>
+                      <m:r>
+                        <a:rPr lang="en-GB" i="1">
+                          <a:latin typeface="Cambria Math" charset="0"/>
+                        </a:rPr>
+                        <m:t>=</m:t>
+                      </m:r>
+                      <m:f>
+                        <m:fPr>
+                          <m:ctrlPr>
+                            <a:rPr lang="fi-FI" i="1">
+                              <a:latin typeface="Cambria Math" charset="0"/>
+                            </a:rPr>
+                          </m:ctrlPr>
+                        </m:fPr>
+                        <m:num>
+                          <m:r>
+                            <a:rPr lang="en-GB" i="1">
                               <a:latin typeface="Cambria Math" charset="0"/>
                             </a:rPr>
                             <m:t>𝑡</m:t>
@@ -13727,7 +13881,7 @@
                         </m:num>
                         <m:den>
                           <m:r>
-                            <a:rPr lang="en-GB" b="0" i="1" smtClean="0">
+                            <a:rPr lang="en-GB" i="1">
                               <a:latin typeface="Cambria Math" charset="0"/>
                             </a:rPr>
                             <m:t>𝑀𝑇𝐵𝐹</m:t>
@@ -13739,19 +13893,72 @@
                 </a14:m>
                 <a:endParaRPr lang="en-US" dirty="0"/>
               </a:p>
+            </p:txBody>
+          </p:sp>
+        </mc:Choice>
+        <mc:Fallback>
+          <p:sp>
+            <p:nvSpPr>
+              <p:cNvPr id="5" name="Rectangle 4"/>
+              <p:cNvSpPr>
+                <a:spLocks noRot="1" noChangeAspect="1" noMove="1" noResize="1" noEditPoints="1" noAdjustHandles="1" noChangeArrowheads="1" noChangeShapeType="1" noTextEdit="1"/>
+              </p:cNvSpPr>
+              <p:nvPr/>
+            </p:nvSpPr>
+            <p:spPr>
+              <a:xfrm>
+                <a:off x="5476206" y="3561980"/>
+                <a:ext cx="1300548" cy="590867"/>
+              </a:xfrm>
+              <a:prstGeom prst="rect">
+                <a:avLst/>
+              </a:prstGeom>
+              <a:blipFill rotWithShape="0">
+                <a:blip r:embed="rId4"/>
+                <a:stretch>
+                  <a:fillRect/>
+                </a:stretch>
+              </a:blipFill>
+            </p:spPr>
+            <p:txBody>
+              <a:bodyPr/>
+              <a:lstStyle/>
               <a:p>
-                <a:pPr marL="0" lvl="0" indent="0">
-                  <a:buNone/>
-                </a:pPr>
                 <a:r>
-                  <a:rPr lang="en-US" dirty="0" smtClean="0"/>
-                  <a:t>Resulting in</a:t>
+                  <a:rPr lang="en-US">
+                    <a:noFill/>
+                  </a:rPr>
+                  <a:t> </a:t>
                 </a:r>
               </a:p>
+            </p:txBody>
+          </p:sp>
+        </mc:Fallback>
+      </mc:AlternateContent>
+      <mc:AlternateContent xmlns:mc="http://schemas.openxmlformats.org/markup-compatibility/2006">
+        <mc:Choice xmlns:a14="http://schemas.microsoft.com/office/drawing/2010/main" Requires="a14">
+          <p:sp>
+            <p:nvSpPr>
+              <p:cNvPr id="6" name="Rectangle 5"/>
+              <p:cNvSpPr/>
+              <p:nvPr/>
+            </p:nvSpPr>
+            <p:spPr>
+              <a:xfrm>
+                <a:off x="3384736" y="4261221"/>
+                <a:ext cx="5483488" cy="840808"/>
+              </a:xfrm>
+              <a:prstGeom prst="rect">
+                <a:avLst/>
+              </a:prstGeom>
+            </p:spPr>
+            <p:txBody>
+              <a:bodyPr wrap="none">
+                <a:spAutoFit/>
+              </a:bodyPr>
+              <a:lstStyle/>
               <a:p>
-                <a:pPr marL="0" lvl="0" indent="0">
-                  <a:buNone/>
-                </a:pPr>
+                <a:pPr lvl="0"/>
                 <a14:m>
                   <m:oMathPara xmlns:m="http://schemas.openxmlformats.org/officeDocument/2006/math">
                     <m:oMathParaPr>
@@ -13792,37 +13999,37 @@
                             <m:t>𝑓𝑎𝑖𝑙𝑢𝑟𝑒𝑠</m:t>
                           </m:r>
                           <m:r>
-                            <a:rPr lang="en-GB" b="0" i="1" smtClean="0">
+                            <a:rPr lang="en-GB" i="1">
                               <a:latin typeface="Cambria Math" charset="0"/>
                             </a:rPr>
                             <m:t> </m:t>
                           </m:r>
                           <m:r>
-                            <a:rPr lang="en-GB" b="0" i="1" smtClean="0">
+                            <a:rPr lang="en-GB" i="1">
                               <a:latin typeface="Cambria Math" charset="0"/>
                             </a:rPr>
                             <m:t>𝑑𝑢𝑟𝑖𝑛𝑔</m:t>
                           </m:r>
                           <m:r>
-                            <a:rPr lang="en-GB" b="0" i="1" smtClean="0">
+                            <a:rPr lang="en-GB" i="1">
                               <a:latin typeface="Cambria Math" charset="0"/>
                             </a:rPr>
                             <m:t> </m:t>
                           </m:r>
                           <m:r>
-                            <a:rPr lang="en-GB" b="0" i="1" smtClean="0">
+                            <a:rPr lang="en-GB" i="1">
                               <a:latin typeface="Cambria Math" charset="0"/>
                             </a:rPr>
                             <m:t>𝑡𝑖𝑚𝑒</m:t>
                           </m:r>
                           <m:r>
-                            <a:rPr lang="en-GB" b="0" i="1" smtClean="0">
+                            <a:rPr lang="en-GB" i="1">
                               <a:latin typeface="Cambria Math" charset="0"/>
                             </a:rPr>
                             <m:t> </m:t>
                           </m:r>
                           <m:r>
-                            <a:rPr lang="en-GB" b="0" i="1" smtClean="0">
+                            <a:rPr lang="en-GB" i="1">
                               <a:latin typeface="Cambria Math" charset="0"/>
                             </a:rPr>
                             <m:t>𝑡</m:t>
@@ -13892,7 +14099,7 @@
                             </m:e>
                             <m:sup>
                               <m:r>
-                                <a:rPr lang="en-GB" b="0" i="1" smtClean="0">
+                                <a:rPr lang="en-GB" i="1">
                                   <a:latin typeface="Cambria Math" charset="0"/>
                                 </a:rPr>
                                 <m:t>𝑘</m:t>
@@ -13985,7 +14192,7 @@
                     </m:oMath>
                   </m:oMathPara>
                 </a14:m>
-                <a:endParaRPr lang="en-US" dirty="0" smtClean="0"/>
+                <a:endParaRPr lang="en-US" dirty="0"/>
               </a:p>
             </p:txBody>
           </p:sp>
@@ -13993,19 +14200,24 @@
         <mc:Fallback>
           <p:sp>
             <p:nvSpPr>
-              <p:cNvPr id="3" name="Content Placeholder 2"/>
+              <p:cNvPr id="6" name="Rectangle 5"/>
               <p:cNvSpPr>
-                <a:spLocks noGrp="1" noRot="1" noChangeAspect="1" noMove="1" noResize="1" noEditPoints="1" noAdjustHandles="1" noChangeArrowheads="1" noChangeShapeType="1" noTextEdit="1"/>
+                <a:spLocks noRot="1" noChangeAspect="1" noMove="1" noResize="1" noEditPoints="1" noAdjustHandles="1" noChangeArrowheads="1" noChangeShapeType="1" noTextEdit="1"/>
               </p:cNvSpPr>
-              <p:nvPr>
-                <p:ph idx="1"/>
-              </p:nvPr>
+              <p:nvPr/>
             </p:nvSpPr>
             <p:spPr>
+              <a:xfrm>
+                <a:off x="3384736" y="4261221"/>
+                <a:ext cx="5483488" cy="840808"/>
+              </a:xfrm>
+              <a:prstGeom prst="rect">
+                <a:avLst/>
+              </a:prstGeom>
               <a:blipFill rotWithShape="0">
-                <a:blip r:embed="rId2"/>
+                <a:blip r:embed="rId5"/>
                 <a:stretch>
-                  <a:fillRect l="-1515" t="-1667"/>
+                  <a:fillRect/>
                 </a:stretch>
               </a:blipFill>
             </p:spPr>

--- a/presentation/presentation.pptx
+++ b/presentation/presentation.pptx
@@ -15,48 +15,49 @@
     <p:sldId id="307" r:id="rId9"/>
     <p:sldId id="309" r:id="rId10"/>
     <p:sldId id="302" r:id="rId11"/>
-    <p:sldId id="303" r:id="rId12"/>
-    <p:sldId id="310" r:id="rId13"/>
-    <p:sldId id="311" r:id="rId14"/>
-    <p:sldId id="321" r:id="rId15"/>
-    <p:sldId id="312" r:id="rId16"/>
-    <p:sldId id="313" r:id="rId17"/>
-    <p:sldId id="314" r:id="rId18"/>
-    <p:sldId id="315" r:id="rId19"/>
-    <p:sldId id="316" r:id="rId20"/>
-    <p:sldId id="317" r:id="rId21"/>
-    <p:sldId id="318" r:id="rId22"/>
-    <p:sldId id="319" r:id="rId23"/>
-    <p:sldId id="320" r:id="rId24"/>
-    <p:sldId id="294" r:id="rId25"/>
-    <p:sldId id="297" r:id="rId26"/>
-    <p:sldId id="298" r:id="rId27"/>
-    <p:sldId id="299" r:id="rId28"/>
-    <p:sldId id="295" r:id="rId29"/>
-    <p:sldId id="258" r:id="rId30"/>
-    <p:sldId id="259" r:id="rId31"/>
-    <p:sldId id="260" r:id="rId32"/>
-    <p:sldId id="261" r:id="rId33"/>
-    <p:sldId id="263" r:id="rId34"/>
-    <p:sldId id="262" r:id="rId35"/>
-    <p:sldId id="264" r:id="rId36"/>
-    <p:sldId id="265" r:id="rId37"/>
-    <p:sldId id="275" r:id="rId38"/>
-    <p:sldId id="266" r:id="rId39"/>
-    <p:sldId id="267" r:id="rId40"/>
-    <p:sldId id="268" r:id="rId41"/>
-    <p:sldId id="269" r:id="rId42"/>
-    <p:sldId id="270" r:id="rId43"/>
-    <p:sldId id="271" r:id="rId44"/>
-    <p:sldId id="272" r:id="rId45"/>
-    <p:sldId id="274" r:id="rId46"/>
-    <p:sldId id="273" r:id="rId47"/>
-    <p:sldId id="276" r:id="rId48"/>
-    <p:sldId id="277" r:id="rId49"/>
-    <p:sldId id="278" r:id="rId50"/>
-    <p:sldId id="279" r:id="rId51"/>
-    <p:sldId id="280" r:id="rId52"/>
-    <p:sldId id="281" r:id="rId53"/>
+    <p:sldId id="322" r:id="rId12"/>
+    <p:sldId id="323" r:id="rId13"/>
+    <p:sldId id="303" r:id="rId14"/>
+    <p:sldId id="310" r:id="rId15"/>
+    <p:sldId id="311" r:id="rId16"/>
+    <p:sldId id="321" r:id="rId17"/>
+    <p:sldId id="313" r:id="rId18"/>
+    <p:sldId id="314" r:id="rId19"/>
+    <p:sldId id="315" r:id="rId20"/>
+    <p:sldId id="316" r:id="rId21"/>
+    <p:sldId id="317" r:id="rId22"/>
+    <p:sldId id="318" r:id="rId23"/>
+    <p:sldId id="319" r:id="rId24"/>
+    <p:sldId id="320" r:id="rId25"/>
+    <p:sldId id="294" r:id="rId26"/>
+    <p:sldId id="297" r:id="rId27"/>
+    <p:sldId id="298" r:id="rId28"/>
+    <p:sldId id="299" r:id="rId29"/>
+    <p:sldId id="295" r:id="rId30"/>
+    <p:sldId id="258" r:id="rId31"/>
+    <p:sldId id="259" r:id="rId32"/>
+    <p:sldId id="260" r:id="rId33"/>
+    <p:sldId id="261" r:id="rId34"/>
+    <p:sldId id="263" r:id="rId35"/>
+    <p:sldId id="262" r:id="rId36"/>
+    <p:sldId id="264" r:id="rId37"/>
+    <p:sldId id="265" r:id="rId38"/>
+    <p:sldId id="275" r:id="rId39"/>
+    <p:sldId id="266" r:id="rId40"/>
+    <p:sldId id="267" r:id="rId41"/>
+    <p:sldId id="268" r:id="rId42"/>
+    <p:sldId id="269" r:id="rId43"/>
+    <p:sldId id="270" r:id="rId44"/>
+    <p:sldId id="271" r:id="rId45"/>
+    <p:sldId id="272" r:id="rId46"/>
+    <p:sldId id="274" r:id="rId47"/>
+    <p:sldId id="273" r:id="rId48"/>
+    <p:sldId id="276" r:id="rId49"/>
+    <p:sldId id="277" r:id="rId50"/>
+    <p:sldId id="278" r:id="rId51"/>
+    <p:sldId id="279" r:id="rId52"/>
+    <p:sldId id="280" r:id="rId53"/>
+    <p:sldId id="281" r:id="rId54"/>
   </p:sldIdLst>
   <p:sldSz cx="12192000" cy="6858000"/>
   <p:notesSz cx="6858000" cy="9144000"/>
@@ -389,7 +390,7 @@
           <a:p>
             <a:fld id="{4BDF68E2-58F2-4D09-BE8B-E3BD06533059}" type="datetimeFigureOut">
               <a:rPr lang="en-US" smtClean="0"/>
-              <a:t>4/27/16</a:t>
+              <a:t>5/1/16</a:t>
             </a:fld>
             <a:endParaRPr lang="en-US" dirty="0"/>
           </a:p>
@@ -597,7 +598,7 @@
           <a:p>
             <a:fld id="{2E2D6473-DF6D-4702-B328-E0DD40540A4E}" type="datetimeFigureOut">
               <a:rPr lang="en-US" smtClean="0"/>
-              <a:t>4/27/16</a:t>
+              <a:t>5/1/16</a:t>
             </a:fld>
             <a:endParaRPr lang="en-US" dirty="0"/>
           </a:p>
@@ -853,7 +854,7 @@
           <a:p>
             <a:fld id="{E26F7E3A-B166-407D-9866-32884E7D5B37}" type="datetimeFigureOut">
               <a:rPr lang="en-US" smtClean="0"/>
-              <a:t>4/27/16</a:t>
+              <a:t>5/1/16</a:t>
             </a:fld>
             <a:endParaRPr lang="en-US" dirty="0"/>
           </a:p>
@@ -1027,7 +1028,7 @@
           <a:p>
             <a:fld id="{528FC5F6-F338-4AE4-BB23-26385BCFC423}" type="datetimeFigureOut">
               <a:rPr lang="en-US" smtClean="0"/>
-              <a:t>4/27/16</a:t>
+              <a:t>5/1/16</a:t>
             </a:fld>
             <a:endParaRPr lang="en-US" dirty="0"/>
           </a:p>
@@ -1370,7 +1371,7 @@
           <a:p>
             <a:fld id="{20EBB0C4-6273-4C6E-B9BD-2EDC30F1CD52}" type="datetimeFigureOut">
               <a:rPr lang="en-US" smtClean="0"/>
-              <a:t>4/27/16</a:t>
+              <a:t>5/1/16</a:t>
             </a:fld>
             <a:endParaRPr lang="en-US" dirty="0"/>
           </a:p>
@@ -1645,7 +1646,7 @@
           <a:p>
             <a:fld id="{19AB4D41-86C1-4908-B66A-0B50CEB3BF29}" type="datetimeFigureOut">
               <a:rPr lang="en-US" smtClean="0"/>
-              <a:t>4/27/16</a:t>
+              <a:t>5/1/16</a:t>
             </a:fld>
             <a:endParaRPr lang="en-US" dirty="0"/>
           </a:p>
@@ -2024,7 +2025,7 @@
           <a:p>
             <a:fld id="{E6426E2C-56C1-4E0D-A793-0088A7FDD37E}" type="datetimeFigureOut">
               <a:rPr lang="en-US" smtClean="0"/>
-              <a:t>4/27/16</a:t>
+              <a:t>5/1/16</a:t>
             </a:fld>
             <a:endParaRPr lang="en-US" dirty="0"/>
           </a:p>
@@ -2142,7 +2143,7 @@
           <a:p>
             <a:fld id="{C8C39B41-D8B5-4052-B551-9B5525EAA8B6}" type="datetimeFigureOut">
               <a:rPr lang="en-US" smtClean="0"/>
-              <a:t>4/27/16</a:t>
+              <a:t>5/1/16</a:t>
             </a:fld>
             <a:endParaRPr lang="en-US" dirty="0"/>
           </a:p>
@@ -2313,7 +2314,7 @@
           <a:p>
             <a:fld id="{4D94136C-8742-45B2-AF27-D93DF72833A9}" type="datetimeFigureOut">
               <a:rPr lang="en-US" smtClean="0"/>
-              <a:t>4/27/16</a:t>
+              <a:t>5/1/16</a:t>
             </a:fld>
             <a:endParaRPr lang="en-US" dirty="0"/>
           </a:p>
@@ -2668,7 +2669,7 @@
           <a:p>
             <a:fld id="{32ABBEA6-7C60-4B02-AE87-00D78D8422AF}" type="datetimeFigureOut">
               <a:rPr lang="en-US" smtClean="0"/>
-              <a:t>4/27/16</a:t>
+              <a:t>5/1/16</a:t>
             </a:fld>
             <a:endParaRPr lang="en-US" dirty="0"/>
           </a:p>
@@ -3051,7 +3052,7 @@
           <a:p>
             <a:fld id="{C9CAD897-D46E-4AD2-BD9B-49DD3E640873}" type="datetimeFigureOut">
               <a:rPr lang="en-US" smtClean="0"/>
-              <a:t>4/27/16</a:t>
+              <a:t>5/1/16</a:t>
             </a:fld>
             <a:endParaRPr lang="en-US" dirty="0"/>
           </a:p>
@@ -3338,7 +3339,7 @@
           <a:p>
             <a:fld id="{98624D31-43A5-475A-80CF-332C9F6DCF35}" type="datetimeFigureOut">
               <a:rPr lang="en-US" smtClean="0"/>
-              <a:t>4/27/16</a:t>
+              <a:t>5/1/16</a:t>
             </a:fld>
             <a:endParaRPr lang="en-US" dirty="0"/>
           </a:p>
@@ -4012,23 +4013,15 @@
             </a:pPr>
             <a:r>
               <a:rPr lang="en-US" dirty="0" smtClean="0"/>
-              <a:t>Recap: reliability </a:t>
-            </a:r>
-            <a:r>
-              <a:rPr lang="en-US" dirty="0" smtClean="0"/>
-              <a:t>is </a:t>
-            </a:r>
-            <a:r>
-              <a:rPr lang="is-IS" dirty="0" smtClean="0"/>
-              <a:t>… </a:t>
+              <a:t>Recap: reliability is </a:t>
+            </a:r>
+            <a:r>
+              <a:rPr lang="en-US" i="1" dirty="0" smtClean="0"/>
+              <a:t>“</a:t>
             </a:r>
             <a:r>
               <a:rPr lang="is-IS" i="1" dirty="0" smtClean="0"/>
-              <a:t>at least one replica is up and running </a:t>
-            </a:r>
-            <a:r>
-              <a:rPr lang="is-IS" dirty="0" smtClean="0"/>
-              <a:t>...</a:t>
+              <a:t>… at least one replica is up and running ...”</a:t>
             </a:r>
           </a:p>
           <a:p>
@@ -4047,7 +4040,6 @@
               <a:rPr lang="is-IS" dirty="0" smtClean="0"/>
               <a:t>nodes, this is</a:t>
             </a:r>
-            <a:endParaRPr lang="is-IS" dirty="0" smtClean="0"/>
           </a:p>
           <a:p>
             <a:pPr lvl="0">
@@ -4058,8 +4050,8 @@
           </a:p>
         </p:txBody>
       </p:sp>
-      <mc:AlternateContent xmlns:mc="http://schemas.openxmlformats.org/markup-compatibility/2006">
-        <mc:Choice xmlns:a14="http://schemas.microsoft.com/office/drawing/2010/main" Requires="a14">
+      <mc:AlternateContent xmlns:mc="http://schemas.openxmlformats.org/markup-compatibility/2006" xmlns:a14="http://schemas.microsoft.com/office/drawing/2010/main">
+        <mc:Choice Requires="a14">
           <p:sp>
             <p:nvSpPr>
               <p:cNvPr id="4" name="Rectangle 3"/>
@@ -4279,7 +4271,7 @@
             </p:txBody>
           </p:sp>
         </mc:Choice>
-        <mc:Fallback>
+        <mc:Fallback xmlns="">
           <p:sp>
             <p:nvSpPr>
               <p:cNvPr id="4" name="Rectangle 3"/>
@@ -4372,7 +4364,7 @@
           <a:p>
             <a:r>
               <a:rPr lang="en-US" dirty="0" smtClean="0"/>
-              <a:t>Fault-tolerant model</a:t>
+              <a:t>Reliability model</a:t>
             </a:r>
             <a:endParaRPr lang="en-US" dirty="0"/>
           </a:p>
@@ -4393,59 +4385,114 @@
           <a:bodyPr/>
           <a:lstStyle/>
           <a:p>
-            <a:pPr marL="0" lvl="0" indent="0">
-              <a:buNone/>
-            </a:pPr>
-            <a:r>
-              <a:rPr lang="en-US" dirty="0" smtClean="0"/>
-              <a:t>Basic idea:</a:t>
-            </a:r>
-          </a:p>
-          <a:p>
-            <a:pPr>
+            <a:pPr lvl="0">
               <a:buFont typeface="Arial" charset="0"/>
               <a:buChar char="•"/>
             </a:pPr>
             <a:r>
               <a:rPr lang="en-US" dirty="0" smtClean="0"/>
-              <a:t>Create enough replicas to reach the required reliability</a:t>
-            </a:r>
-          </a:p>
-          <a:p>
-            <a:pPr>
+              <a:t>Failures will happen</a:t>
+            </a:r>
+          </a:p>
+          <a:p>
+            <a:pPr lvl="0">
               <a:buFont typeface="Arial" charset="0"/>
               <a:buChar char="•"/>
             </a:pPr>
             <a:r>
               <a:rPr lang="en-US" dirty="0" smtClean="0"/>
-              <a:t>Detect failures and create new replicas if needed</a:t>
-            </a:r>
-          </a:p>
-          <a:p>
-            <a:pPr marL="0" indent="0">
-              <a:buNone/>
-            </a:pPr>
+              <a:t>Failures must be detected and new replicas be </a:t>
+            </a:r>
+            <a:r>
+              <a:rPr lang="en-US" dirty="0" smtClean="0"/>
+              <a:t>created to fulfill the desired reliability</a:t>
+            </a:r>
             <a:endParaRPr lang="en-US" dirty="0" smtClean="0"/>
           </a:p>
           <a:p>
-            <a:pPr>
+            <a:pPr lvl="0">
               <a:buFont typeface="Arial" charset="0"/>
               <a:buChar char="•"/>
             </a:pPr>
             <a:r>
               <a:rPr lang="en-US" dirty="0" smtClean="0"/>
-              <a:t>Optimize by choosing the most reliable nodes to place replicas on</a:t>
-            </a:r>
-          </a:p>
-          <a:p>
-            <a:pPr>
+              <a:t>In order to create a new replica, at </a:t>
+            </a:r>
+            <a:r>
+              <a:rPr lang="en-US" dirty="0" smtClean="0"/>
+              <a:t>least one </a:t>
+            </a:r>
+            <a:r>
+              <a:rPr lang="en-US" dirty="0" smtClean="0"/>
+              <a:t>existing replica </a:t>
+            </a:r>
+            <a:r>
+              <a:rPr lang="en-US" dirty="0" smtClean="0"/>
+              <a:t>must be alive during the time it takes to replicate it</a:t>
+            </a:r>
+          </a:p>
+          <a:p>
+            <a:pPr lvl="0">
               <a:buFont typeface="Arial" charset="0"/>
               <a:buChar char="•"/>
             </a:pPr>
             <a:r>
               <a:rPr lang="en-US" dirty="0" smtClean="0"/>
-              <a:t>Update reliability for nodes as failures occur</a:t>
-            </a:r>
+              <a:t>The reliability can therefore be expressed as </a:t>
+            </a:r>
+            <a:r>
+              <a:rPr lang="en-US" i="1" dirty="0"/>
+              <a:t>“</a:t>
+            </a:r>
+            <a:r>
+              <a:rPr lang="is-IS" i="1" dirty="0"/>
+              <a:t>… at least one replica is up and </a:t>
+            </a:r>
+            <a:r>
+              <a:rPr lang="is-IS" i="1" dirty="0" smtClean="0"/>
+              <a:t>running during a time t...”</a:t>
+            </a:r>
+            <a:r>
+              <a:rPr lang="is-IS" dirty="0" smtClean="0"/>
+              <a:t>, where </a:t>
+            </a:r>
+            <a:r>
+              <a:rPr lang="is-IS" i="1" dirty="0" smtClean="0"/>
+              <a:t>t</a:t>
+            </a:r>
+            <a:r>
+              <a:rPr lang="is-IS" dirty="0"/>
+              <a:t> </a:t>
+            </a:r>
+            <a:r>
+              <a:rPr lang="is-IS" dirty="0" smtClean="0"/>
+              <a:t>is the time it takes from that a failure occurs until a new replica is operational</a:t>
+            </a:r>
+          </a:p>
+          <a:p>
+            <a:pPr lvl="0">
+              <a:buFont typeface="Arial" charset="0"/>
+              <a:buChar char="•"/>
+            </a:pPr>
+            <a:r>
+              <a:rPr lang="is-IS" dirty="0" smtClean="0"/>
+              <a:t>The time </a:t>
+            </a:r>
+            <a:r>
+              <a:rPr lang="is-IS" i="1" dirty="0" smtClean="0"/>
+              <a:t>t</a:t>
+            </a:r>
+            <a:r>
+              <a:rPr lang="is-IS" dirty="0" smtClean="0"/>
+              <a:t> consist of the time to detect failure, and the time it takes to create a new replica</a:t>
+            </a:r>
+            <a:endParaRPr lang="en-US" dirty="0" smtClean="0"/>
+          </a:p>
+          <a:p>
+            <a:pPr lvl="0">
+              <a:buFont typeface="Arial" charset="0"/>
+              <a:buChar char="•"/>
+            </a:pPr>
             <a:endParaRPr lang="en-US" dirty="0"/>
           </a:p>
         </p:txBody>
@@ -4453,7 +4500,7 @@
     </p:spTree>
     <p:extLst>
       <p:ext uri="{BB962C8B-B14F-4D97-AF65-F5344CB8AC3E}">
-        <p14:creationId xmlns:p14="http://schemas.microsoft.com/office/powerpoint/2010/main" val="1239322177"/>
+        <p14:creationId xmlns:p14="http://schemas.microsoft.com/office/powerpoint/2010/main" val="1388040876"/>
       </p:ext>
     </p:extLst>
   </p:cSld>
@@ -4504,14 +4551,792 @@
           <a:p>
             <a:r>
               <a:rPr lang="en-US" dirty="0" smtClean="0"/>
-              <a:t>Ensuring reliability</a:t>
-            </a:r>
+              <a:t>Reliability </a:t>
+            </a:r>
+            <a:r>
+              <a:rPr lang="en-US" dirty="0" smtClean="0"/>
+              <a:t>model cont’d</a:t>
+            </a:r>
+            <a:endParaRPr lang="en-US" dirty="0"/>
+          </a:p>
+        </p:txBody>
+      </p:sp>
+      <p:sp>
+        <p:nvSpPr>
+          <p:cNvPr id="3" name="Content Placeholder 2"/>
+          <p:cNvSpPr>
+            <a:spLocks noGrp="1"/>
+          </p:cNvSpPr>
+          <p:nvPr>
+            <p:ph idx="1"/>
+          </p:nvPr>
+        </p:nvSpPr>
+        <p:spPr/>
+        <p:txBody>
+          <a:bodyPr/>
+          <a:lstStyle/>
+          <a:p>
+            <a:pPr lvl="0">
+              <a:buFont typeface="Arial" charset="0"/>
+              <a:buChar char="•"/>
+            </a:pPr>
             <a:endParaRPr lang="en-US" dirty="0"/>
           </a:p>
         </p:txBody>
       </p:sp>
       <mc:AlternateContent xmlns:mc="http://schemas.openxmlformats.org/markup-compatibility/2006">
         <mc:Choice xmlns:a14="http://schemas.microsoft.com/office/drawing/2010/main" Requires="a14">
+          <p:sp>
+            <p:nvSpPr>
+              <p:cNvPr id="4" name="Rectangle 3"/>
+              <p:cNvSpPr/>
+              <p:nvPr/>
+            </p:nvSpPr>
+            <p:spPr>
+              <a:xfrm>
+                <a:off x="1097280" y="2811612"/>
+                <a:ext cx="10058400" cy="1119153"/>
+              </a:xfrm>
+              <a:prstGeom prst="rect">
+                <a:avLst/>
+              </a:prstGeom>
+            </p:spPr>
+            <p:txBody>
+              <a:bodyPr wrap="square">
+                <a:spAutoFit/>
+              </a:bodyPr>
+              <a:lstStyle/>
+              <a:p>
+                <a:pPr lvl="0"/>
+                <a14:m>
+                  <m:oMathPara xmlns:m="http://schemas.openxmlformats.org/officeDocument/2006/math">
+                    <m:oMathParaPr>
+                      <m:jc m:val="centerGroup"/>
+                    </m:oMathParaPr>
+                    <m:oMath xmlns:m="http://schemas.openxmlformats.org/officeDocument/2006/math">
+                      <m:r>
+                        <a:rPr lang="en-GB" b="0" i="1" smtClean="0">
+                          <a:latin typeface="Cambria Math" charset="0"/>
+                        </a:rPr>
+                        <m:t>𝑅</m:t>
+                      </m:r>
+                      <m:r>
+                        <a:rPr lang="en-GB" b="0" i="1" smtClean="0">
+                          <a:latin typeface="Cambria Math" charset="0"/>
+                        </a:rPr>
+                        <m:t>=</m:t>
+                      </m:r>
+                      <m:r>
+                        <a:rPr lang="en-GB" i="1" smtClean="0">
+                          <a:latin typeface="Cambria Math" charset="0"/>
+                        </a:rPr>
+                        <m:t>𝑃</m:t>
+                      </m:r>
+                      <m:d>
+                        <m:dPr>
+                          <m:ctrlPr>
+                            <a:rPr lang="en-GB" i="1">
+                              <a:latin typeface="Cambria Math" charset="0"/>
+                            </a:rPr>
+                          </m:ctrlPr>
+                        </m:dPr>
+                        <m:e>
+                          <m:r>
+                            <a:rPr lang="en-GB" b="0" i="1" smtClean="0">
+                              <a:latin typeface="Cambria Math" charset="0"/>
+                            </a:rPr>
+                            <m:t>𝑛𝑜𝑡</m:t>
+                          </m:r>
+                          <m:r>
+                            <a:rPr lang="en-GB" b="0" i="1" smtClean="0">
+                              <a:latin typeface="Cambria Math" charset="0"/>
+                            </a:rPr>
+                            <m:t> </m:t>
+                          </m:r>
+                          <m:r>
+                            <a:rPr lang="en-GB" b="0" i="1" smtClean="0">
+                              <a:latin typeface="Cambria Math" charset="0"/>
+                            </a:rPr>
+                            <m:t>𝑎𝑙𝑙</m:t>
+                          </m:r>
+                          <m:r>
+                            <a:rPr lang="en-GB" b="0" i="1" smtClean="0">
+                              <a:latin typeface="Cambria Math" charset="0"/>
+                            </a:rPr>
+                            <m:t> </m:t>
+                          </m:r>
+                          <m:r>
+                            <a:rPr lang="en-GB" b="0" i="1" smtClean="0">
+                              <a:latin typeface="Cambria Math" charset="0"/>
+                            </a:rPr>
+                            <m:t>𝑓𝑎𝑖𝑙</m:t>
+                          </m:r>
+                          <m:r>
+                            <a:rPr lang="en-GB" b="0" i="1" smtClean="0">
+                              <a:latin typeface="Cambria Math" charset="0"/>
+                            </a:rPr>
+                            <m:t> </m:t>
+                          </m:r>
+                          <m:r>
+                            <a:rPr lang="en-GB" b="0" i="1" smtClean="0">
+                              <a:latin typeface="Cambria Math" charset="0"/>
+                            </a:rPr>
+                            <m:t>𝑑𝑢𝑟𝑖𝑛𝑔</m:t>
+                          </m:r>
+                          <m:r>
+                            <a:rPr lang="en-GB" b="0" i="1" smtClean="0">
+                              <a:latin typeface="Cambria Math" charset="0"/>
+                            </a:rPr>
+                            <m:t> </m:t>
+                          </m:r>
+                          <m:r>
+                            <a:rPr lang="en-GB" b="0" i="1" smtClean="0">
+                              <a:latin typeface="Cambria Math" charset="0"/>
+                            </a:rPr>
+                            <m:t>𝑡𝑖𝑚𝑒</m:t>
+                          </m:r>
+                          <m:r>
+                            <a:rPr lang="en-GB" b="0" i="1" smtClean="0">
+                              <a:latin typeface="Cambria Math" charset="0"/>
+                            </a:rPr>
+                            <m:t> </m:t>
+                          </m:r>
+                          <m:r>
+                            <a:rPr lang="en-GB" b="0" i="1" smtClean="0">
+                              <a:latin typeface="Cambria Math" charset="0"/>
+                            </a:rPr>
+                            <m:t>𝑡</m:t>
+                          </m:r>
+                        </m:e>
+                      </m:d>
+                      <m:r>
+                        <a:rPr lang="en-GB" i="1">
+                          <a:latin typeface="Cambria Math" charset="0"/>
+                        </a:rPr>
+                        <m:t>=</m:t>
+                      </m:r>
+                      <m:r>
+                        <a:rPr lang="en-GB" b="0" i="1" smtClean="0">
+                          <a:latin typeface="Cambria Math" charset="0"/>
+                        </a:rPr>
+                        <m:t>1−</m:t>
+                      </m:r>
+                      <m:r>
+                        <a:rPr lang="en-GB" i="1">
+                          <a:latin typeface="Cambria Math" charset="0"/>
+                        </a:rPr>
+                        <m:t>𝑃</m:t>
+                      </m:r>
+                      <m:d>
+                        <m:dPr>
+                          <m:ctrlPr>
+                            <a:rPr lang="en-GB" i="1">
+                              <a:latin typeface="Cambria Math" charset="0"/>
+                            </a:rPr>
+                          </m:ctrlPr>
+                        </m:dPr>
+                        <m:e>
+                          <m:r>
+                            <a:rPr lang="en-GB" b="0" i="1" smtClean="0">
+                              <a:latin typeface="Cambria Math" charset="0"/>
+                            </a:rPr>
+                            <m:t>𝑎𝑙𝑙</m:t>
+                          </m:r>
+                          <m:r>
+                            <a:rPr lang="en-GB" b="0" i="1" smtClean="0">
+                              <a:latin typeface="Cambria Math" charset="0"/>
+                            </a:rPr>
+                            <m:t> </m:t>
+                          </m:r>
+                          <m:r>
+                            <a:rPr lang="en-GB" b="0" i="1" smtClean="0">
+                              <a:latin typeface="Cambria Math" charset="0"/>
+                            </a:rPr>
+                            <m:t>𝑓𝑎𝑖𝑙</m:t>
+                          </m:r>
+                          <m:r>
+                            <a:rPr lang="en-GB" b="0" i="1" smtClean="0">
+                              <a:latin typeface="Cambria Math" charset="0"/>
+                            </a:rPr>
+                            <m:t> </m:t>
+                          </m:r>
+                          <m:r>
+                            <a:rPr lang="en-GB" b="0" i="1" smtClean="0">
+                              <a:latin typeface="Cambria Math" charset="0"/>
+                            </a:rPr>
+                            <m:t>𝑑𝑢𝑟𝑖𝑛𝑔</m:t>
+                          </m:r>
+                          <m:r>
+                            <a:rPr lang="en-GB" b="0" i="1" smtClean="0">
+                              <a:latin typeface="Cambria Math" charset="0"/>
+                            </a:rPr>
+                            <m:t> </m:t>
+                          </m:r>
+                          <m:r>
+                            <a:rPr lang="en-GB" b="0" i="1" smtClean="0">
+                              <a:latin typeface="Cambria Math" charset="0"/>
+                            </a:rPr>
+                            <m:t>𝑡𝑖𝑚𝑒</m:t>
+                          </m:r>
+                          <m:r>
+                            <a:rPr lang="en-GB" b="0" i="1" smtClean="0">
+                              <a:latin typeface="Cambria Math" charset="0"/>
+                            </a:rPr>
+                            <m:t> </m:t>
+                          </m:r>
+                          <m:r>
+                            <a:rPr lang="en-GB" b="0" i="1" smtClean="0">
+                              <a:latin typeface="Cambria Math" charset="0"/>
+                            </a:rPr>
+                            <m:t>𝑡</m:t>
+                          </m:r>
+                        </m:e>
+                      </m:d>
+                      <m:r>
+                        <a:rPr lang="en-GB" i="1">
+                          <a:latin typeface="Cambria Math" charset="0"/>
+                        </a:rPr>
+                        <m:t>=</m:t>
+                      </m:r>
+                      <m:r>
+                        <a:rPr lang="en-GB" b="0" i="1" smtClean="0">
+                          <a:latin typeface="Cambria Math" charset="0"/>
+                        </a:rPr>
+                        <m:t>1−</m:t>
+                      </m:r>
+                      <m:nary>
+                        <m:naryPr>
+                          <m:chr m:val="∑"/>
+                          <m:ctrlPr>
+                            <a:rPr lang="is-IS" i="1" smtClean="0">
+                              <a:latin typeface="Cambria Math" charset="0"/>
+                            </a:rPr>
+                          </m:ctrlPr>
+                        </m:naryPr>
+                        <m:sub>
+                          <m:r>
+                            <a:rPr lang="is-IS" i="1" smtClean="0">
+                              <a:latin typeface="Cambria Math" charset="0"/>
+                            </a:rPr>
+                            <m:t>𝑘</m:t>
+                          </m:r>
+                          <m:r>
+                            <a:rPr lang="is-IS" i="1" smtClean="0">
+                              <a:latin typeface="Cambria Math" charset="0"/>
+                            </a:rPr>
+                            <m:t>=1</m:t>
+                          </m:r>
+                        </m:sub>
+                        <m:sup>
+                          <m:r>
+                            <a:rPr lang="is-IS" i="1" smtClean="0">
+                              <a:latin typeface="Cambria Math" charset="0"/>
+                            </a:rPr>
+                            <m:t>𝑛</m:t>
+                          </m:r>
+                        </m:sup>
+                        <m:e>
+                          <m:sSub>
+                            <m:sSubPr>
+                              <m:ctrlPr>
+                                <a:rPr lang="en-US" b="0" i="1" smtClean="0">
+                                  <a:latin typeface="Cambria Math" charset="0"/>
+                                </a:rPr>
+                              </m:ctrlPr>
+                            </m:sSubPr>
+                            <m:e>
+                              <m:r>
+                                <a:rPr lang="en-GB" b="0" i="1" smtClean="0">
+                                  <a:latin typeface="Cambria Math" charset="0"/>
+                                </a:rPr>
+                                <m:t>𝑃</m:t>
+                              </m:r>
+                            </m:e>
+                            <m:sub>
+                              <m:r>
+                                <a:rPr lang="en-GB" b="0" i="1" smtClean="0">
+                                  <a:latin typeface="Cambria Math" charset="0"/>
+                                </a:rPr>
+                                <m:t>𝑘</m:t>
+                              </m:r>
+                            </m:sub>
+                          </m:sSub>
+                          <m:d>
+                            <m:dPr>
+                              <m:ctrlPr>
+                                <a:rPr lang="en-GB" b="0" i="1" smtClean="0">
+                                  <a:latin typeface="Cambria Math" charset="0"/>
+                                </a:rPr>
+                              </m:ctrlPr>
+                            </m:dPr>
+                            <m:e>
+                              <m:r>
+                                <a:rPr lang="en-GB" b="0" i="1" smtClean="0">
+                                  <a:latin typeface="Cambria Math" charset="0"/>
+                                </a:rPr>
+                                <m:t>𝑓𝑎𝑖𝑙𝑢𝑟𝑒</m:t>
+                              </m:r>
+                            </m:e>
+                          </m:d>
+                          <m:r>
+                            <a:rPr lang="en-GB" i="1">
+                              <a:latin typeface="Cambria Math" charset="0"/>
+                            </a:rPr>
+                            <m:t>=1−</m:t>
+                          </m:r>
+                          <m:nary>
+                            <m:naryPr>
+                              <m:chr m:val="∑"/>
+                              <m:ctrlPr>
+                                <a:rPr lang="is-IS" i="1">
+                                  <a:latin typeface="Cambria Math" charset="0"/>
+                                </a:rPr>
+                              </m:ctrlPr>
+                            </m:naryPr>
+                            <m:sub>
+                              <m:r>
+                                <a:rPr lang="is-IS" i="1">
+                                  <a:latin typeface="Cambria Math" charset="0"/>
+                                </a:rPr>
+                                <m:t>𝑘</m:t>
+                              </m:r>
+                              <m:r>
+                                <a:rPr lang="is-IS" i="1">
+                                  <a:latin typeface="Cambria Math" charset="0"/>
+                                </a:rPr>
+                                <m:t>=1</m:t>
+                              </m:r>
+                            </m:sub>
+                            <m:sup>
+                              <m:r>
+                                <a:rPr lang="is-IS" i="1">
+                                  <a:latin typeface="Cambria Math" charset="0"/>
+                                </a:rPr>
+                                <m:t>𝑛</m:t>
+                              </m:r>
+                            </m:sup>
+                            <m:e>
+                              <m:sSub>
+                                <m:sSubPr>
+                                  <m:ctrlPr>
+                                    <a:rPr lang="en-US" i="1">
+                                      <a:latin typeface="Cambria Math" charset="0"/>
+                                    </a:rPr>
+                                  </m:ctrlPr>
+                                </m:sSubPr>
+                                <m:e>
+                                  <m:r>
+                                    <a:rPr lang="en-GB" b="0" i="1" smtClean="0">
+                                      <a:latin typeface="Cambria Math" charset="0"/>
+                                    </a:rPr>
+                                    <m:t>1−</m:t>
+                                  </m:r>
+                                  <m:r>
+                                    <a:rPr lang="en-GB" i="1">
+                                      <a:latin typeface="Cambria Math" charset="0"/>
+                                    </a:rPr>
+                                    <m:t>𝑃</m:t>
+                                  </m:r>
+                                </m:e>
+                                <m:sub>
+                                  <m:r>
+                                    <a:rPr lang="en-GB" i="1">
+                                      <a:latin typeface="Cambria Math" charset="0"/>
+                                    </a:rPr>
+                                    <m:t>𝑘</m:t>
+                                  </m:r>
+                                </m:sub>
+                              </m:sSub>
+                              <m:d>
+                                <m:dPr>
+                                  <m:ctrlPr>
+                                    <a:rPr lang="en-GB" i="1">
+                                      <a:latin typeface="Cambria Math" charset="0"/>
+                                    </a:rPr>
+                                  </m:ctrlPr>
+                                </m:dPr>
+                                <m:e>
+                                  <m:r>
+                                    <a:rPr lang="en-GB" b="0" i="1" smtClean="0">
+                                      <a:latin typeface="Cambria Math" charset="0"/>
+                                    </a:rPr>
+                                    <m:t>𝑠𝑢𝑟𝑣𝑖𝑣𝑎𝑙</m:t>
+                                  </m:r>
+                                </m:e>
+                              </m:d>
+                            </m:e>
+                          </m:nary>
+                          <m:r>
+                            <a:rPr lang="en-GB" b="0" i="1" smtClean="0">
+                              <a:latin typeface="Cambria Math" charset="0"/>
+                            </a:rPr>
+                            <m:t>=</m:t>
+                          </m:r>
+                          <m:r>
+                            <a:rPr lang="en-GB" i="1">
+                              <a:latin typeface="Cambria Math" charset="0"/>
+                            </a:rPr>
+                            <m:t>1−</m:t>
+                          </m:r>
+                          <m:nary>
+                            <m:naryPr>
+                              <m:chr m:val="∑"/>
+                              <m:ctrlPr>
+                                <a:rPr lang="is-IS" i="1">
+                                  <a:latin typeface="Cambria Math" charset="0"/>
+                                </a:rPr>
+                              </m:ctrlPr>
+                            </m:naryPr>
+                            <m:sub>
+                              <m:r>
+                                <a:rPr lang="is-IS" i="1">
+                                  <a:latin typeface="Cambria Math" charset="0"/>
+                                </a:rPr>
+                                <m:t>𝑘</m:t>
+                              </m:r>
+                              <m:r>
+                                <a:rPr lang="is-IS" i="1">
+                                  <a:latin typeface="Cambria Math" charset="0"/>
+                                </a:rPr>
+                                <m:t>=1</m:t>
+                              </m:r>
+                            </m:sub>
+                            <m:sup>
+                              <m:r>
+                                <a:rPr lang="is-IS" i="1">
+                                  <a:latin typeface="Cambria Math" charset="0"/>
+                                </a:rPr>
+                                <m:t>𝑛</m:t>
+                              </m:r>
+                            </m:sup>
+                            <m:e>
+                              <m:r>
+                                <a:rPr lang="en-GB" i="1" smtClean="0">
+                                  <a:latin typeface="Cambria Math" charset="0"/>
+                                </a:rPr>
+                                <m:t>1</m:t>
+                              </m:r>
+                              <m:r>
+                                <a:rPr lang="en-GB" b="0" i="1" smtClean="0">
+                                  <a:latin typeface="Cambria Math" charset="0"/>
+                                </a:rPr>
+                                <m:t>−</m:t>
+                              </m:r>
+                              <m:sSup>
+                                <m:sSupPr>
+                                  <m:ctrlPr>
+                                    <a:rPr lang="is-IS" i="1">
+                                      <a:latin typeface="Cambria Math" charset="0"/>
+                                    </a:rPr>
+                                  </m:ctrlPr>
+                                </m:sSupPr>
+                                <m:e>
+                                  <m:r>
+                                    <a:rPr lang="en-GB" i="1">
+                                      <a:latin typeface="Cambria Math" charset="0"/>
+                                    </a:rPr>
+                                    <m:t>𝑒</m:t>
+                                  </m:r>
+                                </m:e>
+                                <m:sup>
+                                  <m:r>
+                                    <a:rPr lang="en-GB" i="1">
+                                      <a:latin typeface="Cambria Math" charset="0"/>
+                                    </a:rPr>
+                                    <m:t>−</m:t>
+                                  </m:r>
+                                  <m:d>
+                                    <m:dPr>
+                                      <m:ctrlPr>
+                                        <a:rPr lang="en-US" i="1">
+                                          <a:latin typeface="Cambria Math" charset="0"/>
+                                        </a:rPr>
+                                      </m:ctrlPr>
+                                    </m:dPr>
+                                    <m:e>
+                                      <m:f>
+                                        <m:fPr>
+                                          <m:ctrlPr>
+                                            <a:rPr lang="fi-FI" i="1">
+                                              <a:latin typeface="Cambria Math" charset="0"/>
+                                            </a:rPr>
+                                          </m:ctrlPr>
+                                        </m:fPr>
+                                        <m:num>
+                                          <m:r>
+                                            <a:rPr lang="en-GB" i="1">
+                                              <a:latin typeface="Cambria Math" charset="0"/>
+                                            </a:rPr>
+                                            <m:t>𝑡</m:t>
+                                          </m:r>
+                                        </m:num>
+                                        <m:den>
+                                          <m:r>
+                                            <a:rPr lang="en-GB" i="1">
+                                              <a:latin typeface="Cambria Math" charset="0"/>
+                                            </a:rPr>
+                                            <m:t>𝑀𝑇𝐵𝐹</m:t>
+                                          </m:r>
+                                        </m:den>
+                                      </m:f>
+                                    </m:e>
+                                  </m:d>
+                                </m:sup>
+                              </m:sSup>
+                            </m:e>
+                          </m:nary>
+                        </m:e>
+                      </m:nary>
+                    </m:oMath>
+                  </m:oMathPara>
+                </a14:m>
+                <a:endParaRPr lang="en-US" dirty="0"/>
+              </a:p>
+            </p:txBody>
+          </p:sp>
+        </mc:Choice>
+        <mc:Fallback>
+          <p:sp>
+            <p:nvSpPr>
+              <p:cNvPr id="4" name="Rectangle 3"/>
+              <p:cNvSpPr>
+                <a:spLocks noRot="1" noChangeAspect="1" noMove="1" noResize="1" noEditPoints="1" noAdjustHandles="1" noChangeArrowheads="1" noChangeShapeType="1" noTextEdit="1"/>
+              </p:cNvSpPr>
+              <p:nvPr/>
+            </p:nvSpPr>
+            <p:spPr>
+              <a:xfrm>
+                <a:off x="1097280" y="2811612"/>
+                <a:ext cx="10058400" cy="1119153"/>
+              </a:xfrm>
+              <a:prstGeom prst="rect">
+                <a:avLst/>
+              </a:prstGeom>
+              <a:blipFill rotWithShape="0">
+                <a:blip r:embed="rId2"/>
+                <a:stretch>
+                  <a:fillRect t="-30978"/>
+                </a:stretch>
+              </a:blipFill>
+            </p:spPr>
+            <p:txBody>
+              <a:bodyPr/>
+              <a:lstStyle/>
+              <a:p>
+                <a:r>
+                  <a:rPr lang="en-US">
+                    <a:noFill/>
+                  </a:rPr>
+                  <a:t> </a:t>
+                </a:r>
+              </a:p>
+            </p:txBody>
+          </p:sp>
+        </mc:Fallback>
+      </mc:AlternateContent>
+    </p:spTree>
+    <p:extLst>
+      <p:ext uri="{BB962C8B-B14F-4D97-AF65-F5344CB8AC3E}">
+        <p14:creationId xmlns:p14="http://schemas.microsoft.com/office/powerpoint/2010/main" val="52105049"/>
+      </p:ext>
+    </p:extLst>
+  </p:cSld>
+  <p:clrMapOvr>
+    <a:masterClrMapping/>
+  </p:clrMapOvr>
+  <p:timing>
+    <p:tnLst>
+      <p:par>
+        <p:cTn id="1" dur="indefinite" restart="never" nodeType="tmRoot"/>
+      </p:par>
+    </p:tnLst>
+  </p:timing>
+</p:sld>
+</file>
+
+<file path=ppt/slides/slide13.xml><?xml version="1.0" encoding="utf-8"?>
+<p:sld xmlns:a="http://schemas.openxmlformats.org/drawingml/2006/main" xmlns:r="http://schemas.openxmlformats.org/officeDocument/2006/relationships" xmlns:p="http://schemas.openxmlformats.org/presentationml/2006/main">
+  <p:cSld>
+    <p:spTree>
+      <p:nvGrpSpPr>
+        <p:cNvPr id="1" name=""/>
+        <p:cNvGrpSpPr/>
+        <p:nvPr/>
+      </p:nvGrpSpPr>
+      <p:grpSpPr>
+        <a:xfrm>
+          <a:off x="0" y="0"/>
+          <a:ext cx="0" cy="0"/>
+          <a:chOff x="0" y="0"/>
+          <a:chExt cx="0" cy="0"/>
+        </a:xfrm>
+      </p:grpSpPr>
+      <p:sp>
+        <p:nvSpPr>
+          <p:cNvPr id="2" name="Title 1"/>
+          <p:cNvSpPr>
+            <a:spLocks noGrp="1"/>
+          </p:cNvSpPr>
+          <p:nvPr>
+            <p:ph type="title"/>
+          </p:nvPr>
+        </p:nvSpPr>
+        <p:spPr/>
+        <p:txBody>
+          <a:bodyPr/>
+          <a:lstStyle/>
+          <a:p>
+            <a:r>
+              <a:rPr lang="en-US" dirty="0" smtClean="0"/>
+              <a:t>Fault-tolerant model</a:t>
+            </a:r>
+            <a:endParaRPr lang="en-US" dirty="0"/>
+          </a:p>
+        </p:txBody>
+      </p:sp>
+      <p:sp>
+        <p:nvSpPr>
+          <p:cNvPr id="3" name="Content Placeholder 2"/>
+          <p:cNvSpPr>
+            <a:spLocks noGrp="1"/>
+          </p:cNvSpPr>
+          <p:nvPr>
+            <p:ph idx="1"/>
+          </p:nvPr>
+        </p:nvSpPr>
+        <p:spPr/>
+        <p:txBody>
+          <a:bodyPr/>
+          <a:lstStyle/>
+          <a:p>
+            <a:pPr marL="0" indent="0">
+              <a:buNone/>
+            </a:pPr>
+            <a:r>
+              <a:rPr lang="en-US" dirty="0"/>
+              <a:t>Goal is to provide a certain level of reliability</a:t>
+            </a:r>
+          </a:p>
+          <a:p>
+            <a:pPr marL="0" lvl="0" indent="0">
+              <a:buNone/>
+            </a:pPr>
+            <a:r>
+              <a:rPr lang="en-US" dirty="0" smtClean="0"/>
+              <a:t>Basic idea:</a:t>
+            </a:r>
+          </a:p>
+          <a:p>
+            <a:pPr>
+              <a:buFont typeface="Arial" charset="0"/>
+              <a:buChar char="•"/>
+            </a:pPr>
+            <a:r>
+              <a:rPr lang="en-US" dirty="0" smtClean="0"/>
+              <a:t>Create enough replicas to reach the required reliability</a:t>
+            </a:r>
+          </a:p>
+          <a:p>
+            <a:pPr>
+              <a:buFont typeface="Arial" charset="0"/>
+              <a:buChar char="•"/>
+            </a:pPr>
+            <a:r>
+              <a:rPr lang="en-US" dirty="0" smtClean="0"/>
+              <a:t>Detect failures and create new replicas if needed</a:t>
+            </a:r>
+          </a:p>
+          <a:p>
+            <a:pPr marL="0" indent="0">
+              <a:buNone/>
+            </a:pPr>
+            <a:endParaRPr lang="en-US" dirty="0" smtClean="0"/>
+          </a:p>
+          <a:p>
+            <a:pPr>
+              <a:buFont typeface="Arial" charset="0"/>
+              <a:buChar char="•"/>
+            </a:pPr>
+            <a:r>
+              <a:rPr lang="en-US" dirty="0" smtClean="0"/>
+              <a:t>Optimize by choosing the most reliable nodes to place replicas on</a:t>
+            </a:r>
+          </a:p>
+          <a:p>
+            <a:pPr>
+              <a:buFont typeface="Arial" charset="0"/>
+              <a:buChar char="•"/>
+            </a:pPr>
+            <a:r>
+              <a:rPr lang="en-US" dirty="0" smtClean="0"/>
+              <a:t>Update reliability for nodes as failures occur</a:t>
+            </a:r>
+            <a:endParaRPr lang="en-US" dirty="0"/>
+          </a:p>
+        </p:txBody>
+      </p:sp>
+    </p:spTree>
+    <p:extLst>
+      <p:ext uri="{BB962C8B-B14F-4D97-AF65-F5344CB8AC3E}">
+        <p14:creationId xmlns:p14="http://schemas.microsoft.com/office/powerpoint/2010/main" val="1239322177"/>
+      </p:ext>
+    </p:extLst>
+  </p:cSld>
+  <p:clrMapOvr>
+    <a:masterClrMapping/>
+  </p:clrMapOvr>
+  <p:timing>
+    <p:tnLst>
+      <p:par>
+        <p:cTn id="1" dur="indefinite" restart="never" nodeType="tmRoot"/>
+      </p:par>
+    </p:tnLst>
+  </p:timing>
+</p:sld>
+</file>
+
+<file path=ppt/slides/slide14.xml><?xml version="1.0" encoding="utf-8"?>
+<p:sld xmlns:a="http://schemas.openxmlformats.org/drawingml/2006/main" xmlns:r="http://schemas.openxmlformats.org/officeDocument/2006/relationships" xmlns:p="http://schemas.openxmlformats.org/presentationml/2006/main">
+  <p:cSld>
+    <p:spTree>
+      <p:nvGrpSpPr>
+        <p:cNvPr id="1" name=""/>
+        <p:cNvGrpSpPr/>
+        <p:nvPr/>
+      </p:nvGrpSpPr>
+      <p:grpSpPr>
+        <a:xfrm>
+          <a:off x="0" y="0"/>
+          <a:ext cx="0" cy="0"/>
+          <a:chOff x="0" y="0"/>
+          <a:chExt cx="0" cy="0"/>
+        </a:xfrm>
+      </p:grpSpPr>
+      <p:sp>
+        <p:nvSpPr>
+          <p:cNvPr id="2" name="Title 1"/>
+          <p:cNvSpPr>
+            <a:spLocks noGrp="1"/>
+          </p:cNvSpPr>
+          <p:nvPr>
+            <p:ph type="title"/>
+          </p:nvPr>
+        </p:nvSpPr>
+        <p:spPr/>
+        <p:txBody>
+          <a:bodyPr/>
+          <a:lstStyle/>
+          <a:p>
+            <a:r>
+              <a:rPr lang="en-US" dirty="0" smtClean="0"/>
+              <a:t>Ensuring reliability</a:t>
+            </a:r>
+            <a:endParaRPr lang="en-US" dirty="0"/>
+          </a:p>
+        </p:txBody>
+      </p:sp>
+      <mc:AlternateContent xmlns:mc="http://schemas.openxmlformats.org/markup-compatibility/2006" xmlns:a14="http://schemas.microsoft.com/office/drawing/2010/main">
+        <mc:Choice Requires="a14">
           <p:sp>
             <p:nvSpPr>
               <p:cNvPr id="3" name="Content Placeholder 2"/>
@@ -4606,7 +5431,7 @@
             </p:txBody>
           </p:sp>
         </mc:Choice>
-        <mc:Fallback>
+        <mc:Fallback xmlns="">
           <p:sp>
             <p:nvSpPr>
               <p:cNvPr id="3" name="Content Placeholder 2"/>
@@ -4690,7 +5515,7 @@
 </p:sld>
 </file>
 
-<file path=ppt/slides/slide13.xml><?xml version="1.0" encoding="utf-8"?>
+<file path=ppt/slides/slide15.xml><?xml version="1.0" encoding="utf-8"?>
 <p:sld xmlns:a="http://schemas.openxmlformats.org/drawingml/2006/main" xmlns:r="http://schemas.openxmlformats.org/officeDocument/2006/relationships" xmlns:p="http://schemas.openxmlformats.org/presentationml/2006/main">
   <p:cSld>
     <p:spTree>
@@ -4974,7 +5799,7 @@
 </p:sld>
 </file>
 
-<file path=ppt/slides/slide14.xml><?xml version="1.0" encoding="utf-8"?>
+<file path=ppt/slides/slide16.xml><?xml version="1.0" encoding="utf-8"?>
 <p:sld xmlns:a="http://schemas.openxmlformats.org/drawingml/2006/main" xmlns:r="http://schemas.openxmlformats.org/officeDocument/2006/relationships" xmlns:p="http://schemas.openxmlformats.org/presentationml/2006/main">
   <p:cSld>
     <p:spTree>
@@ -5185,100 +6010,7 @@
 </p:sld>
 </file>
 
-<file path=ppt/slides/slide15.xml><?xml version="1.0" encoding="utf-8"?>
-<p:sld xmlns:a="http://schemas.openxmlformats.org/drawingml/2006/main" xmlns:r="http://schemas.openxmlformats.org/officeDocument/2006/relationships" xmlns:p="http://schemas.openxmlformats.org/presentationml/2006/main">
-  <p:cSld>
-    <p:spTree>
-      <p:nvGrpSpPr>
-        <p:cNvPr id="1" name=""/>
-        <p:cNvGrpSpPr/>
-        <p:nvPr/>
-      </p:nvGrpSpPr>
-      <p:grpSpPr>
-        <a:xfrm>
-          <a:off x="0" y="0"/>
-          <a:ext cx="0" cy="0"/>
-          <a:chOff x="0" y="0"/>
-          <a:chExt cx="0" cy="0"/>
-        </a:xfrm>
-      </p:grpSpPr>
-      <p:sp>
-        <p:nvSpPr>
-          <p:cNvPr id="2" name="Title 1"/>
-          <p:cNvSpPr>
-            <a:spLocks noGrp="1"/>
-          </p:cNvSpPr>
-          <p:nvPr>
-            <p:ph type="title"/>
-          </p:nvPr>
-        </p:nvSpPr>
-        <p:spPr/>
-        <p:txBody>
-          <a:bodyPr/>
-          <a:lstStyle/>
-          <a:p>
-            <a:r>
-              <a:rPr lang="en-US" dirty="0" smtClean="0"/>
-              <a:t>Ensuring reliability recap</a:t>
-            </a:r>
-            <a:endParaRPr lang="en-US" dirty="0"/>
-          </a:p>
-        </p:txBody>
-      </p:sp>
-      <p:sp>
-        <p:nvSpPr>
-          <p:cNvPr id="3" name="Content Placeholder 2"/>
-          <p:cNvSpPr>
-            <a:spLocks noGrp="1"/>
-          </p:cNvSpPr>
-          <p:nvPr>
-            <p:ph idx="1"/>
-          </p:nvPr>
-        </p:nvSpPr>
-        <p:spPr/>
-        <p:txBody>
-          <a:bodyPr/>
-          <a:lstStyle/>
-          <a:p>
-            <a:pPr>
-              <a:buFont typeface="Arial" charset="0"/>
-              <a:buChar char="•"/>
-            </a:pPr>
-            <a:r>
-              <a:rPr lang="en-US" dirty="0" smtClean="0"/>
-              <a:t>Goal is to provide a certain level of reliability</a:t>
-            </a:r>
-            <a:endParaRPr lang="en-US" dirty="0"/>
-          </a:p>
-          <a:p>
-            <a:pPr marL="0" indent="0">
-              <a:buNone/>
-            </a:pPr>
-            <a:endParaRPr lang="en-US" b="1" dirty="0"/>
-          </a:p>
-        </p:txBody>
-      </p:sp>
-    </p:spTree>
-    <p:extLst>
-      <p:ext uri="{BB962C8B-B14F-4D97-AF65-F5344CB8AC3E}">
-        <p14:creationId xmlns:p14="http://schemas.microsoft.com/office/powerpoint/2010/main" val="1671772523"/>
-      </p:ext>
-    </p:extLst>
-  </p:cSld>
-  <p:clrMapOvr>
-    <a:masterClrMapping/>
-  </p:clrMapOvr>
-  <p:timing>
-    <p:tnLst>
-      <p:par>
-        <p:cTn id="1" dur="indefinite" restart="never" nodeType="tmRoot"/>
-      </p:par>
-    </p:tnLst>
-  </p:timing>
-</p:sld>
-</file>
-
-<file path=ppt/slides/slide16.xml><?xml version="1.0" encoding="utf-8"?>
+<file path=ppt/slides/slide17.xml><?xml version="1.0" encoding="utf-8"?>
 <p:sld xmlns:a="http://schemas.openxmlformats.org/drawingml/2006/main" xmlns:r="http://schemas.openxmlformats.org/officeDocument/2006/relationships" xmlns:p="http://schemas.openxmlformats.org/presentationml/2006/main">
   <p:cSld>
     <p:spTree>
@@ -5424,7 +6156,7 @@
 </p:sld>
 </file>
 
-<file path=ppt/slides/slide17.xml><?xml version="1.0" encoding="utf-8"?>
+<file path=ppt/slides/slide18.xml><?xml version="1.0" encoding="utf-8"?>
 <p:sld xmlns:a="http://schemas.openxmlformats.org/drawingml/2006/main" xmlns:r="http://schemas.openxmlformats.org/officeDocument/2006/relationships" xmlns:p="http://schemas.openxmlformats.org/presentationml/2006/main">
   <p:cSld>
     <p:spTree>
@@ -5513,7 +6245,7 @@
 </p:sld>
 </file>
 
-<file path=ppt/slides/slide18.xml><?xml version="1.0" encoding="utf-8"?>
+<file path=ppt/slides/slide19.xml><?xml version="1.0" encoding="utf-8"?>
 <p:sld xmlns:a="http://schemas.openxmlformats.org/drawingml/2006/main" xmlns:r="http://schemas.openxmlformats.org/officeDocument/2006/relationships" xmlns:p="http://schemas.openxmlformats.org/presentationml/2006/main">
   <p:cSld>
     <p:spTree>
@@ -5602,7 +6334,170 @@
 </p:sld>
 </file>
 
-<file path=ppt/slides/slide19.xml><?xml version="1.0" encoding="utf-8"?>
+<file path=ppt/slides/slide2.xml><?xml version="1.0" encoding="utf-8"?>
+<p:sld xmlns:a="http://schemas.openxmlformats.org/drawingml/2006/main" xmlns:r="http://schemas.openxmlformats.org/officeDocument/2006/relationships" xmlns:p="http://schemas.openxmlformats.org/presentationml/2006/main">
+  <p:cSld>
+    <p:spTree>
+      <p:nvGrpSpPr>
+        <p:cNvPr id="1" name=""/>
+        <p:cNvGrpSpPr/>
+        <p:nvPr/>
+      </p:nvGrpSpPr>
+      <p:grpSpPr>
+        <a:xfrm>
+          <a:off x="0" y="0"/>
+          <a:ext cx="0" cy="0"/>
+          <a:chOff x="0" y="0"/>
+          <a:chExt cx="0" cy="0"/>
+        </a:xfrm>
+      </p:grpSpPr>
+      <p:sp>
+        <p:nvSpPr>
+          <p:cNvPr id="2" name="Title 1"/>
+          <p:cNvSpPr>
+            <a:spLocks noGrp="1"/>
+          </p:cNvSpPr>
+          <p:nvPr>
+            <p:ph type="title"/>
+          </p:nvPr>
+        </p:nvSpPr>
+        <p:spPr/>
+        <p:txBody>
+          <a:bodyPr/>
+          <a:lstStyle/>
+          <a:p>
+            <a:r>
+              <a:rPr lang="en-US" dirty="0" smtClean="0"/>
+              <a:t>Agenda</a:t>
+            </a:r>
+            <a:endParaRPr lang="en-US" dirty="0"/>
+          </a:p>
+        </p:txBody>
+      </p:sp>
+      <p:sp>
+        <p:nvSpPr>
+          <p:cNvPr id="3" name="Content Placeholder 2"/>
+          <p:cNvSpPr>
+            <a:spLocks noGrp="1"/>
+          </p:cNvSpPr>
+          <p:nvPr>
+            <p:ph idx="1"/>
+          </p:nvPr>
+        </p:nvSpPr>
+        <p:spPr/>
+        <p:txBody>
+          <a:bodyPr/>
+          <a:lstStyle/>
+          <a:p>
+            <a:pPr marL="457200" indent="-457200">
+              <a:buFont typeface="+mj-lt"/>
+              <a:buAutoNum type="arabicPeriod"/>
+            </a:pPr>
+            <a:r>
+              <a:rPr lang="en-US" dirty="0" smtClean="0"/>
+              <a:t>Introduction</a:t>
+            </a:r>
+          </a:p>
+          <a:p>
+            <a:pPr marL="457200" indent="-457200">
+              <a:buFont typeface="+mj-lt"/>
+              <a:buAutoNum type="arabicPeriod"/>
+            </a:pPr>
+            <a:r>
+              <a:rPr lang="en-US" dirty="0" smtClean="0"/>
+              <a:t>Related work</a:t>
+            </a:r>
+          </a:p>
+          <a:p>
+            <a:pPr marL="457200" indent="-457200">
+              <a:buFont typeface="+mj-lt"/>
+              <a:buAutoNum type="arabicPeriod"/>
+            </a:pPr>
+            <a:r>
+              <a:rPr lang="en-US" dirty="0" smtClean="0"/>
+              <a:t>System model</a:t>
+            </a:r>
+          </a:p>
+          <a:p>
+            <a:pPr marL="457200" indent="-457200">
+              <a:buFont typeface="+mj-lt"/>
+              <a:buAutoNum type="arabicPeriod"/>
+            </a:pPr>
+            <a:r>
+              <a:rPr lang="en-US" dirty="0" smtClean="0"/>
+              <a:t>Reliability model</a:t>
+            </a:r>
+          </a:p>
+          <a:p>
+            <a:pPr marL="457200" indent="-457200">
+              <a:buFont typeface="+mj-lt"/>
+              <a:buAutoNum type="arabicPeriod"/>
+            </a:pPr>
+            <a:r>
+              <a:rPr lang="en-US" dirty="0" smtClean="0"/>
+              <a:t>Self-adapting model</a:t>
+            </a:r>
+          </a:p>
+          <a:p>
+            <a:pPr marL="457200" indent="-457200">
+              <a:buFont typeface="+mj-lt"/>
+              <a:buAutoNum type="arabicPeriod"/>
+            </a:pPr>
+            <a:r>
+              <a:rPr lang="en-US" dirty="0" smtClean="0"/>
+              <a:t>Calvin</a:t>
+            </a:r>
+          </a:p>
+          <a:p>
+            <a:pPr marL="457200" indent="-457200">
+              <a:buFont typeface="+mj-lt"/>
+              <a:buAutoNum type="arabicPeriod"/>
+            </a:pPr>
+            <a:r>
+              <a:rPr lang="en-US" dirty="0" smtClean="0"/>
+              <a:t>Implementation</a:t>
+            </a:r>
+          </a:p>
+          <a:p>
+            <a:pPr marL="457200" indent="-457200">
+              <a:buFont typeface="+mj-lt"/>
+              <a:buAutoNum type="arabicPeriod"/>
+            </a:pPr>
+            <a:r>
+              <a:rPr lang="en-US" dirty="0" smtClean="0"/>
+              <a:t>Experiments</a:t>
+            </a:r>
+          </a:p>
+          <a:p>
+            <a:pPr marL="457200" indent="-457200">
+              <a:buFont typeface="+mj-lt"/>
+              <a:buAutoNum type="arabicPeriod"/>
+            </a:pPr>
+            <a:endParaRPr lang="en-US" dirty="0"/>
+          </a:p>
+        </p:txBody>
+      </p:sp>
+    </p:spTree>
+    <p:extLst>
+      <p:ext uri="{BB962C8B-B14F-4D97-AF65-F5344CB8AC3E}">
+        <p14:creationId xmlns:p14="http://schemas.microsoft.com/office/powerpoint/2010/main" val="658915606"/>
+      </p:ext>
+    </p:extLst>
+  </p:cSld>
+  <p:clrMapOvr>
+    <a:masterClrMapping/>
+  </p:clrMapOvr>
+  <p:timing>
+    <p:tnLst>
+      <p:par>
+        <p:cTn id="1" dur="indefinite" restart="never" nodeType="tmRoot"/>
+      </p:par>
+    </p:tnLst>
+  </p:timing>
+</p:sld>
+</file>
+
+<file path=ppt/slides/slide20.xml><?xml version="1.0" encoding="utf-8"?>
 <p:sld xmlns:a="http://schemas.openxmlformats.org/drawingml/2006/main" xmlns:r="http://schemas.openxmlformats.org/officeDocument/2006/relationships" xmlns:p="http://schemas.openxmlformats.org/presentationml/2006/main">
   <p:cSld>
     <p:spTree>
@@ -5691,170 +6586,7 @@
 </p:sld>
 </file>
 
-<file path=ppt/slides/slide2.xml><?xml version="1.0" encoding="utf-8"?>
-<p:sld xmlns:a="http://schemas.openxmlformats.org/drawingml/2006/main" xmlns:r="http://schemas.openxmlformats.org/officeDocument/2006/relationships" xmlns:p="http://schemas.openxmlformats.org/presentationml/2006/main">
-  <p:cSld>
-    <p:spTree>
-      <p:nvGrpSpPr>
-        <p:cNvPr id="1" name=""/>
-        <p:cNvGrpSpPr/>
-        <p:nvPr/>
-      </p:nvGrpSpPr>
-      <p:grpSpPr>
-        <a:xfrm>
-          <a:off x="0" y="0"/>
-          <a:ext cx="0" cy="0"/>
-          <a:chOff x="0" y="0"/>
-          <a:chExt cx="0" cy="0"/>
-        </a:xfrm>
-      </p:grpSpPr>
-      <p:sp>
-        <p:nvSpPr>
-          <p:cNvPr id="2" name="Title 1"/>
-          <p:cNvSpPr>
-            <a:spLocks noGrp="1"/>
-          </p:cNvSpPr>
-          <p:nvPr>
-            <p:ph type="title"/>
-          </p:nvPr>
-        </p:nvSpPr>
-        <p:spPr/>
-        <p:txBody>
-          <a:bodyPr/>
-          <a:lstStyle/>
-          <a:p>
-            <a:r>
-              <a:rPr lang="en-US" dirty="0" smtClean="0"/>
-              <a:t>Agenda</a:t>
-            </a:r>
-            <a:endParaRPr lang="en-US" dirty="0"/>
-          </a:p>
-        </p:txBody>
-      </p:sp>
-      <p:sp>
-        <p:nvSpPr>
-          <p:cNvPr id="3" name="Content Placeholder 2"/>
-          <p:cNvSpPr>
-            <a:spLocks noGrp="1"/>
-          </p:cNvSpPr>
-          <p:nvPr>
-            <p:ph idx="1"/>
-          </p:nvPr>
-        </p:nvSpPr>
-        <p:spPr/>
-        <p:txBody>
-          <a:bodyPr/>
-          <a:lstStyle/>
-          <a:p>
-            <a:pPr marL="457200" indent="-457200">
-              <a:buFont typeface="+mj-lt"/>
-              <a:buAutoNum type="arabicPeriod"/>
-            </a:pPr>
-            <a:r>
-              <a:rPr lang="en-US" dirty="0" smtClean="0"/>
-              <a:t>Introduction</a:t>
-            </a:r>
-          </a:p>
-          <a:p>
-            <a:pPr marL="457200" indent="-457200">
-              <a:buFont typeface="+mj-lt"/>
-              <a:buAutoNum type="arabicPeriod"/>
-            </a:pPr>
-            <a:r>
-              <a:rPr lang="en-US" dirty="0" smtClean="0"/>
-              <a:t>Related work</a:t>
-            </a:r>
-          </a:p>
-          <a:p>
-            <a:pPr marL="457200" indent="-457200">
-              <a:buFont typeface="+mj-lt"/>
-              <a:buAutoNum type="arabicPeriod"/>
-            </a:pPr>
-            <a:r>
-              <a:rPr lang="en-US" dirty="0" smtClean="0"/>
-              <a:t>System model</a:t>
-            </a:r>
-          </a:p>
-          <a:p>
-            <a:pPr marL="457200" indent="-457200">
-              <a:buFont typeface="+mj-lt"/>
-              <a:buAutoNum type="arabicPeriod"/>
-            </a:pPr>
-            <a:r>
-              <a:rPr lang="en-US" dirty="0" smtClean="0"/>
-              <a:t>Reliability model</a:t>
-            </a:r>
-          </a:p>
-          <a:p>
-            <a:pPr marL="457200" indent="-457200">
-              <a:buFont typeface="+mj-lt"/>
-              <a:buAutoNum type="arabicPeriod"/>
-            </a:pPr>
-            <a:r>
-              <a:rPr lang="en-US" dirty="0" smtClean="0"/>
-              <a:t>Self-adapting model</a:t>
-            </a:r>
-          </a:p>
-          <a:p>
-            <a:pPr marL="457200" indent="-457200">
-              <a:buFont typeface="+mj-lt"/>
-              <a:buAutoNum type="arabicPeriod"/>
-            </a:pPr>
-            <a:r>
-              <a:rPr lang="en-US" dirty="0" smtClean="0"/>
-              <a:t>Calvin</a:t>
-            </a:r>
-          </a:p>
-          <a:p>
-            <a:pPr marL="457200" indent="-457200">
-              <a:buFont typeface="+mj-lt"/>
-              <a:buAutoNum type="arabicPeriod"/>
-            </a:pPr>
-            <a:r>
-              <a:rPr lang="en-US" dirty="0" smtClean="0"/>
-              <a:t>Implementation</a:t>
-            </a:r>
-          </a:p>
-          <a:p>
-            <a:pPr marL="457200" indent="-457200">
-              <a:buFont typeface="+mj-lt"/>
-              <a:buAutoNum type="arabicPeriod"/>
-            </a:pPr>
-            <a:r>
-              <a:rPr lang="en-US" dirty="0" smtClean="0"/>
-              <a:t>Experiments</a:t>
-            </a:r>
-          </a:p>
-          <a:p>
-            <a:pPr marL="457200" indent="-457200">
-              <a:buFont typeface="+mj-lt"/>
-              <a:buAutoNum type="arabicPeriod"/>
-            </a:pPr>
-            <a:endParaRPr lang="en-US" dirty="0"/>
-          </a:p>
-        </p:txBody>
-      </p:sp>
-    </p:spTree>
-    <p:extLst>
-      <p:ext uri="{BB962C8B-B14F-4D97-AF65-F5344CB8AC3E}">
-        <p14:creationId xmlns:p14="http://schemas.microsoft.com/office/powerpoint/2010/main" val="658915606"/>
-      </p:ext>
-    </p:extLst>
-  </p:cSld>
-  <p:clrMapOvr>
-    <a:masterClrMapping/>
-  </p:clrMapOvr>
-  <p:timing>
-    <p:tnLst>
-      <p:par>
-        <p:cTn id="1" dur="indefinite" restart="never" nodeType="tmRoot"/>
-      </p:par>
-    </p:tnLst>
-  </p:timing>
-</p:sld>
-</file>
-
-<file path=ppt/slides/slide20.xml><?xml version="1.0" encoding="utf-8"?>
+<file path=ppt/slides/slide21.xml><?xml version="1.0" encoding="utf-8"?>
 <p:sld xmlns:a="http://schemas.openxmlformats.org/drawingml/2006/main" xmlns:r="http://schemas.openxmlformats.org/officeDocument/2006/relationships" xmlns:p="http://schemas.openxmlformats.org/presentationml/2006/main">
   <p:cSld>
     <p:spTree>
@@ -5943,7 +6675,7 @@
 </p:sld>
 </file>
 
-<file path=ppt/slides/slide21.xml><?xml version="1.0" encoding="utf-8"?>
+<file path=ppt/slides/slide22.xml><?xml version="1.0" encoding="utf-8"?>
 <p:sld xmlns:a="http://schemas.openxmlformats.org/drawingml/2006/main" xmlns:r="http://schemas.openxmlformats.org/officeDocument/2006/relationships" xmlns:p="http://schemas.openxmlformats.org/presentationml/2006/main">
   <p:cSld>
     <p:spTree>
@@ -6032,7 +6764,7 @@
 </p:sld>
 </file>
 
-<file path=ppt/slides/slide22.xml><?xml version="1.0" encoding="utf-8"?>
+<file path=ppt/slides/slide23.xml><?xml version="1.0" encoding="utf-8"?>
 <p:sld xmlns:a="http://schemas.openxmlformats.org/drawingml/2006/main" xmlns:r="http://schemas.openxmlformats.org/officeDocument/2006/relationships" xmlns:p="http://schemas.openxmlformats.org/presentationml/2006/main">
   <p:cSld>
     <p:spTree>
@@ -6121,7 +6853,7 @@
 </p:sld>
 </file>
 
-<file path=ppt/slides/slide23.xml><?xml version="1.0" encoding="utf-8"?>
+<file path=ppt/slides/slide24.xml><?xml version="1.0" encoding="utf-8"?>
 <p:sld xmlns:a="http://schemas.openxmlformats.org/drawingml/2006/main" xmlns:r="http://schemas.openxmlformats.org/officeDocument/2006/relationships" xmlns:p="http://schemas.openxmlformats.org/presentationml/2006/main">
   <p:cSld>
     <p:spTree>
@@ -6210,123 +6942,6 @@
 </p:sld>
 </file>
 
-<file path=ppt/slides/slide24.xml><?xml version="1.0" encoding="utf-8"?>
-<p:sld xmlns:a="http://schemas.openxmlformats.org/drawingml/2006/main" xmlns:r="http://schemas.openxmlformats.org/officeDocument/2006/relationships" xmlns:p="http://schemas.openxmlformats.org/presentationml/2006/main">
-  <p:cSld>
-    <p:spTree>
-      <p:nvGrpSpPr>
-        <p:cNvPr id="1" name=""/>
-        <p:cNvGrpSpPr/>
-        <p:nvPr/>
-      </p:nvGrpSpPr>
-      <p:grpSpPr>
-        <a:xfrm>
-          <a:off x="0" y="0"/>
-          <a:ext cx="0" cy="0"/>
-          <a:chOff x="0" y="0"/>
-          <a:chExt cx="0" cy="0"/>
-        </a:xfrm>
-      </p:grpSpPr>
-      <p:sp>
-        <p:nvSpPr>
-          <p:cNvPr id="2" name="Title 1"/>
-          <p:cNvSpPr>
-            <a:spLocks noGrp="1"/>
-          </p:cNvSpPr>
-          <p:nvPr>
-            <p:ph type="title"/>
-          </p:nvPr>
-        </p:nvSpPr>
-        <p:spPr/>
-        <p:txBody>
-          <a:bodyPr/>
-          <a:lstStyle/>
-          <a:p>
-            <a:r>
-              <a:rPr lang="en-US" dirty="0" smtClean="0"/>
-              <a:t>Calvin</a:t>
-            </a:r>
-            <a:endParaRPr lang="en-US" dirty="0"/>
-          </a:p>
-        </p:txBody>
-      </p:sp>
-      <p:sp>
-        <p:nvSpPr>
-          <p:cNvPr id="3" name="Content Placeholder 2"/>
-          <p:cNvSpPr>
-            <a:spLocks noGrp="1"/>
-          </p:cNvSpPr>
-          <p:nvPr>
-            <p:ph idx="1"/>
-          </p:nvPr>
-        </p:nvSpPr>
-        <p:spPr/>
-        <p:txBody>
-          <a:bodyPr/>
-          <a:lstStyle/>
-          <a:p>
-            <a:pPr marL="0" indent="0">
-              <a:buNone/>
-            </a:pPr>
-            <a:r>
-              <a:rPr lang="en-US" dirty="0" smtClean="0"/>
-              <a:t>Calvin is an actor-based application environment for light-weight </a:t>
-            </a:r>
-            <a:r>
-              <a:rPr lang="en-US" dirty="0" err="1" smtClean="0"/>
-              <a:t>IoT</a:t>
-            </a:r>
-            <a:r>
-              <a:rPr lang="en-US" dirty="0" smtClean="0"/>
-              <a:t> applications. Its key components are </a:t>
-            </a:r>
-            <a:r>
-              <a:rPr lang="en-US" i="1" dirty="0" smtClean="0"/>
-              <a:t>runtimes</a:t>
-            </a:r>
-            <a:r>
-              <a:rPr lang="en-US" dirty="0" smtClean="0"/>
-              <a:t>, </a:t>
-            </a:r>
-            <a:r>
-              <a:rPr lang="en-US" i="1" dirty="0" smtClean="0"/>
-              <a:t>actors</a:t>
-            </a:r>
-            <a:r>
-              <a:rPr lang="en-US" dirty="0" smtClean="0"/>
-              <a:t>, and the use of </a:t>
-            </a:r>
-            <a:r>
-              <a:rPr lang="en-US" dirty="0" err="1" smtClean="0"/>
-              <a:t>Kademlia</a:t>
-            </a:r>
-            <a:r>
-              <a:rPr lang="en-US" dirty="0" smtClean="0"/>
-              <a:t>, a distributed hash table</a:t>
-            </a:r>
-          </a:p>
-        </p:txBody>
-      </p:sp>
-    </p:spTree>
-    <p:extLst>
-      <p:ext uri="{BB962C8B-B14F-4D97-AF65-F5344CB8AC3E}">
-        <p14:creationId xmlns:p14="http://schemas.microsoft.com/office/powerpoint/2010/main" val="1337557887"/>
-      </p:ext>
-    </p:extLst>
-  </p:cSld>
-  <p:clrMapOvr>
-    <a:masterClrMapping/>
-  </p:clrMapOvr>
-  <p:timing>
-    <p:tnLst>
-      <p:par>
-        <p:cTn id="1" dur="indefinite" restart="never" nodeType="tmRoot"/>
-      </p:par>
-    </p:tnLst>
-  </p:timing>
-</p:sld>
-</file>
-
 <file path=ppt/slides/slide25.xml><?xml version="1.0" encoding="utf-8"?>
 <p:sld xmlns:a="http://schemas.openxmlformats.org/drawingml/2006/main" xmlns:r="http://schemas.openxmlformats.org/officeDocument/2006/relationships" xmlns:p="http://schemas.openxmlformats.org/presentationml/2006/main">
   <p:cSld>
@@ -6361,7 +6976,7 @@
           <a:p>
             <a:r>
               <a:rPr lang="en-US" dirty="0" smtClean="0"/>
-              <a:t>Calvin - runtime</a:t>
+              <a:t>Calvin</a:t>
             </a:r>
             <a:endParaRPr lang="en-US" dirty="0"/>
           </a:p>
@@ -6387,40 +7002,47 @@
             </a:pPr>
             <a:r>
               <a:rPr lang="en-US" dirty="0" smtClean="0"/>
-              <a:t>A Calvin runtime </a:t>
-            </a:r>
-            <a:r>
-              <a:rPr lang="en-US" dirty="0"/>
-              <a:t>is a self-managed container for application actors and </a:t>
-            </a:r>
-            <a:r>
-              <a:rPr lang="en-US" dirty="0" smtClean="0"/>
-              <a:t>provides </a:t>
-            </a:r>
-            <a:r>
-              <a:rPr lang="en-US" dirty="0"/>
-              <a:t>data transport between actors both within the same runtime and between </a:t>
-            </a:r>
-            <a:r>
-              <a:rPr lang="en-US" dirty="0" smtClean="0"/>
-              <a:t>different </a:t>
-            </a:r>
-            <a:r>
-              <a:rPr lang="en-US" dirty="0"/>
+              <a:t>Calvin is an actor-based application environment for light-weight </a:t>
+            </a:r>
+            <a:r>
+              <a:rPr lang="en-US" dirty="0" err="1" smtClean="0"/>
+              <a:t>IoT</a:t>
+            </a:r>
+            <a:r>
+              <a:rPr lang="en-US" dirty="0" smtClean="0"/>
+              <a:t> applications. Its key components are </a:t>
+            </a:r>
+            <a:r>
+              <a:rPr lang="en-US" i="1" dirty="0" smtClean="0"/>
               <a:t>runtimes</a:t>
             </a:r>
             <a:r>
               <a:rPr lang="en-US" dirty="0" smtClean="0"/>
-              <a:t>.</a:t>
-            </a:r>
-            <a:endParaRPr lang="en-US" dirty="0"/>
+              <a:t>, </a:t>
+            </a:r>
+            <a:r>
+              <a:rPr lang="en-US" i="1" dirty="0" smtClean="0"/>
+              <a:t>actors</a:t>
+            </a:r>
+            <a:r>
+              <a:rPr lang="en-US" dirty="0" smtClean="0"/>
+              <a:t>, and the use of </a:t>
+            </a:r>
+            <a:r>
+              <a:rPr lang="en-US" dirty="0" err="1" smtClean="0"/>
+              <a:t>Kademlia</a:t>
+            </a:r>
+            <a:r>
+              <a:rPr lang="en-US" dirty="0" smtClean="0"/>
+              <a:t>, a distributed hash table</a:t>
+            </a:r>
           </a:p>
         </p:txBody>
       </p:sp>
     </p:spTree>
     <p:extLst>
       <p:ext uri="{BB962C8B-B14F-4D97-AF65-F5344CB8AC3E}">
-        <p14:creationId xmlns:p14="http://schemas.microsoft.com/office/powerpoint/2010/main" val="1184745539"/>
+        <p14:creationId xmlns:p14="http://schemas.microsoft.com/office/powerpoint/2010/main" val="1337557887"/>
       </p:ext>
     </p:extLst>
   </p:cSld>
@@ -6471,6 +7093,116 @@
           <a:p>
             <a:r>
               <a:rPr lang="en-US" dirty="0" smtClean="0"/>
+              <a:t>Calvin - runtime</a:t>
+            </a:r>
+            <a:endParaRPr lang="en-US" dirty="0"/>
+          </a:p>
+        </p:txBody>
+      </p:sp>
+      <p:sp>
+        <p:nvSpPr>
+          <p:cNvPr id="3" name="Content Placeholder 2"/>
+          <p:cNvSpPr>
+            <a:spLocks noGrp="1"/>
+          </p:cNvSpPr>
+          <p:nvPr>
+            <p:ph idx="1"/>
+          </p:nvPr>
+        </p:nvSpPr>
+        <p:spPr/>
+        <p:txBody>
+          <a:bodyPr/>
+          <a:lstStyle/>
+          <a:p>
+            <a:pPr marL="0" indent="0">
+              <a:buNone/>
+            </a:pPr>
+            <a:r>
+              <a:rPr lang="en-US" dirty="0" smtClean="0"/>
+              <a:t>A Calvin runtime </a:t>
+            </a:r>
+            <a:r>
+              <a:rPr lang="en-US" dirty="0"/>
+              <a:t>is a self-managed container for application actors and </a:t>
+            </a:r>
+            <a:r>
+              <a:rPr lang="en-US" dirty="0" smtClean="0"/>
+              <a:t>provides </a:t>
+            </a:r>
+            <a:r>
+              <a:rPr lang="en-US" dirty="0"/>
+              <a:t>data transport between actors both within the same runtime and between </a:t>
+            </a:r>
+            <a:r>
+              <a:rPr lang="en-US" dirty="0" smtClean="0"/>
+              <a:t>different </a:t>
+            </a:r>
+            <a:r>
+              <a:rPr lang="en-US" dirty="0"/>
+              <a:t>runtimes</a:t>
+            </a:r>
+            <a:r>
+              <a:rPr lang="en-US" dirty="0" smtClean="0"/>
+              <a:t>.</a:t>
+            </a:r>
+            <a:endParaRPr lang="en-US" dirty="0"/>
+          </a:p>
+        </p:txBody>
+      </p:sp>
+    </p:spTree>
+    <p:extLst>
+      <p:ext uri="{BB962C8B-B14F-4D97-AF65-F5344CB8AC3E}">
+        <p14:creationId xmlns:p14="http://schemas.microsoft.com/office/powerpoint/2010/main" val="1184745539"/>
+      </p:ext>
+    </p:extLst>
+  </p:cSld>
+  <p:clrMapOvr>
+    <a:masterClrMapping/>
+  </p:clrMapOvr>
+  <p:timing>
+    <p:tnLst>
+      <p:par>
+        <p:cTn id="1" dur="indefinite" restart="never" nodeType="tmRoot"/>
+      </p:par>
+    </p:tnLst>
+  </p:timing>
+</p:sld>
+</file>
+
+<file path=ppt/slides/slide27.xml><?xml version="1.0" encoding="utf-8"?>
+<p:sld xmlns:a="http://schemas.openxmlformats.org/drawingml/2006/main" xmlns:r="http://schemas.openxmlformats.org/officeDocument/2006/relationships" xmlns:p="http://schemas.openxmlformats.org/presentationml/2006/main">
+  <p:cSld>
+    <p:spTree>
+      <p:nvGrpSpPr>
+        <p:cNvPr id="1" name=""/>
+        <p:cNvGrpSpPr/>
+        <p:nvPr/>
+      </p:nvGrpSpPr>
+      <p:grpSpPr>
+        <a:xfrm>
+          <a:off x="0" y="0"/>
+          <a:ext cx="0" cy="0"/>
+          <a:chOff x="0" y="0"/>
+          <a:chExt cx="0" cy="0"/>
+        </a:xfrm>
+      </p:grpSpPr>
+      <p:sp>
+        <p:nvSpPr>
+          <p:cNvPr id="2" name="Title 1"/>
+          <p:cNvSpPr>
+            <a:spLocks noGrp="1"/>
+          </p:cNvSpPr>
+          <p:nvPr>
+            <p:ph type="title"/>
+          </p:nvPr>
+        </p:nvSpPr>
+        <p:spPr/>
+        <p:txBody>
+          <a:bodyPr/>
+          <a:lstStyle/>
+          <a:p>
+            <a:r>
+              <a:rPr lang="en-US" dirty="0" smtClean="0"/>
               <a:t>Calvin - actor</a:t>
             </a:r>
             <a:endParaRPr lang="en-US" dirty="0"/>
@@ -6580,7 +7312,7 @@
 </p:sld>
 </file>
 
-<file path=ppt/slides/slide27.xml><?xml version="1.0" encoding="utf-8"?>
+<file path=ppt/slides/slide28.xml><?xml version="1.0" encoding="utf-8"?>
 <p:sld xmlns:a="http://schemas.openxmlformats.org/drawingml/2006/main" xmlns:r="http://schemas.openxmlformats.org/officeDocument/2006/relationships" xmlns:p="http://schemas.openxmlformats.org/presentationml/2006/main">
   <p:cSld>
     <p:spTree>
@@ -6884,7 +7616,7 @@
 </p:sld>
 </file>
 
-<file path=ppt/slides/slide28.xml><?xml version="1.0" encoding="utf-8"?>
+<file path=ppt/slides/slide29.xml><?xml version="1.0" encoding="utf-8"?>
 <p:sld xmlns:a="http://schemas.openxmlformats.org/drawingml/2006/main" xmlns:r="http://schemas.openxmlformats.org/officeDocument/2006/relationships" xmlns:p="http://schemas.openxmlformats.org/presentationml/2006/main">
   <p:cSld>
     <p:spTree>
@@ -7093,139 +7825,6 @@
 </p:sld>
 </file>
 
-<file path=ppt/slides/slide29.xml><?xml version="1.0" encoding="utf-8"?>
-<p:sld xmlns:a="http://schemas.openxmlformats.org/drawingml/2006/main" xmlns:r="http://schemas.openxmlformats.org/officeDocument/2006/relationships" xmlns:p="http://schemas.openxmlformats.org/presentationml/2006/main">
-  <p:cSld>
-    <p:spTree>
-      <p:nvGrpSpPr>
-        <p:cNvPr id="1" name=""/>
-        <p:cNvGrpSpPr/>
-        <p:nvPr/>
-      </p:nvGrpSpPr>
-      <p:grpSpPr>
-        <a:xfrm>
-          <a:off x="0" y="0"/>
-          <a:ext cx="0" cy="0"/>
-          <a:chOff x="0" y="0"/>
-          <a:chExt cx="0" cy="0"/>
-        </a:xfrm>
-      </p:grpSpPr>
-      <p:sp>
-        <p:nvSpPr>
-          <p:cNvPr id="2" name="Title 1"/>
-          <p:cNvSpPr>
-            <a:spLocks noGrp="1"/>
-          </p:cNvSpPr>
-          <p:nvPr>
-            <p:ph type="title"/>
-          </p:nvPr>
-        </p:nvSpPr>
-        <p:spPr/>
-        <p:txBody>
-          <a:bodyPr/>
-          <a:lstStyle/>
-          <a:p>
-            <a:r>
-              <a:rPr lang="en-US" dirty="0" smtClean="0"/>
-              <a:t>Experiments</a:t>
-            </a:r>
-            <a:endParaRPr lang="en-US" dirty="0"/>
-          </a:p>
-        </p:txBody>
-      </p:sp>
-      <p:sp>
-        <p:nvSpPr>
-          <p:cNvPr id="3" name="Content Placeholder 2"/>
-          <p:cNvSpPr>
-            <a:spLocks noGrp="1"/>
-          </p:cNvSpPr>
-          <p:nvPr>
-            <p:ph idx="1"/>
-          </p:nvPr>
-        </p:nvSpPr>
-        <p:spPr/>
-        <p:txBody>
-          <a:bodyPr/>
-          <a:lstStyle/>
-          <a:p>
-            <a:r>
-              <a:rPr lang="en-US" dirty="0" smtClean="0"/>
-              <a:t>We have conducted a set of various tests to prove the usefulness of our model.</a:t>
-            </a:r>
-          </a:p>
-          <a:p>
-            <a:r>
-              <a:rPr lang="en-US" dirty="0" smtClean="0"/>
-              <a:t>The goal was to show our model</a:t>
-            </a:r>
-          </a:p>
-          <a:p>
-            <a:pPr marL="457200" indent="-457200">
-              <a:buFont typeface="+mj-lt"/>
-              <a:buAutoNum type="arabicPeriod"/>
-            </a:pPr>
-            <a:r>
-              <a:rPr lang="en-US" dirty="0" smtClean="0"/>
-              <a:t>Dynamically ensures the required reliability is met, despite the event of node failures, by dynamically creating new replicas when old ones die</a:t>
-            </a:r>
-          </a:p>
-          <a:p>
-            <a:pPr marL="457200" indent="-457200">
-              <a:buFont typeface="+mj-lt"/>
-              <a:buAutoNum type="arabicPeriod"/>
-            </a:pPr>
-            <a:r>
-              <a:rPr lang="en-US" dirty="0" smtClean="0"/>
-              <a:t>Uses the optimal number of replicas by choosing the most reliable nodes</a:t>
-            </a:r>
-          </a:p>
-          <a:p>
-            <a:pPr marL="457200" indent="-457200">
-              <a:buFont typeface="+mj-lt"/>
-              <a:buAutoNum type="arabicPeriod"/>
-            </a:pPr>
-            <a:r>
-              <a:rPr lang="en-US" dirty="0" smtClean="0"/>
-              <a:t>Adapts to changing system properties</a:t>
-            </a:r>
-          </a:p>
-          <a:p>
-            <a:pPr marL="0" indent="0">
-              <a:buNone/>
-            </a:pPr>
-            <a:endParaRPr lang="en-US" dirty="0"/>
-          </a:p>
-          <a:p>
-            <a:pPr marL="0" indent="0">
-              <a:buNone/>
-            </a:pPr>
-            <a:r>
-              <a:rPr lang="en-US" dirty="0" smtClean="0"/>
-              <a:t>We also measured how the replication time varied depending on the state size, as the replication time is an important part of the reliability model.</a:t>
-            </a:r>
-          </a:p>
-        </p:txBody>
-      </p:sp>
-    </p:spTree>
-    <p:extLst>
-      <p:ext uri="{BB962C8B-B14F-4D97-AF65-F5344CB8AC3E}">
-        <p14:creationId xmlns:p14="http://schemas.microsoft.com/office/powerpoint/2010/main" val="1478014272"/>
-      </p:ext>
-    </p:extLst>
-  </p:cSld>
-  <p:clrMapOvr>
-    <a:masterClrMapping/>
-  </p:clrMapOvr>
-  <p:timing>
-    <p:tnLst>
-      <p:par>
-        <p:cTn id="1" dur="indefinite" restart="never" nodeType="tmRoot"/>
-      </p:par>
-    </p:tnLst>
-  </p:timing>
-</p:sld>
-</file>
-
 <file path=ppt/slides/slide3.xml><?xml version="1.0" encoding="utf-8"?>
 <p:sld xmlns:a="http://schemas.openxmlformats.org/drawingml/2006/main" xmlns:r="http://schemas.openxmlformats.org/officeDocument/2006/relationships" xmlns:p="http://schemas.openxmlformats.org/presentationml/2006/main">
   <p:cSld>
@@ -7347,6 +7946,139 @@
 </file>
 
 <file path=ppt/slides/slide30.xml><?xml version="1.0" encoding="utf-8"?>
+<p:sld xmlns:a="http://schemas.openxmlformats.org/drawingml/2006/main" xmlns:r="http://schemas.openxmlformats.org/officeDocument/2006/relationships" xmlns:p="http://schemas.openxmlformats.org/presentationml/2006/main">
+  <p:cSld>
+    <p:spTree>
+      <p:nvGrpSpPr>
+        <p:cNvPr id="1" name=""/>
+        <p:cNvGrpSpPr/>
+        <p:nvPr/>
+      </p:nvGrpSpPr>
+      <p:grpSpPr>
+        <a:xfrm>
+          <a:off x="0" y="0"/>
+          <a:ext cx="0" cy="0"/>
+          <a:chOff x="0" y="0"/>
+          <a:chExt cx="0" cy="0"/>
+        </a:xfrm>
+      </p:grpSpPr>
+      <p:sp>
+        <p:nvSpPr>
+          <p:cNvPr id="2" name="Title 1"/>
+          <p:cNvSpPr>
+            <a:spLocks noGrp="1"/>
+          </p:cNvSpPr>
+          <p:nvPr>
+            <p:ph type="title"/>
+          </p:nvPr>
+        </p:nvSpPr>
+        <p:spPr/>
+        <p:txBody>
+          <a:bodyPr/>
+          <a:lstStyle/>
+          <a:p>
+            <a:r>
+              <a:rPr lang="en-US" dirty="0" smtClean="0"/>
+              <a:t>Experiments</a:t>
+            </a:r>
+            <a:endParaRPr lang="en-US" dirty="0"/>
+          </a:p>
+        </p:txBody>
+      </p:sp>
+      <p:sp>
+        <p:nvSpPr>
+          <p:cNvPr id="3" name="Content Placeholder 2"/>
+          <p:cNvSpPr>
+            <a:spLocks noGrp="1"/>
+          </p:cNvSpPr>
+          <p:nvPr>
+            <p:ph idx="1"/>
+          </p:nvPr>
+        </p:nvSpPr>
+        <p:spPr/>
+        <p:txBody>
+          <a:bodyPr/>
+          <a:lstStyle/>
+          <a:p>
+            <a:r>
+              <a:rPr lang="en-US" dirty="0" smtClean="0"/>
+              <a:t>We have conducted a set of various tests to prove the usefulness of our model.</a:t>
+            </a:r>
+          </a:p>
+          <a:p>
+            <a:r>
+              <a:rPr lang="en-US" dirty="0" smtClean="0"/>
+              <a:t>The goal was to show our model</a:t>
+            </a:r>
+          </a:p>
+          <a:p>
+            <a:pPr marL="457200" indent="-457200">
+              <a:buFont typeface="+mj-lt"/>
+              <a:buAutoNum type="arabicPeriod"/>
+            </a:pPr>
+            <a:r>
+              <a:rPr lang="en-US" dirty="0" smtClean="0"/>
+              <a:t>Dynamically ensures the required reliability is met, despite the event of node failures, by dynamically creating new replicas when old ones die</a:t>
+            </a:r>
+          </a:p>
+          <a:p>
+            <a:pPr marL="457200" indent="-457200">
+              <a:buFont typeface="+mj-lt"/>
+              <a:buAutoNum type="arabicPeriod"/>
+            </a:pPr>
+            <a:r>
+              <a:rPr lang="en-US" dirty="0" smtClean="0"/>
+              <a:t>Uses the optimal number of replicas by choosing the most reliable nodes</a:t>
+            </a:r>
+          </a:p>
+          <a:p>
+            <a:pPr marL="457200" indent="-457200">
+              <a:buFont typeface="+mj-lt"/>
+              <a:buAutoNum type="arabicPeriod"/>
+            </a:pPr>
+            <a:r>
+              <a:rPr lang="en-US" dirty="0" smtClean="0"/>
+              <a:t>Adapts to changing system properties</a:t>
+            </a:r>
+          </a:p>
+          <a:p>
+            <a:pPr marL="0" indent="0">
+              <a:buNone/>
+            </a:pPr>
+            <a:endParaRPr lang="en-US" dirty="0"/>
+          </a:p>
+          <a:p>
+            <a:pPr marL="0" indent="0">
+              <a:buNone/>
+            </a:pPr>
+            <a:r>
+              <a:rPr lang="en-US" dirty="0" smtClean="0"/>
+              <a:t>We also measured how the replication time varied depending on the state size, as the replication time is an important part of the reliability model.</a:t>
+            </a:r>
+          </a:p>
+        </p:txBody>
+      </p:sp>
+    </p:spTree>
+    <p:extLst>
+      <p:ext uri="{BB962C8B-B14F-4D97-AF65-F5344CB8AC3E}">
+        <p14:creationId xmlns:p14="http://schemas.microsoft.com/office/powerpoint/2010/main" val="1478014272"/>
+      </p:ext>
+    </p:extLst>
+  </p:cSld>
+  <p:clrMapOvr>
+    <a:masterClrMapping/>
+  </p:clrMapOvr>
+  <p:timing>
+    <p:tnLst>
+      <p:par>
+        <p:cTn id="1" dur="indefinite" restart="never" nodeType="tmRoot"/>
+      </p:par>
+    </p:tnLst>
+  </p:timing>
+</p:sld>
+</file>
+
+<file path=ppt/slides/slide31.xml><?xml version="1.0" encoding="utf-8"?>
 <p:sld xmlns:a="http://schemas.openxmlformats.org/drawingml/2006/main" xmlns:r="http://schemas.openxmlformats.org/officeDocument/2006/relationships" xmlns:p="http://schemas.openxmlformats.org/presentationml/2006/main">
   <p:cSld>
     <p:spTree>
@@ -7609,7 +8341,7 @@
 </p:sld>
 </file>
 
-<file path=ppt/slides/slide31.xml><?xml version="1.0" encoding="utf-8"?>
+<file path=ppt/slides/slide32.xml><?xml version="1.0" encoding="utf-8"?>
 <p:sld xmlns:a="http://schemas.openxmlformats.org/drawingml/2006/main" xmlns:r="http://schemas.openxmlformats.org/officeDocument/2006/relationships" xmlns:p="http://schemas.openxmlformats.org/presentationml/2006/main">
   <p:cSld>
     <p:spTree>
@@ -7735,7 +8467,7 @@
 </p:sld>
 </file>
 
-<file path=ppt/slides/slide32.xml><?xml version="1.0" encoding="utf-8"?>
+<file path=ppt/slides/slide33.xml><?xml version="1.0" encoding="utf-8"?>
 <p:sld xmlns:a="http://schemas.openxmlformats.org/drawingml/2006/main" xmlns:r="http://schemas.openxmlformats.org/officeDocument/2006/relationships" xmlns:p="http://schemas.openxmlformats.org/presentationml/2006/main">
   <p:cSld>
     <p:spTree>
@@ -7847,7 +8579,7 @@
 </p:sld>
 </file>
 
-<file path=ppt/slides/slide33.xml><?xml version="1.0" encoding="utf-8"?>
+<file path=ppt/slides/slide34.xml><?xml version="1.0" encoding="utf-8"?>
 <p:sld xmlns:a="http://schemas.openxmlformats.org/drawingml/2006/main" xmlns:r="http://schemas.openxmlformats.org/officeDocument/2006/relationships" xmlns:p="http://schemas.openxmlformats.org/presentationml/2006/main">
   <p:cSld>
     <p:spTree>
@@ -7962,7 +8694,7 @@
 </p:sld>
 </file>
 
-<file path=ppt/slides/slide34.xml><?xml version="1.0" encoding="utf-8"?>
+<file path=ppt/slides/slide35.xml><?xml version="1.0" encoding="utf-8"?>
 <p:sld xmlns:a="http://schemas.openxmlformats.org/drawingml/2006/main" xmlns:r="http://schemas.openxmlformats.org/officeDocument/2006/relationships" xmlns:p="http://schemas.openxmlformats.org/presentationml/2006/main">
   <p:cSld>
     <p:spTree>
@@ -8354,7 +9086,7 @@
 </p:sld>
 </file>
 
-<file path=ppt/slides/slide35.xml><?xml version="1.0" encoding="utf-8"?>
+<file path=ppt/slides/slide36.xml><?xml version="1.0" encoding="utf-8"?>
 <p:sld xmlns:a="http://schemas.openxmlformats.org/drawingml/2006/main" xmlns:r="http://schemas.openxmlformats.org/officeDocument/2006/relationships" xmlns:p="http://schemas.openxmlformats.org/presentationml/2006/main">
   <p:cSld>
     <p:spTree>
@@ -8443,7 +9175,7 @@
 </p:sld>
 </file>
 
-<file path=ppt/slides/slide36.xml><?xml version="1.0" encoding="utf-8"?>
+<file path=ppt/slides/slide37.xml><?xml version="1.0" encoding="utf-8"?>
 <p:sld xmlns:a="http://schemas.openxmlformats.org/drawingml/2006/main" xmlns:r="http://schemas.openxmlformats.org/officeDocument/2006/relationships" xmlns:p="http://schemas.openxmlformats.org/presentationml/2006/main">
   <p:cSld>
     <p:spTree>
@@ -9238,7 +9970,7 @@
 </p:sld>
 </file>
 
-<file path=ppt/slides/slide37.xml><?xml version="1.0" encoding="utf-8"?>
+<file path=ppt/slides/slide38.xml><?xml version="1.0" encoding="utf-8"?>
 <p:sld xmlns:a="http://schemas.openxmlformats.org/drawingml/2006/main" xmlns:r="http://schemas.openxmlformats.org/officeDocument/2006/relationships" xmlns:p="http://schemas.openxmlformats.org/presentationml/2006/main">
   <p:cSld>
     <p:spTree>
@@ -10323,7 +11055,7 @@
 </p:sld>
 </file>
 
-<file path=ppt/slides/slide38.xml><?xml version="1.0" encoding="utf-8"?>
+<file path=ppt/slides/slide39.xml><?xml version="1.0" encoding="utf-8"?>
 <p:sld xmlns:a="http://schemas.openxmlformats.org/drawingml/2006/main" xmlns:r="http://schemas.openxmlformats.org/officeDocument/2006/relationships" xmlns:p="http://schemas.openxmlformats.org/presentationml/2006/main">
   <p:cSld>
     <p:spTree>
@@ -10412,7 +11144,154 @@
 </p:sld>
 </file>
 
-<file path=ppt/slides/slide39.xml><?xml version="1.0" encoding="utf-8"?>
+<file path=ppt/slides/slide4.xml><?xml version="1.0" encoding="utf-8"?>
+<p:sld xmlns:a="http://schemas.openxmlformats.org/drawingml/2006/main" xmlns:r="http://schemas.openxmlformats.org/officeDocument/2006/relationships" xmlns:p="http://schemas.openxmlformats.org/presentationml/2006/main">
+  <p:cSld>
+    <p:spTree>
+      <p:nvGrpSpPr>
+        <p:cNvPr id="1" name=""/>
+        <p:cNvGrpSpPr/>
+        <p:nvPr/>
+      </p:nvGrpSpPr>
+      <p:grpSpPr>
+        <a:xfrm>
+          <a:off x="0" y="0"/>
+          <a:ext cx="0" cy="0"/>
+          <a:chOff x="0" y="0"/>
+          <a:chExt cx="0" cy="0"/>
+        </a:xfrm>
+      </p:grpSpPr>
+      <p:sp>
+        <p:nvSpPr>
+          <p:cNvPr id="2" name="Title 1"/>
+          <p:cNvSpPr>
+            <a:spLocks noGrp="1"/>
+          </p:cNvSpPr>
+          <p:nvPr>
+            <p:ph type="title"/>
+          </p:nvPr>
+        </p:nvSpPr>
+        <p:spPr/>
+        <p:txBody>
+          <a:bodyPr/>
+          <a:lstStyle/>
+          <a:p>
+            <a:r>
+              <a:rPr lang="en-US" dirty="0" smtClean="0"/>
+              <a:t>Reliability definitions</a:t>
+            </a:r>
+            <a:endParaRPr lang="en-US" dirty="0"/>
+          </a:p>
+        </p:txBody>
+      </p:sp>
+      <p:sp>
+        <p:nvSpPr>
+          <p:cNvPr id="3" name="Content Placeholder 2"/>
+          <p:cNvSpPr>
+            <a:spLocks noGrp="1"/>
+          </p:cNvSpPr>
+          <p:nvPr>
+            <p:ph idx="1"/>
+          </p:nvPr>
+        </p:nvSpPr>
+        <p:spPr/>
+        <p:txBody>
+          <a:bodyPr/>
+          <a:lstStyle/>
+          <a:p>
+            <a:pPr>
+              <a:buFont typeface="Arial" charset="0"/>
+              <a:buChar char="•"/>
+            </a:pPr>
+            <a:r>
+              <a:rPr lang="en-US" dirty="0" smtClean="0"/>
+              <a:t>Reliability of</a:t>
+            </a:r>
+          </a:p>
+          <a:p>
+            <a:pPr lvl="1">
+              <a:buFont typeface="Arial" charset="0"/>
+              <a:buChar char="•"/>
+            </a:pPr>
+            <a:r>
+              <a:rPr lang="en-US" dirty="0" smtClean="0"/>
+              <a:t>Meeting deadlines</a:t>
+            </a:r>
+          </a:p>
+          <a:p>
+            <a:pPr lvl="1">
+              <a:buFont typeface="Arial" charset="0"/>
+              <a:buChar char="•"/>
+            </a:pPr>
+            <a:r>
+              <a:rPr lang="en-US" dirty="0" smtClean="0"/>
+              <a:t>Producing the correct result</a:t>
+            </a:r>
+          </a:p>
+          <a:p>
+            <a:pPr lvl="1">
+              <a:buFont typeface="Arial" charset="0"/>
+              <a:buChar char="•"/>
+            </a:pPr>
+            <a:endParaRPr lang="en-US" dirty="0"/>
+          </a:p>
+          <a:p>
+            <a:pPr>
+              <a:buFont typeface="Arial" charset="0"/>
+              <a:buChar char="•"/>
+            </a:pPr>
+            <a:r>
+              <a:rPr lang="en-US" dirty="0" smtClean="0"/>
+              <a:t>Our definition</a:t>
+            </a:r>
+          </a:p>
+          <a:p>
+            <a:pPr marL="0" indent="0">
+              <a:buNone/>
+            </a:pPr>
+            <a:r>
+              <a:rPr lang="en-US" dirty="0" smtClean="0"/>
+              <a:t>Reliability of a task which is serving some kind of requests, is the probability that no data is lost. In a process with </a:t>
+            </a:r>
+            <a:r>
+              <a:rPr lang="en-US" i="1" dirty="0" smtClean="0"/>
+              <a:t>n </a:t>
+            </a:r>
+            <a:r>
+              <a:rPr lang="en-US" dirty="0" smtClean="0"/>
+              <a:t>task replicas, this corresponds to at least one replica is always running and serving requests.</a:t>
+            </a:r>
+          </a:p>
+          <a:p>
+            <a:pPr marL="457200" indent="-457200">
+              <a:buFont typeface="+mj-lt"/>
+              <a:buAutoNum type="arabicPeriod"/>
+            </a:pPr>
+            <a:endParaRPr lang="en-US" dirty="0"/>
+          </a:p>
+        </p:txBody>
+      </p:sp>
+    </p:spTree>
+    <p:extLst>
+      <p:ext uri="{BB962C8B-B14F-4D97-AF65-F5344CB8AC3E}">
+        <p14:creationId xmlns:p14="http://schemas.microsoft.com/office/powerpoint/2010/main" val="188118652"/>
+      </p:ext>
+    </p:extLst>
+  </p:cSld>
+  <p:clrMapOvr>
+    <a:masterClrMapping/>
+  </p:clrMapOvr>
+  <p:timing>
+    <p:tnLst>
+      <p:par>
+        <p:cTn id="1" dur="indefinite" restart="never" nodeType="tmRoot"/>
+      </p:par>
+    </p:tnLst>
+  </p:timing>
+</p:sld>
+</file>
+
+<file path=ppt/slides/slide40.xml><?xml version="1.0" encoding="utf-8"?>
 <p:sld xmlns:a="http://schemas.openxmlformats.org/drawingml/2006/main" xmlns:r="http://schemas.openxmlformats.org/officeDocument/2006/relationships" xmlns:p="http://schemas.openxmlformats.org/presentationml/2006/main">
   <p:cSld>
     <p:spTree>
@@ -10502,154 +11381,7 @@
 </p:sld>
 </file>
 
-<file path=ppt/slides/slide4.xml><?xml version="1.0" encoding="utf-8"?>
-<p:sld xmlns:a="http://schemas.openxmlformats.org/drawingml/2006/main" xmlns:r="http://schemas.openxmlformats.org/officeDocument/2006/relationships" xmlns:p="http://schemas.openxmlformats.org/presentationml/2006/main">
-  <p:cSld>
-    <p:spTree>
-      <p:nvGrpSpPr>
-        <p:cNvPr id="1" name=""/>
-        <p:cNvGrpSpPr/>
-        <p:nvPr/>
-      </p:nvGrpSpPr>
-      <p:grpSpPr>
-        <a:xfrm>
-          <a:off x="0" y="0"/>
-          <a:ext cx="0" cy="0"/>
-          <a:chOff x="0" y="0"/>
-          <a:chExt cx="0" cy="0"/>
-        </a:xfrm>
-      </p:grpSpPr>
-      <p:sp>
-        <p:nvSpPr>
-          <p:cNvPr id="2" name="Title 1"/>
-          <p:cNvSpPr>
-            <a:spLocks noGrp="1"/>
-          </p:cNvSpPr>
-          <p:nvPr>
-            <p:ph type="title"/>
-          </p:nvPr>
-        </p:nvSpPr>
-        <p:spPr/>
-        <p:txBody>
-          <a:bodyPr/>
-          <a:lstStyle/>
-          <a:p>
-            <a:r>
-              <a:rPr lang="en-US" dirty="0" smtClean="0"/>
-              <a:t>Reliability definitions</a:t>
-            </a:r>
-            <a:endParaRPr lang="en-US" dirty="0"/>
-          </a:p>
-        </p:txBody>
-      </p:sp>
-      <p:sp>
-        <p:nvSpPr>
-          <p:cNvPr id="3" name="Content Placeholder 2"/>
-          <p:cNvSpPr>
-            <a:spLocks noGrp="1"/>
-          </p:cNvSpPr>
-          <p:nvPr>
-            <p:ph idx="1"/>
-          </p:nvPr>
-        </p:nvSpPr>
-        <p:spPr/>
-        <p:txBody>
-          <a:bodyPr/>
-          <a:lstStyle/>
-          <a:p>
-            <a:pPr>
-              <a:buFont typeface="Arial" charset="0"/>
-              <a:buChar char="•"/>
-            </a:pPr>
-            <a:r>
-              <a:rPr lang="en-US" dirty="0" smtClean="0"/>
-              <a:t>Reliability of</a:t>
-            </a:r>
-          </a:p>
-          <a:p>
-            <a:pPr lvl="1">
-              <a:buFont typeface="Arial" charset="0"/>
-              <a:buChar char="•"/>
-            </a:pPr>
-            <a:r>
-              <a:rPr lang="en-US" dirty="0" smtClean="0"/>
-              <a:t>Meeting deadlines</a:t>
-            </a:r>
-          </a:p>
-          <a:p>
-            <a:pPr lvl="1">
-              <a:buFont typeface="Arial" charset="0"/>
-              <a:buChar char="•"/>
-            </a:pPr>
-            <a:r>
-              <a:rPr lang="en-US" dirty="0" smtClean="0"/>
-              <a:t>Producing the correct result</a:t>
-            </a:r>
-          </a:p>
-          <a:p>
-            <a:pPr lvl="1">
-              <a:buFont typeface="Arial" charset="0"/>
-              <a:buChar char="•"/>
-            </a:pPr>
-            <a:endParaRPr lang="en-US" dirty="0"/>
-          </a:p>
-          <a:p>
-            <a:pPr>
-              <a:buFont typeface="Arial" charset="0"/>
-              <a:buChar char="•"/>
-            </a:pPr>
-            <a:r>
-              <a:rPr lang="en-US" dirty="0" smtClean="0"/>
-              <a:t>Our definition</a:t>
-            </a:r>
-          </a:p>
-          <a:p>
-            <a:pPr marL="0" indent="0">
-              <a:buNone/>
-            </a:pPr>
-            <a:r>
-              <a:rPr lang="en-US" dirty="0" smtClean="0"/>
-              <a:t>Reliability of a task which is serving some kind of requests, is the probability that no data is lost. In a process with </a:t>
-            </a:r>
-            <a:r>
-              <a:rPr lang="en-US" i="1" dirty="0" smtClean="0"/>
-              <a:t>n </a:t>
-            </a:r>
-            <a:r>
-              <a:rPr lang="en-US" dirty="0" smtClean="0"/>
-              <a:t>task replicas, this corresponds to at least one replica is always running and serving requests.</a:t>
-            </a:r>
-          </a:p>
-          <a:p>
-            <a:pPr marL="457200" indent="-457200">
-              <a:buFont typeface="+mj-lt"/>
-              <a:buAutoNum type="arabicPeriod"/>
-            </a:pPr>
-            <a:endParaRPr lang="en-US" dirty="0"/>
-          </a:p>
-        </p:txBody>
-      </p:sp>
-    </p:spTree>
-    <p:extLst>
-      <p:ext uri="{BB962C8B-B14F-4D97-AF65-F5344CB8AC3E}">
-        <p14:creationId xmlns:p14="http://schemas.microsoft.com/office/powerpoint/2010/main" val="188118652"/>
-      </p:ext>
-    </p:extLst>
-  </p:cSld>
-  <p:clrMapOvr>
-    <a:masterClrMapping/>
-  </p:clrMapOvr>
-  <p:timing>
-    <p:tnLst>
-      <p:par>
-        <p:cTn id="1" dur="indefinite" restart="never" nodeType="tmRoot"/>
-      </p:par>
-    </p:tnLst>
-  </p:timing>
-</p:sld>
-</file>
-
-<file path=ppt/slides/slide40.xml><?xml version="1.0" encoding="utf-8"?>
+<file path=ppt/slides/slide41.xml><?xml version="1.0" encoding="utf-8"?>
 <p:sld xmlns:a="http://schemas.openxmlformats.org/drawingml/2006/main" xmlns:r="http://schemas.openxmlformats.org/officeDocument/2006/relationships" xmlns:p="http://schemas.openxmlformats.org/presentationml/2006/main">
   <p:cSld>
     <p:spTree>
@@ -10739,7 +11471,7 @@
 </p:sld>
 </file>
 
-<file path=ppt/slides/slide41.xml><?xml version="1.0" encoding="utf-8"?>
+<file path=ppt/slides/slide42.xml><?xml version="1.0" encoding="utf-8"?>
 <p:sld xmlns:a="http://schemas.openxmlformats.org/drawingml/2006/main" xmlns:r="http://schemas.openxmlformats.org/officeDocument/2006/relationships" xmlns:p="http://schemas.openxmlformats.org/presentationml/2006/main">
   <p:cSld>
     <p:spTree>
@@ -10829,7 +11561,7 @@
 </p:sld>
 </file>
 
-<file path=ppt/slides/slide42.xml><?xml version="1.0" encoding="utf-8"?>
+<file path=ppt/slides/slide43.xml><?xml version="1.0" encoding="utf-8"?>
 <p:sld xmlns:a="http://schemas.openxmlformats.org/drawingml/2006/main" xmlns:r="http://schemas.openxmlformats.org/officeDocument/2006/relationships" xmlns:p="http://schemas.openxmlformats.org/presentationml/2006/main">
   <p:cSld>
     <p:spTree>
@@ -11237,7 +11969,7 @@
 </p:sld>
 </file>
 
-<file path=ppt/slides/slide43.xml><?xml version="1.0" encoding="utf-8"?>
+<file path=ppt/slides/slide44.xml><?xml version="1.0" encoding="utf-8"?>
 <p:sld xmlns:a="http://schemas.openxmlformats.org/drawingml/2006/main" xmlns:r="http://schemas.openxmlformats.org/officeDocument/2006/relationships" xmlns:p="http://schemas.openxmlformats.org/presentationml/2006/main">
   <p:cSld>
     <p:spTree>
@@ -12120,7 +12852,7 @@
 </p:sld>
 </file>
 
-<file path=ppt/slides/slide44.xml><?xml version="1.0" encoding="utf-8"?>
+<file path=ppt/slides/slide45.xml><?xml version="1.0" encoding="utf-8"?>
 <p:sld xmlns:a="http://schemas.openxmlformats.org/drawingml/2006/main" xmlns:r="http://schemas.openxmlformats.org/officeDocument/2006/relationships" xmlns:p="http://schemas.openxmlformats.org/presentationml/2006/main">
   <p:cSld>
     <p:spTree>
@@ -12210,7 +12942,7 @@
 </p:sld>
 </file>
 
-<file path=ppt/slides/slide45.xml><?xml version="1.0" encoding="utf-8"?>
+<file path=ppt/slides/slide46.xml><?xml version="1.0" encoding="utf-8"?>
 <p:sld xmlns:a="http://schemas.openxmlformats.org/drawingml/2006/main" xmlns:r="http://schemas.openxmlformats.org/officeDocument/2006/relationships" xmlns:p="http://schemas.openxmlformats.org/presentationml/2006/main">
   <p:cSld>
     <p:spTree>
@@ -12300,7 +13032,7 @@
 </p:sld>
 </file>
 
-<file path=ppt/slides/slide46.xml><?xml version="1.0" encoding="utf-8"?>
+<file path=ppt/slides/slide47.xml><?xml version="1.0" encoding="utf-8"?>
 <p:sld xmlns:a="http://schemas.openxmlformats.org/drawingml/2006/main" xmlns:r="http://schemas.openxmlformats.org/officeDocument/2006/relationships" xmlns:p="http://schemas.openxmlformats.org/presentationml/2006/main">
   <p:cSld>
     <p:spTree>
@@ -12390,7 +13122,7 @@
 </p:sld>
 </file>
 
-<file path=ppt/slides/slide47.xml><?xml version="1.0" encoding="utf-8"?>
+<file path=ppt/slides/slide48.xml><?xml version="1.0" encoding="utf-8"?>
 <p:sld xmlns:a="http://schemas.openxmlformats.org/drawingml/2006/main" xmlns:r="http://schemas.openxmlformats.org/officeDocument/2006/relationships" xmlns:p="http://schemas.openxmlformats.org/presentationml/2006/main">
   <p:cSld>
     <p:spTree>
@@ -12558,7 +13290,7 @@
 </p:sld>
 </file>
 
-<file path=ppt/slides/slide48.xml><?xml version="1.0" encoding="utf-8"?>
+<file path=ppt/slides/slide49.xml><?xml version="1.0" encoding="utf-8"?>
 <p:sld xmlns:a="http://schemas.openxmlformats.org/drawingml/2006/main" xmlns:r="http://schemas.openxmlformats.org/officeDocument/2006/relationships" xmlns:p="http://schemas.openxmlformats.org/presentationml/2006/main">
   <p:cSld>
     <p:spTree>
@@ -12675,7 +13407,94 @@
 </p:sld>
 </file>
 
-<file path=ppt/slides/slide49.xml><?xml version="1.0" encoding="utf-8"?>
+<file path=ppt/slides/slide5.xml><?xml version="1.0" encoding="utf-8"?>
+<p:sld xmlns:a="http://schemas.openxmlformats.org/drawingml/2006/main" xmlns:r="http://schemas.openxmlformats.org/officeDocument/2006/relationships" xmlns:p="http://schemas.openxmlformats.org/presentationml/2006/main">
+  <p:cSld>
+    <p:spTree>
+      <p:nvGrpSpPr>
+        <p:cNvPr id="1" name=""/>
+        <p:cNvGrpSpPr/>
+        <p:nvPr/>
+      </p:nvGrpSpPr>
+      <p:grpSpPr>
+        <a:xfrm>
+          <a:off x="0" y="0"/>
+          <a:ext cx="0" cy="0"/>
+          <a:chOff x="0" y="0"/>
+          <a:chExt cx="0" cy="0"/>
+        </a:xfrm>
+      </p:grpSpPr>
+      <p:sp>
+        <p:nvSpPr>
+          <p:cNvPr id="2" name="Title 1"/>
+          <p:cNvSpPr>
+            <a:spLocks noGrp="1"/>
+          </p:cNvSpPr>
+          <p:nvPr>
+            <p:ph type="title"/>
+          </p:nvPr>
+        </p:nvSpPr>
+        <p:spPr/>
+        <p:txBody>
+          <a:bodyPr/>
+          <a:lstStyle/>
+          <a:p>
+            <a:r>
+              <a:rPr lang="en-US" dirty="0" smtClean="0"/>
+              <a:t>Related work</a:t>
+            </a:r>
+            <a:endParaRPr lang="en-US" dirty="0"/>
+          </a:p>
+        </p:txBody>
+      </p:sp>
+      <p:sp>
+        <p:nvSpPr>
+          <p:cNvPr id="3" name="Content Placeholder 2"/>
+          <p:cNvSpPr>
+            <a:spLocks noGrp="1"/>
+          </p:cNvSpPr>
+          <p:nvPr>
+            <p:ph idx="1"/>
+          </p:nvPr>
+        </p:nvSpPr>
+        <p:spPr/>
+        <p:txBody>
+          <a:bodyPr/>
+          <a:lstStyle/>
+          <a:p>
+            <a:pPr marL="457200" indent="-457200">
+              <a:buFont typeface="+mj-lt"/>
+              <a:buAutoNum type="arabicPeriod"/>
+            </a:pPr>
+            <a:r>
+              <a:rPr lang="en-US" dirty="0" smtClean="0"/>
+              <a:t>Most assume constant failure rates, as well as same failure rates for all nodes</a:t>
+            </a:r>
+            <a:endParaRPr lang="en-US" dirty="0"/>
+          </a:p>
+        </p:txBody>
+      </p:sp>
+    </p:spTree>
+    <p:extLst>
+      <p:ext uri="{BB962C8B-B14F-4D97-AF65-F5344CB8AC3E}">
+        <p14:creationId xmlns:p14="http://schemas.microsoft.com/office/powerpoint/2010/main" val="219035841"/>
+      </p:ext>
+    </p:extLst>
+  </p:cSld>
+  <p:clrMapOvr>
+    <a:masterClrMapping/>
+  </p:clrMapOvr>
+  <p:timing>
+    <p:tnLst>
+      <p:par>
+        <p:cTn id="1" dur="indefinite" restart="never" nodeType="tmRoot"/>
+      </p:par>
+    </p:tnLst>
+  </p:timing>
+</p:sld>
+</file>
+
+<file path=ppt/slides/slide50.xml><?xml version="1.0" encoding="utf-8"?>
 <p:sld xmlns:a="http://schemas.openxmlformats.org/drawingml/2006/main" xmlns:r="http://schemas.openxmlformats.org/officeDocument/2006/relationships" xmlns:p="http://schemas.openxmlformats.org/presentationml/2006/main">
   <p:cSld>
     <p:spTree>
@@ -12764,94 +13583,7 @@
 </p:sld>
 </file>
 
-<file path=ppt/slides/slide5.xml><?xml version="1.0" encoding="utf-8"?>
-<p:sld xmlns:a="http://schemas.openxmlformats.org/drawingml/2006/main" xmlns:r="http://schemas.openxmlformats.org/officeDocument/2006/relationships" xmlns:p="http://schemas.openxmlformats.org/presentationml/2006/main">
-  <p:cSld>
-    <p:spTree>
-      <p:nvGrpSpPr>
-        <p:cNvPr id="1" name=""/>
-        <p:cNvGrpSpPr/>
-        <p:nvPr/>
-      </p:nvGrpSpPr>
-      <p:grpSpPr>
-        <a:xfrm>
-          <a:off x="0" y="0"/>
-          <a:ext cx="0" cy="0"/>
-          <a:chOff x="0" y="0"/>
-          <a:chExt cx="0" cy="0"/>
-        </a:xfrm>
-      </p:grpSpPr>
-      <p:sp>
-        <p:nvSpPr>
-          <p:cNvPr id="2" name="Title 1"/>
-          <p:cNvSpPr>
-            <a:spLocks noGrp="1"/>
-          </p:cNvSpPr>
-          <p:nvPr>
-            <p:ph type="title"/>
-          </p:nvPr>
-        </p:nvSpPr>
-        <p:spPr/>
-        <p:txBody>
-          <a:bodyPr/>
-          <a:lstStyle/>
-          <a:p>
-            <a:r>
-              <a:rPr lang="en-US" dirty="0" smtClean="0"/>
-              <a:t>Related work</a:t>
-            </a:r>
-            <a:endParaRPr lang="en-US" dirty="0"/>
-          </a:p>
-        </p:txBody>
-      </p:sp>
-      <p:sp>
-        <p:nvSpPr>
-          <p:cNvPr id="3" name="Content Placeholder 2"/>
-          <p:cNvSpPr>
-            <a:spLocks noGrp="1"/>
-          </p:cNvSpPr>
-          <p:nvPr>
-            <p:ph idx="1"/>
-          </p:nvPr>
-        </p:nvSpPr>
-        <p:spPr/>
-        <p:txBody>
-          <a:bodyPr/>
-          <a:lstStyle/>
-          <a:p>
-            <a:pPr marL="457200" indent="-457200">
-              <a:buFont typeface="+mj-lt"/>
-              <a:buAutoNum type="arabicPeriod"/>
-            </a:pPr>
-            <a:r>
-              <a:rPr lang="en-US" dirty="0" smtClean="0"/>
-              <a:t>Most assume constant failure rates, as well as same failure rates for all nodes</a:t>
-            </a:r>
-            <a:endParaRPr lang="en-US" dirty="0"/>
-          </a:p>
-        </p:txBody>
-      </p:sp>
-    </p:spTree>
-    <p:extLst>
-      <p:ext uri="{BB962C8B-B14F-4D97-AF65-F5344CB8AC3E}">
-        <p14:creationId xmlns:p14="http://schemas.microsoft.com/office/powerpoint/2010/main" val="219035841"/>
-      </p:ext>
-    </p:extLst>
-  </p:cSld>
-  <p:clrMapOvr>
-    <a:masterClrMapping/>
-  </p:clrMapOvr>
-  <p:timing>
-    <p:tnLst>
-      <p:par>
-        <p:cTn id="1" dur="indefinite" restart="never" nodeType="tmRoot"/>
-      </p:par>
-    </p:tnLst>
-  </p:timing>
-</p:sld>
-</file>
-
-<file path=ppt/slides/slide50.xml><?xml version="1.0" encoding="utf-8"?>
+<file path=ppt/slides/slide51.xml><?xml version="1.0" encoding="utf-8"?>
 <p:sld xmlns:a="http://schemas.openxmlformats.org/drawingml/2006/main" xmlns:r="http://schemas.openxmlformats.org/officeDocument/2006/relationships" xmlns:p="http://schemas.openxmlformats.org/presentationml/2006/main">
   <p:cSld>
     <p:spTree>
@@ -12958,7 +13690,7 @@
 </p:sld>
 </file>
 
-<file path=ppt/slides/slide51.xml><?xml version="1.0" encoding="utf-8"?>
+<file path=ppt/slides/slide52.xml><?xml version="1.0" encoding="utf-8"?>
 <p:sld xmlns:a="http://schemas.openxmlformats.org/drawingml/2006/main" xmlns:r="http://schemas.openxmlformats.org/officeDocument/2006/relationships" xmlns:p="http://schemas.openxmlformats.org/presentationml/2006/main">
   <p:cSld>
     <p:spTree>
@@ -13047,7 +13779,7 @@
 </p:sld>
 </file>
 
-<file path=ppt/slides/slide52.xml><?xml version="1.0" encoding="utf-8"?>
+<file path=ppt/slides/slide53.xml><?xml version="1.0" encoding="utf-8"?>
 <p:sld xmlns:a="http://schemas.openxmlformats.org/drawingml/2006/main" xmlns:r="http://schemas.openxmlformats.org/officeDocument/2006/relationships" xmlns:p="http://schemas.openxmlformats.org/presentationml/2006/main">
   <p:cSld>
     <p:spTree>
@@ -13480,8 +14212,8 @@
           </a:p>
         </p:txBody>
       </p:sp>
-      <mc:AlternateContent xmlns:mc="http://schemas.openxmlformats.org/markup-compatibility/2006">
-        <mc:Choice xmlns:a14="http://schemas.microsoft.com/office/drawing/2010/main" Requires="a14">
+      <mc:AlternateContent xmlns:mc="http://schemas.openxmlformats.org/markup-compatibility/2006" xmlns:a14="http://schemas.microsoft.com/office/drawing/2010/main">
+        <mc:Choice Requires="a14">
           <p:sp>
             <p:nvSpPr>
               <p:cNvPr id="3" name="Content Placeholder 2"/>
@@ -13597,12 +14329,11 @@
                   <a:rPr lang="en-US" dirty="0" smtClean="0"/>
                   <a:t>Resulting in</a:t>
                 </a:r>
-                <a:endParaRPr lang="en-US" dirty="0" smtClean="0"/>
               </a:p>
             </p:txBody>
           </p:sp>
         </mc:Choice>
-        <mc:Fallback>
+        <mc:Fallback xmlns="">
           <p:sp>
             <p:nvSpPr>
               <p:cNvPr id="3" name="Content Placeholder 2"/>
@@ -13636,8 +14367,8 @@
           </p:sp>
         </mc:Fallback>
       </mc:AlternateContent>
-      <mc:AlternateContent xmlns:mc="http://schemas.openxmlformats.org/markup-compatibility/2006">
-        <mc:Choice xmlns:a14="http://schemas.microsoft.com/office/drawing/2010/main" Requires="a14">
+      <mc:AlternateContent xmlns:mc="http://schemas.openxmlformats.org/markup-compatibility/2006" xmlns:a14="http://schemas.microsoft.com/office/drawing/2010/main">
+        <mc:Choice Requires="a14">
           <p:sp>
             <p:nvSpPr>
               <p:cNvPr id="4" name="Rectangle 3"/>
@@ -13783,7 +14514,7 @@
             </p:txBody>
           </p:sp>
         </mc:Choice>
-        <mc:Fallback>
+        <mc:Fallback xmlns="">
           <p:sp>
             <p:nvSpPr>
               <p:cNvPr id="4" name="Rectangle 3"/>
@@ -13822,8 +14553,8 @@
           </p:sp>
         </mc:Fallback>
       </mc:AlternateContent>
-      <mc:AlternateContent xmlns:mc="http://schemas.openxmlformats.org/markup-compatibility/2006">
-        <mc:Choice xmlns:a14="http://schemas.microsoft.com/office/drawing/2010/main" Requires="a14">
+      <mc:AlternateContent xmlns:mc="http://schemas.openxmlformats.org/markup-compatibility/2006" xmlns:a14="http://schemas.microsoft.com/office/drawing/2010/main">
+        <mc:Choice Requires="a14">
           <p:sp>
             <p:nvSpPr>
               <p:cNvPr id="5" name="Rectangle 4"/>
@@ -13845,6 +14576,7 @@
               </a:bodyPr>
               <a:lstStyle/>
               <a:p>
+                <a:pPr/>
                 <a14:m>
                   <m:oMathPara xmlns:m="http://schemas.openxmlformats.org/officeDocument/2006/math">
                     <m:oMathParaPr>
@@ -13896,7 +14628,7 @@
             </p:txBody>
           </p:sp>
         </mc:Choice>
-        <mc:Fallback>
+        <mc:Fallback xmlns="">
           <p:sp>
             <p:nvSpPr>
               <p:cNvPr id="5" name="Rectangle 4"/>
@@ -13935,8 +14667,8 @@
           </p:sp>
         </mc:Fallback>
       </mc:AlternateContent>
-      <mc:AlternateContent xmlns:mc="http://schemas.openxmlformats.org/markup-compatibility/2006">
-        <mc:Choice xmlns:a14="http://schemas.microsoft.com/office/drawing/2010/main" Requires="a14">
+      <mc:AlternateContent xmlns:mc="http://schemas.openxmlformats.org/markup-compatibility/2006" xmlns:a14="http://schemas.microsoft.com/office/drawing/2010/main">
+        <mc:Choice Requires="a14">
           <p:sp>
             <p:nvSpPr>
               <p:cNvPr id="6" name="Rectangle 5"/>
@@ -14197,7 +14929,7 @@
             </p:txBody>
           </p:sp>
         </mc:Choice>
-        <mc:Fallback>
+        <mc:Fallback xmlns="">
           <p:sp>
             <p:nvSpPr>
               <p:cNvPr id="6" name="Rectangle 5"/>
@@ -14398,8 +15130,8 @@
           </a:p>
         </p:txBody>
       </p:sp>
-      <mc:AlternateContent xmlns:mc="http://schemas.openxmlformats.org/markup-compatibility/2006">
-        <mc:Choice xmlns:a14="http://schemas.microsoft.com/office/drawing/2010/main" Requires="a14">
+      <mc:AlternateContent xmlns:mc="http://schemas.openxmlformats.org/markup-compatibility/2006" xmlns:a14="http://schemas.microsoft.com/office/drawing/2010/main">
+        <mc:Choice Requires="a14">
           <p:sp>
             <p:nvSpPr>
               <p:cNvPr id="5" name="Rectangle 4"/>
@@ -14421,6 +15153,7 @@
               </a:bodyPr>
               <a:lstStyle/>
               <a:p>
+                <a:pPr/>
                 <a14:m>
                   <m:oMathPara xmlns:m="http://schemas.openxmlformats.org/officeDocument/2006/math">
                     <m:oMathParaPr>
@@ -14475,13 +15208,7 @@
                             <a:rPr lang="en-GB" i="1">
                               <a:latin typeface="Cambria Math" charset="0"/>
                             </a:rPr>
-                            <m:t>0</m:t>
-                          </m:r>
-                          <m:r>
-                            <a:rPr lang="en-GB" i="1">
-                              <a:latin typeface="Cambria Math" charset="0"/>
-                            </a:rPr>
-                            <m:t> </m:t>
+                            <m:t>0 </m:t>
                           </m:r>
                           <m:r>
                             <a:rPr lang="en-GB" i="1">
@@ -14755,7 +15482,7 @@
             </p:txBody>
           </p:sp>
         </mc:Choice>
-        <mc:Fallback>
+        <mc:Fallback xmlns="">
           <p:sp>
             <p:nvSpPr>
               <p:cNvPr id="5" name="Rectangle 4"/>
@@ -14794,8 +15521,8 @@
           </p:sp>
         </mc:Fallback>
       </mc:AlternateContent>
-      <mc:AlternateContent xmlns:mc="http://schemas.openxmlformats.org/markup-compatibility/2006">
-        <mc:Choice xmlns:a14="http://schemas.microsoft.com/office/drawing/2010/main" Requires="a14">
+      <mc:AlternateContent xmlns:mc="http://schemas.openxmlformats.org/markup-compatibility/2006" xmlns:a14="http://schemas.microsoft.com/office/drawing/2010/main">
+        <mc:Choice Requires="a14">
           <p:sp>
             <p:nvSpPr>
               <p:cNvPr id="6" name="Rectangle 5"/>
@@ -14817,6 +15544,7 @@
               </a:bodyPr>
               <a:lstStyle/>
               <a:p>
+                <a:pPr/>
                 <a14:m>
                   <m:oMathPara xmlns:m="http://schemas.openxmlformats.org/officeDocument/2006/math">
                     <m:oMathParaPr>
@@ -15055,7 +15783,7 @@
             </p:txBody>
           </p:sp>
         </mc:Choice>
-        <mc:Fallback>
+        <mc:Fallback xmlns="">
           <p:sp>
             <p:nvSpPr>
               <p:cNvPr id="6" name="Rectangle 5"/>
@@ -15094,8 +15822,8 @@
           </p:sp>
         </mc:Fallback>
       </mc:AlternateContent>
-      <mc:AlternateContent xmlns:mc="http://schemas.openxmlformats.org/markup-compatibility/2006">
-        <mc:Choice xmlns:a14="http://schemas.microsoft.com/office/drawing/2010/main" Requires="a14">
+      <mc:AlternateContent xmlns:mc="http://schemas.openxmlformats.org/markup-compatibility/2006" xmlns:a14="http://schemas.microsoft.com/office/drawing/2010/main">
+        <mc:Choice Requires="a14">
           <p:sp>
             <p:nvSpPr>
               <p:cNvPr id="7" name="Rectangle 6"/>
@@ -15151,13 +15879,7 @@
                         <a:rPr lang="en-GB" i="1">
                           <a:latin typeface="Cambria Math" charset="0"/>
                         </a:rPr>
-                        <m:t>=</m:t>
-                      </m:r>
-                      <m:r>
-                        <a:rPr lang="en-GB" i="1">
-                          <a:latin typeface="Cambria Math" charset="0"/>
-                        </a:rPr>
-                        <m:t>1 −</m:t>
+                        <m:t>=1 −</m:t>
                       </m:r>
                       <m:r>
                         <a:rPr lang="en-GB" i="1">
@@ -15191,7 +15913,7 @@
             </p:txBody>
           </p:sp>
         </mc:Choice>
-        <mc:Fallback>
+        <mc:Fallback xmlns="">
           <p:sp>
             <p:nvSpPr>
               <p:cNvPr id="7" name="Rectangle 6"/>

--- a/presentation/presentation.pptx
+++ b/presentation/presentation.pptx
@@ -390,7 +390,7 @@
           <a:p>
             <a:fld id="{4BDF68E2-58F2-4D09-BE8B-E3BD06533059}" type="datetimeFigureOut">
               <a:rPr lang="en-US" smtClean="0"/>
-              <a:t>5/1/16</a:t>
+              <a:t>5/2/2016</a:t>
             </a:fld>
             <a:endParaRPr lang="en-US" dirty="0"/>
           </a:p>
@@ -598,7 +598,7 @@
           <a:p>
             <a:fld id="{2E2D6473-DF6D-4702-B328-E0DD40540A4E}" type="datetimeFigureOut">
               <a:rPr lang="en-US" smtClean="0"/>
-              <a:t>5/1/16</a:t>
+              <a:t>5/2/2016</a:t>
             </a:fld>
             <a:endParaRPr lang="en-US" dirty="0"/>
           </a:p>
@@ -854,7 +854,7 @@
           <a:p>
             <a:fld id="{E26F7E3A-B166-407D-9866-32884E7D5B37}" type="datetimeFigureOut">
               <a:rPr lang="en-US" smtClean="0"/>
-              <a:t>5/1/16</a:t>
+              <a:t>5/2/2016</a:t>
             </a:fld>
             <a:endParaRPr lang="en-US" dirty="0"/>
           </a:p>
@@ -1028,7 +1028,7 @@
           <a:p>
             <a:fld id="{528FC5F6-F338-4AE4-BB23-26385BCFC423}" type="datetimeFigureOut">
               <a:rPr lang="en-US" smtClean="0"/>
-              <a:t>5/1/16</a:t>
+              <a:t>5/2/2016</a:t>
             </a:fld>
             <a:endParaRPr lang="en-US" dirty="0"/>
           </a:p>
@@ -1371,7 +1371,7 @@
           <a:p>
             <a:fld id="{20EBB0C4-6273-4C6E-B9BD-2EDC30F1CD52}" type="datetimeFigureOut">
               <a:rPr lang="en-US" smtClean="0"/>
-              <a:t>5/1/16</a:t>
+              <a:t>5/2/2016</a:t>
             </a:fld>
             <a:endParaRPr lang="en-US" dirty="0"/>
           </a:p>
@@ -1646,7 +1646,7 @@
           <a:p>
             <a:fld id="{19AB4D41-86C1-4908-B66A-0B50CEB3BF29}" type="datetimeFigureOut">
               <a:rPr lang="en-US" smtClean="0"/>
-              <a:t>5/1/16</a:t>
+              <a:t>5/2/2016</a:t>
             </a:fld>
             <a:endParaRPr lang="en-US" dirty="0"/>
           </a:p>
@@ -2025,7 +2025,7 @@
           <a:p>
             <a:fld id="{E6426E2C-56C1-4E0D-A793-0088A7FDD37E}" type="datetimeFigureOut">
               <a:rPr lang="en-US" smtClean="0"/>
-              <a:t>5/1/16</a:t>
+              <a:t>5/2/2016</a:t>
             </a:fld>
             <a:endParaRPr lang="en-US" dirty="0"/>
           </a:p>
@@ -2143,7 +2143,7 @@
           <a:p>
             <a:fld id="{C8C39B41-D8B5-4052-B551-9B5525EAA8B6}" type="datetimeFigureOut">
               <a:rPr lang="en-US" smtClean="0"/>
-              <a:t>5/1/16</a:t>
+              <a:t>5/2/2016</a:t>
             </a:fld>
             <a:endParaRPr lang="en-US" dirty="0"/>
           </a:p>
@@ -2314,7 +2314,7 @@
           <a:p>
             <a:fld id="{4D94136C-8742-45B2-AF27-D93DF72833A9}" type="datetimeFigureOut">
               <a:rPr lang="en-US" smtClean="0"/>
-              <a:t>5/1/16</a:t>
+              <a:t>5/2/2016</a:t>
             </a:fld>
             <a:endParaRPr lang="en-US" dirty="0"/>
           </a:p>
@@ -2669,7 +2669,7 @@
           <a:p>
             <a:fld id="{32ABBEA6-7C60-4B02-AE87-00D78D8422AF}" type="datetimeFigureOut">
               <a:rPr lang="en-US" smtClean="0"/>
-              <a:t>5/1/16</a:t>
+              <a:t>5/2/2016</a:t>
             </a:fld>
             <a:endParaRPr lang="en-US" dirty="0"/>
           </a:p>
@@ -3052,7 +3052,7 @@
           <a:p>
             <a:fld id="{C9CAD897-D46E-4AD2-BD9B-49DD3E640873}" type="datetimeFigureOut">
               <a:rPr lang="en-US" smtClean="0"/>
-              <a:t>5/1/16</a:t>
+              <a:t>5/2/2016</a:t>
             </a:fld>
             <a:endParaRPr lang="en-US" dirty="0"/>
           </a:p>
@@ -3339,7 +3339,7 @@
           <a:p>
             <a:fld id="{98624D31-43A5-475A-80CF-332C9F6DCF35}" type="datetimeFigureOut">
               <a:rPr lang="en-US" smtClean="0"/>
-              <a:t>5/1/16</a:t>
+              <a:t>5/2/2016</a:t>
             </a:fld>
             <a:endParaRPr lang="en-US" dirty="0"/>
           </a:p>
@@ -4050,8 +4050,8 @@
           </a:p>
         </p:txBody>
       </p:sp>
-      <mc:AlternateContent xmlns:mc="http://schemas.openxmlformats.org/markup-compatibility/2006" xmlns:a14="http://schemas.microsoft.com/office/drawing/2010/main">
-        <mc:Choice Requires="a14">
+      <mc:AlternateContent xmlns:mc="http://schemas.openxmlformats.org/markup-compatibility/2006">
+        <mc:Choice xmlns:a14="http://schemas.microsoft.com/office/drawing/2010/main" Requires="a14">
           <p:sp>
             <p:nvSpPr>
               <p:cNvPr id="4" name="Rectangle 3"/>
@@ -4061,7 +4061,7 @@
             <p:spPr>
               <a:xfrm>
                 <a:off x="1097280" y="2811612"/>
-                <a:ext cx="10058400" cy="848758"/>
+                <a:ext cx="10058400" cy="848502"/>
               </a:xfrm>
               <a:prstGeom prst="rect">
                 <a:avLst/>
@@ -4090,7 +4090,7 @@
                         <m:dPr>
                           <m:ctrlPr>
                             <a:rPr lang="en-GB" i="1">
-                              <a:latin typeface="Cambria Math" charset="0"/>
+                              <a:latin typeface="Cambria Math" panose="02040503050406030204" pitchFamily="18" charset="0"/>
                             </a:rPr>
                           </m:ctrlPr>
                         </m:dPr>
@@ -4149,7 +4149,7 @@
                         <m:dPr>
                           <m:ctrlPr>
                             <a:rPr lang="en-GB" i="1">
-                              <a:latin typeface="Cambria Math" charset="0"/>
+                              <a:latin typeface="Cambria Math" panose="02040503050406030204" pitchFamily="18" charset="0"/>
                             </a:rPr>
                           </m:ctrlPr>
                         </m:dPr>
@@ -4188,31 +4188,34 @@
                       </m:r>
                       <m:nary>
                         <m:naryPr>
-                          <m:chr m:val="∑"/>
+                          <m:chr m:val="∏"/>
                           <m:ctrlPr>
-                            <a:rPr lang="is-IS" i="1" smtClean="0">
-                              <a:latin typeface="Cambria Math" charset="0"/>
+                            <a:rPr lang="is-IS" i="1">
+                              <a:latin typeface="Cambria Math" panose="02040503050406030204" pitchFamily="18" charset="0"/>
                             </a:rPr>
                           </m:ctrlPr>
                         </m:naryPr>
                         <m:sub>
                           <m:r>
-                            <a:rPr lang="is-IS" i="1" smtClean="0">
-                              <a:latin typeface="Cambria Math" charset="0"/>
+                            <m:rPr>
+                              <m:brk m:alnAt="23"/>
+                            </m:rPr>
+                            <a:rPr lang="sv-SE" i="1">
+                              <a:latin typeface="Cambria Math" panose="02040503050406030204" pitchFamily="18" charset="0"/>
                             </a:rPr>
                             <m:t>𝑘</m:t>
                           </m:r>
                           <m:r>
-                            <a:rPr lang="is-IS" i="1" smtClean="0">
-                              <a:latin typeface="Cambria Math" charset="0"/>
+                            <a:rPr lang="sv-SE" i="1">
+                              <a:latin typeface="Cambria Math" panose="02040503050406030204" pitchFamily="18" charset="0"/>
                             </a:rPr>
                             <m:t>=1</m:t>
                           </m:r>
                         </m:sub>
                         <m:sup>
                           <m:r>
-                            <a:rPr lang="is-IS" i="1" smtClean="0">
-                              <a:latin typeface="Cambria Math" charset="0"/>
+                            <a:rPr lang="sv-SE" i="1">
+                              <a:latin typeface="Cambria Math" panose="02040503050406030204" pitchFamily="18" charset="0"/>
                             </a:rPr>
                             <m:t>𝑛</m:t>
                           </m:r>
@@ -4221,14 +4224,14 @@
                           <m:sSub>
                             <m:sSubPr>
                               <m:ctrlPr>
-                                <a:rPr lang="en-US" b="0" i="1" smtClean="0">
-                                  <a:latin typeface="Cambria Math" charset="0"/>
+                                <a:rPr lang="en-US" i="1">
+                                  <a:latin typeface="Cambria Math" panose="02040503050406030204" pitchFamily="18" charset="0"/>
                                 </a:rPr>
                               </m:ctrlPr>
                             </m:sSubPr>
                             <m:e>
                               <m:r>
-                                <a:rPr lang="en-GB" b="0" i="1" smtClean="0">
+                                <a:rPr lang="en-GB" i="1">
                                   <a:latin typeface="Cambria Math" charset="0"/>
                                 </a:rPr>
                                 <m:t>𝑃</m:t>
@@ -4236,7 +4239,7 @@
                             </m:e>
                             <m:sub>
                               <m:r>
-                                <a:rPr lang="en-GB" b="0" i="1" smtClean="0">
+                                <a:rPr lang="en-GB" i="1">
                                   <a:latin typeface="Cambria Math" charset="0"/>
                                 </a:rPr>
                                 <m:t>𝑘</m:t>
@@ -4244,22 +4247,22 @@
                             </m:sub>
                           </m:sSub>
                           <m:r>
-                            <a:rPr lang="en-GB" b="0" i="1" smtClean="0">
+                            <a:rPr lang="en-GB" i="1">
                               <a:latin typeface="Cambria Math" charset="0"/>
                             </a:rPr>
                             <m:t>(</m:t>
                           </m:r>
                           <m:r>
-                            <a:rPr lang="en-GB" b="0" i="1" smtClean="0">
+                            <a:rPr lang="en-GB" i="1">
                               <a:latin typeface="Cambria Math" charset="0"/>
                             </a:rPr>
                             <m:t>𝑓𝑎𝑖𝑙𝑢𝑟𝑒</m:t>
                           </m:r>
                           <m:r>
-                            <a:rPr lang="en-GB" b="0" i="1" smtClean="0">
+                            <a:rPr lang="en-GB" i="1">
                               <a:latin typeface="Cambria Math" charset="0"/>
                             </a:rPr>
-                            <m:t>) </m:t>
+                            <m:t>)</m:t>
                           </m:r>
                         </m:e>
                       </m:nary>
@@ -4271,7 +4274,7 @@
             </p:txBody>
           </p:sp>
         </mc:Choice>
-        <mc:Fallback xmlns="">
+        <mc:Fallback>
           <p:sp>
             <p:nvSpPr>
               <p:cNvPr id="4" name="Rectangle 3"/>
@@ -4283,7 +4286,7 @@
             <p:spPr>
               <a:xfrm>
                 <a:off x="1097280" y="2811612"/>
-                <a:ext cx="10058400" cy="848758"/>
+                <a:ext cx="10058400" cy="848502"/>
               </a:xfrm>
               <a:prstGeom prst="rect">
                 <a:avLst/>
@@ -4300,7 +4303,7 @@
               <a:lstStyle/>
               <a:p>
                 <a:r>
-                  <a:rPr lang="en-US">
+                  <a:rPr lang="sv-SE">
                     <a:noFill/>
                   </a:rPr>
                   <a:t> </a:t>
@@ -4401,13 +4404,8 @@
             </a:pPr>
             <a:r>
               <a:rPr lang="en-US" dirty="0" smtClean="0"/>
-              <a:t>Failures must be detected and new replicas be </a:t>
-            </a:r>
-            <a:r>
-              <a:rPr lang="en-US" dirty="0" smtClean="0"/>
-              <a:t>created to fulfill the desired reliability</a:t>
-            </a:r>
-            <a:endParaRPr lang="en-US" dirty="0" smtClean="0"/>
+              <a:t>Failures must be detected and new replicas be created to fulfill the desired reliability</a:t>
+            </a:r>
           </a:p>
           <a:p>
             <a:pPr lvl="0">
@@ -4416,19 +4414,7 @@
             </a:pPr>
             <a:r>
               <a:rPr lang="en-US" dirty="0" smtClean="0"/>
-              <a:t>In order to create a new replica, at </a:t>
-            </a:r>
-            <a:r>
-              <a:rPr lang="en-US" dirty="0" smtClean="0"/>
-              <a:t>least one </a:t>
-            </a:r>
-            <a:r>
-              <a:rPr lang="en-US" dirty="0" smtClean="0"/>
-              <a:t>existing replica </a:t>
-            </a:r>
-            <a:r>
-              <a:rPr lang="en-US" dirty="0" smtClean="0"/>
-              <a:t>must be alive during the time it takes to replicate it</a:t>
+              <a:t>In order to create a new replica, at least one existing replica must be alive during the time it takes to replicate it</a:t>
             </a:r>
           </a:p>
           <a:p>
@@ -4551,11 +4537,7 @@
           <a:p>
             <a:r>
               <a:rPr lang="en-US" dirty="0" smtClean="0"/>
-              <a:t>Reliability </a:t>
-            </a:r>
-            <a:r>
-              <a:rPr lang="en-US" dirty="0" smtClean="0"/>
-              <a:t>model cont’d</a:t>
+              <a:t>Reliability model cont’d</a:t>
             </a:r>
             <a:endParaRPr lang="en-US" dirty="0"/>
           </a:p>
@@ -4595,7 +4577,7 @@
             <p:spPr>
               <a:xfrm>
                 <a:off x="1097280" y="2811612"/>
-                <a:ext cx="10058400" cy="1119153"/>
+                <a:ext cx="10058400" cy="1125501"/>
               </a:xfrm>
               <a:prstGeom prst="rect">
                 <a:avLst/>
@@ -4636,7 +4618,7 @@
                         <m:dPr>
                           <m:ctrlPr>
                             <a:rPr lang="en-GB" i="1">
-                              <a:latin typeface="Cambria Math" charset="0"/>
+                              <a:latin typeface="Cambria Math" panose="02040503050406030204" pitchFamily="18" charset="0"/>
                             </a:rPr>
                           </m:ctrlPr>
                         </m:dPr>
@@ -4731,7 +4713,7 @@
                         <m:dPr>
                           <m:ctrlPr>
                             <a:rPr lang="en-GB" i="1">
-                              <a:latin typeface="Cambria Math" charset="0"/>
+                              <a:latin typeface="Cambria Math" panose="02040503050406030204" pitchFamily="18" charset="0"/>
                             </a:rPr>
                           </m:ctrlPr>
                         </m:dPr>
@@ -4792,45 +4774,61 @@
                           </m:r>
                         </m:e>
                       </m:d>
+                    </m:oMath>
+                  </m:oMathPara>
+                </a14:m>
+                <a:endParaRPr lang="en-GB" dirty="0" smtClean="0"/>
+              </a:p>
+              <a:p>
+                <a:pPr lvl="0"/>
+                <a14:m>
+                  <m:oMathPara xmlns:m="http://schemas.openxmlformats.org/officeDocument/2006/math">
+                    <m:oMathParaPr>
+                      <m:jc m:val="centerGroup"/>
+                    </m:oMathParaPr>
+                    <m:oMath xmlns:m="http://schemas.openxmlformats.org/officeDocument/2006/math">
                       <m:r>
                         <a:rPr lang="en-GB" i="1">
                           <a:latin typeface="Cambria Math" charset="0"/>
                         </a:rPr>
-                        <m:t>=</m:t>
+                        <m:t>=1</m:t>
                       </m:r>
                       <m:r>
-                        <a:rPr lang="en-GB" b="0" i="1" smtClean="0">
-                          <a:latin typeface="Cambria Math" charset="0"/>
+                        <a:rPr lang="sv-SE" b="0" i="0" smtClean="0">
+                          <a:latin typeface="Cambria Math" panose="02040503050406030204" pitchFamily="18" charset="0"/>
                         </a:rPr>
-                        <m:t>1−</m:t>
+                        <m:t> −</m:t>
                       </m:r>
                       <m:nary>
                         <m:naryPr>
-                          <m:chr m:val="∑"/>
+                          <m:chr m:val="∏"/>
                           <m:ctrlPr>
-                            <a:rPr lang="is-IS" i="1" smtClean="0">
-                              <a:latin typeface="Cambria Math" charset="0"/>
+                            <a:rPr lang="is-IS" i="1">
+                              <a:latin typeface="Cambria Math" panose="02040503050406030204" pitchFamily="18" charset="0"/>
                             </a:rPr>
                           </m:ctrlPr>
                         </m:naryPr>
                         <m:sub>
                           <m:r>
-                            <a:rPr lang="is-IS" i="1" smtClean="0">
-                              <a:latin typeface="Cambria Math" charset="0"/>
+                            <m:rPr>
+                              <m:brk m:alnAt="23"/>
+                            </m:rPr>
+                            <a:rPr lang="sv-SE" i="1">
+                              <a:latin typeface="Cambria Math" panose="02040503050406030204" pitchFamily="18" charset="0"/>
                             </a:rPr>
                             <m:t>𝑘</m:t>
                           </m:r>
                           <m:r>
-                            <a:rPr lang="is-IS" i="1" smtClean="0">
-                              <a:latin typeface="Cambria Math" charset="0"/>
+                            <a:rPr lang="sv-SE" i="1">
+                              <a:latin typeface="Cambria Math" panose="02040503050406030204" pitchFamily="18" charset="0"/>
                             </a:rPr>
                             <m:t>=1</m:t>
                           </m:r>
                         </m:sub>
                         <m:sup>
                           <m:r>
-                            <a:rPr lang="is-IS" i="1" smtClean="0">
-                              <a:latin typeface="Cambria Math" charset="0"/>
+                            <a:rPr lang="sv-SE" i="1">
+                              <a:latin typeface="Cambria Math" panose="02040503050406030204" pitchFamily="18" charset="0"/>
                             </a:rPr>
                             <m:t>𝑛</m:t>
                           </m:r>
@@ -4839,14 +4837,14 @@
                           <m:sSub>
                             <m:sSubPr>
                               <m:ctrlPr>
-                                <a:rPr lang="en-US" b="0" i="1" smtClean="0">
-                                  <a:latin typeface="Cambria Math" charset="0"/>
+                                <a:rPr lang="en-US" i="1">
+                                  <a:latin typeface="Cambria Math" panose="02040503050406030204" pitchFamily="18" charset="0"/>
                                 </a:rPr>
                               </m:ctrlPr>
                             </m:sSubPr>
                             <m:e>
                               <m:r>
-                                <a:rPr lang="en-GB" b="0" i="1" smtClean="0">
+                                <a:rPr lang="en-GB" i="1">
                                   <a:latin typeface="Cambria Math" charset="0"/>
                                 </a:rPr>
                                 <m:t>𝑃</m:t>
@@ -4854,7 +4852,7 @@
                             </m:e>
                             <m:sub>
                               <m:r>
-                                <a:rPr lang="en-GB" b="0" i="1" smtClean="0">
+                                <a:rPr lang="en-GB" i="1">
                                   <a:latin typeface="Cambria Math" charset="0"/>
                                 </a:rPr>
                                 <m:t>𝑘</m:t>
@@ -4864,233 +4862,233 @@
                           <m:d>
                             <m:dPr>
                               <m:ctrlPr>
-                                <a:rPr lang="en-GB" b="0" i="1" smtClean="0">
+                                <a:rPr lang="en-GB" i="1">
                                   <a:latin typeface="Cambria Math" charset="0"/>
                                 </a:rPr>
                               </m:ctrlPr>
                             </m:dPr>
                             <m:e>
                               <m:r>
-                                <a:rPr lang="en-GB" b="0" i="1" smtClean="0">
+                                <a:rPr lang="en-GB" i="1">
                                   <a:latin typeface="Cambria Math" charset="0"/>
                                 </a:rPr>
                                 <m:t>𝑓𝑎𝑖𝑙𝑢𝑟𝑒</m:t>
                               </m:r>
                             </m:e>
                           </m:d>
+                        </m:e>
+                      </m:nary>
+                      <m:r>
+                        <a:rPr lang="sv-SE" b="0" i="0" smtClean="0">
+                          <a:latin typeface="Cambria Math" panose="02040503050406030204" pitchFamily="18" charset="0"/>
+                        </a:rPr>
+                        <m:t>=1 −</m:t>
+                      </m:r>
+                      <m:nary>
+                        <m:naryPr>
+                          <m:chr m:val="∏"/>
+                          <m:ctrlPr>
+                            <a:rPr lang="is-IS" i="1">
+                              <a:latin typeface="Cambria Math" panose="02040503050406030204" pitchFamily="18" charset="0"/>
+                            </a:rPr>
+                          </m:ctrlPr>
+                        </m:naryPr>
+                        <m:sub>
                           <m:r>
-                            <a:rPr lang="en-GB" i="1">
-                              <a:latin typeface="Cambria Math" charset="0"/>
+                            <m:rPr>
+                              <m:brk m:alnAt="23"/>
+                            </m:rPr>
+                            <a:rPr lang="sv-SE" i="1">
+                              <a:latin typeface="Cambria Math" panose="02040503050406030204" pitchFamily="18" charset="0"/>
                             </a:rPr>
-                            <m:t>=1−</m:t>
+                            <m:t>𝑘</m:t>
                           </m:r>
-                          <m:nary>
-                            <m:naryPr>
-                              <m:chr m:val="∑"/>
+                          <m:r>
+                            <a:rPr lang="sv-SE" i="1">
+                              <a:latin typeface="Cambria Math" panose="02040503050406030204" pitchFamily="18" charset="0"/>
+                            </a:rPr>
+                            <m:t>=1</m:t>
+                          </m:r>
+                        </m:sub>
+                        <m:sup>
+                          <m:r>
+                            <a:rPr lang="sv-SE" i="1">
+                              <a:latin typeface="Cambria Math" panose="02040503050406030204" pitchFamily="18" charset="0"/>
+                            </a:rPr>
+                            <m:t>𝑛</m:t>
+                          </m:r>
+                        </m:sup>
+                        <m:e>
+                          <m:r>
+                            <a:rPr lang="sv-SE" b="0" i="1" smtClean="0">
+                              <a:latin typeface="Cambria Math" panose="02040503050406030204" pitchFamily="18" charset="0"/>
+                            </a:rPr>
+                            <m:t>1 − </m:t>
+                          </m:r>
+                          <m:sSub>
+                            <m:sSubPr>
                               <m:ctrlPr>
-                                <a:rPr lang="is-IS" i="1">
+                                <a:rPr lang="en-US" i="1">
+                                  <a:latin typeface="Cambria Math" panose="02040503050406030204" pitchFamily="18" charset="0"/>
+                                </a:rPr>
+                              </m:ctrlPr>
+                            </m:sSubPr>
+                            <m:e>
+                              <m:r>
+                                <a:rPr lang="en-GB" i="1">
                                   <a:latin typeface="Cambria Math" charset="0"/>
                                 </a:rPr>
-                              </m:ctrlPr>
-                            </m:naryPr>
+                                <m:t>𝑃</m:t>
+                              </m:r>
+                            </m:e>
                             <m:sub>
                               <m:r>
-                                <a:rPr lang="is-IS" i="1">
+                                <a:rPr lang="en-GB" i="1">
                                   <a:latin typeface="Cambria Math" charset="0"/>
                                 </a:rPr>
                                 <m:t>𝑘</m:t>
                               </m:r>
-                              <m:r>
-                                <a:rPr lang="is-IS" i="1">
+                            </m:sub>
+                          </m:sSub>
+                          <m:d>
+                            <m:dPr>
+                              <m:ctrlPr>
+                                <a:rPr lang="en-GB" i="1">
                                   <a:latin typeface="Cambria Math" charset="0"/>
                                 </a:rPr>
-                                <m:t>=1</m:t>
+                              </m:ctrlPr>
+                            </m:dPr>
+                            <m:e>
+                              <m:r>
+                                <a:rPr lang="sv-SE" b="0" i="1" smtClean="0">
+                                  <a:latin typeface="Cambria Math" panose="02040503050406030204" pitchFamily="18" charset="0"/>
+                                </a:rPr>
+                                <m:t>𝑠</m:t>
                               </m:r>
-                            </m:sub>
-                            <m:sup>
                               <m:r>
-                                <a:rPr lang="is-IS" i="1">
-                                  <a:latin typeface="Cambria Math" charset="0"/>
+                                <a:rPr lang="sv-SE" b="0" i="1" smtClean="0">
+                                  <a:latin typeface="Cambria Math" panose="02040503050406030204" pitchFamily="18" charset="0"/>
                                 </a:rPr>
-                                <m:t>𝑛</m:t>
+                                <m:t>𝑢𝑟𝑣𝑖𝑣𝑎𝑙</m:t>
                               </m:r>
-                            </m:sup>
-                            <m:e>
-                              <m:sSub>
-                                <m:sSubPr>
-                                  <m:ctrlPr>
-                                    <a:rPr lang="en-US" i="1">
-                                      <a:latin typeface="Cambria Math" charset="0"/>
-                                    </a:rPr>
-                                  </m:ctrlPr>
-                                </m:sSubPr>
-                                <m:e>
-                                  <m:r>
-                                    <a:rPr lang="en-GB" b="0" i="1" smtClean="0">
-                                      <a:latin typeface="Cambria Math" charset="0"/>
-                                    </a:rPr>
-                                    <m:t>1−</m:t>
-                                  </m:r>
-                                  <m:r>
-                                    <a:rPr lang="en-GB" i="1">
-                                      <a:latin typeface="Cambria Math" charset="0"/>
-                                    </a:rPr>
-                                    <m:t>𝑃</m:t>
-                                  </m:r>
-                                </m:e>
-                                <m:sub>
-                                  <m:r>
-                                    <a:rPr lang="en-GB" i="1">
-                                      <a:latin typeface="Cambria Math" charset="0"/>
-                                    </a:rPr>
-                                    <m:t>𝑘</m:t>
-                                  </m:r>
-                                </m:sub>
-                              </m:sSub>
-                              <m:d>
-                                <m:dPr>
-                                  <m:ctrlPr>
-                                    <a:rPr lang="en-GB" i="1">
-                                      <a:latin typeface="Cambria Math" charset="0"/>
-                                    </a:rPr>
-                                  </m:ctrlPr>
-                                </m:dPr>
-                                <m:e>
-                                  <m:r>
-                                    <a:rPr lang="en-GB" b="0" i="1" smtClean="0">
-                                      <a:latin typeface="Cambria Math" charset="0"/>
-                                    </a:rPr>
-                                    <m:t>𝑠𝑢𝑟𝑣𝑖𝑣𝑎𝑙</m:t>
-                                  </m:r>
-                                </m:e>
-                              </m:d>
                             </m:e>
-                          </m:nary>
+                          </m:d>
+                        </m:e>
+                      </m:nary>
+                      <m:r>
+                        <a:rPr lang="sv-SE" b="0" i="0" smtClean="0">
+                          <a:latin typeface="Cambria Math" panose="02040503050406030204" pitchFamily="18" charset="0"/>
+                        </a:rPr>
+                        <m:t>=1 −</m:t>
+                      </m:r>
+                      <m:nary>
+                        <m:naryPr>
+                          <m:chr m:val="∏"/>
+                          <m:ctrlPr>
+                            <a:rPr lang="is-IS" i="1">
+                              <a:latin typeface="Cambria Math" panose="02040503050406030204" pitchFamily="18" charset="0"/>
+                            </a:rPr>
+                          </m:ctrlPr>
+                        </m:naryPr>
+                        <m:sub>
                           <m:r>
-                            <a:rPr lang="en-GB" b="0" i="1" smtClean="0">
-                              <a:latin typeface="Cambria Math" charset="0"/>
+                            <m:rPr>
+                              <m:brk m:alnAt="23"/>
+                            </m:rPr>
+                            <a:rPr lang="sv-SE" i="1">
+                              <a:latin typeface="Cambria Math" panose="02040503050406030204" pitchFamily="18" charset="0"/>
                             </a:rPr>
-                            <m:t>=</m:t>
+                            <m:t>𝑘</m:t>
                           </m:r>
+                          <m:r>
+                            <a:rPr lang="sv-SE" i="1">
+                              <a:latin typeface="Cambria Math" panose="02040503050406030204" pitchFamily="18" charset="0"/>
+                            </a:rPr>
+                            <m:t>=1</m:t>
+                          </m:r>
+                        </m:sub>
+                        <m:sup>
+                          <m:r>
+                            <a:rPr lang="sv-SE" i="1">
+                              <a:latin typeface="Cambria Math" panose="02040503050406030204" pitchFamily="18" charset="0"/>
+                            </a:rPr>
+                            <m:t>𝑛</m:t>
+                          </m:r>
+                        </m:sup>
+                        <m:e>
                           <m:r>
                             <a:rPr lang="en-GB" i="1">
                               <a:latin typeface="Cambria Math" charset="0"/>
                             </a:rPr>
                             <m:t>1−</m:t>
                           </m:r>
-                          <m:nary>
-                            <m:naryPr>
-                              <m:chr m:val="∑"/>
+                          <m:sSup>
+                            <m:sSupPr>
                               <m:ctrlPr>
                                 <a:rPr lang="is-IS" i="1">
+                                  <a:latin typeface="Cambria Math" panose="02040503050406030204" pitchFamily="18" charset="0"/>
+                                </a:rPr>
+                              </m:ctrlPr>
+                            </m:sSupPr>
+                            <m:e>
+                              <m:r>
+                                <a:rPr lang="en-GB" i="1">
                                   <a:latin typeface="Cambria Math" charset="0"/>
                                 </a:rPr>
-                              </m:ctrlPr>
-                            </m:naryPr>
-                            <m:sub>
-                              <m:r>
-                                <a:rPr lang="is-IS" i="1">
-                                  <a:latin typeface="Cambria Math" charset="0"/>
-                                </a:rPr>
-                                <m:t>𝑘</m:t>
+                                <m:t>𝑒</m:t>
                               </m:r>
-                              <m:r>
-                                <a:rPr lang="is-IS" i="1">
-                                  <a:latin typeface="Cambria Math" charset="0"/>
-                                </a:rPr>
-                                <m:t>=1</m:t>
-                              </m:r>
-                            </m:sub>
+                            </m:e>
                             <m:sup>
                               <m:r>
-                                <a:rPr lang="is-IS" i="1">
-                                  <a:latin typeface="Cambria Math" charset="0"/>
-                                </a:rPr>
-                                <m:t>𝑛</m:t>
-                              </m:r>
-                            </m:sup>
-                            <m:e>
-                              <m:r>
-                                <a:rPr lang="en-GB" i="1" smtClean="0">
-                                  <a:latin typeface="Cambria Math" charset="0"/>
-                                </a:rPr>
-                                <m:t>1</m:t>
-                              </m:r>
-                              <m:r>
-                                <a:rPr lang="en-GB" b="0" i="1" smtClean="0">
+                                <a:rPr lang="en-GB" i="1">
                                   <a:latin typeface="Cambria Math" charset="0"/>
                                 </a:rPr>
                                 <m:t>−</m:t>
                               </m:r>
-                              <m:sSup>
-                                <m:sSupPr>
+                              <m:d>
+                                <m:dPr>
                                   <m:ctrlPr>
-                                    <a:rPr lang="is-IS" i="1">
-                                      <a:latin typeface="Cambria Math" charset="0"/>
+                                    <a:rPr lang="en-US" i="1">
+                                      <a:latin typeface="Cambria Math" panose="02040503050406030204" pitchFamily="18" charset="0"/>
                                     </a:rPr>
                                   </m:ctrlPr>
-                                </m:sSupPr>
+                                </m:dPr>
                                 <m:e>
-                                  <m:r>
-                                    <a:rPr lang="en-GB" i="1">
-                                      <a:latin typeface="Cambria Math" charset="0"/>
-                                    </a:rPr>
-                                    <m:t>𝑒</m:t>
-                                  </m:r>
-                                </m:e>
-                                <m:sup>
-                                  <m:r>
-                                    <a:rPr lang="en-GB" i="1">
-                                      <a:latin typeface="Cambria Math" charset="0"/>
-                                    </a:rPr>
-                                    <m:t>−</m:t>
-                                  </m:r>
-                                  <m:d>
-                                    <m:dPr>
+                                  <m:f>
+                                    <m:fPr>
                                       <m:ctrlPr>
-                                        <a:rPr lang="en-US" i="1">
+                                        <a:rPr lang="fi-FI" i="1">
+                                          <a:latin typeface="Cambria Math" panose="02040503050406030204" pitchFamily="18" charset="0"/>
+                                        </a:rPr>
+                                      </m:ctrlPr>
+                                    </m:fPr>
+                                    <m:num>
+                                      <m:r>
+                                        <a:rPr lang="en-GB" i="1">
                                           <a:latin typeface="Cambria Math" charset="0"/>
                                         </a:rPr>
-                                      </m:ctrlPr>
-                                    </m:dPr>
-                                    <m:e>
-                                      <m:f>
-                                        <m:fPr>
-                                          <m:ctrlPr>
-                                            <a:rPr lang="fi-FI" i="1">
-                                              <a:latin typeface="Cambria Math" charset="0"/>
-                                            </a:rPr>
-                                          </m:ctrlPr>
-                                        </m:fPr>
-                                        <m:num>
-                                          <m:r>
-                                            <a:rPr lang="en-GB" i="1">
-                                              <a:latin typeface="Cambria Math" charset="0"/>
-                                            </a:rPr>
-                                            <m:t>𝑡</m:t>
-                                          </m:r>
-                                        </m:num>
-                                        <m:den>
-                                          <m:r>
-                                            <a:rPr lang="en-GB" i="1">
-                                              <a:latin typeface="Cambria Math" charset="0"/>
-                                            </a:rPr>
-                                            <m:t>𝑀𝑇𝐵𝐹</m:t>
-                                          </m:r>
-                                        </m:den>
-                                      </m:f>
-                                    </m:e>
-                                  </m:d>
-                                </m:sup>
-                              </m:sSup>
-                            </m:e>
-                          </m:nary>
+                                        <m:t>𝑡</m:t>
+                                      </m:r>
+                                    </m:num>
+                                    <m:den>
+                                      <m:r>
+                                        <a:rPr lang="en-GB" i="1">
+                                          <a:latin typeface="Cambria Math" charset="0"/>
+                                        </a:rPr>
+                                        <m:t>𝑀𝑇𝐵𝐹</m:t>
+                                      </m:r>
+                                    </m:den>
+                                  </m:f>
+                                </m:e>
+                              </m:d>
+                            </m:sup>
+                          </m:sSup>
                         </m:e>
                       </m:nary>
                     </m:oMath>
                   </m:oMathPara>
                 </a14:m>
-                <a:endParaRPr lang="en-US" dirty="0"/>
+                <a:endParaRPr lang="en-GB" dirty="0" smtClean="0"/>
               </a:p>
             </p:txBody>
           </p:sp>
@@ -5107,7 +5105,7 @@
             <p:spPr>
               <a:xfrm>
                 <a:off x="1097280" y="2811612"/>
-                <a:ext cx="10058400" cy="1119153"/>
+                <a:ext cx="10058400" cy="1125501"/>
               </a:xfrm>
               <a:prstGeom prst="rect">
                 <a:avLst/>
@@ -5115,7 +5113,7 @@
               <a:blipFill rotWithShape="0">
                 <a:blip r:embed="rId2"/>
                 <a:stretch>
-                  <a:fillRect t="-30978"/>
+                  <a:fillRect/>
                 </a:stretch>
               </a:blipFill>
             </p:spPr>
@@ -5124,7 +5122,7 @@
               <a:lstStyle/>
               <a:p>
                 <a:r>
-                  <a:rPr lang="en-US">
+                  <a:rPr lang="sv-SE">
                     <a:noFill/>
                   </a:rPr>
                   <a:t> </a:t>
@@ -7717,24 +7715,17 @@
             </a:pPr>
             <a:r>
               <a:rPr lang="en-US" dirty="0" smtClean="0"/>
-              <a:t>Fan-in/fan-out model – allowing </a:t>
-            </a:r>
-            <a:r>
-              <a:rPr lang="en-US" b="1" dirty="0" smtClean="0"/>
-              <a:t>multiple</a:t>
-            </a:r>
-            <a:r>
-              <a:rPr lang="en-US" dirty="0" smtClean="0"/>
-              <a:t> connections for an </a:t>
-            </a:r>
-            <a:r>
-              <a:rPr lang="en-US" b="1" dirty="0" err="1" smtClean="0"/>
-              <a:t>outport</a:t>
-            </a:r>
-            <a:r>
-              <a:rPr lang="en-US" b="1" dirty="0" smtClean="0"/>
-              <a:t> TODO (in or out?)</a:t>
-            </a:r>
+              <a:t>Fan-in/fan-out model – allowing multiple connections for an </a:t>
+            </a:r>
+            <a:r>
+              <a:rPr lang="en-US" dirty="0" err="1" smtClean="0"/>
+              <a:t>in</a:t>
+            </a:r>
+            <a:r>
+              <a:rPr lang="en-US" dirty="0" err="1" smtClean="0"/>
+              <a:t>port</a:t>
+            </a:r>
+            <a:endParaRPr lang="en-US" dirty="0" smtClean="0"/>
           </a:p>
           <a:p>
             <a:pPr>
@@ -7753,7 +7744,11 @@
             </a:pPr>
             <a:r>
               <a:rPr lang="en-US" dirty="0" smtClean="0"/>
-              <a:t>Listens for heartbeats</a:t>
+              <a:t>Listens </a:t>
+            </a:r>
+            <a:r>
+              <a:rPr lang="en-US" dirty="0" smtClean="0"/>
+              <a:t>for heartbeats</a:t>
             </a:r>
           </a:p>
           <a:p>
@@ -13939,7 +13934,15 @@
             </a:pPr>
             <a:r>
               <a:rPr lang="en-US" dirty="0" smtClean="0"/>
-              <a:t>We assume a interconnected set of computing resources (nodes), providing redundant paths and interconnectivity between all nodes.</a:t>
+              <a:t>We assume </a:t>
+            </a:r>
+            <a:r>
+              <a:rPr lang="en-US" dirty="0" smtClean="0"/>
+              <a:t>an interconnected </a:t>
+            </a:r>
+            <a:r>
+              <a:rPr lang="en-US" dirty="0" smtClean="0"/>
+              <a:t>set of computing resources (nodes), providing redundant paths and interconnectivity between all nodes.</a:t>
             </a:r>
           </a:p>
           <a:p>
@@ -14407,7 +14410,7 @@
                         <m:dPr>
                           <m:ctrlPr>
                             <a:rPr lang="en-GB" i="1">
-                              <a:latin typeface="Cambria Math" charset="0"/>
+                              <a:latin typeface="Cambria Math" panose="02040503050406030204" pitchFamily="18" charset="0"/>
                             </a:rPr>
                           </m:ctrlPr>
                         </m:dPr>
@@ -14442,7 +14445,7 @@
                         <m:fPr>
                           <m:ctrlPr>
                             <a:rPr lang="fi-FI" i="1">
-                              <a:latin typeface="Cambria Math" charset="0"/>
+                              <a:latin typeface="Cambria Math" panose="02040503050406030204" pitchFamily="18" charset="0"/>
                             </a:rPr>
                           </m:ctrlPr>
                         </m:fPr>
@@ -14463,7 +14466,7 @@
                             <m:sSupPr>
                               <m:ctrlPr>
                                 <a:rPr lang="is-IS" i="1">
-                                  <a:latin typeface="Cambria Math" charset="0"/>
+                                  <a:latin typeface="Cambria Math" panose="02040503050406030204" pitchFamily="18" charset="0"/>
                                 </a:rPr>
                               </m:ctrlPr>
                             </m:sSupPr>
@@ -14599,7 +14602,7 @@
                         <m:fPr>
                           <m:ctrlPr>
                             <a:rPr lang="fi-FI" i="1">
-                              <a:latin typeface="Cambria Math" charset="0"/>
+                              <a:latin typeface="Cambria Math" panose="02040503050406030204" pitchFamily="18" charset="0"/>
                             </a:rPr>
                           </m:ctrlPr>
                         </m:fPr>
@@ -14707,7 +14710,7 @@
                         <m:dPr>
                           <m:ctrlPr>
                             <a:rPr lang="en-GB" i="1">
-                              <a:latin typeface="Cambria Math" charset="0"/>
+                              <a:latin typeface="Cambria Math" panose="02040503050406030204" pitchFamily="18" charset="0"/>
                             </a:rPr>
                           </m:ctrlPr>
                         </m:dPr>
@@ -14778,7 +14781,7 @@
                         <m:fPr>
                           <m:ctrlPr>
                             <a:rPr lang="fi-FI" i="1">
-                              <a:latin typeface="Cambria Math" charset="0"/>
+                              <a:latin typeface="Cambria Math" panose="02040503050406030204" pitchFamily="18" charset="0"/>
                             </a:rPr>
                           </m:ctrlPr>
                         </m:fPr>
@@ -14787,7 +14790,7 @@
                             <m:sSupPr>
                               <m:ctrlPr>
                                 <a:rPr lang="is-IS" i="1">
-                                  <a:latin typeface="Cambria Math" charset="0"/>
+                                  <a:latin typeface="Cambria Math" panose="02040503050406030204" pitchFamily="18" charset="0"/>
                                 </a:rPr>
                               </m:ctrlPr>
                             </m:sSupPr>
@@ -14796,7 +14799,7 @@
                                 <m:dPr>
                                   <m:ctrlPr>
                                     <a:rPr lang="en-US" i="1">
-                                      <a:latin typeface="Cambria Math" charset="0"/>
+                                      <a:latin typeface="Cambria Math" panose="02040503050406030204" pitchFamily="18" charset="0"/>
                                     </a:rPr>
                                   </m:ctrlPr>
                                 </m:dPr>
@@ -14805,7 +14808,7 @@
                                     <m:fPr>
                                       <m:ctrlPr>
                                         <a:rPr lang="fi-FI" i="1">
-                                          <a:latin typeface="Cambria Math" charset="0"/>
+                                          <a:latin typeface="Cambria Math" panose="02040503050406030204" pitchFamily="18" charset="0"/>
                                         </a:rPr>
                                       </m:ctrlPr>
                                     </m:fPr>
@@ -14848,7 +14851,7 @@
                             <m:sSupPr>
                               <m:ctrlPr>
                                 <a:rPr lang="is-IS" i="1">
-                                  <a:latin typeface="Cambria Math" charset="0"/>
+                                  <a:latin typeface="Cambria Math" panose="02040503050406030204" pitchFamily="18" charset="0"/>
                                 </a:rPr>
                               </m:ctrlPr>
                             </m:sSupPr>
@@ -14871,7 +14874,7 @@
                                 <m:dPr>
                                   <m:ctrlPr>
                                     <a:rPr lang="en-US" i="1">
-                                      <a:latin typeface="Cambria Math" charset="0"/>
+                                      <a:latin typeface="Cambria Math" panose="02040503050406030204" pitchFamily="18" charset="0"/>
                                     </a:rPr>
                                   </m:ctrlPr>
                                 </m:dPr>
@@ -14880,7 +14883,7 @@
                                     <m:fPr>
                                       <m:ctrlPr>
                                         <a:rPr lang="fi-FI" i="1">
-                                          <a:latin typeface="Cambria Math" charset="0"/>
+                                          <a:latin typeface="Cambria Math" panose="02040503050406030204" pitchFamily="18" charset="0"/>
                                         </a:rPr>
                                       </m:ctrlPr>
                                     </m:fPr>
@@ -15170,7 +15173,7 @@
                         <m:dPr>
                           <m:ctrlPr>
                             <a:rPr lang="en-GB" i="1">
-                              <a:latin typeface="Cambria Math" charset="0"/>
+                              <a:latin typeface="Cambria Math" panose="02040503050406030204" pitchFamily="18" charset="0"/>
                             </a:rPr>
                           </m:ctrlPr>
                         </m:dPr>
@@ -15199,7 +15202,7 @@
                         <m:dPr>
                           <m:ctrlPr>
                             <a:rPr lang="en-GB" i="1">
-                              <a:latin typeface="Cambria Math" charset="0"/>
+                              <a:latin typeface="Cambria Math" panose="02040503050406030204" pitchFamily="18" charset="0"/>
                             </a:rPr>
                           </m:ctrlPr>
                         </m:dPr>
@@ -15264,7 +15267,7 @@
                         <m:fPr>
                           <m:ctrlPr>
                             <a:rPr lang="fi-FI" i="1">
-                              <a:latin typeface="Cambria Math" charset="0"/>
+                              <a:latin typeface="Cambria Math" panose="02040503050406030204" pitchFamily="18" charset="0"/>
                             </a:rPr>
                           </m:ctrlPr>
                         </m:fPr>
@@ -15273,7 +15276,7 @@
                             <m:sSupPr>
                               <m:ctrlPr>
                                 <a:rPr lang="is-IS" i="1">
-                                  <a:latin typeface="Cambria Math" charset="0"/>
+                                  <a:latin typeface="Cambria Math" panose="02040503050406030204" pitchFamily="18" charset="0"/>
                                 </a:rPr>
                               </m:ctrlPr>
                             </m:sSupPr>
@@ -15282,7 +15285,7 @@
                                 <m:dPr>
                                   <m:ctrlPr>
                                     <a:rPr lang="en-US" i="1">
-                                      <a:latin typeface="Cambria Math" charset="0"/>
+                                      <a:latin typeface="Cambria Math" panose="02040503050406030204" pitchFamily="18" charset="0"/>
                                     </a:rPr>
                                   </m:ctrlPr>
                                 </m:dPr>
@@ -15291,7 +15294,7 @@
                                     <m:fPr>
                                       <m:ctrlPr>
                                         <a:rPr lang="fi-FI" i="1">
-                                          <a:latin typeface="Cambria Math" charset="0"/>
+                                          <a:latin typeface="Cambria Math" panose="02040503050406030204" pitchFamily="18" charset="0"/>
                                         </a:rPr>
                                       </m:ctrlPr>
                                     </m:fPr>
@@ -15334,7 +15337,7 @@
                             <m:sSupPr>
                               <m:ctrlPr>
                                 <a:rPr lang="is-IS" i="1">
-                                  <a:latin typeface="Cambria Math" charset="0"/>
+                                  <a:latin typeface="Cambria Math" panose="02040503050406030204" pitchFamily="18" charset="0"/>
                                 </a:rPr>
                               </m:ctrlPr>
                             </m:sSupPr>
@@ -15357,7 +15360,7 @@
                                 <m:dPr>
                                   <m:ctrlPr>
                                     <a:rPr lang="en-US" i="1">
-                                      <a:latin typeface="Cambria Math" charset="0"/>
+                                      <a:latin typeface="Cambria Math" panose="02040503050406030204" pitchFamily="18" charset="0"/>
                                     </a:rPr>
                                   </m:ctrlPr>
                                 </m:dPr>
@@ -15366,7 +15369,7 @@
                                     <m:fPr>
                                       <m:ctrlPr>
                                         <a:rPr lang="fi-FI" i="1">
-                                          <a:latin typeface="Cambria Math" charset="0"/>
+                                          <a:latin typeface="Cambria Math" panose="02040503050406030204" pitchFamily="18" charset="0"/>
                                         </a:rPr>
                                       </m:ctrlPr>
                                     </m:fPr>
@@ -15417,7 +15420,7 @@
                         <m:sSupPr>
                           <m:ctrlPr>
                             <a:rPr lang="is-IS" i="1">
-                              <a:latin typeface="Cambria Math" charset="0"/>
+                              <a:latin typeface="Cambria Math" panose="02040503050406030204" pitchFamily="18" charset="0"/>
                             </a:rPr>
                           </m:ctrlPr>
                         </m:sSupPr>
@@ -15440,7 +15443,7 @@
                             <m:dPr>
                               <m:ctrlPr>
                                 <a:rPr lang="en-US" i="1">
-                                  <a:latin typeface="Cambria Math" charset="0"/>
+                                  <a:latin typeface="Cambria Math" panose="02040503050406030204" pitchFamily="18" charset="0"/>
                                 </a:rPr>
                               </m:ctrlPr>
                             </m:dPr>
@@ -15449,7 +15452,7 @@
                                 <m:fPr>
                                   <m:ctrlPr>
                                     <a:rPr lang="fi-FI" i="1">
-                                      <a:latin typeface="Cambria Math" charset="0"/>
+                                      <a:latin typeface="Cambria Math" panose="02040503050406030204" pitchFamily="18" charset="0"/>
                                     </a:rPr>
                                   </m:ctrlPr>
                                 </m:fPr>
@@ -15561,7 +15564,7 @@
                         <m:dPr>
                           <m:ctrlPr>
                             <a:rPr lang="en-GB" i="1">
-                              <a:latin typeface="Cambria Math" charset="0"/>
+                              <a:latin typeface="Cambria Math" panose="02040503050406030204" pitchFamily="18" charset="0"/>
                             </a:rPr>
                           </m:ctrlPr>
                         </m:dPr>
@@ -15632,7 +15635,7 @@
                         <m:fPr>
                           <m:ctrlPr>
                             <a:rPr lang="fi-FI" i="1">
-                              <a:latin typeface="Cambria Math" charset="0"/>
+                              <a:latin typeface="Cambria Math" panose="02040503050406030204" pitchFamily="18" charset="0"/>
                             </a:rPr>
                           </m:ctrlPr>
                         </m:fPr>
@@ -15641,7 +15644,7 @@
                             <m:sSupPr>
                               <m:ctrlPr>
                                 <a:rPr lang="is-IS" i="1">
-                                  <a:latin typeface="Cambria Math" charset="0"/>
+                                  <a:latin typeface="Cambria Math" panose="02040503050406030204" pitchFamily="18" charset="0"/>
                                 </a:rPr>
                               </m:ctrlPr>
                             </m:sSupPr>
@@ -15650,7 +15653,7 @@
                                 <m:dPr>
                                   <m:ctrlPr>
                                     <a:rPr lang="en-US" i="1">
-                                      <a:latin typeface="Cambria Math" charset="0"/>
+                                      <a:latin typeface="Cambria Math" panose="02040503050406030204" pitchFamily="18" charset="0"/>
                                     </a:rPr>
                                   </m:ctrlPr>
                                 </m:dPr>
@@ -15659,7 +15662,7 @@
                                     <m:fPr>
                                       <m:ctrlPr>
                                         <a:rPr lang="fi-FI" i="1">
-                                          <a:latin typeface="Cambria Math" charset="0"/>
+                                          <a:latin typeface="Cambria Math" panose="02040503050406030204" pitchFamily="18" charset="0"/>
                                         </a:rPr>
                                       </m:ctrlPr>
                                     </m:fPr>
@@ -15702,7 +15705,7 @@
                             <m:sSupPr>
                               <m:ctrlPr>
                                 <a:rPr lang="is-IS" i="1">
-                                  <a:latin typeface="Cambria Math" charset="0"/>
+                                  <a:latin typeface="Cambria Math" panose="02040503050406030204" pitchFamily="18" charset="0"/>
                                 </a:rPr>
                               </m:ctrlPr>
                             </m:sSupPr>
@@ -15725,7 +15728,7 @@
                                 <m:dPr>
                                   <m:ctrlPr>
                                     <a:rPr lang="en-US" i="1">
-                                      <a:latin typeface="Cambria Math" charset="0"/>
+                                      <a:latin typeface="Cambria Math" panose="02040503050406030204" pitchFamily="18" charset="0"/>
                                     </a:rPr>
                                   </m:ctrlPr>
                                 </m:dPr>
@@ -15734,7 +15737,7 @@
                                     <m:fPr>
                                       <m:ctrlPr>
                                         <a:rPr lang="fi-FI" i="1">
-                                          <a:latin typeface="Cambria Math" charset="0"/>
+                                          <a:latin typeface="Cambria Math" panose="02040503050406030204" pitchFamily="18" charset="0"/>
                                         </a:rPr>
                                       </m:ctrlPr>
                                     </m:fPr>
@@ -15862,7 +15865,7 @@
                         <m:dPr>
                           <m:ctrlPr>
                             <a:rPr lang="en-GB" i="1">
-                              <a:latin typeface="Cambria Math" charset="0"/>
+                              <a:latin typeface="Cambria Math" panose="02040503050406030204" pitchFamily="18" charset="0"/>
                             </a:rPr>
                           </m:ctrlPr>
                         </m:dPr>

--- a/presentation/presentation.pptx
+++ b/presentation/presentation.pptx
@@ -4050,8 +4050,8 @@
           </a:p>
         </p:txBody>
       </p:sp>
-      <mc:AlternateContent xmlns:mc="http://schemas.openxmlformats.org/markup-compatibility/2006">
-        <mc:Choice xmlns:a14="http://schemas.microsoft.com/office/drawing/2010/main" Requires="a14">
+      <mc:AlternateContent xmlns:mc="http://schemas.openxmlformats.org/markup-compatibility/2006" xmlns:a14="http://schemas.microsoft.com/office/drawing/2010/main">
+        <mc:Choice Requires="a14">
           <p:sp>
             <p:nvSpPr>
               <p:cNvPr id="4" name="Rectangle 3"/>
@@ -4274,7 +4274,7 @@
             </p:txBody>
           </p:sp>
         </mc:Choice>
-        <mc:Fallback>
+        <mc:Fallback xmlns="">
           <p:sp>
             <p:nvSpPr>
               <p:cNvPr id="4" name="Rectangle 3"/>
@@ -4394,7 +4394,11 @@
             </a:pPr>
             <a:r>
               <a:rPr lang="en-US" dirty="0" smtClean="0"/>
-              <a:t>Failures will happen</a:t>
+              <a:t> Failures </a:t>
+            </a:r>
+            <a:r>
+              <a:rPr lang="en-US" dirty="0" smtClean="0"/>
+              <a:t>will happen</a:t>
             </a:r>
           </a:p>
           <a:p>
@@ -4404,7 +4408,11 @@
             </a:pPr>
             <a:r>
               <a:rPr lang="en-US" dirty="0" smtClean="0"/>
-              <a:t>Failures must be detected and new replicas be created to fulfill the desired reliability</a:t>
+              <a:t> Failures </a:t>
+            </a:r>
+            <a:r>
+              <a:rPr lang="en-US" dirty="0" smtClean="0"/>
+              <a:t>must be detected and new replicas be created to fulfill the desired reliability</a:t>
             </a:r>
           </a:p>
           <a:p>
@@ -4414,7 +4422,11 @@
             </a:pPr>
             <a:r>
               <a:rPr lang="en-US" dirty="0" smtClean="0"/>
-              <a:t>In order to create a new replica, at least one existing replica must be alive during the time it takes to replicate it</a:t>
+              <a:t> In </a:t>
+            </a:r>
+            <a:r>
+              <a:rPr lang="en-US" dirty="0" smtClean="0"/>
+              <a:t>order to create a new replica, at least one existing replica must be alive during the time it takes to replicate it</a:t>
             </a:r>
           </a:p>
           <a:p>
@@ -4424,7 +4436,11 @@
             </a:pPr>
             <a:r>
               <a:rPr lang="en-US" dirty="0" smtClean="0"/>
-              <a:t>The reliability can therefore be expressed as </a:t>
+              <a:t> The </a:t>
+            </a:r>
+            <a:r>
+              <a:rPr lang="en-US" dirty="0" smtClean="0"/>
+              <a:t>reliability can therefore be expressed as </a:t>
             </a:r>
             <a:r>
               <a:rPr lang="en-US" i="1" dirty="0"/>
@@ -4436,7 +4452,15 @@
             </a:r>
             <a:r>
               <a:rPr lang="is-IS" i="1" dirty="0" smtClean="0"/>
-              <a:t>running during a time t...”</a:t>
+              <a:t>running during a </a:t>
+            </a:r>
+            <a:r>
+              <a:rPr lang="is-IS" i="1" dirty="0" smtClean="0"/>
+              <a:t>time </a:t>
+            </a:r>
+            <a:r>
+              <a:rPr lang="is-IS" i="1" dirty="0" smtClean="0"/>
+              <a:t>t...”</a:t>
             </a:r>
             <a:r>
               <a:rPr lang="is-IS" dirty="0" smtClean="0"/>
@@ -4462,7 +4486,11 @@
             </a:pPr>
             <a:r>
               <a:rPr lang="is-IS" dirty="0" smtClean="0"/>
-              <a:t>The time </a:t>
+              <a:t> The </a:t>
+            </a:r>
+            <a:r>
+              <a:rPr lang="is-IS" dirty="0" smtClean="0"/>
+              <a:t>time </a:t>
             </a:r>
             <a:r>
               <a:rPr lang="is-IS" i="1" dirty="0" smtClean="0"/>
@@ -4566,8 +4594,8 @@
           </a:p>
         </p:txBody>
       </p:sp>
-      <mc:AlternateContent xmlns:mc="http://schemas.openxmlformats.org/markup-compatibility/2006">
-        <mc:Choice xmlns:a14="http://schemas.microsoft.com/office/drawing/2010/main" Requires="a14">
+      <mc:AlternateContent xmlns:mc="http://schemas.openxmlformats.org/markup-compatibility/2006" xmlns:a14="http://schemas.microsoft.com/office/drawing/2010/main">
+        <mc:Choice Requires="a14">
           <p:sp>
             <p:nvSpPr>
               <p:cNvPr id="4" name="Rectangle 3"/>
@@ -4863,7 +4891,7 @@
                             <m:dPr>
                               <m:ctrlPr>
                                 <a:rPr lang="en-GB" i="1">
-                                  <a:latin typeface="Cambria Math" charset="0"/>
+                                  <a:latin typeface="Cambria Math" panose="02040503050406030204" pitchFamily="18" charset="0"/>
                                 </a:rPr>
                               </m:ctrlPr>
                             </m:dPr>
@@ -4954,7 +4982,7 @@
                             <m:dPr>
                               <m:ctrlPr>
                                 <a:rPr lang="en-GB" i="1">
-                                  <a:latin typeface="Cambria Math" charset="0"/>
+                                  <a:latin typeface="Cambria Math" panose="02040503050406030204" pitchFamily="18" charset="0"/>
                                 </a:rPr>
                               </m:ctrlPr>
                             </m:dPr>
@@ -4963,13 +4991,7 @@
                                 <a:rPr lang="sv-SE" b="0" i="1" smtClean="0">
                                   <a:latin typeface="Cambria Math" panose="02040503050406030204" pitchFamily="18" charset="0"/>
                                 </a:rPr>
-                                <m:t>𝑠</m:t>
-                              </m:r>
-                              <m:r>
-                                <a:rPr lang="sv-SE" b="0" i="1" smtClean="0">
-                                  <a:latin typeface="Cambria Math" panose="02040503050406030204" pitchFamily="18" charset="0"/>
-                                </a:rPr>
-                                <m:t>𝑢𝑟𝑣𝑖𝑣𝑎𝑙</m:t>
+                                <m:t>𝑠𝑢𝑟𝑣𝑖𝑣𝑎𝑙</m:t>
                               </m:r>
                             </m:e>
                           </m:d>
@@ -5093,7 +5115,7 @@
             </p:txBody>
           </p:sp>
         </mc:Choice>
-        <mc:Fallback>
+        <mc:Fallback xmlns="">
           <p:sp>
             <p:nvSpPr>
               <p:cNvPr id="4" name="Rectangle 3"/>
@@ -5225,33 +5247,36 @@
             </a:r>
           </a:p>
           <a:p>
-            <a:pPr>
+            <a:pPr lvl="1">
               <a:buFont typeface="Arial" charset="0"/>
               <a:buChar char="•"/>
             </a:pPr>
             <a:r>
               <a:rPr lang="en-US" dirty="0" smtClean="0"/>
-              <a:t>Create enough replicas to reach the required reliability</a:t>
-            </a:r>
-          </a:p>
-          <a:p>
-            <a:pPr>
+              <a:t>Create </a:t>
+            </a:r>
+            <a:r>
+              <a:rPr lang="en-US" dirty="0" smtClean="0"/>
+              <a:t>enough replicas to reach the required reliability</a:t>
+            </a:r>
+          </a:p>
+          <a:p>
+            <a:pPr lvl="1">
               <a:buFont typeface="Arial" charset="0"/>
               <a:buChar char="•"/>
             </a:pPr>
             <a:r>
               <a:rPr lang="en-US" dirty="0" smtClean="0"/>
-              <a:t>Detect failures and create new replicas if needed</a:t>
-            </a:r>
-          </a:p>
-          <a:p>
-            <a:pPr marL="0" indent="0">
-              <a:buNone/>
-            </a:pPr>
+              <a:t>Detect failures and create new replicas if </a:t>
+            </a:r>
+            <a:r>
+              <a:rPr lang="en-US" dirty="0" smtClean="0"/>
+              <a:t>needed</a:t>
+            </a:r>
             <a:endParaRPr lang="en-US" dirty="0" smtClean="0"/>
           </a:p>
           <a:p>
-            <a:pPr>
+            <a:pPr lvl="1">
               <a:buFont typeface="Arial" charset="0"/>
               <a:buChar char="•"/>
             </a:pPr>
@@ -5261,7 +5286,7 @@
             </a:r>
           </a:p>
           <a:p>
-            <a:pPr>
+            <a:pPr lvl="1">
               <a:buFont typeface="Arial" charset="0"/>
               <a:buChar char="•"/>
             </a:pPr>
@@ -5568,7 +5593,7 @@
           <a:bodyPr/>
           <a:lstStyle/>
           <a:p>
-            <a:pPr marL="0" marR="0" lvl="0" indent="0" defTabSz="914400" eaLnBrk="1" fontAlgn="auto" latinLnBrk="0" hangingPunct="1">
+            <a:pPr marL="0" indent="0">
               <a:lnSpc>
                 <a:spcPct val="100000"/>
               </a:lnSpc>
@@ -5580,14 +5605,16 @@
               </a:spcAft>
               <a:buClrTx/>
               <a:buSzTx/>
-              <a:buFont typeface="Arial" charset="0"/>
               <a:buNone/>
-              <a:tabLst/>
               <a:defRPr/>
             </a:pPr>
             <a:r>
               <a:rPr lang="en-US" dirty="0" smtClean="0"/>
-              <a:t>Heartbeats are periodically sent between runtimes. If no heartbeat from a node is received within 500 </a:t>
+              <a:t>Heartbeats </a:t>
+            </a:r>
+            <a:r>
+              <a:rPr lang="en-US" dirty="0" smtClean="0"/>
+              <a:t>are periodically sent between runtimes. If no heartbeat from a node is received within 500 </a:t>
             </a:r>
             <a:r>
               <a:rPr lang="en-US" dirty="0" err="1" smtClean="0"/>
@@ -5595,8 +5622,72 @@
             </a:r>
             <a:r>
               <a:rPr lang="en-US" dirty="0" smtClean="0"/>
-              <a:t>, it is assumed dead.</a:t>
-            </a:r>
+              <a:t>, it is assumed </a:t>
+            </a:r>
+            <a:r>
+              <a:rPr lang="en-US" dirty="0" smtClean="0"/>
+              <a:t>dead.</a:t>
+            </a:r>
+          </a:p>
+          <a:p>
+            <a:pPr lvl="1">
+              <a:lnSpc>
+                <a:spcPct val="100000"/>
+              </a:lnSpc>
+              <a:spcBef>
+                <a:spcPts val="0"/>
+              </a:spcBef>
+              <a:spcAft>
+                <a:spcPts val="0"/>
+              </a:spcAft>
+              <a:buClrTx/>
+              <a:buFont typeface="Arial" panose="020B0604020202020204" pitchFamily="34" charset="0"/>
+              <a:buChar char="•"/>
+              <a:defRPr/>
+            </a:pPr>
+            <a:r>
+              <a:rPr lang="en-US" dirty="0" smtClean="0"/>
+              <a:t>Frequency</a:t>
+            </a:r>
+            <a:r>
+              <a:rPr lang="en-US" dirty="0" smtClean="0"/>
+              <a:t>: 200 </a:t>
+            </a:r>
+            <a:r>
+              <a:rPr lang="en-US" dirty="0" err="1" smtClean="0"/>
+              <a:t>ms</a:t>
+            </a:r>
+            <a:endParaRPr lang="en-US" dirty="0"/>
+          </a:p>
+          <a:p>
+            <a:pPr lvl="1">
+              <a:lnSpc>
+                <a:spcPct val="100000"/>
+              </a:lnSpc>
+              <a:spcBef>
+                <a:spcPts val="0"/>
+              </a:spcBef>
+              <a:spcAft>
+                <a:spcPts val="0"/>
+              </a:spcAft>
+              <a:buClrTx/>
+              <a:buFont typeface="Arial" panose="020B0604020202020204" pitchFamily="34" charset="0"/>
+              <a:buChar char="•"/>
+              <a:defRPr/>
+            </a:pPr>
+            <a:r>
+              <a:rPr lang="en-US" dirty="0" smtClean="0"/>
+              <a:t>Timeout</a:t>
+            </a:r>
+            <a:r>
+              <a:rPr lang="en-US" dirty="0" smtClean="0"/>
+              <a:t>: 500 </a:t>
+            </a:r>
+            <a:r>
+              <a:rPr lang="en-US" dirty="0" err="1" smtClean="0"/>
+              <a:t>ms</a:t>
+            </a:r>
+            <a:endParaRPr lang="en-US" dirty="0" smtClean="0"/>
           </a:p>
           <a:p>
             <a:pPr marL="0" marR="0" lvl="0" indent="0" defTabSz="914400" eaLnBrk="1" fontAlgn="auto" latinLnBrk="0" hangingPunct="1">
@@ -5619,7 +5710,7 @@
             <a:endParaRPr lang="en-US" dirty="0" smtClean="0"/>
           </a:p>
           <a:p>
-            <a:pPr marL="0" marR="0" lvl="0" indent="0" defTabSz="914400" eaLnBrk="1" fontAlgn="auto" latinLnBrk="0" hangingPunct="1">
+            <a:pPr marL="0" lvl="0" indent="0">
               <a:lnSpc>
                 <a:spcPct val="100000"/>
               </a:lnSpc>
@@ -5631,48 +5722,12 @@
               </a:spcAft>
               <a:buClrTx/>
               <a:buSzTx/>
-              <a:buFont typeface="Arial" charset="0"/>
               <a:buNone/>
-              <a:tabLst/>
-              <a:defRPr/>
             </a:pPr>
             <a:r>
               <a:rPr lang="en-US" dirty="0" smtClean="0"/>
-              <a:t>Frequency: 200 </a:t>
-            </a:r>
-            <a:r>
-              <a:rPr lang="en-US" dirty="0" err="1" smtClean="0"/>
-              <a:t>ms</a:t>
-            </a:r>
-            <a:endParaRPr lang="en-US" dirty="0" smtClean="0"/>
-          </a:p>
-          <a:p>
-            <a:pPr marL="0" marR="0" lvl="0" indent="0" defTabSz="914400" eaLnBrk="1" fontAlgn="auto" latinLnBrk="0" hangingPunct="1">
-              <a:lnSpc>
-                <a:spcPct val="100000"/>
-              </a:lnSpc>
-              <a:spcBef>
-                <a:spcPts val="0"/>
-              </a:spcBef>
-              <a:spcAft>
-                <a:spcPts val="0"/>
-              </a:spcAft>
-              <a:buClrTx/>
-              <a:buSzTx/>
-              <a:buFont typeface="Arial" charset="0"/>
-              <a:buNone/>
-              <a:tabLst/>
-              <a:defRPr/>
-            </a:pPr>
-            <a:r>
-              <a:rPr lang="en-US" dirty="0" smtClean="0"/>
-              <a:t>Timeout: 500 </a:t>
-            </a:r>
-            <a:r>
-              <a:rPr lang="en-US" dirty="0" err="1" smtClean="0"/>
-              <a:t>ms</a:t>
-            </a:r>
-            <a:endParaRPr lang="en-US" dirty="0" smtClean="0"/>
+              <a:t>Since we assume high bandwidth low latency connections, the time it takes to send the heartbeat is negligible.</a:t>
+            </a:r>
           </a:p>
           <a:p>
             <a:pPr marL="0" marR="0" lvl="0" indent="0" defTabSz="914400" eaLnBrk="1" fontAlgn="auto" latinLnBrk="0" hangingPunct="1">
@@ -5693,51 +5748,6 @@
               <a:defRPr/>
             </a:pPr>
             <a:endParaRPr lang="en-US" dirty="0" smtClean="0"/>
-          </a:p>
-          <a:p>
-            <a:pPr marL="0" lvl="0" indent="0">
-              <a:lnSpc>
-                <a:spcPct val="100000"/>
-              </a:lnSpc>
-              <a:spcBef>
-                <a:spcPts val="0"/>
-              </a:spcBef>
-              <a:spcAft>
-                <a:spcPts val="0"/>
-              </a:spcAft>
-              <a:buClrTx/>
-              <a:buSzTx/>
-              <a:buNone/>
-            </a:pPr>
-            <a:r>
-              <a:rPr lang="en-US" dirty="0" smtClean="0"/>
-              <a:t>Since we assume high bandwidth low latency connections, the time it takes to send the heartbeat </a:t>
-            </a:r>
-            <a:r>
-              <a:rPr lang="en-US" dirty="0"/>
-              <a:t>is negligible.</a:t>
-            </a:r>
-            <a:endParaRPr lang="en-US" dirty="0" smtClean="0"/>
-          </a:p>
-          <a:p>
-            <a:pPr marL="0" marR="0" lvl="0" indent="0" defTabSz="914400" eaLnBrk="1" fontAlgn="auto" latinLnBrk="0" hangingPunct="1">
-              <a:lnSpc>
-                <a:spcPct val="100000"/>
-              </a:lnSpc>
-              <a:spcBef>
-                <a:spcPts val="0"/>
-              </a:spcBef>
-              <a:spcAft>
-                <a:spcPts val="0"/>
-              </a:spcAft>
-              <a:buClrTx/>
-              <a:buSzTx/>
-              <a:buFont typeface="Arial" charset="0"/>
-              <a:buNone/>
-              <a:tabLst/>
-              <a:defRPr/>
-            </a:pPr>
-            <a:endParaRPr lang="en-US" dirty="0"/>
           </a:p>
           <a:p>
             <a:pPr marL="0" marR="0" lvl="0" indent="0" defTabSz="914400" eaLnBrk="1" fontAlgn="auto" latinLnBrk="0" hangingPunct="1">
@@ -6104,23 +6114,43 @@
             </a:r>
           </a:p>
           <a:p>
-            <a:pPr marL="749808" lvl="1" indent="-457200">
-              <a:buFont typeface="+mj-lt"/>
-              <a:buAutoNum type="arabicPeriod"/>
+            <a:pPr marL="578358" lvl="1" indent="-285750">
+              <a:buFont typeface="Arial" panose="020B0604020202020204" pitchFamily="34" charset="0"/>
+              <a:buChar char="•"/>
             </a:pPr>
             <a:r>
               <a:rPr lang="en-US" dirty="0" smtClean="0"/>
-              <a:t>If not reply is received - start over at 1</a:t>
-            </a:r>
-          </a:p>
-          <a:p>
-            <a:pPr marL="749808" lvl="1" indent="-457200">
-              <a:buFont typeface="+mj-lt"/>
-              <a:buAutoNum type="arabicPeriod"/>
+              <a:t>If </a:t>
+            </a:r>
+            <a:r>
+              <a:rPr lang="en-US" dirty="0" smtClean="0"/>
+              <a:t>no </a:t>
+            </a:r>
+            <a:r>
+              <a:rPr lang="en-US" dirty="0" smtClean="0"/>
+              <a:t>reply is received - start over at </a:t>
+            </a:r>
+            <a:r>
+              <a:rPr lang="en-US" dirty="0" smtClean="0"/>
+              <a:t>1</a:t>
+            </a:r>
+          </a:p>
+          <a:p>
+            <a:pPr marL="578358" lvl="1" indent="-285750">
+              <a:buFont typeface="Arial" panose="020B0604020202020204" pitchFamily="34" charset="0"/>
+              <a:buChar char="•"/>
             </a:pPr>
             <a:r>
-              <a:rPr lang="en-US" dirty="0" smtClean="0"/>
-              <a:t>If reply – we’re done</a:t>
+              <a:rPr lang="en-US" dirty="0"/>
+              <a:t>I</a:t>
+            </a:r>
+            <a:r>
+              <a:rPr lang="en-US" dirty="0" smtClean="0"/>
+              <a:t>f </a:t>
+            </a:r>
+            <a:r>
+              <a:rPr lang="en-US" dirty="0" smtClean="0"/>
+              <a:t>reply – we’re done</a:t>
             </a:r>
           </a:p>
           <a:p>
@@ -6990,17 +7020,27 @@
             <p:ph idx="1"/>
           </p:nvPr>
         </p:nvSpPr>
-        <p:spPr/>
+        <p:spPr>
+          <a:xfrm>
+            <a:off x="1097280" y="1845734"/>
+            <a:ext cx="10058400" cy="4023360"/>
+          </a:xfrm>
+        </p:spPr>
         <p:txBody>
           <a:bodyPr/>
           <a:lstStyle/>
           <a:p>
-            <a:pPr marL="0" indent="0">
-              <a:buNone/>
+            <a:pPr>
+              <a:buFont typeface="Arial" panose="020B0604020202020204" pitchFamily="34" charset="0"/>
+              <a:buChar char="•"/>
             </a:pPr>
             <a:r>
               <a:rPr lang="en-US" dirty="0" smtClean="0"/>
-              <a:t>Calvin is an actor-based application environment for light-weight </a:t>
+              <a:t> Calvin </a:t>
+            </a:r>
+            <a:r>
+              <a:rPr lang="en-US" dirty="0" smtClean="0"/>
+              <a:t>is an actor-based application environment for light-weight </a:t>
             </a:r>
             <a:r>
               <a:rPr lang="en-US" dirty="0" err="1" smtClean="0"/>
@@ -7010,21 +7050,58 @@
               <a:rPr lang="en-US" dirty="0" smtClean="0"/>
               <a:t> applications. Its key components are </a:t>
             </a:r>
-            <a:r>
-              <a:rPr lang="en-US" i="1" dirty="0" smtClean="0"/>
+            <a:endParaRPr lang="en-US" dirty="0" smtClean="0"/>
+          </a:p>
+          <a:p>
+            <a:pPr lvl="1">
+              <a:buFont typeface="Arial" panose="020B0604020202020204" pitchFamily="34" charset="0"/>
+              <a:buChar char="•"/>
+            </a:pPr>
+            <a:r>
+              <a:rPr lang="en-US" dirty="0" smtClean="0"/>
               <a:t>runtimes</a:t>
             </a:r>
-            <a:r>
-              <a:rPr lang="en-US" dirty="0" smtClean="0"/>
-              <a:t>, </a:t>
-            </a:r>
-            <a:r>
-              <a:rPr lang="en-US" i="1" dirty="0" smtClean="0"/>
-              <a:t>actors</a:t>
-            </a:r>
-            <a:r>
-              <a:rPr lang="en-US" dirty="0" smtClean="0"/>
-              <a:t>, and the use of </a:t>
+          </a:p>
+          <a:p>
+            <a:pPr lvl="1">
+              <a:buFont typeface="Arial" panose="020B0604020202020204" pitchFamily="34" charset="0"/>
+              <a:buChar char="•"/>
+            </a:pPr>
+            <a:r>
+              <a:rPr lang="en-US" dirty="0"/>
+              <a:t>a</a:t>
+            </a:r>
+            <a:r>
+              <a:rPr lang="en-US" dirty="0" smtClean="0"/>
+              <a:t>ctors</a:t>
+            </a:r>
+          </a:p>
+          <a:p>
+            <a:pPr lvl="1">
+              <a:buFont typeface="Arial" panose="020B0604020202020204" pitchFamily="34" charset="0"/>
+              <a:buChar char="•"/>
+            </a:pPr>
+            <a:r>
+              <a:rPr lang="en-US" dirty="0"/>
+              <a:t>a</a:t>
+            </a:r>
+            <a:r>
+              <a:rPr lang="en-US" dirty="0" smtClean="0"/>
+              <a:t>pplications</a:t>
+            </a:r>
+          </a:p>
+          <a:p>
+            <a:pPr lvl="1">
+              <a:buFont typeface="Arial" panose="020B0604020202020204" pitchFamily="34" charset="0"/>
+              <a:buChar char="•"/>
+            </a:pPr>
+            <a:r>
+              <a:rPr lang="en-US" dirty="0" smtClean="0"/>
+              <a:t>and </a:t>
+            </a:r>
+            <a:r>
+              <a:rPr lang="en-US" dirty="0" smtClean="0"/>
+              <a:t>the use of </a:t>
             </a:r>
             <a:r>
               <a:rPr lang="en-US" dirty="0" err="1" smtClean="0"/>
@@ -7112,20 +7189,39 @@
           <a:bodyPr/>
           <a:lstStyle/>
           <a:p>
-            <a:pPr marL="0" indent="0">
-              <a:buNone/>
+            <a:pPr>
+              <a:buFont typeface="Arial" panose="020B0604020202020204" pitchFamily="34" charset="0"/>
+              <a:buChar char="•"/>
             </a:pPr>
             <a:r>
               <a:rPr lang="en-US" dirty="0" smtClean="0"/>
-              <a:t>A Calvin runtime </a:t>
+              <a:t> A </a:t>
+            </a:r>
+            <a:r>
+              <a:rPr lang="en-US" dirty="0" smtClean="0"/>
+              <a:t>Calvin runtime </a:t>
             </a:r>
             <a:r>
               <a:rPr lang="en-US" dirty="0"/>
-              <a:t>is a self-managed container for application actors and </a:t>
-            </a:r>
-            <a:r>
-              <a:rPr lang="en-US" dirty="0" smtClean="0"/>
-              <a:t>provides </a:t>
+              <a:t>is a self-managed container for application </a:t>
+            </a:r>
+            <a:r>
+              <a:rPr lang="en-US" dirty="0" smtClean="0"/>
+              <a:t>actors</a:t>
+            </a:r>
+          </a:p>
+          <a:p>
+            <a:pPr>
+              <a:buFont typeface="Arial" panose="020B0604020202020204" pitchFamily="34" charset="0"/>
+              <a:buChar char="•"/>
+            </a:pPr>
+            <a:r>
+              <a:rPr lang="en-US" dirty="0" smtClean="0"/>
+              <a:t> P</a:t>
+            </a:r>
+            <a:r>
+              <a:rPr lang="en-US" dirty="0" smtClean="0"/>
+              <a:t>rovides </a:t>
             </a:r>
             <a:r>
               <a:rPr lang="en-US" dirty="0"/>
@@ -7222,34 +7318,73 @@
           <a:bodyPr/>
           <a:lstStyle/>
           <a:p>
-            <a:pPr marL="0" indent="0">
-              <a:buNone/>
+            <a:pPr>
+              <a:buFont typeface="Arial" panose="020B0604020202020204" pitchFamily="34" charset="0"/>
+              <a:buChar char="•"/>
             </a:pPr>
             <a:r>
               <a:rPr lang="en-US" dirty="0" smtClean="0"/>
-              <a:t>An actor in Calvin consists of ports, actions, and preconditions under which actions can fire.</a:t>
-            </a:r>
-          </a:p>
-          <a:p>
-            <a:pPr marL="0" indent="0">
-              <a:buNone/>
+              <a:t> An </a:t>
+            </a:r>
+            <a:r>
+              <a:rPr lang="en-US" dirty="0" smtClean="0"/>
+              <a:t>actor in Calvin consists of ports, actions, and preconditions under which actions can </a:t>
+            </a:r>
+            <a:r>
+              <a:rPr lang="en-US" dirty="0" smtClean="0"/>
+              <a:t>fire.</a:t>
+            </a:r>
+          </a:p>
+          <a:p>
+            <a:pPr>
+              <a:buFont typeface="Arial" panose="020B0604020202020204" pitchFamily="34" charset="0"/>
+              <a:buChar char="•"/>
             </a:pPr>
             <a:r>
-              <a:rPr lang="en-US" dirty="0" smtClean="0"/>
-              <a:t>For each in-port there is a queue of messages, called tokens, to process. Each out-port has a queue of tokens to send to another actors in-port.</a:t>
-            </a:r>
-          </a:p>
-          <a:p>
-            <a:pPr marL="0" indent="0">
-              <a:buNone/>
+              <a:rPr lang="en-US" dirty="0"/>
+              <a:t> </a:t>
+            </a:r>
+            <a:r>
+              <a:rPr lang="en-US" dirty="0" smtClean="0"/>
+              <a:t>For </a:t>
+            </a:r>
+            <a:r>
+              <a:rPr lang="en-US" dirty="0" smtClean="0"/>
+              <a:t>each in-port there is a queue of messages, called tokens, to process. Each out-port has a queue of tokens to send to another actors </a:t>
+            </a:r>
+            <a:r>
+              <a:rPr lang="en-US" dirty="0" smtClean="0"/>
+              <a:t>in-port.</a:t>
+            </a:r>
+          </a:p>
+          <a:p>
+            <a:pPr>
+              <a:buFont typeface="Arial" panose="020B0604020202020204" pitchFamily="34" charset="0"/>
+              <a:buChar char="•"/>
             </a:pPr>
             <a:r>
-              <a:rPr lang="en-US" dirty="0" smtClean="0"/>
-              <a:t>The state of an actor is used when migration or replicating an actor and consists mainly of</a:t>
-            </a:r>
-          </a:p>
-          <a:p>
-            <a:pPr>
+              <a:rPr lang="en-US" dirty="0"/>
+              <a:t> </a:t>
+            </a:r>
+            <a:r>
+              <a:rPr lang="en-US" dirty="0" smtClean="0"/>
+              <a:t>The </a:t>
+            </a:r>
+            <a:r>
+              <a:rPr lang="en-US" dirty="0" smtClean="0"/>
+              <a:t>state of an actor is used when </a:t>
+            </a:r>
+            <a:r>
+              <a:rPr lang="en-US" dirty="0" smtClean="0"/>
+              <a:t>migrating </a:t>
+            </a:r>
+            <a:r>
+              <a:rPr lang="en-US" dirty="0" smtClean="0"/>
+              <a:t>or replicating an actor and consists mainly of</a:t>
+            </a:r>
+          </a:p>
+          <a:p>
+            <a:pPr lvl="1">
               <a:buFont typeface="Arial" charset="0"/>
               <a:buChar char="•"/>
             </a:pPr>
@@ -7259,7 +7394,7 @@
             </a:r>
           </a:p>
           <a:p>
-            <a:pPr>
+            <a:pPr lvl="1">
               <a:buFont typeface="Arial" charset="0"/>
               <a:buChar char="•"/>
             </a:pPr>
@@ -7269,7 +7404,7 @@
             </a:r>
           </a:p>
           <a:p>
-            <a:pPr>
+            <a:pPr lvl="1">
               <a:buFont typeface="Arial" charset="0"/>
               <a:buChar char="•"/>
             </a:pPr>
@@ -7279,7 +7414,7 @@
             </a:r>
           </a:p>
           <a:p>
-            <a:pPr>
+            <a:pPr lvl="1">
               <a:buFont typeface="Arial" charset="0"/>
               <a:buChar char="•"/>
             </a:pPr>
@@ -7705,8 +7840,9 @@
             </a:pPr>
             <a:r>
               <a:rPr lang="en-US" dirty="0" smtClean="0"/>
-              <a:t>Replication</a:t>
-            </a:r>
+              <a:t> Replication</a:t>
+            </a:r>
+            <a:endParaRPr lang="en-US" dirty="0" smtClean="0"/>
           </a:p>
           <a:p>
             <a:pPr>
@@ -7715,15 +7851,15 @@
             </a:pPr>
             <a:r>
               <a:rPr lang="en-US" dirty="0" smtClean="0"/>
-              <a:t>Fan-in/fan-out model – allowing multiple connections for an </a:t>
+              <a:t> Fan-in/fan-out </a:t>
+            </a:r>
+            <a:r>
+              <a:rPr lang="en-US" dirty="0" smtClean="0"/>
+              <a:t>model – allowing multiple connections for an </a:t>
             </a:r>
             <a:r>
               <a:rPr lang="en-US" dirty="0" err="1" smtClean="0"/>
-              <a:t>in</a:t>
-            </a:r>
-            <a:r>
-              <a:rPr lang="en-US" dirty="0" err="1" smtClean="0"/>
-              <a:t>port</a:t>
+              <a:t>inport</a:t>
             </a:r>
             <a:endParaRPr lang="en-US" dirty="0" smtClean="0"/>
           </a:p>
@@ -7734,7 +7870,11 @@
             </a:pPr>
             <a:r>
               <a:rPr lang="en-US" dirty="0" smtClean="0"/>
-              <a:t>Heartbeat system setup by each runtime creating a Heartbeat actor</a:t>
+              <a:t> Heartbeat </a:t>
+            </a:r>
+            <a:r>
+              <a:rPr lang="en-US" dirty="0" smtClean="0"/>
+              <a:t>system setup by each runtime creating a Heartbeat actor</a:t>
             </a:r>
           </a:p>
           <a:p>
@@ -7744,11 +7884,7 @@
             </a:pPr>
             <a:r>
               <a:rPr lang="en-US" dirty="0" smtClean="0"/>
-              <a:t>Listens </a:t>
-            </a:r>
-            <a:r>
-              <a:rPr lang="en-US" dirty="0" smtClean="0"/>
-              <a:t>for heartbeats</a:t>
+              <a:t>Listens for heartbeats</a:t>
             </a:r>
           </a:p>
           <a:p>
@@ -7768,7 +7904,11 @@
             </a:pPr>
             <a:r>
               <a:rPr lang="en-US" dirty="0" smtClean="0"/>
-              <a:t>Resource reporter – reports CPU usage to the other runtimes</a:t>
+              <a:t> Resource </a:t>
+            </a:r>
+            <a:r>
+              <a:rPr lang="en-US" dirty="0" smtClean="0"/>
+              <a:t>reporter – reports CPU usage to the other runtimes</a:t>
             </a:r>
           </a:p>
           <a:p>
@@ -7778,7 +7918,11 @@
             </a:pPr>
             <a:r>
               <a:rPr lang="en-US" dirty="0" smtClean="0"/>
-              <a:t>Lost node handler – handles lost node</a:t>
+              <a:t> Lost </a:t>
+            </a:r>
+            <a:r>
+              <a:rPr lang="en-US" dirty="0" smtClean="0"/>
+              <a:t>node handler – handles lost node</a:t>
             </a:r>
           </a:p>
           <a:p>
@@ -7788,7 +7932,11 @@
             </a:pPr>
             <a:r>
               <a:rPr lang="en-US" dirty="0" smtClean="0"/>
-              <a:t>Replicator – replicates actors</a:t>
+              <a:t> Replicator </a:t>
+            </a:r>
+            <a:r>
+              <a:rPr lang="en-US" dirty="0" smtClean="0"/>
+              <a:t>– replicates actors</a:t>
             </a:r>
             <a:endParaRPr lang="en-US" dirty="0"/>
           </a:p>
@@ -7881,7 +8029,11 @@
             </a:pPr>
             <a:r>
               <a:rPr lang="en-US" dirty="0" smtClean="0"/>
-              <a:t>Reliability of applications of services in running in distributed environments</a:t>
+              <a:t> Reliability </a:t>
+            </a:r>
+            <a:r>
+              <a:rPr lang="en-US" dirty="0" smtClean="0"/>
+              <a:t>of applications of services in running in distributed environments</a:t>
             </a:r>
           </a:p>
           <a:p>
@@ -7891,7 +8043,11 @@
             </a:pPr>
             <a:r>
               <a:rPr lang="en-US" dirty="0" smtClean="0"/>
-              <a:t>Problems:</a:t>
+              <a:t> Problems</a:t>
+            </a:r>
+            <a:r>
+              <a:rPr lang="en-US" dirty="0" smtClean="0"/>
+              <a:t>:</a:t>
             </a:r>
           </a:p>
           <a:p>
@@ -8153,7 +8309,7 @@
             </a:pPr>
             <a:r>
               <a:rPr lang="en-US" dirty="0" smtClean="0"/>
-              <a:t>Intel(R</a:t>
+              <a:t> Intel(R</a:t>
             </a:r>
             <a:r>
               <a:rPr lang="en-US" dirty="0"/>
@@ -8171,7 +8327,7 @@
             </a:pPr>
             <a:r>
               <a:rPr lang="en-US" dirty="0" smtClean="0"/>
-              <a:t>24 </a:t>
+              <a:t> 24 </a:t>
             </a:r>
             <a:r>
               <a:rPr lang="en-US" dirty="0"/>
@@ -8189,7 +8345,7 @@
             </a:pPr>
             <a:r>
               <a:rPr lang="en-US" dirty="0" smtClean="0"/>
-              <a:t>Connected </a:t>
+              <a:t> Connected </a:t>
             </a:r>
             <a:r>
               <a:rPr lang="en-US" dirty="0"/>
@@ -8234,7 +8390,11 @@
             </a:pPr>
             <a:r>
               <a:rPr lang="en-US" dirty="0" smtClean="0"/>
-              <a:t>The average time </a:t>
+              <a:t> The </a:t>
+            </a:r>
+            <a:r>
+              <a:rPr lang="en-US" dirty="0" smtClean="0"/>
+              <a:t>average time </a:t>
             </a:r>
             <a:r>
               <a:rPr lang="en-US" i="1" dirty="0" smtClean="0"/>
@@ -8750,7 +8910,11 @@
             </a:pPr>
             <a:r>
               <a:rPr lang="en-US" dirty="0" smtClean="0"/>
-              <a:t>One Calvin runtime per server</a:t>
+              <a:t> One </a:t>
+            </a:r>
+            <a:r>
+              <a:rPr lang="en-US" dirty="0" smtClean="0"/>
+              <a:t>Calvin runtime per server</a:t>
             </a:r>
           </a:p>
           <a:p>
@@ -8760,7 +8924,11 @@
             </a:pPr>
             <a:r>
               <a:rPr lang="en-US" dirty="0" smtClean="0"/>
-              <a:t>MTBF for each runtime was 20 seconds</a:t>
+              <a:t> MTBF </a:t>
+            </a:r>
+            <a:r>
+              <a:rPr lang="en-US" dirty="0" smtClean="0"/>
+              <a:t>for each runtime was 20 seconds</a:t>
             </a:r>
           </a:p>
           <a:p>
@@ -8770,7 +8938,11 @@
             </a:pPr>
             <a:r>
               <a:rPr lang="en-US" dirty="0" smtClean="0"/>
-              <a:t>Required reliability: 0.98</a:t>
+              <a:t> Required </a:t>
+            </a:r>
+            <a:r>
+              <a:rPr lang="en-US" dirty="0" smtClean="0"/>
+              <a:t>reliability: 0.98</a:t>
             </a:r>
           </a:p>
           <a:p>
@@ -8780,7 +8952,7 @@
             </a:pPr>
             <a:r>
               <a:rPr lang="en-US" dirty="0" smtClean="0"/>
-              <a:t>Time </a:t>
+              <a:t> Time </a:t>
             </a:r>
             <a:r>
               <a:rPr lang="en-US" i="1" dirty="0" smtClean="0"/>
@@ -8803,7 +8975,11 @@
             </a:pPr>
             <a:r>
               <a:rPr lang="en-US" dirty="0" smtClean="0"/>
-              <a:t>Reliability of nodes: R(t) = e</a:t>
+              <a:t> Reliability </a:t>
+            </a:r>
+            <a:r>
+              <a:rPr lang="en-US" dirty="0" smtClean="0"/>
+              <a:t>of nodes: R(t) = e</a:t>
             </a:r>
             <a:r>
               <a:rPr lang="en-US" baseline="30000" dirty="0" smtClean="0"/>
@@ -9231,7 +9407,11 @@
             </a:pPr>
             <a:r>
               <a:rPr lang="en-US" dirty="0" smtClean="0"/>
-              <a:t>Two Calvin runtimes per server</a:t>
+              <a:t> Two </a:t>
+            </a:r>
+            <a:r>
+              <a:rPr lang="en-US" dirty="0" smtClean="0"/>
+              <a:t>Calvin runtimes per server</a:t>
             </a:r>
           </a:p>
           <a:p>
@@ -9241,7 +9421,11 @@
             </a:pPr>
             <a:r>
               <a:rPr lang="en-US" dirty="0" smtClean="0"/>
-              <a:t>MTBFs varied</a:t>
+              <a:t> MTBFs </a:t>
+            </a:r>
+            <a:r>
+              <a:rPr lang="en-US" dirty="0" smtClean="0"/>
+              <a:t>varied</a:t>
             </a:r>
           </a:p>
           <a:p>
@@ -9250,8 +9434,12 @@
               <a:buChar char="•"/>
             </a:pPr>
             <a:r>
+              <a:rPr lang="en-US" dirty="0" smtClean="0"/>
+              <a:t> Required </a:t>
+            </a:r>
+            <a:r>
               <a:rPr lang="en-US" dirty="0"/>
-              <a:t>Required reliability: </a:t>
+              <a:t>reliability: </a:t>
             </a:r>
             <a:r>
               <a:rPr lang="en-US" dirty="0" smtClean="0"/>
@@ -9265,7 +9453,7 @@
             </a:pPr>
             <a:r>
               <a:rPr lang="en-US" dirty="0" smtClean="0"/>
-              <a:t>Time </a:t>
+              <a:t> Time </a:t>
             </a:r>
             <a:r>
               <a:rPr lang="en-US" i="1" dirty="0" smtClean="0"/>
@@ -11200,7 +11388,11 @@
             </a:pPr>
             <a:r>
               <a:rPr lang="en-US" dirty="0" smtClean="0"/>
-              <a:t>Reliability of</a:t>
+              <a:t> Reliability </a:t>
+            </a:r>
+            <a:r>
+              <a:rPr lang="en-US" dirty="0" smtClean="0"/>
+              <a:t>of</a:t>
             </a:r>
           </a:p>
           <a:p>
@@ -11237,7 +11429,11 @@
             </a:pPr>
             <a:r>
               <a:rPr lang="en-US" dirty="0" smtClean="0"/>
-              <a:t>Our definition</a:t>
+              <a:t> Our </a:t>
+            </a:r>
+            <a:r>
+              <a:rPr lang="en-US" dirty="0" smtClean="0"/>
+              <a:t>definition</a:t>
             </a:r>
           </a:p>
           <a:p>
@@ -11617,7 +11813,11 @@
             </a:pPr>
             <a:r>
               <a:rPr lang="en-US" dirty="0" smtClean="0"/>
-              <a:t>One Calvin runtime per server</a:t>
+              <a:t> One </a:t>
+            </a:r>
+            <a:r>
+              <a:rPr lang="en-US" dirty="0" smtClean="0"/>
+              <a:t>Calvin runtime per server</a:t>
             </a:r>
           </a:p>
           <a:p>
@@ -11627,7 +11827,11 @@
             </a:pPr>
             <a:r>
               <a:rPr lang="en-US" dirty="0" smtClean="0"/>
-              <a:t>Three stable, </a:t>
+              <a:t> Three </a:t>
+            </a:r>
+            <a:r>
+              <a:rPr lang="en-US" dirty="0" smtClean="0"/>
+              <a:t>stable, </a:t>
             </a:r>
             <a:r>
               <a:rPr lang="en-US" i="1" dirty="0" smtClean="0"/>
@@ -11717,8 +11921,12 @@
               <a:buChar char="•"/>
             </a:pPr>
             <a:r>
+              <a:rPr lang="en-US" dirty="0" smtClean="0"/>
+              <a:t> Required </a:t>
+            </a:r>
+            <a:r>
               <a:rPr lang="en-US" dirty="0"/>
-              <a:t>Required reliability: </a:t>
+              <a:t>reliability: </a:t>
             </a:r>
             <a:r>
               <a:rPr lang="en-US" dirty="0" smtClean="0"/>
@@ -11732,7 +11940,7 @@
             </a:pPr>
             <a:r>
               <a:rPr lang="en-US" dirty="0" smtClean="0"/>
-              <a:t>Time </a:t>
+              <a:t> Time </a:t>
             </a:r>
             <a:r>
               <a:rPr lang="en-US" i="1" dirty="0" smtClean="0"/>
@@ -11755,7 +11963,11 @@
             </a:pPr>
             <a:r>
               <a:rPr lang="en-US" dirty="0" smtClean="0"/>
-              <a:t>Reliability of nodes:</a:t>
+              <a:t> Reliability </a:t>
+            </a:r>
+            <a:r>
+              <a:rPr lang="en-US" dirty="0" smtClean="0"/>
+              <a:t>of nodes:</a:t>
             </a:r>
             <a:endParaRPr lang="en-US" dirty="0"/>
           </a:p>
@@ -12025,7 +12237,11 @@
             </a:pPr>
             <a:r>
               <a:rPr lang="en-US" dirty="0" smtClean="0"/>
-              <a:t>Reliability:</a:t>
+              <a:t> Reliability</a:t>
+            </a:r>
+            <a:r>
+              <a:rPr lang="en-US" dirty="0" smtClean="0"/>
+              <a:t>:</a:t>
             </a:r>
             <a:endParaRPr lang="en-US" dirty="0"/>
           </a:p>
@@ -13178,7 +13394,11 @@
             </a:pPr>
             <a:r>
               <a:rPr lang="en-US" dirty="0" smtClean="0"/>
-              <a:t>Two Calvin runtimes per server</a:t>
+              <a:t> Two </a:t>
+            </a:r>
+            <a:r>
+              <a:rPr lang="en-US" dirty="0" smtClean="0"/>
+              <a:t>Calvin runtimes per server</a:t>
             </a:r>
           </a:p>
           <a:p>
@@ -13188,7 +13408,7 @@
             </a:pPr>
             <a:r>
               <a:rPr lang="en-US" dirty="0" smtClean="0"/>
-              <a:t>Required </a:t>
+              <a:t> Required </a:t>
             </a:r>
             <a:r>
               <a:rPr lang="en-US" dirty="0"/>
@@ -13206,7 +13426,7 @@
             </a:pPr>
             <a:r>
               <a:rPr lang="en-US" dirty="0" smtClean="0"/>
-              <a:t>Time </a:t>
+              <a:t> Time </a:t>
             </a:r>
             <a:r>
               <a:rPr lang="en-US" i="1" dirty="0" smtClean="0"/>
@@ -13229,7 +13449,11 @@
             </a:pPr>
             <a:r>
               <a:rPr lang="en-US" dirty="0" smtClean="0"/>
-              <a:t>Killing nodes:</a:t>
+              <a:t> Killing </a:t>
+            </a:r>
+            <a:r>
+              <a:rPr lang="en-US" dirty="0" smtClean="0"/>
+              <a:t>nodes:</a:t>
             </a:r>
             <a:endParaRPr lang="en-US" dirty="0"/>
           </a:p>
@@ -13346,7 +13570,11 @@
             </a:pPr>
             <a:r>
               <a:rPr lang="en-US" dirty="0" smtClean="0"/>
-              <a:t>MTBF is based on latest 3 values</a:t>
+              <a:t>  MTBF </a:t>
+            </a:r>
+            <a:r>
+              <a:rPr lang="en-US" dirty="0" smtClean="0"/>
+              <a:t>is based on latest 3 values</a:t>
             </a:r>
             <a:endParaRPr lang="en-US" dirty="0"/>
           </a:p>
@@ -13457,13 +13685,21 @@
           <a:bodyPr/>
           <a:lstStyle/>
           <a:p>
-            <a:pPr marL="457200" indent="-457200">
-              <a:buFont typeface="+mj-lt"/>
-              <a:buAutoNum type="arabicPeriod"/>
+            <a:pPr>
+              <a:buFont typeface="Arial" charset="0"/>
+              <a:buChar char="•"/>
             </a:pPr>
             <a:r>
               <a:rPr lang="en-US" dirty="0" smtClean="0"/>
-              <a:t>Most assume constant failure rates, as well as same failure rates for all nodes</a:t>
+              <a:t> </a:t>
+            </a:r>
+            <a:r>
+              <a:rPr lang="en-US" dirty="0"/>
+              <a:t>Most </a:t>
+            </a:r>
+            <a:r>
+              <a:rPr lang="en-US" dirty="0" smtClean="0"/>
+              <a:t>assume constant failure rates, as well as same failure rates for all nodes</a:t>
             </a:r>
             <a:endParaRPr lang="en-US" dirty="0"/>
           </a:p>
@@ -13639,7 +13875,11 @@
             </a:pPr>
             <a:r>
               <a:rPr lang="en-US" dirty="0" smtClean="0"/>
-              <a:t>Two runtimes, and one actor with one outgoing port. </a:t>
+              <a:t> Two </a:t>
+            </a:r>
+            <a:r>
+              <a:rPr lang="en-US" dirty="0" smtClean="0"/>
+              <a:t>runtimes, and one actor with one outgoing port. </a:t>
             </a:r>
           </a:p>
           <a:p>
@@ -13649,8 +13889,25 @@
             </a:pPr>
             <a:r>
               <a:rPr lang="en-US" dirty="0" smtClean="0"/>
-              <a:t>The size of the actor state was measured, as well as the time to replicate the actor from one runtime to the other was measured. </a:t>
-            </a:r>
+              <a:t> The </a:t>
+            </a:r>
+            <a:r>
+              <a:rPr lang="en-US" dirty="0" smtClean="0"/>
+              <a:t>size of the actor state was measured, as well as the time to replicate the actor from one </a:t>
+            </a:r>
+            <a:r>
+              <a:rPr lang="en-US" dirty="0" smtClean="0"/>
+              <a:t>runtime </a:t>
+            </a:r>
+            <a:r>
+              <a:rPr lang="en-US" dirty="0" smtClean="0"/>
+              <a:t>to </a:t>
+            </a:r>
+            <a:r>
+              <a:rPr lang="en-US" dirty="0" smtClean="0"/>
+              <a:t>another. </a:t>
+            </a:r>
+            <a:endParaRPr lang="en-US" dirty="0" smtClean="0"/>
           </a:p>
           <a:p>
             <a:pPr>
@@ -13659,8 +13916,66 @@
             </a:pPr>
             <a:r>
               <a:rPr lang="en-US" dirty="0" smtClean="0"/>
-              <a:t>The state was increased by increasing the size of the actors port queue.</a:t>
-            </a:r>
+              <a:t> The </a:t>
+            </a:r>
+            <a:r>
+              <a:rPr lang="en-US" dirty="0" smtClean="0"/>
+              <a:t>state was increased by increasing the size of the actors port queue</a:t>
+            </a:r>
+            <a:r>
+              <a:rPr lang="en-US" dirty="0" smtClean="0"/>
+              <a:t>.</a:t>
+            </a:r>
+          </a:p>
+          <a:p>
+            <a:pPr>
+              <a:buFont typeface="Arial" charset="0"/>
+              <a:buChar char="•"/>
+            </a:pPr>
+            <a:r>
+              <a:rPr lang="en-US" dirty="0" smtClean="0"/>
+              <a:t> Laptop specifications:</a:t>
+            </a:r>
+          </a:p>
+          <a:p>
+            <a:pPr lvl="1">
+              <a:buFont typeface="Arial" charset="0"/>
+              <a:buChar char="•"/>
+            </a:pPr>
+            <a:r>
+              <a:rPr lang="en-US" dirty="0" smtClean="0"/>
+              <a:t>Intel i</a:t>
+            </a:r>
+            <a:r>
+              <a:rPr lang="en-US" dirty="0" smtClean="0"/>
+              <a:t>5, 2.3 GHz</a:t>
+            </a:r>
+          </a:p>
+          <a:p>
+            <a:pPr lvl="1">
+              <a:buFont typeface="Arial" charset="0"/>
+              <a:buChar char="•"/>
+            </a:pPr>
+            <a:r>
+              <a:rPr lang="en-US" dirty="0" smtClean="0"/>
+              <a:t>4 GB 1333 MHz RAM </a:t>
+            </a:r>
+          </a:p>
+          <a:p>
+            <a:pPr lvl="1">
+              <a:buFont typeface="Arial" charset="0"/>
+              <a:buChar char="•"/>
+            </a:pPr>
+            <a:r>
+              <a:rPr lang="en-US" dirty="0" smtClean="0"/>
+              <a:t>SSD drive</a:t>
+            </a:r>
+          </a:p>
+          <a:p>
+            <a:pPr lvl="1">
+              <a:buFont typeface="Arial" charset="0"/>
+              <a:buChar char="•"/>
+            </a:pPr>
             <a:endParaRPr lang="en-US" dirty="0"/>
           </a:p>
         </p:txBody>
@@ -13918,7 +14233,7 @@
           <a:bodyPr/>
           <a:lstStyle/>
           <a:p>
-            <a:pPr marL="0" indent="0">
+            <a:pPr>
               <a:lnSpc>
                 <a:spcPct val="100000"/>
               </a:lnSpc>
@@ -13928,21 +14243,13 @@
               <a:spcAft>
                 <a:spcPts val="0"/>
               </a:spcAft>
-              <a:buClrTx/>
               <a:buSzTx/>
-              <a:buNone/>
+              <a:buFont typeface="Arial" panose="020B0604020202020204" pitchFamily="34" charset="0"/>
+              <a:buChar char="•"/>
             </a:pPr>
             <a:r>
               <a:rPr lang="en-US" dirty="0" smtClean="0"/>
-              <a:t>We assume </a:t>
-            </a:r>
-            <a:r>
-              <a:rPr lang="en-US" dirty="0" smtClean="0"/>
-              <a:t>an interconnected </a:t>
-            </a:r>
-            <a:r>
-              <a:rPr lang="en-US" dirty="0" smtClean="0"/>
-              <a:t>set of computing resources (nodes), providing redundant paths and interconnectivity between all nodes.</a:t>
+              <a:t> We assume an interconnected set of computing resources (nodes), providing redundant paths and interconnectivity between all nodes. </a:t>
             </a:r>
           </a:p>
           <a:p>
@@ -13951,8 +14258,12 @@
               <a:buChar char="•"/>
             </a:pPr>
             <a:r>
+              <a:rPr lang="en-US" dirty="0" smtClean="0"/>
+              <a:t> All </a:t>
+            </a:r>
+            <a:r>
               <a:rPr lang="en-US" dirty="0"/>
-              <a:t>All nodes are within the same cluster</a:t>
+              <a:t>nodes are within the same cluster</a:t>
             </a:r>
           </a:p>
           <a:p>
@@ -14098,11 +14409,12 @@
             </a:r>
             <a:r>
               <a:rPr lang="en-US" dirty="0" smtClean="0"/>
-              <a:t>assumption</a:t>
-            </a:r>
-          </a:p>
-          <a:p>
-            <a:pPr lvl="0">
+              <a:t>assumptions:</a:t>
+            </a:r>
+            <a:endParaRPr lang="en-US" dirty="0" smtClean="0"/>
+          </a:p>
+          <a:p>
+            <a:pPr lvl="1">
               <a:buFont typeface="Arial" charset="0"/>
               <a:buChar char="•"/>
             </a:pPr>
@@ -14112,7 +14424,7 @@
             </a:r>
           </a:p>
           <a:p>
-            <a:pPr lvl="0">
+            <a:pPr lvl="1">
               <a:buFont typeface="Arial" charset="0"/>
               <a:buChar char="•"/>
             </a:pPr>
@@ -14134,7 +14446,7 @@
             </a:r>
           </a:p>
           <a:p>
-            <a:pPr lvl="0">
+            <a:pPr lvl="1">
               <a:buFont typeface="Arial" charset="0"/>
               <a:buChar char="•"/>
             </a:pPr>
@@ -14144,7 +14456,7 @@
             </a:r>
           </a:p>
           <a:p>
-            <a:pPr lvl="0">
+            <a:pPr lvl="1">
               <a:buFont typeface="Arial" charset="0"/>
               <a:buChar char="•"/>
             </a:pPr>
@@ -14215,8 +14527,8 @@
           </a:p>
         </p:txBody>
       </p:sp>
-      <mc:AlternateContent xmlns:mc="http://schemas.openxmlformats.org/markup-compatibility/2006" xmlns:a14="http://schemas.microsoft.com/office/drawing/2010/main">
-        <mc:Choice Requires="a14">
+      <mc:AlternateContent xmlns:mc="http://schemas.openxmlformats.org/markup-compatibility/2006">
+        <mc:Choice xmlns:a14="http://schemas.microsoft.com/office/drawing/2010/main" Requires="a14">
           <p:sp>
             <p:nvSpPr>
               <p:cNvPr id="3" name="Content Placeholder 2"/>
@@ -14253,8 +14565,12 @@
                   <a:buNone/>
                 </a:pPr>
                 <a:r>
+                  <a:rPr lang="en-US" dirty="0"/>
+                  <a:t>w</a:t>
+                </a:r>
+                <a:r>
                   <a:rPr lang="en-US" dirty="0" smtClean="0"/>
-                  <a:t>Where </a:t>
+                  <a:t>here </a:t>
                 </a:r>
                 <a14:m>
                   <m:oMath xmlns:m="http://schemas.openxmlformats.org/officeDocument/2006/math">
@@ -14336,7 +14652,7 @@
             </p:txBody>
           </p:sp>
         </mc:Choice>
-        <mc:Fallback xmlns="">
+        <mc:Fallback>
           <p:sp>
             <p:nvSpPr>
               <p:cNvPr id="3" name="Content Placeholder 2"/>
@@ -14360,7 +14676,7 @@
               <a:lstStyle/>
               <a:p>
                 <a:r>
-                  <a:rPr lang="en-US">
+                  <a:rPr lang="sv-SE">
                     <a:noFill/>
                   </a:rPr>
                   <a:t> </a:t>

--- a/presentation/presentation.pptx
+++ b/presentation/presentation.pptx
@@ -58,6 +58,7 @@
     <p:sldId id="279" r:id="rId52"/>
     <p:sldId id="280" r:id="rId53"/>
     <p:sldId id="281" r:id="rId54"/>
+    <p:sldId id="324" r:id="rId55"/>
   </p:sldIdLst>
   <p:sldSz cx="12192000" cy="6858000"/>
   <p:notesSz cx="6858000" cy="9144000"/>
@@ -4394,11 +4395,7 @@
             </a:pPr>
             <a:r>
               <a:rPr lang="en-US" dirty="0" smtClean="0"/>
-              <a:t> Failures </a:t>
-            </a:r>
-            <a:r>
-              <a:rPr lang="en-US" dirty="0" smtClean="0"/>
-              <a:t>will happen</a:t>
+              <a:t> Failures will happen</a:t>
             </a:r>
           </a:p>
           <a:p>
@@ -4408,11 +4405,7 @@
             </a:pPr>
             <a:r>
               <a:rPr lang="en-US" dirty="0" smtClean="0"/>
-              <a:t> Failures </a:t>
-            </a:r>
-            <a:r>
-              <a:rPr lang="en-US" dirty="0" smtClean="0"/>
-              <a:t>must be detected and new replicas be created to fulfill the desired reliability</a:t>
+              <a:t> Failures must be detected and new replicas be created to fulfill the desired reliability</a:t>
             </a:r>
           </a:p>
           <a:p>
@@ -4422,11 +4415,7 @@
             </a:pPr>
             <a:r>
               <a:rPr lang="en-US" dirty="0" smtClean="0"/>
-              <a:t> In </a:t>
-            </a:r>
-            <a:r>
-              <a:rPr lang="en-US" dirty="0" smtClean="0"/>
-              <a:t>order to create a new replica, at least one existing replica must be alive during the time it takes to replicate it</a:t>
+              <a:t> In order to create a new replica, at least one existing replica must be alive during the time it takes to replicate it</a:t>
             </a:r>
           </a:p>
           <a:p>
@@ -4436,11 +4425,7 @@
             </a:pPr>
             <a:r>
               <a:rPr lang="en-US" dirty="0" smtClean="0"/>
-              <a:t> The </a:t>
-            </a:r>
-            <a:r>
-              <a:rPr lang="en-US" dirty="0" smtClean="0"/>
-              <a:t>reliability can therefore be expressed as </a:t>
+              <a:t> The reliability can therefore be expressed as </a:t>
             </a:r>
             <a:r>
               <a:rPr lang="en-US" i="1" dirty="0"/>
@@ -4452,15 +4437,7 @@
             </a:r>
             <a:r>
               <a:rPr lang="is-IS" i="1" dirty="0" smtClean="0"/>
-              <a:t>running during a </a:t>
-            </a:r>
-            <a:r>
-              <a:rPr lang="is-IS" i="1" dirty="0" smtClean="0"/>
-              <a:t>time </a:t>
-            </a:r>
-            <a:r>
-              <a:rPr lang="is-IS" i="1" dirty="0" smtClean="0"/>
-              <a:t>t...”</a:t>
+              <a:t>running during a time t...”</a:t>
             </a:r>
             <a:r>
               <a:rPr lang="is-IS" dirty="0" smtClean="0"/>
@@ -4486,11 +4463,7 @@
             </a:pPr>
             <a:r>
               <a:rPr lang="is-IS" dirty="0" smtClean="0"/>
-              <a:t> The </a:t>
-            </a:r>
-            <a:r>
-              <a:rPr lang="is-IS" dirty="0" smtClean="0"/>
-              <a:t>time </a:t>
+              <a:t> The time </a:t>
             </a:r>
             <a:r>
               <a:rPr lang="is-IS" i="1" dirty="0" smtClean="0"/>
@@ -5253,11 +5226,7 @@
             </a:pPr>
             <a:r>
               <a:rPr lang="en-US" dirty="0" smtClean="0"/>
-              <a:t>Create </a:t>
-            </a:r>
-            <a:r>
-              <a:rPr lang="en-US" dirty="0" smtClean="0"/>
-              <a:t>enough replicas to reach the required reliability</a:t>
+              <a:t>Create enough replicas to reach the required reliability</a:t>
             </a:r>
           </a:p>
           <a:p>
@@ -5267,13 +5236,8 @@
             </a:pPr>
             <a:r>
               <a:rPr lang="en-US" dirty="0" smtClean="0"/>
-              <a:t>Detect failures and create new replicas if </a:t>
-            </a:r>
-            <a:r>
-              <a:rPr lang="en-US" dirty="0" smtClean="0"/>
-              <a:t>needed</a:t>
-            </a:r>
-            <a:endParaRPr lang="en-US" dirty="0" smtClean="0"/>
+              <a:t>Detect failures and create new replicas if needed</a:t>
+            </a:r>
           </a:p>
           <a:p>
             <a:pPr lvl="1">
@@ -5610,11 +5574,7 @@
             </a:pPr>
             <a:r>
               <a:rPr lang="en-US" dirty="0" smtClean="0"/>
-              <a:t>Heartbeats </a:t>
-            </a:r>
-            <a:r>
-              <a:rPr lang="en-US" dirty="0" smtClean="0"/>
-              <a:t>are periodically sent between runtimes. If no heartbeat from a node is received within 500 </a:t>
+              <a:t>Heartbeats are periodically sent between runtimes. If no heartbeat from a node is received within 500 </a:t>
             </a:r>
             <a:r>
               <a:rPr lang="en-US" dirty="0" err="1" smtClean="0"/>
@@ -5622,11 +5582,7 @@
             </a:r>
             <a:r>
               <a:rPr lang="en-US" dirty="0" smtClean="0"/>
-              <a:t>, it is assumed </a:t>
-            </a:r>
-            <a:r>
-              <a:rPr lang="en-US" dirty="0" smtClean="0"/>
-              <a:t>dead.</a:t>
+              <a:t>, it is assumed dead.</a:t>
             </a:r>
           </a:p>
           <a:p>
@@ -5647,11 +5603,7 @@
             </a:pPr>
             <a:r>
               <a:rPr lang="en-US" dirty="0" smtClean="0"/>
-              <a:t>Frequency</a:t>
-            </a:r>
-            <a:r>
-              <a:rPr lang="en-US" dirty="0" smtClean="0"/>
-              <a:t>: 200 </a:t>
+              <a:t>Frequency: 200 </a:t>
             </a:r>
             <a:r>
               <a:rPr lang="en-US" dirty="0" err="1" smtClean="0"/>
@@ -5677,11 +5629,7 @@
             </a:pPr>
             <a:r>
               <a:rPr lang="en-US" dirty="0" smtClean="0"/>
-              <a:t>Timeout</a:t>
-            </a:r>
-            <a:r>
-              <a:rPr lang="en-US" dirty="0" smtClean="0"/>
-              <a:t>: 500 </a:t>
+              <a:t>Timeout: 500 </a:t>
             </a:r>
             <a:r>
               <a:rPr lang="en-US" dirty="0" err="1" smtClean="0"/>
@@ -6120,19 +6068,7 @@
             </a:pPr>
             <a:r>
               <a:rPr lang="en-US" dirty="0" smtClean="0"/>
-              <a:t>If </a:t>
-            </a:r>
-            <a:r>
-              <a:rPr lang="en-US" dirty="0" smtClean="0"/>
-              <a:t>no </a:t>
-            </a:r>
-            <a:r>
-              <a:rPr lang="en-US" dirty="0" smtClean="0"/>
-              <a:t>reply is received - start over at </a:t>
-            </a:r>
-            <a:r>
-              <a:rPr lang="en-US" dirty="0" smtClean="0"/>
-              <a:t>1</a:t>
+              <a:t>If no reply is received - start over at 1</a:t>
             </a:r>
           </a:p>
           <a:p>
@@ -6146,11 +6082,7 @@
             </a:r>
             <a:r>
               <a:rPr lang="en-US" dirty="0" smtClean="0"/>
-              <a:t>f </a:t>
-            </a:r>
-            <a:r>
-              <a:rPr lang="en-US" dirty="0" smtClean="0"/>
-              <a:t>reply – we’re done</a:t>
+              <a:t>f reply – we’re done</a:t>
             </a:r>
           </a:p>
           <a:p>
@@ -7036,11 +6968,7 @@
             </a:pPr>
             <a:r>
               <a:rPr lang="en-US" dirty="0" smtClean="0"/>
-              <a:t> Calvin </a:t>
-            </a:r>
-            <a:r>
-              <a:rPr lang="en-US" dirty="0" smtClean="0"/>
-              <a:t>is an actor-based application environment for light-weight </a:t>
+              <a:t> Calvin is an actor-based application environment for light-weight </a:t>
             </a:r>
             <a:r>
               <a:rPr lang="en-US" dirty="0" err="1" smtClean="0"/>
@@ -7050,7 +6978,6 @@
               <a:rPr lang="en-US" dirty="0" smtClean="0"/>
               <a:t> applications. Its key components are </a:t>
             </a:r>
-            <a:endParaRPr lang="en-US" dirty="0" smtClean="0"/>
           </a:p>
           <a:p>
             <a:pPr lvl="1">
@@ -7097,11 +7024,7 @@
             </a:pPr>
             <a:r>
               <a:rPr lang="en-US" dirty="0" smtClean="0"/>
-              <a:t>and </a:t>
-            </a:r>
-            <a:r>
-              <a:rPr lang="en-US" dirty="0" smtClean="0"/>
-              <a:t>the use of </a:t>
+              <a:t>and the use of </a:t>
             </a:r>
             <a:r>
               <a:rPr lang="en-US" dirty="0" err="1" smtClean="0"/>
@@ -7195,11 +7118,7 @@
             </a:pPr>
             <a:r>
               <a:rPr lang="en-US" dirty="0" smtClean="0"/>
-              <a:t> A </a:t>
-            </a:r>
-            <a:r>
-              <a:rPr lang="en-US" dirty="0" smtClean="0"/>
-              <a:t>Calvin runtime </a:t>
+              <a:t> A Calvin runtime </a:t>
             </a:r>
             <a:r>
               <a:rPr lang="en-US" dirty="0"/>
@@ -7217,11 +7136,7 @@
             </a:pPr>
             <a:r>
               <a:rPr lang="en-US" dirty="0" smtClean="0"/>
-              <a:t> P</a:t>
-            </a:r>
-            <a:r>
-              <a:rPr lang="en-US" dirty="0" smtClean="0"/>
-              <a:t>rovides </a:t>
+              <a:t> Provides </a:t>
             </a:r>
             <a:r>
               <a:rPr lang="en-US" dirty="0"/>
@@ -7324,15 +7239,7 @@
             </a:pPr>
             <a:r>
               <a:rPr lang="en-US" dirty="0" smtClean="0"/>
-              <a:t> An </a:t>
-            </a:r>
-            <a:r>
-              <a:rPr lang="en-US" dirty="0" smtClean="0"/>
-              <a:t>actor in Calvin consists of ports, actions, and preconditions under which actions can </a:t>
-            </a:r>
-            <a:r>
-              <a:rPr lang="en-US" dirty="0" smtClean="0"/>
-              <a:t>fire.</a:t>
+              <a:t> An actor in Calvin consists of ports, actions, and preconditions under which actions can fire.</a:t>
             </a:r>
           </a:p>
           <a:p>
@@ -7346,15 +7253,7 @@
             </a:r>
             <a:r>
               <a:rPr lang="en-US" dirty="0" smtClean="0"/>
-              <a:t>For </a:t>
-            </a:r>
-            <a:r>
-              <a:rPr lang="en-US" dirty="0" smtClean="0"/>
-              <a:t>each in-port there is a queue of messages, called tokens, to process. Each out-port has a queue of tokens to send to another actors </a:t>
-            </a:r>
-            <a:r>
-              <a:rPr lang="en-US" dirty="0" smtClean="0"/>
-              <a:t>in-port.</a:t>
+              <a:t>For each in-port there is a queue of messages, called tokens, to process. Each out-port has a queue of tokens to send to another actors in-port.</a:t>
             </a:r>
           </a:p>
           <a:p>
@@ -7368,19 +7267,7 @@
             </a:r>
             <a:r>
               <a:rPr lang="en-US" dirty="0" smtClean="0"/>
-              <a:t>The </a:t>
-            </a:r>
-            <a:r>
-              <a:rPr lang="en-US" dirty="0" smtClean="0"/>
-              <a:t>state of an actor is used when </a:t>
-            </a:r>
-            <a:r>
-              <a:rPr lang="en-US" dirty="0" smtClean="0"/>
-              <a:t>migrating </a:t>
-            </a:r>
-            <a:r>
-              <a:rPr lang="en-US" dirty="0" smtClean="0"/>
-              <a:t>or replicating an actor and consists mainly of</a:t>
+              <a:t>The state of an actor is used when migrating or replicating an actor and consists mainly of</a:t>
             </a:r>
           </a:p>
           <a:p>
@@ -7842,7 +7729,6 @@
               <a:rPr lang="en-US" dirty="0" smtClean="0"/>
               <a:t> Replication</a:t>
             </a:r>
-            <a:endParaRPr lang="en-US" dirty="0" smtClean="0"/>
           </a:p>
           <a:p>
             <a:pPr>
@@ -7851,11 +7737,7 @@
             </a:pPr>
             <a:r>
               <a:rPr lang="en-US" dirty="0" smtClean="0"/>
-              <a:t> Fan-in/fan-out </a:t>
-            </a:r>
-            <a:r>
-              <a:rPr lang="en-US" dirty="0" smtClean="0"/>
-              <a:t>model – allowing multiple connections for an </a:t>
+              <a:t> Fan-in/fan-out model – allowing multiple connections for an </a:t>
             </a:r>
             <a:r>
               <a:rPr lang="en-US" dirty="0" err="1" smtClean="0"/>
@@ -7870,11 +7752,7 @@
             </a:pPr>
             <a:r>
               <a:rPr lang="en-US" dirty="0" smtClean="0"/>
-              <a:t> Heartbeat </a:t>
-            </a:r>
-            <a:r>
-              <a:rPr lang="en-US" dirty="0" smtClean="0"/>
-              <a:t>system setup by each runtime creating a Heartbeat actor</a:t>
+              <a:t> Heartbeat system setup by each runtime creating a Heartbeat actor</a:t>
             </a:r>
           </a:p>
           <a:p>
@@ -7904,11 +7782,7 @@
             </a:pPr>
             <a:r>
               <a:rPr lang="en-US" dirty="0" smtClean="0"/>
-              <a:t> Resource </a:t>
-            </a:r>
-            <a:r>
-              <a:rPr lang="en-US" dirty="0" smtClean="0"/>
-              <a:t>reporter – reports CPU usage to the other runtimes</a:t>
+              <a:t> Resource reporter – reports CPU usage to the other runtimes</a:t>
             </a:r>
           </a:p>
           <a:p>
@@ -7918,11 +7792,7 @@
             </a:pPr>
             <a:r>
               <a:rPr lang="en-US" dirty="0" smtClean="0"/>
-              <a:t> Lost </a:t>
-            </a:r>
-            <a:r>
-              <a:rPr lang="en-US" dirty="0" smtClean="0"/>
-              <a:t>node handler – handles lost node</a:t>
+              <a:t> Lost node handler – handles lost node</a:t>
             </a:r>
           </a:p>
           <a:p>
@@ -7932,11 +7802,7 @@
             </a:pPr>
             <a:r>
               <a:rPr lang="en-US" dirty="0" smtClean="0"/>
-              <a:t> Replicator </a:t>
-            </a:r>
-            <a:r>
-              <a:rPr lang="en-US" dirty="0" smtClean="0"/>
-              <a:t>– replicates actors</a:t>
+              <a:t> Replicator – replicates actors</a:t>
             </a:r>
             <a:endParaRPr lang="en-US" dirty="0"/>
           </a:p>
@@ -8029,11 +7895,7 @@
             </a:pPr>
             <a:r>
               <a:rPr lang="en-US" dirty="0" smtClean="0"/>
-              <a:t> Reliability </a:t>
-            </a:r>
-            <a:r>
-              <a:rPr lang="en-US" dirty="0" smtClean="0"/>
-              <a:t>of applications of services in running in distributed environments</a:t>
+              <a:t> Reliability of applications of services in running in distributed environments</a:t>
             </a:r>
           </a:p>
           <a:p>
@@ -8043,11 +7905,7 @@
             </a:pPr>
             <a:r>
               <a:rPr lang="en-US" dirty="0" smtClean="0"/>
-              <a:t> Problems</a:t>
-            </a:r>
-            <a:r>
-              <a:rPr lang="en-US" dirty="0" smtClean="0"/>
-              <a:t>:</a:t>
+              <a:t> Problems:</a:t>
             </a:r>
           </a:p>
           <a:p>
@@ -8390,11 +8248,7 @@
             </a:pPr>
             <a:r>
               <a:rPr lang="en-US" dirty="0" smtClean="0"/>
-              <a:t> The </a:t>
-            </a:r>
-            <a:r>
-              <a:rPr lang="en-US" dirty="0" smtClean="0"/>
-              <a:t>average time </a:t>
+              <a:t> The average time </a:t>
             </a:r>
             <a:r>
               <a:rPr lang="en-US" i="1" dirty="0" smtClean="0"/>
@@ -8910,11 +8764,7 @@
             </a:pPr>
             <a:r>
               <a:rPr lang="en-US" dirty="0" smtClean="0"/>
-              <a:t> One </a:t>
-            </a:r>
-            <a:r>
-              <a:rPr lang="en-US" dirty="0" smtClean="0"/>
-              <a:t>Calvin runtime per server</a:t>
+              <a:t> One Calvin runtime per server</a:t>
             </a:r>
           </a:p>
           <a:p>
@@ -8924,11 +8774,7 @@
             </a:pPr>
             <a:r>
               <a:rPr lang="en-US" dirty="0" smtClean="0"/>
-              <a:t> MTBF </a:t>
-            </a:r>
-            <a:r>
-              <a:rPr lang="en-US" dirty="0" smtClean="0"/>
-              <a:t>for each runtime was 20 seconds</a:t>
+              <a:t> MTBF for each runtime was 20 seconds</a:t>
             </a:r>
           </a:p>
           <a:p>
@@ -8938,11 +8784,7 @@
             </a:pPr>
             <a:r>
               <a:rPr lang="en-US" dirty="0" smtClean="0"/>
-              <a:t> Required </a:t>
-            </a:r>
-            <a:r>
-              <a:rPr lang="en-US" dirty="0" smtClean="0"/>
-              <a:t>reliability: 0.98</a:t>
+              <a:t> Required reliability: 0.98</a:t>
             </a:r>
           </a:p>
           <a:p>
@@ -8975,11 +8817,7 @@
             </a:pPr>
             <a:r>
               <a:rPr lang="en-US" dirty="0" smtClean="0"/>
-              <a:t> Reliability </a:t>
-            </a:r>
-            <a:r>
-              <a:rPr lang="en-US" dirty="0" smtClean="0"/>
-              <a:t>of nodes: R(t) = e</a:t>
+              <a:t> Reliability of nodes: R(t) = e</a:t>
             </a:r>
             <a:r>
               <a:rPr lang="en-US" baseline="30000" dirty="0" smtClean="0"/>
@@ -9407,11 +9245,7 @@
             </a:pPr>
             <a:r>
               <a:rPr lang="en-US" dirty="0" smtClean="0"/>
-              <a:t> Two </a:t>
-            </a:r>
-            <a:r>
-              <a:rPr lang="en-US" dirty="0" smtClean="0"/>
-              <a:t>Calvin runtimes per server</a:t>
+              <a:t> Two Calvin runtimes per server</a:t>
             </a:r>
           </a:p>
           <a:p>
@@ -9421,11 +9255,7 @@
             </a:pPr>
             <a:r>
               <a:rPr lang="en-US" dirty="0" smtClean="0"/>
-              <a:t> MTBFs </a:t>
-            </a:r>
-            <a:r>
-              <a:rPr lang="en-US" dirty="0" smtClean="0"/>
-              <a:t>varied</a:t>
+              <a:t> MTBFs varied</a:t>
             </a:r>
           </a:p>
           <a:p>
@@ -11388,11 +11218,7 @@
             </a:pPr>
             <a:r>
               <a:rPr lang="en-US" dirty="0" smtClean="0"/>
-              <a:t> Reliability </a:t>
-            </a:r>
-            <a:r>
-              <a:rPr lang="en-US" dirty="0" smtClean="0"/>
-              <a:t>of</a:t>
+              <a:t> Reliability of</a:t>
             </a:r>
           </a:p>
           <a:p>
@@ -11429,11 +11255,7 @@
             </a:pPr>
             <a:r>
               <a:rPr lang="en-US" dirty="0" smtClean="0"/>
-              <a:t> Our </a:t>
-            </a:r>
-            <a:r>
-              <a:rPr lang="en-US" dirty="0" smtClean="0"/>
-              <a:t>definition</a:t>
+              <a:t> Our definition</a:t>
             </a:r>
           </a:p>
           <a:p>
@@ -11813,11 +11635,7 @@
             </a:pPr>
             <a:r>
               <a:rPr lang="en-US" dirty="0" smtClean="0"/>
-              <a:t> One </a:t>
-            </a:r>
-            <a:r>
-              <a:rPr lang="en-US" dirty="0" smtClean="0"/>
-              <a:t>Calvin runtime per server</a:t>
+              <a:t> One Calvin runtime per server</a:t>
             </a:r>
           </a:p>
           <a:p>
@@ -11827,11 +11645,7 @@
             </a:pPr>
             <a:r>
               <a:rPr lang="en-US" dirty="0" smtClean="0"/>
-              <a:t> Three </a:t>
-            </a:r>
-            <a:r>
-              <a:rPr lang="en-US" dirty="0" smtClean="0"/>
-              <a:t>stable, </a:t>
+              <a:t> Three stable, </a:t>
             </a:r>
             <a:r>
               <a:rPr lang="en-US" i="1" dirty="0" smtClean="0"/>
@@ -11963,11 +11777,7 @@
             </a:pPr>
             <a:r>
               <a:rPr lang="en-US" dirty="0" smtClean="0"/>
-              <a:t> Reliability </a:t>
-            </a:r>
-            <a:r>
-              <a:rPr lang="en-US" dirty="0" smtClean="0"/>
-              <a:t>of nodes:</a:t>
+              <a:t> Reliability of nodes:</a:t>
             </a:r>
             <a:endParaRPr lang="en-US" dirty="0"/>
           </a:p>
@@ -12237,11 +12047,7 @@
             </a:pPr>
             <a:r>
               <a:rPr lang="en-US" dirty="0" smtClean="0"/>
-              <a:t> Reliability</a:t>
-            </a:r>
-            <a:r>
-              <a:rPr lang="en-US" dirty="0" smtClean="0"/>
-              <a:t>:</a:t>
+              <a:t> Reliability:</a:t>
             </a:r>
             <a:endParaRPr lang="en-US" dirty="0"/>
           </a:p>
@@ -13394,11 +13200,7 @@
             </a:pPr>
             <a:r>
               <a:rPr lang="en-US" dirty="0" smtClean="0"/>
-              <a:t> Two </a:t>
-            </a:r>
-            <a:r>
-              <a:rPr lang="en-US" dirty="0" smtClean="0"/>
-              <a:t>Calvin runtimes per server</a:t>
+              <a:t> Two Calvin runtimes per server</a:t>
             </a:r>
           </a:p>
           <a:p>
@@ -13449,11 +13251,7 @@
             </a:pPr>
             <a:r>
               <a:rPr lang="en-US" dirty="0" smtClean="0"/>
-              <a:t> Killing </a:t>
-            </a:r>
-            <a:r>
-              <a:rPr lang="en-US" dirty="0" smtClean="0"/>
-              <a:t>nodes:</a:t>
+              <a:t> Killing nodes:</a:t>
             </a:r>
             <a:endParaRPr lang="en-US" dirty="0"/>
           </a:p>
@@ -13570,11 +13368,7 @@
             </a:pPr>
             <a:r>
               <a:rPr lang="en-US" dirty="0" smtClean="0"/>
-              <a:t>  MTBF </a:t>
-            </a:r>
-            <a:r>
-              <a:rPr lang="en-US" dirty="0" smtClean="0"/>
-              <a:t>is based on latest 3 values</a:t>
+              <a:t>  MTBF is based on latest 3 values</a:t>
             </a:r>
             <a:endParaRPr lang="en-US" dirty="0"/>
           </a:p>
@@ -13875,11 +13669,7 @@
             </a:pPr>
             <a:r>
               <a:rPr lang="en-US" dirty="0" smtClean="0"/>
-              <a:t> Two </a:t>
-            </a:r>
-            <a:r>
-              <a:rPr lang="en-US" dirty="0" smtClean="0"/>
-              <a:t>runtimes, and one actor with one outgoing port. </a:t>
+              <a:t> Two runtimes, and one actor with one outgoing port. </a:t>
             </a:r>
           </a:p>
           <a:p>
@@ -13889,25 +13679,8 @@
             </a:pPr>
             <a:r>
               <a:rPr lang="en-US" dirty="0" smtClean="0"/>
-              <a:t> The </a:t>
-            </a:r>
-            <a:r>
-              <a:rPr lang="en-US" dirty="0" smtClean="0"/>
-              <a:t>size of the actor state was measured, as well as the time to replicate the actor from one </a:t>
-            </a:r>
-            <a:r>
-              <a:rPr lang="en-US" dirty="0" smtClean="0"/>
-              <a:t>runtime </a:t>
-            </a:r>
-            <a:r>
-              <a:rPr lang="en-US" dirty="0" smtClean="0"/>
-              <a:t>to </a:t>
-            </a:r>
-            <a:r>
-              <a:rPr lang="en-US" dirty="0" smtClean="0"/>
-              <a:t>another. </a:t>
-            </a:r>
-            <a:endParaRPr lang="en-US" dirty="0" smtClean="0"/>
+              <a:t> The size of the actor state was measured, as well as the time to replicate the actor from one runtime to another. </a:t>
+            </a:r>
           </a:p>
           <a:p>
             <a:pPr>
@@ -13916,15 +13689,7 @@
             </a:pPr>
             <a:r>
               <a:rPr lang="en-US" dirty="0" smtClean="0"/>
-              <a:t> The </a:t>
-            </a:r>
-            <a:r>
-              <a:rPr lang="en-US" dirty="0" smtClean="0"/>
-              <a:t>state was increased by increasing the size of the actors port queue</a:t>
-            </a:r>
-            <a:r>
-              <a:rPr lang="en-US" dirty="0" smtClean="0"/>
-              <a:t>.</a:t>
+              <a:t> The state was increased by increasing the size of the actors port queue.</a:t>
             </a:r>
           </a:p>
           <a:p>
@@ -13944,11 +13709,7 @@
             </a:pPr>
             <a:r>
               <a:rPr lang="en-US" dirty="0" smtClean="0"/>
-              <a:t>Intel i</a:t>
-            </a:r>
-            <a:r>
-              <a:rPr lang="en-US" dirty="0" smtClean="0"/>
-              <a:t>5, 2.3 GHz</a:t>
+              <a:t>Intel i5, 2.3 GHz</a:t>
             </a:r>
           </a:p>
           <a:p>
@@ -14175,6 +13936,184 @@
       </p:par>
     </p:tnLst>
   </p:timing>
+</p:sld>
+</file>
+
+<file path=ppt/slides/slide54.xml><?xml version="1.0" encoding="utf-8"?>
+<p:sld xmlns:a="http://schemas.openxmlformats.org/drawingml/2006/main" xmlns:r="http://schemas.openxmlformats.org/officeDocument/2006/relationships" xmlns:p="http://schemas.openxmlformats.org/presentationml/2006/main">
+  <p:cSld>
+    <p:spTree>
+      <p:nvGrpSpPr>
+        <p:cNvPr id="1" name=""/>
+        <p:cNvGrpSpPr/>
+        <p:nvPr/>
+      </p:nvGrpSpPr>
+      <p:grpSpPr>
+        <a:xfrm>
+          <a:off x="0" y="0"/>
+          <a:ext cx="0" cy="0"/>
+          <a:chOff x="0" y="0"/>
+          <a:chExt cx="0" cy="0"/>
+        </a:xfrm>
+      </p:grpSpPr>
+      <p:sp>
+        <p:nvSpPr>
+          <p:cNvPr id="2" name="Rubrik 1"/>
+          <p:cNvSpPr>
+            <a:spLocks noGrp="1"/>
+          </p:cNvSpPr>
+          <p:nvPr>
+            <p:ph type="title"/>
+          </p:nvPr>
+        </p:nvSpPr>
+        <p:spPr/>
+        <p:txBody>
+          <a:bodyPr/>
+          <a:lstStyle/>
+          <a:p>
+            <a:r>
+              <a:rPr lang="en-US" dirty="0" smtClean="0"/>
+              <a:t>Future</a:t>
+            </a:r>
+            <a:r>
+              <a:rPr lang="sv-SE" dirty="0" smtClean="0"/>
+              <a:t> </a:t>
+            </a:r>
+            <a:r>
+              <a:rPr lang="en-US" dirty="0" smtClean="0"/>
+              <a:t>work</a:t>
+            </a:r>
+            <a:endParaRPr lang="en-US" dirty="0"/>
+          </a:p>
+        </p:txBody>
+      </p:sp>
+      <p:sp>
+        <p:nvSpPr>
+          <p:cNvPr id="3" name="Platshållare för innehåll 2"/>
+          <p:cNvSpPr>
+            <a:spLocks noGrp="1"/>
+          </p:cNvSpPr>
+          <p:nvPr>
+            <p:ph idx="1"/>
+          </p:nvPr>
+        </p:nvSpPr>
+        <p:spPr/>
+        <p:txBody>
+          <a:bodyPr/>
+          <a:lstStyle/>
+          <a:p>
+            <a:pPr>
+              <a:buFont typeface="Arial" panose="020B0604020202020204" pitchFamily="34" charset="0"/>
+              <a:buChar char="•"/>
+            </a:pPr>
+            <a:r>
+              <a:rPr lang="sv-SE" dirty="0" smtClean="0"/>
+              <a:t> The </a:t>
+            </a:r>
+            <a:r>
+              <a:rPr lang="en-US" dirty="0" smtClean="0"/>
+              <a:t>reliability</a:t>
+            </a:r>
+            <a:r>
+              <a:rPr lang="sv-SE" dirty="0" smtClean="0"/>
+              <a:t> </a:t>
+            </a:r>
+            <a:r>
+              <a:rPr lang="en-US" dirty="0" smtClean="0"/>
+              <a:t>model</a:t>
+            </a:r>
+            <a:r>
+              <a:rPr lang="sv-SE" dirty="0" smtClean="0"/>
+              <a:t> is </a:t>
+            </a:r>
+            <a:r>
+              <a:rPr lang="en-US" dirty="0" smtClean="0"/>
+              <a:t>exchangeable. It can be extended through:</a:t>
+            </a:r>
+          </a:p>
+          <a:p>
+            <a:pPr lvl="1">
+              <a:buFont typeface="Arial" panose="020B0604020202020204" pitchFamily="34" charset="0"/>
+              <a:buChar char="•"/>
+            </a:pPr>
+            <a:r>
+              <a:rPr lang="en-US" dirty="0" smtClean="0"/>
+              <a:t>Adding more parameter, e.g. considering link failures</a:t>
+            </a:r>
+          </a:p>
+          <a:p>
+            <a:pPr lvl="1">
+              <a:buFont typeface="Arial" panose="020B0604020202020204" pitchFamily="34" charset="0"/>
+              <a:buChar char="•"/>
+            </a:pPr>
+            <a:r>
+              <a:rPr lang="en-US" dirty="0" smtClean="0"/>
+              <a:t>Applying machine learning</a:t>
+            </a:r>
+          </a:p>
+          <a:p>
+            <a:pPr>
+              <a:buFont typeface="Arial" panose="020B0604020202020204" pitchFamily="34" charset="0"/>
+              <a:buChar char="•"/>
+            </a:pPr>
+            <a:r>
+              <a:rPr lang="en-US" dirty="0" smtClean="0"/>
+              <a:t> The scheduling can be extended by</a:t>
+            </a:r>
+          </a:p>
+          <a:p>
+            <a:pPr lvl="1">
+              <a:buFont typeface="Arial" panose="020B0604020202020204" pitchFamily="34" charset="0"/>
+              <a:buChar char="•"/>
+            </a:pPr>
+            <a:r>
+              <a:rPr lang="en-US" dirty="0" smtClean="0"/>
+              <a:t>Not placing replicas in the same physical location, e.g. in the same rack.</a:t>
+            </a:r>
+          </a:p>
+          <a:p>
+            <a:pPr lvl="1">
+              <a:buFont typeface="Arial" panose="020B0604020202020204" pitchFamily="34" charset="0"/>
+              <a:buChar char="•"/>
+            </a:pPr>
+            <a:r>
+              <a:rPr lang="en-US" dirty="0" smtClean="0"/>
+              <a:t>Include nodes´ load and resources in the scheduling</a:t>
+            </a:r>
+          </a:p>
+          <a:p>
+            <a:pPr>
+              <a:buFont typeface="Arial" panose="020B0604020202020204" pitchFamily="34" charset="0"/>
+              <a:buChar char="•"/>
+            </a:pPr>
+            <a:r>
+              <a:rPr lang="sv-SE" dirty="0"/>
+              <a:t> </a:t>
+            </a:r>
+            <a:r>
+              <a:rPr lang="en-US" dirty="0" smtClean="0"/>
+              <a:t>Adding a consensus algorithm</a:t>
+            </a:r>
+          </a:p>
+          <a:p>
+            <a:pPr lvl="1">
+              <a:buFont typeface="Arial" panose="020B0604020202020204" pitchFamily="34" charset="0"/>
+              <a:buChar char="•"/>
+            </a:pPr>
+            <a:endParaRPr lang="en-US" dirty="0" smtClean="0"/>
+          </a:p>
+        </p:txBody>
+      </p:sp>
+    </p:spTree>
+    <p:extLst>
+      <p:ext uri="{BB962C8B-B14F-4D97-AF65-F5344CB8AC3E}">
+        <p14:creationId xmlns:p14="http://schemas.microsoft.com/office/powerpoint/2010/main" val="2715388920"/>
+      </p:ext>
+    </p:extLst>
+  </p:cSld>
+  <p:clrMapOvr>
+    <a:masterClrMapping/>
+  </p:clrMapOvr>
 </p:sld>
 </file>
 
@@ -14411,7 +14350,6 @@
               <a:rPr lang="en-US" dirty="0" smtClean="0"/>
               <a:t>assumptions:</a:t>
             </a:r>
-            <a:endParaRPr lang="en-US" dirty="0" smtClean="0"/>
           </a:p>
           <a:p>
             <a:pPr lvl="1">
@@ -14527,8 +14465,8 @@
           </a:p>
         </p:txBody>
       </p:sp>
-      <mc:AlternateContent xmlns:mc="http://schemas.openxmlformats.org/markup-compatibility/2006">
-        <mc:Choice xmlns:a14="http://schemas.microsoft.com/office/drawing/2010/main" Requires="a14">
+      <mc:AlternateContent xmlns:mc="http://schemas.openxmlformats.org/markup-compatibility/2006" xmlns:a14="http://schemas.microsoft.com/office/drawing/2010/main">
+        <mc:Choice Requires="a14">
           <p:sp>
             <p:nvSpPr>
               <p:cNvPr id="3" name="Content Placeholder 2"/>
@@ -14652,7 +14590,7 @@
             </p:txBody>
           </p:sp>
         </mc:Choice>
-        <mc:Fallback>
+        <mc:Fallback xmlns="">
           <p:sp>
             <p:nvSpPr>
               <p:cNvPr id="3" name="Content Placeholder 2"/>

--- a/presentation/presentation.pptx
+++ b/presentation/presentation.pptx
@@ -59,6 +59,10 @@
     <p:sldId id="280" r:id="rId53"/>
     <p:sldId id="281" r:id="rId54"/>
     <p:sldId id="324" r:id="rId55"/>
+    <p:sldId id="325" r:id="rId56"/>
+    <p:sldId id="326" r:id="rId57"/>
+    <p:sldId id="327" r:id="rId58"/>
+    <p:sldId id="328" r:id="rId59"/>
   </p:sldIdLst>
   <p:sldSz cx="12192000" cy="6858000"/>
   <p:notesSz cx="6858000" cy="9144000"/>
@@ -10021,7 +10025,11 @@
             </a:r>
             <a:r>
               <a:rPr lang="en-US" dirty="0" smtClean="0"/>
-              <a:t>replicas cont’d.</a:t>
+              <a:t>replicas </a:t>
+            </a:r>
+            <a:r>
+              <a:rPr lang="en-US" dirty="0" smtClean="0"/>
+              <a:t>cont’d.</a:t>
             </a:r>
             <a:endParaRPr lang="en-US" dirty="0"/>
           </a:p>
@@ -14057,8 +14065,16 @@
               <a:buChar char="•"/>
             </a:pPr>
             <a:r>
-              <a:rPr lang="en-US" dirty="0" smtClean="0"/>
-              <a:t> The scheduling can be extended by</a:t>
+              <a:rPr lang="sv-SE" dirty="0"/>
+              <a:t> </a:t>
+            </a:r>
+            <a:r>
+              <a:rPr lang="en-US" dirty="0"/>
+              <a:t>Adding a consensus </a:t>
+            </a:r>
+            <a:r>
+              <a:rPr lang="en-US" dirty="0" smtClean="0"/>
+              <a:t>algorithm</a:t>
             </a:r>
           </a:p>
           <a:p>
@@ -14068,7 +14084,22 @@
             </a:pPr>
             <a:r>
               <a:rPr lang="en-US" dirty="0" smtClean="0"/>
-              <a:t>Not placing replicas in the same physical location, e.g. in the same rack.</a:t>
+              <a:t>Detect nodes producing the wrong result</a:t>
+            </a:r>
+            <a:endParaRPr lang="en-US" dirty="0"/>
+          </a:p>
+          <a:p>
+            <a:pPr>
+              <a:buFont typeface="Arial" panose="020B0604020202020204" pitchFamily="34" charset="0"/>
+              <a:buChar char="•"/>
+            </a:pPr>
+            <a:r>
+              <a:rPr lang="en-US" dirty="0" smtClean="0"/>
+              <a:t> </a:t>
+            </a:r>
+            <a:r>
+              <a:rPr lang="en-US" dirty="0" smtClean="0"/>
+              <a:t>The scheduling can be extended by</a:t>
             </a:r>
           </a:p>
           <a:p>
@@ -14078,21 +14109,105 @@
             </a:pPr>
             <a:r>
               <a:rPr lang="en-US" dirty="0" smtClean="0"/>
-              <a:t>Include nodes´ load and resources in the scheduling</a:t>
-            </a:r>
-          </a:p>
+              <a:t>Not placing replicas in the same physical location, e.g. in the same rack.</a:t>
+            </a:r>
+          </a:p>
+          <a:p>
+            <a:pPr lvl="1">
+              <a:buFont typeface="Arial" panose="020B0604020202020204" pitchFamily="34" charset="0"/>
+              <a:buChar char="•"/>
+            </a:pPr>
+            <a:r>
+              <a:rPr lang="en-US" dirty="0" smtClean="0"/>
+              <a:t>Include nodes´ load and resources in the </a:t>
+            </a:r>
+            <a:r>
+              <a:rPr lang="en-US" dirty="0" smtClean="0"/>
+              <a:t>scheduling</a:t>
+            </a:r>
+            <a:endParaRPr lang="en-US" dirty="0" smtClean="0"/>
+          </a:p>
+        </p:txBody>
+      </p:sp>
+    </p:spTree>
+    <p:extLst>
+      <p:ext uri="{BB962C8B-B14F-4D97-AF65-F5344CB8AC3E}">
+        <p14:creationId xmlns:p14="http://schemas.microsoft.com/office/powerpoint/2010/main" val="2715388920"/>
+      </p:ext>
+    </p:extLst>
+  </p:cSld>
+  <p:clrMapOvr>
+    <a:masterClrMapping/>
+  </p:clrMapOvr>
+</p:sld>
+</file>
+
+<file path=ppt/slides/slide55.xml><?xml version="1.0" encoding="utf-8"?>
+<p:sld xmlns:a="http://schemas.openxmlformats.org/drawingml/2006/main" xmlns:r="http://schemas.openxmlformats.org/officeDocument/2006/relationships" xmlns:p="http://schemas.openxmlformats.org/presentationml/2006/main">
+  <p:cSld>
+    <p:spTree>
+      <p:nvGrpSpPr>
+        <p:cNvPr id="1" name=""/>
+        <p:cNvGrpSpPr/>
+        <p:nvPr/>
+      </p:nvGrpSpPr>
+      <p:grpSpPr>
+        <a:xfrm>
+          <a:off x="0" y="0"/>
+          <a:ext cx="0" cy="0"/>
+          <a:chOff x="0" y="0"/>
+          <a:chExt cx="0" cy="0"/>
+        </a:xfrm>
+      </p:grpSpPr>
+      <p:sp>
+        <p:nvSpPr>
+          <p:cNvPr id="2" name="Rubrik 1"/>
+          <p:cNvSpPr>
+            <a:spLocks noGrp="1"/>
+          </p:cNvSpPr>
+          <p:nvPr>
+            <p:ph type="title"/>
+          </p:nvPr>
+        </p:nvSpPr>
+        <p:spPr/>
+        <p:txBody>
+          <a:bodyPr/>
+          <a:lstStyle/>
+          <a:p>
+            <a:r>
+              <a:rPr lang="en-US" dirty="0"/>
+              <a:t>Considering load in the </a:t>
+            </a:r>
+            <a:r>
+              <a:rPr lang="en-US" dirty="0" smtClean="0"/>
+              <a:t>scheduling</a:t>
+            </a:r>
+            <a:endParaRPr lang="en-US" dirty="0"/>
+          </a:p>
+        </p:txBody>
+      </p:sp>
+      <p:sp>
+        <p:nvSpPr>
+          <p:cNvPr id="3" name="Platshållare för innehåll 2"/>
+          <p:cNvSpPr>
+            <a:spLocks noGrp="1"/>
+          </p:cNvSpPr>
+          <p:nvPr>
+            <p:ph idx="1"/>
+          </p:nvPr>
+        </p:nvSpPr>
+        <p:spPr/>
+        <p:txBody>
+          <a:bodyPr/>
+          <a:lstStyle/>
           <a:p>
             <a:pPr>
               <a:buFont typeface="Arial" panose="020B0604020202020204" pitchFamily="34" charset="0"/>
               <a:buChar char="•"/>
             </a:pPr>
             <a:r>
-              <a:rPr lang="sv-SE" dirty="0"/>
-              <a:t> </a:t>
-            </a:r>
-            <a:r>
-              <a:rPr lang="en-US" dirty="0" smtClean="0"/>
-              <a:t>Adding a consensus algorithm</a:t>
+              <a:rPr lang="en-US" dirty="0" smtClean="0"/>
+              <a:t> We made an experiment where we had </a:t>
             </a:r>
           </a:p>
           <a:p>
@@ -14100,14 +14215,368 @@
               <a:buFont typeface="Arial" panose="020B0604020202020204" pitchFamily="34" charset="0"/>
               <a:buChar char="•"/>
             </a:pPr>
-            <a:endParaRPr lang="en-US" dirty="0" smtClean="0"/>
+            <a:r>
+              <a:rPr lang="en-US" dirty="0" smtClean="0"/>
+              <a:t>2 reliable nodes (MTBF = 40 s) and </a:t>
+            </a:r>
+          </a:p>
+          <a:p>
+            <a:pPr lvl="1">
+              <a:buFont typeface="Arial" panose="020B0604020202020204" pitchFamily="34" charset="0"/>
+              <a:buChar char="•"/>
+            </a:pPr>
+            <a:r>
+              <a:rPr lang="en-US" dirty="0" smtClean="0"/>
+              <a:t>3 less reliable nodes (MTBF = 10 s). </a:t>
+            </a:r>
+          </a:p>
+          <a:p>
+            <a:pPr>
+              <a:buFont typeface="Arial" panose="020B0604020202020204" pitchFamily="34" charset="0"/>
+              <a:buChar char="•"/>
+            </a:pPr>
+            <a:r>
+              <a:rPr lang="en-US" dirty="0" smtClean="0"/>
+              <a:t> First all nodes had a low load, then we increased the load on one of the more reliable nodes and later decreased it again.</a:t>
+            </a:r>
+          </a:p>
+          <a:p>
+            <a:pPr>
+              <a:buFont typeface="Arial" panose="020B0604020202020204" pitchFamily="34" charset="0"/>
+              <a:buChar char="•"/>
+            </a:pPr>
+            <a:r>
+              <a:rPr lang="en-US" dirty="0" smtClean="0"/>
+              <a:t> We added a condition in the scheduling algorithm</a:t>
+            </a:r>
+          </a:p>
+          <a:p>
+            <a:pPr lvl="1">
+              <a:buFont typeface="Arial" panose="020B0604020202020204" pitchFamily="34" charset="0"/>
+              <a:buChar char="•"/>
+            </a:pPr>
+            <a:r>
+              <a:rPr lang="en-US" dirty="0" smtClean="0"/>
+              <a:t>If load &gt; MAX_PREFERRED_LOAD then place the task on another node if possible</a:t>
+            </a:r>
+            <a:endParaRPr lang="en-US" dirty="0"/>
           </a:p>
         </p:txBody>
       </p:sp>
     </p:spTree>
     <p:extLst>
       <p:ext uri="{BB962C8B-B14F-4D97-AF65-F5344CB8AC3E}">
-        <p14:creationId xmlns:p14="http://schemas.microsoft.com/office/powerpoint/2010/main" val="2715388920"/>
+        <p14:creationId xmlns:p14="http://schemas.microsoft.com/office/powerpoint/2010/main" val="2029672156"/>
+      </p:ext>
+    </p:extLst>
+  </p:cSld>
+  <p:clrMapOvr>
+    <a:masterClrMapping/>
+  </p:clrMapOvr>
+</p:sld>
+</file>
+
+<file path=ppt/slides/slide56.xml><?xml version="1.0" encoding="utf-8"?>
+<p:sld xmlns:a="http://schemas.openxmlformats.org/drawingml/2006/main" xmlns:r="http://schemas.openxmlformats.org/officeDocument/2006/relationships" xmlns:p="http://schemas.openxmlformats.org/presentationml/2006/main">
+  <p:cSld>
+    <p:spTree>
+      <p:nvGrpSpPr>
+        <p:cNvPr id="1" name=""/>
+        <p:cNvGrpSpPr/>
+        <p:nvPr/>
+      </p:nvGrpSpPr>
+      <p:grpSpPr>
+        <a:xfrm>
+          <a:off x="0" y="0"/>
+          <a:ext cx="0" cy="0"/>
+          <a:chOff x="0" y="0"/>
+          <a:chExt cx="0" cy="0"/>
+        </a:xfrm>
+      </p:grpSpPr>
+      <p:sp>
+        <p:nvSpPr>
+          <p:cNvPr id="2" name="Rubrik 1"/>
+          <p:cNvSpPr>
+            <a:spLocks noGrp="1"/>
+          </p:cNvSpPr>
+          <p:nvPr>
+            <p:ph type="title"/>
+          </p:nvPr>
+        </p:nvSpPr>
+        <p:spPr/>
+        <p:txBody>
+          <a:bodyPr/>
+          <a:lstStyle/>
+          <a:p>
+            <a:r>
+              <a:rPr lang="en-US" dirty="0"/>
+              <a:t>Considering load in the </a:t>
+            </a:r>
+            <a:r>
+              <a:rPr lang="en-US" dirty="0" smtClean="0"/>
+              <a:t>scheduling, </a:t>
+            </a:r>
+            <a:r>
+              <a:rPr lang="en-US" dirty="0"/>
+              <a:t>cont’d.</a:t>
+            </a:r>
+            <a:endParaRPr lang="sv-SE" dirty="0"/>
+          </a:p>
+        </p:txBody>
+      </p:sp>
+      <p:sp>
+        <p:nvSpPr>
+          <p:cNvPr id="7" name="Platshållare för innehåll 6"/>
+          <p:cNvSpPr>
+            <a:spLocks noGrp="1"/>
+          </p:cNvSpPr>
+          <p:nvPr>
+            <p:ph idx="1"/>
+          </p:nvPr>
+        </p:nvSpPr>
+        <p:spPr/>
+        <p:txBody>
+          <a:bodyPr/>
+          <a:lstStyle/>
+          <a:p>
+            <a:r>
+              <a:rPr lang="sv-SE" dirty="0" smtClean="0"/>
+              <a:t>[bild över </a:t>
+            </a:r>
+            <a:r>
+              <a:rPr lang="sv-SE" dirty="0" err="1" smtClean="0"/>
+              <a:t>usage</a:t>
+            </a:r>
+            <a:r>
+              <a:rPr lang="sv-SE" dirty="0" smtClean="0"/>
+              <a:t>]</a:t>
+            </a:r>
+            <a:endParaRPr lang="sv-SE" dirty="0"/>
+          </a:p>
+        </p:txBody>
+      </p:sp>
+    </p:spTree>
+    <p:extLst>
+      <p:ext uri="{BB962C8B-B14F-4D97-AF65-F5344CB8AC3E}">
+        <p14:creationId xmlns:p14="http://schemas.microsoft.com/office/powerpoint/2010/main" val="4206540287"/>
+      </p:ext>
+    </p:extLst>
+  </p:cSld>
+  <p:clrMapOvr>
+    <a:masterClrMapping/>
+  </p:clrMapOvr>
+  <p:timing>
+    <p:tnLst>
+      <p:par>
+        <p:cTn id="1" dur="indefinite" restart="never" nodeType="tmRoot"/>
+      </p:par>
+    </p:tnLst>
+  </p:timing>
+</p:sld>
+</file>
+
+<file path=ppt/slides/slide57.xml><?xml version="1.0" encoding="utf-8"?>
+<p:sld xmlns:a="http://schemas.openxmlformats.org/drawingml/2006/main" xmlns:r="http://schemas.openxmlformats.org/officeDocument/2006/relationships" xmlns:p="http://schemas.openxmlformats.org/presentationml/2006/main">
+  <p:cSld>
+    <p:spTree>
+      <p:nvGrpSpPr>
+        <p:cNvPr id="1" name=""/>
+        <p:cNvGrpSpPr/>
+        <p:nvPr/>
+      </p:nvGrpSpPr>
+      <p:grpSpPr>
+        <a:xfrm>
+          <a:off x="0" y="0"/>
+          <a:ext cx="0" cy="0"/>
+          <a:chOff x="0" y="0"/>
+          <a:chExt cx="0" cy="0"/>
+        </a:xfrm>
+      </p:grpSpPr>
+      <p:sp>
+        <p:nvSpPr>
+          <p:cNvPr id="2" name="Rubrik 1"/>
+          <p:cNvSpPr>
+            <a:spLocks noGrp="1"/>
+          </p:cNvSpPr>
+          <p:nvPr>
+            <p:ph type="title"/>
+          </p:nvPr>
+        </p:nvSpPr>
+        <p:spPr/>
+        <p:txBody>
+          <a:bodyPr/>
+          <a:lstStyle/>
+          <a:p>
+            <a:r>
+              <a:rPr lang="en-US" dirty="0"/>
+              <a:t>Considering load in the </a:t>
+            </a:r>
+            <a:r>
+              <a:rPr lang="en-US" dirty="0" smtClean="0"/>
+              <a:t>scheduling, </a:t>
+            </a:r>
+            <a:r>
+              <a:rPr lang="en-US" dirty="0"/>
+              <a:t>cont’d.</a:t>
+            </a:r>
+            <a:endParaRPr lang="sv-SE" dirty="0"/>
+          </a:p>
+        </p:txBody>
+      </p:sp>
+      <p:sp>
+        <p:nvSpPr>
+          <p:cNvPr id="7" name="Platshållare för innehåll 6"/>
+          <p:cNvSpPr>
+            <a:spLocks noGrp="1"/>
+          </p:cNvSpPr>
+          <p:nvPr>
+            <p:ph idx="1"/>
+          </p:nvPr>
+        </p:nvSpPr>
+        <p:spPr/>
+        <p:txBody>
+          <a:bodyPr/>
+          <a:lstStyle/>
+          <a:p>
+            <a:r>
+              <a:rPr lang="sv-SE" dirty="0" smtClean="0"/>
+              <a:t>[Bild över </a:t>
+            </a:r>
+            <a:r>
+              <a:rPr lang="sv-SE" dirty="0" err="1" smtClean="0"/>
+              <a:t>loaded</a:t>
+            </a:r>
+            <a:r>
+              <a:rPr lang="sv-SE" dirty="0" smtClean="0"/>
+              <a:t> </a:t>
+            </a:r>
+            <a:r>
+              <a:rPr lang="sv-SE" dirty="0" err="1" smtClean="0"/>
+              <a:t>nodes</a:t>
+            </a:r>
+            <a:r>
+              <a:rPr lang="sv-SE" dirty="0" smtClean="0"/>
+              <a:t>]</a:t>
+            </a:r>
+          </a:p>
+          <a:p>
+            <a:endParaRPr lang="sv-SE" dirty="0"/>
+          </a:p>
+        </p:txBody>
+      </p:sp>
+    </p:spTree>
+    <p:extLst>
+      <p:ext uri="{BB962C8B-B14F-4D97-AF65-F5344CB8AC3E}">
+        <p14:creationId xmlns:p14="http://schemas.microsoft.com/office/powerpoint/2010/main" val="3246933606"/>
+      </p:ext>
+    </p:extLst>
+  </p:cSld>
+  <p:clrMapOvr>
+    <a:masterClrMapping/>
+  </p:clrMapOvr>
+  <p:timing>
+    <p:tnLst>
+      <p:par>
+        <p:cTn id="1" dur="indefinite" restart="never" nodeType="tmRoot"/>
+      </p:par>
+    </p:tnLst>
+  </p:timing>
+</p:sld>
+</file>
+
+<file path=ppt/slides/slide58.xml><?xml version="1.0" encoding="utf-8"?>
+<p:sld xmlns:a="http://schemas.openxmlformats.org/drawingml/2006/main" xmlns:r="http://schemas.openxmlformats.org/officeDocument/2006/relationships" xmlns:p="http://schemas.openxmlformats.org/presentationml/2006/main">
+  <p:cSld>
+    <p:spTree>
+      <p:nvGrpSpPr>
+        <p:cNvPr id="1" name=""/>
+        <p:cNvGrpSpPr/>
+        <p:nvPr/>
+      </p:nvGrpSpPr>
+      <p:grpSpPr>
+        <a:xfrm>
+          <a:off x="0" y="0"/>
+          <a:ext cx="0" cy="0"/>
+          <a:chOff x="0" y="0"/>
+          <a:chExt cx="0" cy="0"/>
+        </a:xfrm>
+      </p:grpSpPr>
+      <p:sp>
+        <p:nvSpPr>
+          <p:cNvPr id="2" name="Rubrik 1"/>
+          <p:cNvSpPr>
+            <a:spLocks noGrp="1"/>
+          </p:cNvSpPr>
+          <p:nvPr>
+            <p:ph type="title"/>
+          </p:nvPr>
+        </p:nvSpPr>
+        <p:spPr/>
+        <p:txBody>
+          <a:bodyPr/>
+          <a:lstStyle/>
+          <a:p>
+            <a:r>
+              <a:rPr lang="en-US" dirty="0"/>
+              <a:t>Considering load in the </a:t>
+            </a:r>
+            <a:r>
+              <a:rPr lang="en-US" dirty="0" smtClean="0"/>
+              <a:t>scheduling, </a:t>
+            </a:r>
+            <a:r>
+              <a:rPr lang="en-US" dirty="0"/>
+              <a:t>cont’d.</a:t>
+            </a:r>
+            <a:endParaRPr lang="sv-SE" dirty="0"/>
+          </a:p>
+        </p:txBody>
+      </p:sp>
+      <p:sp>
+        <p:nvSpPr>
+          <p:cNvPr id="7" name="Platshållare för innehåll 6"/>
+          <p:cNvSpPr>
+            <a:spLocks noGrp="1"/>
+          </p:cNvSpPr>
+          <p:nvPr>
+            <p:ph idx="1"/>
+          </p:nvPr>
+        </p:nvSpPr>
+        <p:spPr/>
+        <p:txBody>
+          <a:bodyPr/>
+          <a:lstStyle/>
+          <a:p>
+            <a:r>
+              <a:rPr lang="sv-SE" dirty="0" smtClean="0"/>
+              <a:t>[Bild över </a:t>
+            </a:r>
+            <a:r>
+              <a:rPr lang="sv-SE" dirty="0" err="1" smtClean="0"/>
+              <a:t>unloaded</a:t>
+            </a:r>
+            <a:r>
+              <a:rPr lang="sv-SE" dirty="0" smtClean="0"/>
+              <a:t> </a:t>
+            </a:r>
+            <a:r>
+              <a:rPr lang="sv-SE" dirty="0" err="1" smtClean="0"/>
+              <a:t>nodes</a:t>
+            </a:r>
+            <a:r>
+              <a:rPr lang="sv-SE" dirty="0" smtClean="0"/>
+              <a:t>]</a:t>
+            </a:r>
+          </a:p>
+          <a:p>
+            <a:endParaRPr lang="sv-SE" dirty="0"/>
+          </a:p>
+        </p:txBody>
+      </p:sp>
+    </p:spTree>
+    <p:extLst>
+      <p:ext uri="{BB962C8B-B14F-4D97-AF65-F5344CB8AC3E}">
+        <p14:creationId xmlns:p14="http://schemas.microsoft.com/office/powerpoint/2010/main" val="2820870025"/>
       </p:ext>
     </p:extLst>
   </p:cSld>

--- a/presentation/presentation.pptx
+++ b/presentation/presentation.pptx
@@ -6437,6 +6437,10 @@
               <a:buFont typeface="+mj-lt"/>
               <a:buAutoNum type="arabicPeriod"/>
             </a:pPr>
+            <a:r>
+              <a:rPr lang="en-US" dirty="0" smtClean="0"/>
+              <a:t>Future Work</a:t>
+            </a:r>
             <a:endParaRPr lang="en-US" dirty="0"/>
           </a:p>
         </p:txBody>
@@ -10025,11 +10029,7 @@
             </a:r>
             <a:r>
               <a:rPr lang="en-US" dirty="0" smtClean="0"/>
-              <a:t>replicas </a:t>
-            </a:r>
-            <a:r>
-              <a:rPr lang="en-US" dirty="0" smtClean="0"/>
-              <a:t>cont’d.</a:t>
+              <a:t>replicas cont’d.</a:t>
             </a:r>
             <a:endParaRPr lang="en-US" dirty="0"/>
           </a:p>
@@ -14095,11 +14095,7 @@
             </a:pPr>
             <a:r>
               <a:rPr lang="en-US" dirty="0" smtClean="0"/>
-              <a:t> </a:t>
-            </a:r>
-            <a:r>
-              <a:rPr lang="en-US" dirty="0" smtClean="0"/>
-              <a:t>The scheduling can be extended by</a:t>
+              <a:t> The scheduling can be extended by</a:t>
             </a:r>
           </a:p>
           <a:p>
@@ -14119,13 +14115,8 @@
             </a:pPr>
             <a:r>
               <a:rPr lang="en-US" dirty="0" smtClean="0"/>
-              <a:t>Include nodes´ load and resources in the </a:t>
-            </a:r>
-            <a:r>
-              <a:rPr lang="en-US" dirty="0" smtClean="0"/>
-              <a:t>scheduling</a:t>
-            </a:r>
-            <a:endParaRPr lang="en-US" dirty="0" smtClean="0"/>
+              <a:t>Include nodes´ load and resources in the scheduling</a:t>
+            </a:r>
           </a:p>
         </p:txBody>
       </p:sp>
@@ -14787,7 +14778,11 @@
           <a:p>
             <a:r>
               <a:rPr lang="en-US" dirty="0" smtClean="0"/>
-              <a:t>Fault model</a:t>
+              <a:t>Fault </a:t>
+            </a:r>
+            <a:r>
+              <a:rPr lang="en-US" dirty="0" smtClean="0"/>
+              <a:t>model / Limitations</a:t>
             </a:r>
             <a:endParaRPr lang="en-US" dirty="0"/>
           </a:p>

--- a/presentation/presentation.pptx
+++ b/presentation/presentation.pptx
@@ -8,61 +8,63 @@
     <p:sldId id="256" r:id="rId2"/>
     <p:sldId id="257" r:id="rId3"/>
     <p:sldId id="288" r:id="rId4"/>
-    <p:sldId id="289" r:id="rId5"/>
+    <p:sldId id="329" r:id="rId5"/>
     <p:sldId id="290" r:id="rId6"/>
     <p:sldId id="300" r:id="rId7"/>
     <p:sldId id="301" r:id="rId8"/>
     <p:sldId id="307" r:id="rId9"/>
     <p:sldId id="309" r:id="rId10"/>
-    <p:sldId id="302" r:id="rId11"/>
-    <p:sldId id="322" r:id="rId12"/>
-    <p:sldId id="323" r:id="rId13"/>
-    <p:sldId id="303" r:id="rId14"/>
-    <p:sldId id="310" r:id="rId15"/>
-    <p:sldId id="311" r:id="rId16"/>
-    <p:sldId id="321" r:id="rId17"/>
-    <p:sldId id="313" r:id="rId18"/>
-    <p:sldId id="314" r:id="rId19"/>
-    <p:sldId id="315" r:id="rId20"/>
-    <p:sldId id="316" r:id="rId21"/>
-    <p:sldId id="317" r:id="rId22"/>
-    <p:sldId id="318" r:id="rId23"/>
-    <p:sldId id="319" r:id="rId24"/>
-    <p:sldId id="320" r:id="rId25"/>
-    <p:sldId id="294" r:id="rId26"/>
-    <p:sldId id="297" r:id="rId27"/>
-    <p:sldId id="298" r:id="rId28"/>
-    <p:sldId id="299" r:id="rId29"/>
-    <p:sldId id="295" r:id="rId30"/>
-    <p:sldId id="258" r:id="rId31"/>
-    <p:sldId id="259" r:id="rId32"/>
-    <p:sldId id="260" r:id="rId33"/>
-    <p:sldId id="261" r:id="rId34"/>
-    <p:sldId id="263" r:id="rId35"/>
-    <p:sldId id="262" r:id="rId36"/>
-    <p:sldId id="264" r:id="rId37"/>
-    <p:sldId id="265" r:id="rId38"/>
-    <p:sldId id="275" r:id="rId39"/>
-    <p:sldId id="266" r:id="rId40"/>
-    <p:sldId id="267" r:id="rId41"/>
-    <p:sldId id="268" r:id="rId42"/>
-    <p:sldId id="269" r:id="rId43"/>
-    <p:sldId id="270" r:id="rId44"/>
-    <p:sldId id="271" r:id="rId45"/>
-    <p:sldId id="272" r:id="rId46"/>
-    <p:sldId id="274" r:id="rId47"/>
-    <p:sldId id="273" r:id="rId48"/>
-    <p:sldId id="276" r:id="rId49"/>
-    <p:sldId id="277" r:id="rId50"/>
-    <p:sldId id="278" r:id="rId51"/>
-    <p:sldId id="279" r:id="rId52"/>
-    <p:sldId id="280" r:id="rId53"/>
-    <p:sldId id="281" r:id="rId54"/>
-    <p:sldId id="324" r:id="rId55"/>
-    <p:sldId id="325" r:id="rId56"/>
-    <p:sldId id="326" r:id="rId57"/>
-    <p:sldId id="327" r:id="rId58"/>
-    <p:sldId id="328" r:id="rId59"/>
+    <p:sldId id="331" r:id="rId11"/>
+    <p:sldId id="330" r:id="rId12"/>
+    <p:sldId id="302" r:id="rId13"/>
+    <p:sldId id="322" r:id="rId14"/>
+    <p:sldId id="323" r:id="rId15"/>
+    <p:sldId id="303" r:id="rId16"/>
+    <p:sldId id="310" r:id="rId17"/>
+    <p:sldId id="311" r:id="rId18"/>
+    <p:sldId id="321" r:id="rId19"/>
+    <p:sldId id="313" r:id="rId20"/>
+    <p:sldId id="314" r:id="rId21"/>
+    <p:sldId id="315" r:id="rId22"/>
+    <p:sldId id="316" r:id="rId23"/>
+    <p:sldId id="317" r:id="rId24"/>
+    <p:sldId id="318" r:id="rId25"/>
+    <p:sldId id="319" r:id="rId26"/>
+    <p:sldId id="320" r:id="rId27"/>
+    <p:sldId id="294" r:id="rId28"/>
+    <p:sldId id="297" r:id="rId29"/>
+    <p:sldId id="298" r:id="rId30"/>
+    <p:sldId id="299" r:id="rId31"/>
+    <p:sldId id="295" r:id="rId32"/>
+    <p:sldId id="258" r:id="rId33"/>
+    <p:sldId id="259" r:id="rId34"/>
+    <p:sldId id="260" r:id="rId35"/>
+    <p:sldId id="261" r:id="rId36"/>
+    <p:sldId id="263" r:id="rId37"/>
+    <p:sldId id="262" r:id="rId38"/>
+    <p:sldId id="264" r:id="rId39"/>
+    <p:sldId id="265" r:id="rId40"/>
+    <p:sldId id="275" r:id="rId41"/>
+    <p:sldId id="266" r:id="rId42"/>
+    <p:sldId id="267" r:id="rId43"/>
+    <p:sldId id="268" r:id="rId44"/>
+    <p:sldId id="269" r:id="rId45"/>
+    <p:sldId id="270" r:id="rId46"/>
+    <p:sldId id="271" r:id="rId47"/>
+    <p:sldId id="272" r:id="rId48"/>
+    <p:sldId id="274" r:id="rId49"/>
+    <p:sldId id="273" r:id="rId50"/>
+    <p:sldId id="276" r:id="rId51"/>
+    <p:sldId id="277" r:id="rId52"/>
+    <p:sldId id="278" r:id="rId53"/>
+    <p:sldId id="279" r:id="rId54"/>
+    <p:sldId id="280" r:id="rId55"/>
+    <p:sldId id="281" r:id="rId56"/>
+    <p:sldId id="324" r:id="rId57"/>
+    <p:sldId id="325" r:id="rId58"/>
+    <p:sldId id="326" r:id="rId59"/>
+    <p:sldId id="327" r:id="rId60"/>
+    <p:sldId id="328" r:id="rId61"/>
   </p:sldIdLst>
   <p:sldSz cx="12192000" cy="6858000"/>
   <p:notesSz cx="6858000" cy="9144000"/>
@@ -395,7 +397,7 @@
           <a:p>
             <a:fld id="{4BDF68E2-58F2-4D09-BE8B-E3BD06533059}" type="datetimeFigureOut">
               <a:rPr lang="en-US" smtClean="0"/>
-              <a:t>5/2/2016</a:t>
+              <a:t>5/5/16</a:t>
             </a:fld>
             <a:endParaRPr lang="en-US" dirty="0"/>
           </a:p>
@@ -603,7 +605,7 @@
           <a:p>
             <a:fld id="{2E2D6473-DF6D-4702-B328-E0DD40540A4E}" type="datetimeFigureOut">
               <a:rPr lang="en-US" smtClean="0"/>
-              <a:t>5/2/2016</a:t>
+              <a:t>5/5/16</a:t>
             </a:fld>
             <a:endParaRPr lang="en-US" dirty="0"/>
           </a:p>
@@ -859,7 +861,7 @@
           <a:p>
             <a:fld id="{E26F7E3A-B166-407D-9866-32884E7D5B37}" type="datetimeFigureOut">
               <a:rPr lang="en-US" smtClean="0"/>
-              <a:t>5/2/2016</a:t>
+              <a:t>5/5/16</a:t>
             </a:fld>
             <a:endParaRPr lang="en-US" dirty="0"/>
           </a:p>
@@ -1033,7 +1035,7 @@
           <a:p>
             <a:fld id="{528FC5F6-F338-4AE4-BB23-26385BCFC423}" type="datetimeFigureOut">
               <a:rPr lang="en-US" smtClean="0"/>
-              <a:t>5/2/2016</a:t>
+              <a:t>5/5/16</a:t>
             </a:fld>
             <a:endParaRPr lang="en-US" dirty="0"/>
           </a:p>
@@ -1376,7 +1378,7 @@
           <a:p>
             <a:fld id="{20EBB0C4-6273-4C6E-B9BD-2EDC30F1CD52}" type="datetimeFigureOut">
               <a:rPr lang="en-US" smtClean="0"/>
-              <a:t>5/2/2016</a:t>
+              <a:t>5/5/16</a:t>
             </a:fld>
             <a:endParaRPr lang="en-US" dirty="0"/>
           </a:p>
@@ -1651,7 +1653,7 @@
           <a:p>
             <a:fld id="{19AB4D41-86C1-4908-B66A-0B50CEB3BF29}" type="datetimeFigureOut">
               <a:rPr lang="en-US" smtClean="0"/>
-              <a:t>5/2/2016</a:t>
+              <a:t>5/5/16</a:t>
             </a:fld>
             <a:endParaRPr lang="en-US" dirty="0"/>
           </a:p>
@@ -2030,7 +2032,7 @@
           <a:p>
             <a:fld id="{E6426E2C-56C1-4E0D-A793-0088A7FDD37E}" type="datetimeFigureOut">
               <a:rPr lang="en-US" smtClean="0"/>
-              <a:t>5/2/2016</a:t>
+              <a:t>5/5/16</a:t>
             </a:fld>
             <a:endParaRPr lang="en-US" dirty="0"/>
           </a:p>
@@ -2148,7 +2150,7 @@
           <a:p>
             <a:fld id="{C8C39B41-D8B5-4052-B551-9B5525EAA8B6}" type="datetimeFigureOut">
               <a:rPr lang="en-US" smtClean="0"/>
-              <a:t>5/2/2016</a:t>
+              <a:t>5/5/16</a:t>
             </a:fld>
             <a:endParaRPr lang="en-US" dirty="0"/>
           </a:p>
@@ -2319,7 +2321,7 @@
           <a:p>
             <a:fld id="{4D94136C-8742-45B2-AF27-D93DF72833A9}" type="datetimeFigureOut">
               <a:rPr lang="en-US" smtClean="0"/>
-              <a:t>5/2/2016</a:t>
+              <a:t>5/5/16</a:t>
             </a:fld>
             <a:endParaRPr lang="en-US" dirty="0"/>
           </a:p>
@@ -2674,7 +2676,7 @@
           <a:p>
             <a:fld id="{32ABBEA6-7C60-4B02-AE87-00D78D8422AF}" type="datetimeFigureOut">
               <a:rPr lang="en-US" smtClean="0"/>
-              <a:t>5/2/2016</a:t>
+              <a:t>5/5/16</a:t>
             </a:fld>
             <a:endParaRPr lang="en-US" dirty="0"/>
           </a:p>
@@ -3057,7 +3059,7 @@
           <a:p>
             <a:fld id="{C9CAD897-D46E-4AD2-BD9B-49DD3E640873}" type="datetimeFigureOut">
               <a:rPr lang="en-US" smtClean="0"/>
-              <a:t>5/2/2016</a:t>
+              <a:t>5/5/16</a:t>
             </a:fld>
             <a:endParaRPr lang="en-US" dirty="0"/>
           </a:p>
@@ -3344,7 +3346,7 @@
           <a:p>
             <a:fld id="{98624D31-43A5-475A-80CF-332C9F6DCF35}" type="datetimeFigureOut">
               <a:rPr lang="en-US" smtClean="0"/>
-              <a:t>5/2/2016</a:t>
+              <a:t>5/5/16</a:t>
             </a:fld>
             <a:endParaRPr lang="en-US" dirty="0"/>
           </a:p>
@@ -3992,7 +3994,7 @@
           <a:p>
             <a:r>
               <a:rPr lang="en-US" dirty="0" smtClean="0"/>
-              <a:t>Reliability model</a:t>
+              <a:t>Application</a:t>
             </a:r>
             <a:endParaRPr lang="en-US" dirty="0"/>
           </a:p>
@@ -4013,12 +4015,374 @@
           <a:bodyPr/>
           <a:lstStyle/>
           <a:p>
+            <a:pPr>
+              <a:lnSpc>
+                <a:spcPct val="100000"/>
+              </a:lnSpc>
+              <a:spcBef>
+                <a:spcPts val="0"/>
+              </a:spcBef>
+              <a:spcAft>
+                <a:spcPts val="0"/>
+              </a:spcAft>
+              <a:buSzTx/>
+              <a:buFont typeface="Arial" panose="020B0604020202020204" pitchFamily="34" charset="0"/>
+              <a:buChar char="•"/>
+            </a:pPr>
+            <a:r>
+              <a:rPr lang="en-US" dirty="0" smtClean="0"/>
+              <a:t>We limit ourselves by only considering stream processing applications.</a:t>
+            </a:r>
+          </a:p>
+          <a:p>
+            <a:pPr>
+              <a:lnSpc>
+                <a:spcPct val="100000"/>
+              </a:lnSpc>
+              <a:spcBef>
+                <a:spcPts val="0"/>
+              </a:spcBef>
+              <a:spcAft>
+                <a:spcPts val="0"/>
+              </a:spcAft>
+              <a:buSzTx/>
+              <a:buFont typeface="Arial" panose="020B0604020202020204" pitchFamily="34" charset="0"/>
+              <a:buChar char="•"/>
+            </a:pPr>
+            <a:r>
+              <a:rPr lang="en-US" dirty="0" smtClean="0"/>
+              <a:t>A processing task </a:t>
+            </a:r>
+            <a:r>
+              <a:rPr lang="en-US" i="1" dirty="0" smtClean="0"/>
+              <a:t>S</a:t>
+            </a:r>
+            <a:r>
+              <a:rPr lang="en-US" dirty="0" smtClean="0"/>
+              <a:t> will receive input from a producer, transform it, and send the result to a consumer.</a:t>
+            </a:r>
+          </a:p>
+          <a:p>
+            <a:pPr>
+              <a:lnSpc>
+                <a:spcPct val="100000"/>
+              </a:lnSpc>
+              <a:spcBef>
+                <a:spcPts val="0"/>
+              </a:spcBef>
+              <a:spcAft>
+                <a:spcPts val="0"/>
+              </a:spcAft>
+              <a:buSzTx/>
+              <a:buFont typeface="Arial" panose="020B0604020202020204" pitchFamily="34" charset="0"/>
+              <a:buChar char="•"/>
+            </a:pPr>
+            <a:r>
+              <a:rPr lang="en-US" dirty="0" smtClean="0"/>
+              <a:t>When replicating the task </a:t>
+            </a:r>
+            <a:r>
+              <a:rPr lang="en-US" i="1" dirty="0" smtClean="0"/>
+              <a:t>S</a:t>
+            </a:r>
+            <a:r>
+              <a:rPr lang="en-US" dirty="0" smtClean="0"/>
+              <a:t>, the replicas will not be synchronized. To avoid timing issues, it is assumed no external calls are made which depends on when the request is made. </a:t>
+            </a:r>
+          </a:p>
+          <a:p>
+            <a:pPr>
+              <a:lnSpc>
+                <a:spcPct val="100000"/>
+              </a:lnSpc>
+              <a:spcBef>
+                <a:spcPts val="0"/>
+              </a:spcBef>
+              <a:spcAft>
+                <a:spcPts val="0"/>
+              </a:spcAft>
+              <a:buSzTx/>
+              <a:buFont typeface="Arial" panose="020B0604020202020204" pitchFamily="34" charset="0"/>
+              <a:buChar char="•"/>
+            </a:pPr>
+            <a:r>
+              <a:rPr lang="en-US" dirty="0" smtClean="0"/>
+              <a:t>The task </a:t>
+            </a:r>
+            <a:r>
+              <a:rPr lang="en-US" i="1" dirty="0" smtClean="0"/>
+              <a:t>S</a:t>
+            </a:r>
+            <a:r>
+              <a:rPr lang="en-US" dirty="0" smtClean="0"/>
+              <a:t>, performs deterministic calculations on the input. If the replicas all receive the same input, they will all produce the same result.</a:t>
+            </a:r>
+            <a:endParaRPr lang="en-US" dirty="0"/>
+          </a:p>
+        </p:txBody>
+      </p:sp>
+      <p:pic>
+        <p:nvPicPr>
+          <p:cNvPr id="5" name="Picture 4"/>
+          <p:cNvPicPr>
+            <a:picLocks noChangeAspect="1"/>
+          </p:cNvPicPr>
+          <p:nvPr/>
+        </p:nvPicPr>
+        <p:blipFill>
+          <a:blip r:embed="rId2">
+            <a:extLst>
+              <a:ext uri="{28A0092B-C50C-407E-A947-70E740481C1C}">
+                <a14:useLocalDpi xmlns:a14="http://schemas.microsoft.com/office/drawing/2010/main" val="0"/>
+              </a:ext>
+            </a:extLst>
+          </a:blip>
+          <a:stretch>
+            <a:fillRect/>
+          </a:stretch>
+        </p:blipFill>
+        <p:spPr>
+          <a:xfrm>
+            <a:off x="6916885" y="3997263"/>
+            <a:ext cx="3948339" cy="1770430"/>
+          </a:xfrm>
+          <a:prstGeom prst="rect">
+            <a:avLst/>
+          </a:prstGeom>
+        </p:spPr>
+      </p:pic>
+    </p:spTree>
+    <p:extLst>
+      <p:ext uri="{BB962C8B-B14F-4D97-AF65-F5344CB8AC3E}">
+        <p14:creationId xmlns:p14="http://schemas.microsoft.com/office/powerpoint/2010/main" val="1106384860"/>
+      </p:ext>
+    </p:extLst>
+  </p:cSld>
+  <p:clrMapOvr>
+    <a:masterClrMapping/>
+  </p:clrMapOvr>
+  <p:timing>
+    <p:tnLst>
+      <p:par>
+        <p:cTn id="1" dur="indefinite" restart="never" nodeType="tmRoot"/>
+      </p:par>
+    </p:tnLst>
+  </p:timing>
+</p:sld>
+</file>
+
+<file path=ppt/slides/slide11.xml><?xml version="1.0" encoding="utf-8"?>
+<p:sld xmlns:a="http://schemas.openxmlformats.org/drawingml/2006/main" xmlns:r="http://schemas.openxmlformats.org/officeDocument/2006/relationships" xmlns:p="http://schemas.openxmlformats.org/presentationml/2006/main">
+  <p:cSld>
+    <p:spTree>
+      <p:nvGrpSpPr>
+        <p:cNvPr id="1" name=""/>
+        <p:cNvGrpSpPr/>
+        <p:nvPr/>
+      </p:nvGrpSpPr>
+      <p:grpSpPr>
+        <a:xfrm>
+          <a:off x="0" y="0"/>
+          <a:ext cx="0" cy="0"/>
+          <a:chOff x="0" y="0"/>
+          <a:chExt cx="0" cy="0"/>
+        </a:xfrm>
+      </p:grpSpPr>
+      <p:sp>
+        <p:nvSpPr>
+          <p:cNvPr id="2" name="Title 1"/>
+          <p:cNvSpPr>
+            <a:spLocks noGrp="1"/>
+          </p:cNvSpPr>
+          <p:nvPr>
+            <p:ph type="title"/>
+          </p:nvPr>
+        </p:nvSpPr>
+        <p:spPr/>
+        <p:txBody>
+          <a:bodyPr/>
+          <a:lstStyle/>
+          <a:p>
+            <a:r>
+              <a:rPr lang="en-US" dirty="0" smtClean="0"/>
+              <a:t>Reliability definitions</a:t>
+            </a:r>
+            <a:endParaRPr lang="en-US" dirty="0"/>
+          </a:p>
+        </p:txBody>
+      </p:sp>
+      <p:sp>
+        <p:nvSpPr>
+          <p:cNvPr id="3" name="Content Placeholder 2"/>
+          <p:cNvSpPr>
+            <a:spLocks noGrp="1"/>
+          </p:cNvSpPr>
+          <p:nvPr>
+            <p:ph idx="1"/>
+          </p:nvPr>
+        </p:nvSpPr>
+        <p:spPr/>
+        <p:txBody>
+          <a:bodyPr/>
+          <a:lstStyle/>
+          <a:p>
+            <a:pPr>
+              <a:buFont typeface="Arial" charset="0"/>
+              <a:buChar char="•"/>
+            </a:pPr>
+            <a:r>
+              <a:rPr lang="en-US" dirty="0" smtClean="0"/>
+              <a:t> Reliability of</a:t>
+            </a:r>
+          </a:p>
+          <a:p>
+            <a:pPr lvl="1">
+              <a:buFont typeface="Arial" charset="0"/>
+              <a:buChar char="•"/>
+            </a:pPr>
+            <a:r>
+              <a:rPr lang="en-US" dirty="0" smtClean="0"/>
+              <a:t>Meeting deadlines</a:t>
+            </a:r>
+          </a:p>
+          <a:p>
+            <a:pPr lvl="1">
+              <a:buFont typeface="Arial" charset="0"/>
+              <a:buChar char="•"/>
+            </a:pPr>
+            <a:r>
+              <a:rPr lang="en-US" dirty="0" smtClean="0"/>
+              <a:t>Producing the correct result</a:t>
+            </a:r>
+          </a:p>
+          <a:p>
+            <a:pPr lvl="1">
+              <a:buFont typeface="Arial" charset="0"/>
+              <a:buChar char="•"/>
+            </a:pPr>
+            <a:endParaRPr lang="en-US" dirty="0"/>
+          </a:p>
+          <a:p>
+            <a:pPr>
+              <a:buFont typeface="Arial" charset="0"/>
+              <a:buChar char="•"/>
+            </a:pPr>
+            <a:r>
+              <a:rPr lang="en-US" dirty="0" smtClean="0"/>
+              <a:t> Our definition</a:t>
+            </a:r>
+          </a:p>
+          <a:p>
+            <a:pPr marL="0" indent="0">
+              <a:buNone/>
+            </a:pPr>
+            <a:r>
+              <a:rPr lang="en-US" dirty="0" smtClean="0"/>
+              <a:t>Reliability of a task which is serving some kind of requests, is the probability that no data is lost. In a process with </a:t>
+            </a:r>
+            <a:r>
+              <a:rPr lang="en-US" i="1" dirty="0" smtClean="0"/>
+              <a:t>n </a:t>
+            </a:r>
+            <a:r>
+              <a:rPr lang="en-US" dirty="0" smtClean="0"/>
+              <a:t>task replicas, this corresponds to at least one replica is always running and serving requests.</a:t>
+            </a:r>
+          </a:p>
+          <a:p>
+            <a:pPr marL="457200" indent="-457200">
+              <a:buFont typeface="+mj-lt"/>
+              <a:buAutoNum type="arabicPeriod"/>
+            </a:pPr>
+            <a:endParaRPr lang="en-US" dirty="0"/>
+          </a:p>
+        </p:txBody>
+      </p:sp>
+    </p:spTree>
+    <p:extLst>
+      <p:ext uri="{BB962C8B-B14F-4D97-AF65-F5344CB8AC3E}">
+        <p14:creationId xmlns:p14="http://schemas.microsoft.com/office/powerpoint/2010/main" val="803923940"/>
+      </p:ext>
+    </p:extLst>
+  </p:cSld>
+  <p:clrMapOvr>
+    <a:masterClrMapping/>
+  </p:clrMapOvr>
+  <p:timing>
+    <p:tnLst>
+      <p:par>
+        <p:cTn id="1" dur="indefinite" restart="never" nodeType="tmRoot"/>
+      </p:par>
+    </p:tnLst>
+  </p:timing>
+</p:sld>
+</file>
+
+<file path=ppt/slides/slide12.xml><?xml version="1.0" encoding="utf-8"?>
+<p:sld xmlns:a="http://schemas.openxmlformats.org/drawingml/2006/main" xmlns:r="http://schemas.openxmlformats.org/officeDocument/2006/relationships" xmlns:p="http://schemas.openxmlformats.org/presentationml/2006/main">
+  <p:cSld>
+    <p:spTree>
+      <p:nvGrpSpPr>
+        <p:cNvPr id="1" name=""/>
+        <p:cNvGrpSpPr/>
+        <p:nvPr/>
+      </p:nvGrpSpPr>
+      <p:grpSpPr>
+        <a:xfrm>
+          <a:off x="0" y="0"/>
+          <a:ext cx="0" cy="0"/>
+          <a:chOff x="0" y="0"/>
+          <a:chExt cx="0" cy="0"/>
+        </a:xfrm>
+      </p:grpSpPr>
+      <p:sp>
+        <p:nvSpPr>
+          <p:cNvPr id="2" name="Title 1"/>
+          <p:cNvSpPr>
+            <a:spLocks noGrp="1"/>
+          </p:cNvSpPr>
+          <p:nvPr>
+            <p:ph type="title"/>
+          </p:nvPr>
+        </p:nvSpPr>
+        <p:spPr/>
+        <p:txBody>
+          <a:bodyPr/>
+          <a:lstStyle/>
+          <a:p>
+            <a:r>
+              <a:rPr lang="en-US" dirty="0" smtClean="0"/>
+              <a:t>Reliability model</a:t>
+            </a:r>
+            <a:endParaRPr lang="en-US" dirty="0"/>
+          </a:p>
+        </p:txBody>
+      </p:sp>
+      <p:sp>
+        <p:nvSpPr>
+          <p:cNvPr id="3" name="Content Placeholder 2"/>
+          <p:cNvSpPr>
+            <a:spLocks noGrp="1"/>
+          </p:cNvSpPr>
+          <p:nvPr>
+            <p:ph idx="1"/>
+          </p:nvPr>
+        </p:nvSpPr>
+        <p:spPr/>
+        <p:txBody>
+          <a:bodyPr/>
+          <a:lstStyle/>
+          <a:p>
             <a:pPr marL="0" lvl="0" indent="0">
               <a:buNone/>
             </a:pPr>
             <a:r>
               <a:rPr lang="en-US" dirty="0" smtClean="0"/>
-              <a:t>Recap: reliability is </a:t>
+              <a:t>Reliability </a:t>
+            </a:r>
+            <a:r>
+              <a:rPr lang="en-US" dirty="0" smtClean="0"/>
+              <a:t>is </a:t>
             </a:r>
             <a:r>
               <a:rPr lang="en-US" i="1" dirty="0" smtClean="0"/>
@@ -4095,7 +4459,7 @@
                         <m:dPr>
                           <m:ctrlPr>
                             <a:rPr lang="en-GB" i="1">
-                              <a:latin typeface="Cambria Math" panose="02040503050406030204" pitchFamily="18" charset="0"/>
+                              <a:latin typeface="Cambria Math" charset="0"/>
                             </a:rPr>
                           </m:ctrlPr>
                         </m:dPr>
@@ -4154,7 +4518,7 @@
                         <m:dPr>
                           <m:ctrlPr>
                             <a:rPr lang="en-GB" i="1">
-                              <a:latin typeface="Cambria Math" panose="02040503050406030204" pitchFamily="18" charset="0"/>
+                              <a:latin typeface="Cambria Math" charset="0"/>
                             </a:rPr>
                           </m:ctrlPr>
                         </m:dPr>
@@ -4196,7 +4560,7 @@
                           <m:chr m:val="∏"/>
                           <m:ctrlPr>
                             <a:rPr lang="is-IS" i="1">
-                              <a:latin typeface="Cambria Math" panose="02040503050406030204" pitchFamily="18" charset="0"/>
+                              <a:latin typeface="Cambria Math" charset="0"/>
                             </a:rPr>
                           </m:ctrlPr>
                         </m:naryPr>
@@ -4230,7 +4594,7 @@
                             <m:sSubPr>
                               <m:ctrlPr>
                                 <a:rPr lang="en-US" i="1">
-                                  <a:latin typeface="Cambria Math" panose="02040503050406030204" pitchFamily="18" charset="0"/>
+                                  <a:latin typeface="Cambria Math" charset="0"/>
                                 </a:rPr>
                               </m:ctrlPr>
                             </m:sSubPr>
@@ -4338,7 +4702,7 @@
 </p:sld>
 </file>
 
-<file path=ppt/slides/slide11.xml><?xml version="1.0" encoding="utf-8"?>
+<file path=ppt/slides/slide13.xml><?xml version="1.0" encoding="utf-8"?>
 <p:sld xmlns:a="http://schemas.openxmlformats.org/drawingml/2006/main" xmlns:r="http://schemas.openxmlformats.org/officeDocument/2006/relationships" xmlns:p="http://schemas.openxmlformats.org/presentationml/2006/main">
   <p:cSld>
     <p:spTree>
@@ -4508,7 +4872,7 @@
 </p:sld>
 </file>
 
-<file path=ppt/slides/slide12.xml><?xml version="1.0" encoding="utf-8"?>
+<file path=ppt/slides/slide14.xml><?xml version="1.0" encoding="utf-8"?>
 <p:sld xmlns:a="http://schemas.openxmlformats.org/drawingml/2006/main" xmlns:r="http://schemas.openxmlformats.org/officeDocument/2006/relationships" xmlns:p="http://schemas.openxmlformats.org/presentationml/2006/main">
   <p:cSld>
     <p:spTree>
@@ -4563,10 +4927,18 @@
           <a:bodyPr/>
           <a:lstStyle/>
           <a:p>
-            <a:pPr lvl="0">
+            <a:pPr>
               <a:buFont typeface="Arial" charset="0"/>
               <a:buChar char="•"/>
             </a:pPr>
+            <a:r>
+              <a:rPr lang="en-US" i="1" dirty="0"/>
+              <a:t>“</a:t>
+            </a:r>
+            <a:r>
+              <a:rPr lang="is-IS" i="1" dirty="0"/>
+              <a:t>… at least one replica is up and running during a time t...”</a:t>
+            </a:r>
             <a:endParaRPr lang="en-US" dirty="0"/>
           </a:p>
         </p:txBody>
@@ -4623,7 +4995,7 @@
                         <m:dPr>
                           <m:ctrlPr>
                             <a:rPr lang="en-GB" i="1">
-                              <a:latin typeface="Cambria Math" panose="02040503050406030204" pitchFamily="18" charset="0"/>
+                              <a:latin typeface="Cambria Math" charset="0"/>
                             </a:rPr>
                           </m:ctrlPr>
                         </m:dPr>
@@ -4718,7 +5090,7 @@
                         <m:dPr>
                           <m:ctrlPr>
                             <a:rPr lang="en-GB" i="1">
-                              <a:latin typeface="Cambria Math" panose="02040503050406030204" pitchFamily="18" charset="0"/>
+                              <a:latin typeface="Cambria Math" charset="0"/>
                             </a:rPr>
                           </m:ctrlPr>
                         </m:dPr>
@@ -4809,7 +5181,7 @@
                           <m:chr m:val="∏"/>
                           <m:ctrlPr>
                             <a:rPr lang="is-IS" i="1">
-                              <a:latin typeface="Cambria Math" panose="02040503050406030204" pitchFamily="18" charset="0"/>
+                              <a:latin typeface="Cambria Math" charset="0"/>
                             </a:rPr>
                           </m:ctrlPr>
                         </m:naryPr>
@@ -4843,7 +5215,7 @@
                             <m:sSubPr>
                               <m:ctrlPr>
                                 <a:rPr lang="en-US" i="1">
-                                  <a:latin typeface="Cambria Math" panose="02040503050406030204" pitchFamily="18" charset="0"/>
+                                  <a:latin typeface="Cambria Math" charset="0"/>
                                 </a:rPr>
                               </m:ctrlPr>
                             </m:sSubPr>
@@ -4868,7 +5240,7 @@
                             <m:dPr>
                               <m:ctrlPr>
                                 <a:rPr lang="en-GB" i="1">
-                                  <a:latin typeface="Cambria Math" panose="02040503050406030204" pitchFamily="18" charset="0"/>
+                                  <a:latin typeface="Cambria Math" charset="0"/>
                                 </a:rPr>
                               </m:ctrlPr>
                             </m:dPr>
@@ -4894,7 +5266,7 @@
                           <m:chr m:val="∏"/>
                           <m:ctrlPr>
                             <a:rPr lang="is-IS" i="1">
-                              <a:latin typeface="Cambria Math" panose="02040503050406030204" pitchFamily="18" charset="0"/>
+                              <a:latin typeface="Cambria Math" charset="0"/>
                             </a:rPr>
                           </m:ctrlPr>
                         </m:naryPr>
@@ -4934,7 +5306,7 @@
                             <m:sSubPr>
                               <m:ctrlPr>
                                 <a:rPr lang="en-US" i="1">
-                                  <a:latin typeface="Cambria Math" panose="02040503050406030204" pitchFamily="18" charset="0"/>
+                                  <a:latin typeface="Cambria Math" charset="0"/>
                                 </a:rPr>
                               </m:ctrlPr>
                             </m:sSubPr>
@@ -4959,7 +5331,7 @@
                             <m:dPr>
                               <m:ctrlPr>
                                 <a:rPr lang="en-GB" i="1">
-                                  <a:latin typeface="Cambria Math" panose="02040503050406030204" pitchFamily="18" charset="0"/>
+                                  <a:latin typeface="Cambria Math" charset="0"/>
                                 </a:rPr>
                               </m:ctrlPr>
                             </m:dPr>
@@ -4985,7 +5357,7 @@
                           <m:chr m:val="∏"/>
                           <m:ctrlPr>
                             <a:rPr lang="is-IS" i="1">
-                              <a:latin typeface="Cambria Math" panose="02040503050406030204" pitchFamily="18" charset="0"/>
+                              <a:latin typeface="Cambria Math" charset="0"/>
                             </a:rPr>
                           </m:ctrlPr>
                         </m:naryPr>
@@ -5025,7 +5397,7 @@
                             <m:sSupPr>
                               <m:ctrlPr>
                                 <a:rPr lang="is-IS" i="1">
-                                  <a:latin typeface="Cambria Math" panose="02040503050406030204" pitchFamily="18" charset="0"/>
+                                  <a:latin typeface="Cambria Math" charset="0"/>
                                 </a:rPr>
                               </m:ctrlPr>
                             </m:sSupPr>
@@ -5048,7 +5420,7 @@
                                 <m:dPr>
                                   <m:ctrlPr>
                                     <a:rPr lang="en-US" i="1">
-                                      <a:latin typeface="Cambria Math" panose="02040503050406030204" pitchFamily="18" charset="0"/>
+                                      <a:latin typeface="Cambria Math" charset="0"/>
                                     </a:rPr>
                                   </m:ctrlPr>
                                 </m:dPr>
@@ -5057,7 +5429,7 @@
                                     <m:fPr>
                                       <m:ctrlPr>
                                         <a:rPr lang="fi-FI" i="1">
-                                          <a:latin typeface="Cambria Math" panose="02040503050406030204" pitchFamily="18" charset="0"/>
+                                          <a:latin typeface="Cambria Math" charset="0"/>
                                         </a:rPr>
                                       </m:ctrlPr>
                                     </m:fPr>
@@ -5151,7 +5523,7 @@
 </p:sld>
 </file>
 
-<file path=ppt/slides/slide13.xml><?xml version="1.0" encoding="utf-8"?>
+<file path=ppt/slides/slide15.xml><?xml version="1.0" encoding="utf-8"?>
 <p:sld xmlns:a="http://schemas.openxmlformats.org/drawingml/2006/main" xmlns:r="http://schemas.openxmlformats.org/officeDocument/2006/relationships" xmlns:p="http://schemas.openxmlformats.org/presentationml/2006/main">
   <p:cSld>
     <p:spTree>
@@ -5286,7 +5658,7 @@
 </p:sld>
 </file>
 
-<file path=ppt/slides/slide14.xml><?xml version="1.0" encoding="utf-8"?>
+<file path=ppt/slides/slide16.xml><?xml version="1.0" encoding="utf-8"?>
 <p:sld xmlns:a="http://schemas.openxmlformats.org/drawingml/2006/main" xmlns:r="http://schemas.openxmlformats.org/officeDocument/2006/relationships" xmlns:p="http://schemas.openxmlformats.org/presentationml/2006/main">
   <p:cSld>
     <p:spTree>
@@ -5506,7 +5878,7 @@
 </p:sld>
 </file>
 
-<file path=ppt/slides/slide15.xml><?xml version="1.0" encoding="utf-8"?>
+<file path=ppt/slides/slide17.xml><?xml version="1.0" encoding="utf-8"?>
 <p:sld xmlns:a="http://schemas.openxmlformats.org/drawingml/2006/main" xmlns:r="http://schemas.openxmlformats.org/officeDocument/2006/relationships" xmlns:p="http://schemas.openxmlformats.org/presentationml/2006/main">
   <p:cSld>
     <p:spTree>
@@ -5759,7 +6131,7 @@
 </p:sld>
 </file>
 
-<file path=ppt/slides/slide16.xml><?xml version="1.0" encoding="utf-8"?>
+<file path=ppt/slides/slide18.xml><?xml version="1.0" encoding="utf-8"?>
 <p:sld xmlns:a="http://schemas.openxmlformats.org/drawingml/2006/main" xmlns:r="http://schemas.openxmlformats.org/officeDocument/2006/relationships" xmlns:p="http://schemas.openxmlformats.org/presentationml/2006/main">
   <p:cSld>
     <p:spTree>
@@ -5970,7 +6342,7 @@
 </p:sld>
 </file>
 
-<file path=ppt/slides/slide17.xml><?xml version="1.0" encoding="utf-8"?>
+<file path=ppt/slides/slide19.xml><?xml version="1.0" encoding="utf-8"?>
 <p:sld xmlns:a="http://schemas.openxmlformats.org/drawingml/2006/main" xmlns:r="http://schemas.openxmlformats.org/officeDocument/2006/relationships" xmlns:p="http://schemas.openxmlformats.org/presentationml/2006/main">
   <p:cSld>
     <p:spTree>
@@ -6120,7 +6492,175 @@
 </p:sld>
 </file>
 
-<file path=ppt/slides/slide18.xml><?xml version="1.0" encoding="utf-8"?>
+<file path=ppt/slides/slide2.xml><?xml version="1.0" encoding="utf-8"?>
+<p:sld xmlns:a="http://schemas.openxmlformats.org/drawingml/2006/main" xmlns:r="http://schemas.openxmlformats.org/officeDocument/2006/relationships" xmlns:p="http://schemas.openxmlformats.org/presentationml/2006/main">
+  <p:cSld>
+    <p:spTree>
+      <p:nvGrpSpPr>
+        <p:cNvPr id="1" name=""/>
+        <p:cNvGrpSpPr/>
+        <p:nvPr/>
+      </p:nvGrpSpPr>
+      <p:grpSpPr>
+        <a:xfrm>
+          <a:off x="0" y="0"/>
+          <a:ext cx="0" cy="0"/>
+          <a:chOff x="0" y="0"/>
+          <a:chExt cx="0" cy="0"/>
+        </a:xfrm>
+      </p:grpSpPr>
+      <p:sp>
+        <p:nvSpPr>
+          <p:cNvPr id="2" name="Title 1"/>
+          <p:cNvSpPr>
+            <a:spLocks noGrp="1"/>
+          </p:cNvSpPr>
+          <p:nvPr>
+            <p:ph type="title"/>
+          </p:nvPr>
+        </p:nvSpPr>
+        <p:spPr/>
+        <p:txBody>
+          <a:bodyPr/>
+          <a:lstStyle/>
+          <a:p>
+            <a:r>
+              <a:rPr lang="en-US" dirty="0" smtClean="0"/>
+              <a:t>Agenda</a:t>
+            </a:r>
+            <a:endParaRPr lang="en-US" dirty="0"/>
+          </a:p>
+        </p:txBody>
+      </p:sp>
+      <p:sp>
+        <p:nvSpPr>
+          <p:cNvPr id="3" name="Content Placeholder 2"/>
+          <p:cNvSpPr>
+            <a:spLocks noGrp="1"/>
+          </p:cNvSpPr>
+          <p:nvPr>
+            <p:ph idx="1"/>
+          </p:nvPr>
+        </p:nvSpPr>
+        <p:spPr/>
+        <p:txBody>
+          <a:bodyPr/>
+          <a:lstStyle/>
+          <a:p>
+            <a:pPr marL="457200" indent="-457200">
+              <a:buFont typeface="+mj-lt"/>
+              <a:buAutoNum type="arabicPeriod"/>
+            </a:pPr>
+            <a:r>
+              <a:rPr lang="en-US" dirty="0" smtClean="0"/>
+              <a:t>Introduction and goal</a:t>
+            </a:r>
+            <a:endParaRPr lang="en-US" dirty="0" smtClean="0"/>
+          </a:p>
+          <a:p>
+            <a:pPr marL="457200" indent="-457200">
+              <a:buFont typeface="+mj-lt"/>
+              <a:buAutoNum type="arabicPeriod"/>
+            </a:pPr>
+            <a:r>
+              <a:rPr lang="en-US" dirty="0" smtClean="0"/>
+              <a:t>Related work</a:t>
+            </a:r>
+          </a:p>
+          <a:p>
+            <a:pPr marL="457200" indent="-457200">
+              <a:buFont typeface="+mj-lt"/>
+              <a:buAutoNum type="arabicPeriod"/>
+            </a:pPr>
+            <a:r>
+              <a:rPr lang="en-US" dirty="0" smtClean="0"/>
+              <a:t>System model</a:t>
+            </a:r>
+          </a:p>
+          <a:p>
+            <a:pPr marL="457200" indent="-457200">
+              <a:buFont typeface="+mj-lt"/>
+              <a:buAutoNum type="arabicPeriod"/>
+            </a:pPr>
+            <a:r>
+              <a:rPr lang="en-US" dirty="0" smtClean="0"/>
+              <a:t>Reliability model</a:t>
+            </a:r>
+          </a:p>
+          <a:p>
+            <a:pPr marL="457200" indent="-457200">
+              <a:buFont typeface="+mj-lt"/>
+              <a:buAutoNum type="arabicPeriod"/>
+            </a:pPr>
+            <a:r>
+              <a:rPr lang="en-US" dirty="0" smtClean="0"/>
+              <a:t>Self-adapting model</a:t>
+            </a:r>
+          </a:p>
+          <a:p>
+            <a:pPr marL="457200" indent="-457200">
+              <a:buFont typeface="+mj-lt"/>
+              <a:buAutoNum type="arabicPeriod"/>
+            </a:pPr>
+            <a:r>
+              <a:rPr lang="en-US" dirty="0" smtClean="0"/>
+              <a:t>Calvin</a:t>
+            </a:r>
+          </a:p>
+          <a:p>
+            <a:pPr marL="457200" indent="-457200">
+              <a:buFont typeface="+mj-lt"/>
+              <a:buAutoNum type="arabicPeriod"/>
+            </a:pPr>
+            <a:r>
+              <a:rPr lang="en-US" dirty="0" smtClean="0"/>
+              <a:t>Implementation</a:t>
+            </a:r>
+          </a:p>
+          <a:p>
+            <a:pPr marL="457200" indent="-457200">
+              <a:buFont typeface="+mj-lt"/>
+              <a:buAutoNum type="arabicPeriod"/>
+            </a:pPr>
+            <a:r>
+              <a:rPr lang="en-US" dirty="0" smtClean="0"/>
+              <a:t>Experiments</a:t>
+            </a:r>
+          </a:p>
+          <a:p>
+            <a:pPr marL="457200" indent="-457200">
+              <a:buFont typeface="+mj-lt"/>
+              <a:buAutoNum type="arabicPeriod"/>
+            </a:pPr>
+            <a:r>
+              <a:rPr lang="en-US" dirty="0" smtClean="0"/>
+              <a:t>Future Work</a:t>
+            </a:r>
+            <a:endParaRPr lang="en-US" dirty="0"/>
+          </a:p>
+        </p:txBody>
+      </p:sp>
+    </p:spTree>
+    <p:extLst>
+      <p:ext uri="{BB962C8B-B14F-4D97-AF65-F5344CB8AC3E}">
+        <p14:creationId xmlns:p14="http://schemas.microsoft.com/office/powerpoint/2010/main" val="658915606"/>
+      </p:ext>
+    </p:extLst>
+  </p:cSld>
+  <p:clrMapOvr>
+    <a:masterClrMapping/>
+  </p:clrMapOvr>
+  <p:timing>
+    <p:tnLst>
+      <p:par>
+        <p:cTn id="1" dur="indefinite" restart="never" nodeType="tmRoot"/>
+      </p:par>
+    </p:tnLst>
+  </p:timing>
+</p:sld>
+</file>
+
+<file path=ppt/slides/slide20.xml><?xml version="1.0" encoding="utf-8"?>
 <p:sld xmlns:a="http://schemas.openxmlformats.org/drawingml/2006/main" xmlns:r="http://schemas.openxmlformats.org/officeDocument/2006/relationships" xmlns:p="http://schemas.openxmlformats.org/presentationml/2006/main">
   <p:cSld>
     <p:spTree>
@@ -6209,7 +6749,7 @@
 </p:sld>
 </file>
 
-<file path=ppt/slides/slide19.xml><?xml version="1.0" encoding="utf-8"?>
+<file path=ppt/slides/slide21.xml><?xml version="1.0" encoding="utf-8"?>
 <p:sld xmlns:a="http://schemas.openxmlformats.org/drawingml/2006/main" xmlns:r="http://schemas.openxmlformats.org/officeDocument/2006/relationships" xmlns:p="http://schemas.openxmlformats.org/presentationml/2006/main">
   <p:cSld>
     <p:spTree>
@@ -6298,174 +6838,7 @@
 </p:sld>
 </file>
 
-<file path=ppt/slides/slide2.xml><?xml version="1.0" encoding="utf-8"?>
-<p:sld xmlns:a="http://schemas.openxmlformats.org/drawingml/2006/main" xmlns:r="http://schemas.openxmlformats.org/officeDocument/2006/relationships" xmlns:p="http://schemas.openxmlformats.org/presentationml/2006/main">
-  <p:cSld>
-    <p:spTree>
-      <p:nvGrpSpPr>
-        <p:cNvPr id="1" name=""/>
-        <p:cNvGrpSpPr/>
-        <p:nvPr/>
-      </p:nvGrpSpPr>
-      <p:grpSpPr>
-        <a:xfrm>
-          <a:off x="0" y="0"/>
-          <a:ext cx="0" cy="0"/>
-          <a:chOff x="0" y="0"/>
-          <a:chExt cx="0" cy="0"/>
-        </a:xfrm>
-      </p:grpSpPr>
-      <p:sp>
-        <p:nvSpPr>
-          <p:cNvPr id="2" name="Title 1"/>
-          <p:cNvSpPr>
-            <a:spLocks noGrp="1"/>
-          </p:cNvSpPr>
-          <p:nvPr>
-            <p:ph type="title"/>
-          </p:nvPr>
-        </p:nvSpPr>
-        <p:spPr/>
-        <p:txBody>
-          <a:bodyPr/>
-          <a:lstStyle/>
-          <a:p>
-            <a:r>
-              <a:rPr lang="en-US" dirty="0" smtClean="0"/>
-              <a:t>Agenda</a:t>
-            </a:r>
-            <a:endParaRPr lang="en-US" dirty="0"/>
-          </a:p>
-        </p:txBody>
-      </p:sp>
-      <p:sp>
-        <p:nvSpPr>
-          <p:cNvPr id="3" name="Content Placeholder 2"/>
-          <p:cNvSpPr>
-            <a:spLocks noGrp="1"/>
-          </p:cNvSpPr>
-          <p:nvPr>
-            <p:ph idx="1"/>
-          </p:nvPr>
-        </p:nvSpPr>
-        <p:spPr/>
-        <p:txBody>
-          <a:bodyPr/>
-          <a:lstStyle/>
-          <a:p>
-            <a:pPr marL="457200" indent="-457200">
-              <a:buFont typeface="+mj-lt"/>
-              <a:buAutoNum type="arabicPeriod"/>
-            </a:pPr>
-            <a:r>
-              <a:rPr lang="en-US" dirty="0" smtClean="0"/>
-              <a:t>Introduction</a:t>
-            </a:r>
-          </a:p>
-          <a:p>
-            <a:pPr marL="457200" indent="-457200">
-              <a:buFont typeface="+mj-lt"/>
-              <a:buAutoNum type="arabicPeriod"/>
-            </a:pPr>
-            <a:r>
-              <a:rPr lang="en-US" dirty="0" smtClean="0"/>
-              <a:t>Related work</a:t>
-            </a:r>
-          </a:p>
-          <a:p>
-            <a:pPr marL="457200" indent="-457200">
-              <a:buFont typeface="+mj-lt"/>
-              <a:buAutoNum type="arabicPeriod"/>
-            </a:pPr>
-            <a:r>
-              <a:rPr lang="en-US" dirty="0" smtClean="0"/>
-              <a:t>System model</a:t>
-            </a:r>
-          </a:p>
-          <a:p>
-            <a:pPr marL="457200" indent="-457200">
-              <a:buFont typeface="+mj-lt"/>
-              <a:buAutoNum type="arabicPeriod"/>
-            </a:pPr>
-            <a:r>
-              <a:rPr lang="en-US" dirty="0" smtClean="0"/>
-              <a:t>Reliability model</a:t>
-            </a:r>
-          </a:p>
-          <a:p>
-            <a:pPr marL="457200" indent="-457200">
-              <a:buFont typeface="+mj-lt"/>
-              <a:buAutoNum type="arabicPeriod"/>
-            </a:pPr>
-            <a:r>
-              <a:rPr lang="en-US" dirty="0" smtClean="0"/>
-              <a:t>Self-adapting model</a:t>
-            </a:r>
-          </a:p>
-          <a:p>
-            <a:pPr marL="457200" indent="-457200">
-              <a:buFont typeface="+mj-lt"/>
-              <a:buAutoNum type="arabicPeriod"/>
-            </a:pPr>
-            <a:r>
-              <a:rPr lang="en-US" dirty="0" smtClean="0"/>
-              <a:t>Calvin</a:t>
-            </a:r>
-          </a:p>
-          <a:p>
-            <a:pPr marL="457200" indent="-457200">
-              <a:buFont typeface="+mj-lt"/>
-              <a:buAutoNum type="arabicPeriod"/>
-            </a:pPr>
-            <a:r>
-              <a:rPr lang="en-US" dirty="0" smtClean="0"/>
-              <a:t>Implementation</a:t>
-            </a:r>
-          </a:p>
-          <a:p>
-            <a:pPr marL="457200" indent="-457200">
-              <a:buFont typeface="+mj-lt"/>
-              <a:buAutoNum type="arabicPeriod"/>
-            </a:pPr>
-            <a:r>
-              <a:rPr lang="en-US" dirty="0" smtClean="0"/>
-              <a:t>Experiments</a:t>
-            </a:r>
-          </a:p>
-          <a:p>
-            <a:pPr marL="457200" indent="-457200">
-              <a:buFont typeface="+mj-lt"/>
-              <a:buAutoNum type="arabicPeriod"/>
-            </a:pPr>
-            <a:r>
-              <a:rPr lang="en-US" dirty="0" smtClean="0"/>
-              <a:t>Future Work</a:t>
-            </a:r>
-            <a:endParaRPr lang="en-US" dirty="0"/>
-          </a:p>
-        </p:txBody>
-      </p:sp>
-    </p:spTree>
-    <p:extLst>
-      <p:ext uri="{BB962C8B-B14F-4D97-AF65-F5344CB8AC3E}">
-        <p14:creationId xmlns:p14="http://schemas.microsoft.com/office/powerpoint/2010/main" val="658915606"/>
-      </p:ext>
-    </p:extLst>
-  </p:cSld>
-  <p:clrMapOvr>
-    <a:masterClrMapping/>
-  </p:clrMapOvr>
-  <p:timing>
-    <p:tnLst>
-      <p:par>
-        <p:cTn id="1" dur="indefinite" restart="never" nodeType="tmRoot"/>
-      </p:par>
-    </p:tnLst>
-  </p:timing>
-</p:sld>
-</file>
-
-<file path=ppt/slides/slide20.xml><?xml version="1.0" encoding="utf-8"?>
+<file path=ppt/slides/slide22.xml><?xml version="1.0" encoding="utf-8"?>
 <p:sld xmlns:a="http://schemas.openxmlformats.org/drawingml/2006/main" xmlns:r="http://schemas.openxmlformats.org/officeDocument/2006/relationships" xmlns:p="http://schemas.openxmlformats.org/presentationml/2006/main">
   <p:cSld>
     <p:spTree>
@@ -6554,7 +6927,7 @@
 </p:sld>
 </file>
 
-<file path=ppt/slides/slide21.xml><?xml version="1.0" encoding="utf-8"?>
+<file path=ppt/slides/slide23.xml><?xml version="1.0" encoding="utf-8"?>
 <p:sld xmlns:a="http://schemas.openxmlformats.org/drawingml/2006/main" xmlns:r="http://schemas.openxmlformats.org/officeDocument/2006/relationships" xmlns:p="http://schemas.openxmlformats.org/presentationml/2006/main">
   <p:cSld>
     <p:spTree>
@@ -6643,7 +7016,7 @@
 </p:sld>
 </file>
 
-<file path=ppt/slides/slide22.xml><?xml version="1.0" encoding="utf-8"?>
+<file path=ppt/slides/slide24.xml><?xml version="1.0" encoding="utf-8"?>
 <p:sld xmlns:a="http://schemas.openxmlformats.org/drawingml/2006/main" xmlns:r="http://schemas.openxmlformats.org/officeDocument/2006/relationships" xmlns:p="http://schemas.openxmlformats.org/presentationml/2006/main">
   <p:cSld>
     <p:spTree>
@@ -6732,7 +7105,7 @@
 </p:sld>
 </file>
 
-<file path=ppt/slides/slide23.xml><?xml version="1.0" encoding="utf-8"?>
+<file path=ppt/slides/slide25.xml><?xml version="1.0" encoding="utf-8"?>
 <p:sld xmlns:a="http://schemas.openxmlformats.org/drawingml/2006/main" xmlns:r="http://schemas.openxmlformats.org/officeDocument/2006/relationships" xmlns:p="http://schemas.openxmlformats.org/presentationml/2006/main">
   <p:cSld>
     <p:spTree>
@@ -6821,7 +7194,7 @@
 </p:sld>
 </file>
 
-<file path=ppt/slides/slide24.xml><?xml version="1.0" encoding="utf-8"?>
+<file path=ppt/slides/slide26.xml><?xml version="1.0" encoding="utf-8"?>
 <p:sld xmlns:a="http://schemas.openxmlformats.org/drawingml/2006/main" xmlns:r="http://schemas.openxmlformats.org/officeDocument/2006/relationships" xmlns:p="http://schemas.openxmlformats.org/presentationml/2006/main">
   <p:cSld>
     <p:spTree>
@@ -6910,7 +7283,7 @@
 </p:sld>
 </file>
 
-<file path=ppt/slides/slide25.xml><?xml version="1.0" encoding="utf-8"?>
+<file path=ppt/slides/slide27.xml><?xml version="1.0" encoding="utf-8"?>
 <p:sld xmlns:a="http://schemas.openxmlformats.org/drawingml/2006/main" xmlns:r="http://schemas.openxmlformats.org/officeDocument/2006/relationships" xmlns:p="http://schemas.openxmlformats.org/presentationml/2006/main">
   <p:cSld>
     <p:spTree>
@@ -7065,7 +7438,7 @@
 </p:sld>
 </file>
 
-<file path=ppt/slides/slide26.xml><?xml version="1.0" encoding="utf-8"?>
+<file path=ppt/slides/slide28.xml><?xml version="1.0" encoding="utf-8"?>
 <p:sld xmlns:a="http://schemas.openxmlformats.org/drawingml/2006/main" xmlns:r="http://schemas.openxmlformats.org/officeDocument/2006/relationships" xmlns:p="http://schemas.openxmlformats.org/presentationml/2006/main">
   <p:cSld>
     <p:spTree>
@@ -7186,7 +7559,7 @@
 </p:sld>
 </file>
 
-<file path=ppt/slides/slide27.xml><?xml version="1.0" encoding="utf-8"?>
+<file path=ppt/slides/slide29.xml><?xml version="1.0" encoding="utf-8"?>
 <p:sld xmlns:a="http://schemas.openxmlformats.org/drawingml/2006/main" xmlns:r="http://schemas.openxmlformats.org/officeDocument/2006/relationships" xmlns:p="http://schemas.openxmlformats.org/presentationml/2006/main">
   <p:cSld>
     <p:spTree>
@@ -7340,7 +7713,127 @@
 </p:sld>
 </file>
 
-<file path=ppt/slides/slide28.xml><?xml version="1.0" encoding="utf-8"?>
+<file path=ppt/slides/slide3.xml><?xml version="1.0" encoding="utf-8"?>
+<p:sld xmlns:a="http://schemas.openxmlformats.org/drawingml/2006/main" xmlns:r="http://schemas.openxmlformats.org/officeDocument/2006/relationships" xmlns:p="http://schemas.openxmlformats.org/presentationml/2006/main">
+  <p:cSld>
+    <p:spTree>
+      <p:nvGrpSpPr>
+        <p:cNvPr id="1" name=""/>
+        <p:cNvGrpSpPr/>
+        <p:nvPr/>
+      </p:nvGrpSpPr>
+      <p:grpSpPr>
+        <a:xfrm>
+          <a:off x="0" y="0"/>
+          <a:ext cx="0" cy="0"/>
+          <a:chOff x="0" y="0"/>
+          <a:chExt cx="0" cy="0"/>
+        </a:xfrm>
+      </p:grpSpPr>
+      <p:sp>
+        <p:nvSpPr>
+          <p:cNvPr id="2" name="Title 1"/>
+          <p:cNvSpPr>
+            <a:spLocks noGrp="1"/>
+          </p:cNvSpPr>
+          <p:nvPr>
+            <p:ph type="title"/>
+          </p:nvPr>
+        </p:nvSpPr>
+        <p:spPr/>
+        <p:txBody>
+          <a:bodyPr/>
+          <a:lstStyle/>
+          <a:p>
+            <a:r>
+              <a:rPr lang="en-US" dirty="0" smtClean="0"/>
+              <a:t>Introduction</a:t>
+            </a:r>
+            <a:endParaRPr lang="en-US" dirty="0"/>
+          </a:p>
+        </p:txBody>
+      </p:sp>
+      <p:sp>
+        <p:nvSpPr>
+          <p:cNvPr id="3" name="Content Placeholder 2"/>
+          <p:cNvSpPr>
+            <a:spLocks noGrp="1"/>
+          </p:cNvSpPr>
+          <p:nvPr>
+            <p:ph idx="1"/>
+          </p:nvPr>
+        </p:nvSpPr>
+        <p:spPr/>
+        <p:txBody>
+          <a:bodyPr/>
+          <a:lstStyle/>
+          <a:p>
+            <a:pPr>
+              <a:buFont typeface="Arial" charset="0"/>
+              <a:buChar char="•"/>
+            </a:pPr>
+            <a:r>
+              <a:rPr lang="en-US" dirty="0" smtClean="0"/>
+              <a:t> Reliability of applications of services in running in distributed environments</a:t>
+            </a:r>
+          </a:p>
+          <a:p>
+            <a:pPr>
+              <a:buFont typeface="Arial" charset="0"/>
+              <a:buChar char="•"/>
+            </a:pPr>
+            <a:r>
+              <a:rPr lang="en-US" dirty="0" smtClean="0"/>
+              <a:t> Problems:</a:t>
+            </a:r>
+          </a:p>
+          <a:p>
+            <a:pPr lvl="1">
+              <a:buFont typeface="Arial" charset="0"/>
+              <a:buChar char="•"/>
+            </a:pPr>
+            <a:r>
+              <a:rPr lang="en-US" dirty="0" smtClean="0"/>
+              <a:t>More resources --&gt; higher probability that one will fail</a:t>
+            </a:r>
+          </a:p>
+          <a:p>
+            <a:pPr lvl="1">
+              <a:buFont typeface="Arial" charset="0"/>
+              <a:buChar char="•"/>
+            </a:pPr>
+            <a:endParaRPr lang="en-US" dirty="0" smtClean="0"/>
+          </a:p>
+          <a:p>
+            <a:pPr marL="457200" indent="-457200">
+              <a:buFont typeface="+mj-lt"/>
+              <a:buAutoNum type="arabicPeriod"/>
+            </a:pPr>
+            <a:endParaRPr lang="en-US" dirty="0"/>
+          </a:p>
+        </p:txBody>
+      </p:sp>
+    </p:spTree>
+    <p:extLst>
+      <p:ext uri="{BB962C8B-B14F-4D97-AF65-F5344CB8AC3E}">
+        <p14:creationId xmlns:p14="http://schemas.microsoft.com/office/powerpoint/2010/main" val="1174390919"/>
+      </p:ext>
+    </p:extLst>
+  </p:cSld>
+  <p:clrMapOvr>
+    <a:masterClrMapping/>
+  </p:clrMapOvr>
+  <p:timing>
+    <p:tnLst>
+      <p:par>
+        <p:cTn id="1" dur="indefinite" restart="never" nodeType="tmRoot"/>
+      </p:par>
+    </p:tnLst>
+  </p:timing>
+</p:sld>
+</file>
+
+<file path=ppt/slides/slide30.xml><?xml version="1.0" encoding="utf-8"?>
 <p:sld xmlns:a="http://schemas.openxmlformats.org/drawingml/2006/main" xmlns:r="http://schemas.openxmlformats.org/officeDocument/2006/relationships" xmlns:p="http://schemas.openxmlformats.org/presentationml/2006/main">
   <p:cSld>
     <p:spTree>
@@ -7644,7 +8137,7 @@
 </p:sld>
 </file>
 
-<file path=ppt/slides/slide29.xml><?xml version="1.0" encoding="utf-8"?>
+<file path=ppt/slides/slide31.xml><?xml version="1.0" encoding="utf-8"?>
 <p:sld xmlns:a="http://schemas.openxmlformats.org/drawingml/2006/main" xmlns:r="http://schemas.openxmlformats.org/officeDocument/2006/relationships" xmlns:p="http://schemas.openxmlformats.org/presentationml/2006/main">
   <p:cSld>
     <p:spTree>
@@ -7842,127 +8335,7 @@
 </p:sld>
 </file>
 
-<file path=ppt/slides/slide3.xml><?xml version="1.0" encoding="utf-8"?>
-<p:sld xmlns:a="http://schemas.openxmlformats.org/drawingml/2006/main" xmlns:r="http://schemas.openxmlformats.org/officeDocument/2006/relationships" xmlns:p="http://schemas.openxmlformats.org/presentationml/2006/main">
-  <p:cSld>
-    <p:spTree>
-      <p:nvGrpSpPr>
-        <p:cNvPr id="1" name=""/>
-        <p:cNvGrpSpPr/>
-        <p:nvPr/>
-      </p:nvGrpSpPr>
-      <p:grpSpPr>
-        <a:xfrm>
-          <a:off x="0" y="0"/>
-          <a:ext cx="0" cy="0"/>
-          <a:chOff x="0" y="0"/>
-          <a:chExt cx="0" cy="0"/>
-        </a:xfrm>
-      </p:grpSpPr>
-      <p:sp>
-        <p:nvSpPr>
-          <p:cNvPr id="2" name="Title 1"/>
-          <p:cNvSpPr>
-            <a:spLocks noGrp="1"/>
-          </p:cNvSpPr>
-          <p:nvPr>
-            <p:ph type="title"/>
-          </p:nvPr>
-        </p:nvSpPr>
-        <p:spPr/>
-        <p:txBody>
-          <a:bodyPr/>
-          <a:lstStyle/>
-          <a:p>
-            <a:r>
-              <a:rPr lang="en-US" dirty="0" smtClean="0"/>
-              <a:t>Introduction</a:t>
-            </a:r>
-            <a:endParaRPr lang="en-US" dirty="0"/>
-          </a:p>
-        </p:txBody>
-      </p:sp>
-      <p:sp>
-        <p:nvSpPr>
-          <p:cNvPr id="3" name="Content Placeholder 2"/>
-          <p:cNvSpPr>
-            <a:spLocks noGrp="1"/>
-          </p:cNvSpPr>
-          <p:nvPr>
-            <p:ph idx="1"/>
-          </p:nvPr>
-        </p:nvSpPr>
-        <p:spPr/>
-        <p:txBody>
-          <a:bodyPr/>
-          <a:lstStyle/>
-          <a:p>
-            <a:pPr>
-              <a:buFont typeface="Arial" charset="0"/>
-              <a:buChar char="•"/>
-            </a:pPr>
-            <a:r>
-              <a:rPr lang="en-US" dirty="0" smtClean="0"/>
-              <a:t> Reliability of applications of services in running in distributed environments</a:t>
-            </a:r>
-          </a:p>
-          <a:p>
-            <a:pPr>
-              <a:buFont typeface="Arial" charset="0"/>
-              <a:buChar char="•"/>
-            </a:pPr>
-            <a:r>
-              <a:rPr lang="en-US" dirty="0" smtClean="0"/>
-              <a:t> Problems:</a:t>
-            </a:r>
-          </a:p>
-          <a:p>
-            <a:pPr lvl="1">
-              <a:buFont typeface="Arial" charset="0"/>
-              <a:buChar char="•"/>
-            </a:pPr>
-            <a:r>
-              <a:rPr lang="en-US" dirty="0" smtClean="0"/>
-              <a:t>More resources --&gt; higher probability that one will fail</a:t>
-            </a:r>
-          </a:p>
-          <a:p>
-            <a:pPr lvl="1">
-              <a:buFont typeface="Arial" charset="0"/>
-              <a:buChar char="•"/>
-            </a:pPr>
-            <a:endParaRPr lang="en-US" dirty="0" smtClean="0"/>
-          </a:p>
-          <a:p>
-            <a:pPr marL="457200" indent="-457200">
-              <a:buFont typeface="+mj-lt"/>
-              <a:buAutoNum type="arabicPeriod"/>
-            </a:pPr>
-            <a:endParaRPr lang="en-US" dirty="0"/>
-          </a:p>
-        </p:txBody>
-      </p:sp>
-    </p:spTree>
-    <p:extLst>
-      <p:ext uri="{BB962C8B-B14F-4D97-AF65-F5344CB8AC3E}">
-        <p14:creationId xmlns:p14="http://schemas.microsoft.com/office/powerpoint/2010/main" val="1174390919"/>
-      </p:ext>
-    </p:extLst>
-  </p:cSld>
-  <p:clrMapOvr>
-    <a:masterClrMapping/>
-  </p:clrMapOvr>
-  <p:timing>
-    <p:tnLst>
-      <p:par>
-        <p:cTn id="1" dur="indefinite" restart="never" nodeType="tmRoot"/>
-      </p:par>
-    </p:tnLst>
-  </p:timing>
-</p:sld>
-</file>
-
-<file path=ppt/slides/slide30.xml><?xml version="1.0" encoding="utf-8"?>
+<file path=ppt/slides/slide32.xml><?xml version="1.0" encoding="utf-8"?>
 <p:sld xmlns:a="http://schemas.openxmlformats.org/drawingml/2006/main" xmlns:r="http://schemas.openxmlformats.org/officeDocument/2006/relationships" xmlns:p="http://schemas.openxmlformats.org/presentationml/2006/main">
   <p:cSld>
     <p:spTree>
@@ -8095,7 +8468,7 @@
 </p:sld>
 </file>
 
-<file path=ppt/slides/slide31.xml><?xml version="1.0" encoding="utf-8"?>
+<file path=ppt/slides/slide33.xml><?xml version="1.0" encoding="utf-8"?>
 <p:sld xmlns:a="http://schemas.openxmlformats.org/drawingml/2006/main" xmlns:r="http://schemas.openxmlformats.org/officeDocument/2006/relationships" xmlns:p="http://schemas.openxmlformats.org/presentationml/2006/main">
   <p:cSld>
     <p:spTree>
@@ -8358,7 +8731,7 @@
 </p:sld>
 </file>
 
-<file path=ppt/slides/slide32.xml><?xml version="1.0" encoding="utf-8"?>
+<file path=ppt/slides/slide34.xml><?xml version="1.0" encoding="utf-8"?>
 <p:sld xmlns:a="http://schemas.openxmlformats.org/drawingml/2006/main" xmlns:r="http://schemas.openxmlformats.org/officeDocument/2006/relationships" xmlns:p="http://schemas.openxmlformats.org/presentationml/2006/main">
   <p:cSld>
     <p:spTree>
@@ -8484,7 +8857,7 @@
 </p:sld>
 </file>
 
-<file path=ppt/slides/slide33.xml><?xml version="1.0" encoding="utf-8"?>
+<file path=ppt/slides/slide35.xml><?xml version="1.0" encoding="utf-8"?>
 <p:sld xmlns:a="http://schemas.openxmlformats.org/drawingml/2006/main" xmlns:r="http://schemas.openxmlformats.org/officeDocument/2006/relationships" xmlns:p="http://schemas.openxmlformats.org/presentationml/2006/main">
   <p:cSld>
     <p:spTree>
@@ -8596,7 +8969,7 @@
 </p:sld>
 </file>
 
-<file path=ppt/slides/slide34.xml><?xml version="1.0" encoding="utf-8"?>
+<file path=ppt/slides/slide36.xml><?xml version="1.0" encoding="utf-8"?>
 <p:sld xmlns:a="http://schemas.openxmlformats.org/drawingml/2006/main" xmlns:r="http://schemas.openxmlformats.org/officeDocument/2006/relationships" xmlns:p="http://schemas.openxmlformats.org/presentationml/2006/main">
   <p:cSld>
     <p:spTree>
@@ -8711,7 +9084,7 @@
 </p:sld>
 </file>
 
-<file path=ppt/slides/slide35.xml><?xml version="1.0" encoding="utf-8"?>
+<file path=ppt/slides/slide37.xml><?xml version="1.0" encoding="utf-8"?>
 <p:sld xmlns:a="http://schemas.openxmlformats.org/drawingml/2006/main" xmlns:r="http://schemas.openxmlformats.org/officeDocument/2006/relationships" xmlns:p="http://schemas.openxmlformats.org/presentationml/2006/main">
   <p:cSld>
     <p:spTree>
@@ -9103,7 +9476,7 @@
 </p:sld>
 </file>
 
-<file path=ppt/slides/slide36.xml><?xml version="1.0" encoding="utf-8"?>
+<file path=ppt/slides/slide38.xml><?xml version="1.0" encoding="utf-8"?>
 <p:sld xmlns:a="http://schemas.openxmlformats.org/drawingml/2006/main" xmlns:r="http://schemas.openxmlformats.org/officeDocument/2006/relationships" xmlns:p="http://schemas.openxmlformats.org/presentationml/2006/main">
   <p:cSld>
     <p:spTree>
@@ -9192,7 +9565,7 @@
 </p:sld>
 </file>
 
-<file path=ppt/slides/slide37.xml><?xml version="1.0" encoding="utf-8"?>
+<file path=ppt/slides/slide39.xml><?xml version="1.0" encoding="utf-8"?>
 <p:sld xmlns:a="http://schemas.openxmlformats.org/drawingml/2006/main" xmlns:r="http://schemas.openxmlformats.org/officeDocument/2006/relationships" xmlns:p="http://schemas.openxmlformats.org/presentationml/2006/main">
   <p:cSld>
     <p:spTree>
@@ -9991,7 +10364,201 @@
 </p:sld>
 </file>
 
-<file path=ppt/slides/slide38.xml><?xml version="1.0" encoding="utf-8"?>
+<file path=ppt/slides/slide4.xml><?xml version="1.0" encoding="utf-8"?>
+<p:sld xmlns:a="http://schemas.openxmlformats.org/drawingml/2006/main" xmlns:r="http://schemas.openxmlformats.org/officeDocument/2006/relationships" xmlns:p="http://schemas.openxmlformats.org/presentationml/2006/main">
+  <p:cSld>
+    <p:spTree>
+      <p:nvGrpSpPr>
+        <p:cNvPr id="1" name=""/>
+        <p:cNvGrpSpPr/>
+        <p:nvPr/>
+      </p:nvGrpSpPr>
+      <p:grpSpPr>
+        <a:xfrm>
+          <a:off x="0" y="0"/>
+          <a:ext cx="0" cy="0"/>
+          <a:chOff x="0" y="0"/>
+          <a:chExt cx="0" cy="0"/>
+        </a:xfrm>
+      </p:grpSpPr>
+      <p:sp>
+        <p:nvSpPr>
+          <p:cNvPr id="2" name="Title 1"/>
+          <p:cNvSpPr>
+            <a:spLocks noGrp="1"/>
+          </p:cNvSpPr>
+          <p:nvPr>
+            <p:ph type="title"/>
+          </p:nvPr>
+        </p:nvSpPr>
+        <p:spPr/>
+        <p:txBody>
+          <a:bodyPr/>
+          <a:lstStyle/>
+          <a:p>
+            <a:r>
+              <a:rPr lang="en-US" dirty="0" smtClean="0"/>
+              <a:t>Goal</a:t>
+            </a:r>
+            <a:endParaRPr lang="en-US" dirty="0"/>
+          </a:p>
+        </p:txBody>
+      </p:sp>
+      <p:sp>
+        <p:nvSpPr>
+          <p:cNvPr id="3" name="Content Placeholder 2"/>
+          <p:cNvSpPr>
+            <a:spLocks noGrp="1"/>
+          </p:cNvSpPr>
+          <p:nvPr>
+            <p:ph idx="1"/>
+          </p:nvPr>
+        </p:nvSpPr>
+        <p:spPr/>
+        <p:txBody>
+          <a:bodyPr/>
+          <a:lstStyle/>
+          <a:p>
+            <a:pPr>
+              <a:lnSpc>
+                <a:spcPct val="100000"/>
+              </a:lnSpc>
+              <a:spcBef>
+                <a:spcPts val="0"/>
+              </a:spcBef>
+              <a:spcAft>
+                <a:spcPts val="0"/>
+              </a:spcAft>
+              <a:buClrTx/>
+              <a:buSzTx/>
+            </a:pPr>
+            <a:r>
+              <a:rPr lang="en-US" dirty="0" smtClean="0"/>
+              <a:t>Devise a method for dynamically ensuring a certain reliability level applications or services running in distributed environments.</a:t>
+            </a:r>
+          </a:p>
+          <a:p>
+            <a:pPr>
+              <a:lnSpc>
+                <a:spcPct val="100000"/>
+              </a:lnSpc>
+              <a:spcBef>
+                <a:spcPts val="0"/>
+              </a:spcBef>
+              <a:spcAft>
+                <a:spcPts val="0"/>
+              </a:spcAft>
+              <a:buClrTx/>
+              <a:buSzTx/>
+            </a:pPr>
+            <a:endParaRPr lang="en-US" dirty="0"/>
+          </a:p>
+          <a:p>
+            <a:pPr marL="457200" indent="-457200">
+              <a:lnSpc>
+                <a:spcPct val="100000"/>
+              </a:lnSpc>
+              <a:spcBef>
+                <a:spcPts val="0"/>
+              </a:spcBef>
+              <a:spcAft>
+                <a:spcPts val="0"/>
+              </a:spcAft>
+              <a:buClrTx/>
+              <a:buSzTx/>
+              <a:buFont typeface="+mj-lt"/>
+              <a:buAutoNum type="arabicPeriod"/>
+            </a:pPr>
+            <a:r>
+              <a:rPr lang="en-US" dirty="0" smtClean="0"/>
+              <a:t>Design a reliability model for expressing the reliability for an application running in a distributed environment</a:t>
+            </a:r>
+          </a:p>
+          <a:p>
+            <a:pPr marL="457200" indent="-457200">
+              <a:lnSpc>
+                <a:spcPct val="100000"/>
+              </a:lnSpc>
+              <a:spcBef>
+                <a:spcPts val="0"/>
+              </a:spcBef>
+              <a:spcAft>
+                <a:spcPts val="0"/>
+              </a:spcAft>
+              <a:buClrTx/>
+              <a:buSzTx/>
+              <a:buFont typeface="+mj-lt"/>
+              <a:buAutoNum type="arabicPeriod"/>
+            </a:pPr>
+            <a:r>
+              <a:rPr lang="en-US" dirty="0" smtClean="0"/>
+              <a:t>Design a framework which dynamically ensures a certain level of reliability by detecting node failures and adapting to changing system properties</a:t>
+            </a:r>
+          </a:p>
+          <a:p>
+            <a:pPr marL="749808" lvl="1" indent="-457200">
+              <a:lnSpc>
+                <a:spcPct val="100000"/>
+              </a:lnSpc>
+              <a:spcBef>
+                <a:spcPts val="0"/>
+              </a:spcBef>
+              <a:spcAft>
+                <a:spcPts val="0"/>
+              </a:spcAft>
+              <a:buClrTx/>
+              <a:buFont typeface="+mj-lt"/>
+              <a:buAutoNum type="arabicPeriod"/>
+            </a:pPr>
+            <a:r>
+              <a:rPr lang="en-US" dirty="0" smtClean="0"/>
+              <a:t>Reliability will be ensured by the use of replication</a:t>
+            </a:r>
+          </a:p>
+          <a:p>
+            <a:pPr marL="457200" indent="-457200">
+              <a:lnSpc>
+                <a:spcPct val="100000"/>
+              </a:lnSpc>
+              <a:spcBef>
+                <a:spcPts val="0"/>
+              </a:spcBef>
+              <a:spcAft>
+                <a:spcPts val="0"/>
+              </a:spcAft>
+              <a:buClrTx/>
+              <a:buFont typeface="+mj-lt"/>
+              <a:buAutoNum type="arabicPeriod"/>
+            </a:pPr>
+            <a:r>
+              <a:rPr lang="en-US" dirty="0" smtClean="0"/>
+              <a:t>Implement and evaluate model using Calvin</a:t>
+            </a:r>
+            <a:endParaRPr lang="en-US" dirty="0"/>
+          </a:p>
+        </p:txBody>
+      </p:sp>
+    </p:spTree>
+    <p:extLst>
+      <p:ext uri="{BB962C8B-B14F-4D97-AF65-F5344CB8AC3E}">
+        <p14:creationId xmlns:p14="http://schemas.microsoft.com/office/powerpoint/2010/main" val="1070146524"/>
+      </p:ext>
+    </p:extLst>
+  </p:cSld>
+  <p:clrMapOvr>
+    <a:masterClrMapping/>
+  </p:clrMapOvr>
+  <p:timing>
+    <p:tnLst>
+      <p:par>
+        <p:cTn id="1" dur="indefinite" restart="never" nodeType="tmRoot"/>
+      </p:par>
+    </p:tnLst>
+  </p:timing>
+</p:sld>
+</file>
+
+<file path=ppt/slides/slide40.xml><?xml version="1.0" encoding="utf-8"?>
 <p:sld xmlns:a="http://schemas.openxmlformats.org/drawingml/2006/main" xmlns:r="http://schemas.openxmlformats.org/officeDocument/2006/relationships" xmlns:p="http://schemas.openxmlformats.org/presentationml/2006/main">
   <p:cSld>
     <p:spTree>
@@ -11076,7 +11643,7 @@
 </p:sld>
 </file>
 
-<file path=ppt/slides/slide39.xml><?xml version="1.0" encoding="utf-8"?>
+<file path=ppt/slides/slide41.xml><?xml version="1.0" encoding="utf-8"?>
 <p:sld xmlns:a="http://schemas.openxmlformats.org/drawingml/2006/main" xmlns:r="http://schemas.openxmlformats.org/officeDocument/2006/relationships" xmlns:p="http://schemas.openxmlformats.org/presentationml/2006/main">
   <p:cSld>
     <p:spTree>
@@ -11165,154 +11732,7 @@
 </p:sld>
 </file>
 
-<file path=ppt/slides/slide4.xml><?xml version="1.0" encoding="utf-8"?>
-<p:sld xmlns:a="http://schemas.openxmlformats.org/drawingml/2006/main" xmlns:r="http://schemas.openxmlformats.org/officeDocument/2006/relationships" xmlns:p="http://schemas.openxmlformats.org/presentationml/2006/main">
-  <p:cSld>
-    <p:spTree>
-      <p:nvGrpSpPr>
-        <p:cNvPr id="1" name=""/>
-        <p:cNvGrpSpPr/>
-        <p:nvPr/>
-      </p:nvGrpSpPr>
-      <p:grpSpPr>
-        <a:xfrm>
-          <a:off x="0" y="0"/>
-          <a:ext cx="0" cy="0"/>
-          <a:chOff x="0" y="0"/>
-          <a:chExt cx="0" cy="0"/>
-        </a:xfrm>
-      </p:grpSpPr>
-      <p:sp>
-        <p:nvSpPr>
-          <p:cNvPr id="2" name="Title 1"/>
-          <p:cNvSpPr>
-            <a:spLocks noGrp="1"/>
-          </p:cNvSpPr>
-          <p:nvPr>
-            <p:ph type="title"/>
-          </p:nvPr>
-        </p:nvSpPr>
-        <p:spPr/>
-        <p:txBody>
-          <a:bodyPr/>
-          <a:lstStyle/>
-          <a:p>
-            <a:r>
-              <a:rPr lang="en-US" dirty="0" smtClean="0"/>
-              <a:t>Reliability definitions</a:t>
-            </a:r>
-            <a:endParaRPr lang="en-US" dirty="0"/>
-          </a:p>
-        </p:txBody>
-      </p:sp>
-      <p:sp>
-        <p:nvSpPr>
-          <p:cNvPr id="3" name="Content Placeholder 2"/>
-          <p:cNvSpPr>
-            <a:spLocks noGrp="1"/>
-          </p:cNvSpPr>
-          <p:nvPr>
-            <p:ph idx="1"/>
-          </p:nvPr>
-        </p:nvSpPr>
-        <p:spPr/>
-        <p:txBody>
-          <a:bodyPr/>
-          <a:lstStyle/>
-          <a:p>
-            <a:pPr>
-              <a:buFont typeface="Arial" charset="0"/>
-              <a:buChar char="•"/>
-            </a:pPr>
-            <a:r>
-              <a:rPr lang="en-US" dirty="0" smtClean="0"/>
-              <a:t> Reliability of</a:t>
-            </a:r>
-          </a:p>
-          <a:p>
-            <a:pPr lvl="1">
-              <a:buFont typeface="Arial" charset="0"/>
-              <a:buChar char="•"/>
-            </a:pPr>
-            <a:r>
-              <a:rPr lang="en-US" dirty="0" smtClean="0"/>
-              <a:t>Meeting deadlines</a:t>
-            </a:r>
-          </a:p>
-          <a:p>
-            <a:pPr lvl="1">
-              <a:buFont typeface="Arial" charset="0"/>
-              <a:buChar char="•"/>
-            </a:pPr>
-            <a:r>
-              <a:rPr lang="en-US" dirty="0" smtClean="0"/>
-              <a:t>Producing the correct result</a:t>
-            </a:r>
-          </a:p>
-          <a:p>
-            <a:pPr lvl="1">
-              <a:buFont typeface="Arial" charset="0"/>
-              <a:buChar char="•"/>
-            </a:pPr>
-            <a:endParaRPr lang="en-US" dirty="0"/>
-          </a:p>
-          <a:p>
-            <a:pPr>
-              <a:buFont typeface="Arial" charset="0"/>
-              <a:buChar char="•"/>
-            </a:pPr>
-            <a:r>
-              <a:rPr lang="en-US" dirty="0" smtClean="0"/>
-              <a:t> Our definition</a:t>
-            </a:r>
-          </a:p>
-          <a:p>
-            <a:pPr marL="0" indent="0">
-              <a:buNone/>
-            </a:pPr>
-            <a:r>
-              <a:rPr lang="en-US" dirty="0" smtClean="0"/>
-              <a:t>Reliability of a task which is serving some kind of requests, is the probability that no data is lost. In a process with </a:t>
-            </a:r>
-            <a:r>
-              <a:rPr lang="en-US" i="1" dirty="0" smtClean="0"/>
-              <a:t>n </a:t>
-            </a:r>
-            <a:r>
-              <a:rPr lang="en-US" dirty="0" smtClean="0"/>
-              <a:t>task replicas, this corresponds to at least one replica is always running and serving requests.</a:t>
-            </a:r>
-          </a:p>
-          <a:p>
-            <a:pPr marL="457200" indent="-457200">
-              <a:buFont typeface="+mj-lt"/>
-              <a:buAutoNum type="arabicPeriod"/>
-            </a:pPr>
-            <a:endParaRPr lang="en-US" dirty="0"/>
-          </a:p>
-        </p:txBody>
-      </p:sp>
-    </p:spTree>
-    <p:extLst>
-      <p:ext uri="{BB962C8B-B14F-4D97-AF65-F5344CB8AC3E}">
-        <p14:creationId xmlns:p14="http://schemas.microsoft.com/office/powerpoint/2010/main" val="188118652"/>
-      </p:ext>
-    </p:extLst>
-  </p:cSld>
-  <p:clrMapOvr>
-    <a:masterClrMapping/>
-  </p:clrMapOvr>
-  <p:timing>
-    <p:tnLst>
-      <p:par>
-        <p:cTn id="1" dur="indefinite" restart="never" nodeType="tmRoot"/>
-      </p:par>
-    </p:tnLst>
-  </p:timing>
-</p:sld>
-</file>
-
-<file path=ppt/slides/slide40.xml><?xml version="1.0" encoding="utf-8"?>
+<file path=ppt/slides/slide42.xml><?xml version="1.0" encoding="utf-8"?>
 <p:sld xmlns:a="http://schemas.openxmlformats.org/drawingml/2006/main" xmlns:r="http://schemas.openxmlformats.org/officeDocument/2006/relationships" xmlns:p="http://schemas.openxmlformats.org/presentationml/2006/main">
   <p:cSld>
     <p:spTree>
@@ -11402,7 +11822,7 @@
 </p:sld>
 </file>
 
-<file path=ppt/slides/slide41.xml><?xml version="1.0" encoding="utf-8"?>
+<file path=ppt/slides/slide43.xml><?xml version="1.0" encoding="utf-8"?>
 <p:sld xmlns:a="http://schemas.openxmlformats.org/drawingml/2006/main" xmlns:r="http://schemas.openxmlformats.org/officeDocument/2006/relationships" xmlns:p="http://schemas.openxmlformats.org/presentationml/2006/main">
   <p:cSld>
     <p:spTree>
@@ -11492,7 +11912,7 @@
 </p:sld>
 </file>
 
-<file path=ppt/slides/slide42.xml><?xml version="1.0" encoding="utf-8"?>
+<file path=ppt/slides/slide44.xml><?xml version="1.0" encoding="utf-8"?>
 <p:sld xmlns:a="http://schemas.openxmlformats.org/drawingml/2006/main" xmlns:r="http://schemas.openxmlformats.org/officeDocument/2006/relationships" xmlns:p="http://schemas.openxmlformats.org/presentationml/2006/main">
   <p:cSld>
     <p:spTree>
@@ -11582,7 +12002,7 @@
 </p:sld>
 </file>
 
-<file path=ppt/slides/slide43.xml><?xml version="1.0" encoding="utf-8"?>
+<file path=ppt/slides/slide45.xml><?xml version="1.0" encoding="utf-8"?>
 <p:sld xmlns:a="http://schemas.openxmlformats.org/drawingml/2006/main" xmlns:r="http://schemas.openxmlformats.org/officeDocument/2006/relationships" xmlns:p="http://schemas.openxmlformats.org/presentationml/2006/main">
   <p:cSld>
     <p:spTree>
@@ -11994,7 +12414,7 @@
 </p:sld>
 </file>
 
-<file path=ppt/slides/slide44.xml><?xml version="1.0" encoding="utf-8"?>
+<file path=ppt/slides/slide46.xml><?xml version="1.0" encoding="utf-8"?>
 <p:sld xmlns:a="http://schemas.openxmlformats.org/drawingml/2006/main" xmlns:r="http://schemas.openxmlformats.org/officeDocument/2006/relationships" xmlns:p="http://schemas.openxmlformats.org/presentationml/2006/main">
   <p:cSld>
     <p:spTree>
@@ -12877,7 +13297,7 @@
 </p:sld>
 </file>
 
-<file path=ppt/slides/slide45.xml><?xml version="1.0" encoding="utf-8"?>
+<file path=ppt/slides/slide47.xml><?xml version="1.0" encoding="utf-8"?>
 <p:sld xmlns:a="http://schemas.openxmlformats.org/drawingml/2006/main" xmlns:r="http://schemas.openxmlformats.org/officeDocument/2006/relationships" xmlns:p="http://schemas.openxmlformats.org/presentationml/2006/main">
   <p:cSld>
     <p:spTree>
@@ -12967,7 +13387,7 @@
 </p:sld>
 </file>
 
-<file path=ppt/slides/slide46.xml><?xml version="1.0" encoding="utf-8"?>
+<file path=ppt/slides/slide48.xml><?xml version="1.0" encoding="utf-8"?>
 <p:sld xmlns:a="http://schemas.openxmlformats.org/drawingml/2006/main" xmlns:r="http://schemas.openxmlformats.org/officeDocument/2006/relationships" xmlns:p="http://schemas.openxmlformats.org/presentationml/2006/main">
   <p:cSld>
     <p:spTree>
@@ -13057,7 +13477,7 @@
 </p:sld>
 </file>
 
-<file path=ppt/slides/slide47.xml><?xml version="1.0" encoding="utf-8"?>
+<file path=ppt/slides/slide49.xml><?xml version="1.0" encoding="utf-8"?>
 <p:sld xmlns:a="http://schemas.openxmlformats.org/drawingml/2006/main" xmlns:r="http://schemas.openxmlformats.org/officeDocument/2006/relationships" xmlns:p="http://schemas.openxmlformats.org/presentationml/2006/main">
   <p:cSld>
     <p:spTree>
@@ -13147,7 +13567,102 @@
 </p:sld>
 </file>
 
-<file path=ppt/slides/slide48.xml><?xml version="1.0" encoding="utf-8"?>
+<file path=ppt/slides/slide5.xml><?xml version="1.0" encoding="utf-8"?>
+<p:sld xmlns:a="http://schemas.openxmlformats.org/drawingml/2006/main" xmlns:r="http://schemas.openxmlformats.org/officeDocument/2006/relationships" xmlns:p="http://schemas.openxmlformats.org/presentationml/2006/main">
+  <p:cSld>
+    <p:spTree>
+      <p:nvGrpSpPr>
+        <p:cNvPr id="1" name=""/>
+        <p:cNvGrpSpPr/>
+        <p:nvPr/>
+      </p:nvGrpSpPr>
+      <p:grpSpPr>
+        <a:xfrm>
+          <a:off x="0" y="0"/>
+          <a:ext cx="0" cy="0"/>
+          <a:chOff x="0" y="0"/>
+          <a:chExt cx="0" cy="0"/>
+        </a:xfrm>
+      </p:grpSpPr>
+      <p:sp>
+        <p:nvSpPr>
+          <p:cNvPr id="2" name="Title 1"/>
+          <p:cNvSpPr>
+            <a:spLocks noGrp="1"/>
+          </p:cNvSpPr>
+          <p:nvPr>
+            <p:ph type="title"/>
+          </p:nvPr>
+        </p:nvSpPr>
+        <p:spPr/>
+        <p:txBody>
+          <a:bodyPr/>
+          <a:lstStyle/>
+          <a:p>
+            <a:r>
+              <a:rPr lang="en-US" dirty="0" smtClean="0"/>
+              <a:t>Related work</a:t>
+            </a:r>
+            <a:endParaRPr lang="en-US" dirty="0"/>
+          </a:p>
+        </p:txBody>
+      </p:sp>
+      <p:sp>
+        <p:nvSpPr>
+          <p:cNvPr id="3" name="Content Placeholder 2"/>
+          <p:cNvSpPr>
+            <a:spLocks noGrp="1"/>
+          </p:cNvSpPr>
+          <p:nvPr>
+            <p:ph idx="1"/>
+          </p:nvPr>
+        </p:nvSpPr>
+        <p:spPr/>
+        <p:txBody>
+          <a:bodyPr/>
+          <a:lstStyle/>
+          <a:p>
+            <a:pPr>
+              <a:buFont typeface="Arial" charset="0"/>
+              <a:buChar char="•"/>
+            </a:pPr>
+            <a:r>
+              <a:rPr lang="en-US" dirty="0" smtClean="0"/>
+              <a:t> </a:t>
+            </a:r>
+            <a:r>
+              <a:rPr lang="en-US" dirty="0"/>
+              <a:t>Most </a:t>
+            </a:r>
+            <a:r>
+              <a:rPr lang="en-US" dirty="0" smtClean="0"/>
+              <a:t>assume constant failure rates, as well as same failure rates for all nodes</a:t>
+            </a:r>
+            <a:endParaRPr lang="en-US" dirty="0"/>
+          </a:p>
+        </p:txBody>
+      </p:sp>
+    </p:spTree>
+    <p:extLst>
+      <p:ext uri="{BB962C8B-B14F-4D97-AF65-F5344CB8AC3E}">
+        <p14:creationId xmlns:p14="http://schemas.microsoft.com/office/powerpoint/2010/main" val="219035841"/>
+      </p:ext>
+    </p:extLst>
+  </p:cSld>
+  <p:clrMapOvr>
+    <a:masterClrMapping/>
+  </p:clrMapOvr>
+  <p:timing>
+    <p:tnLst>
+      <p:par>
+        <p:cTn id="1" dur="indefinite" restart="never" nodeType="tmRoot"/>
+      </p:par>
+    </p:tnLst>
+  </p:timing>
+</p:sld>
+</file>
+
+<file path=ppt/slides/slide50.xml><?xml version="1.0" encoding="utf-8"?>
 <p:sld xmlns:a="http://schemas.openxmlformats.org/drawingml/2006/main" xmlns:r="http://schemas.openxmlformats.org/officeDocument/2006/relationships" xmlns:p="http://schemas.openxmlformats.org/presentationml/2006/main">
   <p:cSld>
     <p:spTree>
@@ -13315,7 +13830,7 @@
 </p:sld>
 </file>
 
-<file path=ppt/slides/slide49.xml><?xml version="1.0" encoding="utf-8"?>
+<file path=ppt/slides/slide51.xml><?xml version="1.0" encoding="utf-8"?>
 <p:sld xmlns:a="http://schemas.openxmlformats.org/drawingml/2006/main" xmlns:r="http://schemas.openxmlformats.org/officeDocument/2006/relationships" xmlns:p="http://schemas.openxmlformats.org/presentationml/2006/main">
   <p:cSld>
     <p:spTree>
@@ -13432,102 +13947,7 @@
 </p:sld>
 </file>
 
-<file path=ppt/slides/slide5.xml><?xml version="1.0" encoding="utf-8"?>
-<p:sld xmlns:a="http://schemas.openxmlformats.org/drawingml/2006/main" xmlns:r="http://schemas.openxmlformats.org/officeDocument/2006/relationships" xmlns:p="http://schemas.openxmlformats.org/presentationml/2006/main">
-  <p:cSld>
-    <p:spTree>
-      <p:nvGrpSpPr>
-        <p:cNvPr id="1" name=""/>
-        <p:cNvGrpSpPr/>
-        <p:nvPr/>
-      </p:nvGrpSpPr>
-      <p:grpSpPr>
-        <a:xfrm>
-          <a:off x="0" y="0"/>
-          <a:ext cx="0" cy="0"/>
-          <a:chOff x="0" y="0"/>
-          <a:chExt cx="0" cy="0"/>
-        </a:xfrm>
-      </p:grpSpPr>
-      <p:sp>
-        <p:nvSpPr>
-          <p:cNvPr id="2" name="Title 1"/>
-          <p:cNvSpPr>
-            <a:spLocks noGrp="1"/>
-          </p:cNvSpPr>
-          <p:nvPr>
-            <p:ph type="title"/>
-          </p:nvPr>
-        </p:nvSpPr>
-        <p:spPr/>
-        <p:txBody>
-          <a:bodyPr/>
-          <a:lstStyle/>
-          <a:p>
-            <a:r>
-              <a:rPr lang="en-US" dirty="0" smtClean="0"/>
-              <a:t>Related work</a:t>
-            </a:r>
-            <a:endParaRPr lang="en-US" dirty="0"/>
-          </a:p>
-        </p:txBody>
-      </p:sp>
-      <p:sp>
-        <p:nvSpPr>
-          <p:cNvPr id="3" name="Content Placeholder 2"/>
-          <p:cNvSpPr>
-            <a:spLocks noGrp="1"/>
-          </p:cNvSpPr>
-          <p:nvPr>
-            <p:ph idx="1"/>
-          </p:nvPr>
-        </p:nvSpPr>
-        <p:spPr/>
-        <p:txBody>
-          <a:bodyPr/>
-          <a:lstStyle/>
-          <a:p>
-            <a:pPr>
-              <a:buFont typeface="Arial" charset="0"/>
-              <a:buChar char="•"/>
-            </a:pPr>
-            <a:r>
-              <a:rPr lang="en-US" dirty="0" smtClean="0"/>
-              <a:t> </a:t>
-            </a:r>
-            <a:r>
-              <a:rPr lang="en-US" dirty="0"/>
-              <a:t>Most </a:t>
-            </a:r>
-            <a:r>
-              <a:rPr lang="en-US" dirty="0" smtClean="0"/>
-              <a:t>assume constant failure rates, as well as same failure rates for all nodes</a:t>
-            </a:r>
-            <a:endParaRPr lang="en-US" dirty="0"/>
-          </a:p>
-        </p:txBody>
-      </p:sp>
-    </p:spTree>
-    <p:extLst>
-      <p:ext uri="{BB962C8B-B14F-4D97-AF65-F5344CB8AC3E}">
-        <p14:creationId xmlns:p14="http://schemas.microsoft.com/office/powerpoint/2010/main" val="219035841"/>
-      </p:ext>
-    </p:extLst>
-  </p:cSld>
-  <p:clrMapOvr>
-    <a:masterClrMapping/>
-  </p:clrMapOvr>
-  <p:timing>
-    <p:tnLst>
-      <p:par>
-        <p:cTn id="1" dur="indefinite" restart="never" nodeType="tmRoot"/>
-      </p:par>
-    </p:tnLst>
-  </p:timing>
-</p:sld>
-</file>
-
-<file path=ppt/slides/slide50.xml><?xml version="1.0" encoding="utf-8"?>
+<file path=ppt/slides/slide52.xml><?xml version="1.0" encoding="utf-8"?>
 <p:sld xmlns:a="http://schemas.openxmlformats.org/drawingml/2006/main" xmlns:r="http://schemas.openxmlformats.org/officeDocument/2006/relationships" xmlns:p="http://schemas.openxmlformats.org/presentationml/2006/main">
   <p:cSld>
     <p:spTree>
@@ -13616,7 +14036,7 @@
 </p:sld>
 </file>
 
-<file path=ppt/slides/slide51.xml><?xml version="1.0" encoding="utf-8"?>
+<file path=ppt/slides/slide53.xml><?xml version="1.0" encoding="utf-8"?>
 <p:sld xmlns:a="http://schemas.openxmlformats.org/drawingml/2006/main" xmlns:r="http://schemas.openxmlformats.org/officeDocument/2006/relationships" xmlns:p="http://schemas.openxmlformats.org/presentationml/2006/main">
   <p:cSld>
     <p:spTree>
@@ -13769,7 +14189,7 @@
 </p:sld>
 </file>
 
-<file path=ppt/slides/slide52.xml><?xml version="1.0" encoding="utf-8"?>
+<file path=ppt/slides/slide54.xml><?xml version="1.0" encoding="utf-8"?>
 <p:sld xmlns:a="http://schemas.openxmlformats.org/drawingml/2006/main" xmlns:r="http://schemas.openxmlformats.org/officeDocument/2006/relationships" xmlns:p="http://schemas.openxmlformats.org/presentationml/2006/main">
   <p:cSld>
     <p:spTree>
@@ -13858,7 +14278,7 @@
 </p:sld>
 </file>
 
-<file path=ppt/slides/slide53.xml><?xml version="1.0" encoding="utf-8"?>
+<file path=ppt/slides/slide55.xml><?xml version="1.0" encoding="utf-8"?>
 <p:sld xmlns:a="http://schemas.openxmlformats.org/drawingml/2006/main" xmlns:r="http://schemas.openxmlformats.org/officeDocument/2006/relationships" xmlns:p="http://schemas.openxmlformats.org/presentationml/2006/main">
   <p:cSld>
     <p:spTree>
@@ -13947,7 +14367,7 @@
 </p:sld>
 </file>
 
-<file path=ppt/slides/slide54.xml><?xml version="1.0" encoding="utf-8"?>
+<file path=ppt/slides/slide56.xml><?xml version="1.0" encoding="utf-8"?>
 <p:sld xmlns:a="http://schemas.openxmlformats.org/drawingml/2006/main" xmlns:r="http://schemas.openxmlformats.org/officeDocument/2006/relationships" xmlns:p="http://schemas.openxmlformats.org/presentationml/2006/main">
   <p:cSld>
     <p:spTree>
@@ -14133,7 +14553,7 @@
 </p:sld>
 </file>
 
-<file path=ppt/slides/slide55.xml><?xml version="1.0" encoding="utf-8"?>
+<file path=ppt/slides/slide57.xml><?xml version="1.0" encoding="utf-8"?>
 <p:sld xmlns:a="http://schemas.openxmlformats.org/drawingml/2006/main" xmlns:r="http://schemas.openxmlformats.org/officeDocument/2006/relationships" xmlns:p="http://schemas.openxmlformats.org/presentationml/2006/main">
   <p:cSld>
     <p:spTree>
@@ -14267,7 +14687,7 @@
 </p:sld>
 </file>
 
-<file path=ppt/slides/slide56.xml><?xml version="1.0" encoding="utf-8"?>
+<file path=ppt/slides/slide58.xml><?xml version="1.0" encoding="utf-8"?>
 <p:sld xmlns:a="http://schemas.openxmlformats.org/drawingml/2006/main" xmlns:r="http://schemas.openxmlformats.org/officeDocument/2006/relationships" xmlns:p="http://schemas.openxmlformats.org/presentationml/2006/main">
   <p:cSld>
     <p:spTree>
@@ -14366,7 +14786,7 @@
 </p:sld>
 </file>
 
-<file path=ppt/slides/slide57.xml><?xml version="1.0" encoding="utf-8"?>
+<file path=ppt/slides/slide59.xml><?xml version="1.0" encoding="utf-8"?>
 <p:sld xmlns:a="http://schemas.openxmlformats.org/drawingml/2006/main" xmlns:r="http://schemas.openxmlformats.org/officeDocument/2006/relationships" xmlns:p="http://schemas.openxmlformats.org/presentationml/2006/main">
   <p:cSld>
     <p:spTree>
@@ -14472,108 +14892,6 @@
       </p:par>
     </p:tnLst>
   </p:timing>
-</p:sld>
-</file>
-
-<file path=ppt/slides/slide58.xml><?xml version="1.0" encoding="utf-8"?>
-<p:sld xmlns:a="http://schemas.openxmlformats.org/drawingml/2006/main" xmlns:r="http://schemas.openxmlformats.org/officeDocument/2006/relationships" xmlns:p="http://schemas.openxmlformats.org/presentationml/2006/main">
-  <p:cSld>
-    <p:spTree>
-      <p:nvGrpSpPr>
-        <p:cNvPr id="1" name=""/>
-        <p:cNvGrpSpPr/>
-        <p:nvPr/>
-      </p:nvGrpSpPr>
-      <p:grpSpPr>
-        <a:xfrm>
-          <a:off x="0" y="0"/>
-          <a:ext cx="0" cy="0"/>
-          <a:chOff x="0" y="0"/>
-          <a:chExt cx="0" cy="0"/>
-        </a:xfrm>
-      </p:grpSpPr>
-      <p:sp>
-        <p:nvSpPr>
-          <p:cNvPr id="2" name="Rubrik 1"/>
-          <p:cNvSpPr>
-            <a:spLocks noGrp="1"/>
-          </p:cNvSpPr>
-          <p:nvPr>
-            <p:ph type="title"/>
-          </p:nvPr>
-        </p:nvSpPr>
-        <p:spPr/>
-        <p:txBody>
-          <a:bodyPr/>
-          <a:lstStyle/>
-          <a:p>
-            <a:r>
-              <a:rPr lang="en-US" dirty="0"/>
-              <a:t>Considering load in the </a:t>
-            </a:r>
-            <a:r>
-              <a:rPr lang="en-US" dirty="0" smtClean="0"/>
-              <a:t>scheduling, </a:t>
-            </a:r>
-            <a:r>
-              <a:rPr lang="en-US" dirty="0"/>
-              <a:t>cont’d.</a:t>
-            </a:r>
-            <a:endParaRPr lang="sv-SE" dirty="0"/>
-          </a:p>
-        </p:txBody>
-      </p:sp>
-      <p:sp>
-        <p:nvSpPr>
-          <p:cNvPr id="7" name="Platshållare för innehåll 6"/>
-          <p:cNvSpPr>
-            <a:spLocks noGrp="1"/>
-          </p:cNvSpPr>
-          <p:nvPr>
-            <p:ph idx="1"/>
-          </p:nvPr>
-        </p:nvSpPr>
-        <p:spPr/>
-        <p:txBody>
-          <a:bodyPr/>
-          <a:lstStyle/>
-          <a:p>
-            <a:r>
-              <a:rPr lang="sv-SE" dirty="0" smtClean="0"/>
-              <a:t>[Bild över </a:t>
-            </a:r>
-            <a:r>
-              <a:rPr lang="sv-SE" dirty="0" err="1" smtClean="0"/>
-              <a:t>unloaded</a:t>
-            </a:r>
-            <a:r>
-              <a:rPr lang="sv-SE" dirty="0" smtClean="0"/>
-              <a:t> </a:t>
-            </a:r>
-            <a:r>
-              <a:rPr lang="sv-SE" dirty="0" err="1" smtClean="0"/>
-              <a:t>nodes</a:t>
-            </a:r>
-            <a:r>
-              <a:rPr lang="sv-SE" dirty="0" smtClean="0"/>
-              <a:t>]</a:t>
-            </a:r>
-          </a:p>
-          <a:p>
-            <a:endParaRPr lang="sv-SE" dirty="0"/>
-          </a:p>
-        </p:txBody>
-      </p:sp>
-    </p:spTree>
-    <p:extLst>
-      <p:ext uri="{BB962C8B-B14F-4D97-AF65-F5344CB8AC3E}">
-        <p14:creationId xmlns:p14="http://schemas.microsoft.com/office/powerpoint/2010/main" val="2820870025"/>
-      </p:ext>
-    </p:extLst>
-  </p:cSld>
-  <p:clrMapOvr>
-    <a:masterClrMapping/>
-  </p:clrMapOvr>
 </p:sld>
 </file>
 
@@ -14744,6 +15062,108 @@
 </p:sld>
 </file>
 
+<file path=ppt/slides/slide60.xml><?xml version="1.0" encoding="utf-8"?>
+<p:sld xmlns:a="http://schemas.openxmlformats.org/drawingml/2006/main" xmlns:r="http://schemas.openxmlformats.org/officeDocument/2006/relationships" xmlns:p="http://schemas.openxmlformats.org/presentationml/2006/main">
+  <p:cSld>
+    <p:spTree>
+      <p:nvGrpSpPr>
+        <p:cNvPr id="1" name=""/>
+        <p:cNvGrpSpPr/>
+        <p:nvPr/>
+      </p:nvGrpSpPr>
+      <p:grpSpPr>
+        <a:xfrm>
+          <a:off x="0" y="0"/>
+          <a:ext cx="0" cy="0"/>
+          <a:chOff x="0" y="0"/>
+          <a:chExt cx="0" cy="0"/>
+        </a:xfrm>
+      </p:grpSpPr>
+      <p:sp>
+        <p:nvSpPr>
+          <p:cNvPr id="2" name="Rubrik 1"/>
+          <p:cNvSpPr>
+            <a:spLocks noGrp="1"/>
+          </p:cNvSpPr>
+          <p:nvPr>
+            <p:ph type="title"/>
+          </p:nvPr>
+        </p:nvSpPr>
+        <p:spPr/>
+        <p:txBody>
+          <a:bodyPr/>
+          <a:lstStyle/>
+          <a:p>
+            <a:r>
+              <a:rPr lang="en-US" dirty="0"/>
+              <a:t>Considering load in the </a:t>
+            </a:r>
+            <a:r>
+              <a:rPr lang="en-US" dirty="0" smtClean="0"/>
+              <a:t>scheduling, </a:t>
+            </a:r>
+            <a:r>
+              <a:rPr lang="en-US" dirty="0"/>
+              <a:t>cont’d.</a:t>
+            </a:r>
+            <a:endParaRPr lang="sv-SE" dirty="0"/>
+          </a:p>
+        </p:txBody>
+      </p:sp>
+      <p:sp>
+        <p:nvSpPr>
+          <p:cNvPr id="7" name="Platshållare för innehåll 6"/>
+          <p:cNvSpPr>
+            <a:spLocks noGrp="1"/>
+          </p:cNvSpPr>
+          <p:nvPr>
+            <p:ph idx="1"/>
+          </p:nvPr>
+        </p:nvSpPr>
+        <p:spPr/>
+        <p:txBody>
+          <a:bodyPr/>
+          <a:lstStyle/>
+          <a:p>
+            <a:r>
+              <a:rPr lang="sv-SE" dirty="0" smtClean="0"/>
+              <a:t>[Bild över </a:t>
+            </a:r>
+            <a:r>
+              <a:rPr lang="sv-SE" dirty="0" err="1" smtClean="0"/>
+              <a:t>unloaded</a:t>
+            </a:r>
+            <a:r>
+              <a:rPr lang="sv-SE" dirty="0" smtClean="0"/>
+              <a:t> </a:t>
+            </a:r>
+            <a:r>
+              <a:rPr lang="sv-SE" dirty="0" err="1" smtClean="0"/>
+              <a:t>nodes</a:t>
+            </a:r>
+            <a:r>
+              <a:rPr lang="sv-SE" dirty="0" smtClean="0"/>
+              <a:t>]</a:t>
+            </a:r>
+          </a:p>
+          <a:p>
+            <a:endParaRPr lang="sv-SE" dirty="0"/>
+          </a:p>
+        </p:txBody>
+      </p:sp>
+    </p:spTree>
+    <p:extLst>
+      <p:ext uri="{BB962C8B-B14F-4D97-AF65-F5344CB8AC3E}">
+        <p14:creationId xmlns:p14="http://schemas.microsoft.com/office/powerpoint/2010/main" val="2820870025"/>
+      </p:ext>
+    </p:extLst>
+  </p:cSld>
+  <p:clrMapOvr>
+    <a:masterClrMapping/>
+  </p:clrMapOvr>
+</p:sld>
+</file>
+
 <file path=ppt/slides/slide7.xml><?xml version="1.0" encoding="utf-8"?>
 <p:sld xmlns:a="http://schemas.openxmlformats.org/drawingml/2006/main" xmlns:r="http://schemas.openxmlformats.org/officeDocument/2006/relationships" xmlns:p="http://schemas.openxmlformats.org/presentationml/2006/main">
   <p:cSld>
@@ -14778,11 +15198,7 @@
           <a:p>
             <a:r>
               <a:rPr lang="en-US" dirty="0" smtClean="0"/>
-              <a:t>Fault </a:t>
-            </a:r>
-            <a:r>
-              <a:rPr lang="en-US" dirty="0" smtClean="0"/>
-              <a:t>model / Limitations</a:t>
+              <a:t>Fault model / Limitations</a:t>
             </a:r>
             <a:endParaRPr lang="en-US" dirty="0"/>
           </a:p>
@@ -15128,7 +15544,7 @@
                         <m:dPr>
                           <m:ctrlPr>
                             <a:rPr lang="en-GB" i="1">
-                              <a:latin typeface="Cambria Math" panose="02040503050406030204" pitchFamily="18" charset="0"/>
+                              <a:latin typeface="Cambria Math" charset="0"/>
                             </a:rPr>
                           </m:ctrlPr>
                         </m:dPr>
@@ -15163,7 +15579,7 @@
                         <m:fPr>
                           <m:ctrlPr>
                             <a:rPr lang="fi-FI" i="1">
-                              <a:latin typeface="Cambria Math" panose="02040503050406030204" pitchFamily="18" charset="0"/>
+                              <a:latin typeface="Cambria Math" charset="0"/>
                             </a:rPr>
                           </m:ctrlPr>
                         </m:fPr>
@@ -15184,7 +15600,7 @@
                             <m:sSupPr>
                               <m:ctrlPr>
                                 <a:rPr lang="is-IS" i="1">
-                                  <a:latin typeface="Cambria Math" panose="02040503050406030204" pitchFamily="18" charset="0"/>
+                                  <a:latin typeface="Cambria Math" charset="0"/>
                                 </a:rPr>
                               </m:ctrlPr>
                             </m:sSupPr>
@@ -15320,7 +15736,7 @@
                         <m:fPr>
                           <m:ctrlPr>
                             <a:rPr lang="fi-FI" i="1">
-                              <a:latin typeface="Cambria Math" panose="02040503050406030204" pitchFamily="18" charset="0"/>
+                              <a:latin typeface="Cambria Math" charset="0"/>
                             </a:rPr>
                           </m:ctrlPr>
                         </m:fPr>
@@ -15428,7 +15844,7 @@
                         <m:dPr>
                           <m:ctrlPr>
                             <a:rPr lang="en-GB" i="1">
-                              <a:latin typeface="Cambria Math" panose="02040503050406030204" pitchFamily="18" charset="0"/>
+                              <a:latin typeface="Cambria Math" charset="0"/>
                             </a:rPr>
                           </m:ctrlPr>
                         </m:dPr>
@@ -15499,7 +15915,7 @@
                         <m:fPr>
                           <m:ctrlPr>
                             <a:rPr lang="fi-FI" i="1">
-                              <a:latin typeface="Cambria Math" panose="02040503050406030204" pitchFamily="18" charset="0"/>
+                              <a:latin typeface="Cambria Math" charset="0"/>
                             </a:rPr>
                           </m:ctrlPr>
                         </m:fPr>
@@ -15508,7 +15924,7 @@
                             <m:sSupPr>
                               <m:ctrlPr>
                                 <a:rPr lang="is-IS" i="1">
-                                  <a:latin typeface="Cambria Math" panose="02040503050406030204" pitchFamily="18" charset="0"/>
+                                  <a:latin typeface="Cambria Math" charset="0"/>
                                 </a:rPr>
                               </m:ctrlPr>
                             </m:sSupPr>
@@ -15517,7 +15933,7 @@
                                 <m:dPr>
                                   <m:ctrlPr>
                                     <a:rPr lang="en-US" i="1">
-                                      <a:latin typeface="Cambria Math" panose="02040503050406030204" pitchFamily="18" charset="0"/>
+                                      <a:latin typeface="Cambria Math" charset="0"/>
                                     </a:rPr>
                                   </m:ctrlPr>
                                 </m:dPr>
@@ -15526,7 +15942,7 @@
                                     <m:fPr>
                                       <m:ctrlPr>
                                         <a:rPr lang="fi-FI" i="1">
-                                          <a:latin typeface="Cambria Math" panose="02040503050406030204" pitchFamily="18" charset="0"/>
+                                          <a:latin typeface="Cambria Math" charset="0"/>
                                         </a:rPr>
                                       </m:ctrlPr>
                                     </m:fPr>
@@ -15569,7 +15985,7 @@
                             <m:sSupPr>
                               <m:ctrlPr>
                                 <a:rPr lang="is-IS" i="1">
-                                  <a:latin typeface="Cambria Math" panose="02040503050406030204" pitchFamily="18" charset="0"/>
+                                  <a:latin typeface="Cambria Math" charset="0"/>
                                 </a:rPr>
                               </m:ctrlPr>
                             </m:sSupPr>
@@ -15592,7 +16008,7 @@
                                 <m:dPr>
                                   <m:ctrlPr>
                                     <a:rPr lang="en-US" i="1">
-                                      <a:latin typeface="Cambria Math" panose="02040503050406030204" pitchFamily="18" charset="0"/>
+                                      <a:latin typeface="Cambria Math" charset="0"/>
                                     </a:rPr>
                                   </m:ctrlPr>
                                 </m:dPr>
@@ -15601,7 +16017,7 @@
                                     <m:fPr>
                                       <m:ctrlPr>
                                         <a:rPr lang="fi-FI" i="1">
-                                          <a:latin typeface="Cambria Math" panose="02040503050406030204" pitchFamily="18" charset="0"/>
+                                          <a:latin typeface="Cambria Math" charset="0"/>
                                         </a:rPr>
                                       </m:ctrlPr>
                                     </m:fPr>
@@ -15891,7 +16307,7 @@
                         <m:dPr>
                           <m:ctrlPr>
                             <a:rPr lang="en-GB" i="1">
-                              <a:latin typeface="Cambria Math" panose="02040503050406030204" pitchFamily="18" charset="0"/>
+                              <a:latin typeface="Cambria Math" charset="0"/>
                             </a:rPr>
                           </m:ctrlPr>
                         </m:dPr>
@@ -15920,7 +16336,7 @@
                         <m:dPr>
                           <m:ctrlPr>
                             <a:rPr lang="en-GB" i="1">
-                              <a:latin typeface="Cambria Math" panose="02040503050406030204" pitchFamily="18" charset="0"/>
+                              <a:latin typeface="Cambria Math" charset="0"/>
                             </a:rPr>
                           </m:ctrlPr>
                         </m:dPr>
@@ -15985,7 +16401,7 @@
                         <m:fPr>
                           <m:ctrlPr>
                             <a:rPr lang="fi-FI" i="1">
-                              <a:latin typeface="Cambria Math" panose="02040503050406030204" pitchFamily="18" charset="0"/>
+                              <a:latin typeface="Cambria Math" charset="0"/>
                             </a:rPr>
                           </m:ctrlPr>
                         </m:fPr>
@@ -15994,7 +16410,7 @@
                             <m:sSupPr>
                               <m:ctrlPr>
                                 <a:rPr lang="is-IS" i="1">
-                                  <a:latin typeface="Cambria Math" panose="02040503050406030204" pitchFamily="18" charset="0"/>
+                                  <a:latin typeface="Cambria Math" charset="0"/>
                                 </a:rPr>
                               </m:ctrlPr>
                             </m:sSupPr>
@@ -16003,7 +16419,7 @@
                                 <m:dPr>
                                   <m:ctrlPr>
                                     <a:rPr lang="en-US" i="1">
-                                      <a:latin typeface="Cambria Math" panose="02040503050406030204" pitchFamily="18" charset="0"/>
+                                      <a:latin typeface="Cambria Math" charset="0"/>
                                     </a:rPr>
                                   </m:ctrlPr>
                                 </m:dPr>
@@ -16012,7 +16428,7 @@
                                     <m:fPr>
                                       <m:ctrlPr>
                                         <a:rPr lang="fi-FI" i="1">
-                                          <a:latin typeface="Cambria Math" panose="02040503050406030204" pitchFamily="18" charset="0"/>
+                                          <a:latin typeface="Cambria Math" charset="0"/>
                                         </a:rPr>
                                       </m:ctrlPr>
                                     </m:fPr>
@@ -16055,7 +16471,7 @@
                             <m:sSupPr>
                               <m:ctrlPr>
                                 <a:rPr lang="is-IS" i="1">
-                                  <a:latin typeface="Cambria Math" panose="02040503050406030204" pitchFamily="18" charset="0"/>
+                                  <a:latin typeface="Cambria Math" charset="0"/>
                                 </a:rPr>
                               </m:ctrlPr>
                             </m:sSupPr>
@@ -16078,7 +16494,7 @@
                                 <m:dPr>
                                   <m:ctrlPr>
                                     <a:rPr lang="en-US" i="1">
-                                      <a:latin typeface="Cambria Math" panose="02040503050406030204" pitchFamily="18" charset="0"/>
+                                      <a:latin typeface="Cambria Math" charset="0"/>
                                     </a:rPr>
                                   </m:ctrlPr>
                                 </m:dPr>
@@ -16087,7 +16503,7 @@
                                     <m:fPr>
                                       <m:ctrlPr>
                                         <a:rPr lang="fi-FI" i="1">
-                                          <a:latin typeface="Cambria Math" panose="02040503050406030204" pitchFamily="18" charset="0"/>
+                                          <a:latin typeface="Cambria Math" charset="0"/>
                                         </a:rPr>
                                       </m:ctrlPr>
                                     </m:fPr>
@@ -16138,7 +16554,7 @@
                         <m:sSupPr>
                           <m:ctrlPr>
                             <a:rPr lang="is-IS" i="1">
-                              <a:latin typeface="Cambria Math" panose="02040503050406030204" pitchFamily="18" charset="0"/>
+                              <a:latin typeface="Cambria Math" charset="0"/>
                             </a:rPr>
                           </m:ctrlPr>
                         </m:sSupPr>
@@ -16161,7 +16577,7 @@
                             <m:dPr>
                               <m:ctrlPr>
                                 <a:rPr lang="en-US" i="1">
-                                  <a:latin typeface="Cambria Math" panose="02040503050406030204" pitchFamily="18" charset="0"/>
+                                  <a:latin typeface="Cambria Math" charset="0"/>
                                 </a:rPr>
                               </m:ctrlPr>
                             </m:dPr>
@@ -16170,7 +16586,7 @@
                                 <m:fPr>
                                   <m:ctrlPr>
                                     <a:rPr lang="fi-FI" i="1">
-                                      <a:latin typeface="Cambria Math" panose="02040503050406030204" pitchFamily="18" charset="0"/>
+                                      <a:latin typeface="Cambria Math" charset="0"/>
                                     </a:rPr>
                                   </m:ctrlPr>
                                 </m:fPr>
@@ -16282,7 +16698,7 @@
                         <m:dPr>
                           <m:ctrlPr>
                             <a:rPr lang="en-GB" i="1">
-                              <a:latin typeface="Cambria Math" panose="02040503050406030204" pitchFamily="18" charset="0"/>
+                              <a:latin typeface="Cambria Math" charset="0"/>
                             </a:rPr>
                           </m:ctrlPr>
                         </m:dPr>
@@ -16353,7 +16769,7 @@
                         <m:fPr>
                           <m:ctrlPr>
                             <a:rPr lang="fi-FI" i="1">
-                              <a:latin typeface="Cambria Math" panose="02040503050406030204" pitchFamily="18" charset="0"/>
+                              <a:latin typeface="Cambria Math" charset="0"/>
                             </a:rPr>
                           </m:ctrlPr>
                         </m:fPr>
@@ -16362,7 +16778,7 @@
                             <m:sSupPr>
                               <m:ctrlPr>
                                 <a:rPr lang="is-IS" i="1">
-                                  <a:latin typeface="Cambria Math" panose="02040503050406030204" pitchFamily="18" charset="0"/>
+                                  <a:latin typeface="Cambria Math" charset="0"/>
                                 </a:rPr>
                               </m:ctrlPr>
                             </m:sSupPr>
@@ -16371,7 +16787,7 @@
                                 <m:dPr>
                                   <m:ctrlPr>
                                     <a:rPr lang="en-US" i="1">
-                                      <a:latin typeface="Cambria Math" panose="02040503050406030204" pitchFamily="18" charset="0"/>
+                                      <a:latin typeface="Cambria Math" charset="0"/>
                                     </a:rPr>
                                   </m:ctrlPr>
                                 </m:dPr>
@@ -16380,7 +16796,7 @@
                                     <m:fPr>
                                       <m:ctrlPr>
                                         <a:rPr lang="fi-FI" i="1">
-                                          <a:latin typeface="Cambria Math" panose="02040503050406030204" pitchFamily="18" charset="0"/>
+                                          <a:latin typeface="Cambria Math" charset="0"/>
                                         </a:rPr>
                                       </m:ctrlPr>
                                     </m:fPr>
@@ -16423,7 +16839,7 @@
                             <m:sSupPr>
                               <m:ctrlPr>
                                 <a:rPr lang="is-IS" i="1">
-                                  <a:latin typeface="Cambria Math" panose="02040503050406030204" pitchFamily="18" charset="0"/>
+                                  <a:latin typeface="Cambria Math" charset="0"/>
                                 </a:rPr>
                               </m:ctrlPr>
                             </m:sSupPr>
@@ -16446,7 +16862,7 @@
                                 <m:dPr>
                                   <m:ctrlPr>
                                     <a:rPr lang="en-US" i="1">
-                                      <a:latin typeface="Cambria Math" panose="02040503050406030204" pitchFamily="18" charset="0"/>
+                                      <a:latin typeface="Cambria Math" charset="0"/>
                                     </a:rPr>
                                   </m:ctrlPr>
                                 </m:dPr>
@@ -16455,7 +16871,7 @@
                                     <m:fPr>
                                       <m:ctrlPr>
                                         <a:rPr lang="fi-FI" i="1">
-                                          <a:latin typeface="Cambria Math" panose="02040503050406030204" pitchFamily="18" charset="0"/>
+                                          <a:latin typeface="Cambria Math" charset="0"/>
                                         </a:rPr>
                                       </m:ctrlPr>
                                     </m:fPr>
@@ -16583,7 +16999,7 @@
                         <m:dPr>
                           <m:ctrlPr>
                             <a:rPr lang="en-GB" i="1">
-                              <a:latin typeface="Cambria Math" panose="02040503050406030204" pitchFamily="18" charset="0"/>
+                              <a:latin typeface="Cambria Math" charset="0"/>
                             </a:rPr>
                           </m:ctrlPr>
                         </m:dPr>

--- a/presentation/presentation.pptx
+++ b/presentation/presentation.pptx
@@ -11,10 +11,10 @@
     <p:sldId id="329" r:id="rId5"/>
     <p:sldId id="290" r:id="rId6"/>
     <p:sldId id="300" r:id="rId7"/>
-    <p:sldId id="301" r:id="rId8"/>
-    <p:sldId id="307" r:id="rId9"/>
-    <p:sldId id="309" r:id="rId10"/>
-    <p:sldId id="331" r:id="rId11"/>
+    <p:sldId id="331" r:id="rId8"/>
+    <p:sldId id="301" r:id="rId9"/>
+    <p:sldId id="307" r:id="rId10"/>
+    <p:sldId id="309" r:id="rId11"/>
     <p:sldId id="330" r:id="rId12"/>
     <p:sldId id="302" r:id="rId13"/>
     <p:sldId id="322" r:id="rId14"/>
@@ -31,40 +31,46 @@
     <p:sldId id="318" r:id="rId25"/>
     <p:sldId id="319" r:id="rId26"/>
     <p:sldId id="320" r:id="rId27"/>
-    <p:sldId id="294" r:id="rId28"/>
-    <p:sldId id="297" r:id="rId29"/>
-    <p:sldId id="298" r:id="rId30"/>
-    <p:sldId id="299" r:id="rId31"/>
-    <p:sldId id="295" r:id="rId32"/>
-    <p:sldId id="258" r:id="rId33"/>
-    <p:sldId id="259" r:id="rId34"/>
-    <p:sldId id="260" r:id="rId35"/>
-    <p:sldId id="261" r:id="rId36"/>
-    <p:sldId id="263" r:id="rId37"/>
-    <p:sldId id="262" r:id="rId38"/>
-    <p:sldId id="264" r:id="rId39"/>
-    <p:sldId id="265" r:id="rId40"/>
-    <p:sldId id="275" r:id="rId41"/>
-    <p:sldId id="266" r:id="rId42"/>
-    <p:sldId id="267" r:id="rId43"/>
-    <p:sldId id="268" r:id="rId44"/>
-    <p:sldId id="269" r:id="rId45"/>
-    <p:sldId id="270" r:id="rId46"/>
-    <p:sldId id="271" r:id="rId47"/>
-    <p:sldId id="272" r:id="rId48"/>
-    <p:sldId id="274" r:id="rId49"/>
-    <p:sldId id="273" r:id="rId50"/>
-    <p:sldId id="276" r:id="rId51"/>
-    <p:sldId id="277" r:id="rId52"/>
-    <p:sldId id="278" r:id="rId53"/>
-    <p:sldId id="279" r:id="rId54"/>
-    <p:sldId id="280" r:id="rId55"/>
-    <p:sldId id="281" r:id="rId56"/>
-    <p:sldId id="324" r:id="rId57"/>
-    <p:sldId id="325" r:id="rId58"/>
-    <p:sldId id="326" r:id="rId59"/>
-    <p:sldId id="327" r:id="rId60"/>
-    <p:sldId id="328" r:id="rId61"/>
+    <p:sldId id="332" r:id="rId28"/>
+    <p:sldId id="333" r:id="rId29"/>
+    <p:sldId id="334" r:id="rId30"/>
+    <p:sldId id="335" r:id="rId31"/>
+    <p:sldId id="336" r:id="rId32"/>
+    <p:sldId id="337" r:id="rId33"/>
+    <p:sldId id="294" r:id="rId34"/>
+    <p:sldId id="297" r:id="rId35"/>
+    <p:sldId id="298" r:id="rId36"/>
+    <p:sldId id="299" r:id="rId37"/>
+    <p:sldId id="295" r:id="rId38"/>
+    <p:sldId id="258" r:id="rId39"/>
+    <p:sldId id="259" r:id="rId40"/>
+    <p:sldId id="260" r:id="rId41"/>
+    <p:sldId id="261" r:id="rId42"/>
+    <p:sldId id="263" r:id="rId43"/>
+    <p:sldId id="262" r:id="rId44"/>
+    <p:sldId id="264" r:id="rId45"/>
+    <p:sldId id="265" r:id="rId46"/>
+    <p:sldId id="275" r:id="rId47"/>
+    <p:sldId id="266" r:id="rId48"/>
+    <p:sldId id="267" r:id="rId49"/>
+    <p:sldId id="268" r:id="rId50"/>
+    <p:sldId id="269" r:id="rId51"/>
+    <p:sldId id="270" r:id="rId52"/>
+    <p:sldId id="271" r:id="rId53"/>
+    <p:sldId id="272" r:id="rId54"/>
+    <p:sldId id="274" r:id="rId55"/>
+    <p:sldId id="273" r:id="rId56"/>
+    <p:sldId id="276" r:id="rId57"/>
+    <p:sldId id="277" r:id="rId58"/>
+    <p:sldId id="278" r:id="rId59"/>
+    <p:sldId id="279" r:id="rId60"/>
+    <p:sldId id="280" r:id="rId61"/>
+    <p:sldId id="281" r:id="rId62"/>
+    <p:sldId id="324" r:id="rId63"/>
+    <p:sldId id="325" r:id="rId64"/>
+    <p:sldId id="326" r:id="rId65"/>
+    <p:sldId id="327" r:id="rId66"/>
+    <p:sldId id="328" r:id="rId67"/>
   </p:sldIdLst>
   <p:sldSz cx="12192000" cy="6858000"/>
   <p:notesSz cx="6858000" cy="9144000"/>
@@ -3994,7 +4000,7 @@
           <a:p>
             <a:r>
               <a:rPr lang="en-US" dirty="0" smtClean="0"/>
-              <a:t>Application</a:t>
+              <a:t>Failure distribution</a:t>
             </a:r>
             <a:endParaRPr lang="en-US" dirty="0"/>
           </a:p>
@@ -4012,149 +4018,922 @@
         </p:nvSpPr>
         <p:spPr/>
         <p:txBody>
-          <a:bodyPr/>
+          <a:bodyPr>
+            <a:normAutofit/>
+          </a:bodyPr>
           <a:lstStyle/>
           <a:p>
-            <a:pPr>
-              <a:lnSpc>
-                <a:spcPct val="100000"/>
-              </a:lnSpc>
-              <a:spcBef>
-                <a:spcPts val="0"/>
-              </a:spcBef>
-              <a:spcAft>
-                <a:spcPts val="0"/>
-              </a:spcAft>
-              <a:buSzTx/>
-              <a:buFont typeface="Arial" panose="020B0604020202020204" pitchFamily="34" charset="0"/>
-              <a:buChar char="•"/>
-            </a:pPr>
-            <a:r>
-              <a:rPr lang="en-US" dirty="0" smtClean="0"/>
-              <a:t>We limit ourselves by only considering stream processing applications.</a:t>
-            </a:r>
-          </a:p>
-          <a:p>
-            <a:pPr>
-              <a:lnSpc>
-                <a:spcPct val="100000"/>
-              </a:lnSpc>
-              <a:spcBef>
-                <a:spcPts val="0"/>
-              </a:spcBef>
-              <a:spcAft>
-                <a:spcPts val="0"/>
-              </a:spcAft>
-              <a:buSzTx/>
-              <a:buFont typeface="Arial" panose="020B0604020202020204" pitchFamily="34" charset="0"/>
-              <a:buChar char="•"/>
-            </a:pPr>
-            <a:r>
-              <a:rPr lang="en-US" dirty="0" smtClean="0"/>
-              <a:t>A processing task </a:t>
-            </a:r>
-            <a:r>
-              <a:rPr lang="en-US" i="1" dirty="0" smtClean="0"/>
-              <a:t>S</a:t>
-            </a:r>
-            <a:r>
-              <a:rPr lang="en-US" dirty="0" smtClean="0"/>
-              <a:t> will receive input from a producer, transform it, and send the result to a consumer.</a:t>
-            </a:r>
-          </a:p>
-          <a:p>
-            <a:pPr>
-              <a:lnSpc>
-                <a:spcPct val="100000"/>
-              </a:lnSpc>
-              <a:spcBef>
-                <a:spcPts val="0"/>
-              </a:spcBef>
-              <a:spcAft>
-                <a:spcPts val="0"/>
-              </a:spcAft>
-              <a:buSzTx/>
-              <a:buFont typeface="Arial" panose="020B0604020202020204" pitchFamily="34" charset="0"/>
-              <a:buChar char="•"/>
-            </a:pPr>
-            <a:r>
-              <a:rPr lang="en-US" dirty="0" smtClean="0"/>
-              <a:t>When replicating the task </a:t>
-            </a:r>
-            <a:r>
-              <a:rPr lang="en-US" i="1" dirty="0" smtClean="0"/>
-              <a:t>S</a:t>
-            </a:r>
-            <a:r>
-              <a:rPr lang="en-US" dirty="0" smtClean="0"/>
-              <a:t>, the replicas will not be synchronized. To avoid timing issues, it is assumed no external calls are made which depends on when the request is made. </a:t>
-            </a:r>
-          </a:p>
-          <a:p>
-            <a:pPr>
-              <a:lnSpc>
-                <a:spcPct val="100000"/>
-              </a:lnSpc>
-              <a:spcBef>
-                <a:spcPts val="0"/>
-              </a:spcBef>
-              <a:spcAft>
-                <a:spcPts val="0"/>
-              </a:spcAft>
-              <a:buSzTx/>
-              <a:buFont typeface="Arial" panose="020B0604020202020204" pitchFamily="34" charset="0"/>
-              <a:buChar char="•"/>
-            </a:pPr>
-            <a:r>
-              <a:rPr lang="en-US" dirty="0" smtClean="0"/>
-              <a:t>The task </a:t>
-            </a:r>
-            <a:r>
-              <a:rPr lang="en-US" i="1" dirty="0" smtClean="0"/>
-              <a:t>S</a:t>
-            </a:r>
-            <a:r>
-              <a:rPr lang="en-US" dirty="0" smtClean="0"/>
-              <a:t>, performs deterministic calculations on the input. If the replicas all receive the same input, they will all produce the same result.</a:t>
-            </a:r>
+            <a:pPr marL="0" indent="0">
+              <a:buNone/>
+            </a:pPr>
+            <a:endParaRPr lang="en-US" dirty="0" smtClean="0"/>
+          </a:p>
+          <a:p>
+            <a:pPr marL="0" indent="0">
+              <a:buNone/>
+            </a:pPr>
+            <a:endParaRPr lang="en-US" dirty="0"/>
+          </a:p>
+          <a:p>
+            <a:pPr marL="0" indent="0">
+              <a:buNone/>
+            </a:pPr>
+            <a:endParaRPr lang="en-US" dirty="0" smtClean="0"/>
+          </a:p>
+          <a:p>
+            <a:pPr marL="0" indent="0">
+              <a:buNone/>
+            </a:pPr>
+            <a:r>
+              <a:rPr lang="en-US" dirty="0" smtClean="0"/>
+              <a:t>We </a:t>
+            </a:r>
+            <a:r>
+              <a:rPr lang="en-US" dirty="0"/>
+              <a:t>are interested in knowing the probability of a node surviving a time </a:t>
+            </a:r>
+            <a:r>
+              <a:rPr lang="en-US" i="1" dirty="0"/>
+              <a:t>t</a:t>
+            </a:r>
+            <a:r>
+              <a:rPr lang="en-US" dirty="0"/>
+              <a:t>, i.e. no failures</a:t>
+            </a:r>
+          </a:p>
+          <a:p>
+            <a:pPr marL="0" lvl="0" indent="0">
+              <a:buNone/>
+            </a:pPr>
+            <a:endParaRPr lang="en-US" dirty="0" smtClean="0"/>
+          </a:p>
+          <a:p>
+            <a:pPr marL="0" lvl="0" indent="0">
+              <a:buNone/>
+            </a:pPr>
+            <a:endParaRPr lang="en-US" dirty="0" smtClean="0"/>
+          </a:p>
+          <a:p>
+            <a:pPr marL="0" lvl="0" indent="0">
+              <a:buNone/>
+            </a:pPr>
+            <a:r>
+              <a:rPr lang="en-US" dirty="0" smtClean="0"/>
+              <a:t>The probability that a failure occurs is thereby</a:t>
+            </a:r>
+          </a:p>
+          <a:p>
+            <a:pPr marL="0" lvl="0" indent="0">
+              <a:buNone/>
+            </a:pPr>
+            <a:endParaRPr lang="en-US" dirty="0"/>
+          </a:p>
+          <a:p>
+            <a:pPr marL="0" indent="0">
+              <a:buNone/>
+            </a:pPr>
+            <a:endParaRPr lang="en-US" dirty="0"/>
+          </a:p>
+          <a:p>
+            <a:pPr marL="0" indent="0">
+              <a:buNone/>
+            </a:pPr>
+            <a:endParaRPr lang="en-US" dirty="0"/>
+          </a:p>
+          <a:p>
+            <a:pPr marL="0" lvl="0" indent="0">
+              <a:buNone/>
+            </a:pPr>
             <a:endParaRPr lang="en-US" dirty="0"/>
           </a:p>
         </p:txBody>
       </p:sp>
-      <p:pic>
-        <p:nvPicPr>
-          <p:cNvPr id="5" name="Picture 4"/>
-          <p:cNvPicPr>
-            <a:picLocks noChangeAspect="1"/>
-          </p:cNvPicPr>
-          <p:nvPr/>
-        </p:nvPicPr>
-        <p:blipFill>
-          <a:blip r:embed="rId2">
-            <a:extLst>
-              <a:ext uri="{28A0092B-C50C-407E-A947-70E740481C1C}">
-                <a14:useLocalDpi xmlns:a14="http://schemas.microsoft.com/office/drawing/2010/main" val="0"/>
-              </a:ext>
-            </a:extLst>
-          </a:blip>
-          <a:stretch>
-            <a:fillRect/>
-          </a:stretch>
-        </p:blipFill>
-        <p:spPr>
-          <a:xfrm>
-            <a:off x="6916885" y="3997263"/>
-            <a:ext cx="3948339" cy="1770430"/>
-          </a:xfrm>
-          <a:prstGeom prst="rect">
-            <a:avLst/>
-          </a:prstGeom>
-        </p:spPr>
-      </p:pic>
+      <mc:AlternateContent xmlns:mc="http://schemas.openxmlformats.org/markup-compatibility/2006">
+        <mc:Choice xmlns:a14="http://schemas.microsoft.com/office/drawing/2010/main" Requires="a14">
+          <p:sp>
+            <p:nvSpPr>
+              <p:cNvPr id="5" name="Rectangle 4"/>
+              <p:cNvSpPr/>
+              <p:nvPr/>
+            </p:nvSpPr>
+            <p:spPr>
+              <a:xfrm>
+                <a:off x="1097280" y="3558777"/>
+                <a:ext cx="10058400" cy="835037"/>
+              </a:xfrm>
+              <a:prstGeom prst="rect">
+                <a:avLst/>
+              </a:prstGeom>
+            </p:spPr>
+            <p:txBody>
+              <a:bodyPr wrap="square">
+                <a:spAutoFit/>
+              </a:bodyPr>
+              <a:lstStyle/>
+              <a:p>
+                <a:pPr/>
+                <a14:m>
+                  <m:oMathPara xmlns:m="http://schemas.openxmlformats.org/officeDocument/2006/math">
+                    <m:oMathParaPr>
+                      <m:jc m:val="centerGroup"/>
+                    </m:oMathParaPr>
+                    <m:oMath xmlns:m="http://schemas.openxmlformats.org/officeDocument/2006/math">
+                      <m:r>
+                        <a:rPr lang="en-GB" i="1">
+                          <a:latin typeface="Cambria Math" charset="0"/>
+                        </a:rPr>
+                        <m:t>𝑃</m:t>
+                      </m:r>
+                      <m:d>
+                        <m:dPr>
+                          <m:ctrlPr>
+                            <a:rPr lang="en-GB" i="1">
+                              <a:latin typeface="Cambria Math" charset="0"/>
+                            </a:rPr>
+                          </m:ctrlPr>
+                        </m:dPr>
+                        <m:e>
+                          <m:r>
+                            <a:rPr lang="en-GB" i="1">
+                              <a:latin typeface="Cambria Math" charset="0"/>
+                            </a:rPr>
+                            <m:t>𝑠𝑢𝑟𝑣𝑖𝑣𝑎𝑙</m:t>
+                          </m:r>
+                        </m:e>
+                      </m:d>
+                      <m:r>
+                        <a:rPr lang="en-GB" i="1">
+                          <a:latin typeface="Cambria Math" charset="0"/>
+                        </a:rPr>
+                        <m:t>=</m:t>
+                      </m:r>
+                      <m:r>
+                        <a:rPr lang="en-GB" i="1">
+                          <a:latin typeface="Cambria Math" charset="0"/>
+                        </a:rPr>
+                        <m:t>𝑃</m:t>
+                      </m:r>
+                      <m:d>
+                        <m:dPr>
+                          <m:ctrlPr>
+                            <a:rPr lang="en-GB" i="1">
+                              <a:latin typeface="Cambria Math" charset="0"/>
+                            </a:rPr>
+                          </m:ctrlPr>
+                        </m:dPr>
+                        <m:e>
+                          <m:r>
+                            <a:rPr lang="en-GB" i="1">
+                              <a:latin typeface="Cambria Math" charset="0"/>
+                            </a:rPr>
+                            <m:t>0 </m:t>
+                          </m:r>
+                          <m:r>
+                            <a:rPr lang="en-GB" i="1">
+                              <a:latin typeface="Cambria Math" charset="0"/>
+                            </a:rPr>
+                            <m:t>𝑓𝑎𝑖𝑙𝑢𝑟𝑒𝑠</m:t>
+                          </m:r>
+                          <m:r>
+                            <a:rPr lang="en-GB" i="1">
+                              <a:latin typeface="Cambria Math" charset="0"/>
+                            </a:rPr>
+                            <m:t> </m:t>
+                          </m:r>
+                          <m:r>
+                            <a:rPr lang="en-GB" i="1">
+                              <a:latin typeface="Cambria Math" charset="0"/>
+                            </a:rPr>
+                            <m:t>𝑑𝑢𝑟𝑖𝑛𝑔</m:t>
+                          </m:r>
+                          <m:r>
+                            <a:rPr lang="en-GB" i="1">
+                              <a:latin typeface="Cambria Math" charset="0"/>
+                            </a:rPr>
+                            <m:t> </m:t>
+                          </m:r>
+                          <m:r>
+                            <a:rPr lang="en-GB" i="1">
+                              <a:latin typeface="Cambria Math" charset="0"/>
+                            </a:rPr>
+                            <m:t>𝑡𝑖𝑚𝑒</m:t>
+                          </m:r>
+                          <m:r>
+                            <a:rPr lang="en-GB" i="1">
+                              <a:latin typeface="Cambria Math" charset="0"/>
+                            </a:rPr>
+                            <m:t> </m:t>
+                          </m:r>
+                          <m:r>
+                            <a:rPr lang="en-GB" i="1">
+                              <a:latin typeface="Cambria Math" charset="0"/>
+                            </a:rPr>
+                            <m:t>𝑡</m:t>
+                          </m:r>
+                        </m:e>
+                      </m:d>
+                      <m:r>
+                        <a:rPr lang="en-GB" i="1">
+                          <a:latin typeface="Cambria Math" charset="0"/>
+                        </a:rPr>
+                        <m:t>=</m:t>
+                      </m:r>
+                      <m:f>
+                        <m:fPr>
+                          <m:ctrlPr>
+                            <a:rPr lang="fi-FI" i="1">
+                              <a:latin typeface="Cambria Math" charset="0"/>
+                            </a:rPr>
+                          </m:ctrlPr>
+                        </m:fPr>
+                        <m:num>
+                          <m:sSup>
+                            <m:sSupPr>
+                              <m:ctrlPr>
+                                <a:rPr lang="is-IS" i="1">
+                                  <a:latin typeface="Cambria Math" charset="0"/>
+                                </a:rPr>
+                              </m:ctrlPr>
+                            </m:sSupPr>
+                            <m:e>
+                              <m:d>
+                                <m:dPr>
+                                  <m:ctrlPr>
+                                    <a:rPr lang="en-US" i="1">
+                                      <a:latin typeface="Cambria Math" charset="0"/>
+                                    </a:rPr>
+                                  </m:ctrlPr>
+                                </m:dPr>
+                                <m:e>
+                                  <m:f>
+                                    <m:fPr>
+                                      <m:ctrlPr>
+                                        <a:rPr lang="fi-FI" i="1">
+                                          <a:latin typeface="Cambria Math" charset="0"/>
+                                        </a:rPr>
+                                      </m:ctrlPr>
+                                    </m:fPr>
+                                    <m:num>
+                                      <m:r>
+                                        <a:rPr lang="en-GB" i="1">
+                                          <a:latin typeface="Cambria Math" charset="0"/>
+                                        </a:rPr>
+                                        <m:t>𝑡</m:t>
+                                      </m:r>
+                                    </m:num>
+                                    <m:den>
+                                      <m:r>
+                                        <a:rPr lang="en-GB" i="1">
+                                          <a:latin typeface="Cambria Math" charset="0"/>
+                                        </a:rPr>
+                                        <m:t>𝑀𝑇𝐵𝐹</m:t>
+                                      </m:r>
+                                    </m:den>
+                                  </m:f>
+                                </m:e>
+                              </m:d>
+                            </m:e>
+                            <m:sup>
+                              <m:r>
+                                <a:rPr lang="en-GB" i="1">
+                                  <a:latin typeface="Cambria Math" charset="0"/>
+                                </a:rPr>
+                                <m:t>0</m:t>
+                              </m:r>
+                            </m:sup>
+                          </m:sSup>
+                          <m:r>
+                            <a:rPr lang="en-GB" i="1">
+                              <a:latin typeface="Cambria Math" charset="0"/>
+                            </a:rPr>
+                            <m:t>∗</m:t>
+                          </m:r>
+                          <m:sSup>
+                            <m:sSupPr>
+                              <m:ctrlPr>
+                                <a:rPr lang="is-IS" i="1">
+                                  <a:latin typeface="Cambria Math" charset="0"/>
+                                </a:rPr>
+                              </m:ctrlPr>
+                            </m:sSupPr>
+                            <m:e>
+                              <m:r>
+                                <a:rPr lang="en-GB" i="1">
+                                  <a:latin typeface="Cambria Math" charset="0"/>
+                                </a:rPr>
+                                <m:t>𝑒</m:t>
+                              </m:r>
+                            </m:e>
+                            <m:sup>
+                              <m:r>
+                                <a:rPr lang="en-GB" i="1">
+                                  <a:latin typeface="Cambria Math" charset="0"/>
+                                </a:rPr>
+                                <m:t>−</m:t>
+                              </m:r>
+                              <m:d>
+                                <m:dPr>
+                                  <m:ctrlPr>
+                                    <a:rPr lang="en-US" i="1">
+                                      <a:latin typeface="Cambria Math" charset="0"/>
+                                    </a:rPr>
+                                  </m:ctrlPr>
+                                </m:dPr>
+                                <m:e>
+                                  <m:f>
+                                    <m:fPr>
+                                      <m:ctrlPr>
+                                        <a:rPr lang="fi-FI" i="1">
+                                          <a:latin typeface="Cambria Math" charset="0"/>
+                                        </a:rPr>
+                                      </m:ctrlPr>
+                                    </m:fPr>
+                                    <m:num>
+                                      <m:r>
+                                        <a:rPr lang="en-GB" i="1">
+                                          <a:latin typeface="Cambria Math" charset="0"/>
+                                        </a:rPr>
+                                        <m:t>𝑡</m:t>
+                                      </m:r>
+                                    </m:num>
+                                    <m:den>
+                                      <m:r>
+                                        <a:rPr lang="en-GB" i="1">
+                                          <a:latin typeface="Cambria Math" charset="0"/>
+                                        </a:rPr>
+                                        <m:t>𝑀𝑇𝐵𝐹</m:t>
+                                      </m:r>
+                                    </m:den>
+                                  </m:f>
+                                </m:e>
+                              </m:d>
+                            </m:sup>
+                          </m:sSup>
+                        </m:num>
+                        <m:den>
+                          <m:r>
+                            <a:rPr lang="en-GB" i="1">
+                              <a:latin typeface="Cambria Math" charset="0"/>
+                            </a:rPr>
+                            <m:t>0</m:t>
+                          </m:r>
+                          <m:r>
+                            <a:rPr lang="fi-FI" i="1">
+                              <a:latin typeface="Cambria Math" charset="0"/>
+                            </a:rPr>
+                            <m:t>!</m:t>
+                          </m:r>
+                        </m:den>
+                      </m:f>
+                      <m:r>
+                        <a:rPr lang="en-GB" i="1">
+                          <a:latin typeface="Cambria Math" charset="0"/>
+                        </a:rPr>
+                        <m:t>=</m:t>
+                      </m:r>
+                      <m:sSup>
+                        <m:sSupPr>
+                          <m:ctrlPr>
+                            <a:rPr lang="is-IS" i="1">
+                              <a:latin typeface="Cambria Math" charset="0"/>
+                            </a:rPr>
+                          </m:ctrlPr>
+                        </m:sSupPr>
+                        <m:e>
+                          <m:r>
+                            <a:rPr lang="en-GB" i="1">
+                              <a:latin typeface="Cambria Math" charset="0"/>
+                            </a:rPr>
+                            <m:t>𝑒</m:t>
+                          </m:r>
+                        </m:e>
+                        <m:sup>
+                          <m:r>
+                            <a:rPr lang="en-GB" i="1">
+                              <a:latin typeface="Cambria Math" charset="0"/>
+                            </a:rPr>
+                            <m:t>−</m:t>
+                          </m:r>
+                          <m:d>
+                            <m:dPr>
+                              <m:ctrlPr>
+                                <a:rPr lang="en-US" i="1">
+                                  <a:latin typeface="Cambria Math" charset="0"/>
+                                </a:rPr>
+                              </m:ctrlPr>
+                            </m:dPr>
+                            <m:e>
+                              <m:f>
+                                <m:fPr>
+                                  <m:ctrlPr>
+                                    <a:rPr lang="fi-FI" i="1">
+                                      <a:latin typeface="Cambria Math" charset="0"/>
+                                    </a:rPr>
+                                  </m:ctrlPr>
+                                </m:fPr>
+                                <m:num>
+                                  <m:r>
+                                    <a:rPr lang="en-GB" i="1">
+                                      <a:latin typeface="Cambria Math" charset="0"/>
+                                    </a:rPr>
+                                    <m:t>𝑡</m:t>
+                                  </m:r>
+                                </m:num>
+                                <m:den>
+                                  <m:r>
+                                    <a:rPr lang="en-GB" i="1">
+                                      <a:latin typeface="Cambria Math" charset="0"/>
+                                    </a:rPr>
+                                    <m:t>𝑀𝑇𝐵𝐹</m:t>
+                                  </m:r>
+                                </m:den>
+                              </m:f>
+                            </m:e>
+                          </m:d>
+                        </m:sup>
+                      </m:sSup>
+                    </m:oMath>
+                  </m:oMathPara>
+                </a14:m>
+                <a:endParaRPr lang="en-US" dirty="0"/>
+              </a:p>
+            </p:txBody>
+          </p:sp>
+        </mc:Choice>
+        <mc:Fallback>
+          <p:sp>
+            <p:nvSpPr>
+              <p:cNvPr id="5" name="Rectangle 4"/>
+              <p:cNvSpPr>
+                <a:spLocks noRot="1" noChangeAspect="1" noMove="1" noResize="1" noEditPoints="1" noAdjustHandles="1" noChangeArrowheads="1" noChangeShapeType="1" noTextEdit="1"/>
+              </p:cNvSpPr>
+              <p:nvPr/>
+            </p:nvSpPr>
+            <p:spPr>
+              <a:xfrm>
+                <a:off x="1097280" y="3558777"/>
+                <a:ext cx="10058400" cy="835037"/>
+              </a:xfrm>
+              <a:prstGeom prst="rect">
+                <a:avLst/>
+              </a:prstGeom>
+              <a:blipFill rotWithShape="0">
+                <a:blip r:embed="rId2"/>
+                <a:stretch>
+                  <a:fillRect/>
+                </a:stretch>
+              </a:blipFill>
+            </p:spPr>
+            <p:txBody>
+              <a:bodyPr/>
+              <a:lstStyle/>
+              <a:p>
+                <a:r>
+                  <a:rPr lang="en-US">
+                    <a:noFill/>
+                  </a:rPr>
+                  <a:t> </a:t>
+                </a:r>
+              </a:p>
+            </p:txBody>
+          </p:sp>
+        </mc:Fallback>
+      </mc:AlternateContent>
+      <mc:AlternateContent xmlns:mc="http://schemas.openxmlformats.org/markup-compatibility/2006" xmlns:a14="http://schemas.microsoft.com/office/drawing/2010/main">
+        <mc:Choice Requires="a14">
+          <p:sp>
+            <p:nvSpPr>
+              <p:cNvPr id="6" name="Rectangle 5"/>
+              <p:cNvSpPr/>
+              <p:nvPr/>
+            </p:nvSpPr>
+            <p:spPr>
+              <a:xfrm>
+                <a:off x="1097280" y="2035349"/>
+                <a:ext cx="10058400" cy="840808"/>
+              </a:xfrm>
+              <a:prstGeom prst="rect">
+                <a:avLst/>
+              </a:prstGeom>
+            </p:spPr>
+            <p:txBody>
+              <a:bodyPr wrap="square">
+                <a:spAutoFit/>
+              </a:bodyPr>
+              <a:lstStyle/>
+              <a:p>
+                <a:pPr/>
+                <a14:m>
+                  <m:oMathPara xmlns:m="http://schemas.openxmlformats.org/officeDocument/2006/math">
+                    <m:oMathParaPr>
+                      <m:jc m:val="centerGroup"/>
+                    </m:oMathParaPr>
+                    <m:oMath xmlns:m="http://schemas.openxmlformats.org/officeDocument/2006/math">
+                      <m:r>
+                        <a:rPr lang="en-GB" i="1">
+                          <a:latin typeface="Cambria Math" charset="0"/>
+                        </a:rPr>
+                        <m:t>𝑃</m:t>
+                      </m:r>
+                      <m:d>
+                        <m:dPr>
+                          <m:ctrlPr>
+                            <a:rPr lang="en-GB" i="1">
+                              <a:latin typeface="Cambria Math" charset="0"/>
+                            </a:rPr>
+                          </m:ctrlPr>
+                        </m:dPr>
+                        <m:e>
+                          <m:r>
+                            <a:rPr lang="en-GB" i="1">
+                              <a:latin typeface="Cambria Math" charset="0"/>
+                            </a:rPr>
+                            <m:t>𝑘</m:t>
+                          </m:r>
+                          <m:r>
+                            <a:rPr lang="en-GB" i="1">
+                              <a:latin typeface="Cambria Math" charset="0"/>
+                            </a:rPr>
+                            <m:t> </m:t>
+                          </m:r>
+                          <m:r>
+                            <a:rPr lang="en-GB" i="1">
+                              <a:latin typeface="Cambria Math" charset="0"/>
+                            </a:rPr>
+                            <m:t>𝑓𝑎𝑖𝑙𝑢𝑟𝑒𝑠</m:t>
+                          </m:r>
+                          <m:r>
+                            <a:rPr lang="en-GB" i="1">
+                              <a:latin typeface="Cambria Math" charset="0"/>
+                            </a:rPr>
+                            <m:t> </m:t>
+                          </m:r>
+                          <m:r>
+                            <a:rPr lang="en-GB" i="1">
+                              <a:latin typeface="Cambria Math" charset="0"/>
+                            </a:rPr>
+                            <m:t>𝑑𝑢𝑟𝑖𝑛𝑔</m:t>
+                          </m:r>
+                          <m:r>
+                            <a:rPr lang="en-GB" i="1">
+                              <a:latin typeface="Cambria Math" charset="0"/>
+                            </a:rPr>
+                            <m:t> </m:t>
+                          </m:r>
+                          <m:r>
+                            <a:rPr lang="en-GB" i="1">
+                              <a:latin typeface="Cambria Math" charset="0"/>
+                            </a:rPr>
+                            <m:t>𝑡𝑖𝑚𝑒</m:t>
+                          </m:r>
+                          <m:r>
+                            <a:rPr lang="en-GB" i="1">
+                              <a:latin typeface="Cambria Math" charset="0"/>
+                            </a:rPr>
+                            <m:t> </m:t>
+                          </m:r>
+                          <m:r>
+                            <a:rPr lang="en-GB" i="1">
+                              <a:latin typeface="Cambria Math" charset="0"/>
+                            </a:rPr>
+                            <m:t>𝑡</m:t>
+                          </m:r>
+                        </m:e>
+                      </m:d>
+                      <m:r>
+                        <a:rPr lang="en-GB" i="1">
+                          <a:latin typeface="Cambria Math" charset="0"/>
+                        </a:rPr>
+                        <m:t>=</m:t>
+                      </m:r>
+                      <m:f>
+                        <m:fPr>
+                          <m:ctrlPr>
+                            <a:rPr lang="fi-FI" i="1">
+                              <a:latin typeface="Cambria Math" charset="0"/>
+                            </a:rPr>
+                          </m:ctrlPr>
+                        </m:fPr>
+                        <m:num>
+                          <m:sSup>
+                            <m:sSupPr>
+                              <m:ctrlPr>
+                                <a:rPr lang="is-IS" i="1">
+                                  <a:latin typeface="Cambria Math" charset="0"/>
+                                </a:rPr>
+                              </m:ctrlPr>
+                            </m:sSupPr>
+                            <m:e>
+                              <m:d>
+                                <m:dPr>
+                                  <m:ctrlPr>
+                                    <a:rPr lang="en-US" i="1">
+                                      <a:latin typeface="Cambria Math" charset="0"/>
+                                    </a:rPr>
+                                  </m:ctrlPr>
+                                </m:dPr>
+                                <m:e>
+                                  <m:f>
+                                    <m:fPr>
+                                      <m:ctrlPr>
+                                        <a:rPr lang="fi-FI" i="1">
+                                          <a:latin typeface="Cambria Math" charset="0"/>
+                                        </a:rPr>
+                                      </m:ctrlPr>
+                                    </m:fPr>
+                                    <m:num>
+                                      <m:r>
+                                        <a:rPr lang="en-GB" i="1">
+                                          <a:latin typeface="Cambria Math" charset="0"/>
+                                        </a:rPr>
+                                        <m:t>𝑡</m:t>
+                                      </m:r>
+                                    </m:num>
+                                    <m:den>
+                                      <m:r>
+                                        <a:rPr lang="en-GB" i="1">
+                                          <a:latin typeface="Cambria Math" charset="0"/>
+                                        </a:rPr>
+                                        <m:t>𝑀𝑇𝐵𝐹</m:t>
+                                      </m:r>
+                                    </m:den>
+                                  </m:f>
+                                </m:e>
+                              </m:d>
+                            </m:e>
+                            <m:sup>
+                              <m:r>
+                                <a:rPr lang="en-GB" i="1">
+                                  <a:latin typeface="Cambria Math" charset="0"/>
+                                </a:rPr>
+                                <m:t>𝑘</m:t>
+                              </m:r>
+                            </m:sup>
+                          </m:sSup>
+                          <m:r>
+                            <a:rPr lang="en-GB" i="1">
+                              <a:latin typeface="Cambria Math" charset="0"/>
+                            </a:rPr>
+                            <m:t>∗</m:t>
+                          </m:r>
+                          <m:sSup>
+                            <m:sSupPr>
+                              <m:ctrlPr>
+                                <a:rPr lang="is-IS" i="1">
+                                  <a:latin typeface="Cambria Math" charset="0"/>
+                                </a:rPr>
+                              </m:ctrlPr>
+                            </m:sSupPr>
+                            <m:e>
+                              <m:r>
+                                <a:rPr lang="en-GB" i="1">
+                                  <a:latin typeface="Cambria Math" charset="0"/>
+                                </a:rPr>
+                                <m:t>𝑒</m:t>
+                              </m:r>
+                            </m:e>
+                            <m:sup>
+                              <m:r>
+                                <a:rPr lang="en-GB" i="1">
+                                  <a:latin typeface="Cambria Math" charset="0"/>
+                                </a:rPr>
+                                <m:t>−</m:t>
+                              </m:r>
+                              <m:d>
+                                <m:dPr>
+                                  <m:ctrlPr>
+                                    <a:rPr lang="en-US" i="1">
+                                      <a:latin typeface="Cambria Math" charset="0"/>
+                                    </a:rPr>
+                                  </m:ctrlPr>
+                                </m:dPr>
+                                <m:e>
+                                  <m:f>
+                                    <m:fPr>
+                                      <m:ctrlPr>
+                                        <a:rPr lang="fi-FI" i="1">
+                                          <a:latin typeface="Cambria Math" charset="0"/>
+                                        </a:rPr>
+                                      </m:ctrlPr>
+                                    </m:fPr>
+                                    <m:num>
+                                      <m:r>
+                                        <a:rPr lang="en-GB" i="1">
+                                          <a:latin typeface="Cambria Math" charset="0"/>
+                                        </a:rPr>
+                                        <m:t>𝑡</m:t>
+                                      </m:r>
+                                    </m:num>
+                                    <m:den>
+                                      <m:r>
+                                        <a:rPr lang="en-GB" i="1">
+                                          <a:latin typeface="Cambria Math" charset="0"/>
+                                        </a:rPr>
+                                        <m:t>𝑀𝑇𝐵𝐹</m:t>
+                                      </m:r>
+                                    </m:den>
+                                  </m:f>
+                                </m:e>
+                              </m:d>
+                            </m:sup>
+                          </m:sSup>
+                        </m:num>
+                        <m:den>
+                          <m:r>
+                            <a:rPr lang="en-GB" i="1">
+                              <a:latin typeface="Cambria Math" charset="0"/>
+                            </a:rPr>
+                            <m:t>𝑘</m:t>
+                          </m:r>
+                          <m:r>
+                            <a:rPr lang="fi-FI" i="1">
+                              <a:latin typeface="Cambria Math" charset="0"/>
+                            </a:rPr>
+                            <m:t>!</m:t>
+                          </m:r>
+                        </m:den>
+                      </m:f>
+                    </m:oMath>
+                  </m:oMathPara>
+                </a14:m>
+                <a:endParaRPr lang="en-US" dirty="0"/>
+              </a:p>
+            </p:txBody>
+          </p:sp>
+        </mc:Choice>
+        <mc:Fallback xmlns="">
+          <p:sp>
+            <p:nvSpPr>
+              <p:cNvPr id="6" name="Rectangle 5"/>
+              <p:cNvSpPr>
+                <a:spLocks noRot="1" noChangeAspect="1" noMove="1" noResize="1" noEditPoints="1" noAdjustHandles="1" noChangeArrowheads="1" noChangeShapeType="1" noTextEdit="1"/>
+              </p:cNvSpPr>
+              <p:nvPr/>
+            </p:nvSpPr>
+            <p:spPr>
+              <a:xfrm>
+                <a:off x="1097280" y="2035349"/>
+                <a:ext cx="10058400" cy="840808"/>
+              </a:xfrm>
+              <a:prstGeom prst="rect">
+                <a:avLst/>
+              </a:prstGeom>
+              <a:blipFill rotWithShape="0">
+                <a:blip r:embed="rId3"/>
+                <a:stretch>
+                  <a:fillRect/>
+                </a:stretch>
+              </a:blipFill>
+            </p:spPr>
+            <p:txBody>
+              <a:bodyPr/>
+              <a:lstStyle/>
+              <a:p>
+                <a:r>
+                  <a:rPr lang="en-US">
+                    <a:noFill/>
+                  </a:rPr>
+                  <a:t> </a:t>
+                </a:r>
+              </a:p>
+            </p:txBody>
+          </p:sp>
+        </mc:Fallback>
+      </mc:AlternateContent>
+      <mc:AlternateContent xmlns:mc="http://schemas.openxmlformats.org/markup-compatibility/2006" xmlns:a14="http://schemas.microsoft.com/office/drawing/2010/main">
+        <mc:Choice Requires="a14">
+          <p:sp>
+            <p:nvSpPr>
+              <p:cNvPr id="7" name="Rectangle 6"/>
+              <p:cNvSpPr/>
+              <p:nvPr/>
+            </p:nvSpPr>
+            <p:spPr>
+              <a:xfrm>
+                <a:off x="4467788" y="4946788"/>
+                <a:ext cx="3317383" cy="369332"/>
+              </a:xfrm>
+              <a:prstGeom prst="rect">
+                <a:avLst/>
+              </a:prstGeom>
+            </p:spPr>
+            <p:txBody>
+              <a:bodyPr wrap="none">
+                <a:spAutoFit/>
+              </a:bodyPr>
+              <a:lstStyle/>
+              <a:p>
+                <a:pPr lvl="0"/>
+                <a14:m>
+                  <m:oMathPara xmlns:m="http://schemas.openxmlformats.org/officeDocument/2006/math">
+                    <m:oMathParaPr>
+                      <m:jc m:val="centerGroup"/>
+                    </m:oMathParaPr>
+                    <m:oMath xmlns:m="http://schemas.openxmlformats.org/officeDocument/2006/math">
+                      <m:r>
+                        <a:rPr lang="en-GB" i="1">
+                          <a:latin typeface="Cambria Math" charset="0"/>
+                        </a:rPr>
+                        <m:t>𝑃</m:t>
+                      </m:r>
+                      <m:d>
+                        <m:dPr>
+                          <m:ctrlPr>
+                            <a:rPr lang="en-GB" i="1">
+                              <a:latin typeface="Cambria Math" charset="0"/>
+                            </a:rPr>
+                          </m:ctrlPr>
+                        </m:dPr>
+                        <m:e>
+                          <m:r>
+                            <a:rPr lang="en-GB" i="1">
+                              <a:latin typeface="Cambria Math" charset="0"/>
+                            </a:rPr>
+                            <m:t>𝑓𝑎𝑖𝑙𝑢𝑟𝑒</m:t>
+                          </m:r>
+                        </m:e>
+                      </m:d>
+                      <m:r>
+                        <a:rPr lang="en-GB" i="1">
+                          <a:latin typeface="Cambria Math" charset="0"/>
+                        </a:rPr>
+                        <m:t>=1 −</m:t>
+                      </m:r>
+                      <m:r>
+                        <a:rPr lang="en-GB" i="1">
+                          <a:latin typeface="Cambria Math" charset="0"/>
+                        </a:rPr>
+                        <m:t>𝑃</m:t>
+                      </m:r>
+                      <m:r>
+                        <a:rPr lang="en-GB" i="1">
+                          <a:latin typeface="Cambria Math" charset="0"/>
+                        </a:rPr>
+                        <m:t>(</m:t>
+                      </m:r>
+                      <m:r>
+                        <a:rPr lang="en-GB" i="1">
+                          <a:latin typeface="Cambria Math" charset="0"/>
+                        </a:rPr>
+                        <m:t>𝑠𝑢𝑟𝑣𝑖𝑣𝑎𝑙</m:t>
+                      </m:r>
+                      <m:r>
+                        <a:rPr lang="en-GB" i="1">
+                          <a:latin typeface="Cambria Math" charset="0"/>
+                        </a:rPr>
+                        <m:t>)</m:t>
+                      </m:r>
+                    </m:oMath>
+                  </m:oMathPara>
+                </a14:m>
+                <a:endParaRPr lang="en-US" dirty="0"/>
+              </a:p>
+            </p:txBody>
+          </p:sp>
+        </mc:Choice>
+        <mc:Fallback xmlns="">
+          <p:sp>
+            <p:nvSpPr>
+              <p:cNvPr id="7" name="Rectangle 6"/>
+              <p:cNvSpPr>
+                <a:spLocks noRot="1" noChangeAspect="1" noMove="1" noResize="1" noEditPoints="1" noAdjustHandles="1" noChangeArrowheads="1" noChangeShapeType="1" noTextEdit="1"/>
+              </p:cNvSpPr>
+              <p:nvPr/>
+            </p:nvSpPr>
+            <p:spPr>
+              <a:xfrm>
+                <a:off x="4467788" y="4946788"/>
+                <a:ext cx="3317383" cy="369332"/>
+              </a:xfrm>
+              <a:prstGeom prst="rect">
+                <a:avLst/>
+              </a:prstGeom>
+              <a:blipFill rotWithShape="0">
+                <a:blip r:embed="rId4"/>
+                <a:stretch>
+                  <a:fillRect t="-95082" b="-121311"/>
+                </a:stretch>
+              </a:blipFill>
+            </p:spPr>
+            <p:txBody>
+              <a:bodyPr/>
+              <a:lstStyle/>
+              <a:p>
+                <a:r>
+                  <a:rPr lang="en-US">
+                    <a:noFill/>
+                  </a:rPr>
+                  <a:t> </a:t>
+                </a:r>
+              </a:p>
+            </p:txBody>
+          </p:sp>
+        </mc:Fallback>
+      </mc:AlternateContent>
     </p:spTree>
     <p:extLst>
       <p:ext uri="{BB962C8B-B14F-4D97-AF65-F5344CB8AC3E}">
-        <p14:creationId xmlns:p14="http://schemas.microsoft.com/office/powerpoint/2010/main" val="1106384860"/>
+        <p14:creationId xmlns:p14="http://schemas.microsoft.com/office/powerpoint/2010/main" val="873007415"/>
       </p:ext>
     </p:extLst>
   </p:cSld>
@@ -4232,8 +5011,13 @@
             </a:pPr>
             <a:r>
               <a:rPr lang="en-US" dirty="0" smtClean="0"/>
-              <a:t> Reliability of</a:t>
-            </a:r>
+              <a:t> </a:t>
+            </a:r>
+            <a:r>
+              <a:rPr lang="en-US" dirty="0" smtClean="0"/>
+              <a:t>As mentioned, reliability is usually defined as the probability of</a:t>
+            </a:r>
+            <a:endParaRPr lang="en-US" dirty="0" smtClean="0"/>
           </a:p>
           <a:p>
             <a:pPr lvl="1">
@@ -4242,8 +5026,13 @@
             </a:pPr>
             <a:r>
               <a:rPr lang="en-US" dirty="0" smtClean="0"/>
-              <a:t>Meeting deadlines</a:t>
-            </a:r>
+              <a:t>Meeting </a:t>
+            </a:r>
+            <a:r>
+              <a:rPr lang="en-US" dirty="0" smtClean="0"/>
+              <a:t>deadlines, or</a:t>
+            </a:r>
+            <a:endParaRPr lang="en-US" dirty="0" smtClean="0"/>
           </a:p>
           <a:p>
             <a:pPr lvl="1">
@@ -4278,7 +5067,15 @@
             </a:pPr>
             <a:r>
               <a:rPr lang="en-US" dirty="0" smtClean="0"/>
-              <a:t>Reliability of a task which is serving some kind of requests, is the probability that no data is lost. In a process with </a:t>
+              <a:t>Reliability of a task which is serving some kind of requests, is the probability </a:t>
+            </a:r>
+            <a:r>
+              <a:rPr lang="en-US" dirty="0" smtClean="0"/>
+              <a:t>that a request can be  served. For a </a:t>
+            </a:r>
+            <a:r>
+              <a:rPr lang="en-US" dirty="0" smtClean="0"/>
+              <a:t>process with </a:t>
             </a:r>
             <a:r>
               <a:rPr lang="en-US" i="1" dirty="0" smtClean="0"/>
@@ -4286,8 +5083,13 @@
             </a:r>
             <a:r>
               <a:rPr lang="en-US" dirty="0" smtClean="0"/>
-              <a:t>task replicas, this corresponds to at least one replica is always running and serving requests.</a:t>
-            </a:r>
+              <a:t>task replicas, this corresponds to at least one replica is always </a:t>
+            </a:r>
+            <a:r>
+              <a:rPr lang="en-US" dirty="0" smtClean="0"/>
+              <a:t>operational.</a:t>
+            </a:r>
+            <a:endParaRPr lang="en-US" dirty="0" smtClean="0"/>
           </a:p>
           <a:p>
             <a:pPr marL="457200" indent="-457200">
@@ -4763,7 +5565,11 @@
             </a:pPr>
             <a:r>
               <a:rPr lang="en-US" dirty="0" smtClean="0"/>
-              <a:t> Failures will happen</a:t>
+              <a:t>Failures </a:t>
+            </a:r>
+            <a:r>
+              <a:rPr lang="en-US" dirty="0" smtClean="0"/>
+              <a:t>will happen</a:t>
             </a:r>
           </a:p>
           <a:p>
@@ -4773,7 +5579,11 @@
             </a:pPr>
             <a:r>
               <a:rPr lang="en-US" dirty="0" smtClean="0"/>
-              <a:t> Failures must be detected and new replicas be created to fulfill the desired reliability</a:t>
+              <a:t>Failures </a:t>
+            </a:r>
+            <a:r>
+              <a:rPr lang="en-US" dirty="0" smtClean="0"/>
+              <a:t>must be detected and new replicas be created to fulfill the desired reliability</a:t>
             </a:r>
           </a:p>
           <a:p>
@@ -4783,7 +5593,11 @@
             </a:pPr>
             <a:r>
               <a:rPr lang="en-US" dirty="0" smtClean="0"/>
-              <a:t> In order to create a new replica, at least one existing replica must be alive during the time it takes to replicate it</a:t>
+              <a:t>In </a:t>
+            </a:r>
+            <a:r>
+              <a:rPr lang="en-US" dirty="0" smtClean="0"/>
+              <a:t>order to create a new replica, at least one existing replica must be alive during the time it takes to replicate it</a:t>
             </a:r>
           </a:p>
           <a:p>
@@ -4793,7 +5607,11 @@
             </a:pPr>
             <a:r>
               <a:rPr lang="en-US" dirty="0" smtClean="0"/>
-              <a:t> The reliability can therefore be expressed as </a:t>
+              <a:t>The </a:t>
+            </a:r>
+            <a:r>
+              <a:rPr lang="en-US" dirty="0" smtClean="0"/>
+              <a:t>reliability can therefore be expressed as </a:t>
             </a:r>
             <a:r>
               <a:rPr lang="en-US" i="1" dirty="0"/>
@@ -4831,7 +5649,11 @@
             </a:pPr>
             <a:r>
               <a:rPr lang="is-IS" dirty="0" smtClean="0"/>
-              <a:t> The time </a:t>
+              <a:t>The </a:t>
+            </a:r>
+            <a:r>
+              <a:rPr lang="is-IS" dirty="0" smtClean="0"/>
+              <a:t>time </a:t>
             </a:r>
             <a:r>
               <a:rPr lang="is-IS" i="1" dirty="0" smtClean="0"/>
@@ -6424,8 +7246,13 @@
             </a:pPr>
             <a:r>
               <a:rPr lang="en-US" dirty="0" smtClean="0"/>
-              <a:t>Send a lost node message to the selected node</a:t>
-            </a:r>
+              <a:t>Send a lost node message to the selected </a:t>
+            </a:r>
+            <a:r>
+              <a:rPr lang="en-US" dirty="0" smtClean="0"/>
+              <a:t>node, including the ID of the lost node</a:t>
+            </a:r>
+            <a:endParaRPr lang="en-US" dirty="0" smtClean="0"/>
           </a:p>
           <a:p>
             <a:pPr marL="457200" indent="-457200">
@@ -7317,7 +8144,11 @@
           <a:p>
             <a:r>
               <a:rPr lang="en-US" dirty="0" smtClean="0"/>
-              <a:t>Calvin</a:t>
+              <a:t>Expressing time </a:t>
+            </a:r>
+            <a:r>
+              <a:rPr lang="en-US" i="1" dirty="0" smtClean="0"/>
+              <a:t>t</a:t>
             </a:r>
             <a:endParaRPr lang="en-US" dirty="0"/>
           </a:p>
@@ -7333,95 +8164,294 @@
             <p:ph idx="1"/>
           </p:nvPr>
         </p:nvSpPr>
-        <p:spPr>
-          <a:xfrm>
-            <a:off x="1097280" y="1845734"/>
-            <a:ext cx="10058400" cy="4023360"/>
-          </a:xfrm>
-        </p:spPr>
+        <p:spPr/>
         <p:txBody>
           <a:bodyPr/>
           <a:lstStyle/>
           <a:p>
             <a:pPr>
-              <a:buFont typeface="Arial" panose="020B0604020202020204" pitchFamily="34" charset="0"/>
+              <a:buFont typeface="Arial" charset="0"/>
               <a:buChar char="•"/>
             </a:pPr>
             <a:r>
-              <a:rPr lang="en-US" dirty="0" smtClean="0"/>
-              <a:t> Calvin is an actor-based application environment for light-weight </a:t>
+              <a:rPr lang="sv-SE" dirty="0" smtClean="0"/>
+              <a:t>The </a:t>
+            </a:r>
+            <a:r>
+              <a:rPr lang="sv-SE" dirty="0" err="1" smtClean="0"/>
+              <a:t>time</a:t>
+            </a:r>
+            <a:r>
+              <a:rPr lang="sv-SE" dirty="0" smtClean="0"/>
+              <a:t> </a:t>
+            </a:r>
+            <a:r>
+              <a:rPr lang="sv-SE" i="1" dirty="0" smtClean="0"/>
+              <a:t>t</a:t>
+            </a:r>
+            <a:r>
+              <a:rPr lang="sv-SE" dirty="0" smtClean="0"/>
+              <a:t> </a:t>
+            </a:r>
+            <a:r>
+              <a:rPr lang="sv-SE" dirty="0" err="1" smtClean="0"/>
+              <a:t>consists</a:t>
+            </a:r>
+            <a:r>
+              <a:rPr lang="sv-SE" dirty="0" smtClean="0"/>
+              <a:t> </a:t>
+            </a:r>
+            <a:r>
+              <a:rPr lang="sv-SE" dirty="0" err="1" smtClean="0"/>
+              <a:t>of</a:t>
+            </a:r>
+            <a:r>
+              <a:rPr lang="sv-SE" dirty="0" smtClean="0"/>
+              <a:t> the </a:t>
+            </a:r>
+            <a:r>
+              <a:rPr lang="sv-SE" dirty="0" err="1" smtClean="0"/>
+              <a:t>time</a:t>
+            </a:r>
+            <a:r>
+              <a:rPr lang="sv-SE" dirty="0" smtClean="0"/>
+              <a:t> it </a:t>
+            </a:r>
+            <a:r>
+              <a:rPr lang="sv-SE" dirty="0" err="1" smtClean="0"/>
+              <a:t>takes</a:t>
+            </a:r>
+            <a:r>
+              <a:rPr lang="sv-SE" dirty="0" smtClean="0"/>
+              <a:t> to </a:t>
+            </a:r>
+            <a:r>
+              <a:rPr lang="sv-SE" dirty="0" err="1" smtClean="0"/>
+              <a:t>detect</a:t>
+            </a:r>
+            <a:r>
+              <a:rPr lang="sv-SE" dirty="0" smtClean="0"/>
+              <a:t> a </a:t>
+            </a:r>
+            <a:r>
+              <a:rPr lang="sv-SE" dirty="0" err="1" smtClean="0"/>
+              <a:t>failure</a:t>
+            </a:r>
+            <a:r>
+              <a:rPr lang="sv-SE" dirty="0" smtClean="0"/>
+              <a:t>, plus the </a:t>
+            </a:r>
+            <a:r>
+              <a:rPr lang="sv-SE" dirty="0" err="1" smtClean="0"/>
+              <a:t>time</a:t>
+            </a:r>
+            <a:r>
+              <a:rPr lang="sv-SE" dirty="0" smtClean="0"/>
+              <a:t> it </a:t>
+            </a:r>
+            <a:r>
+              <a:rPr lang="sv-SE" dirty="0" err="1" smtClean="0"/>
+              <a:t>takes</a:t>
+            </a:r>
+            <a:r>
+              <a:rPr lang="sv-SE" dirty="0" smtClean="0"/>
+              <a:t> to </a:t>
+            </a:r>
+            <a:r>
+              <a:rPr lang="sv-SE" dirty="0" err="1" smtClean="0"/>
+              <a:t>create</a:t>
+            </a:r>
+            <a:r>
+              <a:rPr lang="sv-SE" dirty="0" smtClean="0"/>
+              <a:t> a new </a:t>
+            </a:r>
+            <a:r>
+              <a:rPr lang="sv-SE" dirty="0" err="1" smtClean="0"/>
+              <a:t>replica</a:t>
+            </a:r>
+            <a:endParaRPr lang="en-US" dirty="0"/>
+          </a:p>
+          <a:p>
+            <a:pPr>
+              <a:buFont typeface="Arial" charset="0"/>
+              <a:buChar char="•"/>
+            </a:pPr>
+            <a:endParaRPr lang="en-US" dirty="0"/>
+          </a:p>
+          <a:p>
+            <a:pPr>
+              <a:buFont typeface="Arial" charset="0"/>
+              <a:buChar char="•"/>
+            </a:pPr>
+            <a:r>
+              <a:rPr lang="en-US" dirty="0" smtClean="0"/>
+              <a:t>Where </a:t>
+            </a:r>
+            <a:r>
+              <a:rPr lang="en-US" i="1" dirty="0" err="1" smtClean="0"/>
+              <a:t>T</a:t>
+            </a:r>
+            <a:r>
+              <a:rPr lang="en-US" i="1" baseline="-25000" dirty="0" err="1" smtClean="0"/>
+              <a:t>f</a:t>
+            </a:r>
+            <a:r>
+              <a:rPr lang="en-US" dirty="0"/>
+              <a:t> </a:t>
+            </a:r>
+            <a:r>
+              <a:rPr lang="en-US" dirty="0" smtClean="0"/>
+              <a:t>is the time to detect a failure, statically set to 500 </a:t>
             </a:r>
             <a:r>
               <a:rPr lang="en-US" dirty="0" err="1" smtClean="0"/>
-              <a:t>IoT</a:t>
-            </a:r>
-            <a:r>
-              <a:rPr lang="en-US" dirty="0" smtClean="0"/>
-              <a:t> applications. Its key components are </a:t>
-            </a:r>
-          </a:p>
-          <a:p>
-            <a:pPr lvl="1">
-              <a:buFont typeface="Arial" panose="020B0604020202020204" pitchFamily="34" charset="0"/>
-              <a:buChar char="•"/>
-            </a:pPr>
-            <a:r>
-              <a:rPr lang="en-US" dirty="0" smtClean="0"/>
-              <a:t>runtimes</a:t>
-            </a:r>
-          </a:p>
-          <a:p>
-            <a:pPr lvl="1">
-              <a:buFont typeface="Arial" panose="020B0604020202020204" pitchFamily="34" charset="0"/>
-              <a:buChar char="•"/>
-            </a:pPr>
-            <a:r>
-              <a:rPr lang="en-US" dirty="0"/>
-              <a:t>a</a:t>
-            </a:r>
-            <a:r>
-              <a:rPr lang="en-US" dirty="0" smtClean="0"/>
-              <a:t>ctors</a:t>
-            </a:r>
-          </a:p>
-          <a:p>
-            <a:pPr lvl="1">
-              <a:buFont typeface="Arial" panose="020B0604020202020204" pitchFamily="34" charset="0"/>
-              <a:buChar char="•"/>
-            </a:pPr>
-            <a:r>
-              <a:rPr lang="en-US" dirty="0"/>
-              <a:t>a</a:t>
-            </a:r>
-            <a:r>
-              <a:rPr lang="en-US" dirty="0" smtClean="0"/>
-              <a:t>pplications</a:t>
-            </a:r>
-          </a:p>
-          <a:p>
-            <a:pPr lvl="1">
-              <a:buFont typeface="Arial" panose="020B0604020202020204" pitchFamily="34" charset="0"/>
-              <a:buChar char="•"/>
-            </a:pPr>
-            <a:r>
-              <a:rPr lang="en-US" dirty="0" smtClean="0"/>
-              <a:t>and the use of </a:t>
-            </a:r>
-            <a:r>
-              <a:rPr lang="en-US" dirty="0" err="1" smtClean="0"/>
-              <a:t>Kademlia</a:t>
-            </a:r>
-            <a:r>
-              <a:rPr lang="en-US" dirty="0" smtClean="0"/>
-              <a:t>, a distributed hash table</a:t>
+              <a:t>ms</a:t>
+            </a:r>
+            <a:r>
+              <a:rPr lang="en-US" dirty="0" smtClean="0"/>
+              <a:t>, while T</a:t>
+            </a:r>
+            <a:r>
+              <a:rPr lang="en-US" baseline="-25000" dirty="0" smtClean="0"/>
+              <a:t>R</a:t>
+            </a:r>
+            <a:r>
+              <a:rPr lang="en-US" dirty="0" smtClean="0"/>
+              <a:t> varies</a:t>
             </a:r>
           </a:p>
         </p:txBody>
       </p:sp>
+      <mc:AlternateContent xmlns:mc="http://schemas.openxmlformats.org/markup-compatibility/2006">
+        <mc:Choice xmlns:a14="http://schemas.microsoft.com/office/drawing/2010/main" Requires="a14">
+          <p:sp>
+            <p:nvSpPr>
+              <p:cNvPr id="5" name="TextBox 4"/>
+              <p:cNvSpPr txBox="1"/>
+              <p:nvPr/>
+            </p:nvSpPr>
+            <p:spPr>
+              <a:xfrm>
+                <a:off x="5508234" y="2552252"/>
+                <a:ext cx="1236492" cy="276999"/>
+              </a:xfrm>
+              <a:prstGeom prst="rect">
+                <a:avLst/>
+              </a:prstGeom>
+              <a:noFill/>
+            </p:spPr>
+            <p:txBody>
+              <a:bodyPr wrap="none" lIns="0" tIns="0" rIns="0" bIns="0" rtlCol="0">
+                <a:spAutoFit/>
+              </a:bodyPr>
+              <a:lstStyle/>
+              <a:p>
+                <a14:m>
+                  <m:oMathPara xmlns:m="http://schemas.openxmlformats.org/officeDocument/2006/math">
+                    <m:oMathParaPr>
+                      <m:jc m:val="centerGroup"/>
+                    </m:oMathParaPr>
+                    <m:oMath xmlns:m="http://schemas.openxmlformats.org/officeDocument/2006/math">
+                      <m:r>
+                        <a:rPr lang="sv-SE" b="0" i="1" smtClean="0">
+                          <a:latin typeface="Cambria Math" charset="0"/>
+                        </a:rPr>
+                        <m:t>𝑡</m:t>
+                      </m:r>
+                      <m:r>
+                        <a:rPr lang="el-GR" i="1" smtClean="0">
+                          <a:latin typeface="Cambria Math" charset="0"/>
+                        </a:rPr>
+                        <m:t>=</m:t>
+                      </m:r>
+                      <m:r>
+                        <a:rPr lang="sv-SE" b="0" i="1" smtClean="0">
+                          <a:latin typeface="Cambria Math" charset="0"/>
+                        </a:rPr>
+                        <m:t>𝑇𝑓</m:t>
+                      </m:r>
+                      <m:r>
+                        <a:rPr lang="en-US" b="0" i="1" smtClean="0">
+                          <a:latin typeface="Cambria Math" charset="0"/>
+                        </a:rPr>
+                        <m:t>+</m:t>
+                      </m:r>
+                      <m:sSub>
+                        <m:sSubPr>
+                          <m:ctrlPr>
+                            <a:rPr lang="en-US" b="0" i="1" smtClean="0">
+                              <a:latin typeface="Cambria Math" charset="0"/>
+                            </a:rPr>
+                          </m:ctrlPr>
+                        </m:sSubPr>
+                        <m:e>
+                          <m:r>
+                            <a:rPr lang="en-US" b="0" i="1" smtClean="0">
+                              <a:latin typeface="Cambria Math" charset="0"/>
+                            </a:rPr>
+                            <m:t>𝑇</m:t>
+                          </m:r>
+                        </m:e>
+                        <m:sub>
+                          <m:r>
+                            <a:rPr lang="en-US" b="0" i="1" smtClean="0">
+                              <a:latin typeface="Cambria Math" charset="0"/>
+                            </a:rPr>
+                            <m:t>𝑅</m:t>
+                          </m:r>
+                        </m:sub>
+                      </m:sSub>
+                    </m:oMath>
+                  </m:oMathPara>
+                </a14:m>
+                <a:endParaRPr lang="en-US" dirty="0"/>
+              </a:p>
+            </p:txBody>
+          </p:sp>
+        </mc:Choice>
+        <mc:Fallback>
+          <p:sp>
+            <p:nvSpPr>
+              <p:cNvPr id="5" name="TextBox 4"/>
+              <p:cNvSpPr txBox="1">
+                <a:spLocks noRot="1" noChangeAspect="1" noMove="1" noResize="1" noEditPoints="1" noAdjustHandles="1" noChangeArrowheads="1" noChangeShapeType="1" noTextEdit="1"/>
+              </p:cNvSpPr>
+              <p:nvPr/>
+            </p:nvSpPr>
+            <p:spPr>
+              <a:xfrm>
+                <a:off x="5508234" y="2552252"/>
+                <a:ext cx="1236492" cy="276999"/>
+              </a:xfrm>
+              <a:prstGeom prst="rect">
+                <a:avLst/>
+              </a:prstGeom>
+              <a:blipFill rotWithShape="0">
+                <a:blip r:embed="rId2"/>
+                <a:stretch>
+                  <a:fillRect l="-3465" t="-4444" r="-1485" b="-35556"/>
+                </a:stretch>
+              </a:blipFill>
+            </p:spPr>
+            <p:txBody>
+              <a:bodyPr/>
+              <a:lstStyle/>
+              <a:p>
+                <a:r>
+                  <a:rPr lang="en-US">
+                    <a:noFill/>
+                  </a:rPr>
+                  <a:t> </a:t>
+                </a:r>
+              </a:p>
+            </p:txBody>
+          </p:sp>
+        </mc:Fallback>
+      </mc:AlternateContent>
     </p:spTree>
     <p:extLst>
       <p:ext uri="{BB962C8B-B14F-4D97-AF65-F5344CB8AC3E}">
-        <p14:creationId xmlns:p14="http://schemas.microsoft.com/office/powerpoint/2010/main" val="1337557887"/>
+        <p14:creationId xmlns:p14="http://schemas.microsoft.com/office/powerpoint/2010/main" val="1209731371"/>
       </p:ext>
     </p:extLst>
   </p:cSld>
@@ -7472,77 +8502,45 @@
           <a:p>
             <a:r>
               <a:rPr lang="en-US" dirty="0" smtClean="0"/>
-              <a:t>Calvin - runtime</a:t>
+              <a:t>Handling node failure cont’d.</a:t>
             </a:r>
             <a:endParaRPr lang="en-US" dirty="0"/>
           </a:p>
         </p:txBody>
       </p:sp>
-      <p:sp>
-        <p:nvSpPr>
-          <p:cNvPr id="3" name="Content Placeholder 2"/>
-          <p:cNvSpPr>
-            <a:spLocks noGrp="1"/>
-          </p:cNvSpPr>
+      <p:pic>
+        <p:nvPicPr>
+          <p:cNvPr id="9" name="Content Placeholder 8"/>
+          <p:cNvPicPr>
+            <a:picLocks noGrp="1" noChangeAspect="1"/>
+          </p:cNvPicPr>
           <p:nvPr>
             <p:ph idx="1"/>
           </p:nvPr>
-        </p:nvSpPr>
-        <p:spPr/>
-        <p:txBody>
-          <a:bodyPr/>
-          <a:lstStyle/>
-          <a:p>
-            <a:pPr>
-              <a:buFont typeface="Arial" panose="020B0604020202020204" pitchFamily="34" charset="0"/>
-              <a:buChar char="•"/>
-            </a:pPr>
-            <a:r>
-              <a:rPr lang="en-US" dirty="0" smtClean="0"/>
-              <a:t> A Calvin runtime </a:t>
-            </a:r>
-            <a:r>
-              <a:rPr lang="en-US" dirty="0"/>
-              <a:t>is a self-managed container for application </a:t>
-            </a:r>
-            <a:r>
-              <a:rPr lang="en-US" dirty="0" smtClean="0"/>
-              <a:t>actors</a:t>
-            </a:r>
-          </a:p>
-          <a:p>
-            <a:pPr>
-              <a:buFont typeface="Arial" panose="020B0604020202020204" pitchFamily="34" charset="0"/>
-              <a:buChar char="•"/>
-            </a:pPr>
-            <a:r>
-              <a:rPr lang="en-US" dirty="0" smtClean="0"/>
-              <a:t> Provides </a:t>
-            </a:r>
-            <a:r>
-              <a:rPr lang="en-US" dirty="0"/>
-              <a:t>data transport between actors both within the same runtime and between </a:t>
-            </a:r>
-            <a:r>
-              <a:rPr lang="en-US" dirty="0" smtClean="0"/>
-              <a:t>different </a:t>
-            </a:r>
-            <a:r>
-              <a:rPr lang="en-US" dirty="0"/>
-              <a:t>runtimes</a:t>
-            </a:r>
-            <a:r>
-              <a:rPr lang="en-US" dirty="0" smtClean="0"/>
-              <a:t>.</a:t>
-            </a:r>
-            <a:endParaRPr lang="en-US" dirty="0"/>
-          </a:p>
-        </p:txBody>
-      </p:sp>
+        </p:nvPicPr>
+        <p:blipFill>
+          <a:blip r:embed="rId2">
+            <a:extLst>
+              <a:ext uri="{28A0092B-C50C-407E-A947-70E740481C1C}">
+                <a14:useLocalDpi xmlns:a14="http://schemas.microsoft.com/office/drawing/2010/main" val="0"/>
+              </a:ext>
+            </a:extLst>
+          </a:blip>
+          <a:stretch>
+            <a:fillRect/>
+          </a:stretch>
+        </p:blipFill>
+        <p:spPr>
+          <a:xfrm>
+            <a:off x="4514787" y="1846263"/>
+            <a:ext cx="3222751" cy="4022725"/>
+          </a:xfrm>
+        </p:spPr>
+      </p:pic>
     </p:spTree>
     <p:extLst>
       <p:ext uri="{BB962C8B-B14F-4D97-AF65-F5344CB8AC3E}">
-        <p14:creationId xmlns:p14="http://schemas.microsoft.com/office/powerpoint/2010/main" val="1184745539"/>
+        <p14:creationId xmlns:p14="http://schemas.microsoft.com/office/powerpoint/2010/main" val="849378495"/>
       </p:ext>
     </p:extLst>
   </p:cSld>
@@ -7593,110 +8591,45 @@
           <a:p>
             <a:r>
               <a:rPr lang="en-US" dirty="0" smtClean="0"/>
-              <a:t>Calvin - actor</a:t>
+              <a:t>Handling node failure cont’d.</a:t>
             </a:r>
             <a:endParaRPr lang="en-US" dirty="0"/>
           </a:p>
         </p:txBody>
       </p:sp>
-      <p:sp>
-        <p:nvSpPr>
+      <p:pic>
+        <p:nvPicPr>
           <p:cNvPr id="3" name="Content Placeholder 2"/>
-          <p:cNvSpPr>
-            <a:spLocks noGrp="1"/>
-          </p:cNvSpPr>
+          <p:cNvPicPr>
+            <a:picLocks noGrp="1" noChangeAspect="1"/>
+          </p:cNvPicPr>
           <p:nvPr>
             <p:ph idx="1"/>
           </p:nvPr>
-        </p:nvSpPr>
-        <p:spPr/>
-        <p:txBody>
-          <a:bodyPr/>
-          <a:lstStyle/>
-          <a:p>
-            <a:pPr>
-              <a:buFont typeface="Arial" panose="020B0604020202020204" pitchFamily="34" charset="0"/>
-              <a:buChar char="•"/>
-            </a:pPr>
-            <a:r>
-              <a:rPr lang="en-US" dirty="0" smtClean="0"/>
-              <a:t> An actor in Calvin consists of ports, actions, and preconditions under which actions can fire.</a:t>
-            </a:r>
-          </a:p>
-          <a:p>
-            <a:pPr>
-              <a:buFont typeface="Arial" panose="020B0604020202020204" pitchFamily="34" charset="0"/>
-              <a:buChar char="•"/>
-            </a:pPr>
-            <a:r>
-              <a:rPr lang="en-US" dirty="0"/>
-              <a:t> </a:t>
-            </a:r>
-            <a:r>
-              <a:rPr lang="en-US" dirty="0" smtClean="0"/>
-              <a:t>For each in-port there is a queue of messages, called tokens, to process. Each out-port has a queue of tokens to send to another actors in-port.</a:t>
-            </a:r>
-          </a:p>
-          <a:p>
-            <a:pPr>
-              <a:buFont typeface="Arial" panose="020B0604020202020204" pitchFamily="34" charset="0"/>
-              <a:buChar char="•"/>
-            </a:pPr>
-            <a:r>
-              <a:rPr lang="en-US" dirty="0"/>
-              <a:t> </a:t>
-            </a:r>
-            <a:r>
-              <a:rPr lang="en-US" dirty="0" smtClean="0"/>
-              <a:t>The state of an actor is used when migrating or replicating an actor and consists mainly of</a:t>
-            </a:r>
-          </a:p>
-          <a:p>
-            <a:pPr lvl="1">
-              <a:buFont typeface="Arial" charset="0"/>
-              <a:buChar char="•"/>
-            </a:pPr>
-            <a:r>
-              <a:rPr lang="en-US" dirty="0" smtClean="0"/>
-              <a:t>The type of actor</a:t>
-            </a:r>
-          </a:p>
-          <a:p>
-            <a:pPr lvl="1">
-              <a:buFont typeface="Arial" charset="0"/>
-              <a:buChar char="•"/>
-            </a:pPr>
-            <a:r>
-              <a:rPr lang="en-US" dirty="0" smtClean="0"/>
-              <a:t>Arguments needed to create the actor</a:t>
-            </a:r>
-          </a:p>
-          <a:p>
-            <a:pPr lvl="1">
-              <a:buFont typeface="Arial" charset="0"/>
-              <a:buChar char="•"/>
-            </a:pPr>
-            <a:r>
-              <a:rPr lang="en-US" dirty="0" smtClean="0"/>
-              <a:t>Port connections information</a:t>
-            </a:r>
-          </a:p>
-          <a:p>
-            <a:pPr lvl="1">
-              <a:buFont typeface="Arial" charset="0"/>
-              <a:buChar char="•"/>
-            </a:pPr>
-            <a:r>
-              <a:rPr lang="en-US" dirty="0" smtClean="0"/>
-              <a:t>Port queues</a:t>
-            </a:r>
-          </a:p>
-        </p:txBody>
-      </p:sp>
+        </p:nvPicPr>
+        <p:blipFill>
+          <a:blip r:embed="rId2">
+            <a:extLst>
+              <a:ext uri="{28A0092B-C50C-407E-A947-70E740481C1C}">
+                <a14:useLocalDpi xmlns:a14="http://schemas.microsoft.com/office/drawing/2010/main" val="0"/>
+              </a:ext>
+            </a:extLst>
+          </a:blip>
+          <a:stretch>
+            <a:fillRect/>
+          </a:stretch>
+        </p:blipFill>
+        <p:spPr>
+          <a:xfrm>
+            <a:off x="4467671" y="1846263"/>
+            <a:ext cx="3316983" cy="4022725"/>
+          </a:xfrm>
+        </p:spPr>
+      </p:pic>
     </p:spTree>
     <p:extLst>
       <p:ext uri="{BB962C8B-B14F-4D97-AF65-F5344CB8AC3E}">
-        <p14:creationId xmlns:p14="http://schemas.microsoft.com/office/powerpoint/2010/main" val="568983818"/>
+        <p14:creationId xmlns:p14="http://schemas.microsoft.com/office/powerpoint/2010/main" val="1180563856"/>
       </p:ext>
     </p:extLst>
   </p:cSld>
@@ -7774,7 +8707,15 @@
             </a:pPr>
             <a:r>
               <a:rPr lang="en-US" dirty="0" smtClean="0"/>
-              <a:t> Reliability of applications of services in running in distributed environments</a:t>
+              <a:t>Ensuring reliability </a:t>
+            </a:r>
+            <a:r>
+              <a:rPr lang="en-US" dirty="0" smtClean="0"/>
+              <a:t>of applications of services in running in distributed </a:t>
+            </a:r>
+            <a:r>
+              <a:rPr lang="en-US" dirty="0" smtClean="0"/>
+              <a:t>environments is a complex task</a:t>
             </a:r>
           </a:p>
           <a:p>
@@ -7784,7 +8725,7 @@
             </a:pPr>
             <a:r>
               <a:rPr lang="en-US" dirty="0" smtClean="0"/>
-              <a:t> Problems:</a:t>
+              <a:t>Problems:</a:t>
             </a:r>
           </a:p>
           <a:p>
@@ -7794,8 +8735,40 @@
             </a:pPr>
             <a:r>
               <a:rPr lang="en-US" dirty="0" smtClean="0"/>
-              <a:t>More resources --&gt; higher probability that one will fail</a:t>
-            </a:r>
+              <a:t>The more resources used, the higher the probability of some of them failing</a:t>
+            </a:r>
+          </a:p>
+          <a:p>
+            <a:pPr lvl="1">
+              <a:buFont typeface="Arial" charset="0"/>
+              <a:buChar char="•"/>
+            </a:pPr>
+            <a:r>
+              <a:rPr lang="en-US" dirty="0" smtClean="0"/>
+              <a:t>Difficult to model reliability, infinite numbers of parameters and types of failures to consider</a:t>
+            </a:r>
+          </a:p>
+          <a:p>
+            <a:pPr lvl="2">
+              <a:buFont typeface="Arial" charset="0"/>
+              <a:buChar char="•"/>
+            </a:pPr>
+            <a:r>
+              <a:rPr lang="en-US" dirty="0" smtClean="0"/>
+              <a:t>Hardware, network, energy supply, etc.</a:t>
+            </a:r>
+            <a:endParaRPr lang="en-US" dirty="0" smtClean="0"/>
+          </a:p>
+          <a:p>
+            <a:pPr>
+              <a:buFont typeface="Arial" charset="0"/>
+              <a:buChar char="•"/>
+            </a:pPr>
+            <a:r>
+              <a:rPr lang="en-US" dirty="0" smtClean="0"/>
+              <a:t>For stream processing applications, valuable data may be lost if the processing task fails</a:t>
+            </a:r>
+            <a:endParaRPr lang="en-US" dirty="0" smtClean="0"/>
           </a:p>
           <a:p>
             <a:pPr lvl="1">
@@ -7834,6 +8807,1126 @@
 </file>
 
 <file path=ppt/slides/slide30.xml><?xml version="1.0" encoding="utf-8"?>
+<p:sld xmlns:a="http://schemas.openxmlformats.org/drawingml/2006/main" xmlns:r="http://schemas.openxmlformats.org/officeDocument/2006/relationships" xmlns:p="http://schemas.openxmlformats.org/presentationml/2006/main">
+  <p:cSld>
+    <p:spTree>
+      <p:nvGrpSpPr>
+        <p:cNvPr id="1" name=""/>
+        <p:cNvGrpSpPr/>
+        <p:nvPr/>
+      </p:nvGrpSpPr>
+      <p:grpSpPr>
+        <a:xfrm>
+          <a:off x="0" y="0"/>
+          <a:ext cx="0" cy="0"/>
+          <a:chOff x="0" y="0"/>
+          <a:chExt cx="0" cy="0"/>
+        </a:xfrm>
+      </p:grpSpPr>
+      <p:sp>
+        <p:nvSpPr>
+          <p:cNvPr id="2" name="Title 1"/>
+          <p:cNvSpPr>
+            <a:spLocks noGrp="1"/>
+          </p:cNvSpPr>
+          <p:nvPr>
+            <p:ph type="title"/>
+          </p:nvPr>
+        </p:nvSpPr>
+        <p:spPr/>
+        <p:txBody>
+          <a:bodyPr/>
+          <a:lstStyle/>
+          <a:p>
+            <a:r>
+              <a:rPr lang="en-US" dirty="0" smtClean="0"/>
+              <a:t>Handling node failure cont’d.</a:t>
+            </a:r>
+            <a:endParaRPr lang="en-US" dirty="0"/>
+          </a:p>
+        </p:txBody>
+      </p:sp>
+      <p:pic>
+        <p:nvPicPr>
+          <p:cNvPr id="5" name="Content Placeholder 4"/>
+          <p:cNvPicPr>
+            <a:picLocks noGrp="1" noChangeAspect="1"/>
+          </p:cNvPicPr>
+          <p:nvPr>
+            <p:ph idx="1"/>
+          </p:nvPr>
+        </p:nvPicPr>
+        <p:blipFill>
+          <a:blip r:embed="rId2">
+            <a:extLst>
+              <a:ext uri="{28A0092B-C50C-407E-A947-70E740481C1C}">
+                <a14:useLocalDpi xmlns:a14="http://schemas.microsoft.com/office/drawing/2010/main" val="0"/>
+              </a:ext>
+            </a:extLst>
+          </a:blip>
+          <a:stretch>
+            <a:fillRect/>
+          </a:stretch>
+        </p:blipFill>
+        <p:spPr>
+          <a:xfrm>
+            <a:off x="4467671" y="1846263"/>
+            <a:ext cx="3316983" cy="4022725"/>
+          </a:xfrm>
+        </p:spPr>
+      </p:pic>
+    </p:spTree>
+    <p:extLst>
+      <p:ext uri="{BB962C8B-B14F-4D97-AF65-F5344CB8AC3E}">
+        <p14:creationId xmlns:p14="http://schemas.microsoft.com/office/powerpoint/2010/main" val="1135313159"/>
+      </p:ext>
+    </p:extLst>
+  </p:cSld>
+  <p:clrMapOvr>
+    <a:masterClrMapping/>
+  </p:clrMapOvr>
+  <p:timing>
+    <p:tnLst>
+      <p:par>
+        <p:cTn id="1" dur="indefinite" restart="never" nodeType="tmRoot"/>
+      </p:par>
+    </p:tnLst>
+  </p:timing>
+</p:sld>
+</file>
+
+<file path=ppt/slides/slide31.xml><?xml version="1.0" encoding="utf-8"?>
+<p:sld xmlns:a="http://schemas.openxmlformats.org/drawingml/2006/main" xmlns:r="http://schemas.openxmlformats.org/officeDocument/2006/relationships" xmlns:p="http://schemas.openxmlformats.org/presentationml/2006/main">
+  <p:cSld>
+    <p:spTree>
+      <p:nvGrpSpPr>
+        <p:cNvPr id="1" name=""/>
+        <p:cNvGrpSpPr/>
+        <p:nvPr/>
+      </p:nvGrpSpPr>
+      <p:grpSpPr>
+        <a:xfrm>
+          <a:off x="0" y="0"/>
+          <a:ext cx="0" cy="0"/>
+          <a:chOff x="0" y="0"/>
+          <a:chExt cx="0" cy="0"/>
+        </a:xfrm>
+      </p:grpSpPr>
+      <p:sp>
+        <p:nvSpPr>
+          <p:cNvPr id="2" name="Title 1"/>
+          <p:cNvSpPr>
+            <a:spLocks noGrp="1"/>
+          </p:cNvSpPr>
+          <p:nvPr>
+            <p:ph type="title"/>
+          </p:nvPr>
+        </p:nvSpPr>
+        <p:spPr/>
+        <p:txBody>
+          <a:bodyPr/>
+          <a:lstStyle/>
+          <a:p>
+            <a:r>
+              <a:rPr lang="en-US" dirty="0" smtClean="0"/>
+              <a:t>Expressing time </a:t>
+            </a:r>
+            <a:r>
+              <a:rPr lang="en-US" i="1" dirty="0" smtClean="0"/>
+              <a:t>t</a:t>
+            </a:r>
+            <a:r>
+              <a:rPr lang="en-US" dirty="0" smtClean="0"/>
+              <a:t> cont</a:t>
+            </a:r>
+            <a:r>
+              <a:rPr lang="en-US" dirty="0" smtClean="0"/>
+              <a:t>’d</a:t>
+            </a:r>
+            <a:endParaRPr lang="en-US" dirty="0"/>
+          </a:p>
+        </p:txBody>
+      </p:sp>
+      <p:sp>
+        <p:nvSpPr>
+          <p:cNvPr id="3" name="Content Placeholder 2"/>
+          <p:cNvSpPr>
+            <a:spLocks noGrp="1"/>
+          </p:cNvSpPr>
+          <p:nvPr>
+            <p:ph idx="1"/>
+          </p:nvPr>
+        </p:nvSpPr>
+        <p:spPr/>
+        <p:txBody>
+          <a:bodyPr/>
+          <a:lstStyle/>
+          <a:p>
+            <a:pPr>
+              <a:buFont typeface="Arial" charset="0"/>
+              <a:buChar char="•"/>
+            </a:pPr>
+            <a:r>
+              <a:rPr lang="sv-SE" dirty="0" smtClean="0"/>
+              <a:t>The </a:t>
+            </a:r>
+            <a:r>
+              <a:rPr lang="sv-SE" dirty="0" err="1" smtClean="0"/>
+              <a:t>first</a:t>
+            </a:r>
+            <a:r>
+              <a:rPr lang="sv-SE" dirty="0" smtClean="0"/>
+              <a:t> </a:t>
+            </a:r>
+            <a:r>
+              <a:rPr lang="sv-SE" dirty="0" err="1" smtClean="0"/>
+              <a:t>node</a:t>
+            </a:r>
+            <a:r>
+              <a:rPr lang="sv-SE" dirty="0" smtClean="0"/>
+              <a:t> </a:t>
+            </a:r>
+            <a:r>
+              <a:rPr lang="sv-SE" dirty="0" err="1" smtClean="0"/>
+              <a:t>may</a:t>
+            </a:r>
+            <a:r>
+              <a:rPr lang="sv-SE" dirty="0" smtClean="0"/>
+              <a:t> </a:t>
+            </a:r>
+            <a:r>
+              <a:rPr lang="sv-SE" dirty="0" err="1" smtClean="0"/>
+              <a:t>die</a:t>
+            </a:r>
+            <a:r>
+              <a:rPr lang="sv-SE" dirty="0" smtClean="0"/>
+              <a:t>, in </a:t>
+            </a:r>
+            <a:r>
+              <a:rPr lang="sv-SE" dirty="0" err="1" smtClean="0"/>
+              <a:t>case</a:t>
+            </a:r>
+            <a:r>
+              <a:rPr lang="sv-SE" dirty="0" smtClean="0"/>
+              <a:t> the </a:t>
+            </a:r>
+            <a:r>
+              <a:rPr lang="sv-SE" dirty="0" err="1" smtClean="0"/>
+              <a:t>request</a:t>
+            </a:r>
+            <a:r>
+              <a:rPr lang="sv-SE" dirty="0" smtClean="0"/>
+              <a:t> is sent to </a:t>
+            </a:r>
+            <a:r>
+              <a:rPr lang="sv-SE" dirty="0" err="1" smtClean="0"/>
+              <a:t>another</a:t>
+            </a:r>
+            <a:r>
+              <a:rPr lang="sv-SE" dirty="0" smtClean="0"/>
+              <a:t> </a:t>
+            </a:r>
+            <a:r>
+              <a:rPr lang="sv-SE" dirty="0" err="1" smtClean="0"/>
+              <a:t>node</a:t>
+            </a:r>
+            <a:r>
+              <a:rPr lang="sv-SE" dirty="0" smtClean="0"/>
+              <a:t>, </a:t>
+            </a:r>
+            <a:r>
+              <a:rPr lang="sv-SE" dirty="0" err="1" smtClean="0"/>
+              <a:t>until</a:t>
+            </a:r>
+            <a:r>
+              <a:rPr lang="sv-SE" dirty="0" smtClean="0"/>
+              <a:t> </a:t>
+            </a:r>
+            <a:r>
+              <a:rPr lang="sv-SE" dirty="0" err="1" smtClean="0"/>
+              <a:t>some</a:t>
+            </a:r>
+            <a:r>
+              <a:rPr lang="sv-SE" dirty="0" smtClean="0"/>
+              <a:t> </a:t>
+            </a:r>
+            <a:r>
+              <a:rPr lang="sv-SE" dirty="0" err="1" smtClean="0"/>
+              <a:t>succeeds</a:t>
+            </a:r>
+            <a:r>
+              <a:rPr lang="sv-SE" dirty="0" smtClean="0"/>
+              <a:t>.</a:t>
+            </a:r>
+          </a:p>
+          <a:p>
+            <a:pPr>
+              <a:buFont typeface="Arial" charset="0"/>
+              <a:buChar char="•"/>
+            </a:pPr>
+            <a:r>
+              <a:rPr lang="sv-SE" dirty="0" smtClean="0"/>
+              <a:t>An experiment </a:t>
+            </a:r>
+            <a:r>
+              <a:rPr lang="sv-SE" dirty="0" err="1" smtClean="0"/>
+              <a:t>was</a:t>
+            </a:r>
+            <a:r>
+              <a:rPr lang="sv-SE" dirty="0" smtClean="0"/>
+              <a:t> </a:t>
+            </a:r>
+            <a:r>
+              <a:rPr lang="sv-SE" dirty="0" err="1" smtClean="0"/>
+              <a:t>conducted</a:t>
+            </a:r>
+            <a:r>
+              <a:rPr lang="sv-SE" dirty="0" smtClean="0"/>
+              <a:t> </a:t>
+            </a:r>
+            <a:r>
+              <a:rPr lang="sv-SE" dirty="0" err="1" smtClean="0"/>
+              <a:t>during</a:t>
+            </a:r>
+            <a:r>
+              <a:rPr lang="sv-SE" dirty="0" smtClean="0"/>
+              <a:t> </a:t>
+            </a:r>
+            <a:r>
+              <a:rPr lang="sv-SE" dirty="0" err="1" smtClean="0"/>
+              <a:t>which</a:t>
+            </a:r>
+            <a:r>
+              <a:rPr lang="sv-SE" dirty="0" smtClean="0"/>
+              <a:t> </a:t>
+            </a:r>
+            <a:r>
+              <a:rPr lang="sv-SE" dirty="0" err="1" smtClean="0"/>
+              <a:t>each</a:t>
+            </a:r>
+            <a:r>
+              <a:rPr lang="sv-SE" dirty="0" smtClean="0"/>
+              <a:t> </a:t>
+            </a:r>
+            <a:r>
+              <a:rPr lang="sv-SE" dirty="0" err="1" smtClean="0"/>
+              <a:t>time</a:t>
+            </a:r>
+            <a:r>
+              <a:rPr lang="sv-SE" dirty="0" smtClean="0"/>
+              <a:t> TR </a:t>
+            </a:r>
+            <a:r>
+              <a:rPr lang="sv-SE" dirty="0" err="1" smtClean="0"/>
+              <a:t>was</a:t>
+            </a:r>
+            <a:r>
+              <a:rPr lang="sv-SE" dirty="0" smtClean="0"/>
+              <a:t> </a:t>
+            </a:r>
+            <a:r>
+              <a:rPr lang="sv-SE" dirty="0" err="1" smtClean="0"/>
+              <a:t>registered</a:t>
+            </a:r>
+            <a:r>
+              <a:rPr lang="sv-SE" dirty="0" smtClean="0"/>
+              <a:t>, in order to </a:t>
+            </a:r>
+            <a:r>
+              <a:rPr lang="sv-SE" dirty="0" err="1" smtClean="0"/>
+              <a:t>find</a:t>
+            </a:r>
+            <a:r>
+              <a:rPr lang="sv-SE" dirty="0" smtClean="0"/>
+              <a:t> a distribution </a:t>
+            </a:r>
+            <a:r>
+              <a:rPr lang="sv-SE" dirty="0" err="1" smtClean="0"/>
+              <a:t>fitting</a:t>
+            </a:r>
+            <a:r>
+              <a:rPr lang="sv-SE" dirty="0" smtClean="0"/>
+              <a:t> to the data. </a:t>
+            </a:r>
+            <a:r>
+              <a:rPr lang="sv-SE" dirty="0" err="1" smtClean="0"/>
+              <a:t>Several</a:t>
+            </a:r>
+            <a:r>
+              <a:rPr lang="sv-SE" dirty="0" smtClean="0"/>
+              <a:t> distributions </a:t>
+            </a:r>
+            <a:r>
+              <a:rPr lang="sv-SE" dirty="0" err="1" smtClean="0"/>
+              <a:t>was</a:t>
+            </a:r>
+            <a:r>
+              <a:rPr lang="sv-SE" dirty="0" smtClean="0"/>
+              <a:t> </a:t>
+            </a:r>
+            <a:r>
+              <a:rPr lang="sv-SE" dirty="0" err="1" smtClean="0"/>
+              <a:t>tested</a:t>
+            </a:r>
+            <a:r>
+              <a:rPr lang="sv-SE" dirty="0" smtClean="0"/>
+              <a:t>, and log-</a:t>
+            </a:r>
+            <a:r>
+              <a:rPr lang="sv-SE" dirty="0" err="1" smtClean="0"/>
+              <a:t>logistic</a:t>
+            </a:r>
+            <a:r>
+              <a:rPr lang="sv-SE" dirty="0" smtClean="0"/>
+              <a:t> </a:t>
+            </a:r>
+            <a:r>
+              <a:rPr lang="sv-SE" dirty="0" err="1" smtClean="0"/>
+              <a:t>was</a:t>
+            </a:r>
+            <a:r>
+              <a:rPr lang="sv-SE" dirty="0" smtClean="0"/>
+              <a:t> </a:t>
+            </a:r>
+            <a:r>
+              <a:rPr lang="sv-SE" dirty="0" err="1" smtClean="0"/>
+              <a:t>found</a:t>
+            </a:r>
+            <a:r>
+              <a:rPr lang="sv-SE" dirty="0" smtClean="0"/>
+              <a:t> to be the best fit.</a:t>
+            </a:r>
+          </a:p>
+          <a:p>
+            <a:pPr>
+              <a:buFont typeface="Arial" charset="0"/>
+              <a:buChar char="•"/>
+            </a:pPr>
+            <a:endParaRPr lang="sv-SE" dirty="0"/>
+          </a:p>
+          <a:p>
+            <a:pPr>
+              <a:buFont typeface="Arial" charset="0"/>
+              <a:buChar char="•"/>
+            </a:pPr>
+            <a:endParaRPr lang="sv-SE" dirty="0" smtClean="0"/>
+          </a:p>
+        </p:txBody>
+      </p:sp>
+      <p:pic>
+        <p:nvPicPr>
+          <p:cNvPr id="4" name="Picture 3"/>
+          <p:cNvPicPr>
+            <a:picLocks noChangeAspect="1"/>
+          </p:cNvPicPr>
+          <p:nvPr/>
+        </p:nvPicPr>
+        <p:blipFill>
+          <a:blip r:embed="rId2">
+            <a:extLst>
+              <a:ext uri="{28A0092B-C50C-407E-A947-70E740481C1C}">
+                <a14:useLocalDpi xmlns:a14="http://schemas.microsoft.com/office/drawing/2010/main" val="0"/>
+              </a:ext>
+            </a:extLst>
+          </a:blip>
+          <a:stretch>
+            <a:fillRect/>
+          </a:stretch>
+        </p:blipFill>
+        <p:spPr>
+          <a:xfrm>
+            <a:off x="3615610" y="3151989"/>
+            <a:ext cx="3640872" cy="3108975"/>
+          </a:xfrm>
+          <a:prstGeom prst="rect">
+            <a:avLst/>
+          </a:prstGeom>
+        </p:spPr>
+      </p:pic>
+    </p:spTree>
+    <p:extLst>
+      <p:ext uri="{BB962C8B-B14F-4D97-AF65-F5344CB8AC3E}">
+        <p14:creationId xmlns:p14="http://schemas.microsoft.com/office/powerpoint/2010/main" val="683142085"/>
+      </p:ext>
+    </p:extLst>
+  </p:cSld>
+  <p:clrMapOvr>
+    <a:masterClrMapping/>
+  </p:clrMapOvr>
+  <p:timing>
+    <p:tnLst>
+      <p:par>
+        <p:cTn id="1" dur="indefinite" restart="never" nodeType="tmRoot"/>
+      </p:par>
+    </p:tnLst>
+  </p:timing>
+</p:sld>
+</file>
+
+<file path=ppt/slides/slide32.xml><?xml version="1.0" encoding="utf-8"?>
+<p:sld xmlns:a="http://schemas.openxmlformats.org/drawingml/2006/main" xmlns:r="http://schemas.openxmlformats.org/officeDocument/2006/relationships" xmlns:p="http://schemas.openxmlformats.org/presentationml/2006/main">
+  <p:cSld>
+    <p:spTree>
+      <p:nvGrpSpPr>
+        <p:cNvPr id="1" name=""/>
+        <p:cNvGrpSpPr/>
+        <p:nvPr/>
+      </p:nvGrpSpPr>
+      <p:grpSpPr>
+        <a:xfrm>
+          <a:off x="0" y="0"/>
+          <a:ext cx="0" cy="0"/>
+          <a:chOff x="0" y="0"/>
+          <a:chExt cx="0" cy="0"/>
+        </a:xfrm>
+      </p:grpSpPr>
+      <p:sp>
+        <p:nvSpPr>
+          <p:cNvPr id="2" name="Title 1"/>
+          <p:cNvSpPr>
+            <a:spLocks noGrp="1"/>
+          </p:cNvSpPr>
+          <p:nvPr>
+            <p:ph type="title"/>
+          </p:nvPr>
+        </p:nvSpPr>
+        <p:spPr/>
+        <p:txBody>
+          <a:bodyPr/>
+          <a:lstStyle/>
+          <a:p>
+            <a:r>
+              <a:rPr lang="en-US" dirty="0" smtClean="0"/>
+              <a:t>Expressing time </a:t>
+            </a:r>
+            <a:r>
+              <a:rPr lang="en-US" i="1" dirty="0" smtClean="0"/>
+              <a:t>t</a:t>
+            </a:r>
+            <a:r>
+              <a:rPr lang="en-US" dirty="0" smtClean="0"/>
+              <a:t> cont</a:t>
+            </a:r>
+            <a:r>
+              <a:rPr lang="en-US" dirty="0" smtClean="0"/>
+              <a:t>’d</a:t>
+            </a:r>
+            <a:endParaRPr lang="en-US" dirty="0"/>
+          </a:p>
+        </p:txBody>
+      </p:sp>
+      <p:sp>
+        <p:nvSpPr>
+          <p:cNvPr id="3" name="Content Placeholder 2"/>
+          <p:cNvSpPr>
+            <a:spLocks noGrp="1"/>
+          </p:cNvSpPr>
+          <p:nvPr>
+            <p:ph idx="1"/>
+          </p:nvPr>
+        </p:nvSpPr>
+        <p:spPr/>
+        <p:txBody>
+          <a:bodyPr/>
+          <a:lstStyle/>
+          <a:p>
+            <a:pPr>
+              <a:buFont typeface="Arial" charset="0"/>
+              <a:buChar char="•"/>
+            </a:pPr>
+            <a:r>
+              <a:rPr lang="sv-SE" dirty="0" smtClean="0"/>
+              <a:t>To </a:t>
+            </a:r>
+            <a:r>
+              <a:rPr lang="sv-SE" dirty="0" err="1" smtClean="0"/>
+              <a:t>find</a:t>
+            </a:r>
+            <a:r>
+              <a:rPr lang="sv-SE" dirty="0" smtClean="0"/>
+              <a:t> a </a:t>
+            </a:r>
+            <a:r>
+              <a:rPr lang="sv-SE" dirty="0" err="1" smtClean="0"/>
+              <a:t>value</a:t>
+            </a:r>
+            <a:r>
+              <a:rPr lang="sv-SE" dirty="0" smtClean="0"/>
+              <a:t> for TR, the </a:t>
+            </a:r>
+            <a:r>
+              <a:rPr lang="sv-SE" dirty="0" err="1" smtClean="0"/>
+              <a:t>previously</a:t>
+            </a:r>
+            <a:r>
+              <a:rPr lang="sv-SE" dirty="0" smtClean="0"/>
+              <a:t> </a:t>
+            </a:r>
+            <a:r>
+              <a:rPr lang="sv-SE" dirty="0" err="1" smtClean="0"/>
+              <a:t>registered</a:t>
+            </a:r>
+            <a:r>
+              <a:rPr lang="sv-SE" dirty="0" smtClean="0"/>
+              <a:t> </a:t>
+            </a:r>
+            <a:r>
+              <a:rPr lang="sv-SE" dirty="0" err="1" smtClean="0"/>
+              <a:t>values</a:t>
+            </a:r>
+            <a:r>
+              <a:rPr lang="sv-SE" dirty="0" smtClean="0"/>
+              <a:t> </a:t>
+            </a:r>
+            <a:r>
+              <a:rPr lang="sv-SE" dirty="0" err="1" smtClean="0"/>
+              <a:t>are</a:t>
+            </a:r>
+            <a:r>
+              <a:rPr lang="sv-SE" dirty="0" smtClean="0"/>
+              <a:t> </a:t>
+            </a:r>
+            <a:r>
+              <a:rPr lang="sv-SE" dirty="0" err="1" smtClean="0"/>
+              <a:t>used</a:t>
+            </a:r>
+            <a:r>
+              <a:rPr lang="sv-SE" dirty="0" smtClean="0"/>
+              <a:t> to </a:t>
+            </a:r>
+            <a:r>
+              <a:rPr lang="sv-SE" dirty="0" err="1" smtClean="0"/>
+              <a:t>find</a:t>
+            </a:r>
+            <a:r>
+              <a:rPr lang="sv-SE" dirty="0" smtClean="0"/>
+              <a:t> the </a:t>
+            </a:r>
+            <a:r>
+              <a:rPr lang="sv-SE" dirty="0" err="1" smtClean="0"/>
+              <a:t>shape</a:t>
+            </a:r>
+            <a:r>
+              <a:rPr lang="sv-SE" dirty="0" smtClean="0"/>
+              <a:t> parameters for the log-</a:t>
+            </a:r>
+            <a:r>
+              <a:rPr lang="sv-SE" dirty="0" err="1" smtClean="0"/>
+              <a:t>logistic</a:t>
+            </a:r>
+            <a:r>
+              <a:rPr lang="sv-SE" dirty="0" smtClean="0"/>
+              <a:t> distribution, </a:t>
+            </a:r>
+            <a:r>
+              <a:rPr lang="sv-SE" dirty="0" err="1" smtClean="0"/>
+              <a:t>after</a:t>
+            </a:r>
+            <a:r>
+              <a:rPr lang="sv-SE" dirty="0" smtClean="0"/>
+              <a:t> </a:t>
+            </a:r>
+            <a:r>
+              <a:rPr lang="sv-SE" dirty="0" err="1" smtClean="0"/>
+              <a:t>which</a:t>
+            </a:r>
+            <a:r>
+              <a:rPr lang="sv-SE" dirty="0" smtClean="0"/>
+              <a:t> the 95th </a:t>
+            </a:r>
+            <a:r>
+              <a:rPr lang="sv-SE" dirty="0" err="1" smtClean="0"/>
+              <a:t>percentile</a:t>
+            </a:r>
+            <a:r>
+              <a:rPr lang="sv-SE" dirty="0" smtClean="0"/>
+              <a:t> </a:t>
+            </a:r>
+            <a:r>
+              <a:rPr lang="sv-SE" dirty="0" err="1" smtClean="0"/>
+              <a:t>value</a:t>
+            </a:r>
+            <a:r>
+              <a:rPr lang="sv-SE" dirty="0" smtClean="0"/>
+              <a:t> is </a:t>
+            </a:r>
+            <a:r>
+              <a:rPr lang="sv-SE" dirty="0" err="1" smtClean="0"/>
+              <a:t>used</a:t>
+            </a:r>
+            <a:r>
+              <a:rPr lang="sv-SE" smtClean="0"/>
+              <a:t>.</a:t>
+            </a:r>
+            <a:endParaRPr lang="sv-SE" dirty="0" smtClean="0"/>
+          </a:p>
+          <a:p>
+            <a:pPr>
+              <a:buFont typeface="Arial" charset="0"/>
+              <a:buChar char="•"/>
+            </a:pPr>
+            <a:endParaRPr lang="sv-SE" dirty="0"/>
+          </a:p>
+          <a:p>
+            <a:pPr>
+              <a:buFont typeface="Arial" charset="0"/>
+              <a:buChar char="•"/>
+            </a:pPr>
+            <a:endParaRPr lang="sv-SE" dirty="0" smtClean="0"/>
+          </a:p>
+        </p:txBody>
+      </p:sp>
+    </p:spTree>
+    <p:extLst>
+      <p:ext uri="{BB962C8B-B14F-4D97-AF65-F5344CB8AC3E}">
+        <p14:creationId xmlns:p14="http://schemas.microsoft.com/office/powerpoint/2010/main" val="911897559"/>
+      </p:ext>
+    </p:extLst>
+  </p:cSld>
+  <p:clrMapOvr>
+    <a:masterClrMapping/>
+  </p:clrMapOvr>
+  <p:timing>
+    <p:tnLst>
+      <p:par>
+        <p:cTn id="1" dur="indefinite" restart="never" nodeType="tmRoot"/>
+      </p:par>
+    </p:tnLst>
+  </p:timing>
+</p:sld>
+</file>
+
+<file path=ppt/slides/slide33.xml><?xml version="1.0" encoding="utf-8"?>
+<p:sld xmlns:a="http://schemas.openxmlformats.org/drawingml/2006/main" xmlns:r="http://schemas.openxmlformats.org/officeDocument/2006/relationships" xmlns:p="http://schemas.openxmlformats.org/presentationml/2006/main">
+  <p:cSld>
+    <p:spTree>
+      <p:nvGrpSpPr>
+        <p:cNvPr id="1" name=""/>
+        <p:cNvGrpSpPr/>
+        <p:nvPr/>
+      </p:nvGrpSpPr>
+      <p:grpSpPr>
+        <a:xfrm>
+          <a:off x="0" y="0"/>
+          <a:ext cx="0" cy="0"/>
+          <a:chOff x="0" y="0"/>
+          <a:chExt cx="0" cy="0"/>
+        </a:xfrm>
+      </p:grpSpPr>
+      <p:sp>
+        <p:nvSpPr>
+          <p:cNvPr id="2" name="Title 1"/>
+          <p:cNvSpPr>
+            <a:spLocks noGrp="1"/>
+          </p:cNvSpPr>
+          <p:nvPr>
+            <p:ph type="title"/>
+          </p:nvPr>
+        </p:nvSpPr>
+        <p:spPr/>
+        <p:txBody>
+          <a:bodyPr/>
+          <a:lstStyle/>
+          <a:p>
+            <a:r>
+              <a:rPr lang="en-US" dirty="0" smtClean="0"/>
+              <a:t>Calvin</a:t>
+            </a:r>
+            <a:endParaRPr lang="en-US" dirty="0"/>
+          </a:p>
+        </p:txBody>
+      </p:sp>
+      <p:sp>
+        <p:nvSpPr>
+          <p:cNvPr id="3" name="Content Placeholder 2"/>
+          <p:cNvSpPr>
+            <a:spLocks noGrp="1"/>
+          </p:cNvSpPr>
+          <p:nvPr>
+            <p:ph idx="1"/>
+          </p:nvPr>
+        </p:nvSpPr>
+        <p:spPr>
+          <a:xfrm>
+            <a:off x="1097280" y="1845734"/>
+            <a:ext cx="10058400" cy="4023360"/>
+          </a:xfrm>
+        </p:spPr>
+        <p:txBody>
+          <a:bodyPr/>
+          <a:lstStyle/>
+          <a:p>
+            <a:pPr>
+              <a:buFont typeface="Arial" panose="020B0604020202020204" pitchFamily="34" charset="0"/>
+              <a:buChar char="•"/>
+            </a:pPr>
+            <a:r>
+              <a:rPr lang="en-US" dirty="0" smtClean="0"/>
+              <a:t> Calvin is an actor-based application environment for light-weight </a:t>
+            </a:r>
+            <a:r>
+              <a:rPr lang="en-US" dirty="0" err="1" smtClean="0"/>
+              <a:t>IoT</a:t>
+            </a:r>
+            <a:r>
+              <a:rPr lang="en-US" dirty="0" smtClean="0"/>
+              <a:t> applications. Its key components are </a:t>
+            </a:r>
+          </a:p>
+          <a:p>
+            <a:pPr lvl="1">
+              <a:buFont typeface="Arial" panose="020B0604020202020204" pitchFamily="34" charset="0"/>
+              <a:buChar char="•"/>
+            </a:pPr>
+            <a:r>
+              <a:rPr lang="en-US" dirty="0" smtClean="0"/>
+              <a:t>runtimes</a:t>
+            </a:r>
+          </a:p>
+          <a:p>
+            <a:pPr lvl="1">
+              <a:buFont typeface="Arial" panose="020B0604020202020204" pitchFamily="34" charset="0"/>
+              <a:buChar char="•"/>
+            </a:pPr>
+            <a:r>
+              <a:rPr lang="en-US" dirty="0"/>
+              <a:t>a</a:t>
+            </a:r>
+            <a:r>
+              <a:rPr lang="en-US" dirty="0" smtClean="0"/>
+              <a:t>ctors</a:t>
+            </a:r>
+          </a:p>
+          <a:p>
+            <a:pPr lvl="1">
+              <a:buFont typeface="Arial" panose="020B0604020202020204" pitchFamily="34" charset="0"/>
+              <a:buChar char="•"/>
+            </a:pPr>
+            <a:r>
+              <a:rPr lang="en-US" dirty="0"/>
+              <a:t>a</a:t>
+            </a:r>
+            <a:r>
+              <a:rPr lang="en-US" dirty="0" smtClean="0"/>
+              <a:t>pplications</a:t>
+            </a:r>
+          </a:p>
+          <a:p>
+            <a:pPr lvl="1">
+              <a:buFont typeface="Arial" panose="020B0604020202020204" pitchFamily="34" charset="0"/>
+              <a:buChar char="•"/>
+            </a:pPr>
+            <a:r>
+              <a:rPr lang="en-US" dirty="0" smtClean="0"/>
+              <a:t>and the use of </a:t>
+            </a:r>
+            <a:r>
+              <a:rPr lang="en-US" dirty="0" err="1" smtClean="0"/>
+              <a:t>Kademlia</a:t>
+            </a:r>
+            <a:r>
+              <a:rPr lang="en-US" dirty="0" smtClean="0"/>
+              <a:t>, a distributed hash table</a:t>
+            </a:r>
+          </a:p>
+        </p:txBody>
+      </p:sp>
+    </p:spTree>
+    <p:extLst>
+      <p:ext uri="{BB962C8B-B14F-4D97-AF65-F5344CB8AC3E}">
+        <p14:creationId xmlns:p14="http://schemas.microsoft.com/office/powerpoint/2010/main" val="1337557887"/>
+      </p:ext>
+    </p:extLst>
+  </p:cSld>
+  <p:clrMapOvr>
+    <a:masterClrMapping/>
+  </p:clrMapOvr>
+  <p:timing>
+    <p:tnLst>
+      <p:par>
+        <p:cTn id="1" dur="indefinite" restart="never" nodeType="tmRoot"/>
+      </p:par>
+    </p:tnLst>
+  </p:timing>
+</p:sld>
+</file>
+
+<file path=ppt/slides/slide34.xml><?xml version="1.0" encoding="utf-8"?>
+<p:sld xmlns:a="http://schemas.openxmlformats.org/drawingml/2006/main" xmlns:r="http://schemas.openxmlformats.org/officeDocument/2006/relationships" xmlns:p="http://schemas.openxmlformats.org/presentationml/2006/main">
+  <p:cSld>
+    <p:spTree>
+      <p:nvGrpSpPr>
+        <p:cNvPr id="1" name=""/>
+        <p:cNvGrpSpPr/>
+        <p:nvPr/>
+      </p:nvGrpSpPr>
+      <p:grpSpPr>
+        <a:xfrm>
+          <a:off x="0" y="0"/>
+          <a:ext cx="0" cy="0"/>
+          <a:chOff x="0" y="0"/>
+          <a:chExt cx="0" cy="0"/>
+        </a:xfrm>
+      </p:grpSpPr>
+      <p:sp>
+        <p:nvSpPr>
+          <p:cNvPr id="2" name="Title 1"/>
+          <p:cNvSpPr>
+            <a:spLocks noGrp="1"/>
+          </p:cNvSpPr>
+          <p:nvPr>
+            <p:ph type="title"/>
+          </p:nvPr>
+        </p:nvSpPr>
+        <p:spPr/>
+        <p:txBody>
+          <a:bodyPr/>
+          <a:lstStyle/>
+          <a:p>
+            <a:r>
+              <a:rPr lang="en-US" dirty="0" smtClean="0"/>
+              <a:t>Calvin - runtime</a:t>
+            </a:r>
+            <a:endParaRPr lang="en-US" dirty="0"/>
+          </a:p>
+        </p:txBody>
+      </p:sp>
+      <p:sp>
+        <p:nvSpPr>
+          <p:cNvPr id="3" name="Content Placeholder 2"/>
+          <p:cNvSpPr>
+            <a:spLocks noGrp="1"/>
+          </p:cNvSpPr>
+          <p:nvPr>
+            <p:ph idx="1"/>
+          </p:nvPr>
+        </p:nvSpPr>
+        <p:spPr/>
+        <p:txBody>
+          <a:bodyPr/>
+          <a:lstStyle/>
+          <a:p>
+            <a:pPr>
+              <a:buFont typeface="Arial" panose="020B0604020202020204" pitchFamily="34" charset="0"/>
+              <a:buChar char="•"/>
+            </a:pPr>
+            <a:r>
+              <a:rPr lang="en-US" dirty="0" smtClean="0"/>
+              <a:t> A Calvin runtime </a:t>
+            </a:r>
+            <a:r>
+              <a:rPr lang="en-US" dirty="0"/>
+              <a:t>is a self-managed container for application </a:t>
+            </a:r>
+            <a:r>
+              <a:rPr lang="en-US" dirty="0" smtClean="0"/>
+              <a:t>actors</a:t>
+            </a:r>
+          </a:p>
+          <a:p>
+            <a:pPr>
+              <a:buFont typeface="Arial" panose="020B0604020202020204" pitchFamily="34" charset="0"/>
+              <a:buChar char="•"/>
+            </a:pPr>
+            <a:r>
+              <a:rPr lang="en-US" dirty="0" smtClean="0"/>
+              <a:t> Provides </a:t>
+            </a:r>
+            <a:r>
+              <a:rPr lang="en-US" dirty="0"/>
+              <a:t>data transport between actors both within the same runtime and between </a:t>
+            </a:r>
+            <a:r>
+              <a:rPr lang="en-US" dirty="0" smtClean="0"/>
+              <a:t>different </a:t>
+            </a:r>
+            <a:r>
+              <a:rPr lang="en-US" dirty="0"/>
+              <a:t>runtimes</a:t>
+            </a:r>
+            <a:r>
+              <a:rPr lang="en-US" dirty="0" smtClean="0"/>
+              <a:t>.</a:t>
+            </a:r>
+            <a:endParaRPr lang="en-US" dirty="0"/>
+          </a:p>
+        </p:txBody>
+      </p:sp>
+    </p:spTree>
+    <p:extLst>
+      <p:ext uri="{BB962C8B-B14F-4D97-AF65-F5344CB8AC3E}">
+        <p14:creationId xmlns:p14="http://schemas.microsoft.com/office/powerpoint/2010/main" val="1184745539"/>
+      </p:ext>
+    </p:extLst>
+  </p:cSld>
+  <p:clrMapOvr>
+    <a:masterClrMapping/>
+  </p:clrMapOvr>
+  <p:timing>
+    <p:tnLst>
+      <p:par>
+        <p:cTn id="1" dur="indefinite" restart="never" nodeType="tmRoot"/>
+      </p:par>
+    </p:tnLst>
+  </p:timing>
+</p:sld>
+</file>
+
+<file path=ppt/slides/slide35.xml><?xml version="1.0" encoding="utf-8"?>
+<p:sld xmlns:a="http://schemas.openxmlformats.org/drawingml/2006/main" xmlns:r="http://schemas.openxmlformats.org/officeDocument/2006/relationships" xmlns:p="http://schemas.openxmlformats.org/presentationml/2006/main">
+  <p:cSld>
+    <p:spTree>
+      <p:nvGrpSpPr>
+        <p:cNvPr id="1" name=""/>
+        <p:cNvGrpSpPr/>
+        <p:nvPr/>
+      </p:nvGrpSpPr>
+      <p:grpSpPr>
+        <a:xfrm>
+          <a:off x="0" y="0"/>
+          <a:ext cx="0" cy="0"/>
+          <a:chOff x="0" y="0"/>
+          <a:chExt cx="0" cy="0"/>
+        </a:xfrm>
+      </p:grpSpPr>
+      <p:sp>
+        <p:nvSpPr>
+          <p:cNvPr id="2" name="Title 1"/>
+          <p:cNvSpPr>
+            <a:spLocks noGrp="1"/>
+          </p:cNvSpPr>
+          <p:nvPr>
+            <p:ph type="title"/>
+          </p:nvPr>
+        </p:nvSpPr>
+        <p:spPr/>
+        <p:txBody>
+          <a:bodyPr/>
+          <a:lstStyle/>
+          <a:p>
+            <a:r>
+              <a:rPr lang="en-US" dirty="0" smtClean="0"/>
+              <a:t>Calvin - actor</a:t>
+            </a:r>
+            <a:endParaRPr lang="en-US" dirty="0"/>
+          </a:p>
+        </p:txBody>
+      </p:sp>
+      <p:sp>
+        <p:nvSpPr>
+          <p:cNvPr id="3" name="Content Placeholder 2"/>
+          <p:cNvSpPr>
+            <a:spLocks noGrp="1"/>
+          </p:cNvSpPr>
+          <p:nvPr>
+            <p:ph idx="1"/>
+          </p:nvPr>
+        </p:nvSpPr>
+        <p:spPr/>
+        <p:txBody>
+          <a:bodyPr/>
+          <a:lstStyle/>
+          <a:p>
+            <a:pPr>
+              <a:buFont typeface="Arial" panose="020B0604020202020204" pitchFamily="34" charset="0"/>
+              <a:buChar char="•"/>
+            </a:pPr>
+            <a:r>
+              <a:rPr lang="en-US" dirty="0" smtClean="0"/>
+              <a:t> An actor in Calvin consists of ports, actions, and preconditions under which actions can fire.</a:t>
+            </a:r>
+          </a:p>
+          <a:p>
+            <a:pPr>
+              <a:buFont typeface="Arial" panose="020B0604020202020204" pitchFamily="34" charset="0"/>
+              <a:buChar char="•"/>
+            </a:pPr>
+            <a:r>
+              <a:rPr lang="en-US" dirty="0"/>
+              <a:t> </a:t>
+            </a:r>
+            <a:r>
+              <a:rPr lang="en-US" dirty="0" smtClean="0"/>
+              <a:t>For each in-port there is a queue of messages, called tokens, to process. Each out-port has a queue of tokens to send to another actors in-port.</a:t>
+            </a:r>
+          </a:p>
+          <a:p>
+            <a:pPr>
+              <a:buFont typeface="Arial" panose="020B0604020202020204" pitchFamily="34" charset="0"/>
+              <a:buChar char="•"/>
+            </a:pPr>
+            <a:r>
+              <a:rPr lang="en-US" dirty="0"/>
+              <a:t> </a:t>
+            </a:r>
+            <a:r>
+              <a:rPr lang="en-US" dirty="0" smtClean="0"/>
+              <a:t>The state of an actor is used when migrating or replicating an actor and consists mainly of</a:t>
+            </a:r>
+          </a:p>
+          <a:p>
+            <a:pPr lvl="1">
+              <a:buFont typeface="Arial" charset="0"/>
+              <a:buChar char="•"/>
+            </a:pPr>
+            <a:r>
+              <a:rPr lang="en-US" dirty="0" smtClean="0"/>
+              <a:t>The type of actor</a:t>
+            </a:r>
+          </a:p>
+          <a:p>
+            <a:pPr lvl="1">
+              <a:buFont typeface="Arial" charset="0"/>
+              <a:buChar char="•"/>
+            </a:pPr>
+            <a:r>
+              <a:rPr lang="en-US" dirty="0" smtClean="0"/>
+              <a:t>Arguments needed to create the actor</a:t>
+            </a:r>
+          </a:p>
+          <a:p>
+            <a:pPr lvl="1">
+              <a:buFont typeface="Arial" charset="0"/>
+              <a:buChar char="•"/>
+            </a:pPr>
+            <a:r>
+              <a:rPr lang="en-US" dirty="0" smtClean="0"/>
+              <a:t>Port connections information</a:t>
+            </a:r>
+          </a:p>
+          <a:p>
+            <a:pPr lvl="1">
+              <a:buFont typeface="Arial" charset="0"/>
+              <a:buChar char="•"/>
+            </a:pPr>
+            <a:r>
+              <a:rPr lang="en-US" dirty="0" smtClean="0"/>
+              <a:t>Port queues</a:t>
+            </a:r>
+          </a:p>
+        </p:txBody>
+      </p:sp>
+    </p:spTree>
+    <p:extLst>
+      <p:ext uri="{BB962C8B-B14F-4D97-AF65-F5344CB8AC3E}">
+        <p14:creationId xmlns:p14="http://schemas.microsoft.com/office/powerpoint/2010/main" val="568983818"/>
+      </p:ext>
+    </p:extLst>
+  </p:cSld>
+  <p:clrMapOvr>
+    <a:masterClrMapping/>
+  </p:clrMapOvr>
+  <p:timing>
+    <p:tnLst>
+      <p:par>
+        <p:cTn id="1" dur="indefinite" restart="never" nodeType="tmRoot"/>
+      </p:par>
+    </p:tnLst>
+  </p:timing>
+</p:sld>
+</file>
+
+<file path=ppt/slides/slide36.xml><?xml version="1.0" encoding="utf-8"?>
 <p:sld xmlns:a="http://schemas.openxmlformats.org/drawingml/2006/main" xmlns:r="http://schemas.openxmlformats.org/officeDocument/2006/relationships" xmlns:p="http://schemas.openxmlformats.org/presentationml/2006/main">
   <p:cSld>
     <p:spTree>
@@ -8137,7 +10230,7 @@
 </p:sld>
 </file>
 
-<file path=ppt/slides/slide31.xml><?xml version="1.0" encoding="utf-8"?>
+<file path=ppt/slides/slide37.xml><?xml version="1.0" encoding="utf-8"?>
 <p:sld xmlns:a="http://schemas.openxmlformats.org/drawingml/2006/main" xmlns:r="http://schemas.openxmlformats.org/officeDocument/2006/relationships" xmlns:p="http://schemas.openxmlformats.org/presentationml/2006/main">
   <p:cSld>
     <p:spTree>
@@ -8335,7 +10428,7 @@
 </p:sld>
 </file>
 
-<file path=ppt/slides/slide32.xml><?xml version="1.0" encoding="utf-8"?>
+<file path=ppt/slides/slide38.xml><?xml version="1.0" encoding="utf-8"?>
 <p:sld xmlns:a="http://schemas.openxmlformats.org/drawingml/2006/main" xmlns:r="http://schemas.openxmlformats.org/officeDocument/2006/relationships" xmlns:p="http://schemas.openxmlformats.org/presentationml/2006/main">
   <p:cSld>
     <p:spTree>
@@ -8468,7 +10561,7 @@
 </p:sld>
 </file>
 
-<file path=ppt/slides/slide33.xml><?xml version="1.0" encoding="utf-8"?>
+<file path=ppt/slides/slide39.xml><?xml version="1.0" encoding="utf-8"?>
 <p:sld xmlns:a="http://schemas.openxmlformats.org/drawingml/2006/main" xmlns:r="http://schemas.openxmlformats.org/officeDocument/2006/relationships" xmlns:p="http://schemas.openxmlformats.org/presentationml/2006/main">
   <p:cSld>
     <p:spTree>
@@ -8731,7 +10824,181 @@
 </p:sld>
 </file>
 
-<file path=ppt/slides/slide34.xml><?xml version="1.0" encoding="utf-8"?>
+<file path=ppt/slides/slide4.xml><?xml version="1.0" encoding="utf-8"?>
+<p:sld xmlns:a="http://schemas.openxmlformats.org/drawingml/2006/main" xmlns:r="http://schemas.openxmlformats.org/officeDocument/2006/relationships" xmlns:p="http://schemas.openxmlformats.org/presentationml/2006/main">
+  <p:cSld>
+    <p:spTree>
+      <p:nvGrpSpPr>
+        <p:cNvPr id="1" name=""/>
+        <p:cNvGrpSpPr/>
+        <p:nvPr/>
+      </p:nvGrpSpPr>
+      <p:grpSpPr>
+        <a:xfrm>
+          <a:off x="0" y="0"/>
+          <a:ext cx="0" cy="0"/>
+          <a:chOff x="0" y="0"/>
+          <a:chExt cx="0" cy="0"/>
+        </a:xfrm>
+      </p:grpSpPr>
+      <p:sp>
+        <p:nvSpPr>
+          <p:cNvPr id="2" name="Title 1"/>
+          <p:cNvSpPr>
+            <a:spLocks noGrp="1"/>
+          </p:cNvSpPr>
+          <p:nvPr>
+            <p:ph type="title"/>
+          </p:nvPr>
+        </p:nvSpPr>
+        <p:spPr/>
+        <p:txBody>
+          <a:bodyPr/>
+          <a:lstStyle/>
+          <a:p>
+            <a:r>
+              <a:rPr lang="en-US" dirty="0" smtClean="0"/>
+              <a:t>Goal</a:t>
+            </a:r>
+            <a:endParaRPr lang="en-US" dirty="0"/>
+          </a:p>
+        </p:txBody>
+      </p:sp>
+      <p:sp>
+        <p:nvSpPr>
+          <p:cNvPr id="3" name="Content Placeholder 2"/>
+          <p:cNvSpPr>
+            <a:spLocks noGrp="1"/>
+          </p:cNvSpPr>
+          <p:nvPr>
+            <p:ph idx="1"/>
+          </p:nvPr>
+        </p:nvSpPr>
+        <p:spPr/>
+        <p:txBody>
+          <a:bodyPr/>
+          <a:lstStyle/>
+          <a:p>
+            <a:pPr>
+              <a:lnSpc>
+                <a:spcPct val="100000"/>
+              </a:lnSpc>
+              <a:spcBef>
+                <a:spcPts val="0"/>
+              </a:spcBef>
+              <a:spcAft>
+                <a:spcPts val="0"/>
+              </a:spcAft>
+              <a:buClrTx/>
+              <a:buSzTx/>
+            </a:pPr>
+            <a:r>
+              <a:rPr lang="en-US" dirty="0" smtClean="0"/>
+              <a:t>Devise a method for dynamically ensuring a certain reliability level applications or services running in distributed environments.</a:t>
+            </a:r>
+          </a:p>
+          <a:p>
+            <a:pPr>
+              <a:lnSpc>
+                <a:spcPct val="100000"/>
+              </a:lnSpc>
+              <a:spcBef>
+                <a:spcPts val="0"/>
+              </a:spcBef>
+              <a:spcAft>
+                <a:spcPts val="0"/>
+              </a:spcAft>
+              <a:buClrTx/>
+              <a:buSzTx/>
+            </a:pPr>
+            <a:endParaRPr lang="en-US" dirty="0"/>
+          </a:p>
+          <a:p>
+            <a:pPr marL="457200" indent="-457200">
+              <a:lnSpc>
+                <a:spcPct val="100000"/>
+              </a:lnSpc>
+              <a:spcBef>
+                <a:spcPts val="0"/>
+              </a:spcBef>
+              <a:spcAft>
+                <a:spcPts val="0"/>
+              </a:spcAft>
+              <a:buClrTx/>
+              <a:buSzTx/>
+              <a:buFont typeface="+mj-lt"/>
+              <a:buAutoNum type="arabicPeriod"/>
+            </a:pPr>
+            <a:r>
+              <a:rPr lang="en-US" dirty="0" smtClean="0"/>
+              <a:t>Design a model for expressing the reliability for an application running in a distributed environment</a:t>
+            </a:r>
+          </a:p>
+          <a:p>
+            <a:pPr marL="457200" indent="-457200">
+              <a:lnSpc>
+                <a:spcPct val="100000"/>
+              </a:lnSpc>
+              <a:spcBef>
+                <a:spcPts val="0"/>
+              </a:spcBef>
+              <a:spcAft>
+                <a:spcPts val="0"/>
+              </a:spcAft>
+              <a:buClrTx/>
+              <a:buSzTx/>
+              <a:buFont typeface="+mj-lt"/>
+              <a:buAutoNum type="arabicPeriod"/>
+            </a:pPr>
+            <a:r>
+              <a:rPr lang="en-US" dirty="0" smtClean="0"/>
+              <a:t>Design a framework which dynamically ensures a certain level of reliability by replicating tasks, detecting node failures, and adapting to changing system properties</a:t>
+            </a:r>
+          </a:p>
+          <a:p>
+            <a:pPr marL="457200" indent="-457200">
+              <a:lnSpc>
+                <a:spcPct val="100000"/>
+              </a:lnSpc>
+              <a:spcBef>
+                <a:spcPts val="0"/>
+              </a:spcBef>
+              <a:spcAft>
+                <a:spcPts val="0"/>
+              </a:spcAft>
+              <a:buClrTx/>
+              <a:buFont typeface="+mj-lt"/>
+              <a:buAutoNum type="arabicPeriod"/>
+            </a:pPr>
+            <a:r>
+              <a:rPr lang="en-US" dirty="0" smtClean="0"/>
+              <a:t>Implement and evaluate model using Calvin</a:t>
+            </a:r>
+            <a:endParaRPr lang="en-US" dirty="0"/>
+          </a:p>
+        </p:txBody>
+      </p:sp>
+    </p:spTree>
+    <p:extLst>
+      <p:ext uri="{BB962C8B-B14F-4D97-AF65-F5344CB8AC3E}">
+        <p14:creationId xmlns:p14="http://schemas.microsoft.com/office/powerpoint/2010/main" val="1070146524"/>
+      </p:ext>
+    </p:extLst>
+  </p:cSld>
+  <p:clrMapOvr>
+    <a:masterClrMapping/>
+  </p:clrMapOvr>
+  <p:timing>
+    <p:tnLst>
+      <p:par>
+        <p:cTn id="1" dur="indefinite" restart="never" nodeType="tmRoot"/>
+      </p:par>
+    </p:tnLst>
+  </p:timing>
+</p:sld>
+</file>
+
+<file path=ppt/slides/slide40.xml><?xml version="1.0" encoding="utf-8"?>
 <p:sld xmlns:a="http://schemas.openxmlformats.org/drawingml/2006/main" xmlns:r="http://schemas.openxmlformats.org/officeDocument/2006/relationships" xmlns:p="http://schemas.openxmlformats.org/presentationml/2006/main">
   <p:cSld>
     <p:spTree>
@@ -8857,7 +11124,7 @@
 </p:sld>
 </file>
 
-<file path=ppt/slides/slide35.xml><?xml version="1.0" encoding="utf-8"?>
+<file path=ppt/slides/slide41.xml><?xml version="1.0" encoding="utf-8"?>
 <p:sld xmlns:a="http://schemas.openxmlformats.org/drawingml/2006/main" xmlns:r="http://schemas.openxmlformats.org/officeDocument/2006/relationships" xmlns:p="http://schemas.openxmlformats.org/presentationml/2006/main">
   <p:cSld>
     <p:spTree>
@@ -8969,7 +11236,7 @@
 </p:sld>
 </file>
 
-<file path=ppt/slides/slide36.xml><?xml version="1.0" encoding="utf-8"?>
+<file path=ppt/slides/slide42.xml><?xml version="1.0" encoding="utf-8"?>
 <p:sld xmlns:a="http://schemas.openxmlformats.org/drawingml/2006/main" xmlns:r="http://schemas.openxmlformats.org/officeDocument/2006/relationships" xmlns:p="http://schemas.openxmlformats.org/presentationml/2006/main">
   <p:cSld>
     <p:spTree>
@@ -9084,7 +11351,7 @@
 </p:sld>
 </file>
 
-<file path=ppt/slides/slide37.xml><?xml version="1.0" encoding="utf-8"?>
+<file path=ppt/slides/slide43.xml><?xml version="1.0" encoding="utf-8"?>
 <p:sld xmlns:a="http://schemas.openxmlformats.org/drawingml/2006/main" xmlns:r="http://schemas.openxmlformats.org/officeDocument/2006/relationships" xmlns:p="http://schemas.openxmlformats.org/presentationml/2006/main">
   <p:cSld>
     <p:spTree>
@@ -9476,7 +11743,7 @@
 </p:sld>
 </file>
 
-<file path=ppt/slides/slide38.xml><?xml version="1.0" encoding="utf-8"?>
+<file path=ppt/slides/slide44.xml><?xml version="1.0" encoding="utf-8"?>
 <p:sld xmlns:a="http://schemas.openxmlformats.org/drawingml/2006/main" xmlns:r="http://schemas.openxmlformats.org/officeDocument/2006/relationships" xmlns:p="http://schemas.openxmlformats.org/presentationml/2006/main">
   <p:cSld>
     <p:spTree>
@@ -9565,7 +11832,7 @@
 </p:sld>
 </file>
 
-<file path=ppt/slides/slide39.xml><?xml version="1.0" encoding="utf-8"?>
+<file path=ppt/slides/slide45.xml><?xml version="1.0" encoding="utf-8"?>
 <p:sld xmlns:a="http://schemas.openxmlformats.org/drawingml/2006/main" xmlns:r="http://schemas.openxmlformats.org/officeDocument/2006/relationships" xmlns:p="http://schemas.openxmlformats.org/presentationml/2006/main">
   <p:cSld>
     <p:spTree>
@@ -10364,201 +12631,7 @@
 </p:sld>
 </file>
 
-<file path=ppt/slides/slide4.xml><?xml version="1.0" encoding="utf-8"?>
-<p:sld xmlns:a="http://schemas.openxmlformats.org/drawingml/2006/main" xmlns:r="http://schemas.openxmlformats.org/officeDocument/2006/relationships" xmlns:p="http://schemas.openxmlformats.org/presentationml/2006/main">
-  <p:cSld>
-    <p:spTree>
-      <p:nvGrpSpPr>
-        <p:cNvPr id="1" name=""/>
-        <p:cNvGrpSpPr/>
-        <p:nvPr/>
-      </p:nvGrpSpPr>
-      <p:grpSpPr>
-        <a:xfrm>
-          <a:off x="0" y="0"/>
-          <a:ext cx="0" cy="0"/>
-          <a:chOff x="0" y="0"/>
-          <a:chExt cx="0" cy="0"/>
-        </a:xfrm>
-      </p:grpSpPr>
-      <p:sp>
-        <p:nvSpPr>
-          <p:cNvPr id="2" name="Title 1"/>
-          <p:cNvSpPr>
-            <a:spLocks noGrp="1"/>
-          </p:cNvSpPr>
-          <p:nvPr>
-            <p:ph type="title"/>
-          </p:nvPr>
-        </p:nvSpPr>
-        <p:spPr/>
-        <p:txBody>
-          <a:bodyPr/>
-          <a:lstStyle/>
-          <a:p>
-            <a:r>
-              <a:rPr lang="en-US" dirty="0" smtClean="0"/>
-              <a:t>Goal</a:t>
-            </a:r>
-            <a:endParaRPr lang="en-US" dirty="0"/>
-          </a:p>
-        </p:txBody>
-      </p:sp>
-      <p:sp>
-        <p:nvSpPr>
-          <p:cNvPr id="3" name="Content Placeholder 2"/>
-          <p:cNvSpPr>
-            <a:spLocks noGrp="1"/>
-          </p:cNvSpPr>
-          <p:nvPr>
-            <p:ph idx="1"/>
-          </p:nvPr>
-        </p:nvSpPr>
-        <p:spPr/>
-        <p:txBody>
-          <a:bodyPr/>
-          <a:lstStyle/>
-          <a:p>
-            <a:pPr>
-              <a:lnSpc>
-                <a:spcPct val="100000"/>
-              </a:lnSpc>
-              <a:spcBef>
-                <a:spcPts val="0"/>
-              </a:spcBef>
-              <a:spcAft>
-                <a:spcPts val="0"/>
-              </a:spcAft>
-              <a:buClrTx/>
-              <a:buSzTx/>
-            </a:pPr>
-            <a:r>
-              <a:rPr lang="en-US" dirty="0" smtClean="0"/>
-              <a:t>Devise a method for dynamically ensuring a certain reliability level applications or services running in distributed environments.</a:t>
-            </a:r>
-          </a:p>
-          <a:p>
-            <a:pPr>
-              <a:lnSpc>
-                <a:spcPct val="100000"/>
-              </a:lnSpc>
-              <a:spcBef>
-                <a:spcPts val="0"/>
-              </a:spcBef>
-              <a:spcAft>
-                <a:spcPts val="0"/>
-              </a:spcAft>
-              <a:buClrTx/>
-              <a:buSzTx/>
-            </a:pPr>
-            <a:endParaRPr lang="en-US" dirty="0"/>
-          </a:p>
-          <a:p>
-            <a:pPr marL="457200" indent="-457200">
-              <a:lnSpc>
-                <a:spcPct val="100000"/>
-              </a:lnSpc>
-              <a:spcBef>
-                <a:spcPts val="0"/>
-              </a:spcBef>
-              <a:spcAft>
-                <a:spcPts val="0"/>
-              </a:spcAft>
-              <a:buClrTx/>
-              <a:buSzTx/>
-              <a:buFont typeface="+mj-lt"/>
-              <a:buAutoNum type="arabicPeriod"/>
-            </a:pPr>
-            <a:r>
-              <a:rPr lang="en-US" dirty="0" smtClean="0"/>
-              <a:t>Design a reliability model for expressing the reliability for an application running in a distributed environment</a:t>
-            </a:r>
-          </a:p>
-          <a:p>
-            <a:pPr marL="457200" indent="-457200">
-              <a:lnSpc>
-                <a:spcPct val="100000"/>
-              </a:lnSpc>
-              <a:spcBef>
-                <a:spcPts val="0"/>
-              </a:spcBef>
-              <a:spcAft>
-                <a:spcPts val="0"/>
-              </a:spcAft>
-              <a:buClrTx/>
-              <a:buSzTx/>
-              <a:buFont typeface="+mj-lt"/>
-              <a:buAutoNum type="arabicPeriod"/>
-            </a:pPr>
-            <a:r>
-              <a:rPr lang="en-US" dirty="0" smtClean="0"/>
-              <a:t>Design a framework which dynamically ensures a certain level of reliability by detecting node failures and adapting to changing system properties</a:t>
-            </a:r>
-          </a:p>
-          <a:p>
-            <a:pPr marL="749808" lvl="1" indent="-457200">
-              <a:lnSpc>
-                <a:spcPct val="100000"/>
-              </a:lnSpc>
-              <a:spcBef>
-                <a:spcPts val="0"/>
-              </a:spcBef>
-              <a:spcAft>
-                <a:spcPts val="0"/>
-              </a:spcAft>
-              <a:buClrTx/>
-              <a:buFont typeface="+mj-lt"/>
-              <a:buAutoNum type="arabicPeriod"/>
-            </a:pPr>
-            <a:r>
-              <a:rPr lang="en-US" dirty="0" smtClean="0"/>
-              <a:t>Reliability will be ensured by the use of replication</a:t>
-            </a:r>
-          </a:p>
-          <a:p>
-            <a:pPr marL="457200" indent="-457200">
-              <a:lnSpc>
-                <a:spcPct val="100000"/>
-              </a:lnSpc>
-              <a:spcBef>
-                <a:spcPts val="0"/>
-              </a:spcBef>
-              <a:spcAft>
-                <a:spcPts val="0"/>
-              </a:spcAft>
-              <a:buClrTx/>
-              <a:buFont typeface="+mj-lt"/>
-              <a:buAutoNum type="arabicPeriod"/>
-            </a:pPr>
-            <a:r>
-              <a:rPr lang="en-US" dirty="0" smtClean="0"/>
-              <a:t>Implement and evaluate model using Calvin</a:t>
-            </a:r>
-            <a:endParaRPr lang="en-US" dirty="0"/>
-          </a:p>
-        </p:txBody>
-      </p:sp>
-    </p:spTree>
-    <p:extLst>
-      <p:ext uri="{BB962C8B-B14F-4D97-AF65-F5344CB8AC3E}">
-        <p14:creationId xmlns:p14="http://schemas.microsoft.com/office/powerpoint/2010/main" val="1070146524"/>
-      </p:ext>
-    </p:extLst>
-  </p:cSld>
-  <p:clrMapOvr>
-    <a:masterClrMapping/>
-  </p:clrMapOvr>
-  <p:timing>
-    <p:tnLst>
-      <p:par>
-        <p:cTn id="1" dur="indefinite" restart="never" nodeType="tmRoot"/>
-      </p:par>
-    </p:tnLst>
-  </p:timing>
-</p:sld>
-</file>
-
-<file path=ppt/slides/slide40.xml><?xml version="1.0" encoding="utf-8"?>
+<file path=ppt/slides/slide46.xml><?xml version="1.0" encoding="utf-8"?>
 <p:sld xmlns:a="http://schemas.openxmlformats.org/drawingml/2006/main" xmlns:r="http://schemas.openxmlformats.org/officeDocument/2006/relationships" xmlns:p="http://schemas.openxmlformats.org/presentationml/2006/main">
   <p:cSld>
     <p:spTree>
@@ -11643,7 +13716,7 @@
 </p:sld>
 </file>
 
-<file path=ppt/slides/slide41.xml><?xml version="1.0" encoding="utf-8"?>
+<file path=ppt/slides/slide47.xml><?xml version="1.0" encoding="utf-8"?>
 <p:sld xmlns:a="http://schemas.openxmlformats.org/drawingml/2006/main" xmlns:r="http://schemas.openxmlformats.org/officeDocument/2006/relationships" xmlns:p="http://schemas.openxmlformats.org/presentationml/2006/main">
   <p:cSld>
     <p:spTree>
@@ -11732,7 +13805,7 @@
 </p:sld>
 </file>
 
-<file path=ppt/slides/slide42.xml><?xml version="1.0" encoding="utf-8"?>
+<file path=ppt/slides/slide48.xml><?xml version="1.0" encoding="utf-8"?>
 <p:sld xmlns:a="http://schemas.openxmlformats.org/drawingml/2006/main" xmlns:r="http://schemas.openxmlformats.org/officeDocument/2006/relationships" xmlns:p="http://schemas.openxmlformats.org/presentationml/2006/main">
   <p:cSld>
     <p:spTree>
@@ -11822,7 +13895,7 @@
 </p:sld>
 </file>
 
-<file path=ppt/slides/slide43.xml><?xml version="1.0" encoding="utf-8"?>
+<file path=ppt/slides/slide49.xml><?xml version="1.0" encoding="utf-8"?>
 <p:sld xmlns:a="http://schemas.openxmlformats.org/drawingml/2006/main" xmlns:r="http://schemas.openxmlformats.org/officeDocument/2006/relationships" xmlns:p="http://schemas.openxmlformats.org/presentationml/2006/main">
   <p:cSld>
     <p:spTree>
@@ -11912,7 +13985,223 @@
 </p:sld>
 </file>
 
-<file path=ppt/slides/slide44.xml><?xml version="1.0" encoding="utf-8"?>
+<file path=ppt/slides/slide5.xml><?xml version="1.0" encoding="utf-8"?>
+<p:sld xmlns:a="http://schemas.openxmlformats.org/drawingml/2006/main" xmlns:r="http://schemas.openxmlformats.org/officeDocument/2006/relationships" xmlns:p="http://schemas.openxmlformats.org/presentationml/2006/main">
+  <p:cSld>
+    <p:spTree>
+      <p:nvGrpSpPr>
+        <p:cNvPr id="1" name=""/>
+        <p:cNvGrpSpPr/>
+        <p:nvPr/>
+      </p:nvGrpSpPr>
+      <p:grpSpPr>
+        <a:xfrm>
+          <a:off x="0" y="0"/>
+          <a:ext cx="0" cy="0"/>
+          <a:chOff x="0" y="0"/>
+          <a:chExt cx="0" cy="0"/>
+        </a:xfrm>
+      </p:grpSpPr>
+      <p:sp>
+        <p:nvSpPr>
+          <p:cNvPr id="2" name="Title 1"/>
+          <p:cNvSpPr>
+            <a:spLocks noGrp="1"/>
+          </p:cNvSpPr>
+          <p:nvPr>
+            <p:ph type="title"/>
+          </p:nvPr>
+        </p:nvSpPr>
+        <p:spPr/>
+        <p:txBody>
+          <a:bodyPr/>
+          <a:lstStyle/>
+          <a:p>
+            <a:r>
+              <a:rPr lang="en-US" dirty="0" smtClean="0"/>
+              <a:t>Related work</a:t>
+            </a:r>
+            <a:endParaRPr lang="en-US" dirty="0"/>
+          </a:p>
+        </p:txBody>
+      </p:sp>
+      <p:sp>
+        <p:nvSpPr>
+          <p:cNvPr id="3" name="Content Placeholder 2"/>
+          <p:cNvSpPr>
+            <a:spLocks noGrp="1"/>
+          </p:cNvSpPr>
+          <p:nvPr>
+            <p:ph idx="1"/>
+          </p:nvPr>
+        </p:nvSpPr>
+        <p:spPr/>
+        <p:txBody>
+          <a:bodyPr>
+            <a:normAutofit/>
+          </a:bodyPr>
+          <a:lstStyle/>
+          <a:p>
+            <a:pPr>
+              <a:buFont typeface="Arial" charset="0"/>
+              <a:buChar char="•"/>
+            </a:pPr>
+            <a:r>
+              <a:rPr lang="en-US" dirty="0" smtClean="0"/>
+              <a:t>Common assumptions:</a:t>
+            </a:r>
+          </a:p>
+          <a:p>
+            <a:pPr lvl="1">
+              <a:buFont typeface="Arial" charset="0"/>
+              <a:buChar char="•"/>
+            </a:pPr>
+            <a:r>
+              <a:rPr lang="en-US" dirty="0"/>
+              <a:t>Each component in the system has only two states: operational or </a:t>
+            </a:r>
+            <a:r>
+              <a:rPr lang="en-US" dirty="0" smtClean="0"/>
+              <a:t>failed</a:t>
+            </a:r>
+          </a:p>
+          <a:p>
+            <a:pPr lvl="1">
+              <a:buFont typeface="Arial" charset="0"/>
+              <a:buChar char="•"/>
+            </a:pPr>
+            <a:r>
+              <a:rPr lang="en-US" dirty="0" smtClean="0"/>
+              <a:t>Constant </a:t>
+            </a:r>
+            <a:r>
+              <a:rPr lang="en-US" dirty="0" smtClean="0"/>
+              <a:t>failure rates, as well as same failure rates for all </a:t>
+            </a:r>
+            <a:r>
+              <a:rPr lang="en-US" dirty="0" smtClean="0"/>
+              <a:t>nodes, and statistically independent failures</a:t>
+            </a:r>
+          </a:p>
+          <a:p>
+            <a:pPr lvl="1">
+              <a:buFont typeface="Arial" charset="0"/>
+              <a:buChar char="•"/>
+            </a:pPr>
+            <a:r>
+              <a:rPr lang="en-US" dirty="0" smtClean="0"/>
+              <a:t>Known execution time for applications/jobs</a:t>
+            </a:r>
+          </a:p>
+          <a:p>
+            <a:pPr lvl="1">
+              <a:buFont typeface="Arial" charset="0"/>
+              <a:buChar char="•"/>
+            </a:pPr>
+            <a:r>
+              <a:rPr lang="en-US" dirty="0" smtClean="0"/>
+              <a:t>Fully reliable links</a:t>
+            </a:r>
+          </a:p>
+          <a:p>
+            <a:pPr>
+              <a:buFont typeface="Arial" charset="0"/>
+              <a:buChar char="•"/>
+            </a:pPr>
+            <a:r>
+              <a:rPr lang="en-US" dirty="0" smtClean="0"/>
+              <a:t>Most previous work aims at maximizing the reliability under various constraints such as</a:t>
+            </a:r>
+            <a:endParaRPr lang="en-US" dirty="0"/>
+          </a:p>
+          <a:p>
+            <a:pPr lvl="1">
+              <a:buFont typeface="Arial" charset="0"/>
+              <a:buChar char="•"/>
+            </a:pPr>
+            <a:r>
+              <a:rPr lang="en-US" dirty="0"/>
+              <a:t>Meeting deadlines</a:t>
+            </a:r>
+          </a:p>
+          <a:p>
+            <a:pPr lvl="1">
+              <a:buFont typeface="Arial" charset="0"/>
+              <a:buChar char="•"/>
+            </a:pPr>
+            <a:r>
+              <a:rPr lang="en-US" dirty="0"/>
+              <a:t>Producing the correct </a:t>
+            </a:r>
+            <a:r>
+              <a:rPr lang="en-US" dirty="0" smtClean="0"/>
+              <a:t>result</a:t>
+            </a:r>
+          </a:p>
+          <a:p>
+            <a:pPr>
+              <a:buFont typeface="Arial" charset="0"/>
+              <a:buChar char="•"/>
+            </a:pPr>
+            <a:r>
+              <a:rPr lang="en-US" dirty="0" smtClean="0"/>
+              <a:t>Some has maximizing reliability as a primary objective, but do not ensure a certain reliability is met</a:t>
+            </a:r>
+          </a:p>
+          <a:p>
+            <a:pPr>
+              <a:buFont typeface="Arial" charset="0"/>
+              <a:buChar char="•"/>
+            </a:pPr>
+            <a:r>
+              <a:rPr lang="en-US" dirty="0" smtClean="0"/>
+              <a:t>Other ensures a certain reliability, but do not ensure this reliability is met over time</a:t>
+            </a:r>
+          </a:p>
+          <a:p>
+            <a:pPr lvl="1">
+              <a:buFont typeface="Arial" charset="0"/>
+              <a:buChar char="•"/>
+            </a:pPr>
+            <a:endParaRPr lang="en-US" dirty="0"/>
+          </a:p>
+          <a:p>
+            <a:pPr>
+              <a:buFont typeface="Arial" charset="0"/>
+              <a:buChar char="•"/>
+            </a:pPr>
+            <a:endParaRPr lang="en-US" dirty="0" smtClean="0"/>
+          </a:p>
+          <a:p>
+            <a:pPr>
+              <a:buFont typeface="Arial" charset="0"/>
+              <a:buChar char="•"/>
+            </a:pPr>
+            <a:endParaRPr lang="en-US" dirty="0"/>
+          </a:p>
+        </p:txBody>
+      </p:sp>
+    </p:spTree>
+    <p:extLst>
+      <p:ext uri="{BB962C8B-B14F-4D97-AF65-F5344CB8AC3E}">
+        <p14:creationId xmlns:p14="http://schemas.microsoft.com/office/powerpoint/2010/main" val="219035841"/>
+      </p:ext>
+    </p:extLst>
+  </p:cSld>
+  <p:clrMapOvr>
+    <a:masterClrMapping/>
+  </p:clrMapOvr>
+  <p:timing>
+    <p:tnLst>
+      <p:par>
+        <p:cTn id="1" dur="indefinite" restart="never" nodeType="tmRoot"/>
+      </p:par>
+    </p:tnLst>
+  </p:timing>
+</p:sld>
+</file>
+
+<file path=ppt/slides/slide50.xml><?xml version="1.0" encoding="utf-8"?>
 <p:sld xmlns:a="http://schemas.openxmlformats.org/drawingml/2006/main" xmlns:r="http://schemas.openxmlformats.org/officeDocument/2006/relationships" xmlns:p="http://schemas.openxmlformats.org/presentationml/2006/main">
   <p:cSld>
     <p:spTree>
@@ -12002,7 +14291,7 @@
 </p:sld>
 </file>
 
-<file path=ppt/slides/slide45.xml><?xml version="1.0" encoding="utf-8"?>
+<file path=ppt/slides/slide51.xml><?xml version="1.0" encoding="utf-8"?>
 <p:sld xmlns:a="http://schemas.openxmlformats.org/drawingml/2006/main" xmlns:r="http://schemas.openxmlformats.org/officeDocument/2006/relationships" xmlns:p="http://schemas.openxmlformats.org/presentationml/2006/main">
   <p:cSld>
     <p:spTree>
@@ -12414,7 +14703,7 @@
 </p:sld>
 </file>
 
-<file path=ppt/slides/slide46.xml><?xml version="1.0" encoding="utf-8"?>
+<file path=ppt/slides/slide52.xml><?xml version="1.0" encoding="utf-8"?>
 <p:sld xmlns:a="http://schemas.openxmlformats.org/drawingml/2006/main" xmlns:r="http://schemas.openxmlformats.org/officeDocument/2006/relationships" xmlns:p="http://schemas.openxmlformats.org/presentationml/2006/main">
   <p:cSld>
     <p:spTree>
@@ -13297,7 +15586,7 @@
 </p:sld>
 </file>
 
-<file path=ppt/slides/slide47.xml><?xml version="1.0" encoding="utf-8"?>
+<file path=ppt/slides/slide53.xml><?xml version="1.0" encoding="utf-8"?>
 <p:sld xmlns:a="http://schemas.openxmlformats.org/drawingml/2006/main" xmlns:r="http://schemas.openxmlformats.org/officeDocument/2006/relationships" xmlns:p="http://schemas.openxmlformats.org/presentationml/2006/main">
   <p:cSld>
     <p:spTree>
@@ -13387,7 +15676,7 @@
 </p:sld>
 </file>
 
-<file path=ppt/slides/slide48.xml><?xml version="1.0" encoding="utf-8"?>
+<file path=ppt/slides/slide54.xml><?xml version="1.0" encoding="utf-8"?>
 <p:sld xmlns:a="http://schemas.openxmlformats.org/drawingml/2006/main" xmlns:r="http://schemas.openxmlformats.org/officeDocument/2006/relationships" xmlns:p="http://schemas.openxmlformats.org/presentationml/2006/main">
   <p:cSld>
     <p:spTree>
@@ -13477,7 +15766,7 @@
 </p:sld>
 </file>
 
-<file path=ppt/slides/slide49.xml><?xml version="1.0" encoding="utf-8"?>
+<file path=ppt/slides/slide55.xml><?xml version="1.0" encoding="utf-8"?>
 <p:sld xmlns:a="http://schemas.openxmlformats.org/drawingml/2006/main" xmlns:r="http://schemas.openxmlformats.org/officeDocument/2006/relationships" xmlns:p="http://schemas.openxmlformats.org/presentationml/2006/main">
   <p:cSld>
     <p:spTree>
@@ -13567,102 +15856,7 @@
 </p:sld>
 </file>
 
-<file path=ppt/slides/slide5.xml><?xml version="1.0" encoding="utf-8"?>
-<p:sld xmlns:a="http://schemas.openxmlformats.org/drawingml/2006/main" xmlns:r="http://schemas.openxmlformats.org/officeDocument/2006/relationships" xmlns:p="http://schemas.openxmlformats.org/presentationml/2006/main">
-  <p:cSld>
-    <p:spTree>
-      <p:nvGrpSpPr>
-        <p:cNvPr id="1" name=""/>
-        <p:cNvGrpSpPr/>
-        <p:nvPr/>
-      </p:nvGrpSpPr>
-      <p:grpSpPr>
-        <a:xfrm>
-          <a:off x="0" y="0"/>
-          <a:ext cx="0" cy="0"/>
-          <a:chOff x="0" y="0"/>
-          <a:chExt cx="0" cy="0"/>
-        </a:xfrm>
-      </p:grpSpPr>
-      <p:sp>
-        <p:nvSpPr>
-          <p:cNvPr id="2" name="Title 1"/>
-          <p:cNvSpPr>
-            <a:spLocks noGrp="1"/>
-          </p:cNvSpPr>
-          <p:nvPr>
-            <p:ph type="title"/>
-          </p:nvPr>
-        </p:nvSpPr>
-        <p:spPr/>
-        <p:txBody>
-          <a:bodyPr/>
-          <a:lstStyle/>
-          <a:p>
-            <a:r>
-              <a:rPr lang="en-US" dirty="0" smtClean="0"/>
-              <a:t>Related work</a:t>
-            </a:r>
-            <a:endParaRPr lang="en-US" dirty="0"/>
-          </a:p>
-        </p:txBody>
-      </p:sp>
-      <p:sp>
-        <p:nvSpPr>
-          <p:cNvPr id="3" name="Content Placeholder 2"/>
-          <p:cNvSpPr>
-            <a:spLocks noGrp="1"/>
-          </p:cNvSpPr>
-          <p:nvPr>
-            <p:ph idx="1"/>
-          </p:nvPr>
-        </p:nvSpPr>
-        <p:spPr/>
-        <p:txBody>
-          <a:bodyPr/>
-          <a:lstStyle/>
-          <a:p>
-            <a:pPr>
-              <a:buFont typeface="Arial" charset="0"/>
-              <a:buChar char="•"/>
-            </a:pPr>
-            <a:r>
-              <a:rPr lang="en-US" dirty="0" smtClean="0"/>
-              <a:t> </a:t>
-            </a:r>
-            <a:r>
-              <a:rPr lang="en-US" dirty="0"/>
-              <a:t>Most </a:t>
-            </a:r>
-            <a:r>
-              <a:rPr lang="en-US" dirty="0" smtClean="0"/>
-              <a:t>assume constant failure rates, as well as same failure rates for all nodes</a:t>
-            </a:r>
-            <a:endParaRPr lang="en-US" dirty="0"/>
-          </a:p>
-        </p:txBody>
-      </p:sp>
-    </p:spTree>
-    <p:extLst>
-      <p:ext uri="{BB962C8B-B14F-4D97-AF65-F5344CB8AC3E}">
-        <p14:creationId xmlns:p14="http://schemas.microsoft.com/office/powerpoint/2010/main" val="219035841"/>
-      </p:ext>
-    </p:extLst>
-  </p:cSld>
-  <p:clrMapOvr>
-    <a:masterClrMapping/>
-  </p:clrMapOvr>
-  <p:timing>
-    <p:tnLst>
-      <p:par>
-        <p:cTn id="1" dur="indefinite" restart="never" nodeType="tmRoot"/>
-      </p:par>
-    </p:tnLst>
-  </p:timing>
-</p:sld>
-</file>
-
-<file path=ppt/slides/slide50.xml><?xml version="1.0" encoding="utf-8"?>
+<file path=ppt/slides/slide56.xml><?xml version="1.0" encoding="utf-8"?>
 <p:sld xmlns:a="http://schemas.openxmlformats.org/drawingml/2006/main" xmlns:r="http://schemas.openxmlformats.org/officeDocument/2006/relationships" xmlns:p="http://schemas.openxmlformats.org/presentationml/2006/main">
   <p:cSld>
     <p:spTree>
@@ -13830,7 +16024,7 @@
 </p:sld>
 </file>
 
-<file path=ppt/slides/slide51.xml><?xml version="1.0" encoding="utf-8"?>
+<file path=ppt/slides/slide57.xml><?xml version="1.0" encoding="utf-8"?>
 <p:sld xmlns:a="http://schemas.openxmlformats.org/drawingml/2006/main" xmlns:r="http://schemas.openxmlformats.org/officeDocument/2006/relationships" xmlns:p="http://schemas.openxmlformats.org/presentationml/2006/main">
   <p:cSld>
     <p:spTree>
@@ -13947,7 +16141,7 @@
 </p:sld>
 </file>
 
-<file path=ppt/slides/slide52.xml><?xml version="1.0" encoding="utf-8"?>
+<file path=ppt/slides/slide58.xml><?xml version="1.0" encoding="utf-8"?>
 <p:sld xmlns:a="http://schemas.openxmlformats.org/drawingml/2006/main" xmlns:r="http://schemas.openxmlformats.org/officeDocument/2006/relationships" xmlns:p="http://schemas.openxmlformats.org/presentationml/2006/main">
   <p:cSld>
     <p:spTree>
@@ -14036,7 +16230,7 @@
 </p:sld>
 </file>
 
-<file path=ppt/slides/slide53.xml><?xml version="1.0" encoding="utf-8"?>
+<file path=ppt/slides/slide59.xml><?xml version="1.0" encoding="utf-8"?>
 <p:sld xmlns:a="http://schemas.openxmlformats.org/drawingml/2006/main" xmlns:r="http://schemas.openxmlformats.org/officeDocument/2006/relationships" xmlns:p="http://schemas.openxmlformats.org/presentationml/2006/main">
   <p:cSld>
     <p:spTree>
@@ -14173,712 +16367,6 @@
     <p:extLst>
       <p:ext uri="{BB962C8B-B14F-4D97-AF65-F5344CB8AC3E}">
         <p14:creationId xmlns:p14="http://schemas.microsoft.com/office/powerpoint/2010/main" val="1603957846"/>
-      </p:ext>
-    </p:extLst>
-  </p:cSld>
-  <p:clrMapOvr>
-    <a:masterClrMapping/>
-  </p:clrMapOvr>
-  <p:timing>
-    <p:tnLst>
-      <p:par>
-        <p:cTn id="1" dur="indefinite" restart="never" nodeType="tmRoot"/>
-      </p:par>
-    </p:tnLst>
-  </p:timing>
-</p:sld>
-</file>
-
-<file path=ppt/slides/slide54.xml><?xml version="1.0" encoding="utf-8"?>
-<p:sld xmlns:a="http://schemas.openxmlformats.org/drawingml/2006/main" xmlns:r="http://schemas.openxmlformats.org/officeDocument/2006/relationships" xmlns:p="http://schemas.openxmlformats.org/presentationml/2006/main">
-  <p:cSld>
-    <p:spTree>
-      <p:nvGrpSpPr>
-        <p:cNvPr id="1" name=""/>
-        <p:cNvGrpSpPr/>
-        <p:nvPr/>
-      </p:nvGrpSpPr>
-      <p:grpSpPr>
-        <a:xfrm>
-          <a:off x="0" y="0"/>
-          <a:ext cx="0" cy="0"/>
-          <a:chOff x="0" y="0"/>
-          <a:chExt cx="0" cy="0"/>
-        </a:xfrm>
-      </p:grpSpPr>
-      <p:sp>
-        <p:nvSpPr>
-          <p:cNvPr id="2" name="Title 1"/>
-          <p:cNvSpPr>
-            <a:spLocks noGrp="1"/>
-          </p:cNvSpPr>
-          <p:nvPr>
-            <p:ph type="title"/>
-          </p:nvPr>
-        </p:nvSpPr>
-        <p:spPr/>
-        <p:txBody>
-          <a:bodyPr/>
-          <a:lstStyle/>
-          <a:p>
-            <a:r>
-              <a:rPr lang="en-US" dirty="0" smtClean="0"/>
-              <a:t>Result</a:t>
-            </a:r>
-            <a:endParaRPr lang="en-US" dirty="0"/>
-          </a:p>
-        </p:txBody>
-      </p:sp>
-      <p:pic>
-        <p:nvPicPr>
-          <p:cNvPr id="5" name="Content Placeholder 4"/>
-          <p:cNvPicPr>
-            <a:picLocks noGrp="1" noChangeAspect="1"/>
-          </p:cNvPicPr>
-          <p:nvPr>
-            <p:ph idx="1"/>
-          </p:nvPr>
-        </p:nvPicPr>
-        <p:blipFill>
-          <a:blip r:embed="rId2">
-            <a:extLst>
-              <a:ext uri="{28A0092B-C50C-407E-A947-70E740481C1C}">
-                <a14:useLocalDpi xmlns:a14="http://schemas.microsoft.com/office/drawing/2010/main" val="0"/>
-              </a:ext>
-            </a:extLst>
-          </a:blip>
-          <a:stretch>
-            <a:fillRect/>
-          </a:stretch>
-        </p:blipFill>
-        <p:spPr>
-          <a:xfrm>
-            <a:off x="2324437" y="1986112"/>
-            <a:ext cx="7604085" cy="4022725"/>
-          </a:xfrm>
-        </p:spPr>
-      </p:pic>
-    </p:spTree>
-    <p:extLst>
-      <p:ext uri="{BB962C8B-B14F-4D97-AF65-F5344CB8AC3E}">
-        <p14:creationId xmlns:p14="http://schemas.microsoft.com/office/powerpoint/2010/main" val="1936044086"/>
-      </p:ext>
-    </p:extLst>
-  </p:cSld>
-  <p:clrMapOvr>
-    <a:masterClrMapping/>
-  </p:clrMapOvr>
-  <p:timing>
-    <p:tnLst>
-      <p:par>
-        <p:cTn id="1" dur="indefinite" restart="never" nodeType="tmRoot"/>
-      </p:par>
-    </p:tnLst>
-  </p:timing>
-</p:sld>
-</file>
-
-<file path=ppt/slides/slide55.xml><?xml version="1.0" encoding="utf-8"?>
-<p:sld xmlns:a="http://schemas.openxmlformats.org/drawingml/2006/main" xmlns:r="http://schemas.openxmlformats.org/officeDocument/2006/relationships" xmlns:p="http://schemas.openxmlformats.org/presentationml/2006/main">
-  <p:cSld>
-    <p:spTree>
-      <p:nvGrpSpPr>
-        <p:cNvPr id="1" name=""/>
-        <p:cNvGrpSpPr/>
-        <p:nvPr/>
-      </p:nvGrpSpPr>
-      <p:grpSpPr>
-        <a:xfrm>
-          <a:off x="0" y="0"/>
-          <a:ext cx="0" cy="0"/>
-          <a:chOff x="0" y="0"/>
-          <a:chExt cx="0" cy="0"/>
-        </a:xfrm>
-      </p:grpSpPr>
-      <p:sp>
-        <p:nvSpPr>
-          <p:cNvPr id="2" name="Title 1"/>
-          <p:cNvSpPr>
-            <a:spLocks noGrp="1"/>
-          </p:cNvSpPr>
-          <p:nvPr>
-            <p:ph type="title"/>
-          </p:nvPr>
-        </p:nvSpPr>
-        <p:spPr/>
-        <p:txBody>
-          <a:bodyPr/>
-          <a:lstStyle/>
-          <a:p>
-            <a:r>
-              <a:rPr lang="en-US" dirty="0" smtClean="0"/>
-              <a:t>Result</a:t>
-            </a:r>
-            <a:endParaRPr lang="en-US" dirty="0"/>
-          </a:p>
-        </p:txBody>
-      </p:sp>
-      <p:pic>
-        <p:nvPicPr>
-          <p:cNvPr id="4" name="Content Placeholder 3"/>
-          <p:cNvPicPr>
-            <a:picLocks noGrp="1" noChangeAspect="1"/>
-          </p:cNvPicPr>
-          <p:nvPr>
-            <p:ph idx="1"/>
-          </p:nvPr>
-        </p:nvPicPr>
-        <p:blipFill>
-          <a:blip r:embed="rId2">
-            <a:extLst>
-              <a:ext uri="{28A0092B-C50C-407E-A947-70E740481C1C}">
-                <a14:useLocalDpi xmlns:a14="http://schemas.microsoft.com/office/drawing/2010/main" val="0"/>
-              </a:ext>
-            </a:extLst>
-          </a:blip>
-          <a:stretch>
-            <a:fillRect/>
-          </a:stretch>
-        </p:blipFill>
-        <p:spPr>
-          <a:xfrm>
-            <a:off x="2273996" y="1986113"/>
-            <a:ext cx="7704968" cy="4022725"/>
-          </a:xfrm>
-        </p:spPr>
-      </p:pic>
-    </p:spTree>
-    <p:extLst>
-      <p:ext uri="{BB962C8B-B14F-4D97-AF65-F5344CB8AC3E}">
-        <p14:creationId xmlns:p14="http://schemas.microsoft.com/office/powerpoint/2010/main" val="608299119"/>
-      </p:ext>
-    </p:extLst>
-  </p:cSld>
-  <p:clrMapOvr>
-    <a:masterClrMapping/>
-  </p:clrMapOvr>
-  <p:timing>
-    <p:tnLst>
-      <p:par>
-        <p:cTn id="1" dur="indefinite" restart="never" nodeType="tmRoot"/>
-      </p:par>
-    </p:tnLst>
-  </p:timing>
-</p:sld>
-</file>
-
-<file path=ppt/slides/slide56.xml><?xml version="1.0" encoding="utf-8"?>
-<p:sld xmlns:a="http://schemas.openxmlformats.org/drawingml/2006/main" xmlns:r="http://schemas.openxmlformats.org/officeDocument/2006/relationships" xmlns:p="http://schemas.openxmlformats.org/presentationml/2006/main">
-  <p:cSld>
-    <p:spTree>
-      <p:nvGrpSpPr>
-        <p:cNvPr id="1" name=""/>
-        <p:cNvGrpSpPr/>
-        <p:nvPr/>
-      </p:nvGrpSpPr>
-      <p:grpSpPr>
-        <a:xfrm>
-          <a:off x="0" y="0"/>
-          <a:ext cx="0" cy="0"/>
-          <a:chOff x="0" y="0"/>
-          <a:chExt cx="0" cy="0"/>
-        </a:xfrm>
-      </p:grpSpPr>
-      <p:sp>
-        <p:nvSpPr>
-          <p:cNvPr id="2" name="Rubrik 1"/>
-          <p:cNvSpPr>
-            <a:spLocks noGrp="1"/>
-          </p:cNvSpPr>
-          <p:nvPr>
-            <p:ph type="title"/>
-          </p:nvPr>
-        </p:nvSpPr>
-        <p:spPr/>
-        <p:txBody>
-          <a:bodyPr/>
-          <a:lstStyle/>
-          <a:p>
-            <a:r>
-              <a:rPr lang="en-US" dirty="0" smtClean="0"/>
-              <a:t>Future</a:t>
-            </a:r>
-            <a:r>
-              <a:rPr lang="sv-SE" dirty="0" smtClean="0"/>
-              <a:t> </a:t>
-            </a:r>
-            <a:r>
-              <a:rPr lang="en-US" dirty="0" smtClean="0"/>
-              <a:t>work</a:t>
-            </a:r>
-            <a:endParaRPr lang="en-US" dirty="0"/>
-          </a:p>
-        </p:txBody>
-      </p:sp>
-      <p:sp>
-        <p:nvSpPr>
-          <p:cNvPr id="3" name="Platshållare för innehåll 2"/>
-          <p:cNvSpPr>
-            <a:spLocks noGrp="1"/>
-          </p:cNvSpPr>
-          <p:nvPr>
-            <p:ph idx="1"/>
-          </p:nvPr>
-        </p:nvSpPr>
-        <p:spPr/>
-        <p:txBody>
-          <a:bodyPr/>
-          <a:lstStyle/>
-          <a:p>
-            <a:pPr>
-              <a:buFont typeface="Arial" panose="020B0604020202020204" pitchFamily="34" charset="0"/>
-              <a:buChar char="•"/>
-            </a:pPr>
-            <a:r>
-              <a:rPr lang="sv-SE" dirty="0" smtClean="0"/>
-              <a:t> The </a:t>
-            </a:r>
-            <a:r>
-              <a:rPr lang="en-US" dirty="0" smtClean="0"/>
-              <a:t>reliability</a:t>
-            </a:r>
-            <a:r>
-              <a:rPr lang="sv-SE" dirty="0" smtClean="0"/>
-              <a:t> </a:t>
-            </a:r>
-            <a:r>
-              <a:rPr lang="en-US" dirty="0" smtClean="0"/>
-              <a:t>model</a:t>
-            </a:r>
-            <a:r>
-              <a:rPr lang="sv-SE" dirty="0" smtClean="0"/>
-              <a:t> is </a:t>
-            </a:r>
-            <a:r>
-              <a:rPr lang="en-US" dirty="0" smtClean="0"/>
-              <a:t>exchangeable. It can be extended through:</a:t>
-            </a:r>
-          </a:p>
-          <a:p>
-            <a:pPr lvl="1">
-              <a:buFont typeface="Arial" panose="020B0604020202020204" pitchFamily="34" charset="0"/>
-              <a:buChar char="•"/>
-            </a:pPr>
-            <a:r>
-              <a:rPr lang="en-US" dirty="0" smtClean="0"/>
-              <a:t>Adding more parameter, e.g. considering link failures</a:t>
-            </a:r>
-          </a:p>
-          <a:p>
-            <a:pPr lvl="1">
-              <a:buFont typeface="Arial" panose="020B0604020202020204" pitchFamily="34" charset="0"/>
-              <a:buChar char="•"/>
-            </a:pPr>
-            <a:r>
-              <a:rPr lang="en-US" dirty="0" smtClean="0"/>
-              <a:t>Applying machine learning</a:t>
-            </a:r>
-          </a:p>
-          <a:p>
-            <a:pPr>
-              <a:buFont typeface="Arial" panose="020B0604020202020204" pitchFamily="34" charset="0"/>
-              <a:buChar char="•"/>
-            </a:pPr>
-            <a:r>
-              <a:rPr lang="sv-SE" dirty="0"/>
-              <a:t> </a:t>
-            </a:r>
-            <a:r>
-              <a:rPr lang="en-US" dirty="0"/>
-              <a:t>Adding a consensus </a:t>
-            </a:r>
-            <a:r>
-              <a:rPr lang="en-US" dirty="0" smtClean="0"/>
-              <a:t>algorithm</a:t>
-            </a:r>
-          </a:p>
-          <a:p>
-            <a:pPr lvl="1">
-              <a:buFont typeface="Arial" panose="020B0604020202020204" pitchFamily="34" charset="0"/>
-              <a:buChar char="•"/>
-            </a:pPr>
-            <a:r>
-              <a:rPr lang="en-US" dirty="0" smtClean="0"/>
-              <a:t>Detect nodes producing the wrong result</a:t>
-            </a:r>
-            <a:endParaRPr lang="en-US" dirty="0"/>
-          </a:p>
-          <a:p>
-            <a:pPr>
-              <a:buFont typeface="Arial" panose="020B0604020202020204" pitchFamily="34" charset="0"/>
-              <a:buChar char="•"/>
-            </a:pPr>
-            <a:r>
-              <a:rPr lang="en-US" dirty="0" smtClean="0"/>
-              <a:t> The scheduling can be extended by</a:t>
-            </a:r>
-          </a:p>
-          <a:p>
-            <a:pPr lvl="1">
-              <a:buFont typeface="Arial" panose="020B0604020202020204" pitchFamily="34" charset="0"/>
-              <a:buChar char="•"/>
-            </a:pPr>
-            <a:r>
-              <a:rPr lang="en-US" dirty="0" smtClean="0"/>
-              <a:t>Not placing replicas in the same physical location, e.g. in the same rack.</a:t>
-            </a:r>
-          </a:p>
-          <a:p>
-            <a:pPr lvl="1">
-              <a:buFont typeface="Arial" panose="020B0604020202020204" pitchFamily="34" charset="0"/>
-              <a:buChar char="•"/>
-            </a:pPr>
-            <a:r>
-              <a:rPr lang="en-US" dirty="0" smtClean="0"/>
-              <a:t>Include nodes´ load and resources in the scheduling</a:t>
-            </a:r>
-          </a:p>
-        </p:txBody>
-      </p:sp>
-    </p:spTree>
-    <p:extLst>
-      <p:ext uri="{BB962C8B-B14F-4D97-AF65-F5344CB8AC3E}">
-        <p14:creationId xmlns:p14="http://schemas.microsoft.com/office/powerpoint/2010/main" val="2715388920"/>
-      </p:ext>
-    </p:extLst>
-  </p:cSld>
-  <p:clrMapOvr>
-    <a:masterClrMapping/>
-  </p:clrMapOvr>
-</p:sld>
-</file>
-
-<file path=ppt/slides/slide57.xml><?xml version="1.0" encoding="utf-8"?>
-<p:sld xmlns:a="http://schemas.openxmlformats.org/drawingml/2006/main" xmlns:r="http://schemas.openxmlformats.org/officeDocument/2006/relationships" xmlns:p="http://schemas.openxmlformats.org/presentationml/2006/main">
-  <p:cSld>
-    <p:spTree>
-      <p:nvGrpSpPr>
-        <p:cNvPr id="1" name=""/>
-        <p:cNvGrpSpPr/>
-        <p:nvPr/>
-      </p:nvGrpSpPr>
-      <p:grpSpPr>
-        <a:xfrm>
-          <a:off x="0" y="0"/>
-          <a:ext cx="0" cy="0"/>
-          <a:chOff x="0" y="0"/>
-          <a:chExt cx="0" cy="0"/>
-        </a:xfrm>
-      </p:grpSpPr>
-      <p:sp>
-        <p:nvSpPr>
-          <p:cNvPr id="2" name="Rubrik 1"/>
-          <p:cNvSpPr>
-            <a:spLocks noGrp="1"/>
-          </p:cNvSpPr>
-          <p:nvPr>
-            <p:ph type="title"/>
-          </p:nvPr>
-        </p:nvSpPr>
-        <p:spPr/>
-        <p:txBody>
-          <a:bodyPr/>
-          <a:lstStyle/>
-          <a:p>
-            <a:r>
-              <a:rPr lang="en-US" dirty="0"/>
-              <a:t>Considering load in the </a:t>
-            </a:r>
-            <a:r>
-              <a:rPr lang="en-US" dirty="0" smtClean="0"/>
-              <a:t>scheduling</a:t>
-            </a:r>
-            <a:endParaRPr lang="en-US" dirty="0"/>
-          </a:p>
-        </p:txBody>
-      </p:sp>
-      <p:sp>
-        <p:nvSpPr>
-          <p:cNvPr id="3" name="Platshållare för innehåll 2"/>
-          <p:cNvSpPr>
-            <a:spLocks noGrp="1"/>
-          </p:cNvSpPr>
-          <p:nvPr>
-            <p:ph idx="1"/>
-          </p:nvPr>
-        </p:nvSpPr>
-        <p:spPr/>
-        <p:txBody>
-          <a:bodyPr/>
-          <a:lstStyle/>
-          <a:p>
-            <a:pPr>
-              <a:buFont typeface="Arial" panose="020B0604020202020204" pitchFamily="34" charset="0"/>
-              <a:buChar char="•"/>
-            </a:pPr>
-            <a:r>
-              <a:rPr lang="en-US" dirty="0" smtClean="0"/>
-              <a:t> We made an experiment where we had </a:t>
-            </a:r>
-          </a:p>
-          <a:p>
-            <a:pPr lvl="1">
-              <a:buFont typeface="Arial" panose="020B0604020202020204" pitchFamily="34" charset="0"/>
-              <a:buChar char="•"/>
-            </a:pPr>
-            <a:r>
-              <a:rPr lang="en-US" dirty="0" smtClean="0"/>
-              <a:t>2 reliable nodes (MTBF = 40 s) and </a:t>
-            </a:r>
-          </a:p>
-          <a:p>
-            <a:pPr lvl="1">
-              <a:buFont typeface="Arial" panose="020B0604020202020204" pitchFamily="34" charset="0"/>
-              <a:buChar char="•"/>
-            </a:pPr>
-            <a:r>
-              <a:rPr lang="en-US" dirty="0" smtClean="0"/>
-              <a:t>3 less reliable nodes (MTBF = 10 s). </a:t>
-            </a:r>
-          </a:p>
-          <a:p>
-            <a:pPr>
-              <a:buFont typeface="Arial" panose="020B0604020202020204" pitchFamily="34" charset="0"/>
-              <a:buChar char="•"/>
-            </a:pPr>
-            <a:r>
-              <a:rPr lang="en-US" dirty="0" smtClean="0"/>
-              <a:t> First all nodes had a low load, then we increased the load on one of the more reliable nodes and later decreased it again.</a:t>
-            </a:r>
-          </a:p>
-          <a:p>
-            <a:pPr>
-              <a:buFont typeface="Arial" panose="020B0604020202020204" pitchFamily="34" charset="0"/>
-              <a:buChar char="•"/>
-            </a:pPr>
-            <a:r>
-              <a:rPr lang="en-US" dirty="0" smtClean="0"/>
-              <a:t> We added a condition in the scheduling algorithm</a:t>
-            </a:r>
-          </a:p>
-          <a:p>
-            <a:pPr lvl="1">
-              <a:buFont typeface="Arial" panose="020B0604020202020204" pitchFamily="34" charset="0"/>
-              <a:buChar char="•"/>
-            </a:pPr>
-            <a:r>
-              <a:rPr lang="en-US" dirty="0" smtClean="0"/>
-              <a:t>If load &gt; MAX_PREFERRED_LOAD then place the task on another node if possible</a:t>
-            </a:r>
-            <a:endParaRPr lang="en-US" dirty="0"/>
-          </a:p>
-        </p:txBody>
-      </p:sp>
-    </p:spTree>
-    <p:extLst>
-      <p:ext uri="{BB962C8B-B14F-4D97-AF65-F5344CB8AC3E}">
-        <p14:creationId xmlns:p14="http://schemas.microsoft.com/office/powerpoint/2010/main" val="2029672156"/>
-      </p:ext>
-    </p:extLst>
-  </p:cSld>
-  <p:clrMapOvr>
-    <a:masterClrMapping/>
-  </p:clrMapOvr>
-</p:sld>
-</file>
-
-<file path=ppt/slides/slide58.xml><?xml version="1.0" encoding="utf-8"?>
-<p:sld xmlns:a="http://schemas.openxmlformats.org/drawingml/2006/main" xmlns:r="http://schemas.openxmlformats.org/officeDocument/2006/relationships" xmlns:p="http://schemas.openxmlformats.org/presentationml/2006/main">
-  <p:cSld>
-    <p:spTree>
-      <p:nvGrpSpPr>
-        <p:cNvPr id="1" name=""/>
-        <p:cNvGrpSpPr/>
-        <p:nvPr/>
-      </p:nvGrpSpPr>
-      <p:grpSpPr>
-        <a:xfrm>
-          <a:off x="0" y="0"/>
-          <a:ext cx="0" cy="0"/>
-          <a:chOff x="0" y="0"/>
-          <a:chExt cx="0" cy="0"/>
-        </a:xfrm>
-      </p:grpSpPr>
-      <p:sp>
-        <p:nvSpPr>
-          <p:cNvPr id="2" name="Rubrik 1"/>
-          <p:cNvSpPr>
-            <a:spLocks noGrp="1"/>
-          </p:cNvSpPr>
-          <p:nvPr>
-            <p:ph type="title"/>
-          </p:nvPr>
-        </p:nvSpPr>
-        <p:spPr/>
-        <p:txBody>
-          <a:bodyPr/>
-          <a:lstStyle/>
-          <a:p>
-            <a:r>
-              <a:rPr lang="en-US" dirty="0"/>
-              <a:t>Considering load in the </a:t>
-            </a:r>
-            <a:r>
-              <a:rPr lang="en-US" dirty="0" smtClean="0"/>
-              <a:t>scheduling, </a:t>
-            </a:r>
-            <a:r>
-              <a:rPr lang="en-US" dirty="0"/>
-              <a:t>cont’d.</a:t>
-            </a:r>
-            <a:endParaRPr lang="sv-SE" dirty="0"/>
-          </a:p>
-        </p:txBody>
-      </p:sp>
-      <p:sp>
-        <p:nvSpPr>
-          <p:cNvPr id="7" name="Platshållare för innehåll 6"/>
-          <p:cNvSpPr>
-            <a:spLocks noGrp="1"/>
-          </p:cNvSpPr>
-          <p:nvPr>
-            <p:ph idx="1"/>
-          </p:nvPr>
-        </p:nvSpPr>
-        <p:spPr/>
-        <p:txBody>
-          <a:bodyPr/>
-          <a:lstStyle/>
-          <a:p>
-            <a:r>
-              <a:rPr lang="sv-SE" dirty="0" smtClean="0"/>
-              <a:t>[bild över </a:t>
-            </a:r>
-            <a:r>
-              <a:rPr lang="sv-SE" dirty="0" err="1" smtClean="0"/>
-              <a:t>usage</a:t>
-            </a:r>
-            <a:r>
-              <a:rPr lang="sv-SE" dirty="0" smtClean="0"/>
-              <a:t>]</a:t>
-            </a:r>
-            <a:endParaRPr lang="sv-SE" dirty="0"/>
-          </a:p>
-        </p:txBody>
-      </p:sp>
-    </p:spTree>
-    <p:extLst>
-      <p:ext uri="{BB962C8B-B14F-4D97-AF65-F5344CB8AC3E}">
-        <p14:creationId xmlns:p14="http://schemas.microsoft.com/office/powerpoint/2010/main" val="4206540287"/>
-      </p:ext>
-    </p:extLst>
-  </p:cSld>
-  <p:clrMapOvr>
-    <a:masterClrMapping/>
-  </p:clrMapOvr>
-  <p:timing>
-    <p:tnLst>
-      <p:par>
-        <p:cTn id="1" dur="indefinite" restart="never" nodeType="tmRoot"/>
-      </p:par>
-    </p:tnLst>
-  </p:timing>
-</p:sld>
-</file>
-
-<file path=ppt/slides/slide59.xml><?xml version="1.0" encoding="utf-8"?>
-<p:sld xmlns:a="http://schemas.openxmlformats.org/drawingml/2006/main" xmlns:r="http://schemas.openxmlformats.org/officeDocument/2006/relationships" xmlns:p="http://schemas.openxmlformats.org/presentationml/2006/main">
-  <p:cSld>
-    <p:spTree>
-      <p:nvGrpSpPr>
-        <p:cNvPr id="1" name=""/>
-        <p:cNvGrpSpPr/>
-        <p:nvPr/>
-      </p:nvGrpSpPr>
-      <p:grpSpPr>
-        <a:xfrm>
-          <a:off x="0" y="0"/>
-          <a:ext cx="0" cy="0"/>
-          <a:chOff x="0" y="0"/>
-          <a:chExt cx="0" cy="0"/>
-        </a:xfrm>
-      </p:grpSpPr>
-      <p:sp>
-        <p:nvSpPr>
-          <p:cNvPr id="2" name="Rubrik 1"/>
-          <p:cNvSpPr>
-            <a:spLocks noGrp="1"/>
-          </p:cNvSpPr>
-          <p:nvPr>
-            <p:ph type="title"/>
-          </p:nvPr>
-        </p:nvSpPr>
-        <p:spPr/>
-        <p:txBody>
-          <a:bodyPr/>
-          <a:lstStyle/>
-          <a:p>
-            <a:r>
-              <a:rPr lang="en-US" dirty="0"/>
-              <a:t>Considering load in the </a:t>
-            </a:r>
-            <a:r>
-              <a:rPr lang="en-US" dirty="0" smtClean="0"/>
-              <a:t>scheduling, </a:t>
-            </a:r>
-            <a:r>
-              <a:rPr lang="en-US" dirty="0"/>
-              <a:t>cont’d.</a:t>
-            </a:r>
-            <a:endParaRPr lang="sv-SE" dirty="0"/>
-          </a:p>
-        </p:txBody>
-      </p:sp>
-      <p:sp>
-        <p:nvSpPr>
-          <p:cNvPr id="7" name="Platshållare för innehåll 6"/>
-          <p:cNvSpPr>
-            <a:spLocks noGrp="1"/>
-          </p:cNvSpPr>
-          <p:nvPr>
-            <p:ph idx="1"/>
-          </p:nvPr>
-        </p:nvSpPr>
-        <p:spPr/>
-        <p:txBody>
-          <a:bodyPr/>
-          <a:lstStyle/>
-          <a:p>
-            <a:r>
-              <a:rPr lang="sv-SE" dirty="0" smtClean="0"/>
-              <a:t>[Bild över </a:t>
-            </a:r>
-            <a:r>
-              <a:rPr lang="sv-SE" dirty="0" err="1" smtClean="0"/>
-              <a:t>loaded</a:t>
-            </a:r>
-            <a:r>
-              <a:rPr lang="sv-SE" dirty="0" smtClean="0"/>
-              <a:t> </a:t>
-            </a:r>
-            <a:r>
-              <a:rPr lang="sv-SE" dirty="0" err="1" smtClean="0"/>
-              <a:t>nodes</a:t>
-            </a:r>
-            <a:r>
-              <a:rPr lang="sv-SE" dirty="0" smtClean="0"/>
-              <a:t>]</a:t>
-            </a:r>
-          </a:p>
-          <a:p>
-            <a:endParaRPr lang="sv-SE" dirty="0"/>
-          </a:p>
-        </p:txBody>
-      </p:sp>
-    </p:spTree>
-    <p:extLst>
-      <p:ext uri="{BB962C8B-B14F-4D97-AF65-F5344CB8AC3E}">
-        <p14:creationId xmlns:p14="http://schemas.microsoft.com/office/powerpoint/2010/main" val="3246933606"/>
       </p:ext>
     </p:extLst>
   </p:cSld>
@@ -14966,7 +16454,11 @@
             </a:pPr>
             <a:r>
               <a:rPr lang="en-US" dirty="0" smtClean="0"/>
-              <a:t> We assume an interconnected set of computing resources (nodes), providing redundant paths and interconnectivity between all nodes. </a:t>
+              <a:t>We </a:t>
+            </a:r>
+            <a:r>
+              <a:rPr lang="en-US" dirty="0" smtClean="0"/>
+              <a:t>assume an interconnected set of computing resources (nodes), providing redundant paths and interconnectivity between all nodes. </a:t>
             </a:r>
           </a:p>
           <a:p>
@@ -14976,7 +16468,7 @@
             </a:pPr>
             <a:r>
               <a:rPr lang="en-US" dirty="0" smtClean="0"/>
-              <a:t> All </a:t>
+              <a:t>All </a:t>
             </a:r>
             <a:r>
               <a:rPr lang="en-US" dirty="0"/>
@@ -15081,6 +16573,712 @@
       </p:grpSpPr>
       <p:sp>
         <p:nvSpPr>
+          <p:cNvPr id="2" name="Title 1"/>
+          <p:cNvSpPr>
+            <a:spLocks noGrp="1"/>
+          </p:cNvSpPr>
+          <p:nvPr>
+            <p:ph type="title"/>
+          </p:nvPr>
+        </p:nvSpPr>
+        <p:spPr/>
+        <p:txBody>
+          <a:bodyPr/>
+          <a:lstStyle/>
+          <a:p>
+            <a:r>
+              <a:rPr lang="en-US" dirty="0" smtClean="0"/>
+              <a:t>Result</a:t>
+            </a:r>
+            <a:endParaRPr lang="en-US" dirty="0"/>
+          </a:p>
+        </p:txBody>
+      </p:sp>
+      <p:pic>
+        <p:nvPicPr>
+          <p:cNvPr id="5" name="Content Placeholder 4"/>
+          <p:cNvPicPr>
+            <a:picLocks noGrp="1" noChangeAspect="1"/>
+          </p:cNvPicPr>
+          <p:nvPr>
+            <p:ph idx="1"/>
+          </p:nvPr>
+        </p:nvPicPr>
+        <p:blipFill>
+          <a:blip r:embed="rId2">
+            <a:extLst>
+              <a:ext uri="{28A0092B-C50C-407E-A947-70E740481C1C}">
+                <a14:useLocalDpi xmlns:a14="http://schemas.microsoft.com/office/drawing/2010/main" val="0"/>
+              </a:ext>
+            </a:extLst>
+          </a:blip>
+          <a:stretch>
+            <a:fillRect/>
+          </a:stretch>
+        </p:blipFill>
+        <p:spPr>
+          <a:xfrm>
+            <a:off x="2324437" y="1986112"/>
+            <a:ext cx="7604085" cy="4022725"/>
+          </a:xfrm>
+        </p:spPr>
+      </p:pic>
+    </p:spTree>
+    <p:extLst>
+      <p:ext uri="{BB962C8B-B14F-4D97-AF65-F5344CB8AC3E}">
+        <p14:creationId xmlns:p14="http://schemas.microsoft.com/office/powerpoint/2010/main" val="1936044086"/>
+      </p:ext>
+    </p:extLst>
+  </p:cSld>
+  <p:clrMapOvr>
+    <a:masterClrMapping/>
+  </p:clrMapOvr>
+  <p:timing>
+    <p:tnLst>
+      <p:par>
+        <p:cTn id="1" dur="indefinite" restart="never" nodeType="tmRoot"/>
+      </p:par>
+    </p:tnLst>
+  </p:timing>
+</p:sld>
+</file>
+
+<file path=ppt/slides/slide61.xml><?xml version="1.0" encoding="utf-8"?>
+<p:sld xmlns:a="http://schemas.openxmlformats.org/drawingml/2006/main" xmlns:r="http://schemas.openxmlformats.org/officeDocument/2006/relationships" xmlns:p="http://schemas.openxmlformats.org/presentationml/2006/main">
+  <p:cSld>
+    <p:spTree>
+      <p:nvGrpSpPr>
+        <p:cNvPr id="1" name=""/>
+        <p:cNvGrpSpPr/>
+        <p:nvPr/>
+      </p:nvGrpSpPr>
+      <p:grpSpPr>
+        <a:xfrm>
+          <a:off x="0" y="0"/>
+          <a:ext cx="0" cy="0"/>
+          <a:chOff x="0" y="0"/>
+          <a:chExt cx="0" cy="0"/>
+        </a:xfrm>
+      </p:grpSpPr>
+      <p:sp>
+        <p:nvSpPr>
+          <p:cNvPr id="2" name="Title 1"/>
+          <p:cNvSpPr>
+            <a:spLocks noGrp="1"/>
+          </p:cNvSpPr>
+          <p:nvPr>
+            <p:ph type="title"/>
+          </p:nvPr>
+        </p:nvSpPr>
+        <p:spPr/>
+        <p:txBody>
+          <a:bodyPr/>
+          <a:lstStyle/>
+          <a:p>
+            <a:r>
+              <a:rPr lang="en-US" dirty="0" smtClean="0"/>
+              <a:t>Result</a:t>
+            </a:r>
+            <a:endParaRPr lang="en-US" dirty="0"/>
+          </a:p>
+        </p:txBody>
+      </p:sp>
+      <p:pic>
+        <p:nvPicPr>
+          <p:cNvPr id="4" name="Content Placeholder 3"/>
+          <p:cNvPicPr>
+            <a:picLocks noGrp="1" noChangeAspect="1"/>
+          </p:cNvPicPr>
+          <p:nvPr>
+            <p:ph idx="1"/>
+          </p:nvPr>
+        </p:nvPicPr>
+        <p:blipFill>
+          <a:blip r:embed="rId2">
+            <a:extLst>
+              <a:ext uri="{28A0092B-C50C-407E-A947-70E740481C1C}">
+                <a14:useLocalDpi xmlns:a14="http://schemas.microsoft.com/office/drawing/2010/main" val="0"/>
+              </a:ext>
+            </a:extLst>
+          </a:blip>
+          <a:stretch>
+            <a:fillRect/>
+          </a:stretch>
+        </p:blipFill>
+        <p:spPr>
+          <a:xfrm>
+            <a:off x="2273996" y="1986113"/>
+            <a:ext cx="7704968" cy="4022725"/>
+          </a:xfrm>
+        </p:spPr>
+      </p:pic>
+    </p:spTree>
+    <p:extLst>
+      <p:ext uri="{BB962C8B-B14F-4D97-AF65-F5344CB8AC3E}">
+        <p14:creationId xmlns:p14="http://schemas.microsoft.com/office/powerpoint/2010/main" val="608299119"/>
+      </p:ext>
+    </p:extLst>
+  </p:cSld>
+  <p:clrMapOvr>
+    <a:masterClrMapping/>
+  </p:clrMapOvr>
+  <p:timing>
+    <p:tnLst>
+      <p:par>
+        <p:cTn id="1" dur="indefinite" restart="never" nodeType="tmRoot"/>
+      </p:par>
+    </p:tnLst>
+  </p:timing>
+</p:sld>
+</file>
+
+<file path=ppt/slides/slide62.xml><?xml version="1.0" encoding="utf-8"?>
+<p:sld xmlns:a="http://schemas.openxmlformats.org/drawingml/2006/main" xmlns:r="http://schemas.openxmlformats.org/officeDocument/2006/relationships" xmlns:p="http://schemas.openxmlformats.org/presentationml/2006/main">
+  <p:cSld>
+    <p:spTree>
+      <p:nvGrpSpPr>
+        <p:cNvPr id="1" name=""/>
+        <p:cNvGrpSpPr/>
+        <p:nvPr/>
+      </p:nvGrpSpPr>
+      <p:grpSpPr>
+        <a:xfrm>
+          <a:off x="0" y="0"/>
+          <a:ext cx="0" cy="0"/>
+          <a:chOff x="0" y="0"/>
+          <a:chExt cx="0" cy="0"/>
+        </a:xfrm>
+      </p:grpSpPr>
+      <p:sp>
+        <p:nvSpPr>
+          <p:cNvPr id="2" name="Rubrik 1"/>
+          <p:cNvSpPr>
+            <a:spLocks noGrp="1"/>
+          </p:cNvSpPr>
+          <p:nvPr>
+            <p:ph type="title"/>
+          </p:nvPr>
+        </p:nvSpPr>
+        <p:spPr/>
+        <p:txBody>
+          <a:bodyPr/>
+          <a:lstStyle/>
+          <a:p>
+            <a:r>
+              <a:rPr lang="en-US" dirty="0" smtClean="0"/>
+              <a:t>Future</a:t>
+            </a:r>
+            <a:r>
+              <a:rPr lang="sv-SE" dirty="0" smtClean="0"/>
+              <a:t> </a:t>
+            </a:r>
+            <a:r>
+              <a:rPr lang="en-US" dirty="0" smtClean="0"/>
+              <a:t>work</a:t>
+            </a:r>
+            <a:endParaRPr lang="en-US" dirty="0"/>
+          </a:p>
+        </p:txBody>
+      </p:sp>
+      <p:sp>
+        <p:nvSpPr>
+          <p:cNvPr id="3" name="Platshållare för innehåll 2"/>
+          <p:cNvSpPr>
+            <a:spLocks noGrp="1"/>
+          </p:cNvSpPr>
+          <p:nvPr>
+            <p:ph idx="1"/>
+          </p:nvPr>
+        </p:nvSpPr>
+        <p:spPr/>
+        <p:txBody>
+          <a:bodyPr/>
+          <a:lstStyle/>
+          <a:p>
+            <a:pPr>
+              <a:buFont typeface="Arial" panose="020B0604020202020204" pitchFamily="34" charset="0"/>
+              <a:buChar char="•"/>
+            </a:pPr>
+            <a:r>
+              <a:rPr lang="sv-SE" dirty="0" smtClean="0"/>
+              <a:t> The </a:t>
+            </a:r>
+            <a:r>
+              <a:rPr lang="en-US" dirty="0" smtClean="0"/>
+              <a:t>reliability</a:t>
+            </a:r>
+            <a:r>
+              <a:rPr lang="sv-SE" dirty="0" smtClean="0"/>
+              <a:t> </a:t>
+            </a:r>
+            <a:r>
+              <a:rPr lang="en-US" dirty="0" smtClean="0"/>
+              <a:t>model</a:t>
+            </a:r>
+            <a:r>
+              <a:rPr lang="sv-SE" dirty="0" smtClean="0"/>
+              <a:t> is </a:t>
+            </a:r>
+            <a:r>
+              <a:rPr lang="en-US" dirty="0" smtClean="0"/>
+              <a:t>exchangeable. It can be extended through:</a:t>
+            </a:r>
+          </a:p>
+          <a:p>
+            <a:pPr lvl="1">
+              <a:buFont typeface="Arial" panose="020B0604020202020204" pitchFamily="34" charset="0"/>
+              <a:buChar char="•"/>
+            </a:pPr>
+            <a:r>
+              <a:rPr lang="en-US" dirty="0" smtClean="0"/>
+              <a:t>Adding more parameter, e.g. considering link failures</a:t>
+            </a:r>
+          </a:p>
+          <a:p>
+            <a:pPr lvl="1">
+              <a:buFont typeface="Arial" panose="020B0604020202020204" pitchFamily="34" charset="0"/>
+              <a:buChar char="•"/>
+            </a:pPr>
+            <a:r>
+              <a:rPr lang="en-US" dirty="0" smtClean="0"/>
+              <a:t>Applying machine learning</a:t>
+            </a:r>
+          </a:p>
+          <a:p>
+            <a:pPr>
+              <a:buFont typeface="Arial" panose="020B0604020202020204" pitchFamily="34" charset="0"/>
+              <a:buChar char="•"/>
+            </a:pPr>
+            <a:r>
+              <a:rPr lang="sv-SE" dirty="0"/>
+              <a:t> </a:t>
+            </a:r>
+            <a:r>
+              <a:rPr lang="en-US" dirty="0"/>
+              <a:t>Adding a consensus </a:t>
+            </a:r>
+            <a:r>
+              <a:rPr lang="en-US" dirty="0" smtClean="0"/>
+              <a:t>algorithm</a:t>
+            </a:r>
+          </a:p>
+          <a:p>
+            <a:pPr lvl="1">
+              <a:buFont typeface="Arial" panose="020B0604020202020204" pitchFamily="34" charset="0"/>
+              <a:buChar char="•"/>
+            </a:pPr>
+            <a:r>
+              <a:rPr lang="en-US" dirty="0" smtClean="0"/>
+              <a:t>Detect nodes producing the wrong result</a:t>
+            </a:r>
+            <a:endParaRPr lang="en-US" dirty="0"/>
+          </a:p>
+          <a:p>
+            <a:pPr>
+              <a:buFont typeface="Arial" panose="020B0604020202020204" pitchFamily="34" charset="0"/>
+              <a:buChar char="•"/>
+            </a:pPr>
+            <a:r>
+              <a:rPr lang="en-US" dirty="0" smtClean="0"/>
+              <a:t> The scheduling can be extended by</a:t>
+            </a:r>
+          </a:p>
+          <a:p>
+            <a:pPr lvl="1">
+              <a:buFont typeface="Arial" panose="020B0604020202020204" pitchFamily="34" charset="0"/>
+              <a:buChar char="•"/>
+            </a:pPr>
+            <a:r>
+              <a:rPr lang="en-US" dirty="0" smtClean="0"/>
+              <a:t>Not placing replicas in the same physical location, e.g. in the same rack.</a:t>
+            </a:r>
+          </a:p>
+          <a:p>
+            <a:pPr lvl="1">
+              <a:buFont typeface="Arial" panose="020B0604020202020204" pitchFamily="34" charset="0"/>
+              <a:buChar char="•"/>
+            </a:pPr>
+            <a:r>
+              <a:rPr lang="en-US" dirty="0" smtClean="0"/>
+              <a:t>Include nodes´ load and resources in the scheduling</a:t>
+            </a:r>
+          </a:p>
+        </p:txBody>
+      </p:sp>
+    </p:spTree>
+    <p:extLst>
+      <p:ext uri="{BB962C8B-B14F-4D97-AF65-F5344CB8AC3E}">
+        <p14:creationId xmlns:p14="http://schemas.microsoft.com/office/powerpoint/2010/main" val="2715388920"/>
+      </p:ext>
+    </p:extLst>
+  </p:cSld>
+  <p:clrMapOvr>
+    <a:masterClrMapping/>
+  </p:clrMapOvr>
+</p:sld>
+</file>
+
+<file path=ppt/slides/slide63.xml><?xml version="1.0" encoding="utf-8"?>
+<p:sld xmlns:a="http://schemas.openxmlformats.org/drawingml/2006/main" xmlns:r="http://schemas.openxmlformats.org/officeDocument/2006/relationships" xmlns:p="http://schemas.openxmlformats.org/presentationml/2006/main">
+  <p:cSld>
+    <p:spTree>
+      <p:nvGrpSpPr>
+        <p:cNvPr id="1" name=""/>
+        <p:cNvGrpSpPr/>
+        <p:nvPr/>
+      </p:nvGrpSpPr>
+      <p:grpSpPr>
+        <a:xfrm>
+          <a:off x="0" y="0"/>
+          <a:ext cx="0" cy="0"/>
+          <a:chOff x="0" y="0"/>
+          <a:chExt cx="0" cy="0"/>
+        </a:xfrm>
+      </p:grpSpPr>
+      <p:sp>
+        <p:nvSpPr>
+          <p:cNvPr id="2" name="Rubrik 1"/>
+          <p:cNvSpPr>
+            <a:spLocks noGrp="1"/>
+          </p:cNvSpPr>
+          <p:nvPr>
+            <p:ph type="title"/>
+          </p:nvPr>
+        </p:nvSpPr>
+        <p:spPr/>
+        <p:txBody>
+          <a:bodyPr/>
+          <a:lstStyle/>
+          <a:p>
+            <a:r>
+              <a:rPr lang="en-US" dirty="0"/>
+              <a:t>Considering load in the </a:t>
+            </a:r>
+            <a:r>
+              <a:rPr lang="en-US" dirty="0" smtClean="0"/>
+              <a:t>scheduling</a:t>
+            </a:r>
+            <a:endParaRPr lang="en-US" dirty="0"/>
+          </a:p>
+        </p:txBody>
+      </p:sp>
+      <p:sp>
+        <p:nvSpPr>
+          <p:cNvPr id="3" name="Platshållare för innehåll 2"/>
+          <p:cNvSpPr>
+            <a:spLocks noGrp="1"/>
+          </p:cNvSpPr>
+          <p:nvPr>
+            <p:ph idx="1"/>
+          </p:nvPr>
+        </p:nvSpPr>
+        <p:spPr/>
+        <p:txBody>
+          <a:bodyPr/>
+          <a:lstStyle/>
+          <a:p>
+            <a:pPr>
+              <a:buFont typeface="Arial" panose="020B0604020202020204" pitchFamily="34" charset="0"/>
+              <a:buChar char="•"/>
+            </a:pPr>
+            <a:r>
+              <a:rPr lang="en-US" dirty="0" smtClean="0"/>
+              <a:t> We made an experiment where we had </a:t>
+            </a:r>
+          </a:p>
+          <a:p>
+            <a:pPr lvl="1">
+              <a:buFont typeface="Arial" panose="020B0604020202020204" pitchFamily="34" charset="0"/>
+              <a:buChar char="•"/>
+            </a:pPr>
+            <a:r>
+              <a:rPr lang="en-US" dirty="0" smtClean="0"/>
+              <a:t>2 reliable nodes (MTBF = 40 s) and </a:t>
+            </a:r>
+          </a:p>
+          <a:p>
+            <a:pPr lvl="1">
+              <a:buFont typeface="Arial" panose="020B0604020202020204" pitchFamily="34" charset="0"/>
+              <a:buChar char="•"/>
+            </a:pPr>
+            <a:r>
+              <a:rPr lang="en-US" dirty="0" smtClean="0"/>
+              <a:t>3 less reliable nodes (MTBF = 10 s). </a:t>
+            </a:r>
+          </a:p>
+          <a:p>
+            <a:pPr>
+              <a:buFont typeface="Arial" panose="020B0604020202020204" pitchFamily="34" charset="0"/>
+              <a:buChar char="•"/>
+            </a:pPr>
+            <a:r>
+              <a:rPr lang="en-US" dirty="0" smtClean="0"/>
+              <a:t> First all nodes had a low load, then we increased the load on one of the more reliable nodes and later decreased it again.</a:t>
+            </a:r>
+          </a:p>
+          <a:p>
+            <a:pPr>
+              <a:buFont typeface="Arial" panose="020B0604020202020204" pitchFamily="34" charset="0"/>
+              <a:buChar char="•"/>
+            </a:pPr>
+            <a:r>
+              <a:rPr lang="en-US" dirty="0" smtClean="0"/>
+              <a:t> We added a condition in the scheduling algorithm</a:t>
+            </a:r>
+          </a:p>
+          <a:p>
+            <a:pPr lvl="1">
+              <a:buFont typeface="Arial" panose="020B0604020202020204" pitchFamily="34" charset="0"/>
+              <a:buChar char="•"/>
+            </a:pPr>
+            <a:r>
+              <a:rPr lang="en-US" dirty="0" smtClean="0"/>
+              <a:t>If load &gt; MAX_PREFERRED_LOAD then place the task on another node if possible</a:t>
+            </a:r>
+            <a:endParaRPr lang="en-US" dirty="0"/>
+          </a:p>
+        </p:txBody>
+      </p:sp>
+    </p:spTree>
+    <p:extLst>
+      <p:ext uri="{BB962C8B-B14F-4D97-AF65-F5344CB8AC3E}">
+        <p14:creationId xmlns:p14="http://schemas.microsoft.com/office/powerpoint/2010/main" val="2029672156"/>
+      </p:ext>
+    </p:extLst>
+  </p:cSld>
+  <p:clrMapOvr>
+    <a:masterClrMapping/>
+  </p:clrMapOvr>
+</p:sld>
+</file>
+
+<file path=ppt/slides/slide64.xml><?xml version="1.0" encoding="utf-8"?>
+<p:sld xmlns:a="http://schemas.openxmlformats.org/drawingml/2006/main" xmlns:r="http://schemas.openxmlformats.org/officeDocument/2006/relationships" xmlns:p="http://schemas.openxmlformats.org/presentationml/2006/main">
+  <p:cSld>
+    <p:spTree>
+      <p:nvGrpSpPr>
+        <p:cNvPr id="1" name=""/>
+        <p:cNvGrpSpPr/>
+        <p:nvPr/>
+      </p:nvGrpSpPr>
+      <p:grpSpPr>
+        <a:xfrm>
+          <a:off x="0" y="0"/>
+          <a:ext cx="0" cy="0"/>
+          <a:chOff x="0" y="0"/>
+          <a:chExt cx="0" cy="0"/>
+        </a:xfrm>
+      </p:grpSpPr>
+      <p:sp>
+        <p:nvSpPr>
+          <p:cNvPr id="2" name="Rubrik 1"/>
+          <p:cNvSpPr>
+            <a:spLocks noGrp="1"/>
+          </p:cNvSpPr>
+          <p:nvPr>
+            <p:ph type="title"/>
+          </p:nvPr>
+        </p:nvSpPr>
+        <p:spPr/>
+        <p:txBody>
+          <a:bodyPr/>
+          <a:lstStyle/>
+          <a:p>
+            <a:r>
+              <a:rPr lang="en-US" dirty="0"/>
+              <a:t>Considering load in the </a:t>
+            </a:r>
+            <a:r>
+              <a:rPr lang="en-US" dirty="0" smtClean="0"/>
+              <a:t>scheduling, </a:t>
+            </a:r>
+            <a:r>
+              <a:rPr lang="en-US" dirty="0"/>
+              <a:t>cont’d.</a:t>
+            </a:r>
+            <a:endParaRPr lang="sv-SE" dirty="0"/>
+          </a:p>
+        </p:txBody>
+      </p:sp>
+      <p:sp>
+        <p:nvSpPr>
+          <p:cNvPr id="7" name="Platshållare för innehåll 6"/>
+          <p:cNvSpPr>
+            <a:spLocks noGrp="1"/>
+          </p:cNvSpPr>
+          <p:nvPr>
+            <p:ph idx="1"/>
+          </p:nvPr>
+        </p:nvSpPr>
+        <p:spPr/>
+        <p:txBody>
+          <a:bodyPr/>
+          <a:lstStyle/>
+          <a:p>
+            <a:r>
+              <a:rPr lang="sv-SE" dirty="0" smtClean="0"/>
+              <a:t>[bild över </a:t>
+            </a:r>
+            <a:r>
+              <a:rPr lang="sv-SE" dirty="0" err="1" smtClean="0"/>
+              <a:t>usage</a:t>
+            </a:r>
+            <a:r>
+              <a:rPr lang="sv-SE" dirty="0" smtClean="0"/>
+              <a:t>]</a:t>
+            </a:r>
+            <a:endParaRPr lang="sv-SE" dirty="0"/>
+          </a:p>
+        </p:txBody>
+      </p:sp>
+    </p:spTree>
+    <p:extLst>
+      <p:ext uri="{BB962C8B-B14F-4D97-AF65-F5344CB8AC3E}">
+        <p14:creationId xmlns:p14="http://schemas.microsoft.com/office/powerpoint/2010/main" val="4206540287"/>
+      </p:ext>
+    </p:extLst>
+  </p:cSld>
+  <p:clrMapOvr>
+    <a:masterClrMapping/>
+  </p:clrMapOvr>
+  <p:timing>
+    <p:tnLst>
+      <p:par>
+        <p:cTn id="1" dur="indefinite" restart="never" nodeType="tmRoot"/>
+      </p:par>
+    </p:tnLst>
+  </p:timing>
+</p:sld>
+</file>
+
+<file path=ppt/slides/slide65.xml><?xml version="1.0" encoding="utf-8"?>
+<p:sld xmlns:a="http://schemas.openxmlformats.org/drawingml/2006/main" xmlns:r="http://schemas.openxmlformats.org/officeDocument/2006/relationships" xmlns:p="http://schemas.openxmlformats.org/presentationml/2006/main">
+  <p:cSld>
+    <p:spTree>
+      <p:nvGrpSpPr>
+        <p:cNvPr id="1" name=""/>
+        <p:cNvGrpSpPr/>
+        <p:nvPr/>
+      </p:nvGrpSpPr>
+      <p:grpSpPr>
+        <a:xfrm>
+          <a:off x="0" y="0"/>
+          <a:ext cx="0" cy="0"/>
+          <a:chOff x="0" y="0"/>
+          <a:chExt cx="0" cy="0"/>
+        </a:xfrm>
+      </p:grpSpPr>
+      <p:sp>
+        <p:nvSpPr>
+          <p:cNvPr id="2" name="Rubrik 1"/>
+          <p:cNvSpPr>
+            <a:spLocks noGrp="1"/>
+          </p:cNvSpPr>
+          <p:nvPr>
+            <p:ph type="title"/>
+          </p:nvPr>
+        </p:nvSpPr>
+        <p:spPr/>
+        <p:txBody>
+          <a:bodyPr/>
+          <a:lstStyle/>
+          <a:p>
+            <a:r>
+              <a:rPr lang="en-US" dirty="0"/>
+              <a:t>Considering load in the </a:t>
+            </a:r>
+            <a:r>
+              <a:rPr lang="en-US" dirty="0" smtClean="0"/>
+              <a:t>scheduling, </a:t>
+            </a:r>
+            <a:r>
+              <a:rPr lang="en-US" dirty="0"/>
+              <a:t>cont’d.</a:t>
+            </a:r>
+            <a:endParaRPr lang="sv-SE" dirty="0"/>
+          </a:p>
+        </p:txBody>
+      </p:sp>
+      <p:sp>
+        <p:nvSpPr>
+          <p:cNvPr id="7" name="Platshållare för innehåll 6"/>
+          <p:cNvSpPr>
+            <a:spLocks noGrp="1"/>
+          </p:cNvSpPr>
+          <p:nvPr>
+            <p:ph idx="1"/>
+          </p:nvPr>
+        </p:nvSpPr>
+        <p:spPr/>
+        <p:txBody>
+          <a:bodyPr/>
+          <a:lstStyle/>
+          <a:p>
+            <a:r>
+              <a:rPr lang="sv-SE" dirty="0" smtClean="0"/>
+              <a:t>[Bild över </a:t>
+            </a:r>
+            <a:r>
+              <a:rPr lang="sv-SE" dirty="0" err="1" smtClean="0"/>
+              <a:t>loaded</a:t>
+            </a:r>
+            <a:r>
+              <a:rPr lang="sv-SE" dirty="0" smtClean="0"/>
+              <a:t> </a:t>
+            </a:r>
+            <a:r>
+              <a:rPr lang="sv-SE" dirty="0" err="1" smtClean="0"/>
+              <a:t>nodes</a:t>
+            </a:r>
+            <a:r>
+              <a:rPr lang="sv-SE" dirty="0" smtClean="0"/>
+              <a:t>]</a:t>
+            </a:r>
+          </a:p>
+          <a:p>
+            <a:endParaRPr lang="sv-SE" dirty="0"/>
+          </a:p>
+        </p:txBody>
+      </p:sp>
+    </p:spTree>
+    <p:extLst>
+      <p:ext uri="{BB962C8B-B14F-4D97-AF65-F5344CB8AC3E}">
+        <p14:creationId xmlns:p14="http://schemas.microsoft.com/office/powerpoint/2010/main" val="3246933606"/>
+      </p:ext>
+    </p:extLst>
+  </p:cSld>
+  <p:clrMapOvr>
+    <a:masterClrMapping/>
+  </p:clrMapOvr>
+  <p:timing>
+    <p:tnLst>
+      <p:par>
+        <p:cTn id="1" dur="indefinite" restart="never" nodeType="tmRoot"/>
+      </p:par>
+    </p:tnLst>
+  </p:timing>
+</p:sld>
+</file>
+
+<file path=ppt/slides/slide66.xml><?xml version="1.0" encoding="utf-8"?>
+<p:sld xmlns:a="http://schemas.openxmlformats.org/drawingml/2006/main" xmlns:r="http://schemas.openxmlformats.org/officeDocument/2006/relationships" xmlns:p="http://schemas.openxmlformats.org/presentationml/2006/main">
+  <p:cSld>
+    <p:spTree>
+      <p:nvGrpSpPr>
+        <p:cNvPr id="1" name=""/>
+        <p:cNvGrpSpPr/>
+        <p:nvPr/>
+      </p:nvGrpSpPr>
+      <p:grpSpPr>
+        <a:xfrm>
+          <a:off x="0" y="0"/>
+          <a:ext cx="0" cy="0"/>
+          <a:chOff x="0" y="0"/>
+          <a:chExt cx="0" cy="0"/>
+        </a:xfrm>
+      </p:grpSpPr>
+      <p:sp>
+        <p:nvSpPr>
           <p:cNvPr id="2" name="Rubrik 1"/>
           <p:cNvSpPr>
             <a:spLocks noGrp="1"/>
@@ -15198,7 +17396,7 @@
           <a:p>
             <a:r>
               <a:rPr lang="en-US" dirty="0" smtClean="0"/>
-              <a:t>Fault model / Limitations</a:t>
+              <a:t>Application model</a:t>
             </a:r>
             <a:endParaRPr lang="en-US" dirty="0"/>
           </a:p>
@@ -15219,76 +17417,146 @@
           <a:bodyPr/>
           <a:lstStyle/>
           <a:p>
-            <a:pPr marL="0" lvl="0" indent="0">
-              <a:buNone/>
-            </a:pPr>
-            <a:r>
-              <a:rPr lang="en-US" dirty="0"/>
-              <a:t>We make the following </a:t>
-            </a:r>
-            <a:r>
-              <a:rPr lang="en-US" dirty="0" smtClean="0"/>
-              <a:t>assumptions:</a:t>
-            </a:r>
-          </a:p>
-          <a:p>
-            <a:pPr lvl="1">
-              <a:buFont typeface="Arial" charset="0"/>
+            <a:pPr>
+              <a:lnSpc>
+                <a:spcPct val="100000"/>
+              </a:lnSpc>
+              <a:spcBef>
+                <a:spcPts val="0"/>
+              </a:spcBef>
+              <a:spcAft>
+                <a:spcPts val="0"/>
+              </a:spcAft>
+              <a:buSzTx/>
+              <a:buFont typeface="Arial" panose="020B0604020202020204" pitchFamily="34" charset="0"/>
               <a:buChar char="•"/>
             </a:pPr>
             <a:r>
               <a:rPr lang="en-US" dirty="0" smtClean="0"/>
-              <a:t>Fully reliable links, we only consider node failures</a:t>
-            </a:r>
-          </a:p>
-          <a:p>
-            <a:pPr lvl="1">
-              <a:buFont typeface="Arial" charset="0"/>
+              <a:t>We limit ourselves by only considering stream processing applications.</a:t>
+            </a:r>
+          </a:p>
+          <a:p>
+            <a:pPr>
+              <a:lnSpc>
+                <a:spcPct val="100000"/>
+              </a:lnSpc>
+              <a:spcBef>
+                <a:spcPts val="0"/>
+              </a:spcBef>
+              <a:spcAft>
+                <a:spcPts val="0"/>
+              </a:spcAft>
+              <a:buSzTx/>
+              <a:buFont typeface="Arial" panose="020B0604020202020204" pitchFamily="34" charset="0"/>
               <a:buChar char="•"/>
             </a:pPr>
             <a:r>
               <a:rPr lang="en-US" dirty="0" smtClean="0"/>
-              <a:t>Nodes are either </a:t>
+              <a:t>A processing task </a:t>
             </a:r>
             <a:r>
               <a:rPr lang="en-US" i="1" dirty="0" smtClean="0"/>
-              <a:t>operational </a:t>
-            </a:r>
-            <a:r>
-              <a:rPr lang="en-US" dirty="0" smtClean="0"/>
-              <a:t>or </a:t>
+              <a:t>S</a:t>
+            </a:r>
+            <a:r>
+              <a:rPr lang="en-US" dirty="0" smtClean="0"/>
+              <a:t> will receive input from a producer, transform it, and send the result to a consumer.</a:t>
+            </a:r>
+          </a:p>
+          <a:p>
+            <a:pPr>
+              <a:lnSpc>
+                <a:spcPct val="100000"/>
+              </a:lnSpc>
+              <a:spcBef>
+                <a:spcPts val="0"/>
+              </a:spcBef>
+              <a:spcAft>
+                <a:spcPts val="0"/>
+              </a:spcAft>
+              <a:buSzTx/>
+              <a:buFont typeface="Arial" panose="020B0604020202020204" pitchFamily="34" charset="0"/>
+              <a:buChar char="•"/>
+            </a:pPr>
+            <a:r>
+              <a:rPr lang="en-US" dirty="0" smtClean="0"/>
+              <a:t>When replicating the task </a:t>
             </a:r>
             <a:r>
               <a:rPr lang="en-US" i="1" dirty="0" smtClean="0"/>
-              <a:t>failed</a:t>
-            </a:r>
-          </a:p>
-          <a:p>
-            <a:pPr lvl="1">
-              <a:buFont typeface="Arial" charset="0"/>
+              <a:t>S</a:t>
+            </a:r>
+            <a:r>
+              <a:rPr lang="en-US" dirty="0" smtClean="0"/>
+              <a:t>, the replicas may not be synchronized. To avoid timing issues, it is assumed no external calls are made which depends on when the request is made. </a:t>
+            </a:r>
+          </a:p>
+          <a:p>
+            <a:pPr>
+              <a:lnSpc>
+                <a:spcPct val="100000"/>
+              </a:lnSpc>
+              <a:spcBef>
+                <a:spcPts val="0"/>
+              </a:spcBef>
+              <a:spcAft>
+                <a:spcPts val="0"/>
+              </a:spcAft>
+              <a:buSzTx/>
+              <a:buFont typeface="Arial" panose="020B0604020202020204" pitchFamily="34" charset="0"/>
               <a:buChar char="•"/>
             </a:pPr>
             <a:r>
               <a:rPr lang="en-US" dirty="0" smtClean="0"/>
-              <a:t>Node failures do not depend on the jobs running on them and the computations they perform</a:t>
-            </a:r>
-          </a:p>
-          <a:p>
-            <a:pPr lvl="1">
-              <a:buFont typeface="Arial" charset="0"/>
-              <a:buChar char="•"/>
-            </a:pPr>
-            <a:r>
-              <a:rPr lang="en-US" dirty="0" smtClean="0"/>
-              <a:t>Statistically independent failures</a:t>
-            </a:r>
+              <a:t>The task </a:t>
+            </a:r>
+            <a:r>
+              <a:rPr lang="en-US" i="1" dirty="0" smtClean="0"/>
+              <a:t>S</a:t>
+            </a:r>
+            <a:r>
+              <a:rPr lang="en-US" dirty="0" smtClean="0"/>
+              <a:t>, performs deterministic calculations on the input. If the replicas all receive the same input, they will all produce the same result.</a:t>
+            </a:r>
+            <a:endParaRPr lang="en-US" dirty="0"/>
           </a:p>
         </p:txBody>
       </p:sp>
+      <p:pic>
+        <p:nvPicPr>
+          <p:cNvPr id="5" name="Picture 4"/>
+          <p:cNvPicPr>
+            <a:picLocks noChangeAspect="1"/>
+          </p:cNvPicPr>
+          <p:nvPr/>
+        </p:nvPicPr>
+        <p:blipFill>
+          <a:blip r:embed="rId2">
+            <a:extLst>
+              <a:ext uri="{28A0092B-C50C-407E-A947-70E740481C1C}">
+                <a14:useLocalDpi xmlns:a14="http://schemas.microsoft.com/office/drawing/2010/main" val="0"/>
+              </a:ext>
+            </a:extLst>
+          </a:blip>
+          <a:stretch>
+            <a:fillRect/>
+          </a:stretch>
+        </p:blipFill>
+        <p:spPr>
+          <a:xfrm>
+            <a:off x="6916885" y="3997263"/>
+            <a:ext cx="3948339" cy="1770430"/>
+          </a:xfrm>
+          <a:prstGeom prst="rect">
+            <a:avLst/>
+          </a:prstGeom>
+        </p:spPr>
+      </p:pic>
     </p:spTree>
     <p:extLst>
       <p:ext uri="{BB962C8B-B14F-4D97-AF65-F5344CB8AC3E}">
-        <p14:creationId xmlns:p14="http://schemas.microsoft.com/office/powerpoint/2010/main" val="97962435"/>
+        <p14:creationId xmlns:p14="http://schemas.microsoft.com/office/powerpoint/2010/main" val="1570547706"/>
       </p:ext>
     </p:extLst>
   </p:cSld>
@@ -15339,14 +17607,155 @@
           <a:p>
             <a:r>
               <a:rPr lang="en-US" dirty="0" smtClean="0"/>
-              <a:t>Failure distribution</a:t>
+              <a:t>Fault model / Limitations</a:t>
             </a:r>
             <a:endParaRPr lang="en-US" dirty="0"/>
           </a:p>
         </p:txBody>
       </p:sp>
-      <mc:AlternateContent xmlns:mc="http://schemas.openxmlformats.org/markup-compatibility/2006" xmlns:a14="http://schemas.microsoft.com/office/drawing/2010/main">
-        <mc:Choice Requires="a14">
+      <p:sp>
+        <p:nvSpPr>
+          <p:cNvPr id="3" name="Content Placeholder 2"/>
+          <p:cNvSpPr>
+            <a:spLocks noGrp="1"/>
+          </p:cNvSpPr>
+          <p:nvPr>
+            <p:ph idx="1"/>
+          </p:nvPr>
+        </p:nvSpPr>
+        <p:spPr/>
+        <p:txBody>
+          <a:bodyPr/>
+          <a:lstStyle/>
+          <a:p>
+            <a:pPr marL="0" lvl="0" indent="0">
+              <a:buNone/>
+            </a:pPr>
+            <a:r>
+              <a:rPr lang="en-US" dirty="0"/>
+              <a:t>We make the following </a:t>
+            </a:r>
+            <a:r>
+              <a:rPr lang="en-US" dirty="0" smtClean="0"/>
+              <a:t>assumptions:</a:t>
+            </a:r>
+          </a:p>
+          <a:p>
+            <a:pPr lvl="1">
+              <a:buFont typeface="Arial" charset="0"/>
+              <a:buChar char="•"/>
+            </a:pPr>
+            <a:r>
+              <a:rPr lang="en-US" dirty="0" smtClean="0"/>
+              <a:t>Fully reliable links, we only consider node failures</a:t>
+            </a:r>
+          </a:p>
+          <a:p>
+            <a:pPr lvl="1">
+              <a:buFont typeface="Arial" charset="0"/>
+              <a:buChar char="•"/>
+            </a:pPr>
+            <a:r>
+              <a:rPr lang="en-US" dirty="0" smtClean="0"/>
+              <a:t>Nodes are either </a:t>
+            </a:r>
+            <a:r>
+              <a:rPr lang="en-US" i="1" dirty="0" smtClean="0"/>
+              <a:t>operational </a:t>
+            </a:r>
+            <a:r>
+              <a:rPr lang="en-US" dirty="0" smtClean="0"/>
+              <a:t>or </a:t>
+            </a:r>
+            <a:r>
+              <a:rPr lang="en-US" i="1" dirty="0" smtClean="0"/>
+              <a:t>failed</a:t>
+            </a:r>
+          </a:p>
+          <a:p>
+            <a:pPr lvl="1">
+              <a:buFont typeface="Arial" charset="0"/>
+              <a:buChar char="•"/>
+            </a:pPr>
+            <a:r>
+              <a:rPr lang="en-US" dirty="0" smtClean="0"/>
+              <a:t>Node failures do not depend on the jobs running on them and the computations they perform</a:t>
+            </a:r>
+          </a:p>
+          <a:p>
+            <a:pPr lvl="1">
+              <a:buFont typeface="Arial" charset="0"/>
+              <a:buChar char="•"/>
+            </a:pPr>
+            <a:r>
+              <a:rPr lang="en-US" dirty="0" smtClean="0"/>
+              <a:t>Statistically independent failures</a:t>
+            </a:r>
+          </a:p>
+        </p:txBody>
+      </p:sp>
+    </p:spTree>
+    <p:extLst>
+      <p:ext uri="{BB962C8B-B14F-4D97-AF65-F5344CB8AC3E}">
+        <p14:creationId xmlns:p14="http://schemas.microsoft.com/office/powerpoint/2010/main" val="97962435"/>
+      </p:ext>
+    </p:extLst>
+  </p:cSld>
+  <p:clrMapOvr>
+    <a:masterClrMapping/>
+  </p:clrMapOvr>
+  <p:timing>
+    <p:tnLst>
+      <p:par>
+        <p:cTn id="1" dur="indefinite" restart="never" nodeType="tmRoot"/>
+      </p:par>
+    </p:tnLst>
+  </p:timing>
+</p:sld>
+</file>
+
+<file path=ppt/slides/slide9.xml><?xml version="1.0" encoding="utf-8"?>
+<p:sld xmlns:a="http://schemas.openxmlformats.org/drawingml/2006/main" xmlns:r="http://schemas.openxmlformats.org/officeDocument/2006/relationships" xmlns:p="http://schemas.openxmlformats.org/presentationml/2006/main">
+  <p:cSld>
+    <p:spTree>
+      <p:nvGrpSpPr>
+        <p:cNvPr id="1" name=""/>
+        <p:cNvGrpSpPr/>
+        <p:nvPr/>
+      </p:nvGrpSpPr>
+      <p:grpSpPr>
+        <a:xfrm>
+          <a:off x="0" y="0"/>
+          <a:ext cx="0" cy="0"/>
+          <a:chOff x="0" y="0"/>
+          <a:chExt cx="0" cy="0"/>
+        </a:xfrm>
+      </p:grpSpPr>
+      <p:sp>
+        <p:nvSpPr>
+          <p:cNvPr id="2" name="Title 1"/>
+          <p:cNvSpPr>
+            <a:spLocks noGrp="1"/>
+          </p:cNvSpPr>
+          <p:nvPr>
+            <p:ph type="title"/>
+          </p:nvPr>
+        </p:nvSpPr>
+        <p:spPr/>
+        <p:txBody>
+          <a:bodyPr/>
+          <a:lstStyle/>
+          <a:p>
+            <a:r>
+              <a:rPr lang="en-US" dirty="0" smtClean="0"/>
+              <a:t>Failure distribution</a:t>
+            </a:r>
+            <a:endParaRPr lang="en-US" dirty="0"/>
+          </a:p>
+        </p:txBody>
+      </p:sp>
+      <mc:AlternateContent xmlns:mc="http://schemas.openxmlformats.org/markup-compatibility/2006">
+        <mc:Choice xmlns:a14="http://schemas.microsoft.com/office/drawing/2010/main" Requires="a14">
           <p:sp>
             <p:nvSpPr>
               <p:cNvPr id="3" name="Content Placeholder 2"/>
@@ -15369,8 +17778,13 @@
                 </a:pPr>
                 <a:r>
                   <a:rPr lang="en-US" dirty="0" smtClean="0"/>
-                  <a:t>We assume failures follow a Poisson process</a:t>
+                  <a:t>We assume failures follow a Poisson </a:t>
                 </a:r>
+                <a:r>
+                  <a:rPr lang="en-US" dirty="0" smtClean="0"/>
+                  <a:t>process, which is a common assumption for failure with constant failure rates</a:t>
+                </a:r>
+                <a:endParaRPr lang="en-US" dirty="0" smtClean="0"/>
               </a:p>
               <a:p>
                 <a:pPr marL="0" lvl="0" indent="0">
@@ -15470,7 +17884,7 @@
             </p:txBody>
           </p:sp>
         </mc:Choice>
-        <mc:Fallback xmlns="">
+        <mc:Fallback>
           <p:sp>
             <p:nvSpPr>
               <p:cNvPr id="3" name="Content Placeholder 2"/>
@@ -15494,7 +17908,7 @@
               <a:lstStyle/>
               <a:p>
                 <a:r>
-                  <a:rPr lang="sv-SE">
+                  <a:rPr lang="en-US">
                     <a:noFill/>
                   </a:rPr>
                   <a:t> </a:t>
@@ -15504,8 +17918,8 @@
           </p:sp>
         </mc:Fallback>
       </mc:AlternateContent>
-      <mc:AlternateContent xmlns:mc="http://schemas.openxmlformats.org/markup-compatibility/2006" xmlns:a14="http://schemas.microsoft.com/office/drawing/2010/main">
-        <mc:Choice Requires="a14">
+      <mc:AlternateContent xmlns:mc="http://schemas.openxmlformats.org/markup-compatibility/2006">
+        <mc:Choice xmlns:a14="http://schemas.microsoft.com/office/drawing/2010/main" Requires="a14">
           <p:sp>
             <p:nvSpPr>
               <p:cNvPr id="4" name="Rectangle 3"/>
@@ -15514,7 +17928,7 @@
             </p:nvSpPr>
             <p:spPr>
               <a:xfrm>
-                <a:off x="4811729" y="2108341"/>
+                <a:off x="4811729" y="2372901"/>
                 <a:ext cx="2629502" cy="661912"/>
               </a:xfrm>
               <a:prstGeom prst="rect">
@@ -15651,7 +18065,7 @@
             </p:txBody>
           </p:sp>
         </mc:Choice>
-        <mc:Fallback xmlns="">
+        <mc:Fallback>
           <p:sp>
             <p:nvSpPr>
               <p:cNvPr id="4" name="Rectangle 3"/>
@@ -15662,7 +18076,7 @@
             </p:nvSpPr>
             <p:spPr>
               <a:xfrm>
-                <a:off x="4811729" y="2108341"/>
+                <a:off x="4811729" y="2372901"/>
                 <a:ext cx="2629502" cy="661912"/>
               </a:xfrm>
               <a:prstGeom prst="rect">
@@ -15690,8 +18104,8 @@
           </p:sp>
         </mc:Fallback>
       </mc:AlternateContent>
-      <mc:AlternateContent xmlns:mc="http://schemas.openxmlformats.org/markup-compatibility/2006" xmlns:a14="http://schemas.microsoft.com/office/drawing/2010/main">
-        <mc:Choice Requires="a14">
+      <mc:AlternateContent xmlns:mc="http://schemas.openxmlformats.org/markup-compatibility/2006">
+        <mc:Choice xmlns:a14="http://schemas.microsoft.com/office/drawing/2010/main" Requires="a14">
           <p:sp>
             <p:nvSpPr>
               <p:cNvPr id="5" name="Rectangle 4"/>
@@ -15700,7 +18114,7 @@
             </p:nvSpPr>
             <p:spPr>
               <a:xfrm>
-                <a:off x="5476206" y="3561980"/>
+                <a:off x="5476206" y="3836294"/>
                 <a:ext cx="1300548" cy="590867"/>
               </a:xfrm>
               <a:prstGeom prst="rect">
@@ -15765,7 +18179,7 @@
             </p:txBody>
           </p:sp>
         </mc:Choice>
-        <mc:Fallback xmlns="">
+        <mc:Fallback>
           <p:sp>
             <p:nvSpPr>
               <p:cNvPr id="5" name="Rectangle 4"/>
@@ -15776,7 +18190,7 @@
             </p:nvSpPr>
             <p:spPr>
               <a:xfrm>
-                <a:off x="5476206" y="3561980"/>
+                <a:off x="5476206" y="3836294"/>
                 <a:ext cx="1300548" cy="590867"/>
               </a:xfrm>
               <a:prstGeom prst="rect">
@@ -15804,8 +18218,8 @@
           </p:sp>
         </mc:Fallback>
       </mc:AlternateContent>
-      <mc:AlternateContent xmlns:mc="http://schemas.openxmlformats.org/markup-compatibility/2006" xmlns:a14="http://schemas.microsoft.com/office/drawing/2010/main">
-        <mc:Choice Requires="a14">
+      <mc:AlternateContent xmlns:mc="http://schemas.openxmlformats.org/markup-compatibility/2006">
+        <mc:Choice xmlns:a14="http://schemas.microsoft.com/office/drawing/2010/main" Requires="a14">
           <p:sp>
             <p:nvSpPr>
               <p:cNvPr id="6" name="Rectangle 5"/>
@@ -15814,7 +18228,7 @@
             </p:nvSpPr>
             <p:spPr>
               <a:xfrm>
-                <a:off x="3384736" y="4261221"/>
+                <a:off x="3384736" y="4727723"/>
                 <a:ext cx="5483488" cy="840808"/>
               </a:xfrm>
               <a:prstGeom prst="rect">
@@ -16066,7 +18480,7 @@
             </p:txBody>
           </p:sp>
         </mc:Choice>
-        <mc:Fallback xmlns="">
+        <mc:Fallback>
           <p:sp>
             <p:nvSpPr>
               <p:cNvPr id="6" name="Rectangle 5"/>
@@ -16077,7 +18491,7 @@
             </p:nvSpPr>
             <p:spPr>
               <a:xfrm>
-                <a:off x="3384736" y="4261221"/>
+                <a:off x="3384736" y="4727723"/>
                 <a:ext cx="5483488" cy="840808"/>
               </a:xfrm>
               <a:prstGeom prst="rect">
@@ -16109,990 +18523,6 @@
     <p:extLst>
       <p:ext uri="{BB962C8B-B14F-4D97-AF65-F5344CB8AC3E}">
         <p14:creationId xmlns:p14="http://schemas.microsoft.com/office/powerpoint/2010/main" val="983931630"/>
-      </p:ext>
-    </p:extLst>
-  </p:cSld>
-  <p:clrMapOvr>
-    <a:masterClrMapping/>
-  </p:clrMapOvr>
-  <p:timing>
-    <p:tnLst>
-      <p:par>
-        <p:cTn id="1" dur="indefinite" restart="never" nodeType="tmRoot"/>
-      </p:par>
-    </p:tnLst>
-  </p:timing>
-</p:sld>
-</file>
-
-<file path=ppt/slides/slide9.xml><?xml version="1.0" encoding="utf-8"?>
-<p:sld xmlns:a="http://schemas.openxmlformats.org/drawingml/2006/main" xmlns:r="http://schemas.openxmlformats.org/officeDocument/2006/relationships" xmlns:p="http://schemas.openxmlformats.org/presentationml/2006/main">
-  <p:cSld>
-    <p:spTree>
-      <p:nvGrpSpPr>
-        <p:cNvPr id="1" name=""/>
-        <p:cNvGrpSpPr/>
-        <p:nvPr/>
-      </p:nvGrpSpPr>
-      <p:grpSpPr>
-        <a:xfrm>
-          <a:off x="0" y="0"/>
-          <a:ext cx="0" cy="0"/>
-          <a:chOff x="0" y="0"/>
-          <a:chExt cx="0" cy="0"/>
-        </a:xfrm>
-      </p:grpSpPr>
-      <p:sp>
-        <p:nvSpPr>
-          <p:cNvPr id="2" name="Title 1"/>
-          <p:cNvSpPr>
-            <a:spLocks noGrp="1"/>
-          </p:cNvSpPr>
-          <p:nvPr>
-            <p:ph type="title"/>
-          </p:nvPr>
-        </p:nvSpPr>
-        <p:spPr/>
-        <p:txBody>
-          <a:bodyPr/>
-          <a:lstStyle/>
-          <a:p>
-            <a:r>
-              <a:rPr lang="en-US" dirty="0" smtClean="0"/>
-              <a:t>Failure distribution</a:t>
-            </a:r>
-            <a:endParaRPr lang="en-US" dirty="0"/>
-          </a:p>
-        </p:txBody>
-      </p:sp>
-      <p:sp>
-        <p:nvSpPr>
-          <p:cNvPr id="3" name="Content Placeholder 2"/>
-          <p:cNvSpPr>
-            <a:spLocks noGrp="1"/>
-          </p:cNvSpPr>
-          <p:nvPr>
-            <p:ph idx="1"/>
-          </p:nvPr>
-        </p:nvSpPr>
-        <p:spPr/>
-        <p:txBody>
-          <a:bodyPr>
-            <a:normAutofit/>
-          </a:bodyPr>
-          <a:lstStyle/>
-          <a:p>
-            <a:pPr marL="0" indent="0">
-              <a:buNone/>
-            </a:pPr>
-            <a:endParaRPr lang="en-US" dirty="0" smtClean="0"/>
-          </a:p>
-          <a:p>
-            <a:pPr marL="0" indent="0">
-              <a:buNone/>
-            </a:pPr>
-            <a:endParaRPr lang="en-US" dirty="0"/>
-          </a:p>
-          <a:p>
-            <a:pPr marL="0" indent="0">
-              <a:buNone/>
-            </a:pPr>
-            <a:endParaRPr lang="en-US" dirty="0" smtClean="0"/>
-          </a:p>
-          <a:p>
-            <a:pPr marL="0" indent="0">
-              <a:buNone/>
-            </a:pPr>
-            <a:r>
-              <a:rPr lang="en-US" dirty="0" smtClean="0"/>
-              <a:t>We </a:t>
-            </a:r>
-            <a:r>
-              <a:rPr lang="en-US" dirty="0"/>
-              <a:t>are interested in knowing the probability of a node surviving a time </a:t>
-            </a:r>
-            <a:r>
-              <a:rPr lang="en-US" i="1" dirty="0"/>
-              <a:t>t</a:t>
-            </a:r>
-            <a:r>
-              <a:rPr lang="en-US" dirty="0"/>
-              <a:t>, i.e. no failures</a:t>
-            </a:r>
-          </a:p>
-          <a:p>
-            <a:pPr marL="0" lvl="0" indent="0">
-              <a:buNone/>
-            </a:pPr>
-            <a:endParaRPr lang="en-US" dirty="0" smtClean="0"/>
-          </a:p>
-          <a:p>
-            <a:pPr marL="0" lvl="0" indent="0">
-              <a:buNone/>
-            </a:pPr>
-            <a:endParaRPr lang="en-US" dirty="0" smtClean="0"/>
-          </a:p>
-          <a:p>
-            <a:pPr marL="0" lvl="0" indent="0">
-              <a:buNone/>
-            </a:pPr>
-            <a:r>
-              <a:rPr lang="en-US" dirty="0" smtClean="0"/>
-              <a:t>The probability that a failure occurs is thereby</a:t>
-            </a:r>
-          </a:p>
-          <a:p>
-            <a:pPr marL="0" lvl="0" indent="0">
-              <a:buNone/>
-            </a:pPr>
-            <a:endParaRPr lang="en-US" dirty="0"/>
-          </a:p>
-          <a:p>
-            <a:pPr marL="0" indent="0">
-              <a:buNone/>
-            </a:pPr>
-            <a:endParaRPr lang="en-US" dirty="0"/>
-          </a:p>
-          <a:p>
-            <a:pPr marL="0" indent="0">
-              <a:buNone/>
-            </a:pPr>
-            <a:endParaRPr lang="en-US" dirty="0"/>
-          </a:p>
-          <a:p>
-            <a:pPr marL="0" lvl="0" indent="0">
-              <a:buNone/>
-            </a:pPr>
-            <a:endParaRPr lang="en-US" dirty="0"/>
-          </a:p>
-        </p:txBody>
-      </p:sp>
-      <mc:AlternateContent xmlns:mc="http://schemas.openxmlformats.org/markup-compatibility/2006" xmlns:a14="http://schemas.microsoft.com/office/drawing/2010/main">
-        <mc:Choice Requires="a14">
-          <p:sp>
-            <p:nvSpPr>
-              <p:cNvPr id="5" name="Rectangle 4"/>
-              <p:cNvSpPr/>
-              <p:nvPr/>
-            </p:nvSpPr>
-            <p:spPr>
-              <a:xfrm>
-                <a:off x="1097280" y="3493954"/>
-                <a:ext cx="10058400" cy="835037"/>
-              </a:xfrm>
-              <a:prstGeom prst="rect">
-                <a:avLst/>
-              </a:prstGeom>
-            </p:spPr>
-            <p:txBody>
-              <a:bodyPr wrap="square">
-                <a:spAutoFit/>
-              </a:bodyPr>
-              <a:lstStyle/>
-              <a:p>
-                <a:pPr/>
-                <a14:m>
-                  <m:oMathPara xmlns:m="http://schemas.openxmlformats.org/officeDocument/2006/math">
-                    <m:oMathParaPr>
-                      <m:jc m:val="centerGroup"/>
-                    </m:oMathParaPr>
-                    <m:oMath xmlns:m="http://schemas.openxmlformats.org/officeDocument/2006/math">
-                      <m:r>
-                        <a:rPr lang="en-GB" i="1">
-                          <a:latin typeface="Cambria Math" charset="0"/>
-                        </a:rPr>
-                        <m:t>𝑃</m:t>
-                      </m:r>
-                      <m:d>
-                        <m:dPr>
-                          <m:ctrlPr>
-                            <a:rPr lang="en-GB" i="1">
-                              <a:latin typeface="Cambria Math" charset="0"/>
-                            </a:rPr>
-                          </m:ctrlPr>
-                        </m:dPr>
-                        <m:e>
-                          <m:r>
-                            <a:rPr lang="en-GB" i="1">
-                              <a:latin typeface="Cambria Math" charset="0"/>
-                            </a:rPr>
-                            <m:t>𝑠𝑢𝑟𝑣𝑖𝑣𝑎𝑙</m:t>
-                          </m:r>
-                        </m:e>
-                      </m:d>
-                      <m:r>
-                        <a:rPr lang="en-GB" i="1">
-                          <a:latin typeface="Cambria Math" charset="0"/>
-                        </a:rPr>
-                        <m:t>=</m:t>
-                      </m:r>
-                      <m:r>
-                        <a:rPr lang="en-GB" i="1">
-                          <a:latin typeface="Cambria Math" charset="0"/>
-                        </a:rPr>
-                        <m:t>𝑃</m:t>
-                      </m:r>
-                      <m:d>
-                        <m:dPr>
-                          <m:ctrlPr>
-                            <a:rPr lang="en-GB" i="1">
-                              <a:latin typeface="Cambria Math" charset="0"/>
-                            </a:rPr>
-                          </m:ctrlPr>
-                        </m:dPr>
-                        <m:e>
-                          <m:r>
-                            <a:rPr lang="en-GB" i="1">
-                              <a:latin typeface="Cambria Math" charset="0"/>
-                            </a:rPr>
-                            <m:t>0 </m:t>
-                          </m:r>
-                          <m:r>
-                            <a:rPr lang="en-GB" i="1">
-                              <a:latin typeface="Cambria Math" charset="0"/>
-                            </a:rPr>
-                            <m:t>𝑓𝑎𝑖𝑙𝑢𝑟𝑒𝑠</m:t>
-                          </m:r>
-                          <m:r>
-                            <a:rPr lang="en-GB" i="1">
-                              <a:latin typeface="Cambria Math" charset="0"/>
-                            </a:rPr>
-                            <m:t> </m:t>
-                          </m:r>
-                          <m:r>
-                            <a:rPr lang="en-GB" i="1">
-                              <a:latin typeface="Cambria Math" charset="0"/>
-                            </a:rPr>
-                            <m:t>𝑑𝑢𝑟𝑖𝑛𝑔</m:t>
-                          </m:r>
-                          <m:r>
-                            <a:rPr lang="en-GB" i="1">
-                              <a:latin typeface="Cambria Math" charset="0"/>
-                            </a:rPr>
-                            <m:t> </m:t>
-                          </m:r>
-                          <m:r>
-                            <a:rPr lang="en-GB" i="1">
-                              <a:latin typeface="Cambria Math" charset="0"/>
-                            </a:rPr>
-                            <m:t>𝑡𝑖𝑚𝑒</m:t>
-                          </m:r>
-                          <m:r>
-                            <a:rPr lang="en-GB" i="1">
-                              <a:latin typeface="Cambria Math" charset="0"/>
-                            </a:rPr>
-                            <m:t> </m:t>
-                          </m:r>
-                          <m:r>
-                            <a:rPr lang="en-GB" i="1">
-                              <a:latin typeface="Cambria Math" charset="0"/>
-                            </a:rPr>
-                            <m:t>𝑡</m:t>
-                          </m:r>
-                        </m:e>
-                      </m:d>
-                      <m:r>
-                        <a:rPr lang="en-GB" i="1">
-                          <a:latin typeface="Cambria Math" charset="0"/>
-                        </a:rPr>
-                        <m:t>=</m:t>
-                      </m:r>
-                      <m:f>
-                        <m:fPr>
-                          <m:ctrlPr>
-                            <a:rPr lang="fi-FI" i="1">
-                              <a:latin typeface="Cambria Math" charset="0"/>
-                            </a:rPr>
-                          </m:ctrlPr>
-                        </m:fPr>
-                        <m:num>
-                          <m:sSup>
-                            <m:sSupPr>
-                              <m:ctrlPr>
-                                <a:rPr lang="is-IS" i="1">
-                                  <a:latin typeface="Cambria Math" charset="0"/>
-                                </a:rPr>
-                              </m:ctrlPr>
-                            </m:sSupPr>
-                            <m:e>
-                              <m:d>
-                                <m:dPr>
-                                  <m:ctrlPr>
-                                    <a:rPr lang="en-US" i="1">
-                                      <a:latin typeface="Cambria Math" charset="0"/>
-                                    </a:rPr>
-                                  </m:ctrlPr>
-                                </m:dPr>
-                                <m:e>
-                                  <m:f>
-                                    <m:fPr>
-                                      <m:ctrlPr>
-                                        <a:rPr lang="fi-FI" i="1">
-                                          <a:latin typeface="Cambria Math" charset="0"/>
-                                        </a:rPr>
-                                      </m:ctrlPr>
-                                    </m:fPr>
-                                    <m:num>
-                                      <m:r>
-                                        <a:rPr lang="en-GB" i="1">
-                                          <a:latin typeface="Cambria Math" charset="0"/>
-                                        </a:rPr>
-                                        <m:t>𝑡</m:t>
-                                      </m:r>
-                                    </m:num>
-                                    <m:den>
-                                      <m:r>
-                                        <a:rPr lang="en-GB" i="1">
-                                          <a:latin typeface="Cambria Math" charset="0"/>
-                                        </a:rPr>
-                                        <m:t>𝑀𝑇𝐵𝐹</m:t>
-                                      </m:r>
-                                    </m:den>
-                                  </m:f>
-                                </m:e>
-                              </m:d>
-                            </m:e>
-                            <m:sup>
-                              <m:r>
-                                <a:rPr lang="en-GB" i="1">
-                                  <a:latin typeface="Cambria Math" charset="0"/>
-                                </a:rPr>
-                                <m:t>0</m:t>
-                              </m:r>
-                            </m:sup>
-                          </m:sSup>
-                          <m:r>
-                            <a:rPr lang="en-GB" i="1">
-                              <a:latin typeface="Cambria Math" charset="0"/>
-                            </a:rPr>
-                            <m:t>∗</m:t>
-                          </m:r>
-                          <m:sSup>
-                            <m:sSupPr>
-                              <m:ctrlPr>
-                                <a:rPr lang="is-IS" i="1">
-                                  <a:latin typeface="Cambria Math" charset="0"/>
-                                </a:rPr>
-                              </m:ctrlPr>
-                            </m:sSupPr>
-                            <m:e>
-                              <m:r>
-                                <a:rPr lang="en-GB" i="1">
-                                  <a:latin typeface="Cambria Math" charset="0"/>
-                                </a:rPr>
-                                <m:t>𝑒</m:t>
-                              </m:r>
-                            </m:e>
-                            <m:sup>
-                              <m:r>
-                                <a:rPr lang="en-GB" i="1">
-                                  <a:latin typeface="Cambria Math" charset="0"/>
-                                </a:rPr>
-                                <m:t>−</m:t>
-                              </m:r>
-                              <m:d>
-                                <m:dPr>
-                                  <m:ctrlPr>
-                                    <a:rPr lang="en-US" i="1">
-                                      <a:latin typeface="Cambria Math" charset="0"/>
-                                    </a:rPr>
-                                  </m:ctrlPr>
-                                </m:dPr>
-                                <m:e>
-                                  <m:f>
-                                    <m:fPr>
-                                      <m:ctrlPr>
-                                        <a:rPr lang="fi-FI" i="1">
-                                          <a:latin typeface="Cambria Math" charset="0"/>
-                                        </a:rPr>
-                                      </m:ctrlPr>
-                                    </m:fPr>
-                                    <m:num>
-                                      <m:r>
-                                        <a:rPr lang="en-GB" i="1">
-                                          <a:latin typeface="Cambria Math" charset="0"/>
-                                        </a:rPr>
-                                        <m:t>𝑡</m:t>
-                                      </m:r>
-                                    </m:num>
-                                    <m:den>
-                                      <m:r>
-                                        <a:rPr lang="en-GB" i="1">
-                                          <a:latin typeface="Cambria Math" charset="0"/>
-                                        </a:rPr>
-                                        <m:t>𝑀𝑇𝐵𝐹</m:t>
-                                      </m:r>
-                                    </m:den>
-                                  </m:f>
-                                </m:e>
-                              </m:d>
-                            </m:sup>
-                          </m:sSup>
-                        </m:num>
-                        <m:den>
-                          <m:r>
-                            <a:rPr lang="en-GB" i="1">
-                              <a:latin typeface="Cambria Math" charset="0"/>
-                            </a:rPr>
-                            <m:t>0</m:t>
-                          </m:r>
-                          <m:r>
-                            <a:rPr lang="fi-FI" i="1">
-                              <a:latin typeface="Cambria Math" charset="0"/>
-                            </a:rPr>
-                            <m:t>!</m:t>
-                          </m:r>
-                        </m:den>
-                      </m:f>
-                      <m:r>
-                        <a:rPr lang="en-GB" i="1">
-                          <a:latin typeface="Cambria Math" charset="0"/>
-                        </a:rPr>
-                        <m:t>=</m:t>
-                      </m:r>
-                      <m:sSup>
-                        <m:sSupPr>
-                          <m:ctrlPr>
-                            <a:rPr lang="is-IS" i="1">
-                              <a:latin typeface="Cambria Math" charset="0"/>
-                            </a:rPr>
-                          </m:ctrlPr>
-                        </m:sSupPr>
-                        <m:e>
-                          <m:r>
-                            <a:rPr lang="en-GB" i="1">
-                              <a:latin typeface="Cambria Math" charset="0"/>
-                            </a:rPr>
-                            <m:t>𝑒</m:t>
-                          </m:r>
-                        </m:e>
-                        <m:sup>
-                          <m:r>
-                            <a:rPr lang="en-GB" i="1">
-                              <a:latin typeface="Cambria Math" charset="0"/>
-                            </a:rPr>
-                            <m:t>−</m:t>
-                          </m:r>
-                          <m:d>
-                            <m:dPr>
-                              <m:ctrlPr>
-                                <a:rPr lang="en-US" i="1">
-                                  <a:latin typeface="Cambria Math" charset="0"/>
-                                </a:rPr>
-                              </m:ctrlPr>
-                            </m:dPr>
-                            <m:e>
-                              <m:f>
-                                <m:fPr>
-                                  <m:ctrlPr>
-                                    <a:rPr lang="fi-FI" i="1">
-                                      <a:latin typeface="Cambria Math" charset="0"/>
-                                    </a:rPr>
-                                  </m:ctrlPr>
-                                </m:fPr>
-                                <m:num>
-                                  <m:r>
-                                    <a:rPr lang="en-GB" i="1">
-                                      <a:latin typeface="Cambria Math" charset="0"/>
-                                    </a:rPr>
-                                    <m:t>𝑡</m:t>
-                                  </m:r>
-                                </m:num>
-                                <m:den>
-                                  <m:r>
-                                    <a:rPr lang="en-GB" i="1">
-                                      <a:latin typeface="Cambria Math" charset="0"/>
-                                    </a:rPr>
-                                    <m:t>𝑀𝑇𝐵𝐹</m:t>
-                                  </m:r>
-                                </m:den>
-                              </m:f>
-                            </m:e>
-                          </m:d>
-                        </m:sup>
-                      </m:sSup>
-                    </m:oMath>
-                  </m:oMathPara>
-                </a14:m>
-                <a:endParaRPr lang="en-US" dirty="0"/>
-              </a:p>
-            </p:txBody>
-          </p:sp>
-        </mc:Choice>
-        <mc:Fallback xmlns="">
-          <p:sp>
-            <p:nvSpPr>
-              <p:cNvPr id="5" name="Rectangle 4"/>
-              <p:cNvSpPr>
-                <a:spLocks noRot="1" noChangeAspect="1" noMove="1" noResize="1" noEditPoints="1" noAdjustHandles="1" noChangeArrowheads="1" noChangeShapeType="1" noTextEdit="1"/>
-              </p:cNvSpPr>
-              <p:nvPr/>
-            </p:nvSpPr>
-            <p:spPr>
-              <a:xfrm>
-                <a:off x="1097280" y="3493954"/>
-                <a:ext cx="10058400" cy="835037"/>
-              </a:xfrm>
-              <a:prstGeom prst="rect">
-                <a:avLst/>
-              </a:prstGeom>
-              <a:blipFill rotWithShape="0">
-                <a:blip r:embed="rId2"/>
-                <a:stretch>
-                  <a:fillRect/>
-                </a:stretch>
-              </a:blipFill>
-            </p:spPr>
-            <p:txBody>
-              <a:bodyPr/>
-              <a:lstStyle/>
-              <a:p>
-                <a:r>
-                  <a:rPr lang="en-US">
-                    <a:noFill/>
-                  </a:rPr>
-                  <a:t> </a:t>
-                </a:r>
-              </a:p>
-            </p:txBody>
-          </p:sp>
-        </mc:Fallback>
-      </mc:AlternateContent>
-      <mc:AlternateContent xmlns:mc="http://schemas.openxmlformats.org/markup-compatibility/2006" xmlns:a14="http://schemas.microsoft.com/office/drawing/2010/main">
-        <mc:Choice Requires="a14">
-          <p:sp>
-            <p:nvSpPr>
-              <p:cNvPr id="6" name="Rectangle 5"/>
-              <p:cNvSpPr/>
-              <p:nvPr/>
-            </p:nvSpPr>
-            <p:spPr>
-              <a:xfrm>
-                <a:off x="1097280" y="2035349"/>
-                <a:ext cx="10058400" cy="840808"/>
-              </a:xfrm>
-              <a:prstGeom prst="rect">
-                <a:avLst/>
-              </a:prstGeom>
-            </p:spPr>
-            <p:txBody>
-              <a:bodyPr wrap="square">
-                <a:spAutoFit/>
-              </a:bodyPr>
-              <a:lstStyle/>
-              <a:p>
-                <a:pPr/>
-                <a14:m>
-                  <m:oMathPara xmlns:m="http://schemas.openxmlformats.org/officeDocument/2006/math">
-                    <m:oMathParaPr>
-                      <m:jc m:val="centerGroup"/>
-                    </m:oMathParaPr>
-                    <m:oMath xmlns:m="http://schemas.openxmlformats.org/officeDocument/2006/math">
-                      <m:r>
-                        <a:rPr lang="en-GB" i="1">
-                          <a:latin typeface="Cambria Math" charset="0"/>
-                        </a:rPr>
-                        <m:t>𝑃</m:t>
-                      </m:r>
-                      <m:d>
-                        <m:dPr>
-                          <m:ctrlPr>
-                            <a:rPr lang="en-GB" i="1">
-                              <a:latin typeface="Cambria Math" charset="0"/>
-                            </a:rPr>
-                          </m:ctrlPr>
-                        </m:dPr>
-                        <m:e>
-                          <m:r>
-                            <a:rPr lang="en-GB" i="1">
-                              <a:latin typeface="Cambria Math" charset="0"/>
-                            </a:rPr>
-                            <m:t>𝑘</m:t>
-                          </m:r>
-                          <m:r>
-                            <a:rPr lang="en-GB" i="1">
-                              <a:latin typeface="Cambria Math" charset="0"/>
-                            </a:rPr>
-                            <m:t> </m:t>
-                          </m:r>
-                          <m:r>
-                            <a:rPr lang="en-GB" i="1">
-                              <a:latin typeface="Cambria Math" charset="0"/>
-                            </a:rPr>
-                            <m:t>𝑓𝑎𝑖𝑙𝑢𝑟𝑒𝑠</m:t>
-                          </m:r>
-                          <m:r>
-                            <a:rPr lang="en-GB" i="1">
-                              <a:latin typeface="Cambria Math" charset="0"/>
-                            </a:rPr>
-                            <m:t> </m:t>
-                          </m:r>
-                          <m:r>
-                            <a:rPr lang="en-GB" i="1">
-                              <a:latin typeface="Cambria Math" charset="0"/>
-                            </a:rPr>
-                            <m:t>𝑑𝑢𝑟𝑖𝑛𝑔</m:t>
-                          </m:r>
-                          <m:r>
-                            <a:rPr lang="en-GB" i="1">
-                              <a:latin typeface="Cambria Math" charset="0"/>
-                            </a:rPr>
-                            <m:t> </m:t>
-                          </m:r>
-                          <m:r>
-                            <a:rPr lang="en-GB" i="1">
-                              <a:latin typeface="Cambria Math" charset="0"/>
-                            </a:rPr>
-                            <m:t>𝑡𝑖𝑚𝑒</m:t>
-                          </m:r>
-                          <m:r>
-                            <a:rPr lang="en-GB" i="1">
-                              <a:latin typeface="Cambria Math" charset="0"/>
-                            </a:rPr>
-                            <m:t> </m:t>
-                          </m:r>
-                          <m:r>
-                            <a:rPr lang="en-GB" i="1">
-                              <a:latin typeface="Cambria Math" charset="0"/>
-                            </a:rPr>
-                            <m:t>𝑡</m:t>
-                          </m:r>
-                        </m:e>
-                      </m:d>
-                      <m:r>
-                        <a:rPr lang="en-GB" i="1">
-                          <a:latin typeface="Cambria Math" charset="0"/>
-                        </a:rPr>
-                        <m:t>=</m:t>
-                      </m:r>
-                      <m:f>
-                        <m:fPr>
-                          <m:ctrlPr>
-                            <a:rPr lang="fi-FI" i="1">
-                              <a:latin typeface="Cambria Math" charset="0"/>
-                            </a:rPr>
-                          </m:ctrlPr>
-                        </m:fPr>
-                        <m:num>
-                          <m:sSup>
-                            <m:sSupPr>
-                              <m:ctrlPr>
-                                <a:rPr lang="is-IS" i="1">
-                                  <a:latin typeface="Cambria Math" charset="0"/>
-                                </a:rPr>
-                              </m:ctrlPr>
-                            </m:sSupPr>
-                            <m:e>
-                              <m:d>
-                                <m:dPr>
-                                  <m:ctrlPr>
-                                    <a:rPr lang="en-US" i="1">
-                                      <a:latin typeface="Cambria Math" charset="0"/>
-                                    </a:rPr>
-                                  </m:ctrlPr>
-                                </m:dPr>
-                                <m:e>
-                                  <m:f>
-                                    <m:fPr>
-                                      <m:ctrlPr>
-                                        <a:rPr lang="fi-FI" i="1">
-                                          <a:latin typeface="Cambria Math" charset="0"/>
-                                        </a:rPr>
-                                      </m:ctrlPr>
-                                    </m:fPr>
-                                    <m:num>
-                                      <m:r>
-                                        <a:rPr lang="en-GB" i="1">
-                                          <a:latin typeface="Cambria Math" charset="0"/>
-                                        </a:rPr>
-                                        <m:t>𝑡</m:t>
-                                      </m:r>
-                                    </m:num>
-                                    <m:den>
-                                      <m:r>
-                                        <a:rPr lang="en-GB" i="1">
-                                          <a:latin typeface="Cambria Math" charset="0"/>
-                                        </a:rPr>
-                                        <m:t>𝑀𝑇𝐵𝐹</m:t>
-                                      </m:r>
-                                    </m:den>
-                                  </m:f>
-                                </m:e>
-                              </m:d>
-                            </m:e>
-                            <m:sup>
-                              <m:r>
-                                <a:rPr lang="en-GB" i="1">
-                                  <a:latin typeface="Cambria Math" charset="0"/>
-                                </a:rPr>
-                                <m:t>𝑘</m:t>
-                              </m:r>
-                            </m:sup>
-                          </m:sSup>
-                          <m:r>
-                            <a:rPr lang="en-GB" i="1">
-                              <a:latin typeface="Cambria Math" charset="0"/>
-                            </a:rPr>
-                            <m:t>∗</m:t>
-                          </m:r>
-                          <m:sSup>
-                            <m:sSupPr>
-                              <m:ctrlPr>
-                                <a:rPr lang="is-IS" i="1">
-                                  <a:latin typeface="Cambria Math" charset="0"/>
-                                </a:rPr>
-                              </m:ctrlPr>
-                            </m:sSupPr>
-                            <m:e>
-                              <m:r>
-                                <a:rPr lang="en-GB" i="1">
-                                  <a:latin typeface="Cambria Math" charset="0"/>
-                                </a:rPr>
-                                <m:t>𝑒</m:t>
-                              </m:r>
-                            </m:e>
-                            <m:sup>
-                              <m:r>
-                                <a:rPr lang="en-GB" i="1">
-                                  <a:latin typeface="Cambria Math" charset="0"/>
-                                </a:rPr>
-                                <m:t>−</m:t>
-                              </m:r>
-                              <m:d>
-                                <m:dPr>
-                                  <m:ctrlPr>
-                                    <a:rPr lang="en-US" i="1">
-                                      <a:latin typeface="Cambria Math" charset="0"/>
-                                    </a:rPr>
-                                  </m:ctrlPr>
-                                </m:dPr>
-                                <m:e>
-                                  <m:f>
-                                    <m:fPr>
-                                      <m:ctrlPr>
-                                        <a:rPr lang="fi-FI" i="1">
-                                          <a:latin typeface="Cambria Math" charset="0"/>
-                                        </a:rPr>
-                                      </m:ctrlPr>
-                                    </m:fPr>
-                                    <m:num>
-                                      <m:r>
-                                        <a:rPr lang="en-GB" i="1">
-                                          <a:latin typeface="Cambria Math" charset="0"/>
-                                        </a:rPr>
-                                        <m:t>𝑡</m:t>
-                                      </m:r>
-                                    </m:num>
-                                    <m:den>
-                                      <m:r>
-                                        <a:rPr lang="en-GB" i="1">
-                                          <a:latin typeface="Cambria Math" charset="0"/>
-                                        </a:rPr>
-                                        <m:t>𝑀𝑇𝐵𝐹</m:t>
-                                      </m:r>
-                                    </m:den>
-                                  </m:f>
-                                </m:e>
-                              </m:d>
-                            </m:sup>
-                          </m:sSup>
-                        </m:num>
-                        <m:den>
-                          <m:r>
-                            <a:rPr lang="en-GB" i="1">
-                              <a:latin typeface="Cambria Math" charset="0"/>
-                            </a:rPr>
-                            <m:t>𝑘</m:t>
-                          </m:r>
-                          <m:r>
-                            <a:rPr lang="fi-FI" i="1">
-                              <a:latin typeface="Cambria Math" charset="0"/>
-                            </a:rPr>
-                            <m:t>!</m:t>
-                          </m:r>
-                        </m:den>
-                      </m:f>
-                    </m:oMath>
-                  </m:oMathPara>
-                </a14:m>
-                <a:endParaRPr lang="en-US" dirty="0"/>
-              </a:p>
-            </p:txBody>
-          </p:sp>
-        </mc:Choice>
-        <mc:Fallback xmlns="">
-          <p:sp>
-            <p:nvSpPr>
-              <p:cNvPr id="6" name="Rectangle 5"/>
-              <p:cNvSpPr>
-                <a:spLocks noRot="1" noChangeAspect="1" noMove="1" noResize="1" noEditPoints="1" noAdjustHandles="1" noChangeArrowheads="1" noChangeShapeType="1" noTextEdit="1"/>
-              </p:cNvSpPr>
-              <p:nvPr/>
-            </p:nvSpPr>
-            <p:spPr>
-              <a:xfrm>
-                <a:off x="1097280" y="2035349"/>
-                <a:ext cx="10058400" cy="840808"/>
-              </a:xfrm>
-              <a:prstGeom prst="rect">
-                <a:avLst/>
-              </a:prstGeom>
-              <a:blipFill rotWithShape="0">
-                <a:blip r:embed="rId3"/>
-                <a:stretch>
-                  <a:fillRect/>
-                </a:stretch>
-              </a:blipFill>
-            </p:spPr>
-            <p:txBody>
-              <a:bodyPr/>
-              <a:lstStyle/>
-              <a:p>
-                <a:r>
-                  <a:rPr lang="en-US">
-                    <a:noFill/>
-                  </a:rPr>
-                  <a:t> </a:t>
-                </a:r>
-              </a:p>
-            </p:txBody>
-          </p:sp>
-        </mc:Fallback>
-      </mc:AlternateContent>
-      <mc:AlternateContent xmlns:mc="http://schemas.openxmlformats.org/markup-compatibility/2006" xmlns:a14="http://schemas.microsoft.com/office/drawing/2010/main">
-        <mc:Choice Requires="a14">
-          <p:sp>
-            <p:nvSpPr>
-              <p:cNvPr id="7" name="Rectangle 6"/>
-              <p:cNvSpPr/>
-              <p:nvPr/>
-            </p:nvSpPr>
-            <p:spPr>
-              <a:xfrm>
-                <a:off x="4467788" y="4946788"/>
-                <a:ext cx="3317383" cy="369332"/>
-              </a:xfrm>
-              <a:prstGeom prst="rect">
-                <a:avLst/>
-              </a:prstGeom>
-            </p:spPr>
-            <p:txBody>
-              <a:bodyPr wrap="none">
-                <a:spAutoFit/>
-              </a:bodyPr>
-              <a:lstStyle/>
-              <a:p>
-                <a:pPr lvl="0"/>
-                <a14:m>
-                  <m:oMathPara xmlns:m="http://schemas.openxmlformats.org/officeDocument/2006/math">
-                    <m:oMathParaPr>
-                      <m:jc m:val="centerGroup"/>
-                    </m:oMathParaPr>
-                    <m:oMath xmlns:m="http://schemas.openxmlformats.org/officeDocument/2006/math">
-                      <m:r>
-                        <a:rPr lang="en-GB" i="1">
-                          <a:latin typeface="Cambria Math" charset="0"/>
-                        </a:rPr>
-                        <m:t>𝑃</m:t>
-                      </m:r>
-                      <m:d>
-                        <m:dPr>
-                          <m:ctrlPr>
-                            <a:rPr lang="en-GB" i="1">
-                              <a:latin typeface="Cambria Math" charset="0"/>
-                            </a:rPr>
-                          </m:ctrlPr>
-                        </m:dPr>
-                        <m:e>
-                          <m:r>
-                            <a:rPr lang="en-GB" i="1">
-                              <a:latin typeface="Cambria Math" charset="0"/>
-                            </a:rPr>
-                            <m:t>𝑓𝑎𝑖𝑙𝑢𝑟𝑒</m:t>
-                          </m:r>
-                        </m:e>
-                      </m:d>
-                      <m:r>
-                        <a:rPr lang="en-GB" i="1">
-                          <a:latin typeface="Cambria Math" charset="0"/>
-                        </a:rPr>
-                        <m:t>=1 −</m:t>
-                      </m:r>
-                      <m:r>
-                        <a:rPr lang="en-GB" i="1">
-                          <a:latin typeface="Cambria Math" charset="0"/>
-                        </a:rPr>
-                        <m:t>𝑃</m:t>
-                      </m:r>
-                      <m:r>
-                        <a:rPr lang="en-GB" i="1">
-                          <a:latin typeface="Cambria Math" charset="0"/>
-                        </a:rPr>
-                        <m:t>(</m:t>
-                      </m:r>
-                      <m:r>
-                        <a:rPr lang="en-GB" i="1">
-                          <a:latin typeface="Cambria Math" charset="0"/>
-                        </a:rPr>
-                        <m:t>𝑠𝑢𝑟𝑣𝑖𝑣𝑎𝑙</m:t>
-                      </m:r>
-                      <m:r>
-                        <a:rPr lang="en-GB" i="1">
-                          <a:latin typeface="Cambria Math" charset="0"/>
-                        </a:rPr>
-                        <m:t>)</m:t>
-                      </m:r>
-                    </m:oMath>
-                  </m:oMathPara>
-                </a14:m>
-                <a:endParaRPr lang="en-US" dirty="0"/>
-              </a:p>
-            </p:txBody>
-          </p:sp>
-        </mc:Choice>
-        <mc:Fallback xmlns="">
-          <p:sp>
-            <p:nvSpPr>
-              <p:cNvPr id="7" name="Rectangle 6"/>
-              <p:cNvSpPr>
-                <a:spLocks noRot="1" noChangeAspect="1" noMove="1" noResize="1" noEditPoints="1" noAdjustHandles="1" noChangeArrowheads="1" noChangeShapeType="1" noTextEdit="1"/>
-              </p:cNvSpPr>
-              <p:nvPr/>
-            </p:nvSpPr>
-            <p:spPr>
-              <a:xfrm>
-                <a:off x="4467788" y="4946788"/>
-                <a:ext cx="3317383" cy="369332"/>
-              </a:xfrm>
-              <a:prstGeom prst="rect">
-                <a:avLst/>
-              </a:prstGeom>
-              <a:blipFill rotWithShape="0">
-                <a:blip r:embed="rId4"/>
-                <a:stretch>
-                  <a:fillRect t="-95082" b="-121311"/>
-                </a:stretch>
-              </a:blipFill>
-            </p:spPr>
-            <p:txBody>
-              <a:bodyPr/>
-              <a:lstStyle/>
-              <a:p>
-                <a:r>
-                  <a:rPr lang="en-US">
-                    <a:noFill/>
-                  </a:rPr>
-                  <a:t> </a:t>
-                </a:r>
-              </a:p>
-            </p:txBody>
-          </p:sp>
-        </mc:Fallback>
-      </mc:AlternateContent>
-    </p:spTree>
-    <p:extLst>
-      <p:ext uri="{BB962C8B-B14F-4D97-AF65-F5344CB8AC3E}">
-        <p14:creationId xmlns:p14="http://schemas.microsoft.com/office/powerpoint/2010/main" val="873007415"/>
       </p:ext>
     </p:extLst>
   </p:cSld>

--- a/presentation/presentation.pptx
+++ b/presentation/presentation.pptx
@@ -9455,10 +9455,9 @@
               <a:t>used</a:t>
             </a:r>
             <a:r>
-              <a:rPr lang="sv-SE" smtClean="0"/>
+              <a:rPr lang="sv-SE" dirty="0" smtClean="0"/>
               <a:t>.</a:t>
             </a:r>
-            <a:endParaRPr lang="sv-SE" dirty="0" smtClean="0"/>
           </a:p>
           <a:p>
             <a:pPr>

--- a/presentation/presentation.pptx
+++ b/presentation/presentation.pptx
@@ -15,62 +15,64 @@
     <p:sldId id="301" r:id="rId9"/>
     <p:sldId id="307" r:id="rId10"/>
     <p:sldId id="309" r:id="rId11"/>
-    <p:sldId id="330" r:id="rId12"/>
-    <p:sldId id="302" r:id="rId13"/>
-    <p:sldId id="322" r:id="rId14"/>
-    <p:sldId id="323" r:id="rId15"/>
-    <p:sldId id="303" r:id="rId16"/>
-    <p:sldId id="310" r:id="rId17"/>
-    <p:sldId id="311" r:id="rId18"/>
-    <p:sldId id="321" r:id="rId19"/>
-    <p:sldId id="313" r:id="rId20"/>
-    <p:sldId id="314" r:id="rId21"/>
-    <p:sldId id="315" r:id="rId22"/>
-    <p:sldId id="316" r:id="rId23"/>
-    <p:sldId id="317" r:id="rId24"/>
-    <p:sldId id="318" r:id="rId25"/>
-    <p:sldId id="319" r:id="rId26"/>
-    <p:sldId id="320" r:id="rId27"/>
-    <p:sldId id="332" r:id="rId28"/>
-    <p:sldId id="333" r:id="rId29"/>
-    <p:sldId id="334" r:id="rId30"/>
-    <p:sldId id="335" r:id="rId31"/>
-    <p:sldId id="336" r:id="rId32"/>
-    <p:sldId id="337" r:id="rId33"/>
-    <p:sldId id="294" r:id="rId34"/>
-    <p:sldId id="297" r:id="rId35"/>
-    <p:sldId id="298" r:id="rId36"/>
-    <p:sldId id="299" r:id="rId37"/>
-    <p:sldId id="295" r:id="rId38"/>
-    <p:sldId id="258" r:id="rId39"/>
-    <p:sldId id="259" r:id="rId40"/>
-    <p:sldId id="260" r:id="rId41"/>
-    <p:sldId id="261" r:id="rId42"/>
-    <p:sldId id="263" r:id="rId43"/>
-    <p:sldId id="262" r:id="rId44"/>
-    <p:sldId id="264" r:id="rId45"/>
-    <p:sldId id="265" r:id="rId46"/>
-    <p:sldId id="275" r:id="rId47"/>
-    <p:sldId id="266" r:id="rId48"/>
-    <p:sldId id="267" r:id="rId49"/>
-    <p:sldId id="268" r:id="rId50"/>
-    <p:sldId id="269" r:id="rId51"/>
-    <p:sldId id="270" r:id="rId52"/>
-    <p:sldId id="271" r:id="rId53"/>
-    <p:sldId id="272" r:id="rId54"/>
-    <p:sldId id="274" r:id="rId55"/>
-    <p:sldId id="273" r:id="rId56"/>
-    <p:sldId id="276" r:id="rId57"/>
-    <p:sldId id="277" r:id="rId58"/>
-    <p:sldId id="278" r:id="rId59"/>
-    <p:sldId id="279" r:id="rId60"/>
-    <p:sldId id="280" r:id="rId61"/>
-    <p:sldId id="281" r:id="rId62"/>
-    <p:sldId id="324" r:id="rId63"/>
-    <p:sldId id="325" r:id="rId64"/>
-    <p:sldId id="326" r:id="rId65"/>
-    <p:sldId id="327" r:id="rId66"/>
-    <p:sldId id="328" r:id="rId67"/>
+    <p:sldId id="338" r:id="rId12"/>
+    <p:sldId id="330" r:id="rId13"/>
+    <p:sldId id="302" r:id="rId14"/>
+    <p:sldId id="322" r:id="rId15"/>
+    <p:sldId id="323" r:id="rId16"/>
+    <p:sldId id="303" r:id="rId17"/>
+    <p:sldId id="310" r:id="rId18"/>
+    <p:sldId id="311" r:id="rId19"/>
+    <p:sldId id="321" r:id="rId20"/>
+    <p:sldId id="313" r:id="rId21"/>
+    <p:sldId id="339" r:id="rId22"/>
+    <p:sldId id="314" r:id="rId23"/>
+    <p:sldId id="315" r:id="rId24"/>
+    <p:sldId id="316" r:id="rId25"/>
+    <p:sldId id="317" r:id="rId26"/>
+    <p:sldId id="318" r:id="rId27"/>
+    <p:sldId id="319" r:id="rId28"/>
+    <p:sldId id="320" r:id="rId29"/>
+    <p:sldId id="332" r:id="rId30"/>
+    <p:sldId id="333" r:id="rId31"/>
+    <p:sldId id="334" r:id="rId32"/>
+    <p:sldId id="335" r:id="rId33"/>
+    <p:sldId id="336" r:id="rId34"/>
+    <p:sldId id="337" r:id="rId35"/>
+    <p:sldId id="294" r:id="rId36"/>
+    <p:sldId id="297" r:id="rId37"/>
+    <p:sldId id="298" r:id="rId38"/>
+    <p:sldId id="299" r:id="rId39"/>
+    <p:sldId id="295" r:id="rId40"/>
+    <p:sldId id="258" r:id="rId41"/>
+    <p:sldId id="259" r:id="rId42"/>
+    <p:sldId id="260" r:id="rId43"/>
+    <p:sldId id="261" r:id="rId44"/>
+    <p:sldId id="263" r:id="rId45"/>
+    <p:sldId id="262" r:id="rId46"/>
+    <p:sldId id="264" r:id="rId47"/>
+    <p:sldId id="265" r:id="rId48"/>
+    <p:sldId id="275" r:id="rId49"/>
+    <p:sldId id="266" r:id="rId50"/>
+    <p:sldId id="267" r:id="rId51"/>
+    <p:sldId id="268" r:id="rId52"/>
+    <p:sldId id="269" r:id="rId53"/>
+    <p:sldId id="270" r:id="rId54"/>
+    <p:sldId id="271" r:id="rId55"/>
+    <p:sldId id="272" r:id="rId56"/>
+    <p:sldId id="274" r:id="rId57"/>
+    <p:sldId id="273" r:id="rId58"/>
+    <p:sldId id="276" r:id="rId59"/>
+    <p:sldId id="277" r:id="rId60"/>
+    <p:sldId id="278" r:id="rId61"/>
+    <p:sldId id="279" r:id="rId62"/>
+    <p:sldId id="280" r:id="rId63"/>
+    <p:sldId id="281" r:id="rId64"/>
+    <p:sldId id="324" r:id="rId65"/>
+    <p:sldId id="325" r:id="rId66"/>
+    <p:sldId id="326" r:id="rId67"/>
+    <p:sldId id="327" r:id="rId68"/>
+    <p:sldId id="328" r:id="rId69"/>
   </p:sldIdLst>
   <p:sldSz cx="12192000" cy="6858000"/>
   <p:notesSz cx="6858000" cy="9144000"/>
@@ -4984,7 +4986,7 @@
           <a:p>
             <a:r>
               <a:rPr lang="en-US" dirty="0" smtClean="0"/>
-              <a:t>Reliability definitions</a:t>
+              <a:t>Mean-time-between-failure</a:t>
             </a:r>
             <a:endParaRPr lang="en-US" dirty="0"/>
           </a:p>
@@ -5002,6 +5004,371 @@
         </p:nvSpPr>
         <p:spPr/>
         <p:txBody>
+          <a:bodyPr>
+            <a:normAutofit/>
+          </a:bodyPr>
+          <a:lstStyle/>
+          <a:p>
+            <a:pPr lvl="0">
+              <a:buFont typeface="Arial" charset="0"/>
+              <a:buChar char="•"/>
+            </a:pPr>
+            <a:r>
+              <a:rPr lang="en-US" dirty="0" smtClean="0"/>
+              <a:t>We only consider the MTBF for nodes to be constant for some period of time</a:t>
+            </a:r>
+          </a:p>
+          <a:p>
+            <a:pPr lvl="0">
+              <a:buFont typeface="Arial" charset="0"/>
+              <a:buChar char="•"/>
+            </a:pPr>
+            <a:r>
+              <a:rPr lang="en-US" dirty="0" smtClean="0"/>
+              <a:t>Therefore, the latest 3 registered failure times, t1, t2, and t3, for a node are used to calculated the MTBF</a:t>
+            </a:r>
+          </a:p>
+          <a:p>
+            <a:pPr marL="0" lvl="0" indent="0">
+              <a:buNone/>
+            </a:pPr>
+            <a:endParaRPr lang="en-US" dirty="0" smtClean="0"/>
+          </a:p>
+          <a:p>
+            <a:pPr marL="0" lvl="0" indent="0">
+              <a:buNone/>
+            </a:pPr>
+            <a:endParaRPr lang="en-US" dirty="0" smtClean="0"/>
+          </a:p>
+          <a:p>
+            <a:pPr lvl="0">
+              <a:buFont typeface="Arial" charset="0"/>
+              <a:buChar char="•"/>
+            </a:pPr>
+            <a:r>
+              <a:rPr lang="en-US" dirty="0" smtClean="0"/>
+              <a:t>This allows for adapting the reliability of a node if it starts failing more/less often</a:t>
+            </a:r>
+            <a:endParaRPr lang="en-US" dirty="0"/>
+          </a:p>
+          <a:p>
+            <a:pPr marL="0" indent="0">
+              <a:buNone/>
+            </a:pPr>
+            <a:endParaRPr lang="en-US" dirty="0"/>
+          </a:p>
+          <a:p>
+            <a:pPr marL="0" indent="0">
+              <a:buNone/>
+            </a:pPr>
+            <a:endParaRPr lang="en-US" dirty="0"/>
+          </a:p>
+          <a:p>
+            <a:pPr marL="0" lvl="0" indent="0">
+              <a:buNone/>
+            </a:pPr>
+            <a:endParaRPr lang="en-US" dirty="0"/>
+          </a:p>
+        </p:txBody>
+      </p:sp>
+      <mc:AlternateContent xmlns:mc="http://schemas.openxmlformats.org/markup-compatibility/2006">
+        <mc:Choice xmlns:a14="http://schemas.microsoft.com/office/drawing/2010/main" Requires="a14">
+          <p:sp>
+            <p:nvSpPr>
+              <p:cNvPr id="5" name="Rectangle 4"/>
+              <p:cNvSpPr/>
+              <p:nvPr/>
+            </p:nvSpPr>
+            <p:spPr>
+              <a:xfrm>
+                <a:off x="1097280" y="2978743"/>
+                <a:ext cx="10058400" cy="593689"/>
+              </a:xfrm>
+              <a:prstGeom prst="rect">
+                <a:avLst/>
+              </a:prstGeom>
+            </p:spPr>
+            <p:txBody>
+              <a:bodyPr wrap="square">
+                <a:spAutoFit/>
+              </a:bodyPr>
+              <a:lstStyle/>
+              <a:p>
+                <a:pPr/>
+                <a14:m>
+                  <m:oMathPara xmlns:m="http://schemas.openxmlformats.org/officeDocument/2006/math">
+                    <m:oMathParaPr>
+                      <m:jc m:val="centerGroup"/>
+                    </m:oMathParaPr>
+                    <m:oMath xmlns:m="http://schemas.openxmlformats.org/officeDocument/2006/math">
+                      <m:r>
+                        <a:rPr lang="en-GB" b="0" i="1" smtClean="0">
+                          <a:latin typeface="Cambria Math" charset="0"/>
+                        </a:rPr>
+                        <m:t>𝑀𝑇𝐵𝐹</m:t>
+                      </m:r>
+                      <m:r>
+                        <a:rPr lang="en-GB" b="0" i="1" smtClean="0">
+                          <a:latin typeface="Cambria Math" charset="0"/>
+                        </a:rPr>
+                        <m:t>=</m:t>
+                      </m:r>
+                      <m:f>
+                        <m:fPr>
+                          <m:ctrlPr>
+                            <a:rPr lang="bg-BG" b="0" i="1" smtClean="0">
+                              <a:latin typeface="Cambria Math" charset="0"/>
+                            </a:rPr>
+                          </m:ctrlPr>
+                        </m:fPr>
+                        <m:num>
+                          <m:sSub>
+                            <m:sSubPr>
+                              <m:ctrlPr>
+                                <a:rPr lang="en-US" i="1">
+                                  <a:latin typeface="Cambria Math" charset="0"/>
+                                </a:rPr>
+                              </m:ctrlPr>
+                            </m:sSubPr>
+                            <m:e>
+                              <m:r>
+                                <a:rPr lang="en-GB" b="0" i="1" smtClean="0">
+                                  <a:latin typeface="Cambria Math" charset="0"/>
+                                </a:rPr>
+                                <m:t>𝑡</m:t>
+                              </m:r>
+                            </m:e>
+                            <m:sub>
+                              <m:r>
+                                <a:rPr lang="en-GB" b="0" i="1" smtClean="0">
+                                  <a:latin typeface="Cambria Math" charset="0"/>
+                                </a:rPr>
+                                <m:t>2</m:t>
+                              </m:r>
+                            </m:sub>
+                          </m:sSub>
+                          <m:r>
+                            <a:rPr lang="en-GB" i="1">
+                              <a:latin typeface="Cambria Math" charset="0"/>
+                            </a:rPr>
+                            <m:t>−</m:t>
+                          </m:r>
+                          <m:sSub>
+                            <m:sSubPr>
+                              <m:ctrlPr>
+                                <a:rPr lang="en-US" i="1">
+                                  <a:latin typeface="Cambria Math" charset="0"/>
+                                </a:rPr>
+                              </m:ctrlPr>
+                            </m:sSubPr>
+                            <m:e>
+                              <m:r>
+                                <a:rPr lang="en-GB" b="0" i="1" smtClean="0">
+                                  <a:latin typeface="Cambria Math" charset="0"/>
+                                </a:rPr>
+                                <m:t>𝑡</m:t>
+                              </m:r>
+                            </m:e>
+                            <m:sub>
+                              <m:r>
+                                <a:rPr lang="en-GB" b="0" i="1" smtClean="0">
+                                  <a:latin typeface="Cambria Math" charset="0"/>
+                                </a:rPr>
+                                <m:t>1</m:t>
+                              </m:r>
+                            </m:sub>
+                          </m:sSub>
+                          <m:r>
+                            <a:rPr lang="en-GB" i="1">
+                              <a:latin typeface="Cambria Math" charset="0"/>
+                            </a:rPr>
+                            <m:t>+ </m:t>
+                          </m:r>
+                          <m:sSub>
+                            <m:sSubPr>
+                              <m:ctrlPr>
+                                <a:rPr lang="en-US" i="1">
+                                  <a:latin typeface="Cambria Math" charset="0"/>
+                                </a:rPr>
+                              </m:ctrlPr>
+                            </m:sSubPr>
+                            <m:e>
+                              <m:r>
+                                <a:rPr lang="en-GB" b="0" i="1" smtClean="0">
+                                  <a:latin typeface="Cambria Math" charset="0"/>
+                                </a:rPr>
+                                <m:t>𝑡</m:t>
+                              </m:r>
+                            </m:e>
+                            <m:sub>
+                              <m:r>
+                                <a:rPr lang="en-GB" b="0" i="1" smtClean="0">
+                                  <a:latin typeface="Cambria Math" charset="0"/>
+                                </a:rPr>
+                                <m:t>3</m:t>
+                              </m:r>
+                            </m:sub>
+                          </m:sSub>
+                          <m:r>
+                            <a:rPr lang="en-GB" i="1">
+                              <a:latin typeface="Cambria Math" charset="0"/>
+                            </a:rPr>
+                            <m:t>−</m:t>
+                          </m:r>
+                          <m:sSub>
+                            <m:sSubPr>
+                              <m:ctrlPr>
+                                <a:rPr lang="en-US" i="1">
+                                  <a:latin typeface="Cambria Math" charset="0"/>
+                                </a:rPr>
+                              </m:ctrlPr>
+                            </m:sSubPr>
+                            <m:e>
+                              <m:r>
+                                <a:rPr lang="en-GB" b="0" i="1" smtClean="0">
+                                  <a:latin typeface="Cambria Math" charset="0"/>
+                                </a:rPr>
+                                <m:t>𝑡</m:t>
+                              </m:r>
+                            </m:e>
+                            <m:sub>
+                              <m:r>
+                                <a:rPr lang="en-GB" b="0" i="1" smtClean="0">
+                                  <a:latin typeface="Cambria Math" charset="0"/>
+                                </a:rPr>
+                                <m:t>2</m:t>
+                              </m:r>
+                            </m:sub>
+                          </m:sSub>
+                        </m:num>
+                        <m:den>
+                          <m:r>
+                            <a:rPr lang="en-GB" b="0" i="1" smtClean="0">
+                              <a:latin typeface="Cambria Math" charset="0"/>
+                            </a:rPr>
+                            <m:t>2</m:t>
+                          </m:r>
+                        </m:den>
+                      </m:f>
+                    </m:oMath>
+                  </m:oMathPara>
+                </a14:m>
+                <a:endParaRPr lang="en-US" dirty="0"/>
+              </a:p>
+            </p:txBody>
+          </p:sp>
+        </mc:Choice>
+        <mc:Fallback>
+          <p:sp>
+            <p:nvSpPr>
+              <p:cNvPr id="5" name="Rectangle 4"/>
+              <p:cNvSpPr>
+                <a:spLocks noRot="1" noChangeAspect="1" noMove="1" noResize="1" noEditPoints="1" noAdjustHandles="1" noChangeArrowheads="1" noChangeShapeType="1" noTextEdit="1"/>
+              </p:cNvSpPr>
+              <p:nvPr/>
+            </p:nvSpPr>
+            <p:spPr>
+              <a:xfrm>
+                <a:off x="1097280" y="2978743"/>
+                <a:ext cx="10058400" cy="593689"/>
+              </a:xfrm>
+              <a:prstGeom prst="rect">
+                <a:avLst/>
+              </a:prstGeom>
+              <a:blipFill rotWithShape="0">
+                <a:blip r:embed="rId2"/>
+                <a:stretch>
+                  <a:fillRect/>
+                </a:stretch>
+              </a:blipFill>
+            </p:spPr>
+            <p:txBody>
+              <a:bodyPr/>
+              <a:lstStyle/>
+              <a:p>
+                <a:r>
+                  <a:rPr lang="en-US">
+                    <a:noFill/>
+                  </a:rPr>
+                  <a:t> </a:t>
+                </a:r>
+              </a:p>
+            </p:txBody>
+          </p:sp>
+        </mc:Fallback>
+      </mc:AlternateContent>
+    </p:spTree>
+    <p:extLst>
+      <p:ext uri="{BB962C8B-B14F-4D97-AF65-F5344CB8AC3E}">
+        <p14:creationId xmlns:p14="http://schemas.microsoft.com/office/powerpoint/2010/main" val="1728481371"/>
+      </p:ext>
+    </p:extLst>
+  </p:cSld>
+  <p:clrMapOvr>
+    <a:masterClrMapping/>
+  </p:clrMapOvr>
+  <p:timing>
+    <p:tnLst>
+      <p:par>
+        <p:cTn id="1" dur="indefinite" restart="never" nodeType="tmRoot"/>
+      </p:par>
+    </p:tnLst>
+  </p:timing>
+</p:sld>
+</file>
+
+<file path=ppt/slides/slide12.xml><?xml version="1.0" encoding="utf-8"?>
+<p:sld xmlns:a="http://schemas.openxmlformats.org/drawingml/2006/main" xmlns:r="http://schemas.openxmlformats.org/officeDocument/2006/relationships" xmlns:p="http://schemas.openxmlformats.org/presentationml/2006/main">
+  <p:cSld>
+    <p:spTree>
+      <p:nvGrpSpPr>
+        <p:cNvPr id="1" name=""/>
+        <p:cNvGrpSpPr/>
+        <p:nvPr/>
+      </p:nvGrpSpPr>
+      <p:grpSpPr>
+        <a:xfrm>
+          <a:off x="0" y="0"/>
+          <a:ext cx="0" cy="0"/>
+          <a:chOff x="0" y="0"/>
+          <a:chExt cx="0" cy="0"/>
+        </a:xfrm>
+      </p:grpSpPr>
+      <p:sp>
+        <p:nvSpPr>
+          <p:cNvPr id="2" name="Title 1"/>
+          <p:cNvSpPr>
+            <a:spLocks noGrp="1"/>
+          </p:cNvSpPr>
+          <p:nvPr>
+            <p:ph type="title"/>
+          </p:nvPr>
+        </p:nvSpPr>
+        <p:spPr/>
+        <p:txBody>
+          <a:bodyPr/>
+          <a:lstStyle/>
+          <a:p>
+            <a:r>
+              <a:rPr lang="en-US" dirty="0" smtClean="0"/>
+              <a:t>Reliability definitions</a:t>
+            </a:r>
+            <a:endParaRPr lang="en-US" dirty="0"/>
+          </a:p>
+        </p:txBody>
+      </p:sp>
+      <p:sp>
+        <p:nvSpPr>
+          <p:cNvPr id="3" name="Content Placeholder 2"/>
+          <p:cNvSpPr>
+            <a:spLocks noGrp="1"/>
+          </p:cNvSpPr>
+          <p:nvPr>
+            <p:ph idx="1"/>
+          </p:nvPr>
+        </p:nvSpPr>
+        <p:spPr/>
+        <p:txBody>
           <a:bodyPr/>
           <a:lstStyle/>
           <a:p>
@@ -5058,8 +5425,13 @@
             </a:pPr>
             <a:r>
               <a:rPr lang="en-US" dirty="0" smtClean="0"/>
-              <a:t> Our definition</a:t>
-            </a:r>
+              <a:t> Our </a:t>
+            </a:r>
+            <a:r>
+              <a:rPr lang="en-US" dirty="0" smtClean="0"/>
+              <a:t>definition:</a:t>
+            </a:r>
+            <a:endParaRPr lang="en-US" dirty="0" smtClean="0"/>
           </a:p>
           <a:p>
             <a:pPr marL="0" indent="0">
@@ -5120,7 +5492,7 @@
 </p:sld>
 </file>
 
-<file path=ppt/slides/slide12.xml><?xml version="1.0" encoding="utf-8"?>
+<file path=ppt/slides/slide13.xml><?xml version="1.0" encoding="utf-8"?>
 <p:sld xmlns:a="http://schemas.openxmlformats.org/drawingml/2006/main" xmlns:r="http://schemas.openxmlformats.org/officeDocument/2006/relationships" xmlns:p="http://schemas.openxmlformats.org/presentationml/2006/main">
   <p:cSld>
     <p:spTree>
@@ -5504,7 +5876,7 @@
 </p:sld>
 </file>
 
-<file path=ppt/slides/slide13.xml><?xml version="1.0" encoding="utf-8"?>
+<file path=ppt/slides/slide14.xml><?xml version="1.0" encoding="utf-8"?>
 <p:sld xmlns:a="http://schemas.openxmlformats.org/drawingml/2006/main" xmlns:r="http://schemas.openxmlformats.org/officeDocument/2006/relationships" xmlns:p="http://schemas.openxmlformats.org/presentationml/2006/main">
   <p:cSld>
     <p:spTree>
@@ -5694,7 +6066,7 @@
 </p:sld>
 </file>
 
-<file path=ppt/slides/slide14.xml><?xml version="1.0" encoding="utf-8"?>
+<file path=ppt/slides/slide15.xml><?xml version="1.0" encoding="utf-8"?>
 <p:sld xmlns:a="http://schemas.openxmlformats.org/drawingml/2006/main" xmlns:r="http://schemas.openxmlformats.org/officeDocument/2006/relationships" xmlns:p="http://schemas.openxmlformats.org/presentationml/2006/main">
   <p:cSld>
     <p:spTree>
@@ -6345,7 +6717,7 @@
 </p:sld>
 </file>
 
-<file path=ppt/slides/slide15.xml><?xml version="1.0" encoding="utf-8"?>
+<file path=ppt/slides/slide16.xml><?xml version="1.0" encoding="utf-8"?>
 <p:sld xmlns:a="http://schemas.openxmlformats.org/drawingml/2006/main" xmlns:r="http://schemas.openxmlformats.org/officeDocument/2006/relationships" xmlns:p="http://schemas.openxmlformats.org/presentationml/2006/main">
   <p:cSld>
     <p:spTree>
@@ -6480,7 +6852,7 @@
 </p:sld>
 </file>
 
-<file path=ppt/slides/slide16.xml><?xml version="1.0" encoding="utf-8"?>
+<file path=ppt/slides/slide17.xml><?xml version="1.0" encoding="utf-8"?>
 <p:sld xmlns:a="http://schemas.openxmlformats.org/drawingml/2006/main" xmlns:r="http://schemas.openxmlformats.org/officeDocument/2006/relationships" xmlns:p="http://schemas.openxmlformats.org/presentationml/2006/main">
   <p:cSld>
     <p:spTree>
@@ -6700,7 +7072,7 @@
 </p:sld>
 </file>
 
-<file path=ppt/slides/slide17.xml><?xml version="1.0" encoding="utf-8"?>
+<file path=ppt/slides/slide18.xml><?xml version="1.0" encoding="utf-8"?>
 <p:sld xmlns:a="http://schemas.openxmlformats.org/drawingml/2006/main" xmlns:r="http://schemas.openxmlformats.org/officeDocument/2006/relationships" xmlns:p="http://schemas.openxmlformats.org/presentationml/2006/main">
   <p:cSld>
     <p:spTree>
@@ -6953,7 +7325,7 @@
 </p:sld>
 </file>
 
-<file path=ppt/slides/slide18.xml><?xml version="1.0" encoding="utf-8"?>
+<file path=ppt/slides/slide19.xml><?xml version="1.0" encoding="utf-8"?>
 <p:sld xmlns:a="http://schemas.openxmlformats.org/drawingml/2006/main" xmlns:r="http://schemas.openxmlformats.org/officeDocument/2006/relationships" xmlns:p="http://schemas.openxmlformats.org/presentationml/2006/main">
   <p:cSld>
     <p:spTree>
@@ -7164,161 +7536,6 @@
 </p:sld>
 </file>
 
-<file path=ppt/slides/slide19.xml><?xml version="1.0" encoding="utf-8"?>
-<p:sld xmlns:a="http://schemas.openxmlformats.org/drawingml/2006/main" xmlns:r="http://schemas.openxmlformats.org/officeDocument/2006/relationships" xmlns:p="http://schemas.openxmlformats.org/presentationml/2006/main">
-  <p:cSld>
-    <p:spTree>
-      <p:nvGrpSpPr>
-        <p:cNvPr id="1" name=""/>
-        <p:cNvGrpSpPr/>
-        <p:nvPr/>
-      </p:nvGrpSpPr>
-      <p:grpSpPr>
-        <a:xfrm>
-          <a:off x="0" y="0"/>
-          <a:ext cx="0" cy="0"/>
-          <a:chOff x="0" y="0"/>
-          <a:chExt cx="0" cy="0"/>
-        </a:xfrm>
-      </p:grpSpPr>
-      <p:sp>
-        <p:nvSpPr>
-          <p:cNvPr id="2" name="Title 1"/>
-          <p:cNvSpPr>
-            <a:spLocks noGrp="1"/>
-          </p:cNvSpPr>
-          <p:nvPr>
-            <p:ph type="title"/>
-          </p:nvPr>
-        </p:nvSpPr>
-        <p:spPr/>
-        <p:txBody>
-          <a:bodyPr/>
-          <a:lstStyle/>
-          <a:p>
-            <a:r>
-              <a:rPr lang="en-US" dirty="0" smtClean="0"/>
-              <a:t>Handling node failure</a:t>
-            </a:r>
-            <a:endParaRPr lang="en-US" dirty="0"/>
-          </a:p>
-        </p:txBody>
-      </p:sp>
-      <p:sp>
-        <p:nvSpPr>
-          <p:cNvPr id="3" name="Content Placeholder 2"/>
-          <p:cNvSpPr>
-            <a:spLocks noGrp="1"/>
-          </p:cNvSpPr>
-          <p:nvPr>
-            <p:ph idx="1"/>
-          </p:nvPr>
-        </p:nvSpPr>
-        <p:spPr/>
-        <p:txBody>
-          <a:bodyPr>
-            <a:normAutofit/>
-          </a:bodyPr>
-          <a:lstStyle/>
-          <a:p>
-            <a:pPr marL="0" indent="0">
-              <a:buNone/>
-            </a:pPr>
-            <a:r>
-              <a:rPr lang="en-US" dirty="0" smtClean="0"/>
-              <a:t>When a node failure is detected, every node take the following steps:</a:t>
-            </a:r>
-          </a:p>
-          <a:p>
-            <a:pPr marL="457200" indent="-457200">
-              <a:buFont typeface="+mj-lt"/>
-              <a:buAutoNum type="arabicPeriod"/>
-            </a:pPr>
-            <a:r>
-              <a:rPr lang="en-US" dirty="0" smtClean="0"/>
-              <a:t>Select a node among the remaining nodes, select the one with the highest ID</a:t>
-            </a:r>
-          </a:p>
-          <a:p>
-            <a:pPr marL="457200" indent="-457200">
-              <a:buFont typeface="+mj-lt"/>
-              <a:buAutoNum type="arabicPeriod"/>
-            </a:pPr>
-            <a:r>
-              <a:rPr lang="en-US" dirty="0" smtClean="0"/>
-              <a:t>Send a lost node message to the selected </a:t>
-            </a:r>
-            <a:r>
-              <a:rPr lang="en-US" dirty="0" smtClean="0"/>
-              <a:t>node, including the ID of the lost node</a:t>
-            </a:r>
-            <a:endParaRPr lang="en-US" dirty="0" smtClean="0"/>
-          </a:p>
-          <a:p>
-            <a:pPr marL="457200" indent="-457200">
-              <a:buFont typeface="+mj-lt"/>
-              <a:buAutoNum type="arabicPeriod"/>
-            </a:pPr>
-            <a:r>
-              <a:rPr lang="en-US" dirty="0" smtClean="0"/>
-              <a:t>Wait for reply</a:t>
-            </a:r>
-          </a:p>
-          <a:p>
-            <a:pPr marL="578358" lvl="1" indent="-285750">
-              <a:buFont typeface="Arial" panose="020B0604020202020204" pitchFamily="34" charset="0"/>
-              <a:buChar char="•"/>
-            </a:pPr>
-            <a:r>
-              <a:rPr lang="en-US" dirty="0" smtClean="0"/>
-              <a:t>If no reply is received - start over at 1</a:t>
-            </a:r>
-          </a:p>
-          <a:p>
-            <a:pPr marL="578358" lvl="1" indent="-285750">
-              <a:buFont typeface="Arial" panose="020B0604020202020204" pitchFamily="34" charset="0"/>
-              <a:buChar char="•"/>
-            </a:pPr>
-            <a:r>
-              <a:rPr lang="en-US" dirty="0"/>
-              <a:t>I</a:t>
-            </a:r>
-            <a:r>
-              <a:rPr lang="en-US" dirty="0" smtClean="0"/>
-              <a:t>f reply – we’re done</a:t>
-            </a:r>
-          </a:p>
-          <a:p>
-            <a:pPr marL="0" indent="0">
-              <a:buNone/>
-            </a:pPr>
-            <a:r>
-              <a:rPr lang="en-US" dirty="0" smtClean="0"/>
-              <a:t>The node receiving the lost node messages will check whether or not new replicas are needed, and if so, send replication request to one of the nodes holding a replica. When done, it will send a reply to everyone it received a lost node message from.</a:t>
-            </a:r>
-          </a:p>
-        </p:txBody>
-      </p:sp>
-    </p:spTree>
-    <p:extLst>
-      <p:ext uri="{BB962C8B-B14F-4D97-AF65-F5344CB8AC3E}">
-        <p14:creationId xmlns:p14="http://schemas.microsoft.com/office/powerpoint/2010/main" val="1952240360"/>
-      </p:ext>
-    </p:extLst>
-  </p:cSld>
-  <p:clrMapOvr>
-    <a:masterClrMapping/>
-  </p:clrMapOvr>
-  <p:timing>
-    <p:tnLst>
-      <p:par>
-        <p:cTn id="1" dur="indefinite" restart="never" nodeType="tmRoot"/>
-      </p:par>
-    </p:tnLst>
-  </p:timing>
-</p:sld>
-</file>
-
 <file path=ppt/slides/slide2.xml><?xml version="1.0" encoding="utf-8"?>
 <p:sld xmlns:a="http://schemas.openxmlformats.org/drawingml/2006/main" xmlns:r="http://schemas.openxmlformats.org/officeDocument/2006/relationships" xmlns:p="http://schemas.openxmlformats.org/presentationml/2006/main">
   <p:cSld>
@@ -7521,6 +7738,493 @@
           <a:p>
             <a:r>
               <a:rPr lang="en-US" dirty="0" smtClean="0"/>
+              <a:t>Handling node failure</a:t>
+            </a:r>
+            <a:endParaRPr lang="en-US" dirty="0"/>
+          </a:p>
+        </p:txBody>
+      </p:sp>
+      <p:sp>
+        <p:nvSpPr>
+          <p:cNvPr id="3" name="Content Placeholder 2"/>
+          <p:cNvSpPr>
+            <a:spLocks noGrp="1"/>
+          </p:cNvSpPr>
+          <p:nvPr>
+            <p:ph idx="1"/>
+          </p:nvPr>
+        </p:nvSpPr>
+        <p:spPr/>
+        <p:txBody>
+          <a:bodyPr>
+            <a:normAutofit/>
+          </a:bodyPr>
+          <a:lstStyle/>
+          <a:p>
+            <a:pPr marL="0" indent="0">
+              <a:buNone/>
+            </a:pPr>
+            <a:r>
+              <a:rPr lang="en-US" dirty="0" smtClean="0"/>
+              <a:t>When a node failure is detected, every node take the following steps:</a:t>
+            </a:r>
+          </a:p>
+          <a:p>
+            <a:pPr marL="457200" indent="-457200">
+              <a:buFont typeface="+mj-lt"/>
+              <a:buAutoNum type="arabicPeriod"/>
+            </a:pPr>
+            <a:r>
+              <a:rPr lang="en-US" dirty="0" smtClean="0"/>
+              <a:t>Select a node among the remaining nodes, select the one with the highest ID</a:t>
+            </a:r>
+          </a:p>
+          <a:p>
+            <a:pPr marL="457200" indent="-457200">
+              <a:buFont typeface="+mj-lt"/>
+              <a:buAutoNum type="arabicPeriod"/>
+            </a:pPr>
+            <a:r>
+              <a:rPr lang="en-US" dirty="0" smtClean="0"/>
+              <a:t>Send a lost node message to the selected </a:t>
+            </a:r>
+            <a:r>
+              <a:rPr lang="en-US" dirty="0" smtClean="0"/>
+              <a:t>node, including the ID of the lost node</a:t>
+            </a:r>
+            <a:endParaRPr lang="en-US" dirty="0" smtClean="0"/>
+          </a:p>
+          <a:p>
+            <a:pPr marL="457200" indent="-457200">
+              <a:buFont typeface="+mj-lt"/>
+              <a:buAutoNum type="arabicPeriod"/>
+            </a:pPr>
+            <a:r>
+              <a:rPr lang="en-US" dirty="0" smtClean="0"/>
+              <a:t>Wait for reply</a:t>
+            </a:r>
+          </a:p>
+          <a:p>
+            <a:pPr marL="578358" lvl="1" indent="-285750">
+              <a:buFont typeface="Arial" panose="020B0604020202020204" pitchFamily="34" charset="0"/>
+              <a:buChar char="•"/>
+            </a:pPr>
+            <a:r>
+              <a:rPr lang="en-US" dirty="0" smtClean="0"/>
+              <a:t>If no reply is received - start over at 1</a:t>
+            </a:r>
+          </a:p>
+          <a:p>
+            <a:pPr marL="578358" lvl="1" indent="-285750">
+              <a:buFont typeface="Arial" panose="020B0604020202020204" pitchFamily="34" charset="0"/>
+              <a:buChar char="•"/>
+            </a:pPr>
+            <a:r>
+              <a:rPr lang="en-US" dirty="0"/>
+              <a:t>I</a:t>
+            </a:r>
+            <a:r>
+              <a:rPr lang="en-US" dirty="0" smtClean="0"/>
+              <a:t>f reply – we’re done</a:t>
+            </a:r>
+          </a:p>
+          <a:p>
+            <a:pPr marL="0" indent="0">
+              <a:buNone/>
+            </a:pPr>
+            <a:r>
+              <a:rPr lang="en-US" dirty="0" smtClean="0"/>
+              <a:t>The node receiving the lost node messages will check whether or not new replicas are needed, and if so, send replication request to one of the nodes holding a replica. When done, it will send a reply to everyone it received a lost node message from.</a:t>
+            </a:r>
+          </a:p>
+        </p:txBody>
+      </p:sp>
+    </p:spTree>
+    <p:extLst>
+      <p:ext uri="{BB962C8B-B14F-4D97-AF65-F5344CB8AC3E}">
+        <p14:creationId xmlns:p14="http://schemas.microsoft.com/office/powerpoint/2010/main" val="1952240360"/>
+      </p:ext>
+    </p:extLst>
+  </p:cSld>
+  <p:clrMapOvr>
+    <a:masterClrMapping/>
+  </p:clrMapOvr>
+  <p:timing>
+    <p:tnLst>
+      <p:par>
+        <p:cTn id="1" dur="indefinite" restart="never" nodeType="tmRoot"/>
+      </p:par>
+    </p:tnLst>
+  </p:timing>
+</p:sld>
+</file>
+
+<file path=ppt/slides/slide21.xml><?xml version="1.0" encoding="utf-8"?>
+<p:sld xmlns:a="http://schemas.openxmlformats.org/drawingml/2006/main" xmlns:r="http://schemas.openxmlformats.org/officeDocument/2006/relationships" xmlns:p="http://schemas.openxmlformats.org/presentationml/2006/main">
+  <p:cSld>
+    <p:spTree>
+      <p:nvGrpSpPr>
+        <p:cNvPr id="1" name=""/>
+        <p:cNvGrpSpPr/>
+        <p:nvPr/>
+      </p:nvGrpSpPr>
+      <p:grpSpPr>
+        <a:xfrm>
+          <a:off x="0" y="0"/>
+          <a:ext cx="0" cy="0"/>
+          <a:chOff x="0" y="0"/>
+          <a:chExt cx="0" cy="0"/>
+        </a:xfrm>
+      </p:grpSpPr>
+      <p:sp>
+        <p:nvSpPr>
+          <p:cNvPr id="2" name="Title 1"/>
+          <p:cNvSpPr>
+            <a:spLocks noGrp="1"/>
+          </p:cNvSpPr>
+          <p:nvPr>
+            <p:ph type="title"/>
+          </p:nvPr>
+        </p:nvSpPr>
+        <p:spPr/>
+        <p:txBody>
+          <a:bodyPr/>
+          <a:lstStyle/>
+          <a:p>
+            <a:r>
+              <a:rPr lang="en-US" dirty="0" smtClean="0"/>
+              <a:t>Handling node failure cont’d</a:t>
+            </a:r>
+            <a:endParaRPr lang="en-US" dirty="0"/>
+          </a:p>
+        </p:txBody>
+      </p:sp>
+      <p:sp>
+        <p:nvSpPr>
+          <p:cNvPr id="3" name="Content Placeholder 2"/>
+          <p:cNvSpPr>
+            <a:spLocks noGrp="1"/>
+          </p:cNvSpPr>
+          <p:nvPr>
+            <p:ph idx="1"/>
+          </p:nvPr>
+        </p:nvSpPr>
+        <p:spPr/>
+        <p:txBody>
+          <a:bodyPr/>
+          <a:lstStyle/>
+          <a:p>
+            <a:pPr marR="0" lvl="0" defTabSz="914400" eaLnBrk="1" fontAlgn="auto" latinLnBrk="0" hangingPunct="1">
+              <a:lnSpc>
+                <a:spcPct val="100000"/>
+              </a:lnSpc>
+              <a:spcBef>
+                <a:spcPts val="0"/>
+              </a:spcBef>
+              <a:spcAft>
+                <a:spcPts val="0"/>
+              </a:spcAft>
+              <a:buClrTx/>
+              <a:buSzTx/>
+              <a:buFont typeface="Arial" charset="0"/>
+              <a:buChar char="•"/>
+              <a:tabLst/>
+              <a:defRPr/>
+            </a:pPr>
+            <a:r>
+              <a:rPr lang="en-US" dirty="0" smtClean="0"/>
+              <a:t>Recap:</a:t>
+            </a:r>
+          </a:p>
+          <a:p>
+            <a:pPr marL="0" marR="0" lvl="0" indent="0" defTabSz="914400" eaLnBrk="1" fontAlgn="auto" latinLnBrk="0" hangingPunct="1">
+              <a:lnSpc>
+                <a:spcPct val="100000"/>
+              </a:lnSpc>
+              <a:spcBef>
+                <a:spcPts val="0"/>
+              </a:spcBef>
+              <a:spcAft>
+                <a:spcPts val="0"/>
+              </a:spcAft>
+              <a:buClrTx/>
+              <a:buSzTx/>
+              <a:buFont typeface="Arial" charset="0"/>
+              <a:buNone/>
+              <a:tabLst/>
+              <a:defRPr/>
+            </a:pPr>
+            <a:endParaRPr lang="en-US" dirty="0"/>
+          </a:p>
+          <a:p>
+            <a:pPr marL="0" marR="0" lvl="0" indent="0" defTabSz="914400" eaLnBrk="1" fontAlgn="auto" latinLnBrk="0" hangingPunct="1">
+              <a:lnSpc>
+                <a:spcPct val="100000"/>
+              </a:lnSpc>
+              <a:spcBef>
+                <a:spcPts val="0"/>
+              </a:spcBef>
+              <a:spcAft>
+                <a:spcPts val="0"/>
+              </a:spcAft>
+              <a:buClrTx/>
+              <a:buSzTx/>
+              <a:buFont typeface="Arial" charset="0"/>
+              <a:buNone/>
+              <a:tabLst/>
+              <a:defRPr/>
+            </a:pPr>
+            <a:endParaRPr lang="en-US" dirty="0" smtClean="0"/>
+          </a:p>
+          <a:p>
+            <a:pPr marL="0" marR="0" lvl="0" indent="0" defTabSz="914400" eaLnBrk="1" fontAlgn="auto" latinLnBrk="0" hangingPunct="1">
+              <a:lnSpc>
+                <a:spcPct val="100000"/>
+              </a:lnSpc>
+              <a:spcBef>
+                <a:spcPts val="0"/>
+              </a:spcBef>
+              <a:spcAft>
+                <a:spcPts val="0"/>
+              </a:spcAft>
+              <a:buClrTx/>
+              <a:buSzTx/>
+              <a:buFont typeface="Arial" charset="0"/>
+              <a:buNone/>
+              <a:tabLst/>
+              <a:defRPr/>
+            </a:pPr>
+            <a:endParaRPr lang="en-US" dirty="0"/>
+          </a:p>
+          <a:p>
+            <a:pPr marL="0" marR="0" lvl="0" indent="0" defTabSz="914400" eaLnBrk="1" fontAlgn="auto" latinLnBrk="0" hangingPunct="1">
+              <a:lnSpc>
+                <a:spcPct val="100000"/>
+              </a:lnSpc>
+              <a:spcBef>
+                <a:spcPts val="0"/>
+              </a:spcBef>
+              <a:spcAft>
+                <a:spcPts val="0"/>
+              </a:spcAft>
+              <a:buClrTx/>
+              <a:buSzTx/>
+              <a:buFont typeface="Arial" charset="0"/>
+              <a:buNone/>
+              <a:tabLst/>
+              <a:defRPr/>
+            </a:pPr>
+            <a:endParaRPr lang="en-US" dirty="0" smtClean="0"/>
+          </a:p>
+          <a:p>
+            <a:pPr marL="0" marR="0" lvl="0" indent="0" defTabSz="914400" eaLnBrk="1" fontAlgn="auto" latinLnBrk="0" hangingPunct="1">
+              <a:lnSpc>
+                <a:spcPct val="100000"/>
+              </a:lnSpc>
+              <a:spcBef>
+                <a:spcPts val="0"/>
+              </a:spcBef>
+              <a:spcAft>
+                <a:spcPts val="0"/>
+              </a:spcAft>
+              <a:buClrTx/>
+              <a:buSzTx/>
+              <a:buFont typeface="Arial" charset="0"/>
+              <a:buNone/>
+              <a:tabLst/>
+              <a:defRPr/>
+            </a:pPr>
+            <a:endParaRPr lang="en-US" dirty="0"/>
+          </a:p>
+          <a:p>
+            <a:pPr marL="0" marR="0" lvl="0" indent="0" defTabSz="914400" eaLnBrk="1" fontAlgn="auto" latinLnBrk="0" hangingPunct="1">
+              <a:lnSpc>
+                <a:spcPct val="100000"/>
+              </a:lnSpc>
+              <a:spcBef>
+                <a:spcPts val="0"/>
+              </a:spcBef>
+              <a:spcAft>
+                <a:spcPts val="0"/>
+              </a:spcAft>
+              <a:buClrTx/>
+              <a:buSzTx/>
+              <a:buFont typeface="Arial" charset="0"/>
+              <a:buNone/>
+              <a:tabLst/>
+              <a:defRPr/>
+            </a:pPr>
+            <a:endParaRPr lang="en-US" dirty="0" smtClean="0"/>
+          </a:p>
+          <a:p>
+            <a:pPr marL="0" marR="0" lvl="0" indent="0" defTabSz="914400" eaLnBrk="1" fontAlgn="auto" latinLnBrk="0" hangingPunct="1">
+              <a:lnSpc>
+                <a:spcPct val="100000"/>
+              </a:lnSpc>
+              <a:spcBef>
+                <a:spcPts val="0"/>
+              </a:spcBef>
+              <a:spcAft>
+                <a:spcPts val="0"/>
+              </a:spcAft>
+              <a:buClrTx/>
+              <a:buSzTx/>
+              <a:buFont typeface="Arial" charset="0"/>
+              <a:buNone/>
+              <a:tabLst/>
+              <a:defRPr/>
+            </a:pPr>
+            <a:endParaRPr lang="en-US" dirty="0"/>
+          </a:p>
+          <a:p>
+            <a:pPr marL="0" marR="0" lvl="0" indent="0" defTabSz="914400" eaLnBrk="1" fontAlgn="auto" latinLnBrk="0" hangingPunct="1">
+              <a:lnSpc>
+                <a:spcPct val="100000"/>
+              </a:lnSpc>
+              <a:spcBef>
+                <a:spcPts val="0"/>
+              </a:spcBef>
+              <a:spcAft>
+                <a:spcPts val="0"/>
+              </a:spcAft>
+              <a:buClrTx/>
+              <a:buSzTx/>
+              <a:buFont typeface="Arial" charset="0"/>
+              <a:buNone/>
+              <a:tabLst/>
+              <a:defRPr/>
+            </a:pPr>
+            <a:endParaRPr lang="en-US" dirty="0" smtClean="0"/>
+          </a:p>
+          <a:p>
+            <a:pPr marL="0" marR="0" lvl="0" indent="0" defTabSz="914400" eaLnBrk="1" fontAlgn="auto" latinLnBrk="0" hangingPunct="1">
+              <a:lnSpc>
+                <a:spcPct val="100000"/>
+              </a:lnSpc>
+              <a:spcBef>
+                <a:spcPts val="0"/>
+              </a:spcBef>
+              <a:spcAft>
+                <a:spcPts val="0"/>
+              </a:spcAft>
+              <a:buClrTx/>
+              <a:buSzTx/>
+              <a:buFont typeface="Arial" charset="0"/>
+              <a:buNone/>
+              <a:tabLst/>
+              <a:defRPr/>
+            </a:pPr>
+            <a:endParaRPr lang="en-US" dirty="0"/>
+          </a:p>
+          <a:p>
+            <a:pPr lvl="0">
+              <a:lnSpc>
+                <a:spcPct val="100000"/>
+              </a:lnSpc>
+              <a:spcBef>
+                <a:spcPts val="0"/>
+              </a:spcBef>
+              <a:spcAft>
+                <a:spcPts val="0"/>
+              </a:spcAft>
+              <a:buClrTx/>
+              <a:buSzTx/>
+              <a:buFont typeface="Arial" charset="0"/>
+              <a:buChar char="•"/>
+              <a:defRPr/>
+            </a:pPr>
+            <a:r>
+              <a:rPr lang="en-US" dirty="0"/>
+              <a:t>Only a single node will run this algorithm</a:t>
+            </a:r>
+            <a:endParaRPr lang="en-US" dirty="0" smtClean="0"/>
+          </a:p>
+        </p:txBody>
+      </p:sp>
+      <p:pic>
+        <p:nvPicPr>
+          <p:cNvPr id="4" name="Picture 3"/>
+          <p:cNvPicPr>
+            <a:picLocks noChangeAspect="1"/>
+          </p:cNvPicPr>
+          <p:nvPr/>
+        </p:nvPicPr>
+        <p:blipFill>
+          <a:blip r:embed="rId2">
+            <a:extLst>
+              <a:ext uri="{28A0092B-C50C-407E-A947-70E740481C1C}">
+                <a14:useLocalDpi xmlns:a14="http://schemas.microsoft.com/office/drawing/2010/main" val="0"/>
+              </a:ext>
+            </a:extLst>
+          </a:blip>
+          <a:stretch>
+            <a:fillRect/>
+          </a:stretch>
+        </p:blipFill>
+        <p:spPr>
+          <a:xfrm>
+            <a:off x="1097280" y="2295711"/>
+            <a:ext cx="6946900" cy="2159000"/>
+          </a:xfrm>
+          <a:prstGeom prst="rect">
+            <a:avLst/>
+          </a:prstGeom>
+        </p:spPr>
+      </p:pic>
+    </p:spTree>
+    <p:extLst>
+      <p:ext uri="{BB962C8B-B14F-4D97-AF65-F5344CB8AC3E}">
+        <p14:creationId xmlns:p14="http://schemas.microsoft.com/office/powerpoint/2010/main" val="663932046"/>
+      </p:ext>
+    </p:extLst>
+  </p:cSld>
+  <p:clrMapOvr>
+    <a:masterClrMapping/>
+  </p:clrMapOvr>
+  <p:timing>
+    <p:tnLst>
+      <p:par>
+        <p:cTn id="1" dur="indefinite" restart="never" nodeType="tmRoot"/>
+      </p:par>
+    </p:tnLst>
+  </p:timing>
+</p:sld>
+</file>
+
+<file path=ppt/slides/slide22.xml><?xml version="1.0" encoding="utf-8"?>
+<p:sld xmlns:a="http://schemas.openxmlformats.org/drawingml/2006/main" xmlns:r="http://schemas.openxmlformats.org/officeDocument/2006/relationships" xmlns:p="http://schemas.openxmlformats.org/presentationml/2006/main">
+  <p:cSld>
+    <p:spTree>
+      <p:nvGrpSpPr>
+        <p:cNvPr id="1" name=""/>
+        <p:cNvGrpSpPr/>
+        <p:nvPr/>
+      </p:nvGrpSpPr>
+      <p:grpSpPr>
+        <a:xfrm>
+          <a:off x="0" y="0"/>
+          <a:ext cx="0" cy="0"/>
+          <a:chOff x="0" y="0"/>
+          <a:chExt cx="0" cy="0"/>
+        </a:xfrm>
+      </p:grpSpPr>
+      <p:sp>
+        <p:nvSpPr>
+          <p:cNvPr id="2" name="Title 1"/>
+          <p:cNvSpPr>
+            <a:spLocks noGrp="1"/>
+          </p:cNvSpPr>
+          <p:nvPr>
+            <p:ph type="title"/>
+          </p:nvPr>
+        </p:nvSpPr>
+        <p:spPr/>
+        <p:txBody>
+          <a:bodyPr/>
+          <a:lstStyle/>
+          <a:p>
+            <a:r>
+              <a:rPr lang="en-US" dirty="0" smtClean="0"/>
               <a:t>Handling node failure cont’d.</a:t>
             </a:r>
             <a:endParaRPr lang="en-US" dirty="0"/>
@@ -7576,7 +8280,7 @@
 </p:sld>
 </file>
 
-<file path=ppt/slides/slide21.xml><?xml version="1.0" encoding="utf-8"?>
+<file path=ppt/slides/slide23.xml><?xml version="1.0" encoding="utf-8"?>
 <p:sld xmlns:a="http://schemas.openxmlformats.org/drawingml/2006/main" xmlns:r="http://schemas.openxmlformats.org/officeDocument/2006/relationships" xmlns:p="http://schemas.openxmlformats.org/presentationml/2006/main">
   <p:cSld>
     <p:spTree>
@@ -7665,7 +8369,7 @@
 </p:sld>
 </file>
 
-<file path=ppt/slides/slide22.xml><?xml version="1.0" encoding="utf-8"?>
+<file path=ppt/slides/slide24.xml><?xml version="1.0" encoding="utf-8"?>
 <p:sld xmlns:a="http://schemas.openxmlformats.org/drawingml/2006/main" xmlns:r="http://schemas.openxmlformats.org/officeDocument/2006/relationships" xmlns:p="http://schemas.openxmlformats.org/presentationml/2006/main">
   <p:cSld>
     <p:spTree>
@@ -7754,7 +8458,7 @@
 </p:sld>
 </file>
 
-<file path=ppt/slides/slide23.xml><?xml version="1.0" encoding="utf-8"?>
+<file path=ppt/slides/slide25.xml><?xml version="1.0" encoding="utf-8"?>
 <p:sld xmlns:a="http://schemas.openxmlformats.org/drawingml/2006/main" xmlns:r="http://schemas.openxmlformats.org/officeDocument/2006/relationships" xmlns:p="http://schemas.openxmlformats.org/presentationml/2006/main">
   <p:cSld>
     <p:spTree>
@@ -7843,7 +8547,7 @@
 </p:sld>
 </file>
 
-<file path=ppt/slides/slide24.xml><?xml version="1.0" encoding="utf-8"?>
+<file path=ppt/slides/slide26.xml><?xml version="1.0" encoding="utf-8"?>
 <p:sld xmlns:a="http://schemas.openxmlformats.org/drawingml/2006/main" xmlns:r="http://schemas.openxmlformats.org/officeDocument/2006/relationships" xmlns:p="http://schemas.openxmlformats.org/presentationml/2006/main">
   <p:cSld>
     <p:spTree>
@@ -7932,7 +8636,7 @@
 </p:sld>
 </file>
 
-<file path=ppt/slides/slide25.xml><?xml version="1.0" encoding="utf-8"?>
+<file path=ppt/slides/slide27.xml><?xml version="1.0" encoding="utf-8"?>
 <p:sld xmlns:a="http://schemas.openxmlformats.org/drawingml/2006/main" xmlns:r="http://schemas.openxmlformats.org/officeDocument/2006/relationships" xmlns:p="http://schemas.openxmlformats.org/presentationml/2006/main">
   <p:cSld>
     <p:spTree>
@@ -8021,7 +8725,7 @@
 </p:sld>
 </file>
 
-<file path=ppt/slides/slide26.xml><?xml version="1.0" encoding="utf-8"?>
+<file path=ppt/slides/slide28.xml><?xml version="1.0" encoding="utf-8"?>
 <p:sld xmlns:a="http://schemas.openxmlformats.org/drawingml/2006/main" xmlns:r="http://schemas.openxmlformats.org/officeDocument/2006/relationships" xmlns:p="http://schemas.openxmlformats.org/presentationml/2006/main">
   <p:cSld>
     <p:spTree>
@@ -8110,7 +8814,7 @@
 </p:sld>
 </file>
 
-<file path=ppt/slides/slide27.xml><?xml version="1.0" encoding="utf-8"?>
+<file path=ppt/slides/slide29.xml><?xml version="1.0" encoding="utf-8"?>
 <p:sld xmlns:a="http://schemas.openxmlformats.org/drawingml/2006/main" xmlns:r="http://schemas.openxmlformats.org/officeDocument/2006/relationships" xmlns:p="http://schemas.openxmlformats.org/presentationml/2006/main">
   <p:cSld>
     <p:spTree>
@@ -8468,184 +9172,6 @@
 </p:sld>
 </file>
 
-<file path=ppt/slides/slide28.xml><?xml version="1.0" encoding="utf-8"?>
-<p:sld xmlns:a="http://schemas.openxmlformats.org/drawingml/2006/main" xmlns:r="http://schemas.openxmlformats.org/officeDocument/2006/relationships" xmlns:p="http://schemas.openxmlformats.org/presentationml/2006/main">
-  <p:cSld>
-    <p:spTree>
-      <p:nvGrpSpPr>
-        <p:cNvPr id="1" name=""/>
-        <p:cNvGrpSpPr/>
-        <p:nvPr/>
-      </p:nvGrpSpPr>
-      <p:grpSpPr>
-        <a:xfrm>
-          <a:off x="0" y="0"/>
-          <a:ext cx="0" cy="0"/>
-          <a:chOff x="0" y="0"/>
-          <a:chExt cx="0" cy="0"/>
-        </a:xfrm>
-      </p:grpSpPr>
-      <p:sp>
-        <p:nvSpPr>
-          <p:cNvPr id="2" name="Title 1"/>
-          <p:cNvSpPr>
-            <a:spLocks noGrp="1"/>
-          </p:cNvSpPr>
-          <p:nvPr>
-            <p:ph type="title"/>
-          </p:nvPr>
-        </p:nvSpPr>
-        <p:spPr/>
-        <p:txBody>
-          <a:bodyPr/>
-          <a:lstStyle/>
-          <a:p>
-            <a:r>
-              <a:rPr lang="en-US" dirty="0" smtClean="0"/>
-              <a:t>Handling node failure cont’d.</a:t>
-            </a:r>
-            <a:endParaRPr lang="en-US" dirty="0"/>
-          </a:p>
-        </p:txBody>
-      </p:sp>
-      <p:pic>
-        <p:nvPicPr>
-          <p:cNvPr id="9" name="Content Placeholder 8"/>
-          <p:cNvPicPr>
-            <a:picLocks noGrp="1" noChangeAspect="1"/>
-          </p:cNvPicPr>
-          <p:nvPr>
-            <p:ph idx="1"/>
-          </p:nvPr>
-        </p:nvPicPr>
-        <p:blipFill>
-          <a:blip r:embed="rId2">
-            <a:extLst>
-              <a:ext uri="{28A0092B-C50C-407E-A947-70E740481C1C}">
-                <a14:useLocalDpi xmlns:a14="http://schemas.microsoft.com/office/drawing/2010/main" val="0"/>
-              </a:ext>
-            </a:extLst>
-          </a:blip>
-          <a:stretch>
-            <a:fillRect/>
-          </a:stretch>
-        </p:blipFill>
-        <p:spPr>
-          <a:xfrm>
-            <a:off x="4514787" y="1846263"/>
-            <a:ext cx="3222751" cy="4022725"/>
-          </a:xfrm>
-        </p:spPr>
-      </p:pic>
-    </p:spTree>
-    <p:extLst>
-      <p:ext uri="{BB962C8B-B14F-4D97-AF65-F5344CB8AC3E}">
-        <p14:creationId xmlns:p14="http://schemas.microsoft.com/office/powerpoint/2010/main" val="849378495"/>
-      </p:ext>
-    </p:extLst>
-  </p:cSld>
-  <p:clrMapOvr>
-    <a:masterClrMapping/>
-  </p:clrMapOvr>
-  <p:timing>
-    <p:tnLst>
-      <p:par>
-        <p:cTn id="1" dur="indefinite" restart="never" nodeType="tmRoot"/>
-      </p:par>
-    </p:tnLst>
-  </p:timing>
-</p:sld>
-</file>
-
-<file path=ppt/slides/slide29.xml><?xml version="1.0" encoding="utf-8"?>
-<p:sld xmlns:a="http://schemas.openxmlformats.org/drawingml/2006/main" xmlns:r="http://schemas.openxmlformats.org/officeDocument/2006/relationships" xmlns:p="http://schemas.openxmlformats.org/presentationml/2006/main">
-  <p:cSld>
-    <p:spTree>
-      <p:nvGrpSpPr>
-        <p:cNvPr id="1" name=""/>
-        <p:cNvGrpSpPr/>
-        <p:nvPr/>
-      </p:nvGrpSpPr>
-      <p:grpSpPr>
-        <a:xfrm>
-          <a:off x="0" y="0"/>
-          <a:ext cx="0" cy="0"/>
-          <a:chOff x="0" y="0"/>
-          <a:chExt cx="0" cy="0"/>
-        </a:xfrm>
-      </p:grpSpPr>
-      <p:sp>
-        <p:nvSpPr>
-          <p:cNvPr id="2" name="Title 1"/>
-          <p:cNvSpPr>
-            <a:spLocks noGrp="1"/>
-          </p:cNvSpPr>
-          <p:nvPr>
-            <p:ph type="title"/>
-          </p:nvPr>
-        </p:nvSpPr>
-        <p:spPr/>
-        <p:txBody>
-          <a:bodyPr/>
-          <a:lstStyle/>
-          <a:p>
-            <a:r>
-              <a:rPr lang="en-US" dirty="0" smtClean="0"/>
-              <a:t>Handling node failure cont’d.</a:t>
-            </a:r>
-            <a:endParaRPr lang="en-US" dirty="0"/>
-          </a:p>
-        </p:txBody>
-      </p:sp>
-      <p:pic>
-        <p:nvPicPr>
-          <p:cNvPr id="3" name="Content Placeholder 2"/>
-          <p:cNvPicPr>
-            <a:picLocks noGrp="1" noChangeAspect="1"/>
-          </p:cNvPicPr>
-          <p:nvPr>
-            <p:ph idx="1"/>
-          </p:nvPr>
-        </p:nvPicPr>
-        <p:blipFill>
-          <a:blip r:embed="rId2">
-            <a:extLst>
-              <a:ext uri="{28A0092B-C50C-407E-A947-70E740481C1C}">
-                <a14:useLocalDpi xmlns:a14="http://schemas.microsoft.com/office/drawing/2010/main" val="0"/>
-              </a:ext>
-            </a:extLst>
-          </a:blip>
-          <a:stretch>
-            <a:fillRect/>
-          </a:stretch>
-        </p:blipFill>
-        <p:spPr>
-          <a:xfrm>
-            <a:off x="4467671" y="1846263"/>
-            <a:ext cx="3316983" cy="4022725"/>
-          </a:xfrm>
-        </p:spPr>
-      </p:pic>
-    </p:spTree>
-    <p:extLst>
-      <p:ext uri="{BB962C8B-B14F-4D97-AF65-F5344CB8AC3E}">
-        <p14:creationId xmlns:p14="http://schemas.microsoft.com/office/powerpoint/2010/main" val="1180563856"/>
-      </p:ext>
-    </p:extLst>
-  </p:cSld>
-  <p:clrMapOvr>
-    <a:masterClrMapping/>
-  </p:clrMapOvr>
-  <p:timing>
-    <p:tnLst>
-      <p:par>
-        <p:cTn id="1" dur="indefinite" restart="never" nodeType="tmRoot"/>
-      </p:par>
-    </p:tnLst>
-  </p:timing>
-</p:sld>
-</file>
-
 <file path=ppt/slides/slide3.xml><?xml version="1.0" encoding="utf-8"?>
 <p:sld xmlns:a="http://schemas.openxmlformats.org/drawingml/2006/main" xmlns:r="http://schemas.openxmlformats.org/officeDocument/2006/relationships" xmlns:p="http://schemas.openxmlformats.org/presentationml/2006/main">
   <p:cSld>
@@ -8745,7 +9271,7 @@
             </a:pPr>
             <a:r>
               <a:rPr lang="en-US" dirty="0" smtClean="0"/>
-              <a:t>Difficult to model reliability, infinite numbers of parameters and types of failures to consider</a:t>
+              <a:t>Difficult to model reliability, infinite number of parameters and types of failures to consider</a:t>
             </a:r>
           </a:p>
           <a:p>
@@ -8848,6 +9374,184 @@
       </p:sp>
       <p:pic>
         <p:nvPicPr>
+          <p:cNvPr id="9" name="Content Placeholder 8"/>
+          <p:cNvPicPr>
+            <a:picLocks noGrp="1" noChangeAspect="1"/>
+          </p:cNvPicPr>
+          <p:nvPr>
+            <p:ph idx="1"/>
+          </p:nvPr>
+        </p:nvPicPr>
+        <p:blipFill>
+          <a:blip r:embed="rId2">
+            <a:extLst>
+              <a:ext uri="{28A0092B-C50C-407E-A947-70E740481C1C}">
+                <a14:useLocalDpi xmlns:a14="http://schemas.microsoft.com/office/drawing/2010/main" val="0"/>
+              </a:ext>
+            </a:extLst>
+          </a:blip>
+          <a:stretch>
+            <a:fillRect/>
+          </a:stretch>
+        </p:blipFill>
+        <p:spPr>
+          <a:xfrm>
+            <a:off x="4514787" y="1846263"/>
+            <a:ext cx="3222751" cy="4022725"/>
+          </a:xfrm>
+        </p:spPr>
+      </p:pic>
+    </p:spTree>
+    <p:extLst>
+      <p:ext uri="{BB962C8B-B14F-4D97-AF65-F5344CB8AC3E}">
+        <p14:creationId xmlns:p14="http://schemas.microsoft.com/office/powerpoint/2010/main" val="849378495"/>
+      </p:ext>
+    </p:extLst>
+  </p:cSld>
+  <p:clrMapOvr>
+    <a:masterClrMapping/>
+  </p:clrMapOvr>
+  <p:timing>
+    <p:tnLst>
+      <p:par>
+        <p:cTn id="1" dur="indefinite" restart="never" nodeType="tmRoot"/>
+      </p:par>
+    </p:tnLst>
+  </p:timing>
+</p:sld>
+</file>
+
+<file path=ppt/slides/slide31.xml><?xml version="1.0" encoding="utf-8"?>
+<p:sld xmlns:a="http://schemas.openxmlformats.org/drawingml/2006/main" xmlns:r="http://schemas.openxmlformats.org/officeDocument/2006/relationships" xmlns:p="http://schemas.openxmlformats.org/presentationml/2006/main">
+  <p:cSld>
+    <p:spTree>
+      <p:nvGrpSpPr>
+        <p:cNvPr id="1" name=""/>
+        <p:cNvGrpSpPr/>
+        <p:nvPr/>
+      </p:nvGrpSpPr>
+      <p:grpSpPr>
+        <a:xfrm>
+          <a:off x="0" y="0"/>
+          <a:ext cx="0" cy="0"/>
+          <a:chOff x="0" y="0"/>
+          <a:chExt cx="0" cy="0"/>
+        </a:xfrm>
+      </p:grpSpPr>
+      <p:sp>
+        <p:nvSpPr>
+          <p:cNvPr id="2" name="Title 1"/>
+          <p:cNvSpPr>
+            <a:spLocks noGrp="1"/>
+          </p:cNvSpPr>
+          <p:nvPr>
+            <p:ph type="title"/>
+          </p:nvPr>
+        </p:nvSpPr>
+        <p:spPr/>
+        <p:txBody>
+          <a:bodyPr/>
+          <a:lstStyle/>
+          <a:p>
+            <a:r>
+              <a:rPr lang="en-US" dirty="0" smtClean="0"/>
+              <a:t>Handling node failure cont’d.</a:t>
+            </a:r>
+            <a:endParaRPr lang="en-US" dirty="0"/>
+          </a:p>
+        </p:txBody>
+      </p:sp>
+      <p:pic>
+        <p:nvPicPr>
+          <p:cNvPr id="3" name="Content Placeholder 2"/>
+          <p:cNvPicPr>
+            <a:picLocks noGrp="1" noChangeAspect="1"/>
+          </p:cNvPicPr>
+          <p:nvPr>
+            <p:ph idx="1"/>
+          </p:nvPr>
+        </p:nvPicPr>
+        <p:blipFill>
+          <a:blip r:embed="rId2">
+            <a:extLst>
+              <a:ext uri="{28A0092B-C50C-407E-A947-70E740481C1C}">
+                <a14:useLocalDpi xmlns:a14="http://schemas.microsoft.com/office/drawing/2010/main" val="0"/>
+              </a:ext>
+            </a:extLst>
+          </a:blip>
+          <a:stretch>
+            <a:fillRect/>
+          </a:stretch>
+        </p:blipFill>
+        <p:spPr>
+          <a:xfrm>
+            <a:off x="4467671" y="1846263"/>
+            <a:ext cx="3316983" cy="4022725"/>
+          </a:xfrm>
+        </p:spPr>
+      </p:pic>
+    </p:spTree>
+    <p:extLst>
+      <p:ext uri="{BB962C8B-B14F-4D97-AF65-F5344CB8AC3E}">
+        <p14:creationId xmlns:p14="http://schemas.microsoft.com/office/powerpoint/2010/main" val="1180563856"/>
+      </p:ext>
+    </p:extLst>
+  </p:cSld>
+  <p:clrMapOvr>
+    <a:masterClrMapping/>
+  </p:clrMapOvr>
+  <p:timing>
+    <p:tnLst>
+      <p:par>
+        <p:cTn id="1" dur="indefinite" restart="never" nodeType="tmRoot"/>
+      </p:par>
+    </p:tnLst>
+  </p:timing>
+</p:sld>
+</file>
+
+<file path=ppt/slides/slide32.xml><?xml version="1.0" encoding="utf-8"?>
+<p:sld xmlns:a="http://schemas.openxmlformats.org/drawingml/2006/main" xmlns:r="http://schemas.openxmlformats.org/officeDocument/2006/relationships" xmlns:p="http://schemas.openxmlformats.org/presentationml/2006/main">
+  <p:cSld>
+    <p:spTree>
+      <p:nvGrpSpPr>
+        <p:cNvPr id="1" name=""/>
+        <p:cNvGrpSpPr/>
+        <p:nvPr/>
+      </p:nvGrpSpPr>
+      <p:grpSpPr>
+        <a:xfrm>
+          <a:off x="0" y="0"/>
+          <a:ext cx="0" cy="0"/>
+          <a:chOff x="0" y="0"/>
+          <a:chExt cx="0" cy="0"/>
+        </a:xfrm>
+      </p:grpSpPr>
+      <p:sp>
+        <p:nvSpPr>
+          <p:cNvPr id="2" name="Title 1"/>
+          <p:cNvSpPr>
+            <a:spLocks noGrp="1"/>
+          </p:cNvSpPr>
+          <p:nvPr>
+            <p:ph type="title"/>
+          </p:nvPr>
+        </p:nvSpPr>
+        <p:spPr/>
+        <p:txBody>
+          <a:bodyPr/>
+          <a:lstStyle/>
+          <a:p>
+            <a:r>
+              <a:rPr lang="en-US" dirty="0" smtClean="0"/>
+              <a:t>Handling node failure cont’d.</a:t>
+            </a:r>
+            <a:endParaRPr lang="en-US" dirty="0"/>
+          </a:p>
+        </p:txBody>
+      </p:sp>
+      <p:pic>
+        <p:nvPicPr>
           <p:cNvPr id="5" name="Content Placeholder 4"/>
           <p:cNvPicPr>
             <a:picLocks noGrp="1" noChangeAspect="1"/>
@@ -8895,7 +9599,7 @@
 </p:sld>
 </file>
 
-<file path=ppt/slides/slide31.xml><?xml version="1.0" encoding="utf-8"?>
+<file path=ppt/slides/slide33.xml><?xml version="1.0" encoding="utf-8"?>
 <p:sld xmlns:a="http://schemas.openxmlformats.org/drawingml/2006/main" xmlns:r="http://schemas.openxmlformats.org/officeDocument/2006/relationships" xmlns:p="http://schemas.openxmlformats.org/presentationml/2006/main">
   <p:cSld>
     <p:spTree>
@@ -8934,14 +9638,6 @@
             <a:r>
               <a:rPr lang="en-US" i="1" dirty="0" smtClean="0"/>
               <a:t>t</a:t>
-            </a:r>
-            <a:r>
-              <a:rPr lang="en-US" dirty="0" smtClean="0"/>
-              <a:t> cont</a:t>
-            </a:r>
-            <a:r>
-              <a:rPr lang="en-US" dirty="0" smtClean="0"/>
-              <a:t>’d</a:t>
             </a:r>
             <a:endParaRPr lang="en-US" dirty="0"/>
           </a:p>
@@ -9263,393 +9959,6 @@
 </p:sld>
 </file>
 
-<file path=ppt/slides/slide32.xml><?xml version="1.0" encoding="utf-8"?>
-<p:sld xmlns:a="http://schemas.openxmlformats.org/drawingml/2006/main" xmlns:r="http://schemas.openxmlformats.org/officeDocument/2006/relationships" xmlns:p="http://schemas.openxmlformats.org/presentationml/2006/main">
-  <p:cSld>
-    <p:spTree>
-      <p:nvGrpSpPr>
-        <p:cNvPr id="1" name=""/>
-        <p:cNvGrpSpPr/>
-        <p:nvPr/>
-      </p:nvGrpSpPr>
-      <p:grpSpPr>
-        <a:xfrm>
-          <a:off x="0" y="0"/>
-          <a:ext cx="0" cy="0"/>
-          <a:chOff x="0" y="0"/>
-          <a:chExt cx="0" cy="0"/>
-        </a:xfrm>
-      </p:grpSpPr>
-      <p:sp>
-        <p:nvSpPr>
-          <p:cNvPr id="2" name="Title 1"/>
-          <p:cNvSpPr>
-            <a:spLocks noGrp="1"/>
-          </p:cNvSpPr>
-          <p:nvPr>
-            <p:ph type="title"/>
-          </p:nvPr>
-        </p:nvSpPr>
-        <p:spPr/>
-        <p:txBody>
-          <a:bodyPr/>
-          <a:lstStyle/>
-          <a:p>
-            <a:r>
-              <a:rPr lang="en-US" dirty="0" smtClean="0"/>
-              <a:t>Expressing time </a:t>
-            </a:r>
-            <a:r>
-              <a:rPr lang="en-US" i="1" dirty="0" smtClean="0"/>
-              <a:t>t</a:t>
-            </a:r>
-            <a:r>
-              <a:rPr lang="en-US" dirty="0" smtClean="0"/>
-              <a:t> cont</a:t>
-            </a:r>
-            <a:r>
-              <a:rPr lang="en-US" dirty="0" smtClean="0"/>
-              <a:t>’d</a:t>
-            </a:r>
-            <a:endParaRPr lang="en-US" dirty="0"/>
-          </a:p>
-        </p:txBody>
-      </p:sp>
-      <p:sp>
-        <p:nvSpPr>
-          <p:cNvPr id="3" name="Content Placeholder 2"/>
-          <p:cNvSpPr>
-            <a:spLocks noGrp="1"/>
-          </p:cNvSpPr>
-          <p:nvPr>
-            <p:ph idx="1"/>
-          </p:nvPr>
-        </p:nvSpPr>
-        <p:spPr/>
-        <p:txBody>
-          <a:bodyPr/>
-          <a:lstStyle/>
-          <a:p>
-            <a:pPr>
-              <a:buFont typeface="Arial" charset="0"/>
-              <a:buChar char="•"/>
-            </a:pPr>
-            <a:r>
-              <a:rPr lang="sv-SE" dirty="0" smtClean="0"/>
-              <a:t>To </a:t>
-            </a:r>
-            <a:r>
-              <a:rPr lang="sv-SE" dirty="0" err="1" smtClean="0"/>
-              <a:t>find</a:t>
-            </a:r>
-            <a:r>
-              <a:rPr lang="sv-SE" dirty="0" smtClean="0"/>
-              <a:t> a </a:t>
-            </a:r>
-            <a:r>
-              <a:rPr lang="sv-SE" dirty="0" err="1" smtClean="0"/>
-              <a:t>value</a:t>
-            </a:r>
-            <a:r>
-              <a:rPr lang="sv-SE" dirty="0" smtClean="0"/>
-              <a:t> for TR, the </a:t>
-            </a:r>
-            <a:r>
-              <a:rPr lang="sv-SE" dirty="0" err="1" smtClean="0"/>
-              <a:t>previously</a:t>
-            </a:r>
-            <a:r>
-              <a:rPr lang="sv-SE" dirty="0" smtClean="0"/>
-              <a:t> </a:t>
-            </a:r>
-            <a:r>
-              <a:rPr lang="sv-SE" dirty="0" err="1" smtClean="0"/>
-              <a:t>registered</a:t>
-            </a:r>
-            <a:r>
-              <a:rPr lang="sv-SE" dirty="0" smtClean="0"/>
-              <a:t> </a:t>
-            </a:r>
-            <a:r>
-              <a:rPr lang="sv-SE" dirty="0" err="1" smtClean="0"/>
-              <a:t>values</a:t>
-            </a:r>
-            <a:r>
-              <a:rPr lang="sv-SE" dirty="0" smtClean="0"/>
-              <a:t> </a:t>
-            </a:r>
-            <a:r>
-              <a:rPr lang="sv-SE" dirty="0" err="1" smtClean="0"/>
-              <a:t>are</a:t>
-            </a:r>
-            <a:r>
-              <a:rPr lang="sv-SE" dirty="0" smtClean="0"/>
-              <a:t> </a:t>
-            </a:r>
-            <a:r>
-              <a:rPr lang="sv-SE" dirty="0" err="1" smtClean="0"/>
-              <a:t>used</a:t>
-            </a:r>
-            <a:r>
-              <a:rPr lang="sv-SE" dirty="0" smtClean="0"/>
-              <a:t> to </a:t>
-            </a:r>
-            <a:r>
-              <a:rPr lang="sv-SE" dirty="0" err="1" smtClean="0"/>
-              <a:t>find</a:t>
-            </a:r>
-            <a:r>
-              <a:rPr lang="sv-SE" dirty="0" smtClean="0"/>
-              <a:t> the </a:t>
-            </a:r>
-            <a:r>
-              <a:rPr lang="sv-SE" dirty="0" err="1" smtClean="0"/>
-              <a:t>shape</a:t>
-            </a:r>
-            <a:r>
-              <a:rPr lang="sv-SE" dirty="0" smtClean="0"/>
-              <a:t> parameters for the log-</a:t>
-            </a:r>
-            <a:r>
-              <a:rPr lang="sv-SE" dirty="0" err="1" smtClean="0"/>
-              <a:t>logistic</a:t>
-            </a:r>
-            <a:r>
-              <a:rPr lang="sv-SE" dirty="0" smtClean="0"/>
-              <a:t> distribution, </a:t>
-            </a:r>
-            <a:r>
-              <a:rPr lang="sv-SE" dirty="0" err="1" smtClean="0"/>
-              <a:t>after</a:t>
-            </a:r>
-            <a:r>
-              <a:rPr lang="sv-SE" dirty="0" smtClean="0"/>
-              <a:t> </a:t>
-            </a:r>
-            <a:r>
-              <a:rPr lang="sv-SE" dirty="0" err="1" smtClean="0"/>
-              <a:t>which</a:t>
-            </a:r>
-            <a:r>
-              <a:rPr lang="sv-SE" dirty="0" smtClean="0"/>
-              <a:t> the 95th </a:t>
-            </a:r>
-            <a:r>
-              <a:rPr lang="sv-SE" dirty="0" err="1" smtClean="0"/>
-              <a:t>percentile</a:t>
-            </a:r>
-            <a:r>
-              <a:rPr lang="sv-SE" dirty="0" smtClean="0"/>
-              <a:t> </a:t>
-            </a:r>
-            <a:r>
-              <a:rPr lang="sv-SE" dirty="0" err="1" smtClean="0"/>
-              <a:t>value</a:t>
-            </a:r>
-            <a:r>
-              <a:rPr lang="sv-SE" dirty="0" smtClean="0"/>
-              <a:t> is </a:t>
-            </a:r>
-            <a:r>
-              <a:rPr lang="sv-SE" dirty="0" err="1" smtClean="0"/>
-              <a:t>used</a:t>
-            </a:r>
-            <a:r>
-              <a:rPr lang="sv-SE" dirty="0" smtClean="0"/>
-              <a:t>.</a:t>
-            </a:r>
-          </a:p>
-          <a:p>
-            <a:pPr>
-              <a:buFont typeface="Arial" charset="0"/>
-              <a:buChar char="•"/>
-            </a:pPr>
-            <a:endParaRPr lang="sv-SE" dirty="0"/>
-          </a:p>
-          <a:p>
-            <a:pPr>
-              <a:buFont typeface="Arial" charset="0"/>
-              <a:buChar char="•"/>
-            </a:pPr>
-            <a:endParaRPr lang="sv-SE" dirty="0" smtClean="0"/>
-          </a:p>
-        </p:txBody>
-      </p:sp>
-    </p:spTree>
-    <p:extLst>
-      <p:ext uri="{BB962C8B-B14F-4D97-AF65-F5344CB8AC3E}">
-        <p14:creationId xmlns:p14="http://schemas.microsoft.com/office/powerpoint/2010/main" val="911897559"/>
-      </p:ext>
-    </p:extLst>
-  </p:cSld>
-  <p:clrMapOvr>
-    <a:masterClrMapping/>
-  </p:clrMapOvr>
-  <p:timing>
-    <p:tnLst>
-      <p:par>
-        <p:cTn id="1" dur="indefinite" restart="never" nodeType="tmRoot"/>
-      </p:par>
-    </p:tnLst>
-  </p:timing>
-</p:sld>
-</file>
-
-<file path=ppt/slides/slide33.xml><?xml version="1.0" encoding="utf-8"?>
-<p:sld xmlns:a="http://schemas.openxmlformats.org/drawingml/2006/main" xmlns:r="http://schemas.openxmlformats.org/officeDocument/2006/relationships" xmlns:p="http://schemas.openxmlformats.org/presentationml/2006/main">
-  <p:cSld>
-    <p:spTree>
-      <p:nvGrpSpPr>
-        <p:cNvPr id="1" name=""/>
-        <p:cNvGrpSpPr/>
-        <p:nvPr/>
-      </p:nvGrpSpPr>
-      <p:grpSpPr>
-        <a:xfrm>
-          <a:off x="0" y="0"/>
-          <a:ext cx="0" cy="0"/>
-          <a:chOff x="0" y="0"/>
-          <a:chExt cx="0" cy="0"/>
-        </a:xfrm>
-      </p:grpSpPr>
-      <p:sp>
-        <p:nvSpPr>
-          <p:cNvPr id="2" name="Title 1"/>
-          <p:cNvSpPr>
-            <a:spLocks noGrp="1"/>
-          </p:cNvSpPr>
-          <p:nvPr>
-            <p:ph type="title"/>
-          </p:nvPr>
-        </p:nvSpPr>
-        <p:spPr/>
-        <p:txBody>
-          <a:bodyPr/>
-          <a:lstStyle/>
-          <a:p>
-            <a:r>
-              <a:rPr lang="en-US" dirty="0" smtClean="0"/>
-              <a:t>Calvin</a:t>
-            </a:r>
-            <a:endParaRPr lang="en-US" dirty="0"/>
-          </a:p>
-        </p:txBody>
-      </p:sp>
-      <p:sp>
-        <p:nvSpPr>
-          <p:cNvPr id="3" name="Content Placeholder 2"/>
-          <p:cNvSpPr>
-            <a:spLocks noGrp="1"/>
-          </p:cNvSpPr>
-          <p:nvPr>
-            <p:ph idx="1"/>
-          </p:nvPr>
-        </p:nvSpPr>
-        <p:spPr>
-          <a:xfrm>
-            <a:off x="1097280" y="1845734"/>
-            <a:ext cx="10058400" cy="4023360"/>
-          </a:xfrm>
-        </p:spPr>
-        <p:txBody>
-          <a:bodyPr/>
-          <a:lstStyle/>
-          <a:p>
-            <a:pPr>
-              <a:buFont typeface="Arial" panose="020B0604020202020204" pitchFamily="34" charset="0"/>
-              <a:buChar char="•"/>
-            </a:pPr>
-            <a:r>
-              <a:rPr lang="en-US" dirty="0" smtClean="0"/>
-              <a:t> Calvin is an actor-based application environment for light-weight </a:t>
-            </a:r>
-            <a:r>
-              <a:rPr lang="en-US" dirty="0" err="1" smtClean="0"/>
-              <a:t>IoT</a:t>
-            </a:r>
-            <a:r>
-              <a:rPr lang="en-US" dirty="0" smtClean="0"/>
-              <a:t> applications. Its key components are </a:t>
-            </a:r>
-          </a:p>
-          <a:p>
-            <a:pPr lvl="1">
-              <a:buFont typeface="Arial" panose="020B0604020202020204" pitchFamily="34" charset="0"/>
-              <a:buChar char="•"/>
-            </a:pPr>
-            <a:r>
-              <a:rPr lang="en-US" dirty="0" smtClean="0"/>
-              <a:t>runtimes</a:t>
-            </a:r>
-          </a:p>
-          <a:p>
-            <a:pPr lvl="1">
-              <a:buFont typeface="Arial" panose="020B0604020202020204" pitchFamily="34" charset="0"/>
-              <a:buChar char="•"/>
-            </a:pPr>
-            <a:r>
-              <a:rPr lang="en-US" dirty="0"/>
-              <a:t>a</a:t>
-            </a:r>
-            <a:r>
-              <a:rPr lang="en-US" dirty="0" smtClean="0"/>
-              <a:t>ctors</a:t>
-            </a:r>
-          </a:p>
-          <a:p>
-            <a:pPr lvl="1">
-              <a:buFont typeface="Arial" panose="020B0604020202020204" pitchFamily="34" charset="0"/>
-              <a:buChar char="•"/>
-            </a:pPr>
-            <a:r>
-              <a:rPr lang="en-US" dirty="0"/>
-              <a:t>a</a:t>
-            </a:r>
-            <a:r>
-              <a:rPr lang="en-US" dirty="0" smtClean="0"/>
-              <a:t>pplications</a:t>
-            </a:r>
-          </a:p>
-          <a:p>
-            <a:pPr lvl="1">
-              <a:buFont typeface="Arial" panose="020B0604020202020204" pitchFamily="34" charset="0"/>
-              <a:buChar char="•"/>
-            </a:pPr>
-            <a:r>
-              <a:rPr lang="en-US" dirty="0" smtClean="0"/>
-              <a:t>and the use of </a:t>
-            </a:r>
-            <a:r>
-              <a:rPr lang="en-US" dirty="0" err="1" smtClean="0"/>
-              <a:t>Kademlia</a:t>
-            </a:r>
-            <a:r>
-              <a:rPr lang="en-US" dirty="0" smtClean="0"/>
-              <a:t>, a distributed hash table</a:t>
-            </a:r>
-          </a:p>
-        </p:txBody>
-      </p:sp>
-    </p:spTree>
-    <p:extLst>
-      <p:ext uri="{BB962C8B-B14F-4D97-AF65-F5344CB8AC3E}">
-        <p14:creationId xmlns:p14="http://schemas.microsoft.com/office/powerpoint/2010/main" val="1337557887"/>
-      </p:ext>
-    </p:extLst>
-  </p:cSld>
-  <p:clrMapOvr>
-    <a:masterClrMapping/>
-  </p:clrMapOvr>
-  <p:timing>
-    <p:tnLst>
-      <p:par>
-        <p:cTn id="1" dur="indefinite" restart="never" nodeType="tmRoot"/>
-      </p:par>
-    </p:tnLst>
-  </p:timing>
-</p:sld>
-</file>
-
 <file path=ppt/slides/slide34.xml><?xml version="1.0" encoding="utf-8"?>
 <p:sld xmlns:a="http://schemas.openxmlformats.org/drawingml/2006/main" xmlns:r="http://schemas.openxmlformats.org/officeDocument/2006/relationships" xmlns:p="http://schemas.openxmlformats.org/presentationml/2006/main">
   <p:cSld>
@@ -9684,7 +9993,19 @@
           <a:p>
             <a:r>
               <a:rPr lang="en-US" dirty="0" smtClean="0"/>
-              <a:t>Calvin - runtime</a:t>
+              <a:t>Expressing time </a:t>
+            </a:r>
+            <a:r>
+              <a:rPr lang="en-US" i="1" dirty="0" smtClean="0"/>
+              <a:t>t</a:t>
+            </a:r>
+            <a:r>
+              <a:rPr lang="en-US" dirty="0" smtClean="0"/>
+              <a:t> cont</a:t>
+            </a:r>
+            <a:r>
+              <a:rPr lang="en-US" dirty="0" smtClean="0"/>
+              <a:t>’d</a:t>
             </a:r>
             <a:endParaRPr lang="en-US" dirty="0"/>
           </a:p>
@@ -9706,55 +10027,154 @@
           <a:lstStyle/>
           <a:p>
             <a:pPr>
-              <a:buFont typeface="Arial" panose="020B0604020202020204" pitchFamily="34" charset="0"/>
+              <a:buFont typeface="Arial" charset="0"/>
               <a:buChar char="•"/>
             </a:pPr>
             <a:r>
-              <a:rPr lang="en-US" dirty="0" smtClean="0"/>
-              <a:t> A Calvin runtime </a:t>
-            </a:r>
-            <a:r>
-              <a:rPr lang="en-US" dirty="0"/>
-              <a:t>is a self-managed container for application </a:t>
-            </a:r>
-            <a:r>
-              <a:rPr lang="en-US" dirty="0" smtClean="0"/>
-              <a:t>actors</a:t>
+              <a:rPr lang="sv-SE" dirty="0" smtClean="0"/>
+              <a:t>To </a:t>
+            </a:r>
+            <a:r>
+              <a:rPr lang="sv-SE" dirty="0" err="1" smtClean="0"/>
+              <a:t>find</a:t>
+            </a:r>
+            <a:r>
+              <a:rPr lang="sv-SE" dirty="0" smtClean="0"/>
+              <a:t> a </a:t>
+            </a:r>
+            <a:r>
+              <a:rPr lang="sv-SE" dirty="0" err="1" smtClean="0"/>
+              <a:t>value</a:t>
+            </a:r>
+            <a:r>
+              <a:rPr lang="sv-SE" dirty="0" smtClean="0"/>
+              <a:t> for TR, the </a:t>
+            </a:r>
+            <a:r>
+              <a:rPr lang="sv-SE" dirty="0" err="1" smtClean="0"/>
+              <a:t>previously</a:t>
+            </a:r>
+            <a:r>
+              <a:rPr lang="sv-SE" dirty="0" smtClean="0"/>
+              <a:t> </a:t>
+            </a:r>
+            <a:r>
+              <a:rPr lang="sv-SE" dirty="0" err="1" smtClean="0"/>
+              <a:t>registered</a:t>
+            </a:r>
+            <a:r>
+              <a:rPr lang="sv-SE" dirty="0" smtClean="0"/>
+              <a:t> </a:t>
+            </a:r>
+            <a:r>
+              <a:rPr lang="sv-SE" dirty="0" err="1" smtClean="0"/>
+              <a:t>values</a:t>
+            </a:r>
+            <a:r>
+              <a:rPr lang="sv-SE" dirty="0" smtClean="0"/>
+              <a:t> </a:t>
+            </a:r>
+            <a:r>
+              <a:rPr lang="sv-SE" dirty="0" err="1" smtClean="0"/>
+              <a:t>are</a:t>
+            </a:r>
+            <a:r>
+              <a:rPr lang="sv-SE" dirty="0" smtClean="0"/>
+              <a:t> </a:t>
+            </a:r>
+            <a:r>
+              <a:rPr lang="sv-SE" dirty="0" err="1" smtClean="0"/>
+              <a:t>used</a:t>
+            </a:r>
+            <a:r>
+              <a:rPr lang="sv-SE" dirty="0" smtClean="0"/>
+              <a:t> to </a:t>
+            </a:r>
+            <a:r>
+              <a:rPr lang="sv-SE" dirty="0" err="1" smtClean="0"/>
+              <a:t>find</a:t>
+            </a:r>
+            <a:r>
+              <a:rPr lang="sv-SE" dirty="0" smtClean="0"/>
+              <a:t> the </a:t>
+            </a:r>
+            <a:r>
+              <a:rPr lang="sv-SE" dirty="0" err="1" smtClean="0"/>
+              <a:t>shape</a:t>
+            </a:r>
+            <a:r>
+              <a:rPr lang="sv-SE" dirty="0" smtClean="0"/>
+              <a:t> parameters for the log-</a:t>
+            </a:r>
+            <a:r>
+              <a:rPr lang="sv-SE" dirty="0" err="1" smtClean="0"/>
+              <a:t>logistic</a:t>
+            </a:r>
+            <a:r>
+              <a:rPr lang="sv-SE" dirty="0" smtClean="0"/>
+              <a:t> distribution, </a:t>
+            </a:r>
+            <a:r>
+              <a:rPr lang="sv-SE" dirty="0" err="1" smtClean="0"/>
+              <a:t>after</a:t>
+            </a:r>
+            <a:r>
+              <a:rPr lang="sv-SE" dirty="0" smtClean="0"/>
+              <a:t> </a:t>
+            </a:r>
+            <a:r>
+              <a:rPr lang="sv-SE" dirty="0" err="1" smtClean="0"/>
+              <a:t>which</a:t>
+            </a:r>
+            <a:r>
+              <a:rPr lang="sv-SE" dirty="0" smtClean="0"/>
+              <a:t> the 95th </a:t>
+            </a:r>
+            <a:r>
+              <a:rPr lang="sv-SE" dirty="0" err="1" smtClean="0"/>
+              <a:t>percentile</a:t>
+            </a:r>
+            <a:r>
+              <a:rPr lang="sv-SE" dirty="0" smtClean="0"/>
+              <a:t> </a:t>
+            </a:r>
+            <a:r>
+              <a:rPr lang="sv-SE" dirty="0" err="1" smtClean="0"/>
+              <a:t>value</a:t>
+            </a:r>
+            <a:r>
+              <a:rPr lang="sv-SE" dirty="0" smtClean="0"/>
+              <a:t> is </a:t>
+            </a:r>
+            <a:r>
+              <a:rPr lang="sv-SE" dirty="0" err="1" smtClean="0"/>
+              <a:t>used</a:t>
+            </a:r>
+            <a:r>
+              <a:rPr lang="sv-SE" dirty="0" smtClean="0"/>
+              <a:t>.</a:t>
             </a:r>
           </a:p>
           <a:p>
             <a:pPr>
-              <a:buFont typeface="Arial" panose="020B0604020202020204" pitchFamily="34" charset="0"/>
+              <a:buFont typeface="Arial" charset="0"/>
               <a:buChar char="•"/>
             </a:pPr>
-            <a:r>
-              <a:rPr lang="en-US" dirty="0" smtClean="0"/>
-              <a:t> Provides </a:t>
-            </a:r>
-            <a:r>
-              <a:rPr lang="en-US" dirty="0"/>
-              <a:t>data transport between actors both within the same runtime and between </a:t>
-            </a:r>
-            <a:r>
-              <a:rPr lang="en-US" dirty="0" smtClean="0"/>
-              <a:t>different </a:t>
-            </a:r>
-            <a:r>
-              <a:rPr lang="en-US" dirty="0"/>
-              <a:t>runtimes</a:t>
-            </a:r>
-            <a:r>
-              <a:rPr lang="en-US" dirty="0" smtClean="0"/>
-              <a:t>.</a:t>
-            </a:r>
-            <a:endParaRPr lang="en-US" dirty="0"/>
+            <a:endParaRPr lang="sv-SE" dirty="0"/>
+          </a:p>
+          <a:p>
+            <a:pPr>
+              <a:buFont typeface="Arial" charset="0"/>
+              <a:buChar char="•"/>
+            </a:pPr>
+            <a:endParaRPr lang="sv-SE" dirty="0" smtClean="0"/>
           </a:p>
         </p:txBody>
       </p:sp>
     </p:spTree>
     <p:extLst>
       <p:ext uri="{BB962C8B-B14F-4D97-AF65-F5344CB8AC3E}">
-        <p14:creationId xmlns:p14="http://schemas.microsoft.com/office/powerpoint/2010/main" val="1184745539"/>
+        <p14:creationId xmlns:p14="http://schemas.microsoft.com/office/powerpoint/2010/main" val="911897559"/>
       </p:ext>
     </p:extLst>
   </p:cSld>
@@ -9805,6 +10225,282 @@
           <a:p>
             <a:r>
               <a:rPr lang="en-US" dirty="0" smtClean="0"/>
+              <a:t>Calvin</a:t>
+            </a:r>
+            <a:endParaRPr lang="en-US" dirty="0"/>
+          </a:p>
+        </p:txBody>
+      </p:sp>
+      <p:sp>
+        <p:nvSpPr>
+          <p:cNvPr id="3" name="Content Placeholder 2"/>
+          <p:cNvSpPr>
+            <a:spLocks noGrp="1"/>
+          </p:cNvSpPr>
+          <p:nvPr>
+            <p:ph idx="1"/>
+          </p:nvPr>
+        </p:nvSpPr>
+        <p:spPr>
+          <a:xfrm>
+            <a:off x="1097280" y="1845734"/>
+            <a:ext cx="10058400" cy="4023360"/>
+          </a:xfrm>
+        </p:spPr>
+        <p:txBody>
+          <a:bodyPr/>
+          <a:lstStyle/>
+          <a:p>
+            <a:pPr>
+              <a:buFont typeface="Arial" panose="020B0604020202020204" pitchFamily="34" charset="0"/>
+              <a:buChar char="•"/>
+            </a:pPr>
+            <a:r>
+              <a:rPr lang="en-US" dirty="0" smtClean="0"/>
+              <a:t> Calvin is an actor-based application environment for light-weight </a:t>
+            </a:r>
+            <a:r>
+              <a:rPr lang="en-US" dirty="0" err="1" smtClean="0"/>
+              <a:t>IoT</a:t>
+            </a:r>
+            <a:r>
+              <a:rPr lang="en-US" dirty="0" smtClean="0"/>
+              <a:t> applications. Its key components are </a:t>
+            </a:r>
+          </a:p>
+          <a:p>
+            <a:pPr lvl="1">
+              <a:buFont typeface="Arial" panose="020B0604020202020204" pitchFamily="34" charset="0"/>
+              <a:buChar char="•"/>
+            </a:pPr>
+            <a:r>
+              <a:rPr lang="en-US" dirty="0" smtClean="0"/>
+              <a:t>runtimes</a:t>
+            </a:r>
+          </a:p>
+          <a:p>
+            <a:pPr lvl="1">
+              <a:buFont typeface="Arial" panose="020B0604020202020204" pitchFamily="34" charset="0"/>
+              <a:buChar char="•"/>
+            </a:pPr>
+            <a:r>
+              <a:rPr lang="en-US" dirty="0"/>
+              <a:t>a</a:t>
+            </a:r>
+            <a:r>
+              <a:rPr lang="en-US" dirty="0" smtClean="0"/>
+              <a:t>ctors</a:t>
+            </a:r>
+          </a:p>
+          <a:p>
+            <a:pPr lvl="1">
+              <a:buFont typeface="Arial" panose="020B0604020202020204" pitchFamily="34" charset="0"/>
+              <a:buChar char="•"/>
+            </a:pPr>
+            <a:r>
+              <a:rPr lang="en-US" dirty="0"/>
+              <a:t>a</a:t>
+            </a:r>
+            <a:r>
+              <a:rPr lang="en-US" dirty="0" smtClean="0"/>
+              <a:t>pplications</a:t>
+            </a:r>
+          </a:p>
+          <a:p>
+            <a:pPr lvl="1">
+              <a:buFont typeface="Arial" panose="020B0604020202020204" pitchFamily="34" charset="0"/>
+              <a:buChar char="•"/>
+            </a:pPr>
+            <a:r>
+              <a:rPr lang="en-US" dirty="0" smtClean="0"/>
+              <a:t>and the use of </a:t>
+            </a:r>
+            <a:r>
+              <a:rPr lang="en-US" dirty="0" err="1" smtClean="0"/>
+              <a:t>Kademlia</a:t>
+            </a:r>
+            <a:r>
+              <a:rPr lang="en-US" dirty="0" smtClean="0"/>
+              <a:t>, a distributed hash table</a:t>
+            </a:r>
+          </a:p>
+        </p:txBody>
+      </p:sp>
+    </p:spTree>
+    <p:extLst>
+      <p:ext uri="{BB962C8B-B14F-4D97-AF65-F5344CB8AC3E}">
+        <p14:creationId xmlns:p14="http://schemas.microsoft.com/office/powerpoint/2010/main" val="1337557887"/>
+      </p:ext>
+    </p:extLst>
+  </p:cSld>
+  <p:clrMapOvr>
+    <a:masterClrMapping/>
+  </p:clrMapOvr>
+  <p:timing>
+    <p:tnLst>
+      <p:par>
+        <p:cTn id="1" dur="indefinite" restart="never" nodeType="tmRoot"/>
+      </p:par>
+    </p:tnLst>
+  </p:timing>
+</p:sld>
+</file>
+
+<file path=ppt/slides/slide36.xml><?xml version="1.0" encoding="utf-8"?>
+<p:sld xmlns:a="http://schemas.openxmlformats.org/drawingml/2006/main" xmlns:r="http://schemas.openxmlformats.org/officeDocument/2006/relationships" xmlns:p="http://schemas.openxmlformats.org/presentationml/2006/main">
+  <p:cSld>
+    <p:spTree>
+      <p:nvGrpSpPr>
+        <p:cNvPr id="1" name=""/>
+        <p:cNvGrpSpPr/>
+        <p:nvPr/>
+      </p:nvGrpSpPr>
+      <p:grpSpPr>
+        <a:xfrm>
+          <a:off x="0" y="0"/>
+          <a:ext cx="0" cy="0"/>
+          <a:chOff x="0" y="0"/>
+          <a:chExt cx="0" cy="0"/>
+        </a:xfrm>
+      </p:grpSpPr>
+      <p:sp>
+        <p:nvSpPr>
+          <p:cNvPr id="2" name="Title 1"/>
+          <p:cNvSpPr>
+            <a:spLocks noGrp="1"/>
+          </p:cNvSpPr>
+          <p:nvPr>
+            <p:ph type="title"/>
+          </p:nvPr>
+        </p:nvSpPr>
+        <p:spPr/>
+        <p:txBody>
+          <a:bodyPr/>
+          <a:lstStyle/>
+          <a:p>
+            <a:r>
+              <a:rPr lang="en-US" dirty="0" smtClean="0"/>
+              <a:t>Calvin - runtime</a:t>
+            </a:r>
+            <a:endParaRPr lang="en-US" dirty="0"/>
+          </a:p>
+        </p:txBody>
+      </p:sp>
+      <p:sp>
+        <p:nvSpPr>
+          <p:cNvPr id="3" name="Content Placeholder 2"/>
+          <p:cNvSpPr>
+            <a:spLocks noGrp="1"/>
+          </p:cNvSpPr>
+          <p:nvPr>
+            <p:ph idx="1"/>
+          </p:nvPr>
+        </p:nvSpPr>
+        <p:spPr/>
+        <p:txBody>
+          <a:bodyPr/>
+          <a:lstStyle/>
+          <a:p>
+            <a:pPr>
+              <a:buFont typeface="Arial" panose="020B0604020202020204" pitchFamily="34" charset="0"/>
+              <a:buChar char="•"/>
+            </a:pPr>
+            <a:r>
+              <a:rPr lang="en-US" dirty="0" smtClean="0"/>
+              <a:t> A Calvin runtime </a:t>
+            </a:r>
+            <a:r>
+              <a:rPr lang="en-US" dirty="0"/>
+              <a:t>is a self-managed container for application </a:t>
+            </a:r>
+            <a:r>
+              <a:rPr lang="en-US" dirty="0" smtClean="0"/>
+              <a:t>actors</a:t>
+            </a:r>
+          </a:p>
+          <a:p>
+            <a:pPr>
+              <a:buFont typeface="Arial" panose="020B0604020202020204" pitchFamily="34" charset="0"/>
+              <a:buChar char="•"/>
+            </a:pPr>
+            <a:r>
+              <a:rPr lang="en-US" dirty="0" smtClean="0"/>
+              <a:t> Provides </a:t>
+            </a:r>
+            <a:r>
+              <a:rPr lang="en-US" dirty="0"/>
+              <a:t>data transport between actors both within the same runtime and between </a:t>
+            </a:r>
+            <a:r>
+              <a:rPr lang="en-US" dirty="0" smtClean="0"/>
+              <a:t>different </a:t>
+            </a:r>
+            <a:r>
+              <a:rPr lang="en-US" dirty="0"/>
+              <a:t>runtimes</a:t>
+            </a:r>
+            <a:r>
+              <a:rPr lang="en-US" dirty="0" smtClean="0"/>
+              <a:t>.</a:t>
+            </a:r>
+            <a:endParaRPr lang="en-US" dirty="0"/>
+          </a:p>
+        </p:txBody>
+      </p:sp>
+    </p:spTree>
+    <p:extLst>
+      <p:ext uri="{BB962C8B-B14F-4D97-AF65-F5344CB8AC3E}">
+        <p14:creationId xmlns:p14="http://schemas.microsoft.com/office/powerpoint/2010/main" val="1184745539"/>
+      </p:ext>
+    </p:extLst>
+  </p:cSld>
+  <p:clrMapOvr>
+    <a:masterClrMapping/>
+  </p:clrMapOvr>
+  <p:timing>
+    <p:tnLst>
+      <p:par>
+        <p:cTn id="1" dur="indefinite" restart="never" nodeType="tmRoot"/>
+      </p:par>
+    </p:tnLst>
+  </p:timing>
+</p:sld>
+</file>
+
+<file path=ppt/slides/slide37.xml><?xml version="1.0" encoding="utf-8"?>
+<p:sld xmlns:a="http://schemas.openxmlformats.org/drawingml/2006/main" xmlns:r="http://schemas.openxmlformats.org/officeDocument/2006/relationships" xmlns:p="http://schemas.openxmlformats.org/presentationml/2006/main">
+  <p:cSld>
+    <p:spTree>
+      <p:nvGrpSpPr>
+        <p:cNvPr id="1" name=""/>
+        <p:cNvGrpSpPr/>
+        <p:nvPr/>
+      </p:nvGrpSpPr>
+      <p:grpSpPr>
+        <a:xfrm>
+          <a:off x="0" y="0"/>
+          <a:ext cx="0" cy="0"/>
+          <a:chOff x="0" y="0"/>
+          <a:chExt cx="0" cy="0"/>
+        </a:xfrm>
+      </p:grpSpPr>
+      <p:sp>
+        <p:nvSpPr>
+          <p:cNvPr id="2" name="Title 1"/>
+          <p:cNvSpPr>
+            <a:spLocks noGrp="1"/>
+          </p:cNvSpPr>
+          <p:nvPr>
+            <p:ph type="title"/>
+          </p:nvPr>
+        </p:nvSpPr>
+        <p:spPr/>
+        <p:txBody>
+          <a:bodyPr/>
+          <a:lstStyle/>
+          <a:p>
+            <a:r>
+              <a:rPr lang="en-US" dirty="0" smtClean="0"/>
               <a:t>Calvin - actor</a:t>
             </a:r>
             <a:endParaRPr lang="en-US" dirty="0"/>
@@ -9925,7 +10621,7 @@
 </p:sld>
 </file>
 
-<file path=ppt/slides/slide36.xml><?xml version="1.0" encoding="utf-8"?>
+<file path=ppt/slides/slide38.xml><?xml version="1.0" encoding="utf-8"?>
 <p:sld xmlns:a="http://schemas.openxmlformats.org/drawingml/2006/main" xmlns:r="http://schemas.openxmlformats.org/officeDocument/2006/relationships" xmlns:p="http://schemas.openxmlformats.org/presentationml/2006/main">
   <p:cSld>
     <p:spTree>
@@ -10229,7 +10925,7 @@
 </p:sld>
 </file>
 
-<file path=ppt/slides/slide37.xml><?xml version="1.0" encoding="utf-8"?>
+<file path=ppt/slides/slide39.xml><?xml version="1.0" encoding="utf-8"?>
 <p:sld xmlns:a="http://schemas.openxmlformats.org/drawingml/2006/main" xmlns:r="http://schemas.openxmlformats.org/officeDocument/2006/relationships" xmlns:p="http://schemas.openxmlformats.org/presentationml/2006/main">
   <p:cSld>
     <p:spTree>
@@ -10427,7 +11123,7 @@
 </p:sld>
 </file>
 
-<file path=ppt/slides/slide38.xml><?xml version="1.0" encoding="utf-8"?>
+<file path=ppt/slides/slide4.xml><?xml version="1.0" encoding="utf-8"?>
 <p:sld xmlns:a="http://schemas.openxmlformats.org/drawingml/2006/main" xmlns:r="http://schemas.openxmlformats.org/officeDocument/2006/relationships" xmlns:p="http://schemas.openxmlformats.org/presentationml/2006/main">
   <p:cSld>
     <p:spTree>
@@ -10461,6 +11157,180 @@
           <a:p>
             <a:r>
               <a:rPr lang="en-US" dirty="0" smtClean="0"/>
+              <a:t>Goal</a:t>
+            </a:r>
+            <a:endParaRPr lang="en-US" dirty="0"/>
+          </a:p>
+        </p:txBody>
+      </p:sp>
+      <p:sp>
+        <p:nvSpPr>
+          <p:cNvPr id="3" name="Content Placeholder 2"/>
+          <p:cNvSpPr>
+            <a:spLocks noGrp="1"/>
+          </p:cNvSpPr>
+          <p:nvPr>
+            <p:ph idx="1"/>
+          </p:nvPr>
+        </p:nvSpPr>
+        <p:spPr/>
+        <p:txBody>
+          <a:bodyPr/>
+          <a:lstStyle/>
+          <a:p>
+            <a:pPr>
+              <a:lnSpc>
+                <a:spcPct val="100000"/>
+              </a:lnSpc>
+              <a:spcBef>
+                <a:spcPts val="0"/>
+              </a:spcBef>
+              <a:spcAft>
+                <a:spcPts val="0"/>
+              </a:spcAft>
+              <a:buClrTx/>
+              <a:buSzTx/>
+            </a:pPr>
+            <a:r>
+              <a:rPr lang="en-US" dirty="0" smtClean="0"/>
+              <a:t>Devise a method for dynamically ensuring a certain reliability level applications or services running in distributed environments.</a:t>
+            </a:r>
+          </a:p>
+          <a:p>
+            <a:pPr>
+              <a:lnSpc>
+                <a:spcPct val="100000"/>
+              </a:lnSpc>
+              <a:spcBef>
+                <a:spcPts val="0"/>
+              </a:spcBef>
+              <a:spcAft>
+                <a:spcPts val="0"/>
+              </a:spcAft>
+              <a:buClrTx/>
+              <a:buSzTx/>
+            </a:pPr>
+            <a:endParaRPr lang="en-US" dirty="0"/>
+          </a:p>
+          <a:p>
+            <a:pPr marL="457200" indent="-457200">
+              <a:lnSpc>
+                <a:spcPct val="100000"/>
+              </a:lnSpc>
+              <a:spcBef>
+                <a:spcPts val="0"/>
+              </a:spcBef>
+              <a:spcAft>
+                <a:spcPts val="0"/>
+              </a:spcAft>
+              <a:buClrTx/>
+              <a:buSzTx/>
+              <a:buFont typeface="+mj-lt"/>
+              <a:buAutoNum type="arabicPeriod"/>
+            </a:pPr>
+            <a:r>
+              <a:rPr lang="en-US" dirty="0" smtClean="0"/>
+              <a:t>Design a model for expressing the reliability for an application running in a distributed environment</a:t>
+            </a:r>
+          </a:p>
+          <a:p>
+            <a:pPr marL="457200" indent="-457200">
+              <a:lnSpc>
+                <a:spcPct val="100000"/>
+              </a:lnSpc>
+              <a:spcBef>
+                <a:spcPts val="0"/>
+              </a:spcBef>
+              <a:spcAft>
+                <a:spcPts val="0"/>
+              </a:spcAft>
+              <a:buClrTx/>
+              <a:buSzTx/>
+              <a:buFont typeface="+mj-lt"/>
+              <a:buAutoNum type="arabicPeriod"/>
+            </a:pPr>
+            <a:r>
+              <a:rPr lang="en-US" dirty="0" smtClean="0"/>
+              <a:t>Design a framework which dynamically ensures a certain level of reliability by replicating tasks, detecting node failures, and adapting to changing system properties</a:t>
+            </a:r>
+          </a:p>
+          <a:p>
+            <a:pPr marL="457200" indent="-457200">
+              <a:lnSpc>
+                <a:spcPct val="100000"/>
+              </a:lnSpc>
+              <a:spcBef>
+                <a:spcPts val="0"/>
+              </a:spcBef>
+              <a:spcAft>
+                <a:spcPts val="0"/>
+              </a:spcAft>
+              <a:buClrTx/>
+              <a:buFont typeface="+mj-lt"/>
+              <a:buAutoNum type="arabicPeriod"/>
+            </a:pPr>
+            <a:r>
+              <a:rPr lang="en-US" dirty="0" smtClean="0"/>
+              <a:t>Implement and evaluate model using Calvin</a:t>
+            </a:r>
+            <a:endParaRPr lang="en-US" dirty="0"/>
+          </a:p>
+        </p:txBody>
+      </p:sp>
+    </p:spTree>
+    <p:extLst>
+      <p:ext uri="{BB962C8B-B14F-4D97-AF65-F5344CB8AC3E}">
+        <p14:creationId xmlns:p14="http://schemas.microsoft.com/office/powerpoint/2010/main" val="1070146524"/>
+      </p:ext>
+    </p:extLst>
+  </p:cSld>
+  <p:clrMapOvr>
+    <a:masterClrMapping/>
+  </p:clrMapOvr>
+  <p:timing>
+    <p:tnLst>
+      <p:par>
+        <p:cTn id="1" dur="indefinite" restart="never" nodeType="tmRoot"/>
+      </p:par>
+    </p:tnLst>
+  </p:timing>
+</p:sld>
+</file>
+
+<file path=ppt/slides/slide40.xml><?xml version="1.0" encoding="utf-8"?>
+<p:sld xmlns:a="http://schemas.openxmlformats.org/drawingml/2006/main" xmlns:r="http://schemas.openxmlformats.org/officeDocument/2006/relationships" xmlns:p="http://schemas.openxmlformats.org/presentationml/2006/main">
+  <p:cSld>
+    <p:spTree>
+      <p:nvGrpSpPr>
+        <p:cNvPr id="1" name=""/>
+        <p:cNvGrpSpPr/>
+        <p:nvPr/>
+      </p:nvGrpSpPr>
+      <p:grpSpPr>
+        <a:xfrm>
+          <a:off x="0" y="0"/>
+          <a:ext cx="0" cy="0"/>
+          <a:chOff x="0" y="0"/>
+          <a:chExt cx="0" cy="0"/>
+        </a:xfrm>
+      </p:grpSpPr>
+      <p:sp>
+        <p:nvSpPr>
+          <p:cNvPr id="2" name="Title 1"/>
+          <p:cNvSpPr>
+            <a:spLocks noGrp="1"/>
+          </p:cNvSpPr>
+          <p:nvPr>
+            <p:ph type="title"/>
+          </p:nvPr>
+        </p:nvSpPr>
+        <p:spPr/>
+        <p:txBody>
+          <a:bodyPr/>
+          <a:lstStyle/>
+          <a:p>
+            <a:r>
+              <a:rPr lang="en-US" dirty="0" smtClean="0"/>
               <a:t>Experiments</a:t>
             </a:r>
             <a:endParaRPr lang="en-US" dirty="0"/>
@@ -10560,7 +11430,7 @@
 </p:sld>
 </file>
 
-<file path=ppt/slides/slide39.xml><?xml version="1.0" encoding="utf-8"?>
+<file path=ppt/slides/slide41.xml><?xml version="1.0" encoding="utf-8"?>
 <p:sld xmlns:a="http://schemas.openxmlformats.org/drawingml/2006/main" xmlns:r="http://schemas.openxmlformats.org/officeDocument/2006/relationships" xmlns:p="http://schemas.openxmlformats.org/presentationml/2006/main">
   <p:cSld>
     <p:spTree>
@@ -10823,181 +11693,7 @@
 </p:sld>
 </file>
 
-<file path=ppt/slides/slide4.xml><?xml version="1.0" encoding="utf-8"?>
-<p:sld xmlns:a="http://schemas.openxmlformats.org/drawingml/2006/main" xmlns:r="http://schemas.openxmlformats.org/officeDocument/2006/relationships" xmlns:p="http://schemas.openxmlformats.org/presentationml/2006/main">
-  <p:cSld>
-    <p:spTree>
-      <p:nvGrpSpPr>
-        <p:cNvPr id="1" name=""/>
-        <p:cNvGrpSpPr/>
-        <p:nvPr/>
-      </p:nvGrpSpPr>
-      <p:grpSpPr>
-        <a:xfrm>
-          <a:off x="0" y="0"/>
-          <a:ext cx="0" cy="0"/>
-          <a:chOff x="0" y="0"/>
-          <a:chExt cx="0" cy="0"/>
-        </a:xfrm>
-      </p:grpSpPr>
-      <p:sp>
-        <p:nvSpPr>
-          <p:cNvPr id="2" name="Title 1"/>
-          <p:cNvSpPr>
-            <a:spLocks noGrp="1"/>
-          </p:cNvSpPr>
-          <p:nvPr>
-            <p:ph type="title"/>
-          </p:nvPr>
-        </p:nvSpPr>
-        <p:spPr/>
-        <p:txBody>
-          <a:bodyPr/>
-          <a:lstStyle/>
-          <a:p>
-            <a:r>
-              <a:rPr lang="en-US" dirty="0" smtClean="0"/>
-              <a:t>Goal</a:t>
-            </a:r>
-            <a:endParaRPr lang="en-US" dirty="0"/>
-          </a:p>
-        </p:txBody>
-      </p:sp>
-      <p:sp>
-        <p:nvSpPr>
-          <p:cNvPr id="3" name="Content Placeholder 2"/>
-          <p:cNvSpPr>
-            <a:spLocks noGrp="1"/>
-          </p:cNvSpPr>
-          <p:nvPr>
-            <p:ph idx="1"/>
-          </p:nvPr>
-        </p:nvSpPr>
-        <p:spPr/>
-        <p:txBody>
-          <a:bodyPr/>
-          <a:lstStyle/>
-          <a:p>
-            <a:pPr>
-              <a:lnSpc>
-                <a:spcPct val="100000"/>
-              </a:lnSpc>
-              <a:spcBef>
-                <a:spcPts val="0"/>
-              </a:spcBef>
-              <a:spcAft>
-                <a:spcPts val="0"/>
-              </a:spcAft>
-              <a:buClrTx/>
-              <a:buSzTx/>
-            </a:pPr>
-            <a:r>
-              <a:rPr lang="en-US" dirty="0" smtClean="0"/>
-              <a:t>Devise a method for dynamically ensuring a certain reliability level applications or services running in distributed environments.</a:t>
-            </a:r>
-          </a:p>
-          <a:p>
-            <a:pPr>
-              <a:lnSpc>
-                <a:spcPct val="100000"/>
-              </a:lnSpc>
-              <a:spcBef>
-                <a:spcPts val="0"/>
-              </a:spcBef>
-              <a:spcAft>
-                <a:spcPts val="0"/>
-              </a:spcAft>
-              <a:buClrTx/>
-              <a:buSzTx/>
-            </a:pPr>
-            <a:endParaRPr lang="en-US" dirty="0"/>
-          </a:p>
-          <a:p>
-            <a:pPr marL="457200" indent="-457200">
-              <a:lnSpc>
-                <a:spcPct val="100000"/>
-              </a:lnSpc>
-              <a:spcBef>
-                <a:spcPts val="0"/>
-              </a:spcBef>
-              <a:spcAft>
-                <a:spcPts val="0"/>
-              </a:spcAft>
-              <a:buClrTx/>
-              <a:buSzTx/>
-              <a:buFont typeface="+mj-lt"/>
-              <a:buAutoNum type="arabicPeriod"/>
-            </a:pPr>
-            <a:r>
-              <a:rPr lang="en-US" dirty="0" smtClean="0"/>
-              <a:t>Design a model for expressing the reliability for an application running in a distributed environment</a:t>
-            </a:r>
-          </a:p>
-          <a:p>
-            <a:pPr marL="457200" indent="-457200">
-              <a:lnSpc>
-                <a:spcPct val="100000"/>
-              </a:lnSpc>
-              <a:spcBef>
-                <a:spcPts val="0"/>
-              </a:spcBef>
-              <a:spcAft>
-                <a:spcPts val="0"/>
-              </a:spcAft>
-              <a:buClrTx/>
-              <a:buSzTx/>
-              <a:buFont typeface="+mj-lt"/>
-              <a:buAutoNum type="arabicPeriod"/>
-            </a:pPr>
-            <a:r>
-              <a:rPr lang="en-US" dirty="0" smtClean="0"/>
-              <a:t>Design a framework which dynamically ensures a certain level of reliability by replicating tasks, detecting node failures, and adapting to changing system properties</a:t>
-            </a:r>
-          </a:p>
-          <a:p>
-            <a:pPr marL="457200" indent="-457200">
-              <a:lnSpc>
-                <a:spcPct val="100000"/>
-              </a:lnSpc>
-              <a:spcBef>
-                <a:spcPts val="0"/>
-              </a:spcBef>
-              <a:spcAft>
-                <a:spcPts val="0"/>
-              </a:spcAft>
-              <a:buClrTx/>
-              <a:buFont typeface="+mj-lt"/>
-              <a:buAutoNum type="arabicPeriod"/>
-            </a:pPr>
-            <a:r>
-              <a:rPr lang="en-US" dirty="0" smtClean="0"/>
-              <a:t>Implement and evaluate model using Calvin</a:t>
-            </a:r>
-            <a:endParaRPr lang="en-US" dirty="0"/>
-          </a:p>
-        </p:txBody>
-      </p:sp>
-    </p:spTree>
-    <p:extLst>
-      <p:ext uri="{BB962C8B-B14F-4D97-AF65-F5344CB8AC3E}">
-        <p14:creationId xmlns:p14="http://schemas.microsoft.com/office/powerpoint/2010/main" val="1070146524"/>
-      </p:ext>
-    </p:extLst>
-  </p:cSld>
-  <p:clrMapOvr>
-    <a:masterClrMapping/>
-  </p:clrMapOvr>
-  <p:timing>
-    <p:tnLst>
-      <p:par>
-        <p:cTn id="1" dur="indefinite" restart="never" nodeType="tmRoot"/>
-      </p:par>
-    </p:tnLst>
-  </p:timing>
-</p:sld>
-</file>
-
-<file path=ppt/slides/slide40.xml><?xml version="1.0" encoding="utf-8"?>
+<file path=ppt/slides/slide42.xml><?xml version="1.0" encoding="utf-8"?>
 <p:sld xmlns:a="http://schemas.openxmlformats.org/drawingml/2006/main" xmlns:r="http://schemas.openxmlformats.org/officeDocument/2006/relationships" xmlns:p="http://schemas.openxmlformats.org/presentationml/2006/main">
   <p:cSld>
     <p:spTree>
@@ -11123,7 +11819,7 @@
 </p:sld>
 </file>
 
-<file path=ppt/slides/slide41.xml><?xml version="1.0" encoding="utf-8"?>
+<file path=ppt/slides/slide43.xml><?xml version="1.0" encoding="utf-8"?>
 <p:sld xmlns:a="http://schemas.openxmlformats.org/drawingml/2006/main" xmlns:r="http://schemas.openxmlformats.org/officeDocument/2006/relationships" xmlns:p="http://schemas.openxmlformats.org/presentationml/2006/main">
   <p:cSld>
     <p:spTree>
@@ -11235,7 +11931,7 @@
 </p:sld>
 </file>
 
-<file path=ppt/slides/slide42.xml><?xml version="1.0" encoding="utf-8"?>
+<file path=ppt/slides/slide44.xml><?xml version="1.0" encoding="utf-8"?>
 <p:sld xmlns:a="http://schemas.openxmlformats.org/drawingml/2006/main" xmlns:r="http://schemas.openxmlformats.org/officeDocument/2006/relationships" xmlns:p="http://schemas.openxmlformats.org/presentationml/2006/main">
   <p:cSld>
     <p:spTree>
@@ -11350,7 +12046,7 @@
 </p:sld>
 </file>
 
-<file path=ppt/slides/slide43.xml><?xml version="1.0" encoding="utf-8"?>
+<file path=ppt/slides/slide45.xml><?xml version="1.0" encoding="utf-8"?>
 <p:sld xmlns:a="http://schemas.openxmlformats.org/drawingml/2006/main" xmlns:r="http://schemas.openxmlformats.org/officeDocument/2006/relationships" xmlns:p="http://schemas.openxmlformats.org/presentationml/2006/main">
   <p:cSld>
     <p:spTree>
@@ -11742,7 +12438,7 @@
 </p:sld>
 </file>
 
-<file path=ppt/slides/slide44.xml><?xml version="1.0" encoding="utf-8"?>
+<file path=ppt/slides/slide46.xml><?xml version="1.0" encoding="utf-8"?>
 <p:sld xmlns:a="http://schemas.openxmlformats.org/drawingml/2006/main" xmlns:r="http://schemas.openxmlformats.org/officeDocument/2006/relationships" xmlns:p="http://schemas.openxmlformats.org/presentationml/2006/main">
   <p:cSld>
     <p:spTree>
@@ -11831,7 +12527,7 @@
 </p:sld>
 </file>
 
-<file path=ppt/slides/slide45.xml><?xml version="1.0" encoding="utf-8"?>
+<file path=ppt/slides/slide47.xml><?xml version="1.0" encoding="utf-8"?>
 <p:sld xmlns:a="http://schemas.openxmlformats.org/drawingml/2006/main" xmlns:r="http://schemas.openxmlformats.org/officeDocument/2006/relationships" xmlns:p="http://schemas.openxmlformats.org/presentationml/2006/main">
   <p:cSld>
     <p:spTree>
@@ -12630,7 +13326,7 @@
 </p:sld>
 </file>
 
-<file path=ppt/slides/slide46.xml><?xml version="1.0" encoding="utf-8"?>
+<file path=ppt/slides/slide48.xml><?xml version="1.0" encoding="utf-8"?>
 <p:sld xmlns:a="http://schemas.openxmlformats.org/drawingml/2006/main" xmlns:r="http://schemas.openxmlformats.org/officeDocument/2006/relationships" xmlns:p="http://schemas.openxmlformats.org/presentationml/2006/main">
   <p:cSld>
     <p:spTree>
@@ -13715,7 +14411,7 @@
 </p:sld>
 </file>
 
-<file path=ppt/slides/slide47.xml><?xml version="1.0" encoding="utf-8"?>
+<file path=ppt/slides/slide49.xml><?xml version="1.0" encoding="utf-8"?>
 <p:sld xmlns:a="http://schemas.openxmlformats.org/drawingml/2006/main" xmlns:r="http://schemas.openxmlformats.org/officeDocument/2006/relationships" xmlns:p="http://schemas.openxmlformats.org/presentationml/2006/main">
   <p:cSld>
     <p:spTree>
@@ -13804,7 +14500,231 @@
 </p:sld>
 </file>
 
-<file path=ppt/slides/slide48.xml><?xml version="1.0" encoding="utf-8"?>
+<file path=ppt/slides/slide5.xml><?xml version="1.0" encoding="utf-8"?>
+<p:sld xmlns:a="http://schemas.openxmlformats.org/drawingml/2006/main" xmlns:r="http://schemas.openxmlformats.org/officeDocument/2006/relationships" xmlns:p="http://schemas.openxmlformats.org/presentationml/2006/main">
+  <p:cSld>
+    <p:spTree>
+      <p:nvGrpSpPr>
+        <p:cNvPr id="1" name=""/>
+        <p:cNvGrpSpPr/>
+        <p:nvPr/>
+      </p:nvGrpSpPr>
+      <p:grpSpPr>
+        <a:xfrm>
+          <a:off x="0" y="0"/>
+          <a:ext cx="0" cy="0"/>
+          <a:chOff x="0" y="0"/>
+          <a:chExt cx="0" cy="0"/>
+        </a:xfrm>
+      </p:grpSpPr>
+      <p:sp>
+        <p:nvSpPr>
+          <p:cNvPr id="2" name="Title 1"/>
+          <p:cNvSpPr>
+            <a:spLocks noGrp="1"/>
+          </p:cNvSpPr>
+          <p:nvPr>
+            <p:ph type="title"/>
+          </p:nvPr>
+        </p:nvSpPr>
+        <p:spPr/>
+        <p:txBody>
+          <a:bodyPr/>
+          <a:lstStyle/>
+          <a:p>
+            <a:r>
+              <a:rPr lang="en-US" dirty="0" smtClean="0"/>
+              <a:t>Related work</a:t>
+            </a:r>
+            <a:endParaRPr lang="en-US" dirty="0"/>
+          </a:p>
+        </p:txBody>
+      </p:sp>
+      <p:sp>
+        <p:nvSpPr>
+          <p:cNvPr id="3" name="Content Placeholder 2"/>
+          <p:cNvSpPr>
+            <a:spLocks noGrp="1"/>
+          </p:cNvSpPr>
+          <p:nvPr>
+            <p:ph idx="1"/>
+          </p:nvPr>
+        </p:nvSpPr>
+        <p:spPr/>
+        <p:txBody>
+          <a:bodyPr>
+            <a:normAutofit lnSpcReduction="10000"/>
+          </a:bodyPr>
+          <a:lstStyle/>
+          <a:p>
+            <a:pPr>
+              <a:buFont typeface="Arial" charset="0"/>
+              <a:buChar char="•"/>
+            </a:pPr>
+            <a:r>
+              <a:rPr lang="en-US" dirty="0" smtClean="0"/>
+              <a:t>Common assumptions:</a:t>
+            </a:r>
+          </a:p>
+          <a:p>
+            <a:pPr lvl="1">
+              <a:buFont typeface="Arial" charset="0"/>
+              <a:buChar char="•"/>
+            </a:pPr>
+            <a:r>
+              <a:rPr lang="en-US" dirty="0"/>
+              <a:t>Each component in the system has only two states: </a:t>
+            </a:r>
+            <a:r>
+              <a:rPr lang="en-US" i="1" dirty="0"/>
+              <a:t>operational</a:t>
+            </a:r>
+            <a:r>
+              <a:rPr lang="en-US" dirty="0"/>
+              <a:t> or </a:t>
+            </a:r>
+            <a:r>
+              <a:rPr lang="en-US" i="1" dirty="0" smtClean="0"/>
+              <a:t>failed</a:t>
+            </a:r>
+          </a:p>
+          <a:p>
+            <a:pPr lvl="1">
+              <a:buFont typeface="Arial" charset="0"/>
+              <a:buChar char="•"/>
+            </a:pPr>
+            <a:r>
+              <a:rPr lang="en-US" dirty="0" smtClean="0"/>
+              <a:t>Constant </a:t>
+            </a:r>
+            <a:r>
+              <a:rPr lang="en-US" dirty="0" smtClean="0"/>
+              <a:t>failure rates, as well as same failure rates for all </a:t>
+            </a:r>
+            <a:r>
+              <a:rPr lang="en-US" dirty="0" smtClean="0"/>
+              <a:t>nodes and statistically independent failures</a:t>
+            </a:r>
+          </a:p>
+          <a:p>
+            <a:pPr lvl="1">
+              <a:buFont typeface="Arial" charset="0"/>
+              <a:buChar char="•"/>
+            </a:pPr>
+            <a:r>
+              <a:rPr lang="en-US" dirty="0" smtClean="0"/>
+              <a:t>Known execution time for applications/jobs</a:t>
+            </a:r>
+          </a:p>
+          <a:p>
+            <a:pPr lvl="1">
+              <a:buFont typeface="Arial" charset="0"/>
+              <a:buChar char="•"/>
+            </a:pPr>
+            <a:r>
+              <a:rPr lang="en-US" dirty="0" smtClean="0"/>
+              <a:t>Fully reliable links</a:t>
+            </a:r>
+          </a:p>
+          <a:p>
+            <a:pPr>
+              <a:buFont typeface="Arial" charset="0"/>
+              <a:buChar char="•"/>
+            </a:pPr>
+            <a:r>
+              <a:rPr lang="en-US" dirty="0" smtClean="0"/>
+              <a:t>Most previous work aims at maximizing the reliability under various constraints such as</a:t>
+            </a:r>
+            <a:endParaRPr lang="en-US" dirty="0"/>
+          </a:p>
+          <a:p>
+            <a:pPr lvl="1">
+              <a:buFont typeface="Arial" charset="0"/>
+              <a:buChar char="•"/>
+            </a:pPr>
+            <a:r>
+              <a:rPr lang="en-US" dirty="0"/>
+              <a:t>Meeting deadlines</a:t>
+            </a:r>
+          </a:p>
+          <a:p>
+            <a:pPr lvl="1">
+              <a:buFont typeface="Arial" charset="0"/>
+              <a:buChar char="•"/>
+            </a:pPr>
+            <a:r>
+              <a:rPr lang="en-US" dirty="0"/>
+              <a:t>Producing the correct </a:t>
+            </a:r>
+            <a:r>
+              <a:rPr lang="en-US" dirty="0" smtClean="0"/>
+              <a:t>result</a:t>
+            </a:r>
+          </a:p>
+          <a:p>
+            <a:pPr>
+              <a:buFont typeface="Arial" charset="0"/>
+              <a:buChar char="•"/>
+            </a:pPr>
+            <a:r>
+              <a:rPr lang="en-US" dirty="0" smtClean="0"/>
+              <a:t>Some has maximizing reliability as a primary objective, but do not ensure a certain reliability is met</a:t>
+            </a:r>
+          </a:p>
+          <a:p>
+            <a:pPr>
+              <a:buFont typeface="Arial" charset="0"/>
+              <a:buChar char="•"/>
+            </a:pPr>
+            <a:r>
+              <a:rPr lang="en-US" dirty="0" smtClean="0"/>
+              <a:t>Other ensures a certain reliability, but do not ensure this reliability is met over time, and failures happen</a:t>
+            </a:r>
+          </a:p>
+          <a:p>
+            <a:pPr lvl="1">
+              <a:buFont typeface="Arial" charset="0"/>
+              <a:buChar char="•"/>
+            </a:pPr>
+            <a:endParaRPr lang="en-US" dirty="0"/>
+          </a:p>
+          <a:p>
+            <a:pPr>
+              <a:buFont typeface="Arial" charset="0"/>
+              <a:buChar char="•"/>
+            </a:pPr>
+            <a:endParaRPr lang="en-US" dirty="0" smtClean="0"/>
+          </a:p>
+          <a:p>
+            <a:pPr>
+              <a:buFont typeface="Arial" charset="0"/>
+              <a:buChar char="•"/>
+            </a:pPr>
+            <a:endParaRPr lang="en-US" dirty="0"/>
+          </a:p>
+        </p:txBody>
+      </p:sp>
+    </p:spTree>
+    <p:extLst>
+      <p:ext uri="{BB962C8B-B14F-4D97-AF65-F5344CB8AC3E}">
+        <p14:creationId xmlns:p14="http://schemas.microsoft.com/office/powerpoint/2010/main" val="219035841"/>
+      </p:ext>
+    </p:extLst>
+  </p:cSld>
+  <p:clrMapOvr>
+    <a:masterClrMapping/>
+  </p:clrMapOvr>
+  <p:timing>
+    <p:tnLst>
+      <p:par>
+        <p:cTn id="1" dur="indefinite" restart="never" nodeType="tmRoot"/>
+      </p:par>
+    </p:tnLst>
+  </p:timing>
+</p:sld>
+</file>
+
+<file path=ppt/slides/slide50.xml><?xml version="1.0" encoding="utf-8"?>
 <p:sld xmlns:a="http://schemas.openxmlformats.org/drawingml/2006/main" xmlns:r="http://schemas.openxmlformats.org/officeDocument/2006/relationships" xmlns:p="http://schemas.openxmlformats.org/presentationml/2006/main">
   <p:cSld>
     <p:spTree>
@@ -13894,7 +14814,7 @@
 </p:sld>
 </file>
 
-<file path=ppt/slides/slide49.xml><?xml version="1.0" encoding="utf-8"?>
+<file path=ppt/slides/slide51.xml><?xml version="1.0" encoding="utf-8"?>
 <p:sld xmlns:a="http://schemas.openxmlformats.org/drawingml/2006/main" xmlns:r="http://schemas.openxmlformats.org/officeDocument/2006/relationships" xmlns:p="http://schemas.openxmlformats.org/presentationml/2006/main">
   <p:cSld>
     <p:spTree>
@@ -13984,223 +14904,7 @@
 </p:sld>
 </file>
 
-<file path=ppt/slides/slide5.xml><?xml version="1.0" encoding="utf-8"?>
-<p:sld xmlns:a="http://schemas.openxmlformats.org/drawingml/2006/main" xmlns:r="http://schemas.openxmlformats.org/officeDocument/2006/relationships" xmlns:p="http://schemas.openxmlformats.org/presentationml/2006/main">
-  <p:cSld>
-    <p:spTree>
-      <p:nvGrpSpPr>
-        <p:cNvPr id="1" name=""/>
-        <p:cNvGrpSpPr/>
-        <p:nvPr/>
-      </p:nvGrpSpPr>
-      <p:grpSpPr>
-        <a:xfrm>
-          <a:off x="0" y="0"/>
-          <a:ext cx="0" cy="0"/>
-          <a:chOff x="0" y="0"/>
-          <a:chExt cx="0" cy="0"/>
-        </a:xfrm>
-      </p:grpSpPr>
-      <p:sp>
-        <p:nvSpPr>
-          <p:cNvPr id="2" name="Title 1"/>
-          <p:cNvSpPr>
-            <a:spLocks noGrp="1"/>
-          </p:cNvSpPr>
-          <p:nvPr>
-            <p:ph type="title"/>
-          </p:nvPr>
-        </p:nvSpPr>
-        <p:spPr/>
-        <p:txBody>
-          <a:bodyPr/>
-          <a:lstStyle/>
-          <a:p>
-            <a:r>
-              <a:rPr lang="en-US" dirty="0" smtClean="0"/>
-              <a:t>Related work</a:t>
-            </a:r>
-            <a:endParaRPr lang="en-US" dirty="0"/>
-          </a:p>
-        </p:txBody>
-      </p:sp>
-      <p:sp>
-        <p:nvSpPr>
-          <p:cNvPr id="3" name="Content Placeholder 2"/>
-          <p:cNvSpPr>
-            <a:spLocks noGrp="1"/>
-          </p:cNvSpPr>
-          <p:nvPr>
-            <p:ph idx="1"/>
-          </p:nvPr>
-        </p:nvSpPr>
-        <p:spPr/>
-        <p:txBody>
-          <a:bodyPr>
-            <a:normAutofit/>
-          </a:bodyPr>
-          <a:lstStyle/>
-          <a:p>
-            <a:pPr>
-              <a:buFont typeface="Arial" charset="0"/>
-              <a:buChar char="•"/>
-            </a:pPr>
-            <a:r>
-              <a:rPr lang="en-US" dirty="0" smtClean="0"/>
-              <a:t>Common assumptions:</a:t>
-            </a:r>
-          </a:p>
-          <a:p>
-            <a:pPr lvl="1">
-              <a:buFont typeface="Arial" charset="0"/>
-              <a:buChar char="•"/>
-            </a:pPr>
-            <a:r>
-              <a:rPr lang="en-US" dirty="0"/>
-              <a:t>Each component in the system has only two states: operational or </a:t>
-            </a:r>
-            <a:r>
-              <a:rPr lang="en-US" dirty="0" smtClean="0"/>
-              <a:t>failed</a:t>
-            </a:r>
-          </a:p>
-          <a:p>
-            <a:pPr lvl="1">
-              <a:buFont typeface="Arial" charset="0"/>
-              <a:buChar char="•"/>
-            </a:pPr>
-            <a:r>
-              <a:rPr lang="en-US" dirty="0" smtClean="0"/>
-              <a:t>Constant </a:t>
-            </a:r>
-            <a:r>
-              <a:rPr lang="en-US" dirty="0" smtClean="0"/>
-              <a:t>failure rates, as well as same failure rates for all </a:t>
-            </a:r>
-            <a:r>
-              <a:rPr lang="en-US" dirty="0" smtClean="0"/>
-              <a:t>nodes, and statistically independent failures</a:t>
-            </a:r>
-          </a:p>
-          <a:p>
-            <a:pPr lvl="1">
-              <a:buFont typeface="Arial" charset="0"/>
-              <a:buChar char="•"/>
-            </a:pPr>
-            <a:r>
-              <a:rPr lang="en-US" dirty="0" smtClean="0"/>
-              <a:t>Known execution time for applications/jobs</a:t>
-            </a:r>
-          </a:p>
-          <a:p>
-            <a:pPr lvl="1">
-              <a:buFont typeface="Arial" charset="0"/>
-              <a:buChar char="•"/>
-            </a:pPr>
-            <a:r>
-              <a:rPr lang="en-US" dirty="0" smtClean="0"/>
-              <a:t>Fully reliable links</a:t>
-            </a:r>
-          </a:p>
-          <a:p>
-            <a:pPr>
-              <a:buFont typeface="Arial" charset="0"/>
-              <a:buChar char="•"/>
-            </a:pPr>
-            <a:r>
-              <a:rPr lang="en-US" dirty="0" smtClean="0"/>
-              <a:t>Most previous work aims at maximizing the reliability under various constraints such as</a:t>
-            </a:r>
-            <a:endParaRPr lang="en-US" dirty="0"/>
-          </a:p>
-          <a:p>
-            <a:pPr lvl="1">
-              <a:buFont typeface="Arial" charset="0"/>
-              <a:buChar char="•"/>
-            </a:pPr>
-            <a:r>
-              <a:rPr lang="en-US" dirty="0"/>
-              <a:t>Meeting deadlines</a:t>
-            </a:r>
-          </a:p>
-          <a:p>
-            <a:pPr lvl="1">
-              <a:buFont typeface="Arial" charset="0"/>
-              <a:buChar char="•"/>
-            </a:pPr>
-            <a:r>
-              <a:rPr lang="en-US" dirty="0"/>
-              <a:t>Producing the correct </a:t>
-            </a:r>
-            <a:r>
-              <a:rPr lang="en-US" dirty="0" smtClean="0"/>
-              <a:t>result</a:t>
-            </a:r>
-          </a:p>
-          <a:p>
-            <a:pPr>
-              <a:buFont typeface="Arial" charset="0"/>
-              <a:buChar char="•"/>
-            </a:pPr>
-            <a:r>
-              <a:rPr lang="en-US" dirty="0" smtClean="0"/>
-              <a:t>Some has maximizing reliability as a primary objective, but do not ensure a certain reliability is met</a:t>
-            </a:r>
-          </a:p>
-          <a:p>
-            <a:pPr>
-              <a:buFont typeface="Arial" charset="0"/>
-              <a:buChar char="•"/>
-            </a:pPr>
-            <a:r>
-              <a:rPr lang="en-US" dirty="0" smtClean="0"/>
-              <a:t>Other ensures a certain reliability, but do not ensure this reliability is met over time</a:t>
-            </a:r>
-          </a:p>
-          <a:p>
-            <a:pPr lvl="1">
-              <a:buFont typeface="Arial" charset="0"/>
-              <a:buChar char="•"/>
-            </a:pPr>
-            <a:endParaRPr lang="en-US" dirty="0"/>
-          </a:p>
-          <a:p>
-            <a:pPr>
-              <a:buFont typeface="Arial" charset="0"/>
-              <a:buChar char="•"/>
-            </a:pPr>
-            <a:endParaRPr lang="en-US" dirty="0" smtClean="0"/>
-          </a:p>
-          <a:p>
-            <a:pPr>
-              <a:buFont typeface="Arial" charset="0"/>
-              <a:buChar char="•"/>
-            </a:pPr>
-            <a:endParaRPr lang="en-US" dirty="0"/>
-          </a:p>
-        </p:txBody>
-      </p:sp>
-    </p:spTree>
-    <p:extLst>
-      <p:ext uri="{BB962C8B-B14F-4D97-AF65-F5344CB8AC3E}">
-        <p14:creationId xmlns:p14="http://schemas.microsoft.com/office/powerpoint/2010/main" val="219035841"/>
-      </p:ext>
-    </p:extLst>
-  </p:cSld>
-  <p:clrMapOvr>
-    <a:masterClrMapping/>
-  </p:clrMapOvr>
-  <p:timing>
-    <p:tnLst>
-      <p:par>
-        <p:cTn id="1" dur="indefinite" restart="never" nodeType="tmRoot"/>
-      </p:par>
-    </p:tnLst>
-  </p:timing>
-</p:sld>
-</file>
-
-<file path=ppt/slides/slide50.xml><?xml version="1.0" encoding="utf-8"?>
+<file path=ppt/slides/slide52.xml><?xml version="1.0" encoding="utf-8"?>
 <p:sld xmlns:a="http://schemas.openxmlformats.org/drawingml/2006/main" xmlns:r="http://schemas.openxmlformats.org/officeDocument/2006/relationships" xmlns:p="http://schemas.openxmlformats.org/presentationml/2006/main">
   <p:cSld>
     <p:spTree>
@@ -14290,7 +14994,7 @@
 </p:sld>
 </file>
 
-<file path=ppt/slides/slide51.xml><?xml version="1.0" encoding="utf-8"?>
+<file path=ppt/slides/slide53.xml><?xml version="1.0" encoding="utf-8"?>
 <p:sld xmlns:a="http://schemas.openxmlformats.org/drawingml/2006/main" xmlns:r="http://schemas.openxmlformats.org/officeDocument/2006/relationships" xmlns:p="http://schemas.openxmlformats.org/presentationml/2006/main">
   <p:cSld>
     <p:spTree>
@@ -14702,7 +15406,7 @@
 </p:sld>
 </file>
 
-<file path=ppt/slides/slide52.xml><?xml version="1.0" encoding="utf-8"?>
+<file path=ppt/slides/slide54.xml><?xml version="1.0" encoding="utf-8"?>
 <p:sld xmlns:a="http://schemas.openxmlformats.org/drawingml/2006/main" xmlns:r="http://schemas.openxmlformats.org/officeDocument/2006/relationships" xmlns:p="http://schemas.openxmlformats.org/presentationml/2006/main">
   <p:cSld>
     <p:spTree>
@@ -15585,7 +16289,7 @@
 </p:sld>
 </file>
 
-<file path=ppt/slides/slide53.xml><?xml version="1.0" encoding="utf-8"?>
+<file path=ppt/slides/slide55.xml><?xml version="1.0" encoding="utf-8"?>
 <p:sld xmlns:a="http://schemas.openxmlformats.org/drawingml/2006/main" xmlns:r="http://schemas.openxmlformats.org/officeDocument/2006/relationships" xmlns:p="http://schemas.openxmlformats.org/presentationml/2006/main">
   <p:cSld>
     <p:spTree>
@@ -15675,7 +16379,7 @@
 </p:sld>
 </file>
 
-<file path=ppt/slides/slide54.xml><?xml version="1.0" encoding="utf-8"?>
+<file path=ppt/slides/slide56.xml><?xml version="1.0" encoding="utf-8"?>
 <p:sld xmlns:a="http://schemas.openxmlformats.org/drawingml/2006/main" xmlns:r="http://schemas.openxmlformats.org/officeDocument/2006/relationships" xmlns:p="http://schemas.openxmlformats.org/presentationml/2006/main">
   <p:cSld>
     <p:spTree>
@@ -15765,7 +16469,7 @@
 </p:sld>
 </file>
 
-<file path=ppt/slides/slide55.xml><?xml version="1.0" encoding="utf-8"?>
+<file path=ppt/slides/slide57.xml><?xml version="1.0" encoding="utf-8"?>
 <p:sld xmlns:a="http://schemas.openxmlformats.org/drawingml/2006/main" xmlns:r="http://schemas.openxmlformats.org/officeDocument/2006/relationships" xmlns:p="http://schemas.openxmlformats.org/presentationml/2006/main">
   <p:cSld>
     <p:spTree>
@@ -15855,7 +16559,7 @@
 </p:sld>
 </file>
 
-<file path=ppt/slides/slide56.xml><?xml version="1.0" encoding="utf-8"?>
+<file path=ppt/slides/slide58.xml><?xml version="1.0" encoding="utf-8"?>
 <p:sld xmlns:a="http://schemas.openxmlformats.org/drawingml/2006/main" xmlns:r="http://schemas.openxmlformats.org/officeDocument/2006/relationships" xmlns:p="http://schemas.openxmlformats.org/presentationml/2006/main">
   <p:cSld>
     <p:spTree>
@@ -16023,7 +16727,7 @@
 </p:sld>
 </file>
 
-<file path=ppt/slides/slide57.xml><?xml version="1.0" encoding="utf-8"?>
+<file path=ppt/slides/slide59.xml><?xml version="1.0" encoding="utf-8"?>
 <p:sld xmlns:a="http://schemas.openxmlformats.org/drawingml/2006/main" xmlns:r="http://schemas.openxmlformats.org/officeDocument/2006/relationships" xmlns:p="http://schemas.openxmlformats.org/presentationml/2006/main">
   <p:cSld>
     <p:spTree>
@@ -16140,248 +16844,6 @@
 </p:sld>
 </file>
 
-<file path=ppt/slides/slide58.xml><?xml version="1.0" encoding="utf-8"?>
-<p:sld xmlns:a="http://schemas.openxmlformats.org/drawingml/2006/main" xmlns:r="http://schemas.openxmlformats.org/officeDocument/2006/relationships" xmlns:p="http://schemas.openxmlformats.org/presentationml/2006/main">
-  <p:cSld>
-    <p:spTree>
-      <p:nvGrpSpPr>
-        <p:cNvPr id="1" name=""/>
-        <p:cNvGrpSpPr/>
-        <p:nvPr/>
-      </p:nvGrpSpPr>
-      <p:grpSpPr>
-        <a:xfrm>
-          <a:off x="0" y="0"/>
-          <a:ext cx="0" cy="0"/>
-          <a:chOff x="0" y="0"/>
-          <a:chExt cx="0" cy="0"/>
-        </a:xfrm>
-      </p:grpSpPr>
-      <p:sp>
-        <p:nvSpPr>
-          <p:cNvPr id="2" name="Title 1"/>
-          <p:cNvSpPr>
-            <a:spLocks noGrp="1"/>
-          </p:cNvSpPr>
-          <p:nvPr>
-            <p:ph type="title"/>
-          </p:nvPr>
-        </p:nvSpPr>
-        <p:spPr/>
-        <p:txBody>
-          <a:bodyPr/>
-          <a:lstStyle/>
-          <a:p>
-            <a:r>
-              <a:rPr lang="en-US" dirty="0" smtClean="0"/>
-              <a:t>Result – number of replicas</a:t>
-            </a:r>
-            <a:endParaRPr lang="en-US" dirty="0"/>
-          </a:p>
-        </p:txBody>
-      </p:sp>
-      <p:pic>
-        <p:nvPicPr>
-          <p:cNvPr id="5" name="Content Placeholder 4"/>
-          <p:cNvPicPr>
-            <a:picLocks noGrp="1" noChangeAspect="1"/>
-          </p:cNvPicPr>
-          <p:nvPr>
-            <p:ph idx="1"/>
-          </p:nvPr>
-        </p:nvPicPr>
-        <p:blipFill>
-          <a:blip r:embed="rId2">
-            <a:extLst>
-              <a:ext uri="{28A0092B-C50C-407E-A947-70E740481C1C}">
-                <a14:useLocalDpi xmlns:a14="http://schemas.microsoft.com/office/drawing/2010/main" val="0"/>
-              </a:ext>
-            </a:extLst>
-          </a:blip>
-          <a:stretch>
-            <a:fillRect/>
-          </a:stretch>
-        </p:blipFill>
-        <p:spPr>
-          <a:xfrm>
-            <a:off x="2431626" y="2212023"/>
-            <a:ext cx="7389707" cy="4022725"/>
-          </a:xfrm>
-        </p:spPr>
-      </p:pic>
-    </p:spTree>
-    <p:extLst>
-      <p:ext uri="{BB962C8B-B14F-4D97-AF65-F5344CB8AC3E}">
-        <p14:creationId xmlns:p14="http://schemas.microsoft.com/office/powerpoint/2010/main" val="180489831"/>
-      </p:ext>
-    </p:extLst>
-  </p:cSld>
-  <p:clrMapOvr>
-    <a:masterClrMapping/>
-  </p:clrMapOvr>
-  <p:timing>
-    <p:tnLst>
-      <p:par>
-        <p:cTn id="1" dur="indefinite" restart="never" nodeType="tmRoot"/>
-      </p:par>
-    </p:tnLst>
-  </p:timing>
-</p:sld>
-</file>
-
-<file path=ppt/slides/slide59.xml><?xml version="1.0" encoding="utf-8"?>
-<p:sld xmlns:a="http://schemas.openxmlformats.org/drawingml/2006/main" xmlns:r="http://schemas.openxmlformats.org/officeDocument/2006/relationships" xmlns:p="http://schemas.openxmlformats.org/presentationml/2006/main">
-  <p:cSld>
-    <p:spTree>
-      <p:nvGrpSpPr>
-        <p:cNvPr id="1" name=""/>
-        <p:cNvGrpSpPr/>
-        <p:nvPr/>
-      </p:nvGrpSpPr>
-      <p:grpSpPr>
-        <a:xfrm>
-          <a:off x="0" y="0"/>
-          <a:ext cx="0" cy="0"/>
-          <a:chOff x="0" y="0"/>
-          <a:chExt cx="0" cy="0"/>
-        </a:xfrm>
-      </p:grpSpPr>
-      <p:sp>
-        <p:nvSpPr>
-          <p:cNvPr id="2" name="Title 1"/>
-          <p:cNvSpPr>
-            <a:spLocks noGrp="1"/>
-          </p:cNvSpPr>
-          <p:nvPr>
-            <p:ph type="title"/>
-          </p:nvPr>
-        </p:nvSpPr>
-        <p:spPr/>
-        <p:txBody>
-          <a:bodyPr/>
-          <a:lstStyle/>
-          <a:p>
-            <a:r>
-              <a:rPr lang="en-US" dirty="0" smtClean="0"/>
-              <a:t>Replication time</a:t>
-            </a:r>
-            <a:endParaRPr lang="en-US" dirty="0"/>
-          </a:p>
-        </p:txBody>
-      </p:sp>
-      <p:sp>
-        <p:nvSpPr>
-          <p:cNvPr id="4" name="Content Placeholder 3"/>
-          <p:cNvSpPr>
-            <a:spLocks noGrp="1"/>
-          </p:cNvSpPr>
-          <p:nvPr>
-            <p:ph idx="1"/>
-          </p:nvPr>
-        </p:nvSpPr>
-        <p:spPr/>
-        <p:txBody>
-          <a:bodyPr/>
-          <a:lstStyle/>
-          <a:p>
-            <a:pPr>
-              <a:buFont typeface="Arial" charset="0"/>
-              <a:buChar char="•"/>
-            </a:pPr>
-            <a:r>
-              <a:rPr lang="en-US" dirty="0" smtClean="0"/>
-              <a:t> Two runtimes, and one actor with one outgoing port. </a:t>
-            </a:r>
-          </a:p>
-          <a:p>
-            <a:pPr>
-              <a:buFont typeface="Arial" charset="0"/>
-              <a:buChar char="•"/>
-            </a:pPr>
-            <a:r>
-              <a:rPr lang="en-US" dirty="0" smtClean="0"/>
-              <a:t> The size of the actor state was measured, as well as the time to replicate the actor from one runtime to another. </a:t>
-            </a:r>
-          </a:p>
-          <a:p>
-            <a:pPr>
-              <a:buFont typeface="Arial" charset="0"/>
-              <a:buChar char="•"/>
-            </a:pPr>
-            <a:r>
-              <a:rPr lang="en-US" dirty="0" smtClean="0"/>
-              <a:t> The state was increased by increasing the size of the actors port queue.</a:t>
-            </a:r>
-          </a:p>
-          <a:p>
-            <a:pPr>
-              <a:buFont typeface="Arial" charset="0"/>
-              <a:buChar char="•"/>
-            </a:pPr>
-            <a:r>
-              <a:rPr lang="en-US" dirty="0" smtClean="0"/>
-              <a:t> Laptop specifications:</a:t>
-            </a:r>
-          </a:p>
-          <a:p>
-            <a:pPr lvl="1">
-              <a:buFont typeface="Arial" charset="0"/>
-              <a:buChar char="•"/>
-            </a:pPr>
-            <a:r>
-              <a:rPr lang="en-US" dirty="0" smtClean="0"/>
-              <a:t>Intel i5, 2.3 GHz</a:t>
-            </a:r>
-          </a:p>
-          <a:p>
-            <a:pPr lvl="1">
-              <a:buFont typeface="Arial" charset="0"/>
-              <a:buChar char="•"/>
-            </a:pPr>
-            <a:r>
-              <a:rPr lang="en-US" dirty="0" smtClean="0"/>
-              <a:t>4 GB 1333 MHz RAM </a:t>
-            </a:r>
-          </a:p>
-          <a:p>
-            <a:pPr lvl="1">
-              <a:buFont typeface="Arial" charset="0"/>
-              <a:buChar char="•"/>
-            </a:pPr>
-            <a:r>
-              <a:rPr lang="en-US" dirty="0" smtClean="0"/>
-              <a:t>SSD drive</a:t>
-            </a:r>
-          </a:p>
-          <a:p>
-            <a:pPr lvl="1">
-              <a:buFont typeface="Arial" charset="0"/>
-              <a:buChar char="•"/>
-            </a:pPr>
-            <a:endParaRPr lang="en-US" dirty="0"/>
-          </a:p>
-        </p:txBody>
-      </p:sp>
-    </p:spTree>
-    <p:extLst>
-      <p:ext uri="{BB962C8B-B14F-4D97-AF65-F5344CB8AC3E}">
-        <p14:creationId xmlns:p14="http://schemas.microsoft.com/office/powerpoint/2010/main" val="1603957846"/>
-      </p:ext>
-    </p:extLst>
-  </p:cSld>
-  <p:clrMapOvr>
-    <a:masterClrMapping/>
-  </p:clrMapOvr>
-  <p:timing>
-    <p:tnLst>
-      <p:par>
-        <p:cTn id="1" dur="indefinite" restart="never" nodeType="tmRoot"/>
-      </p:par>
-    </p:tnLst>
-  </p:timing>
-</p:sld>
-</file>
-
 <file path=ppt/slides/slide6.xml><?xml version="1.0" encoding="utf-8"?>
 <p:sld xmlns:a="http://schemas.openxmlformats.org/drawingml/2006/main" xmlns:r="http://schemas.openxmlformats.org/officeDocument/2006/relationships" xmlns:p="http://schemas.openxmlformats.org/presentationml/2006/main">
   <p:cSld>
@@ -16457,8 +16919,13 @@
             </a:r>
             <a:r>
               <a:rPr lang="en-US" dirty="0" smtClean="0"/>
-              <a:t>assume an interconnected set of computing resources (nodes), providing redundant paths and interconnectivity between all nodes. </a:t>
-            </a:r>
+              <a:t>assume an interconnected set of computing resources (nodes), providing redundant paths and interconnectivity between all </a:t>
+            </a:r>
+            <a:r>
+              <a:rPr lang="en-US" dirty="0" smtClean="0"/>
+              <a:t>nodes</a:t>
+            </a:r>
+            <a:endParaRPr lang="en-US" dirty="0" smtClean="0"/>
           </a:p>
           <a:p>
             <a:pPr lvl="0">
@@ -16587,6 +17054,248 @@
           <a:p>
             <a:r>
               <a:rPr lang="en-US" dirty="0" smtClean="0"/>
+              <a:t>Result – number of replicas</a:t>
+            </a:r>
+            <a:endParaRPr lang="en-US" dirty="0"/>
+          </a:p>
+        </p:txBody>
+      </p:sp>
+      <p:pic>
+        <p:nvPicPr>
+          <p:cNvPr id="5" name="Content Placeholder 4"/>
+          <p:cNvPicPr>
+            <a:picLocks noGrp="1" noChangeAspect="1"/>
+          </p:cNvPicPr>
+          <p:nvPr>
+            <p:ph idx="1"/>
+          </p:nvPr>
+        </p:nvPicPr>
+        <p:blipFill>
+          <a:blip r:embed="rId2">
+            <a:extLst>
+              <a:ext uri="{28A0092B-C50C-407E-A947-70E740481C1C}">
+                <a14:useLocalDpi xmlns:a14="http://schemas.microsoft.com/office/drawing/2010/main" val="0"/>
+              </a:ext>
+            </a:extLst>
+          </a:blip>
+          <a:stretch>
+            <a:fillRect/>
+          </a:stretch>
+        </p:blipFill>
+        <p:spPr>
+          <a:xfrm>
+            <a:off x="2431626" y="2212023"/>
+            <a:ext cx="7389707" cy="4022725"/>
+          </a:xfrm>
+        </p:spPr>
+      </p:pic>
+    </p:spTree>
+    <p:extLst>
+      <p:ext uri="{BB962C8B-B14F-4D97-AF65-F5344CB8AC3E}">
+        <p14:creationId xmlns:p14="http://schemas.microsoft.com/office/powerpoint/2010/main" val="180489831"/>
+      </p:ext>
+    </p:extLst>
+  </p:cSld>
+  <p:clrMapOvr>
+    <a:masterClrMapping/>
+  </p:clrMapOvr>
+  <p:timing>
+    <p:tnLst>
+      <p:par>
+        <p:cTn id="1" dur="indefinite" restart="never" nodeType="tmRoot"/>
+      </p:par>
+    </p:tnLst>
+  </p:timing>
+</p:sld>
+</file>
+
+<file path=ppt/slides/slide61.xml><?xml version="1.0" encoding="utf-8"?>
+<p:sld xmlns:a="http://schemas.openxmlformats.org/drawingml/2006/main" xmlns:r="http://schemas.openxmlformats.org/officeDocument/2006/relationships" xmlns:p="http://schemas.openxmlformats.org/presentationml/2006/main">
+  <p:cSld>
+    <p:spTree>
+      <p:nvGrpSpPr>
+        <p:cNvPr id="1" name=""/>
+        <p:cNvGrpSpPr/>
+        <p:nvPr/>
+      </p:nvGrpSpPr>
+      <p:grpSpPr>
+        <a:xfrm>
+          <a:off x="0" y="0"/>
+          <a:ext cx="0" cy="0"/>
+          <a:chOff x="0" y="0"/>
+          <a:chExt cx="0" cy="0"/>
+        </a:xfrm>
+      </p:grpSpPr>
+      <p:sp>
+        <p:nvSpPr>
+          <p:cNvPr id="2" name="Title 1"/>
+          <p:cNvSpPr>
+            <a:spLocks noGrp="1"/>
+          </p:cNvSpPr>
+          <p:nvPr>
+            <p:ph type="title"/>
+          </p:nvPr>
+        </p:nvSpPr>
+        <p:spPr/>
+        <p:txBody>
+          <a:bodyPr/>
+          <a:lstStyle/>
+          <a:p>
+            <a:r>
+              <a:rPr lang="en-US" dirty="0" smtClean="0"/>
+              <a:t>Replication time</a:t>
+            </a:r>
+            <a:endParaRPr lang="en-US" dirty="0"/>
+          </a:p>
+        </p:txBody>
+      </p:sp>
+      <p:sp>
+        <p:nvSpPr>
+          <p:cNvPr id="4" name="Content Placeholder 3"/>
+          <p:cNvSpPr>
+            <a:spLocks noGrp="1"/>
+          </p:cNvSpPr>
+          <p:nvPr>
+            <p:ph idx="1"/>
+          </p:nvPr>
+        </p:nvSpPr>
+        <p:spPr/>
+        <p:txBody>
+          <a:bodyPr/>
+          <a:lstStyle/>
+          <a:p>
+            <a:pPr>
+              <a:buFont typeface="Arial" charset="0"/>
+              <a:buChar char="•"/>
+            </a:pPr>
+            <a:r>
+              <a:rPr lang="en-US" dirty="0" smtClean="0"/>
+              <a:t> Two runtimes, and one actor with one outgoing port. </a:t>
+            </a:r>
+          </a:p>
+          <a:p>
+            <a:pPr>
+              <a:buFont typeface="Arial" charset="0"/>
+              <a:buChar char="•"/>
+            </a:pPr>
+            <a:r>
+              <a:rPr lang="en-US" dirty="0" smtClean="0"/>
+              <a:t> The size of the actor state was measured, as well as the time to replicate the actor from one runtime to another. </a:t>
+            </a:r>
+          </a:p>
+          <a:p>
+            <a:pPr>
+              <a:buFont typeface="Arial" charset="0"/>
+              <a:buChar char="•"/>
+            </a:pPr>
+            <a:r>
+              <a:rPr lang="en-US" dirty="0" smtClean="0"/>
+              <a:t> The state was increased by increasing the size of the actors port queue.</a:t>
+            </a:r>
+          </a:p>
+          <a:p>
+            <a:pPr>
+              <a:buFont typeface="Arial" charset="0"/>
+              <a:buChar char="•"/>
+            </a:pPr>
+            <a:r>
+              <a:rPr lang="en-US" dirty="0" smtClean="0"/>
+              <a:t> Laptop specifications:</a:t>
+            </a:r>
+          </a:p>
+          <a:p>
+            <a:pPr lvl="1">
+              <a:buFont typeface="Arial" charset="0"/>
+              <a:buChar char="•"/>
+            </a:pPr>
+            <a:r>
+              <a:rPr lang="en-US" dirty="0" smtClean="0"/>
+              <a:t>Intel i5, 2.3 GHz</a:t>
+            </a:r>
+          </a:p>
+          <a:p>
+            <a:pPr lvl="1">
+              <a:buFont typeface="Arial" charset="0"/>
+              <a:buChar char="•"/>
+            </a:pPr>
+            <a:r>
+              <a:rPr lang="en-US" dirty="0" smtClean="0"/>
+              <a:t>4 GB 1333 MHz RAM </a:t>
+            </a:r>
+          </a:p>
+          <a:p>
+            <a:pPr lvl="1">
+              <a:buFont typeface="Arial" charset="0"/>
+              <a:buChar char="•"/>
+            </a:pPr>
+            <a:r>
+              <a:rPr lang="en-US" dirty="0" smtClean="0"/>
+              <a:t>SSD drive</a:t>
+            </a:r>
+          </a:p>
+          <a:p>
+            <a:pPr lvl="1">
+              <a:buFont typeface="Arial" charset="0"/>
+              <a:buChar char="•"/>
+            </a:pPr>
+            <a:endParaRPr lang="en-US" dirty="0"/>
+          </a:p>
+        </p:txBody>
+      </p:sp>
+    </p:spTree>
+    <p:extLst>
+      <p:ext uri="{BB962C8B-B14F-4D97-AF65-F5344CB8AC3E}">
+        <p14:creationId xmlns:p14="http://schemas.microsoft.com/office/powerpoint/2010/main" val="1603957846"/>
+      </p:ext>
+    </p:extLst>
+  </p:cSld>
+  <p:clrMapOvr>
+    <a:masterClrMapping/>
+  </p:clrMapOvr>
+  <p:timing>
+    <p:tnLst>
+      <p:par>
+        <p:cTn id="1" dur="indefinite" restart="never" nodeType="tmRoot"/>
+      </p:par>
+    </p:tnLst>
+  </p:timing>
+</p:sld>
+</file>
+
+<file path=ppt/slides/slide62.xml><?xml version="1.0" encoding="utf-8"?>
+<p:sld xmlns:a="http://schemas.openxmlformats.org/drawingml/2006/main" xmlns:r="http://schemas.openxmlformats.org/officeDocument/2006/relationships" xmlns:p="http://schemas.openxmlformats.org/presentationml/2006/main">
+  <p:cSld>
+    <p:spTree>
+      <p:nvGrpSpPr>
+        <p:cNvPr id="1" name=""/>
+        <p:cNvGrpSpPr/>
+        <p:nvPr/>
+      </p:nvGrpSpPr>
+      <p:grpSpPr>
+        <a:xfrm>
+          <a:off x="0" y="0"/>
+          <a:ext cx="0" cy="0"/>
+          <a:chOff x="0" y="0"/>
+          <a:chExt cx="0" cy="0"/>
+        </a:xfrm>
+      </p:grpSpPr>
+      <p:sp>
+        <p:nvSpPr>
+          <p:cNvPr id="2" name="Title 1"/>
+          <p:cNvSpPr>
+            <a:spLocks noGrp="1"/>
+          </p:cNvSpPr>
+          <p:nvPr>
+            <p:ph type="title"/>
+          </p:nvPr>
+        </p:nvSpPr>
+        <p:spPr/>
+        <p:txBody>
+          <a:bodyPr/>
+          <a:lstStyle/>
+          <a:p>
+            <a:r>
+              <a:rPr lang="en-US" dirty="0" smtClean="0"/>
               <a:t>Result</a:t>
             </a:r>
             <a:endParaRPr lang="en-US" dirty="0"/>
@@ -16642,7 +17351,7 @@
 </p:sld>
 </file>
 
-<file path=ppt/slides/slide61.xml><?xml version="1.0" encoding="utf-8"?>
+<file path=ppt/slides/slide63.xml><?xml version="1.0" encoding="utf-8"?>
 <p:sld xmlns:a="http://schemas.openxmlformats.org/drawingml/2006/main" xmlns:r="http://schemas.openxmlformats.org/officeDocument/2006/relationships" xmlns:p="http://schemas.openxmlformats.org/presentationml/2006/main">
   <p:cSld>
     <p:spTree>
@@ -16731,326 +17440,6 @@
 </p:sld>
 </file>
 
-<file path=ppt/slides/slide62.xml><?xml version="1.0" encoding="utf-8"?>
-<p:sld xmlns:a="http://schemas.openxmlformats.org/drawingml/2006/main" xmlns:r="http://schemas.openxmlformats.org/officeDocument/2006/relationships" xmlns:p="http://schemas.openxmlformats.org/presentationml/2006/main">
-  <p:cSld>
-    <p:spTree>
-      <p:nvGrpSpPr>
-        <p:cNvPr id="1" name=""/>
-        <p:cNvGrpSpPr/>
-        <p:nvPr/>
-      </p:nvGrpSpPr>
-      <p:grpSpPr>
-        <a:xfrm>
-          <a:off x="0" y="0"/>
-          <a:ext cx="0" cy="0"/>
-          <a:chOff x="0" y="0"/>
-          <a:chExt cx="0" cy="0"/>
-        </a:xfrm>
-      </p:grpSpPr>
-      <p:sp>
-        <p:nvSpPr>
-          <p:cNvPr id="2" name="Rubrik 1"/>
-          <p:cNvSpPr>
-            <a:spLocks noGrp="1"/>
-          </p:cNvSpPr>
-          <p:nvPr>
-            <p:ph type="title"/>
-          </p:nvPr>
-        </p:nvSpPr>
-        <p:spPr/>
-        <p:txBody>
-          <a:bodyPr/>
-          <a:lstStyle/>
-          <a:p>
-            <a:r>
-              <a:rPr lang="en-US" dirty="0" smtClean="0"/>
-              <a:t>Future</a:t>
-            </a:r>
-            <a:r>
-              <a:rPr lang="sv-SE" dirty="0" smtClean="0"/>
-              <a:t> </a:t>
-            </a:r>
-            <a:r>
-              <a:rPr lang="en-US" dirty="0" smtClean="0"/>
-              <a:t>work</a:t>
-            </a:r>
-            <a:endParaRPr lang="en-US" dirty="0"/>
-          </a:p>
-        </p:txBody>
-      </p:sp>
-      <p:sp>
-        <p:nvSpPr>
-          <p:cNvPr id="3" name="Platshållare för innehåll 2"/>
-          <p:cNvSpPr>
-            <a:spLocks noGrp="1"/>
-          </p:cNvSpPr>
-          <p:nvPr>
-            <p:ph idx="1"/>
-          </p:nvPr>
-        </p:nvSpPr>
-        <p:spPr/>
-        <p:txBody>
-          <a:bodyPr/>
-          <a:lstStyle/>
-          <a:p>
-            <a:pPr>
-              <a:buFont typeface="Arial" panose="020B0604020202020204" pitchFamily="34" charset="0"/>
-              <a:buChar char="•"/>
-            </a:pPr>
-            <a:r>
-              <a:rPr lang="sv-SE" dirty="0" smtClean="0"/>
-              <a:t> The </a:t>
-            </a:r>
-            <a:r>
-              <a:rPr lang="en-US" dirty="0" smtClean="0"/>
-              <a:t>reliability</a:t>
-            </a:r>
-            <a:r>
-              <a:rPr lang="sv-SE" dirty="0" smtClean="0"/>
-              <a:t> </a:t>
-            </a:r>
-            <a:r>
-              <a:rPr lang="en-US" dirty="0" smtClean="0"/>
-              <a:t>model</a:t>
-            </a:r>
-            <a:r>
-              <a:rPr lang="sv-SE" dirty="0" smtClean="0"/>
-              <a:t> is </a:t>
-            </a:r>
-            <a:r>
-              <a:rPr lang="en-US" dirty="0" smtClean="0"/>
-              <a:t>exchangeable. It can be extended through:</a:t>
-            </a:r>
-          </a:p>
-          <a:p>
-            <a:pPr lvl="1">
-              <a:buFont typeface="Arial" panose="020B0604020202020204" pitchFamily="34" charset="0"/>
-              <a:buChar char="•"/>
-            </a:pPr>
-            <a:r>
-              <a:rPr lang="en-US" dirty="0" smtClean="0"/>
-              <a:t>Adding more parameter, e.g. considering link failures</a:t>
-            </a:r>
-          </a:p>
-          <a:p>
-            <a:pPr lvl="1">
-              <a:buFont typeface="Arial" panose="020B0604020202020204" pitchFamily="34" charset="0"/>
-              <a:buChar char="•"/>
-            </a:pPr>
-            <a:r>
-              <a:rPr lang="en-US" dirty="0" smtClean="0"/>
-              <a:t>Applying machine learning</a:t>
-            </a:r>
-          </a:p>
-          <a:p>
-            <a:pPr>
-              <a:buFont typeface="Arial" panose="020B0604020202020204" pitchFamily="34" charset="0"/>
-              <a:buChar char="•"/>
-            </a:pPr>
-            <a:r>
-              <a:rPr lang="sv-SE" dirty="0"/>
-              <a:t> </a:t>
-            </a:r>
-            <a:r>
-              <a:rPr lang="en-US" dirty="0"/>
-              <a:t>Adding a consensus </a:t>
-            </a:r>
-            <a:r>
-              <a:rPr lang="en-US" dirty="0" smtClean="0"/>
-              <a:t>algorithm</a:t>
-            </a:r>
-          </a:p>
-          <a:p>
-            <a:pPr lvl="1">
-              <a:buFont typeface="Arial" panose="020B0604020202020204" pitchFamily="34" charset="0"/>
-              <a:buChar char="•"/>
-            </a:pPr>
-            <a:r>
-              <a:rPr lang="en-US" dirty="0" smtClean="0"/>
-              <a:t>Detect nodes producing the wrong result</a:t>
-            </a:r>
-            <a:endParaRPr lang="en-US" dirty="0"/>
-          </a:p>
-          <a:p>
-            <a:pPr>
-              <a:buFont typeface="Arial" panose="020B0604020202020204" pitchFamily="34" charset="0"/>
-              <a:buChar char="•"/>
-            </a:pPr>
-            <a:r>
-              <a:rPr lang="en-US" dirty="0" smtClean="0"/>
-              <a:t> The scheduling can be extended by</a:t>
-            </a:r>
-          </a:p>
-          <a:p>
-            <a:pPr lvl="1">
-              <a:buFont typeface="Arial" panose="020B0604020202020204" pitchFamily="34" charset="0"/>
-              <a:buChar char="•"/>
-            </a:pPr>
-            <a:r>
-              <a:rPr lang="en-US" dirty="0" smtClean="0"/>
-              <a:t>Not placing replicas in the same physical location, e.g. in the same rack.</a:t>
-            </a:r>
-          </a:p>
-          <a:p>
-            <a:pPr lvl="1">
-              <a:buFont typeface="Arial" panose="020B0604020202020204" pitchFamily="34" charset="0"/>
-              <a:buChar char="•"/>
-            </a:pPr>
-            <a:r>
-              <a:rPr lang="en-US" dirty="0" smtClean="0"/>
-              <a:t>Include nodes´ load and resources in the scheduling</a:t>
-            </a:r>
-          </a:p>
-        </p:txBody>
-      </p:sp>
-    </p:spTree>
-    <p:extLst>
-      <p:ext uri="{BB962C8B-B14F-4D97-AF65-F5344CB8AC3E}">
-        <p14:creationId xmlns:p14="http://schemas.microsoft.com/office/powerpoint/2010/main" val="2715388920"/>
-      </p:ext>
-    </p:extLst>
-  </p:cSld>
-  <p:clrMapOvr>
-    <a:masterClrMapping/>
-  </p:clrMapOvr>
-</p:sld>
-</file>
-
-<file path=ppt/slides/slide63.xml><?xml version="1.0" encoding="utf-8"?>
-<p:sld xmlns:a="http://schemas.openxmlformats.org/drawingml/2006/main" xmlns:r="http://schemas.openxmlformats.org/officeDocument/2006/relationships" xmlns:p="http://schemas.openxmlformats.org/presentationml/2006/main">
-  <p:cSld>
-    <p:spTree>
-      <p:nvGrpSpPr>
-        <p:cNvPr id="1" name=""/>
-        <p:cNvGrpSpPr/>
-        <p:nvPr/>
-      </p:nvGrpSpPr>
-      <p:grpSpPr>
-        <a:xfrm>
-          <a:off x="0" y="0"/>
-          <a:ext cx="0" cy="0"/>
-          <a:chOff x="0" y="0"/>
-          <a:chExt cx="0" cy="0"/>
-        </a:xfrm>
-      </p:grpSpPr>
-      <p:sp>
-        <p:nvSpPr>
-          <p:cNvPr id="2" name="Rubrik 1"/>
-          <p:cNvSpPr>
-            <a:spLocks noGrp="1"/>
-          </p:cNvSpPr>
-          <p:nvPr>
-            <p:ph type="title"/>
-          </p:nvPr>
-        </p:nvSpPr>
-        <p:spPr/>
-        <p:txBody>
-          <a:bodyPr/>
-          <a:lstStyle/>
-          <a:p>
-            <a:r>
-              <a:rPr lang="en-US" dirty="0"/>
-              <a:t>Considering load in the </a:t>
-            </a:r>
-            <a:r>
-              <a:rPr lang="en-US" dirty="0" smtClean="0"/>
-              <a:t>scheduling</a:t>
-            </a:r>
-            <a:endParaRPr lang="en-US" dirty="0"/>
-          </a:p>
-        </p:txBody>
-      </p:sp>
-      <p:sp>
-        <p:nvSpPr>
-          <p:cNvPr id="3" name="Platshållare för innehåll 2"/>
-          <p:cNvSpPr>
-            <a:spLocks noGrp="1"/>
-          </p:cNvSpPr>
-          <p:nvPr>
-            <p:ph idx="1"/>
-          </p:nvPr>
-        </p:nvSpPr>
-        <p:spPr/>
-        <p:txBody>
-          <a:bodyPr/>
-          <a:lstStyle/>
-          <a:p>
-            <a:pPr>
-              <a:buFont typeface="Arial" panose="020B0604020202020204" pitchFamily="34" charset="0"/>
-              <a:buChar char="•"/>
-            </a:pPr>
-            <a:r>
-              <a:rPr lang="en-US" dirty="0" smtClean="0"/>
-              <a:t> We made an experiment where we had </a:t>
-            </a:r>
-          </a:p>
-          <a:p>
-            <a:pPr lvl="1">
-              <a:buFont typeface="Arial" panose="020B0604020202020204" pitchFamily="34" charset="0"/>
-              <a:buChar char="•"/>
-            </a:pPr>
-            <a:r>
-              <a:rPr lang="en-US" dirty="0" smtClean="0"/>
-              <a:t>2 reliable nodes (MTBF = 40 s) and </a:t>
-            </a:r>
-          </a:p>
-          <a:p>
-            <a:pPr lvl="1">
-              <a:buFont typeface="Arial" panose="020B0604020202020204" pitchFamily="34" charset="0"/>
-              <a:buChar char="•"/>
-            </a:pPr>
-            <a:r>
-              <a:rPr lang="en-US" dirty="0" smtClean="0"/>
-              <a:t>3 less reliable nodes (MTBF = 10 s). </a:t>
-            </a:r>
-          </a:p>
-          <a:p>
-            <a:pPr>
-              <a:buFont typeface="Arial" panose="020B0604020202020204" pitchFamily="34" charset="0"/>
-              <a:buChar char="•"/>
-            </a:pPr>
-            <a:r>
-              <a:rPr lang="en-US" dirty="0" smtClean="0"/>
-              <a:t> First all nodes had a low load, then we increased the load on one of the more reliable nodes and later decreased it again.</a:t>
-            </a:r>
-          </a:p>
-          <a:p>
-            <a:pPr>
-              <a:buFont typeface="Arial" panose="020B0604020202020204" pitchFamily="34" charset="0"/>
-              <a:buChar char="•"/>
-            </a:pPr>
-            <a:r>
-              <a:rPr lang="en-US" dirty="0" smtClean="0"/>
-              <a:t> We added a condition in the scheduling algorithm</a:t>
-            </a:r>
-          </a:p>
-          <a:p>
-            <a:pPr lvl="1">
-              <a:buFont typeface="Arial" panose="020B0604020202020204" pitchFamily="34" charset="0"/>
-              <a:buChar char="•"/>
-            </a:pPr>
-            <a:r>
-              <a:rPr lang="en-US" dirty="0" smtClean="0"/>
-              <a:t>If load &gt; MAX_PREFERRED_LOAD then place the task on another node if possible</a:t>
-            </a:r>
-            <a:endParaRPr lang="en-US" dirty="0"/>
-          </a:p>
-        </p:txBody>
-      </p:sp>
-    </p:spTree>
-    <p:extLst>
-      <p:ext uri="{BB962C8B-B14F-4D97-AF65-F5344CB8AC3E}">
-        <p14:creationId xmlns:p14="http://schemas.microsoft.com/office/powerpoint/2010/main" val="2029672156"/>
-      </p:ext>
-    </p:extLst>
-  </p:cSld>
-  <p:clrMapOvr>
-    <a:masterClrMapping/>
-  </p:clrMapOvr>
-</p:sld>
-</file>
-
 <file path=ppt/slides/slide64.xml><?xml version="1.0" encoding="utf-8"?>
 <p:sld xmlns:a="http://schemas.openxmlformats.org/drawingml/2006/main" xmlns:r="http://schemas.openxmlformats.org/officeDocument/2006/relationships" xmlns:p="http://schemas.openxmlformats.org/presentationml/2006/main">
   <p:cSld>
@@ -17084,24 +17473,24 @@
           <a:lstStyle/>
           <a:p>
             <a:r>
-              <a:rPr lang="en-US" dirty="0"/>
-              <a:t>Considering load in the </a:t>
-            </a:r>
-            <a:r>
-              <a:rPr lang="en-US" dirty="0" smtClean="0"/>
-              <a:t>scheduling, </a:t>
-            </a:r>
-            <a:r>
-              <a:rPr lang="en-US" dirty="0"/>
-              <a:t>cont’d.</a:t>
-            </a:r>
-            <a:endParaRPr lang="sv-SE" dirty="0"/>
+              <a:rPr lang="en-US" dirty="0" smtClean="0"/>
+              <a:t>Future</a:t>
+            </a:r>
+            <a:r>
+              <a:rPr lang="sv-SE" dirty="0" smtClean="0"/>
+              <a:t> </a:t>
+            </a:r>
+            <a:r>
+              <a:rPr lang="en-US" dirty="0" smtClean="0"/>
+              <a:t>work</a:t>
+            </a:r>
+            <a:endParaRPr lang="en-US" dirty="0"/>
           </a:p>
         </p:txBody>
       </p:sp>
       <p:sp>
         <p:nvSpPr>
-          <p:cNvPr id="7" name="Platshållare för innehåll 6"/>
+          <p:cNvPr id="3" name="Platshållare för innehåll 2"/>
           <p:cNvSpPr>
             <a:spLocks noGrp="1"/>
           </p:cNvSpPr>
@@ -17114,39 +17503,126 @@
           <a:bodyPr/>
           <a:lstStyle/>
           <a:p>
+            <a:pPr>
+              <a:buFont typeface="Arial" panose="020B0604020202020204" pitchFamily="34" charset="0"/>
+              <a:buChar char="•"/>
+            </a:pPr>
             <a:r>
               <a:rPr lang="sv-SE" dirty="0" smtClean="0"/>
-              <a:t>[bild över </a:t>
-            </a:r>
-            <a:r>
-              <a:rPr lang="sv-SE" dirty="0" err="1" smtClean="0"/>
-              <a:t>usage</a:t>
+              <a:t> The </a:t>
+            </a:r>
+            <a:r>
+              <a:rPr lang="en-US" dirty="0" smtClean="0"/>
+              <a:t>reliability</a:t>
             </a:r>
             <a:r>
               <a:rPr lang="sv-SE" dirty="0" smtClean="0"/>
-              <a:t>]</a:t>
-            </a:r>
-            <a:endParaRPr lang="sv-SE" dirty="0"/>
+              <a:t> </a:t>
+            </a:r>
+            <a:r>
+              <a:rPr lang="en-US" dirty="0" smtClean="0"/>
+              <a:t>model</a:t>
+            </a:r>
+            <a:r>
+              <a:rPr lang="sv-SE" dirty="0" smtClean="0"/>
+              <a:t> is </a:t>
+            </a:r>
+            <a:r>
+              <a:rPr lang="en-US" dirty="0" smtClean="0"/>
+              <a:t>exchangeable. It can be extended through:</a:t>
+            </a:r>
+          </a:p>
+          <a:p>
+            <a:pPr lvl="1">
+              <a:buFont typeface="Arial" panose="020B0604020202020204" pitchFamily="34" charset="0"/>
+              <a:buChar char="•"/>
+            </a:pPr>
+            <a:r>
+              <a:rPr lang="en-US" dirty="0" smtClean="0"/>
+              <a:t>Adding more parameter, e.g. considering link failures</a:t>
+            </a:r>
+          </a:p>
+          <a:p>
+            <a:pPr lvl="1">
+              <a:buFont typeface="Arial" panose="020B0604020202020204" pitchFamily="34" charset="0"/>
+              <a:buChar char="•"/>
+            </a:pPr>
+            <a:r>
+              <a:rPr lang="en-US" dirty="0" smtClean="0"/>
+              <a:t>Applying machine learning</a:t>
+            </a:r>
+          </a:p>
+          <a:p>
+            <a:pPr>
+              <a:buFont typeface="Arial" panose="020B0604020202020204" pitchFamily="34" charset="0"/>
+              <a:buChar char="•"/>
+            </a:pPr>
+            <a:r>
+              <a:rPr lang="sv-SE" dirty="0"/>
+              <a:t> </a:t>
+            </a:r>
+            <a:r>
+              <a:rPr lang="en-US" dirty="0"/>
+              <a:t>Adding a consensus </a:t>
+            </a:r>
+            <a:r>
+              <a:rPr lang="en-US" dirty="0" smtClean="0"/>
+              <a:t>algorithm</a:t>
+            </a:r>
+          </a:p>
+          <a:p>
+            <a:pPr lvl="1">
+              <a:buFont typeface="Arial" panose="020B0604020202020204" pitchFamily="34" charset="0"/>
+              <a:buChar char="•"/>
+            </a:pPr>
+            <a:r>
+              <a:rPr lang="en-US" dirty="0" smtClean="0"/>
+              <a:t>Detect nodes producing the wrong result</a:t>
+            </a:r>
+            <a:endParaRPr lang="en-US" dirty="0"/>
+          </a:p>
+          <a:p>
+            <a:pPr>
+              <a:buFont typeface="Arial" panose="020B0604020202020204" pitchFamily="34" charset="0"/>
+              <a:buChar char="•"/>
+            </a:pPr>
+            <a:r>
+              <a:rPr lang="en-US" dirty="0" smtClean="0"/>
+              <a:t> The scheduling can be extended by</a:t>
+            </a:r>
+          </a:p>
+          <a:p>
+            <a:pPr lvl="1">
+              <a:buFont typeface="Arial" panose="020B0604020202020204" pitchFamily="34" charset="0"/>
+              <a:buChar char="•"/>
+            </a:pPr>
+            <a:r>
+              <a:rPr lang="en-US" dirty="0" smtClean="0"/>
+              <a:t>Not placing replicas in the same physical location, e.g. in the same rack.</a:t>
+            </a:r>
+          </a:p>
+          <a:p>
+            <a:pPr lvl="1">
+              <a:buFont typeface="Arial" panose="020B0604020202020204" pitchFamily="34" charset="0"/>
+              <a:buChar char="•"/>
+            </a:pPr>
+            <a:r>
+              <a:rPr lang="en-US" dirty="0" smtClean="0"/>
+              <a:t>Include nodes´ load and resources in the scheduling</a:t>
+            </a:r>
           </a:p>
         </p:txBody>
       </p:sp>
     </p:spTree>
     <p:extLst>
       <p:ext uri="{BB962C8B-B14F-4D97-AF65-F5344CB8AC3E}">
-        <p14:creationId xmlns:p14="http://schemas.microsoft.com/office/powerpoint/2010/main" val="4206540287"/>
+        <p14:creationId xmlns:p14="http://schemas.microsoft.com/office/powerpoint/2010/main" val="2715388920"/>
       </p:ext>
     </p:extLst>
   </p:cSld>
   <p:clrMapOvr>
     <a:masterClrMapping/>
   </p:clrMapOvr>
-  <p:timing>
-    <p:tnLst>
-      <p:par>
-        <p:cTn id="1" dur="indefinite" restart="never" nodeType="tmRoot"/>
-      </p:par>
-    </p:tnLst>
-  </p:timing>
 </p:sld>
 </file>
 
@@ -17188,6 +17664,239 @@
             </a:r>
             <a:r>
               <a:rPr lang="en-US" dirty="0" smtClean="0"/>
+              <a:t>scheduling</a:t>
+            </a:r>
+            <a:endParaRPr lang="en-US" dirty="0"/>
+          </a:p>
+        </p:txBody>
+      </p:sp>
+      <p:sp>
+        <p:nvSpPr>
+          <p:cNvPr id="3" name="Platshållare för innehåll 2"/>
+          <p:cNvSpPr>
+            <a:spLocks noGrp="1"/>
+          </p:cNvSpPr>
+          <p:nvPr>
+            <p:ph idx="1"/>
+          </p:nvPr>
+        </p:nvSpPr>
+        <p:spPr/>
+        <p:txBody>
+          <a:bodyPr/>
+          <a:lstStyle/>
+          <a:p>
+            <a:pPr>
+              <a:buFont typeface="Arial" panose="020B0604020202020204" pitchFamily="34" charset="0"/>
+              <a:buChar char="•"/>
+            </a:pPr>
+            <a:r>
+              <a:rPr lang="en-US" dirty="0" smtClean="0"/>
+              <a:t> We made an experiment where we had </a:t>
+            </a:r>
+          </a:p>
+          <a:p>
+            <a:pPr lvl="1">
+              <a:buFont typeface="Arial" panose="020B0604020202020204" pitchFamily="34" charset="0"/>
+              <a:buChar char="•"/>
+            </a:pPr>
+            <a:r>
+              <a:rPr lang="en-US" dirty="0" smtClean="0"/>
+              <a:t>2 reliable nodes (MTBF = 40 s) and </a:t>
+            </a:r>
+          </a:p>
+          <a:p>
+            <a:pPr lvl="1">
+              <a:buFont typeface="Arial" panose="020B0604020202020204" pitchFamily="34" charset="0"/>
+              <a:buChar char="•"/>
+            </a:pPr>
+            <a:r>
+              <a:rPr lang="en-US" dirty="0" smtClean="0"/>
+              <a:t>3 less reliable nodes (MTBF = 10 s). </a:t>
+            </a:r>
+          </a:p>
+          <a:p>
+            <a:pPr>
+              <a:buFont typeface="Arial" panose="020B0604020202020204" pitchFamily="34" charset="0"/>
+              <a:buChar char="•"/>
+            </a:pPr>
+            <a:r>
+              <a:rPr lang="en-US" dirty="0" smtClean="0"/>
+              <a:t> First all nodes had a low load, then we increased the load on one of the more reliable nodes and later decreased it again.</a:t>
+            </a:r>
+          </a:p>
+          <a:p>
+            <a:pPr>
+              <a:buFont typeface="Arial" panose="020B0604020202020204" pitchFamily="34" charset="0"/>
+              <a:buChar char="•"/>
+            </a:pPr>
+            <a:r>
+              <a:rPr lang="en-US" dirty="0" smtClean="0"/>
+              <a:t> We added a condition in the scheduling algorithm</a:t>
+            </a:r>
+          </a:p>
+          <a:p>
+            <a:pPr lvl="1">
+              <a:buFont typeface="Arial" panose="020B0604020202020204" pitchFamily="34" charset="0"/>
+              <a:buChar char="•"/>
+            </a:pPr>
+            <a:r>
+              <a:rPr lang="en-US" dirty="0" smtClean="0"/>
+              <a:t>If load &gt; MAX_PREFERRED_LOAD then place the task on another node if possible</a:t>
+            </a:r>
+            <a:endParaRPr lang="en-US" dirty="0"/>
+          </a:p>
+        </p:txBody>
+      </p:sp>
+    </p:spTree>
+    <p:extLst>
+      <p:ext uri="{BB962C8B-B14F-4D97-AF65-F5344CB8AC3E}">
+        <p14:creationId xmlns:p14="http://schemas.microsoft.com/office/powerpoint/2010/main" val="2029672156"/>
+      </p:ext>
+    </p:extLst>
+  </p:cSld>
+  <p:clrMapOvr>
+    <a:masterClrMapping/>
+  </p:clrMapOvr>
+</p:sld>
+</file>
+
+<file path=ppt/slides/slide66.xml><?xml version="1.0" encoding="utf-8"?>
+<p:sld xmlns:a="http://schemas.openxmlformats.org/drawingml/2006/main" xmlns:r="http://schemas.openxmlformats.org/officeDocument/2006/relationships" xmlns:p="http://schemas.openxmlformats.org/presentationml/2006/main">
+  <p:cSld>
+    <p:spTree>
+      <p:nvGrpSpPr>
+        <p:cNvPr id="1" name=""/>
+        <p:cNvGrpSpPr/>
+        <p:nvPr/>
+      </p:nvGrpSpPr>
+      <p:grpSpPr>
+        <a:xfrm>
+          <a:off x="0" y="0"/>
+          <a:ext cx="0" cy="0"/>
+          <a:chOff x="0" y="0"/>
+          <a:chExt cx="0" cy="0"/>
+        </a:xfrm>
+      </p:grpSpPr>
+      <p:sp>
+        <p:nvSpPr>
+          <p:cNvPr id="2" name="Rubrik 1"/>
+          <p:cNvSpPr>
+            <a:spLocks noGrp="1"/>
+          </p:cNvSpPr>
+          <p:nvPr>
+            <p:ph type="title"/>
+          </p:nvPr>
+        </p:nvSpPr>
+        <p:spPr/>
+        <p:txBody>
+          <a:bodyPr/>
+          <a:lstStyle/>
+          <a:p>
+            <a:r>
+              <a:rPr lang="en-US" dirty="0"/>
+              <a:t>Considering load in the </a:t>
+            </a:r>
+            <a:r>
+              <a:rPr lang="en-US" dirty="0" smtClean="0"/>
+              <a:t>scheduling, </a:t>
+            </a:r>
+            <a:r>
+              <a:rPr lang="en-US" dirty="0"/>
+              <a:t>cont’d.</a:t>
+            </a:r>
+            <a:endParaRPr lang="sv-SE" dirty="0"/>
+          </a:p>
+        </p:txBody>
+      </p:sp>
+      <p:sp>
+        <p:nvSpPr>
+          <p:cNvPr id="7" name="Platshållare för innehåll 6"/>
+          <p:cNvSpPr>
+            <a:spLocks noGrp="1"/>
+          </p:cNvSpPr>
+          <p:nvPr>
+            <p:ph idx="1"/>
+          </p:nvPr>
+        </p:nvSpPr>
+        <p:spPr/>
+        <p:txBody>
+          <a:bodyPr/>
+          <a:lstStyle/>
+          <a:p>
+            <a:r>
+              <a:rPr lang="sv-SE" dirty="0" smtClean="0"/>
+              <a:t>[bild över </a:t>
+            </a:r>
+            <a:r>
+              <a:rPr lang="sv-SE" dirty="0" err="1" smtClean="0"/>
+              <a:t>usage</a:t>
+            </a:r>
+            <a:r>
+              <a:rPr lang="sv-SE" dirty="0" smtClean="0"/>
+              <a:t>]</a:t>
+            </a:r>
+            <a:endParaRPr lang="sv-SE" dirty="0"/>
+          </a:p>
+        </p:txBody>
+      </p:sp>
+    </p:spTree>
+    <p:extLst>
+      <p:ext uri="{BB962C8B-B14F-4D97-AF65-F5344CB8AC3E}">
+        <p14:creationId xmlns:p14="http://schemas.microsoft.com/office/powerpoint/2010/main" val="4206540287"/>
+      </p:ext>
+    </p:extLst>
+  </p:cSld>
+  <p:clrMapOvr>
+    <a:masterClrMapping/>
+  </p:clrMapOvr>
+  <p:timing>
+    <p:tnLst>
+      <p:par>
+        <p:cTn id="1" dur="indefinite" restart="never" nodeType="tmRoot"/>
+      </p:par>
+    </p:tnLst>
+  </p:timing>
+</p:sld>
+</file>
+
+<file path=ppt/slides/slide67.xml><?xml version="1.0" encoding="utf-8"?>
+<p:sld xmlns:a="http://schemas.openxmlformats.org/drawingml/2006/main" xmlns:r="http://schemas.openxmlformats.org/officeDocument/2006/relationships" xmlns:p="http://schemas.openxmlformats.org/presentationml/2006/main">
+  <p:cSld>
+    <p:spTree>
+      <p:nvGrpSpPr>
+        <p:cNvPr id="1" name=""/>
+        <p:cNvGrpSpPr/>
+        <p:nvPr/>
+      </p:nvGrpSpPr>
+      <p:grpSpPr>
+        <a:xfrm>
+          <a:off x="0" y="0"/>
+          <a:ext cx="0" cy="0"/>
+          <a:chOff x="0" y="0"/>
+          <a:chExt cx="0" cy="0"/>
+        </a:xfrm>
+      </p:grpSpPr>
+      <p:sp>
+        <p:nvSpPr>
+          <p:cNvPr id="2" name="Rubrik 1"/>
+          <p:cNvSpPr>
+            <a:spLocks noGrp="1"/>
+          </p:cNvSpPr>
+          <p:nvPr>
+            <p:ph type="title"/>
+          </p:nvPr>
+        </p:nvSpPr>
+        <p:spPr/>
+        <p:txBody>
+          <a:bodyPr/>
+          <a:lstStyle/>
+          <a:p>
+            <a:r>
+              <a:rPr lang="en-US" dirty="0"/>
+              <a:t>Considering load in the </a:t>
+            </a:r>
+            <a:r>
+              <a:rPr lang="en-US" dirty="0" smtClean="0"/>
               <a:t>scheduling, </a:t>
             </a:r>
             <a:r>
@@ -17259,7 +17968,7 @@
 </p:sld>
 </file>
 
-<file path=ppt/slides/slide66.xml><?xml version="1.0" encoding="utf-8"?>
+<file path=ppt/slides/slide68.xml><?xml version="1.0" encoding="utf-8"?>
 <p:sld xmlns:a="http://schemas.openxmlformats.org/drawingml/2006/main" xmlns:r="http://schemas.openxmlformats.org/officeDocument/2006/relationships" xmlns:p="http://schemas.openxmlformats.org/presentationml/2006/main">
   <p:cSld>
     <p:spTree>
@@ -17432,7 +18141,7 @@
             </a:pPr>
             <a:r>
               <a:rPr lang="en-US" dirty="0" smtClean="0"/>
-              <a:t>We limit ourselves by only considering stream processing applications.</a:t>
+              <a:t>We limit ourselves by only considering stream processing applications</a:t>
             </a:r>
           </a:p>
           <a:p>
@@ -17460,7 +18169,7 @@
             </a:r>
             <a:r>
               <a:rPr lang="en-US" dirty="0" smtClean="0"/>
-              <a:t> will receive input from a producer, transform it, and send the result to a consumer.</a:t>
+              <a:t> will receive input from a producer, perform some computation on it, and send the result to a consumer</a:t>
             </a:r>
           </a:p>
           <a:p>
@@ -17488,7 +18197,7 @@
             </a:r>
             <a:r>
               <a:rPr lang="en-US" dirty="0" smtClean="0"/>
-              <a:t>, the replicas may not be synchronized. To avoid timing issues, it is assumed no external calls are made which depends on when the request is made. </a:t>
+              <a:t>, the replicas may not be synchronized. To avoid timing issues, it is assumed no external calls are made which depends on when the request is made</a:t>
             </a:r>
           </a:p>
           <a:p>
@@ -17516,7 +18225,7 @@
             </a:r>
             <a:r>
               <a:rPr lang="en-US" dirty="0" smtClean="0"/>
-              <a:t>, performs deterministic calculations on the input. If the replicas all receive the same input, they will all produce the same result.</a:t>
+              <a:t>, performs deterministic calculations on the input. If the replicas all receive the same input, they will all produce the same result</a:t>
             </a:r>
             <a:endParaRPr lang="en-US" dirty="0"/>
           </a:p>
@@ -17606,7 +18315,11 @@
           <a:p>
             <a:r>
               <a:rPr lang="en-US" dirty="0" smtClean="0"/>
-              <a:t>Fault model / Limitations</a:t>
+              <a:t>Fault model / </a:t>
+            </a:r>
+            <a:r>
+              <a:rPr lang="en-US" dirty="0" smtClean="0"/>
+              <a:t>limitations</a:t>
             </a:r>
             <a:endParaRPr lang="en-US" dirty="0"/>
           </a:p>
@@ -17781,7 +18494,7 @@
                 </a:r>
                 <a:r>
                   <a:rPr lang="en-US" dirty="0" smtClean="0"/>
-                  <a:t>process, which is a common assumption for failure with constant failure rates</a:t>
+                  <a:t>process, a common assumption when having constant failure rates</a:t>
                 </a:r>
                 <a:endParaRPr lang="en-US" dirty="0" smtClean="0"/>
               </a:p>

--- a/presentation/presentation.pptx
+++ b/presentation/presentation.pptx
@@ -4,6 +4,9 @@
   <p:sldMasterIdLst>
     <p:sldMasterId id="2147483673" r:id="rId1"/>
   </p:sldMasterIdLst>
+  <p:notesMasterIdLst>
+    <p:notesMasterId r:id="rId70"/>
+  </p:notesMasterIdLst>
   <p:sldIdLst>
     <p:sldId id="256" r:id="rId2"/>
     <p:sldId id="257" r:id="rId3"/>
@@ -177,6 +180,2121 @@
     </p:ext>
   </p:extLst>
 </p:presentation>
+</file>
+
+<file path=ppt/notesMasters/notesMaster1.xml><?xml version="1.0" encoding="utf-8"?>
+<p:notesMaster xmlns:a="http://schemas.openxmlformats.org/drawingml/2006/main" xmlns:r="http://schemas.openxmlformats.org/officeDocument/2006/relationships" xmlns:p="http://schemas.openxmlformats.org/presentationml/2006/main">
+  <p:cSld>
+    <p:bg>
+      <p:bgRef idx="1001">
+        <a:schemeClr val="bg1"/>
+      </p:bgRef>
+    </p:bg>
+    <p:spTree>
+      <p:nvGrpSpPr>
+        <p:cNvPr id="1" name=""/>
+        <p:cNvGrpSpPr/>
+        <p:nvPr/>
+      </p:nvGrpSpPr>
+      <p:grpSpPr>
+        <a:xfrm>
+          <a:off x="0" y="0"/>
+          <a:ext cx="0" cy="0"/>
+          <a:chOff x="0" y="0"/>
+          <a:chExt cx="0" cy="0"/>
+        </a:xfrm>
+      </p:grpSpPr>
+      <p:sp>
+        <p:nvSpPr>
+          <p:cNvPr id="2" name="Header Placeholder 1"/>
+          <p:cNvSpPr>
+            <a:spLocks noGrp="1"/>
+          </p:cNvSpPr>
+          <p:nvPr>
+            <p:ph type="hdr" sz="quarter"/>
+          </p:nvPr>
+        </p:nvSpPr>
+        <p:spPr>
+          <a:xfrm>
+            <a:off x="0" y="0"/>
+            <a:ext cx="2971800" cy="458788"/>
+          </a:xfrm>
+          <a:prstGeom prst="rect">
+            <a:avLst/>
+          </a:prstGeom>
+        </p:spPr>
+        <p:txBody>
+          <a:bodyPr vert="horz" lIns="91440" tIns="45720" rIns="91440" bIns="45720" rtlCol="0"/>
+          <a:lstStyle>
+            <a:lvl1pPr algn="l">
+              <a:defRPr sz="1200"/>
+            </a:lvl1pPr>
+          </a:lstStyle>
+          <a:p>
+            <a:endParaRPr lang="en-US"/>
+          </a:p>
+        </p:txBody>
+      </p:sp>
+      <p:sp>
+        <p:nvSpPr>
+          <p:cNvPr id="3" name="Date Placeholder 2"/>
+          <p:cNvSpPr>
+            <a:spLocks noGrp="1"/>
+          </p:cNvSpPr>
+          <p:nvPr>
+            <p:ph type="dt" idx="1"/>
+          </p:nvPr>
+        </p:nvSpPr>
+        <p:spPr>
+          <a:xfrm>
+            <a:off x="3884613" y="0"/>
+            <a:ext cx="2971800" cy="458788"/>
+          </a:xfrm>
+          <a:prstGeom prst="rect">
+            <a:avLst/>
+          </a:prstGeom>
+        </p:spPr>
+        <p:txBody>
+          <a:bodyPr vert="horz" lIns="91440" tIns="45720" rIns="91440" bIns="45720" rtlCol="0"/>
+          <a:lstStyle>
+            <a:lvl1pPr algn="r">
+              <a:defRPr sz="1200"/>
+            </a:lvl1pPr>
+          </a:lstStyle>
+          <a:p>
+            <a:fld id="{C325F682-9988-D94F-9A71-50A4F920F505}" type="datetimeFigureOut">
+              <a:rPr lang="en-US" smtClean="0"/>
+              <a:t>5/5/16</a:t>
+            </a:fld>
+            <a:endParaRPr lang="en-US"/>
+          </a:p>
+        </p:txBody>
+      </p:sp>
+      <p:sp>
+        <p:nvSpPr>
+          <p:cNvPr id="4" name="Slide Image Placeholder 3"/>
+          <p:cNvSpPr>
+            <a:spLocks noGrp="1" noRot="1" noChangeAspect="1"/>
+          </p:cNvSpPr>
+          <p:nvPr>
+            <p:ph type="sldImg" idx="2"/>
+          </p:nvPr>
+        </p:nvSpPr>
+        <p:spPr>
+          <a:xfrm>
+            <a:off x="685800" y="1143000"/>
+            <a:ext cx="5486400" cy="3086100"/>
+          </a:xfrm>
+          <a:prstGeom prst="rect">
+            <a:avLst/>
+          </a:prstGeom>
+          <a:noFill/>
+          <a:ln w="12700">
+            <a:solidFill>
+              <a:prstClr val="black"/>
+            </a:solidFill>
+          </a:ln>
+        </p:spPr>
+        <p:txBody>
+          <a:bodyPr vert="horz" lIns="91440" tIns="45720" rIns="91440" bIns="45720" rtlCol="0" anchor="ctr"/>
+          <a:lstStyle/>
+          <a:p>
+            <a:endParaRPr lang="en-US"/>
+          </a:p>
+        </p:txBody>
+      </p:sp>
+      <p:sp>
+        <p:nvSpPr>
+          <p:cNvPr id="5" name="Notes Placeholder 4"/>
+          <p:cNvSpPr>
+            <a:spLocks noGrp="1"/>
+          </p:cNvSpPr>
+          <p:nvPr>
+            <p:ph type="body" sz="quarter" idx="3"/>
+          </p:nvPr>
+        </p:nvSpPr>
+        <p:spPr>
+          <a:xfrm>
+            <a:off x="685800" y="4400550"/>
+            <a:ext cx="5486400" cy="3600450"/>
+          </a:xfrm>
+          <a:prstGeom prst="rect">
+            <a:avLst/>
+          </a:prstGeom>
+        </p:spPr>
+        <p:txBody>
+          <a:bodyPr vert="horz" lIns="91440" tIns="45720" rIns="91440" bIns="45720" rtlCol="0"/>
+          <a:lstStyle/>
+          <a:p>
+            <a:pPr lvl="0"/>
+            <a:r>
+              <a:rPr lang="en-US" smtClean="0"/>
+              <a:t>Click to edit Master text styles</a:t>
+            </a:r>
+          </a:p>
+          <a:p>
+            <a:pPr lvl="1"/>
+            <a:r>
+              <a:rPr lang="en-US" smtClean="0"/>
+              <a:t>Second level</a:t>
+            </a:r>
+          </a:p>
+          <a:p>
+            <a:pPr lvl="2"/>
+            <a:r>
+              <a:rPr lang="en-US" smtClean="0"/>
+              <a:t>Third level</a:t>
+            </a:r>
+          </a:p>
+          <a:p>
+            <a:pPr lvl="3"/>
+            <a:r>
+              <a:rPr lang="en-US" smtClean="0"/>
+              <a:t>Fourth level</a:t>
+            </a:r>
+          </a:p>
+          <a:p>
+            <a:pPr lvl="4"/>
+            <a:r>
+              <a:rPr lang="en-US" smtClean="0"/>
+              <a:t>Fifth level</a:t>
+            </a:r>
+            <a:endParaRPr lang="en-US"/>
+          </a:p>
+        </p:txBody>
+      </p:sp>
+      <p:sp>
+        <p:nvSpPr>
+          <p:cNvPr id="6" name="Footer Placeholder 5"/>
+          <p:cNvSpPr>
+            <a:spLocks noGrp="1"/>
+          </p:cNvSpPr>
+          <p:nvPr>
+            <p:ph type="ftr" sz="quarter" idx="4"/>
+          </p:nvPr>
+        </p:nvSpPr>
+        <p:spPr>
+          <a:xfrm>
+            <a:off x="0" y="8685213"/>
+            <a:ext cx="2971800" cy="458787"/>
+          </a:xfrm>
+          <a:prstGeom prst="rect">
+            <a:avLst/>
+          </a:prstGeom>
+        </p:spPr>
+        <p:txBody>
+          <a:bodyPr vert="horz" lIns="91440" tIns="45720" rIns="91440" bIns="45720" rtlCol="0" anchor="b"/>
+          <a:lstStyle>
+            <a:lvl1pPr algn="l">
+              <a:defRPr sz="1200"/>
+            </a:lvl1pPr>
+          </a:lstStyle>
+          <a:p>
+            <a:endParaRPr lang="en-US"/>
+          </a:p>
+        </p:txBody>
+      </p:sp>
+      <p:sp>
+        <p:nvSpPr>
+          <p:cNvPr id="7" name="Slide Number Placeholder 6"/>
+          <p:cNvSpPr>
+            <a:spLocks noGrp="1"/>
+          </p:cNvSpPr>
+          <p:nvPr>
+            <p:ph type="sldNum" sz="quarter" idx="5"/>
+          </p:nvPr>
+        </p:nvSpPr>
+        <p:spPr>
+          <a:xfrm>
+            <a:off x="3884613" y="8685213"/>
+            <a:ext cx="2971800" cy="458787"/>
+          </a:xfrm>
+          <a:prstGeom prst="rect">
+            <a:avLst/>
+          </a:prstGeom>
+        </p:spPr>
+        <p:txBody>
+          <a:bodyPr vert="horz" lIns="91440" tIns="45720" rIns="91440" bIns="45720" rtlCol="0" anchor="b"/>
+          <a:lstStyle>
+            <a:lvl1pPr algn="r">
+              <a:defRPr sz="1200"/>
+            </a:lvl1pPr>
+          </a:lstStyle>
+          <a:p>
+            <a:fld id="{100650DF-8CBF-0341-B1F9-47D0C0CD302F}" type="slidenum">
+              <a:rPr lang="en-US" smtClean="0"/>
+              <a:t>‹#›</a:t>
+            </a:fld>
+            <a:endParaRPr lang="en-US"/>
+          </a:p>
+        </p:txBody>
+      </p:sp>
+    </p:spTree>
+    <p:extLst>
+      <p:ext uri="{BB962C8B-B14F-4D97-AF65-F5344CB8AC3E}">
+        <p14:creationId xmlns:p14="http://schemas.microsoft.com/office/powerpoint/2010/main" val="236523252"/>
+      </p:ext>
+    </p:extLst>
+  </p:cSld>
+  <p:clrMap bg1="lt1" tx1="dk1" bg2="lt2" tx2="dk2" accent1="accent1" accent2="accent2" accent3="accent3" accent4="accent4" accent5="accent5" accent6="accent6" hlink="hlink" folHlink="folHlink"/>
+  <p:notesStyle>
+    <a:lvl1pPr marL="0" algn="l" defTabSz="914400" rtl="0" eaLnBrk="1" latinLnBrk="0" hangingPunct="1">
+      <a:defRPr sz="1200" kern="1200">
+        <a:solidFill>
+          <a:schemeClr val="tx1"/>
+        </a:solidFill>
+        <a:latin typeface="+mn-lt"/>
+        <a:ea typeface="+mn-ea"/>
+        <a:cs typeface="+mn-cs"/>
+      </a:defRPr>
+    </a:lvl1pPr>
+    <a:lvl2pPr marL="457200" algn="l" defTabSz="914400" rtl="0" eaLnBrk="1" latinLnBrk="0" hangingPunct="1">
+      <a:defRPr sz="1200" kern="1200">
+        <a:solidFill>
+          <a:schemeClr val="tx1"/>
+        </a:solidFill>
+        <a:latin typeface="+mn-lt"/>
+        <a:ea typeface="+mn-ea"/>
+        <a:cs typeface="+mn-cs"/>
+      </a:defRPr>
+    </a:lvl2pPr>
+    <a:lvl3pPr marL="914400" algn="l" defTabSz="914400" rtl="0" eaLnBrk="1" latinLnBrk="0" hangingPunct="1">
+      <a:defRPr sz="1200" kern="1200">
+        <a:solidFill>
+          <a:schemeClr val="tx1"/>
+        </a:solidFill>
+        <a:latin typeface="+mn-lt"/>
+        <a:ea typeface="+mn-ea"/>
+        <a:cs typeface="+mn-cs"/>
+      </a:defRPr>
+    </a:lvl3pPr>
+    <a:lvl4pPr marL="1371600" algn="l" defTabSz="914400" rtl="0" eaLnBrk="1" latinLnBrk="0" hangingPunct="1">
+      <a:defRPr sz="1200" kern="1200">
+        <a:solidFill>
+          <a:schemeClr val="tx1"/>
+        </a:solidFill>
+        <a:latin typeface="+mn-lt"/>
+        <a:ea typeface="+mn-ea"/>
+        <a:cs typeface="+mn-cs"/>
+      </a:defRPr>
+    </a:lvl4pPr>
+    <a:lvl5pPr marL="1828800" algn="l" defTabSz="914400" rtl="0" eaLnBrk="1" latinLnBrk="0" hangingPunct="1">
+      <a:defRPr sz="1200" kern="1200">
+        <a:solidFill>
+          <a:schemeClr val="tx1"/>
+        </a:solidFill>
+        <a:latin typeface="+mn-lt"/>
+        <a:ea typeface="+mn-ea"/>
+        <a:cs typeface="+mn-cs"/>
+      </a:defRPr>
+    </a:lvl5pPr>
+    <a:lvl6pPr marL="2286000" algn="l" defTabSz="914400" rtl="0" eaLnBrk="1" latinLnBrk="0" hangingPunct="1">
+      <a:defRPr sz="1200" kern="1200">
+        <a:solidFill>
+          <a:schemeClr val="tx1"/>
+        </a:solidFill>
+        <a:latin typeface="+mn-lt"/>
+        <a:ea typeface="+mn-ea"/>
+        <a:cs typeface="+mn-cs"/>
+      </a:defRPr>
+    </a:lvl6pPr>
+    <a:lvl7pPr marL="2743200" algn="l" defTabSz="914400" rtl="0" eaLnBrk="1" latinLnBrk="0" hangingPunct="1">
+      <a:defRPr sz="1200" kern="1200">
+        <a:solidFill>
+          <a:schemeClr val="tx1"/>
+        </a:solidFill>
+        <a:latin typeface="+mn-lt"/>
+        <a:ea typeface="+mn-ea"/>
+        <a:cs typeface="+mn-cs"/>
+      </a:defRPr>
+    </a:lvl7pPr>
+    <a:lvl8pPr marL="3200400" algn="l" defTabSz="914400" rtl="0" eaLnBrk="1" latinLnBrk="0" hangingPunct="1">
+      <a:defRPr sz="1200" kern="1200">
+        <a:solidFill>
+          <a:schemeClr val="tx1"/>
+        </a:solidFill>
+        <a:latin typeface="+mn-lt"/>
+        <a:ea typeface="+mn-ea"/>
+        <a:cs typeface="+mn-cs"/>
+      </a:defRPr>
+    </a:lvl8pPr>
+    <a:lvl9pPr marL="3657600" algn="l" defTabSz="914400" rtl="0" eaLnBrk="1" latinLnBrk="0" hangingPunct="1">
+      <a:defRPr sz="1200" kern="1200">
+        <a:solidFill>
+          <a:schemeClr val="tx1"/>
+        </a:solidFill>
+        <a:latin typeface="+mn-lt"/>
+        <a:ea typeface="+mn-ea"/>
+        <a:cs typeface="+mn-cs"/>
+      </a:defRPr>
+    </a:lvl9pPr>
+  </p:notesStyle>
+</p:notesMaster>
+</file>
+
+<file path=ppt/notesSlides/notesSlide1.xml><?xml version="1.0" encoding="utf-8"?>
+<p:notes xmlns:a="http://schemas.openxmlformats.org/drawingml/2006/main" xmlns:r="http://schemas.openxmlformats.org/officeDocument/2006/relationships" xmlns:p="http://schemas.openxmlformats.org/presentationml/2006/main">
+  <p:cSld>
+    <p:spTree>
+      <p:nvGrpSpPr>
+        <p:cNvPr id="1" name=""/>
+        <p:cNvGrpSpPr/>
+        <p:nvPr/>
+      </p:nvGrpSpPr>
+      <p:grpSpPr>
+        <a:xfrm>
+          <a:off x="0" y="0"/>
+          <a:ext cx="0" cy="0"/>
+          <a:chOff x="0" y="0"/>
+          <a:chExt cx="0" cy="0"/>
+        </a:xfrm>
+      </p:grpSpPr>
+      <p:sp>
+        <p:nvSpPr>
+          <p:cNvPr id="2" name="Slide Image Placeholder 1"/>
+          <p:cNvSpPr>
+            <a:spLocks noGrp="1" noRot="1" noChangeAspect="1"/>
+          </p:cNvSpPr>
+          <p:nvPr>
+            <p:ph type="sldImg"/>
+          </p:nvPr>
+        </p:nvSpPr>
+        <p:spPr/>
+      </p:sp>
+      <p:sp>
+        <p:nvSpPr>
+          <p:cNvPr id="3" name="Notes Placeholder 2"/>
+          <p:cNvSpPr>
+            <a:spLocks noGrp="1"/>
+          </p:cNvSpPr>
+          <p:nvPr>
+            <p:ph type="body" idx="1"/>
+          </p:nvPr>
+        </p:nvSpPr>
+        <p:spPr/>
+        <p:txBody>
+          <a:bodyPr/>
+          <a:lstStyle/>
+          <a:p>
+            <a:r>
+              <a:rPr lang="en-US" dirty="0" err="1" smtClean="0"/>
+              <a:t>Tillförse</a:t>
+            </a:r>
+            <a:r>
+              <a:rPr lang="en-US" dirty="0" smtClean="0"/>
+              <a:t> en </a:t>
+            </a:r>
+            <a:r>
+              <a:rPr lang="en-US" dirty="0" err="1" smtClean="0"/>
+              <a:t>viss</a:t>
+            </a:r>
+            <a:r>
+              <a:rPr lang="en-US" dirty="0" smtClean="0"/>
+              <a:t> </a:t>
+            </a:r>
+            <a:r>
+              <a:rPr lang="en-US" dirty="0" err="1" smtClean="0"/>
+              <a:t>tillförlitlighetsnivå</a:t>
+            </a:r>
+            <a:r>
+              <a:rPr lang="en-US" dirty="0" smtClean="0"/>
+              <a:t> </a:t>
+            </a:r>
+            <a:r>
+              <a:rPr lang="en-US" dirty="0" err="1" smtClean="0"/>
+              <a:t>för</a:t>
+            </a:r>
+            <a:r>
+              <a:rPr lang="en-US" dirty="0" smtClean="0"/>
+              <a:t> </a:t>
+            </a:r>
+            <a:r>
+              <a:rPr lang="en-US" dirty="0" err="1" smtClean="0"/>
+              <a:t>applikationer</a:t>
+            </a:r>
+            <a:r>
+              <a:rPr lang="en-US" baseline="0" dirty="0" smtClean="0"/>
+              <a:t> </a:t>
+            </a:r>
+            <a:r>
+              <a:rPr lang="en-US" baseline="0" dirty="0" err="1" smtClean="0"/>
+              <a:t>och</a:t>
+            </a:r>
+            <a:r>
+              <a:rPr lang="en-US" baseline="0" dirty="0" smtClean="0"/>
+              <a:t> </a:t>
+            </a:r>
+            <a:r>
+              <a:rPr lang="en-US" baseline="0" dirty="0" err="1" smtClean="0"/>
+              <a:t>tjänster</a:t>
+            </a:r>
+            <a:r>
+              <a:rPr lang="en-US" baseline="0" dirty="0" smtClean="0"/>
+              <a:t> </a:t>
+            </a:r>
+            <a:r>
+              <a:rPr lang="en-US" baseline="0" dirty="0" err="1" smtClean="0"/>
+              <a:t>som</a:t>
+            </a:r>
+            <a:r>
+              <a:rPr lang="en-US" baseline="0" dirty="0" smtClean="0"/>
+              <a:t> </a:t>
+            </a:r>
+            <a:r>
+              <a:rPr lang="en-US" baseline="0" dirty="0" err="1" smtClean="0"/>
+              <a:t>kör</a:t>
+            </a:r>
+            <a:r>
+              <a:rPr lang="en-US" baseline="0" dirty="0" smtClean="0"/>
+              <a:t> </a:t>
+            </a:r>
+            <a:r>
+              <a:rPr lang="en-US" baseline="0" dirty="0" err="1" smtClean="0"/>
+              <a:t>distribuerat</a:t>
+            </a:r>
+            <a:r>
+              <a:rPr lang="en-US" baseline="0" dirty="0" smtClean="0"/>
+              <a:t> </a:t>
+            </a:r>
+            <a:r>
+              <a:rPr lang="en-US" baseline="0" dirty="0" err="1" smtClean="0"/>
+              <a:t>är</a:t>
+            </a:r>
+            <a:r>
+              <a:rPr lang="en-US" baseline="0" dirty="0" smtClean="0"/>
+              <a:t> </a:t>
+            </a:r>
+            <a:r>
+              <a:rPr lang="en-US" baseline="0" dirty="0" err="1" smtClean="0"/>
+              <a:t>svårt</a:t>
+            </a:r>
+            <a:r>
+              <a:rPr lang="en-US" baseline="0" dirty="0" smtClean="0"/>
+              <a:t> </a:t>
+            </a:r>
+            <a:r>
+              <a:rPr lang="en-US" baseline="0" dirty="0" err="1" smtClean="0"/>
+              <a:t>av</a:t>
+            </a:r>
+            <a:r>
+              <a:rPr lang="en-US" baseline="0" dirty="0" smtClean="0"/>
+              <a:t> </a:t>
+            </a:r>
+            <a:r>
+              <a:rPr lang="en-US" baseline="0" dirty="0" err="1" smtClean="0"/>
+              <a:t>flera</a:t>
+            </a:r>
+            <a:r>
+              <a:rPr lang="en-US" baseline="0" dirty="0" smtClean="0"/>
+              <a:t> </a:t>
+            </a:r>
+            <a:r>
+              <a:rPr lang="en-US" baseline="0" dirty="0" err="1" smtClean="0"/>
+              <a:t>skäl</a:t>
+            </a:r>
+            <a:r>
+              <a:rPr lang="en-US" baseline="0" dirty="0" smtClean="0"/>
+              <a:t>.</a:t>
+            </a:r>
+            <a:br>
+              <a:rPr lang="en-US" baseline="0" dirty="0" smtClean="0"/>
+            </a:br>
+            <a:endParaRPr lang="sv-SE" baseline="0" dirty="0" smtClean="0"/>
+          </a:p>
+          <a:p>
+            <a:r>
+              <a:rPr lang="sv-SE" baseline="0" dirty="0" smtClean="0"/>
+              <a:t>Först och främst så ökar risken för att ett fel inträffar desto fler tjänster/</a:t>
+            </a:r>
+            <a:r>
+              <a:rPr lang="sv-SE" baseline="0" dirty="0" err="1" smtClean="0"/>
+              <a:t>resources</a:t>
+            </a:r>
+            <a:r>
+              <a:rPr lang="sv-SE" baseline="0" dirty="0" smtClean="0"/>
+              <a:t> som används.</a:t>
+            </a:r>
+          </a:p>
+          <a:p>
+            <a:r>
+              <a:rPr lang="sv-SE" baseline="0" dirty="0" smtClean="0"/>
+              <a:t>Vidare är det väldigt svårt att fullständigt modellera tillförlitligheten i sådana miljöer. Det finns till exempel oändligt med parametrar att ta hänsyn till när man beräknar tillförlitligheten.</a:t>
+            </a:r>
+          </a:p>
+          <a:p>
+            <a:endParaRPr lang="sv-SE" baseline="0" dirty="0" smtClean="0"/>
+          </a:p>
+          <a:p>
+            <a:r>
+              <a:rPr lang="sv-SE" baseline="0" dirty="0" smtClean="0"/>
+              <a:t>För streaming tjänster är just tillförlitlighet av stor betydelse eftersom man kan förlora viktig data om ett fel inträffar</a:t>
+            </a:r>
+          </a:p>
+          <a:p>
+            <a:endParaRPr lang="sv-SE" baseline="0" dirty="0" smtClean="0"/>
+          </a:p>
+          <a:p>
+            <a:r>
+              <a:rPr lang="sv-SE" baseline="0" dirty="0" smtClean="0"/>
+              <a:t>Vidare så vill inte användare av sådana tjänster bry sig om hur en viss tillförlitlighet uppnås, enbart att den gör det. Därför är det upp till de som tillgodoser dessa tjänster att göra detta.</a:t>
+            </a:r>
+            <a:endParaRPr lang="en-US" dirty="0"/>
+          </a:p>
+        </p:txBody>
+      </p:sp>
+      <p:sp>
+        <p:nvSpPr>
+          <p:cNvPr id="4" name="Slide Number Placeholder 3"/>
+          <p:cNvSpPr>
+            <a:spLocks noGrp="1"/>
+          </p:cNvSpPr>
+          <p:nvPr>
+            <p:ph type="sldNum" sz="quarter" idx="10"/>
+          </p:nvPr>
+        </p:nvSpPr>
+        <p:spPr/>
+        <p:txBody>
+          <a:bodyPr/>
+          <a:lstStyle/>
+          <a:p>
+            <a:fld id="{100650DF-8CBF-0341-B1F9-47D0C0CD302F}" type="slidenum">
+              <a:rPr lang="en-US" smtClean="0"/>
+              <a:t>3</a:t>
+            </a:fld>
+            <a:endParaRPr lang="en-US"/>
+          </a:p>
+        </p:txBody>
+      </p:sp>
+    </p:spTree>
+    <p:extLst>
+      <p:ext uri="{BB962C8B-B14F-4D97-AF65-F5344CB8AC3E}">
+        <p14:creationId xmlns:p14="http://schemas.microsoft.com/office/powerpoint/2010/main" val="885855733"/>
+      </p:ext>
+    </p:extLst>
+  </p:cSld>
+  <p:clrMapOvr>
+    <a:masterClrMapping/>
+  </p:clrMapOvr>
+</p:notes>
+</file>
+
+<file path=ppt/notesSlides/notesSlide2.xml><?xml version="1.0" encoding="utf-8"?>
+<p:notes xmlns:a="http://schemas.openxmlformats.org/drawingml/2006/main" xmlns:r="http://schemas.openxmlformats.org/officeDocument/2006/relationships" xmlns:p="http://schemas.openxmlformats.org/presentationml/2006/main">
+  <p:cSld>
+    <p:spTree>
+      <p:nvGrpSpPr>
+        <p:cNvPr id="1" name=""/>
+        <p:cNvGrpSpPr/>
+        <p:nvPr/>
+      </p:nvGrpSpPr>
+      <p:grpSpPr>
+        <a:xfrm>
+          <a:off x="0" y="0"/>
+          <a:ext cx="0" cy="0"/>
+          <a:chOff x="0" y="0"/>
+          <a:chExt cx="0" cy="0"/>
+        </a:xfrm>
+      </p:grpSpPr>
+      <p:sp>
+        <p:nvSpPr>
+          <p:cNvPr id="2" name="Slide Image Placeholder 1"/>
+          <p:cNvSpPr>
+            <a:spLocks noGrp="1" noRot="1" noChangeAspect="1"/>
+          </p:cNvSpPr>
+          <p:nvPr>
+            <p:ph type="sldImg"/>
+          </p:nvPr>
+        </p:nvSpPr>
+        <p:spPr/>
+      </p:sp>
+      <p:sp>
+        <p:nvSpPr>
+          <p:cNvPr id="3" name="Notes Placeholder 2"/>
+          <p:cNvSpPr>
+            <a:spLocks noGrp="1"/>
+          </p:cNvSpPr>
+          <p:nvPr>
+            <p:ph type="body" idx="1"/>
+          </p:nvPr>
+        </p:nvSpPr>
+        <p:spPr/>
+        <p:txBody>
+          <a:bodyPr/>
+          <a:lstStyle/>
+          <a:p>
+            <a:r>
+              <a:rPr lang="en-US" dirty="0" err="1" smtClean="0"/>
+              <a:t>Målet</a:t>
+            </a:r>
+            <a:r>
+              <a:rPr lang="en-US" dirty="0" smtClean="0"/>
+              <a:t> med </a:t>
+            </a:r>
+            <a:r>
+              <a:rPr lang="en-US" dirty="0" err="1" smtClean="0"/>
+              <a:t>vårt</a:t>
+            </a:r>
+            <a:r>
+              <a:rPr lang="en-US" dirty="0" smtClean="0"/>
+              <a:t> </a:t>
+            </a:r>
+            <a:r>
+              <a:rPr lang="en-US" dirty="0" err="1" smtClean="0"/>
+              <a:t>exjobb</a:t>
+            </a:r>
+            <a:r>
+              <a:rPr lang="en-US" dirty="0" smtClean="0"/>
+              <a:t> </a:t>
+            </a:r>
+            <a:r>
+              <a:rPr lang="en-US" dirty="0" err="1" smtClean="0"/>
+              <a:t>är</a:t>
+            </a:r>
+            <a:r>
+              <a:rPr lang="en-US" baseline="0" dirty="0" smtClean="0"/>
+              <a:t> </a:t>
+            </a:r>
+            <a:r>
+              <a:rPr lang="en-US" baseline="0" dirty="0" err="1" smtClean="0"/>
+              <a:t>att</a:t>
+            </a:r>
+            <a:r>
+              <a:rPr lang="en-US" baseline="0" dirty="0" smtClean="0"/>
+              <a:t> </a:t>
+            </a:r>
+            <a:r>
+              <a:rPr lang="en-US" baseline="0" dirty="0" err="1" smtClean="0"/>
+              <a:t>utforma</a:t>
+            </a:r>
+            <a:r>
+              <a:rPr lang="en-US" baseline="0" dirty="0" smtClean="0"/>
+              <a:t> en model </a:t>
+            </a:r>
+            <a:r>
+              <a:rPr lang="en-US" baseline="0" dirty="0" err="1" smtClean="0"/>
+              <a:t>för</a:t>
+            </a:r>
+            <a:r>
+              <a:rPr lang="en-US" baseline="0" dirty="0" smtClean="0"/>
+              <a:t> </a:t>
+            </a:r>
+            <a:r>
+              <a:rPr lang="en-US" baseline="0" dirty="0" err="1" smtClean="0"/>
+              <a:t>att</a:t>
+            </a:r>
+            <a:r>
+              <a:rPr lang="en-US" baseline="0" dirty="0" smtClean="0"/>
+              <a:t> </a:t>
+            </a:r>
+            <a:r>
+              <a:rPr lang="en-US" baseline="0" dirty="0" err="1" smtClean="0"/>
+              <a:t>dynamiskt</a:t>
+            </a:r>
+            <a:r>
+              <a:rPr lang="en-US" baseline="0" dirty="0" smtClean="0"/>
+              <a:t> </a:t>
+            </a:r>
+            <a:r>
+              <a:rPr lang="en-US" baseline="0" dirty="0" err="1" smtClean="0"/>
+              <a:t>tillgodose</a:t>
+            </a:r>
+            <a:r>
+              <a:rPr lang="en-US" baseline="0" dirty="0" smtClean="0"/>
+              <a:t> en </a:t>
+            </a:r>
+            <a:r>
+              <a:rPr lang="en-US" baseline="0" dirty="0" err="1" smtClean="0"/>
+              <a:t>viss</a:t>
+            </a:r>
+            <a:r>
+              <a:rPr lang="en-US" baseline="0" dirty="0" smtClean="0"/>
+              <a:t> </a:t>
+            </a:r>
+            <a:r>
+              <a:rPr lang="en-US" baseline="0" dirty="0" err="1" smtClean="0"/>
+              <a:t>tillförlitlighetsnivå</a:t>
+            </a:r>
+            <a:r>
+              <a:rPr lang="en-US" baseline="0" dirty="0" smtClean="0"/>
+              <a:t> </a:t>
+            </a:r>
+            <a:r>
+              <a:rPr lang="en-US" baseline="0" dirty="0" err="1" smtClean="0"/>
+              <a:t>för</a:t>
+            </a:r>
+            <a:r>
+              <a:rPr lang="en-US" baseline="0" dirty="0" smtClean="0"/>
+              <a:t> </a:t>
+            </a:r>
+            <a:r>
+              <a:rPr lang="en-US" baseline="0" dirty="0" err="1" smtClean="0"/>
+              <a:t>applikationer</a:t>
+            </a:r>
+            <a:r>
+              <a:rPr lang="en-US" baseline="0" dirty="0" smtClean="0"/>
+              <a:t> </a:t>
+            </a:r>
+            <a:r>
+              <a:rPr lang="en-US" baseline="0" dirty="0" err="1" smtClean="0"/>
+              <a:t>och</a:t>
+            </a:r>
+            <a:r>
+              <a:rPr lang="en-US" baseline="0" dirty="0" smtClean="0"/>
+              <a:t> </a:t>
+            </a:r>
+            <a:r>
+              <a:rPr lang="en-US" baseline="0" dirty="0" err="1" smtClean="0"/>
+              <a:t>tjänster</a:t>
+            </a:r>
+            <a:r>
+              <a:rPr lang="en-US" baseline="0" dirty="0" smtClean="0"/>
+              <a:t> </a:t>
+            </a:r>
+            <a:r>
+              <a:rPr lang="en-US" baseline="0" dirty="0" err="1" smtClean="0"/>
+              <a:t>som</a:t>
+            </a:r>
+            <a:r>
+              <a:rPr lang="en-US" baseline="0" dirty="0" smtClean="0"/>
+              <a:t> </a:t>
+            </a:r>
+            <a:r>
+              <a:rPr lang="en-US" baseline="0" dirty="0" err="1" smtClean="0"/>
+              <a:t>körs</a:t>
+            </a:r>
+            <a:r>
+              <a:rPr lang="en-US" baseline="0" dirty="0" smtClean="0"/>
+              <a:t> </a:t>
+            </a:r>
+            <a:r>
+              <a:rPr lang="en-US" baseline="0" dirty="0" err="1" smtClean="0"/>
+              <a:t>distributerat</a:t>
+            </a:r>
+            <a:r>
+              <a:rPr lang="en-US" baseline="0" dirty="0" smtClean="0"/>
+              <a:t>.</a:t>
+            </a:r>
+          </a:p>
+          <a:p>
+            <a:endParaRPr lang="en-US" baseline="0" dirty="0" smtClean="0"/>
+          </a:p>
+          <a:p>
+            <a:r>
+              <a:rPr lang="en-US" baseline="0" dirty="0" err="1" smtClean="0"/>
+              <a:t>För</a:t>
+            </a:r>
+            <a:r>
+              <a:rPr lang="en-US" baseline="0" dirty="0" smtClean="0"/>
+              <a:t> </a:t>
+            </a:r>
+            <a:r>
+              <a:rPr lang="en-US" baseline="0" dirty="0" err="1" smtClean="0"/>
+              <a:t>att</a:t>
+            </a:r>
+            <a:r>
+              <a:rPr lang="en-US" baseline="0" dirty="0" smtClean="0"/>
+              <a:t> </a:t>
+            </a:r>
+            <a:r>
+              <a:rPr lang="en-US" baseline="0" dirty="0" err="1" smtClean="0"/>
+              <a:t>göra</a:t>
+            </a:r>
+            <a:r>
+              <a:rPr lang="en-US" baseline="0" dirty="0" smtClean="0"/>
+              <a:t> </a:t>
+            </a:r>
+            <a:r>
+              <a:rPr lang="en-US" baseline="0" dirty="0" err="1" smtClean="0"/>
+              <a:t>detta</a:t>
+            </a:r>
+            <a:r>
+              <a:rPr lang="en-US" baseline="0" dirty="0" smtClean="0"/>
+              <a:t>, </a:t>
+            </a:r>
+            <a:r>
+              <a:rPr lang="en-US" baseline="0" dirty="0" err="1" smtClean="0"/>
+              <a:t>så</a:t>
+            </a:r>
+            <a:r>
+              <a:rPr lang="en-US" baseline="0" dirty="0" smtClean="0"/>
+              <a:t> </a:t>
+            </a:r>
+            <a:r>
+              <a:rPr lang="en-US" baseline="0" dirty="0" err="1" smtClean="0"/>
+              <a:t>har</a:t>
+            </a:r>
+            <a:r>
+              <a:rPr lang="en-US" baseline="0" dirty="0" smtClean="0"/>
+              <a:t> en </a:t>
+            </a:r>
+            <a:r>
+              <a:rPr lang="en-US" baseline="0" dirty="0" err="1" smtClean="0"/>
+              <a:t>tillförlitlighetsmodel</a:t>
+            </a:r>
+            <a:r>
+              <a:rPr lang="en-US" baseline="0" dirty="0" smtClean="0"/>
+              <a:t> </a:t>
+            </a:r>
+            <a:r>
+              <a:rPr lang="en-US" baseline="0" dirty="0" err="1" smtClean="0"/>
+              <a:t>designats</a:t>
+            </a:r>
+            <a:r>
+              <a:rPr lang="en-US" baseline="0" dirty="0" smtClean="0"/>
+              <a:t>, </a:t>
+            </a:r>
+            <a:r>
+              <a:rPr lang="en-US" baseline="0" dirty="0" err="1" smtClean="0"/>
+              <a:t>för</a:t>
+            </a:r>
+            <a:r>
+              <a:rPr lang="en-US" baseline="0" dirty="0" smtClean="0"/>
+              <a:t> </a:t>
+            </a:r>
+            <a:r>
+              <a:rPr lang="en-US" baseline="0" dirty="0" err="1" smtClean="0"/>
+              <a:t>att</a:t>
+            </a:r>
+            <a:r>
+              <a:rPr lang="en-US" baseline="0" dirty="0" smtClean="0"/>
+              <a:t> </a:t>
+            </a:r>
+            <a:r>
+              <a:rPr lang="en-US" baseline="0" dirty="0" err="1" smtClean="0"/>
+              <a:t>bestämma</a:t>
+            </a:r>
+            <a:r>
+              <a:rPr lang="en-US" baseline="0" dirty="0" smtClean="0"/>
+              <a:t> </a:t>
+            </a:r>
+            <a:r>
+              <a:rPr lang="en-US" baseline="0" dirty="0" err="1" smtClean="0"/>
+              <a:t>tillförlitligheten</a:t>
+            </a:r>
+            <a:r>
+              <a:rPr lang="en-US" baseline="0" dirty="0" smtClean="0"/>
+              <a:t> hos </a:t>
+            </a:r>
+            <a:r>
+              <a:rPr lang="en-US" baseline="0" dirty="0" err="1" smtClean="0"/>
+              <a:t>noderna</a:t>
+            </a:r>
+            <a:r>
+              <a:rPr lang="en-US" baseline="0" dirty="0" smtClean="0"/>
+              <a:t> </a:t>
+            </a:r>
+            <a:r>
+              <a:rPr lang="en-US" baseline="0" dirty="0" err="1" smtClean="0"/>
+              <a:t>i</a:t>
+            </a:r>
+            <a:r>
+              <a:rPr lang="en-US" baseline="0" dirty="0" smtClean="0"/>
+              <a:t> en </a:t>
+            </a:r>
+            <a:r>
+              <a:rPr lang="en-US" baseline="0" dirty="0" err="1" smtClean="0"/>
+              <a:t>sådan</a:t>
+            </a:r>
+            <a:r>
+              <a:rPr lang="en-US" baseline="0" dirty="0" smtClean="0"/>
+              <a:t> </a:t>
+            </a:r>
+            <a:r>
+              <a:rPr lang="en-US" baseline="0" dirty="0" err="1" smtClean="0"/>
+              <a:t>miljö</a:t>
+            </a:r>
+            <a:r>
+              <a:rPr lang="en-US" baseline="0" dirty="0" smtClean="0"/>
+              <a:t>, </a:t>
+            </a:r>
+            <a:r>
+              <a:rPr lang="en-US" baseline="0" dirty="0" err="1" smtClean="0"/>
+              <a:t>samt</a:t>
+            </a:r>
+            <a:r>
+              <a:rPr lang="en-US" baseline="0" dirty="0" smtClean="0"/>
+              <a:t> </a:t>
+            </a:r>
+            <a:r>
+              <a:rPr lang="en-US" baseline="0" dirty="0" err="1" smtClean="0"/>
+              <a:t>applikationerna</a:t>
+            </a:r>
+            <a:r>
+              <a:rPr lang="en-US" baseline="0" dirty="0" smtClean="0"/>
+              <a:t> </a:t>
+            </a:r>
+            <a:r>
+              <a:rPr lang="en-US" baseline="0" dirty="0" err="1" smtClean="0"/>
+              <a:t>som</a:t>
+            </a:r>
+            <a:r>
+              <a:rPr lang="en-US" baseline="0" dirty="0" smtClean="0"/>
+              <a:t> </a:t>
+            </a:r>
+            <a:r>
+              <a:rPr lang="en-US" baseline="0" dirty="0" err="1" smtClean="0"/>
+              <a:t>körs</a:t>
+            </a:r>
+            <a:r>
+              <a:rPr lang="en-US" baseline="0" dirty="0" smtClean="0"/>
+              <a:t> </a:t>
+            </a:r>
+            <a:r>
+              <a:rPr lang="en-US" baseline="0" dirty="0" err="1" smtClean="0"/>
+              <a:t>där</a:t>
+            </a:r>
+            <a:r>
+              <a:rPr lang="en-US" baseline="0" dirty="0" smtClean="0"/>
+              <a:t>.</a:t>
+            </a:r>
+          </a:p>
+          <a:p>
+            <a:endParaRPr lang="en-US" baseline="0" dirty="0" smtClean="0"/>
+          </a:p>
+          <a:p>
+            <a:r>
+              <a:rPr lang="en-US" baseline="0" dirty="0" err="1" smtClean="0"/>
+              <a:t>Vidare</a:t>
+            </a:r>
+            <a:r>
+              <a:rPr lang="en-US" baseline="0" dirty="0" smtClean="0"/>
+              <a:t> </a:t>
+            </a:r>
+            <a:r>
+              <a:rPr lang="en-US" baseline="0" dirty="0" err="1" smtClean="0"/>
+              <a:t>så</a:t>
+            </a:r>
+            <a:r>
+              <a:rPr lang="en-US" baseline="0" dirty="0" smtClean="0"/>
+              <a:t> </a:t>
+            </a:r>
+            <a:r>
+              <a:rPr lang="en-US" baseline="0" dirty="0" err="1" smtClean="0"/>
+              <a:t>har</a:t>
+            </a:r>
+            <a:r>
+              <a:rPr lang="en-US" baseline="0" dirty="0" smtClean="0"/>
+              <a:t> vi </a:t>
+            </a:r>
+            <a:r>
+              <a:rPr lang="en-US" baseline="0" dirty="0" err="1" smtClean="0"/>
+              <a:t>designat</a:t>
+            </a:r>
+            <a:r>
+              <a:rPr lang="en-US" baseline="0" dirty="0" smtClean="0"/>
+              <a:t> </a:t>
+            </a:r>
+            <a:r>
+              <a:rPr lang="en-US" baseline="0" dirty="0" err="1" smtClean="0"/>
+              <a:t>ett</a:t>
+            </a:r>
+            <a:r>
+              <a:rPr lang="en-US" baseline="0" dirty="0" smtClean="0"/>
+              <a:t> </a:t>
+            </a:r>
+            <a:r>
+              <a:rPr lang="en-US" baseline="0" dirty="0" err="1" smtClean="0"/>
+              <a:t>ramverk</a:t>
+            </a:r>
+            <a:r>
+              <a:rPr lang="en-US" baseline="0" dirty="0" smtClean="0"/>
+              <a:t> </a:t>
+            </a:r>
+            <a:r>
+              <a:rPr lang="en-US" baseline="0" dirty="0" err="1" smtClean="0"/>
+              <a:t>som</a:t>
+            </a:r>
+            <a:r>
+              <a:rPr lang="en-US" baseline="0" dirty="0" smtClean="0"/>
+              <a:t> </a:t>
+            </a:r>
+            <a:r>
+              <a:rPr lang="en-US" baseline="0" dirty="0" err="1" smtClean="0"/>
+              <a:t>dynamiskt</a:t>
+            </a:r>
+            <a:r>
+              <a:rPr lang="en-US" baseline="0" dirty="0" smtClean="0"/>
+              <a:t> </a:t>
+            </a:r>
+            <a:r>
+              <a:rPr lang="en-US" baseline="0" dirty="0" err="1" smtClean="0"/>
+              <a:t>tillgodoser</a:t>
+            </a:r>
+            <a:r>
+              <a:rPr lang="en-US" baseline="0" dirty="0" smtClean="0"/>
+              <a:t> en </a:t>
+            </a:r>
+            <a:r>
+              <a:rPr lang="en-US" baseline="0" dirty="0" err="1" smtClean="0"/>
+              <a:t>viss</a:t>
+            </a:r>
+            <a:r>
+              <a:rPr lang="en-US" baseline="0" dirty="0" smtClean="0"/>
+              <a:t> </a:t>
+            </a:r>
+            <a:r>
+              <a:rPr lang="en-US" baseline="0" dirty="0" err="1" smtClean="0"/>
+              <a:t>tillförlitlighetsnivå</a:t>
+            </a:r>
+            <a:r>
+              <a:rPr lang="en-US" baseline="0" dirty="0" smtClean="0"/>
+              <a:t>, </a:t>
+            </a:r>
+            <a:r>
+              <a:rPr lang="en-US" baseline="0" dirty="0" err="1" smtClean="0"/>
+              <a:t>upptäcker</a:t>
+            </a:r>
+            <a:r>
+              <a:rPr lang="en-US" baseline="0" dirty="0" smtClean="0"/>
+              <a:t> </a:t>
+            </a:r>
+            <a:r>
+              <a:rPr lang="en-US" baseline="0" dirty="0" err="1" smtClean="0"/>
+              <a:t>fel</a:t>
+            </a:r>
+            <a:r>
+              <a:rPr lang="en-US" baseline="0" dirty="0" smtClean="0"/>
+              <a:t> </a:t>
+            </a:r>
+            <a:r>
+              <a:rPr lang="en-US" baseline="0" dirty="0" err="1" smtClean="0"/>
+              <a:t>och</a:t>
+            </a:r>
+            <a:r>
+              <a:rPr lang="en-US" baseline="0" dirty="0" smtClean="0"/>
+              <a:t> </a:t>
+            </a:r>
+            <a:r>
+              <a:rPr lang="en-US" baseline="0" dirty="0" err="1" smtClean="0"/>
+              <a:t>anpassar</a:t>
+            </a:r>
+            <a:r>
+              <a:rPr lang="en-US" baseline="0" dirty="0" smtClean="0"/>
+              <a:t> sig till </a:t>
+            </a:r>
+            <a:r>
+              <a:rPr lang="en-US" baseline="0" dirty="0" err="1" smtClean="0"/>
+              <a:t>varierande</a:t>
+            </a:r>
+            <a:r>
+              <a:rPr lang="en-US" baseline="0" dirty="0" smtClean="0"/>
+              <a:t> </a:t>
+            </a:r>
+            <a:r>
+              <a:rPr lang="en-US" baseline="0" dirty="0" err="1" smtClean="0"/>
+              <a:t>egenskaper</a:t>
+            </a:r>
+            <a:r>
+              <a:rPr lang="en-US" baseline="0" dirty="0" smtClean="0"/>
+              <a:t> I </a:t>
+            </a:r>
+            <a:r>
+              <a:rPr lang="en-US" baseline="0" dirty="0" err="1" smtClean="0"/>
+              <a:t>systemet</a:t>
+            </a:r>
+            <a:r>
+              <a:rPr lang="en-US" baseline="0" dirty="0" smtClean="0"/>
+              <a:t>.</a:t>
+            </a:r>
+          </a:p>
+          <a:p>
+            <a:endParaRPr lang="en-US" baseline="0" dirty="0" smtClean="0"/>
+          </a:p>
+          <a:p>
+            <a:r>
+              <a:rPr lang="en-US" baseline="0" dirty="0" err="1" smtClean="0"/>
+              <a:t>Slutligen</a:t>
+            </a:r>
+            <a:r>
+              <a:rPr lang="en-US" baseline="0" dirty="0" smtClean="0"/>
+              <a:t> </a:t>
+            </a:r>
+            <a:r>
+              <a:rPr lang="en-US" baseline="0" dirty="0" err="1" smtClean="0"/>
+              <a:t>så</a:t>
+            </a:r>
+            <a:r>
+              <a:rPr lang="en-US" baseline="0" dirty="0" smtClean="0"/>
+              <a:t> </a:t>
+            </a:r>
+            <a:r>
+              <a:rPr lang="en-US" baseline="0" dirty="0" err="1" smtClean="0"/>
+              <a:t>har</a:t>
+            </a:r>
+            <a:r>
+              <a:rPr lang="en-US" baseline="0" dirty="0" smtClean="0"/>
+              <a:t> vi </a:t>
+            </a:r>
+            <a:r>
+              <a:rPr lang="en-US" baseline="0" dirty="0" err="1" smtClean="0"/>
+              <a:t>implementerat</a:t>
+            </a:r>
+            <a:r>
+              <a:rPr lang="en-US" baseline="0" dirty="0" smtClean="0"/>
+              <a:t> </a:t>
+            </a:r>
+            <a:r>
+              <a:rPr lang="en-US" baseline="0" dirty="0" err="1" smtClean="0"/>
+              <a:t>och</a:t>
+            </a:r>
+            <a:r>
+              <a:rPr lang="en-US" baseline="0" dirty="0" smtClean="0"/>
+              <a:t> </a:t>
+            </a:r>
+            <a:r>
+              <a:rPr lang="en-US" baseline="0" dirty="0" err="1" smtClean="0"/>
+              <a:t>utvärderat</a:t>
+            </a:r>
+            <a:r>
+              <a:rPr lang="en-US" baseline="0" dirty="0" smtClean="0"/>
+              <a:t> </a:t>
+            </a:r>
+            <a:r>
+              <a:rPr lang="en-US" baseline="0" dirty="0" err="1" smtClean="0"/>
+              <a:t>vår</a:t>
+            </a:r>
+            <a:r>
+              <a:rPr lang="en-US" baseline="0" dirty="0" smtClean="0"/>
+              <a:t> model med </a:t>
+            </a:r>
+            <a:r>
+              <a:rPr lang="en-US" baseline="0" dirty="0" err="1" smtClean="0"/>
+              <a:t>hjälp</a:t>
+            </a:r>
+            <a:r>
+              <a:rPr lang="en-US" baseline="0" dirty="0" smtClean="0"/>
+              <a:t> </a:t>
+            </a:r>
+            <a:r>
+              <a:rPr lang="en-US" baseline="0" dirty="0" err="1" smtClean="0"/>
+              <a:t>av</a:t>
+            </a:r>
+            <a:r>
+              <a:rPr lang="en-US" baseline="0" dirty="0" smtClean="0"/>
+              <a:t> Calvin.</a:t>
+            </a:r>
+            <a:endParaRPr lang="en-US" dirty="0"/>
+          </a:p>
+        </p:txBody>
+      </p:sp>
+      <p:sp>
+        <p:nvSpPr>
+          <p:cNvPr id="4" name="Slide Number Placeholder 3"/>
+          <p:cNvSpPr>
+            <a:spLocks noGrp="1"/>
+          </p:cNvSpPr>
+          <p:nvPr>
+            <p:ph type="sldNum" sz="quarter" idx="10"/>
+          </p:nvPr>
+        </p:nvSpPr>
+        <p:spPr/>
+        <p:txBody>
+          <a:bodyPr/>
+          <a:lstStyle/>
+          <a:p>
+            <a:fld id="{100650DF-8CBF-0341-B1F9-47D0C0CD302F}" type="slidenum">
+              <a:rPr lang="en-US" smtClean="0"/>
+              <a:t>4</a:t>
+            </a:fld>
+            <a:endParaRPr lang="en-US"/>
+          </a:p>
+        </p:txBody>
+      </p:sp>
+    </p:spTree>
+    <p:extLst>
+      <p:ext uri="{BB962C8B-B14F-4D97-AF65-F5344CB8AC3E}">
+        <p14:creationId xmlns:p14="http://schemas.microsoft.com/office/powerpoint/2010/main" val="254065767"/>
+      </p:ext>
+    </p:extLst>
+  </p:cSld>
+  <p:clrMapOvr>
+    <a:masterClrMapping/>
+  </p:clrMapOvr>
+</p:notes>
+</file>
+
+<file path=ppt/notesSlides/notesSlide3.xml><?xml version="1.0" encoding="utf-8"?>
+<p:notes xmlns:a="http://schemas.openxmlformats.org/drawingml/2006/main" xmlns:r="http://schemas.openxmlformats.org/officeDocument/2006/relationships" xmlns:p="http://schemas.openxmlformats.org/presentationml/2006/main">
+  <p:cSld>
+    <p:spTree>
+      <p:nvGrpSpPr>
+        <p:cNvPr id="1" name=""/>
+        <p:cNvGrpSpPr/>
+        <p:nvPr/>
+      </p:nvGrpSpPr>
+      <p:grpSpPr>
+        <a:xfrm>
+          <a:off x="0" y="0"/>
+          <a:ext cx="0" cy="0"/>
+          <a:chOff x="0" y="0"/>
+          <a:chExt cx="0" cy="0"/>
+        </a:xfrm>
+      </p:grpSpPr>
+      <p:sp>
+        <p:nvSpPr>
+          <p:cNvPr id="2" name="Slide Image Placeholder 1"/>
+          <p:cNvSpPr>
+            <a:spLocks noGrp="1" noRot="1" noChangeAspect="1"/>
+          </p:cNvSpPr>
+          <p:nvPr>
+            <p:ph type="sldImg"/>
+          </p:nvPr>
+        </p:nvSpPr>
+        <p:spPr/>
+      </p:sp>
+      <p:sp>
+        <p:nvSpPr>
+          <p:cNvPr id="3" name="Notes Placeholder 2"/>
+          <p:cNvSpPr>
+            <a:spLocks noGrp="1"/>
+          </p:cNvSpPr>
+          <p:nvPr>
+            <p:ph type="body" idx="1"/>
+          </p:nvPr>
+        </p:nvSpPr>
+        <p:spPr/>
+        <p:txBody>
+          <a:bodyPr/>
+          <a:lstStyle/>
+          <a:p>
+            <a:r>
+              <a:rPr lang="en-US" dirty="0" smtClean="0"/>
+              <a:t>Vi</a:t>
+            </a:r>
+            <a:r>
+              <a:rPr lang="en-US" baseline="0" dirty="0" smtClean="0"/>
+              <a:t> </a:t>
+            </a:r>
+            <a:r>
+              <a:rPr lang="en-US" baseline="0" dirty="0" err="1" smtClean="0"/>
+              <a:t>har</a:t>
+            </a:r>
+            <a:r>
+              <a:rPr lang="en-US" baseline="0" dirty="0" smtClean="0"/>
+              <a:t> </a:t>
+            </a:r>
+            <a:r>
+              <a:rPr lang="en-US" baseline="0" dirty="0" err="1" smtClean="0"/>
+              <a:t>studerat</a:t>
+            </a:r>
+            <a:r>
+              <a:rPr lang="en-US" baseline="0" dirty="0" smtClean="0"/>
+              <a:t> en </a:t>
+            </a:r>
+            <a:r>
+              <a:rPr lang="en-US" baseline="0" dirty="0" err="1" smtClean="0"/>
+              <a:t>mängd</a:t>
+            </a:r>
+            <a:r>
+              <a:rPr lang="en-US" baseline="0" dirty="0" smtClean="0"/>
+              <a:t> </a:t>
+            </a:r>
+            <a:r>
+              <a:rPr lang="en-US" baseline="0" dirty="0" err="1" smtClean="0"/>
+              <a:t>tidigare</a:t>
+            </a:r>
+            <a:r>
+              <a:rPr lang="en-US" baseline="0" dirty="0" smtClean="0"/>
+              <a:t> </a:t>
+            </a:r>
+            <a:r>
+              <a:rPr lang="en-US" baseline="0" dirty="0" err="1" smtClean="0"/>
+              <a:t>arbeten</a:t>
+            </a:r>
+            <a:r>
+              <a:rPr lang="en-US" baseline="0" dirty="0" smtClean="0"/>
+              <a:t> </a:t>
+            </a:r>
+            <a:r>
+              <a:rPr lang="en-US" baseline="0" dirty="0" err="1" smtClean="0"/>
+              <a:t>som</a:t>
+            </a:r>
+            <a:r>
+              <a:rPr lang="en-US" baseline="0" dirty="0" smtClean="0"/>
+              <a:t> </a:t>
+            </a:r>
+            <a:r>
+              <a:rPr lang="en-US" baseline="0" dirty="0" err="1" smtClean="0"/>
+              <a:t>undersökt</a:t>
+            </a:r>
+            <a:r>
+              <a:rPr lang="en-US" baseline="0" dirty="0" smtClean="0"/>
+              <a:t> </a:t>
+            </a:r>
+            <a:r>
+              <a:rPr lang="en-US" baseline="0" dirty="0" err="1" smtClean="0"/>
+              <a:t>hur</a:t>
+            </a:r>
+            <a:r>
+              <a:rPr lang="en-US" baseline="0" dirty="0" smtClean="0"/>
+              <a:t> man </a:t>
+            </a:r>
+            <a:r>
+              <a:rPr lang="en-US" baseline="0" dirty="0" err="1" smtClean="0"/>
+              <a:t>kan</a:t>
+            </a:r>
+            <a:r>
+              <a:rPr lang="en-US" baseline="0" dirty="0" smtClean="0"/>
+              <a:t> </a:t>
+            </a:r>
+            <a:r>
+              <a:rPr lang="en-US" baseline="0" dirty="0" err="1" smtClean="0"/>
+              <a:t>tillgodose</a:t>
+            </a:r>
+            <a:r>
+              <a:rPr lang="en-US" baseline="0" dirty="0" smtClean="0"/>
+              <a:t> en </a:t>
+            </a:r>
+            <a:r>
+              <a:rPr lang="en-US" baseline="0" dirty="0" err="1" smtClean="0"/>
+              <a:t>viss</a:t>
+            </a:r>
+            <a:r>
+              <a:rPr lang="en-US" baseline="0" dirty="0" smtClean="0"/>
+              <a:t> </a:t>
+            </a:r>
+            <a:r>
+              <a:rPr lang="en-US" baseline="0" dirty="0" err="1" smtClean="0"/>
+              <a:t>tillförlitlighetsnivå</a:t>
+            </a:r>
+            <a:r>
+              <a:rPr lang="en-US" baseline="0" dirty="0" smtClean="0"/>
+              <a:t>.</a:t>
+            </a:r>
+          </a:p>
+          <a:p>
+            <a:endParaRPr lang="en-US" baseline="0" dirty="0" smtClean="0"/>
+          </a:p>
+          <a:p>
+            <a:r>
+              <a:rPr lang="en-US" baseline="0" dirty="0" smtClean="0"/>
+              <a:t>De </a:t>
+            </a:r>
+            <a:r>
+              <a:rPr lang="en-US" baseline="0" dirty="0" err="1" smtClean="0"/>
+              <a:t>flesta</a:t>
+            </a:r>
+            <a:r>
+              <a:rPr lang="en-US" baseline="0" dirty="0" smtClean="0"/>
+              <a:t> </a:t>
+            </a:r>
+            <a:r>
+              <a:rPr lang="en-US" baseline="0" dirty="0" err="1" smtClean="0"/>
+              <a:t>försöker</a:t>
+            </a:r>
+            <a:r>
+              <a:rPr lang="en-US" baseline="0" dirty="0" smtClean="0"/>
+              <a:t> </a:t>
+            </a:r>
+            <a:r>
+              <a:rPr lang="en-US" baseline="0" dirty="0" err="1" smtClean="0"/>
+              <a:t>maximera</a:t>
+            </a:r>
+            <a:r>
+              <a:rPr lang="en-US" baseline="0" dirty="0" smtClean="0"/>
+              <a:t> </a:t>
+            </a:r>
+            <a:r>
+              <a:rPr lang="en-US" baseline="0" dirty="0" err="1" smtClean="0"/>
+              <a:t>tillförlitligheten</a:t>
+            </a:r>
+            <a:r>
+              <a:rPr lang="en-US" baseline="0" dirty="0" smtClean="0"/>
+              <a:t> under </a:t>
+            </a:r>
+            <a:r>
+              <a:rPr lang="en-US" baseline="0" dirty="0" err="1" smtClean="0"/>
+              <a:t>vissa</a:t>
+            </a:r>
+            <a:r>
+              <a:rPr lang="en-US" baseline="0" dirty="0" smtClean="0"/>
+              <a:t> </a:t>
+            </a:r>
+            <a:r>
+              <a:rPr lang="en-US" baseline="0" dirty="0" err="1" smtClean="0"/>
+              <a:t>begränsningar</a:t>
+            </a:r>
+            <a:r>
+              <a:rPr lang="en-US" baseline="0" dirty="0" smtClean="0"/>
+              <a:t>, </a:t>
+            </a:r>
+            <a:r>
+              <a:rPr lang="en-US" baseline="0" dirty="0" err="1" smtClean="0"/>
+              <a:t>som</a:t>
+            </a:r>
+            <a:r>
+              <a:rPr lang="en-US" baseline="0" dirty="0" smtClean="0"/>
+              <a:t> </a:t>
+            </a:r>
+            <a:r>
+              <a:rPr lang="en-US" baseline="0" dirty="0" err="1" smtClean="0"/>
+              <a:t>tex</a:t>
+            </a:r>
+            <a:r>
+              <a:rPr lang="en-US" baseline="0" dirty="0" smtClean="0"/>
+              <a:t> </a:t>
+            </a:r>
+            <a:r>
+              <a:rPr lang="en-US" baseline="0" dirty="0" err="1" smtClean="0"/>
+              <a:t>att</a:t>
+            </a:r>
+            <a:r>
+              <a:rPr lang="en-US" baseline="0" dirty="0" smtClean="0"/>
+              <a:t> </a:t>
+            </a:r>
+            <a:r>
+              <a:rPr lang="en-US" baseline="0" dirty="0" err="1" smtClean="0"/>
+              <a:t>fortfarande</a:t>
+            </a:r>
+            <a:r>
+              <a:rPr lang="en-US" baseline="0" dirty="0" smtClean="0"/>
+              <a:t> </a:t>
+            </a:r>
+            <a:r>
+              <a:rPr lang="en-US" baseline="0" dirty="0" err="1" smtClean="0"/>
+              <a:t>möta</a:t>
+            </a:r>
+            <a:r>
+              <a:rPr lang="en-US" baseline="0" dirty="0" smtClean="0"/>
+              <a:t> deadlines, </a:t>
+            </a:r>
+            <a:r>
+              <a:rPr lang="en-US" baseline="0" dirty="0" err="1" smtClean="0"/>
+              <a:t>eller</a:t>
+            </a:r>
+            <a:r>
+              <a:rPr lang="en-US" baseline="0" dirty="0" smtClean="0"/>
+              <a:t> </a:t>
+            </a:r>
+            <a:r>
+              <a:rPr lang="en-US" baseline="0" dirty="0" err="1" smtClean="0"/>
+              <a:t>minimera</a:t>
+            </a:r>
+            <a:r>
+              <a:rPr lang="en-US" baseline="0" dirty="0" smtClean="0"/>
+              <a:t> </a:t>
+            </a:r>
+            <a:r>
+              <a:rPr lang="en-US" baseline="0" dirty="0" err="1" smtClean="0"/>
+              <a:t>exekveringstiden</a:t>
+            </a:r>
+            <a:r>
+              <a:rPr lang="en-US" baseline="0" dirty="0" smtClean="0"/>
+              <a:t> </a:t>
+            </a:r>
+            <a:r>
+              <a:rPr lang="en-US" baseline="0" dirty="0" err="1" smtClean="0"/>
+              <a:t>och</a:t>
+            </a:r>
+            <a:r>
+              <a:rPr lang="en-US" baseline="0" dirty="0" smtClean="0"/>
+              <a:t> </a:t>
+            </a:r>
+            <a:r>
+              <a:rPr lang="en-US" baseline="0" dirty="0" err="1" smtClean="0"/>
+              <a:t>maximera</a:t>
+            </a:r>
+            <a:r>
+              <a:rPr lang="en-US" baseline="0" dirty="0" smtClean="0"/>
+              <a:t> </a:t>
+            </a:r>
+            <a:r>
+              <a:rPr lang="en-US" baseline="0" dirty="0" err="1" smtClean="0"/>
+              <a:t>tillförlitligheten</a:t>
+            </a:r>
+            <a:r>
+              <a:rPr lang="en-US" baseline="0" dirty="0" smtClean="0"/>
+              <a:t>.</a:t>
+            </a:r>
+          </a:p>
+          <a:p>
+            <a:endParaRPr lang="en-US" baseline="0" dirty="0" smtClean="0"/>
+          </a:p>
+          <a:p>
+            <a:r>
+              <a:rPr lang="en-US" baseline="0" dirty="0" smtClean="0"/>
+              <a:t>De </a:t>
+            </a:r>
+            <a:r>
+              <a:rPr lang="en-US" baseline="0" dirty="0" err="1" smtClean="0"/>
+              <a:t>som</a:t>
+            </a:r>
+            <a:r>
+              <a:rPr lang="en-US" baseline="0" dirty="0" smtClean="0"/>
+              <a:t> </a:t>
+            </a:r>
+            <a:r>
+              <a:rPr lang="en-US" baseline="0" dirty="0" err="1" smtClean="0"/>
+              <a:t>maximerar</a:t>
+            </a:r>
+            <a:r>
+              <a:rPr lang="en-US" baseline="0" dirty="0" smtClean="0"/>
+              <a:t> </a:t>
+            </a:r>
+            <a:r>
+              <a:rPr lang="en-US" baseline="0" dirty="0" err="1" smtClean="0"/>
+              <a:t>tillförlitligheten</a:t>
+            </a:r>
+            <a:r>
+              <a:rPr lang="en-US" baseline="0" dirty="0" smtClean="0"/>
+              <a:t> </a:t>
+            </a:r>
+            <a:r>
+              <a:rPr lang="en-US" baseline="0" dirty="0" err="1" smtClean="0"/>
+              <a:t>som</a:t>
+            </a:r>
+            <a:r>
+              <a:rPr lang="en-US" baseline="0" dirty="0" smtClean="0"/>
+              <a:t> </a:t>
+            </a:r>
+            <a:r>
+              <a:rPr lang="en-US" baseline="0" dirty="0" err="1" smtClean="0"/>
+              <a:t>huvudmål</a:t>
+            </a:r>
+            <a:r>
+              <a:rPr lang="en-US" baseline="0" dirty="0" smtClean="0"/>
+              <a:t>, </a:t>
+            </a:r>
+            <a:r>
+              <a:rPr lang="en-US" baseline="0" dirty="0" err="1" smtClean="0"/>
+              <a:t>ämnar</a:t>
+            </a:r>
+            <a:r>
+              <a:rPr lang="en-US" baseline="0" dirty="0" smtClean="0"/>
+              <a:t> </a:t>
+            </a:r>
+            <a:r>
+              <a:rPr lang="en-US" baseline="0" dirty="0" err="1" smtClean="0"/>
+              <a:t>inte</a:t>
+            </a:r>
+            <a:r>
+              <a:rPr lang="en-US" baseline="0" dirty="0" smtClean="0"/>
+              <a:t> </a:t>
+            </a:r>
+            <a:r>
+              <a:rPr lang="en-US" baseline="0" dirty="0" err="1" smtClean="0"/>
+              <a:t>att</a:t>
+            </a:r>
+            <a:r>
+              <a:rPr lang="en-US" baseline="0" dirty="0" smtClean="0"/>
+              <a:t> </a:t>
+            </a:r>
+            <a:r>
+              <a:rPr lang="en-US" baseline="0" dirty="0" err="1" smtClean="0"/>
+              <a:t>nå</a:t>
+            </a:r>
+            <a:r>
+              <a:rPr lang="en-US" baseline="0" dirty="0" smtClean="0"/>
+              <a:t> en </a:t>
+            </a:r>
+            <a:r>
+              <a:rPr lang="en-US" baseline="0" dirty="0" err="1" smtClean="0"/>
+              <a:t>bestämd</a:t>
+            </a:r>
+            <a:r>
+              <a:rPr lang="en-US" baseline="0" dirty="0" smtClean="0"/>
+              <a:t> </a:t>
+            </a:r>
+            <a:r>
+              <a:rPr lang="en-US" baseline="0" dirty="0" err="1" smtClean="0"/>
+              <a:t>nivå</a:t>
+            </a:r>
+            <a:r>
+              <a:rPr lang="en-US" baseline="0" dirty="0" smtClean="0"/>
+              <a:t>, </a:t>
+            </a:r>
+            <a:r>
+              <a:rPr lang="en-US" baseline="0" dirty="0" err="1" smtClean="0"/>
+              <a:t>utan</a:t>
+            </a:r>
+            <a:r>
+              <a:rPr lang="en-US" baseline="0" dirty="0" smtClean="0"/>
+              <a:t> </a:t>
+            </a:r>
+            <a:r>
+              <a:rPr lang="en-US" baseline="0" dirty="0" err="1" smtClean="0"/>
+              <a:t>enbart</a:t>
+            </a:r>
+            <a:r>
+              <a:rPr lang="en-US" baseline="0" dirty="0" smtClean="0"/>
+              <a:t> </a:t>
+            </a:r>
+            <a:r>
+              <a:rPr lang="en-US" baseline="0" dirty="0" err="1" smtClean="0"/>
+              <a:t>så</a:t>
+            </a:r>
+            <a:r>
+              <a:rPr lang="en-US" baseline="0" dirty="0" smtClean="0"/>
+              <a:t> </a:t>
+            </a:r>
+            <a:r>
+              <a:rPr lang="en-US" baseline="0" dirty="0" err="1" smtClean="0"/>
+              <a:t>hög</a:t>
+            </a:r>
+            <a:r>
+              <a:rPr lang="en-US" baseline="0" dirty="0" smtClean="0"/>
+              <a:t> </a:t>
+            </a:r>
+            <a:r>
+              <a:rPr lang="en-US" baseline="0" dirty="0" err="1" smtClean="0"/>
+              <a:t>som</a:t>
+            </a:r>
+            <a:r>
+              <a:rPr lang="en-US" baseline="0" dirty="0" smtClean="0"/>
+              <a:t> </a:t>
+            </a:r>
+            <a:r>
+              <a:rPr lang="en-US" baseline="0" dirty="0" err="1" smtClean="0"/>
+              <a:t>möjligt</a:t>
+            </a:r>
+            <a:r>
+              <a:rPr lang="en-US" baseline="0" dirty="0" smtClean="0"/>
+              <a:t>.</a:t>
+            </a:r>
+          </a:p>
+          <a:p>
+            <a:endParaRPr lang="en-US" baseline="0" dirty="0" smtClean="0"/>
+          </a:p>
+          <a:p>
+            <a:r>
+              <a:rPr lang="en-US" baseline="0" dirty="0" err="1" smtClean="0"/>
+              <a:t>Andra</a:t>
+            </a:r>
+            <a:r>
+              <a:rPr lang="en-US" baseline="0" dirty="0" smtClean="0"/>
+              <a:t> </a:t>
+            </a:r>
+            <a:r>
+              <a:rPr lang="en-US" baseline="0" dirty="0" err="1" smtClean="0"/>
+              <a:t>tillgodoser</a:t>
+            </a:r>
+            <a:r>
+              <a:rPr lang="en-US" baseline="0" dirty="0" smtClean="0"/>
+              <a:t> en </a:t>
+            </a:r>
+            <a:r>
+              <a:rPr lang="en-US" baseline="0" dirty="0" err="1" smtClean="0"/>
+              <a:t>viss</a:t>
+            </a:r>
+            <a:r>
+              <a:rPr lang="en-US" baseline="0" dirty="0" smtClean="0"/>
+              <a:t> </a:t>
+            </a:r>
+            <a:r>
+              <a:rPr lang="en-US" baseline="0" dirty="0" err="1" smtClean="0"/>
+              <a:t>nivå</a:t>
+            </a:r>
+            <a:r>
+              <a:rPr lang="en-US" baseline="0" dirty="0" smtClean="0"/>
+              <a:t>, </a:t>
+            </a:r>
+            <a:r>
+              <a:rPr lang="en-US" baseline="0" dirty="0" err="1" smtClean="0"/>
+              <a:t>ofta</a:t>
+            </a:r>
+            <a:r>
+              <a:rPr lang="en-US" baseline="0" dirty="0" smtClean="0"/>
+              <a:t> </a:t>
+            </a:r>
+            <a:r>
+              <a:rPr lang="en-US" baseline="0" dirty="0" err="1" smtClean="0"/>
+              <a:t>genom</a:t>
+            </a:r>
+            <a:r>
+              <a:rPr lang="en-US" baseline="0" dirty="0" smtClean="0"/>
+              <a:t> </a:t>
+            </a:r>
+            <a:r>
+              <a:rPr lang="en-US" baseline="0" dirty="0" err="1" smtClean="0"/>
+              <a:t>replicering</a:t>
+            </a:r>
+            <a:r>
+              <a:rPr lang="en-US" baseline="0" dirty="0" smtClean="0"/>
+              <a:t> </a:t>
+            </a:r>
+            <a:r>
+              <a:rPr lang="en-US" baseline="0" dirty="0" err="1" smtClean="0"/>
+              <a:t>av</a:t>
+            </a:r>
+            <a:r>
+              <a:rPr lang="en-US" baseline="0" dirty="0" smtClean="0"/>
+              <a:t> tasks, men </a:t>
+            </a:r>
+            <a:r>
+              <a:rPr lang="en-US" baseline="0" dirty="0" err="1" smtClean="0"/>
+              <a:t>tillgodoser</a:t>
+            </a:r>
+            <a:r>
+              <a:rPr lang="en-US" baseline="0" dirty="0" smtClean="0"/>
+              <a:t> </a:t>
+            </a:r>
+            <a:r>
+              <a:rPr lang="en-US" baseline="0" dirty="0" err="1" smtClean="0"/>
+              <a:t>inte</a:t>
+            </a:r>
+            <a:r>
+              <a:rPr lang="en-US" baseline="0" dirty="0" smtClean="0"/>
+              <a:t> den </a:t>
+            </a:r>
+            <a:r>
+              <a:rPr lang="en-US" baseline="0" dirty="0" err="1" smtClean="0"/>
+              <a:t>över</a:t>
+            </a:r>
+            <a:r>
+              <a:rPr lang="en-US" baseline="0" dirty="0" smtClean="0"/>
+              <a:t> </a:t>
+            </a:r>
+            <a:r>
+              <a:rPr lang="en-US" baseline="0" dirty="0" err="1" smtClean="0"/>
+              <a:t>tid</a:t>
+            </a:r>
+            <a:r>
+              <a:rPr lang="en-US" baseline="0" dirty="0" smtClean="0"/>
+              <a:t>, </a:t>
+            </a:r>
+            <a:r>
+              <a:rPr lang="en-US" baseline="0" dirty="0" err="1" smtClean="0"/>
+              <a:t>då</a:t>
+            </a:r>
+            <a:r>
+              <a:rPr lang="en-US" baseline="0" dirty="0" smtClean="0"/>
+              <a:t> </a:t>
+            </a:r>
+            <a:r>
+              <a:rPr lang="en-US" baseline="0" dirty="0" err="1" smtClean="0"/>
+              <a:t>nya</a:t>
+            </a:r>
+            <a:r>
+              <a:rPr lang="en-US" baseline="0" dirty="0" smtClean="0"/>
+              <a:t> </a:t>
+            </a:r>
+            <a:r>
+              <a:rPr lang="en-US" baseline="0" dirty="0" err="1" smtClean="0"/>
+              <a:t>replikor</a:t>
+            </a:r>
+            <a:r>
+              <a:rPr lang="en-US" baseline="0" dirty="0" smtClean="0"/>
+              <a:t> </a:t>
+            </a:r>
+            <a:r>
+              <a:rPr lang="en-US" baseline="0" dirty="0" err="1" smtClean="0"/>
+              <a:t>inte</a:t>
+            </a:r>
+            <a:r>
+              <a:rPr lang="en-US" baseline="0" dirty="0" smtClean="0"/>
+              <a:t> </a:t>
+            </a:r>
+            <a:r>
+              <a:rPr lang="en-US" baseline="0" dirty="0" err="1" smtClean="0"/>
+              <a:t>skapas</a:t>
+            </a:r>
+            <a:r>
+              <a:rPr lang="en-US" baseline="0" dirty="0" smtClean="0"/>
+              <a:t> om </a:t>
+            </a:r>
+            <a:r>
+              <a:rPr lang="en-US" baseline="0" dirty="0" err="1" smtClean="0"/>
+              <a:t>någon</a:t>
+            </a:r>
+            <a:r>
+              <a:rPr lang="en-US" baseline="0" dirty="0" smtClean="0"/>
+              <a:t> </a:t>
+            </a:r>
+            <a:r>
+              <a:rPr lang="en-US" baseline="0" dirty="0" err="1" smtClean="0"/>
+              <a:t>dör</a:t>
+            </a:r>
+            <a:r>
+              <a:rPr lang="en-US" baseline="0" dirty="0" smtClean="0"/>
+              <a:t>.</a:t>
+            </a:r>
+            <a:endParaRPr lang="en-US" dirty="0"/>
+          </a:p>
+        </p:txBody>
+      </p:sp>
+      <p:sp>
+        <p:nvSpPr>
+          <p:cNvPr id="4" name="Slide Number Placeholder 3"/>
+          <p:cNvSpPr>
+            <a:spLocks noGrp="1"/>
+          </p:cNvSpPr>
+          <p:nvPr>
+            <p:ph type="sldNum" sz="quarter" idx="10"/>
+          </p:nvPr>
+        </p:nvSpPr>
+        <p:spPr/>
+        <p:txBody>
+          <a:bodyPr/>
+          <a:lstStyle/>
+          <a:p>
+            <a:fld id="{100650DF-8CBF-0341-B1F9-47D0C0CD302F}" type="slidenum">
+              <a:rPr lang="en-US" smtClean="0"/>
+              <a:t>5</a:t>
+            </a:fld>
+            <a:endParaRPr lang="en-US"/>
+          </a:p>
+        </p:txBody>
+      </p:sp>
+    </p:spTree>
+    <p:extLst>
+      <p:ext uri="{BB962C8B-B14F-4D97-AF65-F5344CB8AC3E}">
+        <p14:creationId xmlns:p14="http://schemas.microsoft.com/office/powerpoint/2010/main" val="1970474960"/>
+      </p:ext>
+    </p:extLst>
+  </p:cSld>
+  <p:clrMapOvr>
+    <a:masterClrMapping/>
+  </p:clrMapOvr>
+</p:notes>
+</file>
+
+<file path=ppt/notesSlides/notesSlide4.xml><?xml version="1.0" encoding="utf-8"?>
+<p:notes xmlns:a="http://schemas.openxmlformats.org/drawingml/2006/main" xmlns:r="http://schemas.openxmlformats.org/officeDocument/2006/relationships" xmlns:p="http://schemas.openxmlformats.org/presentationml/2006/main">
+  <p:cSld>
+    <p:spTree>
+      <p:nvGrpSpPr>
+        <p:cNvPr id="1" name=""/>
+        <p:cNvGrpSpPr/>
+        <p:nvPr/>
+      </p:nvGrpSpPr>
+      <p:grpSpPr>
+        <a:xfrm>
+          <a:off x="0" y="0"/>
+          <a:ext cx="0" cy="0"/>
+          <a:chOff x="0" y="0"/>
+          <a:chExt cx="0" cy="0"/>
+        </a:xfrm>
+      </p:grpSpPr>
+      <p:sp>
+        <p:nvSpPr>
+          <p:cNvPr id="2" name="Slide Image Placeholder 1"/>
+          <p:cNvSpPr>
+            <a:spLocks noGrp="1" noRot="1" noChangeAspect="1"/>
+          </p:cNvSpPr>
+          <p:nvPr>
+            <p:ph type="sldImg"/>
+          </p:nvPr>
+        </p:nvSpPr>
+        <p:spPr/>
+      </p:sp>
+      <p:sp>
+        <p:nvSpPr>
+          <p:cNvPr id="3" name="Notes Placeholder 2"/>
+          <p:cNvSpPr>
+            <a:spLocks noGrp="1"/>
+          </p:cNvSpPr>
+          <p:nvPr>
+            <p:ph type="body" idx="1"/>
+          </p:nvPr>
+        </p:nvSpPr>
+        <p:spPr/>
+        <p:txBody>
+          <a:bodyPr/>
+          <a:lstStyle/>
+          <a:p>
+            <a:r>
+              <a:rPr lang="en-US" dirty="0" err="1" smtClean="0"/>
+              <a:t>För</a:t>
+            </a:r>
+            <a:r>
+              <a:rPr lang="en-US" dirty="0" smtClean="0"/>
+              <a:t> </a:t>
+            </a:r>
+            <a:r>
+              <a:rPr lang="en-US" dirty="0" err="1" smtClean="0"/>
+              <a:t>att</a:t>
+            </a:r>
+            <a:r>
+              <a:rPr lang="en-US" dirty="0" smtClean="0"/>
+              <a:t> </a:t>
+            </a:r>
+            <a:r>
+              <a:rPr lang="en-US" dirty="0" err="1" smtClean="0"/>
+              <a:t>utforma</a:t>
+            </a:r>
+            <a:r>
+              <a:rPr lang="en-US" dirty="0" smtClean="0"/>
+              <a:t> </a:t>
+            </a:r>
+            <a:r>
+              <a:rPr lang="en-US" dirty="0" err="1" smtClean="0"/>
+              <a:t>vår</a:t>
+            </a:r>
+            <a:r>
+              <a:rPr lang="en-US" baseline="0" dirty="0" smtClean="0"/>
+              <a:t> model </a:t>
+            </a:r>
+            <a:r>
+              <a:rPr lang="en-US" baseline="0" dirty="0" err="1" smtClean="0"/>
+              <a:t>har</a:t>
+            </a:r>
+            <a:r>
+              <a:rPr lang="en-US" baseline="0" dirty="0" smtClean="0"/>
+              <a:t> vi </a:t>
+            </a:r>
+            <a:r>
+              <a:rPr lang="en-US" baseline="0" dirty="0" err="1" smtClean="0"/>
+              <a:t>gjort</a:t>
+            </a:r>
+            <a:r>
+              <a:rPr lang="en-US" baseline="0" dirty="0" smtClean="0"/>
+              <a:t> </a:t>
+            </a:r>
+            <a:r>
+              <a:rPr lang="en-US" baseline="0" dirty="0" err="1" smtClean="0"/>
+              <a:t>vissa</a:t>
+            </a:r>
+            <a:r>
+              <a:rPr lang="en-US" baseline="0" dirty="0" smtClean="0"/>
+              <a:t> </a:t>
+            </a:r>
+            <a:r>
+              <a:rPr lang="en-US" baseline="0" dirty="0" err="1" smtClean="0"/>
+              <a:t>antagande</a:t>
+            </a:r>
+            <a:r>
+              <a:rPr lang="en-US" baseline="0" dirty="0" smtClean="0"/>
+              <a:t> </a:t>
+            </a:r>
+            <a:r>
+              <a:rPr lang="en-US" baseline="0" dirty="0" err="1" smtClean="0"/>
+              <a:t>gällande</a:t>
+            </a:r>
+            <a:r>
+              <a:rPr lang="en-US" baseline="0" dirty="0" smtClean="0"/>
+              <a:t> </a:t>
+            </a:r>
+            <a:r>
+              <a:rPr lang="en-US" baseline="0" dirty="0" err="1" smtClean="0"/>
+              <a:t>hur</a:t>
+            </a:r>
+            <a:r>
+              <a:rPr lang="en-US" baseline="0" dirty="0" smtClean="0"/>
+              <a:t> </a:t>
+            </a:r>
+            <a:r>
+              <a:rPr lang="en-US" baseline="0" dirty="0" err="1" smtClean="0"/>
+              <a:t>miljön</a:t>
+            </a:r>
+            <a:r>
+              <a:rPr lang="en-US" baseline="0" dirty="0" smtClean="0"/>
+              <a:t> </a:t>
+            </a:r>
+            <a:r>
+              <a:rPr lang="en-US" baseline="0" dirty="0" err="1" smtClean="0"/>
+              <a:t>ser</a:t>
+            </a:r>
+            <a:r>
+              <a:rPr lang="en-US" baseline="0" dirty="0" smtClean="0"/>
+              <a:t> </a:t>
+            </a:r>
+            <a:r>
+              <a:rPr lang="en-US" baseline="0" dirty="0" err="1" smtClean="0"/>
+              <a:t>ut</a:t>
+            </a:r>
+            <a:r>
+              <a:rPr lang="en-US" baseline="0" dirty="0" smtClean="0"/>
+              <a:t> </a:t>
+            </a:r>
+            <a:r>
+              <a:rPr lang="en-US" baseline="0" dirty="0" err="1" smtClean="0"/>
+              <a:t>samt</a:t>
+            </a:r>
+            <a:r>
+              <a:rPr lang="en-US" baseline="0" dirty="0" smtClean="0"/>
+              <a:t> </a:t>
+            </a:r>
+            <a:r>
+              <a:rPr lang="en-US" baseline="0" dirty="0" err="1" smtClean="0"/>
+              <a:t>vilken</a:t>
+            </a:r>
+            <a:r>
+              <a:rPr lang="en-US" baseline="0" dirty="0" smtClean="0"/>
+              <a:t> </a:t>
+            </a:r>
+            <a:r>
+              <a:rPr lang="en-US" baseline="0" dirty="0" err="1" smtClean="0"/>
+              <a:t>typ</a:t>
+            </a:r>
+            <a:r>
+              <a:rPr lang="en-US" baseline="0" dirty="0" smtClean="0"/>
+              <a:t> </a:t>
+            </a:r>
+            <a:r>
+              <a:rPr lang="en-US" baseline="0" dirty="0" err="1" smtClean="0"/>
+              <a:t>av</a:t>
+            </a:r>
+            <a:r>
+              <a:rPr lang="en-US" baseline="0" dirty="0" smtClean="0"/>
+              <a:t> </a:t>
+            </a:r>
+            <a:r>
+              <a:rPr lang="en-US" baseline="0" dirty="0" err="1" smtClean="0"/>
+              <a:t>applikationer</a:t>
+            </a:r>
+            <a:r>
+              <a:rPr lang="en-US" baseline="0" dirty="0" smtClean="0"/>
+              <a:t> </a:t>
+            </a:r>
+            <a:r>
+              <a:rPr lang="en-US" baseline="0" dirty="0" err="1" smtClean="0"/>
+              <a:t>som</a:t>
+            </a:r>
+            <a:r>
+              <a:rPr lang="en-US" baseline="0" dirty="0" smtClean="0"/>
+              <a:t> </a:t>
+            </a:r>
+            <a:r>
+              <a:rPr lang="en-US" baseline="0" dirty="0" err="1" smtClean="0"/>
+              <a:t>används</a:t>
+            </a:r>
+            <a:r>
+              <a:rPr lang="en-US" baseline="0" dirty="0" smtClean="0"/>
+              <a:t>.</a:t>
+            </a:r>
+          </a:p>
+          <a:p>
+            <a:endParaRPr lang="en-US" baseline="0" smtClean="0"/>
+          </a:p>
+          <a:p>
+            <a:endParaRPr lang="en-US"/>
+          </a:p>
+        </p:txBody>
+      </p:sp>
+      <p:sp>
+        <p:nvSpPr>
+          <p:cNvPr id="4" name="Slide Number Placeholder 3"/>
+          <p:cNvSpPr>
+            <a:spLocks noGrp="1"/>
+          </p:cNvSpPr>
+          <p:nvPr>
+            <p:ph type="sldNum" sz="quarter" idx="10"/>
+          </p:nvPr>
+        </p:nvSpPr>
+        <p:spPr/>
+        <p:txBody>
+          <a:bodyPr/>
+          <a:lstStyle/>
+          <a:p>
+            <a:fld id="{100650DF-8CBF-0341-B1F9-47D0C0CD302F}" type="slidenum">
+              <a:rPr lang="en-US" smtClean="0"/>
+              <a:t>6</a:t>
+            </a:fld>
+            <a:endParaRPr lang="en-US"/>
+          </a:p>
+        </p:txBody>
+      </p:sp>
+    </p:spTree>
+    <p:extLst>
+      <p:ext uri="{BB962C8B-B14F-4D97-AF65-F5344CB8AC3E}">
+        <p14:creationId xmlns:p14="http://schemas.microsoft.com/office/powerpoint/2010/main" val="1358390816"/>
+      </p:ext>
+    </p:extLst>
+  </p:cSld>
+  <p:clrMapOvr>
+    <a:masterClrMapping/>
+  </p:clrMapOvr>
+</p:notes>
 </file>
 
 <file path=ppt/slideLayouts/slideLayout1.xml><?xml version="1.0" encoding="utf-8"?>
@@ -9271,6 +11389,16 @@
             </a:pPr>
             <a:r>
               <a:rPr lang="en-US" dirty="0" smtClean="0"/>
+              <a:t>Heterogeneous components, varying failure behavior</a:t>
+            </a:r>
+          </a:p>
+          <a:p>
+            <a:pPr lvl="1">
+              <a:buFont typeface="Arial" charset="0"/>
+              <a:buChar char="•"/>
+            </a:pPr>
+            <a:r>
+              <a:rPr lang="en-US" dirty="0" smtClean="0"/>
               <a:t>Difficult to model reliability, infinite number of parameters and types of failures to consider</a:t>
             </a:r>
           </a:p>
@@ -9293,6 +11421,16 @@
             <a:r>
               <a:rPr lang="en-US" dirty="0" smtClean="0"/>
               <a:t>For stream processing applications, valuable data may be lost if the processing task fails</a:t>
+            </a:r>
+          </a:p>
+          <a:p>
+            <a:pPr>
+              <a:buFont typeface="Arial" charset="0"/>
+              <a:buChar char="•"/>
+            </a:pPr>
+            <a:r>
+              <a:rPr lang="en-US" dirty="0" smtClean="0"/>
+              <a:t>Service providers should ensure reliability in a seamless way, </a:t>
             </a:r>
             <a:endParaRPr lang="en-US" dirty="0" smtClean="0"/>
           </a:p>
@@ -14553,79 +16691,9 @@
         <p:spPr/>
         <p:txBody>
           <a:bodyPr>
-            <a:normAutofit lnSpcReduction="10000"/>
+            <a:normAutofit/>
           </a:bodyPr>
           <a:lstStyle/>
-          <a:p>
-            <a:pPr>
-              <a:buFont typeface="Arial" charset="0"/>
-              <a:buChar char="•"/>
-            </a:pPr>
-            <a:r>
-              <a:rPr lang="en-US" dirty="0" smtClean="0"/>
-              <a:t>Common assumptions:</a:t>
-            </a:r>
-          </a:p>
-          <a:p>
-            <a:pPr lvl="1">
-              <a:buFont typeface="Arial" charset="0"/>
-              <a:buChar char="•"/>
-            </a:pPr>
-            <a:r>
-              <a:rPr lang="en-US" dirty="0"/>
-              <a:t>Each component in the system has only two states: </a:t>
-            </a:r>
-            <a:r>
-              <a:rPr lang="en-US" i="1" dirty="0"/>
-              <a:t>operational</a:t>
-            </a:r>
-            <a:r>
-              <a:rPr lang="en-US" dirty="0"/>
-              <a:t> or </a:t>
-            </a:r>
-            <a:r>
-              <a:rPr lang="en-US" i="1" dirty="0" smtClean="0"/>
-              <a:t>failed</a:t>
-            </a:r>
-          </a:p>
-          <a:p>
-            <a:pPr lvl="1">
-              <a:buFont typeface="Arial" charset="0"/>
-              <a:buChar char="•"/>
-            </a:pPr>
-            <a:r>
-              <a:rPr lang="en-US" dirty="0" smtClean="0"/>
-              <a:t>Constant </a:t>
-            </a:r>
-            <a:r>
-              <a:rPr lang="en-US" dirty="0" smtClean="0"/>
-              <a:t>failure rates, as well as same failure rates for all </a:t>
-            </a:r>
-            <a:r>
-              <a:rPr lang="en-US" dirty="0" smtClean="0"/>
-              <a:t>nodes and statistically independent failures</a:t>
-            </a:r>
-          </a:p>
-          <a:p>
-            <a:pPr lvl="1">
-              <a:buFont typeface="Arial" charset="0"/>
-              <a:buChar char="•"/>
-            </a:pPr>
-            <a:r>
-              <a:rPr lang="en-US" dirty="0" smtClean="0"/>
-              <a:t>Known execution time for applications/jobs</a:t>
-            </a:r>
-          </a:p>
-          <a:p>
-            <a:pPr lvl="1">
-              <a:buFont typeface="Arial" charset="0"/>
-              <a:buChar char="•"/>
-            </a:pPr>
-            <a:r>
-              <a:rPr lang="en-US" dirty="0" smtClean="0"/>
-              <a:t>Fully reliable links</a:t>
-            </a:r>
-          </a:p>
           <a:p>
             <a:pPr>
               <a:buFont typeface="Arial" charset="0"/>
@@ -16979,7 +19047,7 @@
           <p:nvPr/>
         </p:nvPicPr>
         <p:blipFill>
-          <a:blip r:embed="rId2">
+          <a:blip r:embed="rId3">
             <a:extLst>
               <a:ext uri="{28A0092B-C50C-407E-A947-70E740481C1C}">
                 <a14:useLocalDpi xmlns:a14="http://schemas.microsoft.com/office/drawing/2010/main" val="0"/>
@@ -18340,12 +20408,84 @@
           <a:bodyPr/>
           <a:lstStyle/>
           <a:p>
+            <a:pPr>
+              <a:buFont typeface="Arial" charset="0"/>
+              <a:buChar char="•"/>
+            </a:pPr>
+            <a:r>
+              <a:rPr lang="en-US" dirty="0"/>
+              <a:t>Common assumptions:</a:t>
+            </a:r>
+          </a:p>
+          <a:p>
+            <a:pPr lvl="1">
+              <a:buFont typeface="Arial" charset="0"/>
+              <a:buChar char="•"/>
+            </a:pPr>
+            <a:r>
+              <a:rPr lang="en-US" dirty="0"/>
+              <a:t>Each component in the system has only two states: </a:t>
+            </a:r>
+            <a:r>
+              <a:rPr lang="en-US" i="1" dirty="0"/>
+              <a:t>operational</a:t>
+            </a:r>
+            <a:r>
+              <a:rPr lang="en-US" dirty="0"/>
+              <a:t> or </a:t>
+            </a:r>
+            <a:r>
+              <a:rPr lang="en-US" i="1" dirty="0"/>
+              <a:t>failed</a:t>
+            </a:r>
+          </a:p>
+          <a:p>
+            <a:pPr lvl="1">
+              <a:buFont typeface="Arial" charset="0"/>
+              <a:buChar char="•"/>
+            </a:pPr>
+            <a:r>
+              <a:rPr lang="en-US" dirty="0"/>
+              <a:t>Constant failure rates, as well as same failure rates for all nodes and statistically independent failures</a:t>
+            </a:r>
+          </a:p>
+          <a:p>
+            <a:pPr lvl="1">
+              <a:buFont typeface="Arial" charset="0"/>
+              <a:buChar char="•"/>
+            </a:pPr>
+            <a:r>
+              <a:rPr lang="en-US" dirty="0"/>
+              <a:t>Known execution time for applications/jobs</a:t>
+            </a:r>
+          </a:p>
+          <a:p>
+            <a:pPr lvl="1">
+              <a:buFont typeface="Arial" charset="0"/>
+              <a:buChar char="•"/>
+            </a:pPr>
+            <a:r>
+              <a:rPr lang="en-US" dirty="0"/>
+              <a:t>Fully reliable links</a:t>
+            </a:r>
+          </a:p>
+          <a:p>
             <a:pPr marL="0" lvl="0" indent="0">
               <a:buNone/>
             </a:pPr>
+            <a:endParaRPr lang="en-US" dirty="0" smtClean="0"/>
+          </a:p>
+          <a:p>
+            <a:pPr marL="0" lvl="0" indent="0">
+              <a:buNone/>
+            </a:pPr>
+            <a:r>
+              <a:rPr lang="en-US" dirty="0" smtClean="0"/>
+              <a:t>We </a:t>
+            </a:r>
             <a:r>
               <a:rPr lang="en-US" dirty="0"/>
-              <a:t>We make the following </a:t>
+              <a:t>make the following </a:t>
             </a:r>
             <a:r>
               <a:rPr lang="en-US" dirty="0" smtClean="0"/>
@@ -19532,4 +21672,265 @@
     </a:ext>
   </a:extLst>
 </a:theme>
+</file>
+
+<file path=ppt/theme/theme2.xml><?xml version="1.0" encoding="utf-8"?>
+<a:theme xmlns:a="http://schemas.openxmlformats.org/drawingml/2006/main" name="Office Theme">
+  <a:themeElements>
+    <a:clrScheme name="Office">
+      <a:dk1>
+        <a:sysClr val="windowText" lastClr="000000"/>
+      </a:dk1>
+      <a:lt1>
+        <a:sysClr val="window" lastClr="FFFFFF"/>
+      </a:lt1>
+      <a:dk2>
+        <a:srgbClr val="44546A"/>
+      </a:dk2>
+      <a:lt2>
+        <a:srgbClr val="E7E6E6"/>
+      </a:lt2>
+      <a:accent1>
+        <a:srgbClr val="5B9BD5"/>
+      </a:accent1>
+      <a:accent2>
+        <a:srgbClr val="ED7D31"/>
+      </a:accent2>
+      <a:accent3>
+        <a:srgbClr val="A5A5A5"/>
+      </a:accent3>
+      <a:accent4>
+        <a:srgbClr val="FFC000"/>
+      </a:accent4>
+      <a:accent5>
+        <a:srgbClr val="4472C4"/>
+      </a:accent5>
+      <a:accent6>
+        <a:srgbClr val="70AD47"/>
+      </a:accent6>
+      <a:hlink>
+        <a:srgbClr val="0563C1"/>
+      </a:hlink>
+      <a:folHlink>
+        <a:srgbClr val="954F72"/>
+      </a:folHlink>
+    </a:clrScheme>
+    <a:fontScheme name="Office">
+      <a:majorFont>
+        <a:latin typeface="Calibri Light" panose="020F0302020204030204"/>
+        <a:ea typeface=""/>
+        <a:cs typeface=""/>
+        <a:font script="Jpan" typeface="Yu Gothic Light"/>
+        <a:font script="Hang" typeface="맑은 고딕"/>
+        <a:font script="Hans" typeface="DengXian Light"/>
+        <a:font script="Hant" typeface="新細明體"/>
+        <a:font script="Arab" typeface="Times New Roman"/>
+        <a:font script="Hebr" typeface="Times New Roman"/>
+        <a:font script="Thai" typeface="Angsana New"/>
+        <a:font script="Ethi" typeface="Nyala"/>
+        <a:font script="Beng" typeface="Vrinda"/>
+        <a:font script="Gujr" typeface="Shruti"/>
+        <a:font script="Khmr" typeface="MoolBoran"/>
+        <a:font script="Knda" typeface="Tunga"/>
+        <a:font script="Guru" typeface="Raavi"/>
+        <a:font script="Cans" typeface="Euphemia"/>
+        <a:font script="Cher" typeface="Plantagenet Cherokee"/>
+        <a:font script="Yiii" typeface="Microsoft Yi Baiti"/>
+        <a:font script="Tibt" typeface="Microsoft Himalaya"/>
+        <a:font script="Thaa" typeface="MV Boli"/>
+        <a:font script="Deva" typeface="Mangal"/>
+        <a:font script="Telu" typeface="Gautami"/>
+        <a:font script="Taml" typeface="Latha"/>
+        <a:font script="Syrc" typeface="Estrangelo Edessa"/>
+        <a:font script="Orya" typeface="Kalinga"/>
+        <a:font script="Mlym" typeface="Kartika"/>
+        <a:font script="Laoo" typeface="DokChampa"/>
+        <a:font script="Sinh" typeface="Iskoola Pota"/>
+        <a:font script="Mong" typeface="Mongolian Baiti"/>
+        <a:font script="Viet" typeface="Times New Roman"/>
+        <a:font script="Uigh" typeface="Microsoft Uighur"/>
+        <a:font script="Geor" typeface="Sylfaen"/>
+      </a:majorFont>
+      <a:minorFont>
+        <a:latin typeface="Calibri" panose="020F0502020204030204"/>
+        <a:ea typeface=""/>
+        <a:cs typeface=""/>
+        <a:font script="Jpan" typeface="Yu Gothic"/>
+        <a:font script="Hang" typeface="맑은 고딕"/>
+        <a:font script="Hans" typeface="DengXian"/>
+        <a:font script="Hant" typeface="新細明體"/>
+        <a:font script="Arab" typeface="Arial"/>
+        <a:font script="Hebr" typeface="Arial"/>
+        <a:font script="Thai" typeface="Cordia New"/>
+        <a:font script="Ethi" typeface="Nyala"/>
+        <a:font script="Beng" typeface="Vrinda"/>
+        <a:font script="Gujr" typeface="Shruti"/>
+        <a:font script="Khmr" typeface="DaunPenh"/>
+        <a:font script="Knda" typeface="Tunga"/>
+        <a:font script="Guru" typeface="Raavi"/>
+        <a:font script="Cans" typeface="Euphemia"/>
+        <a:font script="Cher" typeface="Plantagenet Cherokee"/>
+        <a:font script="Yiii" typeface="Microsoft Yi Baiti"/>
+        <a:font script="Tibt" typeface="Microsoft Himalaya"/>
+        <a:font script="Thaa" typeface="MV Boli"/>
+        <a:font script="Deva" typeface="Mangal"/>
+        <a:font script="Telu" typeface="Gautami"/>
+        <a:font script="Taml" typeface="Latha"/>
+        <a:font script="Syrc" typeface="Estrangelo Edessa"/>
+        <a:font script="Orya" typeface="Kalinga"/>
+        <a:font script="Mlym" typeface="Kartika"/>
+        <a:font script="Laoo" typeface="DokChampa"/>
+        <a:font script="Sinh" typeface="Iskoola Pota"/>
+        <a:font script="Mong" typeface="Mongolian Baiti"/>
+        <a:font script="Viet" typeface="Arial"/>
+        <a:font script="Uigh" typeface="Microsoft Uighur"/>
+        <a:font script="Geor" typeface="Sylfaen"/>
+      </a:minorFont>
+    </a:fontScheme>
+    <a:fmtScheme name="Office">
+      <a:fillStyleLst>
+        <a:solidFill>
+          <a:schemeClr val="phClr"/>
+        </a:solidFill>
+        <a:gradFill rotWithShape="1">
+          <a:gsLst>
+            <a:gs pos="0">
+              <a:schemeClr val="phClr">
+                <a:lumMod val="110000"/>
+                <a:satMod val="105000"/>
+                <a:tint val="67000"/>
+              </a:schemeClr>
+            </a:gs>
+            <a:gs pos="50000">
+              <a:schemeClr val="phClr">
+                <a:lumMod val="105000"/>
+                <a:satMod val="103000"/>
+                <a:tint val="73000"/>
+              </a:schemeClr>
+            </a:gs>
+            <a:gs pos="100000">
+              <a:schemeClr val="phClr">
+                <a:lumMod val="105000"/>
+                <a:satMod val="109000"/>
+                <a:tint val="81000"/>
+              </a:schemeClr>
+            </a:gs>
+          </a:gsLst>
+          <a:lin ang="5400000" scaled="0"/>
+        </a:gradFill>
+        <a:gradFill rotWithShape="1">
+          <a:gsLst>
+            <a:gs pos="0">
+              <a:schemeClr val="phClr">
+                <a:satMod val="103000"/>
+                <a:lumMod val="102000"/>
+                <a:tint val="94000"/>
+              </a:schemeClr>
+            </a:gs>
+            <a:gs pos="50000">
+              <a:schemeClr val="phClr">
+                <a:satMod val="110000"/>
+                <a:lumMod val="100000"/>
+                <a:shade val="100000"/>
+              </a:schemeClr>
+            </a:gs>
+            <a:gs pos="100000">
+              <a:schemeClr val="phClr">
+                <a:lumMod val="99000"/>
+                <a:satMod val="120000"/>
+                <a:shade val="78000"/>
+              </a:schemeClr>
+            </a:gs>
+          </a:gsLst>
+          <a:lin ang="5400000" scaled="0"/>
+        </a:gradFill>
+      </a:fillStyleLst>
+      <a:lnStyleLst>
+        <a:ln w="6350" cap="flat" cmpd="sng" algn="ctr">
+          <a:solidFill>
+            <a:schemeClr val="phClr"/>
+          </a:solidFill>
+          <a:prstDash val="solid"/>
+          <a:miter lim="800000"/>
+        </a:ln>
+        <a:ln w="12700" cap="flat" cmpd="sng" algn="ctr">
+          <a:solidFill>
+            <a:schemeClr val="phClr"/>
+          </a:solidFill>
+          <a:prstDash val="solid"/>
+          <a:miter lim="800000"/>
+        </a:ln>
+        <a:ln w="19050" cap="flat" cmpd="sng" algn="ctr">
+          <a:solidFill>
+            <a:schemeClr val="phClr"/>
+          </a:solidFill>
+          <a:prstDash val="solid"/>
+          <a:miter lim="800000"/>
+        </a:ln>
+      </a:lnStyleLst>
+      <a:effectStyleLst>
+        <a:effectStyle>
+          <a:effectLst/>
+        </a:effectStyle>
+        <a:effectStyle>
+          <a:effectLst/>
+        </a:effectStyle>
+        <a:effectStyle>
+          <a:effectLst>
+            <a:outerShdw blurRad="57150" dist="19050" dir="5400000" algn="ctr" rotWithShape="0">
+              <a:srgbClr val="000000">
+                <a:alpha val="63000"/>
+              </a:srgbClr>
+            </a:outerShdw>
+          </a:effectLst>
+        </a:effectStyle>
+      </a:effectStyleLst>
+      <a:bgFillStyleLst>
+        <a:solidFill>
+          <a:schemeClr val="phClr"/>
+        </a:solidFill>
+        <a:solidFill>
+          <a:schemeClr val="phClr">
+            <a:tint val="95000"/>
+            <a:satMod val="170000"/>
+          </a:schemeClr>
+        </a:solidFill>
+        <a:gradFill rotWithShape="1">
+          <a:gsLst>
+            <a:gs pos="0">
+              <a:schemeClr val="phClr">
+                <a:tint val="93000"/>
+                <a:satMod val="150000"/>
+                <a:shade val="98000"/>
+                <a:lumMod val="102000"/>
+              </a:schemeClr>
+            </a:gs>
+            <a:gs pos="50000">
+              <a:schemeClr val="phClr">
+                <a:tint val="98000"/>
+                <a:satMod val="130000"/>
+                <a:shade val="90000"/>
+                <a:lumMod val="103000"/>
+              </a:schemeClr>
+            </a:gs>
+            <a:gs pos="100000">
+              <a:schemeClr val="phClr">
+                <a:shade val="63000"/>
+                <a:satMod val="120000"/>
+              </a:schemeClr>
+            </a:gs>
+          </a:gsLst>
+          <a:lin ang="5400000" scaled="0"/>
+        </a:gradFill>
+      </a:bgFillStyleLst>
+    </a:fmtScheme>
+  </a:themeElements>
+  <a:objectDefaults/>
+  <a:extraClrSchemeLst/>
+  <a:extLst>
+    <a:ext uri="{05A4C25C-085E-4340-85A3-A5531E510DB2}">
+      <thm15:themeFamily xmlns:thm15="http://schemas.microsoft.com/office/thememl/2012/main" name="Office Theme" id="{62F939B6-93AF-4DB8-9C6B-D6C7DFDC589F}" vid="{4A3C46E8-61CC-4603-A589-7422A47A8E4A}"/>
+    </a:ext>
+  </a:extLst>
+</a:theme>
 </file>
--- a/presentation/presentation.pptx
+++ b/presentation/presentation.pptx
@@ -2254,10 +2254,270 @@
             </a:r>
           </a:p>
           <a:p>
-            <a:endParaRPr lang="en-US" baseline="0" smtClean="0"/>
-          </a:p>
-          <a:p>
-            <a:endParaRPr lang="en-US"/>
+            <a:endParaRPr lang="en-US" baseline="0" dirty="0" smtClean="0"/>
+          </a:p>
+          <a:p>
+            <a:r>
+              <a:rPr lang="en-US" baseline="0" dirty="0" err="1" smtClean="0"/>
+              <a:t>För</a:t>
+            </a:r>
+            <a:r>
+              <a:rPr lang="en-US" baseline="0" dirty="0" smtClean="0"/>
+              <a:t> </a:t>
+            </a:r>
+            <a:r>
+              <a:rPr lang="en-US" baseline="0" dirty="0" err="1" smtClean="0"/>
+              <a:t>själva</a:t>
+            </a:r>
+            <a:r>
+              <a:rPr lang="en-US" baseline="0" dirty="0" smtClean="0"/>
+              <a:t> </a:t>
+            </a:r>
+            <a:r>
+              <a:rPr lang="en-US" baseline="0" dirty="0" err="1" smtClean="0"/>
+              <a:t>miljön</a:t>
+            </a:r>
+            <a:r>
+              <a:rPr lang="en-US" baseline="0" dirty="0" smtClean="0"/>
+              <a:t> med </a:t>
+            </a:r>
+            <a:r>
+              <a:rPr lang="en-US" baseline="0" dirty="0" err="1" smtClean="0"/>
+              <a:t>servrar</a:t>
+            </a:r>
+            <a:r>
+              <a:rPr lang="en-US" baseline="0" dirty="0" smtClean="0"/>
+              <a:t>, </a:t>
+            </a:r>
+            <a:r>
+              <a:rPr lang="en-US" baseline="0" dirty="0" err="1" smtClean="0"/>
+              <a:t>så</a:t>
+            </a:r>
+            <a:r>
+              <a:rPr lang="en-US" baseline="0" dirty="0" smtClean="0"/>
+              <a:t> </a:t>
+            </a:r>
+            <a:r>
+              <a:rPr lang="en-US" baseline="0" dirty="0" err="1" smtClean="0"/>
+              <a:t>har</a:t>
+            </a:r>
+            <a:r>
+              <a:rPr lang="en-US" baseline="0" dirty="0" smtClean="0"/>
+              <a:t> vi </a:t>
+            </a:r>
+            <a:r>
+              <a:rPr lang="en-US" baseline="0" dirty="0" err="1" smtClean="0"/>
+              <a:t>utgått</a:t>
+            </a:r>
+            <a:r>
+              <a:rPr lang="en-US" baseline="0" dirty="0" smtClean="0"/>
+              <a:t> </a:t>
+            </a:r>
+            <a:r>
+              <a:rPr lang="en-US" baseline="0" dirty="0" err="1" smtClean="0"/>
+              <a:t>från</a:t>
+            </a:r>
+            <a:r>
+              <a:rPr lang="en-US" baseline="0" dirty="0" smtClean="0"/>
+              <a:t> </a:t>
+            </a:r>
+            <a:r>
+              <a:rPr lang="en-US" baseline="0" dirty="0" err="1" smtClean="0"/>
+              <a:t>att</a:t>
+            </a:r>
+            <a:r>
+              <a:rPr lang="en-US" baseline="0" dirty="0" smtClean="0"/>
+              <a:t> </a:t>
+            </a:r>
+            <a:r>
+              <a:rPr lang="en-US" baseline="0" dirty="0" err="1" smtClean="0"/>
+              <a:t>alla</a:t>
+            </a:r>
+            <a:r>
+              <a:rPr lang="en-US" baseline="0" dirty="0" smtClean="0"/>
+              <a:t> </a:t>
+            </a:r>
+            <a:r>
+              <a:rPr lang="en-US" baseline="0" dirty="0" err="1" smtClean="0"/>
+              <a:t>tillgängliga</a:t>
+            </a:r>
+            <a:r>
+              <a:rPr lang="en-US" baseline="0" dirty="0" smtClean="0"/>
+              <a:t> </a:t>
+            </a:r>
+            <a:r>
+              <a:rPr lang="en-US" baseline="0" dirty="0" err="1" smtClean="0"/>
+              <a:t>servrar</a:t>
+            </a:r>
+            <a:r>
+              <a:rPr lang="en-US" baseline="0" dirty="0" smtClean="0"/>
+              <a:t> </a:t>
+            </a:r>
+            <a:r>
+              <a:rPr lang="en-US" baseline="0" dirty="0" err="1" smtClean="0"/>
+              <a:t>finns</a:t>
+            </a:r>
+            <a:r>
+              <a:rPr lang="en-US" baseline="0" dirty="0" smtClean="0"/>
+              <a:t> I </a:t>
+            </a:r>
+            <a:r>
+              <a:rPr lang="en-US" baseline="0" dirty="0" err="1" smtClean="0"/>
+              <a:t>samma</a:t>
+            </a:r>
+            <a:r>
+              <a:rPr lang="en-US" baseline="0" dirty="0" smtClean="0"/>
+              <a:t> cluster med </a:t>
+            </a:r>
+            <a:r>
+              <a:rPr lang="en-US" baseline="0" dirty="0" err="1" smtClean="0"/>
+              <a:t>reduntanta</a:t>
+            </a:r>
+            <a:r>
+              <a:rPr lang="en-US" baseline="0" dirty="0" smtClean="0"/>
+              <a:t> </a:t>
+            </a:r>
+            <a:r>
+              <a:rPr lang="en-US" baseline="0" dirty="0" err="1" smtClean="0"/>
+              <a:t>länkar</a:t>
+            </a:r>
+            <a:r>
+              <a:rPr lang="en-US" baseline="0" dirty="0" smtClean="0"/>
+              <a:t> </a:t>
+            </a:r>
+            <a:r>
+              <a:rPr lang="en-US" baseline="0" dirty="0" err="1" smtClean="0"/>
+              <a:t>och</a:t>
+            </a:r>
+            <a:r>
+              <a:rPr lang="en-US" baseline="0" dirty="0" smtClean="0"/>
+              <a:t> </a:t>
+            </a:r>
+            <a:r>
+              <a:rPr lang="en-US" baseline="0" dirty="0" err="1" smtClean="0"/>
+              <a:t>att</a:t>
+            </a:r>
+            <a:r>
+              <a:rPr lang="en-US" baseline="0" dirty="0" smtClean="0"/>
+              <a:t> </a:t>
+            </a:r>
+            <a:r>
+              <a:rPr lang="en-US" baseline="0" dirty="0" err="1" smtClean="0"/>
+              <a:t>alla</a:t>
+            </a:r>
+            <a:r>
+              <a:rPr lang="en-US" baseline="0" dirty="0" smtClean="0"/>
+              <a:t> </a:t>
+            </a:r>
+            <a:r>
+              <a:rPr lang="en-US" baseline="0" dirty="0" err="1" smtClean="0"/>
+              <a:t>noder</a:t>
+            </a:r>
+            <a:r>
+              <a:rPr lang="en-US" baseline="0" dirty="0" smtClean="0"/>
+              <a:t> </a:t>
+            </a:r>
+            <a:r>
+              <a:rPr lang="en-US" baseline="0" dirty="0" err="1" smtClean="0"/>
+              <a:t>kan</a:t>
+            </a:r>
+            <a:r>
+              <a:rPr lang="en-US" baseline="0" dirty="0" smtClean="0"/>
+              <a:t> </a:t>
+            </a:r>
+            <a:r>
+              <a:rPr lang="en-US" baseline="0" dirty="0" err="1" smtClean="0"/>
+              <a:t>kommunicera</a:t>
+            </a:r>
+            <a:r>
+              <a:rPr lang="en-US" baseline="0" dirty="0" smtClean="0"/>
+              <a:t> med </a:t>
+            </a:r>
+            <a:r>
+              <a:rPr lang="en-US" baseline="0" dirty="0" err="1" smtClean="0"/>
+              <a:t>varandra</a:t>
+            </a:r>
+            <a:r>
+              <a:rPr lang="en-US" baseline="0" dirty="0" smtClean="0"/>
+              <a:t>.</a:t>
+            </a:r>
+          </a:p>
+          <a:p>
+            <a:endParaRPr lang="en-US" baseline="0" dirty="0" smtClean="0"/>
+          </a:p>
+          <a:p>
+            <a:r>
+              <a:rPr lang="en-US" baseline="0" dirty="0" err="1" smtClean="0"/>
+              <a:t>Tex</a:t>
+            </a:r>
+            <a:r>
+              <a:rPr lang="en-US" baseline="0" dirty="0" smtClean="0"/>
+              <a:t> </a:t>
+            </a:r>
+            <a:r>
+              <a:rPr lang="en-US" baseline="0" dirty="0" err="1" smtClean="0"/>
+              <a:t>så</a:t>
+            </a:r>
+            <a:r>
+              <a:rPr lang="en-US" baseline="0" dirty="0" smtClean="0"/>
+              <a:t> </a:t>
+            </a:r>
+            <a:r>
+              <a:rPr lang="en-US" baseline="0" dirty="0" err="1" smtClean="0"/>
+              <a:t>kan</a:t>
+            </a:r>
+            <a:r>
+              <a:rPr lang="en-US" baseline="0" dirty="0" smtClean="0"/>
+              <a:t> nod A </a:t>
+            </a:r>
+            <a:r>
+              <a:rPr lang="en-US" baseline="0" dirty="0" err="1" smtClean="0"/>
+              <a:t>och</a:t>
+            </a:r>
+            <a:r>
+              <a:rPr lang="en-US" baseline="0" dirty="0" smtClean="0"/>
+              <a:t> nod B </a:t>
+            </a:r>
+            <a:r>
+              <a:rPr lang="en-US" baseline="0" dirty="0" err="1" smtClean="0"/>
+              <a:t>kommunicera</a:t>
+            </a:r>
+            <a:r>
+              <a:rPr lang="en-US" baseline="0" dirty="0" smtClean="0"/>
+              <a:t> med </a:t>
+            </a:r>
+            <a:r>
+              <a:rPr lang="en-US" baseline="0" dirty="0" err="1" smtClean="0"/>
+              <a:t>varandra</a:t>
+            </a:r>
+            <a:r>
+              <a:rPr lang="en-US" baseline="0" dirty="0" smtClean="0"/>
+              <a:t> </a:t>
+            </a:r>
+            <a:r>
+              <a:rPr lang="en-US" baseline="0" dirty="0" err="1" smtClean="0"/>
+              <a:t>även</a:t>
+            </a:r>
+            <a:r>
+              <a:rPr lang="en-US" baseline="0" dirty="0" smtClean="0"/>
+              <a:t> om nod C </a:t>
+            </a:r>
+            <a:r>
+              <a:rPr lang="en-US" baseline="0" dirty="0" err="1" smtClean="0"/>
+              <a:t>skulle</a:t>
+            </a:r>
+            <a:r>
+              <a:rPr lang="en-US" baseline="0" dirty="0" smtClean="0"/>
+              <a:t> </a:t>
+            </a:r>
+            <a:r>
+              <a:rPr lang="en-US" baseline="0" dirty="0" err="1" smtClean="0"/>
+              <a:t>dö</a:t>
+            </a:r>
+            <a:r>
+              <a:rPr lang="en-US" baseline="0" dirty="0" smtClean="0"/>
+              <a:t>.</a:t>
+            </a:r>
           </a:p>
         </p:txBody>
       </p:sp>
@@ -2288,6 +2548,715 @@
     <p:extLst>
       <p:ext uri="{BB962C8B-B14F-4D97-AF65-F5344CB8AC3E}">
         <p14:creationId xmlns:p14="http://schemas.microsoft.com/office/powerpoint/2010/main" val="1358390816"/>
+      </p:ext>
+    </p:extLst>
+  </p:cSld>
+  <p:clrMapOvr>
+    <a:masterClrMapping/>
+  </p:clrMapOvr>
+</p:notes>
+</file>
+
+<file path=ppt/notesSlides/notesSlide5.xml><?xml version="1.0" encoding="utf-8"?>
+<p:notes xmlns:a="http://schemas.openxmlformats.org/drawingml/2006/main" xmlns:r="http://schemas.openxmlformats.org/officeDocument/2006/relationships" xmlns:p="http://schemas.openxmlformats.org/presentationml/2006/main">
+  <p:cSld>
+    <p:spTree>
+      <p:nvGrpSpPr>
+        <p:cNvPr id="1" name=""/>
+        <p:cNvGrpSpPr/>
+        <p:nvPr/>
+      </p:nvGrpSpPr>
+      <p:grpSpPr>
+        <a:xfrm>
+          <a:off x="0" y="0"/>
+          <a:ext cx="0" cy="0"/>
+          <a:chOff x="0" y="0"/>
+          <a:chExt cx="0" cy="0"/>
+        </a:xfrm>
+      </p:grpSpPr>
+      <p:sp>
+        <p:nvSpPr>
+          <p:cNvPr id="2" name="Slide Image Placeholder 1"/>
+          <p:cNvSpPr>
+            <a:spLocks noGrp="1" noRot="1" noChangeAspect="1"/>
+          </p:cNvSpPr>
+          <p:nvPr>
+            <p:ph type="sldImg"/>
+          </p:nvPr>
+        </p:nvSpPr>
+        <p:spPr/>
+      </p:sp>
+      <p:sp>
+        <p:nvSpPr>
+          <p:cNvPr id="3" name="Notes Placeholder 2"/>
+          <p:cNvSpPr>
+            <a:spLocks noGrp="1"/>
+          </p:cNvSpPr>
+          <p:nvPr>
+            <p:ph type="body" idx="1"/>
+          </p:nvPr>
+        </p:nvSpPr>
+        <p:spPr/>
+        <p:txBody>
+          <a:bodyPr/>
+          <a:lstStyle/>
+          <a:p>
+            <a:r>
+              <a:rPr lang="en-US" dirty="0" err="1" smtClean="0"/>
+              <a:t>Applikationen</a:t>
+            </a:r>
+            <a:r>
+              <a:rPr lang="en-US" baseline="0" dirty="0" smtClean="0"/>
+              <a:t> vi </a:t>
+            </a:r>
+            <a:r>
+              <a:rPr lang="en-US" baseline="0" dirty="0" err="1" smtClean="0"/>
+              <a:t>tänker</a:t>
+            </a:r>
+            <a:r>
+              <a:rPr lang="en-US" baseline="0" dirty="0" smtClean="0"/>
+              <a:t> </a:t>
+            </a:r>
+            <a:r>
+              <a:rPr lang="en-US" baseline="0" dirty="0" err="1" smtClean="0"/>
+              <a:t>oss</a:t>
+            </a:r>
+            <a:r>
+              <a:rPr lang="en-US" baseline="0" dirty="0" smtClean="0"/>
+              <a:t> </a:t>
+            </a:r>
+            <a:r>
+              <a:rPr lang="en-US" baseline="0" dirty="0" err="1" smtClean="0"/>
+              <a:t>är</a:t>
+            </a:r>
+            <a:r>
+              <a:rPr lang="en-US" baseline="0" dirty="0" smtClean="0"/>
+              <a:t> </a:t>
+            </a:r>
+            <a:r>
+              <a:rPr lang="en-US" baseline="0" dirty="0" err="1" smtClean="0"/>
+              <a:t>i</a:t>
+            </a:r>
+            <a:r>
+              <a:rPr lang="en-US" baseline="0" dirty="0" smtClean="0"/>
+              <a:t> </a:t>
+            </a:r>
+            <a:r>
+              <a:rPr lang="en-US" baseline="0" dirty="0" err="1" smtClean="0"/>
+              <a:t>dess</a:t>
+            </a:r>
+            <a:r>
+              <a:rPr lang="en-US" baseline="0" dirty="0" smtClean="0"/>
+              <a:t> </a:t>
+            </a:r>
+            <a:r>
+              <a:rPr lang="en-US" baseline="0" dirty="0" err="1" smtClean="0"/>
+              <a:t>enklaste</a:t>
+            </a:r>
+            <a:r>
+              <a:rPr lang="en-US" baseline="0" dirty="0" smtClean="0"/>
+              <a:t> fall </a:t>
+            </a:r>
+            <a:r>
+              <a:rPr lang="en-US" baseline="0" dirty="0" err="1" smtClean="0"/>
+              <a:t>bestånde</a:t>
+            </a:r>
+            <a:r>
+              <a:rPr lang="en-US" baseline="0" dirty="0" smtClean="0"/>
+              <a:t> </a:t>
+            </a:r>
+            <a:r>
+              <a:rPr lang="en-US" baseline="0" dirty="0" err="1" smtClean="0"/>
+              <a:t>av</a:t>
+            </a:r>
+            <a:r>
+              <a:rPr lang="en-US" baseline="0" dirty="0" smtClean="0"/>
+              <a:t> 3 </a:t>
+            </a:r>
+            <a:r>
+              <a:rPr lang="en-US" baseline="0" dirty="0" err="1" smtClean="0"/>
+              <a:t>delar</a:t>
+            </a:r>
+            <a:r>
+              <a:rPr lang="en-US" baseline="0" dirty="0" smtClean="0"/>
+              <a:t>. En </a:t>
+            </a:r>
+            <a:r>
+              <a:rPr lang="en-US" baseline="0" dirty="0" err="1" smtClean="0"/>
+              <a:t>producent</a:t>
+            </a:r>
+            <a:r>
+              <a:rPr lang="en-US" baseline="0" dirty="0" smtClean="0"/>
+              <a:t>, </a:t>
+            </a:r>
+            <a:r>
+              <a:rPr lang="en-US" baseline="0" dirty="0" err="1" smtClean="0"/>
+              <a:t>som</a:t>
+            </a:r>
+            <a:r>
+              <a:rPr lang="en-US" baseline="0" dirty="0" smtClean="0"/>
+              <a:t> </a:t>
+            </a:r>
+            <a:r>
+              <a:rPr lang="en-US" baseline="0" dirty="0" err="1" smtClean="0"/>
+              <a:t>producerar</a:t>
+            </a:r>
+            <a:r>
+              <a:rPr lang="en-US" baseline="0" dirty="0" smtClean="0"/>
+              <a:t> </a:t>
+            </a:r>
+            <a:r>
+              <a:rPr lang="en-US" baseline="0" dirty="0" err="1" smtClean="0"/>
+              <a:t>någon</a:t>
+            </a:r>
+            <a:r>
+              <a:rPr lang="en-US" baseline="0" dirty="0" smtClean="0"/>
+              <a:t> form </a:t>
+            </a:r>
+            <a:r>
+              <a:rPr lang="en-US" baseline="0" dirty="0" err="1" smtClean="0"/>
+              <a:t>av</a:t>
+            </a:r>
+            <a:r>
+              <a:rPr lang="en-US" baseline="0" dirty="0" smtClean="0"/>
+              <a:t> data </a:t>
+            </a:r>
+            <a:r>
+              <a:rPr lang="en-US" baseline="0" dirty="0" err="1" smtClean="0"/>
+              <a:t>som</a:t>
+            </a:r>
+            <a:r>
+              <a:rPr lang="en-US" baseline="0" dirty="0" smtClean="0"/>
+              <a:t> </a:t>
+            </a:r>
+            <a:r>
+              <a:rPr lang="en-US" baseline="0" dirty="0" err="1" smtClean="0"/>
+              <a:t>måste</a:t>
+            </a:r>
+            <a:r>
+              <a:rPr lang="en-US" baseline="0" dirty="0" smtClean="0"/>
+              <a:t> </a:t>
+            </a:r>
+            <a:r>
+              <a:rPr lang="en-US" baseline="0" dirty="0" err="1" smtClean="0"/>
+              <a:t>behandlas</a:t>
+            </a:r>
+            <a:r>
+              <a:rPr lang="en-US" baseline="0" dirty="0" smtClean="0"/>
+              <a:t>. </a:t>
+            </a:r>
+            <a:r>
+              <a:rPr lang="en-US" baseline="0" dirty="0" err="1" smtClean="0"/>
+              <a:t>Datan</a:t>
+            </a:r>
+            <a:r>
+              <a:rPr lang="en-US" baseline="0" dirty="0" smtClean="0"/>
+              <a:t> </a:t>
+            </a:r>
+            <a:r>
+              <a:rPr lang="en-US" baseline="0" dirty="0" err="1" smtClean="0"/>
+              <a:t>skickas</a:t>
+            </a:r>
+            <a:r>
+              <a:rPr lang="en-US" baseline="0" dirty="0" smtClean="0"/>
+              <a:t> till en </a:t>
+            </a:r>
+            <a:r>
+              <a:rPr lang="en-US" baseline="0" dirty="0" err="1" smtClean="0"/>
+              <a:t>tjänst</a:t>
+            </a:r>
+            <a:r>
+              <a:rPr lang="en-US" baseline="0" dirty="0" smtClean="0"/>
+              <a:t> </a:t>
+            </a:r>
+            <a:r>
+              <a:rPr lang="en-US" baseline="0" dirty="0" err="1" smtClean="0"/>
+              <a:t>som</a:t>
+            </a:r>
+            <a:r>
+              <a:rPr lang="en-US" baseline="0" dirty="0" smtClean="0"/>
+              <a:t> </a:t>
+            </a:r>
+            <a:r>
+              <a:rPr lang="en-US" baseline="0" dirty="0" err="1" smtClean="0"/>
+              <a:t>gör</a:t>
+            </a:r>
+            <a:r>
+              <a:rPr lang="en-US" baseline="0" dirty="0" smtClean="0"/>
+              <a:t> </a:t>
+            </a:r>
+            <a:r>
+              <a:rPr lang="en-US" baseline="0" dirty="0" err="1" smtClean="0"/>
+              <a:t>beräkningar</a:t>
+            </a:r>
+            <a:r>
+              <a:rPr lang="en-US" baseline="0" dirty="0" smtClean="0"/>
+              <a:t> </a:t>
+            </a:r>
+            <a:r>
+              <a:rPr lang="en-US" baseline="0" dirty="0" err="1" smtClean="0"/>
+              <a:t>på</a:t>
+            </a:r>
+            <a:r>
+              <a:rPr lang="en-US" baseline="0" dirty="0" smtClean="0"/>
+              <a:t> </a:t>
+            </a:r>
+            <a:r>
+              <a:rPr lang="en-US" baseline="0" dirty="0" err="1" smtClean="0"/>
+              <a:t>datan</a:t>
+            </a:r>
+            <a:r>
+              <a:rPr lang="en-US" baseline="0" dirty="0" smtClean="0"/>
+              <a:t> </a:t>
+            </a:r>
+            <a:r>
+              <a:rPr lang="en-US" baseline="0" dirty="0" err="1" smtClean="0"/>
+              <a:t>och</a:t>
+            </a:r>
+            <a:r>
+              <a:rPr lang="en-US" baseline="0" dirty="0" smtClean="0"/>
+              <a:t> </a:t>
+            </a:r>
+            <a:r>
+              <a:rPr lang="en-US" baseline="0" dirty="0" err="1" smtClean="0"/>
+              <a:t>skickar</a:t>
+            </a:r>
+            <a:r>
+              <a:rPr lang="en-US" baseline="0" dirty="0" smtClean="0"/>
+              <a:t> </a:t>
+            </a:r>
+            <a:r>
+              <a:rPr lang="en-US" baseline="0" dirty="0" err="1" smtClean="0"/>
+              <a:t>resultatet</a:t>
+            </a:r>
+            <a:r>
+              <a:rPr lang="en-US" baseline="0" dirty="0" smtClean="0"/>
+              <a:t> till en </a:t>
+            </a:r>
+            <a:r>
+              <a:rPr lang="en-US" baseline="0" dirty="0" err="1" smtClean="0"/>
+              <a:t>konsument</a:t>
+            </a:r>
+            <a:r>
+              <a:rPr lang="en-US" baseline="0" dirty="0" smtClean="0"/>
+              <a:t>.</a:t>
+            </a:r>
+          </a:p>
+          <a:p>
+            <a:endParaRPr lang="en-US" baseline="0" dirty="0" smtClean="0"/>
+          </a:p>
+          <a:p>
+            <a:r>
+              <a:rPr lang="en-US" baseline="0" dirty="0" smtClean="0"/>
+              <a:t>Vid </a:t>
+            </a:r>
+            <a:r>
+              <a:rPr lang="en-US" baseline="0" dirty="0" err="1" smtClean="0"/>
+              <a:t>replicering</a:t>
+            </a:r>
+            <a:r>
+              <a:rPr lang="en-US" baseline="0" dirty="0" smtClean="0"/>
+              <a:t> </a:t>
+            </a:r>
+            <a:r>
+              <a:rPr lang="en-US" baseline="0" dirty="0" err="1" smtClean="0"/>
+              <a:t>så</a:t>
+            </a:r>
+            <a:r>
+              <a:rPr lang="en-US" baseline="0" dirty="0" smtClean="0"/>
+              <a:t> </a:t>
+            </a:r>
+            <a:r>
+              <a:rPr lang="en-US" baseline="0" dirty="0" err="1" smtClean="0"/>
+              <a:t>får</a:t>
+            </a:r>
+            <a:r>
+              <a:rPr lang="en-US" baseline="0" dirty="0" smtClean="0"/>
+              <a:t> </a:t>
+            </a:r>
+            <a:r>
+              <a:rPr lang="en-US" baseline="0" dirty="0" err="1" smtClean="0"/>
+              <a:t>varje</a:t>
+            </a:r>
+            <a:r>
+              <a:rPr lang="en-US" baseline="0" dirty="0" smtClean="0"/>
+              <a:t> </a:t>
+            </a:r>
+            <a:r>
+              <a:rPr lang="en-US" baseline="0" dirty="0" err="1" smtClean="0"/>
+              <a:t>replika</a:t>
+            </a:r>
+            <a:r>
+              <a:rPr lang="en-US" baseline="0" dirty="0" smtClean="0"/>
+              <a:t> </a:t>
+            </a:r>
+            <a:r>
+              <a:rPr lang="en-US" baseline="0" dirty="0" err="1" smtClean="0"/>
+              <a:t>samma</a:t>
+            </a:r>
+            <a:r>
+              <a:rPr lang="en-US" baseline="0" dirty="0" smtClean="0"/>
+              <a:t> input. </a:t>
+            </a:r>
+            <a:r>
+              <a:rPr lang="en-US" baseline="0" dirty="0" err="1" smtClean="0"/>
+              <a:t>Replikorna</a:t>
+            </a:r>
+            <a:r>
+              <a:rPr lang="en-US" baseline="0" dirty="0" smtClean="0"/>
+              <a:t> </a:t>
+            </a:r>
+            <a:r>
+              <a:rPr lang="en-US" baseline="0" dirty="0" err="1" smtClean="0"/>
+              <a:t>kan</a:t>
+            </a:r>
+            <a:r>
+              <a:rPr lang="en-US" baseline="0" dirty="0" smtClean="0"/>
+              <a:t> dock </a:t>
+            </a:r>
+            <a:r>
+              <a:rPr lang="en-US" baseline="0" dirty="0" err="1" smtClean="0"/>
+              <a:t>vara</a:t>
+            </a:r>
+            <a:r>
+              <a:rPr lang="en-US" baseline="0" dirty="0" smtClean="0"/>
+              <a:t> lite I </a:t>
+            </a:r>
+            <a:r>
+              <a:rPr lang="en-US" baseline="0" dirty="0" err="1" smtClean="0"/>
+              <a:t>ofas</a:t>
+            </a:r>
+            <a:r>
+              <a:rPr lang="en-US" baseline="0" dirty="0" smtClean="0"/>
+              <a:t>, men timing issues </a:t>
+            </a:r>
+            <a:r>
+              <a:rPr lang="en-US" baseline="0" dirty="0" err="1" smtClean="0"/>
+              <a:t>undvikes</a:t>
+            </a:r>
+            <a:r>
+              <a:rPr lang="en-US" baseline="0" dirty="0" smtClean="0"/>
+              <a:t> </a:t>
+            </a:r>
+            <a:r>
+              <a:rPr lang="en-US" baseline="0" dirty="0" err="1" smtClean="0"/>
+              <a:t>genom</a:t>
+            </a:r>
+            <a:r>
+              <a:rPr lang="en-US" baseline="0" dirty="0" smtClean="0"/>
+              <a:t> </a:t>
+            </a:r>
+            <a:r>
+              <a:rPr lang="en-US" baseline="0" dirty="0" err="1" smtClean="0"/>
+              <a:t>att</a:t>
+            </a:r>
+            <a:r>
+              <a:rPr lang="en-US" baseline="0" dirty="0" smtClean="0"/>
+              <a:t> anta </a:t>
+            </a:r>
+            <a:r>
+              <a:rPr lang="en-US" baseline="0" dirty="0" err="1" smtClean="0"/>
+              <a:t>att</a:t>
+            </a:r>
+            <a:r>
+              <a:rPr lang="en-US" baseline="0" dirty="0" smtClean="0"/>
+              <a:t> </a:t>
+            </a:r>
+            <a:r>
+              <a:rPr lang="en-US" baseline="0" dirty="0" err="1" smtClean="0"/>
+              <a:t>replikorna</a:t>
+            </a:r>
+            <a:r>
+              <a:rPr lang="en-US" baseline="0" dirty="0" smtClean="0"/>
+              <a:t> </a:t>
+            </a:r>
+            <a:r>
+              <a:rPr lang="en-US" baseline="0" dirty="0" err="1" smtClean="0"/>
+              <a:t>inte</a:t>
+            </a:r>
+            <a:r>
+              <a:rPr lang="en-US" baseline="0" dirty="0" smtClean="0"/>
+              <a:t> </a:t>
+            </a:r>
+            <a:r>
+              <a:rPr lang="en-US" baseline="0" dirty="0" err="1" smtClean="0"/>
+              <a:t>gör</a:t>
+            </a:r>
+            <a:r>
+              <a:rPr lang="en-US" baseline="0" dirty="0" smtClean="0"/>
+              <a:t> </a:t>
+            </a:r>
+            <a:r>
+              <a:rPr lang="en-US" baseline="0" dirty="0" err="1" smtClean="0"/>
+              <a:t>några</a:t>
+            </a:r>
+            <a:r>
+              <a:rPr lang="en-US" baseline="0" dirty="0" smtClean="0"/>
+              <a:t> </a:t>
+            </a:r>
+            <a:r>
+              <a:rPr lang="en-US" baseline="0" dirty="0" err="1" smtClean="0"/>
+              <a:t>externa</a:t>
+            </a:r>
+            <a:r>
+              <a:rPr lang="en-US" baseline="0" dirty="0" smtClean="0"/>
+              <a:t> requests </a:t>
+            </a:r>
+            <a:r>
+              <a:rPr lang="en-US" baseline="0" dirty="0" err="1" smtClean="0"/>
+              <a:t>där</a:t>
+            </a:r>
+            <a:r>
+              <a:rPr lang="en-US" baseline="0" dirty="0" smtClean="0"/>
+              <a:t> </a:t>
+            </a:r>
+            <a:r>
+              <a:rPr lang="en-US" baseline="0" dirty="0" err="1" smtClean="0"/>
+              <a:t>resultatet</a:t>
+            </a:r>
+            <a:r>
+              <a:rPr lang="en-US" baseline="0" dirty="0" smtClean="0"/>
+              <a:t> </a:t>
+            </a:r>
+            <a:r>
+              <a:rPr lang="en-US" baseline="0" dirty="0" err="1" smtClean="0"/>
+              <a:t>påverkas</a:t>
+            </a:r>
+            <a:r>
+              <a:rPr lang="en-US" baseline="0" dirty="0" smtClean="0"/>
+              <a:t> </a:t>
+            </a:r>
+            <a:r>
+              <a:rPr lang="en-US" baseline="0" dirty="0" err="1" smtClean="0"/>
+              <a:t>av</a:t>
+            </a:r>
+            <a:r>
+              <a:rPr lang="en-US" baseline="0" dirty="0" smtClean="0"/>
+              <a:t> </a:t>
+            </a:r>
+            <a:r>
+              <a:rPr lang="en-US" baseline="0" dirty="0" err="1" smtClean="0"/>
+              <a:t>när</a:t>
+            </a:r>
+            <a:r>
+              <a:rPr lang="en-US" baseline="0" dirty="0" smtClean="0"/>
+              <a:t> </a:t>
+            </a:r>
+            <a:r>
+              <a:rPr lang="en-US" baseline="0" dirty="0" err="1" smtClean="0"/>
+              <a:t>requestet</a:t>
+            </a:r>
+            <a:r>
+              <a:rPr lang="en-US" baseline="0" dirty="0" smtClean="0"/>
+              <a:t> </a:t>
+            </a:r>
+            <a:r>
+              <a:rPr lang="en-US" baseline="0" dirty="0" err="1" smtClean="0"/>
+              <a:t>gjordes</a:t>
+            </a:r>
+            <a:r>
+              <a:rPr lang="en-US" baseline="0" dirty="0" smtClean="0"/>
+              <a:t>. Vi </a:t>
+            </a:r>
+            <a:r>
+              <a:rPr lang="en-US" baseline="0" dirty="0" err="1" smtClean="0"/>
+              <a:t>antar</a:t>
+            </a:r>
+            <a:r>
+              <a:rPr lang="en-US" baseline="0" dirty="0" smtClean="0"/>
+              <a:t> </a:t>
+            </a:r>
+            <a:r>
+              <a:rPr lang="en-US" baseline="0" dirty="0" err="1" smtClean="0"/>
+              <a:t>alltså</a:t>
+            </a:r>
+            <a:r>
+              <a:rPr lang="en-US" baseline="0" dirty="0" smtClean="0"/>
+              <a:t> </a:t>
+            </a:r>
+            <a:r>
+              <a:rPr lang="en-US" baseline="0" dirty="0" err="1" smtClean="0"/>
+              <a:t>deterministiska</a:t>
+            </a:r>
+            <a:r>
+              <a:rPr lang="en-US" baseline="0" dirty="0" smtClean="0"/>
+              <a:t> </a:t>
+            </a:r>
+            <a:r>
+              <a:rPr lang="en-US" baseline="0" dirty="0" err="1" smtClean="0"/>
+              <a:t>beräkningar</a:t>
+            </a:r>
+            <a:r>
+              <a:rPr lang="en-US" baseline="0" dirty="0" smtClean="0"/>
+              <a:t> </a:t>
+            </a:r>
+            <a:r>
+              <a:rPr lang="en-US" baseline="0" dirty="0" err="1" smtClean="0"/>
+              <a:t>av</a:t>
+            </a:r>
+            <a:r>
+              <a:rPr lang="en-US" baseline="0" dirty="0" smtClean="0"/>
+              <a:t> </a:t>
+            </a:r>
+            <a:r>
+              <a:rPr lang="en-US" baseline="0" dirty="0" err="1" smtClean="0"/>
+              <a:t>inputen</a:t>
+            </a:r>
+            <a:r>
+              <a:rPr lang="en-US" baseline="0" dirty="0" smtClean="0"/>
+              <a:t>, </a:t>
+            </a:r>
+            <a:r>
+              <a:rPr lang="en-US" baseline="0" dirty="0" err="1" smtClean="0"/>
+              <a:t>så</a:t>
+            </a:r>
+            <a:r>
+              <a:rPr lang="en-US" baseline="0" dirty="0" smtClean="0"/>
+              <a:t> </a:t>
+            </a:r>
+            <a:r>
+              <a:rPr lang="en-US" baseline="0" dirty="0" err="1" smtClean="0"/>
+              <a:t>att</a:t>
+            </a:r>
+            <a:r>
+              <a:rPr lang="en-US" baseline="0" dirty="0" smtClean="0"/>
+              <a:t> </a:t>
+            </a:r>
+            <a:r>
+              <a:rPr lang="en-US" baseline="0" dirty="0" err="1" smtClean="0"/>
+              <a:t>förutsatt</a:t>
+            </a:r>
+            <a:r>
+              <a:rPr lang="en-US" baseline="0" dirty="0" smtClean="0"/>
+              <a:t> </a:t>
+            </a:r>
+            <a:r>
+              <a:rPr lang="en-US" baseline="0" dirty="0" err="1" smtClean="0"/>
+              <a:t>att</a:t>
+            </a:r>
+            <a:r>
+              <a:rPr lang="en-US" baseline="0" dirty="0" smtClean="0"/>
+              <a:t> </a:t>
+            </a:r>
+            <a:r>
+              <a:rPr lang="en-US" baseline="0" dirty="0" err="1" smtClean="0"/>
+              <a:t>alla</a:t>
+            </a:r>
+            <a:r>
+              <a:rPr lang="en-US" baseline="0" dirty="0" smtClean="0"/>
+              <a:t> </a:t>
+            </a:r>
+            <a:r>
+              <a:rPr lang="en-US" baseline="0" dirty="0" err="1" smtClean="0"/>
+              <a:t>replikor</a:t>
+            </a:r>
+            <a:r>
+              <a:rPr lang="en-US" baseline="0" dirty="0" smtClean="0"/>
+              <a:t> </a:t>
+            </a:r>
+            <a:r>
+              <a:rPr lang="en-US" baseline="0" dirty="0" err="1" smtClean="0"/>
+              <a:t>får</a:t>
+            </a:r>
+            <a:r>
+              <a:rPr lang="en-US" baseline="0" dirty="0" smtClean="0"/>
+              <a:t> </a:t>
+            </a:r>
+            <a:r>
+              <a:rPr lang="en-US" baseline="0" dirty="0" err="1" smtClean="0"/>
+              <a:t>samma</a:t>
+            </a:r>
+            <a:r>
+              <a:rPr lang="en-US" baseline="0" dirty="0" smtClean="0"/>
+              <a:t> input, </a:t>
+            </a:r>
+            <a:r>
+              <a:rPr lang="en-US" baseline="0" dirty="0" err="1" smtClean="0"/>
+              <a:t>så</a:t>
+            </a:r>
+            <a:r>
+              <a:rPr lang="en-US" baseline="0" dirty="0" smtClean="0"/>
+              <a:t> </a:t>
+            </a:r>
+            <a:r>
+              <a:rPr lang="en-US" baseline="0" dirty="0" err="1" smtClean="0"/>
+              <a:t>kommer</a:t>
+            </a:r>
+            <a:r>
+              <a:rPr lang="en-US" baseline="0" dirty="0" smtClean="0"/>
+              <a:t> de </a:t>
+            </a:r>
+            <a:r>
+              <a:rPr lang="en-US" baseline="0" dirty="0" err="1" smtClean="0"/>
+              <a:t>även</a:t>
+            </a:r>
+            <a:r>
+              <a:rPr lang="en-US" baseline="0" dirty="0" smtClean="0"/>
+              <a:t> </a:t>
+            </a:r>
+            <a:r>
+              <a:rPr lang="en-US" baseline="0" dirty="0" err="1" smtClean="0"/>
+              <a:t>att</a:t>
+            </a:r>
+            <a:r>
+              <a:rPr lang="en-US" baseline="0" dirty="0" smtClean="0"/>
+              <a:t> </a:t>
+            </a:r>
+            <a:r>
+              <a:rPr lang="en-US" baseline="0" dirty="0" err="1" smtClean="0"/>
+              <a:t>producera</a:t>
+            </a:r>
+            <a:r>
+              <a:rPr lang="en-US" baseline="0" dirty="0" smtClean="0"/>
+              <a:t> </a:t>
+            </a:r>
+            <a:r>
+              <a:rPr lang="en-US" baseline="0" dirty="0" err="1" smtClean="0"/>
+              <a:t>samma</a:t>
+            </a:r>
+            <a:r>
+              <a:rPr lang="en-US" baseline="0" dirty="0" smtClean="0"/>
+              <a:t> </a:t>
+            </a:r>
+            <a:r>
+              <a:rPr lang="en-US" baseline="0" dirty="0" err="1" smtClean="0"/>
+              <a:t>resultat</a:t>
+            </a:r>
+            <a:r>
+              <a:rPr lang="en-US" baseline="0" smtClean="0"/>
+              <a:t>.</a:t>
+            </a:r>
+            <a:endParaRPr lang="en-US"/>
+          </a:p>
+        </p:txBody>
+      </p:sp>
+      <p:sp>
+        <p:nvSpPr>
+          <p:cNvPr id="4" name="Slide Number Placeholder 3"/>
+          <p:cNvSpPr>
+            <a:spLocks noGrp="1"/>
+          </p:cNvSpPr>
+          <p:nvPr>
+            <p:ph type="sldNum" sz="quarter" idx="10"/>
+          </p:nvPr>
+        </p:nvSpPr>
+        <p:spPr/>
+        <p:txBody>
+          <a:bodyPr/>
+          <a:lstStyle/>
+          <a:p>
+            <a:fld id="{100650DF-8CBF-0341-B1F9-47D0C0CD302F}" type="slidenum">
+              <a:rPr lang="en-US" smtClean="0"/>
+              <a:t>7</a:t>
+            </a:fld>
+            <a:endParaRPr lang="en-US"/>
+          </a:p>
+        </p:txBody>
+      </p:sp>
+    </p:spTree>
+    <p:extLst>
+      <p:ext uri="{BB962C8B-B14F-4D97-AF65-F5344CB8AC3E}">
+        <p14:creationId xmlns:p14="http://schemas.microsoft.com/office/powerpoint/2010/main" val="981434626"/>
       </p:ext>
     </p:extLst>
   </p:cSld>
@@ -20308,7 +21277,7 @@
           <p:nvPr/>
         </p:nvPicPr>
         <p:blipFill>
-          <a:blip r:embed="rId2">
+          <a:blip r:embed="rId3">
             <a:extLst>
               <a:ext uri="{28A0092B-C50C-407E-A947-70E740481C1C}">
                 <a14:useLocalDpi xmlns:a14="http://schemas.microsoft.com/office/drawing/2010/main" val="0"/>

--- a/presentation/presentation.pptx
+++ b/presentation/presentation.pptx
@@ -3223,10 +3223,10 @@
               <a:t>resultat</a:t>
             </a:r>
             <a:r>
-              <a:rPr lang="en-US" baseline="0" smtClean="0"/>
+              <a:rPr lang="en-US" baseline="0" dirty="0" smtClean="0"/>
               <a:t>.</a:t>
             </a:r>
-            <a:endParaRPr lang="en-US"/>
+            <a:endParaRPr lang="en-US" dirty="0"/>
           </a:p>
         </p:txBody>
       </p:sp>
@@ -3257,6 +3257,1189 @@
     <p:extLst>
       <p:ext uri="{BB962C8B-B14F-4D97-AF65-F5344CB8AC3E}">
         <p14:creationId xmlns:p14="http://schemas.microsoft.com/office/powerpoint/2010/main" val="981434626"/>
+      </p:ext>
+    </p:extLst>
+  </p:cSld>
+  <p:clrMapOvr>
+    <a:masterClrMapping/>
+  </p:clrMapOvr>
+</p:notes>
+</file>
+
+<file path=ppt/notesSlides/notesSlide6.xml><?xml version="1.0" encoding="utf-8"?>
+<p:notes xmlns:a="http://schemas.openxmlformats.org/drawingml/2006/main" xmlns:r="http://schemas.openxmlformats.org/officeDocument/2006/relationships" xmlns:p="http://schemas.openxmlformats.org/presentationml/2006/main">
+  <p:cSld>
+    <p:spTree>
+      <p:nvGrpSpPr>
+        <p:cNvPr id="1" name=""/>
+        <p:cNvGrpSpPr/>
+        <p:nvPr/>
+      </p:nvGrpSpPr>
+      <p:grpSpPr>
+        <a:xfrm>
+          <a:off x="0" y="0"/>
+          <a:ext cx="0" cy="0"/>
+          <a:chOff x="0" y="0"/>
+          <a:chExt cx="0" cy="0"/>
+        </a:xfrm>
+      </p:grpSpPr>
+      <p:sp>
+        <p:nvSpPr>
+          <p:cNvPr id="2" name="Slide Image Placeholder 1"/>
+          <p:cNvSpPr>
+            <a:spLocks noGrp="1" noRot="1" noChangeAspect="1"/>
+          </p:cNvSpPr>
+          <p:nvPr>
+            <p:ph type="sldImg"/>
+          </p:nvPr>
+        </p:nvSpPr>
+        <p:spPr/>
+      </p:sp>
+      <p:sp>
+        <p:nvSpPr>
+          <p:cNvPr id="3" name="Notes Placeholder 2"/>
+          <p:cNvSpPr>
+            <a:spLocks noGrp="1"/>
+          </p:cNvSpPr>
+          <p:nvPr>
+            <p:ph type="body" idx="1"/>
+          </p:nvPr>
+        </p:nvSpPr>
+        <p:spPr/>
+        <p:txBody>
+          <a:bodyPr/>
+          <a:lstStyle/>
+          <a:p>
+            <a:r>
+              <a:rPr lang="en-US" dirty="0" err="1" smtClean="0"/>
+              <a:t>Vanligen</a:t>
+            </a:r>
+            <a:r>
+              <a:rPr lang="en-US" dirty="0" smtClean="0"/>
+              <a:t> </a:t>
+            </a:r>
+            <a:r>
+              <a:rPr lang="en-US" dirty="0" err="1" smtClean="0"/>
+              <a:t>när</a:t>
+            </a:r>
+            <a:r>
+              <a:rPr lang="en-US" baseline="0" dirty="0" smtClean="0"/>
+              <a:t> man </a:t>
+            </a:r>
+            <a:r>
+              <a:rPr lang="en-US" baseline="0" dirty="0" err="1" smtClean="0"/>
+              <a:t>ska</a:t>
+            </a:r>
+            <a:r>
+              <a:rPr lang="en-US" baseline="0" dirty="0" smtClean="0"/>
+              <a:t> </a:t>
+            </a:r>
+            <a:r>
+              <a:rPr lang="en-US" baseline="0" dirty="0" err="1" smtClean="0"/>
+              <a:t>beskriva</a:t>
+            </a:r>
+            <a:r>
+              <a:rPr lang="en-US" baseline="0" dirty="0" smtClean="0"/>
+              <a:t> </a:t>
+            </a:r>
+            <a:r>
+              <a:rPr lang="en-US" baseline="0" dirty="0" err="1" smtClean="0"/>
+              <a:t>fel</a:t>
+            </a:r>
+            <a:r>
+              <a:rPr lang="en-US" baseline="0" dirty="0" smtClean="0"/>
+              <a:t>, </a:t>
+            </a:r>
+            <a:r>
+              <a:rPr lang="en-US" baseline="0" dirty="0" err="1" smtClean="0"/>
+              <a:t>och</a:t>
+            </a:r>
+            <a:r>
+              <a:rPr lang="en-US" baseline="0" dirty="0" smtClean="0"/>
+              <a:t> </a:t>
+            </a:r>
+            <a:r>
+              <a:rPr lang="en-US" baseline="0" dirty="0" err="1" smtClean="0"/>
+              <a:t>hur</a:t>
+            </a:r>
+            <a:r>
+              <a:rPr lang="en-US" baseline="0" dirty="0" smtClean="0"/>
+              <a:t> </a:t>
+            </a:r>
+            <a:r>
+              <a:rPr lang="en-US" baseline="0" dirty="0" err="1" smtClean="0"/>
+              <a:t>fel</a:t>
+            </a:r>
+            <a:r>
+              <a:rPr lang="en-US" baseline="0" dirty="0" smtClean="0"/>
+              <a:t> </a:t>
+            </a:r>
+            <a:r>
+              <a:rPr lang="en-US" baseline="0" dirty="0" err="1" smtClean="0"/>
+              <a:t>beter</a:t>
+            </a:r>
+            <a:r>
+              <a:rPr lang="en-US" baseline="0" dirty="0" smtClean="0"/>
+              <a:t> sig </a:t>
+            </a:r>
+            <a:r>
+              <a:rPr lang="en-US" baseline="0" dirty="0" err="1" smtClean="0"/>
+              <a:t>så</a:t>
+            </a:r>
+            <a:r>
+              <a:rPr lang="en-US" baseline="0" dirty="0" smtClean="0"/>
+              <a:t> </a:t>
+            </a:r>
+            <a:r>
+              <a:rPr lang="en-US" baseline="0" dirty="0" err="1" smtClean="0"/>
+              <a:t>måste</a:t>
+            </a:r>
+            <a:r>
+              <a:rPr lang="en-US" baseline="0" dirty="0" smtClean="0"/>
+              <a:t> man </a:t>
+            </a:r>
+            <a:r>
+              <a:rPr lang="en-US" baseline="0" dirty="0" err="1" smtClean="0"/>
+              <a:t>göra</a:t>
+            </a:r>
+            <a:r>
+              <a:rPr lang="en-US" baseline="0" dirty="0" smtClean="0"/>
+              <a:t> </a:t>
+            </a:r>
+            <a:r>
+              <a:rPr lang="en-US" baseline="0" dirty="0" err="1" smtClean="0"/>
+              <a:t>vissa</a:t>
+            </a:r>
+            <a:r>
+              <a:rPr lang="en-US" baseline="0" dirty="0" smtClean="0"/>
+              <a:t> </a:t>
+            </a:r>
+            <a:r>
+              <a:rPr lang="en-US" baseline="0" dirty="0" err="1" smtClean="0"/>
+              <a:t>begränsningar</a:t>
+            </a:r>
+            <a:r>
+              <a:rPr lang="en-US" baseline="0" dirty="0" smtClean="0"/>
+              <a:t> </a:t>
+            </a:r>
+            <a:r>
+              <a:rPr lang="en-US" baseline="0" dirty="0" err="1" smtClean="0"/>
+              <a:t>och</a:t>
+            </a:r>
+            <a:r>
+              <a:rPr lang="en-US" baseline="0" dirty="0" smtClean="0"/>
+              <a:t> </a:t>
+            </a:r>
+            <a:r>
+              <a:rPr lang="en-US" baseline="0" dirty="0" err="1" smtClean="0"/>
+              <a:t>antagande</a:t>
+            </a:r>
+            <a:r>
+              <a:rPr lang="en-US" baseline="0" dirty="0" smtClean="0"/>
+              <a:t>, </a:t>
+            </a:r>
+            <a:r>
+              <a:rPr lang="en-US" baseline="0" dirty="0" err="1" smtClean="0"/>
+              <a:t>eftersom</a:t>
+            </a:r>
+            <a:r>
+              <a:rPr lang="en-US" baseline="0" dirty="0" smtClean="0"/>
+              <a:t> </a:t>
+            </a:r>
+            <a:r>
+              <a:rPr lang="en-US" baseline="0" dirty="0" err="1" smtClean="0"/>
+              <a:t>det</a:t>
+            </a:r>
+            <a:r>
+              <a:rPr lang="en-US" baseline="0" dirty="0" smtClean="0"/>
+              <a:t> I </a:t>
+            </a:r>
+            <a:r>
+              <a:rPr lang="en-US" baseline="0" dirty="0" err="1" smtClean="0"/>
+              <a:t>princip</a:t>
+            </a:r>
+            <a:r>
+              <a:rPr lang="en-US" baseline="0" dirty="0" smtClean="0"/>
+              <a:t> </a:t>
+            </a:r>
+            <a:r>
+              <a:rPr lang="en-US" baseline="0" dirty="0" err="1" smtClean="0"/>
+              <a:t>är</a:t>
+            </a:r>
+            <a:r>
+              <a:rPr lang="en-US" baseline="0" dirty="0" smtClean="0"/>
+              <a:t> </a:t>
+            </a:r>
+            <a:r>
+              <a:rPr lang="en-US" baseline="0" dirty="0" err="1" smtClean="0"/>
+              <a:t>omöjligt</a:t>
+            </a:r>
+            <a:r>
+              <a:rPr lang="en-US" baseline="0" dirty="0" smtClean="0"/>
+              <a:t> </a:t>
+            </a:r>
+            <a:r>
+              <a:rPr lang="en-US" baseline="0" dirty="0" err="1" smtClean="0"/>
+              <a:t>att</a:t>
+            </a:r>
+            <a:r>
+              <a:rPr lang="en-US" baseline="0" dirty="0" smtClean="0"/>
+              <a:t> </a:t>
+            </a:r>
+            <a:r>
+              <a:rPr lang="en-US" baseline="0" dirty="0" err="1" smtClean="0"/>
+              <a:t>korrekt</a:t>
+            </a:r>
+            <a:r>
+              <a:rPr lang="en-US" baseline="0" dirty="0" smtClean="0"/>
+              <a:t> </a:t>
+            </a:r>
+            <a:r>
+              <a:rPr lang="en-US" baseline="0" dirty="0" err="1" smtClean="0"/>
+              <a:t>sätt</a:t>
+            </a:r>
+            <a:r>
+              <a:rPr lang="en-US" baseline="0" dirty="0" smtClean="0"/>
+              <a:t> </a:t>
+            </a:r>
+            <a:r>
+              <a:rPr lang="en-US" baseline="0" dirty="0" err="1" smtClean="0"/>
+              <a:t>modelera</a:t>
+            </a:r>
+            <a:r>
+              <a:rPr lang="en-US" baseline="0" dirty="0" smtClean="0"/>
+              <a:t> </a:t>
+            </a:r>
+            <a:r>
+              <a:rPr lang="en-US" baseline="0" dirty="0" err="1" smtClean="0"/>
+              <a:t>verkligen</a:t>
+            </a:r>
+            <a:r>
+              <a:rPr lang="en-US" baseline="0" dirty="0" smtClean="0"/>
+              <a:t> </a:t>
+            </a:r>
+            <a:r>
+              <a:rPr lang="en-US" baseline="0" dirty="0" err="1" smtClean="0"/>
+              <a:t>fel</a:t>
+            </a:r>
+            <a:r>
+              <a:rPr lang="en-US" baseline="0" dirty="0" smtClean="0"/>
+              <a:t> </a:t>
+            </a:r>
+            <a:r>
+              <a:rPr lang="en-US" baseline="0" dirty="0" err="1" smtClean="0"/>
+              <a:t>pga</a:t>
+            </a:r>
+            <a:r>
+              <a:rPr lang="en-US" baseline="0" dirty="0" smtClean="0"/>
+              <a:t> de </a:t>
+            </a:r>
+            <a:r>
+              <a:rPr lang="en-US" baseline="0" dirty="0" err="1" smtClean="0"/>
+              <a:t>många</a:t>
+            </a:r>
+            <a:r>
+              <a:rPr lang="en-US" baseline="0" dirty="0" smtClean="0"/>
+              <a:t> </a:t>
+            </a:r>
+            <a:r>
+              <a:rPr lang="en-US" baseline="0" dirty="0" err="1" smtClean="0"/>
+              <a:t>parameterar</a:t>
+            </a:r>
+            <a:r>
+              <a:rPr lang="en-US" baseline="0" dirty="0" smtClean="0"/>
+              <a:t> </a:t>
+            </a:r>
+            <a:r>
+              <a:rPr lang="en-US" baseline="0" dirty="0" err="1" smtClean="0"/>
+              <a:t>att</a:t>
+            </a:r>
+            <a:r>
+              <a:rPr lang="en-US" baseline="0" dirty="0" smtClean="0"/>
+              <a:t> ta </a:t>
+            </a:r>
+            <a:r>
+              <a:rPr lang="en-US" baseline="0" dirty="0" err="1" smtClean="0"/>
+              <a:t>hänsyn</a:t>
+            </a:r>
+            <a:r>
+              <a:rPr lang="en-US" baseline="0" dirty="0" smtClean="0"/>
+              <a:t> till.</a:t>
+            </a:r>
+          </a:p>
+          <a:p>
+            <a:endParaRPr lang="en-US" baseline="0" dirty="0" smtClean="0"/>
+          </a:p>
+          <a:p>
+            <a:r>
+              <a:rPr lang="en-US" baseline="0" dirty="0" smtClean="0"/>
+              <a:t>I de </a:t>
+            </a:r>
+            <a:r>
+              <a:rPr lang="en-US" baseline="0" dirty="0" err="1" smtClean="0"/>
+              <a:t>tidigare</a:t>
+            </a:r>
+            <a:r>
+              <a:rPr lang="en-US" baseline="0" dirty="0" smtClean="0"/>
+              <a:t> </a:t>
+            </a:r>
+            <a:r>
+              <a:rPr lang="en-US" baseline="0" dirty="0" err="1" smtClean="0"/>
+              <a:t>arbeten</a:t>
+            </a:r>
+            <a:r>
+              <a:rPr lang="en-US" baseline="0" dirty="0" smtClean="0"/>
+              <a:t> vi </a:t>
+            </a:r>
+            <a:r>
+              <a:rPr lang="en-US" baseline="0" dirty="0" err="1" smtClean="0"/>
+              <a:t>har</a:t>
+            </a:r>
+            <a:r>
+              <a:rPr lang="en-US" baseline="0" dirty="0" smtClean="0"/>
+              <a:t> </a:t>
+            </a:r>
+            <a:r>
+              <a:rPr lang="en-US" baseline="0" dirty="0" err="1" smtClean="0"/>
+              <a:t>studerat</a:t>
+            </a:r>
+            <a:r>
+              <a:rPr lang="en-US" baseline="0" dirty="0" smtClean="0"/>
+              <a:t> </a:t>
+            </a:r>
+            <a:r>
+              <a:rPr lang="en-US" baseline="0" dirty="0" err="1" smtClean="0"/>
+              <a:t>så</a:t>
+            </a:r>
+            <a:r>
+              <a:rPr lang="en-US" baseline="0" dirty="0" smtClean="0"/>
+              <a:t> </a:t>
+            </a:r>
+            <a:r>
+              <a:rPr lang="en-US" baseline="0" dirty="0" err="1" smtClean="0"/>
+              <a:t>görs</a:t>
+            </a:r>
+            <a:r>
+              <a:rPr lang="en-US" baseline="0" dirty="0" smtClean="0"/>
+              <a:t> </a:t>
+            </a:r>
+            <a:r>
+              <a:rPr lang="en-US" baseline="0" dirty="0" err="1" smtClean="0"/>
+              <a:t>ofta</a:t>
+            </a:r>
+            <a:r>
+              <a:rPr lang="en-US" baseline="0" dirty="0" smtClean="0"/>
+              <a:t> </a:t>
+            </a:r>
+            <a:r>
+              <a:rPr lang="en-US" baseline="0" dirty="0" err="1" smtClean="0"/>
+              <a:t>antagande</a:t>
+            </a:r>
+            <a:r>
+              <a:rPr lang="en-US" baseline="0" dirty="0" smtClean="0"/>
+              <a:t> om</a:t>
+            </a:r>
+          </a:p>
+          <a:p>
+            <a:pPr marL="171450" indent="-171450">
+              <a:buFontTx/>
+              <a:buChar char="-"/>
+            </a:pPr>
+            <a:r>
+              <a:rPr lang="en-US" baseline="0" dirty="0" err="1" smtClean="0"/>
+              <a:t>Varje</a:t>
+            </a:r>
+            <a:r>
+              <a:rPr lang="en-US" baseline="0" dirty="0" smtClean="0"/>
+              <a:t> </a:t>
+            </a:r>
+            <a:r>
+              <a:rPr lang="en-US" baseline="0" dirty="0" err="1" smtClean="0"/>
+              <a:t>komponent</a:t>
+            </a:r>
+            <a:r>
+              <a:rPr lang="en-US" baseline="0" dirty="0" smtClean="0"/>
+              <a:t> </a:t>
+            </a:r>
+            <a:r>
+              <a:rPr lang="en-US" baseline="0" dirty="0" err="1" smtClean="0"/>
+              <a:t>är</a:t>
+            </a:r>
+            <a:r>
+              <a:rPr lang="en-US" baseline="0" dirty="0" smtClean="0"/>
+              <a:t> </a:t>
+            </a:r>
+            <a:r>
+              <a:rPr lang="en-US" baseline="0" dirty="0" err="1" smtClean="0"/>
+              <a:t>antingen</a:t>
+            </a:r>
+            <a:r>
+              <a:rPr lang="en-US" baseline="0" dirty="0" smtClean="0"/>
+              <a:t> operational </a:t>
+            </a:r>
+            <a:r>
+              <a:rPr lang="en-US" baseline="0" dirty="0" err="1" smtClean="0"/>
+              <a:t>eller</a:t>
+            </a:r>
+            <a:r>
+              <a:rPr lang="en-US" baseline="0" dirty="0" smtClean="0"/>
+              <a:t> </a:t>
+            </a:r>
+            <a:r>
+              <a:rPr lang="en-US" baseline="0" dirty="0" err="1" smtClean="0"/>
+              <a:t>död</a:t>
+            </a:r>
+            <a:endParaRPr lang="en-US" baseline="0" dirty="0" smtClean="0"/>
+          </a:p>
+          <a:p>
+            <a:pPr marL="171450" indent="-171450">
+              <a:buFontTx/>
+              <a:buChar char="-"/>
+            </a:pPr>
+            <a:r>
+              <a:rPr lang="en-US" baseline="0" dirty="0" err="1" smtClean="0"/>
+              <a:t>Komponenter</a:t>
+            </a:r>
+            <a:r>
+              <a:rPr lang="en-US" baseline="0" dirty="0" smtClean="0"/>
+              <a:t> </a:t>
+            </a:r>
+            <a:r>
+              <a:rPr lang="en-US" baseline="0" dirty="0" err="1" smtClean="0"/>
+              <a:t>har</a:t>
+            </a:r>
+            <a:r>
+              <a:rPr lang="en-US" baseline="0" dirty="0" smtClean="0"/>
+              <a:t> </a:t>
+            </a:r>
+            <a:r>
+              <a:rPr lang="en-US" baseline="0" dirty="0" err="1" smtClean="0"/>
+              <a:t>konstanta</a:t>
+            </a:r>
+            <a:r>
+              <a:rPr lang="en-US" baseline="0" dirty="0" smtClean="0"/>
+              <a:t> </a:t>
+            </a:r>
+            <a:r>
+              <a:rPr lang="en-US" baseline="0" dirty="0" err="1" smtClean="0"/>
+              <a:t>felfrekvenser</a:t>
+            </a:r>
+            <a:r>
+              <a:rPr lang="en-US" baseline="0" dirty="0" smtClean="0"/>
+              <a:t>, </a:t>
+            </a:r>
+            <a:r>
+              <a:rPr lang="en-US" baseline="0" dirty="0" err="1" smtClean="0"/>
+              <a:t>och</a:t>
+            </a:r>
+            <a:r>
+              <a:rPr lang="en-US" baseline="0" dirty="0" smtClean="0"/>
+              <a:t> den </a:t>
+            </a:r>
+            <a:r>
+              <a:rPr lang="en-US" baseline="0" dirty="0" err="1" smtClean="0"/>
+              <a:t>är</a:t>
+            </a:r>
+            <a:r>
+              <a:rPr lang="en-US" baseline="0" dirty="0" smtClean="0"/>
+              <a:t> </a:t>
+            </a:r>
+            <a:r>
+              <a:rPr lang="en-US" baseline="0" dirty="0" err="1" smtClean="0"/>
+              <a:t>samma</a:t>
+            </a:r>
+            <a:r>
+              <a:rPr lang="en-US" baseline="0" dirty="0" smtClean="0"/>
+              <a:t> </a:t>
+            </a:r>
+            <a:r>
+              <a:rPr lang="en-US" baseline="0" dirty="0" err="1" smtClean="0"/>
+              <a:t>för</a:t>
+            </a:r>
+            <a:r>
+              <a:rPr lang="en-US" baseline="0" dirty="0" smtClean="0"/>
+              <a:t> </a:t>
+            </a:r>
+            <a:r>
+              <a:rPr lang="en-US" baseline="0" dirty="0" err="1" smtClean="0"/>
+              <a:t>alla</a:t>
+            </a:r>
+            <a:r>
+              <a:rPr lang="en-US" baseline="0" dirty="0" smtClean="0"/>
+              <a:t> </a:t>
+            </a:r>
+            <a:r>
+              <a:rPr lang="en-US" baseline="0" dirty="0" err="1" smtClean="0"/>
+              <a:t>komponenter</a:t>
+            </a:r>
+            <a:r>
+              <a:rPr lang="en-US" baseline="0" dirty="0" smtClean="0"/>
+              <a:t> </a:t>
+            </a:r>
+            <a:r>
+              <a:rPr lang="en-US" baseline="0" dirty="0" err="1" smtClean="0"/>
+              <a:t>och</a:t>
+            </a:r>
+            <a:r>
+              <a:rPr lang="en-US" baseline="0" dirty="0" smtClean="0"/>
+              <a:t> </a:t>
+            </a:r>
+            <a:r>
+              <a:rPr lang="en-US" baseline="0" dirty="0" err="1" smtClean="0"/>
+              <a:t>statistiskt</a:t>
+            </a:r>
+            <a:r>
+              <a:rPr lang="en-US" baseline="0" dirty="0" smtClean="0"/>
+              <a:t> </a:t>
+            </a:r>
+            <a:r>
+              <a:rPr lang="en-US" baseline="0" dirty="0" err="1" smtClean="0"/>
+              <a:t>oberoende</a:t>
+            </a:r>
+            <a:endParaRPr lang="en-US" baseline="0" dirty="0" smtClean="0"/>
+          </a:p>
+          <a:p>
+            <a:pPr marL="0" indent="0">
+              <a:buFontTx/>
+              <a:buNone/>
+            </a:pPr>
+            <a:endParaRPr lang="en-US" baseline="0" dirty="0" smtClean="0"/>
+          </a:p>
+          <a:p>
+            <a:pPr marL="0" indent="0">
+              <a:buFontTx/>
+              <a:buNone/>
+            </a:pPr>
+            <a:r>
+              <a:rPr lang="en-US" baseline="0" dirty="0" err="1" smtClean="0"/>
+              <a:t>Andra</a:t>
+            </a:r>
+            <a:r>
+              <a:rPr lang="en-US" baseline="0" dirty="0" smtClean="0"/>
+              <a:t> </a:t>
+            </a:r>
+            <a:r>
+              <a:rPr lang="en-US" baseline="0" dirty="0" err="1" smtClean="0"/>
+              <a:t>vanligt</a:t>
+            </a:r>
+            <a:r>
+              <a:rPr lang="en-US" baseline="0" dirty="0" smtClean="0"/>
+              <a:t> </a:t>
+            </a:r>
+            <a:r>
+              <a:rPr lang="en-US" baseline="0" dirty="0" err="1" smtClean="0"/>
+              <a:t>förekommande</a:t>
+            </a:r>
+            <a:r>
+              <a:rPr lang="en-US" baseline="0" dirty="0" smtClean="0"/>
+              <a:t> </a:t>
+            </a:r>
+            <a:r>
+              <a:rPr lang="en-US" baseline="0" dirty="0" err="1" smtClean="0"/>
+              <a:t>antaganden</a:t>
+            </a:r>
+            <a:r>
+              <a:rPr lang="en-US" baseline="0" dirty="0" smtClean="0"/>
+              <a:t> </a:t>
+            </a:r>
+            <a:r>
+              <a:rPr lang="en-US" baseline="0" dirty="0" err="1" smtClean="0"/>
+              <a:t>är</a:t>
+            </a:r>
+            <a:endParaRPr lang="en-US" baseline="0" dirty="0" smtClean="0"/>
+          </a:p>
+          <a:p>
+            <a:pPr marL="171450" indent="-171450">
+              <a:buFontTx/>
+              <a:buChar char="-"/>
+            </a:pPr>
+            <a:r>
+              <a:rPr lang="en-US" baseline="0" dirty="0" err="1" smtClean="0"/>
+              <a:t>Fullt</a:t>
+            </a:r>
+            <a:r>
+              <a:rPr lang="en-US" baseline="0" dirty="0" smtClean="0"/>
+              <a:t> </a:t>
+            </a:r>
+            <a:r>
+              <a:rPr lang="en-US" baseline="0" dirty="0" err="1" smtClean="0"/>
+              <a:t>tillförlitligt</a:t>
+            </a:r>
+            <a:r>
+              <a:rPr lang="en-US" baseline="0" dirty="0" smtClean="0"/>
+              <a:t> </a:t>
+            </a:r>
+            <a:r>
+              <a:rPr lang="en-US" baseline="0" dirty="0" err="1" smtClean="0"/>
+              <a:t>nätverk</a:t>
+            </a:r>
+            <a:endParaRPr lang="en-US" baseline="0" dirty="0" smtClean="0"/>
+          </a:p>
+          <a:p>
+            <a:pPr marL="171450" indent="-171450">
+              <a:buFontTx/>
+              <a:buChar char="-"/>
+            </a:pPr>
+            <a:r>
+              <a:rPr lang="en-US" baseline="0" dirty="0" err="1" smtClean="0"/>
+              <a:t>Kända</a:t>
+            </a:r>
+            <a:r>
+              <a:rPr lang="en-US" baseline="0" dirty="0" smtClean="0"/>
+              <a:t> </a:t>
+            </a:r>
+            <a:r>
+              <a:rPr lang="en-US" baseline="0" dirty="0" err="1" smtClean="0"/>
+              <a:t>exekveringstider</a:t>
+            </a:r>
+            <a:r>
+              <a:rPr lang="en-US" baseline="0" dirty="0" smtClean="0"/>
+              <a:t> (</a:t>
+            </a:r>
+            <a:r>
+              <a:rPr lang="en-US" baseline="0" dirty="0" err="1" smtClean="0"/>
+              <a:t>ofta</a:t>
+            </a:r>
+            <a:r>
+              <a:rPr lang="en-US" baseline="0" dirty="0" smtClean="0"/>
+              <a:t> </a:t>
+            </a:r>
+            <a:r>
+              <a:rPr lang="en-US" baseline="0" dirty="0" err="1" smtClean="0"/>
+              <a:t>då</a:t>
+            </a:r>
+            <a:r>
+              <a:rPr lang="en-US" baseline="0" dirty="0" smtClean="0"/>
+              <a:t> man </a:t>
+            </a:r>
+            <a:r>
+              <a:rPr lang="en-US" baseline="0" dirty="0" err="1" smtClean="0"/>
+              <a:t>kollar</a:t>
+            </a:r>
+            <a:r>
+              <a:rPr lang="en-US" baseline="0" dirty="0" smtClean="0"/>
+              <a:t> </a:t>
+            </a:r>
+            <a:r>
+              <a:rPr lang="en-US" baseline="0" dirty="0" err="1" smtClean="0"/>
+              <a:t>på</a:t>
+            </a:r>
+            <a:r>
+              <a:rPr lang="en-US" baseline="0" dirty="0" smtClean="0"/>
+              <a:t> </a:t>
+            </a:r>
+            <a:r>
+              <a:rPr lang="en-US" baseline="0" dirty="0" err="1" smtClean="0"/>
+              <a:t>att</a:t>
+            </a:r>
+            <a:r>
+              <a:rPr lang="en-US" baseline="0" dirty="0" smtClean="0"/>
+              <a:t> </a:t>
+            </a:r>
+            <a:r>
+              <a:rPr lang="en-US" baseline="0" dirty="0" err="1" smtClean="0"/>
+              <a:t>maximera</a:t>
+            </a:r>
+            <a:r>
+              <a:rPr lang="en-US" baseline="0" dirty="0" smtClean="0"/>
+              <a:t> </a:t>
+            </a:r>
+            <a:r>
+              <a:rPr lang="en-US" baseline="0" dirty="0" err="1" smtClean="0"/>
+              <a:t>tillförlitligheten</a:t>
+            </a:r>
+            <a:r>
+              <a:rPr lang="en-US" baseline="0" dirty="0" smtClean="0"/>
+              <a:t> </a:t>
+            </a:r>
+            <a:r>
+              <a:rPr lang="en-US" baseline="0" dirty="0" err="1" smtClean="0"/>
+              <a:t>samtidigt</a:t>
+            </a:r>
+            <a:r>
+              <a:rPr lang="en-US" baseline="0" dirty="0" smtClean="0"/>
+              <a:t> </a:t>
+            </a:r>
+            <a:r>
+              <a:rPr lang="en-US" baseline="0" dirty="0" err="1" smtClean="0"/>
+              <a:t>som</a:t>
+            </a:r>
+            <a:r>
+              <a:rPr lang="en-US" baseline="0" dirty="0" smtClean="0"/>
+              <a:t> man </a:t>
+            </a:r>
+            <a:r>
+              <a:rPr lang="en-US" baseline="0" dirty="0" err="1" smtClean="0"/>
+              <a:t>möter</a:t>
+            </a:r>
+            <a:r>
+              <a:rPr lang="en-US" baseline="0" dirty="0" smtClean="0"/>
+              <a:t> deadlines)</a:t>
+            </a:r>
+          </a:p>
+          <a:p>
+            <a:pPr marL="171450" indent="-171450">
+              <a:buFontTx/>
+              <a:buChar char="-"/>
+            </a:pPr>
+            <a:endParaRPr lang="en-US" baseline="0" dirty="0" smtClean="0"/>
+          </a:p>
+          <a:p>
+            <a:pPr marL="0" indent="0">
+              <a:buFontTx/>
+              <a:buNone/>
+            </a:pPr>
+            <a:r>
+              <a:rPr lang="en-US" baseline="0" dirty="0" smtClean="0"/>
+              <a:t>Vi </a:t>
+            </a:r>
+            <a:r>
+              <a:rPr lang="en-US" baseline="0" dirty="0" err="1" smtClean="0"/>
+              <a:t>antar</a:t>
+            </a:r>
+            <a:r>
+              <a:rPr lang="en-US" baseline="0" dirty="0" smtClean="0"/>
+              <a:t> </a:t>
+            </a:r>
+          </a:p>
+          <a:p>
+            <a:pPr marL="171450" indent="-171450">
+              <a:buFontTx/>
+              <a:buChar char="-"/>
+            </a:pPr>
+            <a:r>
+              <a:rPr lang="en-US" baseline="0" dirty="0" smtClean="0"/>
+              <a:t>fail-stop model, </a:t>
+            </a:r>
+            <a:r>
+              <a:rPr lang="en-US" baseline="0" dirty="0" err="1" smtClean="0"/>
+              <a:t>där</a:t>
+            </a:r>
+            <a:r>
+              <a:rPr lang="en-US" baseline="0" dirty="0" smtClean="0"/>
+              <a:t> </a:t>
+            </a:r>
+            <a:r>
+              <a:rPr lang="en-US" baseline="0" dirty="0" err="1" smtClean="0"/>
+              <a:t>noder</a:t>
+            </a:r>
+            <a:r>
+              <a:rPr lang="en-US" baseline="0" dirty="0" smtClean="0"/>
+              <a:t> </a:t>
+            </a:r>
+            <a:r>
+              <a:rPr lang="en-US" baseline="0" dirty="0" err="1" smtClean="0"/>
+              <a:t>är</a:t>
+            </a:r>
+            <a:r>
+              <a:rPr lang="en-US" baseline="0" dirty="0" smtClean="0"/>
+              <a:t> </a:t>
+            </a:r>
+            <a:r>
+              <a:rPr lang="en-US" baseline="0" dirty="0" err="1" smtClean="0"/>
+              <a:t>antingen</a:t>
+            </a:r>
+            <a:r>
+              <a:rPr lang="en-US" baseline="0" dirty="0" smtClean="0"/>
+              <a:t> operational </a:t>
+            </a:r>
+            <a:r>
+              <a:rPr lang="en-US" baseline="0" dirty="0" err="1" smtClean="0"/>
+              <a:t>eller</a:t>
+            </a:r>
+            <a:r>
+              <a:rPr lang="en-US" baseline="0" dirty="0" smtClean="0"/>
+              <a:t> </a:t>
+            </a:r>
+            <a:r>
+              <a:rPr lang="en-US" baseline="0" dirty="0" err="1" smtClean="0"/>
+              <a:t>döda</a:t>
+            </a:r>
+            <a:endParaRPr lang="en-US" baseline="0" dirty="0" smtClean="0"/>
+          </a:p>
+          <a:p>
+            <a:pPr marL="171450" indent="-171450">
+              <a:buFontTx/>
+              <a:buChar char="-"/>
+            </a:pPr>
+            <a:r>
+              <a:rPr lang="en-US" baseline="0" dirty="0" err="1" smtClean="0"/>
+              <a:t>Fullt</a:t>
+            </a:r>
+            <a:r>
+              <a:rPr lang="en-US" baseline="0" dirty="0" smtClean="0"/>
+              <a:t> </a:t>
+            </a:r>
+            <a:r>
+              <a:rPr lang="en-US" baseline="0" dirty="0" err="1" smtClean="0"/>
+              <a:t>tillförlitligt</a:t>
+            </a:r>
+            <a:r>
+              <a:rPr lang="en-US" baseline="0" dirty="0" smtClean="0"/>
+              <a:t> </a:t>
+            </a:r>
+            <a:r>
+              <a:rPr lang="en-US" baseline="0" dirty="0" err="1" smtClean="0"/>
+              <a:t>nätverk</a:t>
+            </a:r>
+            <a:r>
+              <a:rPr lang="en-US" baseline="0" dirty="0" smtClean="0"/>
+              <a:t>, vi </a:t>
+            </a:r>
+            <a:r>
+              <a:rPr lang="en-US" baseline="0" dirty="0" err="1" smtClean="0"/>
+              <a:t>bryr</a:t>
+            </a:r>
+            <a:r>
+              <a:rPr lang="en-US" baseline="0" dirty="0" smtClean="0"/>
+              <a:t> </a:t>
+            </a:r>
+            <a:r>
+              <a:rPr lang="en-US" baseline="0" dirty="0" err="1" smtClean="0"/>
+              <a:t>oss</a:t>
+            </a:r>
+            <a:r>
+              <a:rPr lang="en-US" baseline="0" dirty="0" smtClean="0"/>
+              <a:t> </a:t>
+            </a:r>
+            <a:r>
+              <a:rPr lang="en-US" baseline="0" dirty="0" err="1" smtClean="0"/>
+              <a:t>bara</a:t>
+            </a:r>
+            <a:r>
+              <a:rPr lang="en-US" baseline="0" dirty="0" smtClean="0"/>
+              <a:t> om node failures</a:t>
+            </a:r>
+          </a:p>
+          <a:p>
+            <a:pPr marL="171450" indent="-171450">
+              <a:buFontTx/>
+              <a:buChar char="-"/>
+            </a:pPr>
+            <a:r>
+              <a:rPr lang="en-US" baseline="0" dirty="0" smtClean="0"/>
+              <a:t>En nods </a:t>
+            </a:r>
+            <a:r>
+              <a:rPr lang="en-US" baseline="0" dirty="0" err="1" smtClean="0"/>
+              <a:t>tillförlitlighet</a:t>
+            </a:r>
+            <a:r>
+              <a:rPr lang="en-US" baseline="0" dirty="0" smtClean="0"/>
+              <a:t> </a:t>
+            </a:r>
+            <a:r>
+              <a:rPr lang="en-US" baseline="0" dirty="0" err="1" smtClean="0"/>
+              <a:t>påverkas</a:t>
+            </a:r>
+            <a:r>
+              <a:rPr lang="en-US" baseline="0" dirty="0" smtClean="0"/>
+              <a:t> </a:t>
+            </a:r>
+            <a:r>
+              <a:rPr lang="en-US" baseline="0" dirty="0" err="1" smtClean="0"/>
+              <a:t>inte</a:t>
+            </a:r>
+            <a:r>
+              <a:rPr lang="en-US" baseline="0" dirty="0" smtClean="0"/>
+              <a:t> </a:t>
+            </a:r>
+            <a:r>
+              <a:rPr lang="en-US" baseline="0" dirty="0" err="1" smtClean="0"/>
+              <a:t>av</a:t>
+            </a:r>
+            <a:r>
+              <a:rPr lang="en-US" baseline="0" dirty="0" smtClean="0"/>
+              <a:t> </a:t>
+            </a:r>
+            <a:r>
+              <a:rPr lang="en-US" baseline="0" dirty="0" err="1" smtClean="0"/>
+              <a:t>vilket</a:t>
+            </a:r>
+            <a:r>
+              <a:rPr lang="en-US" baseline="0" dirty="0" smtClean="0"/>
+              <a:t> </a:t>
+            </a:r>
+            <a:r>
+              <a:rPr lang="en-US" baseline="0" dirty="0" err="1" smtClean="0"/>
+              <a:t>typ</a:t>
+            </a:r>
+            <a:r>
+              <a:rPr lang="en-US" baseline="0" dirty="0" smtClean="0"/>
+              <a:t> </a:t>
+            </a:r>
+            <a:r>
+              <a:rPr lang="en-US" baseline="0" dirty="0" err="1" smtClean="0"/>
+              <a:t>av</a:t>
+            </a:r>
+            <a:r>
+              <a:rPr lang="en-US" baseline="0" dirty="0" smtClean="0"/>
+              <a:t> tasks </a:t>
+            </a:r>
+            <a:r>
+              <a:rPr lang="en-US" baseline="0" dirty="0" err="1" smtClean="0"/>
+              <a:t>som</a:t>
+            </a:r>
+            <a:r>
+              <a:rPr lang="en-US" baseline="0" dirty="0" smtClean="0"/>
+              <a:t> </a:t>
+            </a:r>
+            <a:r>
+              <a:rPr lang="en-US" baseline="0" dirty="0" err="1" smtClean="0"/>
+              <a:t>körs</a:t>
+            </a:r>
+            <a:r>
+              <a:rPr lang="en-US" baseline="0" dirty="0" smtClean="0"/>
+              <a:t> </a:t>
+            </a:r>
+            <a:r>
+              <a:rPr lang="en-US" baseline="0" dirty="0" err="1" smtClean="0"/>
+              <a:t>på</a:t>
+            </a:r>
+            <a:r>
+              <a:rPr lang="en-US" baseline="0" dirty="0" smtClean="0"/>
+              <a:t> den</a:t>
+            </a:r>
+          </a:p>
+          <a:p>
+            <a:pPr marL="171450" indent="-171450">
+              <a:buFontTx/>
+              <a:buChar char="-"/>
+            </a:pPr>
+            <a:r>
+              <a:rPr lang="en-US" baseline="0" dirty="0" err="1" smtClean="0"/>
+              <a:t>Och</a:t>
+            </a:r>
+            <a:r>
+              <a:rPr lang="en-US" baseline="0" dirty="0" smtClean="0"/>
+              <a:t> vi </a:t>
+            </a:r>
+            <a:r>
+              <a:rPr lang="en-US" baseline="0" dirty="0" err="1" smtClean="0"/>
+              <a:t>antar</a:t>
+            </a:r>
+            <a:r>
+              <a:rPr lang="en-US" baseline="0" dirty="0" smtClean="0"/>
+              <a:t> </a:t>
+            </a:r>
+            <a:r>
+              <a:rPr lang="en-US" baseline="0" dirty="0" err="1" smtClean="0"/>
+              <a:t>dessutom</a:t>
+            </a:r>
+            <a:r>
+              <a:rPr lang="en-US" baseline="0" dirty="0" smtClean="0"/>
+              <a:t> </a:t>
+            </a:r>
+            <a:r>
+              <a:rPr lang="en-US" baseline="0" dirty="0" err="1" smtClean="0"/>
+              <a:t>statistiskt</a:t>
+            </a:r>
+            <a:r>
+              <a:rPr lang="en-US" baseline="0" dirty="0" smtClean="0"/>
+              <a:t> </a:t>
+            </a:r>
+            <a:r>
+              <a:rPr lang="en-US" baseline="0" dirty="0" err="1" smtClean="0"/>
+              <a:t>oberoende</a:t>
+            </a:r>
+            <a:r>
+              <a:rPr lang="en-US" baseline="0" dirty="0" smtClean="0"/>
+              <a:t> </a:t>
+            </a:r>
+            <a:r>
+              <a:rPr lang="en-US" baseline="0" dirty="0" err="1" smtClean="0"/>
+              <a:t>fel</a:t>
+            </a:r>
+            <a:endParaRPr lang="en-US" baseline="0" dirty="0" smtClean="0"/>
+          </a:p>
+          <a:p>
+            <a:pPr marL="0" indent="0">
+              <a:buFontTx/>
+              <a:buNone/>
+            </a:pPr>
+            <a:endParaRPr lang="en-US" baseline="0" dirty="0" smtClean="0"/>
+          </a:p>
+        </p:txBody>
+      </p:sp>
+      <p:sp>
+        <p:nvSpPr>
+          <p:cNvPr id="4" name="Slide Number Placeholder 3"/>
+          <p:cNvSpPr>
+            <a:spLocks noGrp="1"/>
+          </p:cNvSpPr>
+          <p:nvPr>
+            <p:ph type="sldNum" sz="quarter" idx="10"/>
+          </p:nvPr>
+        </p:nvSpPr>
+        <p:spPr/>
+        <p:txBody>
+          <a:bodyPr/>
+          <a:lstStyle/>
+          <a:p>
+            <a:fld id="{100650DF-8CBF-0341-B1F9-47D0C0CD302F}" type="slidenum">
+              <a:rPr lang="en-US" smtClean="0"/>
+              <a:t>8</a:t>
+            </a:fld>
+            <a:endParaRPr lang="en-US"/>
+          </a:p>
+        </p:txBody>
+      </p:sp>
+    </p:spTree>
+    <p:extLst>
+      <p:ext uri="{BB962C8B-B14F-4D97-AF65-F5344CB8AC3E}">
+        <p14:creationId xmlns:p14="http://schemas.microsoft.com/office/powerpoint/2010/main" val="142784807"/>
+      </p:ext>
+    </p:extLst>
+  </p:cSld>
+  <p:clrMapOvr>
+    <a:masterClrMapping/>
+  </p:clrMapOvr>
+</p:notes>
+</file>
+
+<file path=ppt/notesSlides/notesSlide7.xml><?xml version="1.0" encoding="utf-8"?>
+<p:notes xmlns:a="http://schemas.openxmlformats.org/drawingml/2006/main" xmlns:r="http://schemas.openxmlformats.org/officeDocument/2006/relationships" xmlns:p="http://schemas.openxmlformats.org/presentationml/2006/main">
+  <p:cSld>
+    <p:spTree>
+      <p:nvGrpSpPr>
+        <p:cNvPr id="1" name=""/>
+        <p:cNvGrpSpPr/>
+        <p:nvPr/>
+      </p:nvGrpSpPr>
+      <p:grpSpPr>
+        <a:xfrm>
+          <a:off x="0" y="0"/>
+          <a:ext cx="0" cy="0"/>
+          <a:chOff x="0" y="0"/>
+          <a:chExt cx="0" cy="0"/>
+        </a:xfrm>
+      </p:grpSpPr>
+      <p:sp>
+        <p:nvSpPr>
+          <p:cNvPr id="2" name="Slide Image Placeholder 1"/>
+          <p:cNvSpPr>
+            <a:spLocks noGrp="1" noRot="1" noChangeAspect="1"/>
+          </p:cNvSpPr>
+          <p:nvPr>
+            <p:ph type="sldImg"/>
+          </p:nvPr>
+        </p:nvSpPr>
+        <p:spPr/>
+      </p:sp>
+      <p:sp>
+        <p:nvSpPr>
+          <p:cNvPr id="3" name="Notes Placeholder 2"/>
+          <p:cNvSpPr>
+            <a:spLocks noGrp="1"/>
+          </p:cNvSpPr>
+          <p:nvPr>
+            <p:ph type="body" idx="1"/>
+          </p:nvPr>
+        </p:nvSpPr>
+        <p:spPr/>
+        <p:txBody>
+          <a:bodyPr/>
+          <a:lstStyle/>
+          <a:p>
+            <a:r>
+              <a:rPr lang="en-US" dirty="0" err="1" smtClean="0"/>
+              <a:t>När</a:t>
+            </a:r>
+            <a:r>
+              <a:rPr lang="en-US" dirty="0" smtClean="0"/>
+              <a:t> man </a:t>
+            </a:r>
+            <a:r>
+              <a:rPr lang="en-US" dirty="0" err="1" smtClean="0"/>
+              <a:t>antar</a:t>
+            </a:r>
+            <a:r>
+              <a:rPr lang="en-US" dirty="0" smtClean="0"/>
+              <a:t> </a:t>
+            </a:r>
+            <a:r>
+              <a:rPr lang="en-US" dirty="0" err="1" smtClean="0"/>
+              <a:t>konstanta</a:t>
+            </a:r>
+            <a:r>
+              <a:rPr lang="en-US" dirty="0" smtClean="0"/>
+              <a:t> </a:t>
+            </a:r>
+            <a:r>
+              <a:rPr lang="en-US" dirty="0" err="1" smtClean="0"/>
+              <a:t>felfrekvenser</a:t>
+            </a:r>
+            <a:r>
+              <a:rPr lang="en-US" dirty="0" smtClean="0"/>
+              <a:t> </a:t>
+            </a:r>
+            <a:r>
+              <a:rPr lang="en-US" dirty="0" err="1" smtClean="0"/>
+              <a:t>så</a:t>
+            </a:r>
+            <a:r>
+              <a:rPr lang="en-US" dirty="0" smtClean="0"/>
+              <a:t> </a:t>
+            </a:r>
+            <a:r>
+              <a:rPr lang="en-US" dirty="0" err="1" smtClean="0"/>
+              <a:t>modeleras</a:t>
+            </a:r>
+            <a:r>
+              <a:rPr lang="en-US" baseline="0" dirty="0" smtClean="0"/>
+              <a:t> </a:t>
+            </a:r>
+            <a:r>
+              <a:rPr lang="en-US" baseline="0" dirty="0" err="1" smtClean="0"/>
+              <a:t>ofta</a:t>
+            </a:r>
+            <a:r>
+              <a:rPr lang="en-US" baseline="0" dirty="0" smtClean="0"/>
+              <a:t> en nods </a:t>
+            </a:r>
+            <a:r>
+              <a:rPr lang="en-US" baseline="0" dirty="0" err="1" smtClean="0"/>
+              <a:t>tillförlitlighet</a:t>
+            </a:r>
+            <a:r>
+              <a:rPr lang="en-US" baseline="0" dirty="0" smtClean="0"/>
+              <a:t> med en </a:t>
+            </a:r>
+            <a:r>
+              <a:rPr lang="en-US" baseline="0" smtClean="0"/>
+              <a:t>Poisson process.</a:t>
+            </a:r>
+            <a:endParaRPr lang="en-US"/>
+          </a:p>
+        </p:txBody>
+      </p:sp>
+      <p:sp>
+        <p:nvSpPr>
+          <p:cNvPr id="4" name="Slide Number Placeholder 3"/>
+          <p:cNvSpPr>
+            <a:spLocks noGrp="1"/>
+          </p:cNvSpPr>
+          <p:nvPr>
+            <p:ph type="sldNum" sz="quarter" idx="10"/>
+          </p:nvPr>
+        </p:nvSpPr>
+        <p:spPr/>
+        <p:txBody>
+          <a:bodyPr/>
+          <a:lstStyle/>
+          <a:p>
+            <a:fld id="{100650DF-8CBF-0341-B1F9-47D0C0CD302F}" type="slidenum">
+              <a:rPr lang="en-US" smtClean="0"/>
+              <a:t>9</a:t>
+            </a:fld>
+            <a:endParaRPr lang="en-US"/>
+          </a:p>
+        </p:txBody>
+      </p:sp>
+    </p:spTree>
+    <p:extLst>
+      <p:ext uri="{BB962C8B-B14F-4D97-AF65-F5344CB8AC3E}">
+        <p14:creationId xmlns:p14="http://schemas.microsoft.com/office/powerpoint/2010/main" val="1887332043"/>
       </p:ext>
     </p:extLst>
   </p:cSld>
@@ -21445,8 +22628,9 @@
             <a:endParaRPr lang="en-US" dirty="0" smtClean="0"/>
           </a:p>
           <a:p>
-            <a:pPr marL="0" lvl="0" indent="0">
-              <a:buNone/>
+            <a:pPr lvl="0">
+              <a:buFont typeface="Arial" charset="0"/>
+              <a:buChar char="•"/>
             </a:pPr>
             <a:r>
               <a:rPr lang="en-US" dirty="0" smtClean="0"/>
@@ -21718,7 +22902,7 @@
             </p:nvSpPr>
             <p:spPr>
               <a:blipFill rotWithShape="0">
-                <a:blip r:embed="rId2"/>
+                <a:blip r:embed="rId3"/>
                 <a:stretch>
                   <a:fillRect l="-1515" t="-1667"/>
                 </a:stretch>
@@ -21904,7 +23088,7 @@
                 <a:avLst/>
               </a:prstGeom>
               <a:blipFill rotWithShape="0">
-                <a:blip r:embed="rId3"/>
+                <a:blip r:embed="rId4"/>
                 <a:stretch>
                   <a:fillRect/>
                 </a:stretch>
@@ -22018,7 +23202,7 @@
                 <a:avLst/>
               </a:prstGeom>
               <a:blipFill rotWithShape="0">
-                <a:blip r:embed="rId4"/>
+                <a:blip r:embed="rId5"/>
                 <a:stretch>
                   <a:fillRect/>
                 </a:stretch>
@@ -22319,7 +23503,7 @@
                 <a:avLst/>
               </a:prstGeom>
               <a:blipFill rotWithShape="0">
-                <a:blip r:embed="rId5"/>
+                <a:blip r:embed="rId6"/>
                 <a:stretch>
                   <a:fillRect/>
                 </a:stretch>

--- a/presentation/presentation.pptx
+++ b/presentation/presentation.pptx
@@ -778,6 +778,2202 @@
 </p:notes>
 </file>
 
+<file path=ppt/notesSlides/notesSlide10.xml><?xml version="1.0" encoding="utf-8"?>
+<p:notes xmlns:a="http://schemas.openxmlformats.org/drawingml/2006/main" xmlns:r="http://schemas.openxmlformats.org/officeDocument/2006/relationships" xmlns:p="http://schemas.openxmlformats.org/presentationml/2006/main">
+  <p:cSld>
+    <p:spTree>
+      <p:nvGrpSpPr>
+        <p:cNvPr id="1" name=""/>
+        <p:cNvGrpSpPr/>
+        <p:nvPr/>
+      </p:nvGrpSpPr>
+      <p:grpSpPr>
+        <a:xfrm>
+          <a:off x="0" y="0"/>
+          <a:ext cx="0" cy="0"/>
+          <a:chOff x="0" y="0"/>
+          <a:chExt cx="0" cy="0"/>
+        </a:xfrm>
+      </p:grpSpPr>
+      <p:sp>
+        <p:nvSpPr>
+          <p:cNvPr id="2" name="Slide Image Placeholder 1"/>
+          <p:cNvSpPr>
+            <a:spLocks noGrp="1" noRot="1" noChangeAspect="1"/>
+          </p:cNvSpPr>
+          <p:nvPr>
+            <p:ph type="sldImg"/>
+          </p:nvPr>
+        </p:nvSpPr>
+        <p:spPr/>
+      </p:sp>
+      <p:sp>
+        <p:nvSpPr>
+          <p:cNvPr id="3" name="Notes Placeholder 2"/>
+          <p:cNvSpPr>
+            <a:spLocks noGrp="1"/>
+          </p:cNvSpPr>
+          <p:nvPr>
+            <p:ph type="body" idx="1"/>
+          </p:nvPr>
+        </p:nvSpPr>
+        <p:spPr/>
+        <p:txBody>
+          <a:bodyPr/>
+          <a:lstStyle/>
+          <a:p>
+            <a:r>
+              <a:rPr lang="en-US" dirty="0" smtClean="0"/>
+              <a:t>Om vi </a:t>
+            </a:r>
+            <a:r>
+              <a:rPr lang="en-US" dirty="0" err="1" smtClean="0"/>
+              <a:t>har</a:t>
+            </a:r>
+            <a:r>
+              <a:rPr lang="en-US" dirty="0" smtClean="0"/>
+              <a:t> en process</a:t>
+            </a:r>
+            <a:r>
+              <a:rPr lang="en-US" baseline="0" dirty="0" smtClean="0"/>
+              <a:t> med </a:t>
+            </a:r>
+            <a:r>
+              <a:rPr lang="en-US" baseline="0" dirty="0" err="1" smtClean="0"/>
+              <a:t>ett</a:t>
+            </a:r>
+            <a:r>
+              <a:rPr lang="en-US" baseline="0" dirty="0" smtClean="0"/>
+              <a:t> </a:t>
+            </a:r>
+            <a:r>
+              <a:rPr lang="en-US" baseline="0" dirty="0" err="1" smtClean="0"/>
+              <a:t>antal</a:t>
+            </a:r>
+            <a:r>
+              <a:rPr lang="en-US" baseline="0" dirty="0" smtClean="0"/>
+              <a:t> </a:t>
+            </a:r>
+            <a:r>
+              <a:rPr lang="en-US" baseline="0" dirty="0" err="1" smtClean="0"/>
+              <a:t>replikor</a:t>
+            </a:r>
+            <a:r>
+              <a:rPr lang="en-US" baseline="0" dirty="0" smtClean="0"/>
+              <a:t>, </a:t>
+            </a:r>
+            <a:r>
+              <a:rPr lang="en-US" baseline="0" dirty="0" err="1" smtClean="0"/>
+              <a:t>så</a:t>
+            </a:r>
+            <a:r>
+              <a:rPr lang="en-US" baseline="0" dirty="0" smtClean="0"/>
+              <a:t> </a:t>
+            </a:r>
+            <a:r>
+              <a:rPr lang="en-US" dirty="0" err="1" smtClean="0"/>
+              <a:t>är</a:t>
+            </a:r>
+            <a:r>
+              <a:rPr lang="en-US" dirty="0" smtClean="0"/>
+              <a:t> </a:t>
+            </a:r>
+            <a:r>
+              <a:rPr lang="en-US" dirty="0" err="1" smtClean="0"/>
+              <a:t>tillförlitlighet</a:t>
+            </a:r>
+            <a:r>
+              <a:rPr lang="en-US" dirty="0" smtClean="0"/>
+              <a:t> </a:t>
+            </a:r>
+            <a:r>
+              <a:rPr lang="en-US" dirty="0" err="1" smtClean="0"/>
+              <a:t>definierat</a:t>
+            </a:r>
+            <a:r>
+              <a:rPr lang="en-US" dirty="0" smtClean="0"/>
+              <a:t> </a:t>
+            </a:r>
+            <a:r>
+              <a:rPr lang="en-US" dirty="0" err="1" smtClean="0"/>
+              <a:t>som</a:t>
+            </a:r>
+            <a:r>
+              <a:rPr lang="en-US" dirty="0" smtClean="0"/>
+              <a:t> </a:t>
+            </a:r>
+            <a:r>
+              <a:rPr lang="en-US" dirty="0" err="1" smtClean="0"/>
+              <a:t>att</a:t>
+            </a:r>
+            <a:r>
+              <a:rPr lang="en-US" dirty="0" smtClean="0"/>
+              <a:t> </a:t>
+            </a:r>
+            <a:r>
+              <a:rPr lang="en-US" baseline="0" dirty="0" err="1" smtClean="0"/>
+              <a:t>att</a:t>
+            </a:r>
+            <a:r>
+              <a:rPr lang="en-US" baseline="0" dirty="0" smtClean="0"/>
+              <a:t> </a:t>
+            </a:r>
+            <a:r>
+              <a:rPr lang="en-US" baseline="0" dirty="0" err="1" smtClean="0"/>
+              <a:t>minst</a:t>
+            </a:r>
+            <a:r>
+              <a:rPr lang="en-US" baseline="0" dirty="0" smtClean="0"/>
+              <a:t> en </a:t>
+            </a:r>
+            <a:r>
+              <a:rPr lang="en-US" baseline="0" dirty="0" err="1" smtClean="0"/>
+              <a:t>replika</a:t>
+            </a:r>
+            <a:r>
+              <a:rPr lang="en-US" baseline="0" dirty="0" smtClean="0"/>
+              <a:t> </a:t>
+            </a:r>
+            <a:r>
+              <a:rPr lang="en-US" baseline="0" dirty="0" err="1" smtClean="0"/>
+              <a:t>kör</a:t>
+            </a:r>
+            <a:r>
+              <a:rPr lang="en-US" baseline="0" dirty="0" smtClean="0"/>
+              <a:t>.</a:t>
+            </a:r>
+          </a:p>
+          <a:p>
+            <a:endParaRPr lang="en-US" baseline="0" dirty="0" smtClean="0"/>
+          </a:p>
+          <a:p>
+            <a:r>
+              <a:rPr lang="en-US" baseline="0" dirty="0" smtClean="0"/>
+              <a:t>Om vi </a:t>
+            </a:r>
+            <a:r>
+              <a:rPr lang="en-US" baseline="0" dirty="0" err="1" smtClean="0"/>
+              <a:t>vidare</a:t>
+            </a:r>
+            <a:r>
+              <a:rPr lang="en-US" baseline="0" dirty="0" smtClean="0"/>
+              <a:t> </a:t>
+            </a:r>
+            <a:r>
+              <a:rPr lang="en-US" baseline="0" dirty="0" err="1" smtClean="0"/>
+              <a:t>antar</a:t>
+            </a:r>
+            <a:r>
+              <a:rPr lang="en-US" baseline="0" dirty="0" smtClean="0"/>
+              <a:t> </a:t>
+            </a:r>
+            <a:r>
+              <a:rPr lang="en-US" baseline="0" dirty="0" err="1" smtClean="0"/>
+              <a:t>att</a:t>
+            </a:r>
+            <a:r>
+              <a:rPr lang="en-US" baseline="0" dirty="0" smtClean="0"/>
+              <a:t> </a:t>
+            </a:r>
+            <a:r>
+              <a:rPr lang="en-US" baseline="0" dirty="0" err="1" smtClean="0"/>
+              <a:t>fel</a:t>
+            </a:r>
+            <a:r>
+              <a:rPr lang="en-US" baseline="0" dirty="0" smtClean="0"/>
+              <a:t> </a:t>
+            </a:r>
+            <a:r>
+              <a:rPr lang="en-US" baseline="0" dirty="0" err="1" smtClean="0"/>
+              <a:t>inträffar</a:t>
+            </a:r>
+            <a:r>
+              <a:rPr lang="en-US" baseline="0" dirty="0" smtClean="0"/>
+              <a:t>, </a:t>
+            </a:r>
+            <a:r>
+              <a:rPr lang="en-US" baseline="0" dirty="0" err="1" smtClean="0"/>
+              <a:t>så</a:t>
+            </a:r>
+            <a:r>
+              <a:rPr lang="en-US" baseline="0" dirty="0" smtClean="0"/>
+              <a:t> </a:t>
+            </a:r>
+            <a:r>
+              <a:rPr lang="en-US" baseline="0" dirty="0" err="1" smtClean="0"/>
+              <a:t>är</a:t>
+            </a:r>
+            <a:r>
+              <a:rPr lang="en-US" baseline="0" dirty="0" smtClean="0"/>
+              <a:t> </a:t>
+            </a:r>
+            <a:r>
+              <a:rPr lang="en-US" baseline="0" dirty="0" err="1" smtClean="0"/>
+              <a:t>kan</a:t>
+            </a:r>
+            <a:r>
+              <a:rPr lang="en-US" baseline="0" dirty="0" smtClean="0"/>
+              <a:t> </a:t>
+            </a:r>
+            <a:r>
+              <a:rPr lang="en-US" baseline="0" dirty="0" err="1" smtClean="0"/>
+              <a:t>tillförlitligheten</a:t>
+            </a:r>
+            <a:r>
+              <a:rPr lang="en-US" baseline="0" dirty="0" smtClean="0"/>
+              <a:t> </a:t>
+            </a:r>
+            <a:r>
+              <a:rPr lang="en-US" baseline="0" dirty="0" err="1" smtClean="0"/>
+              <a:t>definieras</a:t>
+            </a:r>
+            <a:r>
+              <a:rPr lang="en-US" baseline="0" dirty="0" smtClean="0"/>
+              <a:t> </a:t>
+            </a:r>
+            <a:r>
+              <a:rPr lang="en-US" baseline="0" dirty="0" err="1" smtClean="0"/>
+              <a:t>som</a:t>
+            </a:r>
+            <a:r>
+              <a:rPr lang="en-US" baseline="0" dirty="0" smtClean="0"/>
+              <a:t> </a:t>
+            </a:r>
+            <a:r>
+              <a:rPr lang="en-US" baseline="0" dirty="0" err="1" smtClean="0"/>
+              <a:t>sannolikheten</a:t>
+            </a:r>
+            <a:r>
+              <a:rPr lang="en-US" baseline="0" dirty="0" smtClean="0"/>
+              <a:t> </a:t>
+            </a:r>
+            <a:r>
+              <a:rPr lang="en-US" baseline="0" dirty="0" err="1" smtClean="0"/>
+              <a:t>att</a:t>
+            </a:r>
+            <a:r>
+              <a:rPr lang="en-US" baseline="0" dirty="0" smtClean="0"/>
+              <a:t> </a:t>
+            </a:r>
+            <a:r>
+              <a:rPr lang="en-US" baseline="0" dirty="0" err="1" smtClean="0"/>
+              <a:t>minst</a:t>
+            </a:r>
+            <a:r>
+              <a:rPr lang="en-US" baseline="0" dirty="0" smtClean="0"/>
+              <a:t> en </a:t>
+            </a:r>
+            <a:r>
+              <a:rPr lang="en-US" baseline="0" dirty="0" err="1" smtClean="0"/>
+              <a:t>replika</a:t>
+            </a:r>
+            <a:r>
+              <a:rPr lang="en-US" baseline="0" dirty="0" smtClean="0"/>
+              <a:t> lever, under den </a:t>
+            </a:r>
+            <a:r>
+              <a:rPr lang="en-US" baseline="0" dirty="0" err="1" smtClean="0"/>
+              <a:t>tid</a:t>
+            </a:r>
+            <a:r>
+              <a:rPr lang="en-US" baseline="0" dirty="0" smtClean="0"/>
+              <a:t> </a:t>
+            </a:r>
+            <a:r>
+              <a:rPr lang="en-US" baseline="0" dirty="0" err="1" smtClean="0"/>
+              <a:t>det</a:t>
+            </a:r>
+            <a:r>
+              <a:rPr lang="en-US" baseline="0" dirty="0" smtClean="0"/>
+              <a:t> tar </a:t>
+            </a:r>
+            <a:r>
+              <a:rPr lang="en-US" baseline="0" dirty="0" err="1" smtClean="0"/>
+              <a:t>att</a:t>
+            </a:r>
+            <a:r>
+              <a:rPr lang="en-US" baseline="0" dirty="0" smtClean="0"/>
+              <a:t> </a:t>
+            </a:r>
+            <a:r>
+              <a:rPr lang="en-US" baseline="0" dirty="0" err="1" smtClean="0"/>
+              <a:t>replicera</a:t>
+            </a:r>
+            <a:r>
+              <a:rPr lang="en-US" baseline="0" dirty="0" smtClean="0"/>
+              <a:t> </a:t>
+            </a:r>
+            <a:r>
+              <a:rPr lang="en-US" baseline="0" dirty="0" err="1" smtClean="0"/>
+              <a:t>replikan</a:t>
+            </a:r>
+            <a:r>
+              <a:rPr lang="en-US" baseline="0" dirty="0" smtClean="0"/>
+              <a:t>.</a:t>
+            </a:r>
+          </a:p>
+          <a:p>
+            <a:endParaRPr lang="en-US" baseline="0" dirty="0" smtClean="0"/>
+          </a:p>
+          <a:p>
+            <a:r>
+              <a:rPr lang="en-US" baseline="0" dirty="0" err="1" smtClean="0"/>
+              <a:t>Tiden</a:t>
+            </a:r>
+            <a:r>
+              <a:rPr lang="en-US" baseline="0" dirty="0" smtClean="0"/>
+              <a:t> </a:t>
+            </a:r>
+            <a:r>
+              <a:rPr lang="en-US" i="1" baseline="0" dirty="0" smtClean="0"/>
+              <a:t>t</a:t>
+            </a:r>
+            <a:r>
+              <a:rPr lang="en-US" i="0" baseline="0" dirty="0" smtClean="0"/>
+              <a:t> I </a:t>
+            </a:r>
+            <a:r>
+              <a:rPr lang="en-US" i="0" baseline="0" dirty="0" err="1" smtClean="0"/>
+              <a:t>vårt</a:t>
+            </a:r>
+            <a:r>
+              <a:rPr lang="en-US" i="0" baseline="0" dirty="0" smtClean="0"/>
+              <a:t> fall </a:t>
+            </a:r>
+            <a:r>
+              <a:rPr lang="en-US" i="0" baseline="0" dirty="0" err="1" smtClean="0"/>
+              <a:t>är</a:t>
+            </a:r>
+            <a:r>
+              <a:rPr lang="en-US" i="0" baseline="0" dirty="0" smtClean="0"/>
+              <a:t> </a:t>
+            </a:r>
+            <a:r>
+              <a:rPr lang="en-US" i="0" baseline="0" dirty="0" err="1" smtClean="0"/>
+              <a:t>då</a:t>
+            </a:r>
+            <a:r>
+              <a:rPr lang="en-US" i="0" baseline="0" dirty="0" smtClean="0"/>
+              <a:t> </a:t>
+            </a:r>
+            <a:r>
+              <a:rPr lang="en-US" i="0" baseline="0" dirty="0" err="1" smtClean="0"/>
+              <a:t>tiden</a:t>
+            </a:r>
+            <a:r>
+              <a:rPr lang="en-US" i="0" baseline="0" dirty="0" smtClean="0"/>
+              <a:t> </a:t>
+            </a:r>
+            <a:r>
+              <a:rPr lang="en-US" i="0" baseline="0" dirty="0" err="1" smtClean="0"/>
+              <a:t>det</a:t>
+            </a:r>
+            <a:r>
+              <a:rPr lang="en-US" i="0" baseline="0" dirty="0" smtClean="0"/>
+              <a:t> tar </a:t>
+            </a:r>
+            <a:r>
+              <a:rPr lang="en-US" i="0" baseline="0" dirty="0" err="1" smtClean="0"/>
+              <a:t>att</a:t>
+            </a:r>
+            <a:r>
+              <a:rPr lang="en-US" i="0" baseline="0" dirty="0" smtClean="0"/>
+              <a:t> </a:t>
+            </a:r>
+            <a:r>
+              <a:rPr lang="en-US" i="0" baseline="0" dirty="0" err="1" smtClean="0"/>
+              <a:t>detektera</a:t>
+            </a:r>
+            <a:r>
+              <a:rPr lang="en-US" i="0" baseline="0" dirty="0" smtClean="0"/>
+              <a:t> </a:t>
+            </a:r>
+            <a:r>
+              <a:rPr lang="en-US" i="0" baseline="0" dirty="0" err="1" smtClean="0"/>
+              <a:t>ett</a:t>
+            </a:r>
+            <a:r>
+              <a:rPr lang="en-US" i="0" baseline="0" dirty="0" smtClean="0"/>
+              <a:t> </a:t>
+            </a:r>
+            <a:r>
+              <a:rPr lang="en-US" i="0" baseline="0" dirty="0" err="1" smtClean="0"/>
+              <a:t>fel</a:t>
+            </a:r>
+            <a:r>
+              <a:rPr lang="en-US" i="0" baseline="0" dirty="0" smtClean="0"/>
+              <a:t> </a:t>
+            </a:r>
+            <a:r>
+              <a:rPr lang="sv-SE" i="0" baseline="0" dirty="0" smtClean="0"/>
+              <a:t>+ tiden att </a:t>
+            </a:r>
+            <a:r>
+              <a:rPr lang="sv-SE" i="0" baseline="0" dirty="0" err="1" smtClean="0"/>
+              <a:t>replicera</a:t>
+            </a:r>
+            <a:r>
+              <a:rPr lang="sv-SE" i="0" baseline="0" dirty="0" smtClean="0"/>
+              <a:t> en </a:t>
+            </a:r>
+            <a:r>
+              <a:rPr lang="sv-SE" i="0" baseline="0" dirty="0" err="1" smtClean="0"/>
+              <a:t>replika</a:t>
+            </a:r>
+            <a:endParaRPr lang="en-US" baseline="0" dirty="0" smtClean="0"/>
+          </a:p>
+          <a:p>
+            <a:endParaRPr lang="en-US" dirty="0" smtClean="0"/>
+          </a:p>
+          <a:p>
+            <a:endParaRPr lang="en-US" dirty="0"/>
+          </a:p>
+        </p:txBody>
+      </p:sp>
+      <p:sp>
+        <p:nvSpPr>
+          <p:cNvPr id="4" name="Slide Number Placeholder 3"/>
+          <p:cNvSpPr>
+            <a:spLocks noGrp="1"/>
+          </p:cNvSpPr>
+          <p:nvPr>
+            <p:ph type="sldNum" sz="quarter" idx="10"/>
+          </p:nvPr>
+        </p:nvSpPr>
+        <p:spPr/>
+        <p:txBody>
+          <a:bodyPr/>
+          <a:lstStyle/>
+          <a:p>
+            <a:fld id="{100650DF-8CBF-0341-B1F9-47D0C0CD302F}" type="slidenum">
+              <a:rPr lang="en-US" smtClean="0"/>
+              <a:t>14</a:t>
+            </a:fld>
+            <a:endParaRPr lang="en-US"/>
+          </a:p>
+        </p:txBody>
+      </p:sp>
+    </p:spTree>
+    <p:extLst>
+      <p:ext uri="{BB962C8B-B14F-4D97-AF65-F5344CB8AC3E}">
+        <p14:creationId xmlns:p14="http://schemas.microsoft.com/office/powerpoint/2010/main" val="415660887"/>
+      </p:ext>
+    </p:extLst>
+  </p:cSld>
+  <p:clrMapOvr>
+    <a:masterClrMapping/>
+  </p:clrMapOvr>
+</p:notes>
+</file>
+
+<file path=ppt/notesSlides/notesSlide11.xml><?xml version="1.0" encoding="utf-8"?>
+<p:notes xmlns:a="http://schemas.openxmlformats.org/drawingml/2006/main" xmlns:r="http://schemas.openxmlformats.org/officeDocument/2006/relationships" xmlns:p="http://schemas.openxmlformats.org/presentationml/2006/main">
+  <p:cSld>
+    <p:spTree>
+      <p:nvGrpSpPr>
+        <p:cNvPr id="1" name=""/>
+        <p:cNvGrpSpPr/>
+        <p:nvPr/>
+      </p:nvGrpSpPr>
+      <p:grpSpPr>
+        <a:xfrm>
+          <a:off x="0" y="0"/>
+          <a:ext cx="0" cy="0"/>
+          <a:chOff x="0" y="0"/>
+          <a:chExt cx="0" cy="0"/>
+        </a:xfrm>
+      </p:grpSpPr>
+      <p:sp>
+        <p:nvSpPr>
+          <p:cNvPr id="2" name="Slide Image Placeholder 1"/>
+          <p:cNvSpPr>
+            <a:spLocks noGrp="1" noRot="1" noChangeAspect="1"/>
+          </p:cNvSpPr>
+          <p:nvPr>
+            <p:ph type="sldImg"/>
+          </p:nvPr>
+        </p:nvSpPr>
+        <p:spPr/>
+      </p:sp>
+      <p:sp>
+        <p:nvSpPr>
+          <p:cNvPr id="3" name="Notes Placeholder 2"/>
+          <p:cNvSpPr>
+            <a:spLocks noGrp="1"/>
+          </p:cNvSpPr>
+          <p:nvPr>
+            <p:ph type="body" idx="1"/>
+          </p:nvPr>
+        </p:nvSpPr>
+        <p:spPr/>
+        <p:txBody>
+          <a:bodyPr/>
+          <a:lstStyle/>
+          <a:p>
+            <a:r>
+              <a:rPr lang="en-US" dirty="0" err="1" smtClean="0"/>
+              <a:t>Tillfötligheten</a:t>
+            </a:r>
+            <a:r>
+              <a:rPr lang="en-US" dirty="0" smtClean="0"/>
+              <a:t> </a:t>
+            </a:r>
+            <a:r>
+              <a:rPr lang="en-US" dirty="0" err="1" smtClean="0"/>
+              <a:t>kan</a:t>
+            </a:r>
+            <a:r>
+              <a:rPr lang="en-US" dirty="0" smtClean="0"/>
+              <a:t> </a:t>
+            </a:r>
+            <a:r>
+              <a:rPr lang="en-US" dirty="0" err="1" smtClean="0"/>
+              <a:t>då</a:t>
+            </a:r>
+            <a:r>
+              <a:rPr lang="en-US" dirty="0" smtClean="0"/>
+              <a:t> </a:t>
+            </a:r>
+            <a:r>
+              <a:rPr lang="en-US" dirty="0" err="1" smtClean="0"/>
+              <a:t>skrivas</a:t>
+            </a:r>
+            <a:r>
+              <a:rPr lang="en-US" dirty="0" smtClean="0"/>
+              <a:t> </a:t>
+            </a:r>
+            <a:r>
+              <a:rPr lang="en-US" dirty="0" err="1" smtClean="0"/>
+              <a:t>som</a:t>
+            </a:r>
+            <a:r>
+              <a:rPr lang="en-US" dirty="0" smtClean="0"/>
+              <a:t> </a:t>
+            </a:r>
+            <a:r>
+              <a:rPr lang="en-US" dirty="0" err="1" smtClean="0"/>
+              <a:t>sannolikheten</a:t>
+            </a:r>
+            <a:r>
+              <a:rPr lang="en-US" dirty="0" smtClean="0"/>
+              <a:t> </a:t>
+            </a:r>
+            <a:r>
+              <a:rPr lang="en-US" dirty="0" err="1" smtClean="0"/>
+              <a:t>att</a:t>
+            </a:r>
+            <a:r>
+              <a:rPr lang="en-US" dirty="0" smtClean="0"/>
+              <a:t> </a:t>
+            </a:r>
+            <a:r>
+              <a:rPr lang="en-US" dirty="0" err="1" smtClean="0"/>
+              <a:t>inte</a:t>
+            </a:r>
+            <a:r>
+              <a:rPr lang="en-US" dirty="0" smtClean="0"/>
+              <a:t> </a:t>
+            </a:r>
+            <a:r>
+              <a:rPr lang="en-US" dirty="0" err="1" smtClean="0"/>
+              <a:t>alla</a:t>
+            </a:r>
+            <a:r>
+              <a:rPr lang="en-US" dirty="0" smtClean="0"/>
+              <a:t> </a:t>
+            </a:r>
+            <a:r>
+              <a:rPr lang="en-US" dirty="0" err="1" smtClean="0"/>
+              <a:t>noder</a:t>
+            </a:r>
+            <a:r>
+              <a:rPr lang="en-US" baseline="0" dirty="0" smtClean="0"/>
+              <a:t> </a:t>
+            </a:r>
+            <a:r>
+              <a:rPr lang="en-US" baseline="0" dirty="0" err="1" smtClean="0"/>
+              <a:t>som</a:t>
+            </a:r>
+            <a:r>
+              <a:rPr lang="en-US" baseline="0" dirty="0" smtClean="0"/>
+              <a:t> </a:t>
+            </a:r>
+            <a:r>
+              <a:rPr lang="en-US" baseline="0" dirty="0" err="1" smtClean="0"/>
+              <a:t>har</a:t>
+            </a:r>
+            <a:r>
+              <a:rPr lang="en-US" baseline="0" dirty="0" smtClean="0"/>
+              <a:t> en </a:t>
+            </a:r>
+            <a:r>
+              <a:rPr lang="en-US" baseline="0" dirty="0" err="1" smtClean="0"/>
+              <a:t>replika</a:t>
+            </a:r>
+            <a:r>
+              <a:rPr lang="en-US" baseline="0" dirty="0" smtClean="0"/>
+              <a:t> </a:t>
+            </a:r>
+            <a:r>
+              <a:rPr lang="en-US" baseline="0" dirty="0" err="1" smtClean="0"/>
+              <a:t>dör</a:t>
+            </a:r>
+            <a:r>
+              <a:rPr lang="en-US" baseline="0" dirty="0" smtClean="0"/>
+              <a:t> under </a:t>
+            </a:r>
+            <a:r>
+              <a:rPr lang="en-US" baseline="0" dirty="0" err="1" smtClean="0"/>
+              <a:t>tiden</a:t>
+            </a:r>
+            <a:r>
+              <a:rPr lang="en-US" baseline="0" dirty="0" smtClean="0"/>
+              <a:t> </a:t>
+            </a:r>
+            <a:r>
+              <a:rPr lang="en-US" i="1" baseline="0" dirty="0" smtClean="0"/>
+              <a:t>t</a:t>
+            </a:r>
+            <a:r>
+              <a:rPr lang="en-US" i="0" baseline="0" dirty="0" smtClean="0"/>
+              <a:t>, </a:t>
+            </a:r>
+            <a:r>
+              <a:rPr lang="en-US" i="0" baseline="0" dirty="0" err="1" smtClean="0"/>
+              <a:t>dvs</a:t>
+            </a:r>
+            <a:r>
+              <a:rPr lang="en-US" i="0" baseline="0" dirty="0" smtClean="0"/>
+              <a:t> </a:t>
+            </a:r>
+            <a:r>
+              <a:rPr lang="en-US" i="0" baseline="0" dirty="0" err="1" smtClean="0"/>
+              <a:t>innan</a:t>
+            </a:r>
+            <a:r>
+              <a:rPr lang="en-US" i="0" baseline="0" dirty="0" smtClean="0"/>
+              <a:t> vi </a:t>
+            </a:r>
+            <a:r>
+              <a:rPr lang="en-US" i="0" baseline="0" dirty="0" err="1" smtClean="0"/>
+              <a:t>hunnit</a:t>
+            </a:r>
+            <a:r>
+              <a:rPr lang="en-US" i="0" baseline="0" dirty="0" smtClean="0"/>
+              <a:t> </a:t>
+            </a:r>
+            <a:r>
+              <a:rPr lang="en-US" i="0" baseline="0" dirty="0" err="1" smtClean="0"/>
+              <a:t>skapa</a:t>
+            </a:r>
+            <a:r>
+              <a:rPr lang="en-US" i="0" baseline="0" dirty="0" smtClean="0"/>
+              <a:t> en </a:t>
+            </a:r>
+            <a:r>
+              <a:rPr lang="en-US" i="0" baseline="0" dirty="0" err="1" smtClean="0"/>
+              <a:t>ny</a:t>
+            </a:r>
+            <a:r>
+              <a:rPr lang="en-US" i="0" baseline="0" dirty="0" smtClean="0"/>
+              <a:t> </a:t>
+            </a:r>
+            <a:r>
+              <a:rPr lang="en-US" i="0" baseline="0" dirty="0" err="1" smtClean="0"/>
+              <a:t>replika</a:t>
+            </a:r>
+            <a:r>
+              <a:rPr lang="en-US" i="0" baseline="0" dirty="0" smtClean="0"/>
+              <a:t>.</a:t>
+            </a:r>
+            <a:endParaRPr lang="en-US" dirty="0"/>
+          </a:p>
+        </p:txBody>
+      </p:sp>
+      <p:sp>
+        <p:nvSpPr>
+          <p:cNvPr id="4" name="Slide Number Placeholder 3"/>
+          <p:cNvSpPr>
+            <a:spLocks noGrp="1"/>
+          </p:cNvSpPr>
+          <p:nvPr>
+            <p:ph type="sldNum" sz="quarter" idx="10"/>
+          </p:nvPr>
+        </p:nvSpPr>
+        <p:spPr/>
+        <p:txBody>
+          <a:bodyPr/>
+          <a:lstStyle/>
+          <a:p>
+            <a:fld id="{100650DF-8CBF-0341-B1F9-47D0C0CD302F}" type="slidenum">
+              <a:rPr lang="en-US" smtClean="0"/>
+              <a:t>15</a:t>
+            </a:fld>
+            <a:endParaRPr lang="en-US"/>
+          </a:p>
+        </p:txBody>
+      </p:sp>
+    </p:spTree>
+    <p:extLst>
+      <p:ext uri="{BB962C8B-B14F-4D97-AF65-F5344CB8AC3E}">
+        <p14:creationId xmlns:p14="http://schemas.microsoft.com/office/powerpoint/2010/main" val="656426083"/>
+      </p:ext>
+    </p:extLst>
+  </p:cSld>
+  <p:clrMapOvr>
+    <a:masterClrMapping/>
+  </p:clrMapOvr>
+</p:notes>
+</file>
+
+<file path=ppt/notesSlides/notesSlide12.xml><?xml version="1.0" encoding="utf-8"?>
+<p:notes xmlns:a="http://schemas.openxmlformats.org/drawingml/2006/main" xmlns:r="http://schemas.openxmlformats.org/officeDocument/2006/relationships" xmlns:p="http://schemas.openxmlformats.org/presentationml/2006/main">
+  <p:cSld>
+    <p:spTree>
+      <p:nvGrpSpPr>
+        <p:cNvPr id="1" name=""/>
+        <p:cNvGrpSpPr/>
+        <p:nvPr/>
+      </p:nvGrpSpPr>
+      <p:grpSpPr>
+        <a:xfrm>
+          <a:off x="0" y="0"/>
+          <a:ext cx="0" cy="0"/>
+          <a:chOff x="0" y="0"/>
+          <a:chExt cx="0" cy="0"/>
+        </a:xfrm>
+      </p:grpSpPr>
+      <p:sp>
+        <p:nvSpPr>
+          <p:cNvPr id="2" name="Slide Image Placeholder 1"/>
+          <p:cNvSpPr>
+            <a:spLocks noGrp="1" noRot="1" noChangeAspect="1"/>
+          </p:cNvSpPr>
+          <p:nvPr>
+            <p:ph type="sldImg"/>
+          </p:nvPr>
+        </p:nvSpPr>
+        <p:spPr/>
+      </p:sp>
+      <p:sp>
+        <p:nvSpPr>
+          <p:cNvPr id="3" name="Notes Placeholder 2"/>
+          <p:cNvSpPr>
+            <a:spLocks noGrp="1"/>
+          </p:cNvSpPr>
+          <p:nvPr>
+            <p:ph type="body" idx="1"/>
+          </p:nvPr>
+        </p:nvSpPr>
+        <p:spPr/>
+        <p:txBody>
+          <a:bodyPr/>
+          <a:lstStyle/>
+          <a:p>
+            <a:r>
+              <a:rPr lang="en-US" dirty="0" smtClean="0"/>
+              <a:t>Nu</a:t>
+            </a:r>
+            <a:r>
+              <a:rPr lang="en-US" baseline="0" dirty="0" smtClean="0"/>
+              <a:t> </a:t>
+            </a:r>
+            <a:r>
+              <a:rPr lang="en-US" baseline="0" dirty="0" err="1" smtClean="0"/>
+              <a:t>när</a:t>
+            </a:r>
+            <a:r>
+              <a:rPr lang="en-US" baseline="0" dirty="0" smtClean="0"/>
+              <a:t> vi </a:t>
+            </a:r>
+            <a:r>
+              <a:rPr lang="en-US" baseline="0" dirty="0" err="1" smtClean="0"/>
+              <a:t>har</a:t>
+            </a:r>
+            <a:r>
+              <a:rPr lang="en-US" baseline="0" dirty="0" smtClean="0"/>
+              <a:t> en model </a:t>
+            </a:r>
+            <a:r>
+              <a:rPr lang="en-US" baseline="0" dirty="0" err="1" smtClean="0"/>
+              <a:t>för</a:t>
+            </a:r>
+            <a:r>
+              <a:rPr lang="en-US" baseline="0" dirty="0" smtClean="0"/>
+              <a:t> </a:t>
+            </a:r>
+            <a:r>
+              <a:rPr lang="en-US" baseline="0" dirty="0" err="1" smtClean="0"/>
+              <a:t>att</a:t>
+            </a:r>
+            <a:r>
+              <a:rPr lang="en-US" baseline="0" dirty="0" smtClean="0"/>
+              <a:t> </a:t>
+            </a:r>
+            <a:r>
+              <a:rPr lang="en-US" baseline="0" dirty="0" err="1" smtClean="0"/>
+              <a:t>beskriva</a:t>
+            </a:r>
+            <a:r>
+              <a:rPr lang="en-US" baseline="0" dirty="0" smtClean="0"/>
+              <a:t> </a:t>
+            </a:r>
+            <a:r>
+              <a:rPr lang="en-US" baseline="0" dirty="0" err="1" smtClean="0"/>
+              <a:t>tillförlitligheten</a:t>
+            </a:r>
+            <a:r>
+              <a:rPr lang="en-US" baseline="0" dirty="0" smtClean="0"/>
+              <a:t> </a:t>
+            </a:r>
+            <a:r>
+              <a:rPr lang="en-US" baseline="0" dirty="0" err="1" smtClean="0"/>
+              <a:t>så</a:t>
+            </a:r>
+            <a:r>
+              <a:rPr lang="en-US" baseline="0" dirty="0" smtClean="0"/>
+              <a:t> </a:t>
+            </a:r>
+            <a:r>
+              <a:rPr lang="en-US" baseline="0" dirty="0" err="1" smtClean="0"/>
+              <a:t>vill</a:t>
+            </a:r>
+            <a:r>
+              <a:rPr lang="en-US" baseline="0" dirty="0" smtClean="0"/>
+              <a:t> vi </a:t>
+            </a:r>
+            <a:r>
+              <a:rPr lang="en-US" baseline="0" dirty="0" err="1" smtClean="0"/>
+              <a:t>ju</a:t>
+            </a:r>
+            <a:r>
+              <a:rPr lang="en-US" baseline="0" dirty="0" smtClean="0"/>
+              <a:t> se till </a:t>
+            </a:r>
+            <a:r>
+              <a:rPr lang="en-US" baseline="0" dirty="0" err="1" smtClean="0"/>
+              <a:t>att</a:t>
+            </a:r>
+            <a:r>
+              <a:rPr lang="en-US" baseline="0" dirty="0" smtClean="0"/>
+              <a:t> en </a:t>
+            </a:r>
+            <a:r>
+              <a:rPr lang="en-US" baseline="0" dirty="0" err="1" smtClean="0"/>
+              <a:t>viss</a:t>
+            </a:r>
+            <a:r>
+              <a:rPr lang="en-US" baseline="0" dirty="0" smtClean="0"/>
+              <a:t> </a:t>
+            </a:r>
+            <a:r>
+              <a:rPr lang="en-US" baseline="0" dirty="0" err="1" smtClean="0"/>
+              <a:t>tillförlitlighetsnivå</a:t>
+            </a:r>
+            <a:r>
+              <a:rPr lang="en-US" baseline="0" dirty="0" smtClean="0"/>
+              <a:t> </a:t>
+            </a:r>
+            <a:r>
+              <a:rPr lang="en-US" baseline="0" dirty="0" err="1" smtClean="0"/>
+              <a:t>är</a:t>
+            </a:r>
+            <a:r>
+              <a:rPr lang="en-US" baseline="0" dirty="0" smtClean="0"/>
+              <a:t> </a:t>
+            </a:r>
+            <a:r>
+              <a:rPr lang="en-US" baseline="0" dirty="0" err="1" smtClean="0"/>
+              <a:t>uppnådd</a:t>
+            </a:r>
+            <a:r>
+              <a:rPr lang="en-US" baseline="0" dirty="0" smtClean="0"/>
+              <a:t>. </a:t>
+            </a:r>
+          </a:p>
+          <a:p>
+            <a:endParaRPr lang="en-US" baseline="0" dirty="0" smtClean="0"/>
+          </a:p>
+          <a:p>
+            <a:r>
+              <a:rPr lang="en-US" baseline="0" dirty="0" smtClean="0"/>
+              <a:t>I </a:t>
+            </a:r>
+            <a:r>
+              <a:rPr lang="en-US" baseline="0" dirty="0" err="1" smtClean="0"/>
+              <a:t>princip</a:t>
+            </a:r>
+            <a:r>
+              <a:rPr lang="en-US" baseline="0" dirty="0" smtClean="0"/>
+              <a:t> </a:t>
+            </a:r>
+            <a:r>
+              <a:rPr lang="en-US" baseline="0" dirty="0" err="1" smtClean="0"/>
+              <a:t>innebär</a:t>
+            </a:r>
+            <a:r>
+              <a:rPr lang="en-US" baseline="0" dirty="0" smtClean="0"/>
+              <a:t> </a:t>
+            </a:r>
+            <a:r>
+              <a:rPr lang="en-US" baseline="0" dirty="0" err="1" smtClean="0"/>
+              <a:t>det</a:t>
+            </a:r>
+            <a:r>
+              <a:rPr lang="en-US" baseline="0" dirty="0" smtClean="0"/>
+              <a:t> </a:t>
+            </a:r>
+            <a:r>
+              <a:rPr lang="en-US" baseline="0" dirty="0" err="1" smtClean="0"/>
+              <a:t>att</a:t>
+            </a:r>
+            <a:r>
+              <a:rPr lang="en-US" baseline="0" dirty="0" smtClean="0"/>
+              <a:t> </a:t>
+            </a:r>
+            <a:r>
+              <a:rPr lang="en-US" baseline="0" dirty="0" err="1" smtClean="0"/>
+              <a:t>skapa</a:t>
+            </a:r>
+            <a:r>
+              <a:rPr lang="en-US" baseline="0" dirty="0" smtClean="0"/>
+              <a:t> </a:t>
+            </a:r>
+            <a:r>
+              <a:rPr lang="en-US" baseline="0" dirty="0" err="1" smtClean="0"/>
+              <a:t>tillräckligt</a:t>
+            </a:r>
+            <a:r>
+              <a:rPr lang="en-US" baseline="0" dirty="0" smtClean="0"/>
+              <a:t> </a:t>
+            </a:r>
+            <a:r>
+              <a:rPr lang="en-US" baseline="0" dirty="0" err="1" smtClean="0"/>
+              <a:t>många</a:t>
+            </a:r>
+            <a:r>
+              <a:rPr lang="en-US" baseline="0" dirty="0" smtClean="0"/>
+              <a:t> </a:t>
+            </a:r>
+            <a:r>
+              <a:rPr lang="en-US" baseline="0" dirty="0" err="1" smtClean="0"/>
+              <a:t>replikor</a:t>
+            </a:r>
+            <a:r>
+              <a:rPr lang="en-US" baseline="0" dirty="0" smtClean="0"/>
+              <a:t> </a:t>
+            </a:r>
+            <a:r>
+              <a:rPr lang="en-US" baseline="0" dirty="0" err="1" smtClean="0"/>
+              <a:t>så</a:t>
+            </a:r>
+            <a:r>
+              <a:rPr lang="en-US" baseline="0" dirty="0" smtClean="0"/>
+              <a:t> </a:t>
+            </a:r>
+            <a:r>
+              <a:rPr lang="en-US" baseline="0" dirty="0" err="1" smtClean="0"/>
+              <a:t>att</a:t>
+            </a:r>
+            <a:r>
+              <a:rPr lang="en-US" baseline="0" dirty="0" smtClean="0"/>
+              <a:t> </a:t>
+            </a:r>
+            <a:r>
+              <a:rPr lang="en-US" baseline="0" dirty="0" err="1" smtClean="0"/>
+              <a:t>nivån</a:t>
+            </a:r>
+            <a:r>
+              <a:rPr lang="en-US" baseline="0" dirty="0" smtClean="0"/>
+              <a:t> </a:t>
+            </a:r>
+            <a:r>
+              <a:rPr lang="en-US" baseline="0" dirty="0" err="1" smtClean="0"/>
+              <a:t>är</a:t>
+            </a:r>
+            <a:r>
+              <a:rPr lang="en-US" baseline="0" dirty="0" smtClean="0"/>
+              <a:t> </a:t>
+            </a:r>
+            <a:r>
+              <a:rPr lang="en-US" baseline="0" dirty="0" err="1" smtClean="0"/>
+              <a:t>uppfylld</a:t>
+            </a:r>
+            <a:r>
+              <a:rPr lang="en-US" baseline="0" dirty="0" smtClean="0"/>
+              <a:t>.</a:t>
+            </a:r>
+          </a:p>
+          <a:p>
+            <a:endParaRPr lang="en-US" baseline="0" dirty="0" smtClean="0"/>
+          </a:p>
+          <a:p>
+            <a:r>
+              <a:rPr lang="en-US" baseline="0" dirty="0" err="1" smtClean="0"/>
+              <a:t>Och</a:t>
+            </a:r>
+            <a:r>
+              <a:rPr lang="en-US" baseline="0" dirty="0" smtClean="0"/>
+              <a:t> </a:t>
+            </a:r>
+            <a:r>
+              <a:rPr lang="en-US" baseline="0" dirty="0" err="1" smtClean="0"/>
+              <a:t>över</a:t>
+            </a:r>
+            <a:r>
+              <a:rPr lang="en-US" baseline="0" dirty="0" smtClean="0"/>
+              <a:t> </a:t>
+            </a:r>
+            <a:r>
+              <a:rPr lang="en-US" baseline="0" dirty="0" err="1" smtClean="0"/>
+              <a:t>tid</a:t>
+            </a:r>
+            <a:r>
+              <a:rPr lang="en-US" baseline="0" dirty="0" smtClean="0"/>
+              <a:t>, </a:t>
+            </a:r>
+            <a:r>
+              <a:rPr lang="en-US" baseline="0" dirty="0" err="1" smtClean="0"/>
+              <a:t>detektera</a:t>
+            </a:r>
+            <a:r>
+              <a:rPr lang="en-US" baseline="0" dirty="0" smtClean="0"/>
+              <a:t> </a:t>
+            </a:r>
+            <a:r>
+              <a:rPr lang="en-US" baseline="0" dirty="0" err="1" smtClean="0"/>
+              <a:t>när</a:t>
+            </a:r>
+            <a:r>
+              <a:rPr lang="en-US" baseline="0" dirty="0" smtClean="0"/>
+              <a:t> en nod </a:t>
+            </a:r>
+            <a:r>
+              <a:rPr lang="en-US" baseline="0" dirty="0" err="1" smtClean="0"/>
+              <a:t>dör</a:t>
+            </a:r>
+            <a:r>
+              <a:rPr lang="en-US" baseline="0" dirty="0" smtClean="0"/>
+              <a:t>, </a:t>
+            </a:r>
+            <a:r>
+              <a:rPr lang="en-US" baseline="0" dirty="0" err="1" smtClean="0"/>
+              <a:t>och</a:t>
+            </a:r>
+            <a:r>
+              <a:rPr lang="en-US" baseline="0" dirty="0" smtClean="0"/>
+              <a:t> om </a:t>
+            </a:r>
+            <a:r>
+              <a:rPr lang="en-US" baseline="0" dirty="0" err="1" smtClean="0"/>
+              <a:t>flera</a:t>
+            </a:r>
+            <a:r>
+              <a:rPr lang="en-US" baseline="0" dirty="0" smtClean="0"/>
+              <a:t> </a:t>
+            </a:r>
+            <a:r>
+              <a:rPr lang="en-US" baseline="0" dirty="0" err="1" smtClean="0"/>
+              <a:t>replikor</a:t>
+            </a:r>
+            <a:r>
+              <a:rPr lang="en-US" baseline="0" dirty="0" smtClean="0"/>
+              <a:t> </a:t>
+            </a:r>
+            <a:r>
+              <a:rPr lang="en-US" baseline="0" dirty="0" err="1" smtClean="0"/>
+              <a:t>då</a:t>
+            </a:r>
+            <a:r>
+              <a:rPr lang="en-US" baseline="0" dirty="0" smtClean="0"/>
+              <a:t> </a:t>
+            </a:r>
+            <a:r>
+              <a:rPr lang="en-US" baseline="0" dirty="0" err="1" smtClean="0"/>
+              <a:t>måste</a:t>
+            </a:r>
+            <a:r>
+              <a:rPr lang="en-US" baseline="0" dirty="0" smtClean="0"/>
+              <a:t> </a:t>
+            </a:r>
+            <a:r>
+              <a:rPr lang="en-US" baseline="0" dirty="0" err="1" smtClean="0"/>
+              <a:t>skapas</a:t>
+            </a:r>
+            <a:r>
+              <a:rPr lang="en-US" baseline="0" dirty="0" smtClean="0"/>
+              <a:t>, </a:t>
+            </a:r>
+            <a:r>
+              <a:rPr lang="en-US" baseline="0" dirty="0" err="1" smtClean="0"/>
+              <a:t>skapa</a:t>
+            </a:r>
+            <a:r>
+              <a:rPr lang="en-US" baseline="0" dirty="0" smtClean="0"/>
+              <a:t> de</a:t>
+            </a:r>
+          </a:p>
+          <a:p>
+            <a:endParaRPr lang="en-US" baseline="0" dirty="0" smtClean="0"/>
+          </a:p>
+          <a:p>
+            <a:r>
+              <a:rPr lang="en-US" baseline="0" dirty="0" err="1" smtClean="0"/>
+              <a:t>Vidare</a:t>
+            </a:r>
+            <a:r>
+              <a:rPr lang="en-US" baseline="0" dirty="0" smtClean="0"/>
+              <a:t>, </a:t>
+            </a:r>
+            <a:r>
+              <a:rPr lang="en-US" baseline="0" dirty="0" err="1" smtClean="0"/>
+              <a:t>så</a:t>
+            </a:r>
+            <a:r>
+              <a:rPr lang="en-US" baseline="0" dirty="0" smtClean="0"/>
+              <a:t> </a:t>
+            </a:r>
+            <a:r>
+              <a:rPr lang="en-US" baseline="0" dirty="0" err="1" smtClean="0"/>
+              <a:t>vill</a:t>
+            </a:r>
+            <a:r>
+              <a:rPr lang="en-US" baseline="0" dirty="0" smtClean="0"/>
+              <a:t> vi </a:t>
+            </a:r>
+            <a:r>
+              <a:rPr lang="en-US" baseline="0" dirty="0" err="1" smtClean="0"/>
+              <a:t>inte</a:t>
+            </a:r>
+            <a:r>
+              <a:rPr lang="en-US" baseline="0" dirty="0" smtClean="0"/>
+              <a:t> </a:t>
+            </a:r>
+            <a:r>
+              <a:rPr lang="en-US" baseline="0" dirty="0" err="1" smtClean="0"/>
+              <a:t>skapa</a:t>
+            </a:r>
+            <a:r>
+              <a:rPr lang="en-US" baseline="0" dirty="0" smtClean="0"/>
+              <a:t> </a:t>
+            </a:r>
+            <a:r>
+              <a:rPr lang="en-US" baseline="0" dirty="0" err="1" smtClean="0"/>
+              <a:t>fler</a:t>
+            </a:r>
+            <a:r>
+              <a:rPr lang="en-US" baseline="0" dirty="0" smtClean="0"/>
+              <a:t> </a:t>
+            </a:r>
+            <a:r>
+              <a:rPr lang="en-US" baseline="0" dirty="0" err="1" smtClean="0"/>
+              <a:t>replikor</a:t>
+            </a:r>
+            <a:r>
+              <a:rPr lang="en-US" baseline="0" dirty="0" smtClean="0"/>
+              <a:t> </a:t>
+            </a:r>
+            <a:r>
+              <a:rPr lang="en-US" baseline="0" dirty="0" err="1" smtClean="0"/>
+              <a:t>än</a:t>
+            </a:r>
+            <a:r>
+              <a:rPr lang="en-US" baseline="0" dirty="0" smtClean="0"/>
+              <a:t> </a:t>
+            </a:r>
+            <a:r>
+              <a:rPr lang="en-US" baseline="0" dirty="0" err="1" smtClean="0"/>
+              <a:t>nödvändigt</a:t>
+            </a:r>
+            <a:r>
+              <a:rPr lang="en-US" baseline="0" dirty="0" smtClean="0"/>
+              <a:t>, </a:t>
+            </a:r>
+            <a:r>
+              <a:rPr lang="en-US" baseline="0" dirty="0" err="1" smtClean="0"/>
+              <a:t>för</a:t>
+            </a:r>
+            <a:r>
+              <a:rPr lang="en-US" baseline="0" dirty="0" smtClean="0"/>
+              <a:t> </a:t>
+            </a:r>
+            <a:r>
+              <a:rPr lang="en-US" baseline="0" dirty="0" err="1" smtClean="0"/>
+              <a:t>att</a:t>
+            </a:r>
+            <a:r>
+              <a:rPr lang="en-US" baseline="0" dirty="0" smtClean="0"/>
+              <a:t> </a:t>
+            </a:r>
+            <a:r>
+              <a:rPr lang="en-US" baseline="0" dirty="0" err="1" smtClean="0"/>
+              <a:t>inte</a:t>
+            </a:r>
+            <a:r>
+              <a:rPr lang="en-US" baseline="0" dirty="0" smtClean="0"/>
+              <a:t> </a:t>
+            </a:r>
+            <a:r>
+              <a:rPr lang="en-US" baseline="0" dirty="0" err="1" smtClean="0"/>
+              <a:t>använda</a:t>
+            </a:r>
+            <a:r>
+              <a:rPr lang="en-US" baseline="0" dirty="0" smtClean="0"/>
+              <a:t> </a:t>
+            </a:r>
+            <a:r>
+              <a:rPr lang="en-US" baseline="0" dirty="0" err="1" smtClean="0"/>
+              <a:t>fler</a:t>
+            </a:r>
+            <a:r>
+              <a:rPr lang="en-US" baseline="0" dirty="0" smtClean="0"/>
+              <a:t> </a:t>
+            </a:r>
+            <a:r>
+              <a:rPr lang="en-US" baseline="0" dirty="0" err="1" smtClean="0"/>
+              <a:t>resurser</a:t>
+            </a:r>
+            <a:r>
+              <a:rPr lang="en-US" baseline="0" dirty="0" smtClean="0"/>
+              <a:t> </a:t>
+            </a:r>
+            <a:r>
+              <a:rPr lang="en-US" baseline="0" dirty="0" err="1" smtClean="0"/>
+              <a:t>än</a:t>
+            </a:r>
+            <a:r>
+              <a:rPr lang="en-US" baseline="0" dirty="0" smtClean="0"/>
+              <a:t> </a:t>
+            </a:r>
+            <a:r>
+              <a:rPr lang="en-US" baseline="0" dirty="0" err="1" smtClean="0"/>
+              <a:t>nödvändigt</a:t>
+            </a:r>
+            <a:r>
+              <a:rPr lang="en-US" baseline="0" dirty="0" smtClean="0"/>
+              <a:t>, </a:t>
+            </a:r>
+            <a:r>
+              <a:rPr lang="en-US" baseline="0" dirty="0" err="1" smtClean="0"/>
+              <a:t>därför</a:t>
+            </a:r>
+            <a:r>
+              <a:rPr lang="en-US" baseline="0" dirty="0" smtClean="0"/>
+              <a:t> </a:t>
+            </a:r>
+            <a:r>
+              <a:rPr lang="en-US" baseline="0" dirty="0" err="1" smtClean="0"/>
+              <a:t>kommer</a:t>
+            </a:r>
+            <a:r>
+              <a:rPr lang="en-US" baseline="0" dirty="0" smtClean="0"/>
+              <a:t> vi visa </a:t>
+            </a:r>
+            <a:r>
+              <a:rPr lang="en-US" baseline="0" dirty="0" err="1" smtClean="0"/>
+              <a:t>att</a:t>
+            </a:r>
+            <a:r>
+              <a:rPr lang="en-US" baseline="0" dirty="0" smtClean="0"/>
+              <a:t> </a:t>
+            </a:r>
+          </a:p>
+          <a:p>
+            <a:pPr marL="171450" indent="-171450">
+              <a:buFontTx/>
+              <a:buChar char="-"/>
+            </a:pPr>
+            <a:r>
+              <a:rPr lang="en-US" baseline="0" dirty="0" smtClean="0"/>
+              <a:t>de </a:t>
+            </a:r>
+            <a:r>
+              <a:rPr lang="en-US" baseline="0" dirty="0" err="1" smtClean="0"/>
+              <a:t>mest</a:t>
+            </a:r>
+            <a:r>
+              <a:rPr lang="en-US" baseline="0" dirty="0" smtClean="0"/>
+              <a:t> </a:t>
+            </a:r>
+            <a:r>
+              <a:rPr lang="en-US" baseline="0" dirty="0" err="1" smtClean="0"/>
+              <a:t>tillförlitliga</a:t>
+            </a:r>
+            <a:r>
+              <a:rPr lang="en-US" baseline="0" dirty="0" smtClean="0"/>
+              <a:t> </a:t>
+            </a:r>
+            <a:r>
+              <a:rPr lang="en-US" baseline="0" dirty="0" err="1" smtClean="0"/>
+              <a:t>noderna</a:t>
+            </a:r>
+            <a:r>
+              <a:rPr lang="en-US" baseline="0" dirty="0" smtClean="0"/>
+              <a:t> </a:t>
+            </a:r>
+            <a:r>
+              <a:rPr lang="en-US" baseline="0" dirty="0" err="1" smtClean="0"/>
+              <a:t>väljst</a:t>
+            </a:r>
+            <a:r>
+              <a:rPr lang="en-US" baseline="0" dirty="0" smtClean="0"/>
+              <a:t> </a:t>
+            </a:r>
+            <a:r>
+              <a:rPr lang="en-US" baseline="0" dirty="0" err="1" smtClean="0"/>
+              <a:t>först</a:t>
+            </a:r>
+            <a:endParaRPr lang="en-US" baseline="0" dirty="0" smtClean="0"/>
+          </a:p>
+          <a:p>
+            <a:pPr marL="171450" indent="-171450">
+              <a:buFontTx/>
+              <a:buChar char="-"/>
+            </a:pPr>
+            <a:r>
+              <a:rPr lang="en-US" baseline="0" dirty="0" err="1" smtClean="0"/>
+              <a:t>Systemet</a:t>
+            </a:r>
+            <a:r>
+              <a:rPr lang="en-US" baseline="0" dirty="0" smtClean="0"/>
+              <a:t> </a:t>
+            </a:r>
+            <a:r>
+              <a:rPr lang="en-US" baseline="0" dirty="0" err="1" smtClean="0"/>
+              <a:t>övervakas</a:t>
+            </a:r>
+            <a:r>
+              <a:rPr lang="en-US" baseline="0" dirty="0" smtClean="0"/>
+              <a:t> under </a:t>
+            </a:r>
+            <a:r>
+              <a:rPr lang="en-US" baseline="0" dirty="0" err="1" smtClean="0"/>
+              <a:t>tid</a:t>
+            </a:r>
+            <a:r>
+              <a:rPr lang="en-US" baseline="0" dirty="0" smtClean="0"/>
+              <a:t> </a:t>
+            </a:r>
+            <a:r>
+              <a:rPr lang="en-US" baseline="0" dirty="0" err="1" smtClean="0"/>
+              <a:t>och</a:t>
+            </a:r>
+            <a:r>
+              <a:rPr lang="en-US" baseline="0" dirty="0" smtClean="0"/>
+              <a:t> </a:t>
+            </a:r>
+            <a:r>
+              <a:rPr lang="en-US" baseline="0" dirty="0" err="1" smtClean="0"/>
+              <a:t>att</a:t>
+            </a:r>
+            <a:r>
+              <a:rPr lang="en-US" baseline="0" dirty="0" smtClean="0"/>
+              <a:t> </a:t>
+            </a:r>
+            <a:r>
+              <a:rPr lang="en-US" baseline="0" dirty="0" err="1" smtClean="0"/>
+              <a:t>replikor</a:t>
+            </a:r>
+            <a:r>
+              <a:rPr lang="en-US" baseline="0" dirty="0" smtClean="0"/>
+              <a:t> </a:t>
+            </a:r>
+            <a:r>
+              <a:rPr lang="en-US" baseline="0" dirty="0" err="1" smtClean="0"/>
+              <a:t>dynamiskt</a:t>
+            </a:r>
+            <a:r>
+              <a:rPr lang="en-US" baseline="0" dirty="0" smtClean="0"/>
+              <a:t> </a:t>
+            </a:r>
+            <a:r>
+              <a:rPr lang="en-US" baseline="0" dirty="0" err="1" smtClean="0"/>
+              <a:t>flyttas</a:t>
+            </a:r>
+            <a:r>
+              <a:rPr lang="en-US" baseline="0" dirty="0" smtClean="0"/>
+              <a:t> till </a:t>
+            </a:r>
+            <a:r>
+              <a:rPr lang="en-US" baseline="0" dirty="0" err="1" smtClean="0"/>
+              <a:t>mer</a:t>
+            </a:r>
+            <a:r>
+              <a:rPr lang="en-US" baseline="0" dirty="0" smtClean="0"/>
+              <a:t> </a:t>
+            </a:r>
+            <a:r>
+              <a:rPr lang="en-US" baseline="0" dirty="0" err="1" smtClean="0"/>
+              <a:t>tillförlitliga</a:t>
+            </a:r>
+            <a:r>
+              <a:rPr lang="en-US" baseline="0" dirty="0" smtClean="0"/>
+              <a:t> </a:t>
+            </a:r>
+            <a:r>
+              <a:rPr lang="en-US" baseline="0" dirty="0" err="1" smtClean="0"/>
+              <a:t>noder</a:t>
+            </a:r>
+            <a:r>
+              <a:rPr lang="en-US" baseline="0" dirty="0" smtClean="0"/>
+              <a:t> </a:t>
+            </a:r>
+            <a:r>
+              <a:rPr lang="en-US" baseline="0" dirty="0" err="1" smtClean="0"/>
+              <a:t>och</a:t>
+            </a:r>
+            <a:r>
+              <a:rPr lang="en-US" baseline="0" dirty="0" smtClean="0"/>
+              <a:t> </a:t>
+            </a:r>
+            <a:r>
+              <a:rPr lang="en-US" baseline="0" dirty="0" err="1" smtClean="0"/>
+              <a:t>överflödiga</a:t>
+            </a:r>
+            <a:r>
+              <a:rPr lang="en-US" baseline="0" dirty="0" smtClean="0"/>
+              <a:t> </a:t>
+            </a:r>
+            <a:r>
+              <a:rPr lang="en-US" baseline="0" dirty="0" err="1" smtClean="0"/>
+              <a:t>replikor</a:t>
+            </a:r>
+            <a:r>
+              <a:rPr lang="en-US" baseline="0" dirty="0" smtClean="0"/>
+              <a:t> </a:t>
+            </a:r>
+            <a:r>
+              <a:rPr lang="en-US" baseline="0" dirty="0" err="1" smtClean="0"/>
+              <a:t>tas</a:t>
+            </a:r>
+            <a:r>
+              <a:rPr lang="en-US" baseline="0" dirty="0" smtClean="0"/>
+              <a:t> </a:t>
+            </a:r>
+            <a:r>
+              <a:rPr lang="en-US" baseline="0" dirty="0" err="1" smtClean="0"/>
+              <a:t>bort</a:t>
+            </a:r>
+            <a:endParaRPr lang="en-US" baseline="0" dirty="0" smtClean="0"/>
+          </a:p>
+          <a:p>
+            <a:pPr marL="171450" indent="-171450">
+              <a:buFontTx/>
+              <a:buChar char="-"/>
+            </a:pPr>
+            <a:endParaRPr lang="en-US" baseline="0" dirty="0" smtClean="0"/>
+          </a:p>
+          <a:p>
+            <a:pPr marL="0" indent="0">
+              <a:buFontTx/>
+              <a:buNone/>
+            </a:pPr>
+            <a:r>
+              <a:rPr lang="en-US" baseline="0" dirty="0" err="1" smtClean="0"/>
+              <a:t>Vidare</a:t>
+            </a:r>
+            <a:r>
+              <a:rPr lang="en-US" baseline="0" dirty="0" smtClean="0"/>
+              <a:t> </a:t>
+            </a:r>
+            <a:r>
+              <a:rPr lang="en-US" baseline="0" dirty="0" err="1" smtClean="0"/>
+              <a:t>så</a:t>
+            </a:r>
+            <a:r>
+              <a:rPr lang="en-US" baseline="0" dirty="0" smtClean="0"/>
+              <a:t> </a:t>
+            </a:r>
+            <a:r>
+              <a:rPr lang="en-US" baseline="0" dirty="0" err="1" smtClean="0"/>
+              <a:t>lagrar</a:t>
+            </a:r>
+            <a:r>
+              <a:rPr lang="en-US" baseline="0" dirty="0" smtClean="0"/>
+              <a:t> vi </a:t>
+            </a:r>
+            <a:r>
+              <a:rPr lang="en-US" baseline="0" dirty="0" err="1" smtClean="0"/>
+              <a:t>tiderna</a:t>
+            </a:r>
+            <a:r>
+              <a:rPr lang="en-US" baseline="0" dirty="0" smtClean="0"/>
+              <a:t> </a:t>
+            </a:r>
+            <a:r>
+              <a:rPr lang="en-US" baseline="0" dirty="0" err="1" smtClean="0"/>
+              <a:t>för</a:t>
+            </a:r>
+            <a:r>
+              <a:rPr lang="en-US" baseline="0" dirty="0" smtClean="0"/>
+              <a:t> </a:t>
+            </a:r>
+            <a:r>
+              <a:rPr lang="en-US" baseline="0" dirty="0" err="1" smtClean="0"/>
+              <a:t>när</a:t>
+            </a:r>
+            <a:r>
+              <a:rPr lang="en-US" baseline="0" dirty="0" smtClean="0"/>
+              <a:t> en nod </a:t>
+            </a:r>
+            <a:r>
+              <a:rPr lang="en-US" baseline="0" dirty="0" err="1" smtClean="0"/>
+              <a:t>dör</a:t>
+            </a:r>
+            <a:r>
+              <a:rPr lang="en-US" baseline="0" dirty="0" smtClean="0"/>
+              <a:t>, </a:t>
+            </a:r>
+            <a:r>
+              <a:rPr lang="en-US" baseline="0" dirty="0" err="1" smtClean="0"/>
+              <a:t>så</a:t>
+            </a:r>
+            <a:r>
+              <a:rPr lang="en-US" baseline="0" dirty="0" smtClean="0"/>
+              <a:t> </a:t>
+            </a:r>
+            <a:r>
+              <a:rPr lang="en-US" baseline="0" dirty="0" err="1" smtClean="0"/>
+              <a:t>att</a:t>
+            </a:r>
+            <a:r>
+              <a:rPr lang="en-US" baseline="0" dirty="0" smtClean="0"/>
+              <a:t> vi </a:t>
+            </a:r>
+            <a:r>
+              <a:rPr lang="en-US" baseline="0" dirty="0" err="1" smtClean="0"/>
+              <a:t>kan</a:t>
+            </a:r>
+            <a:r>
+              <a:rPr lang="en-US" baseline="0" dirty="0" smtClean="0"/>
+              <a:t> </a:t>
+            </a:r>
+            <a:r>
+              <a:rPr lang="en-US" baseline="0" dirty="0" err="1" smtClean="0"/>
+              <a:t>anpassa</a:t>
+            </a:r>
+            <a:r>
+              <a:rPr lang="en-US" baseline="0" dirty="0" smtClean="0"/>
+              <a:t> </a:t>
+            </a:r>
+            <a:r>
+              <a:rPr lang="en-US" baseline="0" dirty="0" err="1" smtClean="0"/>
+              <a:t>dess</a:t>
+            </a:r>
+            <a:r>
+              <a:rPr lang="en-US" baseline="0" dirty="0" smtClean="0"/>
+              <a:t> MTBF </a:t>
+            </a:r>
+            <a:r>
+              <a:rPr lang="en-US" baseline="0" dirty="0" err="1" smtClean="0"/>
+              <a:t>och</a:t>
+            </a:r>
+            <a:r>
+              <a:rPr lang="en-US" baseline="0" dirty="0" smtClean="0"/>
+              <a:t> </a:t>
+            </a:r>
+            <a:r>
+              <a:rPr lang="en-US" baseline="0" dirty="0" err="1" smtClean="0"/>
+              <a:t>därmed</a:t>
+            </a:r>
+            <a:r>
+              <a:rPr lang="en-US" baseline="0" dirty="0" smtClean="0"/>
+              <a:t> </a:t>
+            </a:r>
+            <a:r>
+              <a:rPr lang="en-US" baseline="0" dirty="0" err="1" smtClean="0"/>
+              <a:t>dess</a:t>
+            </a:r>
+            <a:r>
+              <a:rPr lang="en-US" baseline="0" dirty="0" smtClean="0"/>
+              <a:t> </a:t>
+            </a:r>
+            <a:r>
+              <a:rPr lang="en-US" baseline="0" dirty="0" err="1" smtClean="0"/>
+              <a:t>tillförlitlighet</a:t>
+            </a:r>
+            <a:r>
+              <a:rPr lang="en-US" baseline="0" dirty="0" smtClean="0"/>
+              <a:t>.</a:t>
+            </a:r>
+          </a:p>
+        </p:txBody>
+      </p:sp>
+      <p:sp>
+        <p:nvSpPr>
+          <p:cNvPr id="4" name="Slide Number Placeholder 3"/>
+          <p:cNvSpPr>
+            <a:spLocks noGrp="1"/>
+          </p:cNvSpPr>
+          <p:nvPr>
+            <p:ph type="sldNum" sz="quarter" idx="10"/>
+          </p:nvPr>
+        </p:nvSpPr>
+        <p:spPr/>
+        <p:txBody>
+          <a:bodyPr/>
+          <a:lstStyle/>
+          <a:p>
+            <a:fld id="{100650DF-8CBF-0341-B1F9-47D0C0CD302F}" type="slidenum">
+              <a:rPr lang="en-US" smtClean="0"/>
+              <a:t>16</a:t>
+            </a:fld>
+            <a:endParaRPr lang="en-US"/>
+          </a:p>
+        </p:txBody>
+      </p:sp>
+    </p:spTree>
+    <p:extLst>
+      <p:ext uri="{BB962C8B-B14F-4D97-AF65-F5344CB8AC3E}">
+        <p14:creationId xmlns:p14="http://schemas.microsoft.com/office/powerpoint/2010/main" val="161798868"/>
+      </p:ext>
+    </p:extLst>
+  </p:cSld>
+  <p:clrMapOvr>
+    <a:masterClrMapping/>
+  </p:clrMapOvr>
+</p:notes>
+</file>
+
+<file path=ppt/notesSlides/notesSlide13.xml><?xml version="1.0" encoding="utf-8"?>
+<p:notes xmlns:a="http://schemas.openxmlformats.org/drawingml/2006/main" xmlns:r="http://schemas.openxmlformats.org/officeDocument/2006/relationships" xmlns:p="http://schemas.openxmlformats.org/presentationml/2006/main">
+  <p:cSld>
+    <p:spTree>
+      <p:nvGrpSpPr>
+        <p:cNvPr id="1" name=""/>
+        <p:cNvGrpSpPr/>
+        <p:nvPr/>
+      </p:nvGrpSpPr>
+      <p:grpSpPr>
+        <a:xfrm>
+          <a:off x="0" y="0"/>
+          <a:ext cx="0" cy="0"/>
+          <a:chOff x="0" y="0"/>
+          <a:chExt cx="0" cy="0"/>
+        </a:xfrm>
+      </p:grpSpPr>
+      <p:sp>
+        <p:nvSpPr>
+          <p:cNvPr id="2" name="Slide Image Placeholder 1"/>
+          <p:cNvSpPr>
+            <a:spLocks noGrp="1" noRot="1" noChangeAspect="1"/>
+          </p:cNvSpPr>
+          <p:nvPr>
+            <p:ph type="sldImg"/>
+          </p:nvPr>
+        </p:nvSpPr>
+        <p:spPr/>
+      </p:sp>
+      <p:sp>
+        <p:nvSpPr>
+          <p:cNvPr id="3" name="Notes Placeholder 2"/>
+          <p:cNvSpPr>
+            <a:spLocks noGrp="1"/>
+          </p:cNvSpPr>
+          <p:nvPr>
+            <p:ph type="body" idx="1"/>
+          </p:nvPr>
+        </p:nvSpPr>
+        <p:spPr/>
+        <p:txBody>
+          <a:bodyPr/>
+          <a:lstStyle/>
+          <a:p>
+            <a:r>
+              <a:rPr lang="en-US" dirty="0" err="1" smtClean="0"/>
+              <a:t>För</a:t>
+            </a:r>
+            <a:r>
+              <a:rPr lang="en-US" dirty="0" smtClean="0"/>
+              <a:t> </a:t>
+            </a:r>
+            <a:r>
+              <a:rPr lang="en-US" dirty="0" err="1" smtClean="0"/>
+              <a:t>att</a:t>
+            </a:r>
+            <a:r>
+              <a:rPr lang="en-US" dirty="0" smtClean="0"/>
+              <a:t> </a:t>
+            </a:r>
+            <a:r>
+              <a:rPr lang="en-US" dirty="0" err="1" smtClean="0"/>
+              <a:t>tillgodose</a:t>
+            </a:r>
+            <a:r>
+              <a:rPr lang="en-US" baseline="0" dirty="0" smtClean="0"/>
+              <a:t> en </a:t>
+            </a:r>
+            <a:r>
+              <a:rPr lang="en-US" baseline="0" dirty="0" err="1" smtClean="0"/>
+              <a:t>tillförlitlighet</a:t>
+            </a:r>
+            <a:r>
+              <a:rPr lang="en-US" baseline="0" dirty="0" smtClean="0"/>
+              <a:t> lambda </a:t>
+            </a:r>
+            <a:r>
+              <a:rPr lang="en-US" baseline="0" dirty="0" err="1" smtClean="0"/>
+              <a:t>för</a:t>
+            </a:r>
+            <a:r>
+              <a:rPr lang="en-US" baseline="0" dirty="0" smtClean="0"/>
+              <a:t> en </a:t>
+            </a:r>
+            <a:r>
+              <a:rPr lang="en-US" baseline="0" dirty="0" err="1" smtClean="0"/>
+              <a:t>applikation</a:t>
+            </a:r>
+            <a:r>
+              <a:rPr lang="en-US" baseline="0" dirty="0" smtClean="0"/>
+              <a:t>:</a:t>
+            </a:r>
+          </a:p>
+          <a:p>
+            <a:endParaRPr lang="en-US" baseline="0" dirty="0" smtClean="0"/>
+          </a:p>
+          <a:p>
+            <a:r>
+              <a:rPr lang="en-US" baseline="0" dirty="0" err="1" smtClean="0"/>
+              <a:t>Hitta</a:t>
+            </a:r>
+            <a:r>
+              <a:rPr lang="en-US" baseline="0" dirty="0" smtClean="0"/>
+              <a:t> </a:t>
+            </a:r>
+            <a:r>
+              <a:rPr lang="en-US" baseline="0" dirty="0" err="1" smtClean="0"/>
+              <a:t>alla</a:t>
+            </a:r>
+            <a:r>
+              <a:rPr lang="en-US" baseline="0" dirty="0" smtClean="0"/>
+              <a:t> </a:t>
+            </a:r>
+            <a:r>
+              <a:rPr lang="en-US" baseline="0" dirty="0" err="1" smtClean="0"/>
+              <a:t>noder</a:t>
+            </a:r>
+            <a:r>
+              <a:rPr lang="en-US" baseline="0" dirty="0" smtClean="0"/>
+              <a:t> </a:t>
+            </a:r>
+            <a:r>
+              <a:rPr lang="en-US" baseline="0" dirty="0" err="1" smtClean="0"/>
+              <a:t>som</a:t>
+            </a:r>
+            <a:r>
+              <a:rPr lang="en-US" baseline="0" dirty="0" smtClean="0"/>
+              <a:t> </a:t>
+            </a:r>
+            <a:r>
+              <a:rPr lang="en-US" baseline="0" dirty="0" err="1" smtClean="0"/>
+              <a:t>inte</a:t>
+            </a:r>
+            <a:r>
+              <a:rPr lang="en-US" baseline="0" dirty="0" smtClean="0"/>
+              <a:t> </a:t>
+            </a:r>
+            <a:r>
+              <a:rPr lang="en-US" baseline="0" dirty="0" err="1" smtClean="0"/>
+              <a:t>har</a:t>
+            </a:r>
+            <a:r>
+              <a:rPr lang="en-US" baseline="0" dirty="0" smtClean="0"/>
+              <a:t> en </a:t>
+            </a:r>
+            <a:r>
+              <a:rPr lang="en-US" baseline="0" dirty="0" err="1" smtClean="0"/>
+              <a:t>replika</a:t>
+            </a:r>
+            <a:r>
+              <a:rPr lang="en-US" baseline="0" dirty="0" smtClean="0"/>
+              <a:t>. </a:t>
+            </a:r>
+            <a:r>
+              <a:rPr lang="en-US" baseline="0" dirty="0" err="1" smtClean="0"/>
+              <a:t>Eftersom</a:t>
+            </a:r>
+            <a:r>
+              <a:rPr lang="en-US" baseline="0" dirty="0" smtClean="0"/>
+              <a:t> </a:t>
+            </a:r>
+            <a:r>
+              <a:rPr lang="en-US" baseline="0" dirty="0" err="1" smtClean="0"/>
+              <a:t>tillförlitligheten</a:t>
+            </a:r>
+            <a:r>
+              <a:rPr lang="en-US" baseline="0" dirty="0" smtClean="0"/>
+              <a:t> </a:t>
+            </a:r>
+            <a:r>
+              <a:rPr lang="en-US" baseline="0" dirty="0" err="1" smtClean="0"/>
+              <a:t>för</a:t>
+            </a:r>
+            <a:r>
+              <a:rPr lang="en-US" baseline="0" dirty="0" smtClean="0"/>
+              <a:t> en </a:t>
+            </a:r>
+            <a:r>
+              <a:rPr lang="en-US" baseline="0" dirty="0" err="1" smtClean="0"/>
+              <a:t>applikation</a:t>
+            </a:r>
+            <a:r>
+              <a:rPr lang="en-US" baseline="0" dirty="0" smtClean="0"/>
+              <a:t> </a:t>
+            </a:r>
+            <a:r>
+              <a:rPr lang="en-US" baseline="0" dirty="0" err="1" smtClean="0"/>
+              <a:t>enbart</a:t>
+            </a:r>
+            <a:r>
+              <a:rPr lang="en-US" baseline="0" dirty="0" smtClean="0"/>
+              <a:t> </a:t>
+            </a:r>
+            <a:r>
+              <a:rPr lang="en-US" baseline="0" dirty="0" err="1" smtClean="0"/>
+              <a:t>beror</a:t>
+            </a:r>
+            <a:r>
+              <a:rPr lang="en-US" baseline="0" dirty="0" smtClean="0"/>
+              <a:t> </a:t>
+            </a:r>
+            <a:r>
+              <a:rPr lang="en-US" baseline="0" dirty="0" err="1" smtClean="0"/>
+              <a:t>på</a:t>
+            </a:r>
+            <a:r>
+              <a:rPr lang="en-US" baseline="0" dirty="0" smtClean="0"/>
+              <a:t> </a:t>
+            </a:r>
+            <a:r>
+              <a:rPr lang="en-US" baseline="0" dirty="0" err="1" smtClean="0"/>
+              <a:t>vilka</a:t>
+            </a:r>
+            <a:r>
+              <a:rPr lang="en-US" baseline="0" dirty="0" smtClean="0"/>
+              <a:t> </a:t>
+            </a:r>
+            <a:r>
+              <a:rPr lang="en-US" baseline="0" dirty="0" err="1" smtClean="0"/>
+              <a:t>noder</a:t>
+            </a:r>
+            <a:r>
+              <a:rPr lang="en-US" baseline="0" dirty="0" smtClean="0"/>
+              <a:t> </a:t>
+            </a:r>
+            <a:r>
+              <a:rPr lang="en-US" baseline="0" dirty="0" err="1" smtClean="0"/>
+              <a:t>som</a:t>
+            </a:r>
+            <a:r>
+              <a:rPr lang="en-US" baseline="0" dirty="0" smtClean="0"/>
+              <a:t> </a:t>
+            </a:r>
+            <a:r>
+              <a:rPr lang="en-US" baseline="0" dirty="0" err="1" smtClean="0"/>
+              <a:t>replikor</a:t>
+            </a:r>
+            <a:r>
+              <a:rPr lang="en-US" baseline="0" dirty="0" smtClean="0"/>
+              <a:t> </a:t>
+            </a:r>
+            <a:r>
+              <a:rPr lang="en-US" baseline="0" dirty="0" err="1" smtClean="0"/>
+              <a:t>körs</a:t>
+            </a:r>
+            <a:r>
+              <a:rPr lang="en-US" baseline="0" dirty="0" smtClean="0"/>
+              <a:t> </a:t>
+            </a:r>
+            <a:r>
+              <a:rPr lang="en-US" baseline="0" dirty="0" err="1" smtClean="0"/>
+              <a:t>på</a:t>
+            </a:r>
+            <a:r>
+              <a:rPr lang="en-US" baseline="0" dirty="0" smtClean="0"/>
+              <a:t>, </a:t>
+            </a:r>
+            <a:r>
+              <a:rPr lang="en-US" baseline="0" dirty="0" err="1" smtClean="0"/>
+              <a:t>inte</a:t>
+            </a:r>
+            <a:r>
+              <a:rPr lang="en-US" baseline="0" dirty="0" smtClean="0"/>
+              <a:t> </a:t>
+            </a:r>
+            <a:r>
+              <a:rPr lang="en-US" baseline="0" dirty="0" err="1" smtClean="0"/>
+              <a:t>hur</a:t>
+            </a:r>
+            <a:r>
+              <a:rPr lang="en-US" baseline="0" dirty="0" smtClean="0"/>
+              <a:t> </a:t>
+            </a:r>
+            <a:r>
+              <a:rPr lang="en-US" baseline="0" dirty="0" err="1" smtClean="0"/>
+              <a:t>många</a:t>
+            </a:r>
+            <a:r>
+              <a:rPr lang="en-US" baseline="0" dirty="0" smtClean="0"/>
+              <a:t> </a:t>
+            </a:r>
+            <a:r>
+              <a:rPr lang="en-US" baseline="0" dirty="0" err="1" smtClean="0"/>
+              <a:t>replikor</a:t>
+            </a:r>
+            <a:r>
+              <a:rPr lang="en-US" baseline="0" dirty="0" smtClean="0"/>
+              <a:t>, </a:t>
+            </a:r>
+            <a:r>
+              <a:rPr lang="en-US" baseline="0" dirty="0" err="1" smtClean="0"/>
+              <a:t>så</a:t>
+            </a:r>
+            <a:r>
+              <a:rPr lang="en-US" baseline="0" dirty="0" smtClean="0"/>
+              <a:t> </a:t>
+            </a:r>
+            <a:r>
+              <a:rPr lang="en-US" baseline="0" dirty="0" err="1" smtClean="0"/>
+              <a:t>måste</a:t>
+            </a:r>
+            <a:r>
+              <a:rPr lang="en-US" baseline="0" dirty="0" smtClean="0"/>
+              <a:t> vi </a:t>
+            </a:r>
+            <a:r>
+              <a:rPr lang="en-US" baseline="0" dirty="0" err="1" smtClean="0"/>
+              <a:t>hitta</a:t>
+            </a:r>
+            <a:r>
+              <a:rPr lang="en-US" baseline="0" dirty="0" smtClean="0"/>
+              <a:t> </a:t>
+            </a:r>
+            <a:r>
+              <a:rPr lang="en-US" baseline="0" dirty="0" err="1" smtClean="0"/>
+              <a:t>noder</a:t>
+            </a:r>
+            <a:r>
+              <a:rPr lang="en-US" baseline="0" dirty="0" smtClean="0"/>
+              <a:t> </a:t>
+            </a:r>
+            <a:r>
+              <a:rPr lang="en-US" baseline="0" dirty="0" err="1" smtClean="0"/>
+              <a:t>som</a:t>
+            </a:r>
+            <a:r>
+              <a:rPr lang="en-US" baseline="0" dirty="0" smtClean="0"/>
+              <a:t> </a:t>
+            </a:r>
+            <a:r>
+              <a:rPr lang="en-US" baseline="0" dirty="0" err="1" smtClean="0"/>
+              <a:t>inte</a:t>
+            </a:r>
+            <a:r>
+              <a:rPr lang="en-US" baseline="0" dirty="0" smtClean="0"/>
+              <a:t> </a:t>
+            </a:r>
+            <a:r>
+              <a:rPr lang="en-US" baseline="0" dirty="0" err="1" smtClean="0"/>
+              <a:t>har</a:t>
+            </a:r>
+            <a:r>
+              <a:rPr lang="en-US" baseline="0" dirty="0" smtClean="0"/>
+              <a:t> en </a:t>
+            </a:r>
+            <a:r>
+              <a:rPr lang="en-US" baseline="0" dirty="0" err="1" smtClean="0"/>
+              <a:t>replika</a:t>
+            </a:r>
+            <a:r>
+              <a:rPr lang="en-US" baseline="0" dirty="0" smtClean="0"/>
+              <a:t> I </a:t>
+            </a:r>
+            <a:r>
+              <a:rPr lang="en-US" baseline="0" dirty="0" err="1" smtClean="0"/>
+              <a:t>dagsläget</a:t>
+            </a:r>
+            <a:r>
+              <a:rPr lang="en-US" baseline="0" dirty="0" smtClean="0"/>
+              <a:t>.</a:t>
+            </a:r>
+          </a:p>
+          <a:p>
+            <a:endParaRPr lang="en-US" baseline="0" dirty="0" smtClean="0"/>
+          </a:p>
+          <a:p>
+            <a:r>
+              <a:rPr lang="en-US" baseline="0" dirty="0" err="1" smtClean="0"/>
+              <a:t>Så</a:t>
+            </a:r>
+            <a:r>
+              <a:rPr lang="en-US" baseline="0" dirty="0" smtClean="0"/>
+              <a:t> </a:t>
+            </a:r>
+            <a:r>
+              <a:rPr lang="en-US" baseline="0" dirty="0" err="1" smtClean="0"/>
+              <a:t>länge</a:t>
+            </a:r>
+            <a:r>
+              <a:rPr lang="en-US" baseline="0" dirty="0" smtClean="0"/>
+              <a:t> den </a:t>
+            </a:r>
+            <a:r>
+              <a:rPr lang="en-US" baseline="0" dirty="0" err="1" smtClean="0"/>
+              <a:t>nuvarande</a:t>
+            </a:r>
+            <a:r>
+              <a:rPr lang="en-US" baseline="0" dirty="0" smtClean="0"/>
+              <a:t> </a:t>
+            </a:r>
+            <a:r>
+              <a:rPr lang="en-US" baseline="0" dirty="0" err="1" smtClean="0"/>
+              <a:t>tillförlitlighetsnivån</a:t>
+            </a:r>
+            <a:r>
+              <a:rPr lang="en-US" baseline="0" dirty="0" smtClean="0"/>
+              <a:t> </a:t>
+            </a:r>
+            <a:r>
+              <a:rPr lang="en-US" baseline="0" dirty="0" err="1" smtClean="0"/>
+              <a:t>är</a:t>
+            </a:r>
+            <a:r>
+              <a:rPr lang="en-US" baseline="0" dirty="0" smtClean="0"/>
+              <a:t> under den vi </a:t>
+            </a:r>
+            <a:r>
+              <a:rPr lang="en-US" baseline="0" dirty="0" err="1" smtClean="0"/>
+              <a:t>önskar</a:t>
+            </a:r>
+            <a:r>
+              <a:rPr lang="en-US" baseline="0" dirty="0" smtClean="0"/>
+              <a:t>, </a:t>
+            </a:r>
+            <a:r>
+              <a:rPr lang="en-US" baseline="0" dirty="0" err="1" smtClean="0"/>
+              <a:t>så</a:t>
+            </a:r>
+            <a:r>
+              <a:rPr lang="en-US" baseline="0" dirty="0" smtClean="0"/>
+              <a:t> </a:t>
+            </a:r>
+            <a:r>
+              <a:rPr lang="en-US" baseline="0" dirty="0" err="1" smtClean="0"/>
+              <a:t>skapar</a:t>
+            </a:r>
+            <a:r>
+              <a:rPr lang="en-US" baseline="0" dirty="0" smtClean="0"/>
+              <a:t> vi en </a:t>
+            </a:r>
+            <a:r>
+              <a:rPr lang="en-US" baseline="0" dirty="0" err="1" smtClean="0"/>
+              <a:t>ny</a:t>
+            </a:r>
+            <a:r>
+              <a:rPr lang="en-US" baseline="0" dirty="0" smtClean="0"/>
+              <a:t> </a:t>
+            </a:r>
+            <a:r>
+              <a:rPr lang="en-US" baseline="0" dirty="0" err="1" smtClean="0"/>
+              <a:t>replika</a:t>
+            </a:r>
+            <a:r>
+              <a:rPr lang="en-US" baseline="0" dirty="0" smtClean="0"/>
+              <a:t> </a:t>
+            </a:r>
+            <a:r>
+              <a:rPr lang="en-US" baseline="0" dirty="0" err="1" smtClean="0"/>
+              <a:t>på</a:t>
+            </a:r>
+            <a:r>
+              <a:rPr lang="en-US" baseline="0" dirty="0" smtClean="0"/>
+              <a:t> den </a:t>
+            </a:r>
+            <a:r>
+              <a:rPr lang="en-US" baseline="0" dirty="0" err="1" smtClean="0"/>
+              <a:t>mest</a:t>
+            </a:r>
+            <a:r>
+              <a:rPr lang="en-US" baseline="0" dirty="0" smtClean="0"/>
+              <a:t> </a:t>
+            </a:r>
+            <a:r>
+              <a:rPr lang="en-US" baseline="0" dirty="0" err="1" smtClean="0"/>
+              <a:t>tillförlitliga</a:t>
+            </a:r>
+            <a:r>
+              <a:rPr lang="en-US" baseline="0" dirty="0" smtClean="0"/>
+              <a:t> </a:t>
+            </a:r>
+            <a:r>
+              <a:rPr lang="en-US" baseline="0" dirty="0" err="1" smtClean="0"/>
+              <a:t>lediga</a:t>
+            </a:r>
+            <a:r>
+              <a:rPr lang="en-US" baseline="0" dirty="0" smtClean="0"/>
+              <a:t> </a:t>
+            </a:r>
+            <a:r>
+              <a:rPr lang="en-US" baseline="0" dirty="0" err="1" smtClean="0"/>
+              <a:t>noden</a:t>
+            </a:r>
+            <a:r>
+              <a:rPr lang="en-US" baseline="0" dirty="0" smtClean="0"/>
+              <a:t> vi </a:t>
+            </a:r>
+            <a:r>
+              <a:rPr lang="en-US" baseline="0" dirty="0" err="1" smtClean="0"/>
+              <a:t>har</a:t>
+            </a:r>
+            <a:r>
+              <a:rPr lang="en-US" baseline="0" dirty="0" smtClean="0"/>
+              <a:t>.</a:t>
+            </a:r>
+          </a:p>
+          <a:p>
+            <a:endParaRPr lang="en-US" baseline="0" smtClean="0"/>
+          </a:p>
+          <a:p>
+            <a:endParaRPr lang="en-US" dirty="0"/>
+          </a:p>
+        </p:txBody>
+      </p:sp>
+      <p:sp>
+        <p:nvSpPr>
+          <p:cNvPr id="4" name="Slide Number Placeholder 3"/>
+          <p:cNvSpPr>
+            <a:spLocks noGrp="1"/>
+          </p:cNvSpPr>
+          <p:nvPr>
+            <p:ph type="sldNum" sz="quarter" idx="10"/>
+          </p:nvPr>
+        </p:nvSpPr>
+        <p:spPr/>
+        <p:txBody>
+          <a:bodyPr/>
+          <a:lstStyle/>
+          <a:p>
+            <a:fld id="{100650DF-8CBF-0341-B1F9-47D0C0CD302F}" type="slidenum">
+              <a:rPr lang="en-US" smtClean="0"/>
+              <a:t>17</a:t>
+            </a:fld>
+            <a:endParaRPr lang="en-US"/>
+          </a:p>
+        </p:txBody>
+      </p:sp>
+    </p:spTree>
+    <p:extLst>
+      <p:ext uri="{BB962C8B-B14F-4D97-AF65-F5344CB8AC3E}">
+        <p14:creationId xmlns:p14="http://schemas.microsoft.com/office/powerpoint/2010/main" val="862093532"/>
+      </p:ext>
+    </p:extLst>
+  </p:cSld>
+  <p:clrMapOvr>
+    <a:masterClrMapping/>
+  </p:clrMapOvr>
+</p:notes>
+</file>
+
 <file path=ppt/notesSlides/notesSlide2.xml><?xml version="1.0" encoding="utf-8"?>
 <p:notes xmlns:a="http://schemas.openxmlformats.org/drawingml/2006/main" xmlns:r="http://schemas.openxmlformats.org/officeDocument/2006/relationships" xmlns:p="http://schemas.openxmlformats.org/presentationml/2006/main">
   <p:cSld>
@@ -4403,13 +6599,14 @@
             </a:r>
             <a:r>
               <a:rPr lang="en-US" baseline="0" dirty="0" smtClean="0"/>
-              <a:t> med en </a:t>
-            </a:r>
-            <a:r>
-              <a:rPr lang="en-US" baseline="0" smtClean="0"/>
-              <a:t>Poisson process.</a:t>
-            </a:r>
-            <a:endParaRPr lang="en-US"/>
+              <a:t> med en Poisson process</a:t>
+            </a:r>
+          </a:p>
+          <a:p>
+            <a:endParaRPr lang="en-US" baseline="0" dirty="0" smtClean="0"/>
+          </a:p>
+          <a:p>
+            <a:endParaRPr lang="en-US" baseline="0" dirty="0" smtClean="0"/>
           </a:p>
         </p:txBody>
       </p:sp>
@@ -4440,6 +6637,177 @@
     <p:extLst>
       <p:ext uri="{BB962C8B-B14F-4D97-AF65-F5344CB8AC3E}">
         <p14:creationId xmlns:p14="http://schemas.microsoft.com/office/powerpoint/2010/main" val="1887332043"/>
+      </p:ext>
+    </p:extLst>
+  </p:cSld>
+  <p:clrMapOvr>
+    <a:masterClrMapping/>
+  </p:clrMapOvr>
+</p:notes>
+</file>
+
+<file path=ppt/notesSlides/notesSlide8.xml><?xml version="1.0" encoding="utf-8"?>
+<p:notes xmlns:a="http://schemas.openxmlformats.org/drawingml/2006/main" xmlns:r="http://schemas.openxmlformats.org/officeDocument/2006/relationships" xmlns:p="http://schemas.openxmlformats.org/presentationml/2006/main">
+  <p:cSld>
+    <p:spTree>
+      <p:nvGrpSpPr>
+        <p:cNvPr id="1" name=""/>
+        <p:cNvGrpSpPr/>
+        <p:nvPr/>
+      </p:nvGrpSpPr>
+      <p:grpSpPr>
+        <a:xfrm>
+          <a:off x="0" y="0"/>
+          <a:ext cx="0" cy="0"/>
+          <a:chOff x="0" y="0"/>
+          <a:chExt cx="0" cy="0"/>
+        </a:xfrm>
+      </p:grpSpPr>
+      <p:sp>
+        <p:nvSpPr>
+          <p:cNvPr id="2" name="Slide Image Placeholder 1"/>
+          <p:cNvSpPr>
+            <a:spLocks noGrp="1" noRot="1" noChangeAspect="1"/>
+          </p:cNvSpPr>
+          <p:nvPr>
+            <p:ph type="sldImg"/>
+          </p:nvPr>
+        </p:nvSpPr>
+        <p:spPr/>
+      </p:sp>
+      <p:sp>
+        <p:nvSpPr>
+          <p:cNvPr id="3" name="Notes Placeholder 2"/>
+          <p:cNvSpPr>
+            <a:spLocks noGrp="1"/>
+          </p:cNvSpPr>
+          <p:nvPr>
+            <p:ph type="body" idx="1"/>
+          </p:nvPr>
+        </p:nvSpPr>
+        <p:spPr/>
+        <p:txBody>
+          <a:bodyPr/>
+          <a:lstStyle/>
+          <a:p>
+            <a:endParaRPr lang="en-US" baseline="0" dirty="0" smtClean="0"/>
+          </a:p>
+          <a:p>
+            <a:endParaRPr lang="en-US" dirty="0"/>
+          </a:p>
+        </p:txBody>
+      </p:sp>
+      <p:sp>
+        <p:nvSpPr>
+          <p:cNvPr id="4" name="Slide Number Placeholder 3"/>
+          <p:cNvSpPr>
+            <a:spLocks noGrp="1"/>
+          </p:cNvSpPr>
+          <p:nvPr>
+            <p:ph type="sldNum" sz="quarter" idx="10"/>
+          </p:nvPr>
+        </p:nvSpPr>
+        <p:spPr/>
+        <p:txBody>
+          <a:bodyPr/>
+          <a:lstStyle/>
+          <a:p>
+            <a:fld id="{100650DF-8CBF-0341-B1F9-47D0C0CD302F}" type="slidenum">
+              <a:rPr lang="en-US" smtClean="0"/>
+              <a:t>10</a:t>
+            </a:fld>
+            <a:endParaRPr lang="en-US"/>
+          </a:p>
+        </p:txBody>
+      </p:sp>
+    </p:spTree>
+    <p:extLst>
+      <p:ext uri="{BB962C8B-B14F-4D97-AF65-F5344CB8AC3E}">
+        <p14:creationId xmlns:p14="http://schemas.microsoft.com/office/powerpoint/2010/main" val="199176467"/>
+      </p:ext>
+    </p:extLst>
+  </p:cSld>
+  <p:clrMapOvr>
+    <a:masterClrMapping/>
+  </p:clrMapOvr>
+</p:notes>
+</file>
+
+<file path=ppt/notesSlides/notesSlide9.xml><?xml version="1.0" encoding="utf-8"?>
+<p:notes xmlns:a="http://schemas.openxmlformats.org/drawingml/2006/main" xmlns:r="http://schemas.openxmlformats.org/officeDocument/2006/relationships" xmlns:p="http://schemas.openxmlformats.org/presentationml/2006/main">
+  <p:cSld>
+    <p:spTree>
+      <p:nvGrpSpPr>
+        <p:cNvPr id="1" name=""/>
+        <p:cNvGrpSpPr/>
+        <p:nvPr/>
+      </p:nvGrpSpPr>
+      <p:grpSpPr>
+        <a:xfrm>
+          <a:off x="0" y="0"/>
+          <a:ext cx="0" cy="0"/>
+          <a:chOff x="0" y="0"/>
+          <a:chExt cx="0" cy="0"/>
+        </a:xfrm>
+      </p:grpSpPr>
+      <p:sp>
+        <p:nvSpPr>
+          <p:cNvPr id="2" name="Slide Image Placeholder 1"/>
+          <p:cNvSpPr>
+            <a:spLocks noGrp="1" noRot="1" noChangeAspect="1"/>
+          </p:cNvSpPr>
+          <p:nvPr>
+            <p:ph type="sldImg"/>
+          </p:nvPr>
+        </p:nvSpPr>
+        <p:spPr/>
+      </p:sp>
+      <p:sp>
+        <p:nvSpPr>
+          <p:cNvPr id="3" name="Notes Placeholder 2"/>
+          <p:cNvSpPr>
+            <a:spLocks noGrp="1"/>
+          </p:cNvSpPr>
+          <p:nvPr>
+            <p:ph type="body" idx="1"/>
+          </p:nvPr>
+        </p:nvSpPr>
+        <p:spPr/>
+        <p:txBody>
+          <a:bodyPr/>
+          <a:lstStyle/>
+          <a:p>
+            <a:endParaRPr lang="en-US" dirty="0"/>
+          </a:p>
+        </p:txBody>
+      </p:sp>
+      <p:sp>
+        <p:nvSpPr>
+          <p:cNvPr id="4" name="Slide Number Placeholder 3"/>
+          <p:cNvSpPr>
+            <a:spLocks noGrp="1"/>
+          </p:cNvSpPr>
+          <p:nvPr>
+            <p:ph type="sldNum" sz="quarter" idx="10"/>
+          </p:nvPr>
+        </p:nvSpPr>
+        <p:spPr/>
+        <p:txBody>
+          <a:bodyPr/>
+          <a:lstStyle/>
+          <a:p>
+            <a:fld id="{100650DF-8CBF-0341-B1F9-47D0C0CD302F}" type="slidenum">
+              <a:rPr lang="en-US" smtClean="0"/>
+              <a:t>13</a:t>
+            </a:fld>
+            <a:endParaRPr lang="en-US"/>
+          </a:p>
+        </p:txBody>
+      </p:sp>
+    </p:spTree>
+    <p:extLst>
+      <p:ext uri="{BB962C8B-B14F-4D97-AF65-F5344CB8AC3E}">
+        <p14:creationId xmlns:p14="http://schemas.microsoft.com/office/powerpoint/2010/main" val="417499987"/>
       </p:ext>
     </p:extLst>
   </p:cSld>
@@ -8750,7 +11118,7 @@
                 <a:avLst/>
               </a:prstGeom>
               <a:blipFill rotWithShape="0">
-                <a:blip r:embed="rId2"/>
+                <a:blip r:embed="rId3"/>
                 <a:stretch>
                   <a:fillRect/>
                 </a:stretch>
@@ -9051,7 +11419,7 @@
                 <a:avLst/>
               </a:prstGeom>
               <a:blipFill rotWithShape="0">
-                <a:blip r:embed="rId3"/>
+                <a:blip r:embed="rId4"/>
                 <a:stretch>
                   <a:fillRect/>
                 </a:stretch>
@@ -9181,7 +11549,7 @@
                 <a:avLst/>
               </a:prstGeom>
               <a:blipFill rotWithShape="0">
-                <a:blip r:embed="rId4"/>
+                <a:blip r:embed="rId5"/>
                 <a:stretch>
                   <a:fillRect t="-95082" b="-121311"/>
                 </a:stretch>
@@ -10105,7 +12473,7 @@
                 <a:avLst/>
               </a:prstGeom>
               <a:blipFill rotWithShape="0">
-                <a:blip r:embed="rId2"/>
+                <a:blip r:embed="rId3"/>
                 <a:stretch>
                   <a:fillRect/>
                 </a:stretch>
@@ -10946,7 +13314,7 @@
                 <a:avLst/>
               </a:prstGeom>
               <a:blipFill rotWithShape="0">
-                <a:blip r:embed="rId2"/>
+                <a:blip r:embed="rId3"/>
                 <a:stretch>
                   <a:fillRect/>
                 </a:stretch>
@@ -11271,7 +13639,7 @@
             </p:nvSpPr>
             <p:spPr>
               <a:blipFill rotWithShape="0">
-                <a:blip r:embed="rId2"/>
+                <a:blip r:embed="rId3"/>
                 <a:stretch>
                   <a:fillRect l="-1515" t="-909"/>
                 </a:stretch>
@@ -11301,7 +13669,7 @@
           <p:nvPr/>
         </p:nvPicPr>
         <p:blipFill>
-          <a:blip r:embed="rId3">
+          <a:blip r:embed="rId4">
             <a:extLst>
               <a:ext uri="{28A0092B-C50C-407E-A947-70E740481C1C}">
                 <a14:useLocalDpi xmlns:a14="http://schemas.microsoft.com/office/drawing/2010/main" val="0"/>

--- a/presentation/presentation.pptx
+++ b/presentation/presentation.pptx
@@ -27,8 +27,8 @@
     <p:sldId id="310" r:id="rId18"/>
     <p:sldId id="311" r:id="rId19"/>
     <p:sldId id="321" r:id="rId20"/>
-    <p:sldId id="313" r:id="rId21"/>
-    <p:sldId id="339" r:id="rId22"/>
+    <p:sldId id="339" r:id="rId21"/>
+    <p:sldId id="313" r:id="rId22"/>
     <p:sldId id="314" r:id="rId23"/>
     <p:sldId id="315" r:id="rId24"/>
     <p:sldId id="316" r:id="rId25"/>
@@ -2931,7 +2931,7 @@
             </a:r>
           </a:p>
           <a:p>
-            <a:endParaRPr lang="en-US" baseline="0" smtClean="0"/>
+            <a:endParaRPr lang="en-US" baseline="0" dirty="0" smtClean="0"/>
           </a:p>
           <a:p>
             <a:endParaRPr lang="en-US" dirty="0"/>
@@ -2965,6 +2965,2606 @@
     <p:extLst>
       <p:ext uri="{BB962C8B-B14F-4D97-AF65-F5344CB8AC3E}">
         <p14:creationId xmlns:p14="http://schemas.microsoft.com/office/powerpoint/2010/main" val="862093532"/>
+      </p:ext>
+    </p:extLst>
+  </p:cSld>
+  <p:clrMapOvr>
+    <a:masterClrMapping/>
+  </p:clrMapOvr>
+</p:notes>
+</file>
+
+<file path=ppt/notesSlides/notesSlide14.xml><?xml version="1.0" encoding="utf-8"?>
+<p:notes xmlns:a="http://schemas.openxmlformats.org/drawingml/2006/main" xmlns:r="http://schemas.openxmlformats.org/officeDocument/2006/relationships" xmlns:p="http://schemas.openxmlformats.org/presentationml/2006/main">
+  <p:cSld>
+    <p:spTree>
+      <p:nvGrpSpPr>
+        <p:cNvPr id="1" name=""/>
+        <p:cNvGrpSpPr/>
+        <p:nvPr/>
+      </p:nvGrpSpPr>
+      <p:grpSpPr>
+        <a:xfrm>
+          <a:off x="0" y="0"/>
+          <a:ext cx="0" cy="0"/>
+          <a:chOff x="0" y="0"/>
+          <a:chExt cx="0" cy="0"/>
+        </a:xfrm>
+      </p:grpSpPr>
+      <p:sp>
+        <p:nvSpPr>
+          <p:cNvPr id="2" name="Slide Image Placeholder 1"/>
+          <p:cNvSpPr>
+            <a:spLocks noGrp="1" noRot="1" noChangeAspect="1"/>
+          </p:cNvSpPr>
+          <p:nvPr>
+            <p:ph type="sldImg"/>
+          </p:nvPr>
+        </p:nvSpPr>
+        <p:spPr/>
+      </p:sp>
+      <p:sp>
+        <p:nvSpPr>
+          <p:cNvPr id="3" name="Notes Placeholder 2"/>
+          <p:cNvSpPr>
+            <a:spLocks noGrp="1"/>
+          </p:cNvSpPr>
+          <p:nvPr>
+            <p:ph type="body" idx="1"/>
+          </p:nvPr>
+        </p:nvSpPr>
+        <p:spPr/>
+        <p:txBody>
+          <a:bodyPr/>
+          <a:lstStyle/>
+          <a:p>
+            <a:r>
+              <a:rPr lang="en-US" dirty="0" err="1" smtClean="0"/>
+              <a:t>Föregående</a:t>
+            </a:r>
+            <a:r>
+              <a:rPr lang="en-US" baseline="0" dirty="0" smtClean="0"/>
+              <a:t> algorithm </a:t>
+            </a:r>
+            <a:r>
+              <a:rPr lang="en-US" baseline="0" dirty="0" err="1" smtClean="0"/>
+              <a:t>måste</a:t>
+            </a:r>
+            <a:r>
+              <a:rPr lang="en-US" baseline="0" dirty="0" smtClean="0"/>
+              <a:t> </a:t>
+            </a:r>
+            <a:r>
+              <a:rPr lang="en-US" baseline="0" dirty="0" err="1" smtClean="0"/>
+              <a:t>köras</a:t>
+            </a:r>
+            <a:r>
+              <a:rPr lang="en-US" baseline="0" dirty="0" smtClean="0"/>
+              <a:t> </a:t>
+            </a:r>
+            <a:r>
+              <a:rPr lang="en-US" baseline="0" dirty="0" err="1" smtClean="0"/>
+              <a:t>varje</a:t>
+            </a:r>
+            <a:r>
+              <a:rPr lang="en-US" baseline="0" dirty="0" smtClean="0"/>
+              <a:t> </a:t>
+            </a:r>
+            <a:r>
+              <a:rPr lang="en-US" baseline="0" dirty="0" err="1" smtClean="0"/>
+              <a:t>gång</a:t>
+            </a:r>
+            <a:r>
+              <a:rPr lang="en-US" baseline="0" dirty="0" smtClean="0"/>
+              <a:t> en </a:t>
+            </a:r>
+            <a:r>
+              <a:rPr lang="en-US" baseline="0" dirty="0" err="1" smtClean="0"/>
+              <a:t>replika</a:t>
+            </a:r>
+            <a:r>
+              <a:rPr lang="en-US" baseline="0" dirty="0" smtClean="0"/>
+              <a:t> </a:t>
+            </a:r>
+            <a:r>
+              <a:rPr lang="en-US" baseline="0" dirty="0" err="1" smtClean="0"/>
+              <a:t>försvinner</a:t>
+            </a:r>
+            <a:r>
+              <a:rPr lang="en-US" baseline="0" dirty="0" smtClean="0"/>
+              <a:t>, </a:t>
+            </a:r>
+            <a:r>
+              <a:rPr lang="en-US" baseline="0" dirty="0" err="1" smtClean="0"/>
+              <a:t>då</a:t>
+            </a:r>
+            <a:r>
+              <a:rPr lang="en-US" baseline="0" dirty="0" smtClean="0"/>
+              <a:t> en </a:t>
+            </a:r>
+            <a:r>
+              <a:rPr lang="en-US" baseline="0" dirty="0" err="1" smtClean="0"/>
+              <a:t>önskade</a:t>
+            </a:r>
+            <a:r>
+              <a:rPr lang="en-US" baseline="0" dirty="0" smtClean="0"/>
+              <a:t> </a:t>
+            </a:r>
+            <a:r>
+              <a:rPr lang="en-US" baseline="0" dirty="0" err="1" smtClean="0"/>
+              <a:t>nivån</a:t>
+            </a:r>
+            <a:r>
+              <a:rPr lang="en-US" baseline="0" dirty="0" smtClean="0"/>
+              <a:t> </a:t>
+            </a:r>
+            <a:r>
+              <a:rPr lang="en-US" baseline="0" dirty="0" err="1" smtClean="0"/>
+              <a:t>kanske</a:t>
+            </a:r>
+            <a:r>
+              <a:rPr lang="en-US" baseline="0" dirty="0" smtClean="0"/>
+              <a:t> </a:t>
+            </a:r>
+            <a:r>
+              <a:rPr lang="en-US" baseline="0" dirty="0" err="1" smtClean="0"/>
+              <a:t>inte</a:t>
+            </a:r>
+            <a:r>
+              <a:rPr lang="en-US" baseline="0" dirty="0" smtClean="0"/>
+              <a:t> </a:t>
+            </a:r>
+            <a:r>
+              <a:rPr lang="en-US" baseline="0" dirty="0" err="1" smtClean="0"/>
+              <a:t>längre</a:t>
+            </a:r>
+            <a:r>
+              <a:rPr lang="en-US" baseline="0" dirty="0" smtClean="0"/>
+              <a:t> </a:t>
+            </a:r>
+            <a:r>
+              <a:rPr lang="en-US" baseline="0" dirty="0" err="1" smtClean="0"/>
+              <a:t>är</a:t>
+            </a:r>
+            <a:r>
+              <a:rPr lang="en-US" baseline="0" dirty="0" smtClean="0"/>
+              <a:t> </a:t>
+            </a:r>
+            <a:r>
+              <a:rPr lang="en-US" baseline="0" dirty="0" err="1" smtClean="0"/>
+              <a:t>nådd</a:t>
+            </a:r>
+            <a:r>
+              <a:rPr lang="en-US" baseline="0" dirty="0" smtClean="0"/>
+              <a:t>.</a:t>
+            </a:r>
+          </a:p>
+          <a:p>
+            <a:endParaRPr lang="en-US" baseline="0" dirty="0" smtClean="0"/>
+          </a:p>
+          <a:p>
+            <a:r>
+              <a:rPr lang="en-US" baseline="0" dirty="0" smtClean="0"/>
+              <a:t>Vi </a:t>
+            </a:r>
+            <a:r>
+              <a:rPr lang="en-US" baseline="0" dirty="0" err="1" smtClean="0"/>
+              <a:t>måste</a:t>
+            </a:r>
+            <a:r>
+              <a:rPr lang="en-US" baseline="0" dirty="0" smtClean="0"/>
+              <a:t> </a:t>
+            </a:r>
+            <a:r>
+              <a:rPr lang="en-US" baseline="0" dirty="0" err="1" smtClean="0"/>
+              <a:t>alltså</a:t>
+            </a:r>
+            <a:r>
+              <a:rPr lang="en-US" baseline="0" dirty="0" smtClean="0"/>
+              <a:t> </a:t>
+            </a:r>
+            <a:r>
+              <a:rPr lang="en-US" baseline="0" dirty="0" err="1" smtClean="0"/>
+              <a:t>kunna</a:t>
+            </a:r>
+            <a:r>
+              <a:rPr lang="en-US" baseline="0" dirty="0" smtClean="0"/>
+              <a:t> </a:t>
+            </a:r>
+            <a:r>
+              <a:rPr lang="en-US" baseline="0" dirty="0" err="1" smtClean="0"/>
+              <a:t>detektera</a:t>
+            </a:r>
+            <a:r>
+              <a:rPr lang="en-US" baseline="0" dirty="0" smtClean="0"/>
+              <a:t> </a:t>
+            </a:r>
+            <a:r>
+              <a:rPr lang="en-US" baseline="0" dirty="0" err="1" smtClean="0"/>
+              <a:t>fel</a:t>
+            </a:r>
+            <a:r>
+              <a:rPr lang="en-US" baseline="0" dirty="0" smtClean="0"/>
+              <a:t>, </a:t>
+            </a:r>
+            <a:r>
+              <a:rPr lang="en-US" baseline="0" dirty="0" err="1" smtClean="0"/>
+              <a:t>och</a:t>
+            </a:r>
+            <a:r>
+              <a:rPr lang="en-US" baseline="0" dirty="0" smtClean="0"/>
+              <a:t> </a:t>
+            </a:r>
+            <a:r>
+              <a:rPr lang="en-US" baseline="0" dirty="0" err="1" smtClean="0"/>
+              <a:t>därför</a:t>
+            </a:r>
+            <a:r>
+              <a:rPr lang="en-US" baseline="0" dirty="0" smtClean="0"/>
+              <a:t> </a:t>
+            </a:r>
+            <a:r>
+              <a:rPr lang="en-US" baseline="0" dirty="0" err="1" smtClean="0"/>
+              <a:t>använder</a:t>
+            </a:r>
+            <a:r>
+              <a:rPr lang="en-US" baseline="0" dirty="0" smtClean="0"/>
+              <a:t> vi </a:t>
+            </a:r>
+            <a:r>
+              <a:rPr lang="en-US" baseline="0" dirty="0" err="1" smtClean="0"/>
+              <a:t>oss</a:t>
+            </a:r>
+            <a:r>
+              <a:rPr lang="en-US" baseline="0" dirty="0" smtClean="0"/>
+              <a:t> </a:t>
+            </a:r>
+            <a:r>
+              <a:rPr lang="en-US" baseline="0" dirty="0" err="1" smtClean="0"/>
+              <a:t>av</a:t>
+            </a:r>
+            <a:r>
+              <a:rPr lang="en-US" baseline="0" dirty="0" smtClean="0"/>
+              <a:t> </a:t>
+            </a:r>
+            <a:r>
+              <a:rPr lang="en-US" baseline="0" dirty="0" err="1" smtClean="0"/>
+              <a:t>ett</a:t>
+            </a:r>
+            <a:r>
+              <a:rPr lang="en-US" baseline="0" dirty="0" smtClean="0"/>
+              <a:t> heartbeat system, </a:t>
+            </a:r>
+            <a:r>
+              <a:rPr lang="en-US" baseline="0" dirty="0" err="1" smtClean="0"/>
+              <a:t>där</a:t>
+            </a:r>
+            <a:r>
+              <a:rPr lang="en-US" baseline="0" dirty="0" smtClean="0"/>
+              <a:t> </a:t>
+            </a:r>
+            <a:r>
+              <a:rPr lang="en-US" baseline="0" dirty="0" err="1" smtClean="0"/>
+              <a:t>noder</a:t>
+            </a:r>
+            <a:r>
+              <a:rPr lang="en-US" baseline="0" dirty="0" smtClean="0"/>
+              <a:t> </a:t>
+            </a:r>
+            <a:r>
+              <a:rPr lang="en-US" baseline="0" dirty="0" err="1" smtClean="0"/>
+              <a:t>periodiskt</a:t>
+            </a:r>
+            <a:r>
+              <a:rPr lang="en-US" baseline="0" dirty="0" smtClean="0"/>
+              <a:t> </a:t>
+            </a:r>
+            <a:r>
+              <a:rPr lang="en-US" baseline="0" dirty="0" err="1" smtClean="0"/>
+              <a:t>skickar</a:t>
+            </a:r>
+            <a:r>
+              <a:rPr lang="en-US" baseline="0" dirty="0" smtClean="0"/>
+              <a:t> UDP </a:t>
+            </a:r>
+            <a:r>
+              <a:rPr lang="en-US" baseline="0" dirty="0" err="1" smtClean="0"/>
+              <a:t>meddelanden</a:t>
+            </a:r>
+            <a:r>
+              <a:rPr lang="en-US" baseline="0" dirty="0" smtClean="0"/>
+              <a:t>, heartbeats, till </a:t>
+            </a:r>
+            <a:r>
+              <a:rPr lang="en-US" baseline="0" dirty="0" err="1" smtClean="0"/>
+              <a:t>varandra</a:t>
+            </a:r>
+            <a:r>
+              <a:rPr lang="en-US" baseline="0" dirty="0" smtClean="0"/>
+              <a:t>, </a:t>
+            </a:r>
+            <a:r>
+              <a:rPr lang="en-US" baseline="0" dirty="0" err="1" smtClean="0"/>
+              <a:t>för</a:t>
+            </a:r>
+            <a:r>
+              <a:rPr lang="en-US" baseline="0" dirty="0" smtClean="0"/>
+              <a:t> </a:t>
+            </a:r>
+            <a:r>
+              <a:rPr lang="en-US" baseline="0" dirty="0" err="1" smtClean="0"/>
+              <a:t>att</a:t>
+            </a:r>
+            <a:r>
+              <a:rPr lang="en-US" baseline="0" dirty="0" smtClean="0"/>
+              <a:t> </a:t>
+            </a:r>
+            <a:r>
+              <a:rPr lang="en-US" baseline="0" dirty="0" err="1" smtClean="0"/>
+              <a:t>indikera</a:t>
+            </a:r>
+            <a:r>
+              <a:rPr lang="en-US" baseline="0" dirty="0" smtClean="0"/>
+              <a:t> </a:t>
+            </a:r>
+            <a:r>
+              <a:rPr lang="en-US" baseline="0" dirty="0" err="1" smtClean="0"/>
+              <a:t>att</a:t>
+            </a:r>
+            <a:r>
+              <a:rPr lang="en-US" baseline="0" dirty="0" smtClean="0"/>
+              <a:t> de </a:t>
+            </a:r>
+            <a:r>
+              <a:rPr lang="en-US" baseline="0" dirty="0" err="1" smtClean="0"/>
+              <a:t>fortfarande</a:t>
+            </a:r>
+            <a:r>
+              <a:rPr lang="en-US" baseline="0" dirty="0" smtClean="0"/>
+              <a:t> </a:t>
+            </a:r>
+            <a:r>
+              <a:rPr lang="en-US" baseline="0" dirty="0" err="1" smtClean="0"/>
+              <a:t>är</a:t>
+            </a:r>
+            <a:r>
+              <a:rPr lang="en-US" baseline="0" dirty="0" smtClean="0"/>
+              <a:t> operational. </a:t>
+            </a:r>
+          </a:p>
+          <a:p>
+            <a:endParaRPr lang="en-US" baseline="0" dirty="0" smtClean="0"/>
+          </a:p>
+          <a:p>
+            <a:r>
+              <a:rPr lang="en-US" baseline="0" dirty="0" smtClean="0"/>
+              <a:t>Om </a:t>
+            </a:r>
+            <a:r>
+              <a:rPr lang="en-US" baseline="0" dirty="0" err="1" smtClean="0"/>
+              <a:t>inget</a:t>
+            </a:r>
+            <a:r>
+              <a:rPr lang="en-US" baseline="0" dirty="0" smtClean="0"/>
+              <a:t> heartbeat </a:t>
+            </a:r>
+            <a:r>
+              <a:rPr lang="en-US" baseline="0" dirty="0" err="1" smtClean="0"/>
+              <a:t>mottas</a:t>
+            </a:r>
+            <a:r>
+              <a:rPr lang="en-US" baseline="0" dirty="0" smtClean="0"/>
+              <a:t> </a:t>
+            </a:r>
+            <a:r>
+              <a:rPr lang="en-US" baseline="0" dirty="0" err="1" smtClean="0"/>
+              <a:t>från</a:t>
+            </a:r>
+            <a:r>
+              <a:rPr lang="en-US" baseline="0" dirty="0" smtClean="0"/>
+              <a:t> en nod </a:t>
+            </a:r>
+            <a:r>
+              <a:rPr lang="en-US" baseline="0" dirty="0" err="1" smtClean="0"/>
+              <a:t>inom</a:t>
+            </a:r>
+            <a:r>
+              <a:rPr lang="en-US" baseline="0" dirty="0" smtClean="0"/>
+              <a:t> 500 </a:t>
+            </a:r>
+            <a:r>
+              <a:rPr lang="en-US" baseline="0" dirty="0" err="1" smtClean="0"/>
+              <a:t>ms</a:t>
+            </a:r>
+            <a:r>
+              <a:rPr lang="en-US" baseline="0" dirty="0" smtClean="0"/>
+              <a:t>, </a:t>
+            </a:r>
+            <a:r>
+              <a:rPr lang="en-US" baseline="0" dirty="0" err="1" smtClean="0"/>
+              <a:t>så</a:t>
+            </a:r>
+            <a:r>
+              <a:rPr lang="en-US" baseline="0" dirty="0" smtClean="0"/>
+              <a:t> </a:t>
+            </a:r>
+            <a:r>
+              <a:rPr lang="en-US" baseline="0" dirty="0" err="1" smtClean="0"/>
+              <a:t>antas</a:t>
+            </a:r>
+            <a:r>
+              <a:rPr lang="en-US" baseline="0" dirty="0" smtClean="0"/>
+              <a:t> den </a:t>
+            </a:r>
+            <a:r>
+              <a:rPr lang="en-US" baseline="0" dirty="0" err="1" smtClean="0"/>
+              <a:t>vara</a:t>
+            </a:r>
+            <a:r>
+              <a:rPr lang="en-US" baseline="0" dirty="0" smtClean="0"/>
+              <a:t> </a:t>
+            </a:r>
+            <a:r>
+              <a:rPr lang="en-US" baseline="0" dirty="0" err="1" smtClean="0"/>
+              <a:t>död</a:t>
+            </a:r>
+            <a:r>
+              <a:rPr lang="en-US" baseline="0" dirty="0" smtClean="0"/>
+              <a:t>, </a:t>
+            </a:r>
+            <a:r>
+              <a:rPr lang="en-US" baseline="0" dirty="0" err="1" smtClean="0"/>
+              <a:t>och</a:t>
+            </a:r>
+            <a:r>
+              <a:rPr lang="en-US" baseline="0" dirty="0" smtClean="0"/>
+              <a:t> </a:t>
+            </a:r>
+            <a:r>
+              <a:rPr lang="en-US" baseline="0" dirty="0" err="1" smtClean="0"/>
+              <a:t>algoritmen</a:t>
+            </a:r>
+            <a:r>
+              <a:rPr lang="en-US" baseline="0" dirty="0" smtClean="0"/>
+              <a:t> </a:t>
+            </a:r>
+            <a:r>
+              <a:rPr lang="en-US" baseline="0" dirty="0" err="1" smtClean="0"/>
+              <a:t>på</a:t>
+            </a:r>
+            <a:r>
+              <a:rPr lang="en-US" baseline="0" dirty="0" smtClean="0"/>
+              <a:t> </a:t>
+            </a:r>
+            <a:r>
+              <a:rPr lang="en-US" baseline="0" dirty="0" err="1" smtClean="0"/>
+              <a:t>förra</a:t>
+            </a:r>
+            <a:r>
+              <a:rPr lang="en-US" baseline="0" dirty="0" smtClean="0"/>
+              <a:t> </a:t>
+            </a:r>
+            <a:r>
+              <a:rPr lang="en-US" baseline="0" dirty="0" err="1" smtClean="0"/>
+              <a:t>sliden</a:t>
+            </a:r>
+            <a:r>
+              <a:rPr lang="en-US" baseline="0" dirty="0" smtClean="0"/>
+              <a:t> </a:t>
+            </a:r>
+            <a:r>
+              <a:rPr lang="en-US" baseline="0" dirty="0" err="1" smtClean="0"/>
+              <a:t>kan</a:t>
+            </a:r>
+            <a:r>
+              <a:rPr lang="en-US" baseline="0" dirty="0" smtClean="0"/>
+              <a:t> </a:t>
+            </a:r>
+            <a:r>
+              <a:rPr lang="en-US" baseline="0" dirty="0" err="1" smtClean="0"/>
+              <a:t>köras</a:t>
+            </a:r>
+            <a:r>
+              <a:rPr lang="en-US" baseline="0" dirty="0" smtClean="0"/>
+              <a:t> </a:t>
+            </a:r>
+            <a:r>
+              <a:rPr lang="en-US" baseline="0" dirty="0" err="1" smtClean="0"/>
+              <a:t>för</a:t>
+            </a:r>
+            <a:r>
+              <a:rPr lang="en-US" baseline="0" dirty="0" smtClean="0"/>
+              <a:t> </a:t>
+            </a:r>
+            <a:r>
+              <a:rPr lang="en-US" baseline="0" dirty="0" err="1" smtClean="0"/>
+              <a:t>att</a:t>
+            </a:r>
+            <a:r>
+              <a:rPr lang="en-US" baseline="0" dirty="0" smtClean="0"/>
+              <a:t> </a:t>
+            </a:r>
+            <a:r>
+              <a:rPr lang="en-US" baseline="0" dirty="0" err="1" smtClean="0"/>
+              <a:t>säkerställa</a:t>
+            </a:r>
+            <a:r>
+              <a:rPr lang="en-US" baseline="0" dirty="0" smtClean="0"/>
+              <a:t> </a:t>
+            </a:r>
+            <a:r>
+              <a:rPr lang="en-US" baseline="0" dirty="0" err="1" smtClean="0"/>
+              <a:t>att</a:t>
+            </a:r>
+            <a:r>
+              <a:rPr lang="en-US" baseline="0" dirty="0" smtClean="0"/>
+              <a:t> den </a:t>
+            </a:r>
+            <a:r>
+              <a:rPr lang="en-US" baseline="0" dirty="0" err="1" smtClean="0"/>
+              <a:t>önskade</a:t>
+            </a:r>
+            <a:r>
+              <a:rPr lang="en-US" baseline="0" dirty="0" smtClean="0"/>
+              <a:t> </a:t>
+            </a:r>
+            <a:r>
+              <a:rPr lang="en-US" baseline="0" dirty="0" err="1" smtClean="0"/>
+              <a:t>nivån</a:t>
+            </a:r>
+            <a:r>
+              <a:rPr lang="en-US" baseline="0" dirty="0" smtClean="0"/>
+              <a:t> </a:t>
+            </a:r>
+            <a:r>
+              <a:rPr lang="en-US" baseline="0" dirty="0" err="1" smtClean="0"/>
+              <a:t>uppnås</a:t>
+            </a:r>
+            <a:r>
+              <a:rPr lang="en-US" baseline="0" dirty="0" smtClean="0"/>
+              <a:t>.</a:t>
+            </a:r>
+          </a:p>
+          <a:p>
+            <a:endParaRPr lang="en-US" baseline="0" dirty="0" smtClean="0"/>
+          </a:p>
+          <a:p>
+            <a:r>
+              <a:rPr lang="en-US" baseline="0" dirty="0" smtClean="0"/>
+              <a:t>Timeout </a:t>
+            </a:r>
+            <a:r>
+              <a:rPr lang="en-US" baseline="0" dirty="0" err="1" smtClean="0"/>
+              <a:t>tiden</a:t>
+            </a:r>
+            <a:r>
+              <a:rPr lang="en-US" baseline="0" dirty="0" smtClean="0"/>
+              <a:t> </a:t>
+            </a:r>
+            <a:r>
+              <a:rPr lang="en-US" baseline="0" dirty="0" err="1" smtClean="0"/>
+              <a:t>på</a:t>
+            </a:r>
+            <a:r>
+              <a:rPr lang="en-US" baseline="0" dirty="0" smtClean="0"/>
+              <a:t> 500 </a:t>
+            </a:r>
+            <a:r>
+              <a:rPr lang="en-US" baseline="0" dirty="0" err="1" smtClean="0"/>
+              <a:t>ms</a:t>
+            </a:r>
+            <a:r>
+              <a:rPr lang="en-US" baseline="0" dirty="0" smtClean="0"/>
+              <a:t> </a:t>
+            </a:r>
+            <a:r>
+              <a:rPr lang="en-US" baseline="0" dirty="0" err="1" smtClean="0"/>
+              <a:t>är</a:t>
+            </a:r>
+            <a:r>
+              <a:rPr lang="en-US" baseline="0" dirty="0" smtClean="0"/>
+              <a:t> </a:t>
+            </a:r>
+            <a:r>
+              <a:rPr lang="en-US" baseline="0" dirty="0" err="1" smtClean="0"/>
+              <a:t>enbart</a:t>
+            </a:r>
+            <a:r>
+              <a:rPr lang="en-US" baseline="0" dirty="0" smtClean="0"/>
+              <a:t> en </a:t>
+            </a:r>
+            <a:r>
+              <a:rPr lang="en-US" baseline="0" dirty="0" err="1" smtClean="0"/>
+              <a:t>övre</a:t>
+            </a:r>
+            <a:r>
+              <a:rPr lang="en-US" baseline="0" dirty="0" smtClean="0"/>
+              <a:t> </a:t>
+            </a:r>
+            <a:r>
+              <a:rPr lang="en-US" baseline="0" dirty="0" err="1" smtClean="0"/>
+              <a:t>gräns</a:t>
+            </a:r>
+            <a:r>
+              <a:rPr lang="en-US" baseline="0" dirty="0" smtClean="0"/>
+              <a:t> </a:t>
+            </a:r>
+            <a:r>
+              <a:rPr lang="en-US" baseline="0" dirty="0" err="1" smtClean="0"/>
+              <a:t>på</a:t>
+            </a:r>
+            <a:r>
+              <a:rPr lang="en-US" baseline="0" dirty="0" smtClean="0"/>
+              <a:t> </a:t>
+            </a:r>
+            <a:r>
+              <a:rPr lang="en-US" baseline="0" dirty="0" err="1" smtClean="0"/>
+              <a:t>hur</a:t>
+            </a:r>
+            <a:r>
+              <a:rPr lang="en-US" baseline="0" dirty="0" smtClean="0"/>
+              <a:t> </a:t>
+            </a:r>
+            <a:r>
+              <a:rPr lang="en-US" baseline="0" dirty="0" err="1" smtClean="0"/>
+              <a:t>lång</a:t>
+            </a:r>
+            <a:r>
+              <a:rPr lang="en-US" baseline="0" dirty="0" smtClean="0"/>
+              <a:t> </a:t>
+            </a:r>
+            <a:r>
+              <a:rPr lang="en-US" baseline="0" dirty="0" err="1" smtClean="0"/>
+              <a:t>tid</a:t>
+            </a:r>
+            <a:r>
+              <a:rPr lang="en-US" baseline="0" dirty="0" smtClean="0"/>
+              <a:t> </a:t>
+            </a:r>
+            <a:r>
+              <a:rPr lang="en-US" baseline="0" dirty="0" err="1" smtClean="0"/>
+              <a:t>det</a:t>
+            </a:r>
+            <a:r>
+              <a:rPr lang="en-US" baseline="0" dirty="0" smtClean="0"/>
+              <a:t> </a:t>
+            </a:r>
+            <a:r>
+              <a:rPr lang="en-US" baseline="0" dirty="0" err="1" smtClean="0"/>
+              <a:t>faktiskt</a:t>
+            </a:r>
+            <a:r>
+              <a:rPr lang="en-US" baseline="0" dirty="0" smtClean="0"/>
+              <a:t> tar </a:t>
+            </a:r>
+            <a:r>
+              <a:rPr lang="en-US" baseline="0" dirty="0" err="1" smtClean="0"/>
+              <a:t>att</a:t>
+            </a:r>
+            <a:r>
+              <a:rPr lang="en-US" baseline="0" dirty="0" smtClean="0"/>
+              <a:t> </a:t>
+            </a:r>
+            <a:r>
+              <a:rPr lang="en-US" baseline="0" dirty="0" err="1" smtClean="0"/>
+              <a:t>detektera</a:t>
+            </a:r>
+            <a:r>
+              <a:rPr lang="en-US" baseline="0" dirty="0" smtClean="0"/>
+              <a:t> </a:t>
+            </a:r>
+            <a:r>
+              <a:rPr lang="en-US" baseline="0" dirty="0" err="1" smtClean="0"/>
+              <a:t>att</a:t>
+            </a:r>
+            <a:r>
+              <a:rPr lang="en-US" baseline="0" dirty="0" smtClean="0"/>
+              <a:t> en nod </a:t>
+            </a:r>
+            <a:r>
+              <a:rPr lang="en-US" baseline="0" dirty="0" err="1" smtClean="0"/>
+              <a:t>är</a:t>
+            </a:r>
+            <a:r>
+              <a:rPr lang="en-US" baseline="0" dirty="0" smtClean="0"/>
+              <a:t> </a:t>
+            </a:r>
+            <a:r>
+              <a:rPr lang="en-US" baseline="0" dirty="0" err="1" smtClean="0"/>
+              <a:t>död</a:t>
+            </a:r>
+            <a:r>
+              <a:rPr lang="en-US" baseline="0" dirty="0" smtClean="0"/>
+              <a:t>.</a:t>
+            </a:r>
+          </a:p>
+          <a:p>
+            <a:endParaRPr lang="en-US" baseline="0" dirty="0" smtClean="0"/>
+          </a:p>
+          <a:p>
+            <a:r>
+              <a:rPr lang="en-US" baseline="0" dirty="0" err="1" smtClean="0"/>
+              <a:t>Bästa</a:t>
+            </a:r>
+            <a:r>
+              <a:rPr lang="en-US" baseline="0" dirty="0" smtClean="0"/>
+              <a:t> </a:t>
+            </a:r>
+            <a:r>
+              <a:rPr lang="en-US" baseline="0" dirty="0" err="1" smtClean="0"/>
+              <a:t>fallet</a:t>
+            </a:r>
+            <a:r>
+              <a:rPr lang="en-US" baseline="0" dirty="0" smtClean="0"/>
+              <a:t> </a:t>
+            </a:r>
+            <a:r>
+              <a:rPr lang="en-US" baseline="0" dirty="0" err="1" smtClean="0"/>
+              <a:t>händer</a:t>
+            </a:r>
+            <a:r>
+              <a:rPr lang="en-US" baseline="0" dirty="0" smtClean="0"/>
+              <a:t> </a:t>
+            </a:r>
+            <a:r>
+              <a:rPr lang="en-US" baseline="0" dirty="0" err="1" smtClean="0"/>
+              <a:t>när</a:t>
+            </a:r>
+            <a:r>
+              <a:rPr lang="en-US" baseline="0" dirty="0" smtClean="0"/>
+              <a:t> en nod </a:t>
+            </a:r>
+            <a:r>
+              <a:rPr lang="en-US" baseline="0" dirty="0" err="1" smtClean="0"/>
+              <a:t>dör</a:t>
+            </a:r>
+            <a:r>
+              <a:rPr lang="en-US" baseline="0" dirty="0" smtClean="0"/>
+              <a:t> </a:t>
+            </a:r>
+            <a:r>
+              <a:rPr lang="en-US" baseline="0" dirty="0" err="1" smtClean="0"/>
+              <a:t>precis</a:t>
+            </a:r>
+            <a:r>
+              <a:rPr lang="en-US" baseline="0" dirty="0" smtClean="0"/>
+              <a:t> </a:t>
+            </a:r>
+            <a:r>
+              <a:rPr lang="en-US" baseline="0" dirty="0" err="1" smtClean="0"/>
+              <a:t>innan</a:t>
+            </a:r>
+            <a:r>
+              <a:rPr lang="en-US" baseline="0" dirty="0" smtClean="0"/>
+              <a:t> den </a:t>
+            </a:r>
+            <a:r>
+              <a:rPr lang="en-US" baseline="0" dirty="0" err="1" smtClean="0"/>
+              <a:t>skickar</a:t>
+            </a:r>
+            <a:r>
+              <a:rPr lang="en-US" baseline="0" dirty="0" smtClean="0"/>
+              <a:t> en heartbeat, </a:t>
+            </a:r>
+            <a:r>
+              <a:rPr lang="en-US" baseline="0" dirty="0" err="1" smtClean="0"/>
+              <a:t>medan</a:t>
+            </a:r>
+            <a:r>
+              <a:rPr lang="en-US" baseline="0" dirty="0" smtClean="0"/>
+              <a:t> </a:t>
+            </a:r>
+            <a:r>
+              <a:rPr lang="en-US" baseline="0" dirty="0" err="1" smtClean="0"/>
+              <a:t>värsta</a:t>
+            </a:r>
+            <a:r>
+              <a:rPr lang="en-US" baseline="0" dirty="0" smtClean="0"/>
+              <a:t> </a:t>
+            </a:r>
+            <a:r>
+              <a:rPr lang="en-US" baseline="0" dirty="0" err="1" smtClean="0"/>
+              <a:t>fallet</a:t>
+            </a:r>
+            <a:r>
+              <a:rPr lang="en-US" baseline="0" dirty="0" smtClean="0"/>
+              <a:t> </a:t>
+            </a:r>
+            <a:r>
+              <a:rPr lang="en-US" baseline="0" dirty="0" err="1" smtClean="0"/>
+              <a:t>sker</a:t>
+            </a:r>
+            <a:r>
+              <a:rPr lang="en-US" baseline="0" dirty="0" smtClean="0"/>
+              <a:t> </a:t>
+            </a:r>
+            <a:r>
+              <a:rPr lang="en-US" baseline="0" dirty="0" err="1" smtClean="0"/>
+              <a:t>när</a:t>
+            </a:r>
+            <a:r>
+              <a:rPr lang="en-US" baseline="0" dirty="0" smtClean="0"/>
+              <a:t> en nod </a:t>
+            </a:r>
+            <a:r>
+              <a:rPr lang="en-US" baseline="0" dirty="0" err="1" smtClean="0"/>
+              <a:t>dör</a:t>
+            </a:r>
+            <a:r>
+              <a:rPr lang="en-US" baseline="0" dirty="0" smtClean="0"/>
+              <a:t> </a:t>
+            </a:r>
+            <a:r>
+              <a:rPr lang="en-US" baseline="0" dirty="0" err="1" smtClean="0"/>
+              <a:t>precis</a:t>
+            </a:r>
+            <a:r>
+              <a:rPr lang="en-US" baseline="0" dirty="0" smtClean="0"/>
+              <a:t> </a:t>
+            </a:r>
+            <a:r>
+              <a:rPr lang="en-US" baseline="0" dirty="0" err="1" smtClean="0"/>
+              <a:t>efter</a:t>
+            </a:r>
+            <a:r>
+              <a:rPr lang="en-US" baseline="0" dirty="0" smtClean="0"/>
+              <a:t> den </a:t>
+            </a:r>
+            <a:r>
+              <a:rPr lang="en-US" baseline="0" dirty="0" err="1" smtClean="0"/>
+              <a:t>skickat</a:t>
+            </a:r>
+            <a:r>
+              <a:rPr lang="en-US" baseline="0" dirty="0" smtClean="0"/>
+              <a:t>.</a:t>
+            </a:r>
+            <a:endParaRPr lang="en-US" dirty="0"/>
+          </a:p>
+        </p:txBody>
+      </p:sp>
+      <p:sp>
+        <p:nvSpPr>
+          <p:cNvPr id="4" name="Slide Number Placeholder 3"/>
+          <p:cNvSpPr>
+            <a:spLocks noGrp="1"/>
+          </p:cNvSpPr>
+          <p:nvPr>
+            <p:ph type="sldNum" sz="quarter" idx="10"/>
+          </p:nvPr>
+        </p:nvSpPr>
+        <p:spPr/>
+        <p:txBody>
+          <a:bodyPr/>
+          <a:lstStyle/>
+          <a:p>
+            <a:fld id="{100650DF-8CBF-0341-B1F9-47D0C0CD302F}" type="slidenum">
+              <a:rPr lang="en-US" smtClean="0"/>
+              <a:t>18</a:t>
+            </a:fld>
+            <a:endParaRPr lang="en-US"/>
+          </a:p>
+        </p:txBody>
+      </p:sp>
+    </p:spTree>
+    <p:extLst>
+      <p:ext uri="{BB962C8B-B14F-4D97-AF65-F5344CB8AC3E}">
+        <p14:creationId xmlns:p14="http://schemas.microsoft.com/office/powerpoint/2010/main" val="808797677"/>
+      </p:ext>
+    </p:extLst>
+  </p:cSld>
+  <p:clrMapOvr>
+    <a:masterClrMapping/>
+  </p:clrMapOvr>
+</p:notes>
+</file>
+
+<file path=ppt/notesSlides/notesSlide15.xml><?xml version="1.0" encoding="utf-8"?>
+<p:notes xmlns:a="http://schemas.openxmlformats.org/drawingml/2006/main" xmlns:r="http://schemas.openxmlformats.org/officeDocument/2006/relationships" xmlns:p="http://schemas.openxmlformats.org/presentationml/2006/main">
+  <p:cSld>
+    <p:spTree>
+      <p:nvGrpSpPr>
+        <p:cNvPr id="1" name=""/>
+        <p:cNvGrpSpPr/>
+        <p:nvPr/>
+      </p:nvGrpSpPr>
+      <p:grpSpPr>
+        <a:xfrm>
+          <a:off x="0" y="0"/>
+          <a:ext cx="0" cy="0"/>
+          <a:chOff x="0" y="0"/>
+          <a:chExt cx="0" cy="0"/>
+        </a:xfrm>
+      </p:grpSpPr>
+      <p:sp>
+        <p:nvSpPr>
+          <p:cNvPr id="2" name="Slide Image Placeholder 1"/>
+          <p:cNvSpPr>
+            <a:spLocks noGrp="1" noRot="1" noChangeAspect="1"/>
+          </p:cNvSpPr>
+          <p:nvPr>
+            <p:ph type="sldImg"/>
+          </p:nvPr>
+        </p:nvSpPr>
+        <p:spPr/>
+      </p:sp>
+      <p:sp>
+        <p:nvSpPr>
+          <p:cNvPr id="3" name="Notes Placeholder 2"/>
+          <p:cNvSpPr>
+            <a:spLocks noGrp="1"/>
+          </p:cNvSpPr>
+          <p:nvPr>
+            <p:ph type="body" idx="1"/>
+          </p:nvPr>
+        </p:nvSpPr>
+        <p:spPr/>
+        <p:txBody>
+          <a:bodyPr/>
+          <a:lstStyle/>
+          <a:p>
+            <a:r>
+              <a:rPr lang="en-US" dirty="0" err="1" smtClean="0"/>
+              <a:t>Värsta</a:t>
+            </a:r>
+            <a:r>
+              <a:rPr lang="en-US" dirty="0" smtClean="0"/>
+              <a:t> fall</a:t>
+            </a:r>
+            <a:r>
+              <a:rPr lang="en-US" baseline="0" dirty="0" smtClean="0"/>
+              <a:t> till </a:t>
+            </a:r>
+            <a:r>
+              <a:rPr lang="en-US" baseline="0" dirty="0" err="1" smtClean="0"/>
+              <a:t>vänster</a:t>
+            </a:r>
+            <a:r>
+              <a:rPr lang="en-US" baseline="0" dirty="0" smtClean="0"/>
+              <a:t>, </a:t>
+            </a:r>
+            <a:r>
+              <a:rPr lang="en-US" baseline="0" dirty="0" err="1" smtClean="0"/>
+              <a:t>bästa</a:t>
+            </a:r>
+            <a:r>
+              <a:rPr lang="en-US" baseline="0" dirty="0" smtClean="0"/>
+              <a:t> till </a:t>
+            </a:r>
+            <a:r>
+              <a:rPr lang="en-US" baseline="0" dirty="0" err="1" smtClean="0"/>
+              <a:t>höger</a:t>
+            </a:r>
+            <a:r>
+              <a:rPr lang="en-US" baseline="0" dirty="0" smtClean="0"/>
+              <a:t>.</a:t>
+            </a:r>
+          </a:p>
+          <a:p>
+            <a:endParaRPr lang="en-US" baseline="0" dirty="0" smtClean="0"/>
+          </a:p>
+          <a:p>
+            <a:r>
+              <a:rPr lang="en-US" baseline="0" dirty="0" smtClean="0"/>
+              <a:t>I </a:t>
+            </a:r>
+            <a:r>
+              <a:rPr lang="en-US" baseline="0" dirty="0" err="1" smtClean="0"/>
+              <a:t>vår</a:t>
+            </a:r>
+            <a:r>
+              <a:rPr lang="en-US" baseline="0" dirty="0" smtClean="0"/>
+              <a:t> </a:t>
+            </a:r>
+            <a:r>
+              <a:rPr lang="en-US" baseline="0" dirty="0" err="1" smtClean="0"/>
+              <a:t>modell</a:t>
+            </a:r>
+            <a:r>
+              <a:rPr lang="en-US" baseline="0" dirty="0" smtClean="0"/>
+              <a:t> </a:t>
+            </a:r>
+            <a:r>
+              <a:rPr lang="en-US" baseline="0" dirty="0" err="1" smtClean="0"/>
+              <a:t>använder</a:t>
+            </a:r>
+            <a:r>
+              <a:rPr lang="en-US" baseline="0" dirty="0" smtClean="0"/>
+              <a:t> vi den </a:t>
+            </a:r>
+            <a:r>
+              <a:rPr lang="en-US" baseline="0" dirty="0" err="1" smtClean="0"/>
+              <a:t>övre</a:t>
+            </a:r>
+            <a:r>
+              <a:rPr lang="en-US" baseline="0" dirty="0" smtClean="0"/>
+              <a:t> </a:t>
+            </a:r>
+            <a:r>
+              <a:rPr lang="en-US" baseline="0" dirty="0" err="1" smtClean="0"/>
+              <a:t>gränsen</a:t>
+            </a:r>
+            <a:r>
+              <a:rPr lang="en-US" baseline="0" dirty="0" smtClean="0"/>
+              <a:t> 500 </a:t>
+            </a:r>
+            <a:r>
+              <a:rPr lang="en-US" baseline="0" dirty="0" err="1" smtClean="0"/>
+              <a:t>ms.</a:t>
+            </a:r>
+            <a:r>
+              <a:rPr lang="en-US" baseline="0" dirty="0" smtClean="0"/>
+              <a:t> </a:t>
+            </a:r>
+            <a:r>
+              <a:rPr lang="en-US" baseline="0" dirty="0" err="1" smtClean="0"/>
+              <a:t>Det</a:t>
+            </a:r>
+            <a:r>
+              <a:rPr lang="en-US" baseline="0" dirty="0" smtClean="0"/>
+              <a:t> </a:t>
+            </a:r>
+            <a:r>
+              <a:rPr lang="en-US" baseline="0" dirty="0" err="1" smtClean="0"/>
+              <a:t>är</a:t>
+            </a:r>
+            <a:r>
+              <a:rPr lang="en-US" baseline="0" dirty="0" smtClean="0"/>
+              <a:t> </a:t>
+            </a:r>
+            <a:r>
+              <a:rPr lang="en-US" baseline="0" dirty="0" err="1" smtClean="0"/>
+              <a:t>säkert</a:t>
+            </a:r>
+            <a:r>
+              <a:rPr lang="en-US" baseline="0" dirty="0" smtClean="0"/>
+              <a:t> </a:t>
+            </a:r>
+            <a:r>
+              <a:rPr lang="en-US" baseline="0" dirty="0" err="1" smtClean="0"/>
+              <a:t>att</a:t>
+            </a:r>
+            <a:r>
+              <a:rPr lang="en-US" baseline="0" dirty="0" smtClean="0"/>
+              <a:t> </a:t>
+            </a:r>
+            <a:r>
+              <a:rPr lang="en-US" baseline="0" dirty="0" err="1" smtClean="0"/>
+              <a:t>göra</a:t>
+            </a:r>
+            <a:r>
+              <a:rPr lang="en-US" baseline="0" dirty="0" smtClean="0"/>
+              <a:t> </a:t>
+            </a:r>
+            <a:r>
+              <a:rPr lang="en-US" baseline="0" dirty="0" err="1" smtClean="0"/>
+              <a:t>eftersom</a:t>
+            </a:r>
+            <a:r>
+              <a:rPr lang="en-US" baseline="0" dirty="0" smtClean="0"/>
+              <a:t> </a:t>
+            </a:r>
+            <a:r>
+              <a:rPr lang="en-US" baseline="0" dirty="0" err="1" smtClean="0"/>
+              <a:t>det</a:t>
+            </a:r>
+            <a:r>
+              <a:rPr lang="en-US" baseline="0" dirty="0" smtClean="0"/>
+              <a:t> </a:t>
+            </a:r>
+            <a:r>
+              <a:rPr lang="en-US" baseline="0" dirty="0" err="1" smtClean="0"/>
+              <a:t>innebär</a:t>
+            </a:r>
+            <a:r>
+              <a:rPr lang="en-US" baseline="0" dirty="0" smtClean="0"/>
+              <a:t> </a:t>
+            </a:r>
+            <a:r>
+              <a:rPr lang="en-US" baseline="0" dirty="0" err="1" smtClean="0"/>
+              <a:t>att</a:t>
+            </a:r>
+            <a:r>
+              <a:rPr lang="en-US" baseline="0" dirty="0" smtClean="0"/>
+              <a:t> den </a:t>
+            </a:r>
+            <a:r>
+              <a:rPr lang="en-US" baseline="0" dirty="0" err="1" smtClean="0"/>
+              <a:t>beräknade</a:t>
+            </a:r>
+            <a:r>
+              <a:rPr lang="en-US" baseline="0" dirty="0" smtClean="0"/>
+              <a:t> </a:t>
+            </a:r>
+            <a:r>
+              <a:rPr lang="en-US" baseline="0" dirty="0" err="1" smtClean="0"/>
+              <a:t>tillförlitligheten</a:t>
+            </a:r>
+            <a:r>
+              <a:rPr lang="en-US" baseline="0" dirty="0" smtClean="0"/>
+              <a:t> </a:t>
+            </a:r>
+            <a:r>
+              <a:rPr lang="en-US" baseline="0" dirty="0" err="1" smtClean="0"/>
+              <a:t>är</a:t>
+            </a:r>
+            <a:r>
+              <a:rPr lang="en-US" baseline="0" dirty="0" smtClean="0"/>
+              <a:t> </a:t>
+            </a:r>
+            <a:r>
+              <a:rPr lang="en-US" baseline="0" dirty="0" err="1" smtClean="0"/>
+              <a:t>samma</a:t>
+            </a:r>
+            <a:r>
+              <a:rPr lang="en-US" baseline="0" dirty="0" smtClean="0"/>
+              <a:t> </a:t>
+            </a:r>
+            <a:r>
+              <a:rPr lang="en-US" baseline="0" dirty="0" err="1" smtClean="0"/>
+              <a:t>eller</a:t>
+            </a:r>
+            <a:r>
+              <a:rPr lang="en-US" baseline="0" dirty="0" smtClean="0"/>
+              <a:t> </a:t>
+            </a:r>
+            <a:r>
+              <a:rPr lang="en-US" baseline="0" dirty="0" err="1" smtClean="0"/>
+              <a:t>sämre</a:t>
+            </a:r>
+            <a:r>
+              <a:rPr lang="en-US" baseline="0" dirty="0" smtClean="0"/>
+              <a:t> </a:t>
+            </a:r>
+            <a:r>
+              <a:rPr lang="en-US" baseline="0" dirty="0" err="1" smtClean="0"/>
+              <a:t>än</a:t>
+            </a:r>
+            <a:r>
+              <a:rPr lang="en-US" baseline="0" dirty="0" smtClean="0"/>
+              <a:t> den </a:t>
+            </a:r>
+            <a:r>
+              <a:rPr lang="en-US" baseline="0" dirty="0" err="1" smtClean="0"/>
+              <a:t>faktiska</a:t>
+            </a:r>
+            <a:r>
+              <a:rPr lang="en-US" baseline="0" dirty="0" smtClean="0"/>
+              <a:t>.</a:t>
+            </a:r>
+            <a:endParaRPr lang="en-US" dirty="0"/>
+          </a:p>
+        </p:txBody>
+      </p:sp>
+      <p:sp>
+        <p:nvSpPr>
+          <p:cNvPr id="4" name="Slide Number Placeholder 3"/>
+          <p:cNvSpPr>
+            <a:spLocks noGrp="1"/>
+          </p:cNvSpPr>
+          <p:nvPr>
+            <p:ph type="sldNum" sz="quarter" idx="10"/>
+          </p:nvPr>
+        </p:nvSpPr>
+        <p:spPr/>
+        <p:txBody>
+          <a:bodyPr/>
+          <a:lstStyle/>
+          <a:p>
+            <a:fld id="{100650DF-8CBF-0341-B1F9-47D0C0CD302F}" type="slidenum">
+              <a:rPr lang="en-US" smtClean="0"/>
+              <a:t>19</a:t>
+            </a:fld>
+            <a:endParaRPr lang="en-US"/>
+          </a:p>
+        </p:txBody>
+      </p:sp>
+    </p:spTree>
+    <p:extLst>
+      <p:ext uri="{BB962C8B-B14F-4D97-AF65-F5344CB8AC3E}">
+        <p14:creationId xmlns:p14="http://schemas.microsoft.com/office/powerpoint/2010/main" val="248427088"/>
+      </p:ext>
+    </p:extLst>
+  </p:cSld>
+  <p:clrMapOvr>
+    <a:masterClrMapping/>
+  </p:clrMapOvr>
+</p:notes>
+</file>
+
+<file path=ppt/notesSlides/notesSlide16.xml><?xml version="1.0" encoding="utf-8"?>
+<p:notes xmlns:a="http://schemas.openxmlformats.org/drawingml/2006/main" xmlns:r="http://schemas.openxmlformats.org/officeDocument/2006/relationships" xmlns:p="http://schemas.openxmlformats.org/presentationml/2006/main">
+  <p:cSld>
+    <p:spTree>
+      <p:nvGrpSpPr>
+        <p:cNvPr id="1" name=""/>
+        <p:cNvGrpSpPr/>
+        <p:nvPr/>
+      </p:nvGrpSpPr>
+      <p:grpSpPr>
+        <a:xfrm>
+          <a:off x="0" y="0"/>
+          <a:ext cx="0" cy="0"/>
+          <a:chOff x="0" y="0"/>
+          <a:chExt cx="0" cy="0"/>
+        </a:xfrm>
+      </p:grpSpPr>
+      <p:sp>
+        <p:nvSpPr>
+          <p:cNvPr id="2" name="Slide Image Placeholder 1"/>
+          <p:cNvSpPr>
+            <a:spLocks noGrp="1" noRot="1" noChangeAspect="1"/>
+          </p:cNvSpPr>
+          <p:nvPr>
+            <p:ph type="sldImg"/>
+          </p:nvPr>
+        </p:nvSpPr>
+        <p:spPr/>
+      </p:sp>
+      <p:sp>
+        <p:nvSpPr>
+          <p:cNvPr id="3" name="Notes Placeholder 2"/>
+          <p:cNvSpPr>
+            <a:spLocks noGrp="1"/>
+          </p:cNvSpPr>
+          <p:nvPr>
+            <p:ph type="body" idx="1"/>
+          </p:nvPr>
+        </p:nvSpPr>
+        <p:spPr/>
+        <p:txBody>
+          <a:bodyPr/>
+          <a:lstStyle/>
+          <a:p>
+            <a:r>
+              <a:rPr lang="en-US" dirty="0" err="1" smtClean="0"/>
+              <a:t>Som</a:t>
+            </a:r>
+            <a:r>
+              <a:rPr lang="en-US" dirty="0" smtClean="0"/>
+              <a:t> vi </a:t>
+            </a:r>
+            <a:r>
+              <a:rPr lang="en-US" dirty="0" err="1" smtClean="0"/>
+              <a:t>sa</a:t>
+            </a:r>
+            <a:r>
+              <a:rPr lang="en-US" dirty="0" smtClean="0"/>
+              <a:t> </a:t>
+            </a:r>
+            <a:r>
+              <a:rPr lang="en-US" dirty="0" err="1" smtClean="0"/>
+              <a:t>så</a:t>
+            </a:r>
+            <a:r>
+              <a:rPr lang="en-US" baseline="0" dirty="0" smtClean="0"/>
+              <a:t> </a:t>
+            </a:r>
+            <a:r>
+              <a:rPr lang="en-US" baseline="0" dirty="0" err="1" smtClean="0"/>
+              <a:t>måste</a:t>
+            </a:r>
+            <a:r>
+              <a:rPr lang="en-US" baseline="0" dirty="0" smtClean="0"/>
+              <a:t> </a:t>
+            </a:r>
+            <a:r>
+              <a:rPr lang="en-US" baseline="0" dirty="0" err="1" smtClean="0"/>
+              <a:t>denna</a:t>
+            </a:r>
+            <a:r>
+              <a:rPr lang="en-US" baseline="0" dirty="0" smtClean="0"/>
+              <a:t> </a:t>
+            </a:r>
+            <a:r>
+              <a:rPr lang="en-US" baseline="0" dirty="0" err="1" smtClean="0"/>
+              <a:t>algoritmen</a:t>
+            </a:r>
+            <a:r>
+              <a:rPr lang="en-US" baseline="0" dirty="0" smtClean="0"/>
+              <a:t> </a:t>
+            </a:r>
+            <a:r>
+              <a:rPr lang="en-US" baseline="0" dirty="0" err="1" smtClean="0"/>
+              <a:t>köras</a:t>
+            </a:r>
+            <a:r>
+              <a:rPr lang="en-US" baseline="0" dirty="0" smtClean="0"/>
+              <a:t> </a:t>
+            </a:r>
+            <a:r>
+              <a:rPr lang="en-US" baseline="0" dirty="0" err="1" smtClean="0"/>
+              <a:t>varje</a:t>
+            </a:r>
+            <a:r>
+              <a:rPr lang="en-US" baseline="0" dirty="0" smtClean="0"/>
+              <a:t> </a:t>
+            </a:r>
+            <a:r>
+              <a:rPr lang="en-US" baseline="0" dirty="0" err="1" smtClean="0"/>
+              <a:t>gång</a:t>
+            </a:r>
+            <a:r>
+              <a:rPr lang="en-US" baseline="0" dirty="0" smtClean="0"/>
+              <a:t> en nod </a:t>
+            </a:r>
+            <a:r>
+              <a:rPr lang="en-US" baseline="0" dirty="0" err="1" smtClean="0"/>
+              <a:t>dör</a:t>
+            </a:r>
+            <a:r>
+              <a:rPr lang="en-US" baseline="0" dirty="0" smtClean="0"/>
+              <a:t>.</a:t>
+            </a:r>
+          </a:p>
+          <a:p>
+            <a:endParaRPr lang="en-US" baseline="0" dirty="0" smtClean="0"/>
+          </a:p>
+          <a:p>
+            <a:r>
+              <a:rPr lang="en-US" baseline="0" dirty="0" smtClean="0"/>
+              <a:t>Men </a:t>
+            </a:r>
+            <a:r>
+              <a:rPr lang="en-US" baseline="0" dirty="0" err="1" smtClean="0"/>
+              <a:t>alla</a:t>
+            </a:r>
+            <a:r>
+              <a:rPr lang="en-US" baseline="0" dirty="0" smtClean="0"/>
+              <a:t> </a:t>
+            </a:r>
+            <a:r>
+              <a:rPr lang="en-US" baseline="0" dirty="0" err="1" smtClean="0"/>
+              <a:t>noder</a:t>
+            </a:r>
+            <a:r>
+              <a:rPr lang="en-US" baseline="0" dirty="0" smtClean="0"/>
+              <a:t> </a:t>
+            </a:r>
+            <a:r>
+              <a:rPr lang="en-US" baseline="0" dirty="0" err="1" smtClean="0"/>
+              <a:t>som</a:t>
+            </a:r>
+            <a:r>
+              <a:rPr lang="en-US" baseline="0" dirty="0" smtClean="0"/>
+              <a:t> </a:t>
+            </a:r>
+            <a:r>
+              <a:rPr lang="en-US" baseline="0" dirty="0" err="1" smtClean="0"/>
+              <a:t>detekerar</a:t>
+            </a:r>
+            <a:r>
+              <a:rPr lang="en-US" baseline="0" dirty="0" smtClean="0"/>
+              <a:t> </a:t>
+            </a:r>
+            <a:r>
+              <a:rPr lang="en-US" baseline="0" dirty="0" err="1" smtClean="0"/>
+              <a:t>ett</a:t>
+            </a:r>
+            <a:r>
+              <a:rPr lang="en-US" baseline="0" dirty="0" smtClean="0"/>
+              <a:t> </a:t>
+            </a:r>
+            <a:r>
+              <a:rPr lang="en-US" baseline="0" dirty="0" err="1" smtClean="0"/>
+              <a:t>fel</a:t>
+            </a:r>
+            <a:r>
+              <a:rPr lang="en-US" baseline="0" dirty="0" smtClean="0"/>
+              <a:t> </a:t>
+            </a:r>
+            <a:r>
+              <a:rPr lang="en-US" baseline="0" dirty="0" err="1" smtClean="0"/>
+              <a:t>kan</a:t>
+            </a:r>
+            <a:r>
+              <a:rPr lang="en-US" baseline="0" dirty="0" smtClean="0"/>
+              <a:t> </a:t>
+            </a:r>
+            <a:r>
+              <a:rPr lang="en-US" baseline="0" dirty="0" err="1" smtClean="0"/>
+              <a:t>inte</a:t>
+            </a:r>
+            <a:r>
+              <a:rPr lang="en-US" baseline="0" dirty="0" smtClean="0"/>
+              <a:t> </a:t>
+            </a:r>
+            <a:r>
+              <a:rPr lang="en-US" baseline="0" dirty="0" err="1" smtClean="0"/>
+              <a:t>köra</a:t>
+            </a:r>
+            <a:r>
+              <a:rPr lang="en-US" baseline="0" dirty="0" smtClean="0"/>
+              <a:t> den, </a:t>
+            </a:r>
+            <a:r>
+              <a:rPr lang="en-US" baseline="0" dirty="0" err="1" smtClean="0"/>
+              <a:t>eftersom</a:t>
+            </a:r>
+            <a:r>
+              <a:rPr lang="en-US" baseline="0" dirty="0" smtClean="0"/>
+              <a:t> </a:t>
+            </a:r>
+            <a:r>
+              <a:rPr lang="en-US" baseline="0" dirty="0" err="1" smtClean="0"/>
+              <a:t>det</a:t>
+            </a:r>
+            <a:r>
+              <a:rPr lang="en-US" baseline="0" dirty="0" smtClean="0"/>
+              <a:t> </a:t>
+            </a:r>
+            <a:r>
+              <a:rPr lang="en-US" baseline="0" dirty="0" err="1" smtClean="0"/>
+              <a:t>skulle</a:t>
+            </a:r>
+            <a:r>
+              <a:rPr lang="en-US" baseline="0" dirty="0" smtClean="0"/>
+              <a:t> </a:t>
+            </a:r>
+            <a:r>
+              <a:rPr lang="en-US" baseline="0" dirty="0" err="1" smtClean="0"/>
+              <a:t>innebära</a:t>
+            </a:r>
+            <a:r>
+              <a:rPr lang="en-US" baseline="0" dirty="0" smtClean="0"/>
+              <a:t> </a:t>
+            </a:r>
+            <a:r>
+              <a:rPr lang="en-US" baseline="0" dirty="0" err="1" smtClean="0"/>
+              <a:t>att</a:t>
+            </a:r>
+            <a:r>
+              <a:rPr lang="en-US" baseline="0" dirty="0" smtClean="0"/>
+              <a:t> </a:t>
+            </a:r>
+            <a:r>
+              <a:rPr lang="en-US" baseline="0" dirty="0" err="1" smtClean="0"/>
+              <a:t>alla</a:t>
+            </a:r>
+            <a:r>
+              <a:rPr lang="en-US" baseline="0" dirty="0" smtClean="0"/>
+              <a:t> </a:t>
+            </a:r>
+            <a:r>
+              <a:rPr lang="en-US" baseline="0" dirty="0" err="1" smtClean="0"/>
+              <a:t>inser</a:t>
+            </a:r>
+            <a:r>
+              <a:rPr lang="en-US" baseline="0" dirty="0" smtClean="0"/>
+              <a:t> </a:t>
+            </a:r>
+            <a:r>
+              <a:rPr lang="en-US" baseline="0" dirty="0" err="1" smtClean="0"/>
+              <a:t>att</a:t>
+            </a:r>
+            <a:r>
+              <a:rPr lang="en-US" baseline="0" dirty="0" smtClean="0"/>
+              <a:t> en </a:t>
+            </a:r>
+            <a:r>
+              <a:rPr lang="en-US" baseline="0" dirty="0" err="1" smtClean="0"/>
+              <a:t>ny</a:t>
+            </a:r>
+            <a:r>
+              <a:rPr lang="en-US" baseline="0" dirty="0" smtClean="0"/>
+              <a:t> </a:t>
+            </a:r>
+            <a:r>
+              <a:rPr lang="en-US" baseline="0" dirty="0" err="1" smtClean="0"/>
+              <a:t>replika</a:t>
+            </a:r>
+            <a:r>
+              <a:rPr lang="en-US" baseline="0" dirty="0" smtClean="0"/>
+              <a:t> </a:t>
+            </a:r>
+            <a:r>
+              <a:rPr lang="en-US" baseline="0" dirty="0" err="1" smtClean="0"/>
+              <a:t>behövs</a:t>
+            </a:r>
+            <a:r>
+              <a:rPr lang="en-US" baseline="0" dirty="0" smtClean="0"/>
+              <a:t>, </a:t>
+            </a:r>
+            <a:r>
+              <a:rPr lang="en-US" baseline="0" dirty="0" err="1" smtClean="0"/>
+              <a:t>och</a:t>
+            </a:r>
+            <a:r>
+              <a:rPr lang="en-US" baseline="0" dirty="0" smtClean="0"/>
+              <a:t> </a:t>
+            </a:r>
+            <a:r>
+              <a:rPr lang="en-US" baseline="0" dirty="0" err="1" smtClean="0"/>
+              <a:t>då</a:t>
+            </a:r>
+            <a:r>
+              <a:rPr lang="en-US" baseline="0" dirty="0" smtClean="0"/>
+              <a:t> </a:t>
+            </a:r>
+            <a:r>
+              <a:rPr lang="en-US" baseline="0" dirty="0" err="1" smtClean="0"/>
+              <a:t>skapar</a:t>
+            </a:r>
+            <a:r>
+              <a:rPr lang="en-US" baseline="0" dirty="0" smtClean="0"/>
+              <a:t> en </a:t>
+            </a:r>
+            <a:r>
+              <a:rPr lang="en-US" baseline="0" dirty="0" err="1" smtClean="0"/>
+              <a:t>ny</a:t>
+            </a:r>
+            <a:r>
+              <a:rPr lang="en-US" baseline="0" dirty="0" smtClean="0"/>
+              <a:t> </a:t>
+            </a:r>
+            <a:r>
+              <a:rPr lang="en-US" baseline="0" dirty="0" err="1" smtClean="0"/>
+              <a:t>replika</a:t>
+            </a:r>
+            <a:r>
+              <a:rPr lang="en-US" baseline="0" dirty="0" smtClean="0"/>
+              <a:t>, </a:t>
+            </a:r>
+            <a:r>
+              <a:rPr lang="en-US" baseline="0" dirty="0" err="1" smtClean="0"/>
+              <a:t>vilket</a:t>
+            </a:r>
+            <a:r>
+              <a:rPr lang="en-US" baseline="0" dirty="0" smtClean="0"/>
+              <a:t> </a:t>
+            </a:r>
+            <a:r>
+              <a:rPr lang="en-US" baseline="0" dirty="0" err="1" smtClean="0"/>
+              <a:t>resulterar</a:t>
+            </a:r>
+            <a:r>
+              <a:rPr lang="en-US" baseline="0" dirty="0" smtClean="0"/>
+              <a:t> I </a:t>
+            </a:r>
+            <a:r>
+              <a:rPr lang="en-US" baseline="0" dirty="0" err="1" smtClean="0"/>
+              <a:t>att</a:t>
+            </a:r>
+            <a:r>
+              <a:rPr lang="en-US" baseline="0" dirty="0" smtClean="0"/>
+              <a:t> vi </a:t>
+            </a:r>
+            <a:r>
+              <a:rPr lang="en-US" baseline="0" dirty="0" err="1" smtClean="0"/>
+              <a:t>helt</a:t>
+            </a:r>
+            <a:r>
+              <a:rPr lang="en-US" baseline="0" dirty="0" smtClean="0"/>
+              <a:t> </a:t>
+            </a:r>
+            <a:r>
+              <a:rPr lang="en-US" baseline="0" dirty="0" err="1" smtClean="0"/>
+              <a:t>plötsligt</a:t>
+            </a:r>
+            <a:r>
+              <a:rPr lang="en-US" baseline="0" dirty="0" smtClean="0"/>
+              <a:t> </a:t>
+            </a:r>
+            <a:r>
+              <a:rPr lang="en-US" baseline="0" dirty="0" err="1" smtClean="0"/>
+              <a:t>fått</a:t>
+            </a:r>
+            <a:r>
+              <a:rPr lang="en-US" baseline="0" dirty="0" smtClean="0"/>
+              <a:t> </a:t>
+            </a:r>
+            <a:r>
+              <a:rPr lang="en-US" baseline="0" dirty="0" err="1" smtClean="0"/>
+              <a:t>alldeles</a:t>
+            </a:r>
+            <a:r>
+              <a:rPr lang="en-US" baseline="0" dirty="0" smtClean="0"/>
+              <a:t> </a:t>
+            </a:r>
+            <a:r>
+              <a:rPr lang="en-US" baseline="0" dirty="0" err="1" smtClean="0"/>
+              <a:t>för</a:t>
+            </a:r>
+            <a:r>
+              <a:rPr lang="en-US" baseline="0" dirty="0" smtClean="0"/>
+              <a:t> </a:t>
+            </a:r>
+            <a:r>
+              <a:rPr lang="en-US" baseline="0" dirty="0" err="1" smtClean="0"/>
+              <a:t>många</a:t>
+            </a:r>
+            <a:r>
+              <a:rPr lang="en-US" baseline="0" dirty="0" smtClean="0"/>
+              <a:t> </a:t>
+            </a:r>
+            <a:r>
+              <a:rPr lang="en-US" baseline="0" dirty="0" err="1" smtClean="0"/>
+              <a:t>replikor</a:t>
+            </a:r>
+            <a:r>
+              <a:rPr lang="en-US" baseline="0" dirty="0" smtClean="0"/>
+              <a:t>, </a:t>
+            </a:r>
+            <a:r>
+              <a:rPr lang="en-US" baseline="0" dirty="0" err="1" smtClean="0"/>
+              <a:t>fler</a:t>
+            </a:r>
+            <a:r>
+              <a:rPr lang="en-US" baseline="0" dirty="0" smtClean="0"/>
+              <a:t> </a:t>
+            </a:r>
+            <a:r>
+              <a:rPr lang="en-US" baseline="0" dirty="0" err="1" smtClean="0"/>
+              <a:t>än</a:t>
+            </a:r>
+            <a:r>
+              <a:rPr lang="en-US" baseline="0" dirty="0" smtClean="0"/>
+              <a:t> vi </a:t>
+            </a:r>
+            <a:r>
+              <a:rPr lang="en-US" baseline="0" dirty="0" err="1" smtClean="0"/>
+              <a:t>behöver</a:t>
+            </a:r>
+            <a:r>
+              <a:rPr lang="en-US" baseline="0" dirty="0" smtClean="0"/>
+              <a:t>.</a:t>
+            </a:r>
+          </a:p>
+          <a:p>
+            <a:endParaRPr lang="en-US" baseline="0" dirty="0" smtClean="0"/>
+          </a:p>
+          <a:p>
+            <a:r>
+              <a:rPr lang="en-US" baseline="0" dirty="0" err="1" smtClean="0"/>
+              <a:t>Istället</a:t>
+            </a:r>
+            <a:r>
+              <a:rPr lang="en-US" baseline="0" dirty="0" smtClean="0"/>
+              <a:t> </a:t>
+            </a:r>
+            <a:r>
+              <a:rPr lang="en-US" baseline="0" dirty="0" err="1" smtClean="0"/>
+              <a:t>så</a:t>
+            </a:r>
+            <a:r>
+              <a:rPr lang="en-US" baseline="0" dirty="0" smtClean="0"/>
+              <a:t> </a:t>
+            </a:r>
+            <a:r>
+              <a:rPr lang="en-US" baseline="0" dirty="0" err="1" smtClean="0"/>
+              <a:t>väljs</a:t>
+            </a:r>
+            <a:r>
+              <a:rPr lang="en-US" baseline="0" dirty="0" smtClean="0"/>
+              <a:t> en </a:t>
+            </a:r>
+            <a:r>
+              <a:rPr lang="en-US" baseline="0" dirty="0" err="1" smtClean="0"/>
+              <a:t>av</a:t>
+            </a:r>
+            <a:r>
+              <a:rPr lang="en-US" baseline="0" dirty="0" smtClean="0"/>
+              <a:t> de </a:t>
+            </a:r>
+            <a:r>
+              <a:rPr lang="en-US" baseline="0" dirty="0" err="1" smtClean="0"/>
+              <a:t>noderna</a:t>
+            </a:r>
+            <a:r>
+              <a:rPr lang="en-US" baseline="0" dirty="0" smtClean="0"/>
+              <a:t> </a:t>
+            </a:r>
+            <a:r>
+              <a:rPr lang="en-US" baseline="0" dirty="0" err="1" smtClean="0"/>
+              <a:t>som</a:t>
+            </a:r>
+            <a:r>
+              <a:rPr lang="en-US" baseline="0" dirty="0" smtClean="0"/>
+              <a:t> </a:t>
+            </a:r>
+            <a:r>
+              <a:rPr lang="en-US" baseline="0" dirty="0" err="1" smtClean="0"/>
+              <a:t>är</a:t>
+            </a:r>
+            <a:r>
+              <a:rPr lang="en-US" baseline="0" dirty="0" smtClean="0"/>
+              <a:t> </a:t>
+            </a:r>
+            <a:r>
+              <a:rPr lang="en-US" baseline="0" dirty="0" err="1" smtClean="0"/>
+              <a:t>kvar</a:t>
+            </a:r>
+            <a:r>
+              <a:rPr lang="en-US" baseline="0" dirty="0" smtClean="0"/>
+              <a:t> </a:t>
+            </a:r>
+            <a:r>
+              <a:rPr lang="en-US" baseline="0" dirty="0" err="1" smtClean="0"/>
+              <a:t>ut</a:t>
+            </a:r>
+            <a:r>
+              <a:rPr lang="en-US" baseline="0" dirty="0" smtClean="0"/>
+              <a:t>, </a:t>
+            </a:r>
+            <a:r>
+              <a:rPr lang="en-US" baseline="0" dirty="0" err="1" smtClean="0"/>
+              <a:t>genom</a:t>
+            </a:r>
+            <a:r>
+              <a:rPr lang="en-US" baseline="0" dirty="0" smtClean="0"/>
+              <a:t> </a:t>
+            </a:r>
+            <a:r>
+              <a:rPr lang="en-US" baseline="0" dirty="0" err="1" smtClean="0"/>
+              <a:t>högsta</a:t>
+            </a:r>
+            <a:r>
+              <a:rPr lang="en-US" baseline="0" dirty="0" smtClean="0"/>
+              <a:t> ID, </a:t>
+            </a:r>
+            <a:r>
+              <a:rPr lang="en-US" baseline="0" dirty="0" err="1" smtClean="0"/>
+              <a:t>som</a:t>
+            </a:r>
+            <a:r>
+              <a:rPr lang="en-US" baseline="0" dirty="0" smtClean="0"/>
+              <a:t> </a:t>
+            </a:r>
+            <a:r>
+              <a:rPr lang="en-US" baseline="0" dirty="0" err="1" smtClean="0"/>
+              <a:t>då</a:t>
+            </a:r>
+            <a:r>
+              <a:rPr lang="en-US" baseline="0" dirty="0" smtClean="0"/>
+              <a:t> </a:t>
+            </a:r>
+            <a:r>
+              <a:rPr lang="en-US" baseline="0" dirty="0" err="1" smtClean="0"/>
+              <a:t>får</a:t>
+            </a:r>
+            <a:r>
+              <a:rPr lang="en-US" baseline="0" dirty="0" smtClean="0"/>
+              <a:t> I </a:t>
+            </a:r>
+            <a:r>
+              <a:rPr lang="en-US" baseline="0" dirty="0" err="1" smtClean="0"/>
+              <a:t>uppdrag</a:t>
+            </a:r>
+            <a:r>
+              <a:rPr lang="en-US" baseline="0" dirty="0" smtClean="0"/>
+              <a:t> </a:t>
+            </a:r>
+            <a:r>
+              <a:rPr lang="en-US" baseline="0" dirty="0" err="1" smtClean="0"/>
+              <a:t>att</a:t>
+            </a:r>
+            <a:r>
+              <a:rPr lang="en-US" baseline="0" dirty="0" smtClean="0"/>
+              <a:t> </a:t>
+            </a:r>
+            <a:r>
+              <a:rPr lang="en-US" baseline="0" dirty="0" err="1" smtClean="0"/>
+              <a:t>köra</a:t>
+            </a:r>
+            <a:r>
+              <a:rPr lang="en-US" baseline="0" dirty="0" smtClean="0"/>
+              <a:t> </a:t>
+            </a:r>
+            <a:r>
+              <a:rPr lang="en-US" baseline="0" dirty="0" err="1" smtClean="0"/>
+              <a:t>algoritmen</a:t>
+            </a:r>
+            <a:r>
+              <a:rPr lang="en-US" baseline="0" dirty="0" smtClean="0"/>
+              <a:t>. De </a:t>
+            </a:r>
+            <a:r>
+              <a:rPr lang="en-US" baseline="0" dirty="0" err="1" smtClean="0"/>
+              <a:t>övriga</a:t>
+            </a:r>
+            <a:r>
+              <a:rPr lang="en-US" baseline="0" dirty="0" smtClean="0"/>
+              <a:t> </a:t>
+            </a:r>
+            <a:r>
+              <a:rPr lang="en-US" baseline="0" dirty="0" err="1" smtClean="0"/>
+              <a:t>noderna</a:t>
+            </a:r>
+            <a:r>
+              <a:rPr lang="en-US" baseline="0" dirty="0" smtClean="0"/>
+              <a:t> </a:t>
+            </a:r>
+            <a:r>
+              <a:rPr lang="en-US" baseline="0" dirty="0" err="1" smtClean="0"/>
+              <a:t>kommer</a:t>
+            </a:r>
+            <a:r>
+              <a:rPr lang="en-US" baseline="0" dirty="0" smtClean="0"/>
+              <a:t> </a:t>
+            </a:r>
+            <a:r>
+              <a:rPr lang="en-US" baseline="0" dirty="0" err="1" smtClean="0"/>
+              <a:t>skicka</a:t>
+            </a:r>
+            <a:r>
+              <a:rPr lang="en-US" baseline="0" dirty="0" smtClean="0"/>
+              <a:t> </a:t>
+            </a:r>
+            <a:r>
+              <a:rPr lang="en-US" baseline="0" dirty="0" err="1" smtClean="0"/>
+              <a:t>ett</a:t>
+            </a:r>
+            <a:r>
+              <a:rPr lang="en-US" baseline="0" dirty="0" smtClean="0"/>
+              <a:t> </a:t>
+            </a:r>
+            <a:r>
+              <a:rPr lang="en-US" i="1" baseline="0" dirty="0" smtClean="0"/>
+              <a:t>lost node</a:t>
+            </a:r>
+            <a:r>
+              <a:rPr lang="en-US" i="0" baseline="0" dirty="0" smtClean="0"/>
+              <a:t> </a:t>
+            </a:r>
+            <a:r>
+              <a:rPr lang="en-US" i="0" baseline="0" dirty="0" err="1" smtClean="0"/>
+              <a:t>meddelande</a:t>
+            </a:r>
+            <a:r>
+              <a:rPr lang="en-US" i="0" baseline="0" dirty="0" smtClean="0"/>
+              <a:t> till </a:t>
+            </a:r>
+            <a:r>
+              <a:rPr lang="en-US" i="0" baseline="0" dirty="0" err="1" smtClean="0"/>
+              <a:t>denna</a:t>
+            </a:r>
+            <a:r>
+              <a:rPr lang="en-US" i="0" baseline="0" dirty="0" smtClean="0"/>
+              <a:t> </a:t>
+            </a:r>
+            <a:r>
+              <a:rPr lang="en-US" i="0" baseline="0" dirty="0" err="1" smtClean="0"/>
+              <a:t>noden</a:t>
+            </a:r>
+            <a:r>
+              <a:rPr lang="en-US" i="0" baseline="0" dirty="0" smtClean="0"/>
+              <a:t>, </a:t>
+            </a:r>
+            <a:r>
+              <a:rPr lang="en-US" i="0" baseline="0" dirty="0" err="1" smtClean="0"/>
+              <a:t>och</a:t>
+            </a:r>
+            <a:r>
+              <a:rPr lang="en-US" i="0" baseline="0" dirty="0" smtClean="0"/>
+              <a:t> </a:t>
+            </a:r>
+            <a:r>
+              <a:rPr lang="en-US" i="0" baseline="0" dirty="0" err="1" smtClean="0"/>
+              <a:t>få</a:t>
+            </a:r>
+            <a:r>
+              <a:rPr lang="en-US" i="0" baseline="0" dirty="0" smtClean="0"/>
+              <a:t> </a:t>
+            </a:r>
+            <a:r>
+              <a:rPr lang="en-US" i="0" baseline="0" dirty="0" err="1" smtClean="0"/>
+              <a:t>ett</a:t>
+            </a:r>
+            <a:r>
+              <a:rPr lang="en-US" i="0" baseline="0" dirty="0" smtClean="0"/>
+              <a:t> </a:t>
+            </a:r>
+            <a:r>
+              <a:rPr lang="en-US" i="0" baseline="0" dirty="0" err="1" smtClean="0"/>
+              <a:t>svar</a:t>
+            </a:r>
+            <a:r>
+              <a:rPr lang="en-US" i="0" baseline="0" dirty="0" smtClean="0"/>
+              <a:t> </a:t>
+            </a:r>
+            <a:r>
+              <a:rPr lang="en-US" i="0" baseline="0" dirty="0" err="1" smtClean="0"/>
+              <a:t>när</a:t>
+            </a:r>
+            <a:r>
+              <a:rPr lang="en-US" i="0" baseline="0" dirty="0" smtClean="0"/>
+              <a:t> den </a:t>
+            </a:r>
+            <a:r>
+              <a:rPr lang="en-US" i="0" baseline="0" dirty="0" err="1" smtClean="0"/>
+              <a:t>är</a:t>
+            </a:r>
+            <a:r>
+              <a:rPr lang="en-US" i="0" baseline="0" dirty="0" smtClean="0"/>
+              <a:t> </a:t>
+            </a:r>
+            <a:r>
+              <a:rPr lang="en-US" i="0" baseline="0" dirty="0" err="1" smtClean="0"/>
+              <a:t>klar</a:t>
+            </a:r>
+            <a:r>
+              <a:rPr lang="en-US" i="0" baseline="0" dirty="0" smtClean="0"/>
+              <a:t>. </a:t>
+            </a:r>
+          </a:p>
+          <a:p>
+            <a:endParaRPr lang="en-US" i="0" baseline="0" dirty="0" smtClean="0"/>
+          </a:p>
+          <a:p>
+            <a:r>
+              <a:rPr lang="en-US" i="0" baseline="0" dirty="0" smtClean="0"/>
+              <a:t>Om den </a:t>
+            </a:r>
+            <a:r>
+              <a:rPr lang="en-US" i="0" baseline="0" dirty="0" err="1" smtClean="0"/>
+              <a:t>valda</a:t>
+            </a:r>
+            <a:r>
+              <a:rPr lang="en-US" i="0" baseline="0" dirty="0" smtClean="0"/>
+              <a:t> </a:t>
+            </a:r>
+            <a:r>
+              <a:rPr lang="en-US" i="0" baseline="0" dirty="0" err="1" smtClean="0"/>
+              <a:t>noden</a:t>
+            </a:r>
+            <a:r>
+              <a:rPr lang="en-US" i="0" baseline="0" dirty="0" smtClean="0"/>
+              <a:t> </a:t>
+            </a:r>
+            <a:r>
+              <a:rPr lang="en-US" i="0" baseline="0" dirty="0" err="1" smtClean="0"/>
+              <a:t>själv</a:t>
+            </a:r>
+            <a:r>
+              <a:rPr lang="en-US" i="0" baseline="0" dirty="0" smtClean="0"/>
+              <a:t> </a:t>
+            </a:r>
+            <a:r>
+              <a:rPr lang="en-US" i="0" baseline="0" dirty="0" err="1" smtClean="0"/>
+              <a:t>dör</a:t>
+            </a:r>
+            <a:r>
+              <a:rPr lang="en-US" i="0" baseline="0" dirty="0" smtClean="0"/>
+              <a:t> </a:t>
+            </a:r>
+            <a:r>
+              <a:rPr lang="en-US" i="0" baseline="0" dirty="0" err="1" smtClean="0"/>
+              <a:t>innan</a:t>
+            </a:r>
+            <a:r>
+              <a:rPr lang="en-US" i="0" baseline="0" dirty="0" smtClean="0"/>
+              <a:t> den </a:t>
+            </a:r>
+            <a:r>
+              <a:rPr lang="en-US" i="0" baseline="0" dirty="0" err="1" smtClean="0"/>
+              <a:t>är</a:t>
+            </a:r>
+            <a:r>
+              <a:rPr lang="en-US" i="0" baseline="0" dirty="0" smtClean="0"/>
+              <a:t> </a:t>
+            </a:r>
+            <a:r>
+              <a:rPr lang="en-US" i="0" baseline="0" dirty="0" err="1" smtClean="0"/>
+              <a:t>klar</a:t>
+            </a:r>
+            <a:r>
+              <a:rPr lang="en-US" i="0" baseline="0" dirty="0" smtClean="0"/>
+              <a:t>, </a:t>
+            </a:r>
+            <a:r>
+              <a:rPr lang="en-US" i="0" baseline="0" dirty="0" err="1" smtClean="0"/>
+              <a:t>så</a:t>
+            </a:r>
+            <a:r>
+              <a:rPr lang="en-US" i="0" baseline="0" dirty="0" smtClean="0"/>
+              <a:t> </a:t>
+            </a:r>
+            <a:r>
+              <a:rPr lang="en-US" i="0" baseline="0" dirty="0" err="1" smtClean="0"/>
+              <a:t>kommer</a:t>
+            </a:r>
+            <a:r>
+              <a:rPr lang="en-US" i="0" baseline="0" dirty="0" smtClean="0"/>
+              <a:t> de </a:t>
+            </a:r>
+            <a:r>
+              <a:rPr lang="en-US" i="0" baseline="0" dirty="0" err="1" smtClean="0"/>
+              <a:t>andra</a:t>
+            </a:r>
+            <a:r>
+              <a:rPr lang="en-US" i="0" baseline="0" dirty="0" smtClean="0"/>
+              <a:t> </a:t>
+            </a:r>
+            <a:r>
+              <a:rPr lang="en-US" i="0" baseline="0" dirty="0" err="1" smtClean="0"/>
+              <a:t>noderna</a:t>
+            </a:r>
+            <a:r>
+              <a:rPr lang="en-US" i="0" baseline="0" dirty="0" smtClean="0"/>
+              <a:t> </a:t>
+            </a:r>
+            <a:r>
+              <a:rPr lang="en-US" i="0" baseline="0" dirty="0" err="1" smtClean="0"/>
+              <a:t>inte</a:t>
+            </a:r>
+            <a:r>
+              <a:rPr lang="en-US" i="0" baseline="0" dirty="0" smtClean="0"/>
+              <a:t> </a:t>
+            </a:r>
+            <a:r>
+              <a:rPr lang="en-US" i="0" baseline="0" dirty="0" err="1" smtClean="0"/>
+              <a:t>att</a:t>
+            </a:r>
+            <a:r>
+              <a:rPr lang="en-US" i="0" baseline="0" dirty="0" smtClean="0"/>
+              <a:t> </a:t>
+            </a:r>
+            <a:r>
+              <a:rPr lang="en-US" i="0" baseline="0" dirty="0" err="1" smtClean="0"/>
+              <a:t>få</a:t>
+            </a:r>
+            <a:r>
+              <a:rPr lang="en-US" i="0" baseline="0" dirty="0" smtClean="0"/>
+              <a:t> </a:t>
+            </a:r>
+            <a:r>
+              <a:rPr lang="en-US" i="0" baseline="0" dirty="0" err="1" smtClean="0"/>
+              <a:t>något</a:t>
+            </a:r>
+            <a:r>
+              <a:rPr lang="en-US" i="0" baseline="0" dirty="0" smtClean="0"/>
+              <a:t> </a:t>
+            </a:r>
+            <a:r>
+              <a:rPr lang="en-US" i="0" baseline="0" dirty="0" err="1" smtClean="0"/>
+              <a:t>svar</a:t>
+            </a:r>
+            <a:r>
+              <a:rPr lang="en-US" i="0" baseline="0" dirty="0" smtClean="0"/>
+              <a:t>, </a:t>
+            </a:r>
+            <a:r>
+              <a:rPr lang="en-US" i="0" baseline="0" dirty="0" err="1" smtClean="0"/>
+              <a:t>och</a:t>
+            </a:r>
+            <a:r>
+              <a:rPr lang="en-US" i="0" baseline="0" dirty="0" smtClean="0"/>
+              <a:t> </a:t>
+            </a:r>
+            <a:r>
+              <a:rPr lang="en-US" i="0" baseline="0" dirty="0" err="1" smtClean="0"/>
+              <a:t>efter</a:t>
+            </a:r>
+            <a:r>
+              <a:rPr lang="en-US" i="0" baseline="0" dirty="0" smtClean="0"/>
+              <a:t> en </a:t>
+            </a:r>
+            <a:r>
+              <a:rPr lang="en-US" i="0" baseline="0" dirty="0" err="1" smtClean="0"/>
+              <a:t>viss</a:t>
+            </a:r>
+            <a:r>
+              <a:rPr lang="en-US" i="0" baseline="0" dirty="0" smtClean="0"/>
+              <a:t> </a:t>
+            </a:r>
+            <a:r>
+              <a:rPr lang="en-US" i="0" baseline="0" dirty="0" err="1" smtClean="0"/>
+              <a:t>tid</a:t>
+            </a:r>
+            <a:r>
+              <a:rPr lang="en-US" i="0" baseline="0" dirty="0" smtClean="0"/>
+              <a:t>  start </a:t>
+            </a:r>
+            <a:r>
+              <a:rPr lang="en-US" i="0" baseline="0" dirty="0" err="1" smtClean="0"/>
+              <a:t>processen</a:t>
+            </a:r>
+            <a:r>
+              <a:rPr lang="en-US" i="0" baseline="0" dirty="0" smtClean="0"/>
+              <a:t> om </a:t>
+            </a:r>
+            <a:r>
+              <a:rPr lang="en-US" i="0" baseline="0" dirty="0" err="1" smtClean="0"/>
+              <a:t>och</a:t>
+            </a:r>
+            <a:r>
+              <a:rPr lang="en-US" i="0" baseline="0" dirty="0" smtClean="0"/>
+              <a:t> en </a:t>
+            </a:r>
+            <a:r>
+              <a:rPr lang="en-US" i="0" baseline="0" dirty="0" err="1" smtClean="0"/>
+              <a:t>ny</a:t>
+            </a:r>
+            <a:r>
+              <a:rPr lang="en-US" i="0" baseline="0" dirty="0" smtClean="0"/>
+              <a:t> nod </a:t>
+            </a:r>
+            <a:r>
+              <a:rPr lang="en-US" i="0" baseline="0" dirty="0" err="1" smtClean="0"/>
+              <a:t>väljs</a:t>
+            </a:r>
+            <a:r>
+              <a:rPr lang="en-US" i="0" baseline="0" dirty="0" smtClean="0"/>
+              <a:t> </a:t>
+            </a:r>
+            <a:r>
+              <a:rPr lang="en-US" i="0" baseline="0" dirty="0" err="1" smtClean="0"/>
+              <a:t>ut.</a:t>
+            </a:r>
+            <a:endParaRPr lang="en-US" dirty="0"/>
+          </a:p>
+        </p:txBody>
+      </p:sp>
+      <p:sp>
+        <p:nvSpPr>
+          <p:cNvPr id="4" name="Slide Number Placeholder 3"/>
+          <p:cNvSpPr>
+            <a:spLocks noGrp="1"/>
+          </p:cNvSpPr>
+          <p:nvPr>
+            <p:ph type="sldNum" sz="quarter" idx="10"/>
+          </p:nvPr>
+        </p:nvSpPr>
+        <p:spPr/>
+        <p:txBody>
+          <a:bodyPr/>
+          <a:lstStyle/>
+          <a:p>
+            <a:fld id="{100650DF-8CBF-0341-B1F9-47D0C0CD302F}" type="slidenum">
+              <a:rPr lang="en-US" smtClean="0"/>
+              <a:t>20</a:t>
+            </a:fld>
+            <a:endParaRPr lang="en-US"/>
+          </a:p>
+        </p:txBody>
+      </p:sp>
+    </p:spTree>
+    <p:extLst>
+      <p:ext uri="{BB962C8B-B14F-4D97-AF65-F5344CB8AC3E}">
+        <p14:creationId xmlns:p14="http://schemas.microsoft.com/office/powerpoint/2010/main" val="754813015"/>
+      </p:ext>
+    </p:extLst>
+  </p:cSld>
+  <p:clrMapOvr>
+    <a:masterClrMapping/>
+  </p:clrMapOvr>
+</p:notes>
+</file>
+
+<file path=ppt/notesSlides/notesSlide17.xml><?xml version="1.0" encoding="utf-8"?>
+<p:notes xmlns:a="http://schemas.openxmlformats.org/drawingml/2006/main" xmlns:r="http://schemas.openxmlformats.org/officeDocument/2006/relationships" xmlns:p="http://schemas.openxmlformats.org/presentationml/2006/main">
+  <p:cSld>
+    <p:spTree>
+      <p:nvGrpSpPr>
+        <p:cNvPr id="1" name=""/>
+        <p:cNvGrpSpPr/>
+        <p:nvPr/>
+      </p:nvGrpSpPr>
+      <p:grpSpPr>
+        <a:xfrm>
+          <a:off x="0" y="0"/>
+          <a:ext cx="0" cy="0"/>
+          <a:chOff x="0" y="0"/>
+          <a:chExt cx="0" cy="0"/>
+        </a:xfrm>
+      </p:grpSpPr>
+      <p:sp>
+        <p:nvSpPr>
+          <p:cNvPr id="2" name="Slide Image Placeholder 1"/>
+          <p:cNvSpPr>
+            <a:spLocks noGrp="1" noRot="1" noChangeAspect="1"/>
+          </p:cNvSpPr>
+          <p:nvPr>
+            <p:ph type="sldImg"/>
+          </p:nvPr>
+        </p:nvSpPr>
+        <p:spPr/>
+      </p:sp>
+      <p:sp>
+        <p:nvSpPr>
+          <p:cNvPr id="3" name="Notes Placeholder 2"/>
+          <p:cNvSpPr>
+            <a:spLocks noGrp="1"/>
+          </p:cNvSpPr>
+          <p:nvPr>
+            <p:ph type="body" idx="1"/>
+          </p:nvPr>
+        </p:nvSpPr>
+        <p:spPr/>
+        <p:txBody>
+          <a:bodyPr/>
+          <a:lstStyle/>
+          <a:p>
+            <a:endParaRPr lang="en-US" i="0" baseline="0" dirty="0" smtClean="0"/>
+          </a:p>
+        </p:txBody>
+      </p:sp>
+      <p:sp>
+        <p:nvSpPr>
+          <p:cNvPr id="4" name="Slide Number Placeholder 3"/>
+          <p:cNvSpPr>
+            <a:spLocks noGrp="1"/>
+          </p:cNvSpPr>
+          <p:nvPr>
+            <p:ph type="sldNum" sz="quarter" idx="10"/>
+          </p:nvPr>
+        </p:nvSpPr>
+        <p:spPr/>
+        <p:txBody>
+          <a:bodyPr/>
+          <a:lstStyle/>
+          <a:p>
+            <a:fld id="{100650DF-8CBF-0341-B1F9-47D0C0CD302F}" type="slidenum">
+              <a:rPr lang="en-US" smtClean="0"/>
+              <a:t>21</a:t>
+            </a:fld>
+            <a:endParaRPr lang="en-US"/>
+          </a:p>
+        </p:txBody>
+      </p:sp>
+    </p:spTree>
+    <p:extLst>
+      <p:ext uri="{BB962C8B-B14F-4D97-AF65-F5344CB8AC3E}">
+        <p14:creationId xmlns:p14="http://schemas.microsoft.com/office/powerpoint/2010/main" val="1716122597"/>
+      </p:ext>
+    </p:extLst>
+  </p:cSld>
+  <p:clrMapOvr>
+    <a:masterClrMapping/>
+  </p:clrMapOvr>
+</p:notes>
+</file>
+
+<file path=ppt/notesSlides/notesSlide18.xml><?xml version="1.0" encoding="utf-8"?>
+<p:notes xmlns:a="http://schemas.openxmlformats.org/drawingml/2006/main" xmlns:r="http://schemas.openxmlformats.org/officeDocument/2006/relationships" xmlns:p="http://schemas.openxmlformats.org/presentationml/2006/main">
+  <p:cSld>
+    <p:spTree>
+      <p:nvGrpSpPr>
+        <p:cNvPr id="1" name=""/>
+        <p:cNvGrpSpPr/>
+        <p:nvPr/>
+      </p:nvGrpSpPr>
+      <p:grpSpPr>
+        <a:xfrm>
+          <a:off x="0" y="0"/>
+          <a:ext cx="0" cy="0"/>
+          <a:chOff x="0" y="0"/>
+          <a:chExt cx="0" cy="0"/>
+        </a:xfrm>
+      </p:grpSpPr>
+      <p:sp>
+        <p:nvSpPr>
+          <p:cNvPr id="2" name="Slide Image Placeholder 1"/>
+          <p:cNvSpPr>
+            <a:spLocks noGrp="1" noRot="1" noChangeAspect="1"/>
+          </p:cNvSpPr>
+          <p:nvPr>
+            <p:ph type="sldImg"/>
+          </p:nvPr>
+        </p:nvSpPr>
+        <p:spPr/>
+      </p:sp>
+      <p:sp>
+        <p:nvSpPr>
+          <p:cNvPr id="3" name="Notes Placeholder 2"/>
+          <p:cNvSpPr>
+            <a:spLocks noGrp="1"/>
+          </p:cNvSpPr>
+          <p:nvPr>
+            <p:ph type="body" idx="1"/>
+          </p:nvPr>
+        </p:nvSpPr>
+        <p:spPr/>
+        <p:txBody>
+          <a:bodyPr/>
+          <a:lstStyle/>
+          <a:p>
+            <a:r>
+              <a:rPr lang="en-US" dirty="0" err="1" smtClean="0"/>
+              <a:t>Som</a:t>
+            </a:r>
+            <a:r>
+              <a:rPr lang="en-US" dirty="0" smtClean="0"/>
+              <a:t> </a:t>
+            </a:r>
+            <a:r>
+              <a:rPr lang="en-US" dirty="0" err="1" smtClean="0"/>
+              <a:t>exempel</a:t>
+            </a:r>
+            <a:r>
+              <a:rPr lang="en-US" dirty="0" smtClean="0"/>
+              <a:t> </a:t>
+            </a:r>
+            <a:r>
+              <a:rPr lang="en-US" dirty="0" err="1" smtClean="0"/>
+              <a:t>har</a:t>
+            </a:r>
+            <a:r>
+              <a:rPr lang="en-US" dirty="0" smtClean="0"/>
+              <a:t> vi </a:t>
+            </a:r>
+            <a:r>
+              <a:rPr lang="en-US" dirty="0" err="1" smtClean="0"/>
+              <a:t>ett</a:t>
+            </a:r>
+            <a:r>
+              <a:rPr lang="en-US" dirty="0" smtClean="0"/>
+              <a:t> system </a:t>
+            </a:r>
+            <a:r>
+              <a:rPr lang="en-US" dirty="0" err="1" smtClean="0"/>
+              <a:t>bestående</a:t>
+            </a:r>
+            <a:r>
+              <a:rPr lang="en-US" dirty="0" smtClean="0"/>
+              <a:t> </a:t>
+            </a:r>
+            <a:r>
+              <a:rPr lang="en-US" dirty="0" err="1" smtClean="0"/>
+              <a:t>av</a:t>
+            </a:r>
+            <a:r>
+              <a:rPr lang="en-US" dirty="0" smtClean="0"/>
+              <a:t> 4 </a:t>
+            </a:r>
+            <a:r>
+              <a:rPr lang="en-US" dirty="0" err="1" smtClean="0"/>
+              <a:t>noder</a:t>
+            </a:r>
+            <a:r>
+              <a:rPr lang="en-US" dirty="0" smtClean="0"/>
+              <a:t>, med </a:t>
+            </a:r>
+            <a:r>
+              <a:rPr lang="en-US" dirty="0" err="1" smtClean="0"/>
+              <a:t>två</a:t>
+            </a:r>
+            <a:r>
+              <a:rPr lang="en-US" baseline="0" dirty="0" smtClean="0"/>
+              <a:t> </a:t>
+            </a:r>
+            <a:r>
+              <a:rPr lang="en-US" baseline="0" dirty="0" err="1" smtClean="0"/>
+              <a:t>replikor</a:t>
+            </a:r>
+            <a:r>
+              <a:rPr lang="en-US" baseline="0" dirty="0" smtClean="0"/>
+              <a:t> </a:t>
+            </a:r>
+            <a:r>
+              <a:rPr lang="en-US" baseline="0" dirty="0" err="1" smtClean="0"/>
+              <a:t>som</a:t>
+            </a:r>
+            <a:r>
+              <a:rPr lang="en-US" baseline="0" dirty="0" smtClean="0"/>
+              <a:t> </a:t>
+            </a:r>
+            <a:r>
+              <a:rPr lang="en-US" baseline="0" dirty="0" err="1" smtClean="0"/>
+              <a:t>kör</a:t>
+            </a:r>
+            <a:r>
+              <a:rPr lang="en-US" baseline="0" dirty="0" smtClean="0"/>
+              <a:t> </a:t>
+            </a:r>
+            <a:r>
+              <a:rPr lang="en-US" baseline="0" dirty="0" err="1" smtClean="0"/>
+              <a:t>på</a:t>
+            </a:r>
+            <a:r>
+              <a:rPr lang="en-US" baseline="0" dirty="0" smtClean="0"/>
+              <a:t> node B </a:t>
+            </a:r>
+            <a:r>
+              <a:rPr lang="en-US" baseline="0" dirty="0" err="1" smtClean="0"/>
+              <a:t>och</a:t>
+            </a:r>
+            <a:r>
+              <a:rPr lang="en-US" baseline="0" dirty="0" smtClean="0"/>
+              <a:t> C.</a:t>
+            </a:r>
+            <a:endParaRPr lang="en-US" dirty="0"/>
+          </a:p>
+        </p:txBody>
+      </p:sp>
+      <p:sp>
+        <p:nvSpPr>
+          <p:cNvPr id="4" name="Slide Number Placeholder 3"/>
+          <p:cNvSpPr>
+            <a:spLocks noGrp="1"/>
+          </p:cNvSpPr>
+          <p:nvPr>
+            <p:ph type="sldNum" sz="quarter" idx="10"/>
+          </p:nvPr>
+        </p:nvSpPr>
+        <p:spPr/>
+        <p:txBody>
+          <a:bodyPr/>
+          <a:lstStyle/>
+          <a:p>
+            <a:fld id="{100650DF-8CBF-0341-B1F9-47D0C0CD302F}" type="slidenum">
+              <a:rPr lang="en-US" smtClean="0"/>
+              <a:t>22</a:t>
+            </a:fld>
+            <a:endParaRPr lang="en-US"/>
+          </a:p>
+        </p:txBody>
+      </p:sp>
+    </p:spTree>
+    <p:extLst>
+      <p:ext uri="{BB962C8B-B14F-4D97-AF65-F5344CB8AC3E}">
+        <p14:creationId xmlns:p14="http://schemas.microsoft.com/office/powerpoint/2010/main" val="557472054"/>
+      </p:ext>
+    </p:extLst>
+  </p:cSld>
+  <p:clrMapOvr>
+    <a:masterClrMapping/>
+  </p:clrMapOvr>
+</p:notes>
+</file>
+
+<file path=ppt/notesSlides/notesSlide19.xml><?xml version="1.0" encoding="utf-8"?>
+<p:notes xmlns:a="http://schemas.openxmlformats.org/drawingml/2006/main" xmlns:r="http://schemas.openxmlformats.org/officeDocument/2006/relationships" xmlns:p="http://schemas.openxmlformats.org/presentationml/2006/main">
+  <p:cSld>
+    <p:spTree>
+      <p:nvGrpSpPr>
+        <p:cNvPr id="1" name=""/>
+        <p:cNvGrpSpPr/>
+        <p:nvPr/>
+      </p:nvGrpSpPr>
+      <p:grpSpPr>
+        <a:xfrm>
+          <a:off x="0" y="0"/>
+          <a:ext cx="0" cy="0"/>
+          <a:chOff x="0" y="0"/>
+          <a:chExt cx="0" cy="0"/>
+        </a:xfrm>
+      </p:grpSpPr>
+      <p:sp>
+        <p:nvSpPr>
+          <p:cNvPr id="2" name="Slide Image Placeholder 1"/>
+          <p:cNvSpPr>
+            <a:spLocks noGrp="1" noRot="1" noChangeAspect="1"/>
+          </p:cNvSpPr>
+          <p:nvPr>
+            <p:ph type="sldImg"/>
+          </p:nvPr>
+        </p:nvSpPr>
+        <p:spPr/>
+      </p:sp>
+      <p:sp>
+        <p:nvSpPr>
+          <p:cNvPr id="3" name="Notes Placeholder 2"/>
+          <p:cNvSpPr>
+            <a:spLocks noGrp="1"/>
+          </p:cNvSpPr>
+          <p:nvPr>
+            <p:ph type="body" idx="1"/>
+          </p:nvPr>
+        </p:nvSpPr>
+        <p:spPr/>
+        <p:txBody>
+          <a:bodyPr/>
+          <a:lstStyle/>
+          <a:p>
+            <a:r>
+              <a:rPr lang="en-US" dirty="0" smtClean="0"/>
+              <a:t>Om node C </a:t>
+            </a:r>
+            <a:r>
+              <a:rPr lang="en-US" dirty="0" err="1" smtClean="0"/>
+              <a:t>dör</a:t>
+            </a:r>
+            <a:r>
+              <a:rPr lang="en-US" dirty="0" smtClean="0"/>
+              <a:t>, </a:t>
+            </a:r>
+            <a:r>
+              <a:rPr lang="en-US" dirty="0" err="1" smtClean="0"/>
+              <a:t>så</a:t>
+            </a:r>
+            <a:r>
+              <a:rPr lang="en-US" dirty="0" smtClean="0"/>
+              <a:t> </a:t>
+            </a:r>
+            <a:r>
+              <a:rPr lang="en-US" dirty="0" err="1" smtClean="0"/>
+              <a:t>väljer</a:t>
+            </a:r>
+            <a:r>
+              <a:rPr lang="en-US" dirty="0" smtClean="0"/>
+              <a:t> de </a:t>
+            </a:r>
+            <a:r>
+              <a:rPr lang="en-US" dirty="0" err="1" smtClean="0"/>
+              <a:t>övriga</a:t>
+            </a:r>
+            <a:r>
+              <a:rPr lang="en-US" dirty="0" smtClean="0"/>
+              <a:t> </a:t>
+            </a:r>
+            <a:r>
+              <a:rPr lang="en-US" dirty="0" err="1" smtClean="0"/>
+              <a:t>noderna</a:t>
+            </a:r>
+            <a:r>
+              <a:rPr lang="en-US" dirty="0" smtClean="0"/>
+              <a:t> nod</a:t>
+            </a:r>
+            <a:r>
+              <a:rPr lang="en-US" baseline="0" dirty="0" smtClean="0"/>
+              <a:t> A </a:t>
+            </a:r>
+            <a:r>
+              <a:rPr lang="en-US" baseline="0" dirty="0" err="1" smtClean="0"/>
+              <a:t>och</a:t>
+            </a:r>
+            <a:r>
+              <a:rPr lang="en-US" baseline="0" dirty="0" smtClean="0"/>
+              <a:t> </a:t>
+            </a:r>
+            <a:r>
+              <a:rPr lang="en-US" baseline="0" dirty="0" err="1" smtClean="0"/>
+              <a:t>skickar</a:t>
+            </a:r>
+            <a:r>
+              <a:rPr lang="en-US" baseline="0" dirty="0" smtClean="0"/>
+              <a:t> </a:t>
+            </a:r>
+            <a:r>
+              <a:rPr lang="en-US" baseline="0" dirty="0" err="1" smtClean="0"/>
+              <a:t>ett</a:t>
+            </a:r>
+            <a:r>
+              <a:rPr lang="en-US" baseline="0" dirty="0" smtClean="0"/>
+              <a:t> lost node </a:t>
+            </a:r>
+            <a:r>
+              <a:rPr lang="en-US" baseline="0" dirty="0" err="1" smtClean="0"/>
+              <a:t>meddelande</a:t>
+            </a:r>
+            <a:r>
+              <a:rPr lang="en-US" baseline="0" dirty="0" smtClean="0"/>
+              <a:t> till </a:t>
+            </a:r>
+            <a:r>
+              <a:rPr lang="en-US" baseline="0" dirty="0" err="1" smtClean="0"/>
+              <a:t>denne</a:t>
+            </a:r>
+            <a:r>
+              <a:rPr lang="en-US" baseline="0" dirty="0" smtClean="0"/>
+              <a:t>.</a:t>
+            </a:r>
+            <a:endParaRPr lang="en-US" dirty="0"/>
+          </a:p>
+        </p:txBody>
+      </p:sp>
+      <p:sp>
+        <p:nvSpPr>
+          <p:cNvPr id="4" name="Slide Number Placeholder 3"/>
+          <p:cNvSpPr>
+            <a:spLocks noGrp="1"/>
+          </p:cNvSpPr>
+          <p:nvPr>
+            <p:ph type="sldNum" sz="quarter" idx="10"/>
+          </p:nvPr>
+        </p:nvSpPr>
+        <p:spPr/>
+        <p:txBody>
+          <a:bodyPr/>
+          <a:lstStyle/>
+          <a:p>
+            <a:fld id="{100650DF-8CBF-0341-B1F9-47D0C0CD302F}" type="slidenum">
+              <a:rPr lang="en-US" smtClean="0"/>
+              <a:t>23</a:t>
+            </a:fld>
+            <a:endParaRPr lang="en-US"/>
+          </a:p>
+        </p:txBody>
+      </p:sp>
+    </p:spTree>
+    <p:extLst>
+      <p:ext uri="{BB962C8B-B14F-4D97-AF65-F5344CB8AC3E}">
+        <p14:creationId xmlns:p14="http://schemas.microsoft.com/office/powerpoint/2010/main" val="777556390"/>
       </p:ext>
     </p:extLst>
   </p:cSld>
@@ -3600,6 +6200,2717 @@
     <p:extLst>
       <p:ext uri="{BB962C8B-B14F-4D97-AF65-F5344CB8AC3E}">
         <p14:creationId xmlns:p14="http://schemas.microsoft.com/office/powerpoint/2010/main" val="254065767"/>
+      </p:ext>
+    </p:extLst>
+  </p:cSld>
+  <p:clrMapOvr>
+    <a:masterClrMapping/>
+  </p:clrMapOvr>
+</p:notes>
+</file>
+
+<file path=ppt/notesSlides/notesSlide20.xml><?xml version="1.0" encoding="utf-8"?>
+<p:notes xmlns:a="http://schemas.openxmlformats.org/drawingml/2006/main" xmlns:r="http://schemas.openxmlformats.org/officeDocument/2006/relationships" xmlns:p="http://schemas.openxmlformats.org/presentationml/2006/main">
+  <p:cSld>
+    <p:spTree>
+      <p:nvGrpSpPr>
+        <p:cNvPr id="1" name=""/>
+        <p:cNvGrpSpPr/>
+        <p:nvPr/>
+      </p:nvGrpSpPr>
+      <p:grpSpPr>
+        <a:xfrm>
+          <a:off x="0" y="0"/>
+          <a:ext cx="0" cy="0"/>
+          <a:chOff x="0" y="0"/>
+          <a:chExt cx="0" cy="0"/>
+        </a:xfrm>
+      </p:grpSpPr>
+      <p:sp>
+        <p:nvSpPr>
+          <p:cNvPr id="2" name="Slide Image Placeholder 1"/>
+          <p:cNvSpPr>
+            <a:spLocks noGrp="1" noRot="1" noChangeAspect="1"/>
+          </p:cNvSpPr>
+          <p:nvPr>
+            <p:ph type="sldImg"/>
+          </p:nvPr>
+        </p:nvSpPr>
+        <p:spPr/>
+      </p:sp>
+      <p:sp>
+        <p:nvSpPr>
+          <p:cNvPr id="3" name="Notes Placeholder 2"/>
+          <p:cNvSpPr>
+            <a:spLocks noGrp="1"/>
+          </p:cNvSpPr>
+          <p:nvPr>
+            <p:ph type="body" idx="1"/>
+          </p:nvPr>
+        </p:nvSpPr>
+        <p:spPr/>
+        <p:txBody>
+          <a:bodyPr/>
+          <a:lstStyle/>
+          <a:p>
+            <a:r>
+              <a:rPr lang="en-US" dirty="0" smtClean="0"/>
+              <a:t>A </a:t>
+            </a:r>
+            <a:r>
+              <a:rPr lang="en-US" dirty="0" err="1" smtClean="0"/>
+              <a:t>kommer</a:t>
+            </a:r>
+            <a:r>
+              <a:rPr lang="en-US" dirty="0" smtClean="0"/>
+              <a:t> </a:t>
+            </a:r>
+            <a:r>
+              <a:rPr lang="en-US" dirty="0" err="1" smtClean="0"/>
+              <a:t>köra</a:t>
+            </a:r>
+            <a:r>
+              <a:rPr lang="en-US" dirty="0" smtClean="0"/>
+              <a:t> </a:t>
+            </a:r>
+            <a:r>
+              <a:rPr lang="en-US" dirty="0" err="1" smtClean="0"/>
+              <a:t>algoritmen</a:t>
+            </a:r>
+            <a:r>
+              <a:rPr lang="en-US" dirty="0" smtClean="0"/>
+              <a:t> </a:t>
+            </a:r>
+            <a:r>
+              <a:rPr lang="en-US" dirty="0" err="1" smtClean="0"/>
+              <a:t>och</a:t>
+            </a:r>
+            <a:r>
+              <a:rPr lang="en-US" baseline="0" dirty="0" smtClean="0"/>
+              <a:t> </a:t>
+            </a:r>
+            <a:r>
+              <a:rPr lang="en-US" baseline="0" dirty="0" err="1" smtClean="0"/>
+              <a:t>inse</a:t>
+            </a:r>
+            <a:r>
+              <a:rPr lang="en-US" baseline="0" dirty="0" smtClean="0"/>
+              <a:t> </a:t>
+            </a:r>
+            <a:r>
+              <a:rPr lang="en-US" baseline="0" dirty="0" err="1" smtClean="0"/>
+              <a:t>att</a:t>
+            </a:r>
+            <a:r>
+              <a:rPr lang="en-US" baseline="0" dirty="0" smtClean="0"/>
+              <a:t> en </a:t>
+            </a:r>
+            <a:r>
+              <a:rPr lang="en-US" baseline="0" dirty="0" err="1" smtClean="0"/>
+              <a:t>ny</a:t>
+            </a:r>
+            <a:r>
+              <a:rPr lang="en-US" baseline="0" dirty="0" smtClean="0"/>
+              <a:t> </a:t>
+            </a:r>
+            <a:r>
+              <a:rPr lang="en-US" baseline="0" dirty="0" err="1" smtClean="0"/>
+              <a:t>replika</a:t>
+            </a:r>
+            <a:r>
+              <a:rPr lang="en-US" baseline="0" dirty="0" smtClean="0"/>
+              <a:t> </a:t>
+            </a:r>
+            <a:r>
+              <a:rPr lang="en-US" baseline="0" dirty="0" err="1" smtClean="0"/>
+              <a:t>behövs</a:t>
+            </a:r>
+            <a:r>
+              <a:rPr lang="en-US" baseline="0" dirty="0" smtClean="0"/>
+              <a:t>, den </a:t>
+            </a:r>
+            <a:r>
+              <a:rPr lang="en-US" baseline="0" dirty="0" err="1" smtClean="0"/>
+              <a:t>kommer</a:t>
+            </a:r>
+            <a:r>
+              <a:rPr lang="en-US" baseline="0" dirty="0" smtClean="0"/>
+              <a:t> </a:t>
+            </a:r>
+            <a:r>
+              <a:rPr lang="en-US" baseline="0" dirty="0" err="1" smtClean="0"/>
+              <a:t>därför</a:t>
+            </a:r>
+            <a:r>
+              <a:rPr lang="en-US" baseline="0" dirty="0" smtClean="0"/>
+              <a:t> be nod B </a:t>
+            </a:r>
+            <a:r>
+              <a:rPr lang="en-US" baseline="0" dirty="0" err="1" smtClean="0"/>
+              <a:t>att</a:t>
+            </a:r>
+            <a:r>
+              <a:rPr lang="en-US" baseline="0" dirty="0" smtClean="0"/>
+              <a:t> </a:t>
+            </a:r>
+            <a:r>
+              <a:rPr lang="en-US" baseline="0" dirty="0" err="1" smtClean="0"/>
+              <a:t>replicera</a:t>
+            </a:r>
+            <a:r>
+              <a:rPr lang="en-US" baseline="0" dirty="0" smtClean="0"/>
+              <a:t> sin </a:t>
+            </a:r>
+            <a:r>
+              <a:rPr lang="en-US" baseline="0" dirty="0" err="1" smtClean="0"/>
+              <a:t>replika</a:t>
+            </a:r>
+            <a:r>
+              <a:rPr lang="en-US" baseline="0" dirty="0" smtClean="0"/>
+              <a:t> till node D.</a:t>
+            </a:r>
+            <a:endParaRPr lang="en-US" dirty="0"/>
+          </a:p>
+        </p:txBody>
+      </p:sp>
+      <p:sp>
+        <p:nvSpPr>
+          <p:cNvPr id="4" name="Slide Number Placeholder 3"/>
+          <p:cNvSpPr>
+            <a:spLocks noGrp="1"/>
+          </p:cNvSpPr>
+          <p:nvPr>
+            <p:ph type="sldNum" sz="quarter" idx="10"/>
+          </p:nvPr>
+        </p:nvSpPr>
+        <p:spPr/>
+        <p:txBody>
+          <a:bodyPr/>
+          <a:lstStyle/>
+          <a:p>
+            <a:fld id="{100650DF-8CBF-0341-B1F9-47D0C0CD302F}" type="slidenum">
+              <a:rPr lang="en-US" smtClean="0"/>
+              <a:t>24</a:t>
+            </a:fld>
+            <a:endParaRPr lang="en-US"/>
+          </a:p>
+        </p:txBody>
+      </p:sp>
+    </p:spTree>
+    <p:extLst>
+      <p:ext uri="{BB962C8B-B14F-4D97-AF65-F5344CB8AC3E}">
+        <p14:creationId xmlns:p14="http://schemas.microsoft.com/office/powerpoint/2010/main" val="1173604514"/>
+      </p:ext>
+    </p:extLst>
+  </p:cSld>
+  <p:clrMapOvr>
+    <a:masterClrMapping/>
+  </p:clrMapOvr>
+</p:notes>
+</file>
+
+<file path=ppt/notesSlides/notesSlide21.xml><?xml version="1.0" encoding="utf-8"?>
+<p:notes xmlns:a="http://schemas.openxmlformats.org/drawingml/2006/main" xmlns:r="http://schemas.openxmlformats.org/officeDocument/2006/relationships" xmlns:p="http://schemas.openxmlformats.org/presentationml/2006/main">
+  <p:cSld>
+    <p:spTree>
+      <p:nvGrpSpPr>
+        <p:cNvPr id="1" name=""/>
+        <p:cNvGrpSpPr/>
+        <p:nvPr/>
+      </p:nvGrpSpPr>
+      <p:grpSpPr>
+        <a:xfrm>
+          <a:off x="0" y="0"/>
+          <a:ext cx="0" cy="0"/>
+          <a:chOff x="0" y="0"/>
+          <a:chExt cx="0" cy="0"/>
+        </a:xfrm>
+      </p:grpSpPr>
+      <p:sp>
+        <p:nvSpPr>
+          <p:cNvPr id="2" name="Slide Image Placeholder 1"/>
+          <p:cNvSpPr>
+            <a:spLocks noGrp="1" noRot="1" noChangeAspect="1"/>
+          </p:cNvSpPr>
+          <p:nvPr>
+            <p:ph type="sldImg"/>
+          </p:nvPr>
+        </p:nvSpPr>
+        <p:spPr/>
+      </p:sp>
+      <p:sp>
+        <p:nvSpPr>
+          <p:cNvPr id="3" name="Notes Placeholder 2"/>
+          <p:cNvSpPr>
+            <a:spLocks noGrp="1"/>
+          </p:cNvSpPr>
+          <p:nvPr>
+            <p:ph type="body" idx="1"/>
+          </p:nvPr>
+        </p:nvSpPr>
+        <p:spPr/>
+        <p:txBody>
+          <a:bodyPr/>
+          <a:lstStyle/>
+          <a:p>
+            <a:r>
+              <a:rPr lang="en-US" dirty="0" err="1" smtClean="0"/>
+              <a:t>Slutligen</a:t>
+            </a:r>
+            <a:r>
+              <a:rPr lang="en-US" dirty="0" smtClean="0"/>
+              <a:t> </a:t>
+            </a:r>
+            <a:r>
+              <a:rPr lang="en-US" dirty="0" err="1" smtClean="0"/>
+              <a:t>kommer</a:t>
+            </a:r>
+            <a:r>
+              <a:rPr lang="en-US" dirty="0" smtClean="0"/>
+              <a:t> nod</a:t>
+            </a:r>
+            <a:r>
+              <a:rPr lang="en-US" baseline="0" dirty="0" smtClean="0"/>
+              <a:t> A </a:t>
+            </a:r>
+            <a:r>
+              <a:rPr lang="en-US" baseline="0" dirty="0" err="1" smtClean="0"/>
+              <a:t>att</a:t>
+            </a:r>
+            <a:r>
+              <a:rPr lang="en-US" baseline="0" dirty="0" smtClean="0"/>
+              <a:t> </a:t>
+            </a:r>
+            <a:r>
+              <a:rPr lang="en-US" baseline="0" dirty="0" err="1" smtClean="0"/>
+              <a:t>skicka</a:t>
+            </a:r>
+            <a:r>
+              <a:rPr lang="en-US" baseline="0" dirty="0" smtClean="0"/>
+              <a:t> </a:t>
+            </a:r>
+            <a:r>
+              <a:rPr lang="en-US" baseline="0" dirty="0" err="1" smtClean="0"/>
+              <a:t>ett</a:t>
+            </a:r>
+            <a:r>
+              <a:rPr lang="en-US" baseline="0" dirty="0" smtClean="0"/>
+              <a:t> </a:t>
+            </a:r>
+            <a:r>
+              <a:rPr lang="en-US" baseline="0" dirty="0" err="1" smtClean="0"/>
+              <a:t>svar</a:t>
+            </a:r>
+            <a:r>
+              <a:rPr lang="en-US" baseline="0" dirty="0" smtClean="0"/>
+              <a:t> till nod B </a:t>
+            </a:r>
+            <a:r>
+              <a:rPr lang="en-US" baseline="0" dirty="0" err="1" smtClean="0"/>
+              <a:t>och</a:t>
+            </a:r>
+            <a:r>
+              <a:rPr lang="en-US" baseline="0" dirty="0" smtClean="0"/>
+              <a:t> nod D, </a:t>
+            </a:r>
+            <a:r>
+              <a:rPr lang="en-US" baseline="0" dirty="0" err="1" smtClean="0"/>
+              <a:t>så</a:t>
+            </a:r>
+            <a:r>
+              <a:rPr lang="en-US" baseline="0" dirty="0" smtClean="0"/>
+              <a:t> </a:t>
+            </a:r>
+            <a:r>
+              <a:rPr lang="en-US" baseline="0" dirty="0" err="1" smtClean="0"/>
+              <a:t>att</a:t>
+            </a:r>
+            <a:r>
+              <a:rPr lang="en-US" baseline="0" dirty="0" smtClean="0"/>
+              <a:t> </a:t>
+            </a:r>
+            <a:r>
+              <a:rPr lang="en-US" baseline="0" dirty="0" err="1" smtClean="0"/>
+              <a:t>dessa</a:t>
+            </a:r>
+            <a:r>
+              <a:rPr lang="en-US" baseline="0" dirty="0" smtClean="0"/>
+              <a:t> vet </a:t>
+            </a:r>
+            <a:r>
+              <a:rPr lang="en-US" baseline="0" dirty="0" err="1" smtClean="0"/>
+              <a:t>att</a:t>
+            </a:r>
+            <a:r>
+              <a:rPr lang="en-US" baseline="0" dirty="0" smtClean="0"/>
+              <a:t> nod A </a:t>
+            </a:r>
+            <a:r>
+              <a:rPr lang="en-US" baseline="0" dirty="0" err="1" smtClean="0"/>
+              <a:t>lyckades</a:t>
+            </a:r>
+            <a:r>
+              <a:rPr lang="en-US" baseline="0" dirty="0" smtClean="0"/>
+              <a:t> </a:t>
+            </a:r>
+            <a:r>
+              <a:rPr lang="en-US" baseline="0" dirty="0" err="1" smtClean="0"/>
+              <a:t>köra</a:t>
+            </a:r>
+            <a:r>
+              <a:rPr lang="en-US" baseline="0" dirty="0" smtClean="0"/>
+              <a:t> </a:t>
+            </a:r>
+            <a:r>
+              <a:rPr lang="en-US" baseline="0" dirty="0" err="1" smtClean="0"/>
+              <a:t>klart</a:t>
+            </a:r>
+            <a:r>
+              <a:rPr lang="en-US" baseline="0" dirty="0" smtClean="0"/>
+              <a:t> </a:t>
+            </a:r>
+            <a:r>
+              <a:rPr lang="en-US" baseline="0" dirty="0" err="1" smtClean="0"/>
+              <a:t>algoritmen</a:t>
+            </a:r>
+            <a:r>
+              <a:rPr lang="en-US" baseline="0" dirty="0" smtClean="0"/>
+              <a:t>.</a:t>
+            </a:r>
+            <a:endParaRPr lang="en-US" dirty="0"/>
+          </a:p>
+        </p:txBody>
+      </p:sp>
+      <p:sp>
+        <p:nvSpPr>
+          <p:cNvPr id="4" name="Slide Number Placeholder 3"/>
+          <p:cNvSpPr>
+            <a:spLocks noGrp="1"/>
+          </p:cNvSpPr>
+          <p:nvPr>
+            <p:ph type="sldNum" sz="quarter" idx="10"/>
+          </p:nvPr>
+        </p:nvSpPr>
+        <p:spPr/>
+        <p:txBody>
+          <a:bodyPr/>
+          <a:lstStyle/>
+          <a:p>
+            <a:fld id="{100650DF-8CBF-0341-B1F9-47D0C0CD302F}" type="slidenum">
+              <a:rPr lang="en-US" smtClean="0"/>
+              <a:t>26</a:t>
+            </a:fld>
+            <a:endParaRPr lang="en-US"/>
+          </a:p>
+        </p:txBody>
+      </p:sp>
+    </p:spTree>
+    <p:extLst>
+      <p:ext uri="{BB962C8B-B14F-4D97-AF65-F5344CB8AC3E}">
+        <p14:creationId xmlns:p14="http://schemas.microsoft.com/office/powerpoint/2010/main" val="1497527464"/>
+      </p:ext>
+    </p:extLst>
+  </p:cSld>
+  <p:clrMapOvr>
+    <a:masterClrMapping/>
+  </p:clrMapOvr>
+</p:notes>
+</file>
+
+<file path=ppt/notesSlides/notesSlide22.xml><?xml version="1.0" encoding="utf-8"?>
+<p:notes xmlns:a="http://schemas.openxmlformats.org/drawingml/2006/main" xmlns:r="http://schemas.openxmlformats.org/officeDocument/2006/relationships" xmlns:p="http://schemas.openxmlformats.org/presentationml/2006/main">
+  <p:cSld>
+    <p:spTree>
+      <p:nvGrpSpPr>
+        <p:cNvPr id="1" name=""/>
+        <p:cNvGrpSpPr/>
+        <p:nvPr/>
+      </p:nvGrpSpPr>
+      <p:grpSpPr>
+        <a:xfrm>
+          <a:off x="0" y="0"/>
+          <a:ext cx="0" cy="0"/>
+          <a:chOff x="0" y="0"/>
+          <a:chExt cx="0" cy="0"/>
+        </a:xfrm>
+      </p:grpSpPr>
+      <p:sp>
+        <p:nvSpPr>
+          <p:cNvPr id="2" name="Slide Image Placeholder 1"/>
+          <p:cNvSpPr>
+            <a:spLocks noGrp="1" noRot="1" noChangeAspect="1"/>
+          </p:cNvSpPr>
+          <p:nvPr>
+            <p:ph type="sldImg"/>
+          </p:nvPr>
+        </p:nvSpPr>
+        <p:spPr/>
+      </p:sp>
+      <p:sp>
+        <p:nvSpPr>
+          <p:cNvPr id="3" name="Notes Placeholder 2"/>
+          <p:cNvSpPr>
+            <a:spLocks noGrp="1"/>
+          </p:cNvSpPr>
+          <p:nvPr>
+            <p:ph type="body" idx="1"/>
+          </p:nvPr>
+        </p:nvSpPr>
+        <p:spPr/>
+        <p:txBody>
+          <a:bodyPr/>
+          <a:lstStyle/>
+          <a:p>
+            <a:r>
+              <a:rPr lang="en-US" dirty="0" err="1" smtClean="0"/>
+              <a:t>Ett</a:t>
+            </a:r>
+            <a:r>
+              <a:rPr lang="en-US" dirty="0" smtClean="0"/>
+              <a:t> </a:t>
+            </a:r>
+            <a:r>
+              <a:rPr lang="en-US" dirty="0" err="1" smtClean="0"/>
+              <a:t>liknande</a:t>
+            </a:r>
+            <a:r>
+              <a:rPr lang="en-US" dirty="0" smtClean="0"/>
+              <a:t> </a:t>
+            </a:r>
+            <a:r>
+              <a:rPr lang="en-US" dirty="0" err="1" smtClean="0"/>
+              <a:t>exempel</a:t>
+            </a:r>
+            <a:r>
+              <a:rPr lang="en-US" dirty="0" smtClean="0"/>
+              <a:t> med </a:t>
+            </a:r>
+            <a:r>
+              <a:rPr lang="en-US" dirty="0" err="1" smtClean="0"/>
+              <a:t>två</a:t>
+            </a:r>
+            <a:r>
+              <a:rPr lang="en-US" dirty="0" smtClean="0"/>
+              <a:t> </a:t>
+            </a:r>
+            <a:r>
+              <a:rPr lang="en-US" dirty="0" err="1" smtClean="0"/>
+              <a:t>replikor</a:t>
+            </a:r>
+            <a:r>
+              <a:rPr lang="en-US" dirty="0" smtClean="0"/>
+              <a:t>.</a:t>
+            </a:r>
+          </a:p>
+          <a:p>
+            <a:endParaRPr lang="en-US" dirty="0" smtClean="0"/>
+          </a:p>
+          <a:p>
+            <a:r>
+              <a:rPr lang="en-US" dirty="0" err="1" smtClean="0"/>
+              <a:t>Nodernas</a:t>
+            </a:r>
+            <a:r>
+              <a:rPr lang="en-US" dirty="0" smtClean="0"/>
+              <a:t> </a:t>
+            </a:r>
+            <a:r>
+              <a:rPr lang="en-US" dirty="0" err="1" smtClean="0"/>
+              <a:t>tillfötlitlighetsnivå</a:t>
+            </a:r>
+            <a:r>
+              <a:rPr lang="en-US" dirty="0" smtClean="0"/>
+              <a:t> </a:t>
+            </a:r>
+            <a:r>
+              <a:rPr lang="en-US" dirty="0" err="1" smtClean="0"/>
+              <a:t>syns</a:t>
+            </a:r>
+            <a:r>
+              <a:rPr lang="en-US" dirty="0" smtClean="0"/>
+              <a:t> </a:t>
+            </a:r>
+            <a:r>
+              <a:rPr lang="en-US" dirty="0" err="1" smtClean="0"/>
+              <a:t>också</a:t>
+            </a:r>
+            <a:r>
+              <a:rPr lang="en-US" dirty="0" smtClean="0"/>
+              <a:t>.</a:t>
+            </a:r>
+          </a:p>
+          <a:p>
+            <a:endParaRPr lang="en-US" dirty="0" smtClean="0"/>
+          </a:p>
+          <a:p>
+            <a:r>
+              <a:rPr lang="en-US" dirty="0" err="1" smtClean="0"/>
+              <a:t>Här</a:t>
+            </a:r>
+            <a:r>
+              <a:rPr lang="en-US" baseline="0" dirty="0" smtClean="0"/>
+              <a:t> </a:t>
+            </a:r>
+            <a:r>
+              <a:rPr lang="en-US" baseline="0" dirty="0" err="1" smtClean="0"/>
+              <a:t>ser</a:t>
+            </a:r>
+            <a:r>
+              <a:rPr lang="en-US" baseline="0" dirty="0" smtClean="0"/>
+              <a:t> vi </a:t>
+            </a:r>
+            <a:r>
+              <a:rPr lang="en-US" baseline="0" dirty="0" err="1" smtClean="0"/>
+              <a:t>att</a:t>
+            </a:r>
+            <a:r>
+              <a:rPr lang="en-US" baseline="0" dirty="0" smtClean="0"/>
+              <a:t> </a:t>
+            </a:r>
+            <a:r>
+              <a:rPr lang="en-US" baseline="0" dirty="0" err="1" smtClean="0"/>
+              <a:t>det</a:t>
+            </a:r>
+            <a:r>
+              <a:rPr lang="en-US" baseline="0" dirty="0" smtClean="0"/>
+              <a:t> </a:t>
+            </a:r>
+            <a:r>
+              <a:rPr lang="en-US" baseline="0" dirty="0" err="1" smtClean="0"/>
+              <a:t>räcker</a:t>
+            </a:r>
+            <a:r>
+              <a:rPr lang="en-US" baseline="0" dirty="0" smtClean="0"/>
+              <a:t> med </a:t>
+            </a:r>
+            <a:r>
+              <a:rPr lang="en-US" baseline="0" dirty="0" err="1" smtClean="0"/>
+              <a:t>två</a:t>
+            </a:r>
+            <a:r>
+              <a:rPr lang="en-US" baseline="0" dirty="0" smtClean="0"/>
+              <a:t> </a:t>
+            </a:r>
+            <a:r>
+              <a:rPr lang="en-US" baseline="0" dirty="0" err="1" smtClean="0"/>
+              <a:t>replikor</a:t>
+            </a:r>
+            <a:r>
+              <a:rPr lang="en-US" baseline="0" dirty="0" smtClean="0"/>
+              <a:t> </a:t>
+            </a:r>
+            <a:r>
+              <a:rPr lang="en-US" baseline="0" dirty="0" err="1" smtClean="0"/>
+              <a:t>på</a:t>
+            </a:r>
+            <a:r>
+              <a:rPr lang="en-US" baseline="0" dirty="0" smtClean="0"/>
+              <a:t> om de </a:t>
+            </a:r>
+            <a:r>
+              <a:rPr lang="en-US" baseline="0" dirty="0" err="1" smtClean="0"/>
+              <a:t>körs</a:t>
+            </a:r>
+            <a:r>
+              <a:rPr lang="en-US" baseline="0" dirty="0" smtClean="0"/>
+              <a:t> </a:t>
+            </a:r>
+            <a:r>
+              <a:rPr lang="en-US" baseline="0" dirty="0" err="1" smtClean="0"/>
+              <a:t>på</a:t>
+            </a:r>
+            <a:r>
+              <a:rPr lang="en-US" baseline="0" dirty="0" smtClean="0"/>
+              <a:t> nod A </a:t>
+            </a:r>
+            <a:r>
+              <a:rPr lang="en-US" baseline="0" dirty="0" err="1" smtClean="0"/>
+              <a:t>och</a:t>
+            </a:r>
+            <a:r>
+              <a:rPr lang="en-US" baseline="0" dirty="0" smtClean="0"/>
+              <a:t> C.</a:t>
+            </a:r>
+            <a:endParaRPr lang="en-US" dirty="0"/>
+          </a:p>
+        </p:txBody>
+      </p:sp>
+      <p:sp>
+        <p:nvSpPr>
+          <p:cNvPr id="4" name="Slide Number Placeholder 3"/>
+          <p:cNvSpPr>
+            <a:spLocks noGrp="1"/>
+          </p:cNvSpPr>
+          <p:nvPr>
+            <p:ph type="sldNum" sz="quarter" idx="10"/>
+          </p:nvPr>
+        </p:nvSpPr>
+        <p:spPr/>
+        <p:txBody>
+          <a:bodyPr/>
+          <a:lstStyle/>
+          <a:p>
+            <a:fld id="{100650DF-8CBF-0341-B1F9-47D0C0CD302F}" type="slidenum">
+              <a:rPr lang="en-US" smtClean="0"/>
+              <a:t>27</a:t>
+            </a:fld>
+            <a:endParaRPr lang="en-US"/>
+          </a:p>
+        </p:txBody>
+      </p:sp>
+    </p:spTree>
+    <p:extLst>
+      <p:ext uri="{BB962C8B-B14F-4D97-AF65-F5344CB8AC3E}">
+        <p14:creationId xmlns:p14="http://schemas.microsoft.com/office/powerpoint/2010/main" val="779117860"/>
+      </p:ext>
+    </p:extLst>
+  </p:cSld>
+  <p:clrMapOvr>
+    <a:masterClrMapping/>
+  </p:clrMapOvr>
+</p:notes>
+</file>
+
+<file path=ppt/notesSlides/notesSlide23.xml><?xml version="1.0" encoding="utf-8"?>
+<p:notes xmlns:a="http://schemas.openxmlformats.org/drawingml/2006/main" xmlns:r="http://schemas.openxmlformats.org/officeDocument/2006/relationships" xmlns:p="http://schemas.openxmlformats.org/presentationml/2006/main">
+  <p:cSld>
+    <p:spTree>
+      <p:nvGrpSpPr>
+        <p:cNvPr id="1" name=""/>
+        <p:cNvGrpSpPr/>
+        <p:nvPr/>
+      </p:nvGrpSpPr>
+      <p:grpSpPr>
+        <a:xfrm>
+          <a:off x="0" y="0"/>
+          <a:ext cx="0" cy="0"/>
+          <a:chOff x="0" y="0"/>
+          <a:chExt cx="0" cy="0"/>
+        </a:xfrm>
+      </p:grpSpPr>
+      <p:sp>
+        <p:nvSpPr>
+          <p:cNvPr id="2" name="Slide Image Placeholder 1"/>
+          <p:cNvSpPr>
+            <a:spLocks noGrp="1" noRot="1" noChangeAspect="1"/>
+          </p:cNvSpPr>
+          <p:nvPr>
+            <p:ph type="sldImg"/>
+          </p:nvPr>
+        </p:nvSpPr>
+        <p:spPr/>
+      </p:sp>
+      <p:sp>
+        <p:nvSpPr>
+          <p:cNvPr id="3" name="Notes Placeholder 2"/>
+          <p:cNvSpPr>
+            <a:spLocks noGrp="1"/>
+          </p:cNvSpPr>
+          <p:nvPr>
+            <p:ph type="body" idx="1"/>
+          </p:nvPr>
+        </p:nvSpPr>
+        <p:spPr/>
+        <p:txBody>
+          <a:bodyPr/>
+          <a:lstStyle/>
+          <a:p>
+            <a:r>
+              <a:rPr lang="en-US" dirty="0" err="1" smtClean="0"/>
+              <a:t>När</a:t>
+            </a:r>
+            <a:r>
+              <a:rPr lang="en-US" baseline="0" dirty="0" smtClean="0"/>
+              <a:t> nod C </a:t>
+            </a:r>
+            <a:r>
+              <a:rPr lang="en-US" baseline="0" dirty="0" err="1" smtClean="0"/>
+              <a:t>dör</a:t>
+            </a:r>
+            <a:r>
+              <a:rPr lang="en-US" baseline="0" dirty="0" smtClean="0"/>
+              <a:t>, </a:t>
+            </a:r>
+            <a:r>
+              <a:rPr lang="en-US" baseline="0" dirty="0" err="1" smtClean="0"/>
+              <a:t>så</a:t>
+            </a:r>
+            <a:r>
+              <a:rPr lang="en-US" baseline="0" dirty="0" smtClean="0"/>
+              <a:t> </a:t>
+            </a:r>
+            <a:r>
+              <a:rPr lang="en-US" baseline="0" dirty="0" err="1" smtClean="0"/>
+              <a:t>körs</a:t>
+            </a:r>
+            <a:r>
+              <a:rPr lang="en-US" baseline="0" dirty="0" smtClean="0"/>
+              <a:t> </a:t>
+            </a:r>
+            <a:r>
+              <a:rPr lang="en-US" baseline="0" dirty="0" err="1" smtClean="0"/>
+              <a:t>algoritmen</a:t>
+            </a:r>
+            <a:r>
+              <a:rPr lang="en-US" baseline="0" dirty="0" smtClean="0"/>
+              <a:t> </a:t>
+            </a:r>
+            <a:r>
+              <a:rPr lang="en-US" baseline="0" dirty="0" err="1" smtClean="0"/>
+              <a:t>och</a:t>
+            </a:r>
+            <a:r>
+              <a:rPr lang="en-US" baseline="0" dirty="0" smtClean="0"/>
+              <a:t> en </a:t>
+            </a:r>
+            <a:r>
+              <a:rPr lang="en-US" baseline="0" dirty="0" err="1" smtClean="0"/>
+              <a:t>ny</a:t>
+            </a:r>
+            <a:r>
+              <a:rPr lang="en-US" baseline="0" dirty="0" smtClean="0"/>
+              <a:t> </a:t>
+            </a:r>
+            <a:r>
+              <a:rPr lang="en-US" baseline="0" dirty="0" err="1" smtClean="0"/>
+              <a:t>replika</a:t>
+            </a:r>
+            <a:r>
+              <a:rPr lang="en-US" baseline="0" dirty="0" smtClean="0"/>
+              <a:t> </a:t>
+            </a:r>
+            <a:r>
+              <a:rPr lang="en-US" baseline="0" dirty="0" err="1" smtClean="0"/>
+              <a:t>skapas</a:t>
+            </a:r>
+            <a:r>
+              <a:rPr lang="en-US" baseline="0" dirty="0" smtClean="0"/>
+              <a:t> </a:t>
+            </a:r>
+            <a:r>
+              <a:rPr lang="en-US" baseline="0" dirty="0" err="1" smtClean="0"/>
+              <a:t>på</a:t>
+            </a:r>
+            <a:r>
+              <a:rPr lang="en-US" baseline="0" dirty="0" smtClean="0"/>
+              <a:t> nod B, men </a:t>
+            </a:r>
+            <a:r>
+              <a:rPr lang="en-US" baseline="0" dirty="0" err="1" smtClean="0"/>
+              <a:t>nivån</a:t>
+            </a:r>
+            <a:r>
+              <a:rPr lang="en-US" baseline="0" dirty="0" smtClean="0"/>
+              <a:t> </a:t>
+            </a:r>
+            <a:r>
+              <a:rPr lang="en-US" baseline="0" dirty="0" err="1" smtClean="0"/>
+              <a:t>är</a:t>
+            </a:r>
+            <a:r>
+              <a:rPr lang="en-US" baseline="0" dirty="0" smtClean="0"/>
+              <a:t> </a:t>
+            </a:r>
+            <a:r>
+              <a:rPr lang="en-US" baseline="0" dirty="0" err="1" smtClean="0"/>
+              <a:t>fortfarande</a:t>
+            </a:r>
+            <a:r>
+              <a:rPr lang="en-US" baseline="0" dirty="0" smtClean="0"/>
+              <a:t> </a:t>
+            </a:r>
+            <a:r>
+              <a:rPr lang="en-US" baseline="0" dirty="0" err="1" smtClean="0"/>
+              <a:t>inte</a:t>
+            </a:r>
+            <a:r>
+              <a:rPr lang="en-US" baseline="0" dirty="0" smtClean="0"/>
+              <a:t> </a:t>
+            </a:r>
+            <a:r>
+              <a:rPr lang="en-US" baseline="0" dirty="0" err="1" smtClean="0"/>
+              <a:t>uppfylld</a:t>
+            </a:r>
+            <a:r>
+              <a:rPr lang="en-US" baseline="0" dirty="0" smtClean="0"/>
+              <a:t> </a:t>
+            </a:r>
+            <a:r>
+              <a:rPr lang="en-US" baseline="0" dirty="0" err="1" smtClean="0"/>
+              <a:t>och</a:t>
+            </a:r>
+            <a:r>
+              <a:rPr lang="en-US" baseline="0" dirty="0" smtClean="0"/>
+              <a:t> </a:t>
+            </a:r>
+            <a:r>
+              <a:rPr lang="en-US" baseline="0" dirty="0" err="1" smtClean="0"/>
+              <a:t>ytterligare</a:t>
+            </a:r>
+            <a:r>
+              <a:rPr lang="en-US" baseline="0" dirty="0" smtClean="0"/>
+              <a:t> en </a:t>
+            </a:r>
+            <a:r>
+              <a:rPr lang="en-US" baseline="0" dirty="0" err="1" smtClean="0"/>
+              <a:t>replika</a:t>
+            </a:r>
+            <a:r>
+              <a:rPr lang="en-US" baseline="0" dirty="0" smtClean="0"/>
+              <a:t> </a:t>
+            </a:r>
+            <a:r>
+              <a:rPr lang="en-US" baseline="0" dirty="0" err="1" smtClean="0"/>
+              <a:t>måste</a:t>
+            </a:r>
+            <a:r>
+              <a:rPr lang="en-US" baseline="0" dirty="0" smtClean="0"/>
+              <a:t> </a:t>
+            </a:r>
+            <a:r>
+              <a:rPr lang="en-US" baseline="0" dirty="0" err="1" smtClean="0"/>
+              <a:t>skapas</a:t>
+            </a:r>
+            <a:r>
+              <a:rPr lang="en-US" baseline="0" dirty="0" smtClean="0"/>
+              <a:t> </a:t>
+            </a:r>
+            <a:r>
+              <a:rPr lang="en-US" baseline="0" dirty="0" err="1" smtClean="0"/>
+              <a:t>på</a:t>
+            </a:r>
+            <a:r>
+              <a:rPr lang="en-US" baseline="0" dirty="0" smtClean="0"/>
+              <a:t> nod C.</a:t>
+            </a:r>
+            <a:endParaRPr lang="en-US" dirty="0"/>
+          </a:p>
+        </p:txBody>
+      </p:sp>
+      <p:sp>
+        <p:nvSpPr>
+          <p:cNvPr id="4" name="Slide Number Placeholder 3"/>
+          <p:cNvSpPr>
+            <a:spLocks noGrp="1"/>
+          </p:cNvSpPr>
+          <p:nvPr>
+            <p:ph type="sldNum" sz="quarter" idx="10"/>
+          </p:nvPr>
+        </p:nvSpPr>
+        <p:spPr/>
+        <p:txBody>
+          <a:bodyPr/>
+          <a:lstStyle/>
+          <a:p>
+            <a:fld id="{100650DF-8CBF-0341-B1F9-47D0C0CD302F}" type="slidenum">
+              <a:rPr lang="en-US" smtClean="0"/>
+              <a:t>28</a:t>
+            </a:fld>
+            <a:endParaRPr lang="en-US"/>
+          </a:p>
+        </p:txBody>
+      </p:sp>
+    </p:spTree>
+    <p:extLst>
+      <p:ext uri="{BB962C8B-B14F-4D97-AF65-F5344CB8AC3E}">
+        <p14:creationId xmlns:p14="http://schemas.microsoft.com/office/powerpoint/2010/main" val="1370614590"/>
+      </p:ext>
+    </p:extLst>
+  </p:cSld>
+  <p:clrMapOvr>
+    <a:masterClrMapping/>
+  </p:clrMapOvr>
+</p:notes>
+</file>
+
+<file path=ppt/notesSlides/notesSlide24.xml><?xml version="1.0" encoding="utf-8"?>
+<p:notes xmlns:a="http://schemas.openxmlformats.org/drawingml/2006/main" xmlns:r="http://schemas.openxmlformats.org/officeDocument/2006/relationships" xmlns:p="http://schemas.openxmlformats.org/presentationml/2006/main">
+  <p:cSld>
+    <p:spTree>
+      <p:nvGrpSpPr>
+        <p:cNvPr id="1" name=""/>
+        <p:cNvGrpSpPr/>
+        <p:nvPr/>
+      </p:nvGrpSpPr>
+      <p:grpSpPr>
+        <a:xfrm>
+          <a:off x="0" y="0"/>
+          <a:ext cx="0" cy="0"/>
+          <a:chOff x="0" y="0"/>
+          <a:chExt cx="0" cy="0"/>
+        </a:xfrm>
+      </p:grpSpPr>
+      <p:sp>
+        <p:nvSpPr>
+          <p:cNvPr id="2" name="Slide Image Placeholder 1"/>
+          <p:cNvSpPr>
+            <a:spLocks noGrp="1" noRot="1" noChangeAspect="1"/>
+          </p:cNvSpPr>
+          <p:nvPr>
+            <p:ph type="sldImg"/>
+          </p:nvPr>
+        </p:nvSpPr>
+        <p:spPr/>
+      </p:sp>
+      <p:sp>
+        <p:nvSpPr>
+          <p:cNvPr id="3" name="Notes Placeholder 2"/>
+          <p:cNvSpPr>
+            <a:spLocks noGrp="1"/>
+          </p:cNvSpPr>
+          <p:nvPr>
+            <p:ph type="body" idx="1"/>
+          </p:nvPr>
+        </p:nvSpPr>
+        <p:spPr/>
+        <p:txBody>
+          <a:bodyPr/>
+          <a:lstStyle/>
+          <a:p>
+            <a:r>
+              <a:rPr lang="en-US" dirty="0" err="1" smtClean="0"/>
+              <a:t>Tiden</a:t>
+            </a:r>
+            <a:r>
+              <a:rPr lang="en-US" dirty="0" smtClean="0"/>
+              <a:t> </a:t>
+            </a:r>
+            <a:r>
+              <a:rPr lang="en-US" i="1" dirty="0" smtClean="0"/>
+              <a:t>t</a:t>
+            </a:r>
+            <a:r>
+              <a:rPr lang="en-US" i="0" dirty="0" smtClean="0"/>
+              <a:t> </a:t>
+            </a:r>
+            <a:r>
+              <a:rPr lang="en-US" i="0" dirty="0" err="1" smtClean="0"/>
+              <a:t>som</a:t>
+            </a:r>
+            <a:r>
+              <a:rPr lang="en-US" i="0" dirty="0" smtClean="0"/>
+              <a:t> </a:t>
+            </a:r>
+            <a:r>
+              <a:rPr lang="en-US" i="0" dirty="0" err="1" smtClean="0"/>
+              <a:t>används</a:t>
+            </a:r>
+            <a:r>
+              <a:rPr lang="en-US" i="0" dirty="0" smtClean="0"/>
+              <a:t> I </a:t>
+            </a:r>
+            <a:r>
+              <a:rPr lang="en-US" i="0" dirty="0" err="1" smtClean="0"/>
+              <a:t>tillfötlighetsmodellen</a:t>
+            </a:r>
+            <a:r>
+              <a:rPr lang="en-US" i="0" dirty="0" smtClean="0"/>
+              <a:t> </a:t>
+            </a:r>
+            <a:r>
+              <a:rPr lang="en-US" i="0" dirty="0" err="1" smtClean="0"/>
+              <a:t>består</a:t>
+            </a:r>
+            <a:r>
+              <a:rPr lang="en-US" i="0" dirty="0" smtClean="0"/>
+              <a:t> </a:t>
+            </a:r>
+            <a:r>
+              <a:rPr lang="en-US" i="0" dirty="0" err="1" smtClean="0"/>
+              <a:t>av</a:t>
+            </a:r>
+            <a:r>
+              <a:rPr lang="en-US" i="0" dirty="0" smtClean="0"/>
+              <a:t> </a:t>
+            </a:r>
+            <a:r>
+              <a:rPr lang="en-US" i="0" dirty="0" err="1" smtClean="0"/>
+              <a:t>tiden</a:t>
+            </a:r>
+            <a:r>
+              <a:rPr lang="en-US" i="0" dirty="0" smtClean="0"/>
+              <a:t> </a:t>
+            </a:r>
+            <a:r>
+              <a:rPr lang="en-US" i="0" dirty="0" err="1" smtClean="0"/>
+              <a:t>det</a:t>
+            </a:r>
+            <a:r>
+              <a:rPr lang="en-US" i="0" baseline="0" dirty="0" smtClean="0"/>
+              <a:t> tar </a:t>
+            </a:r>
+            <a:r>
+              <a:rPr lang="en-US" i="0" baseline="0" dirty="0" err="1" smtClean="0"/>
+              <a:t>att</a:t>
+            </a:r>
+            <a:r>
+              <a:rPr lang="en-US" i="0" baseline="0" dirty="0" smtClean="0"/>
+              <a:t> </a:t>
+            </a:r>
+            <a:r>
+              <a:rPr lang="en-US" i="0" baseline="0" dirty="0" err="1" smtClean="0"/>
+              <a:t>detekera</a:t>
+            </a:r>
+            <a:r>
+              <a:rPr lang="en-US" i="0" baseline="0" dirty="0" smtClean="0"/>
+              <a:t> </a:t>
+            </a:r>
+            <a:r>
+              <a:rPr lang="en-US" i="0" baseline="0" dirty="0" err="1" smtClean="0"/>
+              <a:t>att</a:t>
+            </a:r>
+            <a:r>
+              <a:rPr lang="en-US" i="0" baseline="0" dirty="0" smtClean="0"/>
+              <a:t> en nod </a:t>
+            </a:r>
+            <a:r>
+              <a:rPr lang="en-US" i="0" baseline="0" dirty="0" err="1" smtClean="0"/>
+              <a:t>har</a:t>
+            </a:r>
+            <a:r>
+              <a:rPr lang="en-US" i="0" baseline="0" dirty="0" smtClean="0"/>
+              <a:t> </a:t>
+            </a:r>
+            <a:r>
+              <a:rPr lang="en-US" i="0" baseline="0" dirty="0" err="1" smtClean="0"/>
+              <a:t>dött</a:t>
+            </a:r>
+            <a:r>
+              <a:rPr lang="en-US" i="0" baseline="0" dirty="0" smtClean="0"/>
+              <a:t>, plus </a:t>
+            </a:r>
+            <a:r>
+              <a:rPr lang="en-US" i="0" baseline="0" dirty="0" err="1" smtClean="0"/>
+              <a:t>tiden</a:t>
+            </a:r>
+            <a:r>
+              <a:rPr lang="en-US" i="0" baseline="0" dirty="0" smtClean="0"/>
+              <a:t> </a:t>
+            </a:r>
+            <a:r>
+              <a:rPr lang="en-US" i="0" baseline="0" dirty="0" err="1" smtClean="0"/>
+              <a:t>det</a:t>
+            </a:r>
+            <a:r>
+              <a:rPr lang="en-US" i="0" baseline="0" dirty="0" smtClean="0"/>
+              <a:t> tar </a:t>
+            </a:r>
+            <a:r>
+              <a:rPr lang="en-US" i="0" baseline="0" dirty="0" err="1" smtClean="0"/>
+              <a:t>att</a:t>
+            </a:r>
+            <a:r>
+              <a:rPr lang="en-US" i="0" baseline="0" dirty="0" smtClean="0"/>
+              <a:t> </a:t>
+            </a:r>
+            <a:r>
+              <a:rPr lang="en-US" i="0" baseline="0" dirty="0" err="1" smtClean="0"/>
+              <a:t>replicera</a:t>
+            </a:r>
+            <a:r>
+              <a:rPr lang="en-US" i="0" baseline="0" dirty="0" smtClean="0"/>
+              <a:t> en task.</a:t>
+            </a:r>
+          </a:p>
+          <a:p>
+            <a:endParaRPr lang="en-US" i="0" baseline="0" dirty="0" smtClean="0"/>
+          </a:p>
+          <a:p>
+            <a:r>
+              <a:rPr lang="en-US" i="0" baseline="0" dirty="0" err="1" smtClean="0"/>
+              <a:t>Som</a:t>
+            </a:r>
+            <a:r>
+              <a:rPr lang="en-US" i="0" baseline="0" dirty="0" smtClean="0"/>
+              <a:t> </a:t>
+            </a:r>
+            <a:r>
+              <a:rPr lang="en-US" i="0" baseline="0" dirty="0" err="1" smtClean="0"/>
+              <a:t>tidigare</a:t>
+            </a:r>
+            <a:r>
+              <a:rPr lang="en-US" i="0" baseline="0" dirty="0" smtClean="0"/>
+              <a:t> </a:t>
+            </a:r>
+            <a:r>
+              <a:rPr lang="en-US" i="0" baseline="0" dirty="0" err="1" smtClean="0"/>
+              <a:t>nämnt</a:t>
+            </a:r>
+            <a:r>
+              <a:rPr lang="en-US" i="0" baseline="0" dirty="0" smtClean="0"/>
+              <a:t> </a:t>
+            </a:r>
+            <a:r>
+              <a:rPr lang="en-US" i="0" baseline="0" dirty="0" err="1" smtClean="0"/>
+              <a:t>så</a:t>
+            </a:r>
+            <a:r>
+              <a:rPr lang="en-US" i="0" baseline="0" dirty="0" smtClean="0"/>
+              <a:t> </a:t>
+            </a:r>
+            <a:r>
+              <a:rPr lang="en-US" i="0" baseline="0" dirty="0" err="1" smtClean="0"/>
+              <a:t>är</a:t>
+            </a:r>
+            <a:r>
+              <a:rPr lang="en-US" i="0" baseline="0" dirty="0" smtClean="0"/>
+              <a:t> </a:t>
+            </a:r>
+            <a:r>
+              <a:rPr lang="en-US" i="0" baseline="0" dirty="0" err="1" smtClean="0"/>
+              <a:t>det</a:t>
+            </a:r>
+            <a:r>
+              <a:rPr lang="en-US" i="0" baseline="0" dirty="0" smtClean="0"/>
+              <a:t> </a:t>
+            </a:r>
+            <a:r>
+              <a:rPr lang="en-US" i="0" baseline="0" dirty="0" err="1" smtClean="0"/>
+              <a:t>värdet</a:t>
+            </a:r>
+            <a:r>
+              <a:rPr lang="en-US" i="0" baseline="0" dirty="0" smtClean="0"/>
+              <a:t> </a:t>
+            </a:r>
+            <a:r>
+              <a:rPr lang="en-US" i="0" baseline="0" dirty="0" err="1" smtClean="0"/>
+              <a:t>satt</a:t>
+            </a:r>
+            <a:r>
+              <a:rPr lang="en-US" i="0" baseline="0" dirty="0" smtClean="0"/>
+              <a:t> till 500 </a:t>
+            </a:r>
+            <a:r>
+              <a:rPr lang="en-US" i="0" baseline="0" dirty="0" err="1" smtClean="0"/>
+              <a:t>ms</a:t>
+            </a:r>
+            <a:r>
+              <a:rPr lang="en-US" i="0" baseline="0" dirty="0" smtClean="0"/>
+              <a:t> </a:t>
+            </a:r>
+            <a:r>
+              <a:rPr lang="en-US" i="0" baseline="0" dirty="0" err="1" smtClean="0"/>
+              <a:t>för</a:t>
+            </a:r>
+            <a:r>
+              <a:rPr lang="en-US" i="0" baseline="0" dirty="0" smtClean="0"/>
+              <a:t> </a:t>
+            </a:r>
+            <a:r>
+              <a:rPr lang="en-US" i="0" baseline="0" dirty="0" err="1" smtClean="0"/>
+              <a:t>att</a:t>
+            </a:r>
+            <a:r>
+              <a:rPr lang="en-US" i="0" baseline="0" dirty="0" smtClean="0"/>
+              <a:t> </a:t>
+            </a:r>
+            <a:r>
+              <a:rPr lang="en-US" i="0" baseline="0" dirty="0" err="1" smtClean="0"/>
+              <a:t>detekera</a:t>
+            </a:r>
+            <a:r>
+              <a:rPr lang="en-US" i="0" baseline="0" dirty="0" smtClean="0"/>
+              <a:t> </a:t>
+            </a:r>
+            <a:r>
+              <a:rPr lang="en-US" i="0" baseline="0" dirty="0" err="1" smtClean="0"/>
+              <a:t>att</a:t>
+            </a:r>
+            <a:r>
+              <a:rPr lang="en-US" i="0" baseline="0" dirty="0" smtClean="0"/>
+              <a:t> en </a:t>
+            </a:r>
+            <a:r>
+              <a:rPr lang="en-US" i="0" baseline="0" dirty="0" err="1" smtClean="0"/>
+              <a:t>nöd</a:t>
+            </a:r>
+            <a:r>
+              <a:rPr lang="en-US" i="0" baseline="0" dirty="0" smtClean="0"/>
+              <a:t> </a:t>
+            </a:r>
+            <a:r>
+              <a:rPr lang="en-US" i="0" baseline="0" dirty="0" err="1" smtClean="0"/>
+              <a:t>har</a:t>
+            </a:r>
+            <a:r>
+              <a:rPr lang="en-US" i="0" baseline="0" dirty="0" smtClean="0"/>
+              <a:t> </a:t>
+            </a:r>
+            <a:r>
+              <a:rPr lang="en-US" i="0" baseline="0" dirty="0" err="1" smtClean="0"/>
+              <a:t>dött</a:t>
+            </a:r>
+            <a:r>
+              <a:rPr lang="en-US" i="0" baseline="0" dirty="0" smtClean="0"/>
+              <a:t>. </a:t>
+            </a:r>
+            <a:r>
+              <a:rPr lang="en-US" i="0" baseline="0" dirty="0" err="1" smtClean="0"/>
+              <a:t>Tiden</a:t>
+            </a:r>
+            <a:r>
+              <a:rPr lang="en-US" i="0" baseline="0" dirty="0" smtClean="0"/>
+              <a:t> </a:t>
+            </a:r>
+            <a:r>
+              <a:rPr lang="en-US" i="0" baseline="0" dirty="0" err="1" smtClean="0"/>
+              <a:t>att</a:t>
+            </a:r>
+            <a:r>
+              <a:rPr lang="en-US" i="0" baseline="0" dirty="0" smtClean="0"/>
+              <a:t> </a:t>
+            </a:r>
+            <a:r>
+              <a:rPr lang="en-US" i="0" baseline="0" dirty="0" err="1" smtClean="0"/>
+              <a:t>hantera</a:t>
+            </a:r>
+            <a:r>
+              <a:rPr lang="en-US" i="0" baseline="0" dirty="0" smtClean="0"/>
+              <a:t> </a:t>
+            </a:r>
+            <a:r>
+              <a:rPr lang="en-US" i="0" baseline="0" dirty="0" err="1" smtClean="0"/>
+              <a:t>felet</a:t>
+            </a:r>
+            <a:r>
+              <a:rPr lang="en-US" i="0" baseline="0" dirty="0" smtClean="0"/>
+              <a:t> </a:t>
+            </a:r>
+            <a:r>
+              <a:rPr lang="en-US" i="0" baseline="0" dirty="0" err="1" smtClean="0"/>
+              <a:t>och</a:t>
+            </a:r>
+            <a:r>
+              <a:rPr lang="en-US" i="0" baseline="0" dirty="0" smtClean="0"/>
+              <a:t> </a:t>
+            </a:r>
+            <a:r>
+              <a:rPr lang="en-US" i="0" baseline="0" dirty="0" err="1" smtClean="0"/>
+              <a:t>skapa</a:t>
+            </a:r>
+            <a:r>
+              <a:rPr lang="en-US" i="0" baseline="0" dirty="0" smtClean="0"/>
+              <a:t> en </a:t>
+            </a:r>
+            <a:r>
+              <a:rPr lang="en-US" i="0" baseline="0" dirty="0" err="1" smtClean="0"/>
+              <a:t>ny</a:t>
+            </a:r>
+            <a:r>
+              <a:rPr lang="en-US" i="0" baseline="0" dirty="0" smtClean="0"/>
+              <a:t> </a:t>
+            </a:r>
+            <a:r>
+              <a:rPr lang="en-US" i="0" baseline="0" dirty="0" err="1" smtClean="0"/>
+              <a:t>replika</a:t>
+            </a:r>
+            <a:r>
+              <a:rPr lang="en-US" i="0" baseline="0" dirty="0" smtClean="0"/>
+              <a:t> </a:t>
+            </a:r>
+            <a:r>
+              <a:rPr lang="en-US" i="0" baseline="0" dirty="0" err="1" smtClean="0"/>
+              <a:t>varierar</a:t>
+            </a:r>
+            <a:r>
+              <a:rPr lang="en-US" i="0" baseline="0" dirty="0" smtClean="0"/>
+              <a:t> dock.</a:t>
+            </a:r>
+          </a:p>
+          <a:p>
+            <a:endParaRPr lang="en-US" i="0" baseline="0" dirty="0" smtClean="0"/>
+          </a:p>
+          <a:p>
+            <a:r>
+              <a:rPr lang="en-US" i="0" baseline="0" dirty="0" err="1" smtClean="0"/>
+              <a:t>Det</a:t>
+            </a:r>
+            <a:r>
+              <a:rPr lang="en-US" i="0" baseline="0" dirty="0" smtClean="0"/>
+              <a:t> </a:t>
+            </a:r>
+            <a:r>
+              <a:rPr lang="en-US" i="0" baseline="0" dirty="0" err="1" smtClean="0"/>
+              <a:t>beror</a:t>
+            </a:r>
+            <a:r>
+              <a:rPr lang="en-US" i="0" baseline="0" dirty="0" smtClean="0"/>
+              <a:t> </a:t>
+            </a:r>
+            <a:r>
+              <a:rPr lang="en-US" i="0" baseline="0" dirty="0" err="1" smtClean="0"/>
+              <a:t>både</a:t>
+            </a:r>
+            <a:r>
+              <a:rPr lang="en-US" i="0" baseline="0" dirty="0" smtClean="0"/>
+              <a:t> </a:t>
+            </a:r>
+            <a:r>
+              <a:rPr lang="en-US" i="0" baseline="0" dirty="0" err="1" smtClean="0"/>
+              <a:t>på</a:t>
+            </a:r>
+            <a:r>
+              <a:rPr lang="en-US" i="0" baseline="0" dirty="0" smtClean="0"/>
+              <a:t> </a:t>
+            </a:r>
+            <a:r>
+              <a:rPr lang="en-US" i="0" baseline="0" dirty="0" err="1" smtClean="0"/>
+              <a:t>att</a:t>
+            </a:r>
+            <a:r>
+              <a:rPr lang="en-US" i="0" baseline="0" dirty="0" smtClean="0"/>
+              <a:t> </a:t>
+            </a:r>
+            <a:r>
+              <a:rPr lang="en-US" i="0" baseline="0" dirty="0" err="1" smtClean="0"/>
+              <a:t>tiden</a:t>
+            </a:r>
+            <a:r>
+              <a:rPr lang="en-US" i="0" baseline="0" dirty="0" smtClean="0"/>
+              <a:t> </a:t>
+            </a:r>
+            <a:r>
+              <a:rPr lang="en-US" i="0" baseline="0" dirty="0" err="1" smtClean="0"/>
+              <a:t>beror</a:t>
+            </a:r>
+            <a:r>
+              <a:rPr lang="en-US" i="0" baseline="0" dirty="0" smtClean="0"/>
+              <a:t> </a:t>
+            </a:r>
+            <a:r>
+              <a:rPr lang="en-US" i="0" baseline="0" dirty="0" err="1" smtClean="0"/>
+              <a:t>på</a:t>
+            </a:r>
+            <a:r>
+              <a:rPr lang="en-US" i="0" baseline="0" dirty="0" smtClean="0"/>
+              <a:t> </a:t>
+            </a:r>
+            <a:r>
+              <a:rPr lang="en-US" i="0" baseline="0" dirty="0" err="1" smtClean="0"/>
+              <a:t>hur</a:t>
+            </a:r>
+            <a:r>
+              <a:rPr lang="en-US" i="0" baseline="0" dirty="0" smtClean="0"/>
+              <a:t> </a:t>
+            </a:r>
+            <a:r>
+              <a:rPr lang="en-US" i="0" baseline="0" dirty="0" err="1" smtClean="0"/>
+              <a:t>stort</a:t>
+            </a:r>
+            <a:r>
+              <a:rPr lang="en-US" i="0" baseline="0" dirty="0" smtClean="0"/>
+              <a:t> </a:t>
+            </a:r>
+            <a:r>
+              <a:rPr lang="en-US" i="0" baseline="0" dirty="0" err="1" smtClean="0"/>
+              <a:t>statet</a:t>
+            </a:r>
+            <a:r>
+              <a:rPr lang="en-US" i="0" baseline="0" dirty="0" smtClean="0"/>
+              <a:t> </a:t>
+            </a:r>
+            <a:r>
+              <a:rPr lang="en-US" i="0" baseline="0" dirty="0" err="1" smtClean="0"/>
+              <a:t>på</a:t>
+            </a:r>
+            <a:r>
+              <a:rPr lang="en-US" i="0" baseline="0" dirty="0" smtClean="0"/>
+              <a:t> </a:t>
+            </a:r>
+            <a:r>
+              <a:rPr lang="en-US" i="0" baseline="0" dirty="0" err="1" smtClean="0"/>
+              <a:t>tasken</a:t>
+            </a:r>
+            <a:r>
+              <a:rPr lang="en-US" i="0" baseline="0" dirty="0" smtClean="0"/>
+              <a:t> </a:t>
+            </a:r>
+            <a:r>
+              <a:rPr lang="en-US" i="0" baseline="0" dirty="0" err="1" smtClean="0"/>
+              <a:t>är</a:t>
+            </a:r>
+            <a:r>
+              <a:rPr lang="en-US" i="0" baseline="0" dirty="0" smtClean="0"/>
+              <a:t>, </a:t>
+            </a:r>
+            <a:r>
+              <a:rPr lang="en-US" i="0" baseline="0" dirty="0" err="1" smtClean="0"/>
+              <a:t>och</a:t>
+            </a:r>
+            <a:r>
+              <a:rPr lang="en-US" i="0" baseline="0" dirty="0" smtClean="0"/>
+              <a:t> </a:t>
+            </a:r>
+            <a:r>
+              <a:rPr lang="en-US" i="0" baseline="0" dirty="0" err="1" smtClean="0"/>
+              <a:t>därför</a:t>
+            </a:r>
+            <a:r>
+              <a:rPr lang="en-US" i="0" baseline="0" dirty="0" smtClean="0"/>
+              <a:t> </a:t>
+            </a:r>
+            <a:r>
+              <a:rPr lang="en-US" i="0" baseline="0" dirty="0" err="1" smtClean="0"/>
+              <a:t>lagras</a:t>
+            </a:r>
+            <a:r>
+              <a:rPr lang="en-US" i="0" baseline="0" dirty="0" smtClean="0"/>
+              <a:t> </a:t>
+            </a:r>
+            <a:r>
+              <a:rPr lang="en-US" i="0" baseline="0" dirty="0" err="1" smtClean="0"/>
+              <a:t>dessa</a:t>
+            </a:r>
+            <a:r>
+              <a:rPr lang="en-US" i="0" baseline="0" dirty="0" smtClean="0"/>
+              <a:t> </a:t>
+            </a:r>
+            <a:r>
+              <a:rPr lang="en-US" i="0" baseline="0" dirty="0" err="1" smtClean="0"/>
+              <a:t>tider</a:t>
+            </a:r>
+            <a:r>
+              <a:rPr lang="en-US" i="0" baseline="0" dirty="0" smtClean="0"/>
+              <a:t> </a:t>
+            </a:r>
+            <a:r>
+              <a:rPr lang="en-US" i="0" baseline="0" dirty="0" err="1" smtClean="0"/>
+              <a:t>på</a:t>
+            </a:r>
+            <a:r>
+              <a:rPr lang="en-US" i="0" baseline="0" dirty="0" smtClean="0"/>
+              <a:t> task type.</a:t>
+            </a:r>
+          </a:p>
+          <a:p>
+            <a:endParaRPr lang="en-US" i="0" baseline="0" dirty="0" smtClean="0"/>
+          </a:p>
+          <a:p>
+            <a:r>
+              <a:rPr lang="en-US" i="0" baseline="0" dirty="0" err="1" smtClean="0"/>
+              <a:t>Vidare</a:t>
+            </a:r>
+            <a:r>
+              <a:rPr lang="en-US" i="0" baseline="0" dirty="0" smtClean="0"/>
+              <a:t> </a:t>
+            </a:r>
+            <a:r>
+              <a:rPr lang="en-US" i="0" baseline="0" dirty="0" err="1" smtClean="0"/>
+              <a:t>beror</a:t>
+            </a:r>
+            <a:r>
+              <a:rPr lang="en-US" i="0" baseline="0" dirty="0" smtClean="0"/>
+              <a:t> </a:t>
+            </a:r>
+            <a:r>
+              <a:rPr lang="en-US" i="0" baseline="0" dirty="0" err="1" smtClean="0"/>
+              <a:t>det</a:t>
+            </a:r>
+            <a:r>
+              <a:rPr lang="en-US" i="0" baseline="0" dirty="0" smtClean="0"/>
+              <a:t> </a:t>
+            </a:r>
+            <a:r>
+              <a:rPr lang="en-US" i="0" baseline="0" dirty="0" err="1" smtClean="0"/>
+              <a:t>på</a:t>
+            </a:r>
+            <a:r>
+              <a:rPr lang="en-US" i="0" baseline="0" dirty="0" smtClean="0"/>
+              <a:t> </a:t>
+            </a:r>
+            <a:r>
+              <a:rPr lang="en-US" i="0" baseline="0" dirty="0" err="1" smtClean="0"/>
+              <a:t>att</a:t>
+            </a:r>
+            <a:r>
+              <a:rPr lang="en-US" i="0" baseline="0" dirty="0" smtClean="0"/>
+              <a:t> </a:t>
+            </a:r>
+            <a:r>
+              <a:rPr lang="en-US" i="0" baseline="0" dirty="0" err="1" smtClean="0"/>
+              <a:t>noden</a:t>
+            </a:r>
+            <a:r>
+              <a:rPr lang="en-US" i="0" baseline="0" dirty="0" smtClean="0"/>
+              <a:t> </a:t>
+            </a:r>
+            <a:r>
+              <a:rPr lang="en-US" i="0" baseline="0" dirty="0" err="1" smtClean="0"/>
+              <a:t>som</a:t>
+            </a:r>
+            <a:r>
+              <a:rPr lang="en-US" i="0" baseline="0" dirty="0" smtClean="0"/>
+              <a:t> </a:t>
+            </a:r>
+            <a:r>
+              <a:rPr lang="en-US" i="0" baseline="0" dirty="0" err="1" smtClean="0"/>
+              <a:t>först</a:t>
+            </a:r>
+            <a:r>
+              <a:rPr lang="en-US" i="0" baseline="0" dirty="0" smtClean="0"/>
+              <a:t> </a:t>
+            </a:r>
+            <a:r>
+              <a:rPr lang="en-US" i="0" baseline="0" dirty="0" err="1" smtClean="0"/>
+              <a:t>väljs</a:t>
+            </a:r>
+            <a:r>
+              <a:rPr lang="en-US" i="0" baseline="0" dirty="0" smtClean="0"/>
+              <a:t> </a:t>
+            </a:r>
+            <a:r>
+              <a:rPr lang="en-US" i="0" baseline="0" dirty="0" err="1" smtClean="0"/>
+              <a:t>ut</a:t>
+            </a:r>
+            <a:r>
+              <a:rPr lang="en-US" i="0" baseline="0" dirty="0" smtClean="0"/>
+              <a:t>, </a:t>
+            </a:r>
+            <a:r>
+              <a:rPr lang="en-US" i="0" baseline="0" dirty="0" err="1" smtClean="0"/>
+              <a:t>kan</a:t>
+            </a:r>
+            <a:r>
+              <a:rPr lang="en-US" i="0" baseline="0" dirty="0" smtClean="0"/>
+              <a:t> den med </a:t>
+            </a:r>
+            <a:r>
+              <a:rPr lang="en-US" i="0" baseline="0" dirty="0" err="1" smtClean="0"/>
+              <a:t>dö</a:t>
+            </a:r>
+            <a:r>
+              <a:rPr lang="en-US" i="0" baseline="0" dirty="0" smtClean="0"/>
+              <a:t> </a:t>
+            </a:r>
+            <a:r>
+              <a:rPr lang="en-US" i="0" baseline="0" dirty="0" err="1" smtClean="0"/>
+              <a:t>innan</a:t>
+            </a:r>
+            <a:r>
+              <a:rPr lang="en-US" i="0" baseline="0" dirty="0" smtClean="0"/>
+              <a:t> den </a:t>
+            </a:r>
+            <a:r>
+              <a:rPr lang="en-US" i="0" baseline="0" dirty="0" err="1" smtClean="0"/>
+              <a:t>blir</a:t>
+            </a:r>
+            <a:r>
+              <a:rPr lang="en-US" i="0" baseline="0" dirty="0" smtClean="0"/>
+              <a:t> </a:t>
+            </a:r>
+            <a:r>
+              <a:rPr lang="en-US" i="0" baseline="0" dirty="0" err="1" smtClean="0"/>
+              <a:t>klar</a:t>
+            </a:r>
+            <a:r>
+              <a:rPr lang="en-US" i="0" baseline="0" dirty="0" smtClean="0"/>
+              <a:t>, </a:t>
+            </a:r>
+            <a:r>
+              <a:rPr lang="en-US" i="0" baseline="0" dirty="0" err="1" smtClean="0"/>
+              <a:t>och</a:t>
+            </a:r>
+            <a:r>
+              <a:rPr lang="en-US" i="0" baseline="0" dirty="0" smtClean="0"/>
+              <a:t> en </a:t>
+            </a:r>
+            <a:r>
+              <a:rPr lang="en-US" i="0" baseline="0" dirty="0" err="1" smtClean="0"/>
+              <a:t>ny</a:t>
+            </a:r>
+            <a:r>
+              <a:rPr lang="en-US" i="0" baseline="0" dirty="0" smtClean="0"/>
+              <a:t> nod </a:t>
+            </a:r>
+            <a:r>
+              <a:rPr lang="en-US" i="0" baseline="0" dirty="0" err="1" smtClean="0"/>
+              <a:t>väljs</a:t>
+            </a:r>
+            <a:r>
+              <a:rPr lang="en-US" i="0" baseline="0" dirty="0" smtClean="0"/>
+              <a:t>. </a:t>
+            </a:r>
+            <a:r>
+              <a:rPr lang="en-US" i="0" baseline="0" dirty="0" err="1" smtClean="0"/>
+              <a:t>Vidare</a:t>
+            </a:r>
+            <a:r>
+              <a:rPr lang="en-US" i="0" baseline="0" dirty="0" smtClean="0"/>
+              <a:t> </a:t>
+            </a:r>
+            <a:r>
+              <a:rPr lang="en-US" i="0" baseline="0" dirty="0" err="1" smtClean="0"/>
+              <a:t>kan</a:t>
+            </a:r>
+            <a:r>
+              <a:rPr lang="en-US" i="0" baseline="0" dirty="0" smtClean="0"/>
+              <a:t> </a:t>
+            </a:r>
+            <a:r>
+              <a:rPr lang="en-US" i="0" baseline="0" dirty="0" err="1" smtClean="0"/>
+              <a:t>noden</a:t>
+            </a:r>
+            <a:r>
+              <a:rPr lang="en-US" i="0" baseline="0" dirty="0" smtClean="0"/>
+              <a:t> </a:t>
+            </a:r>
+            <a:r>
+              <a:rPr lang="en-US" i="0" baseline="0" dirty="0" err="1" smtClean="0"/>
+              <a:t>som</a:t>
+            </a:r>
+            <a:r>
+              <a:rPr lang="en-US" i="0" baseline="0" dirty="0" smtClean="0"/>
+              <a:t> vi </a:t>
+            </a:r>
+            <a:r>
+              <a:rPr lang="en-US" i="0" baseline="0" dirty="0" err="1" smtClean="0"/>
+              <a:t>ber</a:t>
+            </a:r>
+            <a:r>
+              <a:rPr lang="en-US" i="0" baseline="0" dirty="0" smtClean="0"/>
+              <a:t> </a:t>
+            </a:r>
+            <a:r>
+              <a:rPr lang="en-US" i="0" baseline="0" dirty="0" err="1" smtClean="0"/>
+              <a:t>replicera</a:t>
+            </a:r>
+            <a:r>
+              <a:rPr lang="en-US" i="0" baseline="0" dirty="0" smtClean="0"/>
+              <a:t> sin </a:t>
+            </a:r>
+            <a:r>
+              <a:rPr lang="en-US" i="0" baseline="0" dirty="0" err="1" smtClean="0"/>
+              <a:t>replika</a:t>
+            </a:r>
+            <a:r>
+              <a:rPr lang="en-US" i="0" baseline="0" dirty="0" smtClean="0"/>
+              <a:t> </a:t>
+            </a:r>
+            <a:r>
+              <a:rPr lang="en-US" i="0" baseline="0" dirty="0" err="1" smtClean="0"/>
+              <a:t>dö</a:t>
+            </a:r>
+            <a:r>
+              <a:rPr lang="en-US" i="0" baseline="0" dirty="0" smtClean="0"/>
+              <a:t> </a:t>
+            </a:r>
+            <a:r>
+              <a:rPr lang="en-US" i="0" baseline="0" dirty="0" err="1" smtClean="0"/>
+              <a:t>innan</a:t>
+            </a:r>
+            <a:r>
+              <a:rPr lang="en-US" i="0" baseline="0" dirty="0" smtClean="0"/>
+              <a:t> den </a:t>
+            </a:r>
+            <a:r>
+              <a:rPr lang="en-US" i="0" baseline="0" dirty="0" err="1" smtClean="0"/>
+              <a:t>hinner</a:t>
+            </a:r>
+            <a:r>
+              <a:rPr lang="en-US" i="0" baseline="0" dirty="0" smtClean="0"/>
+              <a:t> </a:t>
+            </a:r>
+            <a:r>
+              <a:rPr lang="en-US" i="0" baseline="0" dirty="0" err="1" smtClean="0"/>
+              <a:t>göra</a:t>
+            </a:r>
+            <a:r>
+              <a:rPr lang="en-US" i="0" baseline="0" dirty="0" smtClean="0"/>
+              <a:t> det.</a:t>
+            </a:r>
+          </a:p>
+          <a:p>
+            <a:endParaRPr lang="en-US" i="0" baseline="0" dirty="0" smtClean="0"/>
+          </a:p>
+          <a:p>
+            <a:endParaRPr lang="en-US" i="0" baseline="0" dirty="0" smtClean="0"/>
+          </a:p>
+          <a:p>
+            <a:endParaRPr lang="en-US" dirty="0"/>
+          </a:p>
+        </p:txBody>
+      </p:sp>
+      <p:sp>
+        <p:nvSpPr>
+          <p:cNvPr id="4" name="Slide Number Placeholder 3"/>
+          <p:cNvSpPr>
+            <a:spLocks noGrp="1"/>
+          </p:cNvSpPr>
+          <p:nvPr>
+            <p:ph type="sldNum" sz="quarter" idx="10"/>
+          </p:nvPr>
+        </p:nvSpPr>
+        <p:spPr/>
+        <p:txBody>
+          <a:bodyPr/>
+          <a:lstStyle/>
+          <a:p>
+            <a:fld id="{100650DF-8CBF-0341-B1F9-47D0C0CD302F}" type="slidenum">
+              <a:rPr lang="en-US" smtClean="0"/>
+              <a:t>29</a:t>
+            </a:fld>
+            <a:endParaRPr lang="en-US"/>
+          </a:p>
+        </p:txBody>
+      </p:sp>
+    </p:spTree>
+    <p:extLst>
+      <p:ext uri="{BB962C8B-B14F-4D97-AF65-F5344CB8AC3E}">
+        <p14:creationId xmlns:p14="http://schemas.microsoft.com/office/powerpoint/2010/main" val="1313513140"/>
+      </p:ext>
+    </p:extLst>
+  </p:cSld>
+  <p:clrMapOvr>
+    <a:masterClrMapping/>
+  </p:clrMapOvr>
+</p:notes>
+</file>
+
+<file path=ppt/notesSlides/notesSlide25.xml><?xml version="1.0" encoding="utf-8"?>
+<p:notes xmlns:a="http://schemas.openxmlformats.org/drawingml/2006/main" xmlns:r="http://schemas.openxmlformats.org/officeDocument/2006/relationships" xmlns:p="http://schemas.openxmlformats.org/presentationml/2006/main">
+  <p:cSld>
+    <p:spTree>
+      <p:nvGrpSpPr>
+        <p:cNvPr id="1" name=""/>
+        <p:cNvGrpSpPr/>
+        <p:nvPr/>
+      </p:nvGrpSpPr>
+      <p:grpSpPr>
+        <a:xfrm>
+          <a:off x="0" y="0"/>
+          <a:ext cx="0" cy="0"/>
+          <a:chOff x="0" y="0"/>
+          <a:chExt cx="0" cy="0"/>
+        </a:xfrm>
+      </p:grpSpPr>
+      <p:sp>
+        <p:nvSpPr>
+          <p:cNvPr id="2" name="Slide Image Placeholder 1"/>
+          <p:cNvSpPr>
+            <a:spLocks noGrp="1" noRot="1" noChangeAspect="1"/>
+          </p:cNvSpPr>
+          <p:nvPr>
+            <p:ph type="sldImg"/>
+          </p:nvPr>
+        </p:nvSpPr>
+        <p:spPr/>
+      </p:sp>
+      <p:sp>
+        <p:nvSpPr>
+          <p:cNvPr id="3" name="Notes Placeholder 2"/>
+          <p:cNvSpPr>
+            <a:spLocks noGrp="1"/>
+          </p:cNvSpPr>
+          <p:nvPr>
+            <p:ph type="body" idx="1"/>
+          </p:nvPr>
+        </p:nvSpPr>
+        <p:spPr/>
+        <p:txBody>
+          <a:bodyPr/>
+          <a:lstStyle/>
+          <a:p>
+            <a:r>
+              <a:rPr lang="en-US" dirty="0" err="1" smtClean="0"/>
+              <a:t>För</a:t>
+            </a:r>
+            <a:r>
+              <a:rPr lang="en-US" dirty="0" smtClean="0"/>
+              <a:t> </a:t>
+            </a:r>
+            <a:r>
+              <a:rPr lang="en-US" dirty="0" err="1" smtClean="0"/>
+              <a:t>att</a:t>
+            </a:r>
+            <a:r>
+              <a:rPr lang="en-US" dirty="0" smtClean="0"/>
+              <a:t> </a:t>
+            </a:r>
+            <a:r>
+              <a:rPr lang="en-US" dirty="0" err="1" smtClean="0"/>
+              <a:t>hantera</a:t>
+            </a:r>
+            <a:r>
+              <a:rPr lang="en-US" dirty="0" smtClean="0"/>
+              <a:t> </a:t>
+            </a:r>
+            <a:r>
+              <a:rPr lang="en-US" dirty="0" err="1" smtClean="0"/>
+              <a:t>detta</a:t>
+            </a:r>
+            <a:r>
+              <a:rPr lang="en-US" dirty="0" smtClean="0"/>
+              <a:t>, </a:t>
+            </a:r>
+            <a:r>
+              <a:rPr lang="en-US" dirty="0" err="1" smtClean="0"/>
+              <a:t>så</a:t>
+            </a:r>
+            <a:r>
+              <a:rPr lang="en-US" dirty="0" smtClean="0"/>
+              <a:t> </a:t>
+            </a:r>
+            <a:r>
+              <a:rPr lang="en-US" dirty="0" err="1" smtClean="0"/>
+              <a:t>valde</a:t>
+            </a:r>
+            <a:r>
+              <a:rPr lang="en-US" dirty="0" smtClean="0"/>
+              <a:t> </a:t>
+            </a:r>
+            <a:r>
+              <a:rPr lang="en-US" dirty="0" err="1" smtClean="0"/>
+              <a:t>att</a:t>
+            </a:r>
+            <a:r>
+              <a:rPr lang="en-US" dirty="0" smtClean="0"/>
+              <a:t> </a:t>
+            </a:r>
+            <a:r>
+              <a:rPr lang="en-US" dirty="0" err="1" smtClean="0"/>
+              <a:t>inte</a:t>
+            </a:r>
+            <a:r>
+              <a:rPr lang="en-US" dirty="0" smtClean="0"/>
+              <a:t> </a:t>
+            </a:r>
+            <a:r>
+              <a:rPr lang="en-US" dirty="0" err="1" smtClean="0"/>
+              <a:t>bara</a:t>
+            </a:r>
+            <a:r>
+              <a:rPr lang="en-US" dirty="0" smtClean="0"/>
+              <a:t> </a:t>
+            </a:r>
+            <a:r>
+              <a:rPr lang="en-US" dirty="0" err="1" smtClean="0"/>
+              <a:t>använda</a:t>
+            </a:r>
+            <a:r>
+              <a:rPr lang="en-US" baseline="0" dirty="0" smtClean="0"/>
+              <a:t> </a:t>
+            </a:r>
+            <a:r>
+              <a:rPr lang="en-US" baseline="0" dirty="0" err="1" smtClean="0"/>
+              <a:t>ett</a:t>
+            </a:r>
+            <a:r>
+              <a:rPr lang="en-US" baseline="0" dirty="0" smtClean="0"/>
+              <a:t> average </a:t>
+            </a:r>
+            <a:r>
+              <a:rPr lang="en-US" baseline="0" dirty="0" err="1" smtClean="0"/>
+              <a:t>värde</a:t>
+            </a:r>
+            <a:r>
+              <a:rPr lang="en-US" baseline="0" dirty="0" smtClean="0"/>
+              <a:t>, </a:t>
+            </a:r>
+            <a:r>
+              <a:rPr lang="en-US" baseline="0" dirty="0" err="1" smtClean="0"/>
+              <a:t>eftersom</a:t>
+            </a:r>
+            <a:r>
+              <a:rPr lang="en-US" baseline="0" dirty="0" smtClean="0"/>
+              <a:t> de </a:t>
+            </a:r>
+            <a:r>
+              <a:rPr lang="en-US" baseline="0" dirty="0" err="1" smtClean="0"/>
+              <a:t>theoretiskt</a:t>
+            </a:r>
+            <a:r>
+              <a:rPr lang="en-US" baseline="0" dirty="0" smtClean="0"/>
+              <a:t> </a:t>
+            </a:r>
+            <a:r>
+              <a:rPr lang="en-US" baseline="0" dirty="0" err="1" smtClean="0"/>
+              <a:t>sätt</a:t>
+            </a:r>
+            <a:r>
+              <a:rPr lang="en-US" baseline="0" dirty="0" smtClean="0"/>
+              <a:t> </a:t>
+            </a:r>
+            <a:r>
+              <a:rPr lang="en-US" baseline="0" dirty="0" err="1" smtClean="0"/>
+              <a:t>kan</a:t>
+            </a:r>
+            <a:r>
+              <a:rPr lang="en-US" baseline="0" dirty="0" smtClean="0"/>
+              <a:t> </a:t>
+            </a:r>
+            <a:r>
+              <a:rPr lang="en-US" baseline="0" dirty="0" err="1" smtClean="0"/>
+              <a:t>veriera</a:t>
+            </a:r>
+            <a:r>
+              <a:rPr lang="en-US" baseline="0" dirty="0" smtClean="0"/>
+              <a:t> </a:t>
+            </a:r>
+            <a:r>
+              <a:rPr lang="en-US" baseline="0" dirty="0" err="1" smtClean="0"/>
+              <a:t>ganska</a:t>
+            </a:r>
+            <a:r>
+              <a:rPr lang="en-US" baseline="0" dirty="0" smtClean="0"/>
+              <a:t> </a:t>
+            </a:r>
+            <a:r>
+              <a:rPr lang="en-US" baseline="0" dirty="0" err="1" smtClean="0"/>
+              <a:t>mycket</a:t>
+            </a:r>
+            <a:r>
+              <a:rPr lang="en-US" baseline="0" dirty="0" smtClean="0"/>
+              <a:t>, </a:t>
+            </a:r>
+            <a:r>
+              <a:rPr lang="en-US" baseline="0" dirty="0" err="1" smtClean="0"/>
+              <a:t>vilket</a:t>
+            </a:r>
+            <a:r>
+              <a:rPr lang="en-US" baseline="0" dirty="0" smtClean="0"/>
+              <a:t> </a:t>
+            </a:r>
+            <a:r>
+              <a:rPr lang="en-US" baseline="0" dirty="0" err="1" smtClean="0"/>
+              <a:t>påverkar</a:t>
+            </a:r>
+            <a:r>
+              <a:rPr lang="en-US" baseline="0" dirty="0" smtClean="0"/>
+              <a:t> </a:t>
+            </a:r>
+            <a:r>
+              <a:rPr lang="en-US" baseline="0" dirty="0" err="1" smtClean="0"/>
+              <a:t>tillförlitligheten</a:t>
+            </a:r>
+            <a:r>
+              <a:rPr lang="en-US" baseline="0" dirty="0" smtClean="0"/>
+              <a:t> </a:t>
+            </a:r>
+            <a:r>
+              <a:rPr lang="en-US" baseline="0" dirty="0" err="1" smtClean="0"/>
+              <a:t>ganska</a:t>
+            </a:r>
+            <a:r>
+              <a:rPr lang="en-US" baseline="0" dirty="0" smtClean="0"/>
+              <a:t> </a:t>
+            </a:r>
+            <a:r>
+              <a:rPr lang="en-US" baseline="0" dirty="0" err="1" smtClean="0"/>
+              <a:t>mycket</a:t>
+            </a:r>
+            <a:r>
+              <a:rPr lang="en-US" baseline="0" dirty="0" smtClean="0"/>
+              <a:t>.</a:t>
+            </a:r>
+          </a:p>
+          <a:p>
+            <a:endParaRPr lang="en-US" baseline="0" dirty="0" smtClean="0"/>
+          </a:p>
+          <a:p>
+            <a:r>
+              <a:rPr lang="en-US" baseline="0" dirty="0" err="1" smtClean="0"/>
+              <a:t>Istället</a:t>
+            </a:r>
+            <a:r>
+              <a:rPr lang="en-US" baseline="0" dirty="0" smtClean="0"/>
+              <a:t> </a:t>
+            </a:r>
+            <a:r>
+              <a:rPr lang="en-US" baseline="0" dirty="0" err="1" smtClean="0"/>
+              <a:t>genomförde</a:t>
+            </a:r>
+            <a:r>
+              <a:rPr lang="en-US" baseline="0" dirty="0" smtClean="0"/>
+              <a:t> vi </a:t>
+            </a:r>
+            <a:r>
+              <a:rPr lang="en-US" baseline="0" dirty="0" err="1" smtClean="0"/>
+              <a:t>ett</a:t>
+            </a:r>
+            <a:r>
+              <a:rPr lang="en-US" baseline="0" dirty="0" smtClean="0"/>
+              <a:t> experiment </a:t>
+            </a:r>
+            <a:r>
+              <a:rPr lang="en-US" baseline="0" dirty="0" err="1" smtClean="0"/>
+              <a:t>från</a:t>
+            </a:r>
+            <a:r>
+              <a:rPr lang="en-US" baseline="0" dirty="0" smtClean="0"/>
+              <a:t> </a:t>
+            </a:r>
+            <a:r>
+              <a:rPr lang="en-US" baseline="0" dirty="0" err="1" smtClean="0"/>
+              <a:t>vilket</a:t>
+            </a:r>
+            <a:r>
+              <a:rPr lang="en-US" baseline="0" dirty="0" smtClean="0"/>
+              <a:t> vi </a:t>
+            </a:r>
+            <a:r>
+              <a:rPr lang="en-US" baseline="0" dirty="0" err="1" smtClean="0"/>
+              <a:t>fick</a:t>
+            </a:r>
+            <a:r>
+              <a:rPr lang="en-US" baseline="0" dirty="0" smtClean="0"/>
+              <a:t> </a:t>
+            </a:r>
+            <a:r>
+              <a:rPr lang="en-US" baseline="0" dirty="0" err="1" smtClean="0"/>
+              <a:t>ut</a:t>
+            </a:r>
+            <a:r>
+              <a:rPr lang="en-US" baseline="0" dirty="0" smtClean="0"/>
+              <a:t> </a:t>
+            </a:r>
+            <a:r>
+              <a:rPr lang="en-US" baseline="0" dirty="0" err="1" smtClean="0"/>
+              <a:t>över</a:t>
+            </a:r>
+            <a:r>
+              <a:rPr lang="en-US" baseline="0" dirty="0" smtClean="0"/>
+              <a:t> 2000 </a:t>
+            </a:r>
+            <a:r>
+              <a:rPr lang="en-US" baseline="0" dirty="0" err="1" smtClean="0"/>
+              <a:t>värden</a:t>
+            </a:r>
+            <a:r>
+              <a:rPr lang="en-US" baseline="0" dirty="0" smtClean="0"/>
+              <a:t>. Sedan </a:t>
+            </a:r>
+            <a:r>
+              <a:rPr lang="en-US" baseline="0" dirty="0" err="1" smtClean="0"/>
+              <a:t>matchades</a:t>
+            </a:r>
+            <a:r>
+              <a:rPr lang="en-US" baseline="0" dirty="0" smtClean="0"/>
+              <a:t> en rad </a:t>
+            </a:r>
+            <a:r>
+              <a:rPr lang="en-US" baseline="0" dirty="0" err="1" smtClean="0"/>
+              <a:t>olika</a:t>
+            </a:r>
+            <a:r>
+              <a:rPr lang="en-US" baseline="0" dirty="0" smtClean="0"/>
+              <a:t> </a:t>
+            </a:r>
+            <a:r>
+              <a:rPr lang="en-US" baseline="0" dirty="0" err="1" smtClean="0"/>
+              <a:t>distributioner</a:t>
+            </a:r>
+            <a:r>
+              <a:rPr lang="en-US" baseline="0" dirty="0" smtClean="0"/>
+              <a:t> mot </a:t>
+            </a:r>
+            <a:r>
+              <a:rPr lang="en-US" baseline="0" dirty="0" err="1" smtClean="0"/>
+              <a:t>dessa</a:t>
+            </a:r>
+            <a:r>
+              <a:rPr lang="en-US" baseline="0" dirty="0" smtClean="0"/>
+              <a:t> </a:t>
+            </a:r>
+            <a:r>
+              <a:rPr lang="en-US" baseline="0" dirty="0" err="1" smtClean="0"/>
+              <a:t>värden</a:t>
+            </a:r>
+            <a:r>
+              <a:rPr lang="en-US" baseline="0" dirty="0" smtClean="0"/>
+              <a:t>, </a:t>
+            </a:r>
+            <a:r>
+              <a:rPr lang="en-US" baseline="0" dirty="0" err="1" smtClean="0"/>
+              <a:t>och</a:t>
+            </a:r>
+            <a:r>
+              <a:rPr lang="en-US" baseline="0" dirty="0" smtClean="0"/>
+              <a:t> vi </a:t>
+            </a:r>
+            <a:r>
+              <a:rPr lang="en-US" baseline="0" dirty="0" err="1" smtClean="0"/>
+              <a:t>fann</a:t>
+            </a:r>
+            <a:r>
+              <a:rPr lang="en-US" baseline="0" dirty="0" smtClean="0"/>
+              <a:t> </a:t>
+            </a:r>
+            <a:r>
+              <a:rPr lang="en-US" baseline="0" dirty="0" err="1" smtClean="0"/>
+              <a:t>att</a:t>
+            </a:r>
+            <a:r>
+              <a:rPr lang="en-US" baseline="0" dirty="0" smtClean="0"/>
+              <a:t> log-logistic distribution </a:t>
+            </a:r>
+            <a:r>
+              <a:rPr lang="en-US" baseline="0" dirty="0" err="1" smtClean="0"/>
+              <a:t>var</a:t>
+            </a:r>
+            <a:r>
+              <a:rPr lang="en-US" baseline="0" dirty="0" smtClean="0"/>
+              <a:t> den </a:t>
+            </a:r>
+            <a:r>
+              <a:rPr lang="en-US" baseline="0" dirty="0" err="1" smtClean="0"/>
+              <a:t>bästa</a:t>
+            </a:r>
+            <a:r>
+              <a:rPr lang="en-US" baseline="0" dirty="0" smtClean="0"/>
+              <a:t>.</a:t>
+            </a:r>
+            <a:endParaRPr lang="en-US" dirty="0"/>
+          </a:p>
+        </p:txBody>
+      </p:sp>
+      <p:sp>
+        <p:nvSpPr>
+          <p:cNvPr id="4" name="Slide Number Placeholder 3"/>
+          <p:cNvSpPr>
+            <a:spLocks noGrp="1"/>
+          </p:cNvSpPr>
+          <p:nvPr>
+            <p:ph type="sldNum" sz="quarter" idx="10"/>
+          </p:nvPr>
+        </p:nvSpPr>
+        <p:spPr/>
+        <p:txBody>
+          <a:bodyPr/>
+          <a:lstStyle/>
+          <a:p>
+            <a:fld id="{100650DF-8CBF-0341-B1F9-47D0C0CD302F}" type="slidenum">
+              <a:rPr lang="en-US" smtClean="0"/>
+              <a:t>33</a:t>
+            </a:fld>
+            <a:endParaRPr lang="en-US"/>
+          </a:p>
+        </p:txBody>
+      </p:sp>
+    </p:spTree>
+    <p:extLst>
+      <p:ext uri="{BB962C8B-B14F-4D97-AF65-F5344CB8AC3E}">
+        <p14:creationId xmlns:p14="http://schemas.microsoft.com/office/powerpoint/2010/main" val="664243240"/>
+      </p:ext>
+    </p:extLst>
+  </p:cSld>
+  <p:clrMapOvr>
+    <a:masterClrMapping/>
+  </p:clrMapOvr>
+</p:notes>
+</file>
+
+<file path=ppt/notesSlides/notesSlide26.xml><?xml version="1.0" encoding="utf-8"?>
+<p:notes xmlns:a="http://schemas.openxmlformats.org/drawingml/2006/main" xmlns:r="http://schemas.openxmlformats.org/officeDocument/2006/relationships" xmlns:p="http://schemas.openxmlformats.org/presentationml/2006/main">
+  <p:cSld>
+    <p:spTree>
+      <p:nvGrpSpPr>
+        <p:cNvPr id="1" name=""/>
+        <p:cNvGrpSpPr/>
+        <p:nvPr/>
+      </p:nvGrpSpPr>
+      <p:grpSpPr>
+        <a:xfrm>
+          <a:off x="0" y="0"/>
+          <a:ext cx="0" cy="0"/>
+          <a:chOff x="0" y="0"/>
+          <a:chExt cx="0" cy="0"/>
+        </a:xfrm>
+      </p:grpSpPr>
+      <p:sp>
+        <p:nvSpPr>
+          <p:cNvPr id="2" name="Slide Image Placeholder 1"/>
+          <p:cNvSpPr>
+            <a:spLocks noGrp="1" noRot="1" noChangeAspect="1"/>
+          </p:cNvSpPr>
+          <p:nvPr>
+            <p:ph type="sldImg"/>
+          </p:nvPr>
+        </p:nvSpPr>
+        <p:spPr/>
+      </p:sp>
+      <p:sp>
+        <p:nvSpPr>
+          <p:cNvPr id="3" name="Notes Placeholder 2"/>
+          <p:cNvSpPr>
+            <a:spLocks noGrp="1"/>
+          </p:cNvSpPr>
+          <p:nvPr>
+            <p:ph type="body" idx="1"/>
+          </p:nvPr>
+        </p:nvSpPr>
+        <p:spPr/>
+        <p:txBody>
+          <a:bodyPr/>
+          <a:lstStyle/>
+          <a:p>
+            <a:r>
+              <a:rPr lang="en-US" dirty="0" smtClean="0"/>
+              <a:t>I </a:t>
+            </a:r>
+            <a:r>
+              <a:rPr lang="en-US" dirty="0" err="1" smtClean="0"/>
+              <a:t>modellen</a:t>
+            </a:r>
+            <a:r>
+              <a:rPr lang="en-US" dirty="0" smtClean="0"/>
+              <a:t>,</a:t>
+            </a:r>
+            <a:r>
+              <a:rPr lang="en-US" baseline="0" dirty="0" smtClean="0"/>
+              <a:t> </a:t>
+            </a:r>
+            <a:r>
+              <a:rPr lang="en-US" baseline="0" dirty="0" err="1" smtClean="0"/>
+              <a:t>så</a:t>
+            </a:r>
+            <a:r>
+              <a:rPr lang="en-US" baseline="0" dirty="0" smtClean="0"/>
+              <a:t> </a:t>
+            </a:r>
+            <a:r>
+              <a:rPr lang="en-US" baseline="0" dirty="0" err="1" smtClean="0"/>
+              <a:t>används</a:t>
+            </a:r>
+            <a:r>
+              <a:rPr lang="en-US" baseline="0" dirty="0" smtClean="0"/>
+              <a:t> </a:t>
+            </a:r>
+            <a:r>
+              <a:rPr lang="en-US" baseline="0" dirty="0" err="1" smtClean="0"/>
+              <a:t>därmed</a:t>
+            </a:r>
+            <a:r>
+              <a:rPr lang="en-US" baseline="0" dirty="0" smtClean="0"/>
+              <a:t> de </a:t>
+            </a:r>
+            <a:r>
+              <a:rPr lang="en-US" baseline="0" dirty="0" err="1" smtClean="0"/>
+              <a:t>tidigare</a:t>
+            </a:r>
+            <a:r>
+              <a:rPr lang="en-US" baseline="0" dirty="0" smtClean="0"/>
+              <a:t> </a:t>
+            </a:r>
+            <a:r>
+              <a:rPr lang="en-US" baseline="0" dirty="0" err="1" smtClean="0"/>
+              <a:t>registrerade</a:t>
+            </a:r>
+            <a:r>
+              <a:rPr lang="en-US" baseline="0" dirty="0" smtClean="0"/>
+              <a:t> </a:t>
+            </a:r>
+            <a:r>
+              <a:rPr lang="en-US" baseline="0" dirty="0" err="1" smtClean="0"/>
+              <a:t>tiderna</a:t>
+            </a:r>
+            <a:r>
+              <a:rPr lang="en-US" baseline="0" dirty="0" smtClean="0"/>
+              <a:t> </a:t>
+            </a:r>
+            <a:r>
+              <a:rPr lang="en-US" baseline="0" dirty="0" err="1" smtClean="0"/>
+              <a:t>först</a:t>
+            </a:r>
+            <a:r>
+              <a:rPr lang="en-US" baseline="0" dirty="0" smtClean="0"/>
+              <a:t> </a:t>
+            </a:r>
+            <a:r>
+              <a:rPr lang="en-US" baseline="0" dirty="0" err="1" smtClean="0"/>
+              <a:t>för</a:t>
+            </a:r>
+            <a:r>
+              <a:rPr lang="en-US" baseline="0" dirty="0" smtClean="0"/>
+              <a:t> </a:t>
+            </a:r>
+            <a:r>
+              <a:rPr lang="en-US" baseline="0" dirty="0" err="1" smtClean="0"/>
+              <a:t>att</a:t>
+            </a:r>
+            <a:r>
+              <a:rPr lang="en-US" baseline="0" dirty="0" smtClean="0"/>
+              <a:t> </a:t>
+            </a:r>
+            <a:r>
+              <a:rPr lang="en-US" baseline="0" dirty="0" err="1" smtClean="0"/>
+              <a:t>få</a:t>
+            </a:r>
+            <a:r>
+              <a:rPr lang="en-US" baseline="0" dirty="0" smtClean="0"/>
+              <a:t> </a:t>
+            </a:r>
+            <a:r>
+              <a:rPr lang="en-US" baseline="0" dirty="0" err="1" smtClean="0"/>
+              <a:t>fram</a:t>
+            </a:r>
+            <a:r>
+              <a:rPr lang="en-US" baseline="0" dirty="0" smtClean="0"/>
+              <a:t> </a:t>
+            </a:r>
+            <a:r>
+              <a:rPr lang="en-US" baseline="0" dirty="0" err="1" smtClean="0"/>
+              <a:t>parametrarna</a:t>
+            </a:r>
+            <a:r>
+              <a:rPr lang="en-US" baseline="0" dirty="0" smtClean="0"/>
+              <a:t> till log-</a:t>
+            </a:r>
+            <a:r>
+              <a:rPr lang="en-US" baseline="0" dirty="0" err="1" smtClean="0"/>
+              <a:t>logistiska</a:t>
+            </a:r>
+            <a:r>
+              <a:rPr lang="en-US" baseline="0" dirty="0" smtClean="0"/>
+              <a:t> </a:t>
+            </a:r>
+            <a:r>
+              <a:rPr lang="en-US" baseline="0" dirty="0" err="1" smtClean="0"/>
+              <a:t>distributionen</a:t>
+            </a:r>
+            <a:r>
+              <a:rPr lang="en-US" baseline="0" dirty="0" smtClean="0"/>
+              <a:t>, </a:t>
+            </a:r>
+            <a:r>
+              <a:rPr lang="en-US" baseline="0" dirty="0" err="1" smtClean="0"/>
+              <a:t>efter</a:t>
+            </a:r>
+            <a:r>
+              <a:rPr lang="en-US" baseline="0" dirty="0" smtClean="0"/>
+              <a:t> </a:t>
+            </a:r>
+            <a:r>
+              <a:rPr lang="en-US" baseline="0" dirty="0" err="1" smtClean="0"/>
+              <a:t>vilket</a:t>
+            </a:r>
+            <a:r>
+              <a:rPr lang="en-US" baseline="0" dirty="0" smtClean="0"/>
+              <a:t> 95 </a:t>
+            </a:r>
+            <a:r>
+              <a:rPr lang="en-US" baseline="0" dirty="0" err="1" smtClean="0"/>
+              <a:t>percentila</a:t>
+            </a:r>
+            <a:r>
+              <a:rPr lang="en-US" baseline="0" dirty="0" smtClean="0"/>
+              <a:t> </a:t>
+            </a:r>
+            <a:r>
+              <a:rPr lang="en-US" baseline="0" dirty="0" err="1" smtClean="0"/>
+              <a:t>värdet</a:t>
+            </a:r>
+            <a:r>
+              <a:rPr lang="en-US" baseline="0" dirty="0" smtClean="0"/>
+              <a:t> </a:t>
+            </a:r>
+            <a:r>
+              <a:rPr lang="en-US" baseline="0" dirty="0" err="1" smtClean="0"/>
+              <a:t>väljs</a:t>
+            </a:r>
+            <a:r>
+              <a:rPr lang="en-US" baseline="0" dirty="0" smtClean="0"/>
+              <a:t>, </a:t>
+            </a:r>
+            <a:r>
+              <a:rPr lang="en-US" baseline="0" dirty="0" err="1" smtClean="0"/>
+              <a:t>vilket</a:t>
+            </a:r>
+            <a:r>
+              <a:rPr lang="en-US" baseline="0" dirty="0" smtClean="0"/>
+              <a:t> </a:t>
+            </a:r>
+            <a:r>
+              <a:rPr lang="en-US" baseline="0" dirty="0" err="1" smtClean="0"/>
+              <a:t>innebär</a:t>
+            </a:r>
+            <a:r>
+              <a:rPr lang="en-US" baseline="0" dirty="0" smtClean="0"/>
+              <a:t> </a:t>
+            </a:r>
+            <a:r>
+              <a:rPr lang="en-US" baseline="0" dirty="0" err="1" smtClean="0"/>
+              <a:t>att</a:t>
+            </a:r>
+            <a:r>
+              <a:rPr lang="en-US" baseline="0" dirty="0" smtClean="0"/>
+              <a:t> med 95% </a:t>
+            </a:r>
+            <a:r>
+              <a:rPr lang="en-US" baseline="0" dirty="0" err="1" smtClean="0"/>
+              <a:t>sannolikhet</a:t>
+            </a:r>
+            <a:r>
+              <a:rPr lang="en-US" baseline="0" dirty="0" smtClean="0"/>
+              <a:t> </a:t>
+            </a:r>
+            <a:r>
+              <a:rPr lang="en-US" baseline="0" dirty="0" err="1" smtClean="0"/>
+              <a:t>kommer</a:t>
+            </a:r>
+            <a:r>
+              <a:rPr lang="en-US" baseline="0" dirty="0" smtClean="0"/>
+              <a:t> </a:t>
+            </a:r>
+            <a:r>
+              <a:rPr lang="en-US" baseline="0" dirty="0" err="1" smtClean="0"/>
+              <a:t>nästa</a:t>
+            </a:r>
+            <a:r>
+              <a:rPr lang="en-US" baseline="0" dirty="0" smtClean="0"/>
+              <a:t> </a:t>
+            </a:r>
+            <a:r>
+              <a:rPr lang="en-US" baseline="0" dirty="0" err="1" smtClean="0"/>
+              <a:t>värde</a:t>
+            </a:r>
+            <a:r>
+              <a:rPr lang="en-US" baseline="0" dirty="0" smtClean="0"/>
+              <a:t> </a:t>
+            </a:r>
+            <a:r>
+              <a:rPr lang="en-US" baseline="0" dirty="0" err="1" smtClean="0"/>
+              <a:t>vara</a:t>
+            </a:r>
+            <a:r>
+              <a:rPr lang="en-US" baseline="0" dirty="0" smtClean="0"/>
+              <a:t> </a:t>
+            </a:r>
+            <a:r>
+              <a:rPr lang="en-US" baseline="0" dirty="0" err="1" smtClean="0"/>
+              <a:t>mindre</a:t>
+            </a:r>
+            <a:r>
+              <a:rPr lang="en-US" baseline="0" dirty="0" smtClean="0"/>
+              <a:t> </a:t>
+            </a:r>
+            <a:r>
+              <a:rPr lang="en-US" baseline="0" dirty="0" err="1" smtClean="0"/>
+              <a:t>än</a:t>
+            </a:r>
+            <a:r>
+              <a:rPr lang="en-US" baseline="0" dirty="0" smtClean="0"/>
+              <a:t> </a:t>
+            </a:r>
+            <a:r>
+              <a:rPr lang="en-US" baseline="0" dirty="0" err="1" smtClean="0"/>
+              <a:t>detta</a:t>
+            </a:r>
+            <a:r>
+              <a:rPr lang="en-US" baseline="0" dirty="0" smtClean="0"/>
+              <a:t>, </a:t>
+            </a:r>
+            <a:r>
+              <a:rPr lang="en-US" baseline="0" dirty="0" err="1" smtClean="0"/>
+              <a:t>och</a:t>
+            </a:r>
+            <a:r>
+              <a:rPr lang="en-US" baseline="0" dirty="0" smtClean="0"/>
+              <a:t> </a:t>
+            </a:r>
+            <a:r>
+              <a:rPr lang="en-US" baseline="0" dirty="0" err="1" smtClean="0"/>
+              <a:t>genom</a:t>
+            </a:r>
+            <a:r>
+              <a:rPr lang="en-US" baseline="0" dirty="0" smtClean="0"/>
+              <a:t> </a:t>
+            </a:r>
+            <a:r>
+              <a:rPr lang="en-US" baseline="0" dirty="0" err="1" smtClean="0"/>
+              <a:t>att</a:t>
+            </a:r>
+            <a:r>
+              <a:rPr lang="en-US" baseline="0" dirty="0" smtClean="0"/>
+              <a:t> </a:t>
+            </a:r>
+            <a:r>
+              <a:rPr lang="en-US" baseline="0" dirty="0" err="1" smtClean="0"/>
+              <a:t>använda</a:t>
+            </a:r>
+            <a:r>
+              <a:rPr lang="en-US" baseline="0" dirty="0" smtClean="0"/>
+              <a:t> </a:t>
+            </a:r>
+            <a:r>
+              <a:rPr lang="en-US" baseline="0" dirty="0" err="1" smtClean="0"/>
+              <a:t>detta</a:t>
+            </a:r>
+            <a:r>
+              <a:rPr lang="en-US" baseline="0" dirty="0" smtClean="0"/>
+              <a:t> </a:t>
+            </a:r>
+            <a:r>
+              <a:rPr lang="en-US" baseline="0" dirty="0" err="1" smtClean="0"/>
+              <a:t>värde</a:t>
+            </a:r>
+            <a:r>
+              <a:rPr lang="en-US" baseline="0" dirty="0" smtClean="0"/>
+              <a:t> </a:t>
+            </a:r>
+            <a:r>
+              <a:rPr lang="en-US" baseline="0" dirty="0" err="1" smtClean="0"/>
+              <a:t>kommer</a:t>
+            </a:r>
+            <a:r>
+              <a:rPr lang="en-US" baseline="0" dirty="0" smtClean="0"/>
+              <a:t> vi I 95% </a:t>
+            </a:r>
+            <a:r>
+              <a:rPr lang="en-US" baseline="0" dirty="0" err="1" smtClean="0"/>
+              <a:t>av</a:t>
+            </a:r>
+            <a:r>
+              <a:rPr lang="en-US" baseline="0" dirty="0" smtClean="0"/>
+              <a:t> fallen </a:t>
+            </a:r>
+            <a:r>
+              <a:rPr lang="en-US" baseline="0" dirty="0" err="1" smtClean="0"/>
+              <a:t>beräkna</a:t>
+            </a:r>
+            <a:r>
+              <a:rPr lang="en-US" baseline="0" dirty="0" smtClean="0"/>
+              <a:t> </a:t>
+            </a:r>
+            <a:r>
+              <a:rPr lang="en-US" baseline="0" dirty="0" err="1" smtClean="0"/>
+              <a:t>fram</a:t>
+            </a:r>
+            <a:r>
+              <a:rPr lang="en-US" baseline="0" dirty="0" smtClean="0"/>
+              <a:t> en </a:t>
+            </a:r>
+            <a:r>
+              <a:rPr lang="en-US" baseline="0" dirty="0" err="1" smtClean="0"/>
+              <a:t>lägre</a:t>
+            </a:r>
+            <a:r>
+              <a:rPr lang="en-US" baseline="0" dirty="0" smtClean="0"/>
+              <a:t> </a:t>
+            </a:r>
+            <a:r>
+              <a:rPr lang="en-US" baseline="0" dirty="0" err="1" smtClean="0"/>
+              <a:t>tillförlitlighet</a:t>
+            </a:r>
+            <a:r>
+              <a:rPr lang="en-US" baseline="0" dirty="0" smtClean="0"/>
+              <a:t> </a:t>
+            </a:r>
+            <a:r>
+              <a:rPr lang="en-US" baseline="0" dirty="0" err="1" smtClean="0"/>
+              <a:t>än</a:t>
+            </a:r>
+            <a:r>
+              <a:rPr lang="en-US" baseline="0" dirty="0" smtClean="0"/>
+              <a:t> den </a:t>
+            </a:r>
+            <a:r>
+              <a:rPr lang="en-US" baseline="0" dirty="0" err="1" smtClean="0"/>
+              <a:t>faktiska</a:t>
+            </a:r>
+            <a:r>
+              <a:rPr lang="en-US" baseline="0" dirty="0" smtClean="0"/>
+              <a:t>.</a:t>
+            </a:r>
+          </a:p>
+          <a:p>
+            <a:endParaRPr lang="en-US" baseline="0" dirty="0" smtClean="0"/>
+          </a:p>
+          <a:p>
+            <a:r>
+              <a:rPr lang="en-US" baseline="0" dirty="0" err="1" smtClean="0"/>
+              <a:t>Innan</a:t>
+            </a:r>
+            <a:r>
+              <a:rPr lang="en-US" baseline="0" dirty="0" smtClean="0"/>
+              <a:t> </a:t>
+            </a:r>
+            <a:r>
+              <a:rPr lang="en-US" baseline="0" dirty="0" err="1" smtClean="0"/>
+              <a:t>några</a:t>
+            </a:r>
+            <a:r>
+              <a:rPr lang="en-US" baseline="0" dirty="0" smtClean="0"/>
+              <a:t> replication times </a:t>
+            </a:r>
+            <a:r>
+              <a:rPr lang="en-US" baseline="0" dirty="0" err="1" smtClean="0"/>
+              <a:t>har</a:t>
+            </a:r>
+            <a:r>
+              <a:rPr lang="en-US" baseline="0" dirty="0" smtClean="0"/>
+              <a:t> </a:t>
+            </a:r>
+            <a:r>
+              <a:rPr lang="en-US" baseline="0" dirty="0" err="1" smtClean="0"/>
+              <a:t>använts</a:t>
+            </a:r>
+            <a:r>
+              <a:rPr lang="en-US" baseline="0" dirty="0" smtClean="0"/>
+              <a:t>, </a:t>
+            </a:r>
+            <a:r>
+              <a:rPr lang="en-US" baseline="0" dirty="0" err="1" smtClean="0"/>
+              <a:t>så</a:t>
+            </a:r>
+            <a:r>
+              <a:rPr lang="en-US" baseline="0" dirty="0" smtClean="0"/>
+              <a:t> </a:t>
+            </a:r>
+            <a:r>
+              <a:rPr lang="en-US" baseline="0" dirty="0" err="1" smtClean="0"/>
+              <a:t>använts</a:t>
+            </a:r>
+            <a:r>
+              <a:rPr lang="en-US" baseline="0" dirty="0" smtClean="0"/>
+              <a:t> </a:t>
+            </a:r>
+            <a:r>
+              <a:rPr lang="en-US" baseline="0" dirty="0" err="1" smtClean="0"/>
+              <a:t>ett</a:t>
+            </a:r>
+            <a:r>
+              <a:rPr lang="en-US" baseline="0" dirty="0" smtClean="0"/>
+              <a:t> default </a:t>
+            </a:r>
+            <a:r>
+              <a:rPr lang="en-US" baseline="0" dirty="0" err="1" smtClean="0"/>
+              <a:t>värde</a:t>
+            </a:r>
+            <a:r>
+              <a:rPr lang="en-US" baseline="0" smtClean="0"/>
+              <a:t>.</a:t>
+            </a:r>
+            <a:endParaRPr lang="en-US" dirty="0"/>
+          </a:p>
+        </p:txBody>
+      </p:sp>
+      <p:sp>
+        <p:nvSpPr>
+          <p:cNvPr id="4" name="Slide Number Placeholder 3"/>
+          <p:cNvSpPr>
+            <a:spLocks noGrp="1"/>
+          </p:cNvSpPr>
+          <p:nvPr>
+            <p:ph type="sldNum" sz="quarter" idx="10"/>
+          </p:nvPr>
+        </p:nvSpPr>
+        <p:spPr/>
+        <p:txBody>
+          <a:bodyPr/>
+          <a:lstStyle/>
+          <a:p>
+            <a:fld id="{100650DF-8CBF-0341-B1F9-47D0C0CD302F}" type="slidenum">
+              <a:rPr lang="en-US" smtClean="0"/>
+              <a:t>34</a:t>
+            </a:fld>
+            <a:endParaRPr lang="en-US"/>
+          </a:p>
+        </p:txBody>
+      </p:sp>
+    </p:spTree>
+    <p:extLst>
+      <p:ext uri="{BB962C8B-B14F-4D97-AF65-F5344CB8AC3E}">
+        <p14:creationId xmlns:p14="http://schemas.microsoft.com/office/powerpoint/2010/main" val="1874596869"/>
       </p:ext>
     </p:extLst>
   </p:cSld>
@@ -14014,7 +19325,7 @@
           </p:nvPr>
         </p:nvPicPr>
         <p:blipFill>
-          <a:blip r:embed="rId2">
+          <a:blip r:embed="rId3">
             <a:extLst>
               <a:ext uri="{28A0092B-C50C-407E-A947-70E740481C1C}">
                 <a14:useLocalDpi xmlns:a14="http://schemas.microsoft.com/office/drawing/2010/main" val="0"/>
@@ -14041,7 +19352,7 @@
           <p:nvPr/>
         </p:nvPicPr>
         <p:blipFill>
-          <a:blip r:embed="rId3">
+          <a:blip r:embed="rId4">
             <a:extLst>
               <a:ext uri="{28A0092B-C50C-407E-A947-70E740481C1C}">
                 <a14:useLocalDpi xmlns:a14="http://schemas.microsoft.com/office/drawing/2010/main" val="0"/>
@@ -14394,93 +19705,270 @@
         </p:nvSpPr>
         <p:spPr/>
         <p:txBody>
-          <a:bodyPr>
-            <a:normAutofit/>
-          </a:bodyPr>
+          <a:bodyPr/>
           <a:lstStyle/>
           <a:p>
-            <a:pPr marL="0" indent="0">
+            <a:pPr marR="0" lvl="0" defTabSz="914400" eaLnBrk="1" fontAlgn="auto" latinLnBrk="0" hangingPunct="1">
+              <a:lnSpc>
+                <a:spcPct val="100000"/>
+              </a:lnSpc>
+              <a:spcBef>
+                <a:spcPts val="0"/>
+              </a:spcBef>
+              <a:spcAft>
+                <a:spcPts val="0"/>
+              </a:spcAft>
+              <a:buClrTx/>
+              <a:buSzTx/>
+              <a:buFont typeface="Arial" charset="0"/>
+              <a:buChar char="•"/>
+              <a:tabLst/>
+              <a:defRPr/>
+            </a:pPr>
+            <a:r>
+              <a:rPr lang="en-US" dirty="0" smtClean="0"/>
+              <a:t>Recap:</a:t>
+            </a:r>
+          </a:p>
+          <a:p>
+            <a:pPr marL="0" marR="0" lvl="0" indent="0" defTabSz="914400" eaLnBrk="1" fontAlgn="auto" latinLnBrk="0" hangingPunct="1">
+              <a:lnSpc>
+                <a:spcPct val="100000"/>
+              </a:lnSpc>
+              <a:spcBef>
+                <a:spcPts val="0"/>
+              </a:spcBef>
+              <a:spcAft>
+                <a:spcPts val="0"/>
+              </a:spcAft>
+              <a:buClrTx/>
+              <a:buSzTx/>
+              <a:buFont typeface="Arial" charset="0"/>
               <a:buNone/>
+              <a:tabLst/>
+              <a:defRPr/>
             </a:pPr>
-            <a:r>
-              <a:rPr lang="en-US" dirty="0" smtClean="0"/>
-              <a:t>When a node failure is detected, every node take the following steps:</a:t>
-            </a:r>
-          </a:p>
-          <a:p>
-            <a:pPr marL="457200" indent="-457200">
-              <a:buFont typeface="+mj-lt"/>
-              <a:buAutoNum type="arabicPeriod"/>
+            <a:endParaRPr lang="en-US" dirty="0"/>
+          </a:p>
+          <a:p>
+            <a:pPr marL="0" marR="0" lvl="0" indent="0" defTabSz="914400" eaLnBrk="1" fontAlgn="auto" latinLnBrk="0" hangingPunct="1">
+              <a:lnSpc>
+                <a:spcPct val="100000"/>
+              </a:lnSpc>
+              <a:spcBef>
+                <a:spcPts val="0"/>
+              </a:spcBef>
+              <a:spcAft>
+                <a:spcPts val="0"/>
+              </a:spcAft>
+              <a:buClrTx/>
+              <a:buSzTx/>
+              <a:buFont typeface="Arial" charset="0"/>
+              <a:buNone/>
+              <a:tabLst/>
+              <a:defRPr/>
             </a:pPr>
-            <a:r>
-              <a:rPr lang="en-US" dirty="0" smtClean="0"/>
-              <a:t>Select a node among the remaining nodes, select the one with the highest ID</a:t>
-            </a:r>
-          </a:p>
-          <a:p>
-            <a:pPr marL="457200" indent="-457200">
-              <a:buFont typeface="+mj-lt"/>
-              <a:buAutoNum type="arabicPeriod"/>
+            <a:endParaRPr lang="en-US" dirty="0" smtClean="0"/>
+          </a:p>
+          <a:p>
+            <a:pPr marL="0" marR="0" lvl="0" indent="0" defTabSz="914400" eaLnBrk="1" fontAlgn="auto" latinLnBrk="0" hangingPunct="1">
+              <a:lnSpc>
+                <a:spcPct val="100000"/>
+              </a:lnSpc>
+              <a:spcBef>
+                <a:spcPts val="0"/>
+              </a:spcBef>
+              <a:spcAft>
+                <a:spcPts val="0"/>
+              </a:spcAft>
+              <a:buClrTx/>
+              <a:buSzTx/>
+              <a:buFont typeface="Arial" charset="0"/>
+              <a:buNone/>
+              <a:tabLst/>
+              <a:defRPr/>
             </a:pPr>
-            <a:r>
-              <a:rPr lang="en-US" dirty="0" smtClean="0"/>
-              <a:t>Send a lost node message to the selected </a:t>
-            </a:r>
-            <a:r>
-              <a:rPr lang="en-US" dirty="0" smtClean="0"/>
-              <a:t>node, including the ID of the lost node</a:t>
-            </a:r>
+            <a:endParaRPr lang="en-US" dirty="0"/>
+          </a:p>
+          <a:p>
+            <a:pPr marL="0" marR="0" lvl="0" indent="0" defTabSz="914400" eaLnBrk="1" fontAlgn="auto" latinLnBrk="0" hangingPunct="1">
+              <a:lnSpc>
+                <a:spcPct val="100000"/>
+              </a:lnSpc>
+              <a:spcBef>
+                <a:spcPts val="0"/>
+              </a:spcBef>
+              <a:spcAft>
+                <a:spcPts val="0"/>
+              </a:spcAft>
+              <a:buClrTx/>
+              <a:buSzTx/>
+              <a:buFont typeface="Arial" charset="0"/>
+              <a:buNone/>
+              <a:tabLst/>
+              <a:defRPr/>
+            </a:pPr>
             <a:endParaRPr lang="en-US" dirty="0" smtClean="0"/>
           </a:p>
           <a:p>
-            <a:pPr marL="457200" indent="-457200">
-              <a:buFont typeface="+mj-lt"/>
-              <a:buAutoNum type="arabicPeriod"/>
+            <a:pPr marL="0" marR="0" lvl="0" indent="0" defTabSz="914400" eaLnBrk="1" fontAlgn="auto" latinLnBrk="0" hangingPunct="1">
+              <a:lnSpc>
+                <a:spcPct val="100000"/>
+              </a:lnSpc>
+              <a:spcBef>
+                <a:spcPts val="0"/>
+              </a:spcBef>
+              <a:spcAft>
+                <a:spcPts val="0"/>
+              </a:spcAft>
+              <a:buClrTx/>
+              <a:buSzTx/>
+              <a:buFont typeface="Arial" charset="0"/>
+              <a:buNone/>
+              <a:tabLst/>
+              <a:defRPr/>
             </a:pPr>
-            <a:r>
-              <a:rPr lang="en-US" dirty="0" smtClean="0"/>
-              <a:t>Wait for reply</a:t>
-            </a:r>
-          </a:p>
-          <a:p>
-            <a:pPr marL="578358" lvl="1" indent="-285750">
-              <a:buFont typeface="Arial" panose="020B0604020202020204" pitchFamily="34" charset="0"/>
+            <a:endParaRPr lang="en-US" dirty="0"/>
+          </a:p>
+          <a:p>
+            <a:pPr marL="0" marR="0" lvl="0" indent="0" defTabSz="914400" eaLnBrk="1" fontAlgn="auto" latinLnBrk="0" hangingPunct="1">
+              <a:lnSpc>
+                <a:spcPct val="100000"/>
+              </a:lnSpc>
+              <a:spcBef>
+                <a:spcPts val="0"/>
+              </a:spcBef>
+              <a:spcAft>
+                <a:spcPts val="0"/>
+              </a:spcAft>
+              <a:buClrTx/>
+              <a:buSzTx/>
+              <a:buFont typeface="Arial" charset="0"/>
+              <a:buNone/>
+              <a:tabLst/>
+              <a:defRPr/>
+            </a:pPr>
+            <a:endParaRPr lang="en-US" dirty="0" smtClean="0"/>
+          </a:p>
+          <a:p>
+            <a:pPr marL="0" marR="0" lvl="0" indent="0" defTabSz="914400" eaLnBrk="1" fontAlgn="auto" latinLnBrk="0" hangingPunct="1">
+              <a:lnSpc>
+                <a:spcPct val="100000"/>
+              </a:lnSpc>
+              <a:spcBef>
+                <a:spcPts val="0"/>
+              </a:spcBef>
+              <a:spcAft>
+                <a:spcPts val="0"/>
+              </a:spcAft>
+              <a:buClrTx/>
+              <a:buSzTx/>
+              <a:buFont typeface="Arial" charset="0"/>
+              <a:buNone/>
+              <a:tabLst/>
+              <a:defRPr/>
+            </a:pPr>
+            <a:endParaRPr lang="en-US" dirty="0"/>
+          </a:p>
+          <a:p>
+            <a:pPr marL="0" marR="0" lvl="0" indent="0" defTabSz="914400" eaLnBrk="1" fontAlgn="auto" latinLnBrk="0" hangingPunct="1">
+              <a:lnSpc>
+                <a:spcPct val="100000"/>
+              </a:lnSpc>
+              <a:spcBef>
+                <a:spcPts val="0"/>
+              </a:spcBef>
+              <a:spcAft>
+                <a:spcPts val="0"/>
+              </a:spcAft>
+              <a:buClrTx/>
+              <a:buSzTx/>
+              <a:buFont typeface="Arial" charset="0"/>
+              <a:buNone/>
+              <a:tabLst/>
+              <a:defRPr/>
+            </a:pPr>
+            <a:endParaRPr lang="en-US" dirty="0" smtClean="0"/>
+          </a:p>
+          <a:p>
+            <a:pPr marL="0" marR="0" lvl="0" indent="0" defTabSz="914400" eaLnBrk="1" fontAlgn="auto" latinLnBrk="0" hangingPunct="1">
+              <a:lnSpc>
+                <a:spcPct val="100000"/>
+              </a:lnSpc>
+              <a:spcBef>
+                <a:spcPts val="0"/>
+              </a:spcBef>
+              <a:spcAft>
+                <a:spcPts val="0"/>
+              </a:spcAft>
+              <a:buClrTx/>
+              <a:buSzTx/>
+              <a:buFont typeface="Arial" charset="0"/>
+              <a:buNone/>
+              <a:tabLst/>
+              <a:defRPr/>
+            </a:pPr>
+            <a:endParaRPr lang="en-US" dirty="0"/>
+          </a:p>
+          <a:p>
+            <a:pPr lvl="0">
+              <a:lnSpc>
+                <a:spcPct val="100000"/>
+              </a:lnSpc>
+              <a:spcBef>
+                <a:spcPts val="0"/>
+              </a:spcBef>
+              <a:spcAft>
+                <a:spcPts val="0"/>
+              </a:spcAft>
+              <a:buClrTx/>
+              <a:buSzTx/>
+              <a:buFont typeface="Arial" charset="0"/>
               <a:buChar char="•"/>
+              <a:defRPr/>
             </a:pPr>
             <a:r>
-              <a:rPr lang="en-US" dirty="0" smtClean="0"/>
-              <a:t>If no reply is received - start over at 1</a:t>
-            </a:r>
-          </a:p>
-          <a:p>
-            <a:pPr marL="578358" lvl="1" indent="-285750">
-              <a:buFont typeface="Arial" panose="020B0604020202020204" pitchFamily="34" charset="0"/>
-              <a:buChar char="•"/>
-            </a:pPr>
-            <a:r>
               <a:rPr lang="en-US" dirty="0"/>
-              <a:t>I</a:t>
-            </a:r>
-            <a:r>
-              <a:rPr lang="en-US" dirty="0" smtClean="0"/>
-              <a:t>f reply – we’re done</a:t>
-            </a:r>
-          </a:p>
-          <a:p>
-            <a:pPr marL="0" indent="0">
-              <a:buNone/>
-            </a:pPr>
-            <a:r>
-              <a:rPr lang="en-US" dirty="0" smtClean="0"/>
-              <a:t>The node receiving the lost node messages will check whether or not new replicas are needed, and if so, send replication request to one of the nodes holding a replica. When done, it will send a reply to everyone it received a lost node message from.</a:t>
-            </a:r>
+              <a:t>Only a single node will run this algorithm</a:t>
+            </a:r>
+            <a:endParaRPr lang="en-US" dirty="0" smtClean="0"/>
           </a:p>
         </p:txBody>
       </p:sp>
+      <p:pic>
+        <p:nvPicPr>
+          <p:cNvPr id="4" name="Picture 3"/>
+          <p:cNvPicPr>
+            <a:picLocks noChangeAspect="1"/>
+          </p:cNvPicPr>
+          <p:nvPr/>
+        </p:nvPicPr>
+        <p:blipFill>
+          <a:blip r:embed="rId3">
+            <a:extLst>
+              <a:ext uri="{28A0092B-C50C-407E-A947-70E740481C1C}">
+                <a14:useLocalDpi xmlns:a14="http://schemas.microsoft.com/office/drawing/2010/main" val="0"/>
+              </a:ext>
+            </a:extLst>
+          </a:blip>
+          <a:stretch>
+            <a:fillRect/>
+          </a:stretch>
+        </p:blipFill>
+        <p:spPr>
+          <a:xfrm>
+            <a:off x="1097280" y="2295711"/>
+            <a:ext cx="6946900" cy="2159000"/>
+          </a:xfrm>
+          <a:prstGeom prst="rect">
+            <a:avLst/>
+          </a:prstGeom>
+        </p:spPr>
+      </p:pic>
     </p:spTree>
     <p:extLst>
       <p:ext uri="{BB962C8B-B14F-4D97-AF65-F5344CB8AC3E}">
-        <p14:creationId xmlns:p14="http://schemas.microsoft.com/office/powerpoint/2010/main" val="1952240360"/>
+        <p14:creationId xmlns:p14="http://schemas.microsoft.com/office/powerpoint/2010/main" val="1202738240"/>
       </p:ext>
     </p:extLst>
   </p:cSld>
@@ -14531,7 +20019,11 @@
           <a:p>
             <a:r>
               <a:rPr lang="en-US" dirty="0" smtClean="0"/>
-              <a:t>Handling node failure cont’d</a:t>
+              <a:t>Handling node </a:t>
+            </a:r>
+            <a:r>
+              <a:rPr lang="en-US" dirty="0"/>
+              <a:t>failure cont’d</a:t>
             </a:r>
             <a:endParaRPr lang="en-US" dirty="0"/>
           </a:p>
@@ -14549,270 +20041,93 @@
         </p:nvSpPr>
         <p:spPr/>
         <p:txBody>
-          <a:bodyPr/>
+          <a:bodyPr>
+            <a:normAutofit/>
+          </a:bodyPr>
           <a:lstStyle/>
           <a:p>
-            <a:pPr marR="0" lvl="0" defTabSz="914400" eaLnBrk="1" fontAlgn="auto" latinLnBrk="0" hangingPunct="1">
-              <a:lnSpc>
-                <a:spcPct val="100000"/>
-              </a:lnSpc>
-              <a:spcBef>
-                <a:spcPts val="0"/>
-              </a:spcBef>
-              <a:spcAft>
-                <a:spcPts val="0"/>
-              </a:spcAft>
-              <a:buClrTx/>
-              <a:buSzTx/>
-              <a:buFont typeface="Arial" charset="0"/>
+            <a:pPr marL="0" indent="0">
+              <a:buNone/>
+            </a:pPr>
+            <a:r>
+              <a:rPr lang="en-US" dirty="0" smtClean="0"/>
+              <a:t>When a node failure is detected, every node take the following steps:</a:t>
+            </a:r>
+          </a:p>
+          <a:p>
+            <a:pPr marL="457200" indent="-457200">
+              <a:buFont typeface="+mj-lt"/>
+              <a:buAutoNum type="arabicPeriod"/>
+            </a:pPr>
+            <a:r>
+              <a:rPr lang="en-US" dirty="0" smtClean="0"/>
+              <a:t>Select a node among the remaining nodes, select the one with the highest ID</a:t>
+            </a:r>
+          </a:p>
+          <a:p>
+            <a:pPr marL="457200" indent="-457200">
+              <a:buFont typeface="+mj-lt"/>
+              <a:buAutoNum type="arabicPeriod"/>
+            </a:pPr>
+            <a:r>
+              <a:rPr lang="en-US" dirty="0" smtClean="0"/>
+              <a:t>Send a lost node message to the selected </a:t>
+            </a:r>
+            <a:r>
+              <a:rPr lang="en-US" dirty="0" smtClean="0"/>
+              <a:t>node, including the ID of the lost node</a:t>
+            </a:r>
+            <a:endParaRPr lang="en-US" dirty="0" smtClean="0"/>
+          </a:p>
+          <a:p>
+            <a:pPr marL="457200" indent="-457200">
+              <a:buFont typeface="+mj-lt"/>
+              <a:buAutoNum type="arabicPeriod"/>
+            </a:pPr>
+            <a:r>
+              <a:rPr lang="en-US" dirty="0" smtClean="0"/>
+              <a:t>Wait for reply</a:t>
+            </a:r>
+          </a:p>
+          <a:p>
+            <a:pPr marL="578358" lvl="1" indent="-285750">
+              <a:buFont typeface="Arial" panose="020B0604020202020204" pitchFamily="34" charset="0"/>
               <a:buChar char="•"/>
-              <a:tabLst/>
-              <a:defRPr/>
             </a:pPr>
             <a:r>
               <a:rPr lang="en-US" dirty="0" smtClean="0"/>
-              <a:t>Recap:</a:t>
-            </a:r>
-          </a:p>
-          <a:p>
-            <a:pPr marL="0" marR="0" lvl="0" indent="0" defTabSz="914400" eaLnBrk="1" fontAlgn="auto" latinLnBrk="0" hangingPunct="1">
-              <a:lnSpc>
-                <a:spcPct val="100000"/>
-              </a:lnSpc>
-              <a:spcBef>
-                <a:spcPts val="0"/>
-              </a:spcBef>
-              <a:spcAft>
-                <a:spcPts val="0"/>
-              </a:spcAft>
-              <a:buClrTx/>
-              <a:buSzTx/>
-              <a:buFont typeface="Arial" charset="0"/>
+              <a:t>If no reply is received - start over at 1</a:t>
+            </a:r>
+          </a:p>
+          <a:p>
+            <a:pPr marL="578358" lvl="1" indent="-285750">
+              <a:buFont typeface="Arial" panose="020B0604020202020204" pitchFamily="34" charset="0"/>
+              <a:buChar char="•"/>
+            </a:pPr>
+            <a:r>
+              <a:rPr lang="en-US" dirty="0"/>
+              <a:t>I</a:t>
+            </a:r>
+            <a:r>
+              <a:rPr lang="en-US" dirty="0" smtClean="0"/>
+              <a:t>f reply – we’re done</a:t>
+            </a:r>
+          </a:p>
+          <a:p>
+            <a:pPr marL="0" indent="0">
               <a:buNone/>
-              <a:tabLst/>
-              <a:defRPr/>
             </a:pPr>
-            <a:endParaRPr lang="en-US" dirty="0"/>
-          </a:p>
-          <a:p>
-            <a:pPr marL="0" marR="0" lvl="0" indent="0" defTabSz="914400" eaLnBrk="1" fontAlgn="auto" latinLnBrk="0" hangingPunct="1">
-              <a:lnSpc>
-                <a:spcPct val="100000"/>
-              </a:lnSpc>
-              <a:spcBef>
-                <a:spcPts val="0"/>
-              </a:spcBef>
-              <a:spcAft>
-                <a:spcPts val="0"/>
-              </a:spcAft>
-              <a:buClrTx/>
-              <a:buSzTx/>
-              <a:buFont typeface="Arial" charset="0"/>
-              <a:buNone/>
-              <a:tabLst/>
-              <a:defRPr/>
-            </a:pPr>
-            <a:endParaRPr lang="en-US" dirty="0" smtClean="0"/>
-          </a:p>
-          <a:p>
-            <a:pPr marL="0" marR="0" lvl="0" indent="0" defTabSz="914400" eaLnBrk="1" fontAlgn="auto" latinLnBrk="0" hangingPunct="1">
-              <a:lnSpc>
-                <a:spcPct val="100000"/>
-              </a:lnSpc>
-              <a:spcBef>
-                <a:spcPts val="0"/>
-              </a:spcBef>
-              <a:spcAft>
-                <a:spcPts val="0"/>
-              </a:spcAft>
-              <a:buClrTx/>
-              <a:buSzTx/>
-              <a:buFont typeface="Arial" charset="0"/>
-              <a:buNone/>
-              <a:tabLst/>
-              <a:defRPr/>
-            </a:pPr>
-            <a:endParaRPr lang="en-US" dirty="0"/>
-          </a:p>
-          <a:p>
-            <a:pPr marL="0" marR="0" lvl="0" indent="0" defTabSz="914400" eaLnBrk="1" fontAlgn="auto" latinLnBrk="0" hangingPunct="1">
-              <a:lnSpc>
-                <a:spcPct val="100000"/>
-              </a:lnSpc>
-              <a:spcBef>
-                <a:spcPts val="0"/>
-              </a:spcBef>
-              <a:spcAft>
-                <a:spcPts val="0"/>
-              </a:spcAft>
-              <a:buClrTx/>
-              <a:buSzTx/>
-              <a:buFont typeface="Arial" charset="0"/>
-              <a:buNone/>
-              <a:tabLst/>
-              <a:defRPr/>
-            </a:pPr>
-            <a:endParaRPr lang="en-US" dirty="0" smtClean="0"/>
-          </a:p>
-          <a:p>
-            <a:pPr marL="0" marR="0" lvl="0" indent="0" defTabSz="914400" eaLnBrk="1" fontAlgn="auto" latinLnBrk="0" hangingPunct="1">
-              <a:lnSpc>
-                <a:spcPct val="100000"/>
-              </a:lnSpc>
-              <a:spcBef>
-                <a:spcPts val="0"/>
-              </a:spcBef>
-              <a:spcAft>
-                <a:spcPts val="0"/>
-              </a:spcAft>
-              <a:buClrTx/>
-              <a:buSzTx/>
-              <a:buFont typeface="Arial" charset="0"/>
-              <a:buNone/>
-              <a:tabLst/>
-              <a:defRPr/>
-            </a:pPr>
-            <a:endParaRPr lang="en-US" dirty="0"/>
-          </a:p>
-          <a:p>
-            <a:pPr marL="0" marR="0" lvl="0" indent="0" defTabSz="914400" eaLnBrk="1" fontAlgn="auto" latinLnBrk="0" hangingPunct="1">
-              <a:lnSpc>
-                <a:spcPct val="100000"/>
-              </a:lnSpc>
-              <a:spcBef>
-                <a:spcPts val="0"/>
-              </a:spcBef>
-              <a:spcAft>
-                <a:spcPts val="0"/>
-              </a:spcAft>
-              <a:buClrTx/>
-              <a:buSzTx/>
-              <a:buFont typeface="Arial" charset="0"/>
-              <a:buNone/>
-              <a:tabLst/>
-              <a:defRPr/>
-            </a:pPr>
-            <a:endParaRPr lang="en-US" dirty="0" smtClean="0"/>
-          </a:p>
-          <a:p>
-            <a:pPr marL="0" marR="0" lvl="0" indent="0" defTabSz="914400" eaLnBrk="1" fontAlgn="auto" latinLnBrk="0" hangingPunct="1">
-              <a:lnSpc>
-                <a:spcPct val="100000"/>
-              </a:lnSpc>
-              <a:spcBef>
-                <a:spcPts val="0"/>
-              </a:spcBef>
-              <a:spcAft>
-                <a:spcPts val="0"/>
-              </a:spcAft>
-              <a:buClrTx/>
-              <a:buSzTx/>
-              <a:buFont typeface="Arial" charset="0"/>
-              <a:buNone/>
-              <a:tabLst/>
-              <a:defRPr/>
-            </a:pPr>
-            <a:endParaRPr lang="en-US" dirty="0"/>
-          </a:p>
-          <a:p>
-            <a:pPr marL="0" marR="0" lvl="0" indent="0" defTabSz="914400" eaLnBrk="1" fontAlgn="auto" latinLnBrk="0" hangingPunct="1">
-              <a:lnSpc>
-                <a:spcPct val="100000"/>
-              </a:lnSpc>
-              <a:spcBef>
-                <a:spcPts val="0"/>
-              </a:spcBef>
-              <a:spcAft>
-                <a:spcPts val="0"/>
-              </a:spcAft>
-              <a:buClrTx/>
-              <a:buSzTx/>
-              <a:buFont typeface="Arial" charset="0"/>
-              <a:buNone/>
-              <a:tabLst/>
-              <a:defRPr/>
-            </a:pPr>
-            <a:endParaRPr lang="en-US" dirty="0" smtClean="0"/>
-          </a:p>
-          <a:p>
-            <a:pPr marL="0" marR="0" lvl="0" indent="0" defTabSz="914400" eaLnBrk="1" fontAlgn="auto" latinLnBrk="0" hangingPunct="1">
-              <a:lnSpc>
-                <a:spcPct val="100000"/>
-              </a:lnSpc>
-              <a:spcBef>
-                <a:spcPts val="0"/>
-              </a:spcBef>
-              <a:spcAft>
-                <a:spcPts val="0"/>
-              </a:spcAft>
-              <a:buClrTx/>
-              <a:buSzTx/>
-              <a:buFont typeface="Arial" charset="0"/>
-              <a:buNone/>
-              <a:tabLst/>
-              <a:defRPr/>
-            </a:pPr>
-            <a:endParaRPr lang="en-US" dirty="0"/>
-          </a:p>
-          <a:p>
-            <a:pPr lvl="0">
-              <a:lnSpc>
-                <a:spcPct val="100000"/>
-              </a:lnSpc>
-              <a:spcBef>
-                <a:spcPts val="0"/>
-              </a:spcBef>
-              <a:spcAft>
-                <a:spcPts val="0"/>
-              </a:spcAft>
-              <a:buClrTx/>
-              <a:buSzTx/>
-              <a:buFont typeface="Arial" charset="0"/>
-              <a:buChar char="•"/>
-              <a:defRPr/>
-            </a:pPr>
-            <a:r>
-              <a:rPr lang="en-US" dirty="0"/>
-              <a:t>Only a single node will run this algorithm</a:t>
-            </a:r>
-            <a:endParaRPr lang="en-US" dirty="0" smtClean="0"/>
+            <a:r>
+              <a:rPr lang="en-US" dirty="0" smtClean="0"/>
+              <a:t>The node receiving the lost node messages will check whether or not new replicas are needed, and if so, send replication request to one of the nodes holding a replica. When done, it will send a reply to everyone it received a lost node message from.</a:t>
+            </a:r>
           </a:p>
         </p:txBody>
       </p:sp>
-      <p:pic>
-        <p:nvPicPr>
-          <p:cNvPr id="4" name="Picture 3"/>
-          <p:cNvPicPr>
-            <a:picLocks noChangeAspect="1"/>
-          </p:cNvPicPr>
-          <p:nvPr/>
-        </p:nvPicPr>
-        <p:blipFill>
-          <a:blip r:embed="rId2">
-            <a:extLst>
-              <a:ext uri="{28A0092B-C50C-407E-A947-70E740481C1C}">
-                <a14:useLocalDpi xmlns:a14="http://schemas.microsoft.com/office/drawing/2010/main" val="0"/>
-              </a:ext>
-            </a:extLst>
-          </a:blip>
-          <a:stretch>
-            <a:fillRect/>
-          </a:stretch>
-        </p:blipFill>
-        <p:spPr>
-          <a:xfrm>
-            <a:off x="1097280" y="2295711"/>
-            <a:ext cx="6946900" cy="2159000"/>
-          </a:xfrm>
-          <a:prstGeom prst="rect">
-            <a:avLst/>
-          </a:prstGeom>
-        </p:spPr>
-      </p:pic>
     </p:spTree>
     <p:extLst>
       <p:ext uri="{BB962C8B-B14F-4D97-AF65-F5344CB8AC3E}">
-        <p14:creationId xmlns:p14="http://schemas.microsoft.com/office/powerpoint/2010/main" val="663932046"/>
+        <p14:creationId xmlns:p14="http://schemas.microsoft.com/office/powerpoint/2010/main" val="1952240360"/>
       </p:ext>
     </p:extLst>
   </p:cSld>
@@ -14880,7 +20195,7 @@
           </p:nvPr>
         </p:nvPicPr>
         <p:blipFill>
-          <a:blip r:embed="rId2">
+          <a:blip r:embed="rId3">
             <a:extLst>
               <a:ext uri="{28A0092B-C50C-407E-A947-70E740481C1C}">
                 <a14:useLocalDpi xmlns:a14="http://schemas.microsoft.com/office/drawing/2010/main" val="0"/>
@@ -14969,7 +20284,7 @@
           </p:nvPr>
         </p:nvPicPr>
         <p:blipFill>
-          <a:blip r:embed="rId2">
+          <a:blip r:embed="rId3">
             <a:extLst>
               <a:ext uri="{28A0092B-C50C-407E-A947-70E740481C1C}">
                 <a14:useLocalDpi xmlns:a14="http://schemas.microsoft.com/office/drawing/2010/main" val="0"/>
@@ -15058,7 +20373,7 @@
           </p:nvPr>
         </p:nvPicPr>
         <p:blipFill>
-          <a:blip r:embed="rId2">
+          <a:blip r:embed="rId3">
             <a:extLst>
               <a:ext uri="{28A0092B-C50C-407E-A947-70E740481C1C}">
                 <a14:useLocalDpi xmlns:a14="http://schemas.microsoft.com/office/drawing/2010/main" val="0"/>
@@ -15236,7 +20551,7 @@
           </p:nvPr>
         </p:nvPicPr>
         <p:blipFill>
-          <a:blip r:embed="rId2">
+          <a:blip r:embed="rId3">
             <a:extLst>
               <a:ext uri="{28A0092B-C50C-407E-A947-70E740481C1C}">
                 <a14:useLocalDpi xmlns:a14="http://schemas.microsoft.com/office/drawing/2010/main" val="0"/>
@@ -15325,7 +20640,7 @@
           </p:nvPr>
         </p:nvPicPr>
         <p:blipFill>
-          <a:blip r:embed="rId2">
+          <a:blip r:embed="rId3">
             <a:extLst>
               <a:ext uri="{28A0092B-C50C-407E-A947-70E740481C1C}">
                 <a14:useLocalDpi xmlns:a14="http://schemas.microsoft.com/office/drawing/2010/main" val="0"/>
@@ -15414,7 +20729,7 @@
           </p:nvPr>
         </p:nvPicPr>
         <p:blipFill>
-          <a:blip r:embed="rId2">
+          <a:blip r:embed="rId3">
             <a:extLst>
               <a:ext uri="{28A0092B-C50C-407E-A947-70E740481C1C}">
                 <a14:useLocalDpi xmlns:a14="http://schemas.microsoft.com/office/drawing/2010/main" val="0"/>
@@ -15516,6 +20831,24 @@
               <a:buChar char="•"/>
             </a:pPr>
             <a:r>
+              <a:rPr lang="sv-SE" dirty="0" err="1" smtClean="0"/>
+              <a:t>Recap</a:t>
+            </a:r>
+            <a:endParaRPr lang="sv-SE" dirty="0" smtClean="0"/>
+          </a:p>
+          <a:p>
+            <a:pPr>
+              <a:buFont typeface="Arial" charset="0"/>
+              <a:buChar char="•"/>
+            </a:pPr>
+            <a:endParaRPr lang="sv-SE" dirty="0" smtClean="0"/>
+          </a:p>
+          <a:p>
+            <a:pPr>
+              <a:buFont typeface="Arial" charset="0"/>
+              <a:buChar char="•"/>
+            </a:pPr>
+            <a:r>
               <a:rPr lang="sv-SE" dirty="0" smtClean="0"/>
               <a:t>The </a:t>
             </a:r>
@@ -15659,8 +20992,27 @@
             </a:r>
             <a:r>
               <a:rPr lang="en-US" dirty="0" smtClean="0"/>
-              <a:t> varies</a:t>
-            </a:r>
+              <a:t> varies.</a:t>
+            </a:r>
+          </a:p>
+          <a:p>
+            <a:pPr>
+              <a:buFont typeface="Arial" charset="0"/>
+              <a:buChar char="•"/>
+            </a:pPr>
+            <a:r>
+              <a:rPr lang="en-US" dirty="0" smtClean="0"/>
+              <a:t>T</a:t>
+            </a:r>
+            <a:r>
+              <a:rPr lang="en-US" baseline="-25000" dirty="0" smtClean="0"/>
+              <a:t>R</a:t>
+            </a:r>
+            <a:r>
+              <a:rPr lang="en-US" dirty="0" smtClean="0"/>
+              <a:t> varies depending on the size of the task state for example, but also since the selected node to handle the failure may die, and a new node selected. Furthermore, when creating a new replica, the node asked to replicate its replica may also die before the replication is finished.</a:t>
+            </a:r>
+            <a:endParaRPr lang="en-US" dirty="0"/>
           </a:p>
         </p:txBody>
       </p:sp>
@@ -15674,7 +21026,7 @@
             </p:nvSpPr>
             <p:spPr>
               <a:xfrm>
-                <a:off x="5508234" y="2552252"/>
+                <a:off x="5508234" y="3580415"/>
                 <a:ext cx="1236492" cy="276999"/>
               </a:xfrm>
               <a:prstGeom prst="rect">
@@ -15762,16 +21114,183 @@
             </p:nvSpPr>
             <p:spPr>
               <a:xfrm>
-                <a:off x="5508234" y="2552252"/>
+                <a:off x="5508234" y="3580415"/>
                 <a:ext cx="1236492" cy="276999"/>
               </a:xfrm>
               <a:prstGeom prst="rect">
                 <a:avLst/>
               </a:prstGeom>
               <a:blipFill rotWithShape="0">
-                <a:blip r:embed="rId2"/>
+                <a:blip r:embed="rId3"/>
                 <a:stretch>
-                  <a:fillRect l="-3465" t="-4444" r="-1485" b="-35556"/>
+                  <a:fillRect l="-3465" t="-2174" r="-1485" b="-32609"/>
+                </a:stretch>
+              </a:blipFill>
+            </p:spPr>
+            <p:txBody>
+              <a:bodyPr/>
+              <a:lstStyle/>
+              <a:p>
+                <a:r>
+                  <a:rPr lang="en-US">
+                    <a:noFill/>
+                  </a:rPr>
+                  <a:t> </a:t>
+                </a:r>
+              </a:p>
+            </p:txBody>
+          </p:sp>
+        </mc:Fallback>
+      </mc:AlternateContent>
+      <mc:AlternateContent xmlns:mc="http://schemas.openxmlformats.org/markup-compatibility/2006">
+        <mc:Choice xmlns:a14="http://schemas.microsoft.com/office/drawing/2010/main" Requires="a14">
+          <p:sp>
+            <p:nvSpPr>
+              <p:cNvPr id="6" name="Rectangle 5"/>
+              <p:cNvSpPr/>
+              <p:nvPr/>
+            </p:nvSpPr>
+            <p:spPr>
+              <a:xfrm>
+                <a:off x="1097280" y="2122733"/>
+                <a:ext cx="10058400" cy="496996"/>
+              </a:xfrm>
+              <a:prstGeom prst="rect">
+                <a:avLst/>
+              </a:prstGeom>
+            </p:spPr>
+            <p:txBody>
+              <a:bodyPr wrap="square">
+                <a:spAutoFit/>
+              </a:bodyPr>
+              <a:lstStyle/>
+              <a:p>
+                <a:pPr/>
+                <a14:m>
+                  <m:oMathPara xmlns:m="http://schemas.openxmlformats.org/officeDocument/2006/math">
+                    <m:oMathParaPr>
+                      <m:jc m:val="centerGroup"/>
+                    </m:oMathParaPr>
+                    <m:oMath xmlns:m="http://schemas.openxmlformats.org/officeDocument/2006/math">
+                      <m:r>
+                        <a:rPr lang="en-GB" i="1">
+                          <a:latin typeface="Cambria Math" charset="0"/>
+                        </a:rPr>
+                        <m:t>𝑃</m:t>
+                      </m:r>
+                      <m:d>
+                        <m:dPr>
+                          <m:ctrlPr>
+                            <a:rPr lang="en-GB" i="1">
+                              <a:latin typeface="Cambria Math" charset="0"/>
+                            </a:rPr>
+                          </m:ctrlPr>
+                        </m:dPr>
+                        <m:e>
+                          <m:r>
+                            <a:rPr lang="en-GB" i="1">
+                              <a:latin typeface="Cambria Math" charset="0"/>
+                            </a:rPr>
+                            <m:t>𝑠𝑢𝑟𝑣𝑖𝑣𝑎𝑙</m:t>
+                          </m:r>
+                        </m:e>
+                      </m:d>
+                      <m:r>
+                        <a:rPr lang="en-GB" i="1">
+                          <a:latin typeface="Cambria Math" charset="0"/>
+                        </a:rPr>
+                        <m:t>=</m:t>
+                      </m:r>
+                      <m:sSup>
+                        <m:sSupPr>
+                          <m:ctrlPr>
+                            <a:rPr lang="is-IS" i="1">
+                              <a:latin typeface="Cambria Math" charset="0"/>
+                            </a:rPr>
+                          </m:ctrlPr>
+                        </m:sSupPr>
+                        <m:e>
+                          <m:r>
+                            <a:rPr lang="en-GB" i="1">
+                              <a:latin typeface="Cambria Math" charset="0"/>
+                            </a:rPr>
+                            <m:t>𝑒</m:t>
+                          </m:r>
+                        </m:e>
+                        <m:sup>
+                          <m:r>
+                            <a:rPr lang="en-GB" i="1">
+                              <a:latin typeface="Cambria Math" charset="0"/>
+                            </a:rPr>
+                            <m:t>−</m:t>
+                          </m:r>
+                          <m:d>
+                            <m:dPr>
+                              <m:ctrlPr>
+                                <a:rPr lang="en-US" i="1">
+                                  <a:latin typeface="Cambria Math" charset="0"/>
+                                </a:rPr>
+                              </m:ctrlPr>
+                            </m:dPr>
+                            <m:e>
+                              <m:f>
+                                <m:fPr>
+                                  <m:ctrlPr>
+                                    <a:rPr lang="fi-FI" i="1">
+                                      <a:latin typeface="Cambria Math" charset="0"/>
+                                    </a:rPr>
+                                  </m:ctrlPr>
+                                </m:fPr>
+                                <m:num>
+                                  <m:r>
+                                    <a:rPr lang="en-GB" i="1">
+                                      <a:latin typeface="Cambria Math" charset="0"/>
+                                    </a:rPr>
+                                    <m:t>𝑡</m:t>
+                                  </m:r>
+                                </m:num>
+                                <m:den>
+                                  <m:r>
+                                    <a:rPr lang="en-GB" i="1">
+                                      <a:latin typeface="Cambria Math" charset="0"/>
+                                    </a:rPr>
+                                    <m:t>𝑀𝑇𝐵𝐹</m:t>
+                                  </m:r>
+                                </m:den>
+                              </m:f>
+                            </m:e>
+                          </m:d>
+                        </m:sup>
+                      </m:sSup>
+                    </m:oMath>
+                  </m:oMathPara>
+                </a14:m>
+                <a:endParaRPr lang="en-US" dirty="0"/>
+              </a:p>
+            </p:txBody>
+          </p:sp>
+        </mc:Choice>
+        <mc:Fallback>
+          <p:sp>
+            <p:nvSpPr>
+              <p:cNvPr id="6" name="Rectangle 5"/>
+              <p:cNvSpPr>
+                <a:spLocks noRot="1" noChangeAspect="1" noMove="1" noResize="1" noEditPoints="1" noAdjustHandles="1" noChangeArrowheads="1" noChangeShapeType="1" noTextEdit="1"/>
+              </p:cNvSpPr>
+              <p:nvPr/>
+            </p:nvSpPr>
+            <p:spPr>
+              <a:xfrm>
+                <a:off x="1097280" y="2122733"/>
+                <a:ext cx="10058400" cy="496996"/>
+              </a:xfrm>
+              <a:prstGeom prst="rect">
+                <a:avLst/>
+              </a:prstGeom>
+              <a:blipFill rotWithShape="0">
+                <a:blip r:embed="rId4"/>
+                <a:stretch>
+                  <a:fillRect/>
                 </a:stretch>
               </a:blipFill>
             </p:spPr>
@@ -16202,7 +21721,11 @@
           <a:p>
             <a:r>
               <a:rPr lang="en-US" dirty="0" smtClean="0"/>
-              <a:t>Handling node failure cont’d.</a:t>
+              <a:t>Handling node failure cont’d</a:t>
+            </a:r>
+            <a:r>
+              <a:rPr lang="en-US" dirty="0" smtClean="0"/>
+              <a:t>. </a:t>
             </a:r>
             <a:endParaRPr lang="en-US" dirty="0"/>
           </a:p>
@@ -16237,6 +21760,50 @@
           </a:xfrm>
         </p:spPr>
       </p:pic>
+      <p:sp>
+        <p:nvSpPr>
+          <p:cNvPr id="6" name="TextBox 5"/>
+          <p:cNvSpPr txBox="1"/>
+          <p:nvPr/>
+        </p:nvSpPr>
+        <p:spPr>
+          <a:xfrm>
+            <a:off x="1496291" y="2286000"/>
+            <a:ext cx="2475101" cy="923330"/>
+          </a:xfrm>
+          <a:prstGeom prst="rect">
+            <a:avLst/>
+          </a:prstGeom>
+          <a:noFill/>
+        </p:spPr>
+        <p:txBody>
+          <a:bodyPr wrap="none" rtlCol="0">
+            <a:spAutoFit/>
+          </a:bodyPr>
+          <a:lstStyle/>
+          <a:p>
+            <a:r>
+              <a:rPr lang="en-US" dirty="0" smtClean="0"/>
+              <a:t>Change me to show that</a:t>
+            </a:r>
+            <a:br>
+              <a:rPr lang="en-US" dirty="0" smtClean="0"/>
+            </a:br>
+            <a:r>
+              <a:rPr lang="en-US" dirty="0" smtClean="0"/>
+              <a:t>node B fails before the </a:t>
+            </a:r>
+            <a:br>
+              <a:rPr lang="en-US" dirty="0" smtClean="0"/>
+            </a:br>
+            <a:r>
+              <a:rPr lang="en-US" dirty="0" smtClean="0"/>
+              <a:t>replication is done</a:t>
+            </a:r>
+            <a:endParaRPr lang="en-US" dirty="0"/>
+          </a:p>
+        </p:txBody>
+      </p:sp>
     </p:spTree>
     <p:extLst>
       <p:ext uri="{BB962C8B-B14F-4D97-AF65-F5344CB8AC3E}">
@@ -16322,11 +21889,11 @@
             </a:pPr>
             <a:r>
               <a:rPr lang="sv-SE" dirty="0" smtClean="0"/>
-              <a:t>The </a:t>
+              <a:t>To </a:t>
             </a:r>
             <a:r>
               <a:rPr lang="sv-SE" dirty="0" err="1" smtClean="0"/>
-              <a:t>first</a:t>
+              <a:t>cope</a:t>
             </a:r>
             <a:r>
               <a:rPr lang="sv-SE" dirty="0" smtClean="0"/>
@@ -16334,31 +21901,7 @@
             </a:r>
             <a:r>
               <a:rPr lang="sv-SE" dirty="0" err="1" smtClean="0"/>
-              <a:t>node</a:t>
-            </a:r>
-            <a:r>
-              <a:rPr lang="sv-SE" dirty="0" smtClean="0"/>
-              <a:t> </a:t>
-            </a:r>
-            <a:r>
-              <a:rPr lang="sv-SE" dirty="0" err="1" smtClean="0"/>
-              <a:t>may</a:t>
-            </a:r>
-            <a:r>
-              <a:rPr lang="sv-SE" dirty="0" smtClean="0"/>
-              <a:t> </a:t>
-            </a:r>
-            <a:r>
-              <a:rPr lang="sv-SE" dirty="0" err="1" smtClean="0"/>
-              <a:t>die</a:t>
-            </a:r>
-            <a:r>
-              <a:rPr lang="sv-SE" dirty="0" smtClean="0"/>
-              <a:t>, in </a:t>
-            </a:r>
-            <a:r>
-              <a:rPr lang="sv-SE" dirty="0" err="1" smtClean="0"/>
-              <a:t>case</a:t>
+              <a:t>with</a:t>
             </a:r>
             <a:r>
               <a:rPr lang="sv-SE" dirty="0" smtClean="0"/>
@@ -16366,61 +21909,31 @@
             </a:r>
             <a:r>
               <a:rPr lang="sv-SE" dirty="0" err="1" smtClean="0"/>
-              <a:t>request</a:t>
+              <a:t>varying</a:t>
             </a:r>
             <a:r>
               <a:rPr lang="sv-SE" dirty="0" smtClean="0"/>
-              <a:t> is sent to </a:t>
+              <a:t> </a:t>
             </a:r>
             <a:r>
               <a:rPr lang="sv-SE" dirty="0" err="1" smtClean="0"/>
-              <a:t>another</a:t>
+              <a:t>time</a:t>
             </a:r>
             <a:r>
               <a:rPr lang="sv-SE" dirty="0" smtClean="0"/>
               <a:t> </a:t>
             </a:r>
             <a:r>
-              <a:rPr lang="sv-SE" dirty="0" err="1" smtClean="0"/>
-              <a:t>node</a:t>
+              <a:rPr lang="en-US" dirty="0" smtClean="0"/>
+              <a:t>T</a:t>
+            </a:r>
+            <a:r>
+              <a:rPr lang="en-US" baseline="-25000" dirty="0" smtClean="0"/>
+              <a:t>R</a:t>
             </a:r>
             <a:r>
               <a:rPr lang="sv-SE" dirty="0" smtClean="0"/>
-              <a:t>, </a:t>
-            </a:r>
-            <a:r>
-              <a:rPr lang="sv-SE" dirty="0" err="1" smtClean="0"/>
-              <a:t>until</a:t>
-            </a:r>
-            <a:r>
-              <a:rPr lang="sv-SE" dirty="0" smtClean="0"/>
-              <a:t> </a:t>
-            </a:r>
-            <a:r>
-              <a:rPr lang="sv-SE" dirty="0" err="1" smtClean="0"/>
-              <a:t>some</a:t>
-            </a:r>
-            <a:r>
-              <a:rPr lang="sv-SE" dirty="0" smtClean="0"/>
-              <a:t> </a:t>
-            </a:r>
-            <a:r>
-              <a:rPr lang="sv-SE" dirty="0" err="1" smtClean="0"/>
-              <a:t>succeeds</a:t>
-            </a:r>
-            <a:r>
-              <a:rPr lang="sv-SE" dirty="0" smtClean="0"/>
-              <a:t>.</a:t>
-            </a:r>
-          </a:p>
-          <a:p>
-            <a:pPr>
-              <a:buFont typeface="Arial" charset="0"/>
-              <a:buChar char="•"/>
-            </a:pPr>
-            <a:r>
-              <a:rPr lang="sv-SE" dirty="0" smtClean="0"/>
-              <a:t>An experiment </a:t>
+              <a:t>, an experiment </a:t>
             </a:r>
             <a:r>
               <a:rPr lang="sv-SE" dirty="0" err="1" smtClean="0"/>
@@ -16468,7 +21981,19 @@
             </a:r>
             <a:r>
               <a:rPr lang="sv-SE" dirty="0" smtClean="0"/>
-              <a:t> TR </a:t>
+              <a:t> </a:t>
+            </a:r>
+            <a:r>
+              <a:rPr lang="en-US" dirty="0"/>
+              <a:t>T</a:t>
+            </a:r>
+            <a:r>
+              <a:rPr lang="en-US" baseline="-25000" dirty="0"/>
+              <a:t>R</a:t>
+            </a:r>
+            <a:r>
+              <a:rPr lang="sv-SE" dirty="0" smtClean="0"/>
+              <a:t> </a:t>
             </a:r>
             <a:r>
               <a:rPr lang="sv-SE" dirty="0" err="1" smtClean="0"/>
@@ -16576,7 +22101,7 @@
           <p:nvPr/>
         </p:nvPicPr>
         <p:blipFill>
-          <a:blip r:embed="rId2">
+          <a:blip r:embed="rId3">
             <a:extLst>
               <a:ext uri="{28A0092B-C50C-407E-A947-70E740481C1C}">
                 <a14:useLocalDpi xmlns:a14="http://schemas.microsoft.com/office/drawing/2010/main" val="0"/>
@@ -16706,7 +22231,47 @@
             </a:r>
             <a:r>
               <a:rPr lang="sv-SE" dirty="0" smtClean="0"/>
-              <a:t> for TR, the </a:t>
+              <a:t> for </a:t>
+            </a:r>
+            <a:r>
+              <a:rPr lang="en-US" dirty="0" smtClean="0"/>
+              <a:t>T</a:t>
+            </a:r>
+            <a:r>
+              <a:rPr lang="en-US" baseline="-25000" dirty="0" smtClean="0"/>
+              <a:t>R</a:t>
+            </a:r>
+            <a:r>
+              <a:rPr lang="sv-SE" dirty="0"/>
+              <a:t> </a:t>
+            </a:r>
+            <a:r>
+              <a:rPr lang="sv-SE" dirty="0" smtClean="0"/>
+              <a:t>to </a:t>
+            </a:r>
+            <a:r>
+              <a:rPr lang="sv-SE" dirty="0" err="1" smtClean="0"/>
+              <a:t>use</a:t>
+            </a:r>
+            <a:r>
+              <a:rPr lang="sv-SE" dirty="0" smtClean="0"/>
+              <a:t> in the </a:t>
+            </a:r>
+            <a:r>
+              <a:rPr lang="sv-SE" dirty="0" err="1" smtClean="0"/>
+              <a:t>reliability</a:t>
+            </a:r>
+            <a:r>
+              <a:rPr lang="sv-SE" dirty="0" smtClean="0"/>
+              <a:t> </a:t>
+            </a:r>
+            <a:r>
+              <a:rPr lang="sv-SE" dirty="0" err="1" smtClean="0"/>
+              <a:t>model</a:t>
+            </a:r>
+            <a:r>
+              <a:rPr lang="sv-SE" dirty="0" smtClean="0"/>
+              <a:t>, all </a:t>
             </a:r>
             <a:r>
               <a:rPr lang="sv-SE" dirty="0" err="1" smtClean="0"/>

--- a/presentation/presentation.pptx
+++ b/presentation/presentation.pptx
@@ -8877,7 +8877,7 @@
               <a:t>värde</a:t>
             </a:r>
             <a:r>
-              <a:rPr lang="en-US" baseline="0" smtClean="0"/>
+              <a:rPr lang="en-US" baseline="0" dirty="0" smtClean="0"/>
               <a:t>.</a:t>
             </a:r>
             <a:endParaRPr lang="en-US" dirty="0"/>
@@ -8911,6 +8911,186 @@
     <p:extLst>
       <p:ext uri="{BB962C8B-B14F-4D97-AF65-F5344CB8AC3E}">
         <p14:creationId xmlns:p14="http://schemas.microsoft.com/office/powerpoint/2010/main" val="1874596869"/>
+      </p:ext>
+    </p:extLst>
+  </p:cSld>
+  <p:clrMapOvr>
+    <a:masterClrMapping/>
+  </p:clrMapOvr>
+</p:notes>
+</file>
+
+<file path=ppt/notesSlides/notesSlide27.xml><?xml version="1.0" encoding="utf-8"?>
+<p:notes xmlns:a="http://schemas.openxmlformats.org/drawingml/2006/main" xmlns:r="http://schemas.openxmlformats.org/officeDocument/2006/relationships" xmlns:p="http://schemas.openxmlformats.org/presentationml/2006/main">
+  <p:cSld>
+    <p:spTree>
+      <p:nvGrpSpPr>
+        <p:cNvPr id="1" name=""/>
+        <p:cNvGrpSpPr/>
+        <p:nvPr/>
+      </p:nvGrpSpPr>
+      <p:grpSpPr>
+        <a:xfrm>
+          <a:off x="0" y="0"/>
+          <a:ext cx="0" cy="0"/>
+          <a:chOff x="0" y="0"/>
+          <a:chExt cx="0" cy="0"/>
+        </a:xfrm>
+      </p:grpSpPr>
+      <p:sp>
+        <p:nvSpPr>
+          <p:cNvPr id="2" name="Slide Image Placeholder 1"/>
+          <p:cNvSpPr>
+            <a:spLocks noGrp="1" noRot="1" noChangeAspect="1"/>
+          </p:cNvSpPr>
+          <p:nvPr>
+            <p:ph type="sldImg"/>
+          </p:nvPr>
+        </p:nvSpPr>
+        <p:spPr/>
+      </p:sp>
+      <p:sp>
+        <p:nvSpPr>
+          <p:cNvPr id="3" name="Notes Placeholder 2"/>
+          <p:cNvSpPr>
+            <a:spLocks noGrp="1"/>
+          </p:cNvSpPr>
+          <p:nvPr>
+            <p:ph type="body" idx="1"/>
+          </p:nvPr>
+        </p:nvSpPr>
+        <p:spPr/>
+        <p:txBody>
+          <a:bodyPr/>
+          <a:lstStyle/>
+          <a:p>
+            <a:r>
+              <a:rPr lang="en-US" dirty="0" err="1" smtClean="0"/>
+              <a:t>Som</a:t>
+            </a:r>
+            <a:r>
+              <a:rPr lang="en-US" dirty="0" smtClean="0"/>
+              <a:t> </a:t>
+            </a:r>
+            <a:r>
+              <a:rPr lang="en-US" dirty="0" err="1" smtClean="0"/>
+              <a:t>nämndes</a:t>
+            </a:r>
+            <a:r>
+              <a:rPr lang="en-US" baseline="0" dirty="0" smtClean="0"/>
+              <a:t> I </a:t>
+            </a:r>
+            <a:r>
+              <a:rPr lang="en-US" baseline="0" dirty="0" err="1" smtClean="0"/>
+              <a:t>början</a:t>
+            </a:r>
+            <a:r>
+              <a:rPr lang="en-US" baseline="0" dirty="0" smtClean="0"/>
+              <a:t> </a:t>
+            </a:r>
+            <a:r>
+              <a:rPr lang="en-US" baseline="0" dirty="0" err="1" smtClean="0"/>
+              <a:t>så</a:t>
+            </a:r>
+            <a:r>
+              <a:rPr lang="en-US" baseline="0" dirty="0" smtClean="0"/>
+              <a:t> </a:t>
+            </a:r>
+            <a:r>
+              <a:rPr lang="en-US" baseline="0" dirty="0" err="1" smtClean="0"/>
+              <a:t>har</a:t>
+            </a:r>
+            <a:r>
+              <a:rPr lang="en-US" baseline="0" dirty="0" smtClean="0"/>
+              <a:t> vi </a:t>
+            </a:r>
+            <a:r>
+              <a:rPr lang="en-US" baseline="0" dirty="0" err="1" smtClean="0"/>
+              <a:t>implementerat</a:t>
+            </a:r>
+            <a:r>
+              <a:rPr lang="en-US" baseline="0" dirty="0" smtClean="0"/>
+              <a:t> </a:t>
+            </a:r>
+            <a:r>
+              <a:rPr lang="en-US" baseline="0" dirty="0" err="1" smtClean="0"/>
+              <a:t>och</a:t>
+            </a:r>
+            <a:r>
+              <a:rPr lang="en-US" baseline="0" dirty="0" smtClean="0"/>
+              <a:t> </a:t>
+            </a:r>
+            <a:r>
+              <a:rPr lang="en-US" baseline="0" dirty="0" err="1" smtClean="0"/>
+              <a:t>utvärderat</a:t>
+            </a:r>
+            <a:r>
+              <a:rPr lang="en-US" baseline="0" dirty="0" smtClean="0"/>
+              <a:t> </a:t>
+            </a:r>
+            <a:r>
+              <a:rPr lang="en-US" baseline="0" dirty="0" err="1" smtClean="0"/>
+              <a:t>vår</a:t>
+            </a:r>
+            <a:r>
+              <a:rPr lang="en-US" baseline="0" dirty="0" smtClean="0"/>
+              <a:t> </a:t>
+            </a:r>
+            <a:r>
+              <a:rPr lang="en-US" baseline="0" dirty="0" err="1" smtClean="0"/>
+              <a:t>modell</a:t>
+            </a:r>
+            <a:r>
+              <a:rPr lang="en-US" baseline="0" dirty="0" smtClean="0"/>
+              <a:t> med </a:t>
+            </a:r>
+            <a:r>
+              <a:rPr lang="en-US" baseline="0" dirty="0" err="1" smtClean="0"/>
+              <a:t>hjälp</a:t>
+            </a:r>
+            <a:r>
+              <a:rPr lang="en-US" baseline="0" dirty="0" smtClean="0"/>
+              <a:t> </a:t>
+            </a:r>
+            <a:r>
+              <a:rPr lang="en-US" baseline="0" dirty="0" err="1" smtClean="0"/>
+              <a:t>av</a:t>
+            </a:r>
+            <a:r>
+              <a:rPr lang="en-US" baseline="0" smtClean="0"/>
+              <a:t> Calvin.</a:t>
+            </a:r>
+            <a:endParaRPr lang="en-US"/>
+          </a:p>
+        </p:txBody>
+      </p:sp>
+      <p:sp>
+        <p:nvSpPr>
+          <p:cNvPr id="4" name="Slide Number Placeholder 3"/>
+          <p:cNvSpPr>
+            <a:spLocks noGrp="1"/>
+          </p:cNvSpPr>
+          <p:nvPr>
+            <p:ph type="sldNum" sz="quarter" idx="10"/>
+          </p:nvPr>
+        </p:nvSpPr>
+        <p:spPr/>
+        <p:txBody>
+          <a:bodyPr/>
+          <a:lstStyle/>
+          <a:p>
+            <a:fld id="{100650DF-8CBF-0341-B1F9-47D0C0CD302F}" type="slidenum">
+              <a:rPr lang="en-US" smtClean="0"/>
+              <a:t>35</a:t>
+            </a:fld>
+            <a:endParaRPr lang="en-US"/>
+          </a:p>
+        </p:txBody>
+      </p:sp>
+    </p:spTree>
+    <p:extLst>
+      <p:ext uri="{BB962C8B-B14F-4D97-AF65-F5344CB8AC3E}">
+        <p14:creationId xmlns:p14="http://schemas.microsoft.com/office/powerpoint/2010/main" val="1147353275"/>
       </p:ext>
     </p:extLst>
   </p:cSld>

--- a/presentation/presentation.pptx
+++ b/presentation/presentation.pptx
@@ -9057,10 +9057,14 @@
               <a:t>av</a:t>
             </a:r>
             <a:r>
+              <a:rPr lang="en-US" baseline="0" dirty="0" smtClean="0"/>
+              <a:t> </a:t>
+            </a:r>
+            <a:r>
               <a:rPr lang="en-US" baseline="0" smtClean="0"/>
-              <a:t> Calvin.</a:t>
-            </a:r>
-            <a:endParaRPr lang="en-US"/>
+              <a:t>Calvin.</a:t>
+            </a:r>
+            <a:endParaRPr lang="en-US" baseline="0" dirty="0" smtClean="0"/>
           </a:p>
         </p:txBody>
       </p:sp>

--- a/presentation/presentation.pptx
+++ b/presentation/presentation.pptx
@@ -9058,13 +9058,8 @@
             </a:r>
             <a:r>
               <a:rPr lang="en-US" baseline="0" dirty="0" smtClean="0"/>
-              <a:t> </a:t>
-            </a:r>
-            <a:r>
-              <a:rPr lang="en-US" baseline="0" smtClean="0"/>
-              <a:t>Calvin.</a:t>
-            </a:r>
-            <a:endParaRPr lang="en-US" baseline="0" dirty="0" smtClean="0"/>
+              <a:t> Calvin.</a:t>
+            </a:r>
           </a:p>
         </p:txBody>
       </p:sp>
@@ -9095,6 +9090,924 @@
     <p:extLst>
       <p:ext uri="{BB962C8B-B14F-4D97-AF65-F5344CB8AC3E}">
         <p14:creationId xmlns:p14="http://schemas.microsoft.com/office/powerpoint/2010/main" val="1147353275"/>
+      </p:ext>
+    </p:extLst>
+  </p:cSld>
+  <p:clrMapOvr>
+    <a:masterClrMapping/>
+  </p:clrMapOvr>
+</p:notes>
+</file>
+
+<file path=ppt/notesSlides/notesSlide28.xml><?xml version="1.0" encoding="utf-8"?>
+<p:notes xmlns:a="http://schemas.openxmlformats.org/drawingml/2006/main" xmlns:r="http://schemas.openxmlformats.org/officeDocument/2006/relationships" xmlns:p="http://schemas.openxmlformats.org/presentationml/2006/main">
+  <p:cSld>
+    <p:spTree>
+      <p:nvGrpSpPr>
+        <p:cNvPr id="1" name=""/>
+        <p:cNvGrpSpPr/>
+        <p:nvPr/>
+      </p:nvGrpSpPr>
+      <p:grpSpPr>
+        <a:xfrm>
+          <a:off x="0" y="0"/>
+          <a:ext cx="0" cy="0"/>
+          <a:chOff x="0" y="0"/>
+          <a:chExt cx="0" cy="0"/>
+        </a:xfrm>
+      </p:grpSpPr>
+      <p:sp>
+        <p:nvSpPr>
+          <p:cNvPr id="2" name="Slide Image Placeholder 1"/>
+          <p:cNvSpPr>
+            <a:spLocks noGrp="1" noRot="1" noChangeAspect="1"/>
+          </p:cNvSpPr>
+          <p:nvPr>
+            <p:ph type="sldImg"/>
+          </p:nvPr>
+        </p:nvSpPr>
+        <p:spPr/>
+      </p:sp>
+      <p:sp>
+        <p:nvSpPr>
+          <p:cNvPr id="3" name="Notes Placeholder 2"/>
+          <p:cNvSpPr>
+            <a:spLocks noGrp="1"/>
+          </p:cNvSpPr>
+          <p:nvPr>
+            <p:ph type="body" idx="1"/>
+          </p:nvPr>
+        </p:nvSpPr>
+        <p:spPr/>
+        <p:txBody>
+          <a:bodyPr/>
+          <a:lstStyle/>
+          <a:p>
+            <a:r>
+              <a:rPr lang="en-US" dirty="0" err="1" smtClean="0"/>
+              <a:t>För</a:t>
+            </a:r>
+            <a:r>
+              <a:rPr lang="en-US" baseline="0" dirty="0" smtClean="0"/>
+              <a:t> </a:t>
+            </a:r>
+            <a:r>
+              <a:rPr lang="en-US" baseline="0" dirty="0" err="1" smtClean="0"/>
+              <a:t>att</a:t>
+            </a:r>
+            <a:r>
+              <a:rPr lang="en-US" baseline="0" dirty="0" smtClean="0"/>
+              <a:t> </a:t>
+            </a:r>
+            <a:r>
+              <a:rPr lang="en-US" baseline="0" dirty="0" err="1" smtClean="0"/>
+              <a:t>demonstrera</a:t>
+            </a:r>
+            <a:r>
+              <a:rPr lang="en-US" baseline="0" dirty="0" smtClean="0"/>
+              <a:t> </a:t>
+            </a:r>
+            <a:r>
+              <a:rPr lang="en-US" baseline="0" dirty="0" err="1" smtClean="0"/>
+              <a:t>vår</a:t>
+            </a:r>
+            <a:r>
+              <a:rPr lang="en-US" baseline="0" dirty="0" smtClean="0"/>
+              <a:t> </a:t>
+            </a:r>
+            <a:r>
+              <a:rPr lang="en-US" baseline="0" dirty="0" err="1" smtClean="0"/>
+              <a:t>modell</a:t>
+            </a:r>
+            <a:r>
+              <a:rPr lang="en-US" baseline="0" dirty="0" smtClean="0"/>
+              <a:t> </a:t>
+            </a:r>
+            <a:r>
+              <a:rPr lang="en-US" baseline="0" dirty="0" err="1" smtClean="0"/>
+              <a:t>så</a:t>
+            </a:r>
+            <a:r>
+              <a:rPr lang="en-US" baseline="0" dirty="0" smtClean="0"/>
+              <a:t> </a:t>
+            </a:r>
+            <a:r>
+              <a:rPr lang="en-US" baseline="0" dirty="0" err="1" smtClean="0"/>
+              <a:t>har</a:t>
+            </a:r>
+            <a:r>
+              <a:rPr lang="en-US" baseline="0" dirty="0" smtClean="0"/>
+              <a:t> vi </a:t>
+            </a:r>
+            <a:r>
+              <a:rPr lang="en-US" baseline="0" dirty="0" err="1" smtClean="0"/>
+              <a:t>genomfört</a:t>
+            </a:r>
+            <a:r>
+              <a:rPr lang="en-US" baseline="0" dirty="0" smtClean="0"/>
+              <a:t> </a:t>
+            </a:r>
+            <a:r>
+              <a:rPr lang="en-US" baseline="0" dirty="0" err="1" smtClean="0"/>
+              <a:t>ett</a:t>
+            </a:r>
+            <a:r>
+              <a:rPr lang="en-US" baseline="0" dirty="0" smtClean="0"/>
+              <a:t> </a:t>
+            </a:r>
+            <a:r>
+              <a:rPr lang="en-US" baseline="0" dirty="0" err="1" smtClean="0"/>
+              <a:t>antal</a:t>
+            </a:r>
+            <a:r>
+              <a:rPr lang="en-US" baseline="0" dirty="0" smtClean="0"/>
+              <a:t> experiment</a:t>
+            </a:r>
+          </a:p>
+          <a:p>
+            <a:endParaRPr lang="en-US" baseline="0" dirty="0" smtClean="0"/>
+          </a:p>
+          <a:p>
+            <a:r>
+              <a:rPr lang="en-US" baseline="0" dirty="0" err="1" smtClean="0"/>
+              <a:t>Syftet</a:t>
+            </a:r>
+            <a:r>
+              <a:rPr lang="en-US" baseline="0" dirty="0" smtClean="0"/>
+              <a:t> med </a:t>
+            </a:r>
+            <a:r>
+              <a:rPr lang="en-US" baseline="0" dirty="0" err="1" smtClean="0"/>
+              <a:t>experimenten</a:t>
+            </a:r>
+            <a:r>
+              <a:rPr lang="en-US" baseline="0" dirty="0" smtClean="0"/>
+              <a:t> </a:t>
+            </a:r>
+            <a:r>
+              <a:rPr lang="en-US" baseline="0" dirty="0" err="1" smtClean="0"/>
+              <a:t>var</a:t>
+            </a:r>
+            <a:r>
+              <a:rPr lang="en-US" baseline="0" dirty="0" smtClean="0"/>
+              <a:t> bland </a:t>
+            </a:r>
+            <a:r>
+              <a:rPr lang="en-US" baseline="0" dirty="0" err="1" smtClean="0"/>
+              <a:t>annat</a:t>
+            </a:r>
+            <a:r>
+              <a:rPr lang="en-US" baseline="0" dirty="0" smtClean="0"/>
+              <a:t> </a:t>
+            </a:r>
+            <a:r>
+              <a:rPr lang="en-US" baseline="0" dirty="0" err="1" smtClean="0"/>
+              <a:t>att</a:t>
+            </a:r>
+            <a:r>
+              <a:rPr lang="en-US" baseline="0" dirty="0" smtClean="0"/>
+              <a:t> visa </a:t>
+            </a:r>
+            <a:r>
+              <a:rPr lang="en-US" baseline="0" dirty="0" err="1" smtClean="0"/>
+              <a:t>att</a:t>
+            </a:r>
+            <a:endParaRPr lang="en-US" baseline="0" dirty="0" smtClean="0"/>
+          </a:p>
+          <a:p>
+            <a:pPr marL="228600" indent="-228600">
+              <a:buFont typeface="+mj-lt"/>
+              <a:buAutoNum type="arabicPeriod"/>
+            </a:pPr>
+            <a:r>
+              <a:rPr lang="en-US" baseline="0" dirty="0" err="1" smtClean="0"/>
+              <a:t>tillförlitligheten</a:t>
+            </a:r>
+            <a:r>
+              <a:rPr lang="en-US" baseline="0" dirty="0" smtClean="0"/>
+              <a:t> </a:t>
+            </a:r>
+            <a:r>
+              <a:rPr lang="en-US" baseline="0" dirty="0" err="1" smtClean="0"/>
+              <a:t>över</a:t>
+            </a:r>
+            <a:r>
+              <a:rPr lang="en-US" baseline="0" dirty="0" smtClean="0"/>
+              <a:t> </a:t>
+            </a:r>
+            <a:r>
+              <a:rPr lang="en-US" baseline="0" dirty="0" err="1" smtClean="0"/>
+              <a:t>tid</a:t>
+            </a:r>
+            <a:r>
+              <a:rPr lang="en-US" baseline="0" dirty="0" smtClean="0"/>
+              <a:t> </a:t>
+            </a:r>
+            <a:r>
+              <a:rPr lang="en-US" baseline="0" dirty="0" err="1" smtClean="0"/>
+              <a:t>dynamiskt</a:t>
+            </a:r>
+            <a:r>
+              <a:rPr lang="en-US" baseline="0" dirty="0" smtClean="0"/>
+              <a:t> </a:t>
+            </a:r>
+            <a:r>
+              <a:rPr lang="en-US" baseline="0" dirty="0" err="1" smtClean="0"/>
+              <a:t>uppnås</a:t>
+            </a:r>
+            <a:r>
+              <a:rPr lang="en-US" baseline="0" dirty="0" smtClean="0"/>
+              <a:t> </a:t>
+            </a:r>
+            <a:r>
+              <a:rPr lang="en-US" baseline="0" dirty="0" err="1" smtClean="0"/>
+              <a:t>genom</a:t>
+            </a:r>
+            <a:r>
+              <a:rPr lang="en-US" baseline="0" dirty="0" smtClean="0"/>
+              <a:t> </a:t>
+            </a:r>
+            <a:r>
+              <a:rPr lang="en-US" baseline="0" dirty="0" err="1" smtClean="0"/>
+              <a:t>att</a:t>
+            </a:r>
+            <a:r>
+              <a:rPr lang="en-US" baseline="0" dirty="0" smtClean="0"/>
+              <a:t> </a:t>
+            </a:r>
+            <a:r>
+              <a:rPr lang="en-US" baseline="0" dirty="0" err="1" smtClean="0"/>
+              <a:t>detekera</a:t>
+            </a:r>
+            <a:r>
+              <a:rPr lang="en-US" baseline="0" dirty="0" smtClean="0"/>
+              <a:t> </a:t>
+            </a:r>
+            <a:r>
+              <a:rPr lang="en-US" baseline="0" dirty="0" err="1" smtClean="0"/>
+              <a:t>när</a:t>
+            </a:r>
+            <a:r>
+              <a:rPr lang="en-US" baseline="0" dirty="0" smtClean="0"/>
+              <a:t> </a:t>
+            </a:r>
+            <a:r>
+              <a:rPr lang="en-US" baseline="0" dirty="0" err="1" smtClean="0"/>
+              <a:t>noder</a:t>
+            </a:r>
+            <a:r>
+              <a:rPr lang="en-US" baseline="0" dirty="0" smtClean="0"/>
+              <a:t> </a:t>
+            </a:r>
+            <a:r>
+              <a:rPr lang="en-US" baseline="0" dirty="0" err="1" smtClean="0"/>
+              <a:t>dör</a:t>
+            </a:r>
+            <a:r>
+              <a:rPr lang="en-US" baseline="0" dirty="0" smtClean="0"/>
+              <a:t> </a:t>
+            </a:r>
+            <a:r>
+              <a:rPr lang="en-US" baseline="0" dirty="0" err="1" smtClean="0"/>
+              <a:t>samt</a:t>
+            </a:r>
+            <a:r>
+              <a:rPr lang="en-US" baseline="0" dirty="0" smtClean="0"/>
+              <a:t> </a:t>
+            </a:r>
+            <a:r>
+              <a:rPr lang="en-US" baseline="0" dirty="0" err="1" smtClean="0"/>
+              <a:t>starta</a:t>
+            </a:r>
+            <a:r>
+              <a:rPr lang="en-US" baseline="0" dirty="0" smtClean="0"/>
+              <a:t> </a:t>
+            </a:r>
+            <a:r>
+              <a:rPr lang="en-US" baseline="0" dirty="0" err="1" smtClean="0"/>
+              <a:t>nya</a:t>
+            </a:r>
+            <a:r>
+              <a:rPr lang="en-US" baseline="0" dirty="0" smtClean="0"/>
+              <a:t> </a:t>
+            </a:r>
+            <a:r>
+              <a:rPr lang="en-US" baseline="0" dirty="0" err="1" smtClean="0"/>
+              <a:t>replikor</a:t>
+            </a:r>
+            <a:endParaRPr lang="en-US" baseline="0" dirty="0" smtClean="0"/>
+          </a:p>
+          <a:p>
+            <a:pPr marL="228600" indent="-228600">
+              <a:buFont typeface="+mj-lt"/>
+              <a:buAutoNum type="arabicPeriod"/>
+            </a:pPr>
+            <a:r>
+              <a:rPr lang="en-US" baseline="0" dirty="0" err="1" smtClean="0"/>
+              <a:t>Inte</a:t>
+            </a:r>
+            <a:r>
+              <a:rPr lang="en-US" baseline="0" dirty="0" smtClean="0"/>
+              <a:t> </a:t>
+            </a:r>
+            <a:r>
+              <a:rPr lang="en-US" baseline="0" dirty="0" err="1" smtClean="0"/>
+              <a:t>fler</a:t>
+            </a:r>
+            <a:r>
+              <a:rPr lang="en-US" baseline="0" dirty="0" smtClean="0"/>
+              <a:t> </a:t>
+            </a:r>
+            <a:r>
+              <a:rPr lang="en-US" baseline="0" dirty="0" err="1" smtClean="0"/>
+              <a:t>replikor</a:t>
+            </a:r>
+            <a:r>
+              <a:rPr lang="en-US" baseline="0" dirty="0" smtClean="0"/>
+              <a:t> </a:t>
+            </a:r>
+            <a:r>
+              <a:rPr lang="en-US" baseline="0" dirty="0" err="1" smtClean="0"/>
+              <a:t>än</a:t>
+            </a:r>
+            <a:r>
+              <a:rPr lang="en-US" baseline="0" dirty="0" smtClean="0"/>
+              <a:t> </a:t>
+            </a:r>
+            <a:r>
+              <a:rPr lang="en-US" baseline="0" dirty="0" err="1" smtClean="0"/>
+              <a:t>nödvändigt</a:t>
+            </a:r>
+            <a:r>
+              <a:rPr lang="en-US" baseline="0" dirty="0" smtClean="0"/>
+              <a:t> </a:t>
+            </a:r>
+            <a:r>
+              <a:rPr lang="en-US" baseline="0" dirty="0" err="1" smtClean="0"/>
+              <a:t>genom</a:t>
+            </a:r>
+            <a:r>
+              <a:rPr lang="en-US" baseline="0" dirty="0" smtClean="0"/>
+              <a:t> </a:t>
+            </a:r>
+            <a:r>
+              <a:rPr lang="en-US" baseline="0" dirty="0" err="1" smtClean="0"/>
+              <a:t>att</a:t>
+            </a:r>
+            <a:endParaRPr lang="en-US" baseline="0" dirty="0" smtClean="0"/>
+          </a:p>
+          <a:p>
+            <a:pPr marL="685800" lvl="1" indent="-228600">
+              <a:buFont typeface="+mj-lt"/>
+              <a:buAutoNum type="arabicPeriod"/>
+            </a:pPr>
+            <a:r>
+              <a:rPr lang="en-US" baseline="0" dirty="0" err="1" smtClean="0"/>
+              <a:t>Välja</a:t>
+            </a:r>
+            <a:r>
+              <a:rPr lang="en-US" baseline="0" dirty="0" smtClean="0"/>
+              <a:t> de </a:t>
+            </a:r>
+            <a:r>
+              <a:rPr lang="en-US" baseline="0" dirty="0" err="1" smtClean="0"/>
+              <a:t>mest</a:t>
+            </a:r>
+            <a:r>
+              <a:rPr lang="en-US" baseline="0" dirty="0" smtClean="0"/>
+              <a:t> </a:t>
+            </a:r>
+            <a:r>
+              <a:rPr lang="en-US" baseline="0" dirty="0" err="1" smtClean="0"/>
+              <a:t>tillförlitliga</a:t>
+            </a:r>
+            <a:endParaRPr lang="en-US" baseline="0" dirty="0" smtClean="0"/>
+          </a:p>
+          <a:p>
+            <a:pPr marL="685800" lvl="1" indent="-228600">
+              <a:buFont typeface="+mj-lt"/>
+              <a:buAutoNum type="arabicPeriod"/>
+            </a:pPr>
+            <a:r>
+              <a:rPr lang="en-US" baseline="0" dirty="0" smtClean="0"/>
+              <a:t>Ta </a:t>
+            </a:r>
+            <a:r>
+              <a:rPr lang="en-US" baseline="0" dirty="0" err="1" smtClean="0"/>
+              <a:t>bort</a:t>
+            </a:r>
+            <a:r>
+              <a:rPr lang="en-US" baseline="0" dirty="0" smtClean="0"/>
+              <a:t> </a:t>
+            </a:r>
+            <a:r>
+              <a:rPr lang="en-US" baseline="0" dirty="0" err="1" smtClean="0"/>
+              <a:t>överflödiga</a:t>
+            </a:r>
+            <a:r>
+              <a:rPr lang="en-US" baseline="0" dirty="0" smtClean="0"/>
+              <a:t> </a:t>
+            </a:r>
+            <a:r>
+              <a:rPr lang="en-US" baseline="0" dirty="0" err="1" smtClean="0"/>
+              <a:t>replikor</a:t>
+            </a:r>
+            <a:endParaRPr lang="en-US" baseline="0" dirty="0" smtClean="0"/>
+          </a:p>
+          <a:p>
+            <a:pPr marL="228600" lvl="0" indent="-228600">
+              <a:buFont typeface="+mj-lt"/>
+              <a:buAutoNum type="arabicPeriod"/>
+            </a:pPr>
+            <a:r>
+              <a:rPr lang="en-US" dirty="0" err="1" smtClean="0"/>
+              <a:t>Systemet</a:t>
+            </a:r>
+            <a:r>
+              <a:rPr lang="en-US" dirty="0" smtClean="0"/>
+              <a:t> tar</a:t>
+            </a:r>
+            <a:r>
+              <a:rPr lang="en-US" baseline="0" dirty="0" smtClean="0"/>
+              <a:t> </a:t>
+            </a:r>
+            <a:r>
+              <a:rPr lang="en-US" baseline="0" dirty="0" err="1" smtClean="0"/>
+              <a:t>hänsyn</a:t>
+            </a:r>
+            <a:r>
+              <a:rPr lang="en-US" baseline="0" dirty="0" smtClean="0"/>
+              <a:t> till </a:t>
+            </a:r>
+            <a:r>
+              <a:rPr lang="en-US" baseline="0" dirty="0" err="1" smtClean="0"/>
+              <a:t>varierande</a:t>
+            </a:r>
+            <a:r>
+              <a:rPr lang="en-US" baseline="0" dirty="0" smtClean="0"/>
+              <a:t> </a:t>
+            </a:r>
+            <a:r>
+              <a:rPr lang="en-US" baseline="0" dirty="0" err="1" smtClean="0"/>
+              <a:t>egenskaper</a:t>
+            </a:r>
+            <a:r>
+              <a:rPr lang="en-US" baseline="0" dirty="0" smtClean="0"/>
+              <a:t> hos </a:t>
+            </a:r>
+            <a:r>
+              <a:rPr lang="en-US" baseline="0" dirty="0" err="1" smtClean="0"/>
+              <a:t>noderna</a:t>
+            </a:r>
+            <a:endParaRPr lang="en-US" dirty="0"/>
+          </a:p>
+        </p:txBody>
+      </p:sp>
+      <p:sp>
+        <p:nvSpPr>
+          <p:cNvPr id="4" name="Slide Number Placeholder 3"/>
+          <p:cNvSpPr>
+            <a:spLocks noGrp="1"/>
+          </p:cNvSpPr>
+          <p:nvPr>
+            <p:ph type="sldNum" sz="quarter" idx="10"/>
+          </p:nvPr>
+        </p:nvSpPr>
+        <p:spPr/>
+        <p:txBody>
+          <a:bodyPr/>
+          <a:lstStyle/>
+          <a:p>
+            <a:fld id="{100650DF-8CBF-0341-B1F9-47D0C0CD302F}" type="slidenum">
+              <a:rPr lang="en-US" smtClean="0"/>
+              <a:t>40</a:t>
+            </a:fld>
+            <a:endParaRPr lang="en-US"/>
+          </a:p>
+        </p:txBody>
+      </p:sp>
+    </p:spTree>
+    <p:extLst>
+      <p:ext uri="{BB962C8B-B14F-4D97-AF65-F5344CB8AC3E}">
+        <p14:creationId xmlns:p14="http://schemas.microsoft.com/office/powerpoint/2010/main" val="856999456"/>
+      </p:ext>
+    </p:extLst>
+  </p:cSld>
+  <p:clrMapOvr>
+    <a:masterClrMapping/>
+  </p:clrMapOvr>
+</p:notes>
+</file>
+
+<file path=ppt/notesSlides/notesSlide29.xml><?xml version="1.0" encoding="utf-8"?>
+<p:notes xmlns:a="http://schemas.openxmlformats.org/drawingml/2006/main" xmlns:r="http://schemas.openxmlformats.org/officeDocument/2006/relationships" xmlns:p="http://schemas.openxmlformats.org/presentationml/2006/main">
+  <p:cSld>
+    <p:spTree>
+      <p:nvGrpSpPr>
+        <p:cNvPr id="1" name=""/>
+        <p:cNvGrpSpPr/>
+        <p:nvPr/>
+      </p:nvGrpSpPr>
+      <p:grpSpPr>
+        <a:xfrm>
+          <a:off x="0" y="0"/>
+          <a:ext cx="0" cy="0"/>
+          <a:chOff x="0" y="0"/>
+          <a:chExt cx="0" cy="0"/>
+        </a:xfrm>
+      </p:grpSpPr>
+      <p:sp>
+        <p:nvSpPr>
+          <p:cNvPr id="2" name="Slide Image Placeholder 1"/>
+          <p:cNvSpPr>
+            <a:spLocks noGrp="1" noRot="1" noChangeAspect="1"/>
+          </p:cNvSpPr>
+          <p:nvPr>
+            <p:ph type="sldImg"/>
+          </p:nvPr>
+        </p:nvSpPr>
+        <p:spPr/>
+      </p:sp>
+      <p:sp>
+        <p:nvSpPr>
+          <p:cNvPr id="3" name="Notes Placeholder 2"/>
+          <p:cNvSpPr>
+            <a:spLocks noGrp="1"/>
+          </p:cNvSpPr>
+          <p:nvPr>
+            <p:ph type="body" idx="1"/>
+          </p:nvPr>
+        </p:nvSpPr>
+        <p:spPr/>
+        <p:txBody>
+          <a:bodyPr/>
+          <a:lstStyle/>
+          <a:p>
+            <a:r>
+              <a:rPr lang="en-US" dirty="0" smtClean="0"/>
+              <a:t>I </a:t>
+            </a:r>
+            <a:r>
+              <a:rPr lang="en-US" dirty="0" err="1" smtClean="0"/>
+              <a:t>experimenten</a:t>
+            </a:r>
+            <a:r>
+              <a:rPr lang="en-US" baseline="0" dirty="0" err="1" smtClean="0"/>
+              <a:t>ten</a:t>
+            </a:r>
+            <a:r>
+              <a:rPr lang="en-US" baseline="0" dirty="0" smtClean="0"/>
+              <a:t> </a:t>
+            </a:r>
+            <a:r>
+              <a:rPr lang="en-US" baseline="0" dirty="0" err="1" smtClean="0"/>
+              <a:t>har</a:t>
+            </a:r>
+            <a:r>
+              <a:rPr lang="en-US" baseline="0" dirty="0" smtClean="0"/>
+              <a:t> </a:t>
+            </a:r>
+            <a:r>
+              <a:rPr lang="en-US" baseline="0" dirty="0" err="1" smtClean="0"/>
+              <a:t>ett</a:t>
+            </a:r>
+            <a:r>
+              <a:rPr lang="en-US" baseline="0" dirty="0" smtClean="0"/>
+              <a:t> cluster </a:t>
+            </a:r>
+            <a:r>
+              <a:rPr lang="en-US" baseline="0" dirty="0" err="1" smtClean="0"/>
+              <a:t>på</a:t>
+            </a:r>
+            <a:r>
+              <a:rPr lang="en-US" baseline="0" dirty="0" smtClean="0"/>
+              <a:t> 6 </a:t>
+            </a:r>
+            <a:r>
+              <a:rPr lang="en-US" baseline="0" dirty="0" err="1" smtClean="0"/>
+              <a:t>servrar</a:t>
+            </a:r>
+            <a:r>
+              <a:rPr lang="en-US" baseline="0" dirty="0" smtClean="0"/>
+              <a:t> </a:t>
+            </a:r>
+            <a:r>
+              <a:rPr lang="en-US" baseline="0" dirty="0" err="1" smtClean="0"/>
+              <a:t>använts</a:t>
+            </a:r>
+            <a:r>
+              <a:rPr lang="en-US" baseline="0" dirty="0" smtClean="0"/>
+              <a:t>.</a:t>
+            </a:r>
+          </a:p>
+          <a:p>
+            <a:endParaRPr lang="en-US" baseline="0" dirty="0" smtClean="0"/>
+          </a:p>
+          <a:p>
+            <a:r>
+              <a:rPr lang="en-US" baseline="0" dirty="0" err="1" smtClean="0"/>
+              <a:t>På</a:t>
+            </a:r>
+            <a:r>
+              <a:rPr lang="en-US" baseline="0" dirty="0" smtClean="0"/>
+              <a:t> </a:t>
+            </a:r>
+            <a:r>
+              <a:rPr lang="en-US" baseline="0" dirty="0" err="1" smtClean="0"/>
+              <a:t>dessa</a:t>
+            </a:r>
+            <a:r>
+              <a:rPr lang="en-US" baseline="0" dirty="0" smtClean="0"/>
+              <a:t> </a:t>
+            </a:r>
+            <a:r>
+              <a:rPr lang="en-US" baseline="0" dirty="0" err="1" smtClean="0"/>
+              <a:t>servrar</a:t>
+            </a:r>
+            <a:r>
+              <a:rPr lang="en-US" baseline="0" dirty="0" smtClean="0"/>
+              <a:t> </a:t>
+            </a:r>
+            <a:r>
+              <a:rPr lang="en-US" baseline="0" dirty="0" err="1" smtClean="0"/>
+              <a:t>startades</a:t>
+            </a:r>
+            <a:r>
+              <a:rPr lang="en-US" baseline="0" dirty="0" smtClean="0"/>
+              <a:t> en </a:t>
+            </a:r>
+            <a:r>
+              <a:rPr lang="en-US" baseline="0" dirty="0" err="1" smtClean="0"/>
+              <a:t>eller</a:t>
+            </a:r>
+            <a:r>
+              <a:rPr lang="en-US" baseline="0" dirty="0" smtClean="0"/>
+              <a:t> </a:t>
+            </a:r>
+            <a:r>
+              <a:rPr lang="en-US" baseline="0" dirty="0" err="1" smtClean="0"/>
+              <a:t>flera</a:t>
+            </a:r>
+            <a:r>
+              <a:rPr lang="en-US" baseline="0" dirty="0" smtClean="0"/>
+              <a:t> </a:t>
+            </a:r>
+            <a:r>
+              <a:rPr lang="en-US" baseline="0" dirty="0" err="1" smtClean="0"/>
+              <a:t>Clavin</a:t>
+            </a:r>
+            <a:r>
+              <a:rPr lang="en-US" baseline="0" dirty="0" smtClean="0"/>
+              <a:t> runtimes, </a:t>
+            </a:r>
+            <a:r>
+              <a:rPr lang="en-US" baseline="0" dirty="0" err="1" smtClean="0"/>
+              <a:t>beroende</a:t>
+            </a:r>
+            <a:r>
+              <a:rPr lang="en-US" baseline="0" dirty="0" smtClean="0"/>
+              <a:t> </a:t>
+            </a:r>
+            <a:r>
+              <a:rPr lang="en-US" baseline="0" dirty="0" err="1" smtClean="0"/>
+              <a:t>på</a:t>
+            </a:r>
+            <a:r>
+              <a:rPr lang="en-US" baseline="0" dirty="0" smtClean="0"/>
+              <a:t> test. </a:t>
+            </a:r>
+            <a:r>
+              <a:rPr lang="en-US" baseline="0" dirty="0" err="1" smtClean="0"/>
+              <a:t>Varje</a:t>
+            </a:r>
+            <a:r>
+              <a:rPr lang="en-US" baseline="0" dirty="0" smtClean="0"/>
+              <a:t> runtime </a:t>
+            </a:r>
+            <a:r>
+              <a:rPr lang="en-US" baseline="0" dirty="0" err="1" smtClean="0"/>
+              <a:t>simulerade</a:t>
+            </a:r>
+            <a:r>
+              <a:rPr lang="en-US" baseline="0" dirty="0" smtClean="0"/>
+              <a:t> </a:t>
+            </a:r>
+            <a:r>
+              <a:rPr lang="en-US" baseline="0" dirty="0" err="1" smtClean="0"/>
+              <a:t>därför</a:t>
+            </a:r>
+            <a:r>
+              <a:rPr lang="en-US" baseline="0" dirty="0" smtClean="0"/>
+              <a:t> en nod.</a:t>
+            </a:r>
+          </a:p>
+          <a:p>
+            <a:endParaRPr lang="en-US" baseline="0" dirty="0" smtClean="0"/>
+          </a:p>
+          <a:p>
+            <a:r>
+              <a:rPr lang="en-US" baseline="0" dirty="0" smtClean="0"/>
+              <a:t>Nod failures </a:t>
+            </a:r>
+            <a:r>
+              <a:rPr lang="en-US" baseline="0" dirty="0" err="1" smtClean="0"/>
+              <a:t>simulerades</a:t>
+            </a:r>
+            <a:r>
+              <a:rPr lang="en-US" baseline="0" dirty="0" smtClean="0"/>
+              <a:t> </a:t>
+            </a:r>
+            <a:r>
+              <a:rPr lang="en-US" baseline="0" dirty="0" err="1" smtClean="0"/>
+              <a:t>genom</a:t>
+            </a:r>
+            <a:r>
+              <a:rPr lang="en-US" baseline="0" dirty="0" smtClean="0"/>
+              <a:t> </a:t>
+            </a:r>
+            <a:r>
+              <a:rPr lang="en-US" baseline="0" dirty="0" err="1" smtClean="0"/>
+              <a:t>att</a:t>
+            </a:r>
+            <a:r>
+              <a:rPr lang="en-US" baseline="0" dirty="0" smtClean="0"/>
+              <a:t> </a:t>
+            </a:r>
+            <a:r>
+              <a:rPr lang="en-US" baseline="0" dirty="0" err="1" smtClean="0"/>
+              <a:t>döda</a:t>
+            </a:r>
+            <a:r>
+              <a:rPr lang="en-US" baseline="0" dirty="0" smtClean="0"/>
+              <a:t> </a:t>
+            </a:r>
+            <a:r>
+              <a:rPr lang="en-US" baseline="0" dirty="0" err="1" smtClean="0"/>
+              <a:t>ett</a:t>
+            </a:r>
+            <a:r>
+              <a:rPr lang="en-US" baseline="0" dirty="0" smtClean="0"/>
+              <a:t> runtime </a:t>
+            </a:r>
+            <a:r>
+              <a:rPr lang="en-US" baseline="0" dirty="0" err="1" smtClean="0"/>
+              <a:t>och</a:t>
+            </a:r>
+            <a:r>
+              <a:rPr lang="en-US" baseline="0" dirty="0" smtClean="0"/>
+              <a:t> </a:t>
+            </a:r>
+            <a:r>
+              <a:rPr lang="en-US" baseline="0" dirty="0" err="1" smtClean="0"/>
+              <a:t>starta</a:t>
+            </a:r>
+            <a:r>
+              <a:rPr lang="en-US" baseline="0" dirty="0" smtClean="0"/>
+              <a:t> </a:t>
+            </a:r>
+            <a:r>
+              <a:rPr lang="en-US" baseline="0" dirty="0" err="1" smtClean="0"/>
+              <a:t>det</a:t>
+            </a:r>
+            <a:r>
+              <a:rPr lang="en-US" baseline="0" dirty="0" smtClean="0"/>
+              <a:t> </a:t>
+            </a:r>
+            <a:r>
+              <a:rPr lang="en-US" baseline="0" dirty="0" err="1" smtClean="0"/>
+              <a:t>igen</a:t>
+            </a:r>
+            <a:r>
+              <a:rPr lang="en-US" baseline="0" dirty="0" smtClean="0"/>
+              <a:t>. </a:t>
+            </a:r>
+            <a:r>
+              <a:rPr lang="en-US" baseline="0" dirty="0" err="1" smtClean="0"/>
+              <a:t>På</a:t>
+            </a:r>
+            <a:r>
+              <a:rPr lang="en-US" baseline="0" dirty="0" smtClean="0"/>
+              <a:t> </a:t>
+            </a:r>
+            <a:r>
+              <a:rPr lang="en-US" baseline="0" dirty="0" err="1" smtClean="0"/>
+              <a:t>så</a:t>
+            </a:r>
+            <a:r>
+              <a:rPr lang="en-US" baseline="0" dirty="0" smtClean="0"/>
+              <a:t> </a:t>
+            </a:r>
+            <a:r>
+              <a:rPr lang="en-US" baseline="0" dirty="0" err="1" smtClean="0"/>
+              <a:t>vis</a:t>
+            </a:r>
+            <a:r>
+              <a:rPr lang="en-US" baseline="0" dirty="0" smtClean="0"/>
+              <a:t> </a:t>
+            </a:r>
+            <a:r>
+              <a:rPr lang="en-US" baseline="0" dirty="0" err="1" smtClean="0"/>
+              <a:t>kunde</a:t>
+            </a:r>
+            <a:r>
+              <a:rPr lang="en-US" baseline="0" dirty="0" smtClean="0"/>
+              <a:t> vi </a:t>
+            </a:r>
+            <a:r>
+              <a:rPr lang="en-US" baseline="0" dirty="0" err="1" smtClean="0"/>
+              <a:t>även</a:t>
+            </a:r>
+            <a:r>
+              <a:rPr lang="en-US" baseline="0" dirty="0" smtClean="0"/>
+              <a:t> </a:t>
+            </a:r>
+            <a:r>
+              <a:rPr lang="en-US" baseline="0" dirty="0" err="1" smtClean="0"/>
+              <a:t>styra</a:t>
+            </a:r>
+            <a:r>
+              <a:rPr lang="en-US" baseline="0" dirty="0" smtClean="0"/>
+              <a:t> </a:t>
+            </a:r>
+            <a:r>
+              <a:rPr lang="en-US" baseline="0" dirty="0" err="1" smtClean="0"/>
+              <a:t>och</a:t>
+            </a:r>
+            <a:r>
+              <a:rPr lang="en-US" baseline="0" dirty="0" smtClean="0"/>
+              <a:t> </a:t>
+            </a:r>
+            <a:r>
+              <a:rPr lang="en-US" baseline="0" dirty="0" err="1" smtClean="0"/>
+              <a:t>ge</a:t>
+            </a:r>
+            <a:r>
+              <a:rPr lang="en-US" baseline="0" dirty="0" smtClean="0"/>
+              <a:t> </a:t>
+            </a:r>
+            <a:r>
+              <a:rPr lang="en-US" baseline="0" dirty="0" err="1" smtClean="0"/>
+              <a:t>olika</a:t>
+            </a:r>
+            <a:r>
+              <a:rPr lang="en-US" baseline="0" dirty="0" smtClean="0"/>
+              <a:t> </a:t>
+            </a:r>
+            <a:r>
+              <a:rPr lang="en-US" baseline="0" dirty="0" err="1" smtClean="0"/>
+              <a:t>noder</a:t>
+            </a:r>
+            <a:r>
+              <a:rPr lang="en-US" baseline="0" dirty="0" smtClean="0"/>
+              <a:t> </a:t>
+            </a:r>
+            <a:r>
+              <a:rPr lang="en-US" baseline="0" dirty="0" err="1" smtClean="0"/>
+              <a:t>olika</a:t>
+            </a:r>
+            <a:r>
+              <a:rPr lang="en-US" baseline="0" dirty="0" smtClean="0"/>
+              <a:t> </a:t>
+            </a:r>
+            <a:r>
+              <a:rPr lang="en-US" baseline="0" dirty="0" err="1" smtClean="0"/>
+              <a:t>hög</a:t>
+            </a:r>
+            <a:r>
+              <a:rPr lang="en-US" baseline="0" dirty="0" smtClean="0"/>
+              <a:t> failure rate.</a:t>
+            </a:r>
+            <a:endParaRPr lang="en-US" dirty="0"/>
+          </a:p>
+        </p:txBody>
+      </p:sp>
+      <p:sp>
+        <p:nvSpPr>
+          <p:cNvPr id="4" name="Slide Number Placeholder 3"/>
+          <p:cNvSpPr>
+            <a:spLocks noGrp="1"/>
+          </p:cNvSpPr>
+          <p:nvPr>
+            <p:ph type="sldNum" sz="quarter" idx="10"/>
+          </p:nvPr>
+        </p:nvSpPr>
+        <p:spPr/>
+        <p:txBody>
+          <a:bodyPr/>
+          <a:lstStyle/>
+          <a:p>
+            <a:fld id="{100650DF-8CBF-0341-B1F9-47D0C0CD302F}" type="slidenum">
+              <a:rPr lang="en-US" smtClean="0"/>
+              <a:t>41</a:t>
+            </a:fld>
+       